--- a/slide/tsdm.pptx
+++ b/slide/tsdm.pptx
@@ -16,6 +16,12 @@
     <p:sldId id="264" r:id="rId10"/>
     <p:sldId id="267" r:id="rId11"/>
     <p:sldId id="266" r:id="rId12"/>
+    <p:sldId id="268" r:id="rId13"/>
+    <p:sldId id="269" r:id="rId14"/>
+    <p:sldId id="270" r:id="rId15"/>
+    <p:sldId id="271" r:id="rId16"/>
+    <p:sldId id="272" r:id="rId17"/>
+    <p:sldId id="273" r:id="rId18"/>
   </p:sldIdLst>
   <p:sldSz cx="12192000" cy="6858000"/>
   <p:notesSz cx="6858000" cy="9144000"/>
@@ -8110,27 +8116,34 @@
               <a:rPr lang="en-US" dirty="0"/>
               <a:t>Three time series clustering approaches: </a:t>
             </a:r>
+            <a:endParaRPr lang="en-US" dirty="0" smtClean="0"/>
           </a:p>
           <a:p>
             <a:pPr lvl="1"/>
             <a:r>
+              <a:rPr lang="en-US" dirty="0" smtClean="0"/>
+              <a:t>feature-based</a:t>
+            </a:r>
+            <a:endParaRPr lang="en-US" dirty="0"/>
+          </a:p>
+          <a:p>
+            <a:pPr lvl="1"/>
+            <a:r>
               <a:rPr lang="en-US" dirty="0"/>
-              <a:t>raw-data-based</a:t>
+              <a:t>sequence distance </a:t>
+            </a:r>
+            <a:r>
+              <a:rPr lang="en-US" dirty="0" smtClean="0"/>
+              <a:t>based</a:t>
             </a:r>
           </a:p>
           <a:p>
             <a:pPr lvl="1"/>
             <a:r>
-              <a:rPr lang="en-US" dirty="0"/>
-              <a:t>feature-based</a:t>
-            </a:r>
-          </a:p>
-          <a:p>
-            <a:pPr lvl="1"/>
-            <a:r>
-              <a:rPr lang="en-US"/>
+              <a:rPr lang="en-US" dirty="0" smtClean="0"/>
               <a:t>model-based</a:t>
             </a:r>
+            <a:endParaRPr lang="en-US" dirty="0"/>
           </a:p>
           <a:p>
             <a:endParaRPr lang="en-US" dirty="0"/>
@@ -8154,6 +8167,818 @@
       </p:par>
     </p:tnLst>
   </p:timing>
+</p:sld>
+</file>
+
+<file path=ppt/slides/slide12.xml><?xml version="1.0" encoding="utf-8"?>
+<p:sld xmlns:a="http://schemas.openxmlformats.org/drawingml/2006/main" xmlns:r="http://schemas.openxmlformats.org/officeDocument/2006/relationships" xmlns:p="http://schemas.openxmlformats.org/presentationml/2006/main">
+  <p:cSld>
+    <p:spTree>
+      <p:nvGrpSpPr>
+        <p:cNvPr id="1" name=""/>
+        <p:cNvGrpSpPr/>
+        <p:nvPr/>
+      </p:nvGrpSpPr>
+      <p:grpSpPr>
+        <a:xfrm>
+          <a:off x="0" y="0"/>
+          <a:ext cx="0" cy="0"/>
+          <a:chOff x="0" y="0"/>
+          <a:chExt cx="0" cy="0"/>
+        </a:xfrm>
+      </p:grpSpPr>
+      <p:sp>
+        <p:nvSpPr>
+          <p:cNvPr id="2" name="Title 1"/>
+          <p:cNvSpPr>
+            <a:spLocks noGrp="1"/>
+          </p:cNvSpPr>
+          <p:nvPr>
+            <p:ph type="title"/>
+          </p:nvPr>
+        </p:nvSpPr>
+        <p:spPr/>
+        <p:txBody>
+          <a:bodyPr/>
+          <a:lstStyle/>
+          <a:p>
+            <a:pPr algn="ctr"/>
+            <a:r>
+              <a:rPr lang="en-US" altLang="zh-CN" dirty="0" smtClean="0"/>
+              <a:t>Feature Based Classification</a:t>
+            </a:r>
+            <a:endParaRPr lang="en-US" dirty="0"/>
+          </a:p>
+        </p:txBody>
+      </p:sp>
+      <p:sp>
+        <p:nvSpPr>
+          <p:cNvPr id="3" name="Content Placeholder 2"/>
+          <p:cNvSpPr>
+            <a:spLocks noGrp="1"/>
+          </p:cNvSpPr>
+          <p:nvPr>
+            <p:ph idx="1"/>
+          </p:nvPr>
+        </p:nvSpPr>
+        <p:spPr/>
+        <p:txBody>
+          <a:bodyPr>
+            <a:normAutofit fontScale="92500" lnSpcReduction="10000"/>
+          </a:bodyPr>
+          <a:lstStyle/>
+          <a:p>
+            <a:r>
+              <a:rPr lang="en-US" altLang="zh-CN" dirty="0" smtClean="0"/>
+              <a:t>D</a:t>
+            </a:r>
+            <a:r>
+              <a:rPr lang="en-US" dirty="0" smtClean="0"/>
+              <a:t>iscrete symbolic:</a:t>
+            </a:r>
+          </a:p>
+          <a:p>
+            <a:pPr lvl="1"/>
+            <a:r>
+              <a:rPr lang="en-US" dirty="0"/>
+              <a:t>k-gram based </a:t>
+            </a:r>
+            <a:endParaRPr lang="en-US" dirty="0" smtClean="0"/>
+          </a:p>
+          <a:p>
+            <a:pPr lvl="1"/>
+            <a:r>
+              <a:rPr lang="en-US" dirty="0" smtClean="0"/>
+              <a:t>pattern-based (define pattern criterion)</a:t>
+            </a:r>
+          </a:p>
+          <a:p>
+            <a:pPr lvl="1"/>
+            <a:r>
+              <a:rPr lang="en-US" dirty="0"/>
+              <a:t>feature </a:t>
+            </a:r>
+            <a:r>
+              <a:rPr lang="en-US" dirty="0" smtClean="0"/>
+              <a:t>mining </a:t>
+            </a:r>
+          </a:p>
+          <a:p>
+            <a:r>
+              <a:rPr lang="en-US" dirty="0" smtClean="0"/>
+              <a:t>Real value:</a:t>
+            </a:r>
+          </a:p>
+          <a:p>
+            <a:pPr lvl="1"/>
+            <a:r>
+              <a:rPr lang="en-US" dirty="0"/>
+              <a:t>Time series </a:t>
+            </a:r>
+            <a:r>
+              <a:rPr lang="en-US" dirty="0" err="1" smtClean="0"/>
+              <a:t>shapelets</a:t>
+            </a:r>
+            <a:endParaRPr lang="en-US" dirty="0" smtClean="0"/>
+          </a:p>
+          <a:p>
+            <a:pPr lvl="1"/>
+            <a:r>
+              <a:rPr lang="en-US" dirty="0"/>
+              <a:t>wavelet </a:t>
+            </a:r>
+            <a:r>
+              <a:rPr lang="en-US" dirty="0" smtClean="0"/>
+              <a:t>decomposition</a:t>
+            </a:r>
+          </a:p>
+          <a:p>
+            <a:r>
+              <a:rPr lang="en-US" dirty="0" smtClean="0"/>
+              <a:t>Classifier:</a:t>
+            </a:r>
+          </a:p>
+          <a:p>
+            <a:pPr lvl="1"/>
+            <a:r>
+              <a:rPr lang="en-US" dirty="0" smtClean="0"/>
+              <a:t>Naive Bayes</a:t>
+            </a:r>
+          </a:p>
+          <a:p>
+            <a:pPr lvl="1"/>
+            <a:r>
+              <a:rPr lang="en-US" dirty="0" smtClean="0"/>
+              <a:t>SVM</a:t>
+            </a:r>
+          </a:p>
+          <a:p>
+            <a:pPr lvl="1"/>
+            <a:r>
+              <a:rPr lang="en-US" dirty="0" smtClean="0"/>
+              <a:t>Neural networks</a:t>
+            </a:r>
+          </a:p>
+          <a:p>
+            <a:endParaRPr lang="en-US" dirty="0"/>
+          </a:p>
+        </p:txBody>
+      </p:sp>
+    </p:spTree>
+    <p:extLst>
+      <p:ext uri="{BB962C8B-B14F-4D97-AF65-F5344CB8AC3E}">
+        <p14:creationId xmlns:p14="http://schemas.microsoft.com/office/powerpoint/2010/main" val="3743611352"/>
+      </p:ext>
+    </p:extLst>
+  </p:cSld>
+  <p:clrMapOvr>
+    <a:masterClrMapping/>
+  </p:clrMapOvr>
+</p:sld>
+</file>
+
+<file path=ppt/slides/slide13.xml><?xml version="1.0" encoding="utf-8"?>
+<p:sld xmlns:a="http://schemas.openxmlformats.org/drawingml/2006/main" xmlns:r="http://schemas.openxmlformats.org/officeDocument/2006/relationships" xmlns:p="http://schemas.openxmlformats.org/presentationml/2006/main">
+  <p:cSld>
+    <p:spTree>
+      <p:nvGrpSpPr>
+        <p:cNvPr id="1" name=""/>
+        <p:cNvGrpSpPr/>
+        <p:nvPr/>
+      </p:nvGrpSpPr>
+      <p:grpSpPr>
+        <a:xfrm>
+          <a:off x="0" y="0"/>
+          <a:ext cx="0" cy="0"/>
+          <a:chOff x="0" y="0"/>
+          <a:chExt cx="0" cy="0"/>
+        </a:xfrm>
+      </p:grpSpPr>
+      <p:sp>
+        <p:nvSpPr>
+          <p:cNvPr id="2" name="Title 1"/>
+          <p:cNvSpPr>
+            <a:spLocks noGrp="1"/>
+          </p:cNvSpPr>
+          <p:nvPr>
+            <p:ph type="title"/>
+          </p:nvPr>
+        </p:nvSpPr>
+        <p:spPr/>
+        <p:txBody>
+          <a:bodyPr/>
+          <a:lstStyle/>
+          <a:p>
+            <a:pPr algn="ctr"/>
+            <a:r>
+              <a:rPr lang="en-US" dirty="0"/>
+              <a:t>Sequence Distance Based Classification</a:t>
+            </a:r>
+          </a:p>
+        </p:txBody>
+      </p:sp>
+      <p:sp>
+        <p:nvSpPr>
+          <p:cNvPr id="3" name="Content Placeholder 2"/>
+          <p:cNvSpPr>
+            <a:spLocks noGrp="1"/>
+          </p:cNvSpPr>
+          <p:nvPr>
+            <p:ph idx="1"/>
+          </p:nvPr>
+        </p:nvSpPr>
+        <p:spPr/>
+        <p:txBody>
+          <a:bodyPr/>
+          <a:lstStyle/>
+          <a:p>
+            <a:r>
+              <a:rPr lang="en-US" dirty="0" smtClean="0"/>
+              <a:t>Similarity measure</a:t>
+            </a:r>
+          </a:p>
+          <a:p>
+            <a:pPr lvl="1"/>
+            <a:r>
+              <a:rPr lang="en-US" dirty="0"/>
+              <a:t>Euclidean </a:t>
+            </a:r>
+            <a:r>
+              <a:rPr lang="en-US" dirty="0" smtClean="0"/>
+              <a:t>distance</a:t>
+            </a:r>
+          </a:p>
+          <a:p>
+            <a:pPr lvl="1"/>
+            <a:r>
+              <a:rPr lang="en-US" dirty="0" smtClean="0"/>
+              <a:t>DTW/Fast DTW</a:t>
+            </a:r>
+          </a:p>
+          <a:p>
+            <a:pPr lvl="1"/>
+            <a:r>
+              <a:rPr lang="en-US" dirty="0" smtClean="0"/>
+              <a:t>Alignment </a:t>
+            </a:r>
+            <a:r>
+              <a:rPr lang="en-US" dirty="0"/>
+              <a:t>based </a:t>
+            </a:r>
+            <a:r>
+              <a:rPr lang="en-US" dirty="0" smtClean="0"/>
+              <a:t>distances for symbolic sequences</a:t>
+            </a:r>
+          </a:p>
+          <a:p>
+            <a:pPr lvl="2"/>
+            <a:r>
+              <a:rPr lang="en-US" dirty="0"/>
+              <a:t>Global alignment: </a:t>
+            </a:r>
+            <a:r>
+              <a:rPr lang="en-US" dirty="0" smtClean="0"/>
+              <a:t>Needleman-</a:t>
+            </a:r>
+            <a:r>
+              <a:rPr lang="en-US" dirty="0" err="1" smtClean="0"/>
+              <a:t>Wunsch</a:t>
+            </a:r>
+            <a:r>
+              <a:rPr lang="en-US" dirty="0" smtClean="0"/>
+              <a:t> Algorithm</a:t>
+            </a:r>
+          </a:p>
+          <a:p>
+            <a:pPr lvl="2"/>
+            <a:r>
+              <a:rPr lang="en-US" dirty="0"/>
+              <a:t>Local alignment: </a:t>
+            </a:r>
+            <a:r>
+              <a:rPr lang="en-US" dirty="0" smtClean="0"/>
+              <a:t>Smith-Waterman Algorithm, BLAST, BLAT</a:t>
+            </a:r>
+          </a:p>
+          <a:p>
+            <a:r>
+              <a:rPr lang="en-US" dirty="0" smtClean="0"/>
+              <a:t>Classifiers:</a:t>
+            </a:r>
+          </a:p>
+          <a:p>
+            <a:pPr lvl="1"/>
+            <a:r>
+              <a:rPr lang="en-US" dirty="0" smtClean="0"/>
+              <a:t>KNN</a:t>
+            </a:r>
+          </a:p>
+          <a:p>
+            <a:pPr lvl="1"/>
+            <a:r>
+              <a:rPr lang="en-US" dirty="0" smtClean="0"/>
+              <a:t>SVM with particular </a:t>
+            </a:r>
+            <a:r>
+              <a:rPr lang="en-US" dirty="0" err="1" smtClean="0"/>
+              <a:t>kenels</a:t>
+            </a:r>
+            <a:endParaRPr lang="en-US" dirty="0"/>
+          </a:p>
+        </p:txBody>
+      </p:sp>
+    </p:spTree>
+    <p:extLst>
+      <p:ext uri="{BB962C8B-B14F-4D97-AF65-F5344CB8AC3E}">
+        <p14:creationId xmlns:p14="http://schemas.microsoft.com/office/powerpoint/2010/main" val="1646845806"/>
+      </p:ext>
+    </p:extLst>
+  </p:cSld>
+  <p:clrMapOvr>
+    <a:masterClrMapping/>
+  </p:clrMapOvr>
+</p:sld>
+</file>
+
+<file path=ppt/slides/slide14.xml><?xml version="1.0" encoding="utf-8"?>
+<p:sld xmlns:a="http://schemas.openxmlformats.org/drawingml/2006/main" xmlns:r="http://schemas.openxmlformats.org/officeDocument/2006/relationships" xmlns:p="http://schemas.openxmlformats.org/presentationml/2006/main">
+  <p:cSld>
+    <p:spTree>
+      <p:nvGrpSpPr>
+        <p:cNvPr id="1" name=""/>
+        <p:cNvGrpSpPr/>
+        <p:nvPr/>
+      </p:nvGrpSpPr>
+      <p:grpSpPr>
+        <a:xfrm>
+          <a:off x="0" y="0"/>
+          <a:ext cx="0" cy="0"/>
+          <a:chOff x="0" y="0"/>
+          <a:chExt cx="0" cy="0"/>
+        </a:xfrm>
+      </p:grpSpPr>
+      <p:sp>
+        <p:nvSpPr>
+          <p:cNvPr id="2" name="Title 1"/>
+          <p:cNvSpPr>
+            <a:spLocks noGrp="1"/>
+          </p:cNvSpPr>
+          <p:nvPr>
+            <p:ph type="title"/>
+          </p:nvPr>
+        </p:nvSpPr>
+        <p:spPr/>
+        <p:txBody>
+          <a:bodyPr/>
+          <a:lstStyle/>
+          <a:p>
+            <a:pPr algn="ctr"/>
+            <a:r>
+              <a:rPr lang="en-US" dirty="0" smtClean="0"/>
+              <a:t>Model Based Classification</a:t>
+            </a:r>
+            <a:endParaRPr lang="en-US" dirty="0"/>
+          </a:p>
+        </p:txBody>
+      </p:sp>
+      <p:sp>
+        <p:nvSpPr>
+          <p:cNvPr id="3" name="Content Placeholder 2"/>
+          <p:cNvSpPr>
+            <a:spLocks noGrp="1"/>
+          </p:cNvSpPr>
+          <p:nvPr>
+            <p:ph idx="1"/>
+          </p:nvPr>
+        </p:nvSpPr>
+        <p:spPr/>
+        <p:txBody>
+          <a:bodyPr/>
+          <a:lstStyle/>
+          <a:p>
+            <a:r>
+              <a:rPr lang="en-US" dirty="0"/>
+              <a:t>Assumption: sequences in a class </a:t>
+            </a:r>
+            <a:r>
+              <a:rPr lang="en-US" dirty="0" smtClean="0"/>
+              <a:t>are generated </a:t>
+            </a:r>
+            <a:r>
+              <a:rPr lang="en-US" dirty="0"/>
+              <a:t>by an underlying model </a:t>
+            </a:r>
+            <a:r>
+              <a:rPr lang="en-US" dirty="0" smtClean="0"/>
+              <a:t>M. Given </a:t>
+            </a:r>
+            <a:r>
+              <a:rPr lang="en-US" dirty="0"/>
+              <a:t>a class of </a:t>
+            </a:r>
+            <a:r>
+              <a:rPr lang="en-US" dirty="0" smtClean="0"/>
+              <a:t>sequences</a:t>
+            </a:r>
+            <a:r>
+              <a:rPr lang="en-US" dirty="0"/>
+              <a:t>, </a:t>
+            </a:r>
+            <a:r>
+              <a:rPr lang="en-US" i="1" dirty="0"/>
+              <a:t>M </a:t>
+            </a:r>
+            <a:r>
+              <a:rPr lang="en-US" dirty="0"/>
+              <a:t>models the probability distribution of the </a:t>
+            </a:r>
+            <a:r>
+              <a:rPr lang="en-US" dirty="0" smtClean="0"/>
+              <a:t>sequences </a:t>
+            </a:r>
+            <a:r>
+              <a:rPr lang="en-US" dirty="0"/>
+              <a:t>in the </a:t>
+            </a:r>
+            <a:r>
+              <a:rPr lang="en-US" dirty="0" smtClean="0"/>
+              <a:t>class.</a:t>
+            </a:r>
+          </a:p>
+          <a:p>
+            <a:r>
+              <a:rPr lang="en-US" dirty="0" smtClean="0"/>
+              <a:t>General process</a:t>
+            </a:r>
+          </a:p>
+          <a:p>
+            <a:pPr lvl="1"/>
+            <a:r>
+              <a:rPr lang="en-US" dirty="0" smtClean="0"/>
+              <a:t>Training step: Learn parameters </a:t>
+            </a:r>
+            <a:r>
+              <a:rPr lang="en-US" dirty="0"/>
+              <a:t>for model M</a:t>
+            </a:r>
+          </a:p>
+          <a:p>
+            <a:pPr lvl="1"/>
+            <a:r>
+              <a:rPr lang="en-US" dirty="0" smtClean="0"/>
+              <a:t>classification step: Assign a </a:t>
+            </a:r>
+            <a:r>
+              <a:rPr lang="en-US" dirty="0"/>
+              <a:t>new </a:t>
+            </a:r>
+            <a:r>
+              <a:rPr lang="en-US" dirty="0" smtClean="0"/>
+              <a:t>sequence to the </a:t>
+            </a:r>
+            <a:r>
+              <a:rPr lang="en-US" dirty="0"/>
+              <a:t>class with the highest </a:t>
+            </a:r>
+            <a:r>
+              <a:rPr lang="en-US" dirty="0" smtClean="0"/>
+              <a:t>likelihood</a:t>
+            </a:r>
+            <a:r>
+              <a:rPr lang="en-US" dirty="0"/>
+              <a:t>.</a:t>
+            </a:r>
+            <a:endParaRPr lang="en-US" dirty="0" smtClean="0"/>
+          </a:p>
+          <a:p>
+            <a:r>
+              <a:rPr lang="en-US" dirty="0" smtClean="0"/>
+              <a:t>Generative models:</a:t>
+            </a:r>
+          </a:p>
+          <a:p>
+            <a:pPr lvl="1"/>
+            <a:r>
+              <a:rPr lang="en-US" dirty="0"/>
+              <a:t>Naive </a:t>
+            </a:r>
+            <a:r>
+              <a:rPr lang="en-US" dirty="0" smtClean="0"/>
+              <a:t>Bayes</a:t>
+            </a:r>
+          </a:p>
+          <a:p>
+            <a:pPr lvl="1"/>
+            <a:r>
+              <a:rPr lang="en-US" i="1" dirty="0"/>
+              <a:t>k</a:t>
+            </a:r>
+            <a:r>
+              <a:rPr lang="en-US" dirty="0"/>
+              <a:t>-order </a:t>
+            </a:r>
+            <a:r>
+              <a:rPr lang="en-US" dirty="0" smtClean="0"/>
+              <a:t>Markov</a:t>
+            </a:r>
+          </a:p>
+          <a:p>
+            <a:pPr lvl="1"/>
+            <a:r>
+              <a:rPr lang="en-US" dirty="0" smtClean="0"/>
+              <a:t>Profile </a:t>
+            </a:r>
+            <a:r>
+              <a:rPr lang="en-US" dirty="0"/>
+              <a:t>HMM</a:t>
+            </a:r>
+            <a:endParaRPr lang="en-US" dirty="0"/>
+          </a:p>
+        </p:txBody>
+      </p:sp>
+    </p:spTree>
+    <p:extLst>
+      <p:ext uri="{BB962C8B-B14F-4D97-AF65-F5344CB8AC3E}">
+        <p14:creationId xmlns:p14="http://schemas.microsoft.com/office/powerpoint/2010/main" val="793041544"/>
+      </p:ext>
+    </p:extLst>
+  </p:cSld>
+  <p:clrMapOvr>
+    <a:masterClrMapping/>
+  </p:clrMapOvr>
+</p:sld>
+</file>
+
+<file path=ppt/slides/slide15.xml><?xml version="1.0" encoding="utf-8"?>
+<p:sld xmlns:a="http://schemas.openxmlformats.org/drawingml/2006/main" xmlns:r="http://schemas.openxmlformats.org/officeDocument/2006/relationships" xmlns:p="http://schemas.openxmlformats.org/presentationml/2006/main">
+  <p:cSld>
+    <p:spTree>
+      <p:nvGrpSpPr>
+        <p:cNvPr id="1" name=""/>
+        <p:cNvGrpSpPr/>
+        <p:nvPr/>
+      </p:nvGrpSpPr>
+      <p:grpSpPr>
+        <a:xfrm>
+          <a:off x="0" y="0"/>
+          <a:ext cx="0" cy="0"/>
+          <a:chOff x="0" y="0"/>
+          <a:chExt cx="0" cy="0"/>
+        </a:xfrm>
+      </p:grpSpPr>
+      <p:sp>
+        <p:nvSpPr>
+          <p:cNvPr id="2" name="Title 1"/>
+          <p:cNvSpPr>
+            <a:spLocks noGrp="1"/>
+          </p:cNvSpPr>
+          <p:nvPr>
+            <p:ph type="title"/>
+          </p:nvPr>
+        </p:nvSpPr>
+        <p:spPr/>
+        <p:txBody>
+          <a:bodyPr/>
+          <a:lstStyle/>
+          <a:p>
+            <a:pPr algn="ctr"/>
+            <a:r>
+              <a:rPr lang="en-US" dirty="0" smtClean="0"/>
+              <a:t>Segmentation</a:t>
+            </a:r>
+            <a:endParaRPr lang="en-US" dirty="0"/>
+          </a:p>
+        </p:txBody>
+      </p:sp>
+      <p:sp>
+        <p:nvSpPr>
+          <p:cNvPr id="3" name="Content Placeholder 2"/>
+          <p:cNvSpPr>
+            <a:spLocks noGrp="1"/>
+          </p:cNvSpPr>
+          <p:nvPr>
+            <p:ph idx="1"/>
+          </p:nvPr>
+        </p:nvSpPr>
+        <p:spPr/>
+        <p:txBody>
+          <a:bodyPr/>
+          <a:lstStyle/>
+          <a:p>
+            <a:r>
+              <a:rPr lang="en-US" dirty="0" smtClean="0"/>
+              <a:t>Given </a:t>
+            </a:r>
+            <a:r>
+              <a:rPr lang="en-US" dirty="0"/>
+              <a:t>a time series Q containing n data points, construct a model Q’, from K piecewise segments (K&lt;&lt;n) such that Q’ closely approximates Q</a:t>
+            </a:r>
+          </a:p>
+          <a:p>
+            <a:endParaRPr lang="en-US" dirty="0"/>
+          </a:p>
+        </p:txBody>
+      </p:sp>
+    </p:spTree>
+    <p:extLst>
+      <p:ext uri="{BB962C8B-B14F-4D97-AF65-F5344CB8AC3E}">
+        <p14:creationId xmlns:p14="http://schemas.microsoft.com/office/powerpoint/2010/main" val="2066202392"/>
+      </p:ext>
+    </p:extLst>
+  </p:cSld>
+  <p:clrMapOvr>
+    <a:masterClrMapping/>
+  </p:clrMapOvr>
+</p:sld>
+</file>
+
+<file path=ppt/slides/slide16.xml><?xml version="1.0" encoding="utf-8"?>
+<p:sld xmlns:a="http://schemas.openxmlformats.org/drawingml/2006/main" xmlns:r="http://schemas.openxmlformats.org/officeDocument/2006/relationships" xmlns:p="http://schemas.openxmlformats.org/presentationml/2006/main">
+  <p:cSld>
+    <p:spTree>
+      <p:nvGrpSpPr>
+        <p:cNvPr id="1" name=""/>
+        <p:cNvGrpSpPr/>
+        <p:nvPr/>
+      </p:nvGrpSpPr>
+      <p:grpSpPr>
+        <a:xfrm>
+          <a:off x="0" y="0"/>
+          <a:ext cx="0" cy="0"/>
+          <a:chOff x="0" y="0"/>
+          <a:chExt cx="0" cy="0"/>
+        </a:xfrm>
+      </p:grpSpPr>
+      <p:sp>
+        <p:nvSpPr>
+          <p:cNvPr id="2" name="Title 1"/>
+          <p:cNvSpPr>
+            <a:spLocks noGrp="1"/>
+          </p:cNvSpPr>
+          <p:nvPr>
+            <p:ph type="title"/>
+          </p:nvPr>
+        </p:nvSpPr>
+        <p:spPr/>
+        <p:txBody>
+          <a:bodyPr/>
+          <a:lstStyle/>
+          <a:p>
+            <a:pPr algn="ctr"/>
+            <a:r>
+              <a:rPr lang="en-US" dirty="0" smtClean="0"/>
+              <a:t>Prediction</a:t>
+            </a:r>
+            <a:endParaRPr lang="en-US" dirty="0"/>
+          </a:p>
+        </p:txBody>
+      </p:sp>
+      <p:sp>
+        <p:nvSpPr>
+          <p:cNvPr id="3" name="Content Placeholder 2"/>
+          <p:cNvSpPr>
+            <a:spLocks noGrp="1"/>
+          </p:cNvSpPr>
+          <p:nvPr>
+            <p:ph idx="1"/>
+          </p:nvPr>
+        </p:nvSpPr>
+        <p:spPr/>
+        <p:txBody>
+          <a:bodyPr/>
+          <a:lstStyle/>
+          <a:p>
+            <a:r>
+              <a:rPr lang="en-US" dirty="0" smtClean="0"/>
+              <a:t>Find </a:t>
+            </a:r>
+            <a:r>
+              <a:rPr lang="en-US" dirty="0"/>
+              <a:t>unusual </a:t>
+            </a:r>
+            <a:r>
+              <a:rPr lang="en-US" dirty="0" smtClean="0"/>
+              <a:t>subsequences(events) </a:t>
+            </a:r>
+            <a:r>
+              <a:rPr lang="en-US" dirty="0"/>
+              <a:t>of the time series in TSDB under to some similarity/dissimilarity measure D(Q,C).</a:t>
+            </a:r>
+          </a:p>
+          <a:p>
+            <a:endParaRPr lang="en-US" dirty="0"/>
+          </a:p>
+        </p:txBody>
+      </p:sp>
+    </p:spTree>
+    <p:extLst>
+      <p:ext uri="{BB962C8B-B14F-4D97-AF65-F5344CB8AC3E}">
+        <p14:creationId xmlns:p14="http://schemas.microsoft.com/office/powerpoint/2010/main" val="2338510073"/>
+      </p:ext>
+    </p:extLst>
+  </p:cSld>
+  <p:clrMapOvr>
+    <a:masterClrMapping/>
+  </p:clrMapOvr>
+</p:sld>
+</file>
+
+<file path=ppt/slides/slide17.xml><?xml version="1.0" encoding="utf-8"?>
+<p:sld xmlns:a="http://schemas.openxmlformats.org/drawingml/2006/main" xmlns:r="http://schemas.openxmlformats.org/officeDocument/2006/relationships" xmlns:p="http://schemas.openxmlformats.org/presentationml/2006/main">
+  <p:cSld>
+    <p:spTree>
+      <p:nvGrpSpPr>
+        <p:cNvPr id="1" name=""/>
+        <p:cNvGrpSpPr/>
+        <p:nvPr/>
+      </p:nvGrpSpPr>
+      <p:grpSpPr>
+        <a:xfrm>
+          <a:off x="0" y="0"/>
+          <a:ext cx="0" cy="0"/>
+          <a:chOff x="0" y="0"/>
+          <a:chExt cx="0" cy="0"/>
+        </a:xfrm>
+      </p:grpSpPr>
+      <p:sp>
+        <p:nvSpPr>
+          <p:cNvPr id="2" name="Title 1"/>
+          <p:cNvSpPr>
+            <a:spLocks noGrp="1"/>
+          </p:cNvSpPr>
+          <p:nvPr>
+            <p:ph type="title"/>
+          </p:nvPr>
+        </p:nvSpPr>
+        <p:spPr/>
+        <p:txBody>
+          <a:bodyPr/>
+          <a:lstStyle/>
+          <a:p>
+            <a:pPr algn="ctr"/>
+            <a:r>
+              <a:rPr lang="en-US" altLang="zh-CN" dirty="0" smtClean="0"/>
+              <a:t>Regression</a:t>
+            </a:r>
+            <a:endParaRPr lang="en-US" dirty="0"/>
+          </a:p>
+        </p:txBody>
+      </p:sp>
+      <p:sp>
+        <p:nvSpPr>
+          <p:cNvPr id="3" name="Content Placeholder 2"/>
+          <p:cNvSpPr>
+            <a:spLocks noGrp="1"/>
+          </p:cNvSpPr>
+          <p:nvPr>
+            <p:ph idx="1"/>
+          </p:nvPr>
+        </p:nvSpPr>
+        <p:spPr/>
+        <p:txBody>
+          <a:bodyPr/>
+          <a:lstStyle/>
+          <a:p>
+            <a:r>
+              <a:rPr lang="en-US" dirty="0" smtClean="0"/>
+              <a:t>Given </a:t>
+            </a:r>
+            <a:r>
+              <a:rPr lang="en-US" dirty="0"/>
+              <a:t>a query time series </a:t>
+            </a:r>
+            <a:r>
+              <a:rPr lang="en-US" i="1" dirty="0"/>
+              <a:t>t</a:t>
+            </a:r>
+            <a:r>
+              <a:rPr lang="en-US" dirty="0"/>
+              <a:t>, prediction the next certain number of data points of </a:t>
+            </a:r>
+            <a:r>
+              <a:rPr lang="en-US" i="1" dirty="0"/>
+              <a:t>t</a:t>
+            </a:r>
+            <a:r>
+              <a:rPr lang="en-US" dirty="0"/>
+              <a:t>.</a:t>
+            </a:r>
+          </a:p>
+          <a:p>
+            <a:endParaRPr lang="en-US" dirty="0"/>
+          </a:p>
+        </p:txBody>
+      </p:sp>
+    </p:spTree>
+    <p:extLst>
+      <p:ext uri="{BB962C8B-B14F-4D97-AF65-F5344CB8AC3E}">
+        <p14:creationId xmlns:p14="http://schemas.microsoft.com/office/powerpoint/2010/main" val="3976458822"/>
+      </p:ext>
+    </p:extLst>
+  </p:cSld>
+  <p:clrMapOvr>
+    <a:masterClrMapping/>
+  </p:clrMapOvr>
 </p:sld>
 </file>
 
@@ -8672,7 +9497,6 @@
               <a:rPr lang="en-US" dirty="0" smtClean="0"/>
               <a:t>content</a:t>
             </a:r>
-            <a:endParaRPr lang="en-US" dirty="0" smtClean="0"/>
           </a:p>
           <a:p>
             <a:r>
@@ -8685,96 +9509,25 @@
               <a:rPr lang="en-US" dirty="0" smtClean="0"/>
               <a:t>Classification</a:t>
             </a:r>
-            <a:r>
-              <a:rPr lang="en-US" dirty="0"/>
-              <a:t>: Given an unlabeled time series Q, assign it to one of two or more </a:t>
-            </a:r>
+            <a:endParaRPr lang="en-US" dirty="0" smtClean="0"/>
+          </a:p>
+          <a:p>
             <a:r>
               <a:rPr lang="en-US" dirty="0" smtClean="0"/>
-              <a:t>predefined classes</a:t>
-            </a:r>
-          </a:p>
-          <a:p>
-            <a:r>
-              <a:rPr lang="en-US" dirty="0"/>
-              <a:t>Segmentation: Given a time series Q containing n </a:t>
-            </a:r>
-            <a:r>
-              <a:rPr lang="en-US" dirty="0" err="1"/>
-              <a:t>datapoints</a:t>
-            </a:r>
-            <a:r>
-              <a:rPr lang="en-US" dirty="0"/>
-              <a:t>, construct a model </a:t>
-            </a:r>
+              <a:t>Segmentation</a:t>
+            </a:r>
+          </a:p>
+          <a:p>
             <a:r>
               <a:rPr lang="en-US" dirty="0" smtClean="0"/>
-              <a:t>Q’, from K </a:t>
-            </a:r>
-            <a:r>
-              <a:rPr lang="en-US" dirty="0"/>
-              <a:t>piecewise segments (</a:t>
-            </a:r>
-            <a:r>
-              <a:rPr lang="en-US" dirty="0" smtClean="0"/>
-              <a:t>K&lt;&lt;n</a:t>
-            </a:r>
-            <a:r>
-              <a:rPr lang="en-US" dirty="0"/>
-              <a:t>) such that </a:t>
-            </a:r>
-            <a:r>
-              <a:rPr lang="en-US" dirty="0" smtClean="0"/>
-              <a:t>Q’ </a:t>
-            </a:r>
-            <a:r>
-              <a:rPr lang="en-US" dirty="0"/>
-              <a:t>closely approximates Q</a:t>
-            </a:r>
-            <a:endParaRPr lang="en-US" dirty="0" smtClean="0"/>
-          </a:p>
-          <a:p>
-            <a:r>
-              <a:rPr lang="en-US" dirty="0" smtClean="0"/>
-              <a:t>Prediction: </a:t>
-            </a:r>
-            <a:r>
-              <a:rPr lang="en-US" dirty="0"/>
-              <a:t>Find unusual subsequences of the time series in TSDB under to some similarity/dissimilarity measure D(Q,C</a:t>
-            </a:r>
-            <a:r>
-              <a:rPr lang="en-US" dirty="0" smtClean="0"/>
-              <a:t>).</a:t>
-            </a:r>
-          </a:p>
-          <a:p>
-            <a:pPr lvl="0"/>
+              <a:t>Prediction</a:t>
+            </a:r>
+          </a:p>
+          <a:p>
             <a:r>
               <a:rPr lang="en-US" altLang="zh-CN" dirty="0" smtClean="0"/>
-              <a:t>Regression: </a:t>
-            </a:r>
-            <a:r>
-              <a:rPr lang="en-US" dirty="0"/>
-              <a:t>Given a query time series </a:t>
-            </a:r>
-            <a:r>
-              <a:rPr lang="en-US" i="1" dirty="0"/>
-              <a:t>t</a:t>
-            </a:r>
-            <a:r>
-              <a:rPr lang="en-US" dirty="0"/>
-              <a:t>, prediction the next certain number of data points of </a:t>
-            </a:r>
-            <a:r>
-              <a:rPr lang="en-US" i="1" dirty="0"/>
-              <a:t>t</a:t>
-            </a:r>
-            <a:r>
-              <a:rPr lang="en-US" dirty="0" smtClean="0"/>
-              <a:t>.</a:t>
-            </a:r>
-          </a:p>
-          <a:p>
+              <a:t>Regression</a:t>
+            </a:r>
             <a:endParaRPr lang="en-US" dirty="0" smtClean="0"/>
           </a:p>
           <a:p>
@@ -9279,8 +10032,8 @@
           </a:p>
         </p:txBody>
       </p:sp>
-      <mc:AlternateContent xmlns:mc="http://schemas.openxmlformats.org/markup-compatibility/2006">
-        <mc:Choice xmlns:a14="http://schemas.microsoft.com/office/drawing/2010/main" Requires="a14">
+      <mc:AlternateContent xmlns:mc="http://schemas.openxmlformats.org/markup-compatibility/2006" xmlns:a14="http://schemas.microsoft.com/office/drawing/2010/main">
+        <mc:Choice Requires="a14">
           <p:sp>
             <p:nvSpPr>
               <p:cNvPr id="3" name="Content Placeholder 2"/>
@@ -9601,7 +10354,7 @@
             </p:txBody>
           </p:sp>
         </mc:Choice>
-        <mc:Fallback>
+        <mc:Fallback xmlns="">
           <p:sp>
             <p:nvSpPr>
               <p:cNvPr id="3" name="Content Placeholder 2"/>

--- a/slide/tsdm.pptx
+++ b/slide/tsdm.pptx
@@ -21,7 +21,12 @@
     <p:sldId id="270" r:id="rId15"/>
     <p:sldId id="271" r:id="rId16"/>
     <p:sldId id="272" r:id="rId17"/>
-    <p:sldId id="273" r:id="rId18"/>
+    <p:sldId id="274" r:id="rId18"/>
+    <p:sldId id="275" r:id="rId19"/>
+    <p:sldId id="276" r:id="rId20"/>
+    <p:sldId id="277" r:id="rId21"/>
+    <p:sldId id="278" r:id="rId22"/>
+    <p:sldId id="273" r:id="rId23"/>
   </p:sldIdLst>
   <p:sldSz cx="12192000" cy="6858000"/>
   <p:notesSz cx="6858000" cy="9144000"/>
@@ -316,7 +321,7 @@
           <a:p>
             <a:fld id="{F77B2EB1-EA88-4503-95EA-93923E5BA59E}" type="datetimeFigureOut">
               <a:rPr lang="en-US" smtClean="0"/>
-              <a:t>1/24/2013</a:t>
+              <a:t>1/25/2013</a:t>
             </a:fld>
             <a:endParaRPr lang="en-US"/>
           </a:p>
@@ -654,7 +659,7 @@
           <a:p>
             <a:fld id="{F77B2EB1-EA88-4503-95EA-93923E5BA59E}" type="datetimeFigureOut">
               <a:rPr lang="en-US" smtClean="0"/>
-              <a:t>1/24/2013</a:t>
+              <a:t>1/25/2013</a:t>
             </a:fld>
             <a:endParaRPr lang="en-US"/>
           </a:p>
@@ -1055,7 +1060,7 @@
           <a:p>
             <a:fld id="{F77B2EB1-EA88-4503-95EA-93923E5BA59E}" type="datetimeFigureOut">
               <a:rPr lang="en-US" smtClean="0"/>
-              <a:t>1/24/2013</a:t>
+              <a:t>1/25/2013</a:t>
             </a:fld>
             <a:endParaRPr lang="en-US"/>
           </a:p>
@@ -1391,7 +1396,7 @@
           <a:p>
             <a:fld id="{F77B2EB1-EA88-4503-95EA-93923E5BA59E}" type="datetimeFigureOut">
               <a:rPr lang="en-US" smtClean="0"/>
-              <a:t>1/24/2013</a:t>
+              <a:t>1/25/2013</a:t>
             </a:fld>
             <a:endParaRPr lang="en-US"/>
           </a:p>
@@ -1711,7 +1716,7 @@
           <a:p>
             <a:fld id="{F77B2EB1-EA88-4503-95EA-93923E5BA59E}" type="datetimeFigureOut">
               <a:rPr lang="en-US" smtClean="0"/>
-              <a:t>1/24/2013</a:t>
+              <a:t>1/25/2013</a:t>
             </a:fld>
             <a:endParaRPr lang="en-US"/>
           </a:p>
@@ -2107,7 +2112,7 @@
           <a:p>
             <a:fld id="{F77B2EB1-EA88-4503-95EA-93923E5BA59E}" type="datetimeFigureOut">
               <a:rPr lang="en-US" smtClean="0"/>
-              <a:t>1/24/2013</a:t>
+              <a:t>1/25/2013</a:t>
             </a:fld>
             <a:endParaRPr lang="en-US"/>
           </a:p>
@@ -2364,7 +2369,7 @@
           <a:p>
             <a:fld id="{F77B2EB1-EA88-4503-95EA-93923E5BA59E}" type="datetimeFigureOut">
               <a:rPr lang="en-US" smtClean="0"/>
-              <a:t>1/24/2013</a:t>
+              <a:t>1/25/2013</a:t>
             </a:fld>
             <a:endParaRPr lang="en-US"/>
           </a:p>
@@ -2626,7 +2631,7 @@
           <a:p>
             <a:fld id="{F77B2EB1-EA88-4503-95EA-93923E5BA59E}" type="datetimeFigureOut">
               <a:rPr lang="en-US" smtClean="0"/>
-              <a:t>1/24/2013</a:t>
+              <a:t>1/25/2013</a:t>
             </a:fld>
             <a:endParaRPr lang="en-US"/>
           </a:p>
@@ -2888,7 +2893,7 @@
           <a:p>
             <a:fld id="{F77B2EB1-EA88-4503-95EA-93923E5BA59E}" type="datetimeFigureOut">
               <a:rPr lang="en-US" smtClean="0"/>
-              <a:t>1/24/2013</a:t>
+              <a:t>1/25/2013</a:t>
             </a:fld>
             <a:endParaRPr lang="en-US"/>
           </a:p>
@@ -3217,7 +3222,7 @@
           <a:p>
             <a:fld id="{F77B2EB1-EA88-4503-95EA-93923E5BA59E}" type="datetimeFigureOut">
               <a:rPr lang="en-US" smtClean="0"/>
-              <a:t>1/24/2013</a:t>
+              <a:t>1/25/2013</a:t>
             </a:fld>
             <a:endParaRPr lang="en-US"/>
           </a:p>
@@ -3540,7 +3545,7 @@
           <a:p>
             <a:fld id="{F77B2EB1-EA88-4503-95EA-93923E5BA59E}" type="datetimeFigureOut">
               <a:rPr lang="en-US" smtClean="0"/>
-              <a:t>1/24/2013</a:t>
+              <a:t>1/25/2013</a:t>
             </a:fld>
             <a:endParaRPr lang="en-US"/>
           </a:p>
@@ -3997,7 +4002,7 @@
           <a:p>
             <a:fld id="{F77B2EB1-EA88-4503-95EA-93923E5BA59E}" type="datetimeFigureOut">
               <a:rPr lang="en-US" smtClean="0"/>
-              <a:t>1/24/2013</a:t>
+              <a:t>1/25/2013</a:t>
             </a:fld>
             <a:endParaRPr lang="en-US"/>
           </a:p>
@@ -4202,7 +4207,7 @@
           <a:p>
             <a:fld id="{F77B2EB1-EA88-4503-95EA-93923E5BA59E}" type="datetimeFigureOut">
               <a:rPr lang="en-US" smtClean="0"/>
-              <a:t>1/24/2013</a:t>
+              <a:t>1/25/2013</a:t>
             </a:fld>
             <a:endParaRPr lang="en-US"/>
           </a:p>
@@ -4379,7 +4384,7 @@
           <a:p>
             <a:fld id="{F77B2EB1-EA88-4503-95EA-93923E5BA59E}" type="datetimeFigureOut">
               <a:rPr lang="en-US" smtClean="0"/>
-              <a:t>1/24/2013</a:t>
+              <a:t>1/25/2013</a:t>
             </a:fld>
             <a:endParaRPr lang="en-US"/>
           </a:p>
@@ -4712,7 +4717,7 @@
           <a:p>
             <a:fld id="{F77B2EB1-EA88-4503-95EA-93923E5BA59E}" type="datetimeFigureOut">
               <a:rPr lang="en-US" smtClean="0"/>
-              <a:t>1/24/2013</a:t>
+              <a:t>1/25/2013</a:t>
             </a:fld>
             <a:endParaRPr lang="en-US"/>
           </a:p>
@@ -5057,7 +5062,7 @@
           <a:p>
             <a:fld id="{F77B2EB1-EA88-4503-95EA-93923E5BA59E}" type="datetimeFigureOut">
               <a:rPr lang="en-US" smtClean="0"/>
-              <a:t>1/24/2013</a:t>
+              <a:t>1/25/2013</a:t>
             </a:fld>
             <a:endParaRPr lang="en-US"/>
           </a:p>
@@ -7174,7 +7179,7 @@
           <a:p>
             <a:fld id="{F77B2EB1-EA88-4503-95EA-93923E5BA59E}" type="datetimeFigureOut">
               <a:rPr lang="en-US" smtClean="0"/>
-              <a:t>1/24/2013</a:t>
+              <a:t>1/25/2013</a:t>
             </a:fld>
             <a:endParaRPr lang="en-US"/>
           </a:p>
@@ -8334,6 +8339,13 @@
   <p:clrMapOvr>
     <a:masterClrMapping/>
   </p:clrMapOvr>
+  <p:timing>
+    <p:tnLst>
+      <p:par>
+        <p:cTn id="1" dur="indefinite" restart="never" nodeType="tmRoot"/>
+      </p:par>
+    </p:tnLst>
+  </p:timing>
 </p:sld>
 </file>
 
@@ -8497,6 +8509,13 @@
   <p:clrMapOvr>
     <a:masterClrMapping/>
   </p:clrMapOvr>
+  <p:timing>
+    <p:tnLst>
+      <p:par>
+        <p:cTn id="1" dur="indefinite" restart="never" nodeType="tmRoot"/>
+      </p:par>
+    </p:tnLst>
+  </p:timing>
 </p:sld>
 </file>
 
@@ -8692,7 +8711,6 @@
               <a:rPr lang="en-US" dirty="0"/>
               <a:t>HMM</a:t>
             </a:r>
-            <a:endParaRPr lang="en-US" dirty="0"/>
           </a:p>
         </p:txBody>
       </p:sp>
@@ -8706,6 +8724,13 @@
   <p:clrMapOvr>
     <a:masterClrMapping/>
   </p:clrMapOvr>
+  <p:timing>
+    <p:tnLst>
+      <p:par>
+        <p:cTn id="1" dur="indefinite" restart="never" nodeType="tmRoot"/>
+      </p:par>
+    </p:tnLst>
+  </p:timing>
 </p:sld>
 </file>
 
@@ -8789,6 +8814,13 @@
   <p:clrMapOvr>
     <a:masterClrMapping/>
   </p:clrMapOvr>
+  <p:timing>
+    <p:tnLst>
+      <p:par>
+        <p:cTn id="1" dur="indefinite" restart="never" nodeType="tmRoot"/>
+      </p:par>
+    </p:tnLst>
+  </p:timing>
 </p:sld>
 </file>
 
@@ -8833,43 +8865,297 @@
           </a:p>
         </p:txBody>
       </p:sp>
-      <p:sp>
-        <p:nvSpPr>
-          <p:cNvPr id="3" name="Content Placeholder 2"/>
-          <p:cNvSpPr>
-            <a:spLocks noGrp="1"/>
-          </p:cNvSpPr>
-          <p:nvPr>
-            <p:ph idx="1"/>
-          </p:nvPr>
-        </p:nvSpPr>
-        <p:spPr/>
-        <p:txBody>
-          <a:bodyPr/>
-          <a:lstStyle/>
-          <a:p>
-            <a:r>
-              <a:rPr lang="en-US" dirty="0" smtClean="0"/>
-              <a:t>Find </a:t>
-            </a:r>
-            <a:r>
-              <a:rPr lang="en-US" dirty="0"/>
-              <a:t>unusual </a:t>
-            </a:r>
-            <a:r>
-              <a:rPr lang="en-US" dirty="0" smtClean="0"/>
-              <a:t>subsequences(events) </a:t>
-            </a:r>
-            <a:r>
-              <a:rPr lang="en-US" dirty="0"/>
-              <a:t>of the time series in TSDB under to some similarity/dissimilarity measure D(Q,C).</a:t>
-            </a:r>
-          </a:p>
-          <a:p>
-            <a:endParaRPr lang="en-US" dirty="0"/>
-          </a:p>
-        </p:txBody>
-      </p:sp>
+      <mc:AlternateContent xmlns:mc="http://schemas.openxmlformats.org/markup-compatibility/2006">
+        <mc:Choice xmlns:a14="http://schemas.microsoft.com/office/drawing/2010/main" Requires="a14">
+          <p:sp>
+            <p:nvSpPr>
+              <p:cNvPr id="3" name="Content Placeholder 2"/>
+              <p:cNvSpPr>
+                <a:spLocks noGrp="1"/>
+              </p:cNvSpPr>
+              <p:nvPr>
+                <p:ph idx="1"/>
+              </p:nvPr>
+            </p:nvSpPr>
+            <p:spPr/>
+            <p:txBody>
+              <a:bodyPr/>
+              <a:lstStyle/>
+              <a:p>
+                <a:r>
+                  <a:rPr lang="en-US" dirty="0" smtClean="0"/>
+                  <a:t>Find </a:t>
+                </a:r>
+                <a:r>
+                  <a:rPr lang="en-US" dirty="0"/>
+                  <a:t>unusual </a:t>
+                </a:r>
+                <a:r>
+                  <a:rPr lang="en-US" dirty="0" smtClean="0"/>
+                  <a:t>subsequences(events) </a:t>
+                </a:r>
+                <a:r>
+                  <a:rPr lang="en-US" dirty="0"/>
+                  <a:t>of the time series in TSDB under to some similarity/dissimilarity measure D(Q,C</a:t>
+                </a:r>
+                <a:r>
+                  <a:rPr lang="en-US" dirty="0" smtClean="0"/>
+                  <a:t>).</a:t>
+                </a:r>
+              </a:p>
+              <a:p>
+                <a:r>
+                  <a:rPr lang="en-US" altLang="zh-CN" dirty="0" smtClean="0"/>
+                  <a:t>Event: important issues </a:t>
+                </a:r>
+                <a:r>
+                  <a:rPr lang="en-US" altLang="zh-CN" dirty="0"/>
+                  <a:t>like earthquakes, sharp rises or falls of a stock </a:t>
+                </a:r>
+                <a:r>
+                  <a:rPr lang="en-US" altLang="zh-CN" dirty="0" smtClean="0"/>
+                  <a:t>price</a:t>
+                </a:r>
+                <a:endParaRPr lang="en-US" altLang="zh-CN" dirty="0"/>
+              </a:p>
+              <a:p>
+                <a:r>
+                  <a:rPr lang="en-US" dirty="0"/>
+                  <a:t>Temporal Pattern: </a:t>
+                </a:r>
+                <a:r>
+                  <a:rPr lang="en-US" dirty="0" smtClean="0"/>
+                  <a:t>A </a:t>
+                </a:r>
+                <a:r>
+                  <a:rPr lang="en-US" dirty="0"/>
+                  <a:t>hidden structure in a time series that is characteristic </a:t>
+                </a:r>
+                <a:r>
+                  <a:rPr lang="en-US" dirty="0" smtClean="0"/>
+                  <a:t>and predictive </a:t>
+                </a:r>
+                <a:r>
+                  <a:rPr lang="en-US" dirty="0"/>
+                  <a:t>of </a:t>
+                </a:r>
+                <a:r>
+                  <a:rPr lang="en-US" dirty="0" smtClean="0"/>
+                  <a:t>events. Temporal </a:t>
+                </a:r>
+                <a:r>
+                  <a:rPr lang="en-US" dirty="0"/>
+                  <a:t>pattern </a:t>
+                </a:r>
+                <a:r>
+                  <a:rPr lang="en-US" b="1" dirty="0"/>
+                  <a:t>p</a:t>
+                </a:r>
+                <a:r>
+                  <a:rPr lang="en-US" dirty="0"/>
+                  <a:t> is a real vector of length </a:t>
+                </a:r>
+                <a:r>
+                  <a:rPr lang="en-US" dirty="0" smtClean="0"/>
+                  <a:t>Q.</a:t>
+                </a:r>
+              </a:p>
+              <a:p>
+                <a:r>
+                  <a:rPr lang="en-US" dirty="0" smtClean="0"/>
+                  <a:t>Temporal Pattern Cluster: </a:t>
+                </a:r>
+                <a14:m>
+                  <m:oMath xmlns:m="http://schemas.openxmlformats.org/officeDocument/2006/math">
+                    <m:r>
+                      <a:rPr lang="en-US" b="0" i="1" smtClean="0">
+                        <a:latin typeface="Cambria Math" panose="02040503050406030204" pitchFamily="18" charset="0"/>
+                      </a:rPr>
+                      <m:t>𝑃</m:t>
+                    </m:r>
+                    <m:r>
+                      <a:rPr lang="en-US" b="0" i="1" smtClean="0">
+                        <a:latin typeface="Cambria Math" panose="02040503050406030204" pitchFamily="18" charset="0"/>
+                      </a:rPr>
+                      <m:t>={</m:t>
+                    </m:r>
+                    <m:r>
+                      <a:rPr lang="en-US" b="0" i="1" smtClean="0">
+                        <a:latin typeface="Cambria Math" panose="02040503050406030204" pitchFamily="18" charset="0"/>
+                      </a:rPr>
+                      <m:t>𝑎</m:t>
+                    </m:r>
+                    <m:r>
+                      <a:rPr lang="en-US" b="0" i="1" smtClean="0">
+                        <a:latin typeface="Cambria Math" panose="02040503050406030204" pitchFamily="18" charset="0"/>
+                        <a:ea typeface="Cambria Math" panose="02040503050406030204" pitchFamily="18" charset="0"/>
+                      </a:rPr>
+                      <m:t>∈ </m:t>
+                    </m:r>
+                    <m:sSup>
+                      <m:sSupPr>
+                        <m:ctrlPr>
+                          <a:rPr lang="en-US" b="0" i="1" smtClean="0">
+                            <a:latin typeface="Cambria Math" panose="02040503050406030204" pitchFamily="18" charset="0"/>
+                            <a:ea typeface="Cambria Math" panose="02040503050406030204" pitchFamily="18" charset="0"/>
+                          </a:rPr>
+                        </m:ctrlPr>
+                      </m:sSupPr>
+                      <m:e>
+                        <m:r>
+                          <a:rPr lang="en-US" b="0" i="1" smtClean="0">
+                            <a:latin typeface="Cambria Math" panose="02040503050406030204" pitchFamily="18" charset="0"/>
+                            <a:ea typeface="Cambria Math" panose="02040503050406030204" pitchFamily="18" charset="0"/>
+                          </a:rPr>
+                          <m:t>ℝ</m:t>
+                        </m:r>
+                      </m:e>
+                      <m:sup>
+                        <m:r>
+                          <a:rPr lang="en-US" b="0" i="1" smtClean="0">
+                            <a:latin typeface="Cambria Math" panose="02040503050406030204" pitchFamily="18" charset="0"/>
+                            <a:ea typeface="Cambria Math" panose="02040503050406030204" pitchFamily="18" charset="0"/>
+                          </a:rPr>
+                          <m:t>𝑄</m:t>
+                        </m:r>
+                      </m:sup>
+                    </m:sSup>
+                    <m:r>
+                      <a:rPr lang="en-US" b="0" i="1" smtClean="0">
+                        <a:latin typeface="Cambria Math" panose="02040503050406030204" pitchFamily="18" charset="0"/>
+                        <a:ea typeface="Cambria Math" panose="02040503050406030204" pitchFamily="18" charset="0"/>
+                      </a:rPr>
+                      <m:t>:</m:t>
+                    </m:r>
+                    <m:r>
+                      <a:rPr lang="en-US" b="0" i="1" smtClean="0">
+                        <a:latin typeface="Cambria Math" panose="02040503050406030204" pitchFamily="18" charset="0"/>
+                        <a:ea typeface="Cambria Math" panose="02040503050406030204" pitchFamily="18" charset="0"/>
+                      </a:rPr>
+                      <m:t>𝑑</m:t>
+                    </m:r>
+                    <m:d>
+                      <m:dPr>
+                        <m:ctrlPr>
+                          <a:rPr lang="en-US" b="0" i="1" smtClean="0">
+                            <a:latin typeface="Cambria Math" panose="02040503050406030204" pitchFamily="18" charset="0"/>
+                            <a:ea typeface="Cambria Math" panose="02040503050406030204" pitchFamily="18" charset="0"/>
+                          </a:rPr>
+                        </m:ctrlPr>
+                      </m:dPr>
+                      <m:e>
+                        <m:r>
+                          <a:rPr lang="en-US" b="1" i="1" smtClean="0">
+                            <a:latin typeface="Cambria Math" panose="02040503050406030204" pitchFamily="18" charset="0"/>
+                            <a:ea typeface="Cambria Math" panose="02040503050406030204" pitchFamily="18" charset="0"/>
+                          </a:rPr>
+                          <m:t>𝒑</m:t>
+                        </m:r>
+                        <m:r>
+                          <a:rPr lang="en-US" b="0" i="1" smtClean="0">
+                            <a:latin typeface="Cambria Math" panose="02040503050406030204" pitchFamily="18" charset="0"/>
+                            <a:ea typeface="Cambria Math" panose="02040503050406030204" pitchFamily="18" charset="0"/>
+                          </a:rPr>
+                          <m:t>,</m:t>
+                        </m:r>
+                        <m:r>
+                          <a:rPr lang="en-US" b="0" i="1" smtClean="0">
+                            <a:latin typeface="Cambria Math" panose="02040503050406030204" pitchFamily="18" charset="0"/>
+                            <a:ea typeface="Cambria Math" panose="02040503050406030204" pitchFamily="18" charset="0"/>
+                          </a:rPr>
+                          <m:t>𝑎</m:t>
+                        </m:r>
+                      </m:e>
+                    </m:d>
+                    <m:r>
+                      <a:rPr lang="en-US" b="0" i="1" smtClean="0">
+                        <a:latin typeface="Cambria Math" panose="02040503050406030204" pitchFamily="18" charset="0"/>
+                        <a:ea typeface="Cambria Math" panose="02040503050406030204" pitchFamily="18" charset="0"/>
+                      </a:rPr>
+                      <m:t>≤</m:t>
+                    </m:r>
+                    <m:r>
+                      <a:rPr lang="en-US" b="0" i="1" smtClean="0">
+                        <a:latin typeface="Cambria Math" panose="02040503050406030204" pitchFamily="18" charset="0"/>
+                        <a:ea typeface="Cambria Math" panose="02040503050406030204" pitchFamily="18" charset="0"/>
+                      </a:rPr>
+                      <m:t>𝛿</m:t>
+                    </m:r>
+                    <m:r>
+                      <a:rPr lang="en-US" b="0" i="1" smtClean="0">
+                        <a:latin typeface="Cambria Math" panose="02040503050406030204" pitchFamily="18" charset="0"/>
+                        <a:ea typeface="Cambria Math" panose="02040503050406030204" pitchFamily="18" charset="0"/>
+                      </a:rPr>
+                      <m:t>}</m:t>
+                    </m:r>
+                  </m:oMath>
+                </a14:m>
+                <a:r>
+                  <a:rPr lang="en-US" dirty="0" smtClean="0"/>
+                  <a:t>,</a:t>
+                </a:r>
+                <a:r>
+                  <a:rPr lang="en-US" dirty="0"/>
+                  <a:t> a </a:t>
+                </a:r>
+                <a:r>
+                  <a:rPr lang="en-US" dirty="0" smtClean="0"/>
+                  <a:t>hyper-sphere of dimension </a:t>
+                </a:r>
+                <a:r>
+                  <a:rPr lang="en-US" i="1" dirty="0"/>
+                  <a:t>Q</a:t>
+                </a:r>
+                <a:r>
+                  <a:rPr lang="en-US" dirty="0"/>
+                  <a:t>, radius , and center </a:t>
+                </a:r>
+                <a:r>
+                  <a:rPr lang="en-US" b="1" dirty="0"/>
+                  <a:t>p</a:t>
+                </a:r>
+                <a:endParaRPr lang="en-US" dirty="0"/>
+              </a:p>
+              <a:p>
+                <a:endParaRPr lang="en-US" dirty="0"/>
+              </a:p>
+            </p:txBody>
+          </p:sp>
+        </mc:Choice>
+        <mc:Fallback>
+          <p:sp>
+            <p:nvSpPr>
+              <p:cNvPr id="3" name="Content Placeholder 2"/>
+              <p:cNvSpPr>
+                <a:spLocks noGrp="1" noRot="1" noChangeAspect="1" noMove="1" noResize="1" noEditPoints="1" noAdjustHandles="1" noChangeArrowheads="1" noChangeShapeType="1" noTextEdit="1"/>
+              </p:cNvSpPr>
+              <p:nvPr>
+                <p:ph idx="1"/>
+              </p:nvPr>
+            </p:nvSpPr>
+            <p:spPr>
+              <a:blipFill rotWithShape="0">
+                <a:blip r:embed="rId2"/>
+                <a:stretch>
+                  <a:fillRect l="-479" t="-806" r="-752"/>
+                </a:stretch>
+              </a:blipFill>
+            </p:spPr>
+            <p:txBody>
+              <a:bodyPr/>
+              <a:lstStyle/>
+              <a:p>
+                <a:r>
+                  <a:rPr lang="en-US">
+                    <a:noFill/>
+                  </a:rPr>
+                  <a:t> </a:t>
+                </a:r>
+              </a:p>
+            </p:txBody>
+          </p:sp>
+        </mc:Fallback>
+      </mc:AlternateContent>
     </p:spTree>
     <p:extLst>
       <p:ext uri="{BB962C8B-B14F-4D97-AF65-F5344CB8AC3E}">
@@ -8880,6 +9166,13 @@
   <p:clrMapOvr>
     <a:masterClrMapping/>
   </p:clrMapOvr>
+  <p:timing>
+    <p:tnLst>
+      <p:par>
+        <p:cTn id="1" dur="indefinite" restart="never" nodeType="tmRoot"/>
+      </p:par>
+    </p:tnLst>
+  </p:timing>
 </p:sld>
 </file>
 
@@ -8917,21 +9210,373 @@
           <a:p>
             <a:pPr algn="ctr"/>
             <a:r>
-              <a:rPr lang="en-US" altLang="zh-CN" dirty="0" smtClean="0"/>
-              <a:t>Regression</a:t>
+              <a:rPr lang="en-US" dirty="0" smtClean="0"/>
+              <a:t>Prediction</a:t>
             </a:r>
             <a:endParaRPr lang="en-US" dirty="0"/>
           </a:p>
         </p:txBody>
       </p:sp>
+      <mc:AlternateContent xmlns:mc="http://schemas.openxmlformats.org/markup-compatibility/2006">
+        <mc:Choice xmlns:a14="http://schemas.microsoft.com/office/drawing/2010/main" Requires="a14">
+          <p:sp>
+            <p:nvSpPr>
+              <p:cNvPr id="3" name="Content Placeholder 2"/>
+              <p:cNvSpPr>
+                <a:spLocks noGrp="1"/>
+              </p:cNvSpPr>
+              <p:nvPr>
+                <p:ph idx="1"/>
+              </p:nvPr>
+            </p:nvSpPr>
+            <p:spPr/>
+            <p:txBody>
+              <a:bodyPr/>
+              <a:lstStyle/>
+              <a:p>
+                <a:r>
+                  <a:rPr lang="en-US" dirty="0" smtClean="0"/>
+                  <a:t>Find </a:t>
+                </a:r>
+                <a:r>
+                  <a:rPr lang="en-US" dirty="0"/>
+                  <a:t>unusual </a:t>
+                </a:r>
+                <a:r>
+                  <a:rPr lang="en-US" dirty="0" smtClean="0"/>
+                  <a:t>subsequences(events) </a:t>
+                </a:r>
+                <a:r>
+                  <a:rPr lang="en-US" dirty="0"/>
+                  <a:t>of the time series in TSDB under to some similarity/dissimilarity measure D(Q,C</a:t>
+                </a:r>
+                <a:r>
+                  <a:rPr lang="en-US" dirty="0" smtClean="0"/>
+                  <a:t>).</a:t>
+                </a:r>
+              </a:p>
+              <a:p>
+                <a:r>
+                  <a:rPr lang="en-US" altLang="zh-CN" dirty="0" smtClean="0"/>
+                  <a:t>Event: important issues </a:t>
+                </a:r>
+                <a:r>
+                  <a:rPr lang="en-US" altLang="zh-CN" dirty="0"/>
+                  <a:t>like earthquakes, sharp rises or falls of a stock </a:t>
+                </a:r>
+                <a:r>
+                  <a:rPr lang="en-US" altLang="zh-CN" dirty="0" smtClean="0"/>
+                  <a:t>price</a:t>
+                </a:r>
+                <a:endParaRPr lang="en-US" altLang="zh-CN" dirty="0"/>
+              </a:p>
+              <a:p>
+                <a:r>
+                  <a:rPr lang="en-US" dirty="0"/>
+                  <a:t>Temporal Pattern: </a:t>
+                </a:r>
+                <a:r>
+                  <a:rPr lang="en-US" dirty="0" smtClean="0"/>
+                  <a:t>A </a:t>
+                </a:r>
+                <a:r>
+                  <a:rPr lang="en-US" dirty="0"/>
+                  <a:t>hidden structure in a time series that is characteristic </a:t>
+                </a:r>
+                <a:r>
+                  <a:rPr lang="en-US" dirty="0" smtClean="0"/>
+                  <a:t>and predictive </a:t>
+                </a:r>
+                <a:r>
+                  <a:rPr lang="en-US" dirty="0"/>
+                  <a:t>of </a:t>
+                </a:r>
+                <a:r>
+                  <a:rPr lang="en-US" dirty="0" smtClean="0"/>
+                  <a:t>events. Temporal </a:t>
+                </a:r>
+                <a:r>
+                  <a:rPr lang="en-US" dirty="0"/>
+                  <a:t>pattern </a:t>
+                </a:r>
+                <a:r>
+                  <a:rPr lang="en-US" b="1" dirty="0"/>
+                  <a:t>p</a:t>
+                </a:r>
+                <a:r>
+                  <a:rPr lang="en-US" dirty="0"/>
+                  <a:t> is a real vector of length </a:t>
+                </a:r>
+                <a:r>
+                  <a:rPr lang="en-US" dirty="0" smtClean="0"/>
+                  <a:t>Q.</a:t>
+                </a:r>
+              </a:p>
+              <a:p>
+                <a:r>
+                  <a:rPr lang="en-US" dirty="0" smtClean="0"/>
+                  <a:t>Temporal Pattern Cluster: </a:t>
+                </a:r>
+                <a14:m>
+                  <m:oMath xmlns:m="http://schemas.openxmlformats.org/officeDocument/2006/math">
+                    <m:r>
+                      <a:rPr lang="en-US" b="0" i="1" smtClean="0">
+                        <a:latin typeface="Cambria Math" panose="02040503050406030204" pitchFamily="18" charset="0"/>
+                      </a:rPr>
+                      <m:t>𝑃</m:t>
+                    </m:r>
+                    <m:r>
+                      <a:rPr lang="en-US" b="0" i="1" smtClean="0">
+                        <a:latin typeface="Cambria Math" panose="02040503050406030204" pitchFamily="18" charset="0"/>
+                      </a:rPr>
+                      <m:t>={</m:t>
+                    </m:r>
+                    <m:r>
+                      <a:rPr lang="en-US" b="0" i="1" smtClean="0">
+                        <a:latin typeface="Cambria Math" panose="02040503050406030204" pitchFamily="18" charset="0"/>
+                      </a:rPr>
+                      <m:t>𝑎</m:t>
+                    </m:r>
+                    <m:r>
+                      <a:rPr lang="en-US" b="0" i="1" smtClean="0">
+                        <a:latin typeface="Cambria Math" panose="02040503050406030204" pitchFamily="18" charset="0"/>
+                        <a:ea typeface="Cambria Math" panose="02040503050406030204" pitchFamily="18" charset="0"/>
+                      </a:rPr>
+                      <m:t>∈ </m:t>
+                    </m:r>
+                    <m:sSup>
+                      <m:sSupPr>
+                        <m:ctrlPr>
+                          <a:rPr lang="en-US" b="0" i="1" smtClean="0">
+                            <a:latin typeface="Cambria Math" panose="02040503050406030204" pitchFamily="18" charset="0"/>
+                            <a:ea typeface="Cambria Math" panose="02040503050406030204" pitchFamily="18" charset="0"/>
+                          </a:rPr>
+                        </m:ctrlPr>
+                      </m:sSupPr>
+                      <m:e>
+                        <m:r>
+                          <a:rPr lang="en-US" b="0" i="1" smtClean="0">
+                            <a:latin typeface="Cambria Math" panose="02040503050406030204" pitchFamily="18" charset="0"/>
+                            <a:ea typeface="Cambria Math" panose="02040503050406030204" pitchFamily="18" charset="0"/>
+                          </a:rPr>
+                          <m:t>ℝ</m:t>
+                        </m:r>
+                      </m:e>
+                      <m:sup>
+                        <m:r>
+                          <a:rPr lang="en-US" b="0" i="1" smtClean="0">
+                            <a:latin typeface="Cambria Math" panose="02040503050406030204" pitchFamily="18" charset="0"/>
+                            <a:ea typeface="Cambria Math" panose="02040503050406030204" pitchFamily="18" charset="0"/>
+                          </a:rPr>
+                          <m:t>𝑄</m:t>
+                        </m:r>
+                      </m:sup>
+                    </m:sSup>
+                    <m:r>
+                      <a:rPr lang="en-US" b="0" i="1" smtClean="0">
+                        <a:latin typeface="Cambria Math" panose="02040503050406030204" pitchFamily="18" charset="0"/>
+                        <a:ea typeface="Cambria Math" panose="02040503050406030204" pitchFamily="18" charset="0"/>
+                      </a:rPr>
+                      <m:t>:</m:t>
+                    </m:r>
+                    <m:r>
+                      <a:rPr lang="en-US" b="0" i="1" smtClean="0">
+                        <a:latin typeface="Cambria Math" panose="02040503050406030204" pitchFamily="18" charset="0"/>
+                        <a:ea typeface="Cambria Math" panose="02040503050406030204" pitchFamily="18" charset="0"/>
+                      </a:rPr>
+                      <m:t>𝑑</m:t>
+                    </m:r>
+                    <m:d>
+                      <m:dPr>
+                        <m:ctrlPr>
+                          <a:rPr lang="en-US" b="0" i="1" smtClean="0">
+                            <a:latin typeface="Cambria Math" panose="02040503050406030204" pitchFamily="18" charset="0"/>
+                            <a:ea typeface="Cambria Math" panose="02040503050406030204" pitchFamily="18" charset="0"/>
+                          </a:rPr>
+                        </m:ctrlPr>
+                      </m:dPr>
+                      <m:e>
+                        <m:r>
+                          <a:rPr lang="en-US" b="1" i="1" smtClean="0">
+                            <a:latin typeface="Cambria Math" panose="02040503050406030204" pitchFamily="18" charset="0"/>
+                            <a:ea typeface="Cambria Math" panose="02040503050406030204" pitchFamily="18" charset="0"/>
+                          </a:rPr>
+                          <m:t>𝒑</m:t>
+                        </m:r>
+                        <m:r>
+                          <a:rPr lang="en-US" b="0" i="1" smtClean="0">
+                            <a:latin typeface="Cambria Math" panose="02040503050406030204" pitchFamily="18" charset="0"/>
+                            <a:ea typeface="Cambria Math" panose="02040503050406030204" pitchFamily="18" charset="0"/>
+                          </a:rPr>
+                          <m:t>,</m:t>
+                        </m:r>
+                        <m:r>
+                          <a:rPr lang="en-US" b="0" i="1" smtClean="0">
+                            <a:latin typeface="Cambria Math" panose="02040503050406030204" pitchFamily="18" charset="0"/>
+                            <a:ea typeface="Cambria Math" panose="02040503050406030204" pitchFamily="18" charset="0"/>
+                          </a:rPr>
+                          <m:t>𝑎</m:t>
+                        </m:r>
+                      </m:e>
+                    </m:d>
+                    <m:r>
+                      <a:rPr lang="en-US" b="0" i="1" smtClean="0">
+                        <a:latin typeface="Cambria Math" panose="02040503050406030204" pitchFamily="18" charset="0"/>
+                        <a:ea typeface="Cambria Math" panose="02040503050406030204" pitchFamily="18" charset="0"/>
+                      </a:rPr>
+                      <m:t>≤</m:t>
+                    </m:r>
+                    <m:r>
+                      <a:rPr lang="en-US" b="0" i="1" smtClean="0">
+                        <a:latin typeface="Cambria Math" panose="02040503050406030204" pitchFamily="18" charset="0"/>
+                        <a:ea typeface="Cambria Math" panose="02040503050406030204" pitchFamily="18" charset="0"/>
+                      </a:rPr>
+                      <m:t>𝛿</m:t>
+                    </m:r>
+                    <m:r>
+                      <a:rPr lang="en-US" b="0" i="1" smtClean="0">
+                        <a:latin typeface="Cambria Math" panose="02040503050406030204" pitchFamily="18" charset="0"/>
+                        <a:ea typeface="Cambria Math" panose="02040503050406030204" pitchFamily="18" charset="0"/>
+                      </a:rPr>
+                      <m:t>}</m:t>
+                    </m:r>
+                  </m:oMath>
+                </a14:m>
+                <a:r>
+                  <a:rPr lang="en-US" dirty="0" smtClean="0"/>
+                  <a:t>,</a:t>
+                </a:r>
+                <a:r>
+                  <a:rPr lang="en-US" dirty="0"/>
+                  <a:t> a </a:t>
+                </a:r>
+                <a:r>
+                  <a:rPr lang="en-US" dirty="0" smtClean="0"/>
+                  <a:t>hyper-sphere of dimension </a:t>
+                </a:r>
+                <a:r>
+                  <a:rPr lang="en-US" i="1" dirty="0"/>
+                  <a:t>Q</a:t>
+                </a:r>
+                <a:r>
+                  <a:rPr lang="en-US" dirty="0"/>
+                  <a:t>, radius , and center </a:t>
+                </a:r>
+                <a:r>
+                  <a:rPr lang="en-US" b="1" dirty="0"/>
+                  <a:t>p</a:t>
+                </a:r>
+                <a:endParaRPr lang="en-US" dirty="0"/>
+              </a:p>
+              <a:p>
+                <a:endParaRPr lang="en-US" dirty="0"/>
+              </a:p>
+            </p:txBody>
+          </p:sp>
+        </mc:Choice>
+        <mc:Fallback>
+          <p:sp>
+            <p:nvSpPr>
+              <p:cNvPr id="3" name="Content Placeholder 2"/>
+              <p:cNvSpPr>
+                <a:spLocks noGrp="1" noRot="1" noChangeAspect="1" noMove="1" noResize="1" noEditPoints="1" noAdjustHandles="1" noChangeArrowheads="1" noChangeShapeType="1" noTextEdit="1"/>
+              </p:cNvSpPr>
+              <p:nvPr>
+                <p:ph idx="1"/>
+              </p:nvPr>
+            </p:nvSpPr>
+            <p:spPr>
+              <a:blipFill rotWithShape="0">
+                <a:blip r:embed="rId2"/>
+                <a:stretch>
+                  <a:fillRect l="-479" t="-806" r="-752"/>
+                </a:stretch>
+              </a:blipFill>
+            </p:spPr>
+            <p:txBody>
+              <a:bodyPr/>
+              <a:lstStyle/>
+              <a:p>
+                <a:r>
+                  <a:rPr lang="en-US">
+                    <a:noFill/>
+                  </a:rPr>
+                  <a:t> </a:t>
+                </a:r>
+              </a:p>
+            </p:txBody>
+          </p:sp>
+        </mc:Fallback>
+      </mc:AlternateContent>
+      <p:pic>
+        <p:nvPicPr>
+          <p:cNvPr id="4" name="Picture 3"/>
+          <p:cNvPicPr>
+            <a:picLocks noChangeAspect="1"/>
+          </p:cNvPicPr>
+          <p:nvPr/>
+        </p:nvPicPr>
+        <p:blipFill>
+          <a:blip r:embed="rId3"/>
+          <a:stretch>
+            <a:fillRect/>
+          </a:stretch>
+        </p:blipFill>
+        <p:spPr>
+          <a:xfrm>
+            <a:off x="3500736" y="1635492"/>
+            <a:ext cx="7026531" cy="4739430"/>
+          </a:xfrm>
+          <a:prstGeom prst="rect">
+            <a:avLst/>
+          </a:prstGeom>
+        </p:spPr>
+      </p:pic>
+    </p:spTree>
+    <p:extLst>
+      <p:ext uri="{BB962C8B-B14F-4D97-AF65-F5344CB8AC3E}">
+        <p14:creationId xmlns:p14="http://schemas.microsoft.com/office/powerpoint/2010/main" val="733426016"/>
+      </p:ext>
+    </p:extLst>
+  </p:cSld>
+  <p:clrMapOvr>
+    <a:masterClrMapping/>
+  </p:clrMapOvr>
+  <p:timing>
+    <p:tnLst>
+      <p:par>
+        <p:cTn id="1" dur="indefinite" restart="never" nodeType="tmRoot"/>
+      </p:par>
+    </p:tnLst>
+  </p:timing>
+</p:sld>
+</file>
+
+<file path=ppt/slides/slide18.xml><?xml version="1.0" encoding="utf-8"?>
+<p:sld xmlns:a="http://schemas.openxmlformats.org/drawingml/2006/main" xmlns:r="http://schemas.openxmlformats.org/officeDocument/2006/relationships" xmlns:p="http://schemas.openxmlformats.org/presentationml/2006/main">
+  <p:cSld>
+    <p:spTree>
+      <p:nvGrpSpPr>
+        <p:cNvPr id="1" name=""/>
+        <p:cNvGrpSpPr/>
+        <p:nvPr/>
+      </p:nvGrpSpPr>
+      <p:grpSpPr>
+        <a:xfrm>
+          <a:off x="0" y="0"/>
+          <a:ext cx="0" cy="0"/>
+          <a:chOff x="0" y="0"/>
+          <a:chExt cx="0" cy="0"/>
+        </a:xfrm>
+      </p:grpSpPr>
       <p:sp>
         <p:nvSpPr>
-          <p:cNvPr id="3" name="Content Placeholder 2"/>
+          <p:cNvPr id="2" name="Title 1"/>
           <p:cNvSpPr>
             <a:spLocks noGrp="1"/>
           </p:cNvSpPr>
           <p:nvPr>
-            <p:ph idx="1"/>
+            <p:ph type="title"/>
           </p:nvPr>
         </p:nvSpPr>
         <p:spPr/>
@@ -8939,46 +9584,909 @@
           <a:bodyPr/>
           <a:lstStyle/>
           <a:p>
+            <a:pPr algn="ctr"/>
             <a:r>
               <a:rPr lang="en-US" dirty="0" smtClean="0"/>
-              <a:t>Given </a:t>
-            </a:r>
-            <a:r>
-              <a:rPr lang="en-US" dirty="0"/>
-              <a:t>a query time series </a:t>
-            </a:r>
-            <a:r>
-              <a:rPr lang="en-US" i="1" dirty="0"/>
-              <a:t>t</a:t>
-            </a:r>
-            <a:r>
-              <a:rPr lang="en-US" dirty="0"/>
-              <a:t>, prediction the next certain number of data points of </a:t>
-            </a:r>
-            <a:r>
-              <a:rPr lang="en-US" i="1" dirty="0"/>
-              <a:t>t</a:t>
-            </a:r>
-            <a:r>
-              <a:rPr lang="en-US" dirty="0"/>
-              <a:t>.</a:t>
-            </a:r>
-          </a:p>
-          <a:p>
+              <a:t>Prediction</a:t>
+            </a:r>
             <a:endParaRPr lang="en-US" dirty="0"/>
           </a:p>
         </p:txBody>
       </p:sp>
+      <mc:AlternateContent xmlns:mc="http://schemas.openxmlformats.org/markup-compatibility/2006">
+        <mc:Choice xmlns:a14="http://schemas.microsoft.com/office/drawing/2010/main" Requires="a14">
+          <p:sp>
+            <p:nvSpPr>
+              <p:cNvPr id="3" name="Content Placeholder 2"/>
+              <p:cNvSpPr>
+                <a:spLocks noGrp="1"/>
+              </p:cNvSpPr>
+              <p:nvPr>
+                <p:ph idx="1"/>
+              </p:nvPr>
+            </p:nvSpPr>
+            <p:spPr>
+              <a:xfrm>
+                <a:off x="2589212" y="1676400"/>
+                <a:ext cx="8915400" cy="3777622"/>
+              </a:xfrm>
+            </p:spPr>
+            <p:txBody>
+              <a:bodyPr/>
+              <a:lstStyle/>
+              <a:p>
+                <a:r>
+                  <a:rPr lang="en-US" dirty="0" smtClean="0"/>
+                  <a:t>Time-Delay Embedding: </a:t>
+                </a:r>
+                <a14:m>
+                  <m:oMath xmlns:m="http://schemas.openxmlformats.org/officeDocument/2006/math">
+                    <m:sSub>
+                      <m:sSubPr>
+                        <m:ctrlPr>
+                          <a:rPr lang="en-US" b="0" i="1" smtClean="0">
+                            <a:latin typeface="Cambria Math" panose="02040503050406030204" pitchFamily="18" charset="0"/>
+                          </a:rPr>
+                        </m:ctrlPr>
+                      </m:sSubPr>
+                      <m:e>
+                        <m:r>
+                          <a:rPr lang="en-US" b="1" i="1" smtClean="0">
+                            <a:latin typeface="Cambria Math" panose="02040503050406030204" pitchFamily="18" charset="0"/>
+                          </a:rPr>
+                          <m:t>𝒙</m:t>
+                        </m:r>
+                      </m:e>
+                      <m:sub>
+                        <m:r>
+                          <a:rPr lang="en-US" b="0" i="1" smtClean="0">
+                            <a:latin typeface="Cambria Math" panose="02040503050406030204" pitchFamily="18" charset="0"/>
+                          </a:rPr>
+                          <m:t>𝑡</m:t>
+                        </m:r>
+                      </m:sub>
+                    </m:sSub>
+                    <m:r>
+                      <a:rPr lang="en-US" b="0" i="1" smtClean="0">
+                        <a:latin typeface="Cambria Math" panose="02040503050406030204" pitchFamily="18" charset="0"/>
+                      </a:rPr>
+                      <m:t>=(</m:t>
+                    </m:r>
+                    <m:sSub>
+                      <m:sSubPr>
+                        <m:ctrlPr>
+                          <a:rPr lang="en-US" b="0" i="1" smtClean="0">
+                            <a:latin typeface="Cambria Math" panose="02040503050406030204" pitchFamily="18" charset="0"/>
+                          </a:rPr>
+                        </m:ctrlPr>
+                      </m:sSubPr>
+                      <m:e>
+                        <m:r>
+                          <a:rPr lang="en-US" b="0" i="1" smtClean="0">
+                            <a:latin typeface="Cambria Math" panose="02040503050406030204" pitchFamily="18" charset="0"/>
+                          </a:rPr>
+                          <m:t>𝑥</m:t>
+                        </m:r>
+                      </m:e>
+                      <m:sub>
+                        <m:r>
+                          <a:rPr lang="en-US" b="0" i="1" smtClean="0">
+                            <a:latin typeface="Cambria Math" panose="02040503050406030204" pitchFamily="18" charset="0"/>
+                          </a:rPr>
+                          <m:t>𝑡</m:t>
+                        </m:r>
+                        <m:r>
+                          <a:rPr lang="en-US" b="0" i="1" smtClean="0">
+                            <a:latin typeface="Cambria Math" panose="02040503050406030204" pitchFamily="18" charset="0"/>
+                          </a:rPr>
+                          <m:t>−</m:t>
+                        </m:r>
+                        <m:d>
+                          <m:dPr>
+                            <m:ctrlPr>
+                              <a:rPr lang="en-US" b="0" i="1" smtClean="0">
+                                <a:latin typeface="Cambria Math" panose="02040503050406030204" pitchFamily="18" charset="0"/>
+                              </a:rPr>
+                            </m:ctrlPr>
+                          </m:dPr>
+                          <m:e>
+                            <m:r>
+                              <a:rPr lang="en-US" b="0" i="1" smtClean="0">
+                                <a:latin typeface="Cambria Math" panose="02040503050406030204" pitchFamily="18" charset="0"/>
+                              </a:rPr>
+                              <m:t>𝑄</m:t>
+                            </m:r>
+                            <m:r>
+                              <a:rPr lang="en-US" b="0" i="1" smtClean="0">
+                                <a:latin typeface="Cambria Math" panose="02040503050406030204" pitchFamily="18" charset="0"/>
+                              </a:rPr>
+                              <m:t>−1</m:t>
+                            </m:r>
+                          </m:e>
+                        </m:d>
+                        <m:r>
+                          <a:rPr lang="en-US" b="0" i="1" smtClean="0">
+                            <a:latin typeface="Cambria Math" panose="02040503050406030204" pitchFamily="18" charset="0"/>
+                            <a:ea typeface="Cambria Math" panose="02040503050406030204" pitchFamily="18" charset="0"/>
+                          </a:rPr>
+                          <m:t>𝜏</m:t>
+                        </m:r>
+                      </m:sub>
+                    </m:sSub>
+                    <m:r>
+                      <a:rPr lang="en-US" b="0" i="1" smtClean="0">
+                        <a:latin typeface="Cambria Math" panose="02040503050406030204" pitchFamily="18" charset="0"/>
+                      </a:rPr>
+                      <m:t>,…,</m:t>
+                    </m:r>
+                    <m:sSub>
+                      <m:sSubPr>
+                        <m:ctrlPr>
+                          <a:rPr lang="en-US" b="0" i="1" smtClean="0">
+                            <a:latin typeface="Cambria Math" panose="02040503050406030204" pitchFamily="18" charset="0"/>
+                          </a:rPr>
+                        </m:ctrlPr>
+                      </m:sSubPr>
+                      <m:e>
+                        <m:r>
+                          <a:rPr lang="en-US" b="0" i="1" smtClean="0">
+                            <a:latin typeface="Cambria Math" panose="02040503050406030204" pitchFamily="18" charset="0"/>
+                          </a:rPr>
+                          <m:t>𝑥</m:t>
+                        </m:r>
+                      </m:e>
+                      <m:sub>
+                        <m:r>
+                          <a:rPr lang="en-US" b="0" i="1" smtClean="0">
+                            <a:latin typeface="Cambria Math" panose="02040503050406030204" pitchFamily="18" charset="0"/>
+                          </a:rPr>
+                          <m:t>𝑡</m:t>
+                        </m:r>
+                        <m:r>
+                          <a:rPr lang="en-US" b="0" i="1" smtClean="0">
+                            <a:latin typeface="Cambria Math" panose="02040503050406030204" pitchFamily="18" charset="0"/>
+                          </a:rPr>
+                          <m:t>−2</m:t>
+                        </m:r>
+                        <m:r>
+                          <a:rPr lang="en-US" b="0" i="1" smtClean="0">
+                            <a:latin typeface="Cambria Math" panose="02040503050406030204" pitchFamily="18" charset="0"/>
+                            <a:ea typeface="Cambria Math" panose="02040503050406030204" pitchFamily="18" charset="0"/>
+                          </a:rPr>
+                          <m:t>𝜏</m:t>
+                        </m:r>
+                      </m:sub>
+                    </m:sSub>
+                    <m:r>
+                      <a:rPr lang="en-US" b="0" i="1" smtClean="0">
+                        <a:latin typeface="Cambria Math" panose="02040503050406030204" pitchFamily="18" charset="0"/>
+                      </a:rPr>
+                      <m:t>,</m:t>
+                    </m:r>
+                    <m:sSub>
+                      <m:sSubPr>
+                        <m:ctrlPr>
+                          <a:rPr lang="en-US" b="0" i="1" smtClean="0">
+                            <a:latin typeface="Cambria Math" panose="02040503050406030204" pitchFamily="18" charset="0"/>
+                          </a:rPr>
+                        </m:ctrlPr>
+                      </m:sSubPr>
+                      <m:e>
+                        <m:r>
+                          <a:rPr lang="en-US" b="0" i="1" smtClean="0">
+                            <a:latin typeface="Cambria Math" panose="02040503050406030204" pitchFamily="18" charset="0"/>
+                          </a:rPr>
+                          <m:t>𝑥</m:t>
+                        </m:r>
+                      </m:e>
+                      <m:sub>
+                        <m:r>
+                          <a:rPr lang="en-US" b="0" i="1" smtClean="0">
+                            <a:latin typeface="Cambria Math" panose="02040503050406030204" pitchFamily="18" charset="0"/>
+                          </a:rPr>
+                          <m:t>𝑡</m:t>
+                        </m:r>
+                        <m:r>
+                          <a:rPr lang="en-US" b="0" i="1" smtClean="0">
+                            <a:latin typeface="Cambria Math" panose="02040503050406030204" pitchFamily="18" charset="0"/>
+                          </a:rPr>
+                          <m:t>−</m:t>
+                        </m:r>
+                        <m:r>
+                          <a:rPr lang="en-US" b="0" i="1" smtClean="0">
+                            <a:latin typeface="Cambria Math" panose="02040503050406030204" pitchFamily="18" charset="0"/>
+                            <a:ea typeface="Cambria Math" panose="02040503050406030204" pitchFamily="18" charset="0"/>
+                          </a:rPr>
+                          <m:t>𝜏</m:t>
+                        </m:r>
+                      </m:sub>
+                    </m:sSub>
+                    <m:r>
+                      <a:rPr lang="en-US" b="0" i="1" smtClean="0">
+                        <a:latin typeface="Cambria Math" panose="02040503050406030204" pitchFamily="18" charset="0"/>
+                        <a:ea typeface="Cambria Math" panose="02040503050406030204" pitchFamily="18" charset="0"/>
+                      </a:rPr>
+                      <m:t>, </m:t>
+                    </m:r>
+                    <m:sSub>
+                      <m:sSubPr>
+                        <m:ctrlPr>
+                          <a:rPr lang="en-US" b="0" i="1" smtClean="0">
+                            <a:latin typeface="Cambria Math" panose="02040503050406030204" pitchFamily="18" charset="0"/>
+                            <a:ea typeface="Cambria Math" panose="02040503050406030204" pitchFamily="18" charset="0"/>
+                          </a:rPr>
+                        </m:ctrlPr>
+                      </m:sSubPr>
+                      <m:e>
+                        <m:r>
+                          <a:rPr lang="en-US" b="0" i="1" smtClean="0">
+                            <a:latin typeface="Cambria Math" panose="02040503050406030204" pitchFamily="18" charset="0"/>
+                            <a:ea typeface="Cambria Math" panose="02040503050406030204" pitchFamily="18" charset="0"/>
+                          </a:rPr>
+                          <m:t>𝑥</m:t>
+                        </m:r>
+                      </m:e>
+                      <m:sub>
+                        <m:r>
+                          <a:rPr lang="en-US" b="0" i="1" smtClean="0">
+                            <a:latin typeface="Cambria Math" panose="02040503050406030204" pitchFamily="18" charset="0"/>
+                            <a:ea typeface="Cambria Math" panose="02040503050406030204" pitchFamily="18" charset="0"/>
+                          </a:rPr>
+                          <m:t>𝑡</m:t>
+                        </m:r>
+                      </m:sub>
+                    </m:sSub>
+                    <m:r>
+                      <a:rPr lang="en-US" b="0" i="1" smtClean="0">
+                        <a:latin typeface="Cambria Math" panose="02040503050406030204" pitchFamily="18" charset="0"/>
+                        <a:ea typeface="Cambria Math" panose="02040503050406030204" pitchFamily="18" charset="0"/>
+                      </a:rPr>
+                      <m:t>)</m:t>
+                    </m:r>
+                  </m:oMath>
+                </a14:m>
+                <a:endParaRPr lang="en-US" dirty="0"/>
+              </a:p>
+            </p:txBody>
+          </p:sp>
+        </mc:Choice>
+        <mc:Fallback>
+          <p:sp>
+            <p:nvSpPr>
+              <p:cNvPr id="3" name="Content Placeholder 2"/>
+              <p:cNvSpPr>
+                <a:spLocks noGrp="1" noRot="1" noChangeAspect="1" noMove="1" noResize="1" noEditPoints="1" noAdjustHandles="1" noChangeArrowheads="1" noChangeShapeType="1" noTextEdit="1"/>
+              </p:cNvSpPr>
+              <p:nvPr>
+                <p:ph idx="1"/>
+              </p:nvPr>
+            </p:nvSpPr>
+            <p:spPr>
+              <a:xfrm>
+                <a:off x="2589212" y="1676400"/>
+                <a:ext cx="8915400" cy="3777622"/>
+              </a:xfrm>
+              <a:blipFill rotWithShape="0">
+                <a:blip r:embed="rId2"/>
+                <a:stretch>
+                  <a:fillRect l="-479" t="-968"/>
+                </a:stretch>
+              </a:blipFill>
+            </p:spPr>
+            <p:txBody>
+              <a:bodyPr/>
+              <a:lstStyle/>
+              <a:p>
+                <a:r>
+                  <a:rPr lang="en-US">
+                    <a:noFill/>
+                  </a:rPr>
+                  <a:t> </a:t>
+                </a:r>
+              </a:p>
+            </p:txBody>
+          </p:sp>
+        </mc:Fallback>
+      </mc:AlternateContent>
+      <p:pic>
+        <p:nvPicPr>
+          <p:cNvPr id="4" name="Picture 3"/>
+          <p:cNvPicPr>
+            <a:picLocks noChangeAspect="1"/>
+          </p:cNvPicPr>
+          <p:nvPr/>
+        </p:nvPicPr>
+        <p:blipFill>
+          <a:blip r:embed="rId3"/>
+          <a:stretch>
+            <a:fillRect/>
+          </a:stretch>
+        </p:blipFill>
+        <p:spPr>
+          <a:xfrm>
+            <a:off x="4412232" y="2147460"/>
+            <a:ext cx="4153798" cy="4252698"/>
+          </a:xfrm>
+          <a:prstGeom prst="rect">
+            <a:avLst/>
+          </a:prstGeom>
+        </p:spPr>
+      </p:pic>
     </p:spTree>
     <p:extLst>
       <p:ext uri="{BB962C8B-B14F-4D97-AF65-F5344CB8AC3E}">
-        <p14:creationId xmlns:p14="http://schemas.microsoft.com/office/powerpoint/2010/main" val="3976458822"/>
+        <p14:creationId xmlns:p14="http://schemas.microsoft.com/office/powerpoint/2010/main" val="1423830481"/>
       </p:ext>
     </p:extLst>
   </p:cSld>
   <p:clrMapOvr>
     <a:masterClrMapping/>
   </p:clrMapOvr>
+  <p:timing>
+    <p:tnLst>
+      <p:par>
+        <p:cTn id="1" dur="indefinite" restart="never" nodeType="tmRoot"/>
+      </p:par>
+    </p:tnLst>
+  </p:timing>
+</p:sld>
+</file>
+
+<file path=ppt/slides/slide19.xml><?xml version="1.0" encoding="utf-8"?>
+<p:sld xmlns:a="http://schemas.openxmlformats.org/drawingml/2006/main" xmlns:r="http://schemas.openxmlformats.org/officeDocument/2006/relationships" xmlns:p="http://schemas.openxmlformats.org/presentationml/2006/main">
+  <p:cSld>
+    <p:spTree>
+      <p:nvGrpSpPr>
+        <p:cNvPr id="1" name=""/>
+        <p:cNvGrpSpPr/>
+        <p:nvPr/>
+      </p:nvGrpSpPr>
+      <p:grpSpPr>
+        <a:xfrm>
+          <a:off x="0" y="0"/>
+          <a:ext cx="0" cy="0"/>
+          <a:chOff x="0" y="0"/>
+          <a:chExt cx="0" cy="0"/>
+        </a:xfrm>
+      </p:grpSpPr>
+      <p:sp>
+        <p:nvSpPr>
+          <p:cNvPr id="2" name="Title 1"/>
+          <p:cNvSpPr>
+            <a:spLocks noGrp="1"/>
+          </p:cNvSpPr>
+          <p:nvPr>
+            <p:ph type="title"/>
+          </p:nvPr>
+        </p:nvSpPr>
+        <p:spPr/>
+        <p:txBody>
+          <a:bodyPr/>
+          <a:lstStyle/>
+          <a:p>
+            <a:pPr algn="ctr"/>
+            <a:r>
+              <a:rPr lang="en-US" dirty="0" smtClean="0"/>
+              <a:t>Prediction</a:t>
+            </a:r>
+            <a:endParaRPr lang="en-US" dirty="0"/>
+          </a:p>
+        </p:txBody>
+      </p:sp>
+      <mc:AlternateContent xmlns:mc="http://schemas.openxmlformats.org/markup-compatibility/2006">
+        <mc:Choice xmlns:a14="http://schemas.microsoft.com/office/drawing/2010/main" Requires="a14">
+          <p:sp>
+            <p:nvSpPr>
+              <p:cNvPr id="3" name="Content Placeholder 2"/>
+              <p:cNvSpPr>
+                <a:spLocks noGrp="1"/>
+              </p:cNvSpPr>
+              <p:nvPr>
+                <p:ph idx="1"/>
+              </p:nvPr>
+            </p:nvSpPr>
+            <p:spPr/>
+            <p:txBody>
+              <a:bodyPr/>
+              <a:lstStyle/>
+              <a:p>
+                <a:r>
+                  <a:rPr lang="en-US" dirty="0" smtClean="0"/>
+                  <a:t>Event Characterization Function: </a:t>
+                </a:r>
+                <a:r>
+                  <a:rPr lang="en-US" dirty="0"/>
+                  <a:t>defined such that its value at </a:t>
+                </a:r>
+                <a:r>
+                  <a:rPr lang="en-US" i="1" dirty="0" smtClean="0"/>
+                  <a:t>t </a:t>
+                </a:r>
+                <a:r>
+                  <a:rPr lang="en-US" dirty="0" smtClean="0"/>
+                  <a:t>correlates </a:t>
+                </a:r>
+                <a:r>
+                  <a:rPr lang="en-US" dirty="0"/>
+                  <a:t>highly with the occurrence of an event at some specified time in the </a:t>
+                </a:r>
+                <a:r>
+                  <a:rPr lang="en-US" dirty="0" smtClean="0"/>
+                  <a:t>future</a:t>
+                </a:r>
+              </a:p>
+              <a:p>
+                <a:pPr lvl="1"/>
+                <a:r>
+                  <a:rPr lang="en-US" dirty="0" smtClean="0"/>
+                  <a:t>One time-steps: </a:t>
+                </a:r>
+                <a14:m>
+                  <m:oMath xmlns:m="http://schemas.openxmlformats.org/officeDocument/2006/math">
+                    <m:r>
+                      <a:rPr lang="en-US" b="0" i="1" smtClean="0">
+                        <a:latin typeface="Cambria Math" panose="02040503050406030204" pitchFamily="18" charset="0"/>
+                      </a:rPr>
+                      <m:t>𝑔</m:t>
+                    </m:r>
+                    <m:d>
+                      <m:dPr>
+                        <m:ctrlPr>
+                          <a:rPr lang="en-US" b="0" i="1" smtClean="0">
+                            <a:latin typeface="Cambria Math" panose="02040503050406030204" pitchFamily="18" charset="0"/>
+                          </a:rPr>
+                        </m:ctrlPr>
+                      </m:dPr>
+                      <m:e>
+                        <m:r>
+                          <a:rPr lang="en-US" b="0" i="1" smtClean="0">
+                            <a:latin typeface="Cambria Math" panose="02040503050406030204" pitchFamily="18" charset="0"/>
+                          </a:rPr>
+                          <m:t>𝑡</m:t>
+                        </m:r>
+                      </m:e>
+                    </m:d>
+                    <m:r>
+                      <a:rPr lang="en-US" b="0" i="1" smtClean="0">
+                        <a:latin typeface="Cambria Math" panose="02040503050406030204" pitchFamily="18" charset="0"/>
+                      </a:rPr>
+                      <m:t>=</m:t>
+                    </m:r>
+                    <m:sSub>
+                      <m:sSubPr>
+                        <m:ctrlPr>
+                          <a:rPr lang="en-US" b="0" i="1" smtClean="0">
+                            <a:latin typeface="Cambria Math" panose="02040503050406030204" pitchFamily="18" charset="0"/>
+                          </a:rPr>
+                        </m:ctrlPr>
+                      </m:sSubPr>
+                      <m:e>
+                        <m:r>
+                          <a:rPr lang="en-US" b="0" i="1" smtClean="0">
+                            <a:latin typeface="Cambria Math" panose="02040503050406030204" pitchFamily="18" charset="0"/>
+                          </a:rPr>
+                          <m:t>𝑥</m:t>
+                        </m:r>
+                      </m:e>
+                      <m:sub>
+                        <m:r>
+                          <a:rPr lang="en-US" b="0" i="1" smtClean="0">
+                            <a:latin typeface="Cambria Math" panose="02040503050406030204" pitchFamily="18" charset="0"/>
+                          </a:rPr>
+                          <m:t>𝑡</m:t>
+                        </m:r>
+                        <m:r>
+                          <a:rPr lang="en-US" b="0" i="1" smtClean="0">
+                            <a:latin typeface="Cambria Math" panose="02040503050406030204" pitchFamily="18" charset="0"/>
+                          </a:rPr>
+                          <m:t>+</m:t>
+                        </m:r>
+                        <m:r>
+                          <a:rPr lang="en-US" b="0" i="1" smtClean="0">
+                            <a:latin typeface="Cambria Math" panose="02040503050406030204" pitchFamily="18" charset="0"/>
+                          </a:rPr>
+                          <m:t>1</m:t>
+                        </m:r>
+                      </m:sub>
+                    </m:sSub>
+                  </m:oMath>
+                </a14:m>
+                <a:endParaRPr lang="en-US" b="0" dirty="0" smtClean="0"/>
+              </a:p>
+              <a:p>
+                <a:pPr lvl="1"/>
+                <a:r>
+                  <a:rPr lang="en-US" dirty="0" smtClean="0"/>
+                  <a:t>One, two, three time-steps: </a:t>
+                </a:r>
+                <a14:m>
+                  <m:oMath xmlns:m="http://schemas.openxmlformats.org/officeDocument/2006/math">
+                    <m:r>
+                      <a:rPr lang="en-US" b="0" i="1" smtClean="0">
+                        <a:latin typeface="Cambria Math" panose="02040503050406030204" pitchFamily="18" charset="0"/>
+                      </a:rPr>
+                      <m:t>𝑔</m:t>
+                    </m:r>
+                    <m:d>
+                      <m:dPr>
+                        <m:ctrlPr>
+                          <a:rPr lang="en-US" b="0" i="1" smtClean="0">
+                            <a:latin typeface="Cambria Math" panose="02040503050406030204" pitchFamily="18" charset="0"/>
+                          </a:rPr>
+                        </m:ctrlPr>
+                      </m:dPr>
+                      <m:e>
+                        <m:r>
+                          <a:rPr lang="en-US" b="0" i="1" smtClean="0">
+                            <a:latin typeface="Cambria Math" panose="02040503050406030204" pitchFamily="18" charset="0"/>
+                          </a:rPr>
+                          <m:t>𝑡</m:t>
+                        </m:r>
+                      </m:e>
+                    </m:d>
+                    <m:r>
+                      <a:rPr lang="en-US" b="0" i="1" smtClean="0">
+                        <a:latin typeface="Cambria Math" panose="02040503050406030204" pitchFamily="18" charset="0"/>
+                      </a:rPr>
+                      <m:t>=</m:t>
+                    </m:r>
+                    <m:r>
+                      <m:rPr>
+                        <m:sty m:val="p"/>
+                      </m:rPr>
+                      <a:rPr lang="en-US" b="0" i="0" smtClean="0">
+                        <a:latin typeface="Cambria Math" panose="02040503050406030204" pitchFamily="18" charset="0"/>
+                      </a:rPr>
+                      <m:t>max</m:t>
+                    </m:r>
+                    <m:r>
+                      <a:rPr lang="en-US" b="0" i="1" smtClean="0">
+                        <a:latin typeface="Cambria Math" panose="02040503050406030204" pitchFamily="18" charset="0"/>
+                      </a:rPr>
+                      <m:t>⁡{</m:t>
+                    </m:r>
+                    <m:sSub>
+                      <m:sSubPr>
+                        <m:ctrlPr>
+                          <a:rPr lang="en-US" b="0" i="1" smtClean="0">
+                            <a:latin typeface="Cambria Math" panose="02040503050406030204" pitchFamily="18" charset="0"/>
+                          </a:rPr>
+                        </m:ctrlPr>
+                      </m:sSubPr>
+                      <m:e>
+                        <m:r>
+                          <a:rPr lang="en-US" b="0" i="1" smtClean="0">
+                            <a:latin typeface="Cambria Math" panose="02040503050406030204" pitchFamily="18" charset="0"/>
+                          </a:rPr>
+                          <m:t>𝑥</m:t>
+                        </m:r>
+                      </m:e>
+                      <m:sub>
+                        <m:r>
+                          <a:rPr lang="en-US" b="0" i="1" smtClean="0">
+                            <a:latin typeface="Cambria Math" panose="02040503050406030204" pitchFamily="18" charset="0"/>
+                          </a:rPr>
+                          <m:t>𝑡</m:t>
+                        </m:r>
+                        <m:r>
+                          <a:rPr lang="en-US" b="0" i="1" smtClean="0">
+                            <a:latin typeface="Cambria Math" panose="02040503050406030204" pitchFamily="18" charset="0"/>
+                          </a:rPr>
+                          <m:t>+</m:t>
+                        </m:r>
+                        <m:r>
+                          <a:rPr lang="en-US" b="0" i="1" smtClean="0">
+                            <a:latin typeface="Cambria Math" panose="02040503050406030204" pitchFamily="18" charset="0"/>
+                          </a:rPr>
+                          <m:t>1</m:t>
+                        </m:r>
+                      </m:sub>
+                    </m:sSub>
+                    <m:r>
+                      <a:rPr lang="en-US" b="0" i="1" smtClean="0">
+                        <a:latin typeface="Cambria Math" panose="02040503050406030204" pitchFamily="18" charset="0"/>
+                      </a:rPr>
+                      <m:t>, </m:t>
+                    </m:r>
+                    <m:sSub>
+                      <m:sSubPr>
+                        <m:ctrlPr>
+                          <a:rPr lang="en-US" b="0" i="1" smtClean="0">
+                            <a:latin typeface="Cambria Math" panose="02040503050406030204" pitchFamily="18" charset="0"/>
+                          </a:rPr>
+                        </m:ctrlPr>
+                      </m:sSubPr>
+                      <m:e>
+                        <m:r>
+                          <a:rPr lang="en-US" b="0" i="1" smtClean="0">
+                            <a:latin typeface="Cambria Math" panose="02040503050406030204" pitchFamily="18" charset="0"/>
+                          </a:rPr>
+                          <m:t>𝑥</m:t>
+                        </m:r>
+                      </m:e>
+                      <m:sub>
+                        <m:r>
+                          <a:rPr lang="en-US" b="0" i="1" smtClean="0">
+                            <a:latin typeface="Cambria Math" panose="02040503050406030204" pitchFamily="18" charset="0"/>
+                          </a:rPr>
+                          <m:t>𝑡</m:t>
+                        </m:r>
+                        <m:r>
+                          <a:rPr lang="en-US" b="0" i="1" smtClean="0">
+                            <a:latin typeface="Cambria Math" panose="02040503050406030204" pitchFamily="18" charset="0"/>
+                          </a:rPr>
+                          <m:t>+</m:t>
+                        </m:r>
+                        <m:r>
+                          <a:rPr lang="en-US" b="0" i="1" smtClean="0">
+                            <a:latin typeface="Cambria Math" panose="02040503050406030204" pitchFamily="18" charset="0"/>
+                          </a:rPr>
+                          <m:t>2</m:t>
+                        </m:r>
+                      </m:sub>
+                    </m:sSub>
+                    <m:r>
+                      <a:rPr lang="en-US" b="0" i="1" smtClean="0">
+                        <a:latin typeface="Cambria Math" panose="02040503050406030204" pitchFamily="18" charset="0"/>
+                      </a:rPr>
+                      <m:t>, </m:t>
+                    </m:r>
+                    <m:sSub>
+                      <m:sSubPr>
+                        <m:ctrlPr>
+                          <a:rPr lang="en-US" b="0" i="1" smtClean="0">
+                            <a:latin typeface="Cambria Math" panose="02040503050406030204" pitchFamily="18" charset="0"/>
+                          </a:rPr>
+                        </m:ctrlPr>
+                      </m:sSubPr>
+                      <m:e>
+                        <m:r>
+                          <a:rPr lang="en-US" b="0" i="1" smtClean="0">
+                            <a:latin typeface="Cambria Math" panose="02040503050406030204" pitchFamily="18" charset="0"/>
+                          </a:rPr>
+                          <m:t>𝑥</m:t>
+                        </m:r>
+                      </m:e>
+                      <m:sub>
+                        <m:r>
+                          <a:rPr lang="en-US" b="0" i="1" smtClean="0">
+                            <a:latin typeface="Cambria Math" panose="02040503050406030204" pitchFamily="18" charset="0"/>
+                          </a:rPr>
+                          <m:t>𝑡</m:t>
+                        </m:r>
+                        <m:r>
+                          <a:rPr lang="en-US" b="0" i="1" smtClean="0">
+                            <a:latin typeface="Cambria Math" panose="02040503050406030204" pitchFamily="18" charset="0"/>
+                          </a:rPr>
+                          <m:t>+</m:t>
+                        </m:r>
+                        <m:r>
+                          <a:rPr lang="en-US" b="0" i="1" smtClean="0">
+                            <a:latin typeface="Cambria Math" panose="02040503050406030204" pitchFamily="18" charset="0"/>
+                          </a:rPr>
+                          <m:t>3</m:t>
+                        </m:r>
+                      </m:sub>
+                    </m:sSub>
+                    <m:r>
+                      <a:rPr lang="en-US" b="0" i="1" smtClean="0">
+                        <a:latin typeface="Cambria Math" panose="02040503050406030204" pitchFamily="18" charset="0"/>
+                      </a:rPr>
+                      <m:t>}</m:t>
+                    </m:r>
+                  </m:oMath>
+                </a14:m>
+                <a:endParaRPr lang="en-US" dirty="0" smtClean="0"/>
+              </a:p>
+              <a:p>
+                <a:pPr lvl="1"/>
+                <a:r>
+                  <a:rPr lang="en-US" dirty="0" smtClean="0"/>
+                  <a:t>Stock price trade event: </a:t>
+                </a:r>
+                <a14:m>
+                  <m:oMath xmlns:m="http://schemas.openxmlformats.org/officeDocument/2006/math">
+                    <m:r>
+                      <a:rPr lang="en-US" b="0" i="1" smtClean="0">
+                        <a:latin typeface="Cambria Math" panose="02040503050406030204" pitchFamily="18" charset="0"/>
+                      </a:rPr>
+                      <m:t>𝑔</m:t>
+                    </m:r>
+                    <m:d>
+                      <m:dPr>
+                        <m:ctrlPr>
+                          <a:rPr lang="en-US" b="0" i="1" smtClean="0">
+                            <a:latin typeface="Cambria Math" panose="02040503050406030204" pitchFamily="18" charset="0"/>
+                          </a:rPr>
+                        </m:ctrlPr>
+                      </m:dPr>
+                      <m:e>
+                        <m:r>
+                          <a:rPr lang="en-US" b="0" i="1" smtClean="0">
+                            <a:latin typeface="Cambria Math" panose="02040503050406030204" pitchFamily="18" charset="0"/>
+                          </a:rPr>
+                          <m:t>𝑡</m:t>
+                        </m:r>
+                      </m:e>
+                    </m:d>
+                    <m:r>
+                      <a:rPr lang="en-US" b="0" i="1" smtClean="0">
+                        <a:latin typeface="Cambria Math" panose="02040503050406030204" pitchFamily="18" charset="0"/>
+                      </a:rPr>
+                      <m:t>=</m:t>
+                    </m:r>
+                    <m:f>
+                      <m:fPr>
+                        <m:ctrlPr>
+                          <a:rPr lang="en-US" b="0" i="1" smtClean="0">
+                            <a:latin typeface="Cambria Math" panose="02040503050406030204" pitchFamily="18" charset="0"/>
+                          </a:rPr>
+                        </m:ctrlPr>
+                      </m:fPr>
+                      <m:num>
+                        <m:sSub>
+                          <m:sSubPr>
+                            <m:ctrlPr>
+                              <a:rPr lang="en-US" b="0" i="1" smtClean="0">
+                                <a:latin typeface="Cambria Math" panose="02040503050406030204" pitchFamily="18" charset="0"/>
+                              </a:rPr>
+                            </m:ctrlPr>
+                          </m:sSubPr>
+                          <m:e>
+                            <m:r>
+                              <a:rPr lang="en-US" b="0" i="1" smtClean="0">
+                                <a:latin typeface="Cambria Math" panose="02040503050406030204" pitchFamily="18" charset="0"/>
+                              </a:rPr>
+                              <m:t>𝑥</m:t>
+                            </m:r>
+                          </m:e>
+                          <m:sub>
+                            <m:r>
+                              <a:rPr lang="en-US" b="0" i="1" smtClean="0">
+                                <a:latin typeface="Cambria Math" panose="02040503050406030204" pitchFamily="18" charset="0"/>
+                              </a:rPr>
+                              <m:t>𝑡</m:t>
+                            </m:r>
+                            <m:r>
+                              <a:rPr lang="en-US" b="0" i="1" smtClean="0">
+                                <a:latin typeface="Cambria Math" panose="02040503050406030204" pitchFamily="18" charset="0"/>
+                              </a:rPr>
+                              <m:t>+</m:t>
+                            </m:r>
+                            <m:r>
+                              <a:rPr lang="en-US" b="0" i="1" smtClean="0">
+                                <a:latin typeface="Cambria Math" panose="02040503050406030204" pitchFamily="18" charset="0"/>
+                              </a:rPr>
+                              <m:t>1</m:t>
+                            </m:r>
+                          </m:sub>
+                        </m:sSub>
+                        <m:r>
+                          <a:rPr lang="en-US" b="0" i="1" smtClean="0">
+                            <a:latin typeface="Cambria Math" panose="02040503050406030204" pitchFamily="18" charset="0"/>
+                          </a:rPr>
+                          <m:t>−</m:t>
+                        </m:r>
+                        <m:sSub>
+                          <m:sSubPr>
+                            <m:ctrlPr>
+                              <a:rPr lang="en-US" b="0" i="1" smtClean="0">
+                                <a:latin typeface="Cambria Math" panose="02040503050406030204" pitchFamily="18" charset="0"/>
+                              </a:rPr>
+                            </m:ctrlPr>
+                          </m:sSubPr>
+                          <m:e>
+                            <m:r>
+                              <a:rPr lang="en-US" b="0" i="1" smtClean="0">
+                                <a:latin typeface="Cambria Math" panose="02040503050406030204" pitchFamily="18" charset="0"/>
+                              </a:rPr>
+                              <m:t>𝑥</m:t>
+                            </m:r>
+                          </m:e>
+                          <m:sub>
+                            <m:r>
+                              <a:rPr lang="en-US" b="0" i="1" smtClean="0">
+                                <a:latin typeface="Cambria Math" panose="02040503050406030204" pitchFamily="18" charset="0"/>
+                              </a:rPr>
+                              <m:t>𝑡</m:t>
+                            </m:r>
+                          </m:sub>
+                        </m:sSub>
+                      </m:num>
+                      <m:den>
+                        <m:sSub>
+                          <m:sSubPr>
+                            <m:ctrlPr>
+                              <a:rPr lang="en-US" b="0" i="1" smtClean="0">
+                                <a:latin typeface="Cambria Math" panose="02040503050406030204" pitchFamily="18" charset="0"/>
+                              </a:rPr>
+                            </m:ctrlPr>
+                          </m:sSubPr>
+                          <m:e>
+                            <m:r>
+                              <a:rPr lang="en-US" b="0" i="1" smtClean="0">
+                                <a:latin typeface="Cambria Math" panose="02040503050406030204" pitchFamily="18" charset="0"/>
+                              </a:rPr>
+                              <m:t>𝑥</m:t>
+                            </m:r>
+                          </m:e>
+                          <m:sub>
+                            <m:r>
+                              <a:rPr lang="en-US" b="0" i="1" smtClean="0">
+                                <a:latin typeface="Cambria Math" panose="02040503050406030204" pitchFamily="18" charset="0"/>
+                              </a:rPr>
+                              <m:t>𝑡</m:t>
+                            </m:r>
+                          </m:sub>
+                        </m:sSub>
+                      </m:den>
+                    </m:f>
+                  </m:oMath>
+                </a14:m>
+                <a:endParaRPr lang="en-US" dirty="0" smtClean="0"/>
+              </a:p>
+              <a:p>
+                <a:pPr lvl="1"/>
+                <a:r>
+                  <a:rPr lang="en-US" dirty="0" smtClean="0"/>
+                  <a:t>…</a:t>
+                </a:r>
+                <a:endParaRPr lang="en-US" dirty="0"/>
+              </a:p>
+            </p:txBody>
+          </p:sp>
+        </mc:Choice>
+        <mc:Fallback>
+          <p:sp>
+            <p:nvSpPr>
+              <p:cNvPr id="3" name="Content Placeholder 2"/>
+              <p:cNvSpPr>
+                <a:spLocks noGrp="1" noRot="1" noChangeAspect="1" noMove="1" noResize="1" noEditPoints="1" noAdjustHandles="1" noChangeArrowheads="1" noChangeShapeType="1" noTextEdit="1"/>
+              </p:cNvSpPr>
+              <p:nvPr>
+                <p:ph idx="1"/>
+              </p:nvPr>
+            </p:nvSpPr>
+            <p:spPr>
+              <a:blipFill rotWithShape="0">
+                <a:blip r:embed="rId2"/>
+                <a:stretch>
+                  <a:fillRect l="-479" t="-806"/>
+                </a:stretch>
+              </a:blipFill>
+            </p:spPr>
+            <p:txBody>
+              <a:bodyPr/>
+              <a:lstStyle/>
+              <a:p>
+                <a:r>
+                  <a:rPr lang="en-US">
+                    <a:noFill/>
+                  </a:rPr>
+                  <a:t> </a:t>
+                </a:r>
+              </a:p>
+            </p:txBody>
+          </p:sp>
+        </mc:Fallback>
+      </mc:AlternateContent>
+    </p:spTree>
+    <p:extLst>
+      <p:ext uri="{BB962C8B-B14F-4D97-AF65-F5344CB8AC3E}">
+        <p14:creationId xmlns:p14="http://schemas.microsoft.com/office/powerpoint/2010/main" val="121698150"/>
+      </p:ext>
+    </p:extLst>
+  </p:cSld>
+  <p:clrMapOvr>
+    <a:masterClrMapping/>
+  </p:clrMapOvr>
+  <p:timing>
+    <p:tnLst>
+      <p:par>
+        <p:cTn id="1" dur="indefinite" restart="never" nodeType="tmRoot"/>
+      </p:par>
+    </p:tnLst>
+  </p:timing>
 </p:sld>
 </file>
 
@@ -9246,6 +10754,1558 @@
 </p:sld>
 </file>
 
+<file path=ppt/slides/slide20.xml><?xml version="1.0" encoding="utf-8"?>
+<p:sld xmlns:a="http://schemas.openxmlformats.org/drawingml/2006/main" xmlns:r="http://schemas.openxmlformats.org/officeDocument/2006/relationships" xmlns:p="http://schemas.openxmlformats.org/presentationml/2006/main">
+  <p:cSld>
+    <p:spTree>
+      <p:nvGrpSpPr>
+        <p:cNvPr id="1" name=""/>
+        <p:cNvGrpSpPr/>
+        <p:nvPr/>
+      </p:nvGrpSpPr>
+      <p:grpSpPr>
+        <a:xfrm>
+          <a:off x="0" y="0"/>
+          <a:ext cx="0" cy="0"/>
+          <a:chOff x="0" y="0"/>
+          <a:chExt cx="0" cy="0"/>
+        </a:xfrm>
+      </p:grpSpPr>
+      <p:sp>
+        <p:nvSpPr>
+          <p:cNvPr id="2" name="Title 1"/>
+          <p:cNvSpPr>
+            <a:spLocks noGrp="1"/>
+          </p:cNvSpPr>
+          <p:nvPr>
+            <p:ph type="title"/>
+          </p:nvPr>
+        </p:nvSpPr>
+        <p:spPr/>
+        <p:txBody>
+          <a:bodyPr/>
+          <a:lstStyle/>
+          <a:p>
+            <a:pPr algn="ctr"/>
+            <a:r>
+              <a:rPr lang="en-US" dirty="0" smtClean="0"/>
+              <a:t>Prediction</a:t>
+            </a:r>
+            <a:endParaRPr lang="en-US" dirty="0"/>
+          </a:p>
+        </p:txBody>
+      </p:sp>
+      <mc:AlternateContent xmlns:mc="http://schemas.openxmlformats.org/markup-compatibility/2006">
+        <mc:Choice xmlns:a14="http://schemas.microsoft.com/office/drawing/2010/main" Requires="a14">
+          <p:sp>
+            <p:nvSpPr>
+              <p:cNvPr id="3" name="Content Placeholder 2"/>
+              <p:cNvSpPr>
+                <a:spLocks noGrp="1"/>
+              </p:cNvSpPr>
+              <p:nvPr>
+                <p:ph idx="1"/>
+              </p:nvPr>
+            </p:nvSpPr>
+            <p:spPr/>
+            <p:txBody>
+              <a:bodyPr/>
+              <a:lstStyle/>
+              <a:p>
+                <a:r>
+                  <a:rPr lang="en-US" dirty="0" smtClean="0"/>
+                  <a:t>Augmented Embedding: </a:t>
+                </a:r>
+                <a14:m>
+                  <m:oMath xmlns:m="http://schemas.openxmlformats.org/officeDocument/2006/math">
+                    <m:r>
+                      <a:rPr lang="en-US" b="0" i="1" smtClean="0">
+                        <a:latin typeface="Cambria Math" panose="02040503050406030204" pitchFamily="18" charset="0"/>
+                      </a:rPr>
+                      <m:t>&lt;</m:t>
+                    </m:r>
+                    <m:sSub>
+                      <m:sSubPr>
+                        <m:ctrlPr>
+                          <a:rPr lang="en-US" b="0" i="0" smtClean="0">
+                            <a:latin typeface="Cambria Math" panose="02040503050406030204" pitchFamily="18" charset="0"/>
+                          </a:rPr>
+                        </m:ctrlPr>
+                      </m:sSubPr>
+                      <m:e>
+                        <m:r>
+                          <a:rPr lang="en-US" b="1" i="1" smtClean="0">
+                            <a:latin typeface="Cambria Math" panose="02040503050406030204" pitchFamily="18" charset="0"/>
+                          </a:rPr>
+                          <m:t>𝒙</m:t>
+                        </m:r>
+                      </m:e>
+                      <m:sub>
+                        <m:r>
+                          <m:rPr>
+                            <m:sty m:val="p"/>
+                          </m:rPr>
+                          <a:rPr lang="en-US" b="0" i="0" smtClean="0">
+                            <a:latin typeface="Cambria Math" panose="02040503050406030204" pitchFamily="18" charset="0"/>
+                          </a:rPr>
+                          <m:t>t</m:t>
+                        </m:r>
+                      </m:sub>
+                    </m:sSub>
+                    <m:r>
+                      <a:rPr lang="en-US" b="0" i="0" smtClean="0">
+                        <a:latin typeface="Cambria Math" panose="02040503050406030204" pitchFamily="18" charset="0"/>
+                      </a:rPr>
+                      <m:t>, </m:t>
+                    </m:r>
+                    <m:r>
+                      <m:rPr>
+                        <m:sty m:val="p"/>
+                      </m:rPr>
+                      <a:rPr lang="en-US" b="0" i="0" smtClean="0">
+                        <a:latin typeface="Cambria Math" panose="02040503050406030204" pitchFamily="18" charset="0"/>
+                      </a:rPr>
+                      <m:t>g</m:t>
+                    </m:r>
+                    <m:d>
+                      <m:dPr>
+                        <m:ctrlPr>
+                          <a:rPr lang="en-US" b="0" i="0" smtClean="0">
+                            <a:latin typeface="Cambria Math" panose="02040503050406030204" pitchFamily="18" charset="0"/>
+                          </a:rPr>
+                        </m:ctrlPr>
+                      </m:dPr>
+                      <m:e>
+                        <m:r>
+                          <m:rPr>
+                            <m:sty m:val="p"/>
+                          </m:rPr>
+                          <a:rPr lang="en-US" b="0" i="0" smtClean="0">
+                            <a:latin typeface="Cambria Math" panose="02040503050406030204" pitchFamily="18" charset="0"/>
+                          </a:rPr>
+                          <m:t>t</m:t>
+                        </m:r>
+                      </m:e>
+                    </m:d>
+                    <m:r>
+                      <a:rPr lang="en-US" b="0" i="0" smtClean="0">
+                        <a:latin typeface="Cambria Math" panose="02040503050406030204" pitchFamily="18" charset="0"/>
+                      </a:rPr>
+                      <m:t>&gt;</m:t>
+                    </m:r>
+                    <m:r>
+                      <a:rPr lang="en-US" b="0" i="1" smtClean="0">
+                        <a:latin typeface="Cambria Math" panose="02040503050406030204" pitchFamily="18" charset="0"/>
+                        <a:ea typeface="Cambria Math" panose="02040503050406030204" pitchFamily="18" charset="0"/>
+                      </a:rPr>
+                      <m:t>∈</m:t>
+                    </m:r>
+                    <m:sSup>
+                      <m:sSupPr>
+                        <m:ctrlPr>
+                          <a:rPr lang="en-US" b="0" i="1" smtClean="0">
+                            <a:latin typeface="Cambria Math" panose="02040503050406030204" pitchFamily="18" charset="0"/>
+                            <a:ea typeface="Cambria Math" panose="02040503050406030204" pitchFamily="18" charset="0"/>
+                          </a:rPr>
+                        </m:ctrlPr>
+                      </m:sSupPr>
+                      <m:e>
+                        <m:r>
+                          <a:rPr lang="en-US" b="0" i="1" smtClean="0">
+                            <a:latin typeface="Cambria Math" panose="02040503050406030204" pitchFamily="18" charset="0"/>
+                            <a:ea typeface="Cambria Math" panose="02040503050406030204" pitchFamily="18" charset="0"/>
+                          </a:rPr>
+                          <m:t>ℝ</m:t>
+                        </m:r>
+                      </m:e>
+                      <m:sup>
+                        <m:r>
+                          <a:rPr lang="en-US" b="0" i="1" smtClean="0">
+                            <a:latin typeface="Cambria Math" panose="02040503050406030204" pitchFamily="18" charset="0"/>
+                            <a:ea typeface="Cambria Math" panose="02040503050406030204" pitchFamily="18" charset="0"/>
+                          </a:rPr>
+                          <m:t>𝑄</m:t>
+                        </m:r>
+                        <m:r>
+                          <a:rPr lang="en-US" b="0" i="1" smtClean="0">
+                            <a:latin typeface="Cambria Math" panose="02040503050406030204" pitchFamily="18" charset="0"/>
+                            <a:ea typeface="Cambria Math" panose="02040503050406030204" pitchFamily="18" charset="0"/>
+                          </a:rPr>
+                          <m:t>+</m:t>
+                        </m:r>
+                        <m:r>
+                          <a:rPr lang="en-US" b="0" i="1" smtClean="0">
+                            <a:latin typeface="Cambria Math" panose="02040503050406030204" pitchFamily="18" charset="0"/>
+                            <a:ea typeface="Cambria Math" panose="02040503050406030204" pitchFamily="18" charset="0"/>
+                          </a:rPr>
+                          <m:t>1</m:t>
+                        </m:r>
+                      </m:sup>
+                    </m:sSup>
+                  </m:oMath>
+                </a14:m>
+                <a:endParaRPr lang="en-US" b="1" dirty="0"/>
+              </a:p>
+            </p:txBody>
+          </p:sp>
+        </mc:Choice>
+        <mc:Fallback>
+          <p:sp>
+            <p:nvSpPr>
+              <p:cNvPr id="3" name="Content Placeholder 2"/>
+              <p:cNvSpPr>
+                <a:spLocks noGrp="1" noRot="1" noChangeAspect="1" noMove="1" noResize="1" noEditPoints="1" noAdjustHandles="1" noChangeArrowheads="1" noChangeShapeType="1" noTextEdit="1"/>
+              </p:cNvSpPr>
+              <p:nvPr>
+                <p:ph idx="1"/>
+              </p:nvPr>
+            </p:nvSpPr>
+            <p:spPr>
+              <a:blipFill rotWithShape="0">
+                <a:blip r:embed="rId2"/>
+                <a:stretch>
+                  <a:fillRect l="-479" t="-806"/>
+                </a:stretch>
+              </a:blipFill>
+            </p:spPr>
+            <p:txBody>
+              <a:bodyPr/>
+              <a:lstStyle/>
+              <a:p>
+                <a:r>
+                  <a:rPr lang="en-US">
+                    <a:noFill/>
+                  </a:rPr>
+                  <a:t> </a:t>
+                </a:r>
+              </a:p>
+            </p:txBody>
+          </p:sp>
+        </mc:Fallback>
+      </mc:AlternateContent>
+      <p:pic>
+        <p:nvPicPr>
+          <p:cNvPr id="4" name="Picture 3"/>
+          <p:cNvPicPr>
+            <a:picLocks noChangeAspect="1"/>
+          </p:cNvPicPr>
+          <p:nvPr/>
+        </p:nvPicPr>
+        <p:blipFill>
+          <a:blip r:embed="rId3"/>
+          <a:stretch>
+            <a:fillRect/>
+          </a:stretch>
+        </p:blipFill>
+        <p:spPr>
+          <a:xfrm>
+            <a:off x="3252697" y="2582172"/>
+            <a:ext cx="5934435" cy="3813820"/>
+          </a:xfrm>
+          <a:prstGeom prst="rect">
+            <a:avLst/>
+          </a:prstGeom>
+        </p:spPr>
+      </p:pic>
+    </p:spTree>
+    <p:extLst>
+      <p:ext uri="{BB962C8B-B14F-4D97-AF65-F5344CB8AC3E}">
+        <p14:creationId xmlns:p14="http://schemas.microsoft.com/office/powerpoint/2010/main" val="3147586623"/>
+      </p:ext>
+    </p:extLst>
+  </p:cSld>
+  <p:clrMapOvr>
+    <a:masterClrMapping/>
+  </p:clrMapOvr>
+  <p:timing>
+    <p:tnLst>
+      <p:par>
+        <p:cTn id="1" dur="indefinite" restart="never" nodeType="tmRoot"/>
+      </p:par>
+    </p:tnLst>
+  </p:timing>
+</p:sld>
+</file>
+
+<file path=ppt/slides/slide21.xml><?xml version="1.0" encoding="utf-8"?>
+<p:sld xmlns:a="http://schemas.openxmlformats.org/drawingml/2006/main" xmlns:r="http://schemas.openxmlformats.org/officeDocument/2006/relationships" xmlns:p="http://schemas.openxmlformats.org/presentationml/2006/main">
+  <p:cSld>
+    <p:spTree>
+      <p:nvGrpSpPr>
+        <p:cNvPr id="1" name=""/>
+        <p:cNvGrpSpPr/>
+        <p:nvPr/>
+      </p:nvGrpSpPr>
+      <p:grpSpPr>
+        <a:xfrm>
+          <a:off x="0" y="0"/>
+          <a:ext cx="0" cy="0"/>
+          <a:chOff x="0" y="0"/>
+          <a:chExt cx="0" cy="0"/>
+        </a:xfrm>
+      </p:grpSpPr>
+      <p:sp>
+        <p:nvSpPr>
+          <p:cNvPr id="2" name="Title 1"/>
+          <p:cNvSpPr>
+            <a:spLocks noGrp="1"/>
+          </p:cNvSpPr>
+          <p:nvPr>
+            <p:ph type="title"/>
+          </p:nvPr>
+        </p:nvSpPr>
+        <p:spPr/>
+        <p:txBody>
+          <a:bodyPr/>
+          <a:lstStyle/>
+          <a:p>
+            <a:pPr algn="ctr"/>
+            <a:r>
+              <a:rPr lang="en-US" dirty="0" smtClean="0"/>
+              <a:t>Prediction</a:t>
+            </a:r>
+            <a:endParaRPr lang="en-US" dirty="0"/>
+          </a:p>
+        </p:txBody>
+      </p:sp>
+      <mc:AlternateContent xmlns:mc="http://schemas.openxmlformats.org/markup-compatibility/2006">
+        <mc:Choice xmlns:a14="http://schemas.microsoft.com/office/drawing/2010/main" Requires="a14">
+          <p:sp>
+            <p:nvSpPr>
+              <p:cNvPr id="3" name="Content Placeholder 2"/>
+              <p:cNvSpPr>
+                <a:spLocks noGrp="1"/>
+              </p:cNvSpPr>
+              <p:nvPr>
+                <p:ph idx="1"/>
+              </p:nvPr>
+            </p:nvSpPr>
+            <p:spPr>
+              <a:xfrm>
+                <a:off x="2589212" y="2133599"/>
+                <a:ext cx="8915400" cy="4336211"/>
+              </a:xfrm>
+            </p:spPr>
+            <p:txBody>
+              <a:bodyPr/>
+              <a:lstStyle/>
+              <a:p>
+                <a:pPr marL="0" indent="0" algn="ctr">
+                  <a:buNone/>
+                </a:pPr>
+                <a14:m>
+                  <m:oMathPara xmlns:m="http://schemas.openxmlformats.org/officeDocument/2006/math">
+                    <m:oMathParaPr>
+                      <m:jc m:val="centerGroup"/>
+                    </m:oMathParaPr>
+                    <m:oMath xmlns:m="http://schemas.openxmlformats.org/officeDocument/2006/math">
+                      <m:r>
+                        <m:rPr>
+                          <m:sty m:val="p"/>
+                        </m:rPr>
+                        <a:rPr lang="el-GR" i="1" smtClean="0">
+                          <a:latin typeface="Cambria Math" panose="02040503050406030204" pitchFamily="18" charset="0"/>
+                          <a:ea typeface="Cambria Math" panose="02040503050406030204" pitchFamily="18" charset="0"/>
+                        </a:rPr>
+                        <m:t>Λ</m:t>
+                      </m:r>
+                      <m:r>
+                        <a:rPr lang="en-US" b="0" i="1" smtClean="0">
+                          <a:latin typeface="Cambria Math" panose="02040503050406030204" pitchFamily="18" charset="0"/>
+                          <a:ea typeface="Cambria Math" panose="02040503050406030204" pitchFamily="18" charset="0"/>
+                        </a:rPr>
+                        <m:t>=</m:t>
+                      </m:r>
+                      <m:d>
+                        <m:dPr>
+                          <m:begChr m:val="{"/>
+                          <m:endChr m:val="}"/>
+                          <m:ctrlPr>
+                            <a:rPr lang="en-US" b="0" i="1" smtClean="0">
+                              <a:latin typeface="Cambria Math" panose="02040503050406030204" pitchFamily="18" charset="0"/>
+                              <a:ea typeface="Cambria Math" panose="02040503050406030204" pitchFamily="18" charset="0"/>
+                            </a:rPr>
+                          </m:ctrlPr>
+                        </m:dPr>
+                        <m:e>
+                          <m:r>
+                            <a:rPr lang="en-US" b="0" i="1" smtClean="0">
+                              <a:latin typeface="Cambria Math" panose="02040503050406030204" pitchFamily="18" charset="0"/>
+                              <a:ea typeface="Cambria Math" panose="02040503050406030204" pitchFamily="18" charset="0"/>
+                            </a:rPr>
+                            <m:t>𝑡</m:t>
+                          </m:r>
+                          <m:r>
+                            <a:rPr lang="en-US" b="0" i="1" smtClean="0">
+                              <a:latin typeface="Cambria Math" panose="02040503050406030204" pitchFamily="18" charset="0"/>
+                              <a:ea typeface="Cambria Math" panose="02040503050406030204" pitchFamily="18" charset="0"/>
+                            </a:rPr>
+                            <m:t>:</m:t>
+                          </m:r>
+                          <m:r>
+                            <a:rPr lang="en-US" b="0" i="1" smtClean="0">
+                              <a:latin typeface="Cambria Math" panose="02040503050406030204" pitchFamily="18" charset="0"/>
+                              <a:ea typeface="Cambria Math" panose="02040503050406030204" pitchFamily="18" charset="0"/>
+                            </a:rPr>
+                            <m:t>𝑡</m:t>
+                          </m:r>
+                          <m:r>
+                            <a:rPr lang="en-US" b="0" i="1" smtClean="0">
+                              <a:latin typeface="Cambria Math" panose="02040503050406030204" pitchFamily="18" charset="0"/>
+                              <a:ea typeface="Cambria Math" panose="02040503050406030204" pitchFamily="18" charset="0"/>
+                            </a:rPr>
+                            <m:t>=</m:t>
+                          </m:r>
+                          <m:d>
+                            <m:dPr>
+                              <m:ctrlPr>
+                                <a:rPr lang="en-US" b="0" i="1" smtClean="0">
+                                  <a:latin typeface="Cambria Math" panose="02040503050406030204" pitchFamily="18" charset="0"/>
+                                  <a:ea typeface="Cambria Math" panose="02040503050406030204" pitchFamily="18" charset="0"/>
+                                </a:rPr>
+                              </m:ctrlPr>
+                            </m:dPr>
+                            <m:e>
+                              <m:r>
+                                <a:rPr lang="en-US" b="0" i="1" smtClean="0">
+                                  <a:latin typeface="Cambria Math" panose="02040503050406030204" pitchFamily="18" charset="0"/>
+                                  <a:ea typeface="Cambria Math" panose="02040503050406030204" pitchFamily="18" charset="0"/>
+                                </a:rPr>
+                                <m:t>𝑄</m:t>
+                              </m:r>
+                              <m:r>
+                                <a:rPr lang="en-US" b="0" i="1" smtClean="0">
+                                  <a:latin typeface="Cambria Math" panose="02040503050406030204" pitchFamily="18" charset="0"/>
+                                  <a:ea typeface="Cambria Math" panose="02040503050406030204" pitchFamily="18" charset="0"/>
+                                </a:rPr>
+                                <m:t>−1</m:t>
+                              </m:r>
+                            </m:e>
+                          </m:d>
+                          <m:r>
+                            <a:rPr lang="en-US" b="0" i="1" smtClean="0">
+                              <a:latin typeface="Cambria Math" panose="02040503050406030204" pitchFamily="18" charset="0"/>
+                              <a:ea typeface="Cambria Math" panose="02040503050406030204" pitchFamily="18" charset="0"/>
+                            </a:rPr>
+                            <m:t>𝜏</m:t>
+                          </m:r>
+                          <m:r>
+                            <a:rPr lang="en-US" b="0" i="1" smtClean="0">
+                              <a:latin typeface="Cambria Math" panose="02040503050406030204" pitchFamily="18" charset="0"/>
+                              <a:ea typeface="Cambria Math" panose="02040503050406030204" pitchFamily="18" charset="0"/>
+                            </a:rPr>
+                            <m:t>+1,…,</m:t>
+                          </m:r>
+                          <m:r>
+                            <a:rPr lang="en-US" b="0" i="1" smtClean="0">
+                              <a:latin typeface="Cambria Math" panose="02040503050406030204" pitchFamily="18" charset="0"/>
+                              <a:ea typeface="Cambria Math" panose="02040503050406030204" pitchFamily="18" charset="0"/>
+                            </a:rPr>
+                            <m:t>𝑁</m:t>
+                          </m:r>
+                        </m:e>
+                      </m:d>
+                    </m:oMath>
+                  </m:oMathPara>
+                </a14:m>
+                <a:endParaRPr lang="en-US" b="0" dirty="0" smtClean="0">
+                  <a:ea typeface="Cambria Math" panose="02040503050406030204" pitchFamily="18" charset="0"/>
+                </a:endParaRPr>
+              </a:p>
+              <a:p>
+                <a:pPr marL="0" indent="0" algn="ctr">
+                  <a:buNone/>
+                </a:pPr>
+                <a14:m>
+                  <m:oMathPara xmlns:m="http://schemas.openxmlformats.org/officeDocument/2006/math">
+                    <m:oMathParaPr>
+                      <m:jc m:val="centerGroup"/>
+                    </m:oMathParaPr>
+                    <m:oMath xmlns:m="http://schemas.openxmlformats.org/officeDocument/2006/math">
+                      <m:r>
+                        <a:rPr lang="en-US" b="0" i="1" smtClean="0">
+                          <a:latin typeface="Cambria Math" panose="02040503050406030204" pitchFamily="18" charset="0"/>
+                        </a:rPr>
+                        <m:t>𝑀</m:t>
+                      </m:r>
+                      <m:r>
+                        <a:rPr lang="en-US" b="0" i="1" smtClean="0">
+                          <a:latin typeface="Cambria Math" panose="02040503050406030204" pitchFamily="18" charset="0"/>
+                        </a:rPr>
+                        <m:t>=</m:t>
+                      </m:r>
+                      <m:d>
+                        <m:dPr>
+                          <m:begChr m:val="{"/>
+                          <m:endChr m:val="}"/>
+                          <m:ctrlPr>
+                            <a:rPr lang="en-US" b="0" i="1" smtClean="0">
+                              <a:latin typeface="Cambria Math" panose="02040503050406030204" pitchFamily="18" charset="0"/>
+                            </a:rPr>
+                          </m:ctrlPr>
+                        </m:dPr>
+                        <m:e>
+                          <m:r>
+                            <a:rPr lang="en-US" b="0" i="1" smtClean="0">
+                              <a:latin typeface="Cambria Math" panose="02040503050406030204" pitchFamily="18" charset="0"/>
+                            </a:rPr>
+                            <m:t>𝑡</m:t>
+                          </m:r>
+                          <m:r>
+                            <a:rPr lang="en-US" b="0" i="1" smtClean="0">
+                              <a:latin typeface="Cambria Math" panose="02040503050406030204" pitchFamily="18" charset="0"/>
+                            </a:rPr>
+                            <m:t>:</m:t>
+                          </m:r>
+                          <m:sSub>
+                            <m:sSubPr>
+                              <m:ctrlPr>
+                                <a:rPr lang="en-US" b="0" i="1" smtClean="0">
+                                  <a:latin typeface="Cambria Math" panose="02040503050406030204" pitchFamily="18" charset="0"/>
+                                </a:rPr>
+                              </m:ctrlPr>
+                            </m:sSubPr>
+                            <m:e>
+                              <m:r>
+                                <a:rPr lang="en-US" b="1" i="1" smtClean="0">
+                                  <a:latin typeface="Cambria Math" panose="02040503050406030204" pitchFamily="18" charset="0"/>
+                                </a:rPr>
+                                <m:t>𝒙</m:t>
+                              </m:r>
+                            </m:e>
+                            <m:sub>
+                              <m:r>
+                                <a:rPr lang="en-US" b="0" i="1" smtClean="0">
+                                  <a:latin typeface="Cambria Math" panose="02040503050406030204" pitchFamily="18" charset="0"/>
+                                </a:rPr>
+                                <m:t>𝑡</m:t>
+                              </m:r>
+                            </m:sub>
+                          </m:sSub>
+                          <m:r>
+                            <a:rPr lang="en-US" b="0" i="1" smtClean="0">
+                              <a:latin typeface="Cambria Math" panose="02040503050406030204" pitchFamily="18" charset="0"/>
+                              <a:ea typeface="Cambria Math" panose="02040503050406030204" pitchFamily="18" charset="0"/>
+                            </a:rPr>
+                            <m:t>∈</m:t>
+                          </m:r>
+                          <m:r>
+                            <a:rPr lang="en-US" b="0" i="1" smtClean="0">
+                              <a:latin typeface="Cambria Math" panose="02040503050406030204" pitchFamily="18" charset="0"/>
+                              <a:ea typeface="Cambria Math" panose="02040503050406030204" pitchFamily="18" charset="0"/>
+                            </a:rPr>
+                            <m:t>𝑃</m:t>
+                          </m:r>
+                          <m:r>
+                            <a:rPr lang="en-US" b="0" i="1" smtClean="0">
+                              <a:latin typeface="Cambria Math" panose="02040503050406030204" pitchFamily="18" charset="0"/>
+                              <a:ea typeface="Cambria Math" panose="02040503050406030204" pitchFamily="18" charset="0"/>
+                            </a:rPr>
+                            <m:t>, </m:t>
+                          </m:r>
+                          <m:r>
+                            <a:rPr lang="en-US" b="0" i="1" smtClean="0">
+                              <a:latin typeface="Cambria Math" panose="02040503050406030204" pitchFamily="18" charset="0"/>
+                              <a:ea typeface="Cambria Math" panose="02040503050406030204" pitchFamily="18" charset="0"/>
+                            </a:rPr>
+                            <m:t>𝑡</m:t>
+                          </m:r>
+                          <m:r>
+                            <a:rPr lang="en-US" b="0" i="1" smtClean="0">
+                              <a:latin typeface="Cambria Math" panose="02040503050406030204" pitchFamily="18" charset="0"/>
+                              <a:ea typeface="Cambria Math" panose="02040503050406030204" pitchFamily="18" charset="0"/>
+                            </a:rPr>
+                            <m:t>∈</m:t>
+                          </m:r>
+                          <m:r>
+                            <m:rPr>
+                              <m:sty m:val="p"/>
+                            </m:rPr>
+                            <a:rPr lang="en-US" b="0" i="0" smtClean="0">
+                              <a:latin typeface="Cambria Math" panose="02040503050406030204" pitchFamily="18" charset="0"/>
+                              <a:ea typeface="Cambria Math" panose="02040503050406030204" pitchFamily="18" charset="0"/>
+                            </a:rPr>
+                            <m:t>Λ</m:t>
+                          </m:r>
+                        </m:e>
+                      </m:d>
+                    </m:oMath>
+                  </m:oMathPara>
+                </a14:m>
+                <a:endParaRPr lang="en-US" b="0" dirty="0" smtClean="0">
+                  <a:ea typeface="Cambria Math" panose="02040503050406030204" pitchFamily="18" charset="0"/>
+                </a:endParaRPr>
+              </a:p>
+              <a:p>
+                <a:pPr marL="0" indent="0" algn="ctr">
+                  <a:buNone/>
+                </a:pPr>
+                <a14:m>
+                  <m:oMathPara xmlns:m="http://schemas.openxmlformats.org/officeDocument/2006/math">
+                    <m:oMathParaPr>
+                      <m:jc m:val="centerGroup"/>
+                    </m:oMathParaPr>
+                    <m:oMath xmlns:m="http://schemas.openxmlformats.org/officeDocument/2006/math">
+                      <m:acc>
+                        <m:accPr>
+                          <m:chr m:val="̃"/>
+                          <m:ctrlPr>
+                            <a:rPr lang="en-US" i="1" smtClean="0">
+                              <a:latin typeface="Cambria Math" panose="02040503050406030204" pitchFamily="18" charset="0"/>
+                            </a:rPr>
+                          </m:ctrlPr>
+                        </m:accPr>
+                        <m:e>
+                          <m:r>
+                            <a:rPr lang="en-US" b="0" i="1" smtClean="0">
+                              <a:latin typeface="Cambria Math" panose="02040503050406030204" pitchFamily="18" charset="0"/>
+                            </a:rPr>
+                            <m:t>𝑀</m:t>
+                          </m:r>
+                        </m:e>
+                      </m:acc>
+                      <m:r>
+                        <a:rPr lang="en-US" b="0" i="1" smtClean="0">
+                          <a:latin typeface="Cambria Math" panose="02040503050406030204" pitchFamily="18" charset="0"/>
+                        </a:rPr>
+                        <m:t>=</m:t>
+                      </m:r>
+                      <m:d>
+                        <m:dPr>
+                          <m:begChr m:val="{"/>
+                          <m:endChr m:val="}"/>
+                          <m:ctrlPr>
+                            <a:rPr lang="en-US" b="0" i="1" smtClean="0">
+                              <a:latin typeface="Cambria Math" panose="02040503050406030204" pitchFamily="18" charset="0"/>
+                            </a:rPr>
+                          </m:ctrlPr>
+                        </m:dPr>
+                        <m:e>
+                          <m:r>
+                            <a:rPr lang="en-US" b="0" i="1" smtClean="0">
+                              <a:latin typeface="Cambria Math" panose="02040503050406030204" pitchFamily="18" charset="0"/>
+                            </a:rPr>
+                            <m:t>𝑡</m:t>
+                          </m:r>
+                          <m:r>
+                            <a:rPr lang="en-US" b="0" i="1" smtClean="0">
+                              <a:latin typeface="Cambria Math" panose="02040503050406030204" pitchFamily="18" charset="0"/>
+                            </a:rPr>
+                            <m:t>:</m:t>
+                          </m:r>
+                          <m:sSub>
+                            <m:sSubPr>
+                              <m:ctrlPr>
+                                <a:rPr lang="en-US" b="0" i="1" smtClean="0">
+                                  <a:latin typeface="Cambria Math" panose="02040503050406030204" pitchFamily="18" charset="0"/>
+                                </a:rPr>
+                              </m:ctrlPr>
+                            </m:sSubPr>
+                            <m:e>
+                              <m:r>
+                                <a:rPr lang="en-US" b="1" i="1" smtClean="0">
+                                  <a:latin typeface="Cambria Math" panose="02040503050406030204" pitchFamily="18" charset="0"/>
+                                </a:rPr>
+                                <m:t>𝒙</m:t>
+                              </m:r>
+                            </m:e>
+                            <m:sub>
+                              <m:r>
+                                <a:rPr lang="en-US" b="0" i="1" smtClean="0">
+                                  <a:latin typeface="Cambria Math" panose="02040503050406030204" pitchFamily="18" charset="0"/>
+                                </a:rPr>
+                                <m:t>𝑡</m:t>
+                              </m:r>
+                            </m:sub>
+                          </m:sSub>
+                          <m:r>
+                            <a:rPr lang="en-US" b="0" i="1" smtClean="0">
+                              <a:latin typeface="Cambria Math" panose="02040503050406030204" pitchFamily="18" charset="0"/>
+                            </a:rPr>
+                            <m:t>∉</m:t>
+                          </m:r>
+                          <m:r>
+                            <m:rPr>
+                              <m:sty m:val="p"/>
+                            </m:rPr>
+                            <a:rPr lang="en-US" b="0" i="0" smtClean="0">
+                              <a:latin typeface="Cambria Math" panose="02040503050406030204" pitchFamily="18" charset="0"/>
+                            </a:rPr>
+                            <m:t>Λ</m:t>
+                          </m:r>
+                        </m:e>
+                      </m:d>
+                    </m:oMath>
+                  </m:oMathPara>
+                </a14:m>
+                <a:endParaRPr lang="en-US" b="0" dirty="0" smtClean="0"/>
+              </a:p>
+              <a:p>
+                <a:pPr marL="0" indent="0" algn="ctr">
+                  <a:buNone/>
+                </a:pPr>
+                <a14:m>
+                  <m:oMathPara xmlns:m="http://schemas.openxmlformats.org/officeDocument/2006/math">
+                    <m:oMathParaPr>
+                      <m:jc m:val="centerGroup"/>
+                    </m:oMathParaPr>
+                    <m:oMath xmlns:m="http://schemas.openxmlformats.org/officeDocument/2006/math">
+                      <m:sSub>
+                        <m:sSubPr>
+                          <m:ctrlPr>
+                            <a:rPr lang="en-US" i="1">
+                              <a:latin typeface="Cambria Math" panose="02040503050406030204" pitchFamily="18" charset="0"/>
+                              <a:ea typeface="Cambria Math" panose="02040503050406030204" pitchFamily="18" charset="0"/>
+                            </a:rPr>
+                          </m:ctrlPr>
+                        </m:sSubPr>
+                        <m:e>
+                          <m:r>
+                            <a:rPr lang="en-US" i="1">
+                              <a:latin typeface="Cambria Math" panose="02040503050406030204" pitchFamily="18" charset="0"/>
+                              <a:ea typeface="Cambria Math" panose="02040503050406030204" pitchFamily="18" charset="0"/>
+                            </a:rPr>
+                            <m:t>𝜇</m:t>
+                          </m:r>
+                        </m:e>
+                        <m:sub>
+                          <m:r>
+                            <a:rPr lang="en-US" i="1">
+                              <a:latin typeface="Cambria Math" panose="02040503050406030204" pitchFamily="18" charset="0"/>
+                              <a:ea typeface="Cambria Math" panose="02040503050406030204" pitchFamily="18" charset="0"/>
+                            </a:rPr>
+                            <m:t>𝑀</m:t>
+                          </m:r>
+                        </m:sub>
+                      </m:sSub>
+                      <m:r>
+                        <a:rPr lang="en-US" i="1">
+                          <a:latin typeface="Cambria Math" panose="02040503050406030204" pitchFamily="18" charset="0"/>
+                          <a:ea typeface="Cambria Math" panose="02040503050406030204" pitchFamily="18" charset="0"/>
+                        </a:rPr>
+                        <m:t>=</m:t>
+                      </m:r>
+                      <m:f>
+                        <m:fPr>
+                          <m:ctrlPr>
+                            <a:rPr lang="en-US" i="1">
+                              <a:latin typeface="Cambria Math" panose="02040503050406030204" pitchFamily="18" charset="0"/>
+                              <a:ea typeface="Cambria Math" panose="02040503050406030204" pitchFamily="18" charset="0"/>
+                            </a:rPr>
+                          </m:ctrlPr>
+                        </m:fPr>
+                        <m:num>
+                          <m:r>
+                            <a:rPr lang="en-US" i="1">
+                              <a:latin typeface="Cambria Math" panose="02040503050406030204" pitchFamily="18" charset="0"/>
+                              <a:ea typeface="Cambria Math" panose="02040503050406030204" pitchFamily="18" charset="0"/>
+                            </a:rPr>
+                            <m:t>1</m:t>
+                          </m:r>
+                        </m:num>
+                        <m:den>
+                          <m:r>
+                            <a:rPr lang="en-US" i="1">
+                              <a:latin typeface="Cambria Math" panose="02040503050406030204" pitchFamily="18" charset="0"/>
+                              <a:ea typeface="Cambria Math" panose="02040503050406030204" pitchFamily="18" charset="0"/>
+                            </a:rPr>
+                            <m:t>|</m:t>
+                          </m:r>
+                          <m:r>
+                            <a:rPr lang="en-US" i="1">
+                              <a:latin typeface="Cambria Math" panose="02040503050406030204" pitchFamily="18" charset="0"/>
+                              <a:ea typeface="Cambria Math" panose="02040503050406030204" pitchFamily="18" charset="0"/>
+                            </a:rPr>
+                            <m:t>𝑀</m:t>
+                          </m:r>
+                          <m:r>
+                            <a:rPr lang="en-US" i="1">
+                              <a:latin typeface="Cambria Math" panose="02040503050406030204" pitchFamily="18" charset="0"/>
+                              <a:ea typeface="Cambria Math" panose="02040503050406030204" pitchFamily="18" charset="0"/>
+                            </a:rPr>
+                            <m:t>|</m:t>
+                          </m:r>
+                        </m:den>
+                      </m:f>
+                      <m:nary>
+                        <m:naryPr>
+                          <m:chr m:val="∑"/>
+                          <m:supHide m:val="on"/>
+                          <m:ctrlPr>
+                            <a:rPr lang="en-US" i="1">
+                              <a:latin typeface="Cambria Math" panose="02040503050406030204" pitchFamily="18" charset="0"/>
+                              <a:ea typeface="Cambria Math" panose="02040503050406030204" pitchFamily="18" charset="0"/>
+                            </a:rPr>
+                          </m:ctrlPr>
+                        </m:naryPr>
+                        <m:sub>
+                          <m:r>
+                            <a:rPr lang="en-US" i="1">
+                              <a:latin typeface="Cambria Math" panose="02040503050406030204" pitchFamily="18" charset="0"/>
+                              <a:ea typeface="Cambria Math" panose="02040503050406030204" pitchFamily="18" charset="0"/>
+                            </a:rPr>
+                            <m:t>𝑡</m:t>
+                          </m:r>
+                          <m:r>
+                            <a:rPr lang="en-US" i="1">
+                              <a:latin typeface="Cambria Math" panose="02040503050406030204" pitchFamily="18" charset="0"/>
+                              <a:ea typeface="Cambria Math" panose="02040503050406030204" pitchFamily="18" charset="0"/>
+                            </a:rPr>
+                            <m:t>∈</m:t>
+                          </m:r>
+                          <m:r>
+                            <a:rPr lang="en-US" i="1">
+                              <a:latin typeface="Cambria Math" panose="02040503050406030204" pitchFamily="18" charset="0"/>
+                              <a:ea typeface="Cambria Math" panose="02040503050406030204" pitchFamily="18" charset="0"/>
+                            </a:rPr>
+                            <m:t>𝑀</m:t>
+                          </m:r>
+                        </m:sub>
+                        <m:sup/>
+                        <m:e>
+                          <m:r>
+                            <a:rPr lang="en-US" i="1">
+                              <a:latin typeface="Cambria Math" panose="02040503050406030204" pitchFamily="18" charset="0"/>
+                              <a:ea typeface="Cambria Math" panose="02040503050406030204" pitchFamily="18" charset="0"/>
+                            </a:rPr>
+                            <m:t>𝑔</m:t>
+                          </m:r>
+                          <m:r>
+                            <a:rPr lang="en-US" i="1">
+                              <a:latin typeface="Cambria Math" panose="02040503050406030204" pitchFamily="18" charset="0"/>
+                              <a:ea typeface="Cambria Math" panose="02040503050406030204" pitchFamily="18" charset="0"/>
+                            </a:rPr>
+                            <m:t>(</m:t>
+                          </m:r>
+                          <m:r>
+                            <a:rPr lang="en-US" i="1">
+                              <a:latin typeface="Cambria Math" panose="02040503050406030204" pitchFamily="18" charset="0"/>
+                              <a:ea typeface="Cambria Math" panose="02040503050406030204" pitchFamily="18" charset="0"/>
+                            </a:rPr>
+                            <m:t>𝑡</m:t>
+                          </m:r>
+                          <m:r>
+                            <a:rPr lang="en-US" i="1">
+                              <a:latin typeface="Cambria Math" panose="02040503050406030204" pitchFamily="18" charset="0"/>
+                              <a:ea typeface="Cambria Math" panose="02040503050406030204" pitchFamily="18" charset="0"/>
+                            </a:rPr>
+                            <m:t>)</m:t>
+                          </m:r>
+                        </m:e>
+                      </m:nary>
+                    </m:oMath>
+                  </m:oMathPara>
+                </a14:m>
+                <a:endParaRPr lang="en-US" dirty="0" smtClean="0"/>
+              </a:p>
+              <a:p>
+                <a:pPr marL="0" indent="0" algn="ctr">
+                  <a:buNone/>
+                </a:pPr>
+                <a14:m>
+                  <m:oMathPara xmlns:m="http://schemas.openxmlformats.org/officeDocument/2006/math">
+                    <m:oMathParaPr>
+                      <m:jc m:val="centerGroup"/>
+                    </m:oMathParaPr>
+                    <m:oMath xmlns:m="http://schemas.openxmlformats.org/officeDocument/2006/math">
+                      <m:sSubSup>
+                        <m:sSubSupPr>
+                          <m:ctrlPr>
+                            <a:rPr lang="en-US" i="1" smtClean="0">
+                              <a:latin typeface="Cambria Math" panose="02040503050406030204" pitchFamily="18" charset="0"/>
+                            </a:rPr>
+                          </m:ctrlPr>
+                        </m:sSubSupPr>
+                        <m:e>
+                          <m:r>
+                            <a:rPr lang="en-US" b="0" i="1" smtClean="0">
+                              <a:latin typeface="Cambria Math" panose="02040503050406030204" pitchFamily="18" charset="0"/>
+                            </a:rPr>
+                            <m:t>𝜎</m:t>
+                          </m:r>
+                        </m:e>
+                        <m:sub>
+                          <m:r>
+                            <a:rPr lang="en-US" b="0" i="1" smtClean="0">
+                              <a:latin typeface="Cambria Math" panose="02040503050406030204" pitchFamily="18" charset="0"/>
+                            </a:rPr>
+                            <m:t>𝑀</m:t>
+                          </m:r>
+                        </m:sub>
+                        <m:sup>
+                          <m:r>
+                            <a:rPr lang="en-US" b="0" i="1" smtClean="0">
+                              <a:latin typeface="Cambria Math" panose="02040503050406030204" pitchFamily="18" charset="0"/>
+                            </a:rPr>
+                            <m:t>2</m:t>
+                          </m:r>
+                        </m:sup>
+                      </m:sSubSup>
+                      <m:r>
+                        <a:rPr lang="en-US" b="0" i="1" smtClean="0">
+                          <a:latin typeface="Cambria Math" panose="02040503050406030204" pitchFamily="18" charset="0"/>
+                        </a:rPr>
+                        <m:t>=</m:t>
+                      </m:r>
+                      <m:f>
+                        <m:fPr>
+                          <m:ctrlPr>
+                            <a:rPr lang="en-US" b="0" i="1" smtClean="0">
+                              <a:latin typeface="Cambria Math" panose="02040503050406030204" pitchFamily="18" charset="0"/>
+                            </a:rPr>
+                          </m:ctrlPr>
+                        </m:fPr>
+                        <m:num>
+                          <m:r>
+                            <a:rPr lang="en-US" b="0" i="1" smtClean="0">
+                              <a:latin typeface="Cambria Math" panose="02040503050406030204" pitchFamily="18" charset="0"/>
+                            </a:rPr>
+                            <m:t>1</m:t>
+                          </m:r>
+                        </m:num>
+                        <m:den>
+                          <m:r>
+                            <a:rPr lang="en-US" b="0" i="1" smtClean="0">
+                              <a:latin typeface="Cambria Math" panose="02040503050406030204" pitchFamily="18" charset="0"/>
+                            </a:rPr>
+                            <m:t>|</m:t>
+                          </m:r>
+                          <m:r>
+                            <a:rPr lang="en-US" b="0" i="1" smtClean="0">
+                              <a:latin typeface="Cambria Math" panose="02040503050406030204" pitchFamily="18" charset="0"/>
+                            </a:rPr>
+                            <m:t>𝑀</m:t>
+                          </m:r>
+                          <m:r>
+                            <a:rPr lang="en-US" b="0" i="1" smtClean="0">
+                              <a:latin typeface="Cambria Math" panose="02040503050406030204" pitchFamily="18" charset="0"/>
+                            </a:rPr>
+                            <m:t>|</m:t>
+                          </m:r>
+                        </m:den>
+                      </m:f>
+                      <m:nary>
+                        <m:naryPr>
+                          <m:chr m:val="∑"/>
+                          <m:supHide m:val="on"/>
+                          <m:ctrlPr>
+                            <a:rPr lang="en-US" b="0" i="1" smtClean="0">
+                              <a:latin typeface="Cambria Math" panose="02040503050406030204" pitchFamily="18" charset="0"/>
+                            </a:rPr>
+                          </m:ctrlPr>
+                        </m:naryPr>
+                        <m:sub>
+                          <m:r>
+                            <a:rPr lang="en-US" b="0" i="1" smtClean="0">
+                              <a:latin typeface="Cambria Math" panose="02040503050406030204" pitchFamily="18" charset="0"/>
+                            </a:rPr>
+                            <m:t>𝑡</m:t>
+                          </m:r>
+                          <m:r>
+                            <a:rPr lang="en-US" b="0" i="1" smtClean="0">
+                              <a:latin typeface="Cambria Math" panose="02040503050406030204" pitchFamily="18" charset="0"/>
+                            </a:rPr>
+                            <m:t>∈</m:t>
+                          </m:r>
+                          <m:r>
+                            <a:rPr lang="en-US" b="0" i="1" smtClean="0">
+                              <a:latin typeface="Cambria Math" panose="02040503050406030204" pitchFamily="18" charset="0"/>
+                            </a:rPr>
+                            <m:t>𝑀</m:t>
+                          </m:r>
+                        </m:sub>
+                        <m:sup/>
+                        <m:e>
+                          <m:sSup>
+                            <m:sSupPr>
+                              <m:ctrlPr>
+                                <a:rPr lang="en-US" b="0" i="1" smtClean="0">
+                                  <a:latin typeface="Cambria Math" panose="02040503050406030204" pitchFamily="18" charset="0"/>
+                                </a:rPr>
+                              </m:ctrlPr>
+                            </m:sSupPr>
+                            <m:e>
+                              <m:r>
+                                <a:rPr lang="en-US" b="0" i="1" smtClean="0">
+                                  <a:latin typeface="Cambria Math" panose="02040503050406030204" pitchFamily="18" charset="0"/>
+                                </a:rPr>
+                                <m:t>(</m:t>
+                              </m:r>
+                              <m:r>
+                                <a:rPr lang="en-US" b="0" i="1" smtClean="0">
+                                  <a:latin typeface="Cambria Math" panose="02040503050406030204" pitchFamily="18" charset="0"/>
+                                </a:rPr>
+                                <m:t>𝑔</m:t>
+                              </m:r>
+                              <m:d>
+                                <m:dPr>
+                                  <m:ctrlPr>
+                                    <a:rPr lang="en-US" b="0" i="1" smtClean="0">
+                                      <a:latin typeface="Cambria Math" panose="02040503050406030204" pitchFamily="18" charset="0"/>
+                                    </a:rPr>
+                                  </m:ctrlPr>
+                                </m:dPr>
+                                <m:e>
+                                  <m:r>
+                                    <a:rPr lang="en-US" b="0" i="1" smtClean="0">
+                                      <a:latin typeface="Cambria Math" panose="02040503050406030204" pitchFamily="18" charset="0"/>
+                                    </a:rPr>
+                                    <m:t>𝑡</m:t>
+                                  </m:r>
+                                </m:e>
+                              </m:d>
+                              <m:r>
+                                <a:rPr lang="en-US" b="0" i="1" smtClean="0">
+                                  <a:latin typeface="Cambria Math" panose="02040503050406030204" pitchFamily="18" charset="0"/>
+                                </a:rPr>
+                                <m:t>−</m:t>
+                              </m:r>
+                              <m:sSubSup>
+                                <m:sSubSupPr>
+                                  <m:ctrlPr>
+                                    <a:rPr lang="en-US" b="0" i="1" smtClean="0">
+                                      <a:latin typeface="Cambria Math" panose="02040503050406030204" pitchFamily="18" charset="0"/>
+                                    </a:rPr>
+                                  </m:ctrlPr>
+                                </m:sSubSupPr>
+                                <m:e>
+                                  <m:r>
+                                    <a:rPr lang="en-US" b="0" i="1" smtClean="0">
+                                      <a:latin typeface="Cambria Math" panose="02040503050406030204" pitchFamily="18" charset="0"/>
+                                    </a:rPr>
+                                    <m:t>𝜇</m:t>
+                                  </m:r>
+                                </m:e>
+                                <m:sub>
+                                  <m:r>
+                                    <a:rPr lang="en-US" b="0" i="1" smtClean="0">
+                                      <a:latin typeface="Cambria Math" panose="02040503050406030204" pitchFamily="18" charset="0"/>
+                                    </a:rPr>
+                                    <m:t>𝑀</m:t>
+                                  </m:r>
+                                </m:sub>
+                                <m:sup/>
+                              </m:sSubSup>
+                              <m:r>
+                                <a:rPr lang="en-US" b="0" i="1" smtClean="0">
+                                  <a:latin typeface="Cambria Math" panose="02040503050406030204" pitchFamily="18" charset="0"/>
+                                </a:rPr>
+                                <m:t>)</m:t>
+                              </m:r>
+                            </m:e>
+                            <m:sup>
+                              <m:r>
+                                <a:rPr lang="en-US" b="0" i="1" smtClean="0">
+                                  <a:latin typeface="Cambria Math" panose="02040503050406030204" pitchFamily="18" charset="0"/>
+                                </a:rPr>
+                                <m:t>2</m:t>
+                              </m:r>
+                            </m:sup>
+                          </m:sSup>
+                        </m:e>
+                      </m:nary>
+                    </m:oMath>
+                  </m:oMathPara>
+                </a14:m>
+                <a:endParaRPr lang="en-US" dirty="0" smtClean="0"/>
+              </a:p>
+              <a:p>
+                <a:pPr marL="0" indent="0">
+                  <a:buNone/>
+                </a:pPr>
+                <a:r>
+                  <a:rPr lang="en-US" dirty="0"/>
+                  <a:t>Objection </a:t>
+                </a:r>
+                <a:r>
+                  <a:rPr lang="en-US" dirty="0" smtClean="0"/>
+                  <a:t>function: T test</a:t>
+                </a:r>
+                <a:endParaRPr lang="en-US" dirty="0"/>
+              </a:p>
+              <a:p>
+                <a:pPr marL="0" indent="0" algn="ctr">
+                  <a:buNone/>
+                </a:pPr>
+                <a14:m>
+                  <m:oMathPara xmlns:m="http://schemas.openxmlformats.org/officeDocument/2006/math">
+                    <m:oMathParaPr>
+                      <m:jc m:val="centerGroup"/>
+                    </m:oMathParaPr>
+                    <m:oMath xmlns:m="http://schemas.openxmlformats.org/officeDocument/2006/math">
+                      <m:r>
+                        <a:rPr lang="en-US" b="0" i="1" smtClean="0">
+                          <a:latin typeface="Cambria Math" panose="02040503050406030204" pitchFamily="18" charset="0"/>
+                        </a:rPr>
+                        <m:t>𝑓</m:t>
+                      </m:r>
+                      <m:d>
+                        <m:dPr>
+                          <m:ctrlPr>
+                            <a:rPr lang="en-US" b="0" i="1" smtClean="0">
+                              <a:latin typeface="Cambria Math" panose="02040503050406030204" pitchFamily="18" charset="0"/>
+                            </a:rPr>
+                          </m:ctrlPr>
+                        </m:dPr>
+                        <m:e>
+                          <m:r>
+                            <a:rPr lang="en-US" b="0" i="1" smtClean="0">
+                              <a:latin typeface="Cambria Math" panose="02040503050406030204" pitchFamily="18" charset="0"/>
+                            </a:rPr>
+                            <m:t>𝑃</m:t>
+                          </m:r>
+                        </m:e>
+                      </m:d>
+                      <m:r>
+                        <a:rPr lang="en-US" b="0" i="1" smtClean="0">
+                          <a:latin typeface="Cambria Math" panose="02040503050406030204" pitchFamily="18" charset="0"/>
+                        </a:rPr>
+                        <m:t>=</m:t>
+                      </m:r>
+                      <m:f>
+                        <m:fPr>
+                          <m:ctrlPr>
+                            <a:rPr lang="en-US" b="0" i="1" smtClean="0">
+                              <a:latin typeface="Cambria Math" panose="02040503050406030204" pitchFamily="18" charset="0"/>
+                            </a:rPr>
+                          </m:ctrlPr>
+                        </m:fPr>
+                        <m:num>
+                          <m:sSub>
+                            <m:sSubPr>
+                              <m:ctrlPr>
+                                <a:rPr lang="en-US" b="0" i="1" smtClean="0">
+                                  <a:latin typeface="Cambria Math" panose="02040503050406030204" pitchFamily="18" charset="0"/>
+                                </a:rPr>
+                              </m:ctrlPr>
+                            </m:sSubPr>
+                            <m:e>
+                              <m:r>
+                                <a:rPr lang="en-US" b="0" i="1" smtClean="0">
+                                  <a:latin typeface="Cambria Math" panose="02040503050406030204" pitchFamily="18" charset="0"/>
+                                </a:rPr>
+                                <m:t>𝜇</m:t>
+                              </m:r>
+                            </m:e>
+                            <m:sub>
+                              <m:r>
+                                <a:rPr lang="en-US" b="0" i="1" smtClean="0">
+                                  <a:latin typeface="Cambria Math" panose="02040503050406030204" pitchFamily="18" charset="0"/>
+                                </a:rPr>
+                                <m:t>𝑀</m:t>
+                              </m:r>
+                            </m:sub>
+                          </m:sSub>
+                          <m:r>
+                            <a:rPr lang="en-US" b="0" i="1" smtClean="0">
+                              <a:latin typeface="Cambria Math" panose="02040503050406030204" pitchFamily="18" charset="0"/>
+                            </a:rPr>
+                            <m:t>−</m:t>
+                          </m:r>
+                          <m:sSub>
+                            <m:sSubPr>
+                              <m:ctrlPr>
+                                <a:rPr lang="en-US" b="0" i="1" smtClean="0">
+                                  <a:latin typeface="Cambria Math" panose="02040503050406030204" pitchFamily="18" charset="0"/>
+                                </a:rPr>
+                              </m:ctrlPr>
+                            </m:sSubPr>
+                            <m:e>
+                              <m:r>
+                                <a:rPr lang="en-US" b="0" i="1" smtClean="0">
+                                  <a:latin typeface="Cambria Math" panose="02040503050406030204" pitchFamily="18" charset="0"/>
+                                </a:rPr>
+                                <m:t>𝜇</m:t>
+                              </m:r>
+                            </m:e>
+                            <m:sub>
+                              <m:acc>
+                                <m:accPr>
+                                  <m:chr m:val="̃"/>
+                                  <m:ctrlPr>
+                                    <a:rPr lang="en-US" b="0" i="1" smtClean="0">
+                                      <a:latin typeface="Cambria Math" panose="02040503050406030204" pitchFamily="18" charset="0"/>
+                                    </a:rPr>
+                                  </m:ctrlPr>
+                                </m:accPr>
+                                <m:e>
+                                  <m:r>
+                                    <a:rPr lang="en-US" b="0" i="1" smtClean="0">
+                                      <a:latin typeface="Cambria Math" panose="02040503050406030204" pitchFamily="18" charset="0"/>
+                                    </a:rPr>
+                                    <m:t>𝑀</m:t>
+                                  </m:r>
+                                </m:e>
+                              </m:acc>
+                            </m:sub>
+                          </m:sSub>
+                        </m:num>
+                        <m:den>
+                          <m:rad>
+                            <m:radPr>
+                              <m:degHide m:val="on"/>
+                              <m:ctrlPr>
+                                <a:rPr lang="en-US" b="0" i="1" smtClean="0">
+                                  <a:latin typeface="Cambria Math" panose="02040503050406030204" pitchFamily="18" charset="0"/>
+                                </a:rPr>
+                              </m:ctrlPr>
+                            </m:radPr>
+                            <m:deg/>
+                            <m:e>
+                              <m:f>
+                                <m:fPr>
+                                  <m:ctrlPr>
+                                    <a:rPr lang="en-US" b="0" i="1" smtClean="0">
+                                      <a:latin typeface="Cambria Math" panose="02040503050406030204" pitchFamily="18" charset="0"/>
+                                    </a:rPr>
+                                  </m:ctrlPr>
+                                </m:fPr>
+                                <m:num>
+                                  <m:sSubSup>
+                                    <m:sSubSupPr>
+                                      <m:ctrlPr>
+                                        <a:rPr lang="en-US" b="0" i="1" smtClean="0">
+                                          <a:latin typeface="Cambria Math" panose="02040503050406030204" pitchFamily="18" charset="0"/>
+                                        </a:rPr>
+                                      </m:ctrlPr>
+                                    </m:sSubSupPr>
+                                    <m:e>
+                                      <m:r>
+                                        <a:rPr lang="en-US" b="0" i="1" smtClean="0">
+                                          <a:latin typeface="Cambria Math" panose="02040503050406030204" pitchFamily="18" charset="0"/>
+                                        </a:rPr>
+                                        <m:t>𝜎</m:t>
+                                      </m:r>
+                                    </m:e>
+                                    <m:sub>
+                                      <m:r>
+                                        <a:rPr lang="en-US" b="0" i="1" smtClean="0">
+                                          <a:latin typeface="Cambria Math" panose="02040503050406030204" pitchFamily="18" charset="0"/>
+                                        </a:rPr>
+                                        <m:t>𝑀</m:t>
+                                      </m:r>
+                                    </m:sub>
+                                    <m:sup>
+                                      <m:r>
+                                        <a:rPr lang="en-US" b="0" i="1" smtClean="0">
+                                          <a:latin typeface="Cambria Math" panose="02040503050406030204" pitchFamily="18" charset="0"/>
+                                        </a:rPr>
+                                        <m:t>2</m:t>
+                                      </m:r>
+                                    </m:sup>
+                                  </m:sSubSup>
+                                </m:num>
+                                <m:den>
+                                  <m:r>
+                                    <a:rPr lang="en-US" b="0" i="1" smtClean="0">
+                                      <a:latin typeface="Cambria Math" panose="02040503050406030204" pitchFamily="18" charset="0"/>
+                                    </a:rPr>
+                                    <m:t>|</m:t>
+                                  </m:r>
+                                  <m:r>
+                                    <a:rPr lang="en-US" b="0" i="1" smtClean="0">
+                                      <a:latin typeface="Cambria Math" panose="02040503050406030204" pitchFamily="18" charset="0"/>
+                                    </a:rPr>
+                                    <m:t>𝑀</m:t>
+                                  </m:r>
+                                  <m:r>
+                                    <a:rPr lang="en-US" b="0" i="1" smtClean="0">
+                                      <a:latin typeface="Cambria Math" panose="02040503050406030204" pitchFamily="18" charset="0"/>
+                                    </a:rPr>
+                                    <m:t>|</m:t>
+                                  </m:r>
+                                </m:den>
+                              </m:f>
+                              <m:r>
+                                <a:rPr lang="en-US" b="0" i="1" smtClean="0">
+                                  <a:latin typeface="Cambria Math" panose="02040503050406030204" pitchFamily="18" charset="0"/>
+                                </a:rPr>
+                                <m:t>+</m:t>
+                              </m:r>
+                              <m:f>
+                                <m:fPr>
+                                  <m:ctrlPr>
+                                    <a:rPr lang="en-US" b="0" i="1" smtClean="0">
+                                      <a:latin typeface="Cambria Math" panose="02040503050406030204" pitchFamily="18" charset="0"/>
+                                    </a:rPr>
+                                  </m:ctrlPr>
+                                </m:fPr>
+                                <m:num>
+                                  <m:sSubSup>
+                                    <m:sSubSupPr>
+                                      <m:ctrlPr>
+                                        <a:rPr lang="en-US" b="0" i="1" smtClean="0">
+                                          <a:latin typeface="Cambria Math" panose="02040503050406030204" pitchFamily="18" charset="0"/>
+                                        </a:rPr>
+                                      </m:ctrlPr>
+                                    </m:sSubSupPr>
+                                    <m:e>
+                                      <m:r>
+                                        <a:rPr lang="en-US" b="0" i="1" smtClean="0">
+                                          <a:latin typeface="Cambria Math" panose="02040503050406030204" pitchFamily="18" charset="0"/>
+                                        </a:rPr>
+                                        <m:t>𝜎</m:t>
+                                      </m:r>
+                                    </m:e>
+                                    <m:sub>
+                                      <m:acc>
+                                        <m:accPr>
+                                          <m:chr m:val="̃"/>
+                                          <m:ctrlPr>
+                                            <a:rPr lang="en-US" b="0" i="1" smtClean="0">
+                                              <a:latin typeface="Cambria Math" panose="02040503050406030204" pitchFamily="18" charset="0"/>
+                                            </a:rPr>
+                                          </m:ctrlPr>
+                                        </m:accPr>
+                                        <m:e>
+                                          <m:r>
+                                            <a:rPr lang="en-US" b="0" i="1" smtClean="0">
+                                              <a:latin typeface="Cambria Math" panose="02040503050406030204" pitchFamily="18" charset="0"/>
+                                            </a:rPr>
+                                            <m:t>𝑀</m:t>
+                                          </m:r>
+                                        </m:e>
+                                      </m:acc>
+                                    </m:sub>
+                                    <m:sup>
+                                      <m:r>
+                                        <a:rPr lang="en-US" b="0" i="1" smtClean="0">
+                                          <a:latin typeface="Cambria Math" panose="02040503050406030204" pitchFamily="18" charset="0"/>
+                                        </a:rPr>
+                                        <m:t>2</m:t>
+                                      </m:r>
+                                    </m:sup>
+                                  </m:sSubSup>
+                                </m:num>
+                                <m:den>
+                                  <m:r>
+                                    <a:rPr lang="en-US" b="0" i="1" smtClean="0">
+                                      <a:latin typeface="Cambria Math" panose="02040503050406030204" pitchFamily="18" charset="0"/>
+                                    </a:rPr>
+                                    <m:t>|</m:t>
+                                  </m:r>
+                                  <m:acc>
+                                    <m:accPr>
+                                      <m:chr m:val="̃"/>
+                                      <m:ctrlPr>
+                                        <a:rPr lang="en-US" b="0" i="1" smtClean="0">
+                                          <a:latin typeface="Cambria Math" panose="02040503050406030204" pitchFamily="18" charset="0"/>
+                                        </a:rPr>
+                                      </m:ctrlPr>
+                                    </m:accPr>
+                                    <m:e>
+                                      <m:r>
+                                        <a:rPr lang="en-US" b="0" i="1" smtClean="0">
+                                          <a:latin typeface="Cambria Math" panose="02040503050406030204" pitchFamily="18" charset="0"/>
+                                        </a:rPr>
+                                        <m:t>𝑀</m:t>
+                                      </m:r>
+                                      <m:r>
+                                        <a:rPr lang="en-US" b="0" i="1" smtClean="0">
+                                          <a:latin typeface="Cambria Math" panose="02040503050406030204" pitchFamily="18" charset="0"/>
+                                        </a:rPr>
+                                        <m:t>|</m:t>
+                                      </m:r>
+                                    </m:e>
+                                  </m:acc>
+                                </m:den>
+                              </m:f>
+                            </m:e>
+                          </m:rad>
+                        </m:den>
+                      </m:f>
+                    </m:oMath>
+                  </m:oMathPara>
+                </a14:m>
+                <a:endParaRPr lang="en-US" dirty="0" smtClean="0"/>
+              </a:p>
+              <a:p>
+                <a:pPr marL="0" indent="0">
+                  <a:buNone/>
+                </a:pPr>
+                <a:r>
+                  <a:rPr lang="en-US" dirty="0" smtClean="0"/>
+                  <a:t>Optimization: </a:t>
+                </a:r>
+                <a:r>
+                  <a:rPr lang="en-US" smtClean="0"/>
+                  <a:t>Genetic Algorithm</a:t>
+                </a:r>
+                <a:endParaRPr lang="en-US" dirty="0" smtClean="0"/>
+              </a:p>
+              <a:p>
+                <a:pPr marL="0" indent="0" algn="ctr">
+                  <a:buNone/>
+                </a:pPr>
+                <a:endParaRPr lang="en-US" dirty="0"/>
+              </a:p>
+            </p:txBody>
+          </p:sp>
+        </mc:Choice>
+        <mc:Fallback>
+          <p:sp>
+            <p:nvSpPr>
+              <p:cNvPr id="3" name="Content Placeholder 2"/>
+              <p:cNvSpPr>
+                <a:spLocks noGrp="1" noRot="1" noChangeAspect="1" noMove="1" noResize="1" noEditPoints="1" noAdjustHandles="1" noChangeArrowheads="1" noChangeShapeType="1" noTextEdit="1"/>
+              </p:cNvSpPr>
+              <p:nvPr>
+                <p:ph idx="1"/>
+              </p:nvPr>
+            </p:nvSpPr>
+            <p:spPr>
+              <a:xfrm>
+                <a:off x="2589212" y="2133599"/>
+                <a:ext cx="8915400" cy="4336211"/>
+              </a:xfrm>
+              <a:blipFill rotWithShape="0">
+                <a:blip r:embed="rId2"/>
+                <a:stretch>
+                  <a:fillRect l="-616"/>
+                </a:stretch>
+              </a:blipFill>
+            </p:spPr>
+            <p:txBody>
+              <a:bodyPr/>
+              <a:lstStyle/>
+              <a:p>
+                <a:r>
+                  <a:rPr lang="en-US">
+                    <a:noFill/>
+                  </a:rPr>
+                  <a:t> </a:t>
+                </a:r>
+              </a:p>
+            </p:txBody>
+          </p:sp>
+        </mc:Fallback>
+      </mc:AlternateContent>
+    </p:spTree>
+    <p:extLst>
+      <p:ext uri="{BB962C8B-B14F-4D97-AF65-F5344CB8AC3E}">
+        <p14:creationId xmlns:p14="http://schemas.microsoft.com/office/powerpoint/2010/main" val="41482502"/>
+      </p:ext>
+    </p:extLst>
+  </p:cSld>
+  <p:clrMapOvr>
+    <a:masterClrMapping/>
+  </p:clrMapOvr>
+  <p:timing>
+    <p:tnLst>
+      <p:par>
+        <p:cTn id="1" dur="indefinite" restart="never" nodeType="tmRoot"/>
+      </p:par>
+    </p:tnLst>
+  </p:timing>
+</p:sld>
+</file>
+
+<file path=ppt/slides/slide22.xml><?xml version="1.0" encoding="utf-8"?>
+<p:sld xmlns:a="http://schemas.openxmlformats.org/drawingml/2006/main" xmlns:r="http://schemas.openxmlformats.org/officeDocument/2006/relationships" xmlns:p="http://schemas.openxmlformats.org/presentationml/2006/main">
+  <p:cSld>
+    <p:spTree>
+      <p:nvGrpSpPr>
+        <p:cNvPr id="1" name=""/>
+        <p:cNvGrpSpPr/>
+        <p:nvPr/>
+      </p:nvGrpSpPr>
+      <p:grpSpPr>
+        <a:xfrm>
+          <a:off x="0" y="0"/>
+          <a:ext cx="0" cy="0"/>
+          <a:chOff x="0" y="0"/>
+          <a:chExt cx="0" cy="0"/>
+        </a:xfrm>
+      </p:grpSpPr>
+      <p:sp>
+        <p:nvSpPr>
+          <p:cNvPr id="2" name="Title 1"/>
+          <p:cNvSpPr>
+            <a:spLocks noGrp="1"/>
+          </p:cNvSpPr>
+          <p:nvPr>
+            <p:ph type="title"/>
+          </p:nvPr>
+        </p:nvSpPr>
+        <p:spPr/>
+        <p:txBody>
+          <a:bodyPr/>
+          <a:lstStyle/>
+          <a:p>
+            <a:pPr algn="ctr"/>
+            <a:r>
+              <a:rPr lang="en-US" altLang="zh-CN" dirty="0" smtClean="0"/>
+              <a:t>Regression</a:t>
+            </a:r>
+            <a:endParaRPr lang="en-US" dirty="0"/>
+          </a:p>
+        </p:txBody>
+      </p:sp>
+      <p:sp>
+        <p:nvSpPr>
+          <p:cNvPr id="3" name="Content Placeholder 2"/>
+          <p:cNvSpPr>
+            <a:spLocks noGrp="1"/>
+          </p:cNvSpPr>
+          <p:nvPr>
+            <p:ph idx="1"/>
+          </p:nvPr>
+        </p:nvSpPr>
+        <p:spPr/>
+        <p:txBody>
+          <a:bodyPr/>
+          <a:lstStyle/>
+          <a:p>
+            <a:r>
+              <a:rPr lang="en-US" dirty="0" smtClean="0"/>
+              <a:t>Given </a:t>
+            </a:r>
+            <a:r>
+              <a:rPr lang="en-US" dirty="0"/>
+              <a:t>a query time series </a:t>
+            </a:r>
+            <a:r>
+              <a:rPr lang="en-US" i="1" dirty="0"/>
+              <a:t>t</a:t>
+            </a:r>
+            <a:r>
+              <a:rPr lang="en-US" dirty="0"/>
+              <a:t>, prediction the next certain number of data points of </a:t>
+            </a:r>
+            <a:r>
+              <a:rPr lang="en-US" i="1" dirty="0"/>
+              <a:t>t</a:t>
+            </a:r>
+            <a:r>
+              <a:rPr lang="en-US" dirty="0"/>
+              <a:t>.</a:t>
+            </a:r>
+          </a:p>
+          <a:p>
+            <a:endParaRPr lang="en-US" dirty="0"/>
+          </a:p>
+        </p:txBody>
+      </p:sp>
+    </p:spTree>
+    <p:extLst>
+      <p:ext uri="{BB962C8B-B14F-4D97-AF65-F5344CB8AC3E}">
+        <p14:creationId xmlns:p14="http://schemas.microsoft.com/office/powerpoint/2010/main" val="3976458822"/>
+      </p:ext>
+    </p:extLst>
+  </p:cSld>
+  <p:clrMapOvr>
+    <a:masterClrMapping/>
+  </p:clrMapOvr>
+  <p:timing>
+    <p:tnLst>
+      <p:par>
+        <p:cTn id="1" dur="indefinite" restart="never" nodeType="tmRoot"/>
+      </p:par>
+    </p:tnLst>
+  </p:timing>
+</p:sld>
+</file>
+
 <file path=ppt/slides/slide3.xml><?xml version="1.0" encoding="utf-8"?>
 <p:sld xmlns:a="http://schemas.openxmlformats.org/drawingml/2006/main" xmlns:r="http://schemas.openxmlformats.org/officeDocument/2006/relationships" xmlns:p="http://schemas.openxmlformats.org/presentationml/2006/main">
   <p:cSld>
@@ -9509,7 +12569,6 @@
               <a:rPr lang="en-US" dirty="0" smtClean="0"/>
               <a:t>Classification</a:t>
             </a:r>
-            <a:endParaRPr lang="en-US" dirty="0" smtClean="0"/>
           </a:p>
           <a:p>
             <a:r>

--- a/slide/tsdm.pptx
+++ b/slide/tsdm.pptx
@@ -20,13 +20,19 @@
     <p:sldId id="269" r:id="rId14"/>
     <p:sldId id="270" r:id="rId15"/>
     <p:sldId id="271" r:id="rId16"/>
-    <p:sldId id="272" r:id="rId17"/>
-    <p:sldId id="274" r:id="rId18"/>
-    <p:sldId id="275" r:id="rId19"/>
-    <p:sldId id="276" r:id="rId20"/>
-    <p:sldId id="277" r:id="rId21"/>
-    <p:sldId id="278" r:id="rId22"/>
-    <p:sldId id="273" r:id="rId23"/>
+    <p:sldId id="279" r:id="rId17"/>
+    <p:sldId id="280" r:id="rId18"/>
+    <p:sldId id="281" r:id="rId19"/>
+    <p:sldId id="282" r:id="rId20"/>
+    <p:sldId id="283" r:id="rId21"/>
+    <p:sldId id="284" r:id="rId22"/>
+    <p:sldId id="272" r:id="rId23"/>
+    <p:sldId id="274" r:id="rId24"/>
+    <p:sldId id="275" r:id="rId25"/>
+    <p:sldId id="276" r:id="rId26"/>
+    <p:sldId id="277" r:id="rId27"/>
+    <p:sldId id="278" r:id="rId28"/>
+    <p:sldId id="273" r:id="rId29"/>
   </p:sldIdLst>
   <p:sldSz cx="12192000" cy="6858000"/>
   <p:notesSz cx="6858000" cy="9144000"/>
@@ -8791,15 +8797,65 @@
           <a:lstStyle/>
           <a:p>
             <a:r>
+              <a:rPr lang="en-US" dirty="0"/>
+              <a:t>Given a time series T, produce the best representation using only </a:t>
+            </a:r>
+            <a:r>
               <a:rPr lang="en-US" dirty="0" smtClean="0"/>
-              <a:t>Given </a:t>
-            </a:r>
+              <a:t>K segments.</a:t>
+            </a:r>
+          </a:p>
+          <a:p>
             <a:r>
               <a:rPr lang="en-US" dirty="0"/>
-              <a:t>a time series Q containing n data points, construct a model Q’, from K piecewise segments (K&lt;&lt;n) such that Q’ closely approximates Q</a:t>
-            </a:r>
-          </a:p>
-          <a:p>
+              <a:t>Given a time series T, produce the best representation such that the </a:t>
+            </a:r>
+            <a:r>
+              <a:rPr lang="en-US" dirty="0" smtClean="0"/>
+              <a:t>maximum error </a:t>
+            </a:r>
+            <a:r>
+              <a:rPr lang="en-US" dirty="0"/>
+              <a:t>for any segment does not exceed some user-specified </a:t>
+            </a:r>
+            <a:r>
+              <a:rPr lang="en-US" dirty="0" smtClean="0"/>
+              <a:t>threshold, max error.</a:t>
+            </a:r>
+          </a:p>
+          <a:p>
+            <a:r>
+              <a:rPr lang="en-US" dirty="0"/>
+              <a:t>Given a time series </a:t>
+            </a:r>
+            <a:r>
+              <a:rPr lang="en-US" i="1" dirty="0"/>
+              <a:t>T</a:t>
+            </a:r>
+            <a:r>
+              <a:rPr lang="en-US" dirty="0"/>
+              <a:t>, produce the best representation such that </a:t>
+            </a:r>
+            <a:r>
+              <a:rPr lang="en-US" dirty="0" smtClean="0"/>
+              <a:t>the combined </a:t>
+            </a:r>
+            <a:r>
+              <a:rPr lang="en-US" dirty="0"/>
+              <a:t>error of all segments is less than some user-specified </a:t>
+            </a:r>
+            <a:r>
+              <a:rPr lang="en-US" dirty="0" smtClean="0"/>
+              <a:t>threshold, total </a:t>
+            </a:r>
+            <a:r>
+              <a:rPr lang="en-US" dirty="0"/>
+              <a:t>max </a:t>
+            </a:r>
+            <a:r>
+              <a:rPr lang="en-US" dirty="0" smtClean="0"/>
+              <a:t>error.</a:t>
+            </a:r>
             <a:endParaRPr lang="en-US" dirty="0"/>
           </a:p>
         </p:txBody>
@@ -8858,8 +8914,144 @@
           <a:p>
             <a:pPr algn="ctr"/>
             <a:r>
+              <a:rPr lang="en-US" altLang="zh-CN" dirty="0" smtClean="0"/>
+              <a:t>Segmentation Basic Approaches</a:t>
+            </a:r>
+            <a:endParaRPr lang="en-US" dirty="0"/>
+          </a:p>
+        </p:txBody>
+      </p:sp>
+      <p:sp>
+        <p:nvSpPr>
+          <p:cNvPr id="3" name="Content Placeholder 2"/>
+          <p:cNvSpPr>
+            <a:spLocks noGrp="1"/>
+          </p:cNvSpPr>
+          <p:nvPr>
+            <p:ph idx="1"/>
+          </p:nvPr>
+        </p:nvSpPr>
+        <p:spPr/>
+        <p:txBody>
+          <a:bodyPr/>
+          <a:lstStyle/>
+          <a:p>
+            <a:r>
+              <a:rPr lang="en-US" dirty="0"/>
+              <a:t>Sliding Windows: A segment is grown until it exceeds some error </a:t>
+            </a:r>
+            <a:r>
               <a:rPr lang="en-US" dirty="0" smtClean="0"/>
-              <a:t>Prediction</a:t>
+              <a:t>bound. The </a:t>
+            </a:r>
+            <a:r>
+              <a:rPr lang="en-US" dirty="0"/>
+              <a:t>process repeats with the next data point not included in the </a:t>
+            </a:r>
+            <a:r>
+              <a:rPr lang="en-US" dirty="0" smtClean="0"/>
+              <a:t>newly approximated segment.</a:t>
+            </a:r>
+          </a:p>
+          <a:p>
+            <a:r>
+              <a:rPr lang="en-US" i="1" dirty="0"/>
+              <a:t>Top-Down: </a:t>
+            </a:r>
+            <a:r>
+              <a:rPr lang="en-US" dirty="0"/>
+              <a:t>The time series is recursively partitioned until some </a:t>
+            </a:r>
+            <a:r>
+              <a:rPr lang="en-US" dirty="0" smtClean="0"/>
+              <a:t>stopping criteria </a:t>
+            </a:r>
+            <a:r>
+              <a:rPr lang="en-US" dirty="0"/>
+              <a:t>is </a:t>
+            </a:r>
+            <a:r>
+              <a:rPr lang="en-US" dirty="0" smtClean="0"/>
+              <a:t>met.</a:t>
+            </a:r>
+          </a:p>
+          <a:p>
+            <a:r>
+              <a:rPr lang="en-US" dirty="0"/>
+              <a:t>Bottom-Up: Starting from the finest possible approximation, </a:t>
+            </a:r>
+            <a:r>
+              <a:rPr lang="en-US" dirty="0" smtClean="0"/>
+              <a:t>segments are </a:t>
+            </a:r>
+            <a:r>
+              <a:rPr lang="en-US" dirty="0"/>
+              <a:t>merged until some stopping criteria is </a:t>
+            </a:r>
+            <a:r>
+              <a:rPr lang="en-US" dirty="0" smtClean="0"/>
+              <a:t>met.</a:t>
+            </a:r>
+            <a:endParaRPr lang="en-US" dirty="0"/>
+          </a:p>
+        </p:txBody>
+      </p:sp>
+    </p:spTree>
+    <p:extLst>
+      <p:ext uri="{BB962C8B-B14F-4D97-AF65-F5344CB8AC3E}">
+        <p14:creationId xmlns:p14="http://schemas.microsoft.com/office/powerpoint/2010/main" val="949513244"/>
+      </p:ext>
+    </p:extLst>
+  </p:cSld>
+  <p:clrMapOvr>
+    <a:masterClrMapping/>
+  </p:clrMapOvr>
+  <p:timing>
+    <p:tnLst>
+      <p:par>
+        <p:cTn id="1" dur="indefinite" restart="never" nodeType="tmRoot"/>
+      </p:par>
+    </p:tnLst>
+  </p:timing>
+</p:sld>
+</file>
+
+<file path=ppt/slides/slide17.xml><?xml version="1.0" encoding="utf-8"?>
+<p:sld xmlns:a="http://schemas.openxmlformats.org/drawingml/2006/main" xmlns:r="http://schemas.openxmlformats.org/officeDocument/2006/relationships" xmlns:p="http://schemas.openxmlformats.org/presentationml/2006/main">
+  <p:cSld>
+    <p:spTree>
+      <p:nvGrpSpPr>
+        <p:cNvPr id="1" name=""/>
+        <p:cNvGrpSpPr/>
+        <p:nvPr/>
+      </p:nvGrpSpPr>
+      <p:grpSpPr>
+        <a:xfrm>
+          <a:off x="0" y="0"/>
+          <a:ext cx="0" cy="0"/>
+          <a:chOff x="0" y="0"/>
+          <a:chExt cx="0" cy="0"/>
+        </a:xfrm>
+      </p:grpSpPr>
+      <p:sp>
+        <p:nvSpPr>
+          <p:cNvPr id="2" name="Title 1"/>
+          <p:cNvSpPr>
+            <a:spLocks noGrp="1"/>
+          </p:cNvSpPr>
+          <p:nvPr>
+            <p:ph type="title"/>
+          </p:nvPr>
+        </p:nvSpPr>
+        <p:spPr/>
+        <p:txBody>
+          <a:bodyPr/>
+          <a:lstStyle/>
+          <a:p>
+            <a:pPr algn="ctr"/>
+            <a:r>
+              <a:rPr lang="en-US" dirty="0" smtClean="0"/>
+              <a:t>Create Segments</a:t>
             </a:r>
             <a:endParaRPr lang="en-US" dirty="0"/>
           </a:p>
@@ -8867,6 +9059,2691 @@
       </p:sp>
       <mc:AlternateContent xmlns:mc="http://schemas.openxmlformats.org/markup-compatibility/2006">
         <mc:Choice xmlns:a14="http://schemas.microsoft.com/office/drawing/2010/main" Requires="a14">
+          <p:sp>
+            <p:nvSpPr>
+              <p:cNvPr id="3" name="Content Placeholder 2"/>
+              <p:cNvSpPr>
+                <a:spLocks noGrp="1"/>
+              </p:cNvSpPr>
+              <p:nvPr>
+                <p:ph idx="1"/>
+              </p:nvPr>
+            </p:nvSpPr>
+            <p:spPr/>
+            <p:txBody>
+              <a:bodyPr/>
+              <a:lstStyle/>
+              <a:p>
+                <a:r>
+                  <a:rPr lang="en-US" dirty="0" smtClean="0"/>
+                  <a:t>Linear Interpolation: Here the approximating line for the subsequence T[a </a:t>
+                </a:r>
+                <a:r>
+                  <a:rPr lang="en-US" dirty="0"/>
+                  <a:t>: b] is simply the line connecting </a:t>
+                </a:r>
+                <a14:m>
+                  <m:oMath xmlns:m="http://schemas.openxmlformats.org/officeDocument/2006/math">
+                    <m:sSub>
+                      <m:sSubPr>
+                        <m:ctrlPr>
+                          <a:rPr lang="en-US" b="0" i="1" smtClean="0">
+                            <a:latin typeface="Cambria Math" panose="02040503050406030204" pitchFamily="18" charset="0"/>
+                          </a:rPr>
+                        </m:ctrlPr>
+                      </m:sSubPr>
+                      <m:e>
+                        <m:r>
+                          <a:rPr lang="en-US" b="0" i="1" smtClean="0">
+                            <a:latin typeface="Cambria Math" panose="02040503050406030204" pitchFamily="18" charset="0"/>
+                          </a:rPr>
+                          <m:t>𝑡</m:t>
+                        </m:r>
+                      </m:e>
+                      <m:sub>
+                        <m:r>
+                          <a:rPr lang="en-US" b="0" i="1" smtClean="0">
+                            <a:latin typeface="Cambria Math" panose="02040503050406030204" pitchFamily="18" charset="0"/>
+                          </a:rPr>
+                          <m:t>𝑎</m:t>
+                        </m:r>
+                      </m:sub>
+                    </m:sSub>
+                  </m:oMath>
+                </a14:m>
+                <a:r>
+                  <a:rPr lang="en-US" dirty="0" smtClean="0"/>
+                  <a:t> </a:t>
+                </a:r>
+                <a:r>
+                  <a:rPr lang="en-US" dirty="0"/>
+                  <a:t>and </a:t>
+                </a:r>
+                <a14:m>
+                  <m:oMath xmlns:m="http://schemas.openxmlformats.org/officeDocument/2006/math">
+                    <m:sSub>
+                      <m:sSubPr>
+                        <m:ctrlPr>
+                          <a:rPr lang="en-US" b="0" i="1" dirty="0" smtClean="0">
+                            <a:latin typeface="Cambria Math" panose="02040503050406030204" pitchFamily="18" charset="0"/>
+                          </a:rPr>
+                        </m:ctrlPr>
+                      </m:sSubPr>
+                      <m:e>
+                        <m:r>
+                          <a:rPr lang="en-US" b="0" i="1" dirty="0" smtClean="0">
+                            <a:latin typeface="Cambria Math" panose="02040503050406030204" pitchFamily="18" charset="0"/>
+                          </a:rPr>
+                          <m:t>𝑡</m:t>
+                        </m:r>
+                      </m:e>
+                      <m:sub>
+                        <m:r>
+                          <a:rPr lang="en-US" b="0" i="1" dirty="0" smtClean="0">
+                            <a:latin typeface="Cambria Math" panose="02040503050406030204" pitchFamily="18" charset="0"/>
+                          </a:rPr>
+                          <m:t>𝑏</m:t>
+                        </m:r>
+                      </m:sub>
+                    </m:sSub>
+                  </m:oMath>
+                </a14:m>
+                <a:r>
+                  <a:rPr lang="en-US" dirty="0"/>
+                  <a:t>. This can be obtained </a:t>
+                </a:r>
+                <a:r>
+                  <a:rPr lang="en-US" dirty="0" smtClean="0"/>
+                  <a:t>in constant time.</a:t>
+                </a:r>
+              </a:p>
+              <a:p>
+                <a:r>
+                  <a:rPr lang="en-US" dirty="0"/>
+                  <a:t>Linear Regression: Here the approximating line for the </a:t>
+                </a:r>
+                <a:r>
+                  <a:rPr lang="en-US" dirty="0" smtClean="0"/>
+                  <a:t>subsequence T[a </a:t>
+                </a:r>
+                <a:r>
+                  <a:rPr lang="en-US" dirty="0"/>
+                  <a:t>: b] is taken to be the best fitting line in the least squares </a:t>
+                </a:r>
+                <a:r>
+                  <a:rPr lang="en-US" dirty="0" smtClean="0"/>
+                  <a:t>sense [</a:t>
+                </a:r>
+                <a:r>
+                  <a:rPr lang="en-US" dirty="0" err="1" smtClean="0"/>
+                  <a:t>Shatkay</a:t>
+                </a:r>
+                <a:r>
+                  <a:rPr lang="en-US" dirty="0" smtClean="0"/>
+                  <a:t> </a:t>
+                </a:r>
+                <a:r>
+                  <a:rPr lang="en-US" dirty="0"/>
+                  <a:t>(1995)]. This can be obtained in time linear in the length </a:t>
+                </a:r>
+                <a:r>
+                  <a:rPr lang="en-US" dirty="0" smtClean="0"/>
+                  <a:t>of segment.</a:t>
+                </a:r>
+              </a:p>
+              <a:p>
+                <a:endParaRPr lang="en-US" dirty="0"/>
+              </a:p>
+            </p:txBody>
+          </p:sp>
+        </mc:Choice>
+        <mc:Fallback>
+          <p:sp>
+            <p:nvSpPr>
+              <p:cNvPr id="3" name="Content Placeholder 2"/>
+              <p:cNvSpPr>
+                <a:spLocks noGrp="1" noRot="1" noChangeAspect="1" noMove="1" noResize="1" noEditPoints="1" noAdjustHandles="1" noChangeArrowheads="1" noChangeShapeType="1" noTextEdit="1"/>
+              </p:cNvSpPr>
+              <p:nvPr>
+                <p:ph idx="1"/>
+              </p:nvPr>
+            </p:nvSpPr>
+            <p:spPr>
+              <a:blipFill rotWithShape="0">
+                <a:blip r:embed="rId2"/>
+                <a:stretch>
+                  <a:fillRect l="-479" t="-806" r="-684"/>
+                </a:stretch>
+              </a:blipFill>
+            </p:spPr>
+            <p:txBody>
+              <a:bodyPr/>
+              <a:lstStyle/>
+              <a:p>
+                <a:r>
+                  <a:rPr lang="en-US">
+                    <a:noFill/>
+                  </a:rPr>
+                  <a:t> </a:t>
+                </a:r>
+              </a:p>
+            </p:txBody>
+          </p:sp>
+        </mc:Fallback>
+      </mc:AlternateContent>
+      <p:pic>
+        <p:nvPicPr>
+          <p:cNvPr id="4" name="Picture 3"/>
+          <p:cNvPicPr>
+            <a:picLocks noChangeAspect="1"/>
+          </p:cNvPicPr>
+          <p:nvPr/>
+        </p:nvPicPr>
+        <p:blipFill>
+          <a:blip r:embed="rId3"/>
+          <a:stretch>
+            <a:fillRect/>
+          </a:stretch>
+        </p:blipFill>
+        <p:spPr>
+          <a:xfrm>
+            <a:off x="3234905" y="4123425"/>
+            <a:ext cx="7151299" cy="1862932"/>
+          </a:xfrm>
+          <a:prstGeom prst="rect">
+            <a:avLst/>
+          </a:prstGeom>
+        </p:spPr>
+      </p:pic>
+    </p:spTree>
+    <p:extLst>
+      <p:ext uri="{BB962C8B-B14F-4D97-AF65-F5344CB8AC3E}">
+        <p14:creationId xmlns:p14="http://schemas.microsoft.com/office/powerpoint/2010/main" val="1606619272"/>
+      </p:ext>
+    </p:extLst>
+  </p:cSld>
+  <p:clrMapOvr>
+    <a:masterClrMapping/>
+  </p:clrMapOvr>
+  <p:timing>
+    <p:tnLst>
+      <p:par>
+        <p:cTn id="1" dur="indefinite" restart="never" nodeType="tmRoot"/>
+      </p:par>
+    </p:tnLst>
+  </p:timing>
+</p:sld>
+</file>
+
+<file path=ppt/slides/slide18.xml><?xml version="1.0" encoding="utf-8"?>
+<p:sld xmlns:a="http://schemas.openxmlformats.org/drawingml/2006/main" xmlns:r="http://schemas.openxmlformats.org/officeDocument/2006/relationships" xmlns:p="http://schemas.openxmlformats.org/presentationml/2006/main">
+  <p:cSld>
+    <p:spTree>
+      <p:nvGrpSpPr>
+        <p:cNvPr id="1" name=""/>
+        <p:cNvGrpSpPr/>
+        <p:nvPr/>
+      </p:nvGrpSpPr>
+      <p:grpSpPr>
+        <a:xfrm>
+          <a:off x="0" y="0"/>
+          <a:ext cx="0" cy="0"/>
+          <a:chOff x="0" y="0"/>
+          <a:chExt cx="0" cy="0"/>
+        </a:xfrm>
+      </p:grpSpPr>
+      <p:sp>
+        <p:nvSpPr>
+          <p:cNvPr id="2" name="Title 1"/>
+          <p:cNvSpPr>
+            <a:spLocks noGrp="1"/>
+          </p:cNvSpPr>
+          <p:nvPr>
+            <p:ph type="title"/>
+          </p:nvPr>
+        </p:nvSpPr>
+        <p:spPr/>
+        <p:txBody>
+          <a:bodyPr/>
+          <a:lstStyle/>
+          <a:p>
+            <a:pPr algn="ctr"/>
+            <a:r>
+              <a:rPr lang="en-US" dirty="0" smtClean="0"/>
+              <a:t>Sliding Window</a:t>
+            </a:r>
+            <a:endParaRPr lang="en-US" dirty="0"/>
+          </a:p>
+        </p:txBody>
+      </p:sp>
+      <p:sp>
+        <p:nvSpPr>
+          <p:cNvPr id="4" name="TextBox 3"/>
+          <p:cNvSpPr txBox="1"/>
+          <p:nvPr/>
+        </p:nvSpPr>
+        <p:spPr>
+          <a:xfrm>
+            <a:off x="2096219" y="1905000"/>
+            <a:ext cx="9074989" cy="2862322"/>
+          </a:xfrm>
+          <a:prstGeom prst="rect">
+            <a:avLst/>
+          </a:prstGeom>
+          <a:noFill/>
+        </p:spPr>
+        <p:txBody>
+          <a:bodyPr wrap="square" rtlCol="0">
+            <a:spAutoFit/>
+          </a:bodyPr>
+          <a:lstStyle/>
+          <a:p>
+            <a:r>
+              <a:rPr lang="en-US" dirty="0"/>
+              <a:t>Algorithm </a:t>
+            </a:r>
+            <a:r>
+              <a:rPr lang="en-US" dirty="0" err="1"/>
+              <a:t>Seg</a:t>
+            </a:r>
+            <a:r>
+              <a:rPr lang="en-US" dirty="0"/>
+              <a:t> TS = Sliding Window(T, max error)</a:t>
+            </a:r>
+          </a:p>
+          <a:p>
+            <a:r>
+              <a:rPr lang="en-US" dirty="0"/>
+              <a:t>anchor = 1;</a:t>
+            </a:r>
+          </a:p>
+          <a:p>
+            <a:r>
+              <a:rPr lang="en-US" dirty="0"/>
+              <a:t>while not finished segmenting time series</a:t>
+            </a:r>
+          </a:p>
+          <a:p>
+            <a:r>
+              <a:rPr lang="en-US" dirty="0"/>
+              <a:t> </a:t>
+            </a:r>
+            <a:r>
+              <a:rPr lang="en-US" dirty="0" smtClean="0"/>
+              <a:t>   </a:t>
+            </a:r>
+            <a:r>
+              <a:rPr lang="en-US" dirty="0" err="1" smtClean="0"/>
+              <a:t>i</a:t>
+            </a:r>
+            <a:r>
+              <a:rPr lang="en-US" dirty="0" smtClean="0"/>
+              <a:t> </a:t>
+            </a:r>
+            <a:r>
+              <a:rPr lang="en-US" dirty="0"/>
+              <a:t>= 2;</a:t>
+            </a:r>
+          </a:p>
+          <a:p>
+            <a:r>
+              <a:rPr lang="en-US" dirty="0" smtClean="0"/>
+              <a:t>    while </a:t>
+            </a:r>
+            <a:r>
+              <a:rPr lang="en-US" dirty="0"/>
+              <a:t>calculate error(T[anchor: anchor + </a:t>
+            </a:r>
+            <a:r>
+              <a:rPr lang="en-US" dirty="0" err="1"/>
+              <a:t>i</a:t>
+            </a:r>
+            <a:r>
+              <a:rPr lang="en-US" dirty="0"/>
+              <a:t> ]) &lt; max error</a:t>
+            </a:r>
+          </a:p>
+          <a:p>
+            <a:r>
+              <a:rPr lang="en-US" dirty="0" smtClean="0"/>
+              <a:t>    </a:t>
+            </a:r>
+            <a:r>
+              <a:rPr lang="en-US" dirty="0" err="1" smtClean="0"/>
+              <a:t>i</a:t>
+            </a:r>
+            <a:r>
+              <a:rPr lang="en-US" dirty="0" smtClean="0"/>
+              <a:t> </a:t>
+            </a:r>
+            <a:r>
+              <a:rPr lang="en-US" dirty="0"/>
+              <a:t>= </a:t>
+            </a:r>
+            <a:r>
+              <a:rPr lang="en-US" dirty="0" err="1"/>
+              <a:t>i</a:t>
+            </a:r>
+            <a:r>
+              <a:rPr lang="en-US" dirty="0"/>
+              <a:t> + 1;</a:t>
+            </a:r>
+          </a:p>
+          <a:p>
+            <a:r>
+              <a:rPr lang="en-US" dirty="0" smtClean="0"/>
+              <a:t>    end</a:t>
+            </a:r>
+            <a:r>
+              <a:rPr lang="en-US" dirty="0"/>
+              <a:t>;</a:t>
+            </a:r>
+          </a:p>
+          <a:p>
+            <a:r>
+              <a:rPr lang="en-US" dirty="0" smtClean="0"/>
+              <a:t>    </a:t>
+            </a:r>
+            <a:r>
+              <a:rPr lang="en-US" dirty="0" err="1" smtClean="0"/>
+              <a:t>Seg</a:t>
+            </a:r>
+            <a:r>
+              <a:rPr lang="en-US" dirty="0" smtClean="0"/>
+              <a:t> </a:t>
+            </a:r>
+            <a:r>
+              <a:rPr lang="en-US" dirty="0"/>
+              <a:t>TS = </a:t>
+            </a:r>
+            <a:r>
+              <a:rPr lang="en-US" dirty="0" err="1"/>
+              <a:t>concat</a:t>
+            </a:r>
+            <a:r>
+              <a:rPr lang="en-US" dirty="0"/>
+              <a:t>(</a:t>
+            </a:r>
+            <a:r>
+              <a:rPr lang="en-US" dirty="0" err="1"/>
+              <a:t>Seg</a:t>
+            </a:r>
+            <a:r>
+              <a:rPr lang="en-US" dirty="0"/>
+              <a:t> TS, create segment(T[anchor: anchor</a:t>
+            </a:r>
+          </a:p>
+          <a:p>
+            <a:r>
+              <a:rPr lang="en-US" dirty="0" smtClean="0"/>
+              <a:t>    + </a:t>
+            </a:r>
+            <a:r>
+              <a:rPr lang="en-US" dirty="0"/>
+              <a:t>(</a:t>
+            </a:r>
+            <a:r>
+              <a:rPr lang="en-US" dirty="0" err="1"/>
+              <a:t>i</a:t>
+            </a:r>
+            <a:r>
+              <a:rPr lang="en-US" dirty="0"/>
+              <a:t> - 1)]);anchor = anchor + </a:t>
+            </a:r>
+            <a:r>
+              <a:rPr lang="en-US" dirty="0" err="1"/>
+              <a:t>i</a:t>
+            </a:r>
+            <a:r>
+              <a:rPr lang="en-US" dirty="0"/>
+              <a:t>;</a:t>
+            </a:r>
+          </a:p>
+          <a:p>
+            <a:r>
+              <a:rPr lang="en-US" dirty="0"/>
+              <a:t>end;</a:t>
+            </a:r>
+          </a:p>
+        </p:txBody>
+      </p:sp>
+    </p:spTree>
+    <p:extLst>
+      <p:ext uri="{BB962C8B-B14F-4D97-AF65-F5344CB8AC3E}">
+        <p14:creationId xmlns:p14="http://schemas.microsoft.com/office/powerpoint/2010/main" val="3749806315"/>
+      </p:ext>
+    </p:extLst>
+  </p:cSld>
+  <p:clrMapOvr>
+    <a:masterClrMapping/>
+  </p:clrMapOvr>
+  <p:timing>
+    <p:tnLst>
+      <p:par>
+        <p:cTn id="1" dur="indefinite" restart="never" nodeType="tmRoot"/>
+      </p:par>
+    </p:tnLst>
+  </p:timing>
+</p:sld>
+</file>
+
+<file path=ppt/slides/slide19.xml><?xml version="1.0" encoding="utf-8"?>
+<p:sld xmlns:a="http://schemas.openxmlformats.org/drawingml/2006/main" xmlns:r="http://schemas.openxmlformats.org/officeDocument/2006/relationships" xmlns:p="http://schemas.openxmlformats.org/presentationml/2006/main">
+  <p:cSld>
+    <p:spTree>
+      <p:nvGrpSpPr>
+        <p:cNvPr id="1" name=""/>
+        <p:cNvGrpSpPr/>
+        <p:nvPr/>
+      </p:nvGrpSpPr>
+      <p:grpSpPr>
+        <a:xfrm>
+          <a:off x="0" y="0"/>
+          <a:ext cx="0" cy="0"/>
+          <a:chOff x="0" y="0"/>
+          <a:chExt cx="0" cy="0"/>
+        </a:xfrm>
+      </p:grpSpPr>
+      <p:sp>
+        <p:nvSpPr>
+          <p:cNvPr id="2" name="Title 1"/>
+          <p:cNvSpPr>
+            <a:spLocks noGrp="1"/>
+          </p:cNvSpPr>
+          <p:nvPr>
+            <p:ph type="title"/>
+          </p:nvPr>
+        </p:nvSpPr>
+        <p:spPr/>
+        <p:txBody>
+          <a:bodyPr/>
+          <a:lstStyle/>
+          <a:p>
+            <a:pPr algn="ctr"/>
+            <a:r>
+              <a:rPr lang="en-US" dirty="0" smtClean="0"/>
+              <a:t>	Top-Down Segmentation</a:t>
+            </a:r>
+            <a:endParaRPr lang="en-US" dirty="0"/>
+          </a:p>
+        </p:txBody>
+      </p:sp>
+      <p:graphicFrame>
+        <p:nvGraphicFramePr>
+          <p:cNvPr id="4" name="Content Placeholder 3"/>
+          <p:cNvGraphicFramePr>
+            <a:graphicFrameLocks noGrp="1"/>
+          </p:cNvGraphicFramePr>
+          <p:nvPr>
+            <p:ph idx="1"/>
+            <p:extLst>
+              <p:ext uri="{D42A27DB-BD31-4B8C-83A1-F6EECF244321}">
+                <p14:modId xmlns:p14="http://schemas.microsoft.com/office/powerpoint/2010/main" val="3935411541"/>
+              </p:ext>
+            </p:extLst>
+          </p:nvPr>
+        </p:nvGraphicFramePr>
+        <p:xfrm>
+          <a:off x="2313168" y="1607388"/>
+          <a:ext cx="8915400" cy="5125720"/>
+        </p:xfrm>
+        <a:graphic>
+          <a:graphicData uri="http://schemas.openxmlformats.org/drawingml/2006/table">
+            <a:tbl>
+              <a:tblPr firstRow="1" bandRow="1">
+                <a:tableStyleId>{2D5ABB26-0587-4C30-8999-92F81FD0307C}</a:tableStyleId>
+              </a:tblPr>
+              <a:tblGrid>
+                <a:gridCol w="8915400"/>
+              </a:tblGrid>
+              <a:tr h="370840">
+                <a:tc>
+                  <a:txBody>
+                    <a:bodyPr/>
+                    <a:lstStyle/>
+                    <a:p>
+                      <a:r>
+                        <a:rPr lang="en-US" sz="1800" b="0" i="0" u="none" strike="noStrike" kern="1200" baseline="0" dirty="0" smtClean="0">
+                          <a:solidFill>
+                            <a:schemeClr val="tx1"/>
+                          </a:solidFill>
+                          <a:latin typeface="+mn-lt"/>
+                          <a:ea typeface="+mn-ea"/>
+                          <a:cs typeface="+mn-cs"/>
+                        </a:rPr>
+                        <a:t>Algorithm </a:t>
+                      </a:r>
+                      <a:r>
+                        <a:rPr lang="en-US" sz="1800" b="0" i="0" u="none" strike="noStrike" kern="1200" baseline="0" dirty="0" err="1" smtClean="0">
+                          <a:solidFill>
+                            <a:schemeClr val="tx1"/>
+                          </a:solidFill>
+                          <a:latin typeface="+mn-lt"/>
+                          <a:ea typeface="+mn-ea"/>
+                          <a:cs typeface="+mn-cs"/>
+                        </a:rPr>
+                        <a:t>Seg</a:t>
+                      </a:r>
+                      <a:r>
+                        <a:rPr lang="en-US" sz="1800" b="0" i="0" u="none" strike="noStrike" kern="1200" baseline="0" dirty="0" smtClean="0">
+                          <a:solidFill>
+                            <a:schemeClr val="tx1"/>
+                          </a:solidFill>
+                          <a:latin typeface="+mn-lt"/>
+                          <a:ea typeface="+mn-ea"/>
+                          <a:cs typeface="+mn-cs"/>
+                        </a:rPr>
+                        <a:t> TS = Top Down(T, max error)</a:t>
+                      </a:r>
+                    </a:p>
+                    <a:p>
+                      <a:r>
+                        <a:rPr lang="en-US" sz="1800" b="0" i="0" u="none" strike="noStrike" kern="1200" baseline="0" dirty="0" smtClean="0">
+                          <a:solidFill>
+                            <a:schemeClr val="tx1"/>
+                          </a:solidFill>
+                          <a:latin typeface="+mn-lt"/>
+                          <a:ea typeface="+mn-ea"/>
+                          <a:cs typeface="+mn-cs"/>
+                        </a:rPr>
+                        <a:t>best so far = </a:t>
+                      </a:r>
+                      <a:r>
+                        <a:rPr lang="en-US" sz="1800" b="0" i="0" u="none" strike="noStrike" kern="1200" baseline="0" dirty="0" err="1" smtClean="0">
+                          <a:solidFill>
+                            <a:schemeClr val="tx1"/>
+                          </a:solidFill>
+                          <a:latin typeface="+mn-lt"/>
+                          <a:ea typeface="+mn-ea"/>
+                          <a:cs typeface="+mn-cs"/>
+                        </a:rPr>
+                        <a:t>inf</a:t>
+                      </a:r>
+                      <a:r>
+                        <a:rPr lang="en-US" sz="1800" b="0" i="0" u="none" strike="noStrike" kern="1200" baseline="0" dirty="0" smtClean="0">
+                          <a:solidFill>
+                            <a:schemeClr val="tx1"/>
+                          </a:solidFill>
+                          <a:latin typeface="+mn-lt"/>
+                          <a:ea typeface="+mn-ea"/>
+                          <a:cs typeface="+mn-cs"/>
+                        </a:rPr>
+                        <a:t>;</a:t>
+                      </a:r>
+                    </a:p>
+                    <a:p>
+                      <a:r>
+                        <a:rPr lang="en-US" sz="1800" b="0" i="0" u="none" strike="noStrike" kern="1200" baseline="0" dirty="0" smtClean="0">
+                          <a:solidFill>
+                            <a:schemeClr val="tx1"/>
+                          </a:solidFill>
+                          <a:latin typeface="+mn-lt"/>
+                          <a:ea typeface="+mn-ea"/>
+                          <a:cs typeface="+mn-cs"/>
+                        </a:rPr>
+                        <a:t>for </a:t>
+                      </a:r>
+                      <a:r>
+                        <a:rPr lang="en-US" sz="1800" b="0" i="0" u="none" strike="noStrike" kern="1200" baseline="0" dirty="0" err="1" smtClean="0">
+                          <a:solidFill>
+                            <a:schemeClr val="tx1"/>
+                          </a:solidFill>
+                          <a:latin typeface="+mn-lt"/>
+                          <a:ea typeface="+mn-ea"/>
+                          <a:cs typeface="+mn-cs"/>
+                        </a:rPr>
+                        <a:t>i</a:t>
+                      </a:r>
+                      <a:r>
+                        <a:rPr lang="en-US" sz="1800" b="0" i="0" u="none" strike="noStrike" kern="1200" baseline="0" dirty="0" smtClean="0">
+                          <a:solidFill>
+                            <a:schemeClr val="tx1"/>
+                          </a:solidFill>
+                          <a:latin typeface="+mn-lt"/>
+                          <a:ea typeface="+mn-ea"/>
+                          <a:cs typeface="+mn-cs"/>
+                        </a:rPr>
+                        <a:t> = 2 to length(T) - 2 // Find the best splitting point.</a:t>
+                      </a:r>
+                    </a:p>
+                    <a:p>
+                      <a:r>
+                        <a:rPr lang="en-US" sz="1800" b="0" i="0" u="none" strike="noStrike" kern="1200" baseline="0" dirty="0" smtClean="0">
+                          <a:solidFill>
+                            <a:schemeClr val="tx1"/>
+                          </a:solidFill>
+                          <a:latin typeface="+mn-lt"/>
+                          <a:ea typeface="+mn-ea"/>
+                          <a:cs typeface="+mn-cs"/>
+                        </a:rPr>
+                        <a:t>    improvement in approximation = improvement splitting here(T, </a:t>
+                      </a:r>
+                      <a:r>
+                        <a:rPr lang="en-US" sz="1800" b="0" i="0" u="none" strike="noStrike" kern="1200" baseline="0" dirty="0" err="1" smtClean="0">
+                          <a:solidFill>
+                            <a:schemeClr val="tx1"/>
+                          </a:solidFill>
+                          <a:latin typeface="+mn-lt"/>
+                          <a:ea typeface="+mn-ea"/>
+                          <a:cs typeface="+mn-cs"/>
+                        </a:rPr>
+                        <a:t>i</a:t>
+                      </a:r>
+                      <a:r>
+                        <a:rPr lang="en-US" sz="1800" b="0" i="0" u="none" strike="noStrike" kern="1200" baseline="0" dirty="0" smtClean="0">
+                          <a:solidFill>
+                            <a:schemeClr val="tx1"/>
+                          </a:solidFill>
+                          <a:latin typeface="+mn-lt"/>
+                          <a:ea typeface="+mn-ea"/>
+                          <a:cs typeface="+mn-cs"/>
+                        </a:rPr>
+                        <a:t>);</a:t>
+                      </a:r>
+                    </a:p>
+                    <a:p>
+                      <a:r>
+                        <a:rPr lang="en-US" sz="1800" b="0" i="0" u="none" strike="noStrike" kern="1200" baseline="0" dirty="0" smtClean="0">
+                          <a:solidFill>
+                            <a:schemeClr val="tx1"/>
+                          </a:solidFill>
+                          <a:latin typeface="+mn-lt"/>
+                          <a:ea typeface="+mn-ea"/>
+                          <a:cs typeface="+mn-cs"/>
+                        </a:rPr>
+                        <a:t>    if improvement in approximation &lt; best so far</a:t>
+                      </a:r>
+                    </a:p>
+                    <a:p>
+                      <a:r>
+                        <a:rPr lang="en-US" sz="1800" b="0" i="0" u="none" strike="noStrike" kern="1200" baseline="0" dirty="0" smtClean="0">
+                          <a:solidFill>
+                            <a:schemeClr val="tx1"/>
+                          </a:solidFill>
+                          <a:latin typeface="+mn-lt"/>
+                          <a:ea typeface="+mn-ea"/>
+                          <a:cs typeface="+mn-cs"/>
+                        </a:rPr>
+                        <a:t>        breakpoint = </a:t>
+                      </a:r>
+                      <a:r>
+                        <a:rPr lang="en-US" sz="1800" b="0" i="0" u="none" strike="noStrike" kern="1200" baseline="0" dirty="0" err="1" smtClean="0">
+                          <a:solidFill>
+                            <a:schemeClr val="tx1"/>
+                          </a:solidFill>
+                          <a:latin typeface="+mn-lt"/>
+                          <a:ea typeface="+mn-ea"/>
+                          <a:cs typeface="+mn-cs"/>
+                        </a:rPr>
+                        <a:t>i</a:t>
+                      </a:r>
+                      <a:r>
+                        <a:rPr lang="en-US" sz="1800" b="0" i="0" u="none" strike="noStrike" kern="1200" baseline="0" dirty="0" smtClean="0">
+                          <a:solidFill>
+                            <a:schemeClr val="tx1"/>
+                          </a:solidFill>
+                          <a:latin typeface="+mn-lt"/>
+                          <a:ea typeface="+mn-ea"/>
+                          <a:cs typeface="+mn-cs"/>
+                        </a:rPr>
+                        <a:t>;</a:t>
+                      </a:r>
+                    </a:p>
+                    <a:p>
+                      <a:r>
+                        <a:rPr lang="en-US" sz="1800" b="0" i="0" u="none" strike="noStrike" kern="1200" baseline="0" dirty="0" smtClean="0">
+                          <a:solidFill>
+                            <a:schemeClr val="tx1"/>
+                          </a:solidFill>
+                          <a:latin typeface="+mn-lt"/>
+                          <a:ea typeface="+mn-ea"/>
+                          <a:cs typeface="+mn-cs"/>
+                        </a:rPr>
+                        <a:t>        best so far = improvement in approximation;</a:t>
+                      </a:r>
+                    </a:p>
+                    <a:p>
+                      <a:r>
+                        <a:rPr lang="en-US" sz="1800" b="0" i="0" u="none" strike="noStrike" kern="1200" baseline="0" dirty="0" smtClean="0">
+                          <a:solidFill>
+                            <a:schemeClr val="tx1"/>
+                          </a:solidFill>
+                          <a:latin typeface="+mn-lt"/>
+                          <a:ea typeface="+mn-ea"/>
+                          <a:cs typeface="+mn-cs"/>
+                        </a:rPr>
+                        <a:t>    end;</a:t>
+                      </a:r>
+                    </a:p>
+                    <a:p>
+                      <a:r>
+                        <a:rPr lang="en-US" sz="1800" b="0" i="0" u="none" strike="noStrike" kern="1200" baseline="0" dirty="0" smtClean="0">
+                          <a:solidFill>
+                            <a:schemeClr val="tx1"/>
+                          </a:solidFill>
+                          <a:latin typeface="+mn-lt"/>
+                          <a:ea typeface="+mn-ea"/>
+                          <a:cs typeface="+mn-cs"/>
+                        </a:rPr>
+                        <a:t>end;</a:t>
+                      </a:r>
+                    </a:p>
+                    <a:p>
+                      <a:r>
+                        <a:rPr lang="en-US" sz="1800" b="0" i="0" u="none" strike="noStrike" kern="1200" baseline="0" dirty="0" smtClean="0">
+                          <a:solidFill>
+                            <a:schemeClr val="tx1"/>
+                          </a:solidFill>
+                          <a:latin typeface="+mn-lt"/>
+                          <a:ea typeface="+mn-ea"/>
+                          <a:cs typeface="+mn-cs"/>
+                        </a:rPr>
+                        <a:t>    // Recursively split the left segment if necessary.</a:t>
+                      </a:r>
+                    </a:p>
+                    <a:p>
+                      <a:r>
+                        <a:rPr lang="en-US" sz="1800" b="0" i="0" u="none" strike="noStrike" kern="1200" baseline="0" dirty="0" smtClean="0">
+                          <a:solidFill>
+                            <a:schemeClr val="tx1"/>
+                          </a:solidFill>
+                          <a:latin typeface="+mn-lt"/>
+                          <a:ea typeface="+mn-ea"/>
+                          <a:cs typeface="+mn-cs"/>
+                        </a:rPr>
+                        <a:t>if calculate error(T[1:breakpoint]) &gt; max error</a:t>
+                      </a:r>
+                    </a:p>
+                    <a:p>
+                      <a:r>
+                        <a:rPr lang="en-US" sz="1800" b="0" i="0" u="none" strike="noStrike" kern="1200" baseline="0" dirty="0" smtClean="0">
+                          <a:solidFill>
+                            <a:schemeClr val="tx1"/>
+                          </a:solidFill>
+                          <a:latin typeface="+mn-lt"/>
+                          <a:ea typeface="+mn-ea"/>
+                          <a:cs typeface="+mn-cs"/>
+                        </a:rPr>
+                        <a:t>    </a:t>
+                      </a:r>
+                      <a:r>
+                        <a:rPr lang="en-US" sz="1800" b="0" i="0" u="none" strike="noStrike" kern="1200" baseline="0" dirty="0" err="1" smtClean="0">
+                          <a:solidFill>
+                            <a:schemeClr val="tx1"/>
+                          </a:solidFill>
+                          <a:latin typeface="+mn-lt"/>
+                          <a:ea typeface="+mn-ea"/>
+                          <a:cs typeface="+mn-cs"/>
+                        </a:rPr>
+                        <a:t>Seg</a:t>
+                      </a:r>
+                      <a:r>
+                        <a:rPr lang="en-US" sz="1800" b="0" i="0" u="none" strike="noStrike" kern="1200" baseline="0" dirty="0" smtClean="0">
+                          <a:solidFill>
+                            <a:schemeClr val="tx1"/>
+                          </a:solidFill>
+                          <a:latin typeface="+mn-lt"/>
+                          <a:ea typeface="+mn-ea"/>
+                          <a:cs typeface="+mn-cs"/>
+                        </a:rPr>
+                        <a:t> TS = Top Down(T[1:breakpoint]);</a:t>
+                      </a:r>
+                    </a:p>
+                    <a:p>
+                      <a:r>
+                        <a:rPr lang="en-US" sz="1800" b="0" i="0" u="none" strike="noStrike" kern="1200" baseline="0" dirty="0" smtClean="0">
+                          <a:solidFill>
+                            <a:schemeClr val="tx1"/>
+                          </a:solidFill>
+                          <a:latin typeface="+mn-lt"/>
+                          <a:ea typeface="+mn-ea"/>
+                          <a:cs typeface="+mn-cs"/>
+                        </a:rPr>
+                        <a:t>end;</a:t>
+                      </a:r>
+                    </a:p>
+                    <a:p>
+                      <a:r>
+                        <a:rPr lang="en-US" sz="1800" b="0" i="0" u="none" strike="noStrike" kern="1200" baseline="0" dirty="0" smtClean="0">
+                          <a:solidFill>
+                            <a:schemeClr val="tx1"/>
+                          </a:solidFill>
+                          <a:latin typeface="+mn-lt"/>
+                          <a:ea typeface="+mn-ea"/>
+                          <a:cs typeface="+mn-cs"/>
+                        </a:rPr>
+                        <a:t>    // Recursively split the right segment if necessary.</a:t>
+                      </a:r>
+                    </a:p>
+                    <a:p>
+                      <a:r>
+                        <a:rPr lang="en-US" sz="1800" b="0" i="0" u="none" strike="noStrike" kern="1200" baseline="0" dirty="0" smtClean="0">
+                          <a:solidFill>
+                            <a:schemeClr val="tx1"/>
+                          </a:solidFill>
+                          <a:latin typeface="+mn-lt"/>
+                          <a:ea typeface="+mn-ea"/>
+                          <a:cs typeface="+mn-cs"/>
+                        </a:rPr>
+                        <a:t>if calculate error(T[breakpoint + 1:length(T)]) &gt; max error</a:t>
+                      </a:r>
+                    </a:p>
+                    <a:p>
+                      <a:r>
+                        <a:rPr lang="en-US" sz="1800" b="0" i="0" u="none" strike="noStrike" kern="1200" baseline="0" dirty="0" smtClean="0">
+                          <a:solidFill>
+                            <a:schemeClr val="tx1"/>
+                          </a:solidFill>
+                          <a:latin typeface="+mn-lt"/>
+                          <a:ea typeface="+mn-ea"/>
+                          <a:cs typeface="+mn-cs"/>
+                        </a:rPr>
+                        <a:t>    </a:t>
+                      </a:r>
+                      <a:r>
+                        <a:rPr lang="en-US" sz="1800" b="0" i="0" u="none" strike="noStrike" kern="1200" baseline="0" dirty="0" err="1" smtClean="0">
+                          <a:solidFill>
+                            <a:schemeClr val="tx1"/>
+                          </a:solidFill>
+                          <a:latin typeface="+mn-lt"/>
+                          <a:ea typeface="+mn-ea"/>
+                          <a:cs typeface="+mn-cs"/>
+                        </a:rPr>
+                        <a:t>Seg</a:t>
+                      </a:r>
+                      <a:r>
+                        <a:rPr lang="en-US" sz="1800" b="0" i="0" u="none" strike="noStrike" kern="1200" baseline="0" dirty="0" smtClean="0">
+                          <a:solidFill>
+                            <a:schemeClr val="tx1"/>
+                          </a:solidFill>
+                          <a:latin typeface="+mn-lt"/>
+                          <a:ea typeface="+mn-ea"/>
+                          <a:cs typeface="+mn-cs"/>
+                        </a:rPr>
+                        <a:t> TS = Top Down(T[breakpoint + 1:length(T)]);</a:t>
+                      </a:r>
+                    </a:p>
+                    <a:p>
+                      <a:r>
+                        <a:rPr lang="en-US" sz="1800" b="0" i="0" u="none" strike="noStrike" kern="1200" baseline="0" dirty="0" smtClean="0">
+                          <a:solidFill>
+                            <a:schemeClr val="tx1"/>
+                          </a:solidFill>
+                          <a:latin typeface="+mn-lt"/>
+                          <a:ea typeface="+mn-ea"/>
+                          <a:cs typeface="+mn-cs"/>
+                        </a:rPr>
+                        <a:t>end;</a:t>
+                      </a:r>
+                      <a:endParaRPr lang="en-US" dirty="0" smtClean="0"/>
+                    </a:p>
+                  </a:txBody>
+                  <a:tcPr/>
+                </a:tc>
+              </a:tr>
+              <a:tr h="370840">
+                <a:tc>
+                  <a:txBody>
+                    <a:bodyPr/>
+                    <a:lstStyle/>
+                    <a:p>
+                      <a:endParaRPr lang="en-US" dirty="0" smtClean="0"/>
+                    </a:p>
+                  </a:txBody>
+                  <a:tcPr/>
+                </a:tc>
+              </a:tr>
+            </a:tbl>
+          </a:graphicData>
+        </a:graphic>
+      </p:graphicFrame>
+    </p:spTree>
+    <p:extLst>
+      <p:ext uri="{BB962C8B-B14F-4D97-AF65-F5344CB8AC3E}">
+        <p14:creationId xmlns:p14="http://schemas.microsoft.com/office/powerpoint/2010/main" val="685109415"/>
+      </p:ext>
+    </p:extLst>
+  </p:cSld>
+  <p:clrMapOvr>
+    <a:masterClrMapping/>
+  </p:clrMapOvr>
+  <p:timing>
+    <p:tnLst>
+      <p:par>
+        <p:cTn id="1" dur="indefinite" restart="never" nodeType="tmRoot"/>
+      </p:par>
+    </p:tnLst>
+  </p:timing>
+</p:sld>
+</file>
+
+<file path=ppt/slides/slide2.xml><?xml version="1.0" encoding="utf-8"?>
+<p:sld xmlns:a="http://schemas.openxmlformats.org/drawingml/2006/main" xmlns:r="http://schemas.openxmlformats.org/officeDocument/2006/relationships" xmlns:p="http://schemas.openxmlformats.org/presentationml/2006/main">
+  <p:cSld>
+    <p:spTree>
+      <p:nvGrpSpPr>
+        <p:cNvPr id="1" name=""/>
+        <p:cNvGrpSpPr/>
+        <p:nvPr/>
+      </p:nvGrpSpPr>
+      <p:grpSpPr>
+        <a:xfrm>
+          <a:off x="0" y="0"/>
+          <a:ext cx="0" cy="0"/>
+          <a:chOff x="0" y="0"/>
+          <a:chExt cx="0" cy="0"/>
+        </a:xfrm>
+      </p:grpSpPr>
+      <p:sp>
+        <p:nvSpPr>
+          <p:cNvPr id="2" name="Title 1"/>
+          <p:cNvSpPr>
+            <a:spLocks noGrp="1"/>
+          </p:cNvSpPr>
+          <p:nvPr>
+            <p:ph type="title"/>
+          </p:nvPr>
+        </p:nvSpPr>
+        <p:spPr/>
+        <p:txBody>
+          <a:bodyPr/>
+          <a:lstStyle/>
+          <a:p>
+            <a:pPr algn="ctr"/>
+            <a:r>
+              <a:rPr lang="en-US" dirty="0" smtClean="0"/>
+              <a:t>Time Series Definition</a:t>
+            </a:r>
+            <a:endParaRPr lang="en-US" dirty="0"/>
+          </a:p>
+        </p:txBody>
+      </p:sp>
+      <mc:AlternateContent xmlns:mc="http://schemas.openxmlformats.org/markup-compatibility/2006">
+        <mc:Choice xmlns:a14="http://schemas.microsoft.com/office/drawing/2010/main" Requires="a14">
+          <p:sp>
+            <p:nvSpPr>
+              <p:cNvPr id="3" name="Content Placeholder 2"/>
+              <p:cNvSpPr>
+                <a:spLocks noGrp="1"/>
+              </p:cNvSpPr>
+              <p:nvPr>
+                <p:ph idx="1"/>
+              </p:nvPr>
+            </p:nvSpPr>
+            <p:spPr/>
+            <p:txBody>
+              <a:bodyPr/>
+              <a:lstStyle/>
+              <a:p>
+                <a:r>
+                  <a:rPr lang="en-US" dirty="0" smtClean="0"/>
+                  <a:t>A </a:t>
+                </a:r>
+                <a:r>
+                  <a:rPr lang="en-US" dirty="0"/>
+                  <a:t>time series is a sequence of data points, measured typically at successive points in time spaced at uniform time </a:t>
+                </a:r>
+                <a:r>
+                  <a:rPr lang="en-US" dirty="0" smtClean="0"/>
+                  <a:t>intervals[Wikipedia]</a:t>
+                </a:r>
+              </a:p>
+              <a:p>
+                <a:r>
+                  <a:rPr lang="en-US" dirty="0"/>
+                  <a:t>A time series X is </a:t>
+                </a:r>
+                <a:r>
+                  <a:rPr lang="en-US" dirty="0" smtClean="0"/>
+                  <a:t>a </a:t>
+                </a:r>
+                <a:r>
+                  <a:rPr lang="en-US" dirty="0"/>
+                  <a:t>sequence of observed data, usually ordered in </a:t>
+                </a:r>
+                <a:r>
+                  <a:rPr lang="en-US" dirty="0" smtClean="0"/>
+                  <a:t>time </a:t>
+                </a:r>
+                <a14:m>
+                  <m:oMath xmlns:m="http://schemas.openxmlformats.org/officeDocument/2006/math">
+                    <m:r>
+                      <a:rPr lang="en-US" b="0" i="0" smtClean="0">
+                        <a:latin typeface="Cambria Math" panose="02040503050406030204" pitchFamily="18" charset="0"/>
+                      </a:rPr>
+                      <m:t>  </m:t>
+                    </m:r>
+                    <m:r>
+                      <a:rPr lang="en-US" b="0" i="1" smtClean="0">
+                        <a:latin typeface="Cambria Math" panose="02040503050406030204" pitchFamily="18" charset="0"/>
+                      </a:rPr>
+                      <m:t> </m:t>
+                    </m:r>
+                    <m:r>
+                      <a:rPr lang="en-US" b="0" i="1" smtClean="0">
+                        <a:latin typeface="Cambria Math" panose="02040503050406030204" pitchFamily="18" charset="0"/>
+                      </a:rPr>
+                      <m:t>𝑋</m:t>
+                    </m:r>
+                    <m:r>
+                      <a:rPr lang="en-US" b="0" i="1" smtClean="0">
+                        <a:latin typeface="Cambria Math" panose="02040503050406030204" pitchFamily="18" charset="0"/>
+                      </a:rPr>
+                      <m:t>={</m:t>
+                    </m:r>
+                    <m:sSub>
+                      <m:sSubPr>
+                        <m:ctrlPr>
+                          <a:rPr lang="en-US" b="0" i="1" smtClean="0">
+                            <a:latin typeface="Cambria Math" panose="02040503050406030204" pitchFamily="18" charset="0"/>
+                          </a:rPr>
+                        </m:ctrlPr>
+                      </m:sSubPr>
+                      <m:e>
+                        <m:r>
+                          <a:rPr lang="en-US" b="0" i="1" smtClean="0">
+                            <a:latin typeface="Cambria Math" panose="02040503050406030204" pitchFamily="18" charset="0"/>
+                          </a:rPr>
+                          <m:t>𝑥</m:t>
+                        </m:r>
+                      </m:e>
+                      <m:sub>
+                        <m:r>
+                          <a:rPr lang="en-US" b="0" i="1" smtClean="0">
+                            <a:latin typeface="Cambria Math" panose="02040503050406030204" pitchFamily="18" charset="0"/>
+                          </a:rPr>
+                          <m:t>𝑡</m:t>
+                        </m:r>
+                      </m:sub>
+                    </m:sSub>
+                    <m:r>
+                      <a:rPr lang="en-US" b="0" i="1" smtClean="0">
+                        <a:latin typeface="Cambria Math" panose="02040503050406030204" pitchFamily="18" charset="0"/>
+                      </a:rPr>
+                      <m:t>,</m:t>
+                    </m:r>
+                    <m:r>
+                      <a:rPr lang="en-US" b="0" i="1" smtClean="0">
+                        <a:latin typeface="Cambria Math" panose="02040503050406030204" pitchFamily="18" charset="0"/>
+                      </a:rPr>
+                      <m:t>𝑡</m:t>
+                    </m:r>
+                    <m:r>
+                      <a:rPr lang="en-US" b="0" i="1" smtClean="0">
+                        <a:latin typeface="Cambria Math" panose="02040503050406030204" pitchFamily="18" charset="0"/>
+                      </a:rPr>
+                      <m:t>=1…</m:t>
+                    </m:r>
+                    <m:r>
+                      <a:rPr lang="en-US" b="0" i="1" smtClean="0">
+                        <a:latin typeface="Cambria Math" panose="02040503050406030204" pitchFamily="18" charset="0"/>
+                      </a:rPr>
+                      <m:t>𝑁</m:t>
+                    </m:r>
+                    <m:r>
+                      <a:rPr lang="en-US" b="0" i="1" smtClean="0">
+                        <a:latin typeface="Cambria Math" panose="02040503050406030204" pitchFamily="18" charset="0"/>
+                      </a:rPr>
+                      <m:t>}</m:t>
+                    </m:r>
+                  </m:oMath>
+                </a14:m>
+                <a:r>
+                  <a:rPr lang="en-US" dirty="0" smtClean="0"/>
+                  <a:t>where </a:t>
+                </a:r>
+                <a:r>
+                  <a:rPr lang="en-US" dirty="0"/>
+                  <a:t>t is a time index, and N is the number of </a:t>
+                </a:r>
+                <a:r>
+                  <a:rPr lang="en-US" dirty="0" smtClean="0"/>
+                  <a:t>observations</a:t>
+                </a:r>
+              </a:p>
+              <a:p>
+                <a:r>
+                  <a:rPr lang="en-US" dirty="0" smtClean="0"/>
+                  <a:t>Time </a:t>
+                </a:r>
+                <a:r>
+                  <a:rPr lang="en-US" dirty="0"/>
+                  <a:t>series examples like stock </a:t>
+                </a:r>
+                <a:r>
+                  <a:rPr lang="en-US" dirty="0" smtClean="0"/>
+                  <a:t>market prices</a:t>
+                </a:r>
+                <a:r>
+                  <a:rPr lang="en-US" dirty="0"/>
+                  <a:t>, </a:t>
+                </a:r>
+                <a:r>
+                  <a:rPr lang="en-US" dirty="0" smtClean="0"/>
+                  <a:t>earthquake waves, audio &amp; video records, biological sequences, patient health records and so on</a:t>
+                </a:r>
+                <a:r>
+                  <a:rPr lang="en-US" dirty="0" smtClean="0"/>
+                  <a:t>.</a:t>
+                </a:r>
+              </a:p>
+              <a:p>
+                <a:r>
+                  <a:rPr lang="en-US" altLang="zh-CN" dirty="0" smtClean="0"/>
+                  <a:t>Popular representation</a:t>
+                </a:r>
+                <a:r>
+                  <a:rPr lang="en-US" altLang="zh-CN" dirty="0"/>
+                  <a:t>: piecewise linear approximation</a:t>
+                </a:r>
+                <a:endParaRPr lang="en-US" dirty="0"/>
+              </a:p>
+            </p:txBody>
+          </p:sp>
+        </mc:Choice>
+        <mc:Fallback>
+          <p:sp>
+            <p:nvSpPr>
+              <p:cNvPr id="3" name="Content Placeholder 2"/>
+              <p:cNvSpPr>
+                <a:spLocks noGrp="1" noRot="1" noChangeAspect="1" noMove="1" noResize="1" noEditPoints="1" noAdjustHandles="1" noChangeArrowheads="1" noChangeShapeType="1" noTextEdit="1"/>
+              </p:cNvSpPr>
+              <p:nvPr>
+                <p:ph idx="1"/>
+              </p:nvPr>
+            </p:nvSpPr>
+            <p:spPr>
+              <a:blipFill rotWithShape="0">
+                <a:blip r:embed="rId2"/>
+                <a:stretch>
+                  <a:fillRect l="-479" t="-806" r="-889"/>
+                </a:stretch>
+              </a:blipFill>
+            </p:spPr>
+            <p:txBody>
+              <a:bodyPr/>
+              <a:lstStyle/>
+              <a:p>
+                <a:r>
+                  <a:rPr lang="en-US">
+                    <a:noFill/>
+                  </a:rPr>
+                  <a:t> </a:t>
+                </a:r>
+              </a:p>
+            </p:txBody>
+          </p:sp>
+        </mc:Fallback>
+      </mc:AlternateContent>
+    </p:spTree>
+    <p:extLst>
+      <p:ext uri="{BB962C8B-B14F-4D97-AF65-F5344CB8AC3E}">
+        <p14:creationId xmlns:p14="http://schemas.microsoft.com/office/powerpoint/2010/main" val="1400340025"/>
+      </p:ext>
+    </p:extLst>
+  </p:cSld>
+  <p:clrMapOvr>
+    <a:masterClrMapping/>
+  </p:clrMapOvr>
+  <p:timing>
+    <p:tnLst>
+      <p:par>
+        <p:cTn id="1" dur="indefinite" restart="never" nodeType="tmRoot"/>
+      </p:par>
+    </p:tnLst>
+  </p:timing>
+</p:sld>
+</file>
+
+<file path=ppt/slides/slide20.xml><?xml version="1.0" encoding="utf-8"?>
+<p:sld xmlns:a="http://schemas.openxmlformats.org/drawingml/2006/main" xmlns:r="http://schemas.openxmlformats.org/officeDocument/2006/relationships" xmlns:p="http://schemas.openxmlformats.org/presentationml/2006/main">
+  <p:cSld>
+    <p:spTree>
+      <p:nvGrpSpPr>
+        <p:cNvPr id="1" name=""/>
+        <p:cNvGrpSpPr/>
+        <p:nvPr/>
+      </p:nvGrpSpPr>
+      <p:grpSpPr>
+        <a:xfrm>
+          <a:off x="0" y="0"/>
+          <a:ext cx="0" cy="0"/>
+          <a:chOff x="0" y="0"/>
+          <a:chExt cx="0" cy="0"/>
+        </a:xfrm>
+      </p:grpSpPr>
+      <p:sp>
+        <p:nvSpPr>
+          <p:cNvPr id="2" name="Title 1"/>
+          <p:cNvSpPr>
+            <a:spLocks noGrp="1"/>
+          </p:cNvSpPr>
+          <p:nvPr>
+            <p:ph type="title"/>
+          </p:nvPr>
+        </p:nvSpPr>
+        <p:spPr/>
+        <p:txBody>
+          <a:bodyPr/>
+          <a:lstStyle/>
+          <a:p>
+            <a:pPr algn="ctr"/>
+            <a:r>
+              <a:rPr lang="en-US" dirty="0" smtClean="0"/>
+              <a:t>Bottom-up Segmentation</a:t>
+            </a:r>
+            <a:endParaRPr lang="en-US" dirty="0"/>
+          </a:p>
+        </p:txBody>
+      </p:sp>
+      <p:sp>
+        <p:nvSpPr>
+          <p:cNvPr id="3" name="Content Placeholder 2"/>
+          <p:cNvSpPr>
+            <a:spLocks noGrp="1"/>
+          </p:cNvSpPr>
+          <p:nvPr>
+            <p:ph idx="1"/>
+          </p:nvPr>
+        </p:nvSpPr>
+        <p:spPr>
+          <a:xfrm>
+            <a:off x="2589212" y="1414732"/>
+            <a:ext cx="8915400" cy="4496490"/>
+          </a:xfrm>
+        </p:spPr>
+        <p:txBody>
+          <a:bodyPr>
+            <a:noAutofit/>
+          </a:bodyPr>
+          <a:lstStyle/>
+          <a:p>
+            <a:pPr marL="0" indent="0">
+              <a:buNone/>
+            </a:pPr>
+            <a:r>
+              <a:rPr lang="en-US" sz="1200" dirty="0"/>
+              <a:t>Algorithm </a:t>
+            </a:r>
+            <a:r>
+              <a:rPr lang="en-US" sz="1200" dirty="0" err="1"/>
+              <a:t>Seg</a:t>
+            </a:r>
+            <a:r>
+              <a:rPr lang="en-US" sz="1200" dirty="0"/>
+              <a:t> TS = Bottom Up(T, max error)</a:t>
+            </a:r>
+          </a:p>
+          <a:p>
+            <a:pPr marL="0" indent="0">
+              <a:buNone/>
+            </a:pPr>
+            <a:r>
+              <a:rPr lang="en-US" sz="1200" dirty="0"/>
+              <a:t>for </a:t>
+            </a:r>
+            <a:r>
+              <a:rPr lang="en-US" sz="1200" dirty="0" err="1"/>
+              <a:t>i</a:t>
+            </a:r>
+            <a:r>
+              <a:rPr lang="en-US" sz="1200" dirty="0"/>
+              <a:t> = 1 : 2 : length(T) // Create initial fine approximation.</a:t>
+            </a:r>
+          </a:p>
+          <a:p>
+            <a:pPr marL="0" indent="0">
+              <a:buNone/>
+            </a:pPr>
+            <a:r>
+              <a:rPr lang="en-US" sz="1200" dirty="0" smtClean="0"/>
+              <a:t>    </a:t>
+            </a:r>
+            <a:r>
+              <a:rPr lang="en-US" sz="1200" dirty="0" err="1" smtClean="0"/>
+              <a:t>Seg</a:t>
+            </a:r>
+            <a:r>
+              <a:rPr lang="en-US" sz="1200" dirty="0" smtClean="0"/>
+              <a:t> </a:t>
+            </a:r>
+            <a:r>
+              <a:rPr lang="en-US" sz="1200" dirty="0"/>
+              <a:t>TS = </a:t>
+            </a:r>
+            <a:r>
+              <a:rPr lang="en-US" sz="1200" dirty="0" err="1"/>
+              <a:t>concat</a:t>
+            </a:r>
+            <a:r>
+              <a:rPr lang="en-US" sz="1200" dirty="0"/>
+              <a:t>(</a:t>
+            </a:r>
+            <a:r>
+              <a:rPr lang="en-US" sz="1200" dirty="0" err="1"/>
+              <a:t>Seg</a:t>
+            </a:r>
+            <a:r>
+              <a:rPr lang="en-US" sz="1200" dirty="0"/>
+              <a:t> TS, create segment(T[</a:t>
+            </a:r>
+            <a:r>
+              <a:rPr lang="en-US" sz="1200" dirty="0" err="1"/>
+              <a:t>i</a:t>
+            </a:r>
+            <a:r>
+              <a:rPr lang="en-US" sz="1200" dirty="0"/>
+              <a:t>: </a:t>
+            </a:r>
+            <a:r>
+              <a:rPr lang="en-US" sz="1200" dirty="0" err="1"/>
+              <a:t>i</a:t>
+            </a:r>
+            <a:r>
+              <a:rPr lang="en-US" sz="1200" dirty="0"/>
+              <a:t> + 1 ]));</a:t>
+            </a:r>
+          </a:p>
+          <a:p>
+            <a:pPr marL="0" indent="0">
+              <a:buNone/>
+            </a:pPr>
+            <a:r>
+              <a:rPr lang="en-US" sz="1200" dirty="0"/>
+              <a:t>end;</a:t>
+            </a:r>
+          </a:p>
+          <a:p>
+            <a:pPr marL="0" indent="0">
+              <a:buNone/>
+            </a:pPr>
+            <a:r>
+              <a:rPr lang="en-US" sz="1200" dirty="0"/>
+              <a:t>for </a:t>
+            </a:r>
+            <a:r>
+              <a:rPr lang="en-US" sz="1200" dirty="0" err="1"/>
+              <a:t>i</a:t>
+            </a:r>
+            <a:r>
+              <a:rPr lang="en-US" sz="1200" dirty="0"/>
+              <a:t> = 1 : length(</a:t>
+            </a:r>
+            <a:r>
+              <a:rPr lang="en-US" sz="1200" dirty="0" err="1"/>
+              <a:t>Seg</a:t>
+            </a:r>
+            <a:r>
+              <a:rPr lang="en-US" sz="1200" dirty="0"/>
+              <a:t> TS) - 1 // Find merging costs.</a:t>
+            </a:r>
+          </a:p>
+          <a:p>
+            <a:pPr marL="0" indent="0">
+              <a:buNone/>
+            </a:pPr>
+            <a:r>
+              <a:rPr lang="en-US" sz="1200" dirty="0" smtClean="0"/>
+              <a:t>    merge </a:t>
+            </a:r>
+            <a:r>
+              <a:rPr lang="en-US" sz="1200" dirty="0"/>
+              <a:t>cost(</a:t>
+            </a:r>
+            <a:r>
+              <a:rPr lang="en-US" sz="1200" dirty="0" err="1"/>
+              <a:t>i</a:t>
+            </a:r>
+            <a:r>
+              <a:rPr lang="en-US" sz="1200" dirty="0"/>
+              <a:t>) = calculate error([merge(</a:t>
+            </a:r>
+            <a:r>
+              <a:rPr lang="en-US" sz="1200" dirty="0" err="1"/>
+              <a:t>Seg</a:t>
+            </a:r>
+            <a:r>
+              <a:rPr lang="en-US" sz="1200" dirty="0"/>
+              <a:t> TS(</a:t>
+            </a:r>
+            <a:r>
+              <a:rPr lang="en-US" sz="1200" dirty="0" err="1"/>
+              <a:t>i</a:t>
+            </a:r>
+            <a:r>
+              <a:rPr lang="en-US" sz="1200" dirty="0"/>
+              <a:t>), </a:t>
+            </a:r>
+            <a:r>
+              <a:rPr lang="en-US" sz="1200" dirty="0" err="1"/>
+              <a:t>Seg</a:t>
+            </a:r>
+            <a:r>
+              <a:rPr lang="en-US" sz="1200" dirty="0"/>
+              <a:t> TS(</a:t>
+            </a:r>
+            <a:r>
+              <a:rPr lang="en-US" sz="1200" dirty="0" err="1"/>
+              <a:t>i</a:t>
+            </a:r>
+            <a:r>
+              <a:rPr lang="en-US" sz="1200" dirty="0"/>
+              <a:t> + 1))]);</a:t>
+            </a:r>
+          </a:p>
+          <a:p>
+            <a:pPr marL="0" indent="0">
+              <a:buNone/>
+            </a:pPr>
+            <a:r>
+              <a:rPr lang="en-US" sz="1200" dirty="0"/>
+              <a:t>end;</a:t>
+            </a:r>
+          </a:p>
+          <a:p>
+            <a:pPr marL="0" indent="0">
+              <a:buNone/>
+            </a:pPr>
+            <a:r>
+              <a:rPr lang="en-US" sz="1200" dirty="0"/>
+              <a:t>while min(merge cost) &lt; max error // While not finished.</a:t>
+            </a:r>
+          </a:p>
+          <a:p>
+            <a:pPr marL="0" indent="0">
+              <a:buNone/>
+            </a:pPr>
+            <a:r>
+              <a:rPr lang="en-US" sz="1200" dirty="0" smtClean="0"/>
+              <a:t>    p </a:t>
+            </a:r>
+            <a:r>
+              <a:rPr lang="en-US" sz="1200" dirty="0"/>
+              <a:t>= min(merge cost); // Find ‘‘cheapest’’ pair to merge.</a:t>
+            </a:r>
+          </a:p>
+          <a:p>
+            <a:pPr marL="0" indent="0">
+              <a:buNone/>
+            </a:pPr>
+            <a:r>
+              <a:rPr lang="en-US" sz="1200" dirty="0" smtClean="0"/>
+              <a:t>    </a:t>
+            </a:r>
+            <a:r>
+              <a:rPr lang="en-US" sz="1200" dirty="0" err="1" smtClean="0"/>
+              <a:t>Seg</a:t>
+            </a:r>
+            <a:r>
+              <a:rPr lang="en-US" sz="1200" dirty="0" smtClean="0"/>
+              <a:t> </a:t>
+            </a:r>
+            <a:r>
+              <a:rPr lang="en-US" sz="1200" dirty="0"/>
+              <a:t>TS(p) = merge(</a:t>
+            </a:r>
+            <a:r>
+              <a:rPr lang="en-US" sz="1200" dirty="0" err="1"/>
+              <a:t>Seg</a:t>
+            </a:r>
+            <a:r>
+              <a:rPr lang="en-US" sz="1200" dirty="0"/>
+              <a:t> TS(p), </a:t>
+            </a:r>
+            <a:r>
+              <a:rPr lang="en-US" sz="1200" dirty="0" err="1"/>
+              <a:t>Seg</a:t>
+            </a:r>
+            <a:r>
+              <a:rPr lang="en-US" sz="1200" dirty="0"/>
+              <a:t> TS(p + 1)); // Merge them.</a:t>
+            </a:r>
+          </a:p>
+          <a:p>
+            <a:pPr marL="0" indent="0">
+              <a:buNone/>
+            </a:pPr>
+            <a:r>
+              <a:rPr lang="en-US" sz="1200" dirty="0" smtClean="0"/>
+              <a:t>    delete(</a:t>
+            </a:r>
+            <a:r>
+              <a:rPr lang="en-US" sz="1200" dirty="0" err="1" smtClean="0"/>
+              <a:t>Seg</a:t>
+            </a:r>
+            <a:r>
+              <a:rPr lang="en-US" sz="1200" dirty="0" smtClean="0"/>
+              <a:t> </a:t>
+            </a:r>
+            <a:r>
+              <a:rPr lang="en-US" sz="1200" dirty="0"/>
+              <a:t>TS(p + 1)); // Update records.</a:t>
+            </a:r>
+          </a:p>
+          <a:p>
+            <a:pPr marL="0" indent="0">
+              <a:buNone/>
+            </a:pPr>
+            <a:r>
+              <a:rPr lang="en-US" sz="1200" dirty="0" smtClean="0"/>
+              <a:t>    merge </a:t>
+            </a:r>
+            <a:r>
+              <a:rPr lang="en-US" sz="1200" dirty="0"/>
+              <a:t>cost(p) = calculate error(merge(</a:t>
+            </a:r>
+            <a:r>
+              <a:rPr lang="en-US" sz="1200" dirty="0" err="1"/>
+              <a:t>Seg</a:t>
+            </a:r>
+            <a:r>
+              <a:rPr lang="en-US" sz="1200" dirty="0"/>
+              <a:t> TS(p), </a:t>
+            </a:r>
+            <a:r>
+              <a:rPr lang="en-US" sz="1200" dirty="0" err="1"/>
+              <a:t>Seg</a:t>
+            </a:r>
+            <a:r>
+              <a:rPr lang="en-US" sz="1200" dirty="0"/>
+              <a:t> TS(p + 1)));</a:t>
+            </a:r>
+          </a:p>
+          <a:p>
+            <a:pPr marL="0" indent="0">
+              <a:buNone/>
+            </a:pPr>
+            <a:r>
+              <a:rPr lang="en-US" sz="1200" dirty="0" smtClean="0"/>
+              <a:t>    merge </a:t>
+            </a:r>
+            <a:r>
+              <a:rPr lang="en-US" sz="1200" dirty="0"/>
+              <a:t>cost(p - 1) = calculate error(merge(</a:t>
+            </a:r>
+            <a:r>
+              <a:rPr lang="en-US" sz="1200" dirty="0" err="1"/>
+              <a:t>Seg</a:t>
+            </a:r>
+            <a:r>
+              <a:rPr lang="en-US" sz="1200" dirty="0"/>
+              <a:t> TS(p - 1), </a:t>
+            </a:r>
+            <a:r>
+              <a:rPr lang="en-US" sz="1200" dirty="0" err="1"/>
+              <a:t>Seg</a:t>
+            </a:r>
+            <a:r>
+              <a:rPr lang="en-US" sz="1200" dirty="0"/>
+              <a:t> TS(p)));</a:t>
+            </a:r>
+          </a:p>
+          <a:p>
+            <a:pPr marL="0" indent="0">
+              <a:buNone/>
+            </a:pPr>
+            <a:r>
+              <a:rPr lang="en-US" sz="1200" dirty="0"/>
+              <a:t>end;</a:t>
+            </a:r>
+          </a:p>
+        </p:txBody>
+      </p:sp>
+    </p:spTree>
+    <p:extLst>
+      <p:ext uri="{BB962C8B-B14F-4D97-AF65-F5344CB8AC3E}">
+        <p14:creationId xmlns:p14="http://schemas.microsoft.com/office/powerpoint/2010/main" val="3263732071"/>
+      </p:ext>
+    </p:extLst>
+  </p:cSld>
+  <p:clrMapOvr>
+    <a:masterClrMapping/>
+  </p:clrMapOvr>
+</p:sld>
+</file>
+
+<file path=ppt/slides/slide21.xml><?xml version="1.0" encoding="utf-8"?>
+<p:sld xmlns:a="http://schemas.openxmlformats.org/drawingml/2006/main" xmlns:r="http://schemas.openxmlformats.org/officeDocument/2006/relationships" xmlns:p="http://schemas.openxmlformats.org/presentationml/2006/main">
+  <p:cSld>
+    <p:spTree>
+      <p:nvGrpSpPr>
+        <p:cNvPr id="1" name=""/>
+        <p:cNvGrpSpPr/>
+        <p:nvPr/>
+      </p:nvGrpSpPr>
+      <p:grpSpPr>
+        <a:xfrm>
+          <a:off x="0" y="0"/>
+          <a:ext cx="0" cy="0"/>
+          <a:chOff x="0" y="0"/>
+          <a:chExt cx="0" cy="0"/>
+        </a:xfrm>
+      </p:grpSpPr>
+      <p:sp>
+        <p:nvSpPr>
+          <p:cNvPr id="2" name="Title 1"/>
+          <p:cNvSpPr>
+            <a:spLocks noGrp="1"/>
+          </p:cNvSpPr>
+          <p:nvPr>
+            <p:ph type="title"/>
+          </p:nvPr>
+        </p:nvSpPr>
+        <p:spPr/>
+        <p:txBody>
+          <a:bodyPr/>
+          <a:lstStyle/>
+          <a:p>
+            <a:pPr algn="ctr"/>
+            <a:r>
+              <a:rPr lang="en-US" dirty="0" smtClean="0"/>
+              <a:t>Comparison</a:t>
+            </a:r>
+            <a:endParaRPr lang="en-US" dirty="0"/>
+          </a:p>
+        </p:txBody>
+      </p:sp>
+      <mc:AlternateContent xmlns:mc="http://schemas.openxmlformats.org/markup-compatibility/2006">
+        <mc:Choice xmlns:a14="http://schemas.microsoft.com/office/drawing/2010/main" Requires="a14">
+          <p:graphicFrame>
+            <p:nvGraphicFramePr>
+              <p:cNvPr id="4" name="Content Placeholder 3"/>
+              <p:cNvGraphicFramePr>
+                <a:graphicFrameLocks noGrp="1"/>
+              </p:cNvGraphicFramePr>
+              <p:nvPr>
+                <p:ph idx="1"/>
+                <p:extLst>
+                  <p:ext uri="{D42A27DB-BD31-4B8C-83A1-F6EECF244321}">
+                    <p14:modId xmlns:p14="http://schemas.microsoft.com/office/powerpoint/2010/main" val="2854676284"/>
+                  </p:ext>
+                </p:extLst>
+              </p:nvPr>
+            </p:nvGraphicFramePr>
+            <p:xfrm>
+              <a:off x="2589213" y="2133600"/>
+              <a:ext cx="8915400" cy="1483360"/>
+            </p:xfrm>
+            <a:graphic>
+              <a:graphicData uri="http://schemas.openxmlformats.org/drawingml/2006/table">
+                <a:tbl>
+                  <a:tblPr firstRow="1" bandRow="1">
+                    <a:tableStyleId>{5C22544A-7EE6-4342-B048-85BDC9FD1C3A}</a:tableStyleId>
+                  </a:tblPr>
+                  <a:tblGrid>
+                    <a:gridCol w="2971800"/>
+                    <a:gridCol w="2971800"/>
+                    <a:gridCol w="2971800"/>
+                  </a:tblGrid>
+                  <a:tr h="370840">
+                    <a:tc>
+                      <a:txBody>
+                        <a:bodyPr/>
+                        <a:lstStyle/>
+                        <a:p>
+                          <a:r>
+                            <a:rPr lang="en-US" dirty="0" smtClean="0"/>
+                            <a:t>Algorithm</a:t>
+                          </a:r>
+                          <a:endParaRPr lang="en-US" dirty="0"/>
+                        </a:p>
+                      </a:txBody>
+                      <a:tcPr/>
+                    </a:tc>
+                    <a:tc>
+                      <a:txBody>
+                        <a:bodyPr/>
+                        <a:lstStyle/>
+                        <a:p>
+                          <a:r>
+                            <a:rPr lang="en-US" dirty="0" smtClean="0"/>
+                            <a:t>Online</a:t>
+                          </a:r>
+                          <a:endParaRPr lang="en-US" dirty="0"/>
+                        </a:p>
+                      </a:txBody>
+                      <a:tcPr/>
+                    </a:tc>
+                    <a:tc>
+                      <a:txBody>
+                        <a:bodyPr/>
+                        <a:lstStyle/>
+                        <a:p>
+                          <a:r>
+                            <a:rPr lang="en-US" dirty="0" smtClean="0"/>
+                            <a:t>Complexity</a:t>
+                          </a:r>
+                          <a:endParaRPr lang="en-US" dirty="0"/>
+                        </a:p>
+                      </a:txBody>
+                      <a:tcPr/>
+                    </a:tc>
+                  </a:tr>
+                  <a:tr h="370840">
+                    <a:tc>
+                      <a:txBody>
+                        <a:bodyPr/>
+                        <a:lstStyle/>
+                        <a:p>
+                          <a:r>
+                            <a:rPr lang="en-US" dirty="0" smtClean="0"/>
+                            <a:t>Top-Down</a:t>
+                          </a:r>
+                          <a:endParaRPr lang="en-US" dirty="0"/>
+                        </a:p>
+                      </a:txBody>
+                      <a:tcPr/>
+                    </a:tc>
+                    <a:tc>
+                      <a:txBody>
+                        <a:bodyPr/>
+                        <a:lstStyle/>
+                        <a:p>
+                          <a:r>
+                            <a:rPr lang="en-US" dirty="0" smtClean="0"/>
+                            <a:t>No</a:t>
+                          </a:r>
+                          <a:endParaRPr lang="en-US" dirty="0"/>
+                        </a:p>
+                      </a:txBody>
+                      <a:tcPr/>
+                    </a:tc>
+                    <a:tc>
+                      <a:txBody>
+                        <a:bodyPr/>
+                        <a:lstStyle/>
+                        <a:p>
+                          <a14:m>
+                            <m:oMathPara xmlns:m="http://schemas.openxmlformats.org/officeDocument/2006/math">
+                              <m:oMathParaPr>
+                                <m:jc m:val="centerGroup"/>
+                              </m:oMathParaPr>
+                              <m:oMath xmlns:m="http://schemas.openxmlformats.org/officeDocument/2006/math">
+                                <m:r>
+                                  <a:rPr lang="en-US" b="0" i="1" smtClean="0">
+                                    <a:latin typeface="Cambria Math" panose="02040503050406030204" pitchFamily="18" charset="0"/>
+                                  </a:rPr>
+                                  <m:t>𝑂</m:t>
+                                </m:r>
+                                <m:r>
+                                  <a:rPr lang="en-US" b="0" i="1" smtClean="0">
+                                    <a:latin typeface="Cambria Math" panose="02040503050406030204" pitchFamily="18" charset="0"/>
+                                  </a:rPr>
+                                  <m:t>(</m:t>
+                                </m:r>
+                                <m:sSup>
+                                  <m:sSupPr>
+                                    <m:ctrlPr>
+                                      <a:rPr lang="en-US" b="0" i="1" smtClean="0">
+                                        <a:latin typeface="Cambria Math" panose="02040503050406030204" pitchFamily="18" charset="0"/>
+                                      </a:rPr>
+                                    </m:ctrlPr>
+                                  </m:sSupPr>
+                                  <m:e>
+                                    <m:r>
+                                      <a:rPr lang="en-US" b="0" i="1" smtClean="0">
+                                        <a:latin typeface="Cambria Math" panose="02040503050406030204" pitchFamily="18" charset="0"/>
+                                      </a:rPr>
+                                      <m:t>𝑛</m:t>
+                                    </m:r>
+                                  </m:e>
+                                  <m:sup>
+                                    <m:r>
+                                      <a:rPr lang="en-US" b="0" i="1" smtClean="0">
+                                        <a:latin typeface="Cambria Math" panose="02040503050406030204" pitchFamily="18" charset="0"/>
+                                      </a:rPr>
+                                      <m:t>2</m:t>
+                                    </m:r>
+                                  </m:sup>
+                                </m:sSup>
+                                <m:r>
+                                  <a:rPr lang="en-US" b="0" i="1" smtClean="0">
+                                    <a:latin typeface="Cambria Math" panose="02040503050406030204" pitchFamily="18" charset="0"/>
+                                  </a:rPr>
+                                  <m:t>𝐾</m:t>
+                                </m:r>
+                                <m:r>
+                                  <a:rPr lang="en-US" b="0" i="1" smtClean="0">
+                                    <a:latin typeface="Cambria Math" panose="02040503050406030204" pitchFamily="18" charset="0"/>
+                                  </a:rPr>
+                                  <m:t>)</m:t>
+                                </m:r>
+                              </m:oMath>
+                            </m:oMathPara>
+                          </a14:m>
+                          <a:endParaRPr lang="en-US" dirty="0"/>
+                        </a:p>
+                      </a:txBody>
+                      <a:tcPr/>
+                    </a:tc>
+                  </a:tr>
+                  <a:tr h="370840">
+                    <a:tc>
+                      <a:txBody>
+                        <a:bodyPr/>
+                        <a:lstStyle/>
+                        <a:p>
+                          <a:r>
+                            <a:rPr lang="en-US" dirty="0" smtClean="0"/>
+                            <a:t>Bottom-Up</a:t>
+                          </a:r>
+                          <a:endParaRPr lang="en-US" dirty="0"/>
+                        </a:p>
+                      </a:txBody>
+                      <a:tcPr/>
+                    </a:tc>
+                    <a:tc>
+                      <a:txBody>
+                        <a:bodyPr/>
+                        <a:lstStyle/>
+                        <a:p>
+                          <a:r>
+                            <a:rPr lang="en-US" dirty="0" smtClean="0"/>
+                            <a:t>No</a:t>
+                          </a:r>
+                          <a:endParaRPr lang="en-US" dirty="0"/>
+                        </a:p>
+                      </a:txBody>
+                      <a:tcPr/>
+                    </a:tc>
+                    <a:tc>
+                      <a:txBody>
+                        <a:bodyPr/>
+                        <a:lstStyle/>
+                        <a:p>
+                          <a14:m>
+                            <m:oMathPara xmlns:m="http://schemas.openxmlformats.org/officeDocument/2006/math">
+                              <m:oMathParaPr>
+                                <m:jc m:val="centerGroup"/>
+                              </m:oMathParaPr>
+                              <m:oMath xmlns:m="http://schemas.openxmlformats.org/officeDocument/2006/math">
+                                <m:r>
+                                  <a:rPr lang="en-US" b="0" i="1" smtClean="0">
+                                    <a:latin typeface="Cambria Math" panose="02040503050406030204" pitchFamily="18" charset="0"/>
+                                  </a:rPr>
+                                  <m:t>𝑂</m:t>
+                                </m:r>
+                                <m:r>
+                                  <a:rPr lang="en-US" b="0" i="1" smtClean="0">
+                                    <a:latin typeface="Cambria Math" panose="02040503050406030204" pitchFamily="18" charset="0"/>
+                                  </a:rPr>
+                                  <m:t>(</m:t>
+                                </m:r>
+                                <m:r>
+                                  <a:rPr lang="en-US" b="0" i="1" smtClean="0">
+                                    <a:latin typeface="Cambria Math" panose="02040503050406030204" pitchFamily="18" charset="0"/>
+                                  </a:rPr>
+                                  <m:t>𝐿𝑛</m:t>
+                                </m:r>
+                                <m:r>
+                                  <a:rPr lang="en-US" b="0" i="1" smtClean="0">
+                                    <a:latin typeface="Cambria Math" panose="02040503050406030204" pitchFamily="18" charset="0"/>
+                                  </a:rPr>
+                                  <m:t>)</m:t>
+                                </m:r>
+                              </m:oMath>
+                            </m:oMathPara>
+                          </a14:m>
+                          <a:endParaRPr lang="en-US" dirty="0"/>
+                        </a:p>
+                      </a:txBody>
+                      <a:tcPr/>
+                    </a:tc>
+                  </a:tr>
+                  <a:tr h="370840">
+                    <a:tc>
+                      <a:txBody>
+                        <a:bodyPr/>
+                        <a:lstStyle/>
+                        <a:p>
+                          <a:r>
+                            <a:rPr lang="en-US" dirty="0" smtClean="0"/>
+                            <a:t>Sliding</a:t>
+                          </a:r>
+                          <a:r>
+                            <a:rPr lang="en-US" baseline="0" dirty="0" smtClean="0"/>
+                            <a:t> </a:t>
+                          </a:r>
+                          <a:r>
+                            <a:rPr lang="en-US" dirty="0" smtClean="0"/>
+                            <a:t>Window</a:t>
+                          </a:r>
+                          <a:endParaRPr lang="en-US" dirty="0"/>
+                        </a:p>
+                      </a:txBody>
+                      <a:tcPr/>
+                    </a:tc>
+                    <a:tc>
+                      <a:txBody>
+                        <a:bodyPr/>
+                        <a:lstStyle/>
+                        <a:p>
+                          <a:r>
+                            <a:rPr lang="en-US" dirty="0" smtClean="0"/>
+                            <a:t>Yes</a:t>
+                          </a:r>
+                          <a:endParaRPr lang="en-US" dirty="0"/>
+                        </a:p>
+                      </a:txBody>
+                      <a:tcPr/>
+                    </a:tc>
+                    <a:tc>
+                      <a:txBody>
+                        <a:bodyPr/>
+                        <a:lstStyle/>
+                        <a:p>
+                          <a14:m>
+                            <m:oMathPara xmlns:m="http://schemas.openxmlformats.org/officeDocument/2006/math">
+                              <m:oMathParaPr>
+                                <m:jc m:val="centerGroup"/>
+                              </m:oMathParaPr>
+                              <m:oMath xmlns:m="http://schemas.openxmlformats.org/officeDocument/2006/math">
+                                <m:r>
+                                  <a:rPr lang="en-US" b="0" i="1" smtClean="0">
+                                    <a:latin typeface="Cambria Math" panose="02040503050406030204" pitchFamily="18" charset="0"/>
+                                  </a:rPr>
+                                  <m:t>𝑂</m:t>
+                                </m:r>
+                                <m:r>
+                                  <a:rPr lang="en-US" b="0" i="1" smtClean="0">
+                                    <a:latin typeface="Cambria Math" panose="02040503050406030204" pitchFamily="18" charset="0"/>
+                                  </a:rPr>
+                                  <m:t>(</m:t>
+                                </m:r>
+                                <m:r>
+                                  <a:rPr lang="en-US" b="0" i="1" smtClean="0">
+                                    <a:latin typeface="Cambria Math" panose="02040503050406030204" pitchFamily="18" charset="0"/>
+                                  </a:rPr>
+                                  <m:t>𝐿𝑛</m:t>
+                                </m:r>
+                                <m:r>
+                                  <a:rPr lang="en-US" b="0" i="1" smtClean="0">
+                                    <a:latin typeface="Cambria Math" panose="02040503050406030204" pitchFamily="18" charset="0"/>
+                                  </a:rPr>
+                                  <m:t>)</m:t>
+                                </m:r>
+                              </m:oMath>
+                            </m:oMathPara>
+                          </a14:m>
+                          <a:endParaRPr lang="en-US" dirty="0"/>
+                        </a:p>
+                      </a:txBody>
+                      <a:tcPr/>
+                    </a:tc>
+                  </a:tr>
+                </a:tbl>
+              </a:graphicData>
+            </a:graphic>
+          </p:graphicFrame>
+        </mc:Choice>
+        <mc:Fallback>
+          <p:graphicFrame>
+            <p:nvGraphicFramePr>
+              <p:cNvPr id="4" name="Content Placeholder 3"/>
+              <p:cNvGraphicFramePr>
+                <a:graphicFrameLocks noGrp="1"/>
+              </p:cNvGraphicFramePr>
+              <p:nvPr>
+                <p:ph idx="1"/>
+                <p:extLst>
+                  <p:ext uri="{D42A27DB-BD31-4B8C-83A1-F6EECF244321}">
+                    <p14:modId xmlns:p14="http://schemas.microsoft.com/office/powerpoint/2010/main" val="2854676284"/>
+                  </p:ext>
+                </p:extLst>
+              </p:nvPr>
+            </p:nvGraphicFramePr>
+            <p:xfrm>
+              <a:off x="2589213" y="2133600"/>
+              <a:ext cx="8915400" cy="1483360"/>
+            </p:xfrm>
+            <a:graphic>
+              <a:graphicData uri="http://schemas.openxmlformats.org/drawingml/2006/table">
+                <a:tbl>
+                  <a:tblPr firstRow="1" bandRow="1">
+                    <a:tableStyleId>{5C22544A-7EE6-4342-B048-85BDC9FD1C3A}</a:tableStyleId>
+                  </a:tblPr>
+                  <a:tblGrid>
+                    <a:gridCol w="2971800"/>
+                    <a:gridCol w="2971800"/>
+                    <a:gridCol w="2971800"/>
+                  </a:tblGrid>
+                  <a:tr h="370840">
+                    <a:tc>
+                      <a:txBody>
+                        <a:bodyPr/>
+                        <a:lstStyle/>
+                        <a:p>
+                          <a:r>
+                            <a:rPr lang="en-US" dirty="0" smtClean="0"/>
+                            <a:t>Algorithm</a:t>
+                          </a:r>
+                          <a:endParaRPr lang="en-US" dirty="0"/>
+                        </a:p>
+                      </a:txBody>
+                      <a:tcPr/>
+                    </a:tc>
+                    <a:tc>
+                      <a:txBody>
+                        <a:bodyPr/>
+                        <a:lstStyle/>
+                        <a:p>
+                          <a:r>
+                            <a:rPr lang="en-US" dirty="0" smtClean="0"/>
+                            <a:t>Online</a:t>
+                          </a:r>
+                          <a:endParaRPr lang="en-US" dirty="0"/>
+                        </a:p>
+                      </a:txBody>
+                      <a:tcPr/>
+                    </a:tc>
+                    <a:tc>
+                      <a:txBody>
+                        <a:bodyPr/>
+                        <a:lstStyle/>
+                        <a:p>
+                          <a:r>
+                            <a:rPr lang="en-US" dirty="0" smtClean="0"/>
+                            <a:t>Complexity</a:t>
+                          </a:r>
+                          <a:endParaRPr lang="en-US" dirty="0"/>
+                        </a:p>
+                      </a:txBody>
+                      <a:tcPr/>
+                    </a:tc>
+                  </a:tr>
+                  <a:tr h="370840">
+                    <a:tc>
+                      <a:txBody>
+                        <a:bodyPr/>
+                        <a:lstStyle/>
+                        <a:p>
+                          <a:r>
+                            <a:rPr lang="en-US" dirty="0" smtClean="0"/>
+                            <a:t>Top-Down</a:t>
+                          </a:r>
+                          <a:endParaRPr lang="en-US" dirty="0"/>
+                        </a:p>
+                      </a:txBody>
+                      <a:tcPr/>
+                    </a:tc>
+                    <a:tc>
+                      <a:txBody>
+                        <a:bodyPr/>
+                        <a:lstStyle/>
+                        <a:p>
+                          <a:r>
+                            <a:rPr lang="en-US" dirty="0" smtClean="0"/>
+                            <a:t>No</a:t>
+                          </a:r>
+                          <a:endParaRPr lang="en-US" dirty="0"/>
+                        </a:p>
+                      </a:txBody>
+                      <a:tcPr/>
+                    </a:tc>
+                    <a:tc>
+                      <a:txBody>
+                        <a:bodyPr/>
+                        <a:lstStyle/>
+                        <a:p>
+                          <a:endParaRPr lang="en-US"/>
+                        </a:p>
+                      </a:txBody>
+                      <a:tcPr>
+                        <a:blipFill rotWithShape="0">
+                          <a:blip r:embed="rId2"/>
+                          <a:stretch>
+                            <a:fillRect l="-200205" t="-108197" r="-820" b="-222951"/>
+                          </a:stretch>
+                        </a:blipFill>
+                      </a:tcPr>
+                    </a:tc>
+                  </a:tr>
+                  <a:tr h="370840">
+                    <a:tc>
+                      <a:txBody>
+                        <a:bodyPr/>
+                        <a:lstStyle/>
+                        <a:p>
+                          <a:r>
+                            <a:rPr lang="en-US" dirty="0" smtClean="0"/>
+                            <a:t>Bottom-Up</a:t>
+                          </a:r>
+                          <a:endParaRPr lang="en-US" dirty="0"/>
+                        </a:p>
+                      </a:txBody>
+                      <a:tcPr/>
+                    </a:tc>
+                    <a:tc>
+                      <a:txBody>
+                        <a:bodyPr/>
+                        <a:lstStyle/>
+                        <a:p>
+                          <a:r>
+                            <a:rPr lang="en-US" dirty="0" smtClean="0"/>
+                            <a:t>No</a:t>
+                          </a:r>
+                          <a:endParaRPr lang="en-US" dirty="0"/>
+                        </a:p>
+                      </a:txBody>
+                      <a:tcPr/>
+                    </a:tc>
+                    <a:tc>
+                      <a:txBody>
+                        <a:bodyPr/>
+                        <a:lstStyle/>
+                        <a:p>
+                          <a:endParaRPr lang="en-US"/>
+                        </a:p>
+                      </a:txBody>
+                      <a:tcPr>
+                        <a:blipFill rotWithShape="0">
+                          <a:blip r:embed="rId2"/>
+                          <a:stretch>
+                            <a:fillRect l="-200205" t="-208197" r="-820" b="-122951"/>
+                          </a:stretch>
+                        </a:blipFill>
+                      </a:tcPr>
+                    </a:tc>
+                  </a:tr>
+                  <a:tr h="370840">
+                    <a:tc>
+                      <a:txBody>
+                        <a:bodyPr/>
+                        <a:lstStyle/>
+                        <a:p>
+                          <a:r>
+                            <a:rPr lang="en-US" dirty="0" smtClean="0"/>
+                            <a:t>Sliding</a:t>
+                          </a:r>
+                          <a:r>
+                            <a:rPr lang="en-US" baseline="0" dirty="0" smtClean="0"/>
+                            <a:t> </a:t>
+                          </a:r>
+                          <a:r>
+                            <a:rPr lang="en-US" dirty="0" smtClean="0"/>
+                            <a:t>Window</a:t>
+                          </a:r>
+                          <a:endParaRPr lang="en-US" dirty="0"/>
+                        </a:p>
+                      </a:txBody>
+                      <a:tcPr/>
+                    </a:tc>
+                    <a:tc>
+                      <a:txBody>
+                        <a:bodyPr/>
+                        <a:lstStyle/>
+                        <a:p>
+                          <a:r>
+                            <a:rPr lang="en-US" dirty="0" smtClean="0"/>
+                            <a:t>Yes</a:t>
+                          </a:r>
+                          <a:endParaRPr lang="en-US" dirty="0"/>
+                        </a:p>
+                      </a:txBody>
+                      <a:tcPr/>
+                    </a:tc>
+                    <a:tc>
+                      <a:txBody>
+                        <a:bodyPr/>
+                        <a:lstStyle/>
+                        <a:p>
+                          <a:endParaRPr lang="en-US"/>
+                        </a:p>
+                      </a:txBody>
+                      <a:tcPr>
+                        <a:blipFill rotWithShape="0">
+                          <a:blip r:embed="rId2"/>
+                          <a:stretch>
+                            <a:fillRect l="-200205" t="-308197" r="-820" b="-22951"/>
+                          </a:stretch>
+                        </a:blipFill>
+                      </a:tcPr>
+                    </a:tc>
+                  </a:tr>
+                </a:tbl>
+              </a:graphicData>
+            </a:graphic>
+          </p:graphicFrame>
+        </mc:Fallback>
+      </mc:AlternateContent>
+      <p:sp>
+        <p:nvSpPr>
+          <p:cNvPr id="5" name="TextBox 4"/>
+          <p:cNvSpPr txBox="1"/>
+          <p:nvPr/>
+        </p:nvSpPr>
+        <p:spPr>
+          <a:xfrm>
+            <a:off x="2769079" y="3985404"/>
+            <a:ext cx="8298612" cy="369332"/>
+          </a:xfrm>
+          <a:prstGeom prst="rect">
+            <a:avLst/>
+          </a:prstGeom>
+          <a:noFill/>
+        </p:spPr>
+        <p:txBody>
+          <a:bodyPr wrap="square" rtlCol="0">
+            <a:spAutoFit/>
+          </a:bodyPr>
+          <a:lstStyle/>
+          <a:p>
+            <a:r>
+              <a:rPr lang="en-US" dirty="0" smtClean="0"/>
+              <a:t>L=n/K</a:t>
+            </a:r>
+            <a:endParaRPr lang="en-US" dirty="0"/>
+          </a:p>
+        </p:txBody>
+      </p:sp>
+    </p:spTree>
+    <p:extLst>
+      <p:ext uri="{BB962C8B-B14F-4D97-AF65-F5344CB8AC3E}">
+        <p14:creationId xmlns:p14="http://schemas.microsoft.com/office/powerpoint/2010/main" val="2538630215"/>
+      </p:ext>
+    </p:extLst>
+  </p:cSld>
+  <p:clrMapOvr>
+    <a:masterClrMapping/>
+  </p:clrMapOvr>
+</p:sld>
+</file>
+
+<file path=ppt/slides/slide22.xml><?xml version="1.0" encoding="utf-8"?>
+<p:sld xmlns:a="http://schemas.openxmlformats.org/drawingml/2006/main" xmlns:r="http://schemas.openxmlformats.org/officeDocument/2006/relationships" xmlns:p="http://schemas.openxmlformats.org/presentationml/2006/main">
+  <p:cSld>
+    <p:spTree>
+      <p:nvGrpSpPr>
+        <p:cNvPr id="1" name=""/>
+        <p:cNvGrpSpPr/>
+        <p:nvPr/>
+      </p:nvGrpSpPr>
+      <p:grpSpPr>
+        <a:xfrm>
+          <a:off x="0" y="0"/>
+          <a:ext cx="0" cy="0"/>
+          <a:chOff x="0" y="0"/>
+          <a:chExt cx="0" cy="0"/>
+        </a:xfrm>
+      </p:grpSpPr>
+      <p:sp>
+        <p:nvSpPr>
+          <p:cNvPr id="2" name="Title 1"/>
+          <p:cNvSpPr>
+            <a:spLocks noGrp="1"/>
+          </p:cNvSpPr>
+          <p:nvPr>
+            <p:ph type="title"/>
+          </p:nvPr>
+        </p:nvSpPr>
+        <p:spPr/>
+        <p:txBody>
+          <a:bodyPr/>
+          <a:lstStyle/>
+          <a:p>
+            <a:pPr algn="ctr"/>
+            <a:r>
+              <a:rPr lang="en-US" dirty="0" smtClean="0"/>
+              <a:t>Prediction</a:t>
+            </a:r>
+            <a:endParaRPr lang="en-US" dirty="0"/>
+          </a:p>
+        </p:txBody>
+      </p:sp>
+      <mc:AlternateContent xmlns:mc="http://schemas.openxmlformats.org/markup-compatibility/2006">
+        <mc:Choice xmlns:a14="http://schemas.microsoft.com/office/drawing/2010/main" Requires="a14">
+          <p:sp>
+            <p:nvSpPr>
+              <p:cNvPr id="3" name="Content Placeholder 2"/>
+              <p:cNvSpPr>
+                <a:spLocks noGrp="1"/>
+              </p:cNvSpPr>
+              <p:nvPr>
+                <p:ph idx="1"/>
+              </p:nvPr>
+            </p:nvSpPr>
+            <p:spPr/>
+            <p:txBody>
+              <a:bodyPr/>
+              <a:lstStyle/>
+              <a:p>
+                <a:r>
+                  <a:rPr lang="en-US" dirty="0" smtClean="0"/>
+                  <a:t>Find </a:t>
+                </a:r>
+                <a:r>
+                  <a:rPr lang="en-US" dirty="0"/>
+                  <a:t>unusual </a:t>
+                </a:r>
+                <a:r>
+                  <a:rPr lang="en-US" dirty="0" smtClean="0"/>
+                  <a:t>subsequences(events) </a:t>
+                </a:r>
+                <a:r>
+                  <a:rPr lang="en-US" dirty="0"/>
+                  <a:t>of the time series in TSDB under to some similarity/dissimilarity measure D(Q,C</a:t>
+                </a:r>
+                <a:r>
+                  <a:rPr lang="en-US" dirty="0" smtClean="0"/>
+                  <a:t>).</a:t>
+                </a:r>
+              </a:p>
+              <a:p>
+                <a:r>
+                  <a:rPr lang="en-US" altLang="zh-CN" dirty="0" smtClean="0"/>
+                  <a:t>Event: important issues </a:t>
+                </a:r>
+                <a:r>
+                  <a:rPr lang="en-US" altLang="zh-CN" dirty="0"/>
+                  <a:t>like earthquakes, sharp rises or falls of a stock </a:t>
+                </a:r>
+                <a:r>
+                  <a:rPr lang="en-US" altLang="zh-CN" dirty="0" smtClean="0"/>
+                  <a:t>price.</a:t>
+                </a:r>
+                <a:endParaRPr lang="en-US" altLang="zh-CN" dirty="0"/>
+              </a:p>
+              <a:p>
+                <a:r>
+                  <a:rPr lang="en-US" dirty="0"/>
+                  <a:t>Temporal Pattern: </a:t>
+                </a:r>
+                <a:r>
+                  <a:rPr lang="en-US" dirty="0" smtClean="0"/>
+                  <a:t>A </a:t>
+                </a:r>
+                <a:r>
+                  <a:rPr lang="en-US" dirty="0"/>
+                  <a:t>hidden structure in a time series that is characteristic </a:t>
+                </a:r>
+                <a:r>
+                  <a:rPr lang="en-US" dirty="0" smtClean="0"/>
+                  <a:t>and predictive </a:t>
+                </a:r>
+                <a:r>
+                  <a:rPr lang="en-US" dirty="0"/>
+                  <a:t>of </a:t>
+                </a:r>
+                <a:r>
+                  <a:rPr lang="en-US" dirty="0" smtClean="0"/>
+                  <a:t>events. Temporal </a:t>
+                </a:r>
+                <a:r>
+                  <a:rPr lang="en-US" dirty="0"/>
+                  <a:t>pattern </a:t>
+                </a:r>
+                <a:r>
+                  <a:rPr lang="en-US" b="1" dirty="0"/>
+                  <a:t>p</a:t>
+                </a:r>
+                <a:r>
+                  <a:rPr lang="en-US" dirty="0"/>
+                  <a:t> is a real vector of length </a:t>
+                </a:r>
+                <a:r>
+                  <a:rPr lang="en-US" dirty="0" smtClean="0"/>
+                  <a:t>Q.</a:t>
+                </a:r>
+              </a:p>
+              <a:p>
+                <a:r>
+                  <a:rPr lang="en-US" dirty="0" smtClean="0"/>
+                  <a:t>Temporal Pattern Cluster: </a:t>
+                </a:r>
+                <a14:m>
+                  <m:oMath xmlns:m="http://schemas.openxmlformats.org/officeDocument/2006/math">
+                    <m:r>
+                      <a:rPr lang="en-US" b="0" i="1" smtClean="0">
+                        <a:latin typeface="Cambria Math" panose="02040503050406030204" pitchFamily="18" charset="0"/>
+                      </a:rPr>
+                      <m:t>𝑃</m:t>
+                    </m:r>
+                    <m:r>
+                      <a:rPr lang="en-US" b="0" i="1" smtClean="0">
+                        <a:latin typeface="Cambria Math" panose="02040503050406030204" pitchFamily="18" charset="0"/>
+                      </a:rPr>
+                      <m:t>={</m:t>
+                    </m:r>
+                    <m:r>
+                      <a:rPr lang="en-US" b="0" i="1" smtClean="0">
+                        <a:latin typeface="Cambria Math" panose="02040503050406030204" pitchFamily="18" charset="0"/>
+                      </a:rPr>
+                      <m:t>𝑎</m:t>
+                    </m:r>
+                    <m:r>
+                      <a:rPr lang="en-US" b="0" i="1" smtClean="0">
+                        <a:latin typeface="Cambria Math" panose="02040503050406030204" pitchFamily="18" charset="0"/>
+                        <a:ea typeface="Cambria Math" panose="02040503050406030204" pitchFamily="18" charset="0"/>
+                      </a:rPr>
+                      <m:t>∈ </m:t>
+                    </m:r>
+                    <m:sSup>
+                      <m:sSupPr>
+                        <m:ctrlPr>
+                          <a:rPr lang="en-US" b="0" i="1" smtClean="0">
+                            <a:latin typeface="Cambria Math" panose="02040503050406030204" pitchFamily="18" charset="0"/>
+                            <a:ea typeface="Cambria Math" panose="02040503050406030204" pitchFamily="18" charset="0"/>
+                          </a:rPr>
+                        </m:ctrlPr>
+                      </m:sSupPr>
+                      <m:e>
+                        <m:r>
+                          <a:rPr lang="en-US" b="0" i="1" smtClean="0">
+                            <a:latin typeface="Cambria Math" panose="02040503050406030204" pitchFamily="18" charset="0"/>
+                            <a:ea typeface="Cambria Math" panose="02040503050406030204" pitchFamily="18" charset="0"/>
+                          </a:rPr>
+                          <m:t>ℝ</m:t>
+                        </m:r>
+                      </m:e>
+                      <m:sup>
+                        <m:r>
+                          <a:rPr lang="en-US" b="0" i="1" smtClean="0">
+                            <a:latin typeface="Cambria Math" panose="02040503050406030204" pitchFamily="18" charset="0"/>
+                            <a:ea typeface="Cambria Math" panose="02040503050406030204" pitchFamily="18" charset="0"/>
+                          </a:rPr>
+                          <m:t>𝑄</m:t>
+                        </m:r>
+                      </m:sup>
+                    </m:sSup>
+                    <m:r>
+                      <a:rPr lang="en-US" b="0" i="1" smtClean="0">
+                        <a:latin typeface="Cambria Math" panose="02040503050406030204" pitchFamily="18" charset="0"/>
+                        <a:ea typeface="Cambria Math" panose="02040503050406030204" pitchFamily="18" charset="0"/>
+                      </a:rPr>
+                      <m:t>:</m:t>
+                    </m:r>
+                    <m:r>
+                      <a:rPr lang="en-US" b="0" i="1" smtClean="0">
+                        <a:latin typeface="Cambria Math" panose="02040503050406030204" pitchFamily="18" charset="0"/>
+                        <a:ea typeface="Cambria Math" panose="02040503050406030204" pitchFamily="18" charset="0"/>
+                      </a:rPr>
+                      <m:t>𝑑</m:t>
+                    </m:r>
+                    <m:d>
+                      <m:dPr>
+                        <m:ctrlPr>
+                          <a:rPr lang="en-US" b="0" i="1" smtClean="0">
+                            <a:latin typeface="Cambria Math" panose="02040503050406030204" pitchFamily="18" charset="0"/>
+                            <a:ea typeface="Cambria Math" panose="02040503050406030204" pitchFamily="18" charset="0"/>
+                          </a:rPr>
+                        </m:ctrlPr>
+                      </m:dPr>
+                      <m:e>
+                        <m:r>
+                          <a:rPr lang="en-US" b="1" i="1" smtClean="0">
+                            <a:latin typeface="Cambria Math" panose="02040503050406030204" pitchFamily="18" charset="0"/>
+                            <a:ea typeface="Cambria Math" panose="02040503050406030204" pitchFamily="18" charset="0"/>
+                          </a:rPr>
+                          <m:t>𝒑</m:t>
+                        </m:r>
+                        <m:r>
+                          <a:rPr lang="en-US" b="0" i="1" smtClean="0">
+                            <a:latin typeface="Cambria Math" panose="02040503050406030204" pitchFamily="18" charset="0"/>
+                            <a:ea typeface="Cambria Math" panose="02040503050406030204" pitchFamily="18" charset="0"/>
+                          </a:rPr>
+                          <m:t>,</m:t>
+                        </m:r>
+                        <m:r>
+                          <a:rPr lang="en-US" b="0" i="1" smtClean="0">
+                            <a:latin typeface="Cambria Math" panose="02040503050406030204" pitchFamily="18" charset="0"/>
+                            <a:ea typeface="Cambria Math" panose="02040503050406030204" pitchFamily="18" charset="0"/>
+                          </a:rPr>
+                          <m:t>𝑎</m:t>
+                        </m:r>
+                      </m:e>
+                    </m:d>
+                    <m:r>
+                      <a:rPr lang="en-US" b="0" i="1" smtClean="0">
+                        <a:latin typeface="Cambria Math" panose="02040503050406030204" pitchFamily="18" charset="0"/>
+                        <a:ea typeface="Cambria Math" panose="02040503050406030204" pitchFamily="18" charset="0"/>
+                      </a:rPr>
+                      <m:t>≤</m:t>
+                    </m:r>
+                    <m:r>
+                      <a:rPr lang="en-US" b="0" i="1" smtClean="0">
+                        <a:latin typeface="Cambria Math" panose="02040503050406030204" pitchFamily="18" charset="0"/>
+                        <a:ea typeface="Cambria Math" panose="02040503050406030204" pitchFamily="18" charset="0"/>
+                      </a:rPr>
+                      <m:t>𝛿</m:t>
+                    </m:r>
+                    <m:r>
+                      <a:rPr lang="en-US" b="0" i="1" smtClean="0">
+                        <a:latin typeface="Cambria Math" panose="02040503050406030204" pitchFamily="18" charset="0"/>
+                        <a:ea typeface="Cambria Math" panose="02040503050406030204" pitchFamily="18" charset="0"/>
+                      </a:rPr>
+                      <m:t>}</m:t>
+                    </m:r>
+                  </m:oMath>
+                </a14:m>
+                <a:r>
+                  <a:rPr lang="en-US" dirty="0" smtClean="0"/>
+                  <a:t>,</a:t>
+                </a:r>
+                <a:r>
+                  <a:rPr lang="en-US" dirty="0"/>
+                  <a:t> a </a:t>
+                </a:r>
+                <a:r>
+                  <a:rPr lang="en-US" dirty="0" smtClean="0"/>
+                  <a:t>hyper-sphere of dimension </a:t>
+                </a:r>
+                <a:r>
+                  <a:rPr lang="en-US" i="1" dirty="0"/>
+                  <a:t>Q</a:t>
+                </a:r>
+                <a:r>
+                  <a:rPr lang="en-US" dirty="0"/>
+                  <a:t>, radius , and center </a:t>
+                </a:r>
+                <a:r>
+                  <a:rPr lang="en-US" b="1" dirty="0" smtClean="0"/>
+                  <a:t>p.</a:t>
+                </a:r>
+                <a:endParaRPr lang="en-US" dirty="0"/>
+              </a:p>
+              <a:p>
+                <a:endParaRPr lang="en-US" dirty="0"/>
+              </a:p>
+            </p:txBody>
+          </p:sp>
+        </mc:Choice>
+        <mc:Fallback>
+          <p:sp>
+            <p:nvSpPr>
+              <p:cNvPr id="3" name="Content Placeholder 2"/>
+              <p:cNvSpPr>
+                <a:spLocks noGrp="1" noRot="1" noChangeAspect="1" noMove="1" noResize="1" noEditPoints="1" noAdjustHandles="1" noChangeArrowheads="1" noChangeShapeType="1" noTextEdit="1"/>
+              </p:cNvSpPr>
+              <p:nvPr>
+                <p:ph idx="1"/>
+              </p:nvPr>
+            </p:nvSpPr>
+            <p:spPr>
+              <a:blipFill rotWithShape="0">
+                <a:blip r:embed="rId2"/>
+                <a:stretch>
+                  <a:fillRect l="-479" t="-806" r="-752"/>
+                </a:stretch>
+              </a:blipFill>
+            </p:spPr>
+            <p:txBody>
+              <a:bodyPr/>
+              <a:lstStyle/>
+              <a:p>
+                <a:r>
+                  <a:rPr lang="en-US">
+                    <a:noFill/>
+                  </a:rPr>
+                  <a:t> </a:t>
+                </a:r>
+              </a:p>
+            </p:txBody>
+          </p:sp>
+        </mc:Fallback>
+      </mc:AlternateContent>
+    </p:spTree>
+    <p:extLst>
+      <p:ext uri="{BB962C8B-B14F-4D97-AF65-F5344CB8AC3E}">
+        <p14:creationId xmlns:p14="http://schemas.microsoft.com/office/powerpoint/2010/main" val="2338510073"/>
+      </p:ext>
+    </p:extLst>
+  </p:cSld>
+  <p:clrMapOvr>
+    <a:masterClrMapping/>
+  </p:clrMapOvr>
+  <p:timing>
+    <p:tnLst>
+      <p:par>
+        <p:cTn id="1" dur="indefinite" restart="never" nodeType="tmRoot"/>
+      </p:par>
+    </p:tnLst>
+  </p:timing>
+</p:sld>
+</file>
+
+<file path=ppt/slides/slide23.xml><?xml version="1.0" encoding="utf-8"?>
+<p:sld xmlns:a="http://schemas.openxmlformats.org/drawingml/2006/main" xmlns:r="http://schemas.openxmlformats.org/officeDocument/2006/relationships" xmlns:p="http://schemas.openxmlformats.org/presentationml/2006/main">
+  <p:cSld>
+    <p:spTree>
+      <p:nvGrpSpPr>
+        <p:cNvPr id="1" name=""/>
+        <p:cNvGrpSpPr/>
+        <p:nvPr/>
+      </p:nvGrpSpPr>
+      <p:grpSpPr>
+        <a:xfrm>
+          <a:off x="0" y="0"/>
+          <a:ext cx="0" cy="0"/>
+          <a:chOff x="0" y="0"/>
+          <a:chExt cx="0" cy="0"/>
+        </a:xfrm>
+      </p:grpSpPr>
+      <p:sp>
+        <p:nvSpPr>
+          <p:cNvPr id="2" name="Title 1"/>
+          <p:cNvSpPr>
+            <a:spLocks noGrp="1"/>
+          </p:cNvSpPr>
+          <p:nvPr>
+            <p:ph type="title"/>
+          </p:nvPr>
+        </p:nvSpPr>
+        <p:spPr/>
+        <p:txBody>
+          <a:bodyPr/>
+          <a:lstStyle/>
+          <a:p>
+            <a:pPr algn="ctr"/>
+            <a:r>
+              <a:rPr lang="en-US" dirty="0" smtClean="0"/>
+              <a:t>Prediction</a:t>
+            </a:r>
+            <a:endParaRPr lang="en-US" dirty="0"/>
+          </a:p>
+        </p:txBody>
+      </p:sp>
+      <mc:AlternateContent xmlns:mc="http://schemas.openxmlformats.org/markup-compatibility/2006" xmlns:a14="http://schemas.microsoft.com/office/drawing/2010/main">
+        <mc:Choice Requires="a14">
           <p:sp>
             <p:nvSpPr>
               <p:cNvPr id="3" name="Content Placeholder 2"/>
@@ -9122,359 +11999,7 @@
             </p:txBody>
           </p:sp>
         </mc:Choice>
-        <mc:Fallback>
-          <p:sp>
-            <p:nvSpPr>
-              <p:cNvPr id="3" name="Content Placeholder 2"/>
-              <p:cNvSpPr>
-                <a:spLocks noGrp="1" noRot="1" noChangeAspect="1" noMove="1" noResize="1" noEditPoints="1" noAdjustHandles="1" noChangeArrowheads="1" noChangeShapeType="1" noTextEdit="1"/>
-              </p:cNvSpPr>
-              <p:nvPr>
-                <p:ph idx="1"/>
-              </p:nvPr>
-            </p:nvSpPr>
-            <p:spPr>
-              <a:blipFill rotWithShape="0">
-                <a:blip r:embed="rId2"/>
-                <a:stretch>
-                  <a:fillRect l="-479" t="-806" r="-752"/>
-                </a:stretch>
-              </a:blipFill>
-            </p:spPr>
-            <p:txBody>
-              <a:bodyPr/>
-              <a:lstStyle/>
-              <a:p>
-                <a:r>
-                  <a:rPr lang="en-US">
-                    <a:noFill/>
-                  </a:rPr>
-                  <a:t> </a:t>
-                </a:r>
-              </a:p>
-            </p:txBody>
-          </p:sp>
-        </mc:Fallback>
-      </mc:AlternateContent>
-    </p:spTree>
-    <p:extLst>
-      <p:ext uri="{BB962C8B-B14F-4D97-AF65-F5344CB8AC3E}">
-        <p14:creationId xmlns:p14="http://schemas.microsoft.com/office/powerpoint/2010/main" val="2338510073"/>
-      </p:ext>
-    </p:extLst>
-  </p:cSld>
-  <p:clrMapOvr>
-    <a:masterClrMapping/>
-  </p:clrMapOvr>
-  <p:timing>
-    <p:tnLst>
-      <p:par>
-        <p:cTn id="1" dur="indefinite" restart="never" nodeType="tmRoot"/>
-      </p:par>
-    </p:tnLst>
-  </p:timing>
-</p:sld>
-</file>
-
-<file path=ppt/slides/slide17.xml><?xml version="1.0" encoding="utf-8"?>
-<p:sld xmlns:a="http://schemas.openxmlformats.org/drawingml/2006/main" xmlns:r="http://schemas.openxmlformats.org/officeDocument/2006/relationships" xmlns:p="http://schemas.openxmlformats.org/presentationml/2006/main">
-  <p:cSld>
-    <p:spTree>
-      <p:nvGrpSpPr>
-        <p:cNvPr id="1" name=""/>
-        <p:cNvGrpSpPr/>
-        <p:nvPr/>
-      </p:nvGrpSpPr>
-      <p:grpSpPr>
-        <a:xfrm>
-          <a:off x="0" y="0"/>
-          <a:ext cx="0" cy="0"/>
-          <a:chOff x="0" y="0"/>
-          <a:chExt cx="0" cy="0"/>
-        </a:xfrm>
-      </p:grpSpPr>
-      <p:sp>
-        <p:nvSpPr>
-          <p:cNvPr id="2" name="Title 1"/>
-          <p:cNvSpPr>
-            <a:spLocks noGrp="1"/>
-          </p:cNvSpPr>
-          <p:nvPr>
-            <p:ph type="title"/>
-          </p:nvPr>
-        </p:nvSpPr>
-        <p:spPr/>
-        <p:txBody>
-          <a:bodyPr/>
-          <a:lstStyle/>
-          <a:p>
-            <a:pPr algn="ctr"/>
-            <a:r>
-              <a:rPr lang="en-US" dirty="0" smtClean="0"/>
-              <a:t>Prediction</a:t>
-            </a:r>
-            <a:endParaRPr lang="en-US" dirty="0"/>
-          </a:p>
-        </p:txBody>
-      </p:sp>
-      <mc:AlternateContent xmlns:mc="http://schemas.openxmlformats.org/markup-compatibility/2006">
-        <mc:Choice xmlns:a14="http://schemas.microsoft.com/office/drawing/2010/main" Requires="a14">
-          <p:sp>
-            <p:nvSpPr>
-              <p:cNvPr id="3" name="Content Placeholder 2"/>
-              <p:cNvSpPr>
-                <a:spLocks noGrp="1"/>
-              </p:cNvSpPr>
-              <p:nvPr>
-                <p:ph idx="1"/>
-              </p:nvPr>
-            </p:nvSpPr>
-            <p:spPr/>
-            <p:txBody>
-              <a:bodyPr/>
-              <a:lstStyle/>
-              <a:p>
-                <a:r>
-                  <a:rPr lang="en-US" dirty="0" smtClean="0"/>
-                  <a:t>Find </a:t>
-                </a:r>
-                <a:r>
-                  <a:rPr lang="en-US" dirty="0"/>
-                  <a:t>unusual </a:t>
-                </a:r>
-                <a:r>
-                  <a:rPr lang="en-US" dirty="0" smtClean="0"/>
-                  <a:t>subsequences(events) </a:t>
-                </a:r>
-                <a:r>
-                  <a:rPr lang="en-US" dirty="0"/>
-                  <a:t>of the time series in TSDB under to some similarity/dissimilarity measure D(Q,C</a:t>
-                </a:r>
-                <a:r>
-                  <a:rPr lang="en-US" dirty="0" smtClean="0"/>
-                  <a:t>).</a:t>
-                </a:r>
-              </a:p>
-              <a:p>
-                <a:r>
-                  <a:rPr lang="en-US" altLang="zh-CN" dirty="0" smtClean="0"/>
-                  <a:t>Event: important issues </a:t>
-                </a:r>
-                <a:r>
-                  <a:rPr lang="en-US" altLang="zh-CN" dirty="0"/>
-                  <a:t>like earthquakes, sharp rises or falls of a stock </a:t>
-                </a:r>
-                <a:r>
-                  <a:rPr lang="en-US" altLang="zh-CN" dirty="0" smtClean="0"/>
-                  <a:t>price</a:t>
-                </a:r>
-                <a:endParaRPr lang="en-US" altLang="zh-CN" dirty="0"/>
-              </a:p>
-              <a:p>
-                <a:r>
-                  <a:rPr lang="en-US" dirty="0"/>
-                  <a:t>Temporal Pattern: </a:t>
-                </a:r>
-                <a:r>
-                  <a:rPr lang="en-US" dirty="0" smtClean="0"/>
-                  <a:t>A </a:t>
-                </a:r>
-                <a:r>
-                  <a:rPr lang="en-US" dirty="0"/>
-                  <a:t>hidden structure in a time series that is characteristic </a:t>
-                </a:r>
-                <a:r>
-                  <a:rPr lang="en-US" dirty="0" smtClean="0"/>
-                  <a:t>and predictive </a:t>
-                </a:r>
-                <a:r>
-                  <a:rPr lang="en-US" dirty="0"/>
-                  <a:t>of </a:t>
-                </a:r>
-                <a:r>
-                  <a:rPr lang="en-US" dirty="0" smtClean="0"/>
-                  <a:t>events. Temporal </a:t>
-                </a:r>
-                <a:r>
-                  <a:rPr lang="en-US" dirty="0"/>
-                  <a:t>pattern </a:t>
-                </a:r>
-                <a:r>
-                  <a:rPr lang="en-US" b="1" dirty="0"/>
-                  <a:t>p</a:t>
-                </a:r>
-                <a:r>
-                  <a:rPr lang="en-US" dirty="0"/>
-                  <a:t> is a real vector of length </a:t>
-                </a:r>
-                <a:r>
-                  <a:rPr lang="en-US" dirty="0" smtClean="0"/>
-                  <a:t>Q.</a:t>
-                </a:r>
-              </a:p>
-              <a:p>
-                <a:r>
-                  <a:rPr lang="en-US" dirty="0" smtClean="0"/>
-                  <a:t>Temporal Pattern Cluster: </a:t>
-                </a:r>
-                <a14:m>
-                  <m:oMath xmlns:m="http://schemas.openxmlformats.org/officeDocument/2006/math">
-                    <m:r>
-                      <a:rPr lang="en-US" b="0" i="1" smtClean="0">
-                        <a:latin typeface="Cambria Math" panose="02040503050406030204" pitchFamily="18" charset="0"/>
-                      </a:rPr>
-                      <m:t>𝑃</m:t>
-                    </m:r>
-                    <m:r>
-                      <a:rPr lang="en-US" b="0" i="1" smtClean="0">
-                        <a:latin typeface="Cambria Math" panose="02040503050406030204" pitchFamily="18" charset="0"/>
-                      </a:rPr>
-                      <m:t>={</m:t>
-                    </m:r>
-                    <m:r>
-                      <a:rPr lang="en-US" b="0" i="1" smtClean="0">
-                        <a:latin typeface="Cambria Math" panose="02040503050406030204" pitchFamily="18" charset="0"/>
-                      </a:rPr>
-                      <m:t>𝑎</m:t>
-                    </m:r>
-                    <m:r>
-                      <a:rPr lang="en-US" b="0" i="1" smtClean="0">
-                        <a:latin typeface="Cambria Math" panose="02040503050406030204" pitchFamily="18" charset="0"/>
-                        <a:ea typeface="Cambria Math" panose="02040503050406030204" pitchFamily="18" charset="0"/>
-                      </a:rPr>
-                      <m:t>∈ </m:t>
-                    </m:r>
-                    <m:sSup>
-                      <m:sSupPr>
-                        <m:ctrlPr>
-                          <a:rPr lang="en-US" b="0" i="1" smtClean="0">
-                            <a:latin typeface="Cambria Math" panose="02040503050406030204" pitchFamily="18" charset="0"/>
-                            <a:ea typeface="Cambria Math" panose="02040503050406030204" pitchFamily="18" charset="0"/>
-                          </a:rPr>
-                        </m:ctrlPr>
-                      </m:sSupPr>
-                      <m:e>
-                        <m:r>
-                          <a:rPr lang="en-US" b="0" i="1" smtClean="0">
-                            <a:latin typeface="Cambria Math" panose="02040503050406030204" pitchFamily="18" charset="0"/>
-                            <a:ea typeface="Cambria Math" panose="02040503050406030204" pitchFamily="18" charset="0"/>
-                          </a:rPr>
-                          <m:t>ℝ</m:t>
-                        </m:r>
-                      </m:e>
-                      <m:sup>
-                        <m:r>
-                          <a:rPr lang="en-US" b="0" i="1" smtClean="0">
-                            <a:latin typeface="Cambria Math" panose="02040503050406030204" pitchFamily="18" charset="0"/>
-                            <a:ea typeface="Cambria Math" panose="02040503050406030204" pitchFamily="18" charset="0"/>
-                          </a:rPr>
-                          <m:t>𝑄</m:t>
-                        </m:r>
-                      </m:sup>
-                    </m:sSup>
-                    <m:r>
-                      <a:rPr lang="en-US" b="0" i="1" smtClean="0">
-                        <a:latin typeface="Cambria Math" panose="02040503050406030204" pitchFamily="18" charset="0"/>
-                        <a:ea typeface="Cambria Math" panose="02040503050406030204" pitchFamily="18" charset="0"/>
-                      </a:rPr>
-                      <m:t>:</m:t>
-                    </m:r>
-                    <m:r>
-                      <a:rPr lang="en-US" b="0" i="1" smtClean="0">
-                        <a:latin typeface="Cambria Math" panose="02040503050406030204" pitchFamily="18" charset="0"/>
-                        <a:ea typeface="Cambria Math" panose="02040503050406030204" pitchFamily="18" charset="0"/>
-                      </a:rPr>
-                      <m:t>𝑑</m:t>
-                    </m:r>
-                    <m:d>
-                      <m:dPr>
-                        <m:ctrlPr>
-                          <a:rPr lang="en-US" b="0" i="1" smtClean="0">
-                            <a:latin typeface="Cambria Math" panose="02040503050406030204" pitchFamily="18" charset="0"/>
-                            <a:ea typeface="Cambria Math" panose="02040503050406030204" pitchFamily="18" charset="0"/>
-                          </a:rPr>
-                        </m:ctrlPr>
-                      </m:dPr>
-                      <m:e>
-                        <m:r>
-                          <a:rPr lang="en-US" b="1" i="1" smtClean="0">
-                            <a:latin typeface="Cambria Math" panose="02040503050406030204" pitchFamily="18" charset="0"/>
-                            <a:ea typeface="Cambria Math" panose="02040503050406030204" pitchFamily="18" charset="0"/>
-                          </a:rPr>
-                          <m:t>𝒑</m:t>
-                        </m:r>
-                        <m:r>
-                          <a:rPr lang="en-US" b="0" i="1" smtClean="0">
-                            <a:latin typeface="Cambria Math" panose="02040503050406030204" pitchFamily="18" charset="0"/>
-                            <a:ea typeface="Cambria Math" panose="02040503050406030204" pitchFamily="18" charset="0"/>
-                          </a:rPr>
-                          <m:t>,</m:t>
-                        </m:r>
-                        <m:r>
-                          <a:rPr lang="en-US" b="0" i="1" smtClean="0">
-                            <a:latin typeface="Cambria Math" panose="02040503050406030204" pitchFamily="18" charset="0"/>
-                            <a:ea typeface="Cambria Math" panose="02040503050406030204" pitchFamily="18" charset="0"/>
-                          </a:rPr>
-                          <m:t>𝑎</m:t>
-                        </m:r>
-                      </m:e>
-                    </m:d>
-                    <m:r>
-                      <a:rPr lang="en-US" b="0" i="1" smtClean="0">
-                        <a:latin typeface="Cambria Math" panose="02040503050406030204" pitchFamily="18" charset="0"/>
-                        <a:ea typeface="Cambria Math" panose="02040503050406030204" pitchFamily="18" charset="0"/>
-                      </a:rPr>
-                      <m:t>≤</m:t>
-                    </m:r>
-                    <m:r>
-                      <a:rPr lang="en-US" b="0" i="1" smtClean="0">
-                        <a:latin typeface="Cambria Math" panose="02040503050406030204" pitchFamily="18" charset="0"/>
-                        <a:ea typeface="Cambria Math" panose="02040503050406030204" pitchFamily="18" charset="0"/>
-                      </a:rPr>
-                      <m:t>𝛿</m:t>
-                    </m:r>
-                    <m:r>
-                      <a:rPr lang="en-US" b="0" i="1" smtClean="0">
-                        <a:latin typeface="Cambria Math" panose="02040503050406030204" pitchFamily="18" charset="0"/>
-                        <a:ea typeface="Cambria Math" panose="02040503050406030204" pitchFamily="18" charset="0"/>
-                      </a:rPr>
-                      <m:t>}</m:t>
-                    </m:r>
-                  </m:oMath>
-                </a14:m>
-                <a:r>
-                  <a:rPr lang="en-US" dirty="0" smtClean="0"/>
-                  <a:t>,</a:t>
-                </a:r>
-                <a:r>
-                  <a:rPr lang="en-US" dirty="0"/>
-                  <a:t> a </a:t>
-                </a:r>
-                <a:r>
-                  <a:rPr lang="en-US" dirty="0" smtClean="0"/>
-                  <a:t>hyper-sphere of dimension </a:t>
-                </a:r>
-                <a:r>
-                  <a:rPr lang="en-US" i="1" dirty="0"/>
-                  <a:t>Q</a:t>
-                </a:r>
-                <a:r>
-                  <a:rPr lang="en-US" dirty="0"/>
-                  <a:t>, radius , and center </a:t>
-                </a:r>
-                <a:r>
-                  <a:rPr lang="en-US" b="1" dirty="0"/>
-                  <a:t>p</a:t>
-                </a:r>
-                <a:endParaRPr lang="en-US" dirty="0"/>
-              </a:p>
-              <a:p>
-                <a:endParaRPr lang="en-US" dirty="0"/>
-              </a:p>
-            </p:txBody>
-          </p:sp>
-        </mc:Choice>
-        <mc:Fallback>
+        <mc:Fallback xmlns="">
           <p:sp>
             <p:nvSpPr>
               <p:cNvPr id="3" name="Content Placeholder 2"/>
@@ -9552,7 +12077,7 @@
 </p:sld>
 </file>
 
-<file path=ppt/slides/slide18.xml><?xml version="1.0" encoding="utf-8"?>
+<file path=ppt/slides/slide24.xml><?xml version="1.0" encoding="utf-8"?>
 <p:sld xmlns:a="http://schemas.openxmlformats.org/drawingml/2006/main" xmlns:r="http://schemas.openxmlformats.org/officeDocument/2006/relationships" xmlns:p="http://schemas.openxmlformats.org/presentationml/2006/main">
   <p:cSld>
     <p:spTree>
@@ -9586,15 +12111,15 @@
           <a:p>
             <a:pPr algn="ctr"/>
             <a:r>
-              <a:rPr lang="en-US" dirty="0" smtClean="0"/>
-              <a:t>Prediction</a:t>
+              <a:rPr lang="en-US" altLang="zh-CN" dirty="0" smtClean="0"/>
+              <a:t>Time Delay Embedding</a:t>
             </a:r>
             <a:endParaRPr lang="en-US" dirty="0"/>
           </a:p>
         </p:txBody>
       </p:sp>
-      <mc:AlternateContent xmlns:mc="http://schemas.openxmlformats.org/markup-compatibility/2006">
-        <mc:Choice xmlns:a14="http://schemas.microsoft.com/office/drawing/2010/main" Requires="a14">
+      <mc:AlternateContent xmlns:mc="http://schemas.openxmlformats.org/markup-compatibility/2006" xmlns:a14="http://schemas.microsoft.com/office/drawing/2010/main">
+        <mc:Choice Requires="a14">
           <p:sp>
             <p:nvSpPr>
               <p:cNvPr id="3" name="Content Placeholder 2"/>
@@ -9850,7 +12375,7 @@
             </p:txBody>
           </p:sp>
         </mc:Choice>
-        <mc:Fallback>
+        <mc:Fallback xmlns="">
           <p:sp>
             <p:nvSpPr>
               <p:cNvPr id="3" name="Content Placeholder 2"/>
@@ -9932,7 +12457,7 @@
 </p:sld>
 </file>
 
-<file path=ppt/slides/slide19.xml><?xml version="1.0" encoding="utf-8"?>
+<file path=ppt/slides/slide25.xml><?xml version="1.0" encoding="utf-8"?>
 <p:sld xmlns:a="http://schemas.openxmlformats.org/drawingml/2006/main" xmlns:r="http://schemas.openxmlformats.org/officeDocument/2006/relationships" xmlns:p="http://schemas.openxmlformats.org/presentationml/2006/main">
   <p:cSld>
     <p:spTree>
@@ -9966,15 +12491,15 @@
           <a:p>
             <a:pPr algn="ctr"/>
             <a:r>
-              <a:rPr lang="en-US" dirty="0" smtClean="0"/>
-              <a:t>Prediction</a:t>
+              <a:rPr lang="en-US" dirty="0"/>
+              <a:t>Event Characterization</a:t>
             </a:r>
             <a:endParaRPr lang="en-US" dirty="0"/>
           </a:p>
         </p:txBody>
       </p:sp>
-      <mc:AlternateContent xmlns:mc="http://schemas.openxmlformats.org/markup-compatibility/2006">
-        <mc:Choice xmlns:a14="http://schemas.microsoft.com/office/drawing/2010/main" Requires="a14">
+      <mc:AlternateContent xmlns:mc="http://schemas.openxmlformats.org/markup-compatibility/2006" xmlns:a14="http://schemas.microsoft.com/office/drawing/2010/main">
+        <mc:Choice Requires="a14">
           <p:sp>
             <p:nvSpPr>
               <p:cNvPr id="3" name="Content Placeholder 2"/>
@@ -10079,13 +12604,7 @@
                           <a:rPr lang="en-US" b="0" i="1" smtClean="0">
                             <a:latin typeface="Cambria Math" panose="02040503050406030204" pitchFamily="18" charset="0"/>
                           </a:rPr>
-                          <m:t>+</m:t>
-                        </m:r>
-                        <m:r>
-                          <a:rPr lang="en-US" b="0" i="1" smtClean="0">
-                            <a:latin typeface="Cambria Math" panose="02040503050406030204" pitchFamily="18" charset="0"/>
-                          </a:rPr>
-                          <m:t>1</m:t>
+                          <m:t>+1</m:t>
                         </m:r>
                       </m:sub>
                     </m:sSub>
@@ -10172,13 +12691,7 @@
                           <a:rPr lang="en-US" b="0" i="1" smtClean="0">
                             <a:latin typeface="Cambria Math" panose="02040503050406030204" pitchFamily="18" charset="0"/>
                           </a:rPr>
-                          <m:t>+</m:t>
-                        </m:r>
-                        <m:r>
-                          <a:rPr lang="en-US" b="0" i="1" smtClean="0">
-                            <a:latin typeface="Cambria Math" panose="02040503050406030204" pitchFamily="18" charset="0"/>
-                          </a:rPr>
-                          <m:t>1</m:t>
+                          <m:t>+1</m:t>
                         </m:r>
                       </m:sub>
                     </m:sSub>
@@ -10215,13 +12728,7 @@
                           <a:rPr lang="en-US" b="0" i="1" smtClean="0">
                             <a:latin typeface="Cambria Math" panose="02040503050406030204" pitchFamily="18" charset="0"/>
                           </a:rPr>
-                          <m:t>+</m:t>
-                        </m:r>
-                        <m:r>
-                          <a:rPr lang="en-US" b="0" i="1" smtClean="0">
-                            <a:latin typeface="Cambria Math" panose="02040503050406030204" pitchFamily="18" charset="0"/>
-                          </a:rPr>
-                          <m:t>2</m:t>
+                          <m:t>+2</m:t>
                         </m:r>
                       </m:sub>
                     </m:sSub>
@@ -10258,13 +12765,7 @@
                           <a:rPr lang="en-US" b="0" i="1" smtClean="0">
                             <a:latin typeface="Cambria Math" panose="02040503050406030204" pitchFamily="18" charset="0"/>
                           </a:rPr>
-                          <m:t>+</m:t>
-                        </m:r>
-                        <m:r>
-                          <a:rPr lang="en-US" b="0" i="1" smtClean="0">
-                            <a:latin typeface="Cambria Math" panose="02040503050406030204" pitchFamily="18" charset="0"/>
-                          </a:rPr>
-                          <m:t>3</m:t>
+                          <m:t>+3</m:t>
                         </m:r>
                       </m:sub>
                     </m:sSub>
@@ -10351,13 +12852,7 @@
                               <a:rPr lang="en-US" b="0" i="1" smtClean="0">
                                 <a:latin typeface="Cambria Math" panose="02040503050406030204" pitchFamily="18" charset="0"/>
                               </a:rPr>
-                              <m:t>+</m:t>
-                            </m:r>
-                            <m:r>
-                              <a:rPr lang="en-US" b="0" i="1" smtClean="0">
-                                <a:latin typeface="Cambria Math" panose="02040503050406030204" pitchFamily="18" charset="0"/>
-                              </a:rPr>
-                              <m:t>1</m:t>
+                              <m:t>+1</m:t>
                             </m:r>
                           </m:sub>
                         </m:sSub>
@@ -10436,7 +12931,7 @@
             </p:txBody>
           </p:sp>
         </mc:Choice>
-        <mc:Fallback>
+        <mc:Fallback xmlns="">
           <p:sp>
             <p:nvSpPr>
               <p:cNvPr id="3" name="Content Placeholder 2"/>
@@ -10490,7 +12985,7 @@
 </p:sld>
 </file>
 
-<file path=ppt/slides/slide2.xml><?xml version="1.0" encoding="utf-8"?>
+<file path=ppt/slides/slide26.xml><?xml version="1.0" encoding="utf-8"?>
 <p:sld xmlns:a="http://schemas.openxmlformats.org/drawingml/2006/main" xmlns:r="http://schemas.openxmlformats.org/officeDocument/2006/relationships" xmlns:p="http://schemas.openxmlformats.org/presentationml/2006/main">
   <p:cSld>
     <p:spTree>
@@ -10524,8 +13019,12 @@
           <a:p>
             <a:pPr algn="ctr"/>
             <a:r>
-              <a:rPr lang="en-US" dirty="0" smtClean="0"/>
-              <a:t>Time Series Definition</a:t>
+              <a:rPr lang="en-US" dirty="0"/>
+              <a:t>Augmented </a:t>
+            </a:r>
+            <a:r>
+              <a:rPr lang="en-US" altLang="zh-CN" dirty="0" smtClean="0"/>
+              <a:t>Embedding</a:t>
             </a:r>
             <a:endParaRPr lang="en-US" dirty="0"/>
           </a:p>
@@ -10533,270 +13032,6 @@
       </p:sp>
       <mc:AlternateContent xmlns:mc="http://schemas.openxmlformats.org/markup-compatibility/2006" xmlns:a14="http://schemas.microsoft.com/office/drawing/2010/main">
         <mc:Choice Requires="a14">
-          <p:sp>
-            <p:nvSpPr>
-              <p:cNvPr id="3" name="Content Placeholder 2"/>
-              <p:cNvSpPr>
-                <a:spLocks noGrp="1"/>
-              </p:cNvSpPr>
-              <p:nvPr>
-                <p:ph idx="1"/>
-              </p:nvPr>
-            </p:nvSpPr>
-            <p:spPr/>
-            <p:txBody>
-              <a:bodyPr/>
-              <a:lstStyle/>
-              <a:p>
-                <a:r>
-                  <a:rPr lang="en-US" dirty="0" smtClean="0"/>
-                  <a:t>A </a:t>
-                </a:r>
-                <a:r>
-                  <a:rPr lang="en-US" dirty="0"/>
-                  <a:t>time series is a sequence of data points, measured typically at successive points in time spaced at uniform time </a:t>
-                </a:r>
-                <a:r>
-                  <a:rPr lang="en-US" dirty="0" smtClean="0"/>
-                  <a:t>intervals[Wikipedia]</a:t>
-                </a:r>
-              </a:p>
-              <a:p>
-                <a:r>
-                  <a:rPr lang="en-US" dirty="0"/>
-                  <a:t>A time series X is </a:t>
-                </a:r>
-                <a:r>
-                  <a:rPr lang="en-US" dirty="0" smtClean="0"/>
-                  <a:t>a </a:t>
-                </a:r>
-                <a:r>
-                  <a:rPr lang="en-US" dirty="0"/>
-                  <a:t>sequence of observed data, usually ordered in </a:t>
-                </a:r>
-                <a:r>
-                  <a:rPr lang="en-US" dirty="0" smtClean="0"/>
-                  <a:t>time </a:t>
-                </a:r>
-                <a14:m>
-                  <m:oMath xmlns:m="http://schemas.openxmlformats.org/officeDocument/2006/math">
-                    <m:r>
-                      <a:rPr lang="en-US" b="0" i="0" smtClean="0">
-                        <a:latin typeface="Cambria Math" panose="02040503050406030204" pitchFamily="18" charset="0"/>
-                      </a:rPr>
-                      <m:t>  </m:t>
-                    </m:r>
-                    <m:r>
-                      <a:rPr lang="en-US" b="0" i="1" smtClean="0">
-                        <a:latin typeface="Cambria Math" panose="02040503050406030204" pitchFamily="18" charset="0"/>
-                      </a:rPr>
-                      <m:t> </m:t>
-                    </m:r>
-                    <m:r>
-                      <a:rPr lang="en-US" b="0" i="1" smtClean="0">
-                        <a:latin typeface="Cambria Math" panose="02040503050406030204" pitchFamily="18" charset="0"/>
-                      </a:rPr>
-                      <m:t>𝑋</m:t>
-                    </m:r>
-                    <m:r>
-                      <a:rPr lang="en-US" b="0" i="1" smtClean="0">
-                        <a:latin typeface="Cambria Math" panose="02040503050406030204" pitchFamily="18" charset="0"/>
-                      </a:rPr>
-                      <m:t>={</m:t>
-                    </m:r>
-                    <m:sSub>
-                      <m:sSubPr>
-                        <m:ctrlPr>
-                          <a:rPr lang="en-US" b="0" i="1" smtClean="0">
-                            <a:latin typeface="Cambria Math" panose="02040503050406030204" pitchFamily="18" charset="0"/>
-                          </a:rPr>
-                        </m:ctrlPr>
-                      </m:sSubPr>
-                      <m:e>
-                        <m:r>
-                          <a:rPr lang="en-US" b="0" i="1" smtClean="0">
-                            <a:latin typeface="Cambria Math" panose="02040503050406030204" pitchFamily="18" charset="0"/>
-                          </a:rPr>
-                          <m:t>𝑥</m:t>
-                        </m:r>
-                      </m:e>
-                      <m:sub>
-                        <m:r>
-                          <a:rPr lang="en-US" b="0" i="1" smtClean="0">
-                            <a:latin typeface="Cambria Math" panose="02040503050406030204" pitchFamily="18" charset="0"/>
-                          </a:rPr>
-                          <m:t>𝑡</m:t>
-                        </m:r>
-                      </m:sub>
-                    </m:sSub>
-                    <m:r>
-                      <a:rPr lang="en-US" b="0" i="1" smtClean="0">
-                        <a:latin typeface="Cambria Math" panose="02040503050406030204" pitchFamily="18" charset="0"/>
-                      </a:rPr>
-                      <m:t>,</m:t>
-                    </m:r>
-                    <m:r>
-                      <a:rPr lang="en-US" b="0" i="1" smtClean="0">
-                        <a:latin typeface="Cambria Math" panose="02040503050406030204" pitchFamily="18" charset="0"/>
-                      </a:rPr>
-                      <m:t>𝑡</m:t>
-                    </m:r>
-                    <m:r>
-                      <a:rPr lang="en-US" b="0" i="1" smtClean="0">
-                        <a:latin typeface="Cambria Math" panose="02040503050406030204" pitchFamily="18" charset="0"/>
-                      </a:rPr>
-                      <m:t>=1…</m:t>
-                    </m:r>
-                    <m:r>
-                      <a:rPr lang="en-US" b="0" i="1" smtClean="0">
-                        <a:latin typeface="Cambria Math" panose="02040503050406030204" pitchFamily="18" charset="0"/>
-                      </a:rPr>
-                      <m:t>𝑁</m:t>
-                    </m:r>
-                    <m:r>
-                      <a:rPr lang="en-US" b="0" i="1" smtClean="0">
-                        <a:latin typeface="Cambria Math" panose="02040503050406030204" pitchFamily="18" charset="0"/>
-                      </a:rPr>
-                      <m:t>}</m:t>
-                    </m:r>
-                  </m:oMath>
-                </a14:m>
-                <a:r>
-                  <a:rPr lang="en-US" dirty="0" smtClean="0"/>
-                  <a:t>where </a:t>
-                </a:r>
-                <a:r>
-                  <a:rPr lang="en-US" dirty="0"/>
-                  <a:t>t is a time index, and N is the number of </a:t>
-                </a:r>
-                <a:r>
-                  <a:rPr lang="en-US" dirty="0" smtClean="0"/>
-                  <a:t>observations</a:t>
-                </a:r>
-              </a:p>
-              <a:p>
-                <a:r>
-                  <a:rPr lang="en-US" dirty="0" smtClean="0"/>
-                  <a:t>Time </a:t>
-                </a:r>
-                <a:r>
-                  <a:rPr lang="en-US" dirty="0"/>
-                  <a:t>series examples like stock </a:t>
-                </a:r>
-                <a:r>
-                  <a:rPr lang="en-US" dirty="0" smtClean="0"/>
-                  <a:t>market prices</a:t>
-                </a:r>
-                <a:r>
-                  <a:rPr lang="en-US" dirty="0"/>
-                  <a:t>, </a:t>
-                </a:r>
-                <a:r>
-                  <a:rPr lang="en-US" dirty="0" smtClean="0"/>
-                  <a:t>earthquake waves, audio &amp; video records, biological sequences, patient health records and so on.</a:t>
-                </a:r>
-                <a:endParaRPr lang="en-US" dirty="0"/>
-              </a:p>
-            </p:txBody>
-          </p:sp>
-        </mc:Choice>
-        <mc:Fallback xmlns="">
-          <p:sp>
-            <p:nvSpPr>
-              <p:cNvPr id="3" name="Content Placeholder 2"/>
-              <p:cNvSpPr>
-                <a:spLocks noGrp="1" noRot="1" noChangeAspect="1" noMove="1" noResize="1" noEditPoints="1" noAdjustHandles="1" noChangeArrowheads="1" noChangeShapeType="1" noTextEdit="1"/>
-              </p:cNvSpPr>
-              <p:nvPr>
-                <p:ph idx="1"/>
-              </p:nvPr>
-            </p:nvSpPr>
-            <p:spPr>
-              <a:blipFill rotWithShape="0">
-                <a:blip r:embed="rId2"/>
-                <a:stretch>
-                  <a:fillRect l="-479" t="-806" r="-889"/>
-                </a:stretch>
-              </a:blipFill>
-            </p:spPr>
-            <p:txBody>
-              <a:bodyPr/>
-              <a:lstStyle/>
-              <a:p>
-                <a:r>
-                  <a:rPr lang="en-US">
-                    <a:noFill/>
-                  </a:rPr>
-                  <a:t> </a:t>
-                </a:r>
-              </a:p>
-            </p:txBody>
-          </p:sp>
-        </mc:Fallback>
-      </mc:AlternateContent>
-    </p:spTree>
-    <p:extLst>
-      <p:ext uri="{BB962C8B-B14F-4D97-AF65-F5344CB8AC3E}">
-        <p14:creationId xmlns:p14="http://schemas.microsoft.com/office/powerpoint/2010/main" val="1400340025"/>
-      </p:ext>
-    </p:extLst>
-  </p:cSld>
-  <p:clrMapOvr>
-    <a:masterClrMapping/>
-  </p:clrMapOvr>
-  <p:timing>
-    <p:tnLst>
-      <p:par>
-        <p:cTn id="1" dur="indefinite" restart="never" nodeType="tmRoot"/>
-      </p:par>
-    </p:tnLst>
-  </p:timing>
-</p:sld>
-</file>
-
-<file path=ppt/slides/slide20.xml><?xml version="1.0" encoding="utf-8"?>
-<p:sld xmlns:a="http://schemas.openxmlformats.org/drawingml/2006/main" xmlns:r="http://schemas.openxmlformats.org/officeDocument/2006/relationships" xmlns:p="http://schemas.openxmlformats.org/presentationml/2006/main">
-  <p:cSld>
-    <p:spTree>
-      <p:nvGrpSpPr>
-        <p:cNvPr id="1" name=""/>
-        <p:cNvGrpSpPr/>
-        <p:nvPr/>
-      </p:nvGrpSpPr>
-      <p:grpSpPr>
-        <a:xfrm>
-          <a:off x="0" y="0"/>
-          <a:ext cx="0" cy="0"/>
-          <a:chOff x="0" y="0"/>
-          <a:chExt cx="0" cy="0"/>
-        </a:xfrm>
-      </p:grpSpPr>
-      <p:sp>
-        <p:nvSpPr>
-          <p:cNvPr id="2" name="Title 1"/>
-          <p:cNvSpPr>
-            <a:spLocks noGrp="1"/>
-          </p:cNvSpPr>
-          <p:nvPr>
-            <p:ph type="title"/>
-          </p:nvPr>
-        </p:nvSpPr>
-        <p:spPr/>
-        <p:txBody>
-          <a:bodyPr/>
-          <a:lstStyle/>
-          <a:p>
-            <a:pPr algn="ctr"/>
-            <a:r>
-              <a:rPr lang="en-US" dirty="0" smtClean="0"/>
-              <a:t>Prediction</a:t>
-            </a:r>
-            <a:endParaRPr lang="en-US" dirty="0"/>
-          </a:p>
-        </p:txBody>
-      </p:sp>
-      <mc:AlternateContent xmlns:mc="http://schemas.openxmlformats.org/markup-compatibility/2006">
-        <mc:Choice xmlns:a14="http://schemas.microsoft.com/office/drawing/2010/main" Requires="a14">
           <p:sp>
             <p:nvSpPr>
               <p:cNvPr id="3" name="Content Placeholder 2"/>
@@ -10827,7 +13062,7 @@
                     <m:sSub>
                       <m:sSubPr>
                         <m:ctrlPr>
-                          <a:rPr lang="en-US" b="0" i="0" smtClean="0">
+                          <a:rPr lang="en-US" b="0" i="1" smtClean="0">
                             <a:latin typeface="Cambria Math" panose="02040503050406030204" pitchFamily="18" charset="0"/>
                           </a:rPr>
                         </m:ctrlPr>
@@ -10870,7 +13105,7 @@
                     <m:d>
                       <m:dPr>
                         <m:ctrlPr>
-                          <a:rPr lang="en-US" b="0" i="0" smtClean="0">
+                          <a:rPr lang="en-US" b="0" i="1" smtClean="0">
                             <a:latin typeface="Cambria Math" panose="02040503050406030204" pitchFamily="18" charset="0"/>
                           </a:rPr>
                         </m:ctrlPr>
@@ -10931,14 +13166,7 @@
                             <a:latin typeface="Cambria Math" panose="02040503050406030204" pitchFamily="18" charset="0"/>
                             <a:ea typeface="Cambria Math" panose="02040503050406030204" pitchFamily="18" charset="0"/>
                           </a:rPr>
-                          <m:t>+</m:t>
-                        </m:r>
-                        <m:r>
-                          <a:rPr lang="en-US" b="0" i="1" smtClean="0">
-                            <a:latin typeface="Cambria Math" panose="02040503050406030204" pitchFamily="18" charset="0"/>
-                            <a:ea typeface="Cambria Math" panose="02040503050406030204" pitchFamily="18" charset="0"/>
-                          </a:rPr>
-                          <m:t>1</m:t>
+                          <m:t>+1</m:t>
                         </m:r>
                       </m:sup>
                     </m:sSup>
@@ -10949,7 +13177,7 @@
             </p:txBody>
           </p:sp>
         </mc:Choice>
-        <mc:Fallback>
+        <mc:Fallback xmlns="">
           <p:sp>
             <p:nvSpPr>
               <p:cNvPr id="3" name="Content Placeholder 2"/>
@@ -11027,7 +13255,7 @@
 </p:sld>
 </file>
 
-<file path=ppt/slides/slide21.xml><?xml version="1.0" encoding="utf-8"?>
+<file path=ppt/slides/slide27.xml><?xml version="1.0" encoding="utf-8"?>
 <p:sld xmlns:a="http://schemas.openxmlformats.org/drawingml/2006/main" xmlns:r="http://schemas.openxmlformats.org/officeDocument/2006/relationships" xmlns:p="http://schemas.openxmlformats.org/presentationml/2006/main">
   <p:cSld>
     <p:spTree>
@@ -11061,15 +13289,19 @@
           <a:p>
             <a:pPr algn="ctr"/>
             <a:r>
-              <a:rPr lang="en-US" dirty="0" smtClean="0"/>
-              <a:t>Prediction</a:t>
+              <a:rPr lang="en-US" altLang="zh-CN" dirty="0" smtClean="0"/>
+              <a:t>Object </a:t>
+            </a:r>
+            <a:r>
+              <a:rPr lang="en-US" altLang="zh-CN" dirty="0" err="1" smtClean="0"/>
+              <a:t>Function&amp;Optimization</a:t>
             </a:r>
             <a:endParaRPr lang="en-US" dirty="0"/>
           </a:p>
         </p:txBody>
       </p:sp>
-      <mc:AlternateContent xmlns:mc="http://schemas.openxmlformats.org/markup-compatibility/2006">
-        <mc:Choice xmlns:a14="http://schemas.microsoft.com/office/drawing/2010/main" Requires="a14">
+      <mc:AlternateContent xmlns:mc="http://schemas.openxmlformats.org/markup-compatibility/2006" xmlns:a14="http://schemas.microsoft.com/office/drawing/2010/main">
+        <mc:Choice Requires="a14">
           <p:sp>
             <p:nvSpPr>
               <p:cNvPr id="3" name="Content Placeholder 2"/>
@@ -12142,7 +14374,7 @@
             </p:txBody>
           </p:sp>
         </mc:Choice>
-        <mc:Fallback>
+        <mc:Fallback xmlns="">
           <p:sp>
             <p:nvSpPr>
               <p:cNvPr id="3" name="Content Placeholder 2"/>
@@ -12200,7 +14432,7 @@
 </p:sld>
 </file>
 
-<file path=ppt/slides/slide22.xml><?xml version="1.0" encoding="utf-8"?>
+<file path=ppt/slides/slide28.xml><?xml version="1.0" encoding="utf-8"?>
 <p:sld xmlns:a="http://schemas.openxmlformats.org/drawingml/2006/main" xmlns:r="http://schemas.openxmlformats.org/officeDocument/2006/relationships" xmlns:p="http://schemas.openxmlformats.org/presentationml/2006/main">
   <p:cSld>
     <p:spTree>
@@ -16930,8 +19162,9 @@
             </a:r>
             <a:r>
               <a:rPr lang="en-US" dirty="0" smtClean="0"/>
-              <a:t>)</a:t>
-            </a:r>
+              <a:t>).</a:t>
+            </a:r>
+            <a:endParaRPr lang="en-US" dirty="0" smtClean="0"/>
           </a:p>
           <a:p>
             <a:r>

--- a/slide/tsdm.pptx
+++ b/slide/tsdm.pptx
@@ -138,7 +138,7 @@
   </p:defaultTextStyle>
   <p:extLst>
     <p:ext uri="{EFAFB233-063F-42B5-8137-9DF3F51BA10A}">
-      <p15:sldGuideLst xmlns:p15="http://schemas.microsoft.com/office/powerpoint/2012/main"/>
+      <p15:sldGuideLst xmlns:p15="http://schemas.microsoft.com/office/powerpoint/2012/main" xmlns=""/>
     </p:ext>
   </p:extLst>
 </p:presentation>
@@ -332,7 +332,7 @@
           <a:p>
             <a:fld id="{F77B2EB1-EA88-4503-95EA-93923E5BA59E}" type="datetimeFigureOut">
               <a:rPr lang="en-US" smtClean="0"/>
-              <a:t>1/30/2013</a:t>
+              <a:t>2/26/2013</a:t>
             </a:fld>
             <a:endParaRPr lang="en-US"/>
           </a:p>
@@ -670,7 +670,7 @@
           <a:p>
             <a:fld id="{F77B2EB1-EA88-4503-95EA-93923E5BA59E}" type="datetimeFigureOut">
               <a:rPr lang="en-US" smtClean="0"/>
-              <a:t>1/30/2013</a:t>
+              <a:t>2/26/2013</a:t>
             </a:fld>
             <a:endParaRPr lang="en-US"/>
           </a:p>
@@ -1071,7 +1071,7 @@
           <a:p>
             <a:fld id="{F77B2EB1-EA88-4503-95EA-93923E5BA59E}" type="datetimeFigureOut">
               <a:rPr lang="en-US" smtClean="0"/>
-              <a:t>1/30/2013</a:t>
+              <a:t>2/26/2013</a:t>
             </a:fld>
             <a:endParaRPr lang="en-US"/>
           </a:p>
@@ -1407,7 +1407,7 @@
           <a:p>
             <a:fld id="{F77B2EB1-EA88-4503-95EA-93923E5BA59E}" type="datetimeFigureOut">
               <a:rPr lang="en-US" smtClean="0"/>
-              <a:t>1/30/2013</a:t>
+              <a:t>2/26/2013</a:t>
             </a:fld>
             <a:endParaRPr lang="en-US"/>
           </a:p>
@@ -1727,7 +1727,7 @@
           <a:p>
             <a:fld id="{F77B2EB1-EA88-4503-95EA-93923E5BA59E}" type="datetimeFigureOut">
               <a:rPr lang="en-US" smtClean="0"/>
-              <a:t>1/30/2013</a:t>
+              <a:t>2/26/2013</a:t>
             </a:fld>
             <a:endParaRPr lang="en-US"/>
           </a:p>
@@ -2123,7 +2123,7 @@
           <a:p>
             <a:fld id="{F77B2EB1-EA88-4503-95EA-93923E5BA59E}" type="datetimeFigureOut">
               <a:rPr lang="en-US" smtClean="0"/>
-              <a:t>1/30/2013</a:t>
+              <a:t>2/26/2013</a:t>
             </a:fld>
             <a:endParaRPr lang="en-US"/>
           </a:p>
@@ -2380,7 +2380,7 @@
           <a:p>
             <a:fld id="{F77B2EB1-EA88-4503-95EA-93923E5BA59E}" type="datetimeFigureOut">
               <a:rPr lang="en-US" smtClean="0"/>
-              <a:t>1/30/2013</a:t>
+              <a:t>2/26/2013</a:t>
             </a:fld>
             <a:endParaRPr lang="en-US"/>
           </a:p>
@@ -2642,7 +2642,7 @@
           <a:p>
             <a:fld id="{F77B2EB1-EA88-4503-95EA-93923E5BA59E}" type="datetimeFigureOut">
               <a:rPr lang="en-US" smtClean="0"/>
-              <a:t>1/30/2013</a:t>
+              <a:t>2/26/2013</a:t>
             </a:fld>
             <a:endParaRPr lang="en-US"/>
           </a:p>
@@ -2904,7 +2904,7 @@
           <a:p>
             <a:fld id="{F77B2EB1-EA88-4503-95EA-93923E5BA59E}" type="datetimeFigureOut">
               <a:rPr lang="en-US" smtClean="0"/>
-              <a:t>1/30/2013</a:t>
+              <a:t>2/26/2013</a:t>
             </a:fld>
             <a:endParaRPr lang="en-US"/>
           </a:p>
@@ -3233,7 +3233,7 @@
           <a:p>
             <a:fld id="{F77B2EB1-EA88-4503-95EA-93923E5BA59E}" type="datetimeFigureOut">
               <a:rPr lang="en-US" smtClean="0"/>
-              <a:t>1/30/2013</a:t>
+              <a:t>2/26/2013</a:t>
             </a:fld>
             <a:endParaRPr lang="en-US"/>
           </a:p>
@@ -3556,7 +3556,7 @@
           <a:p>
             <a:fld id="{F77B2EB1-EA88-4503-95EA-93923E5BA59E}" type="datetimeFigureOut">
               <a:rPr lang="en-US" smtClean="0"/>
-              <a:t>1/30/2013</a:t>
+              <a:t>2/26/2013</a:t>
             </a:fld>
             <a:endParaRPr lang="en-US"/>
           </a:p>
@@ -4013,7 +4013,7 @@
           <a:p>
             <a:fld id="{F77B2EB1-EA88-4503-95EA-93923E5BA59E}" type="datetimeFigureOut">
               <a:rPr lang="en-US" smtClean="0"/>
-              <a:t>1/30/2013</a:t>
+              <a:t>2/26/2013</a:t>
             </a:fld>
             <a:endParaRPr lang="en-US"/>
           </a:p>
@@ -4218,7 +4218,7 @@
           <a:p>
             <a:fld id="{F77B2EB1-EA88-4503-95EA-93923E5BA59E}" type="datetimeFigureOut">
               <a:rPr lang="en-US" smtClean="0"/>
-              <a:t>1/30/2013</a:t>
+              <a:t>2/26/2013</a:t>
             </a:fld>
             <a:endParaRPr lang="en-US"/>
           </a:p>
@@ -4395,7 +4395,7 @@
           <a:p>
             <a:fld id="{F77B2EB1-EA88-4503-95EA-93923E5BA59E}" type="datetimeFigureOut">
               <a:rPr lang="en-US" smtClean="0"/>
-              <a:t>1/30/2013</a:t>
+              <a:t>2/26/2013</a:t>
             </a:fld>
             <a:endParaRPr lang="en-US"/>
           </a:p>
@@ -4728,7 +4728,7 @@
           <a:p>
             <a:fld id="{F77B2EB1-EA88-4503-95EA-93923E5BA59E}" type="datetimeFigureOut">
               <a:rPr lang="en-US" smtClean="0"/>
-              <a:t>1/30/2013</a:t>
+              <a:t>2/26/2013</a:t>
             </a:fld>
             <a:endParaRPr lang="en-US"/>
           </a:p>
@@ -5073,7 +5073,7 @@
           <a:p>
             <a:fld id="{F77B2EB1-EA88-4503-95EA-93923E5BA59E}" type="datetimeFigureOut">
               <a:rPr lang="en-US" smtClean="0"/>
-              <a:t>1/30/2013</a:t>
+              <a:t>2/26/2013</a:t>
             </a:fld>
             <a:endParaRPr lang="en-US"/>
           </a:p>
@@ -7190,7 +7190,7 @@
           <a:p>
             <a:fld id="{F77B2EB1-EA88-4503-95EA-93923E5BA59E}" type="datetimeFigureOut">
               <a:rPr lang="en-US" smtClean="0"/>
-              <a:t>1/30/2013</a:t>
+              <a:t>2/26/2013</a:t>
             </a:fld>
             <a:endParaRPr lang="en-US"/>
           </a:p>
@@ -7851,12 +7851,36 @@
               <a:t>Algorithm </a:t>
             </a:r>
             <a:r>
-              <a:rPr lang="en-US" sz="1200" dirty="0" err="1"/>
-              <a:t>Seg</a:t>
+              <a:rPr lang="en-US" sz="1200" dirty="0" err="1" smtClean="0"/>
+              <a:t>SegTS</a:t>
+            </a:r>
+            <a:r>
+              <a:rPr lang="en-US" sz="1200" dirty="0" smtClean="0"/>
+              <a:t> </a:t>
             </a:r>
             <a:r>
               <a:rPr lang="en-US" sz="1200" dirty="0"/>
-              <a:t> TS = Bottom Up(T, max error)</a:t>
+              <a:t>= </a:t>
+            </a:r>
+            <a:r>
+              <a:rPr lang="en-US" sz="1200" dirty="0" err="1" smtClean="0"/>
+              <a:t>BottomUp</a:t>
+            </a:r>
+            <a:r>
+              <a:rPr lang="en-US" sz="1200" dirty="0" smtClean="0"/>
+              <a:t>(T</a:t>
+            </a:r>
+            <a:r>
+              <a:rPr lang="en-US" sz="1200" dirty="0"/>
+              <a:t>, </a:t>
+            </a:r>
+            <a:r>
+              <a:rPr lang="en-US" sz="1200" dirty="0" err="1" smtClean="0"/>
+              <a:t>max_error</a:t>
+            </a:r>
+            <a:r>
+              <a:rPr lang="en-US" sz="1200" dirty="0"/>
+              <a:t>)</a:t>
             </a:r>
           </a:p>
           <a:p>
@@ -7886,7 +7910,7 @@
             </a:r>
             <a:r>
               <a:rPr lang="en-US" sz="1200" dirty="0" err="1" smtClean="0"/>
-              <a:t>Seg</a:t>
+              <a:t>SegTS</a:t>
             </a:r>
             <a:r>
               <a:rPr lang="en-US" sz="1200" dirty="0" smtClean="0"/>
@@ -7894,26 +7918,34 @@
             </a:r>
             <a:r>
               <a:rPr lang="en-US" sz="1200" dirty="0"/>
-              <a:t>TS = </a:t>
-            </a:r>
-            <a:r>
-              <a:rPr lang="en-US" sz="1200" dirty="0" err="1"/>
+              <a:t>= </a:t>
+            </a:r>
+            <a:r>
+              <a:rPr lang="en-US" sz="1200" dirty="0" err="1" smtClean="0"/>
               <a:t>concat</a:t>
             </a:r>
             <a:r>
+              <a:rPr lang="en-US" sz="1200" dirty="0" smtClean="0"/>
+              <a:t>(</a:t>
+            </a:r>
+            <a:r>
+              <a:rPr lang="en-US" sz="1200" dirty="0" err="1" smtClean="0"/>
+              <a:t>SegTS</a:t>
+            </a:r>
+            <a:r>
               <a:rPr lang="en-US" sz="1200" dirty="0"/>
-              <a:t>(</a:t>
-            </a:r>
-            <a:r>
-              <a:rPr lang="en-US" sz="1200" dirty="0" err="1"/>
-              <a:t>Seg</a:t>
-            </a:r>
-            <a:r>
-              <a:rPr lang="en-US" sz="1200" dirty="0"/>
-              <a:t> TS, create segment(T[</a:t>
-            </a:r>
-            <a:r>
-              <a:rPr lang="en-US" sz="1200" dirty="0" err="1"/>
+              <a:t>, </a:t>
+            </a:r>
+            <a:r>
+              <a:rPr lang="en-US" sz="1200" dirty="0" err="1" smtClean="0"/>
+              <a:t>create_segment</a:t>
+            </a:r>
+            <a:r>
+              <a:rPr lang="en-US" sz="1200" dirty="0" smtClean="0"/>
+              <a:t>(T[</a:t>
+            </a:r>
+            <a:r>
+              <a:rPr lang="en-US" sz="1200" dirty="0" err="1" smtClean="0"/>
               <a:t>i</a:t>
             </a:r>
             <a:r>
@@ -7952,15 +7984,19 @@
             </a:r>
             <a:r>
               <a:rPr lang="en-US" sz="1200" dirty="0"/>
-              <a:t> = 1 : length(</a:t>
-            </a:r>
-            <a:r>
-              <a:rPr lang="en-US" sz="1200" dirty="0" err="1"/>
-              <a:t>Seg</a:t>
+              <a:t> = 1 : </a:t>
+            </a:r>
+            <a:r>
+              <a:rPr lang="en-US" sz="1200" dirty="0" smtClean="0"/>
+              <a:t>length(</a:t>
+            </a:r>
+            <a:r>
+              <a:rPr lang="en-US" sz="1200" dirty="0" err="1" smtClean="0"/>
+              <a:t>SegTS</a:t>
             </a:r>
             <a:r>
               <a:rPr lang="en-US" sz="1200" dirty="0"/>
-              <a:t> TS) - 1 // Find merging costs.</a:t>
+              <a:t>) - 1 // Find merging costs.</a:t>
             </a:r>
           </a:p>
           <a:p>
@@ -7969,30 +8005,46 @@
             </a:pPr>
             <a:r>
               <a:rPr lang="en-US" sz="1200" dirty="0" smtClean="0"/>
-              <a:t>    merge </a:t>
+              <a:t>    </a:t>
+            </a:r>
+            <a:r>
+              <a:rPr lang="en-US" sz="1200" dirty="0" err="1" smtClean="0"/>
+              <a:t>merge_cost</a:t>
+            </a:r>
+            <a:r>
+              <a:rPr lang="en-US" sz="1200" dirty="0" smtClean="0"/>
+              <a:t>(</a:t>
+            </a:r>
+            <a:r>
+              <a:rPr lang="en-US" sz="1200" dirty="0" err="1" smtClean="0"/>
+              <a:t>i</a:t>
             </a:r>
             <a:r>
               <a:rPr lang="en-US" sz="1200" dirty="0"/>
-              <a:t>cost(</a:t>
-            </a:r>
-            <a:r>
-              <a:rPr lang="en-US" sz="1200" dirty="0" err="1"/>
-              <a:t>i</a:t>
+              <a:t>) = </a:t>
+            </a:r>
+            <a:r>
+              <a:rPr lang="en-US" sz="1200" dirty="0" err="1" smtClean="0"/>
+              <a:t>calculate_error</a:t>
             </a:r>
             <a:r>
               <a:rPr lang="en-US" sz="1200" dirty="0"/>
-              <a:t>) = calculate error([merge(</a:t>
-            </a:r>
-            <a:r>
-              <a:rPr lang="en-US" sz="1200" dirty="0" err="1"/>
-              <a:t>Seg</a:t>
-            </a:r>
-            <a:r>
-              <a:rPr lang="en-US" sz="1200" dirty="0"/>
-              <a:t> TS(</a:t>
-            </a:r>
-            <a:r>
-              <a:rPr lang="en-US" sz="1200" dirty="0" err="1"/>
+              <a:t>([</a:t>
+            </a:r>
+            <a:r>
+              <a:rPr lang="en-US" sz="1200" dirty="0" smtClean="0"/>
+              <a:t>merge(</a:t>
+            </a:r>
+            <a:r>
+              <a:rPr lang="en-US" sz="1200" dirty="0" err="1" smtClean="0"/>
+              <a:t>SegTS</a:t>
+            </a:r>
+            <a:r>
+              <a:rPr lang="en-US" sz="1200" dirty="0" smtClean="0"/>
+              <a:t>(</a:t>
+            </a:r>
+            <a:r>
+              <a:rPr lang="en-US" sz="1200" dirty="0" err="1" smtClean="0"/>
               <a:t>i</a:t>
             </a:r>
             <a:r>
@@ -8000,20 +8052,24 @@
               <a:t>), </a:t>
             </a:r>
             <a:r>
-              <a:rPr lang="en-US" sz="1200" dirty="0" err="1"/>
-              <a:t>Seg</a:t>
+              <a:rPr lang="en-US" sz="1200" dirty="0" err="1" smtClean="0"/>
+              <a:t>SegTS</a:t>
+            </a:r>
+            <a:r>
+              <a:rPr lang="en-US" sz="1200" dirty="0" smtClean="0"/>
+              <a:t>(</a:t>
+            </a:r>
+            <a:r>
+              <a:rPr lang="en-US" sz="1200" dirty="0" err="1" smtClean="0"/>
+              <a:t>i</a:t>
+            </a:r>
+            <a:r>
+              <a:rPr lang="en-US" sz="1200" dirty="0" smtClean="0"/>
+              <a:t> </a:t>
             </a:r>
             <a:r>
               <a:rPr lang="en-US" sz="1200" dirty="0"/>
-              <a:t> TS(</a:t>
-            </a:r>
-            <a:r>
-              <a:rPr lang="en-US" sz="1200" dirty="0" err="1"/>
-              <a:t>i</a:t>
-            </a:r>
-            <a:r>
-              <a:rPr lang="en-US" sz="1200" dirty="0"/>
-              <a:t> + 1))]);</a:t>
+              <a:t>+ 1))]);</a:t>
             </a:r>
           </a:p>
           <a:p>
@@ -8031,7 +8087,19 @@
             </a:pPr>
             <a:r>
               <a:rPr lang="en-US" sz="1200" dirty="0"/>
-              <a:t>while min(merge cost) &lt; max error // While not finished.</a:t>
+              <a:t>while </a:t>
+            </a:r>
+            <a:r>
+              <a:rPr lang="en-US" sz="1200" dirty="0" smtClean="0"/>
+              <a:t>min(</a:t>
+            </a:r>
+            <a:r>
+              <a:rPr lang="en-US" sz="1200" dirty="0" err="1" smtClean="0"/>
+              <a:t>merge_cost</a:t>
+            </a:r>
+            <a:r>
+              <a:rPr lang="en-US" sz="1200" dirty="0"/>
+              <a:t>) &lt; max error // While not finished.</a:t>
             </a:r>
           </a:p>
           <a:p>
@@ -8044,7 +8112,19 @@
             </a:r>
             <a:r>
               <a:rPr lang="en-US" sz="1200" dirty="0"/>
-              <a:t>= min(merge cost); // Find ‘‘cheapest’’ pair to merge.</a:t>
+              <a:t>= </a:t>
+            </a:r>
+            <a:r>
+              <a:rPr lang="en-US" sz="1200" dirty="0" smtClean="0"/>
+              <a:t>min(</a:t>
+            </a:r>
+            <a:r>
+              <a:rPr lang="en-US" sz="1200" dirty="0" err="1" smtClean="0"/>
+              <a:t>merge_cost</a:t>
+            </a:r>
+            <a:r>
+              <a:rPr lang="en-US" sz="1200" dirty="0"/>
+              <a:t>); // Find ‘‘cheapest’’ pair to merge.</a:t>
             </a:r>
           </a:p>
           <a:p>
@@ -8057,31 +8137,43 @@
             </a:r>
             <a:r>
               <a:rPr lang="en-US" sz="1200" dirty="0" err="1" smtClean="0"/>
-              <a:t>Seg</a:t>
+              <a:t>SegTS</a:t>
             </a:r>
             <a:r>
               <a:rPr lang="en-US" sz="1200" dirty="0" smtClean="0"/>
-              <a:t> </a:t>
+              <a:t>(p</a:t>
             </a:r>
             <a:r>
               <a:rPr lang="en-US" sz="1200" dirty="0"/>
-              <a:t>TS(p) = merge(</a:t>
-            </a:r>
-            <a:r>
-              <a:rPr lang="en-US" sz="1200" dirty="0" err="1"/>
-              <a:t>Seg</a:t>
+              <a:t>) = </a:t>
+            </a:r>
+            <a:r>
+              <a:rPr lang="en-US" sz="1200" dirty="0" smtClean="0"/>
+              <a:t>merge(</a:t>
+            </a:r>
+            <a:r>
+              <a:rPr lang="en-US" sz="1200" dirty="0" err="1" smtClean="0"/>
+              <a:t>SegTS</a:t>
+            </a:r>
+            <a:r>
+              <a:rPr lang="en-US" sz="1200" dirty="0" smtClean="0"/>
+              <a:t>(p</a:t>
             </a:r>
             <a:r>
               <a:rPr lang="en-US" sz="1200" dirty="0"/>
-              <a:t> TS(p), </a:t>
-            </a:r>
-            <a:r>
-              <a:rPr lang="en-US" sz="1200" dirty="0" err="1"/>
-              <a:t>Seg</a:t>
+              <a:t>), </a:t>
+            </a:r>
+            <a:r>
+              <a:rPr lang="en-US" sz="1200" dirty="0" err="1" smtClean="0"/>
+              <a:t>SegTS</a:t>
+            </a:r>
+            <a:r>
+              <a:rPr lang="en-US" sz="1200" dirty="0" smtClean="0"/>
+              <a:t>(p </a:t>
             </a:r>
             <a:r>
               <a:rPr lang="en-US" sz="1200" dirty="0"/>
-              <a:t> TS(p + 1)); // Merge them.</a:t>
+              <a:t>+ 1)); // Merge them.</a:t>
             </a:r>
           </a:p>
           <a:p>
@@ -8090,19 +8182,23 @@
             </a:pPr>
             <a:r>
               <a:rPr lang="en-US" sz="1200" dirty="0" smtClean="0"/>
-              <a:t>    delete(</a:t>
+              <a:t>    </a:t>
+            </a:r>
+            <a:r>
+              <a:rPr lang="en-US" sz="1200" dirty="0" smtClean="0"/>
+              <a:t>delete(</a:t>
             </a:r>
             <a:r>
               <a:rPr lang="en-US" sz="1200" dirty="0" err="1" smtClean="0"/>
-              <a:t>Seg</a:t>
+              <a:t>SegTS</a:t>
             </a:r>
             <a:r>
               <a:rPr lang="en-US" sz="1200" dirty="0" smtClean="0"/>
-              <a:t> </a:t>
+              <a:t>(p </a:t>
             </a:r>
             <a:r>
               <a:rPr lang="en-US" sz="1200" dirty="0"/>
-              <a:t>TS(p + 1)); // Update records.</a:t>
+              <a:t>+ 1)); // Update records.</a:t>
             </a:r>
           </a:p>
           <a:p>
@@ -8111,27 +8207,51 @@
             </a:pPr>
             <a:r>
               <a:rPr lang="en-US" sz="1200" dirty="0" smtClean="0"/>
-              <a:t>    merge </a:t>
+              <a:t>    </a:t>
+            </a:r>
+            <a:r>
+              <a:rPr lang="en-US" sz="1200" dirty="0" err="1" smtClean="0"/>
+              <a:t>merge_cost</a:t>
+            </a:r>
+            <a:r>
+              <a:rPr lang="en-US" sz="1200" dirty="0" smtClean="0"/>
+              <a:t>(p</a:t>
             </a:r>
             <a:r>
               <a:rPr lang="en-US" sz="1200" dirty="0"/>
-              <a:t>cost(p) = calculate error(merge(</a:t>
-            </a:r>
-            <a:r>
-              <a:rPr lang="en-US" sz="1200" dirty="0" err="1"/>
-              <a:t>Seg</a:t>
+              <a:t>) = </a:t>
+            </a:r>
+            <a:r>
+              <a:rPr lang="en-US" sz="1200" dirty="0" err="1" smtClean="0"/>
+              <a:t>calculate_error</a:t>
+            </a:r>
+            <a:r>
+              <a:rPr lang="en-US" sz="1200" dirty="0" smtClean="0"/>
+              <a:t>(merge(</a:t>
+            </a:r>
+            <a:r>
+              <a:rPr lang="en-US" sz="1200" dirty="0" err="1" smtClean="0"/>
+              <a:t>SegTS</a:t>
+            </a:r>
+            <a:r>
+              <a:rPr lang="en-US" sz="1200" dirty="0" smtClean="0"/>
+              <a:t>(p</a:t>
             </a:r>
             <a:r>
               <a:rPr lang="en-US" sz="1200" dirty="0"/>
-              <a:t> TS(p), </a:t>
-            </a:r>
-            <a:r>
-              <a:rPr lang="en-US" sz="1200" dirty="0" err="1"/>
-              <a:t>Seg</a:t>
+              <a:t>), </a:t>
+            </a:r>
+            <a:r>
+              <a:rPr lang="en-US" sz="1200" dirty="0" err="1" smtClean="0"/>
+              <a:t>SegTS</a:t>
+            </a:r>
+            <a:r>
+              <a:rPr lang="en-US" sz="1200" dirty="0" smtClean="0"/>
+              <a:t>(p </a:t>
             </a:r>
             <a:r>
               <a:rPr lang="en-US" sz="1200" dirty="0"/>
-              <a:t> TS(p + 1)));</a:t>
+              <a:t>+ 1)));</a:t>
             </a:r>
           </a:p>
           <a:p>
@@ -8140,27 +8260,51 @@
             </a:pPr>
             <a:r>
               <a:rPr lang="en-US" sz="1200" dirty="0" smtClean="0"/>
-              <a:t>    merge </a:t>
+              <a:t>    </a:t>
+            </a:r>
+            <a:r>
+              <a:rPr lang="en-US" sz="1200" dirty="0" err="1" smtClean="0"/>
+              <a:t>merge_cost</a:t>
+            </a:r>
+            <a:r>
+              <a:rPr lang="en-US" sz="1200" dirty="0" smtClean="0"/>
+              <a:t>(p </a:t>
             </a:r>
             <a:r>
               <a:rPr lang="en-US" sz="1200" dirty="0"/>
-              <a:t>cost(p - 1) = calculate error(merge(</a:t>
-            </a:r>
-            <a:r>
-              <a:rPr lang="en-US" sz="1200" dirty="0" err="1"/>
-              <a:t>Seg</a:t>
+              <a:t>- 1) = </a:t>
+            </a:r>
+            <a:r>
+              <a:rPr lang="en-US" sz="1200" dirty="0" err="1" smtClean="0"/>
+              <a:t>calculate_error</a:t>
+            </a:r>
+            <a:r>
+              <a:rPr lang="en-US" sz="1200" dirty="0" smtClean="0"/>
+              <a:t>(merge(</a:t>
+            </a:r>
+            <a:r>
+              <a:rPr lang="en-US" sz="1200" dirty="0" err="1" smtClean="0"/>
+              <a:t>SegTS</a:t>
+            </a:r>
+            <a:r>
+              <a:rPr lang="en-US" sz="1200" dirty="0" smtClean="0"/>
+              <a:t>(p </a:t>
             </a:r>
             <a:r>
               <a:rPr lang="en-US" sz="1200" dirty="0"/>
-              <a:t> TS(p - 1), </a:t>
-            </a:r>
-            <a:r>
-              <a:rPr lang="en-US" sz="1200" dirty="0" err="1"/>
-              <a:t>Seg</a:t>
+              <a:t>- 1), </a:t>
+            </a:r>
+            <a:r>
+              <a:rPr lang="en-US" sz="1200" dirty="0" err="1" smtClean="0"/>
+              <a:t>SegTS</a:t>
+            </a:r>
+            <a:r>
+              <a:rPr lang="en-US" sz="1200" dirty="0" smtClean="0"/>
+              <a:t>(p</a:t>
             </a:r>
             <a:r>
               <a:rPr lang="en-US" sz="1200" dirty="0"/>
-              <a:t> TS(p)));</a:t>
+              <a:t>)));</a:t>
             </a:r>
           </a:p>
           <a:p>
@@ -8364,7 +8508,7 @@
                                   <m:sSupPr>
                                     <m:ctrlPr>
                                       <a:rPr lang="en-US" b="0" i="1" smtClean="0">
-                                        <a:latin typeface="Cambria Math" panose="02040503050406030204" pitchFamily="18" charset="0"/>
+                                        <a:latin typeface="Cambria Math"/>
                                       </a:rPr>
                                     </m:ctrlPr>
                                   </m:sSupPr>
@@ -9134,7 +9278,7 @@
                         <m:sSubPr>
                           <m:ctrlPr>
                             <a:rPr lang="en-US" sz="3000" i="1" smtClean="0">
-                              <a:latin typeface="Cambria Math" panose="02040503050406030204" pitchFamily="18" charset="0"/>
+                              <a:latin typeface="Cambria Math"/>
                             </a:rPr>
                           </m:ctrlPr>
                         </m:sSubPr>
@@ -9144,7 +9288,7 @@
                               <m:chr m:val="̂"/>
                               <m:ctrlPr>
                                 <a:rPr lang="en-US" sz="3000" i="1" smtClean="0">
-                                  <a:latin typeface="Cambria Math" panose="02040503050406030204" pitchFamily="18" charset="0"/>
+                                  <a:latin typeface="Cambria Math"/>
                                 </a:rPr>
                               </m:ctrlPr>
                             </m:accPr>
@@ -9171,7 +9315,7 @@
                         <m:dPr>
                           <m:ctrlPr>
                             <a:rPr lang="en-US" sz="3000" b="0" i="1" smtClean="0">
-                              <a:latin typeface="Cambria Math" panose="02040503050406030204" pitchFamily="18" charset="0"/>
+                              <a:latin typeface="Cambria Math"/>
                             </a:rPr>
                           </m:ctrlPr>
                         </m:dPr>
@@ -9194,7 +9338,7 @@
                         <m:sSubPr>
                           <m:ctrlPr>
                             <a:rPr lang="en-US" sz="3000" b="0" i="1" smtClean="0">
-                              <a:latin typeface="Cambria Math" panose="02040503050406030204" pitchFamily="18" charset="0"/>
+                              <a:latin typeface="Cambria Math"/>
                             </a:rPr>
                           </m:ctrlPr>
                         </m:sSubPr>
@@ -9219,7 +9363,7 @@
                         <m:sSubPr>
                           <m:ctrlPr>
                             <a:rPr lang="en-US" sz="3000" b="0" i="1" smtClean="0">
-                              <a:latin typeface="Cambria Math" panose="02040503050406030204" pitchFamily="18" charset="0"/>
+                              <a:latin typeface="Cambria Math"/>
                             </a:rPr>
                           </m:ctrlPr>
                         </m:sSubPr>
@@ -9250,7 +9394,7 @@
                         <m:sSubPr>
                           <m:ctrlPr>
                             <a:rPr lang="en-US" sz="3000" b="0" i="1" smtClean="0">
-                              <a:latin typeface="Cambria Math" panose="02040503050406030204" pitchFamily="18" charset="0"/>
+                              <a:latin typeface="Cambria Math"/>
                             </a:rPr>
                           </m:ctrlPr>
                         </m:sSubPr>
@@ -9275,7 +9419,7 @@
                         <m:sSubPr>
                           <m:ctrlPr>
                             <a:rPr lang="en-US" sz="3000" b="0" i="1" smtClean="0">
-                              <a:latin typeface="Cambria Math" panose="02040503050406030204" pitchFamily="18" charset="0"/>
+                              <a:latin typeface="Cambria Math"/>
                             </a:rPr>
                           </m:ctrlPr>
                         </m:sSubPr>
@@ -9312,7 +9456,7 @@
                         <m:sSubPr>
                           <m:ctrlPr>
                             <a:rPr lang="en-US" sz="3000" b="0" i="1" smtClean="0">
-                              <a:latin typeface="Cambria Math" panose="02040503050406030204" pitchFamily="18" charset="0"/>
+                              <a:latin typeface="Cambria Math"/>
                             </a:rPr>
                           </m:ctrlPr>
                         </m:sSubPr>
@@ -9337,7 +9481,7 @@
                         <m:sSubPr>
                           <m:ctrlPr>
                             <a:rPr lang="en-US" sz="3000" b="0" i="1" smtClean="0">
-                              <a:latin typeface="Cambria Math" panose="02040503050406030204" pitchFamily="18" charset="0"/>
+                              <a:latin typeface="Cambria Math"/>
                             </a:rPr>
                           </m:ctrlPr>
                         </m:sSubPr>
@@ -9389,7 +9533,7 @@
                         <m:sSubPr>
                           <m:ctrlPr>
                             <a:rPr lang="en-US" sz="3000" b="0" i="1" smtClean="0">
-                              <a:latin typeface="Cambria Math" panose="02040503050406030204" pitchFamily="18" charset="0"/>
+                              <a:latin typeface="Cambria Math"/>
                             </a:rPr>
                           </m:ctrlPr>
                         </m:sSubPr>
@@ -9426,7 +9570,7 @@
                         <m:sSupPr>
                           <m:ctrlPr>
                             <a:rPr lang="en-US" sz="3000" b="0" i="1" smtClean="0">
-                              <a:latin typeface="Cambria Math" panose="02040503050406030204" pitchFamily="18" charset="0"/>
+                              <a:latin typeface="Cambria Math"/>
                             </a:rPr>
                           </m:ctrlPr>
                         </m:sSupPr>
@@ -9478,7 +9622,7 @@
                       <m:sSubPr>
                         <m:ctrlPr>
                           <a:rPr lang="en-US" sz="3000" b="0" i="1" smtClean="0">
-                            <a:latin typeface="Cambria Math" panose="02040503050406030204" pitchFamily="18" charset="0"/>
+                            <a:latin typeface="Cambria Math"/>
                           </a:rPr>
                         </m:ctrlPr>
                       </m:sSubPr>
@@ -9523,7 +9667,7 @@
                       <m:sSubPr>
                         <m:ctrlPr>
                           <a:rPr lang="en-US" sz="3000" i="1">
-                            <a:latin typeface="Cambria Math" panose="02040503050406030204" pitchFamily="18" charset="0"/>
+                            <a:latin typeface="Cambria Math"/>
                           </a:rPr>
                         </m:ctrlPr>
                       </m:sSubPr>
@@ -9533,7 +9677,7 @@
                             <m:chr m:val="̂"/>
                             <m:ctrlPr>
                               <a:rPr lang="en-US" sz="3000" i="1">
-                                <a:latin typeface="Cambria Math" panose="02040503050406030204" pitchFamily="18" charset="0"/>
+                                <a:latin typeface="Cambria Math"/>
                               </a:rPr>
                             </m:ctrlPr>
                           </m:accPr>
@@ -9560,7 +9704,7 @@
                       <m:dPr>
                         <m:ctrlPr>
                           <a:rPr lang="en-US" sz="3000" i="1">
-                            <a:latin typeface="Cambria Math" panose="02040503050406030204" pitchFamily="18" charset="0"/>
+                            <a:latin typeface="Cambria Math"/>
                           </a:rPr>
                         </m:ctrlPr>
                       </m:dPr>
@@ -9598,7 +9742,7 @@
                         <m:sSubPr>
                           <m:ctrlPr>
                             <a:rPr lang="en-US" sz="3000" i="1">
-                              <a:latin typeface="Cambria Math" panose="02040503050406030204" pitchFamily="18" charset="0"/>
+                              <a:latin typeface="Cambria Math"/>
                             </a:rPr>
                           </m:ctrlPr>
                         </m:sSubPr>
@@ -9608,7 +9752,7 @@
                               <m:chr m:val="̂"/>
                               <m:ctrlPr>
                                 <a:rPr lang="en-US" sz="3000" i="1">
-                                  <a:latin typeface="Cambria Math" panose="02040503050406030204" pitchFamily="18" charset="0"/>
+                                  <a:latin typeface="Cambria Math"/>
                                 </a:rPr>
                               </m:ctrlPr>
                             </m:accPr>
@@ -9635,7 +9779,7 @@
                         <m:dPr>
                           <m:ctrlPr>
                             <a:rPr lang="en-US" sz="3000" i="1">
-                              <a:latin typeface="Cambria Math" panose="02040503050406030204" pitchFamily="18" charset="0"/>
+                              <a:latin typeface="Cambria Math"/>
                             </a:rPr>
                           </m:ctrlPr>
                         </m:dPr>
@@ -9664,7 +9808,7 @@
                         <m:sSubPr>
                           <m:ctrlPr>
                             <a:rPr lang="en-US" sz="3000" b="0" i="1" smtClean="0">
-                              <a:latin typeface="Cambria Math" panose="02040503050406030204" pitchFamily="18" charset="0"/>
+                              <a:latin typeface="Cambria Math"/>
                             </a:rPr>
                           </m:ctrlPr>
                         </m:sSubPr>
@@ -9707,7 +9851,7 @@
                         <m:sSubPr>
                           <m:ctrlPr>
                             <a:rPr lang="en-US" sz="3000" i="1">
-                              <a:latin typeface="Cambria Math" panose="02040503050406030204" pitchFamily="18" charset="0"/>
+                              <a:latin typeface="Cambria Math"/>
                             </a:rPr>
                           </m:ctrlPr>
                         </m:sSubPr>
@@ -9717,7 +9861,7 @@
                               <m:chr m:val="̂"/>
                               <m:ctrlPr>
                                 <a:rPr lang="en-US" sz="3000" i="1">
-                                  <a:latin typeface="Cambria Math" panose="02040503050406030204" pitchFamily="18" charset="0"/>
+                                  <a:latin typeface="Cambria Math"/>
                                 </a:rPr>
                               </m:ctrlPr>
                             </m:accPr>
@@ -9750,7 +9894,7 @@
                         <m:dPr>
                           <m:ctrlPr>
                             <a:rPr lang="en-US" sz="3000" i="1">
-                              <a:latin typeface="Cambria Math" panose="02040503050406030204" pitchFamily="18" charset="0"/>
+                              <a:latin typeface="Cambria Math"/>
                             </a:rPr>
                           </m:ctrlPr>
                         </m:dPr>
@@ -9782,7 +9926,7 @@
                         <m:sSubPr>
                           <m:ctrlPr>
                             <a:rPr lang="en-US" sz="3000" i="1">
-                              <a:latin typeface="Cambria Math" panose="02040503050406030204" pitchFamily="18" charset="0"/>
+                              <a:latin typeface="Cambria Math"/>
                             </a:rPr>
                           </m:ctrlPr>
                         </m:sSubPr>
@@ -9792,7 +9936,7 @@
                               <m:chr m:val="̂"/>
                               <m:ctrlPr>
                                 <a:rPr lang="en-US" sz="3000" i="1">
-                                  <a:latin typeface="Cambria Math" panose="02040503050406030204" pitchFamily="18" charset="0"/>
+                                  <a:latin typeface="Cambria Math"/>
                                 </a:rPr>
                               </m:ctrlPr>
                             </m:accPr>
@@ -9819,7 +9963,7 @@
                         <m:dPr>
                           <m:ctrlPr>
                             <a:rPr lang="en-US" sz="3000" i="1">
-                              <a:latin typeface="Cambria Math" panose="02040503050406030204" pitchFamily="18" charset="0"/>
+                              <a:latin typeface="Cambria Math"/>
                             </a:rPr>
                           </m:ctrlPr>
                         </m:dPr>
@@ -9842,7 +9986,7 @@
                         <m:sSubPr>
                           <m:ctrlPr>
                             <a:rPr lang="en-US" sz="3000" b="0" i="1" smtClean="0">
-                              <a:latin typeface="Cambria Math" panose="02040503050406030204" pitchFamily="18" charset="0"/>
+                              <a:latin typeface="Cambria Math"/>
                             </a:rPr>
                           </m:ctrlPr>
                         </m:sSubPr>
@@ -9889,7 +10033,7 @@
                         <m:sSubPr>
                           <m:ctrlPr>
                             <a:rPr lang="en-US" sz="3000" i="1">
-                              <a:latin typeface="Cambria Math" panose="02040503050406030204" pitchFamily="18" charset="0"/>
+                              <a:latin typeface="Cambria Math"/>
                             </a:rPr>
                           </m:ctrlPr>
                         </m:sSubPr>
@@ -9899,7 +10043,7 @@
                               <m:chr m:val="̂"/>
                               <m:ctrlPr>
                                 <a:rPr lang="en-US" sz="3000" i="1">
-                                  <a:latin typeface="Cambria Math" panose="02040503050406030204" pitchFamily="18" charset="0"/>
+                                  <a:latin typeface="Cambria Math"/>
                                 </a:rPr>
                               </m:ctrlPr>
                             </m:accPr>
@@ -9926,7 +10070,7 @@
                         <m:dPr>
                           <m:ctrlPr>
                             <a:rPr lang="en-US" sz="3000" i="1">
-                              <a:latin typeface="Cambria Math" panose="02040503050406030204" pitchFamily="18" charset="0"/>
+                              <a:latin typeface="Cambria Math"/>
                             </a:rPr>
                           </m:ctrlPr>
                         </m:dPr>
@@ -9955,7 +10099,7 @@
                         <m:sSubPr>
                           <m:ctrlPr>
                             <a:rPr lang="en-US" sz="3000" b="0" i="1" smtClean="0">
-                              <a:latin typeface="Cambria Math" panose="02040503050406030204" pitchFamily="18" charset="0"/>
+                              <a:latin typeface="Cambria Math"/>
                             </a:rPr>
                           </m:ctrlPr>
                         </m:sSubPr>
@@ -9986,7 +10130,7 @@
                         <m:sSubPr>
                           <m:ctrlPr>
                             <a:rPr lang="en-US" sz="3000" i="1">
-                              <a:latin typeface="Cambria Math" panose="02040503050406030204" pitchFamily="18" charset="0"/>
+                              <a:latin typeface="Cambria Math"/>
                             </a:rPr>
                           </m:ctrlPr>
                         </m:sSubPr>
@@ -9996,7 +10140,7 @@
                               <m:chr m:val="̂"/>
                               <m:ctrlPr>
                                 <a:rPr lang="en-US" sz="3000" i="1">
-                                  <a:latin typeface="Cambria Math" panose="02040503050406030204" pitchFamily="18" charset="0"/>
+                                  <a:latin typeface="Cambria Math"/>
                                 </a:rPr>
                               </m:ctrlPr>
                             </m:accPr>
@@ -10029,7 +10173,7 @@
                         <m:dPr>
                           <m:ctrlPr>
                             <a:rPr lang="en-US" sz="3000" i="1">
-                              <a:latin typeface="Cambria Math" panose="02040503050406030204" pitchFamily="18" charset="0"/>
+                              <a:latin typeface="Cambria Math"/>
                             </a:rPr>
                           </m:ctrlPr>
                         </m:dPr>
@@ -10061,7 +10205,7 @@
                       <m:sSubPr>
                         <m:ctrlPr>
                           <a:rPr lang="en-US" sz="3000" b="0" i="1" smtClean="0">
-                            <a:latin typeface="Cambria Math" panose="02040503050406030204" pitchFamily="18" charset="0"/>
+                            <a:latin typeface="Cambria Math"/>
                           </a:rPr>
                         </m:ctrlPr>
                       </m:sSubPr>
@@ -10092,7 +10236,7 @@
                       <m:sSubPr>
                         <m:ctrlPr>
                           <a:rPr lang="en-US" sz="3000" b="0" i="1" smtClean="0">
-                            <a:latin typeface="Cambria Math" panose="02040503050406030204" pitchFamily="18" charset="0"/>
+                            <a:latin typeface="Cambria Math"/>
                           </a:rPr>
                         </m:ctrlPr>
                       </m:sSubPr>
@@ -10123,7 +10267,7 @@
                       <m:sSubPr>
                         <m:ctrlPr>
                           <a:rPr lang="en-US" sz="3000" i="1">
-                            <a:latin typeface="Cambria Math" panose="02040503050406030204" pitchFamily="18" charset="0"/>
+                            <a:latin typeface="Cambria Math"/>
                           </a:rPr>
                         </m:ctrlPr>
                       </m:sSubPr>
@@ -10133,7 +10277,7 @@
                             <m:chr m:val="̂"/>
                             <m:ctrlPr>
                               <a:rPr lang="en-US" sz="3000" i="1">
-                                <a:latin typeface="Cambria Math" panose="02040503050406030204" pitchFamily="18" charset="0"/>
+                                <a:latin typeface="Cambria Math"/>
                               </a:rPr>
                             </m:ctrlPr>
                           </m:accPr>
@@ -10166,7 +10310,7 @@
                       <m:dPr>
                         <m:ctrlPr>
                           <a:rPr lang="en-US" sz="3000" i="1">
-                            <a:latin typeface="Cambria Math" panose="02040503050406030204" pitchFamily="18" charset="0"/>
+                            <a:latin typeface="Cambria Math"/>
                           </a:rPr>
                         </m:ctrlPr>
                       </m:dPr>
@@ -10333,8 +10477,8 @@
           </a:p>
         </p:txBody>
       </p:sp>
-      <mc:AlternateContent xmlns:mc="http://schemas.openxmlformats.org/markup-compatibility/2006">
-        <mc:Choice xmlns:a14="http://schemas.microsoft.com/office/drawing/2010/main" Requires="a14">
+      <mc:AlternateContent xmlns:mc="http://schemas.openxmlformats.org/markup-compatibility/2006" xmlns:a14="http://schemas.microsoft.com/office/drawing/2010/main">
+        <mc:Choice Requires="a14">
           <p:sp>
             <p:nvSpPr>
               <p:cNvPr id="3" name="Content Placeholder 2"/>
@@ -10376,7 +10520,7 @@
                         <m:sSubPr>
                           <m:ctrlPr>
                             <a:rPr lang="en-US" b="0" i="1" smtClean="0">
-                              <a:latin typeface="Cambria Math" panose="02040503050406030204" pitchFamily="18" charset="0"/>
+                              <a:latin typeface="Cambria Math"/>
                             </a:rPr>
                           </m:ctrlPr>
                         </m:sSubPr>
@@ -10413,7 +10557,7 @@
                         <m:sSubPr>
                           <m:ctrlPr>
                             <a:rPr lang="en-US" b="0" i="1" smtClean="0">
-                              <a:latin typeface="Cambria Math" panose="02040503050406030204" pitchFamily="18" charset="0"/>
+                              <a:latin typeface="Cambria Math"/>
                             </a:rPr>
                           </m:ctrlPr>
                         </m:sSubPr>
@@ -10444,7 +10588,7 @@
                         <m:dPr>
                           <m:ctrlPr>
                             <a:rPr lang="en-US" b="0" i="1" smtClean="0">
-                              <a:latin typeface="Cambria Math" panose="02040503050406030204" pitchFamily="18" charset="0"/>
+                              <a:latin typeface="Cambria Math"/>
                             </a:rPr>
                           </m:ctrlPr>
                         </m:dPr>
@@ -10467,7 +10611,7 @@
                         <m:sSubPr>
                           <m:ctrlPr>
                             <a:rPr lang="en-US" b="0" i="1" smtClean="0">
-                              <a:latin typeface="Cambria Math" panose="02040503050406030204" pitchFamily="18" charset="0"/>
+                              <a:latin typeface="Cambria Math"/>
                             </a:rPr>
                           </m:ctrlPr>
                         </m:sSubPr>
@@ -10510,7 +10654,7 @@
                         <m:sSubPr>
                           <m:ctrlPr>
                             <a:rPr lang="en-US" b="0" i="1" smtClean="0">
-                              <a:latin typeface="Cambria Math" panose="02040503050406030204" pitchFamily="18" charset="0"/>
+                              <a:latin typeface="Cambria Math"/>
                             </a:rPr>
                           </m:ctrlPr>
                         </m:sSubPr>
@@ -10562,7 +10706,7 @@
                         <m:sSubPr>
                           <m:ctrlPr>
                             <a:rPr lang="en-US" b="0" i="1" smtClean="0">
-                              <a:latin typeface="Cambria Math" panose="02040503050406030204" pitchFamily="18" charset="0"/>
+                              <a:latin typeface="Cambria Math"/>
                             </a:rPr>
                           </m:ctrlPr>
                         </m:sSubPr>
@@ -10599,7 +10743,7 @@
                         <m:dPr>
                           <m:ctrlPr>
                             <a:rPr lang="en-US" b="0" i="1" smtClean="0">
-                              <a:latin typeface="Cambria Math" panose="02040503050406030204" pitchFamily="18" charset="0"/>
+                              <a:latin typeface="Cambria Math"/>
                             </a:rPr>
                           </m:ctrlPr>
                         </m:dPr>
@@ -10608,7 +10752,7 @@
                             <m:sSubPr>
                               <m:ctrlPr>
                                 <a:rPr lang="en-US" b="0" i="1" smtClean="0">
-                                  <a:latin typeface="Cambria Math" panose="02040503050406030204" pitchFamily="18" charset="0"/>
+                                  <a:latin typeface="Cambria Math"/>
                                 </a:rPr>
                               </m:ctrlPr>
                             </m:sSubPr>
@@ -10639,7 +10783,7 @@
                             <m:sSubPr>
                               <m:ctrlPr>
                                 <a:rPr lang="en-US" b="0" i="1" smtClean="0">
-                                  <a:latin typeface="Cambria Math" panose="02040503050406030204" pitchFamily="18" charset="0"/>
+                                  <a:latin typeface="Cambria Math"/>
                                 </a:rPr>
                               </m:ctrlPr>
                             </m:sSubPr>
@@ -10678,7 +10822,7 @@
                         <m:dPr>
                           <m:ctrlPr>
                             <a:rPr lang="en-US" b="0" i="1" smtClean="0">
-                              <a:latin typeface="Cambria Math" panose="02040503050406030204" pitchFamily="18" charset="0"/>
+                              <a:latin typeface="Cambria Math"/>
                             </a:rPr>
                           </m:ctrlPr>
                         </m:dPr>
@@ -10701,7 +10845,7 @@
                         <m:sSubPr>
                           <m:ctrlPr>
                             <a:rPr lang="en-US" b="0" i="1" smtClean="0">
-                              <a:latin typeface="Cambria Math" panose="02040503050406030204" pitchFamily="18" charset="0"/>
+                              <a:latin typeface="Cambria Math"/>
                             </a:rPr>
                           </m:ctrlPr>
                         </m:sSubPr>
@@ -10747,7 +10891,7 @@
                         <m:sSubPr>
                           <m:ctrlPr>
                             <a:rPr lang="en-US" i="1" smtClean="0">
-                              <a:latin typeface="Cambria Math" panose="02040503050406030204" pitchFamily="18" charset="0"/>
+                              <a:latin typeface="Cambria Math"/>
                             </a:rPr>
                           </m:ctrlPr>
                         </m:sSubPr>
@@ -10757,7 +10901,7 @@
                               <m:chr m:val="̂"/>
                               <m:ctrlPr>
                                 <a:rPr lang="en-US" i="1" smtClean="0">
-                                  <a:latin typeface="Cambria Math" panose="02040503050406030204" pitchFamily="18" charset="0"/>
+                                  <a:latin typeface="Cambria Math"/>
                                 </a:rPr>
                               </m:ctrlPr>
                             </m:accPr>
@@ -10784,7 +10928,7 @@
                         <m:dPr>
                           <m:ctrlPr>
                             <a:rPr lang="en-US" b="0" i="1" smtClean="0">
-                              <a:latin typeface="Cambria Math" panose="02040503050406030204" pitchFamily="18" charset="0"/>
+                              <a:latin typeface="Cambria Math"/>
                             </a:rPr>
                           </m:ctrlPr>
                         </m:dPr>
@@ -10807,7 +10951,7 @@
                         <m:sSubPr>
                           <m:ctrlPr>
                             <a:rPr lang="en-US" b="0" i="1" smtClean="0">
-                              <a:latin typeface="Cambria Math" panose="02040503050406030204" pitchFamily="18" charset="0"/>
+                              <a:latin typeface="Cambria Math"/>
                             </a:rPr>
                           </m:ctrlPr>
                         </m:sSubPr>
@@ -10844,7 +10988,7 @@
                         <m:sSubPr>
                           <m:ctrlPr>
                             <a:rPr lang="en-US" b="0" i="1" smtClean="0">
-                              <a:latin typeface="Cambria Math" panose="02040503050406030204" pitchFamily="18" charset="0"/>
+                              <a:latin typeface="Cambria Math"/>
                             </a:rPr>
                           </m:ctrlPr>
                         </m:sSubPr>
@@ -10883,7 +11027,7 @@
             </p:txBody>
           </p:sp>
         </mc:Choice>
-        <mc:Fallback>
+        <mc:Fallback xmlns="">
           <p:sp>
             <p:nvSpPr>
               <p:cNvPr id="3" name="Content Placeholder 2"/>
@@ -10981,8 +11125,8 @@
           </a:p>
         </p:txBody>
       </p:sp>
-      <mc:AlternateContent xmlns:mc="http://schemas.openxmlformats.org/markup-compatibility/2006">
-        <mc:Choice xmlns:a14="http://schemas.microsoft.com/office/drawing/2010/main" Requires="a14">
+      <mc:AlternateContent xmlns:mc="http://schemas.openxmlformats.org/markup-compatibility/2006" xmlns:a14="http://schemas.microsoft.com/office/drawing/2010/main">
+        <mc:Choice Requires="a14">
           <p:sp>
             <p:nvSpPr>
               <p:cNvPr id="3" name="Content Placeholder 2"/>
@@ -11036,7 +11180,7 @@
                         <m:sSubPr>
                           <m:ctrlPr>
                             <a:rPr lang="en-US" b="0" i="1" smtClean="0">
-                              <a:latin typeface="Cambria Math" panose="02040503050406030204" pitchFamily="18" charset="0"/>
+                              <a:latin typeface="Cambria Math"/>
                             </a:rPr>
                           </m:ctrlPr>
                         </m:sSubPr>
@@ -11073,7 +11217,7 @@
                         <m:dPr>
                           <m:ctrlPr>
                             <a:rPr lang="en-US" b="0" i="1" smtClean="0">
-                              <a:latin typeface="Cambria Math" panose="02040503050406030204" pitchFamily="18" charset="0"/>
+                              <a:latin typeface="Cambria Math"/>
                             </a:rPr>
                           </m:ctrlPr>
                         </m:dPr>
@@ -11082,7 +11226,7 @@
                             <m:fPr>
                               <m:ctrlPr>
                                 <a:rPr lang="en-US" b="0" i="1" smtClean="0">
-                                  <a:latin typeface="Cambria Math" panose="02040503050406030204" pitchFamily="18" charset="0"/>
+                                  <a:latin typeface="Cambria Math"/>
                                 </a:rPr>
                               </m:ctrlPr>
                             </m:fPr>
@@ -11091,7 +11235,7 @@
                                 <m:sSubPr>
                                   <m:ctrlPr>
                                     <a:rPr lang="en-US" b="0" i="1" smtClean="0">
-                                      <a:latin typeface="Cambria Math" panose="02040503050406030204" pitchFamily="18" charset="0"/>
+                                      <a:latin typeface="Cambria Math"/>
                                     </a:rPr>
                                   </m:ctrlPr>
                                 </m:sSubPr>
@@ -11118,7 +11262,7 @@
                                 <m:sSubPr>
                                   <m:ctrlPr>
                                     <a:rPr lang="en-US" b="0" i="1" smtClean="0">
-                                      <a:latin typeface="Cambria Math" panose="02040503050406030204" pitchFamily="18" charset="0"/>
+                                      <a:latin typeface="Cambria Math"/>
                                     </a:rPr>
                                   </m:ctrlPr>
                                 </m:sSubPr>
@@ -11171,7 +11315,7 @@
                         <m:sSubPr>
                           <m:ctrlPr>
                             <a:rPr lang="en-US" b="0" i="1" smtClean="0">
-                              <a:latin typeface="Cambria Math" panose="02040503050406030204" pitchFamily="18" charset="0"/>
+                              <a:latin typeface="Cambria Math"/>
                             </a:rPr>
                           </m:ctrlPr>
                         </m:sSubPr>
@@ -11208,7 +11352,7 @@
                         <m:sSubPr>
                           <m:ctrlPr>
                             <a:rPr lang="en-US" b="0" i="1" smtClean="0">
-                              <a:latin typeface="Cambria Math" panose="02040503050406030204" pitchFamily="18" charset="0"/>
+                              <a:latin typeface="Cambria Math"/>
                             </a:rPr>
                           </m:ctrlPr>
                         </m:sSubPr>
@@ -11260,7 +11404,7 @@
                         <m:sSubPr>
                           <m:ctrlPr>
                             <a:rPr lang="en-US" b="0" i="1" smtClean="0">
-                              <a:latin typeface="Cambria Math" panose="02040503050406030204" pitchFamily="18" charset="0"/>
+                              <a:latin typeface="Cambria Math"/>
                             </a:rPr>
                           </m:ctrlPr>
                         </m:sSubPr>
@@ -11297,7 +11441,7 @@
                         <m:dPr>
                           <m:ctrlPr>
                             <a:rPr lang="en-US" b="0" i="1" smtClean="0">
-                              <a:latin typeface="Cambria Math" panose="02040503050406030204" pitchFamily="18" charset="0"/>
+                              <a:latin typeface="Cambria Math"/>
                             </a:rPr>
                           </m:ctrlPr>
                         </m:dPr>
@@ -11306,7 +11450,7 @@
                             <m:sSubPr>
                               <m:ctrlPr>
                                 <a:rPr lang="en-US" b="0" i="1" smtClean="0">
-                                  <a:latin typeface="Cambria Math" panose="02040503050406030204" pitchFamily="18" charset="0"/>
+                                  <a:latin typeface="Cambria Math"/>
                                 </a:rPr>
                               </m:ctrlPr>
                             </m:sSubPr>
@@ -11337,7 +11481,7 @@
                             <m:sSubPr>
                               <m:ctrlPr>
                                 <a:rPr lang="en-US" b="0" i="1" smtClean="0">
-                                  <a:latin typeface="Cambria Math" panose="02040503050406030204" pitchFamily="18" charset="0"/>
+                                  <a:latin typeface="Cambria Math"/>
                                 </a:rPr>
                               </m:ctrlPr>
                             </m:sSubPr>
@@ -11376,7 +11520,7 @@
                         <m:dPr>
                           <m:ctrlPr>
                             <a:rPr lang="en-US" b="0" i="1" smtClean="0">
-                              <a:latin typeface="Cambria Math" panose="02040503050406030204" pitchFamily="18" charset="0"/>
+                              <a:latin typeface="Cambria Math"/>
                             </a:rPr>
                           </m:ctrlPr>
                         </m:dPr>
@@ -11399,7 +11543,7 @@
                         <m:sSubPr>
                           <m:ctrlPr>
                             <a:rPr lang="en-US" b="0" i="1" smtClean="0">
-                              <a:latin typeface="Cambria Math" panose="02040503050406030204" pitchFamily="18" charset="0"/>
+                              <a:latin typeface="Cambria Math"/>
                             </a:rPr>
                           </m:ctrlPr>
                         </m:sSubPr>
@@ -11445,7 +11589,7 @@
                         <m:sSubPr>
                           <m:ctrlPr>
                             <a:rPr lang="en-US" b="0" i="1" smtClean="0">
-                              <a:latin typeface="Cambria Math" panose="02040503050406030204" pitchFamily="18" charset="0"/>
+                              <a:latin typeface="Cambria Math"/>
                             </a:rPr>
                           </m:ctrlPr>
                         </m:sSubPr>
@@ -11482,7 +11626,7 @@
                         <m:dPr>
                           <m:ctrlPr>
                             <a:rPr lang="en-US" b="0" i="1" smtClean="0">
-                              <a:latin typeface="Cambria Math" panose="02040503050406030204" pitchFamily="18" charset="0"/>
+                              <a:latin typeface="Cambria Math"/>
                             </a:rPr>
                           </m:ctrlPr>
                         </m:dPr>
@@ -11491,7 +11635,7 @@
                             <m:fPr>
                               <m:ctrlPr>
                                 <a:rPr lang="en-US" b="0" i="1" smtClean="0">
-                                  <a:latin typeface="Cambria Math" panose="02040503050406030204" pitchFamily="18" charset="0"/>
+                                  <a:latin typeface="Cambria Math"/>
                                 </a:rPr>
                               </m:ctrlPr>
                             </m:fPr>
@@ -11500,7 +11644,7 @@
                                 <m:sSubPr>
                                   <m:ctrlPr>
                                     <a:rPr lang="en-US" b="0" i="1" smtClean="0">
-                                      <a:latin typeface="Cambria Math" panose="02040503050406030204" pitchFamily="18" charset="0"/>
+                                      <a:latin typeface="Cambria Math"/>
                                     </a:rPr>
                                   </m:ctrlPr>
                                 </m:sSubPr>
@@ -11527,7 +11671,7 @@
                                 <m:sSubPr>
                                   <m:ctrlPr>
                                     <a:rPr lang="en-US" b="0" i="1" smtClean="0">
-                                      <a:latin typeface="Cambria Math" panose="02040503050406030204" pitchFamily="18" charset="0"/>
+                                      <a:latin typeface="Cambria Math"/>
                                     </a:rPr>
                                   </m:ctrlPr>
                                 </m:sSubPr>
@@ -11562,7 +11706,7 @@
                         <m:dPr>
                           <m:ctrlPr>
                             <a:rPr lang="en-US" b="0" i="1" smtClean="0">
-                              <a:latin typeface="Cambria Math" panose="02040503050406030204" pitchFamily="18" charset="0"/>
+                              <a:latin typeface="Cambria Math"/>
                             </a:rPr>
                           </m:ctrlPr>
                         </m:dPr>
@@ -11585,7 +11729,7 @@
                         <m:sSubPr>
                           <m:ctrlPr>
                             <a:rPr lang="en-US" b="0" i="1" smtClean="0">
-                              <a:latin typeface="Cambria Math" panose="02040503050406030204" pitchFamily="18" charset="0"/>
+                              <a:latin typeface="Cambria Math"/>
                             </a:rPr>
                           </m:ctrlPr>
                         </m:sSubPr>
@@ -11631,7 +11775,7 @@
                         <m:sSubPr>
                           <m:ctrlPr>
                             <a:rPr lang="en-US" i="1" smtClean="0">
-                              <a:latin typeface="Cambria Math" panose="02040503050406030204" pitchFamily="18" charset="0"/>
+                              <a:latin typeface="Cambria Math"/>
                             </a:rPr>
                           </m:ctrlPr>
                         </m:sSubPr>
@@ -11641,7 +11785,7 @@
                               <m:chr m:val="̂"/>
                               <m:ctrlPr>
                                 <a:rPr lang="en-US" i="1" smtClean="0">
-                                  <a:latin typeface="Cambria Math" panose="02040503050406030204" pitchFamily="18" charset="0"/>
+                                  <a:latin typeface="Cambria Math"/>
                                 </a:rPr>
                               </m:ctrlPr>
                             </m:accPr>
@@ -11668,7 +11812,7 @@
                         <m:dPr>
                           <m:ctrlPr>
                             <a:rPr lang="en-US" b="0" i="1" smtClean="0">
-                              <a:latin typeface="Cambria Math" panose="02040503050406030204" pitchFamily="18" charset="0"/>
+                              <a:latin typeface="Cambria Math"/>
                             </a:rPr>
                           </m:ctrlPr>
                         </m:dPr>
@@ -11691,7 +11835,7 @@
                         <m:dPr>
                           <m:ctrlPr>
                             <a:rPr lang="en-US" b="0" i="1" smtClean="0">
-                              <a:latin typeface="Cambria Math" panose="02040503050406030204" pitchFamily="18" charset="0"/>
+                              <a:latin typeface="Cambria Math"/>
                             </a:rPr>
                           </m:ctrlPr>
                         </m:dPr>
@@ -11700,7 +11844,7 @@
                             <m:sSubPr>
                               <m:ctrlPr>
                                 <a:rPr lang="en-US" b="0" i="1" smtClean="0">
-                                  <a:latin typeface="Cambria Math" panose="02040503050406030204" pitchFamily="18" charset="0"/>
+                                  <a:latin typeface="Cambria Math"/>
                                 </a:rPr>
                               </m:ctrlPr>
                             </m:sSubPr>
@@ -11737,7 +11881,7 @@
                             <m:sSubPr>
                               <m:ctrlPr>
                                 <a:rPr lang="en-US" b="0" i="1" smtClean="0">
-                                  <a:latin typeface="Cambria Math" panose="02040503050406030204" pitchFamily="18" charset="0"/>
+                                  <a:latin typeface="Cambria Math"/>
                                 </a:rPr>
                               </m:ctrlPr>
                             </m:sSubPr>
@@ -11764,7 +11908,7 @@
                         <m:sSubPr>
                           <m:ctrlPr>
                             <a:rPr lang="en-US" b="0" i="1" smtClean="0">
-                              <a:latin typeface="Cambria Math" panose="02040503050406030204" pitchFamily="18" charset="0"/>
+                              <a:latin typeface="Cambria Math"/>
                             </a:rPr>
                           </m:ctrlPr>
                         </m:sSubPr>
@@ -11805,7 +11949,7 @@
             </p:txBody>
           </p:sp>
         </mc:Choice>
-        <mc:Fallback>
+        <mc:Fallback xmlns="">
           <p:sp>
             <p:nvSpPr>
               <p:cNvPr id="3" name="Content Placeholder 2"/>
@@ -12050,7 +12194,7 @@
                         <m:sSubPr>
                           <m:ctrlPr>
                             <a:rPr lang="en-US" b="0" i="1" smtClean="0">
-                              <a:latin typeface="Cambria Math" panose="02040503050406030204" pitchFamily="18" charset="0"/>
+                              <a:latin typeface="Cambria Math"/>
                             </a:rPr>
                           </m:ctrlPr>
                         </m:sSubPr>
@@ -12075,7 +12219,7 @@
                         <m:sSubPr>
                           <m:ctrlPr>
                             <a:rPr lang="en-US" b="0" i="1" smtClean="0">
-                              <a:latin typeface="Cambria Math" panose="02040503050406030204" pitchFamily="18" charset="0"/>
+                              <a:latin typeface="Cambria Math"/>
                             </a:rPr>
                           </m:ctrlPr>
                         </m:sSubPr>
@@ -12106,7 +12250,7 @@
                         <m:sSubPr>
                           <m:ctrlPr>
                             <a:rPr lang="en-US" b="0" i="1" smtClean="0">
-                              <a:latin typeface="Cambria Math" panose="02040503050406030204" pitchFamily="18" charset="0"/>
+                              <a:latin typeface="Cambria Math"/>
                             </a:rPr>
                           </m:ctrlPr>
                         </m:sSubPr>
@@ -12131,7 +12275,7 @@
                         <m:sSubPr>
                           <m:ctrlPr>
                             <a:rPr lang="en-US" b="0" i="1" smtClean="0">
-                              <a:latin typeface="Cambria Math" panose="02040503050406030204" pitchFamily="18" charset="0"/>
+                              <a:latin typeface="Cambria Math"/>
                             </a:rPr>
                           </m:ctrlPr>
                         </m:sSubPr>
@@ -12162,7 +12306,7 @@
                         <m:sSubPr>
                           <m:ctrlPr>
                             <a:rPr lang="en-US" b="0" i="1" smtClean="0">
-                              <a:latin typeface="Cambria Math" panose="02040503050406030204" pitchFamily="18" charset="0"/>
+                              <a:latin typeface="Cambria Math"/>
                             </a:rPr>
                           </m:ctrlPr>
                         </m:sSubPr>
@@ -12187,7 +12331,7 @@
                         <m:sSubPr>
                           <m:ctrlPr>
                             <a:rPr lang="en-US" b="0" i="1" smtClean="0">
-                              <a:latin typeface="Cambria Math" panose="02040503050406030204" pitchFamily="18" charset="0"/>
+                              <a:latin typeface="Cambria Math"/>
                             </a:rPr>
                           </m:ctrlPr>
                         </m:sSubPr>
@@ -12254,7 +12398,7 @@
                         <m:sSubPr>
                           <m:ctrlPr>
                             <a:rPr lang="en-US" b="0" i="1" smtClean="0">
-                              <a:latin typeface="Cambria Math" panose="02040503050406030204" pitchFamily="18" charset="0"/>
+                              <a:latin typeface="Cambria Math"/>
                             </a:rPr>
                           </m:ctrlPr>
                         </m:sSubPr>
@@ -12285,7 +12429,7 @@
                         <m:sSubPr>
                           <m:ctrlPr>
                             <a:rPr lang="en-US" b="0" i="1" smtClean="0">
-                              <a:latin typeface="Cambria Math" panose="02040503050406030204" pitchFamily="18" charset="0"/>
+                              <a:latin typeface="Cambria Math"/>
                             </a:rPr>
                           </m:ctrlPr>
                         </m:sSubPr>
@@ -12310,7 +12454,7 @@
                         <m:dPr>
                           <m:ctrlPr>
                             <a:rPr lang="en-US" b="0" i="1" smtClean="0">
-                              <a:latin typeface="Cambria Math" panose="02040503050406030204" pitchFamily="18" charset="0"/>
+                              <a:latin typeface="Cambria Math"/>
                             </a:rPr>
                           </m:ctrlPr>
                         </m:dPr>
@@ -12319,7 +12463,7 @@
                             <m:sSubPr>
                               <m:ctrlPr>
                                 <a:rPr lang="en-US" b="0" i="1" smtClean="0">
-                                  <a:latin typeface="Cambria Math" panose="02040503050406030204" pitchFamily="18" charset="0"/>
+                                  <a:latin typeface="Cambria Math"/>
                                 </a:rPr>
                               </m:ctrlPr>
                             </m:sSubPr>
@@ -12350,7 +12494,7 @@
                             <m:sSubPr>
                               <m:ctrlPr>
                                 <a:rPr lang="en-US" b="0" i="1" smtClean="0">
-                                  <a:latin typeface="Cambria Math" panose="02040503050406030204" pitchFamily="18" charset="0"/>
+                                  <a:latin typeface="Cambria Math"/>
                                 </a:rPr>
                               </m:ctrlPr>
                             </m:sSubPr>
@@ -12387,7 +12531,7 @@
                             <m:sSubPr>
                               <m:ctrlPr>
                                 <a:rPr lang="en-US" b="0" i="1" smtClean="0">
-                                  <a:latin typeface="Cambria Math" panose="02040503050406030204" pitchFamily="18" charset="0"/>
+                                  <a:latin typeface="Cambria Math"/>
                                 </a:rPr>
                               </m:ctrlPr>
                             </m:sSubPr>
@@ -12424,7 +12568,7 @@
                             <m:sSubPr>
                               <m:ctrlPr>
                                 <a:rPr lang="en-US" b="0" i="1" smtClean="0">
-                                  <a:latin typeface="Cambria Math" panose="02040503050406030204" pitchFamily="18" charset="0"/>
+                                  <a:latin typeface="Cambria Math"/>
                                 </a:rPr>
                               </m:ctrlPr>
                             </m:sSubPr>
@@ -12455,7 +12599,7 @@
                             <m:sSubPr>
                               <m:ctrlPr>
                                 <a:rPr lang="en-US" b="0" i="1" smtClean="0">
-                                  <a:latin typeface="Cambria Math" panose="02040503050406030204" pitchFamily="18" charset="0"/>
+                                  <a:latin typeface="Cambria Math"/>
                                 </a:rPr>
                               </m:ctrlPr>
                             </m:sSubPr>
@@ -12486,7 +12630,7 @@
                             <m:sSubPr>
                               <m:ctrlPr>
                                 <a:rPr lang="en-US" b="0" i="1" smtClean="0">
-                                  <a:latin typeface="Cambria Math" panose="02040503050406030204" pitchFamily="18" charset="0"/>
+                                  <a:latin typeface="Cambria Math"/>
                                 </a:rPr>
                               </m:ctrlPr>
                             </m:sSubPr>
@@ -12550,7 +12694,7 @@
                       <m:sSubPr>
                         <m:ctrlPr>
                           <a:rPr lang="en-US" b="0" i="1" smtClean="0">
-                            <a:latin typeface="Cambria Math" panose="02040503050406030204" pitchFamily="18" charset="0"/>
+                            <a:latin typeface="Cambria Math"/>
                           </a:rPr>
                         </m:ctrlPr>
                       </m:sSubPr>
@@ -12591,7 +12735,7 @@
                         <m:endChr m:val="}"/>
                         <m:ctrlPr>
                           <a:rPr lang="en-US" b="0" i="1" smtClean="0">
-                            <a:latin typeface="Cambria Math" panose="02040503050406030204" pitchFamily="18" charset="0"/>
+                            <a:latin typeface="Cambria Math"/>
                           </a:rPr>
                         </m:ctrlPr>
                       </m:dPr>
@@ -12600,7 +12744,7 @@
                           <m:sSubPr>
                             <m:ctrlPr>
                               <a:rPr lang="en-US" b="0" i="1" smtClean="0">
-                                <a:latin typeface="Cambria Math" panose="02040503050406030204" pitchFamily="18" charset="0"/>
+                                <a:latin typeface="Cambria Math"/>
                               </a:rPr>
                             </m:ctrlPr>
                           </m:sSubPr>
@@ -12749,8 +12893,8 @@
           </a:p>
         </p:txBody>
       </p:sp>
-      <mc:AlternateContent xmlns:mc="http://schemas.openxmlformats.org/markup-compatibility/2006" xmlns:a14="http://schemas.microsoft.com/office/drawing/2010/main">
-        <mc:Choice Requires="a14">
+      <mc:AlternateContent xmlns:mc="http://schemas.openxmlformats.org/markup-compatibility/2006">
+        <mc:Choice xmlns:a14="http://schemas.microsoft.com/office/drawing/2010/main" Requires="a14">
           <p:sp>
             <p:nvSpPr>
               <p:cNvPr id="3" name="Content Placeholder 2"/>
@@ -12780,17 +12924,18 @@
                 </a:r>
                 <a:r>
                   <a:rPr lang="en-US" dirty="0"/>
-                  <a:t>of the time series in TSDB under to some similarity/dissimilarity measure D(Q,C</a:t>
+                  <a:t>of the time series in TSDB </a:t>
                 </a:r>
-                <a:r>
-                  <a:rPr lang="en-US" dirty="0" smtClean="0"/>
-                  <a:t>).</a:t>
-                </a:r>
+                <a:endParaRPr lang="en-US" dirty="0" smtClean="0"/>
               </a:p>
               <a:p>
                 <a:r>
                   <a:rPr lang="en-US" altLang="zh-CN" dirty="0" smtClean="0"/>
-                  <a:t>Event: important issues </a:t>
+                  <a:t>Event</a:t>
+                </a:r>
+                <a:r>
+                  <a:rPr lang="en-US" altLang="zh-CN" dirty="0" smtClean="0"/>
+                  <a:t>: important issues </a:t>
                 </a:r>
                 <a:r>
                   <a:rPr lang="en-US" altLang="zh-CN" dirty="0"/>
@@ -12880,7 +13025,7 @@
                       <m:sSupPr>
                         <m:ctrlPr>
                           <a:rPr lang="en-US" b="0" i="1" smtClean="0">
-                            <a:latin typeface="Cambria Math" panose="02040503050406030204" pitchFamily="18" charset="0"/>
+                            <a:latin typeface="Cambria Math"/>
                             <a:ea typeface="Cambria Math" panose="02040503050406030204" pitchFamily="18" charset="0"/>
                           </a:rPr>
                         </m:ctrlPr>
@@ -12922,7 +13067,7 @@
                       <m:dPr>
                         <m:ctrlPr>
                           <a:rPr lang="en-US" b="0" i="1" smtClean="0">
-                            <a:latin typeface="Cambria Math" panose="02040503050406030204" pitchFamily="18" charset="0"/>
+                            <a:latin typeface="Cambria Math"/>
                             <a:ea typeface="Cambria Math" panose="02040503050406030204" pitchFamily="18" charset="0"/>
                           </a:rPr>
                         </m:ctrlPr>
@@ -13006,7 +13151,7 @@
             </p:txBody>
           </p:sp>
         </mc:Choice>
-        <mc:Fallback xmlns="">
+        <mc:Fallback>
           <p:sp>
             <p:nvSpPr>
               <p:cNvPr id="3" name="Content Placeholder 2"/>
@@ -13018,10 +13163,10 @@
               </p:nvPr>
             </p:nvSpPr>
             <p:spPr>
-              <a:blipFill rotWithShape="0">
+              <a:blipFill rotWithShape="1">
                 <a:blip r:embed="rId2"/>
                 <a:stretch>
-                  <a:fillRect l="-479" t="-806" r="-752"/>
+                  <a:fillRect l="-479" t="-806"/>
                 </a:stretch>
               </a:blipFill>
             </p:spPr>
@@ -13030,7 +13175,7 @@
               <a:lstStyle/>
               <a:p>
                 <a:r>
-                  <a:rPr lang="en-US">
+                  <a:rPr lang="zh-CN" altLang="en-US">
                     <a:noFill/>
                   </a:rPr>
                   <a:t> </a:t>
@@ -13232,7 +13377,7 @@
                       <m:sSupPr>
                         <m:ctrlPr>
                           <a:rPr lang="en-US" b="0" i="1" smtClean="0">
-                            <a:latin typeface="Cambria Math" panose="02040503050406030204" pitchFamily="18" charset="0"/>
+                            <a:latin typeface="Cambria Math"/>
                             <a:ea typeface="Cambria Math" panose="02040503050406030204" pitchFamily="18" charset="0"/>
                           </a:rPr>
                         </m:ctrlPr>
@@ -13274,7 +13419,7 @@
                       <m:dPr>
                         <m:ctrlPr>
                           <a:rPr lang="en-US" b="0" i="1" smtClean="0">
-                            <a:latin typeface="Cambria Math" panose="02040503050406030204" pitchFamily="18" charset="0"/>
+                            <a:latin typeface="Cambria Math"/>
                             <a:ea typeface="Cambria Math" panose="02040503050406030204" pitchFamily="18" charset="0"/>
                           </a:rPr>
                         </m:ctrlPr>
@@ -13554,7 +13699,7 @@
                       <m:sSubPr>
                         <m:ctrlPr>
                           <a:rPr lang="en-US" b="0" i="1" smtClean="0">
-                            <a:latin typeface="Cambria Math" panose="02040503050406030204" pitchFamily="18" charset="0"/>
+                            <a:latin typeface="Cambria Math"/>
                           </a:rPr>
                         </m:ctrlPr>
                       </m:sSubPr>
@@ -13783,7 +13928,7 @@
                       <m:sSubPr>
                         <m:ctrlPr>
                           <a:rPr lang="en-US" b="0" i="1" smtClean="0">
-                            <a:latin typeface="Cambria Math" panose="02040503050406030204" pitchFamily="18" charset="0"/>
+                            <a:latin typeface="Cambria Math"/>
                           </a:rPr>
                         </m:ctrlPr>
                       </m:sSubPr>
@@ -13814,7 +13959,7 @@
                       <m:sSubPr>
                         <m:ctrlPr>
                           <a:rPr lang="en-US" b="0" i="1" smtClean="0">
-                            <a:latin typeface="Cambria Math" panose="02040503050406030204" pitchFamily="18" charset="0"/>
+                            <a:latin typeface="Cambria Math"/>
                           </a:rPr>
                         </m:ctrlPr>
                       </m:sSubPr>
@@ -13843,7 +13988,7 @@
                           <m:dPr>
                             <m:ctrlPr>
                               <a:rPr lang="en-US" b="0" i="1" smtClean="0">
-                                <a:latin typeface="Cambria Math" panose="02040503050406030204" pitchFamily="18" charset="0"/>
+                                <a:latin typeface="Cambria Math"/>
                               </a:rPr>
                             </m:ctrlPr>
                           </m:dPr>
@@ -13881,7 +14026,7 @@
                       <m:sSubPr>
                         <m:ctrlPr>
                           <a:rPr lang="en-US" b="0" i="1" smtClean="0">
-                            <a:latin typeface="Cambria Math" panose="02040503050406030204" pitchFamily="18" charset="0"/>
+                            <a:latin typeface="Cambria Math"/>
                           </a:rPr>
                         </m:ctrlPr>
                       </m:sSubPr>
@@ -13925,7 +14070,7 @@
                       <m:sSubPr>
                         <m:ctrlPr>
                           <a:rPr lang="en-US" b="0" i="1" smtClean="0">
-                            <a:latin typeface="Cambria Math" panose="02040503050406030204" pitchFamily="18" charset="0"/>
+                            <a:latin typeface="Cambria Math"/>
                           </a:rPr>
                         </m:ctrlPr>
                       </m:sSubPr>
@@ -13970,7 +14115,7 @@
                       <m:sSubPr>
                         <m:ctrlPr>
                           <a:rPr lang="en-US" b="0" i="1" smtClean="0">
-                            <a:latin typeface="Cambria Math" panose="02040503050406030204" pitchFamily="18" charset="0"/>
+                            <a:latin typeface="Cambria Math"/>
                             <a:ea typeface="Cambria Math" panose="02040503050406030204" pitchFamily="18" charset="0"/>
                           </a:rPr>
                         </m:ctrlPr>
@@ -14190,7 +14335,7 @@
                       <m:dPr>
                         <m:ctrlPr>
                           <a:rPr lang="en-US" b="0" i="1" smtClean="0">
-                            <a:latin typeface="Cambria Math" panose="02040503050406030204" pitchFamily="18" charset="0"/>
+                            <a:latin typeface="Cambria Math"/>
                           </a:rPr>
                         </m:ctrlPr>
                       </m:dPr>
@@ -14213,7 +14358,7 @@
                       <m:sSubPr>
                         <m:ctrlPr>
                           <a:rPr lang="en-US" b="0" i="1" smtClean="0">
-                            <a:latin typeface="Cambria Math" panose="02040503050406030204" pitchFamily="18" charset="0"/>
+                            <a:latin typeface="Cambria Math"/>
                           </a:rPr>
                         </m:ctrlPr>
                       </m:sSubPr>
@@ -14262,7 +14407,7 @@
                       <m:dPr>
                         <m:ctrlPr>
                           <a:rPr lang="en-US" b="0" i="1" smtClean="0">
-                            <a:latin typeface="Cambria Math" panose="02040503050406030204" pitchFamily="18" charset="0"/>
+                            <a:latin typeface="Cambria Math"/>
                           </a:rPr>
                         </m:ctrlPr>
                       </m:dPr>
@@ -14300,7 +14445,7 @@
                       <m:sSubPr>
                         <m:ctrlPr>
                           <a:rPr lang="en-US" b="0" i="1" smtClean="0">
-                            <a:latin typeface="Cambria Math" panose="02040503050406030204" pitchFamily="18" charset="0"/>
+                            <a:latin typeface="Cambria Math"/>
                           </a:rPr>
                         </m:ctrlPr>
                       </m:sSubPr>
@@ -14337,7 +14482,7 @@
                       <m:sSubPr>
                         <m:ctrlPr>
                           <a:rPr lang="en-US" b="0" i="1" smtClean="0">
-                            <a:latin typeface="Cambria Math" panose="02040503050406030204" pitchFamily="18" charset="0"/>
+                            <a:latin typeface="Cambria Math"/>
                           </a:rPr>
                         </m:ctrlPr>
                       </m:sSubPr>
@@ -14374,7 +14519,7 @@
                       <m:sSubPr>
                         <m:ctrlPr>
                           <a:rPr lang="en-US" b="0" i="1" smtClean="0">
-                            <a:latin typeface="Cambria Math" panose="02040503050406030204" pitchFamily="18" charset="0"/>
+                            <a:latin typeface="Cambria Math"/>
                           </a:rPr>
                         </m:ctrlPr>
                       </m:sSubPr>
@@ -14429,7 +14574,7 @@
                       <m:dPr>
                         <m:ctrlPr>
                           <a:rPr lang="en-US" b="0" i="1" smtClean="0">
-                            <a:latin typeface="Cambria Math" panose="02040503050406030204" pitchFamily="18" charset="0"/>
+                            <a:latin typeface="Cambria Math"/>
                           </a:rPr>
                         </m:ctrlPr>
                       </m:dPr>
@@ -14452,7 +14597,7 @@
                       <m:fPr>
                         <m:ctrlPr>
                           <a:rPr lang="en-US" b="0" i="1" smtClean="0">
-                            <a:latin typeface="Cambria Math" panose="02040503050406030204" pitchFamily="18" charset="0"/>
+                            <a:latin typeface="Cambria Math"/>
                           </a:rPr>
                         </m:ctrlPr>
                       </m:fPr>
@@ -14461,7 +14606,7 @@
                           <m:sSubPr>
                             <m:ctrlPr>
                               <a:rPr lang="en-US" b="0" i="1" smtClean="0">
-                                <a:latin typeface="Cambria Math" panose="02040503050406030204" pitchFamily="18" charset="0"/>
+                                <a:latin typeface="Cambria Math"/>
                               </a:rPr>
                             </m:ctrlPr>
                           </m:sSubPr>
@@ -14498,7 +14643,7 @@
                           <m:sSubPr>
                             <m:ctrlPr>
                               <a:rPr lang="en-US" b="0" i="1" smtClean="0">
-                                <a:latin typeface="Cambria Math" panose="02040503050406030204" pitchFamily="18" charset="0"/>
+                                <a:latin typeface="Cambria Math"/>
                               </a:rPr>
                             </m:ctrlPr>
                           </m:sSubPr>
@@ -14525,7 +14670,7 @@
                           <m:sSubPr>
                             <m:ctrlPr>
                               <a:rPr lang="en-US" b="0" i="1" smtClean="0">
-                                <a:latin typeface="Cambria Math" panose="02040503050406030204" pitchFamily="18" charset="0"/>
+                                <a:latin typeface="Cambria Math"/>
                               </a:rPr>
                             </m:ctrlPr>
                           </m:sSubPr>
@@ -14695,7 +14840,7 @@
                       <m:sSubPr>
                         <m:ctrlPr>
                           <a:rPr lang="en-US" b="0" i="1" smtClean="0">
-                            <a:latin typeface="Cambria Math" panose="02040503050406030204" pitchFamily="18" charset="0"/>
+                            <a:latin typeface="Cambria Math"/>
                           </a:rPr>
                         </m:ctrlPr>
                       </m:sSubPr>
@@ -14738,7 +14883,7 @@
                       <m:dPr>
                         <m:ctrlPr>
                           <a:rPr lang="en-US" b="0" i="1" smtClean="0">
-                            <a:latin typeface="Cambria Math" panose="02040503050406030204" pitchFamily="18" charset="0"/>
+                            <a:latin typeface="Cambria Math"/>
                           </a:rPr>
                         </m:ctrlPr>
                       </m:dPr>
@@ -14771,7 +14916,7 @@
                       <m:sSupPr>
                         <m:ctrlPr>
                           <a:rPr lang="en-US" b="0" i="1" smtClean="0">
-                            <a:latin typeface="Cambria Math" panose="02040503050406030204" pitchFamily="18" charset="0"/>
+                            <a:latin typeface="Cambria Math"/>
                             <a:ea typeface="Cambria Math" panose="02040503050406030204" pitchFamily="18" charset="0"/>
                           </a:rPr>
                         </m:ctrlPr>
@@ -14932,8 +15077,8 @@
           </a:p>
         </p:txBody>
       </p:sp>
-      <mc:AlternateContent xmlns:mc="http://schemas.openxmlformats.org/markup-compatibility/2006" xmlns:a14="http://schemas.microsoft.com/office/drawing/2010/main">
-        <mc:Choice Requires="a14">
+      <mc:AlternateContent xmlns:mc="http://schemas.openxmlformats.org/markup-compatibility/2006">
+        <mc:Choice xmlns:a14="http://schemas.microsoft.com/office/drawing/2010/main" Requires="a14">
           <p:sp>
             <p:nvSpPr>
               <p:cNvPr id="3" name="Content Placeholder 2"/>
@@ -14986,7 +15131,7 @@
                           <m:endChr m:val="}"/>
                           <m:ctrlPr>
                             <a:rPr lang="en-US" b="0" i="1" smtClean="0">
-                              <a:latin typeface="Cambria Math" panose="02040503050406030204" pitchFamily="18" charset="0"/>
+                              <a:latin typeface="Cambria Math"/>
                               <a:ea typeface="Cambria Math" panose="02040503050406030204" pitchFamily="18" charset="0"/>
                             </a:rPr>
                           </m:ctrlPr>
@@ -15024,7 +15169,7 @@
                             <m:dPr>
                               <m:ctrlPr>
                                 <a:rPr lang="en-US" b="0" i="1" smtClean="0">
-                                  <a:latin typeface="Cambria Math" panose="02040503050406030204" pitchFamily="18" charset="0"/>
+                                  <a:latin typeface="Cambria Math"/>
                                   <a:ea typeface="Cambria Math" panose="02040503050406030204" pitchFamily="18" charset="0"/>
                                 </a:rPr>
                               </m:ctrlPr>
@@ -15104,7 +15249,7 @@
                           <m:endChr m:val="}"/>
                           <m:ctrlPr>
                             <a:rPr lang="en-US" b="0" i="1" smtClean="0">
-                              <a:latin typeface="Cambria Math" panose="02040503050406030204" pitchFamily="18" charset="0"/>
+                              <a:latin typeface="Cambria Math"/>
                             </a:rPr>
                           </m:ctrlPr>
                         </m:dPr>
@@ -15125,7 +15270,7 @@
                             <m:sSubPr>
                               <m:ctrlPr>
                                 <a:rPr lang="en-US" b="0" i="1" smtClean="0">
-                                  <a:latin typeface="Cambria Math" panose="02040503050406030204" pitchFamily="18" charset="0"/>
+                                  <a:latin typeface="Cambria Math"/>
                                 </a:rPr>
                               </m:ctrlPr>
                             </m:sSubPr>
@@ -15215,7 +15360,7 @@
                           <m:chr m:val="̃"/>
                           <m:ctrlPr>
                             <a:rPr lang="en-US" i="1" smtClean="0">
-                              <a:latin typeface="Cambria Math" panose="02040503050406030204" pitchFamily="18" charset="0"/>
+                              <a:latin typeface="Cambria Math"/>
                             </a:rPr>
                           </m:ctrlPr>
                         </m:accPr>
@@ -15240,7 +15385,7 @@
                           <m:endChr m:val="}"/>
                           <m:ctrlPr>
                             <a:rPr lang="en-US" b="0" i="1" smtClean="0">
-                              <a:latin typeface="Cambria Math" panose="02040503050406030204" pitchFamily="18" charset="0"/>
+                              <a:latin typeface="Cambria Math"/>
                             </a:rPr>
                           </m:ctrlPr>
                         </m:dPr>
@@ -15261,7 +15406,7 @@
                             <m:sSubPr>
                               <m:ctrlPr>
                                 <a:rPr lang="en-US" b="0" i="1" smtClean="0">
-                                  <a:latin typeface="Cambria Math" panose="02040503050406030204" pitchFamily="18" charset="0"/>
+                                  <a:latin typeface="Cambria Math"/>
                                 </a:rPr>
                               </m:ctrlPr>
                             </m:sSubPr>
@@ -15293,9 +15438,9 @@
                               <m:sty m:val="p"/>
                             </m:rPr>
                             <a:rPr lang="en-US" b="0" i="0" smtClean="0">
-                              <a:latin typeface="Cambria Math" panose="02040503050406030204" pitchFamily="18" charset="0"/>
+                              <a:latin typeface="Cambria Math"/>
                             </a:rPr>
-                            <m:t>Λ</m:t>
+                            <m:t>P</m:t>
                           </m:r>
                         </m:e>
                       </m:d>
@@ -15318,7 +15463,7 @@
                         <m:sSubPr>
                           <m:ctrlPr>
                             <a:rPr lang="en-US" i="1">
-                              <a:latin typeface="Cambria Math" panose="02040503050406030204" pitchFamily="18" charset="0"/>
+                              <a:latin typeface="Cambria Math"/>
                               <a:ea typeface="Cambria Math" panose="02040503050406030204" pitchFamily="18" charset="0"/>
                             </a:rPr>
                           </m:ctrlPr>
@@ -15353,7 +15498,7 @@
                         <m:fPr>
                           <m:ctrlPr>
                             <a:rPr lang="en-US" i="1">
-                              <a:latin typeface="Cambria Math" panose="02040503050406030204" pitchFamily="18" charset="0"/>
+                              <a:latin typeface="Cambria Math"/>
                               <a:ea typeface="Cambria Math" panose="02040503050406030204" pitchFamily="18" charset="0"/>
                             </a:rPr>
                           </m:ctrlPr>
@@ -15397,7 +15542,7 @@
                           <m:supHide m:val="on"/>
                           <m:ctrlPr>
                             <a:rPr lang="en-US" i="1">
-                              <a:latin typeface="Cambria Math" panose="02040503050406030204" pitchFamily="18" charset="0"/>
+                              <a:latin typeface="Cambria Math"/>
                               <a:ea typeface="Cambria Math" panose="02040503050406030204" pitchFamily="18" charset="0"/>
                             </a:rPr>
                           </m:ctrlPr>
@@ -15476,7 +15621,7 @@
                         <m:sSubSupPr>
                           <m:ctrlPr>
                             <a:rPr lang="en-US" i="1" smtClean="0">
-                              <a:latin typeface="Cambria Math" panose="02040503050406030204" pitchFamily="18" charset="0"/>
+                              <a:latin typeface="Cambria Math"/>
                             </a:rPr>
                           </m:ctrlPr>
                         </m:sSubSupPr>
@@ -15515,7 +15660,7 @@
                         <m:fPr>
                           <m:ctrlPr>
                             <a:rPr lang="en-US" b="0" i="1" smtClean="0">
-                              <a:latin typeface="Cambria Math" panose="02040503050406030204" pitchFamily="18" charset="0"/>
+                              <a:latin typeface="Cambria Math"/>
                             </a:rPr>
                           </m:ctrlPr>
                         </m:fPr>
@@ -15554,7 +15699,7 @@
                           <m:supHide m:val="on"/>
                           <m:ctrlPr>
                             <a:rPr lang="en-US" b="0" i="1" smtClean="0">
-                              <a:latin typeface="Cambria Math" panose="02040503050406030204" pitchFamily="18" charset="0"/>
+                              <a:latin typeface="Cambria Math"/>
                             </a:rPr>
                           </m:ctrlPr>
                         </m:naryPr>
@@ -15584,7 +15729,7 @@
                             <m:sSupPr>
                               <m:ctrlPr>
                                 <a:rPr lang="en-US" b="0" i="1" smtClean="0">
-                                  <a:latin typeface="Cambria Math" panose="02040503050406030204" pitchFamily="18" charset="0"/>
+                                  <a:latin typeface="Cambria Math"/>
                                 </a:rPr>
                               </m:ctrlPr>
                             </m:sSupPr>
@@ -15605,7 +15750,7 @@
                                 <m:dPr>
                                   <m:ctrlPr>
                                     <a:rPr lang="en-US" b="0" i="1" smtClean="0">
-                                      <a:latin typeface="Cambria Math" panose="02040503050406030204" pitchFamily="18" charset="0"/>
+                                      <a:latin typeface="Cambria Math"/>
                                     </a:rPr>
                                   </m:ctrlPr>
                                 </m:dPr>
@@ -15628,7 +15773,7 @@
                                 <m:sSubSupPr>
                                   <m:ctrlPr>
                                     <a:rPr lang="en-US" b="0" i="1" smtClean="0">
-                                      <a:latin typeface="Cambria Math" panose="02040503050406030204" pitchFamily="18" charset="0"/>
+                                      <a:latin typeface="Cambria Math"/>
                                     </a:rPr>
                                   </m:ctrlPr>
                                 </m:sSubSupPr>
@@ -15707,7 +15852,7 @@
                         <m:dPr>
                           <m:ctrlPr>
                             <a:rPr lang="en-US" b="0" i="1" smtClean="0">
-                              <a:latin typeface="Cambria Math" panose="02040503050406030204" pitchFamily="18" charset="0"/>
+                              <a:latin typeface="Cambria Math"/>
                             </a:rPr>
                           </m:ctrlPr>
                         </m:dPr>
@@ -15730,7 +15875,7 @@
                         <m:fPr>
                           <m:ctrlPr>
                             <a:rPr lang="en-US" b="0" i="1" smtClean="0">
-                              <a:latin typeface="Cambria Math" panose="02040503050406030204" pitchFamily="18" charset="0"/>
+                              <a:latin typeface="Cambria Math"/>
                             </a:rPr>
                           </m:ctrlPr>
                         </m:fPr>
@@ -15739,7 +15884,7 @@
                             <m:sSubPr>
                               <m:ctrlPr>
                                 <a:rPr lang="en-US" b="0" i="1" smtClean="0">
-                                  <a:latin typeface="Cambria Math" panose="02040503050406030204" pitchFamily="18" charset="0"/>
+                                  <a:latin typeface="Cambria Math"/>
                                 </a:rPr>
                               </m:ctrlPr>
                             </m:sSubPr>
@@ -15770,7 +15915,7 @@
                             <m:sSubPr>
                               <m:ctrlPr>
                                 <a:rPr lang="en-US" b="0" i="1" smtClean="0">
-                                  <a:latin typeface="Cambria Math" panose="02040503050406030204" pitchFamily="18" charset="0"/>
+                                  <a:latin typeface="Cambria Math"/>
                                 </a:rPr>
                               </m:ctrlPr>
                             </m:sSubPr>
@@ -15788,7 +15933,7 @@
                                   <m:chr m:val="̃"/>
                                   <m:ctrlPr>
                                     <a:rPr lang="en-US" b="0" i="1" smtClean="0">
-                                      <a:latin typeface="Cambria Math" panose="02040503050406030204" pitchFamily="18" charset="0"/>
+                                      <a:latin typeface="Cambria Math"/>
                                     </a:rPr>
                                   </m:ctrlPr>
                                 </m:accPr>
@@ -15810,7 +15955,7 @@
                               <m:degHide m:val="on"/>
                               <m:ctrlPr>
                                 <a:rPr lang="en-US" b="0" i="1" smtClean="0">
-                                  <a:latin typeface="Cambria Math" panose="02040503050406030204" pitchFamily="18" charset="0"/>
+                                  <a:latin typeface="Cambria Math"/>
                                 </a:rPr>
                               </m:ctrlPr>
                             </m:radPr>
@@ -15820,7 +15965,7 @@
                                 <m:fPr>
                                   <m:ctrlPr>
                                     <a:rPr lang="en-US" b="0" i="1" smtClean="0">
-                                      <a:latin typeface="Cambria Math" panose="02040503050406030204" pitchFamily="18" charset="0"/>
+                                      <a:latin typeface="Cambria Math"/>
                                     </a:rPr>
                                   </m:ctrlPr>
                                 </m:fPr>
@@ -15829,7 +15974,7 @@
                                     <m:sSubSupPr>
                                       <m:ctrlPr>
                                         <a:rPr lang="en-US" b="0" i="1" smtClean="0">
-                                          <a:latin typeface="Cambria Math" panose="02040503050406030204" pitchFamily="18" charset="0"/>
+                                          <a:latin typeface="Cambria Math"/>
                                         </a:rPr>
                                       </m:ctrlPr>
                                     </m:sSubSupPr>
@@ -15890,7 +16035,7 @@
                                 <m:fPr>
                                   <m:ctrlPr>
                                     <a:rPr lang="en-US" b="0" i="1" smtClean="0">
-                                      <a:latin typeface="Cambria Math" panose="02040503050406030204" pitchFamily="18" charset="0"/>
+                                      <a:latin typeface="Cambria Math"/>
                                     </a:rPr>
                                   </m:ctrlPr>
                                 </m:fPr>
@@ -15899,7 +16044,7 @@
                                     <m:sSubSupPr>
                                       <m:ctrlPr>
                                         <a:rPr lang="en-US" b="0" i="1" smtClean="0">
-                                          <a:latin typeface="Cambria Math" panose="02040503050406030204" pitchFamily="18" charset="0"/>
+                                          <a:latin typeface="Cambria Math"/>
                                         </a:rPr>
                                       </m:ctrlPr>
                                     </m:sSubSupPr>
@@ -15917,7 +16062,7 @@
                                           <m:chr m:val="̃"/>
                                           <m:ctrlPr>
                                             <a:rPr lang="en-US" b="0" i="1" smtClean="0">
-                                              <a:latin typeface="Cambria Math" panose="02040503050406030204" pitchFamily="18" charset="0"/>
+                                              <a:latin typeface="Cambria Math"/>
                                             </a:rPr>
                                           </m:ctrlPr>
                                         </m:accPr>
@@ -15953,7 +16098,7 @@
                                       <m:chr m:val="̃"/>
                                       <m:ctrlPr>
                                         <a:rPr lang="en-US" b="0" i="1" smtClean="0">
-                                          <a:latin typeface="Cambria Math" panose="02040503050406030204" pitchFamily="18" charset="0"/>
+                                          <a:latin typeface="Cambria Math"/>
                                         </a:rPr>
                                       </m:ctrlPr>
                                     </m:accPr>
@@ -15989,13 +16134,8 @@
                 </a:pPr>
                 <a:r>
                   <a:rPr lang="en-US" dirty="0" smtClean="0"/>
-                  <a:t>Optimization: </a:t>
+                  <a:t>Optimization: Genetic Algorithm</a:t>
                 </a:r>
-                <a:r>
-                  <a:rPr lang="en-US" smtClean="0"/>
-                  <a:t>Genetic Algorithm</a:t>
-                </a:r>
-                <a:endParaRPr lang="en-US" dirty="0" smtClean="0"/>
               </a:p>
               <a:p>
                 <a:pPr marL="0" indent="0" algn="ctr">
@@ -16006,7 +16146,7 @@
             </p:txBody>
           </p:sp>
         </mc:Choice>
-        <mc:Fallback xmlns="">
+        <mc:Fallback>
           <p:sp>
             <p:nvSpPr>
               <p:cNvPr id="3" name="Content Placeholder 2"/>
@@ -16022,7 +16162,7 @@
                 <a:off x="2589212" y="2133599"/>
                 <a:ext cx="8915400" cy="4336211"/>
               </a:xfrm>
-              <a:blipFill rotWithShape="0">
+              <a:blipFill rotWithShape="1">
                 <a:blip r:embed="rId2"/>
                 <a:stretch>
                   <a:fillRect l="-616"/>
@@ -16034,7 +16174,7 @@
               <a:lstStyle/>
               <a:p>
                 <a:r>
-                  <a:rPr lang="en-US">
+                  <a:rPr lang="zh-CN" altLang="en-US">
                     <a:noFill/>
                   </a:rPr>
                   <a:t> </a:t>
@@ -16585,7 +16725,7 @@
                         <m:dPr>
                           <m:ctrlPr>
                             <a:rPr lang="en-US" b="0" i="1" smtClean="0">
-                              <a:latin typeface="Cambria Math" panose="02040503050406030204" pitchFamily="18" charset="0"/>
+                              <a:latin typeface="Cambria Math"/>
                             </a:rPr>
                           </m:ctrlPr>
                         </m:dPr>
@@ -16606,7 +16746,7 @@
                             <m:sSupPr>
                               <m:ctrlPr>
                                 <a:rPr lang="en-US" b="0" i="1" smtClean="0">
-                                  <a:latin typeface="Cambria Math" panose="02040503050406030204" pitchFamily="18" charset="0"/>
+                                  <a:latin typeface="Cambria Math"/>
                                 </a:rPr>
                               </m:ctrlPr>
                             </m:sSupPr>
@@ -16640,7 +16780,7 @@
                           <m:degHide m:val="on"/>
                           <m:ctrlPr>
                             <a:rPr lang="en-US" b="0" i="1" smtClean="0">
-                              <a:latin typeface="Cambria Math" panose="02040503050406030204" pitchFamily="18" charset="0"/>
+                              <a:latin typeface="Cambria Math"/>
                             </a:rPr>
                           </m:ctrlPr>
                         </m:radPr>
@@ -16651,7 +16791,7 @@
                               <m:chr m:val="∑"/>
                               <m:ctrlPr>
                                 <a:rPr lang="en-US" b="0" i="1" smtClean="0">
-                                  <a:latin typeface="Cambria Math" panose="02040503050406030204" pitchFamily="18" charset="0"/>
+                                  <a:latin typeface="Cambria Math"/>
                                 </a:rPr>
                               </m:ctrlPr>
                             </m:naryPr>
@@ -16685,7 +16825,7 @@
                                 <m:sSupPr>
                                   <m:ctrlPr>
                                     <a:rPr lang="en-US" b="0" i="1" smtClean="0">
-                                      <a:latin typeface="Cambria Math" panose="02040503050406030204" pitchFamily="18" charset="0"/>
+                                      <a:latin typeface="Cambria Math"/>
                                     </a:rPr>
                                   </m:ctrlPr>
                                 </m:sSupPr>
@@ -16708,7 +16848,7 @@
                                       <m:endChr m:val="]"/>
                                       <m:ctrlPr>
                                         <a:rPr lang="en-US" i="1">
-                                          <a:latin typeface="Cambria Math" panose="02040503050406030204" pitchFamily="18" charset="0"/>
+                                          <a:latin typeface="Cambria Math"/>
                                         </a:rPr>
                                       </m:ctrlPr>
                                     </m:dPr>
@@ -16731,7 +16871,7 @@
                                     <m:sSupPr>
                                       <m:ctrlPr>
                                         <a:rPr lang="en-US" i="1">
-                                          <a:latin typeface="Cambria Math" panose="02040503050406030204" pitchFamily="18" charset="0"/>
+                                          <a:latin typeface="Cambria Math"/>
                                         </a:rPr>
                                       </m:ctrlPr>
                                     </m:sSupPr>
@@ -16758,7 +16898,7 @@
                                       <m:endChr m:val="]"/>
                                       <m:ctrlPr>
                                         <a:rPr lang="en-US" i="1">
-                                          <a:latin typeface="Cambria Math" panose="02040503050406030204" pitchFamily="18" charset="0"/>
+                                          <a:latin typeface="Cambria Math"/>
                                         </a:rPr>
                                       </m:ctrlPr>
                                     </m:dPr>
@@ -17025,8 +17165,8 @@
         </p:nvSpPr>
         <p:spPr bwMode="auto">
           <a:xfrm>
-            <a:off x="2971799" y="2753352"/>
-            <a:ext cx="6708531" cy="2816156"/>
+            <a:off x="2971799" y="2661020"/>
+            <a:ext cx="6708531" cy="3000821"/>
           </a:xfrm>
           <a:prstGeom prst="rect">
             <a:avLst/>
@@ -17453,36 +17593,19 @@
                 <a:latin typeface="Courier New" panose="02070309020205020404" pitchFamily="49" charset="0"/>
                 <a:cs typeface="Courier New" panose="02070309020205020404" pitchFamily="49" charset="0"/>
               </a:rPr>
-              <a:t> := 1 to n DTW[</a:t>
-            </a:r>
-            <a:r>
-              <a:rPr kumimoji="0" lang="en-US" sz="1200" b="0" i="0" u="none" strike="noStrike" cap="none" normalizeH="0" baseline="0" dirty="0" err="1" smtClean="0">
-                <a:ln>
-                  <a:noFill/>
-                </a:ln>
-                <a:solidFill>
-                  <a:srgbClr val="000000"/>
-                </a:solidFill>
-                <a:effectLst/>
-                <a:latin typeface="Courier New" panose="02070309020205020404" pitchFamily="49" charset="0"/>
-                <a:cs typeface="Courier New" panose="02070309020205020404" pitchFamily="49" charset="0"/>
-              </a:rPr>
-              <a:t>i</a:t>
-            </a:r>
-            <a:r>
-              <a:rPr kumimoji="0" lang="en-US" sz="1200" b="0" i="0" u="none" strike="noStrike" cap="none" normalizeH="0" baseline="0" dirty="0" smtClean="0">
-                <a:ln>
-                  <a:noFill/>
-                </a:ln>
-                <a:solidFill>
-                  <a:srgbClr val="000000"/>
-                </a:solidFill>
-                <a:effectLst/>
-                <a:latin typeface="Courier New" panose="02070309020205020404" pitchFamily="49" charset="0"/>
-                <a:cs typeface="Courier New" panose="02070309020205020404" pitchFamily="49" charset="0"/>
-              </a:rPr>
-              <a:t>, 0] := infinity </a:t>
-            </a:r>
+              <a:t> := 1 to n </a:t>
+            </a:r>
+            <a:endParaRPr kumimoji="0" lang="en-US" sz="1200" b="0" i="0" u="none" strike="noStrike" cap="none" normalizeH="0" baseline="0" dirty="0" smtClean="0">
+              <a:ln>
+                <a:noFill/>
+              </a:ln>
+              <a:solidFill>
+                <a:srgbClr val="000000"/>
+              </a:solidFill>
+              <a:effectLst/>
+              <a:latin typeface="Courier New" panose="02070309020205020404" pitchFamily="49" charset="0"/>
+              <a:cs typeface="Courier New" panose="02070309020205020404" pitchFamily="49" charset="0"/>
+            </a:endParaRPr>
           </a:p>
           <a:p>
             <a:pPr marL="0" marR="0" lvl="0" indent="0" algn="l" defTabSz="914400" rtl="0" eaLnBrk="0" fontAlgn="base" latinLnBrk="0" hangingPunct="0">
@@ -17502,16 +17625,6 @@
               <a:tabLst/>
             </a:pPr>
             <a:r>
-              <a:rPr lang="en-US" sz="1200" dirty="0">
-                <a:solidFill>
-                  <a:srgbClr val="000000"/>
-                </a:solidFill>
-                <a:latin typeface="Courier New" panose="02070309020205020404" pitchFamily="49" charset="0"/>
-                <a:cs typeface="Courier New" panose="02070309020205020404" pitchFamily="49" charset="0"/>
-              </a:rPr>
-              <a:t> </a:t>
-            </a:r>
-            <a:r>
               <a:rPr lang="en-US" sz="1200" dirty="0" smtClean="0">
                 <a:solidFill>
                   <a:srgbClr val="000000"/>
@@ -17519,7 +17632,7 @@
                 <a:latin typeface="Courier New" panose="02070309020205020404" pitchFamily="49" charset="0"/>
                 <a:cs typeface="Courier New" panose="02070309020205020404" pitchFamily="49" charset="0"/>
               </a:rPr>
-              <a:t>       </a:t>
+              <a:t>        </a:t>
             </a:r>
             <a:r>
               <a:rPr kumimoji="0" lang="en-US" sz="1200" b="0" i="0" u="none" strike="noStrike" cap="none" normalizeH="0" baseline="0" dirty="0" smtClean="0">
@@ -17533,7 +17646,101 @@
                 <a:latin typeface="Courier New" panose="02070309020205020404" pitchFamily="49" charset="0"/>
                 <a:cs typeface="Courier New" panose="02070309020205020404" pitchFamily="49" charset="0"/>
               </a:rPr>
-              <a:t>DTW[0, 0] := 0 </a:t>
+              <a:t>DTW[</a:t>
+            </a:r>
+            <a:r>
+              <a:rPr kumimoji="0" lang="en-US" sz="1200" b="0" i="0" u="none" strike="noStrike" cap="none" normalizeH="0" baseline="0" dirty="0" err="1" smtClean="0">
+                <a:ln>
+                  <a:noFill/>
+                </a:ln>
+                <a:solidFill>
+                  <a:srgbClr val="000000"/>
+                </a:solidFill>
+                <a:effectLst/>
+                <a:latin typeface="Courier New" panose="02070309020205020404" pitchFamily="49" charset="0"/>
+                <a:cs typeface="Courier New" panose="02070309020205020404" pitchFamily="49" charset="0"/>
+              </a:rPr>
+              <a:t>i</a:t>
+            </a:r>
+            <a:r>
+              <a:rPr kumimoji="0" lang="en-US" sz="1200" b="0" i="0" u="none" strike="noStrike" cap="none" normalizeH="0" baseline="0" dirty="0" smtClean="0">
+                <a:ln>
+                  <a:noFill/>
+                </a:ln>
+                <a:solidFill>
+                  <a:srgbClr val="000000"/>
+                </a:solidFill>
+                <a:effectLst/>
+                <a:latin typeface="Courier New" panose="02070309020205020404" pitchFamily="49" charset="0"/>
+                <a:cs typeface="Courier New" panose="02070309020205020404" pitchFamily="49" charset="0"/>
+              </a:rPr>
+              <a:t>, 0] := infinity </a:t>
+            </a:r>
+          </a:p>
+          <a:p>
+            <a:pPr marL="0" marR="0" lvl="0" indent="0" algn="l" defTabSz="914400" rtl="0" eaLnBrk="0" fontAlgn="base" latinLnBrk="0" hangingPunct="0">
+              <a:lnSpc>
+                <a:spcPct val="100000"/>
+              </a:lnSpc>
+              <a:spcBef>
+                <a:spcPct val="0"/>
+              </a:spcBef>
+              <a:spcAft>
+                <a:spcPct val="0"/>
+              </a:spcAft>
+              <a:buClrTx/>
+              <a:buSzTx/>
+              <a:buFontTx/>
+              <a:buNone/>
+              <a:tabLst/>
+            </a:pPr>
+            <a:r>
+              <a:rPr lang="en-US" sz="1200" dirty="0">
+                <a:solidFill>
+                  <a:srgbClr val="000000"/>
+                </a:solidFill>
+                <a:latin typeface="Courier New" panose="02070309020205020404" pitchFamily="49" charset="0"/>
+                <a:cs typeface="Courier New" panose="02070309020205020404" pitchFamily="49" charset="0"/>
+              </a:rPr>
+              <a:t> </a:t>
+            </a:r>
+            <a:r>
+              <a:rPr lang="en-US" sz="1200" dirty="0" smtClean="0">
+                <a:solidFill>
+                  <a:srgbClr val="000000"/>
+                </a:solidFill>
+                <a:latin typeface="Courier New" panose="02070309020205020404" pitchFamily="49" charset="0"/>
+                <a:cs typeface="Courier New" panose="02070309020205020404" pitchFamily="49" charset="0"/>
+              </a:rPr>
+              <a:t>   </a:t>
+            </a:r>
+            <a:r>
+              <a:rPr kumimoji="0" lang="en-US" sz="1200" b="0" i="0" u="none" strike="noStrike" cap="none" normalizeH="0" baseline="0" dirty="0" smtClean="0">
+                <a:ln>
+                  <a:noFill/>
+                </a:ln>
+                <a:solidFill>
+                  <a:srgbClr val="000000"/>
+                </a:solidFill>
+                <a:effectLst/>
+                <a:latin typeface="Courier New" panose="02070309020205020404" pitchFamily="49" charset="0"/>
+                <a:cs typeface="Courier New" panose="02070309020205020404" pitchFamily="49" charset="0"/>
+              </a:rPr>
+              <a:t>DTW[0</a:t>
+            </a:r>
+            <a:r>
+              <a:rPr kumimoji="0" lang="en-US" sz="1200" b="0" i="0" u="none" strike="noStrike" cap="none" normalizeH="0" baseline="0" dirty="0" smtClean="0">
+                <a:ln>
+                  <a:noFill/>
+                </a:ln>
+                <a:solidFill>
+                  <a:srgbClr val="000000"/>
+                </a:solidFill>
+                <a:effectLst/>
+                <a:latin typeface="Courier New" panose="02070309020205020404" pitchFamily="49" charset="0"/>
+                <a:cs typeface="Courier New" panose="02070309020205020404" pitchFamily="49" charset="0"/>
+              </a:rPr>
+              <a:t>, 0] := 0 </a:t>
             </a:r>
           </a:p>
           <a:p>
@@ -18210,15 +18417,25 @@
           <a:p>
             <a:r>
               <a:rPr lang="en-US" sz="2800" dirty="0"/>
-              <a:t>Filter step:</a:t>
-            </a:r>
+              <a:t>Filter </a:t>
+            </a:r>
+            <a:r>
+              <a:rPr lang="en-US" sz="2800" dirty="0" smtClean="0"/>
+              <a:t>step:</a:t>
+            </a:r>
+            <a:endParaRPr lang="en-US" sz="2800" dirty="0"/>
           </a:p>
           <a:p>
             <a:pPr lvl="1"/>
             <a:r>
               <a:rPr lang="en-US" sz="2200" dirty="0"/>
-              <a:t>Compare F(Q) to all F(X, j).</a:t>
-            </a:r>
+              <a:t>Compare F(Q) to all F(X, j</a:t>
+            </a:r>
+            <a:r>
+              <a:rPr lang="en-US" sz="2200" dirty="0" smtClean="0"/>
+              <a:t>).									</a:t>
+            </a:r>
+            <a:endParaRPr lang="en-US" sz="2200" dirty="0"/>
           </a:p>
           <a:p>
             <a:pPr lvl="1"/>
@@ -20287,6 +20504,36 @@
           </a:p>
         </p:txBody>
       </p:sp>
+      <p:sp>
+        <p:nvSpPr>
+          <p:cNvPr id="15" name="TextBox 14"/>
+          <p:cNvSpPr txBox="1"/>
+          <p:nvPr/>
+        </p:nvSpPr>
+        <p:spPr>
+          <a:xfrm>
+            <a:off x="7179734" y="4921955"/>
+            <a:ext cx="4402666" cy="369332"/>
+          </a:xfrm>
+          <a:prstGeom prst="rect">
+            <a:avLst/>
+          </a:prstGeom>
+          <a:noFill/>
+        </p:spPr>
+        <p:txBody>
+          <a:bodyPr wrap="square" rtlCol="0">
+            <a:spAutoFit/>
+          </a:bodyPr>
+          <a:lstStyle/>
+          <a:p>
+            <a:r>
+              <a:rPr lang="en-US" altLang="zh-CN" dirty="0" smtClean="0"/>
+              <a:t>Example of Subsequence Matching</a:t>
+            </a:r>
+            <a:endParaRPr lang="zh-CN" altLang="en-US" dirty="0"/>
+          </a:p>
+        </p:txBody>
+      </p:sp>
     </p:spTree>
     <p:extLst>
       <p:ext uri="{BB962C8B-B14F-4D97-AF65-F5344CB8AC3E}">
@@ -22186,7 +22433,7 @@
                       <m:sSubPr>
                         <m:ctrlPr>
                           <a:rPr lang="en-US" b="0" i="1" smtClean="0">
-                            <a:latin typeface="Cambria Math" panose="02040503050406030204" pitchFamily="18" charset="0"/>
+                            <a:latin typeface="Cambria Math"/>
                           </a:rPr>
                         </m:ctrlPr>
                       </m:sSubPr>
@@ -22223,7 +22470,7 @@
                       <m:sSubPr>
                         <m:ctrlPr>
                           <a:rPr lang="en-US" b="0" i="1" dirty="0" smtClean="0">
-                            <a:latin typeface="Cambria Math" panose="02040503050406030204" pitchFamily="18" charset="0"/>
+                            <a:latin typeface="Cambria Math"/>
                           </a:rPr>
                         </m:ctrlPr>
                       </m:sSubPr>
@@ -22441,134 +22688,191 @@
               <a:t>Algorithm </a:t>
             </a:r>
             <a:r>
+              <a:rPr lang="en-US" dirty="0" err="1" smtClean="0"/>
+              <a:t>Seg</a:t>
+            </a:r>
+            <a:r>
+              <a:rPr lang="en-US" dirty="0" err="1"/>
+              <a:t>_</a:t>
+            </a:r>
+            <a:r>
+              <a:rPr lang="en-US" dirty="0" err="1" smtClean="0"/>
+              <a:t>TS</a:t>
+            </a:r>
+            <a:r>
+              <a:rPr lang="en-US" dirty="0" smtClean="0"/>
+              <a:t> </a:t>
+            </a:r>
+            <a:r>
+              <a:rPr lang="en-US" dirty="0"/>
+              <a:t>= </a:t>
+            </a:r>
+            <a:r>
+              <a:rPr lang="en-US" dirty="0" err="1" smtClean="0"/>
+              <a:t>Sliding_Window</a:t>
+            </a:r>
+            <a:r>
+              <a:rPr lang="en-US" dirty="0" smtClean="0"/>
+              <a:t>(T</a:t>
+            </a:r>
+            <a:r>
+              <a:rPr lang="en-US" dirty="0"/>
+              <a:t>, max error)</a:t>
+            </a:r>
+          </a:p>
+          <a:p>
+            <a:r>
+              <a:rPr lang="en-US" dirty="0"/>
+              <a:t>anchor = 1;</a:t>
+            </a:r>
+          </a:p>
+          <a:p>
+            <a:r>
+              <a:rPr lang="en-US" dirty="0"/>
+              <a:t>while not finished segmenting time series</a:t>
+            </a:r>
+          </a:p>
+          <a:p>
+            <a:r>
+              <a:rPr lang="en-US" dirty="0"/>
+              <a:t> </a:t>
+            </a:r>
+            <a:r>
+              <a:rPr lang="en-US" dirty="0" smtClean="0"/>
+              <a:t>   </a:t>
+            </a:r>
+            <a:r>
+              <a:rPr lang="en-US" dirty="0" err="1" smtClean="0"/>
+              <a:t>i</a:t>
+            </a:r>
+            <a:r>
+              <a:rPr lang="en-US" dirty="0" smtClean="0"/>
+              <a:t> </a:t>
+            </a:r>
+            <a:r>
+              <a:rPr lang="en-US" dirty="0"/>
+              <a:t>= 2;</a:t>
+            </a:r>
+          </a:p>
+          <a:p>
+            <a:r>
+              <a:rPr lang="en-US" dirty="0" smtClean="0"/>
+              <a:t>    while </a:t>
+            </a:r>
+            <a:r>
+              <a:rPr lang="en-US" dirty="0" err="1" smtClean="0"/>
+              <a:t>calculate_error</a:t>
+            </a:r>
+            <a:r>
+              <a:rPr lang="en-US" dirty="0" smtClean="0"/>
+              <a:t>(T[anchor</a:t>
+            </a:r>
+            <a:r>
+              <a:rPr lang="en-US" dirty="0"/>
+              <a:t>: anchor + </a:t>
+            </a:r>
+            <a:r>
+              <a:rPr lang="en-US" dirty="0" err="1"/>
+              <a:t>i</a:t>
+            </a:r>
+            <a:r>
+              <a:rPr lang="en-US" dirty="0"/>
+              <a:t> ]) &lt; </a:t>
+            </a:r>
+            <a:r>
+              <a:rPr lang="en-US" dirty="0" err="1" smtClean="0"/>
+              <a:t>max_error</a:t>
+            </a:r>
+            <a:endParaRPr lang="en-US" dirty="0"/>
+          </a:p>
+          <a:p>
+            <a:r>
+              <a:rPr lang="en-US" dirty="0" smtClean="0"/>
+              <a:t>    </a:t>
+            </a:r>
+            <a:r>
+              <a:rPr lang="en-US" dirty="0" err="1" smtClean="0"/>
+              <a:t>i</a:t>
+            </a:r>
+            <a:r>
+              <a:rPr lang="en-US" dirty="0" smtClean="0"/>
+              <a:t> </a:t>
+            </a:r>
+            <a:r>
+              <a:rPr lang="en-US" dirty="0"/>
+              <a:t>= </a:t>
+            </a:r>
+            <a:r>
+              <a:rPr lang="en-US" dirty="0" err="1"/>
+              <a:t>i</a:t>
+            </a:r>
+            <a:r>
+              <a:rPr lang="en-US" dirty="0"/>
+              <a:t> + 1;</a:t>
+            </a:r>
+          </a:p>
+          <a:p>
+            <a:r>
+              <a:rPr lang="en-US" dirty="0" smtClean="0"/>
+              <a:t>    end</a:t>
+            </a:r>
+            <a:r>
+              <a:rPr lang="en-US" dirty="0"/>
+              <a:t>;</a:t>
+            </a:r>
+          </a:p>
+          <a:p>
+            <a:r>
+              <a:rPr lang="en-US" dirty="0" smtClean="0"/>
+              <a:t>    </a:t>
+            </a:r>
+            <a:r>
+              <a:rPr lang="en-US" dirty="0" err="1" smtClean="0"/>
+              <a:t>Seg</a:t>
+            </a:r>
+            <a:r>
+              <a:rPr lang="en-US" dirty="0" err="1"/>
+              <a:t>_</a:t>
+            </a:r>
+            <a:r>
+              <a:rPr lang="en-US" dirty="0" err="1" smtClean="0"/>
+              <a:t>TS</a:t>
+            </a:r>
+            <a:r>
+              <a:rPr lang="en-US" dirty="0" smtClean="0"/>
+              <a:t> </a:t>
+            </a:r>
+            <a:r>
+              <a:rPr lang="en-US" dirty="0"/>
+              <a:t>= </a:t>
+            </a:r>
+            <a:r>
+              <a:rPr lang="en-US" dirty="0" err="1"/>
+              <a:t>concat</a:t>
+            </a:r>
+            <a:r>
+              <a:rPr lang="en-US" dirty="0"/>
+              <a:t>(</a:t>
+            </a:r>
+            <a:r>
               <a:rPr lang="en-US" dirty="0" err="1"/>
               <a:t>Seg</a:t>
             </a:r>
             <a:r>
               <a:rPr lang="en-US" dirty="0"/>
-              <a:t> TS = Sliding Window(T, max error)</a:t>
-            </a:r>
-          </a:p>
-          <a:p>
+              <a:t> TS, </a:t>
+            </a:r>
+            <a:r>
+              <a:rPr lang="en-US" dirty="0" err="1" smtClean="0"/>
+              <a:t>create_segment</a:t>
+            </a:r>
+            <a:r>
+              <a:rPr lang="en-US" dirty="0" smtClean="0"/>
+              <a:t>(T[anchor</a:t>
+            </a:r>
             <a:r>
               <a:rPr lang="en-US" dirty="0"/>
-              <a:t>anchor = 1;</a:t>
-            </a:r>
-          </a:p>
-          <a:p>
-            <a:r>
-              <a:rPr lang="en-US" dirty="0"/>
-              <a:t>while not finished segmenting time series</a:t>
-            </a:r>
-          </a:p>
-          <a:p>
-            <a:r>
-              <a:rPr lang="en-US" dirty="0"/>
-              <a:t> </a:t>
-            </a:r>
-            <a:r>
-              <a:rPr lang="en-US" dirty="0" smtClean="0"/>
-              <a:t>   </a:t>
-            </a:r>
-            <a:r>
-              <a:rPr lang="en-US" dirty="0" err="1" smtClean="0"/>
-              <a:t>i</a:t>
-            </a:r>
-            <a:r>
-              <a:rPr lang="en-US" dirty="0" smtClean="0"/>
-              <a:t> </a:t>
-            </a:r>
-            <a:r>
-              <a:rPr lang="en-US" dirty="0"/>
-              <a:t>= 2;</a:t>
-            </a:r>
-          </a:p>
-          <a:p>
-            <a:r>
-              <a:rPr lang="en-US" dirty="0" smtClean="0"/>
-              <a:t>    while </a:t>
-            </a:r>
-            <a:r>
-              <a:rPr lang="en-US" dirty="0"/>
-              <a:t>calculate error(T[anchor: anchor + </a:t>
-            </a:r>
-            <a:r>
-              <a:rPr lang="en-US" dirty="0" err="1"/>
-              <a:t>i</a:t>
-            </a:r>
-            <a:r>
-              <a:rPr lang="en-US" dirty="0"/>
-              <a:t> ]) &lt; max error</a:t>
-            </a:r>
-          </a:p>
-          <a:p>
-            <a:r>
-              <a:rPr lang="en-US" dirty="0" smtClean="0"/>
-              <a:t>    </a:t>
-            </a:r>
-            <a:r>
-              <a:rPr lang="en-US" dirty="0" err="1" smtClean="0"/>
-              <a:t>i</a:t>
-            </a:r>
-            <a:r>
-              <a:rPr lang="en-US" dirty="0" smtClean="0"/>
-              <a:t> </a:t>
-            </a:r>
-            <a:r>
-              <a:rPr lang="en-US" dirty="0"/>
-              <a:t>= </a:t>
-            </a:r>
-            <a:r>
-              <a:rPr lang="en-US" dirty="0" err="1"/>
-              <a:t>i</a:t>
-            </a:r>
-            <a:r>
-              <a:rPr lang="en-US" dirty="0"/>
-              <a:t> + 1;</a:t>
-            </a:r>
-          </a:p>
-          <a:p>
-            <a:r>
-              <a:rPr lang="en-US" dirty="0" smtClean="0"/>
-              <a:t>    end</a:t>
-            </a:r>
-            <a:r>
-              <a:rPr lang="en-US" dirty="0"/>
-              <a:t>;</a:t>
-            </a:r>
-          </a:p>
-          <a:p>
-            <a:r>
-              <a:rPr lang="en-US" dirty="0" smtClean="0"/>
-              <a:t>    </a:t>
-            </a:r>
-            <a:r>
-              <a:rPr lang="en-US" dirty="0" err="1" smtClean="0"/>
-              <a:t>Seg</a:t>
-            </a:r>
-            <a:r>
-              <a:rPr lang="en-US" dirty="0" smtClean="0"/>
-              <a:t> </a:t>
-            </a:r>
-            <a:r>
-              <a:rPr lang="en-US" dirty="0"/>
-              <a:t>TS = </a:t>
-            </a:r>
-            <a:r>
-              <a:rPr lang="en-US" dirty="0" err="1"/>
-              <a:t>concat</a:t>
-            </a:r>
-            <a:r>
-              <a:rPr lang="en-US" dirty="0"/>
-              <a:t>(</a:t>
-            </a:r>
-            <a:r>
-              <a:rPr lang="en-US" dirty="0" err="1"/>
-              <a:t>Seg</a:t>
-            </a:r>
-            <a:r>
-              <a:rPr lang="en-US" dirty="0"/>
-              <a:t> TS, create segment(T[anchor: anchor</a:t>
+              <a:t>: anchor</a:t>
             </a:r>
           </a:p>
           <a:p>
@@ -22674,7 +22978,11 @@
           </p:cNvGraphicFramePr>
           <p:nvPr>
             <p:ph idx="1"/>
-            <p:extLst/>
+            <p:extLst>
+              <p:ext uri="{D42A27DB-BD31-4B8C-83A1-F6EECF244321}">
+                <p14:modId xmlns:p14="http://schemas.microsoft.com/office/powerpoint/2010/main" val="574097906"/>
+              </p:ext>
+            </p:extLst>
           </p:nvPr>
         </p:nvGraphicFramePr>
         <p:xfrm>
@@ -22716,7 +23024,7 @@
                           <a:ea typeface="+mn-ea"/>
                           <a:cs typeface="+mn-cs"/>
                         </a:rPr>
-                        <a:t>Seg</a:t>
+                        <a:t>SegTS</a:t>
                       </a:r>
                       <a:r>
                         <a:rPr lang="en-US" sz="1800" b="0" i="0" u="none" strike="noStrike" kern="1200" baseline="0" dirty="0" smtClean="0">
@@ -22727,10 +23035,8 @@
                           <a:ea typeface="+mn-ea"/>
                           <a:cs typeface="+mn-cs"/>
                         </a:rPr>
-                        <a:t> TS = Top Down(T, max error)</a:t>
+                        <a:t> </a:t>
                       </a:r>
-                    </a:p>
-                    <a:p>
                       <a:r>
                         <a:rPr lang="en-US" sz="1800" b="0" i="0" u="none" strike="noStrike" kern="1200" baseline="0" dirty="0" smtClean="0">
                           <a:solidFill>
@@ -22740,7 +23046,97 @@
                           <a:ea typeface="+mn-ea"/>
                           <a:cs typeface="+mn-cs"/>
                         </a:rPr>
-                        <a:t>best so far = </a:t>
+                        <a:t>= </a:t>
+                      </a:r>
+                      <a:r>
+                        <a:rPr lang="en-US" sz="1800" b="0" i="0" u="none" strike="noStrike" kern="1200" baseline="0" dirty="0" err="1" smtClean="0">
+                          <a:solidFill>
+                            <a:schemeClr val="tx1"/>
+                          </a:solidFill>
+                          <a:latin typeface="+mn-lt"/>
+                          <a:ea typeface="+mn-ea"/>
+                          <a:cs typeface="+mn-cs"/>
+                        </a:rPr>
+                        <a:t>TopDown</a:t>
+                      </a:r>
+                      <a:r>
+                        <a:rPr lang="en-US" sz="1800" b="0" i="0" u="none" strike="noStrike" kern="1200" baseline="0" dirty="0" smtClean="0">
+                          <a:solidFill>
+                            <a:schemeClr val="tx1"/>
+                          </a:solidFill>
+                          <a:latin typeface="+mn-lt"/>
+                          <a:ea typeface="+mn-ea"/>
+                          <a:cs typeface="+mn-cs"/>
+                        </a:rPr>
+                        <a:t>(T</a:t>
+                      </a:r>
+                      <a:r>
+                        <a:rPr lang="en-US" sz="1800" b="0" i="0" u="none" strike="noStrike" kern="1200" baseline="0" dirty="0" smtClean="0">
+                          <a:solidFill>
+                            <a:schemeClr val="tx1"/>
+                          </a:solidFill>
+                          <a:latin typeface="+mn-lt"/>
+                          <a:ea typeface="+mn-ea"/>
+                          <a:cs typeface="+mn-cs"/>
+                        </a:rPr>
+                        <a:t>, </a:t>
+                      </a:r>
+                      <a:r>
+                        <a:rPr lang="en-US" sz="1800" b="0" i="0" u="none" strike="noStrike" kern="1200" baseline="0" dirty="0" err="1" smtClean="0">
+                          <a:solidFill>
+                            <a:schemeClr val="tx1"/>
+                          </a:solidFill>
+                          <a:latin typeface="+mn-lt"/>
+                          <a:ea typeface="+mn-ea"/>
+                          <a:cs typeface="+mn-cs"/>
+                        </a:rPr>
+                        <a:t>max_error</a:t>
+                      </a:r>
+                      <a:r>
+                        <a:rPr lang="en-US" sz="1800" b="0" i="0" u="none" strike="noStrike" kern="1200" baseline="0" dirty="0" smtClean="0">
+                          <a:solidFill>
+                            <a:schemeClr val="tx1"/>
+                          </a:solidFill>
+                          <a:latin typeface="+mn-lt"/>
+                          <a:ea typeface="+mn-ea"/>
+                          <a:cs typeface="+mn-cs"/>
+                        </a:rPr>
+                        <a:t>)</a:t>
+                      </a:r>
+                    </a:p>
+                    <a:p>
+                      <a:r>
+                        <a:rPr lang="en-US" sz="1800" b="0" i="0" u="none" strike="noStrike" kern="1200" baseline="0" dirty="0" err="1" smtClean="0">
+                          <a:solidFill>
+                            <a:schemeClr val="tx1"/>
+                          </a:solidFill>
+                          <a:latin typeface="+mn-lt"/>
+                          <a:ea typeface="+mn-ea"/>
+                          <a:cs typeface="+mn-cs"/>
+                        </a:rPr>
+                        <a:t>best_so_far</a:t>
+                      </a:r>
+                      <a:r>
+                        <a:rPr lang="en-US" sz="1800" b="0" i="0" u="none" strike="noStrike" kern="1200" baseline="0" dirty="0" smtClean="0">
+                          <a:solidFill>
+                            <a:schemeClr val="tx1"/>
+                          </a:solidFill>
+                          <a:latin typeface="+mn-lt"/>
+                          <a:ea typeface="+mn-ea"/>
+                          <a:cs typeface="+mn-cs"/>
+                        </a:rPr>
+                        <a:t> </a:t>
+                      </a:r>
+                      <a:r>
+                        <a:rPr lang="en-US" sz="1800" b="0" i="0" u="none" strike="noStrike" kern="1200" baseline="0" dirty="0" smtClean="0">
+                          <a:solidFill>
+                            <a:schemeClr val="tx1"/>
+                          </a:solidFill>
+                          <a:latin typeface="+mn-lt"/>
+                          <a:ea typeface="+mn-ea"/>
+                          <a:cs typeface="+mn-cs"/>
+                        </a:rPr>
+                        <a:t>= </a:t>
                       </a:r>
                       <a:r>
                         <a:rPr lang="en-US" sz="1800" b="0" i="0" u="none" strike="noStrike" kern="1200" baseline="0" dirty="0" err="1" smtClean="0">
@@ -22810,7 +23206,73 @@
                           <a:ea typeface="+mn-ea"/>
                           <a:cs typeface="+mn-cs"/>
                         </a:rPr>
-                        <a:t>    improvement in approximation = improvement splitting here(T, </a:t>
+                        <a:t>    </a:t>
+                      </a:r>
+                      <a:r>
+                        <a:rPr lang="en-US" sz="1800" b="0" i="0" u="none" strike="noStrike" kern="1200" baseline="0" dirty="0" err="1" smtClean="0">
+                          <a:solidFill>
+                            <a:schemeClr val="tx1"/>
+                          </a:solidFill>
+                          <a:latin typeface="+mn-lt"/>
+                          <a:ea typeface="+mn-ea"/>
+                          <a:cs typeface="+mn-cs"/>
+                        </a:rPr>
+                        <a:t>improvement_in_approximation</a:t>
+                      </a:r>
+                      <a:r>
+                        <a:rPr lang="en-US" sz="1800" b="0" i="0" u="none" strike="noStrike" kern="1200" baseline="0" dirty="0" smtClean="0">
+                          <a:solidFill>
+                            <a:schemeClr val="tx1"/>
+                          </a:solidFill>
+                          <a:latin typeface="+mn-lt"/>
+                          <a:ea typeface="+mn-ea"/>
+                          <a:cs typeface="+mn-cs"/>
+                        </a:rPr>
+                        <a:t> </a:t>
+                      </a:r>
+                      <a:r>
+                        <a:rPr lang="en-US" sz="1800" b="0" i="0" u="none" strike="noStrike" kern="1200" baseline="0" dirty="0" smtClean="0">
+                          <a:solidFill>
+                            <a:schemeClr val="tx1"/>
+                          </a:solidFill>
+                          <a:latin typeface="+mn-lt"/>
+                          <a:ea typeface="+mn-ea"/>
+                          <a:cs typeface="+mn-cs"/>
+                        </a:rPr>
+                        <a:t>= </a:t>
+                      </a:r>
+                      <a:r>
+                        <a:rPr lang="en-US" sz="1800" b="0" i="0" u="none" strike="noStrike" kern="1200" baseline="0" dirty="0" err="1" smtClean="0">
+                          <a:solidFill>
+                            <a:schemeClr val="tx1"/>
+                          </a:solidFill>
+                          <a:latin typeface="+mn-lt"/>
+                          <a:ea typeface="+mn-ea"/>
+                          <a:cs typeface="+mn-cs"/>
+                        </a:rPr>
+                        <a:t>improvement_splitting_here</a:t>
+                      </a:r>
+                      <a:r>
+                        <a:rPr lang="en-US" sz="1800" b="0" i="0" u="none" strike="noStrike" kern="1200" baseline="0" dirty="0" smtClean="0">
+                          <a:solidFill>
+                            <a:schemeClr val="tx1"/>
+                          </a:solidFill>
+                          <a:latin typeface="+mn-lt"/>
+                          <a:ea typeface="+mn-ea"/>
+                          <a:cs typeface="+mn-cs"/>
+                        </a:rPr>
+                        <a:t>(T</a:t>
+                      </a:r>
+                      <a:r>
+                        <a:rPr lang="en-US" sz="1800" b="0" i="0" u="none" strike="noStrike" kern="1200" baseline="0" dirty="0" smtClean="0">
+                          <a:solidFill>
+                            <a:schemeClr val="tx1"/>
+                          </a:solidFill>
+                          <a:latin typeface="+mn-lt"/>
+                          <a:ea typeface="+mn-ea"/>
+                          <a:cs typeface="+mn-cs"/>
+                        </a:rPr>
+                        <a:t>, </a:t>
                       </a:r>
                       <a:r>
                         <a:rPr lang="en-US" sz="1800" b="0" i="0" u="none" strike="noStrike" kern="1200" baseline="0" dirty="0" err="1" smtClean="0">
@@ -22845,8 +23307,60 @@
                           <a:ea typeface="+mn-ea"/>
                           <a:cs typeface="+mn-cs"/>
                         </a:rPr>
-                        <a:t>    if improvement in approximation &lt; best so far</a:t>
+                        <a:t>    if </a:t>
                       </a:r>
+                      <a:r>
+                        <a:rPr lang="en-US" sz="1800" b="0" i="0" u="none" strike="noStrike" kern="1200" baseline="0" dirty="0" err="1" smtClean="0">
+                          <a:solidFill>
+                            <a:schemeClr val="tx1"/>
+                          </a:solidFill>
+                          <a:latin typeface="+mn-lt"/>
+                          <a:ea typeface="+mn-ea"/>
+                          <a:cs typeface="+mn-cs"/>
+                        </a:rPr>
+                        <a:t>improvement_in_approximation</a:t>
+                      </a:r>
+                      <a:r>
+                        <a:rPr lang="en-US" sz="1800" b="0" i="0" u="none" strike="noStrike" kern="1200" baseline="0" dirty="0" smtClean="0">
+                          <a:solidFill>
+                            <a:schemeClr val="tx1"/>
+                          </a:solidFill>
+                          <a:latin typeface="+mn-lt"/>
+                          <a:ea typeface="+mn-ea"/>
+                          <a:cs typeface="+mn-cs"/>
+                        </a:rPr>
+                        <a:t> </a:t>
+                      </a:r>
+                      <a:r>
+                        <a:rPr lang="en-US" sz="1800" b="0" i="0" u="none" strike="noStrike" kern="1200" baseline="0" dirty="0" smtClean="0">
+                          <a:solidFill>
+                            <a:schemeClr val="tx1"/>
+                          </a:solidFill>
+                          <a:latin typeface="+mn-lt"/>
+                          <a:ea typeface="+mn-ea"/>
+                          <a:cs typeface="+mn-cs"/>
+                        </a:rPr>
+                        <a:t>&lt; </a:t>
+                      </a:r>
+                      <a:r>
+                        <a:rPr lang="en-US" sz="1800" b="0" i="0" u="none" strike="noStrike" kern="1200" baseline="0" dirty="0" err="1" smtClean="0">
+                          <a:solidFill>
+                            <a:schemeClr val="tx1"/>
+                          </a:solidFill>
+                          <a:latin typeface="+mn-lt"/>
+                          <a:ea typeface="+mn-ea"/>
+                          <a:cs typeface="+mn-cs"/>
+                        </a:rPr>
+                        <a:t>best_so_far</a:t>
+                      </a:r>
+                      <a:endParaRPr lang="en-US" sz="1800" b="0" i="0" u="none" strike="noStrike" kern="1200" baseline="0" dirty="0" smtClean="0">
+                        <a:solidFill>
+                          <a:schemeClr val="tx1"/>
+                        </a:solidFill>
+                        <a:latin typeface="+mn-lt"/>
+                        <a:ea typeface="+mn-ea"/>
+                        <a:cs typeface="+mn-cs"/>
+                      </a:endParaRPr>
                     </a:p>
                     <a:p>
                       <a:r>
@@ -22893,7 +23407,62 @@
                           <a:ea typeface="+mn-ea"/>
                           <a:cs typeface="+mn-cs"/>
                         </a:rPr>
-                        <a:t>        best so far = improvement in approximation;</a:t>
+                        <a:t>        </a:t>
+                      </a:r>
+                      <a:r>
+                        <a:rPr lang="en-US" sz="1800" b="0" i="0" u="none" strike="noStrike" kern="1200" baseline="0" dirty="0" err="1" smtClean="0">
+                          <a:solidFill>
+                            <a:schemeClr val="tx1"/>
+                          </a:solidFill>
+                          <a:latin typeface="+mn-lt"/>
+                          <a:ea typeface="+mn-ea"/>
+                          <a:cs typeface="+mn-cs"/>
+                        </a:rPr>
+                        <a:t>best_so_far</a:t>
+                      </a:r>
+                      <a:r>
+                        <a:rPr lang="en-US" sz="1800" b="0" i="0" u="none" strike="noStrike" kern="1200" baseline="0" dirty="0" smtClean="0">
+                          <a:solidFill>
+                            <a:schemeClr val="tx1"/>
+                          </a:solidFill>
+                          <a:latin typeface="+mn-lt"/>
+                          <a:ea typeface="+mn-ea"/>
+                          <a:cs typeface="+mn-cs"/>
+                        </a:rPr>
+                        <a:t> </a:t>
+                      </a:r>
+                      <a:r>
+                        <a:rPr lang="en-US" sz="1800" b="0" i="0" u="none" strike="noStrike" kern="1200" baseline="0" dirty="0" smtClean="0">
+                          <a:solidFill>
+                            <a:schemeClr val="tx1"/>
+                          </a:solidFill>
+                          <a:latin typeface="+mn-lt"/>
+                          <a:ea typeface="+mn-ea"/>
+                          <a:cs typeface="+mn-cs"/>
+                        </a:rPr>
+                        <a:t>= </a:t>
+                      </a:r>
+                      <a:r>
+                        <a:rPr lang="en-US" sz="1800" b="0" i="0" u="none" strike="noStrike" kern="1200" baseline="0" dirty="0" err="1" smtClean="0">
+                          <a:solidFill>
+                            <a:schemeClr val="tx1"/>
+                          </a:solidFill>
+                          <a:latin typeface="+mn-lt"/>
+                          <a:ea typeface="+mn-ea"/>
+                          <a:cs typeface="+mn-cs"/>
+                        </a:rPr>
+                        <a:t>improvement_in_approximation</a:t>
+                      </a:r>
+                      <a:r>
+                        <a:rPr lang="en-US" sz="1800" b="0" i="0" u="none" strike="noStrike" kern="1200" baseline="0" dirty="0" smtClean="0">
+                          <a:solidFill>
+                            <a:schemeClr val="tx1"/>
+                          </a:solidFill>
+                          <a:latin typeface="+mn-lt"/>
+                          <a:ea typeface="+mn-ea"/>
+                          <a:cs typeface="+mn-cs"/>
+                        </a:rPr>
+                        <a:t>;</a:t>
                       </a:r>
                     </a:p>
                     <a:p>
@@ -22945,8 +23514,60 @@
                           <a:ea typeface="+mn-ea"/>
                           <a:cs typeface="+mn-cs"/>
                         </a:rPr>
-                        <a:t>if calculate error(T[1:breakpoint]) &gt; max error</a:t>
+                        <a:t>if </a:t>
                       </a:r>
+                      <a:r>
+                        <a:rPr lang="en-US" sz="1800" b="0" i="0" u="none" strike="noStrike" kern="1200" baseline="0" dirty="0" err="1" smtClean="0">
+                          <a:solidFill>
+                            <a:schemeClr val="tx1"/>
+                          </a:solidFill>
+                          <a:latin typeface="+mn-lt"/>
+                          <a:ea typeface="+mn-ea"/>
+                          <a:cs typeface="+mn-cs"/>
+                        </a:rPr>
+                        <a:t>calculate_error</a:t>
+                      </a:r>
+                      <a:r>
+                        <a:rPr lang="en-US" sz="1800" b="0" i="0" u="none" strike="noStrike" kern="1200" baseline="0" dirty="0" smtClean="0">
+                          <a:solidFill>
+                            <a:schemeClr val="tx1"/>
+                          </a:solidFill>
+                          <a:latin typeface="+mn-lt"/>
+                          <a:ea typeface="+mn-ea"/>
+                          <a:cs typeface="+mn-cs"/>
+                        </a:rPr>
+                        <a:t>(T[1:breakpoint</a:t>
+                      </a:r>
+                      <a:r>
+                        <a:rPr lang="en-US" sz="1800" b="0" i="0" u="none" strike="noStrike" kern="1200" baseline="0" dirty="0" smtClean="0">
+                          <a:solidFill>
+                            <a:schemeClr val="tx1"/>
+                          </a:solidFill>
+                          <a:latin typeface="+mn-lt"/>
+                          <a:ea typeface="+mn-ea"/>
+                          <a:cs typeface="+mn-cs"/>
+                        </a:rPr>
+                        <a:t>]) &gt; </a:t>
+                      </a:r>
+                      <a:r>
+                        <a:rPr lang="en-US" sz="1800" b="0" i="0" u="none" strike="noStrike" kern="1200" baseline="0" dirty="0" err="1" smtClean="0">
+                          <a:solidFill>
+                            <a:schemeClr val="tx1"/>
+                          </a:solidFill>
+                          <a:latin typeface="+mn-lt"/>
+                          <a:ea typeface="+mn-ea"/>
+                          <a:cs typeface="+mn-cs"/>
+                        </a:rPr>
+                        <a:t>max_error</a:t>
+                      </a:r>
+                      <a:endParaRPr lang="en-US" sz="1800" b="0" i="0" u="none" strike="noStrike" kern="1200" baseline="0" dirty="0" smtClean="0">
+                        <a:solidFill>
+                          <a:schemeClr val="tx1"/>
+                        </a:solidFill>
+                        <a:latin typeface="+mn-lt"/>
+                        <a:ea typeface="+mn-ea"/>
+                        <a:cs typeface="+mn-cs"/>
+                      </a:endParaRPr>
                     </a:p>
                     <a:p>
                       <a:r>
@@ -22969,7 +23590,7 @@
                           <a:ea typeface="+mn-ea"/>
                           <a:cs typeface="+mn-cs"/>
                         </a:rPr>
-                        <a:t>Seg</a:t>
+                        <a:t>SegTS</a:t>
                       </a:r>
                       <a:r>
                         <a:rPr lang="en-US" sz="1800" b="0" i="0" u="none" strike="noStrike" kern="1200" baseline="0" dirty="0" smtClean="0">
@@ -22980,7 +23601,51 @@
                           <a:ea typeface="+mn-ea"/>
                           <a:cs typeface="+mn-cs"/>
                         </a:rPr>
-                        <a:t> TS = Top Down(T[1:breakpoint]);</a:t>
+                        <a:t> </a:t>
+                      </a:r>
+                      <a:r>
+                        <a:rPr lang="en-US" sz="1800" b="0" i="0" u="none" strike="noStrike" kern="1200" baseline="0" dirty="0" smtClean="0">
+                          <a:solidFill>
+                            <a:schemeClr val="tx1"/>
+                          </a:solidFill>
+                          <a:latin typeface="+mn-lt"/>
+                          <a:ea typeface="+mn-ea"/>
+                          <a:cs typeface="+mn-cs"/>
+                        </a:rPr>
+                        <a:t>= </a:t>
+                      </a:r>
+                      <a:r>
+                        <a:rPr lang="en-US" sz="1800" b="0" i="0" u="none" strike="noStrike" kern="1200" baseline="0" dirty="0" err="1" smtClean="0">
+                          <a:solidFill>
+                            <a:schemeClr val="tx1"/>
+                          </a:solidFill>
+                          <a:latin typeface="+mn-lt"/>
+                          <a:ea typeface="+mn-ea"/>
+                          <a:cs typeface="+mn-cs"/>
+                        </a:rPr>
+                        <a:t>TopDown</a:t>
+                      </a:r>
+                      <a:r>
+                        <a:rPr lang="en-US" sz="1800" b="0" i="0" u="none" strike="noStrike" kern="1200" baseline="0" dirty="0" smtClean="0">
+                          <a:solidFill>
+                            <a:schemeClr val="tx1"/>
+                          </a:solidFill>
+                          <a:latin typeface="+mn-lt"/>
+                          <a:ea typeface="+mn-ea"/>
+                          <a:cs typeface="+mn-cs"/>
+                        </a:rPr>
+                        <a:t>(T[1:breakpoint</a:t>
+                      </a:r>
+                      <a:r>
+                        <a:rPr lang="en-US" sz="1800" b="0" i="0" u="none" strike="noStrike" kern="1200" baseline="0" dirty="0" smtClean="0">
+                          <a:solidFill>
+                            <a:schemeClr val="tx1"/>
+                          </a:solidFill>
+                          <a:latin typeface="+mn-lt"/>
+                          <a:ea typeface="+mn-ea"/>
+                          <a:cs typeface="+mn-cs"/>
+                        </a:rPr>
+                        <a:t>]);</a:t>
                       </a:r>
                     </a:p>
                     <a:p>
@@ -23019,8 +23684,60 @@
                           <a:ea typeface="+mn-ea"/>
                           <a:cs typeface="+mn-cs"/>
                         </a:rPr>
-                        <a:t>if calculate error(T[breakpoint + 1:length(T)]) &gt; max error</a:t>
+                        <a:t>if </a:t>
                       </a:r>
+                      <a:r>
+                        <a:rPr lang="en-US" sz="1800" b="0" i="0" u="none" strike="noStrike" kern="1200" baseline="0" dirty="0" err="1" smtClean="0">
+                          <a:solidFill>
+                            <a:schemeClr val="tx1"/>
+                          </a:solidFill>
+                          <a:latin typeface="+mn-lt"/>
+                          <a:ea typeface="+mn-ea"/>
+                          <a:cs typeface="+mn-cs"/>
+                        </a:rPr>
+                        <a:t>calculate_error</a:t>
+                      </a:r>
+                      <a:r>
+                        <a:rPr lang="en-US" sz="1800" b="0" i="0" u="none" strike="noStrike" kern="1200" baseline="0" dirty="0" smtClean="0">
+                          <a:solidFill>
+                            <a:schemeClr val="tx1"/>
+                          </a:solidFill>
+                          <a:latin typeface="+mn-lt"/>
+                          <a:ea typeface="+mn-ea"/>
+                          <a:cs typeface="+mn-cs"/>
+                        </a:rPr>
+                        <a:t>(T[breakpoint </a:t>
+                      </a:r>
+                      <a:r>
+                        <a:rPr lang="en-US" sz="1800" b="0" i="0" u="none" strike="noStrike" kern="1200" baseline="0" dirty="0" smtClean="0">
+                          <a:solidFill>
+                            <a:schemeClr val="tx1"/>
+                          </a:solidFill>
+                          <a:latin typeface="+mn-lt"/>
+                          <a:ea typeface="+mn-ea"/>
+                          <a:cs typeface="+mn-cs"/>
+                        </a:rPr>
+                        <a:t>+ 1:length(T)]) &gt; </a:t>
+                      </a:r>
+                      <a:r>
+                        <a:rPr lang="en-US" sz="1800" b="0" i="0" u="none" strike="noStrike" kern="1200" baseline="0" dirty="0" err="1" smtClean="0">
+                          <a:solidFill>
+                            <a:schemeClr val="tx1"/>
+                          </a:solidFill>
+                          <a:latin typeface="+mn-lt"/>
+                          <a:ea typeface="+mn-ea"/>
+                          <a:cs typeface="+mn-cs"/>
+                        </a:rPr>
+                        <a:t>max_error</a:t>
+                      </a:r>
+                      <a:endParaRPr lang="en-US" sz="1800" b="0" i="0" u="none" strike="noStrike" kern="1200" baseline="0" dirty="0" smtClean="0">
+                        <a:solidFill>
+                          <a:schemeClr val="tx1"/>
+                        </a:solidFill>
+                        <a:latin typeface="+mn-lt"/>
+                        <a:ea typeface="+mn-ea"/>
+                        <a:cs typeface="+mn-cs"/>
+                      </a:endParaRPr>
                     </a:p>
                     <a:p>
                       <a:r>
@@ -23043,7 +23760,7 @@
                           <a:ea typeface="+mn-ea"/>
                           <a:cs typeface="+mn-cs"/>
                         </a:rPr>
-                        <a:t>Seg</a:t>
+                        <a:t>SegTS</a:t>
                       </a:r>
                       <a:r>
                         <a:rPr lang="en-US" sz="1800" b="0" i="0" u="none" strike="noStrike" kern="1200" baseline="0" dirty="0" smtClean="0">
@@ -23054,7 +23771,51 @@
                           <a:ea typeface="+mn-ea"/>
                           <a:cs typeface="+mn-cs"/>
                         </a:rPr>
-                        <a:t> TS = Top Down(T[breakpoint + 1:length(T)]);</a:t>
+                        <a:t> </a:t>
+                      </a:r>
+                      <a:r>
+                        <a:rPr lang="en-US" sz="1800" b="0" i="0" u="none" strike="noStrike" kern="1200" baseline="0" dirty="0" smtClean="0">
+                          <a:solidFill>
+                            <a:schemeClr val="tx1"/>
+                          </a:solidFill>
+                          <a:latin typeface="+mn-lt"/>
+                          <a:ea typeface="+mn-ea"/>
+                          <a:cs typeface="+mn-cs"/>
+                        </a:rPr>
+                        <a:t>= </a:t>
+                      </a:r>
+                      <a:r>
+                        <a:rPr lang="en-US" sz="1800" b="0" i="0" u="none" strike="noStrike" kern="1200" baseline="0" dirty="0" err="1" smtClean="0">
+                          <a:solidFill>
+                            <a:schemeClr val="tx1"/>
+                          </a:solidFill>
+                          <a:latin typeface="+mn-lt"/>
+                          <a:ea typeface="+mn-ea"/>
+                          <a:cs typeface="+mn-cs"/>
+                        </a:rPr>
+                        <a:t>TopDown</a:t>
+                      </a:r>
+                      <a:r>
+                        <a:rPr lang="en-US" sz="1800" b="0" i="0" u="none" strike="noStrike" kern="1200" baseline="0" dirty="0" smtClean="0">
+                          <a:solidFill>
+                            <a:schemeClr val="tx1"/>
+                          </a:solidFill>
+                          <a:latin typeface="+mn-lt"/>
+                          <a:ea typeface="+mn-ea"/>
+                          <a:cs typeface="+mn-cs"/>
+                        </a:rPr>
+                        <a:t>(T[breakpoint </a:t>
+                      </a:r>
+                      <a:r>
+                        <a:rPr lang="en-US" sz="1800" b="0" i="0" u="none" strike="noStrike" kern="1200" baseline="0" dirty="0" smtClean="0">
+                          <a:solidFill>
+                            <a:schemeClr val="tx1"/>
+                          </a:solidFill>
+                          <a:latin typeface="+mn-lt"/>
+                          <a:ea typeface="+mn-ea"/>
+                          <a:cs typeface="+mn-cs"/>
+                        </a:rPr>
+                        <a:t>+ 1:length(T)]);</a:t>
                       </a:r>
                     </a:p>
                     <a:p>
@@ -23154,7 +23915,7 @@
     </a:clrScheme>
     <a:fontScheme name="Wisp">
       <a:majorFont>
-        <a:latin typeface="Century Gothic" panose="020B0502020202020204"/>
+        <a:latin typeface="Century Gothic"/>
         <a:ea typeface=""/>
         <a:cs typeface=""/>
         <a:font script="Jpan" typeface="メイリオ"/>
@@ -23189,7 +23950,7 @@
         <a:font script="Geor" typeface="Sylfaen"/>
       </a:majorFont>
       <a:minorFont>
-        <a:latin typeface="Century Gothic" panose="020B0502020202020204"/>
+        <a:latin typeface="Century Gothic"/>
         <a:ea typeface=""/>
         <a:cs typeface=""/>
         <a:font script="Jpan" typeface="メイリオ"/>
@@ -23348,7 +24109,7 @@
   <a:extraClrSchemeLst/>
   <a:extLst>
     <a:ext uri="{05A4C25C-085E-4340-85A3-A5531E510DB2}">
-      <thm15:themeFamily xmlns:thm15="http://schemas.microsoft.com/office/thememl/2012/main" name="Wisp" id="{7CB32D59-10C0-40DD-B7BD-2E94284A981C}" vid="{24B1A44C-C006-48B2-A4D7-E5549B3D8CD4}"/>
+      <thm15:themeFamily xmlns:thm15="http://schemas.microsoft.com/office/thememl/2012/main" xmlns="" name="Wisp" id="{7CB32D59-10C0-40DD-B7BD-2E94284A981C}" vid="{24B1A44C-C006-48B2-A4D7-E5549B3D8CD4}"/>
     </a:ext>
   </a:extLst>
 </a:theme>

--- a/slide/tsdm.pptx
+++ b/slide/tsdm.pptx
@@ -31,13 +31,17 @@
     <p:sldId id="260" r:id="rId25"/>
     <p:sldId id="262" r:id="rId26"/>
     <p:sldId id="261" r:id="rId27"/>
-    <p:sldId id="263" r:id="rId28"/>
-    <p:sldId id="264" r:id="rId29"/>
-    <p:sldId id="267" r:id="rId30"/>
-    <p:sldId id="266" r:id="rId31"/>
-    <p:sldId id="268" r:id="rId32"/>
-    <p:sldId id="269" r:id="rId33"/>
-    <p:sldId id="270" r:id="rId34"/>
+    <p:sldId id="310" r:id="rId28"/>
+    <p:sldId id="309" r:id="rId29"/>
+    <p:sldId id="311" r:id="rId30"/>
+    <p:sldId id="263" r:id="rId31"/>
+    <p:sldId id="312" r:id="rId32"/>
+    <p:sldId id="264" r:id="rId33"/>
+    <p:sldId id="267" r:id="rId34"/>
+    <p:sldId id="266" r:id="rId35"/>
+    <p:sldId id="268" r:id="rId36"/>
+    <p:sldId id="269" r:id="rId37"/>
+    <p:sldId id="270" r:id="rId38"/>
   </p:sldIdLst>
   <p:sldSz cx="12192000" cy="6858000"/>
   <p:notesSz cx="6858000" cy="9144000"/>
@@ -138,7 +142,7 @@
   </p:defaultTextStyle>
   <p:extLst>
     <p:ext uri="{EFAFB233-063F-42B5-8137-9DF3F51BA10A}">
-      <p15:sldGuideLst xmlns:p15="http://schemas.microsoft.com/office/powerpoint/2012/main" xmlns=""/>
+      <p15:sldGuideLst xmlns="" xmlns:p15="http://schemas.microsoft.com/office/powerpoint/2012/main"/>
     </p:ext>
   </p:extLst>
 </p:presentation>
@@ -332,7 +336,7 @@
           <a:p>
             <a:fld id="{F77B2EB1-EA88-4503-95EA-93923E5BA59E}" type="datetimeFigureOut">
               <a:rPr lang="en-US" smtClean="0"/>
-              <a:t>2/26/2013</a:t>
+              <a:t>2/27/2013</a:t>
             </a:fld>
             <a:endParaRPr lang="en-US"/>
           </a:p>
@@ -670,7 +674,7 @@
           <a:p>
             <a:fld id="{F77B2EB1-EA88-4503-95EA-93923E5BA59E}" type="datetimeFigureOut">
               <a:rPr lang="en-US" smtClean="0"/>
-              <a:t>2/26/2013</a:t>
+              <a:t>2/27/2013</a:t>
             </a:fld>
             <a:endParaRPr lang="en-US"/>
           </a:p>
@@ -1071,7 +1075,7 @@
           <a:p>
             <a:fld id="{F77B2EB1-EA88-4503-95EA-93923E5BA59E}" type="datetimeFigureOut">
               <a:rPr lang="en-US" smtClean="0"/>
-              <a:t>2/26/2013</a:t>
+              <a:t>2/27/2013</a:t>
             </a:fld>
             <a:endParaRPr lang="en-US"/>
           </a:p>
@@ -1407,7 +1411,7 @@
           <a:p>
             <a:fld id="{F77B2EB1-EA88-4503-95EA-93923E5BA59E}" type="datetimeFigureOut">
               <a:rPr lang="en-US" smtClean="0"/>
-              <a:t>2/26/2013</a:t>
+              <a:t>2/27/2013</a:t>
             </a:fld>
             <a:endParaRPr lang="en-US"/>
           </a:p>
@@ -1727,7 +1731,7 @@
           <a:p>
             <a:fld id="{F77B2EB1-EA88-4503-95EA-93923E5BA59E}" type="datetimeFigureOut">
               <a:rPr lang="en-US" smtClean="0"/>
-              <a:t>2/26/2013</a:t>
+              <a:t>2/27/2013</a:t>
             </a:fld>
             <a:endParaRPr lang="en-US"/>
           </a:p>
@@ -2123,7 +2127,7 @@
           <a:p>
             <a:fld id="{F77B2EB1-EA88-4503-95EA-93923E5BA59E}" type="datetimeFigureOut">
               <a:rPr lang="en-US" smtClean="0"/>
-              <a:t>2/26/2013</a:t>
+              <a:t>2/27/2013</a:t>
             </a:fld>
             <a:endParaRPr lang="en-US"/>
           </a:p>
@@ -2380,7 +2384,7 @@
           <a:p>
             <a:fld id="{F77B2EB1-EA88-4503-95EA-93923E5BA59E}" type="datetimeFigureOut">
               <a:rPr lang="en-US" smtClean="0"/>
-              <a:t>2/26/2013</a:t>
+              <a:t>2/27/2013</a:t>
             </a:fld>
             <a:endParaRPr lang="en-US"/>
           </a:p>
@@ -2642,7 +2646,7 @@
           <a:p>
             <a:fld id="{F77B2EB1-EA88-4503-95EA-93923E5BA59E}" type="datetimeFigureOut">
               <a:rPr lang="en-US" smtClean="0"/>
-              <a:t>2/26/2013</a:t>
+              <a:t>2/27/2013</a:t>
             </a:fld>
             <a:endParaRPr lang="en-US"/>
           </a:p>
@@ -2904,7 +2908,7 @@
           <a:p>
             <a:fld id="{F77B2EB1-EA88-4503-95EA-93923E5BA59E}" type="datetimeFigureOut">
               <a:rPr lang="en-US" smtClean="0"/>
-              <a:t>2/26/2013</a:t>
+              <a:t>2/27/2013</a:t>
             </a:fld>
             <a:endParaRPr lang="en-US"/>
           </a:p>
@@ -3233,7 +3237,7 @@
           <a:p>
             <a:fld id="{F77B2EB1-EA88-4503-95EA-93923E5BA59E}" type="datetimeFigureOut">
               <a:rPr lang="en-US" smtClean="0"/>
-              <a:t>2/26/2013</a:t>
+              <a:t>2/27/2013</a:t>
             </a:fld>
             <a:endParaRPr lang="en-US"/>
           </a:p>
@@ -3556,7 +3560,7 @@
           <a:p>
             <a:fld id="{F77B2EB1-EA88-4503-95EA-93923E5BA59E}" type="datetimeFigureOut">
               <a:rPr lang="en-US" smtClean="0"/>
-              <a:t>2/26/2013</a:t>
+              <a:t>2/27/2013</a:t>
             </a:fld>
             <a:endParaRPr lang="en-US"/>
           </a:p>
@@ -4013,7 +4017,7 @@
           <a:p>
             <a:fld id="{F77B2EB1-EA88-4503-95EA-93923E5BA59E}" type="datetimeFigureOut">
               <a:rPr lang="en-US" smtClean="0"/>
-              <a:t>2/26/2013</a:t>
+              <a:t>2/27/2013</a:t>
             </a:fld>
             <a:endParaRPr lang="en-US"/>
           </a:p>
@@ -4218,7 +4222,7 @@
           <a:p>
             <a:fld id="{F77B2EB1-EA88-4503-95EA-93923E5BA59E}" type="datetimeFigureOut">
               <a:rPr lang="en-US" smtClean="0"/>
-              <a:t>2/26/2013</a:t>
+              <a:t>2/27/2013</a:t>
             </a:fld>
             <a:endParaRPr lang="en-US"/>
           </a:p>
@@ -4395,7 +4399,7 @@
           <a:p>
             <a:fld id="{F77B2EB1-EA88-4503-95EA-93923E5BA59E}" type="datetimeFigureOut">
               <a:rPr lang="en-US" smtClean="0"/>
-              <a:t>2/26/2013</a:t>
+              <a:t>2/27/2013</a:t>
             </a:fld>
             <a:endParaRPr lang="en-US"/>
           </a:p>
@@ -4728,7 +4732,7 @@
           <a:p>
             <a:fld id="{F77B2EB1-EA88-4503-95EA-93923E5BA59E}" type="datetimeFigureOut">
               <a:rPr lang="en-US" smtClean="0"/>
-              <a:t>2/26/2013</a:t>
+              <a:t>2/27/2013</a:t>
             </a:fld>
             <a:endParaRPr lang="en-US"/>
           </a:p>
@@ -5073,7 +5077,7 @@
           <a:p>
             <a:fld id="{F77B2EB1-EA88-4503-95EA-93923E5BA59E}" type="datetimeFigureOut">
               <a:rPr lang="en-US" smtClean="0"/>
-              <a:t>2/26/2013</a:t>
+              <a:t>2/27/2013</a:t>
             </a:fld>
             <a:endParaRPr lang="en-US"/>
           </a:p>
@@ -7190,7 +7194,7 @@
           <a:p>
             <a:fld id="{F77B2EB1-EA88-4503-95EA-93923E5BA59E}" type="datetimeFigureOut">
               <a:rPr lang="en-US" smtClean="0"/>
-              <a:t>2/26/2013</a:t>
+              <a:t>2/27/2013</a:t>
             </a:fld>
             <a:endParaRPr lang="en-US"/>
           </a:p>
@@ -8182,11 +8186,7 @@
             </a:pPr>
             <a:r>
               <a:rPr lang="en-US" sz="1200" dirty="0" smtClean="0"/>
-              <a:t>    </a:t>
-            </a:r>
-            <a:r>
-              <a:rPr lang="en-US" sz="1200" dirty="0" smtClean="0"/>
-              <a:t>delete(</a:t>
+              <a:t>    delete(</a:t>
             </a:r>
             <a:r>
               <a:rPr lang="en-US" sz="1200" dirty="0" err="1" smtClean="0"/>
@@ -12893,8 +12893,8 @@
           </a:p>
         </p:txBody>
       </p:sp>
-      <mc:AlternateContent xmlns:mc="http://schemas.openxmlformats.org/markup-compatibility/2006">
-        <mc:Choice xmlns:a14="http://schemas.microsoft.com/office/drawing/2010/main" Requires="a14">
+      <mc:AlternateContent xmlns:mc="http://schemas.openxmlformats.org/markup-compatibility/2006" xmlns:a14="http://schemas.microsoft.com/office/drawing/2010/main">
+        <mc:Choice Requires="a14">
           <p:sp>
             <p:nvSpPr>
               <p:cNvPr id="3" name="Content Placeholder 2"/>
@@ -12931,11 +12931,7 @@
               <a:p>
                 <a:r>
                   <a:rPr lang="en-US" altLang="zh-CN" dirty="0" smtClean="0"/>
-                  <a:t>Event</a:t>
-                </a:r>
-                <a:r>
-                  <a:rPr lang="en-US" altLang="zh-CN" dirty="0" smtClean="0"/>
-                  <a:t>: important issues </a:t>
+                  <a:t>Event: important issues </a:t>
                 </a:r>
                 <a:r>
                   <a:rPr lang="en-US" altLang="zh-CN" dirty="0"/>
@@ -13151,7 +13147,7 @@
             </p:txBody>
           </p:sp>
         </mc:Choice>
-        <mc:Fallback>
+        <mc:Fallback xmlns="">
           <p:sp>
             <p:nvSpPr>
               <p:cNvPr id="3" name="Content Placeholder 2"/>
@@ -15077,8 +15073,8 @@
           </a:p>
         </p:txBody>
       </p:sp>
-      <mc:AlternateContent xmlns:mc="http://schemas.openxmlformats.org/markup-compatibility/2006">
-        <mc:Choice xmlns:a14="http://schemas.microsoft.com/office/drawing/2010/main" Requires="a14">
+      <mc:AlternateContent xmlns:mc="http://schemas.openxmlformats.org/markup-compatibility/2006" xmlns:a14="http://schemas.microsoft.com/office/drawing/2010/main">
+        <mc:Choice Requires="a14">
           <p:sp>
             <p:nvSpPr>
               <p:cNvPr id="3" name="Content Placeholder 2"/>
@@ -16146,7 +16142,7 @@
             </p:txBody>
           </p:sp>
         </mc:Choice>
-        <mc:Fallback>
+        <mc:Fallback xmlns="">
           <p:sp>
             <p:nvSpPr>
               <p:cNvPr id="3" name="Content Placeholder 2"/>
@@ -17595,17 +17591,6 @@
               </a:rPr>
               <a:t> := 1 to n </a:t>
             </a:r>
-            <a:endParaRPr kumimoji="0" lang="en-US" sz="1200" b="0" i="0" u="none" strike="noStrike" cap="none" normalizeH="0" baseline="0" dirty="0" smtClean="0">
-              <a:ln>
-                <a:noFill/>
-              </a:ln>
-              <a:solidFill>
-                <a:srgbClr val="000000"/>
-              </a:solidFill>
-              <a:effectLst/>
-              <a:latin typeface="Courier New" panose="02070309020205020404" pitchFamily="49" charset="0"/>
-              <a:cs typeface="Courier New" panose="02070309020205020404" pitchFamily="49" charset="0"/>
-            </a:endParaRPr>
           </a:p>
           <a:p>
             <a:pPr marL="0" marR="0" lvl="0" indent="0" algn="l" defTabSz="914400" rtl="0" eaLnBrk="0" fontAlgn="base" latinLnBrk="0" hangingPunct="0">
@@ -17726,21 +17711,7 @@
                 <a:latin typeface="Courier New" panose="02070309020205020404" pitchFamily="49" charset="0"/>
                 <a:cs typeface="Courier New" panose="02070309020205020404" pitchFamily="49" charset="0"/>
               </a:rPr>
-              <a:t>DTW[0</a:t>
-            </a:r>
-            <a:r>
-              <a:rPr kumimoji="0" lang="en-US" sz="1200" b="0" i="0" u="none" strike="noStrike" cap="none" normalizeH="0" baseline="0" dirty="0" smtClean="0">
-                <a:ln>
-                  <a:noFill/>
-                </a:ln>
-                <a:solidFill>
-                  <a:srgbClr val="000000"/>
-                </a:solidFill>
-                <a:effectLst/>
-                <a:latin typeface="Courier New" panose="02070309020205020404" pitchFamily="49" charset="0"/>
-                <a:cs typeface="Courier New" panose="02070309020205020404" pitchFamily="49" charset="0"/>
-              </a:rPr>
-              <a:t>, 0] := 0 </a:t>
+              <a:t>DTW[0, 0] := 0 </a:t>
             </a:r>
           </a:p>
           <a:p>
@@ -18314,7 +18285,7 @@
       </p:grpSpPr>
       <p:sp>
         <p:nvSpPr>
-          <p:cNvPr id="2" name="Title 1"/>
+          <p:cNvPr id="2" name="标题 1"/>
           <p:cNvSpPr>
             <a:spLocks noGrp="1"/>
           </p:cNvSpPr>
@@ -18329,16 +18300,16 @@
           <a:p>
             <a:pPr algn="ctr"/>
             <a:r>
-              <a:rPr lang="en-US" dirty="0" smtClean="0"/>
+              <a:rPr lang="en-US" altLang="zh-CN" dirty="0"/>
               <a:t>Subsequence Matching</a:t>
             </a:r>
-            <a:endParaRPr lang="en-US" dirty="0"/>
+            <a:endParaRPr lang="zh-CN" altLang="en-US" dirty="0"/>
           </a:p>
         </p:txBody>
       </p:sp>
       <p:sp>
         <p:nvSpPr>
-          <p:cNvPr id="3" name="Content Placeholder 2"/>
+          <p:cNvPr id="3" name="内容占位符 2"/>
           <p:cNvSpPr>
             <a:spLocks noGrp="1"/>
           </p:cNvSpPr>
@@ -18346,146 +18317,18 @@
             <p:ph idx="1"/>
           </p:nvPr>
         </p:nvSpPr>
-        <p:spPr>
-          <a:xfrm>
-            <a:off x="2589212" y="2133600"/>
-            <a:ext cx="8915400" cy="4431102"/>
-          </a:xfrm>
-        </p:spPr>
+        <p:spPr/>
         <p:txBody>
-          <a:bodyPr>
-            <a:normAutofit fontScale="77500" lnSpcReduction="20000"/>
-          </a:bodyPr>
+          <a:bodyPr/>
           <a:lstStyle/>
           <a:p>
-            <a:pPr>
-              <a:buFont typeface="Wingdings" panose="05000000000000000000" pitchFamily="2" charset="2"/>
-              <a:buNone/>
-            </a:pPr>
-            <a:r>
-              <a:rPr lang="en-US" sz="2800" dirty="0" smtClean="0"/>
+            <a:r>
+              <a:rPr lang="en-US" altLang="zh-CN" dirty="0"/>
               <a:t>concatenating all data base sequence into one long one X. </a:t>
             </a:r>
           </a:p>
           <a:p>
-            <a:pPr>
-              <a:buFont typeface="Wingdings" panose="05000000000000000000" pitchFamily="2" charset="2"/>
-              <a:buNone/>
-            </a:pPr>
-            <a:r>
-              <a:rPr lang="en-US" sz="2800" dirty="0" smtClean="0"/>
-              <a:t>Offline </a:t>
-            </a:r>
-            <a:r>
-              <a:rPr lang="en-US" sz="2800" dirty="0"/>
-              <a:t>step: </a:t>
-            </a:r>
-          </a:p>
-          <a:p>
-            <a:r>
-              <a:rPr lang="en-US" sz="2800" dirty="0"/>
-              <a:t>Compute F(X, j) for all j. </a:t>
-            </a:r>
-            <a:br>
-              <a:rPr lang="en-US" sz="2800" dirty="0"/>
-            </a:br>
-            <a:endParaRPr lang="en-US" sz="2800" dirty="0"/>
-          </a:p>
-          <a:p>
-            <a:pPr>
-              <a:buFont typeface="Wingdings" panose="05000000000000000000" pitchFamily="2" charset="2"/>
-              <a:buNone/>
-            </a:pPr>
-            <a:r>
-              <a:rPr lang="en-US" sz="2800" dirty="0"/>
-              <a:t>Online steps, given a query Q:</a:t>
-            </a:r>
-          </a:p>
-          <a:p>
-            <a:r>
-              <a:rPr lang="en-US" sz="2800" dirty="0"/>
-              <a:t>Embedding step:</a:t>
-            </a:r>
-          </a:p>
-          <a:p>
-            <a:pPr lvl="1"/>
-            <a:r>
-              <a:rPr lang="en-US" sz="2200" dirty="0"/>
-              <a:t>Compute F(Q).</a:t>
-            </a:r>
-          </a:p>
-          <a:p>
-            <a:r>
-              <a:rPr lang="en-US" sz="2800" dirty="0"/>
-              <a:t>Filter </a:t>
-            </a:r>
-            <a:r>
-              <a:rPr lang="en-US" sz="2800" dirty="0" smtClean="0"/>
-              <a:t>step:</a:t>
-            </a:r>
-            <a:endParaRPr lang="en-US" sz="2800" dirty="0"/>
-          </a:p>
-          <a:p>
-            <a:pPr lvl="1"/>
-            <a:r>
-              <a:rPr lang="en-US" sz="2200" dirty="0"/>
-              <a:t>Compare F(Q) to all F(X, j</a:t>
-            </a:r>
-            <a:r>
-              <a:rPr lang="en-US" sz="2200" dirty="0" smtClean="0"/>
-              <a:t>).									</a:t>
-            </a:r>
-            <a:endParaRPr lang="en-US" sz="2200" dirty="0"/>
-          </a:p>
-          <a:p>
-            <a:pPr lvl="1"/>
-            <a:r>
-              <a:rPr lang="en-US" sz="2200" dirty="0"/>
-              <a:t>Select </a:t>
-            </a:r>
-            <a:r>
-              <a:rPr lang="en-US" sz="2200" i="1" dirty="0"/>
-              <a:t>p</a:t>
-            </a:r>
-            <a:r>
-              <a:rPr lang="en-US" sz="2200" dirty="0"/>
-              <a:t> best matches </a:t>
-            </a:r>
-            <a:r>
-              <a:rPr lang="en-US" sz="2200" dirty="0">
-                <a:sym typeface="Wingdings" panose="05000000000000000000" pitchFamily="2" charset="2"/>
-              </a:rPr>
-              <a:t> </a:t>
-            </a:r>
-            <a:r>
-              <a:rPr lang="en-US" sz="2200" i="1" dirty="0">
-                <a:sym typeface="Wingdings" panose="05000000000000000000" pitchFamily="2" charset="2"/>
-              </a:rPr>
-              <a:t>p </a:t>
-            </a:r>
-            <a:r>
-              <a:rPr lang="en-US" sz="2200" dirty="0">
-                <a:sym typeface="Wingdings" panose="05000000000000000000" pitchFamily="2" charset="2"/>
-              </a:rPr>
-              <a:t>candidate endpoints.</a:t>
-            </a:r>
-            <a:endParaRPr lang="en-US" sz="2200" dirty="0"/>
-          </a:p>
-          <a:p>
-            <a:r>
-              <a:rPr lang="en-US" sz="2800" dirty="0"/>
-              <a:t>Refine step:</a:t>
-            </a:r>
-          </a:p>
-          <a:p>
-            <a:pPr lvl="1"/>
-            <a:r>
-              <a:rPr lang="en-US" sz="2200" dirty="0"/>
-              <a:t>Use DTW to evaluate each candidate endpoint.</a:t>
-            </a:r>
-          </a:p>
-          <a:p>
-            <a:endParaRPr lang="en-US" dirty="0"/>
+            <a:endParaRPr lang="zh-CN" altLang="en-US" dirty="0"/>
           </a:p>
         </p:txBody>
       </p:sp>
@@ -18499,7 +18342,7 @@
         </p:nvSpPr>
         <p:spPr bwMode="auto">
           <a:xfrm>
-            <a:off x="5308369" y="4438268"/>
+            <a:off x="3327169" y="4156045"/>
             <a:ext cx="6587623" cy="366712"/>
           </a:xfrm>
           <a:prstGeom prst="rect">
@@ -18722,7 +18565,7 @@
         </p:nvSpPr>
         <p:spPr bwMode="auto">
           <a:xfrm>
-            <a:off x="8035450" y="3193997"/>
+            <a:off x="6054250" y="2911774"/>
             <a:ext cx="2133600" cy="366712"/>
           </a:xfrm>
           <a:prstGeom prst="rect">
@@ -18918,7 +18761,7 @@
         </p:nvSpPr>
         <p:spPr bwMode="auto">
           <a:xfrm>
-            <a:off x="8187850" y="3560709"/>
+            <a:off x="6206650" y="3278486"/>
             <a:ext cx="0" cy="838200"/>
           </a:xfrm>
           <a:prstGeom prst="line">
@@ -19093,7 +18936,7 @@
         </p:nvSpPr>
         <p:spPr bwMode="auto">
           <a:xfrm>
-            <a:off x="9483250" y="3560709"/>
+            <a:off x="7502050" y="3278486"/>
             <a:ext cx="0" cy="838200"/>
           </a:xfrm>
           <a:prstGeom prst="line">
@@ -19268,7 +19111,7 @@
         </p:nvSpPr>
         <p:spPr bwMode="auto">
           <a:xfrm>
-            <a:off x="7654450" y="3193997"/>
+            <a:off x="5673250" y="2911774"/>
             <a:ext cx="609600" cy="366712"/>
           </a:xfrm>
           <a:prstGeom prst="rect">
@@ -19464,7 +19307,7 @@
         </p:nvSpPr>
         <p:spPr bwMode="auto">
           <a:xfrm>
-            <a:off x="8340250" y="3560709"/>
+            <a:off x="6359050" y="3278486"/>
             <a:ext cx="0" cy="838200"/>
           </a:xfrm>
           <a:prstGeom prst="line">
@@ -19639,7 +19482,7 @@
         </p:nvSpPr>
         <p:spPr bwMode="auto">
           <a:xfrm>
-            <a:off x="8492650" y="3560709"/>
+            <a:off x="6511450" y="3278486"/>
             <a:ext cx="0" cy="838200"/>
           </a:xfrm>
           <a:prstGeom prst="line">
@@ -19814,7 +19657,7 @@
         </p:nvSpPr>
         <p:spPr bwMode="auto">
           <a:xfrm>
-            <a:off x="8645050" y="3560709"/>
+            <a:off x="6663850" y="3278486"/>
             <a:ext cx="0" cy="838200"/>
           </a:xfrm>
           <a:prstGeom prst="line">
@@ -19989,7 +19832,7 @@
         </p:nvSpPr>
         <p:spPr bwMode="auto">
           <a:xfrm>
-            <a:off x="8967435" y="3560709"/>
+            <a:off x="6986235" y="3278486"/>
             <a:ext cx="0" cy="838200"/>
           </a:xfrm>
           <a:prstGeom prst="line">
@@ -20164,7 +20007,7 @@
         </p:nvSpPr>
         <p:spPr bwMode="auto">
           <a:xfrm>
-            <a:off x="9160865" y="3560709"/>
+            <a:off x="7179665" y="3278486"/>
             <a:ext cx="0" cy="838200"/>
           </a:xfrm>
           <a:prstGeom prst="line">
@@ -20339,7 +20182,7 @@
         </p:nvSpPr>
         <p:spPr bwMode="auto">
           <a:xfrm>
-            <a:off x="9330850" y="3560709"/>
+            <a:off x="7349650" y="3278486"/>
             <a:ext cx="0" cy="838200"/>
           </a:xfrm>
           <a:prstGeom prst="line">
@@ -20504,53 +20347,16 @@
           </a:p>
         </p:txBody>
       </p:sp>
-      <p:sp>
-        <p:nvSpPr>
-          <p:cNvPr id="15" name="TextBox 14"/>
-          <p:cNvSpPr txBox="1"/>
-          <p:nvPr/>
-        </p:nvSpPr>
-        <p:spPr>
-          <a:xfrm>
-            <a:off x="7179734" y="4921955"/>
-            <a:ext cx="4402666" cy="369332"/>
-          </a:xfrm>
-          <a:prstGeom prst="rect">
-            <a:avLst/>
-          </a:prstGeom>
-          <a:noFill/>
-        </p:spPr>
-        <p:txBody>
-          <a:bodyPr wrap="square" rtlCol="0">
-            <a:spAutoFit/>
-          </a:bodyPr>
-          <a:lstStyle/>
-          <a:p>
-            <a:r>
-              <a:rPr lang="en-US" altLang="zh-CN" dirty="0" smtClean="0"/>
-              <a:t>Example of Subsequence Matching</a:t>
-            </a:r>
-            <a:endParaRPr lang="zh-CN" altLang="en-US" dirty="0"/>
-          </a:p>
-        </p:txBody>
-      </p:sp>
     </p:spTree>
     <p:extLst>
       <p:ext uri="{BB962C8B-B14F-4D97-AF65-F5344CB8AC3E}">
-        <p14:creationId xmlns:p14="http://schemas.microsoft.com/office/powerpoint/2010/main" val="1725708998"/>
+        <p14:creationId xmlns:p14="http://schemas.microsoft.com/office/powerpoint/2010/main" val="1306760385"/>
       </p:ext>
     </p:extLst>
   </p:cSld>
   <p:clrMapOvr>
     <a:masterClrMapping/>
   </p:clrMapOvr>
-  <p:timing>
-    <p:tnLst>
-      <p:par>
-        <p:cTn id="1" dur="indefinite" restart="never" nodeType="tmRoot"/>
-      </p:par>
-    </p:tnLst>
-  </p:timing>
 </p:sld>
 </file>
 
@@ -20573,7 +20379,7 @@
       </p:grpSpPr>
       <p:sp>
         <p:nvSpPr>
-          <p:cNvPr id="2" name="Title 1"/>
+          <p:cNvPr id="2" name="标题 1"/>
           <p:cNvSpPr>
             <a:spLocks noGrp="1"/>
           </p:cNvSpPr>
@@ -20588,227 +20394,2452 @@
           <a:p>
             <a:pPr algn="ctr"/>
             <a:r>
-              <a:rPr lang="en-US" dirty="0" smtClean="0"/>
-              <a:t>Clustering</a:t>
-            </a:r>
-            <a:endParaRPr lang="en-US" dirty="0"/>
+              <a:rPr lang="en-US" altLang="zh-CN" dirty="0"/>
+              <a:t>Subsequence Matching</a:t>
+            </a:r>
+            <a:endParaRPr lang="zh-CN" altLang="en-US" dirty="0"/>
           </a:p>
         </p:txBody>
       </p:sp>
+      <mc:AlternateContent xmlns:mc="http://schemas.openxmlformats.org/markup-compatibility/2006">
+        <mc:Choice xmlns:a14="http://schemas.microsoft.com/office/drawing/2010/main" Requires="a14">
+          <p:sp>
+            <p:nvSpPr>
+              <p:cNvPr id="3" name="内容占位符 2"/>
+              <p:cNvSpPr>
+                <a:spLocks noGrp="1"/>
+              </p:cNvSpPr>
+              <p:nvPr>
+                <p:ph idx="1"/>
+              </p:nvPr>
+            </p:nvSpPr>
+            <p:spPr>
+              <a:xfrm>
+                <a:off x="2668234" y="1444978"/>
+                <a:ext cx="8915400" cy="4707466"/>
+              </a:xfrm>
+            </p:spPr>
+            <p:txBody>
+              <a:bodyPr>
+                <a:normAutofit fontScale="85000" lnSpcReduction="20000"/>
+              </a:bodyPr>
+              <a:lstStyle/>
+              <a:p>
+                <a:pPr marL="0" indent="0">
+                  <a:buNone/>
+                </a:pPr>
+                <a14:m>
+                  <m:oMath xmlns:m="http://schemas.openxmlformats.org/officeDocument/2006/math">
+                    <m:sSub>
+                      <m:sSubPr>
+                        <m:ctrlPr>
+                          <a:rPr lang="en-US" altLang="zh-CN" b="0" i="1" smtClean="0">
+                            <a:latin typeface="Cambria Math"/>
+                          </a:rPr>
+                        </m:ctrlPr>
+                      </m:sSubPr>
+                      <m:e>
+                        <m:r>
+                          <a:rPr lang="en-US" altLang="zh-CN" b="0" i="1" smtClean="0">
+                            <a:latin typeface="Cambria Math"/>
+                          </a:rPr>
+                          <m:t>𝐷</m:t>
+                        </m:r>
+                      </m:e>
+                      <m:sub>
+                        <m:r>
+                          <a:rPr lang="en-US" altLang="zh-CN" b="0" i="1" smtClean="0">
+                            <a:latin typeface="Cambria Math"/>
+                          </a:rPr>
+                          <m:t>𝑖</m:t>
+                        </m:r>
+                        <m:r>
+                          <a:rPr lang="en-US" altLang="zh-CN" b="0" i="1" smtClean="0">
+                            <a:latin typeface="Cambria Math"/>
+                          </a:rPr>
+                          <m:t>,</m:t>
+                        </m:r>
+                        <m:r>
+                          <a:rPr lang="en-US" altLang="zh-CN" b="0" i="1" smtClean="0">
+                            <a:latin typeface="Cambria Math"/>
+                          </a:rPr>
+                          <m:t>𝑗</m:t>
+                        </m:r>
+                      </m:sub>
+                    </m:sSub>
+                    <m:r>
+                      <a:rPr lang="en-US" altLang="zh-CN" b="0" i="1" smtClean="0">
+                        <a:latin typeface="Cambria Math"/>
+                      </a:rPr>
+                      <m:t>(</m:t>
+                    </m:r>
+                    <m:r>
+                      <a:rPr lang="en-US" altLang="zh-CN" b="0" i="1" smtClean="0">
+                        <a:latin typeface="Cambria Math"/>
+                      </a:rPr>
+                      <m:t>𝑄</m:t>
+                    </m:r>
+                    <m:r>
+                      <a:rPr lang="en-US" altLang="zh-CN" b="0" i="1" smtClean="0">
+                        <a:latin typeface="Cambria Math"/>
+                      </a:rPr>
+                      <m:t>,</m:t>
+                    </m:r>
+                    <m:r>
+                      <a:rPr lang="en-US" altLang="zh-CN" b="0" i="1" smtClean="0">
+                        <a:latin typeface="Cambria Math"/>
+                      </a:rPr>
+                      <m:t>𝑋</m:t>
+                    </m:r>
+                    <m:r>
+                      <a:rPr lang="en-US" altLang="zh-CN" b="0" i="1" smtClean="0">
+                        <a:latin typeface="Cambria Math"/>
+                      </a:rPr>
+                      <m:t>)</m:t>
+                    </m:r>
+                  </m:oMath>
+                </a14:m>
+                <a:r>
+                  <a:rPr lang="en-US" altLang="zh-CN" dirty="0"/>
+                  <a:t> </a:t>
+                </a:r>
+                <a:r>
+                  <a:rPr lang="en-US" altLang="zh-CN" dirty="0" smtClean="0"/>
+                  <a:t>: Cost between </a:t>
+                </a:r>
+                <a14:m>
+                  <m:oMath xmlns:m="http://schemas.openxmlformats.org/officeDocument/2006/math">
+                    <m:d>
+                      <m:dPr>
+                        <m:ctrlPr>
+                          <a:rPr lang="en-US" altLang="zh-CN" b="0" i="1" smtClean="0">
+                            <a:latin typeface="Cambria Math"/>
+                          </a:rPr>
+                        </m:ctrlPr>
+                      </m:dPr>
+                      <m:e>
+                        <m:sSub>
+                          <m:sSubPr>
+                            <m:ctrlPr>
+                              <a:rPr lang="en-US" altLang="zh-CN" b="0" i="1" smtClean="0">
+                                <a:latin typeface="Cambria Math"/>
+                              </a:rPr>
+                            </m:ctrlPr>
+                          </m:sSubPr>
+                          <m:e>
+                            <m:r>
+                              <a:rPr lang="en-US" altLang="zh-CN" b="0" i="1" smtClean="0">
+                                <a:latin typeface="Cambria Math"/>
+                              </a:rPr>
+                              <m:t>𝑄</m:t>
+                            </m:r>
+                          </m:e>
+                          <m:sub>
+                            <m:r>
+                              <a:rPr lang="en-US" altLang="zh-CN" b="0" i="1" smtClean="0">
+                                <a:latin typeface="Cambria Math"/>
+                              </a:rPr>
+                              <m:t>1</m:t>
+                            </m:r>
+                          </m:sub>
+                        </m:sSub>
+                        <m:r>
+                          <a:rPr lang="en-US" altLang="zh-CN" b="0" i="1" smtClean="0">
+                            <a:latin typeface="Cambria Math"/>
+                          </a:rPr>
+                          <m:t>,</m:t>
+                        </m:r>
+                        <m:sSub>
+                          <m:sSubPr>
+                            <m:ctrlPr>
+                              <a:rPr lang="en-US" altLang="zh-CN" b="0" i="1" smtClean="0">
+                                <a:latin typeface="Cambria Math"/>
+                              </a:rPr>
+                            </m:ctrlPr>
+                          </m:sSubPr>
+                          <m:e>
+                            <m:r>
+                              <a:rPr lang="en-US" altLang="zh-CN" b="0" i="1" smtClean="0">
+                                <a:latin typeface="Cambria Math"/>
+                              </a:rPr>
+                              <m:t>𝑄</m:t>
+                            </m:r>
+                          </m:e>
+                          <m:sub>
+                            <m:r>
+                              <a:rPr lang="en-US" altLang="zh-CN" b="0" i="1" smtClean="0">
+                                <a:latin typeface="Cambria Math"/>
+                              </a:rPr>
+                              <m:t>2</m:t>
+                            </m:r>
+                          </m:sub>
+                        </m:sSub>
+                        <m:r>
+                          <a:rPr lang="en-US" altLang="zh-CN" b="0" i="1" smtClean="0">
+                            <a:latin typeface="Cambria Math"/>
+                          </a:rPr>
+                          <m:t>,…,</m:t>
+                        </m:r>
+                        <m:sSub>
+                          <m:sSubPr>
+                            <m:ctrlPr>
+                              <a:rPr lang="en-US" altLang="zh-CN" b="0" i="1" smtClean="0">
+                                <a:latin typeface="Cambria Math"/>
+                              </a:rPr>
+                            </m:ctrlPr>
+                          </m:sSubPr>
+                          <m:e>
+                            <m:r>
+                              <a:rPr lang="en-US" altLang="zh-CN" b="0" i="1" smtClean="0">
+                                <a:latin typeface="Cambria Math"/>
+                              </a:rPr>
+                              <m:t>𝑄</m:t>
+                            </m:r>
+                          </m:e>
+                          <m:sub>
+                            <m:r>
+                              <a:rPr lang="en-US" altLang="zh-CN" b="0" i="1" smtClean="0">
+                                <a:latin typeface="Cambria Math"/>
+                              </a:rPr>
+                              <m:t>𝑖</m:t>
+                            </m:r>
+                          </m:sub>
+                        </m:sSub>
+                      </m:e>
+                    </m:d>
+                  </m:oMath>
+                </a14:m>
+                <a:r>
+                  <a:rPr lang="en-US" altLang="zh-CN" b="0" i="1" dirty="0" smtClean="0">
+                    <a:latin typeface="Cambria Math"/>
+                  </a:rPr>
+                  <a:t> </a:t>
+                </a:r>
+                <a:r>
+                  <a:rPr lang="en-US" altLang="zh-CN" dirty="0" smtClean="0">
+                    <a:latin typeface="Cambria Math"/>
+                  </a:rPr>
+                  <a:t>and any suffix of </a:t>
+                </a:r>
+                <a14:m>
+                  <m:oMath xmlns:m="http://schemas.openxmlformats.org/officeDocument/2006/math">
+                    <m:d>
+                      <m:dPr>
+                        <m:ctrlPr>
+                          <a:rPr lang="en-US" altLang="zh-CN" b="0" i="1" smtClean="0">
+                            <a:latin typeface="Cambria Math"/>
+                          </a:rPr>
+                        </m:ctrlPr>
+                      </m:dPr>
+                      <m:e>
+                        <m:sSub>
+                          <m:sSubPr>
+                            <m:ctrlPr>
+                              <a:rPr lang="en-US" altLang="zh-CN" b="0" i="1" smtClean="0">
+                                <a:latin typeface="Cambria Math"/>
+                              </a:rPr>
+                            </m:ctrlPr>
+                          </m:sSubPr>
+                          <m:e>
+                            <m:r>
+                              <a:rPr lang="en-US" altLang="zh-CN" b="0" i="1" smtClean="0">
+                                <a:latin typeface="Cambria Math"/>
+                              </a:rPr>
+                              <m:t>𝑋</m:t>
+                            </m:r>
+                          </m:e>
+                          <m:sub>
+                            <m:r>
+                              <a:rPr lang="en-US" altLang="zh-CN" b="0" i="1" smtClean="0">
+                                <a:latin typeface="Cambria Math"/>
+                              </a:rPr>
+                              <m:t>1</m:t>
+                            </m:r>
+                          </m:sub>
+                        </m:sSub>
+                        <m:r>
+                          <a:rPr lang="en-US" altLang="zh-CN" b="0" i="1" smtClean="0">
+                            <a:latin typeface="Cambria Math"/>
+                          </a:rPr>
+                          <m:t>, </m:t>
+                        </m:r>
+                        <m:sSub>
+                          <m:sSubPr>
+                            <m:ctrlPr>
+                              <a:rPr lang="en-US" altLang="zh-CN" b="0" i="1" smtClean="0">
+                                <a:latin typeface="Cambria Math"/>
+                              </a:rPr>
+                            </m:ctrlPr>
+                          </m:sSubPr>
+                          <m:e>
+                            <m:r>
+                              <a:rPr lang="en-US" altLang="zh-CN" b="0" i="1" smtClean="0">
+                                <a:latin typeface="Cambria Math"/>
+                              </a:rPr>
+                              <m:t>𝑋</m:t>
+                            </m:r>
+                          </m:e>
+                          <m:sub>
+                            <m:r>
+                              <a:rPr lang="en-US" altLang="zh-CN" b="0" i="1" smtClean="0">
+                                <a:latin typeface="Cambria Math"/>
+                              </a:rPr>
+                              <m:t>2</m:t>
+                            </m:r>
+                          </m:sub>
+                        </m:sSub>
+                        <m:r>
+                          <a:rPr lang="en-US" altLang="zh-CN" b="0" i="1" smtClean="0">
+                            <a:latin typeface="Cambria Math"/>
+                          </a:rPr>
+                          <m:t>,…,</m:t>
+                        </m:r>
+                        <m:sSub>
+                          <m:sSubPr>
+                            <m:ctrlPr>
+                              <a:rPr lang="en-US" altLang="zh-CN" b="0" i="1" smtClean="0">
+                                <a:latin typeface="Cambria Math"/>
+                              </a:rPr>
+                            </m:ctrlPr>
+                          </m:sSubPr>
+                          <m:e>
+                            <m:r>
+                              <a:rPr lang="en-US" altLang="zh-CN" b="0" i="1" smtClean="0">
+                                <a:latin typeface="Cambria Math"/>
+                              </a:rPr>
+                              <m:t>𝑋</m:t>
+                            </m:r>
+                          </m:e>
+                          <m:sub>
+                            <m:r>
+                              <a:rPr lang="en-US" altLang="zh-CN" b="0" i="1" smtClean="0">
+                                <a:latin typeface="Cambria Math"/>
+                              </a:rPr>
+                              <m:t>𝑗</m:t>
+                            </m:r>
+                          </m:sub>
+                        </m:sSub>
+                      </m:e>
+                    </m:d>
+                  </m:oMath>
+                </a14:m>
+                <a:endParaRPr lang="en-US" altLang="zh-CN" b="0" i="1" dirty="0" smtClean="0">
+                  <a:latin typeface="Cambria Math"/>
+                </a:endParaRPr>
+              </a:p>
+              <a:p>
+                <a:pPr marL="0" indent="0">
+                  <a:buNone/>
+                </a:pPr>
+                <a14:m>
+                  <m:oMathPara xmlns:m="http://schemas.openxmlformats.org/officeDocument/2006/math">
+                    <m:oMathParaPr>
+                      <m:jc m:val="centerGroup"/>
+                    </m:oMathParaPr>
+                    <m:oMath xmlns:m="http://schemas.openxmlformats.org/officeDocument/2006/math">
+                      <m:sSub>
+                        <m:sSubPr>
+                          <m:ctrlPr>
+                            <a:rPr lang="en-US" altLang="zh-CN" b="0" i="1" smtClean="0">
+                              <a:latin typeface="Cambria Math"/>
+                            </a:rPr>
+                          </m:ctrlPr>
+                        </m:sSubPr>
+                        <m:e>
+                          <m:r>
+                            <a:rPr lang="en-US" altLang="zh-CN" b="0" i="1" smtClean="0">
+                              <a:latin typeface="Cambria Math"/>
+                            </a:rPr>
+                            <m:t>𝐷</m:t>
+                          </m:r>
+                        </m:e>
+                        <m:sub>
+                          <m:r>
+                            <a:rPr lang="en-US" altLang="zh-CN" b="0" i="1" smtClean="0">
+                              <a:latin typeface="Cambria Math"/>
+                            </a:rPr>
+                            <m:t>0,0</m:t>
+                          </m:r>
+                        </m:sub>
+                      </m:sSub>
+                      <m:d>
+                        <m:dPr>
+                          <m:ctrlPr>
+                            <a:rPr lang="en-US" altLang="zh-CN" b="0" i="1" smtClean="0">
+                              <a:latin typeface="Cambria Math"/>
+                            </a:rPr>
+                          </m:ctrlPr>
+                        </m:dPr>
+                        <m:e>
+                          <m:r>
+                            <a:rPr lang="en-US" altLang="zh-CN" b="0" i="1" smtClean="0">
+                              <a:latin typeface="Cambria Math"/>
+                            </a:rPr>
+                            <m:t>𝑄</m:t>
+                          </m:r>
+                          <m:r>
+                            <a:rPr lang="en-US" altLang="zh-CN" b="0" i="1" smtClean="0">
+                              <a:latin typeface="Cambria Math"/>
+                            </a:rPr>
+                            <m:t>,</m:t>
+                          </m:r>
+                          <m:r>
+                            <a:rPr lang="en-US" altLang="zh-CN" b="0" i="1" smtClean="0">
+                              <a:latin typeface="Cambria Math"/>
+                            </a:rPr>
+                            <m:t>𝑋</m:t>
+                          </m:r>
+                        </m:e>
+                      </m:d>
+                      <m:r>
+                        <a:rPr lang="en-US" altLang="zh-CN" b="0" i="1" smtClean="0">
+                          <a:latin typeface="Cambria Math"/>
+                        </a:rPr>
+                        <m:t>=0, </m:t>
+                      </m:r>
+                      <m:sSub>
+                        <m:sSubPr>
+                          <m:ctrlPr>
+                            <a:rPr lang="en-US" altLang="zh-CN" b="0" i="1" smtClean="0">
+                              <a:latin typeface="Cambria Math"/>
+                            </a:rPr>
+                          </m:ctrlPr>
+                        </m:sSubPr>
+                        <m:e>
+                          <m:r>
+                            <a:rPr lang="en-US" altLang="zh-CN" b="0" i="1" smtClean="0">
+                              <a:latin typeface="Cambria Math"/>
+                            </a:rPr>
+                            <m:t>𝐷</m:t>
+                          </m:r>
+                        </m:e>
+                        <m:sub>
+                          <m:r>
+                            <a:rPr lang="en-US" altLang="zh-CN" b="0" i="1" smtClean="0">
+                              <a:latin typeface="Cambria Math"/>
+                            </a:rPr>
+                            <m:t>𝑖</m:t>
+                          </m:r>
+                          <m:r>
+                            <a:rPr lang="en-US" altLang="zh-CN" b="0" i="1" smtClean="0">
+                              <a:latin typeface="Cambria Math"/>
+                            </a:rPr>
+                            <m:t>,0</m:t>
+                          </m:r>
+                        </m:sub>
+                      </m:sSub>
+                      <m:d>
+                        <m:dPr>
+                          <m:ctrlPr>
+                            <a:rPr lang="en-US" altLang="zh-CN" b="0" i="1" smtClean="0">
+                              <a:latin typeface="Cambria Math"/>
+                            </a:rPr>
+                          </m:ctrlPr>
+                        </m:dPr>
+                        <m:e>
+                          <m:r>
+                            <a:rPr lang="en-US" altLang="zh-CN" b="0" i="1" smtClean="0">
+                              <a:latin typeface="Cambria Math"/>
+                            </a:rPr>
+                            <m:t>𝑄</m:t>
+                          </m:r>
+                          <m:r>
+                            <a:rPr lang="en-US" altLang="zh-CN" b="0" i="1" smtClean="0">
+                              <a:latin typeface="Cambria Math"/>
+                            </a:rPr>
+                            <m:t>,</m:t>
+                          </m:r>
+                          <m:r>
+                            <a:rPr lang="en-US" altLang="zh-CN" b="0" i="1" smtClean="0">
+                              <a:latin typeface="Cambria Math"/>
+                            </a:rPr>
+                            <m:t>𝑋</m:t>
+                          </m:r>
+                        </m:e>
+                      </m:d>
+                      <m:r>
+                        <a:rPr lang="en-US" altLang="zh-CN" b="0" i="1" smtClean="0">
+                          <a:latin typeface="Cambria Math"/>
+                        </a:rPr>
+                        <m:t>=∞, </m:t>
+                      </m:r>
+                      <m:sSub>
+                        <m:sSubPr>
+                          <m:ctrlPr>
+                            <a:rPr lang="en-US" altLang="zh-CN" b="0" i="1" smtClean="0">
+                              <a:latin typeface="Cambria Math"/>
+                            </a:rPr>
+                          </m:ctrlPr>
+                        </m:sSubPr>
+                        <m:e>
+                          <m:r>
+                            <a:rPr lang="en-US" altLang="zh-CN" b="0" i="1" smtClean="0">
+                              <a:latin typeface="Cambria Math"/>
+                            </a:rPr>
+                            <m:t>𝐷</m:t>
+                          </m:r>
+                        </m:e>
+                        <m:sub>
+                          <m:r>
+                            <a:rPr lang="en-US" altLang="zh-CN" b="0" i="1" smtClean="0">
+                              <a:latin typeface="Cambria Math"/>
+                            </a:rPr>
+                            <m:t>0,</m:t>
+                          </m:r>
+                          <m:r>
+                            <a:rPr lang="en-US" altLang="zh-CN" b="0" i="1" smtClean="0">
+                              <a:latin typeface="Cambria Math"/>
+                            </a:rPr>
+                            <m:t>𝑗</m:t>
+                          </m:r>
+                        </m:sub>
+                      </m:sSub>
+                      <m:d>
+                        <m:dPr>
+                          <m:ctrlPr>
+                            <a:rPr lang="en-US" altLang="zh-CN" b="0" i="1" smtClean="0">
+                              <a:latin typeface="Cambria Math"/>
+                            </a:rPr>
+                          </m:ctrlPr>
+                        </m:dPr>
+                        <m:e>
+                          <m:r>
+                            <a:rPr lang="en-US" altLang="zh-CN" b="0" i="1" smtClean="0">
+                              <a:latin typeface="Cambria Math"/>
+                            </a:rPr>
+                            <m:t>𝑄</m:t>
+                          </m:r>
+                          <m:r>
+                            <a:rPr lang="en-US" altLang="zh-CN" b="0" i="1" smtClean="0">
+                              <a:latin typeface="Cambria Math"/>
+                            </a:rPr>
+                            <m:t>, </m:t>
+                          </m:r>
+                          <m:r>
+                            <a:rPr lang="en-US" altLang="zh-CN" b="0" i="1" smtClean="0">
+                              <a:latin typeface="Cambria Math"/>
+                            </a:rPr>
+                            <m:t>𝑋</m:t>
+                          </m:r>
+                        </m:e>
+                      </m:d>
+                      <m:r>
+                        <a:rPr lang="en-US" altLang="zh-CN" b="0" i="1" smtClean="0">
+                          <a:latin typeface="Cambria Math"/>
+                        </a:rPr>
+                        <m:t>=0</m:t>
+                      </m:r>
+                    </m:oMath>
+                  </m:oMathPara>
+                </a14:m>
+                <a:endParaRPr lang="en-US" altLang="zh-CN" b="0" dirty="0" smtClean="0"/>
+              </a:p>
+              <a:p>
+                <a:pPr marL="0" indent="0">
+                  <a:buNone/>
+                </a:pPr>
+                <a14:m>
+                  <m:oMathPara xmlns:m="http://schemas.openxmlformats.org/officeDocument/2006/math">
+                    <m:oMathParaPr>
+                      <m:jc m:val="centerGroup"/>
+                    </m:oMathParaPr>
+                    <m:oMath xmlns:m="http://schemas.openxmlformats.org/officeDocument/2006/math">
+                      <m:sSub>
+                        <m:sSubPr>
+                          <m:ctrlPr>
+                            <a:rPr lang="en-US" altLang="zh-CN" b="0" i="1" smtClean="0">
+                              <a:latin typeface="Cambria Math"/>
+                            </a:rPr>
+                          </m:ctrlPr>
+                        </m:sSubPr>
+                        <m:e>
+                          <m:r>
+                            <a:rPr lang="en-US" altLang="zh-CN" b="0" i="1" smtClean="0">
+                              <a:latin typeface="Cambria Math"/>
+                            </a:rPr>
+                            <m:t>𝑊</m:t>
+                          </m:r>
+                        </m:e>
+                        <m:sub>
+                          <m:r>
+                            <a:rPr lang="en-US" altLang="zh-CN" b="0" i="1" smtClean="0">
+                              <a:latin typeface="Cambria Math"/>
+                            </a:rPr>
+                            <m:t>0,0</m:t>
+                          </m:r>
+                        </m:sub>
+                      </m:sSub>
+                      <m:d>
+                        <m:dPr>
+                          <m:ctrlPr>
+                            <a:rPr lang="en-US" altLang="zh-CN" b="0" i="1" smtClean="0">
+                              <a:latin typeface="Cambria Math"/>
+                            </a:rPr>
+                          </m:ctrlPr>
+                        </m:dPr>
+                        <m:e>
+                          <m:r>
+                            <a:rPr lang="en-US" altLang="zh-CN" b="0" i="1" smtClean="0">
+                              <a:latin typeface="Cambria Math"/>
+                            </a:rPr>
+                            <m:t>𝑄</m:t>
+                          </m:r>
+                          <m:r>
+                            <a:rPr lang="en-US" altLang="zh-CN" b="0" i="1" smtClean="0">
+                              <a:latin typeface="Cambria Math"/>
+                            </a:rPr>
+                            <m:t>,</m:t>
+                          </m:r>
+                          <m:r>
+                            <a:rPr lang="en-US" altLang="zh-CN" b="0" i="1" smtClean="0">
+                              <a:latin typeface="Cambria Math"/>
+                            </a:rPr>
+                            <m:t>𝑋</m:t>
+                          </m:r>
+                        </m:e>
+                      </m:d>
+                      <m:r>
+                        <a:rPr lang="en-US" altLang="zh-CN" b="0" i="1" smtClean="0">
+                          <a:latin typeface="Cambria Math"/>
+                        </a:rPr>
+                        <m:t>=</m:t>
+                      </m:r>
+                      <m:d>
+                        <m:dPr>
+                          <m:ctrlPr>
+                            <a:rPr lang="en-US" altLang="zh-CN" b="0" i="1" smtClean="0">
+                              <a:latin typeface="Cambria Math"/>
+                            </a:rPr>
+                          </m:ctrlPr>
+                        </m:dPr>
+                        <m:e/>
+                      </m:d>
+                      <m:r>
+                        <a:rPr lang="en-US" altLang="zh-CN" b="0" i="1" smtClean="0">
+                          <a:latin typeface="Cambria Math"/>
+                        </a:rPr>
+                        <m:t>, </m:t>
+                      </m:r>
+                      <m:sSub>
+                        <m:sSubPr>
+                          <m:ctrlPr>
+                            <a:rPr lang="en-US" altLang="zh-CN" b="0" i="1" smtClean="0">
+                              <a:latin typeface="Cambria Math"/>
+                            </a:rPr>
+                          </m:ctrlPr>
+                        </m:sSubPr>
+                        <m:e>
+                          <m:r>
+                            <a:rPr lang="en-US" altLang="zh-CN" b="0" i="1" smtClean="0">
+                              <a:latin typeface="Cambria Math"/>
+                            </a:rPr>
+                            <m:t>𝑊</m:t>
+                          </m:r>
+                        </m:e>
+                        <m:sub>
+                          <m:r>
+                            <a:rPr lang="en-US" altLang="zh-CN" b="0" i="1" smtClean="0">
+                              <a:latin typeface="Cambria Math"/>
+                            </a:rPr>
+                            <m:t>0</m:t>
+                          </m:r>
+                        </m:sub>
+                      </m:sSub>
+                      <m:r>
+                        <a:rPr lang="en-US" altLang="zh-CN" b="0" i="1" smtClean="0">
+                          <a:latin typeface="Cambria Math"/>
+                        </a:rPr>
+                        <m:t>,</m:t>
+                      </m:r>
+                      <m:r>
+                        <a:rPr lang="en-US" altLang="zh-CN" b="0" i="1" smtClean="0">
+                          <a:latin typeface="Cambria Math"/>
+                        </a:rPr>
+                        <m:t>𝑗</m:t>
+                      </m:r>
+                      <m:d>
+                        <m:dPr>
+                          <m:ctrlPr>
+                            <a:rPr lang="en-US" altLang="zh-CN" b="0" i="0" smtClean="0">
+                              <a:latin typeface="Cambria Math"/>
+                            </a:rPr>
+                          </m:ctrlPr>
+                        </m:dPr>
+                        <m:e>
+                          <m:r>
+                            <m:rPr>
+                              <m:sty m:val="p"/>
+                            </m:rPr>
+                            <a:rPr lang="en-US" altLang="zh-CN" b="0" i="0" smtClean="0">
+                              <a:latin typeface="Cambria Math"/>
+                            </a:rPr>
+                            <m:t>Q</m:t>
+                          </m:r>
+                          <m:r>
+                            <a:rPr lang="en-US" altLang="zh-CN" b="0" i="0" smtClean="0">
+                              <a:latin typeface="Cambria Math"/>
+                            </a:rPr>
+                            <m:t>,</m:t>
+                          </m:r>
+                          <m:r>
+                            <m:rPr>
+                              <m:sty m:val="p"/>
+                            </m:rPr>
+                            <a:rPr lang="en-US" altLang="zh-CN" b="0" i="0" smtClean="0">
+                              <a:latin typeface="Cambria Math"/>
+                            </a:rPr>
+                            <m:t>X</m:t>
+                          </m:r>
+                        </m:e>
+                      </m:d>
+                      <m:r>
+                        <a:rPr lang="en-US" altLang="zh-CN" b="0" i="0" smtClean="0">
+                          <a:latin typeface="Cambria Math"/>
+                        </a:rPr>
+                        <m:t>=</m:t>
+                      </m:r>
+                      <m:d>
+                        <m:dPr>
+                          <m:ctrlPr>
+                            <a:rPr lang="en-US" altLang="zh-CN" b="0" i="0" smtClean="0">
+                              <a:latin typeface="Cambria Math"/>
+                            </a:rPr>
+                          </m:ctrlPr>
+                        </m:dPr>
+                        <m:e/>
+                      </m:d>
+                    </m:oMath>
+                  </m:oMathPara>
+                </a14:m>
+                <a:endParaRPr lang="en-US" altLang="zh-CN" b="0" dirty="0" smtClean="0"/>
+              </a:p>
+              <a:p>
+                <a:pPr marL="0" indent="0">
+                  <a:buNone/>
+                </a:pPr>
+                <a14:m>
+                  <m:oMathPara xmlns:m="http://schemas.openxmlformats.org/officeDocument/2006/math">
+                    <m:oMathParaPr>
+                      <m:jc m:val="centerGroup"/>
+                    </m:oMathParaPr>
+                    <m:oMath xmlns:m="http://schemas.openxmlformats.org/officeDocument/2006/math">
+                      <m:r>
+                        <a:rPr lang="en-US" altLang="zh-CN" b="0" i="1" smtClean="0">
+                          <a:latin typeface="Cambria Math"/>
+                        </a:rPr>
+                        <m:t>𝐴</m:t>
+                      </m:r>
+                      <m:d>
+                        <m:dPr>
+                          <m:ctrlPr>
+                            <a:rPr lang="en-US" altLang="zh-CN" b="0" i="1" smtClean="0">
+                              <a:latin typeface="Cambria Math"/>
+                            </a:rPr>
+                          </m:ctrlPr>
+                        </m:dPr>
+                        <m:e>
+                          <m:r>
+                            <a:rPr lang="en-US" altLang="zh-CN" b="0" i="1" smtClean="0">
+                              <a:latin typeface="Cambria Math"/>
+                            </a:rPr>
+                            <m:t>𝑖</m:t>
+                          </m:r>
+                          <m:r>
+                            <a:rPr lang="en-US" altLang="zh-CN" b="0" i="1" smtClean="0">
+                              <a:latin typeface="Cambria Math"/>
+                            </a:rPr>
+                            <m:t>,</m:t>
+                          </m:r>
+                          <m:r>
+                            <a:rPr lang="en-US" altLang="zh-CN" b="0" i="1" smtClean="0">
+                              <a:latin typeface="Cambria Math"/>
+                            </a:rPr>
+                            <m:t>𝑗</m:t>
+                          </m:r>
+                        </m:e>
+                      </m:d>
+                      <m:r>
+                        <a:rPr lang="en-US" altLang="zh-CN" b="0" i="1" smtClean="0">
+                          <a:latin typeface="Cambria Math"/>
+                        </a:rPr>
+                        <m:t>=</m:t>
+                      </m:r>
+                      <m:d>
+                        <m:dPr>
+                          <m:begChr m:val="{"/>
+                          <m:endChr m:val="}"/>
+                          <m:ctrlPr>
+                            <a:rPr lang="en-US" altLang="zh-CN" b="0" i="1" smtClean="0">
+                              <a:latin typeface="Cambria Math"/>
+                            </a:rPr>
+                          </m:ctrlPr>
+                        </m:dPr>
+                        <m:e>
+                          <m:d>
+                            <m:dPr>
+                              <m:ctrlPr>
+                                <a:rPr lang="en-US" altLang="zh-CN" b="0" i="1" smtClean="0">
+                                  <a:latin typeface="Cambria Math"/>
+                                </a:rPr>
+                              </m:ctrlPr>
+                            </m:dPr>
+                            <m:e>
+                              <m:r>
+                                <a:rPr lang="en-US" altLang="zh-CN" b="0" i="1" smtClean="0">
+                                  <a:latin typeface="Cambria Math"/>
+                                </a:rPr>
+                                <m:t>𝑖</m:t>
+                              </m:r>
+                              <m:r>
+                                <a:rPr lang="en-US" altLang="zh-CN" b="0" i="1" smtClean="0">
+                                  <a:latin typeface="Cambria Math"/>
+                                </a:rPr>
+                                <m:t>,</m:t>
+                              </m:r>
+                              <m:r>
+                                <a:rPr lang="en-US" altLang="zh-CN" b="0" i="1" smtClean="0">
+                                  <a:latin typeface="Cambria Math"/>
+                                </a:rPr>
+                                <m:t>𝑗</m:t>
+                              </m:r>
+                              <m:r>
+                                <a:rPr lang="en-US" altLang="zh-CN" b="0" i="1" smtClean="0">
+                                  <a:latin typeface="Cambria Math"/>
+                                </a:rPr>
+                                <m:t>−1</m:t>
+                              </m:r>
+                            </m:e>
+                          </m:d>
+                          <m:r>
+                            <a:rPr lang="en-US" altLang="zh-CN" b="0" i="1" smtClean="0">
+                              <a:latin typeface="Cambria Math"/>
+                            </a:rPr>
+                            <m:t>,</m:t>
+                          </m:r>
+                          <m:d>
+                            <m:dPr>
+                              <m:ctrlPr>
+                                <a:rPr lang="en-US" altLang="zh-CN" b="0" i="1" smtClean="0">
+                                  <a:latin typeface="Cambria Math"/>
+                                </a:rPr>
+                              </m:ctrlPr>
+                            </m:dPr>
+                            <m:e>
+                              <m:r>
+                                <a:rPr lang="en-US" altLang="zh-CN" b="0" i="1" smtClean="0">
+                                  <a:latin typeface="Cambria Math"/>
+                                </a:rPr>
+                                <m:t>𝑖</m:t>
+                              </m:r>
+                              <m:r>
+                                <a:rPr lang="en-US" altLang="zh-CN" b="0" i="1" smtClean="0">
+                                  <a:latin typeface="Cambria Math"/>
+                                </a:rPr>
+                                <m:t>−1,</m:t>
+                              </m:r>
+                              <m:r>
+                                <a:rPr lang="en-US" altLang="zh-CN" b="0" i="1" smtClean="0">
+                                  <a:latin typeface="Cambria Math"/>
+                                </a:rPr>
+                                <m:t>𝑗</m:t>
+                              </m:r>
+                            </m:e>
+                          </m:d>
+                          <m:r>
+                            <a:rPr lang="en-US" altLang="zh-CN" b="0" i="1" smtClean="0">
+                              <a:latin typeface="Cambria Math"/>
+                            </a:rPr>
+                            <m:t>,</m:t>
+                          </m:r>
+                          <m:d>
+                            <m:dPr>
+                              <m:ctrlPr>
+                                <a:rPr lang="en-US" altLang="zh-CN" b="0" i="1" smtClean="0">
+                                  <a:latin typeface="Cambria Math"/>
+                                </a:rPr>
+                              </m:ctrlPr>
+                            </m:dPr>
+                            <m:e>
+                              <m:r>
+                                <a:rPr lang="en-US" altLang="zh-CN" b="0" i="1" smtClean="0">
+                                  <a:latin typeface="Cambria Math"/>
+                                </a:rPr>
+                                <m:t>𝑖</m:t>
+                              </m:r>
+                              <m:r>
+                                <a:rPr lang="en-US" altLang="zh-CN" b="0" i="1" smtClean="0">
+                                  <a:latin typeface="Cambria Math"/>
+                                </a:rPr>
+                                <m:t>−1,</m:t>
+                              </m:r>
+                              <m:r>
+                                <a:rPr lang="en-US" altLang="zh-CN" b="0" i="1" smtClean="0">
+                                  <a:latin typeface="Cambria Math"/>
+                                </a:rPr>
+                                <m:t>𝑗</m:t>
+                              </m:r>
+                              <m:r>
+                                <a:rPr lang="en-US" altLang="zh-CN" b="0" i="1" smtClean="0">
+                                  <a:latin typeface="Cambria Math"/>
+                                </a:rPr>
+                                <m:t>−1</m:t>
+                              </m:r>
+                            </m:e>
+                          </m:d>
+                        </m:e>
+                      </m:d>
+                    </m:oMath>
+                  </m:oMathPara>
+                </a14:m>
+                <a:endParaRPr lang="en-US" altLang="zh-CN" b="0" dirty="0" smtClean="0"/>
+              </a:p>
+              <a:p>
+                <a:pPr marL="0" indent="0">
+                  <a:buNone/>
+                </a:pPr>
+                <a14:m>
+                  <m:oMathPara xmlns:m="http://schemas.openxmlformats.org/officeDocument/2006/math">
+                    <m:oMathParaPr>
+                      <m:jc m:val="centerGroup"/>
+                    </m:oMathParaPr>
+                    <m:oMath xmlns:m="http://schemas.openxmlformats.org/officeDocument/2006/math">
+                      <m:d>
+                        <m:dPr>
+                          <m:ctrlPr>
+                            <a:rPr lang="en-US" altLang="zh-CN" b="0" i="1" smtClean="0">
+                              <a:latin typeface="Cambria Math"/>
+                            </a:rPr>
+                          </m:ctrlPr>
+                        </m:dPr>
+                        <m:e>
+                          <m:r>
+                            <a:rPr lang="en-US" altLang="zh-CN" b="0" i="1" smtClean="0">
+                              <a:latin typeface="Cambria Math"/>
+                            </a:rPr>
+                            <m:t>𝑝𝑖</m:t>
+                          </m:r>
+                          <m:d>
+                            <m:dPr>
+                              <m:ctrlPr>
+                                <a:rPr lang="en-US" altLang="zh-CN" b="0" i="1" smtClean="0">
+                                  <a:latin typeface="Cambria Math"/>
+                                </a:rPr>
+                              </m:ctrlPr>
+                            </m:dPr>
+                            <m:e>
+                              <m:r>
+                                <a:rPr lang="en-US" altLang="zh-CN" b="0" i="1" smtClean="0">
+                                  <a:latin typeface="Cambria Math"/>
+                                </a:rPr>
+                                <m:t>𝑄</m:t>
+                              </m:r>
+                              <m:r>
+                                <a:rPr lang="en-US" altLang="zh-CN" b="0" i="1" smtClean="0">
+                                  <a:latin typeface="Cambria Math"/>
+                                </a:rPr>
+                                <m:t>,</m:t>
+                              </m:r>
+                              <m:r>
+                                <a:rPr lang="en-US" altLang="zh-CN" b="0" i="1" smtClean="0">
+                                  <a:latin typeface="Cambria Math"/>
+                                </a:rPr>
+                                <m:t>𝑋</m:t>
+                              </m:r>
+                            </m:e>
+                          </m:d>
+                          <m:r>
+                            <a:rPr lang="en-US" altLang="zh-CN" b="0" i="1" smtClean="0">
+                              <a:latin typeface="Cambria Math"/>
+                            </a:rPr>
+                            <m:t>,</m:t>
+                          </m:r>
+                          <m:r>
+                            <a:rPr lang="en-US" altLang="zh-CN" b="0" i="1" smtClean="0">
+                              <a:latin typeface="Cambria Math"/>
+                            </a:rPr>
+                            <m:t>𝑝𝑗</m:t>
+                          </m:r>
+                          <m:d>
+                            <m:dPr>
+                              <m:ctrlPr>
+                                <a:rPr lang="en-US" altLang="zh-CN" b="0" i="1" smtClean="0">
+                                  <a:latin typeface="Cambria Math"/>
+                                </a:rPr>
+                              </m:ctrlPr>
+                            </m:dPr>
+                            <m:e>
+                              <m:r>
+                                <a:rPr lang="en-US" altLang="zh-CN" b="0" i="1" smtClean="0">
+                                  <a:latin typeface="Cambria Math"/>
+                                </a:rPr>
+                                <m:t>𝑄</m:t>
+                              </m:r>
+                              <m:r>
+                                <a:rPr lang="en-US" altLang="zh-CN" b="0" i="1" smtClean="0">
+                                  <a:latin typeface="Cambria Math"/>
+                                </a:rPr>
+                                <m:t>,</m:t>
+                              </m:r>
+                              <m:r>
+                                <a:rPr lang="en-US" altLang="zh-CN" b="0" i="1" smtClean="0">
+                                  <a:latin typeface="Cambria Math"/>
+                                </a:rPr>
+                                <m:t>𝑋</m:t>
+                              </m:r>
+                            </m:e>
+                          </m:d>
+                        </m:e>
+                      </m:d>
+                      <m:r>
+                        <a:rPr lang="en-US" altLang="zh-CN" b="0" i="1" smtClean="0">
+                          <a:latin typeface="Cambria Math"/>
+                        </a:rPr>
+                        <m:t>=</m:t>
+                      </m:r>
+                      <m:r>
+                        <a:rPr lang="en-US" altLang="zh-CN" b="0" i="1" smtClean="0">
+                          <a:latin typeface="Cambria Math"/>
+                        </a:rPr>
+                        <m:t>𝑎𝑟𝑔𝑚𝑖</m:t>
+                      </m:r>
+                      <m:sSub>
+                        <m:sSubPr>
+                          <m:ctrlPr>
+                            <a:rPr lang="en-US" altLang="zh-CN" b="0" i="1" smtClean="0">
+                              <a:latin typeface="Cambria Math"/>
+                            </a:rPr>
+                          </m:ctrlPr>
+                        </m:sSubPr>
+                        <m:e>
+                          <m:r>
+                            <a:rPr lang="en-US" altLang="zh-CN" b="0" i="1" smtClean="0">
+                              <a:latin typeface="Cambria Math"/>
+                            </a:rPr>
+                            <m:t>𝑛</m:t>
+                          </m:r>
+                        </m:e>
+                        <m:sub>
+                          <m:d>
+                            <m:dPr>
+                              <m:ctrlPr>
+                                <a:rPr lang="en-US" altLang="zh-CN" b="0" i="1" smtClean="0">
+                                  <a:latin typeface="Cambria Math"/>
+                                </a:rPr>
+                              </m:ctrlPr>
+                            </m:dPr>
+                            <m:e>
+                              <m:r>
+                                <a:rPr lang="en-US" altLang="zh-CN" b="0" i="1" smtClean="0">
+                                  <a:latin typeface="Cambria Math"/>
+                                </a:rPr>
+                                <m:t>𝑠</m:t>
+                              </m:r>
+                              <m:r>
+                                <a:rPr lang="en-US" altLang="zh-CN" b="0" i="1" smtClean="0">
+                                  <a:latin typeface="Cambria Math"/>
+                                </a:rPr>
+                                <m:t>,</m:t>
+                              </m:r>
+                              <m:r>
+                                <a:rPr lang="en-US" altLang="zh-CN" b="0" i="1" smtClean="0">
+                                  <a:latin typeface="Cambria Math"/>
+                                </a:rPr>
+                                <m:t>𝑡</m:t>
+                              </m:r>
+                            </m:e>
+                          </m:d>
+                          <m:r>
+                            <a:rPr lang="en-US" altLang="zh-CN" b="0" i="1" smtClean="0">
+                              <a:latin typeface="Cambria Math"/>
+                            </a:rPr>
+                            <m:t>∈</m:t>
+                          </m:r>
+                          <m:r>
+                            <a:rPr lang="en-US" altLang="zh-CN" b="0" i="1" smtClean="0">
+                              <a:latin typeface="Cambria Math"/>
+                            </a:rPr>
+                            <m:t>𝐴</m:t>
+                          </m:r>
+                          <m:d>
+                            <m:dPr>
+                              <m:ctrlPr>
+                                <a:rPr lang="en-US" altLang="zh-CN" b="0" i="1" smtClean="0">
+                                  <a:latin typeface="Cambria Math"/>
+                                </a:rPr>
+                              </m:ctrlPr>
+                            </m:dPr>
+                            <m:e>
+                              <m:r>
+                                <a:rPr lang="en-US" altLang="zh-CN" b="0" i="1" smtClean="0">
+                                  <a:latin typeface="Cambria Math"/>
+                                </a:rPr>
+                                <m:t>𝑖</m:t>
+                              </m:r>
+                              <m:r>
+                                <a:rPr lang="en-US" altLang="zh-CN" b="0" i="1" smtClean="0">
+                                  <a:latin typeface="Cambria Math"/>
+                                </a:rPr>
+                                <m:t>,</m:t>
+                              </m:r>
+                              <m:r>
+                                <a:rPr lang="en-US" altLang="zh-CN" b="0" i="1" smtClean="0">
+                                  <a:latin typeface="Cambria Math"/>
+                                </a:rPr>
+                                <m:t>𝑗</m:t>
+                              </m:r>
+                            </m:e>
+                          </m:d>
+                        </m:sub>
+                      </m:sSub>
+                      <m:sSub>
+                        <m:sSubPr>
+                          <m:ctrlPr>
+                            <a:rPr lang="en-US" altLang="zh-CN" b="0" i="1" smtClean="0">
+                              <a:latin typeface="Cambria Math"/>
+                            </a:rPr>
+                          </m:ctrlPr>
+                        </m:sSubPr>
+                        <m:e>
+                          <m:r>
+                            <a:rPr lang="en-US" altLang="zh-CN" b="0" i="1" smtClean="0">
+                              <a:latin typeface="Cambria Math"/>
+                            </a:rPr>
+                            <m:t>𝐷</m:t>
+                          </m:r>
+                        </m:e>
+                        <m:sub>
+                          <m:r>
+                            <a:rPr lang="en-US" altLang="zh-CN" b="0" i="1" smtClean="0">
+                              <a:latin typeface="Cambria Math"/>
+                            </a:rPr>
+                            <m:t>𝑠</m:t>
+                          </m:r>
+                          <m:r>
+                            <a:rPr lang="en-US" altLang="zh-CN" b="0" i="1" smtClean="0">
+                              <a:latin typeface="Cambria Math"/>
+                            </a:rPr>
+                            <m:t>,</m:t>
+                          </m:r>
+                          <m:r>
+                            <a:rPr lang="en-US" altLang="zh-CN" b="0" i="1" smtClean="0">
+                              <a:latin typeface="Cambria Math"/>
+                            </a:rPr>
+                            <m:t>𝑡</m:t>
+                          </m:r>
+                        </m:sub>
+                      </m:sSub>
+                      <m:d>
+                        <m:dPr>
+                          <m:ctrlPr>
+                            <a:rPr lang="en-US" altLang="zh-CN" b="0" i="1" smtClean="0">
+                              <a:latin typeface="Cambria Math"/>
+                            </a:rPr>
+                          </m:ctrlPr>
+                        </m:dPr>
+                        <m:e>
+                          <m:r>
+                            <a:rPr lang="en-US" altLang="zh-CN" b="0" i="1" smtClean="0">
+                              <a:latin typeface="Cambria Math"/>
+                            </a:rPr>
+                            <m:t>𝑄</m:t>
+                          </m:r>
+                          <m:r>
+                            <a:rPr lang="en-US" altLang="zh-CN" b="0" i="1" smtClean="0">
+                              <a:latin typeface="Cambria Math"/>
+                            </a:rPr>
+                            <m:t>,</m:t>
+                          </m:r>
+                          <m:r>
+                            <a:rPr lang="en-US" altLang="zh-CN" b="0" i="1" smtClean="0">
+                              <a:latin typeface="Cambria Math"/>
+                            </a:rPr>
+                            <m:t>𝑋</m:t>
+                          </m:r>
+                        </m:e>
+                      </m:d>
+                    </m:oMath>
+                  </m:oMathPara>
+                </a14:m>
+                <a:endParaRPr lang="en-US" altLang="zh-CN" b="0" dirty="0" smtClean="0"/>
+              </a:p>
+              <a:p>
+                <a:pPr marL="0" indent="0">
+                  <a:buNone/>
+                </a:pPr>
+                <a14:m>
+                  <m:oMathPara xmlns:m="http://schemas.openxmlformats.org/officeDocument/2006/math">
+                    <m:oMathParaPr>
+                      <m:jc m:val="centerGroup"/>
+                    </m:oMathParaPr>
+                    <m:oMath xmlns:m="http://schemas.openxmlformats.org/officeDocument/2006/math">
+                      <m:sSub>
+                        <m:sSubPr>
+                          <m:ctrlPr>
+                            <a:rPr lang="en-US" altLang="zh-CN" b="0" i="1" smtClean="0">
+                              <a:latin typeface="Cambria Math"/>
+                            </a:rPr>
+                          </m:ctrlPr>
+                        </m:sSubPr>
+                        <m:e>
+                          <m:r>
+                            <a:rPr lang="en-US" altLang="zh-CN" b="0" i="1" smtClean="0">
+                              <a:latin typeface="Cambria Math"/>
+                            </a:rPr>
+                            <m:t>𝐷</m:t>
+                          </m:r>
+                        </m:e>
+                        <m:sub>
+                          <m:r>
+                            <a:rPr lang="en-US" altLang="zh-CN" b="0" i="1" smtClean="0">
+                              <a:latin typeface="Cambria Math"/>
+                            </a:rPr>
+                            <m:t>𝑖</m:t>
+                          </m:r>
+                          <m:r>
+                            <a:rPr lang="en-US" altLang="zh-CN" b="0" i="1" smtClean="0">
+                              <a:latin typeface="Cambria Math"/>
+                            </a:rPr>
+                            <m:t>,</m:t>
+                          </m:r>
+                          <m:r>
+                            <a:rPr lang="en-US" altLang="zh-CN" b="0" i="1" smtClean="0">
+                              <a:latin typeface="Cambria Math"/>
+                            </a:rPr>
+                            <m:t>𝑗</m:t>
+                          </m:r>
+                        </m:sub>
+                      </m:sSub>
+                      <m:d>
+                        <m:dPr>
+                          <m:ctrlPr>
+                            <a:rPr lang="en-US" altLang="zh-CN" b="0" i="1" smtClean="0">
+                              <a:latin typeface="Cambria Math"/>
+                            </a:rPr>
+                          </m:ctrlPr>
+                        </m:dPr>
+                        <m:e>
+                          <m:r>
+                            <a:rPr lang="en-US" altLang="zh-CN" b="0" i="1" smtClean="0">
+                              <a:latin typeface="Cambria Math"/>
+                            </a:rPr>
+                            <m:t>𝑄</m:t>
+                          </m:r>
+                          <m:r>
+                            <a:rPr lang="en-US" altLang="zh-CN" b="0" i="1" smtClean="0">
+                              <a:latin typeface="Cambria Math"/>
+                            </a:rPr>
+                            <m:t>,</m:t>
+                          </m:r>
+                          <m:r>
+                            <a:rPr lang="en-US" altLang="zh-CN" b="0" i="1" smtClean="0">
+                              <a:latin typeface="Cambria Math"/>
+                            </a:rPr>
+                            <m:t>𝑋</m:t>
+                          </m:r>
+                        </m:e>
+                      </m:d>
+                      <m:r>
+                        <a:rPr lang="en-US" altLang="zh-CN" b="0" i="1" smtClean="0">
+                          <a:latin typeface="Cambria Math"/>
+                        </a:rPr>
+                        <m:t>=</m:t>
+                      </m:r>
+                      <m:d>
+                        <m:dPr>
+                          <m:begChr m:val="‖"/>
+                          <m:endChr m:val="‖"/>
+                          <m:ctrlPr>
+                            <a:rPr lang="en-US" altLang="zh-CN" b="0" i="1" smtClean="0">
+                              <a:latin typeface="Cambria Math"/>
+                            </a:rPr>
+                          </m:ctrlPr>
+                        </m:dPr>
+                        <m:e>
+                          <m:sSub>
+                            <m:sSubPr>
+                              <m:ctrlPr>
+                                <a:rPr lang="en-US" altLang="zh-CN" i="1">
+                                  <a:latin typeface="Cambria Math"/>
+                                </a:rPr>
+                              </m:ctrlPr>
+                            </m:sSubPr>
+                            <m:e>
+                              <m:r>
+                                <a:rPr lang="en-US" altLang="zh-CN" i="1">
+                                  <a:latin typeface="Cambria Math"/>
+                                </a:rPr>
+                                <m:t>𝑄</m:t>
+                              </m:r>
+                            </m:e>
+                            <m:sub>
+                              <m:r>
+                                <a:rPr lang="en-US" altLang="zh-CN" i="1">
+                                  <a:latin typeface="Cambria Math"/>
+                                </a:rPr>
+                                <m:t>𝑖</m:t>
+                              </m:r>
+                            </m:sub>
+                          </m:sSub>
+                          <m:r>
+                            <a:rPr lang="en-US" altLang="zh-CN" i="1">
+                              <a:latin typeface="Cambria Math"/>
+                            </a:rPr>
+                            <m:t>−</m:t>
+                          </m:r>
+                          <m:sSub>
+                            <m:sSubPr>
+                              <m:ctrlPr>
+                                <a:rPr lang="en-US" altLang="zh-CN" i="1">
+                                  <a:latin typeface="Cambria Math"/>
+                                </a:rPr>
+                              </m:ctrlPr>
+                            </m:sSubPr>
+                            <m:e>
+                              <m:r>
+                                <a:rPr lang="en-US" altLang="zh-CN" i="1">
+                                  <a:latin typeface="Cambria Math"/>
+                                </a:rPr>
+                                <m:t>𝑋</m:t>
+                              </m:r>
+                            </m:e>
+                            <m:sub>
+                              <m:r>
+                                <a:rPr lang="en-US" altLang="zh-CN" i="1">
+                                  <a:latin typeface="Cambria Math"/>
+                                </a:rPr>
+                                <m:t>𝑗</m:t>
+                              </m:r>
+                            </m:sub>
+                          </m:sSub>
+                        </m:e>
+                      </m:d>
+                      <m:r>
+                        <a:rPr lang="en-US" altLang="zh-CN" b="0" i="1" smtClean="0">
+                          <a:latin typeface="Cambria Math"/>
+                        </a:rPr>
+                        <m:t>+</m:t>
+                      </m:r>
+                      <m:sSub>
+                        <m:sSubPr>
+                          <m:ctrlPr>
+                            <a:rPr lang="en-US" altLang="zh-CN" b="0" i="1" smtClean="0">
+                              <a:latin typeface="Cambria Math"/>
+                            </a:rPr>
+                          </m:ctrlPr>
+                        </m:sSubPr>
+                        <m:e>
+                          <m:r>
+                            <a:rPr lang="en-US" altLang="zh-CN" b="0" i="1" smtClean="0">
+                              <a:latin typeface="Cambria Math"/>
+                            </a:rPr>
+                            <m:t>𝐷</m:t>
+                          </m:r>
+                        </m:e>
+                        <m:sub>
+                          <m:r>
+                            <a:rPr lang="en-US" altLang="zh-CN" b="0" i="1" smtClean="0">
+                              <a:latin typeface="Cambria Math"/>
+                            </a:rPr>
+                            <m:t>𝑝𝑖</m:t>
+                          </m:r>
+                          <m:d>
+                            <m:dPr>
+                              <m:ctrlPr>
+                                <a:rPr lang="en-US" altLang="zh-CN" b="0" i="1" smtClean="0">
+                                  <a:latin typeface="Cambria Math"/>
+                                </a:rPr>
+                              </m:ctrlPr>
+                            </m:dPr>
+                            <m:e>
+                              <m:r>
+                                <a:rPr lang="en-US" altLang="zh-CN" b="0" i="1" smtClean="0">
+                                  <a:latin typeface="Cambria Math"/>
+                                </a:rPr>
+                                <m:t>𝑄</m:t>
+                              </m:r>
+                              <m:r>
+                                <a:rPr lang="en-US" altLang="zh-CN" b="0" i="1" smtClean="0">
+                                  <a:latin typeface="Cambria Math"/>
+                                </a:rPr>
+                                <m:t>,</m:t>
+                              </m:r>
+                              <m:r>
+                                <a:rPr lang="en-US" altLang="zh-CN" b="0" i="1" smtClean="0">
+                                  <a:latin typeface="Cambria Math"/>
+                                </a:rPr>
+                                <m:t>𝑋</m:t>
+                              </m:r>
+                            </m:e>
+                          </m:d>
+                          <m:r>
+                            <a:rPr lang="en-US" altLang="zh-CN" b="0" i="1" smtClean="0">
+                              <a:latin typeface="Cambria Math"/>
+                            </a:rPr>
+                            <m:t>,</m:t>
+                          </m:r>
+                          <m:r>
+                            <a:rPr lang="en-US" altLang="zh-CN" b="0" i="1" smtClean="0">
+                              <a:latin typeface="Cambria Math"/>
+                            </a:rPr>
+                            <m:t>𝑝𝑗</m:t>
+                          </m:r>
+                          <m:d>
+                            <m:dPr>
+                              <m:ctrlPr>
+                                <a:rPr lang="en-US" altLang="zh-CN" b="0" i="1" smtClean="0">
+                                  <a:latin typeface="Cambria Math"/>
+                                </a:rPr>
+                              </m:ctrlPr>
+                            </m:dPr>
+                            <m:e>
+                              <m:r>
+                                <a:rPr lang="en-US" altLang="zh-CN" b="0" i="1" smtClean="0">
+                                  <a:latin typeface="Cambria Math"/>
+                                </a:rPr>
+                                <m:t>𝑄</m:t>
+                              </m:r>
+                              <m:r>
+                                <a:rPr lang="en-US" altLang="zh-CN" b="0" i="1" smtClean="0">
+                                  <a:latin typeface="Cambria Math"/>
+                                </a:rPr>
+                                <m:t>,</m:t>
+                              </m:r>
+                              <m:r>
+                                <a:rPr lang="en-US" altLang="zh-CN" b="0" i="1" smtClean="0">
+                                  <a:latin typeface="Cambria Math"/>
+                                </a:rPr>
+                                <m:t>𝑋</m:t>
+                              </m:r>
+                            </m:e>
+                          </m:d>
+                        </m:sub>
+                      </m:sSub>
+                      <m:d>
+                        <m:dPr>
+                          <m:ctrlPr>
+                            <a:rPr lang="en-US" altLang="zh-CN" b="0" i="1" smtClean="0">
+                              <a:latin typeface="Cambria Math"/>
+                            </a:rPr>
+                          </m:ctrlPr>
+                        </m:dPr>
+                        <m:e>
+                          <m:r>
+                            <a:rPr lang="en-US" altLang="zh-CN" b="0" i="1" smtClean="0">
+                              <a:latin typeface="Cambria Math"/>
+                            </a:rPr>
+                            <m:t>𝑄</m:t>
+                          </m:r>
+                          <m:r>
+                            <a:rPr lang="en-US" altLang="zh-CN" b="0" i="1" smtClean="0">
+                              <a:latin typeface="Cambria Math"/>
+                            </a:rPr>
+                            <m:t>,</m:t>
+                          </m:r>
+                          <m:r>
+                            <a:rPr lang="en-US" altLang="zh-CN" b="0" i="1" smtClean="0">
+                              <a:latin typeface="Cambria Math"/>
+                            </a:rPr>
+                            <m:t>𝑋</m:t>
+                          </m:r>
+                        </m:e>
+                      </m:d>
+                    </m:oMath>
+                  </m:oMathPara>
+                </a14:m>
+                <a:endParaRPr lang="en-US" altLang="zh-CN" b="0" dirty="0" smtClean="0"/>
+              </a:p>
+              <a:p>
+                <a:pPr marL="0" indent="0">
+                  <a:buNone/>
+                </a:pPr>
+                <a14:m>
+                  <m:oMathPara xmlns:m="http://schemas.openxmlformats.org/officeDocument/2006/math">
+                    <m:oMathParaPr>
+                      <m:jc m:val="centerGroup"/>
+                    </m:oMathParaPr>
+                    <m:oMath xmlns:m="http://schemas.openxmlformats.org/officeDocument/2006/math">
+                      <m:sSub>
+                        <m:sSubPr>
+                          <m:ctrlPr>
+                            <a:rPr lang="en-US" altLang="zh-CN" b="0" i="1" smtClean="0">
+                              <a:latin typeface="Cambria Math"/>
+                            </a:rPr>
+                          </m:ctrlPr>
+                        </m:sSubPr>
+                        <m:e>
+                          <m:r>
+                            <a:rPr lang="en-US" altLang="zh-CN" b="0" i="1" smtClean="0">
+                              <a:latin typeface="Cambria Math"/>
+                            </a:rPr>
+                            <m:t>𝑊</m:t>
+                          </m:r>
+                        </m:e>
+                        <m:sub>
+                          <m:r>
+                            <a:rPr lang="en-US" altLang="zh-CN" b="0" i="1" smtClean="0">
+                              <a:latin typeface="Cambria Math"/>
+                            </a:rPr>
+                            <m:t>𝑖</m:t>
+                          </m:r>
+                          <m:r>
+                            <a:rPr lang="en-US" altLang="zh-CN" b="0" i="1" smtClean="0">
+                              <a:latin typeface="Cambria Math"/>
+                            </a:rPr>
+                            <m:t>,</m:t>
+                          </m:r>
+                          <m:r>
+                            <a:rPr lang="en-US" altLang="zh-CN" b="0" i="1" smtClean="0">
+                              <a:latin typeface="Cambria Math"/>
+                            </a:rPr>
+                            <m:t>𝑗</m:t>
+                          </m:r>
+                        </m:sub>
+                      </m:sSub>
+                      <m:d>
+                        <m:dPr>
+                          <m:ctrlPr>
+                            <a:rPr lang="en-US" altLang="zh-CN" b="0" i="1" smtClean="0">
+                              <a:latin typeface="Cambria Math"/>
+                            </a:rPr>
+                          </m:ctrlPr>
+                        </m:dPr>
+                        <m:e>
+                          <m:r>
+                            <a:rPr lang="en-US" altLang="zh-CN" b="0" i="1" smtClean="0">
+                              <a:latin typeface="Cambria Math"/>
+                            </a:rPr>
+                            <m:t>𝑄</m:t>
+                          </m:r>
+                          <m:r>
+                            <a:rPr lang="en-US" altLang="zh-CN" b="0" i="1" smtClean="0">
+                              <a:latin typeface="Cambria Math"/>
+                            </a:rPr>
+                            <m:t>,</m:t>
+                          </m:r>
+                          <m:r>
+                            <a:rPr lang="en-US" altLang="zh-CN" b="0" i="1" smtClean="0">
+                              <a:latin typeface="Cambria Math"/>
+                            </a:rPr>
+                            <m:t>𝑋</m:t>
+                          </m:r>
+                        </m:e>
+                      </m:d>
+                      <m:r>
+                        <a:rPr lang="en-US" altLang="zh-CN" b="0" i="1" smtClean="0">
+                          <a:latin typeface="Cambria Math"/>
+                        </a:rPr>
+                        <m:t>=</m:t>
+                      </m:r>
+                      <m:sSub>
+                        <m:sSubPr>
+                          <m:ctrlPr>
+                            <a:rPr lang="en-US" altLang="zh-CN" b="0" i="1" smtClean="0">
+                              <a:latin typeface="Cambria Math"/>
+                            </a:rPr>
+                          </m:ctrlPr>
+                        </m:sSubPr>
+                        <m:e>
+                          <m:r>
+                            <a:rPr lang="en-US" altLang="zh-CN" b="0" i="1" smtClean="0">
+                              <a:latin typeface="Cambria Math"/>
+                            </a:rPr>
+                            <m:t>𝑊</m:t>
+                          </m:r>
+                        </m:e>
+                        <m:sub>
+                          <m:r>
+                            <a:rPr lang="en-US" altLang="zh-CN" b="0" i="1" smtClean="0">
+                              <a:latin typeface="Cambria Math"/>
+                            </a:rPr>
+                            <m:t>𝑝𝑖</m:t>
+                          </m:r>
+                          <m:d>
+                            <m:dPr>
+                              <m:ctrlPr>
+                                <a:rPr lang="en-US" altLang="zh-CN" b="0" i="1" smtClean="0">
+                                  <a:latin typeface="Cambria Math"/>
+                                </a:rPr>
+                              </m:ctrlPr>
+                            </m:dPr>
+                            <m:e>
+                              <m:r>
+                                <a:rPr lang="en-US" altLang="zh-CN" b="0" i="1" smtClean="0">
+                                  <a:latin typeface="Cambria Math"/>
+                                </a:rPr>
+                                <m:t>𝑄</m:t>
+                              </m:r>
+                              <m:r>
+                                <a:rPr lang="en-US" altLang="zh-CN" b="0" i="1" smtClean="0">
+                                  <a:latin typeface="Cambria Math"/>
+                                </a:rPr>
+                                <m:t>,</m:t>
+                              </m:r>
+                              <m:r>
+                                <a:rPr lang="en-US" altLang="zh-CN" b="0" i="1" smtClean="0">
+                                  <a:latin typeface="Cambria Math"/>
+                                </a:rPr>
+                                <m:t>𝑋</m:t>
+                              </m:r>
+                            </m:e>
+                          </m:d>
+                          <m:r>
+                            <a:rPr lang="en-US" altLang="zh-CN" b="0" i="1" smtClean="0">
+                              <a:latin typeface="Cambria Math"/>
+                            </a:rPr>
+                            <m:t>,</m:t>
+                          </m:r>
+                          <m:r>
+                            <a:rPr lang="en-US" altLang="zh-CN" b="0" i="1" smtClean="0">
+                              <a:latin typeface="Cambria Math"/>
+                            </a:rPr>
+                            <m:t>𝑝𝑗</m:t>
+                          </m:r>
+                          <m:d>
+                            <m:dPr>
+                              <m:ctrlPr>
+                                <a:rPr lang="en-US" altLang="zh-CN" b="0" i="1" smtClean="0">
+                                  <a:latin typeface="Cambria Math"/>
+                                </a:rPr>
+                              </m:ctrlPr>
+                            </m:dPr>
+                            <m:e>
+                              <m:r>
+                                <a:rPr lang="en-US" altLang="zh-CN" b="0" i="1" smtClean="0">
+                                  <a:latin typeface="Cambria Math"/>
+                                </a:rPr>
+                                <m:t>𝑄</m:t>
+                              </m:r>
+                              <m:r>
+                                <a:rPr lang="en-US" altLang="zh-CN" b="0" i="1" smtClean="0">
+                                  <a:latin typeface="Cambria Math"/>
+                                </a:rPr>
+                                <m:t>,</m:t>
+                              </m:r>
+                              <m:r>
+                                <a:rPr lang="en-US" altLang="zh-CN" b="0" i="1" smtClean="0">
+                                  <a:latin typeface="Cambria Math"/>
+                                </a:rPr>
+                                <m:t>𝑋</m:t>
+                              </m:r>
+                            </m:e>
+                          </m:d>
+                        </m:sub>
+                      </m:sSub>
+                      <m:d>
+                        <m:dPr>
+                          <m:ctrlPr>
+                            <a:rPr lang="en-US" altLang="zh-CN" b="0" i="1" smtClean="0">
+                              <a:latin typeface="Cambria Math"/>
+                            </a:rPr>
+                          </m:ctrlPr>
+                        </m:dPr>
+                        <m:e>
+                          <m:r>
+                            <a:rPr lang="en-US" altLang="zh-CN" b="0" i="1" smtClean="0">
+                              <a:latin typeface="Cambria Math"/>
+                            </a:rPr>
+                            <m:t>𝑄</m:t>
+                          </m:r>
+                          <m:r>
+                            <a:rPr lang="en-US" altLang="zh-CN" b="0" i="1" smtClean="0">
+                              <a:latin typeface="Cambria Math"/>
+                            </a:rPr>
+                            <m:t>,</m:t>
+                          </m:r>
+                          <m:r>
+                            <a:rPr lang="en-US" altLang="zh-CN" b="0" i="1" smtClean="0">
+                              <a:latin typeface="Cambria Math"/>
+                            </a:rPr>
+                            <m:t>𝑋</m:t>
+                          </m:r>
+                        </m:e>
+                      </m:d>
+                      <m:r>
+                        <a:rPr lang="en-US" altLang="zh-CN" b="0" i="1" smtClean="0">
+                          <a:latin typeface="Cambria Math"/>
+                          <a:ea typeface="Cambria Math"/>
+                        </a:rPr>
+                        <m:t>∪</m:t>
+                      </m:r>
+                      <m:d>
+                        <m:dPr>
+                          <m:ctrlPr>
+                            <a:rPr lang="en-US" altLang="zh-CN" b="0" i="1" smtClean="0">
+                              <a:latin typeface="Cambria Math"/>
+                              <a:ea typeface="Cambria Math"/>
+                            </a:rPr>
+                          </m:ctrlPr>
+                        </m:dPr>
+                        <m:e>
+                          <m:r>
+                            <a:rPr lang="en-US" altLang="zh-CN" b="0" i="1" smtClean="0">
+                              <a:latin typeface="Cambria Math"/>
+                              <a:ea typeface="Cambria Math"/>
+                            </a:rPr>
+                            <m:t>𝑖</m:t>
+                          </m:r>
+                          <m:r>
+                            <a:rPr lang="en-US" altLang="zh-CN" b="0" i="1" smtClean="0">
+                              <a:latin typeface="Cambria Math"/>
+                              <a:ea typeface="Cambria Math"/>
+                            </a:rPr>
+                            <m:t>,</m:t>
+                          </m:r>
+                          <m:r>
+                            <a:rPr lang="en-US" altLang="zh-CN" b="0" i="1" smtClean="0">
+                              <a:latin typeface="Cambria Math"/>
+                              <a:ea typeface="Cambria Math"/>
+                            </a:rPr>
+                            <m:t>𝑗</m:t>
+                          </m:r>
+                        </m:e>
+                      </m:d>
+                    </m:oMath>
+                  </m:oMathPara>
+                </a14:m>
+                <a:endParaRPr lang="en-US" altLang="zh-CN" b="0" dirty="0" smtClean="0">
+                  <a:ea typeface="Cambria Math"/>
+                </a:endParaRPr>
+              </a:p>
+              <a:p>
+                <a:pPr marL="0" indent="0">
+                  <a:buNone/>
+                </a:pPr>
+                <a14:m>
+                  <m:oMathPara xmlns:m="http://schemas.openxmlformats.org/officeDocument/2006/math">
+                    <m:oMathParaPr>
+                      <m:jc m:val="centerGroup"/>
+                    </m:oMathParaPr>
+                    <m:oMath xmlns:m="http://schemas.openxmlformats.org/officeDocument/2006/math">
+                      <m:r>
+                        <a:rPr lang="en-US" altLang="zh-CN" b="0" i="1" smtClean="0">
+                          <a:latin typeface="Cambria Math"/>
+                        </a:rPr>
+                        <m:t>𝐷</m:t>
+                      </m:r>
+                      <m:d>
+                        <m:dPr>
+                          <m:ctrlPr>
+                            <a:rPr lang="en-US" altLang="zh-CN" b="0" i="1" smtClean="0">
+                              <a:latin typeface="Cambria Math"/>
+                            </a:rPr>
+                          </m:ctrlPr>
+                        </m:dPr>
+                        <m:e>
+                          <m:r>
+                            <a:rPr lang="en-US" altLang="zh-CN" b="0" i="1" smtClean="0">
+                              <a:latin typeface="Cambria Math"/>
+                            </a:rPr>
+                            <m:t>𝑄</m:t>
+                          </m:r>
+                          <m:r>
+                            <a:rPr lang="en-US" altLang="zh-CN" b="0" i="1" smtClean="0">
+                              <a:latin typeface="Cambria Math"/>
+                            </a:rPr>
+                            <m:t>,</m:t>
+                          </m:r>
+                          <m:r>
+                            <a:rPr lang="en-US" altLang="zh-CN" b="0" i="1" smtClean="0">
+                              <a:latin typeface="Cambria Math"/>
+                            </a:rPr>
+                            <m:t>𝑋</m:t>
+                          </m:r>
+                        </m:e>
+                      </m:d>
+                      <m:r>
+                        <a:rPr lang="en-US" altLang="zh-CN" b="0" i="1" smtClean="0">
+                          <a:latin typeface="Cambria Math"/>
+                        </a:rPr>
+                        <m:t>=</m:t>
+                      </m:r>
+                      <m:func>
+                        <m:funcPr>
+                          <m:ctrlPr>
+                            <a:rPr lang="en-US" altLang="zh-CN" b="0" i="1" smtClean="0">
+                              <a:latin typeface="Cambria Math"/>
+                            </a:rPr>
+                          </m:ctrlPr>
+                        </m:funcPr>
+                        <m:fName>
+                          <m:limLow>
+                            <m:limLowPr>
+                              <m:ctrlPr>
+                                <a:rPr lang="en-US" altLang="zh-CN" b="0" i="1" smtClean="0">
+                                  <a:latin typeface="Cambria Math"/>
+                                </a:rPr>
+                              </m:ctrlPr>
+                            </m:limLowPr>
+                            <m:e>
+                              <m:r>
+                                <m:rPr>
+                                  <m:sty m:val="p"/>
+                                </m:rPr>
+                                <a:rPr lang="en-US" altLang="zh-CN" b="0" i="0" smtClean="0">
+                                  <a:latin typeface="Cambria Math"/>
+                                </a:rPr>
+                                <m:t>min</m:t>
+                              </m:r>
+                            </m:e>
+                            <m:lim>
+                              <m:r>
+                                <a:rPr lang="en-US" altLang="zh-CN" b="0" i="1" smtClean="0">
+                                  <a:latin typeface="Cambria Math"/>
+                                </a:rPr>
+                                <m:t>𝑗</m:t>
+                              </m:r>
+                              <m:r>
+                                <a:rPr lang="en-US" altLang="zh-CN" b="0" i="1" smtClean="0">
+                                  <a:latin typeface="Cambria Math"/>
+                                </a:rPr>
+                                <m:t>=1…,|</m:t>
+                              </m:r>
+                              <m:r>
+                                <a:rPr lang="en-US" altLang="zh-CN" b="0" i="1" smtClean="0">
+                                  <a:latin typeface="Cambria Math"/>
+                                </a:rPr>
+                                <m:t>𝑋</m:t>
+                              </m:r>
+                              <m:r>
+                                <a:rPr lang="en-US" altLang="zh-CN" b="0" i="1" smtClean="0">
+                                  <a:latin typeface="Cambria Math"/>
+                                </a:rPr>
+                                <m:t>|</m:t>
+                              </m:r>
+                            </m:lim>
+                          </m:limLow>
+                        </m:fName>
+                        <m:e>
+                          <m:d>
+                            <m:dPr>
+                              <m:begChr m:val="{"/>
+                              <m:endChr m:val="|"/>
+                              <m:ctrlPr>
+                                <a:rPr lang="en-US" altLang="zh-CN" b="0" i="1" smtClean="0">
+                                  <a:latin typeface="Cambria Math"/>
+                                </a:rPr>
+                              </m:ctrlPr>
+                            </m:dPr>
+                            <m:e>
+                              <m:sSub>
+                                <m:sSubPr>
+                                  <m:ctrlPr>
+                                    <a:rPr lang="en-US" altLang="zh-CN" b="0" i="1" smtClean="0">
+                                      <a:latin typeface="Cambria Math"/>
+                                    </a:rPr>
+                                  </m:ctrlPr>
+                                </m:sSubPr>
+                                <m:e>
+                                  <m:r>
+                                    <a:rPr lang="en-US" altLang="zh-CN" b="0" i="1" smtClean="0">
+                                      <a:latin typeface="Cambria Math"/>
+                                    </a:rPr>
+                                    <m:t>𝐷</m:t>
+                                  </m:r>
+                                </m:e>
+                                <m:sub>
+                                  <m:d>
+                                    <m:dPr>
+                                      <m:begChr m:val="|"/>
+                                      <m:endChr m:val="|"/>
+                                      <m:ctrlPr>
+                                        <a:rPr lang="en-US" altLang="zh-CN" b="0" i="1" smtClean="0">
+                                          <a:latin typeface="Cambria Math"/>
+                                        </a:rPr>
+                                      </m:ctrlPr>
+                                    </m:dPr>
+                                    <m:e>
+                                      <m:r>
+                                        <a:rPr lang="en-US" altLang="zh-CN" b="0" i="1" smtClean="0">
+                                          <a:latin typeface="Cambria Math"/>
+                                        </a:rPr>
+                                        <m:t>𝑄</m:t>
+                                      </m:r>
+                                    </m:e>
+                                  </m:d>
+                                  <m:r>
+                                    <a:rPr lang="en-US" altLang="zh-CN" b="0" i="1" smtClean="0">
+                                      <a:latin typeface="Cambria Math"/>
+                                    </a:rPr>
+                                    <m:t>,</m:t>
+                                  </m:r>
+                                  <m:r>
+                                    <a:rPr lang="en-US" altLang="zh-CN" b="0" i="1" smtClean="0">
+                                      <a:latin typeface="Cambria Math"/>
+                                    </a:rPr>
+                                    <m:t>𝑗</m:t>
+                                  </m:r>
+                                </m:sub>
+                              </m:sSub>
+                              <m:r>
+                                <a:rPr lang="en-US" altLang="zh-CN" b="0" i="1" smtClean="0">
+                                  <a:latin typeface="Cambria Math"/>
+                                </a:rPr>
+                                <m:t>(</m:t>
+                              </m:r>
+                              <m:r>
+                                <a:rPr lang="en-US" altLang="zh-CN" b="0" i="1" smtClean="0">
+                                  <a:latin typeface="Cambria Math"/>
+                                </a:rPr>
+                                <m:t>𝑄</m:t>
+                              </m:r>
+                              <m:r>
+                                <a:rPr lang="en-US" altLang="zh-CN" b="0" i="1" smtClean="0">
+                                  <a:latin typeface="Cambria Math"/>
+                                </a:rPr>
+                                <m:t>,</m:t>
+                              </m:r>
+                              <m:r>
+                                <a:rPr lang="en-US" altLang="zh-CN" b="0" i="1" smtClean="0">
+                                  <a:latin typeface="Cambria Math"/>
+                                </a:rPr>
+                                <m:t>𝑋</m:t>
+                              </m:r>
+                              <m:r>
+                                <a:rPr lang="en-US" altLang="zh-CN" b="0" i="1" smtClean="0">
+                                  <a:latin typeface="Cambria Math"/>
+                                </a:rPr>
+                                <m:t>)}</m:t>
+                              </m:r>
+                            </m:e>
+                          </m:d>
+                        </m:e>
+                      </m:func>
+                    </m:oMath>
+                  </m:oMathPara>
+                </a14:m>
+                <a:endParaRPr lang="en-US" altLang="zh-CN" dirty="0" smtClean="0"/>
+              </a:p>
+              <a:p>
+                <a:pPr marL="0" indent="0">
+                  <a:buNone/>
+                </a:pPr>
+                <a:r>
+                  <a:rPr lang="en-US" altLang="zh-CN" dirty="0" smtClean="0"/>
+                  <a:t>DTW approach</a:t>
+                </a:r>
+              </a:p>
+              <a:p>
+                <a:pPr marL="0" indent="0">
+                  <a:buNone/>
+                </a:pPr>
+                <a:r>
+                  <a:rPr lang="en-US" altLang="zh-CN" b="1" dirty="0" smtClean="0"/>
+                  <a:t>-Inputs.</a:t>
+                </a:r>
+                <a:r>
+                  <a:rPr lang="en-US" altLang="zh-CN" dirty="0" smtClean="0"/>
+                  <a:t> A short sequence Q, and a long sequence X.</a:t>
+                </a:r>
+              </a:p>
+              <a:p>
+                <a:pPr marL="0" indent="0">
+                  <a:buNone/>
+                </a:pPr>
+                <a:r>
+                  <a:rPr lang="en-US" altLang="zh-CN" b="1" dirty="0" smtClean="0"/>
+                  <a:t>-Initialization.</a:t>
+                </a:r>
+                <a:r>
+                  <a:rPr lang="en-US" altLang="zh-CN" dirty="0" smtClean="0"/>
+                  <a:t> Compute </a:t>
+                </a:r>
+                <a14:m>
+                  <m:oMath xmlns:m="http://schemas.openxmlformats.org/officeDocument/2006/math">
+                    <m:sSub>
+                      <m:sSubPr>
+                        <m:ctrlPr>
+                          <a:rPr lang="en-US" altLang="zh-CN" i="1">
+                            <a:latin typeface="Cambria Math"/>
+                          </a:rPr>
+                        </m:ctrlPr>
+                      </m:sSubPr>
+                      <m:e>
+                        <m:r>
+                          <a:rPr lang="en-US" altLang="zh-CN" i="1">
+                            <a:latin typeface="Cambria Math"/>
+                          </a:rPr>
+                          <m:t>𝐷</m:t>
+                        </m:r>
+                      </m:e>
+                      <m:sub>
+                        <m:r>
+                          <a:rPr lang="en-US" altLang="zh-CN" i="1">
+                            <a:latin typeface="Cambria Math"/>
+                          </a:rPr>
+                          <m:t>0,0</m:t>
+                        </m:r>
+                      </m:sub>
+                    </m:sSub>
+                    <m:d>
+                      <m:dPr>
+                        <m:ctrlPr>
+                          <a:rPr lang="en-US" altLang="zh-CN" i="1">
+                            <a:latin typeface="Cambria Math"/>
+                          </a:rPr>
+                        </m:ctrlPr>
+                      </m:dPr>
+                      <m:e>
+                        <m:r>
+                          <a:rPr lang="en-US" altLang="zh-CN" i="1">
+                            <a:latin typeface="Cambria Math"/>
+                          </a:rPr>
+                          <m:t>𝑄</m:t>
+                        </m:r>
+                        <m:r>
+                          <a:rPr lang="en-US" altLang="zh-CN" i="1">
+                            <a:latin typeface="Cambria Math"/>
+                          </a:rPr>
+                          <m:t>,</m:t>
+                        </m:r>
+                        <m:r>
+                          <a:rPr lang="en-US" altLang="zh-CN" i="1">
+                            <a:latin typeface="Cambria Math"/>
+                          </a:rPr>
+                          <m:t>𝑋</m:t>
+                        </m:r>
+                      </m:e>
+                    </m:d>
+                    <m:r>
+                      <a:rPr lang="en-US" altLang="zh-CN" b="0" i="1" smtClean="0">
+                        <a:latin typeface="Cambria Math"/>
+                      </a:rPr>
+                      <m:t>,</m:t>
+                    </m:r>
+                    <m:sSub>
+                      <m:sSubPr>
+                        <m:ctrlPr>
+                          <a:rPr lang="en-US" altLang="zh-CN" i="1">
+                            <a:latin typeface="Cambria Math"/>
+                          </a:rPr>
+                        </m:ctrlPr>
+                      </m:sSubPr>
+                      <m:e>
+                        <m:r>
+                          <a:rPr lang="en-US" altLang="zh-CN" b="0" i="1" smtClean="0">
+                            <a:latin typeface="Cambria Math"/>
+                          </a:rPr>
+                          <m:t> </m:t>
+                        </m:r>
+                        <m:r>
+                          <a:rPr lang="en-US" altLang="zh-CN" i="1">
+                            <a:latin typeface="Cambria Math"/>
+                          </a:rPr>
+                          <m:t>𝐷</m:t>
+                        </m:r>
+                      </m:e>
+                      <m:sub>
+                        <m:r>
+                          <a:rPr lang="en-US" altLang="zh-CN" i="1">
+                            <a:latin typeface="Cambria Math"/>
+                          </a:rPr>
+                          <m:t>𝑖</m:t>
+                        </m:r>
+                        <m:r>
+                          <a:rPr lang="en-US" altLang="zh-CN" i="1">
+                            <a:latin typeface="Cambria Math"/>
+                          </a:rPr>
+                          <m:t>,0</m:t>
+                        </m:r>
+                      </m:sub>
+                    </m:sSub>
+                    <m:d>
+                      <m:dPr>
+                        <m:ctrlPr>
+                          <a:rPr lang="en-US" altLang="zh-CN" i="1">
+                            <a:latin typeface="Cambria Math"/>
+                          </a:rPr>
+                        </m:ctrlPr>
+                      </m:dPr>
+                      <m:e>
+                        <m:r>
+                          <a:rPr lang="en-US" altLang="zh-CN" i="1">
+                            <a:latin typeface="Cambria Math"/>
+                          </a:rPr>
+                          <m:t>𝑄</m:t>
+                        </m:r>
+                        <m:r>
+                          <a:rPr lang="en-US" altLang="zh-CN" i="1">
+                            <a:latin typeface="Cambria Math"/>
+                          </a:rPr>
+                          <m:t>,</m:t>
+                        </m:r>
+                        <m:r>
+                          <a:rPr lang="en-US" altLang="zh-CN" i="1">
+                            <a:latin typeface="Cambria Math"/>
+                          </a:rPr>
+                          <m:t>𝑋</m:t>
+                        </m:r>
+                      </m:e>
+                    </m:d>
+                    <m:r>
+                      <a:rPr lang="en-US" altLang="zh-CN" i="1">
+                        <a:latin typeface="Cambria Math"/>
+                      </a:rPr>
+                      <m:t>, </m:t>
+                    </m:r>
+                    <m:sSub>
+                      <m:sSubPr>
+                        <m:ctrlPr>
+                          <a:rPr lang="en-US" altLang="zh-CN" i="1">
+                            <a:latin typeface="Cambria Math"/>
+                          </a:rPr>
+                        </m:ctrlPr>
+                      </m:sSubPr>
+                      <m:e>
+                        <m:r>
+                          <a:rPr lang="en-US" altLang="zh-CN" i="1">
+                            <a:latin typeface="Cambria Math"/>
+                          </a:rPr>
+                          <m:t>𝐷</m:t>
+                        </m:r>
+                      </m:e>
+                      <m:sub>
+                        <m:r>
+                          <a:rPr lang="en-US" altLang="zh-CN" i="1">
+                            <a:latin typeface="Cambria Math"/>
+                          </a:rPr>
+                          <m:t>0,</m:t>
+                        </m:r>
+                        <m:r>
+                          <a:rPr lang="en-US" altLang="zh-CN" i="1">
+                            <a:latin typeface="Cambria Math"/>
+                          </a:rPr>
+                          <m:t>𝑗</m:t>
+                        </m:r>
+                      </m:sub>
+                    </m:sSub>
+                    <m:d>
+                      <m:dPr>
+                        <m:ctrlPr>
+                          <a:rPr lang="en-US" altLang="zh-CN" i="1">
+                            <a:latin typeface="Cambria Math"/>
+                          </a:rPr>
+                        </m:ctrlPr>
+                      </m:dPr>
+                      <m:e>
+                        <m:r>
+                          <a:rPr lang="en-US" altLang="zh-CN" i="1">
+                            <a:latin typeface="Cambria Math"/>
+                          </a:rPr>
+                          <m:t>𝑄</m:t>
+                        </m:r>
+                        <m:r>
+                          <a:rPr lang="en-US" altLang="zh-CN" i="1">
+                            <a:latin typeface="Cambria Math"/>
+                          </a:rPr>
+                          <m:t>, </m:t>
+                        </m:r>
+                        <m:r>
+                          <a:rPr lang="en-US" altLang="zh-CN" i="1">
+                            <a:latin typeface="Cambria Math"/>
+                          </a:rPr>
+                          <m:t>𝑋</m:t>
+                        </m:r>
+                      </m:e>
+                    </m:d>
+                  </m:oMath>
+                </a14:m>
+                <a:endParaRPr lang="en-US" altLang="zh-CN" dirty="0" smtClean="0"/>
+              </a:p>
+              <a:p>
+                <a:pPr marL="0" indent="0">
+                  <a:buNone/>
+                </a:pPr>
+                <a:r>
+                  <a:rPr lang="en-US" altLang="zh-CN" b="1" dirty="0" smtClean="0"/>
+                  <a:t>-Main loop. </a:t>
+                </a:r>
+                <a:r>
+                  <a:rPr lang="en-US" altLang="zh-CN" dirty="0" smtClean="0"/>
+                  <a:t>For </a:t>
+                </a:r>
+                <a:r>
+                  <a:rPr lang="en-US" altLang="zh-CN" dirty="0" err="1" smtClean="0"/>
+                  <a:t>i</a:t>
+                </a:r>
+                <a:r>
+                  <a:rPr lang="en-US" altLang="zh-CN" dirty="0" smtClean="0"/>
+                  <a:t>=1,…,|Q|, j=1,…,|X|:</a:t>
+                </a:r>
+              </a:p>
+              <a:p>
+                <a:pPr marL="0" indent="0">
+                  <a:buNone/>
+                </a:pPr>
+                <a:r>
+                  <a:rPr lang="en-US" altLang="zh-CN" dirty="0" smtClean="0"/>
+                  <a:t>(1)Compute (pi(Q,X), </a:t>
+                </a:r>
+                <a:r>
+                  <a:rPr lang="en-US" altLang="zh-CN" dirty="0" err="1" smtClean="0"/>
+                  <a:t>pj</a:t>
+                </a:r>
+                <a:r>
+                  <a:rPr lang="en-US" altLang="zh-CN" dirty="0" smtClean="0"/>
+                  <a:t>(Q,X)).</a:t>
+                </a:r>
+              </a:p>
+              <a:p>
+                <a:pPr marL="0" indent="0">
+                  <a:buNone/>
+                </a:pPr>
+                <a:r>
+                  <a:rPr lang="en-US" altLang="zh-CN" dirty="0" smtClean="0"/>
+                  <a:t>(2)Compute </a:t>
+                </a:r>
+                <a14:m>
+                  <m:oMath xmlns:m="http://schemas.openxmlformats.org/officeDocument/2006/math">
+                    <m:sSub>
+                      <m:sSubPr>
+                        <m:ctrlPr>
+                          <a:rPr lang="en-US" altLang="zh-CN" i="1">
+                            <a:latin typeface="Cambria Math"/>
+                          </a:rPr>
+                        </m:ctrlPr>
+                      </m:sSubPr>
+                      <m:e>
+                        <m:r>
+                          <a:rPr lang="en-US" altLang="zh-CN" i="1">
+                            <a:latin typeface="Cambria Math"/>
+                          </a:rPr>
+                          <m:t>𝐷</m:t>
+                        </m:r>
+                      </m:e>
+                      <m:sub>
+                        <m:r>
+                          <a:rPr lang="en-US" altLang="zh-CN" i="1">
+                            <a:latin typeface="Cambria Math"/>
+                          </a:rPr>
+                          <m:t>𝑖</m:t>
+                        </m:r>
+                        <m:r>
+                          <a:rPr lang="en-US" altLang="zh-CN" i="1">
+                            <a:latin typeface="Cambria Math"/>
+                          </a:rPr>
+                          <m:t>,</m:t>
+                        </m:r>
+                        <m:r>
+                          <a:rPr lang="en-US" altLang="zh-CN" i="1">
+                            <a:latin typeface="Cambria Math"/>
+                          </a:rPr>
+                          <m:t>𝑗</m:t>
+                        </m:r>
+                      </m:sub>
+                    </m:sSub>
+                    <m:d>
+                      <m:dPr>
+                        <m:ctrlPr>
+                          <a:rPr lang="en-US" altLang="zh-CN" i="1">
+                            <a:latin typeface="Cambria Math"/>
+                          </a:rPr>
+                        </m:ctrlPr>
+                      </m:dPr>
+                      <m:e>
+                        <m:r>
+                          <a:rPr lang="en-US" altLang="zh-CN" i="1">
+                            <a:latin typeface="Cambria Math"/>
+                          </a:rPr>
+                          <m:t>𝑄</m:t>
+                        </m:r>
+                        <m:r>
+                          <a:rPr lang="en-US" altLang="zh-CN" i="1">
+                            <a:latin typeface="Cambria Math"/>
+                          </a:rPr>
+                          <m:t>,</m:t>
+                        </m:r>
+                        <m:r>
+                          <a:rPr lang="en-US" altLang="zh-CN" i="1">
+                            <a:latin typeface="Cambria Math"/>
+                          </a:rPr>
+                          <m:t>𝑋</m:t>
+                        </m:r>
+                      </m:e>
+                    </m:d>
+                  </m:oMath>
+                </a14:m>
+                <a:endParaRPr lang="en-US" altLang="zh-CN" dirty="0" smtClean="0"/>
+              </a:p>
+              <a:p>
+                <a:pPr marL="0" indent="0">
+                  <a:buNone/>
+                </a:pPr>
+                <a:r>
+                  <a:rPr lang="en-US" altLang="zh-CN" dirty="0" smtClean="0"/>
+                  <a:t>(3)Compute </a:t>
+                </a:r>
+                <a14:m>
+                  <m:oMath xmlns:m="http://schemas.openxmlformats.org/officeDocument/2006/math">
+                    <m:sSub>
+                      <m:sSubPr>
+                        <m:ctrlPr>
+                          <a:rPr lang="en-US" altLang="zh-CN" i="1">
+                            <a:latin typeface="Cambria Math"/>
+                          </a:rPr>
+                        </m:ctrlPr>
+                      </m:sSubPr>
+                      <m:e>
+                        <m:r>
+                          <a:rPr lang="en-US" altLang="zh-CN" i="1">
+                            <a:latin typeface="Cambria Math"/>
+                          </a:rPr>
+                          <m:t>𝑊</m:t>
+                        </m:r>
+                      </m:e>
+                      <m:sub>
+                        <m:r>
+                          <a:rPr lang="en-US" altLang="zh-CN" i="1">
+                            <a:latin typeface="Cambria Math"/>
+                          </a:rPr>
+                          <m:t>𝑖</m:t>
+                        </m:r>
+                        <m:r>
+                          <a:rPr lang="en-US" altLang="zh-CN" i="1">
+                            <a:latin typeface="Cambria Math"/>
+                          </a:rPr>
+                          <m:t>,</m:t>
+                        </m:r>
+                        <m:r>
+                          <a:rPr lang="en-US" altLang="zh-CN" i="1">
+                            <a:latin typeface="Cambria Math"/>
+                          </a:rPr>
+                          <m:t>𝑗</m:t>
+                        </m:r>
+                      </m:sub>
+                    </m:sSub>
+                    <m:d>
+                      <m:dPr>
+                        <m:ctrlPr>
+                          <a:rPr lang="en-US" altLang="zh-CN" i="1">
+                            <a:latin typeface="Cambria Math"/>
+                          </a:rPr>
+                        </m:ctrlPr>
+                      </m:dPr>
+                      <m:e>
+                        <m:r>
+                          <a:rPr lang="en-US" altLang="zh-CN" i="1">
+                            <a:latin typeface="Cambria Math"/>
+                          </a:rPr>
+                          <m:t>𝑄</m:t>
+                        </m:r>
+                        <m:r>
+                          <a:rPr lang="en-US" altLang="zh-CN" i="1">
+                            <a:latin typeface="Cambria Math"/>
+                          </a:rPr>
+                          <m:t>,</m:t>
+                        </m:r>
+                        <m:r>
+                          <a:rPr lang="en-US" altLang="zh-CN" i="1">
+                            <a:latin typeface="Cambria Math"/>
+                          </a:rPr>
+                          <m:t>𝑋</m:t>
+                        </m:r>
+                      </m:e>
+                    </m:d>
+                  </m:oMath>
+                </a14:m>
+                <a:endParaRPr lang="en-US" altLang="zh-CN" dirty="0" smtClean="0"/>
+              </a:p>
+              <a:p>
+                <a:pPr marL="0" indent="0">
+                  <a:buNone/>
+                </a:pPr>
+                <a:r>
+                  <a:rPr lang="en-US" altLang="zh-CN" b="1" dirty="0" smtClean="0"/>
+                  <a:t>-Output.</a:t>
+                </a:r>
+                <a:r>
+                  <a:rPr lang="en-US" altLang="zh-CN" dirty="0" smtClean="0"/>
+                  <a:t> Compute and return D(Q,X).</a:t>
+                </a:r>
+                <a:endParaRPr lang="en-US" altLang="zh-CN" dirty="0"/>
+              </a:p>
+              <a:p>
+                <a:pPr marL="0" indent="0">
+                  <a:buNone/>
+                </a:pPr>
+                <a:endParaRPr lang="zh-CN" altLang="en-US" dirty="0"/>
+              </a:p>
+            </p:txBody>
+          </p:sp>
+        </mc:Choice>
+        <mc:Fallback>
+          <p:sp>
+            <p:nvSpPr>
+              <p:cNvPr id="3" name="内容占位符 2"/>
+              <p:cNvSpPr>
+                <a:spLocks noGrp="1" noRot="1" noChangeAspect="1" noMove="1" noResize="1" noEditPoints="1" noAdjustHandles="1" noChangeArrowheads="1" noChangeShapeType="1" noTextEdit="1"/>
+              </p:cNvSpPr>
+              <p:nvPr>
+                <p:ph idx="1"/>
+              </p:nvPr>
+            </p:nvSpPr>
+            <p:spPr>
+              <a:xfrm>
+                <a:off x="2668234" y="1444978"/>
+                <a:ext cx="8915400" cy="4707466"/>
+              </a:xfrm>
+              <a:blipFill rotWithShape="1">
+                <a:blip r:embed="rId2"/>
+                <a:stretch>
+                  <a:fillRect l="-274" t="-777" b="-389"/>
+                </a:stretch>
+              </a:blipFill>
+            </p:spPr>
+            <p:txBody>
+              <a:bodyPr/>
+              <a:lstStyle/>
+              <a:p>
+                <a:r>
+                  <a:rPr lang="zh-CN" altLang="en-US">
+                    <a:noFill/>
+                  </a:rPr>
+                  <a:t> </a:t>
+                </a:r>
+              </a:p>
+            </p:txBody>
+          </p:sp>
+        </mc:Fallback>
+      </mc:AlternateContent>
       <p:sp>
         <p:nvSpPr>
-          <p:cNvPr id="3" name="Content Placeholder 2"/>
-          <p:cNvSpPr>
-            <a:spLocks noGrp="1"/>
-          </p:cNvSpPr>
-          <p:nvPr>
-            <p:ph idx="1"/>
-          </p:nvPr>
+          <p:cNvPr id="4" name="TextBox 3"/>
+          <p:cNvSpPr txBox="1"/>
+          <p:nvPr/>
         </p:nvSpPr>
         <p:spPr>
           <a:xfrm>
-            <a:off x="2589212" y="1443487"/>
-            <a:ext cx="8915400" cy="5147094"/>
+            <a:off x="7507111" y="4865511"/>
+            <a:ext cx="1444978" cy="369332"/>
           </a:xfrm>
+          <a:prstGeom prst="rect">
+            <a:avLst/>
+          </a:prstGeom>
+          <a:noFill/>
         </p:spPr>
         <p:txBody>
-          <a:bodyPr>
-            <a:normAutofit fontScale="85000" lnSpcReduction="20000"/>
+          <a:bodyPr wrap="square" rtlCol="0">
+            <a:spAutoFit/>
           </a:bodyPr>
           <a:lstStyle/>
           <a:p>
             <a:r>
-              <a:rPr lang="en-US" dirty="0" smtClean="0"/>
-              <a:t>Find </a:t>
-            </a:r>
-            <a:r>
-              <a:rPr lang="en-US" dirty="0"/>
-              <a:t>natural groupings of the time series in database DB under some similarity/dissimilarity measure D(Q,C</a:t>
-            </a:r>
-            <a:r>
-              <a:rPr lang="en-US" dirty="0" smtClean="0"/>
-              <a:t>).</a:t>
-            </a:r>
-          </a:p>
-          <a:p>
-            <a:r>
-              <a:rPr lang="en-US" dirty="0"/>
-              <a:t>Three time series clustering approaches: </a:t>
-            </a:r>
-            <a:endParaRPr lang="en-US" dirty="0" smtClean="0"/>
-          </a:p>
-          <a:p>
-            <a:pPr lvl="1"/>
-            <a:r>
-              <a:rPr lang="en-US" dirty="0" smtClean="0"/>
-              <a:t>raw-data-based</a:t>
-            </a:r>
-            <a:endParaRPr lang="en-US" dirty="0"/>
-          </a:p>
-          <a:p>
-            <a:pPr lvl="1"/>
-            <a:r>
-              <a:rPr lang="en-US" dirty="0" smtClean="0"/>
-              <a:t>feature-based</a:t>
-            </a:r>
-            <a:endParaRPr lang="en-US" dirty="0"/>
-          </a:p>
-          <a:p>
-            <a:pPr lvl="1"/>
-            <a:r>
-              <a:rPr lang="en-US" dirty="0" smtClean="0"/>
-              <a:t>model-based</a:t>
-            </a:r>
-          </a:p>
-          <a:p>
-            <a:r>
-              <a:rPr lang="en-US" dirty="0" smtClean="0"/>
-              <a:t>General </a:t>
-            </a:r>
-            <a:r>
-              <a:rPr lang="en-US" dirty="0"/>
-              <a:t>c</a:t>
-            </a:r>
-            <a:r>
-              <a:rPr lang="en-US" dirty="0" smtClean="0"/>
-              <a:t>lustering methods</a:t>
-            </a:r>
-          </a:p>
-          <a:p>
-            <a:pPr lvl="1"/>
-            <a:r>
-              <a:rPr lang="en-US" dirty="0" smtClean="0"/>
-              <a:t>K-means, c-means</a:t>
-            </a:r>
-          </a:p>
-          <a:p>
-            <a:pPr lvl="1"/>
-            <a:r>
-              <a:rPr lang="en-US" dirty="0"/>
-              <a:t>H</a:t>
-            </a:r>
-            <a:r>
-              <a:rPr lang="en-US" dirty="0" smtClean="0"/>
-              <a:t>ierarchical clustering</a:t>
-            </a:r>
-          </a:p>
-          <a:p>
-            <a:pPr lvl="1"/>
-            <a:r>
-              <a:rPr lang="en-US" dirty="0" smtClean="0"/>
-              <a:t>Neural networks</a:t>
-            </a:r>
-          </a:p>
-          <a:p>
-            <a:r>
-              <a:rPr lang="en-US" dirty="0"/>
-              <a:t>Similarity/distance </a:t>
-            </a:r>
-            <a:r>
-              <a:rPr lang="en-US" dirty="0" smtClean="0"/>
-              <a:t>measures</a:t>
-            </a:r>
-          </a:p>
-          <a:p>
-            <a:pPr lvl="1"/>
-            <a:r>
-              <a:rPr lang="en-US" dirty="0" smtClean="0"/>
-              <a:t>L p distance</a:t>
-            </a:r>
-          </a:p>
-          <a:p>
-            <a:pPr lvl="1"/>
-            <a:r>
-              <a:rPr lang="en-US" dirty="0"/>
-              <a:t>Pearson’s </a:t>
-            </a:r>
-            <a:r>
-              <a:rPr lang="en-US" dirty="0" smtClean="0"/>
-              <a:t>correlation</a:t>
-            </a:r>
-          </a:p>
-          <a:p>
-            <a:pPr lvl="1"/>
-            <a:r>
-              <a:rPr lang="en-US" dirty="0"/>
-              <a:t>Short time series </a:t>
-            </a:r>
-            <a:r>
-              <a:rPr lang="en-US" dirty="0" smtClean="0"/>
-              <a:t>distance</a:t>
-            </a:r>
-          </a:p>
-          <a:p>
-            <a:pPr lvl="1"/>
-            <a:r>
-              <a:rPr lang="en-US" dirty="0"/>
-              <a:t>Dynamic time warping </a:t>
-            </a:r>
-            <a:r>
-              <a:rPr lang="en-US" dirty="0" smtClean="0"/>
-              <a:t>distance</a:t>
-            </a:r>
-          </a:p>
-          <a:p>
-            <a:pPr lvl="1"/>
-            <a:r>
-              <a:rPr lang="en-US" dirty="0" err="1"/>
-              <a:t>Kullback</a:t>
-            </a:r>
-            <a:r>
-              <a:rPr lang="en-US" dirty="0"/>
-              <a:t>–</a:t>
-            </a:r>
-            <a:r>
-              <a:rPr lang="en-US" dirty="0" err="1"/>
-              <a:t>Liebler</a:t>
-            </a:r>
-            <a:r>
-              <a:rPr lang="en-US" dirty="0"/>
-              <a:t> </a:t>
-            </a:r>
-            <a:r>
-              <a:rPr lang="en-US" dirty="0" smtClean="0"/>
-              <a:t>distance</a:t>
-            </a:r>
-          </a:p>
-          <a:p>
-            <a:pPr lvl="1"/>
-            <a:r>
-              <a:rPr lang="en-US" i="1" dirty="0"/>
-              <a:t>Probability-based </a:t>
-            </a:r>
-            <a:r>
-              <a:rPr lang="en-US" i="1" dirty="0" smtClean="0"/>
-              <a:t>distance</a:t>
-            </a:r>
-            <a:endParaRPr lang="en-US" dirty="0"/>
-          </a:p>
-          <a:p>
-            <a:pPr marL="0" indent="0">
-              <a:buNone/>
-            </a:pPr>
-            <a:endParaRPr lang="en-US" dirty="0"/>
+              <a:rPr lang="en-US" altLang="zh-CN" dirty="0" smtClean="0"/>
+              <a:t>O(|Q||X|)</a:t>
+            </a:r>
+            <a:endParaRPr lang="zh-CN" altLang="en-US" dirty="0"/>
           </a:p>
         </p:txBody>
       </p:sp>
     </p:spTree>
     <p:extLst>
       <p:ext uri="{BB962C8B-B14F-4D97-AF65-F5344CB8AC3E}">
-        <p14:creationId xmlns:p14="http://schemas.microsoft.com/office/powerpoint/2010/main" val="2821398363"/>
+        <p14:creationId xmlns:p14="http://schemas.microsoft.com/office/powerpoint/2010/main" val="3330304439"/>
       </p:ext>
     </p:extLst>
   </p:cSld>
   <p:clrMapOvr>
     <a:masterClrMapping/>
   </p:clrMapOvr>
-  <p:timing>
-    <p:tnLst>
-      <p:par>
-        <p:cTn id="1" dur="indefinite" restart="never" nodeType="tmRoot"/>
-      </p:par>
-    </p:tnLst>
-  </p:timing>
 </p:sld>
 </file>
 
@@ -20831,7 +22862,7 @@
       </p:grpSpPr>
       <p:sp>
         <p:nvSpPr>
-          <p:cNvPr id="2" name="Title 1"/>
+          <p:cNvPr id="2" name="标题 1"/>
           <p:cNvSpPr>
             <a:spLocks noGrp="1"/>
           </p:cNvSpPr>
@@ -20846,251 +22877,1229 @@
           <a:p>
             <a:pPr algn="ctr"/>
             <a:r>
-              <a:rPr lang="en-US" dirty="0" smtClean="0"/>
-              <a:t>Clustering</a:t>
-            </a:r>
-            <a:endParaRPr lang="en-US" dirty="0"/>
+              <a:rPr lang="en-US" altLang="zh-CN" dirty="0" smtClean="0"/>
+              <a:t>Subsequence Matching</a:t>
+            </a:r>
+            <a:endParaRPr lang="zh-CN" altLang="en-US" dirty="0"/>
           </a:p>
         </p:txBody>
       </p:sp>
-      <p:sp>
-        <p:nvSpPr>
-          <p:cNvPr id="3" name="Content Placeholder 2"/>
-          <p:cNvSpPr>
-            <a:spLocks noGrp="1"/>
-          </p:cNvSpPr>
-          <p:nvPr>
-            <p:ph idx="1"/>
-          </p:nvPr>
-        </p:nvSpPr>
-        <p:spPr>
-          <a:xfrm>
-            <a:off x="2589212" y="1443487"/>
-            <a:ext cx="8915400" cy="5147094"/>
-          </a:xfrm>
-        </p:spPr>
-        <p:txBody>
-          <a:bodyPr>
-            <a:normAutofit fontScale="85000" lnSpcReduction="20000"/>
-          </a:bodyPr>
-          <a:lstStyle/>
-          <a:p>
-            <a:r>
-              <a:rPr lang="en-US" dirty="0" smtClean="0"/>
-              <a:t>Find </a:t>
-            </a:r>
-            <a:r>
-              <a:rPr lang="en-US" dirty="0"/>
-              <a:t>natural groupings of the time series in database DB under some similarity/dissimilarity measure D(Q,C</a:t>
-            </a:r>
-            <a:r>
-              <a:rPr lang="en-US" dirty="0" smtClean="0"/>
-              <a:t>)</a:t>
-            </a:r>
-          </a:p>
-          <a:p>
-            <a:r>
-              <a:rPr lang="en-US" dirty="0"/>
-              <a:t>Three time series clustering approaches: </a:t>
-            </a:r>
-            <a:endParaRPr lang="en-US" dirty="0" smtClean="0"/>
-          </a:p>
-          <a:p>
-            <a:pPr lvl="1"/>
-            <a:r>
-              <a:rPr lang="en-US" dirty="0" smtClean="0"/>
-              <a:t>raw-data-based</a:t>
-            </a:r>
-            <a:endParaRPr lang="en-US" dirty="0"/>
-          </a:p>
-          <a:p>
-            <a:pPr lvl="1"/>
-            <a:r>
-              <a:rPr lang="en-US" dirty="0" smtClean="0"/>
-              <a:t>feature-based</a:t>
-            </a:r>
-            <a:endParaRPr lang="en-US" dirty="0"/>
-          </a:p>
-          <a:p>
-            <a:pPr lvl="1"/>
-            <a:r>
-              <a:rPr lang="en-US" dirty="0" smtClean="0"/>
-              <a:t>model-based</a:t>
-            </a:r>
-          </a:p>
-          <a:p>
-            <a:r>
-              <a:rPr lang="en-US" dirty="0" smtClean="0"/>
-              <a:t>General </a:t>
-            </a:r>
-            <a:r>
-              <a:rPr lang="en-US" dirty="0"/>
-              <a:t>c</a:t>
-            </a:r>
-            <a:r>
-              <a:rPr lang="en-US" dirty="0" smtClean="0"/>
-              <a:t>lustering methods</a:t>
-            </a:r>
-          </a:p>
-          <a:p>
-            <a:pPr lvl="1"/>
-            <a:r>
-              <a:rPr lang="en-US" dirty="0" smtClean="0"/>
-              <a:t>K-means, c-means</a:t>
-            </a:r>
-          </a:p>
-          <a:p>
-            <a:pPr lvl="1"/>
-            <a:r>
-              <a:rPr lang="en-US" dirty="0"/>
-              <a:t>H</a:t>
-            </a:r>
-            <a:r>
-              <a:rPr lang="en-US" dirty="0" smtClean="0"/>
-              <a:t>ierarchical clustering</a:t>
-            </a:r>
-          </a:p>
-          <a:p>
-            <a:pPr lvl="1"/>
-            <a:r>
-              <a:rPr lang="en-US" dirty="0" smtClean="0"/>
-              <a:t>Neural networks</a:t>
-            </a:r>
-          </a:p>
-          <a:p>
-            <a:r>
-              <a:rPr lang="en-US" dirty="0"/>
-              <a:t>Similarity/distance </a:t>
-            </a:r>
-            <a:r>
-              <a:rPr lang="en-US" dirty="0" smtClean="0"/>
-              <a:t>measures</a:t>
-            </a:r>
-          </a:p>
-          <a:p>
-            <a:pPr lvl="1"/>
-            <a:r>
-              <a:rPr lang="en-US" dirty="0" smtClean="0"/>
-              <a:t>L p distance</a:t>
-            </a:r>
-          </a:p>
-          <a:p>
-            <a:pPr lvl="1"/>
-            <a:r>
-              <a:rPr lang="en-US" dirty="0"/>
-              <a:t>Pearson’s </a:t>
-            </a:r>
-            <a:r>
-              <a:rPr lang="en-US" dirty="0" smtClean="0"/>
-              <a:t>correlation</a:t>
-            </a:r>
-          </a:p>
-          <a:p>
-            <a:pPr lvl="1"/>
-            <a:r>
-              <a:rPr lang="en-US" dirty="0"/>
-              <a:t>Short time series </a:t>
-            </a:r>
-            <a:r>
-              <a:rPr lang="en-US" dirty="0" smtClean="0"/>
-              <a:t>distance</a:t>
-            </a:r>
-          </a:p>
-          <a:p>
-            <a:pPr lvl="1"/>
-            <a:r>
-              <a:rPr lang="en-US" dirty="0"/>
-              <a:t>Dynamic time warping </a:t>
-            </a:r>
-            <a:r>
-              <a:rPr lang="en-US" dirty="0" smtClean="0"/>
-              <a:t>distance</a:t>
-            </a:r>
-          </a:p>
-          <a:p>
-            <a:pPr lvl="1"/>
-            <a:r>
-              <a:rPr lang="en-US" dirty="0" err="1"/>
-              <a:t>Kullback</a:t>
-            </a:r>
-            <a:r>
-              <a:rPr lang="en-US" dirty="0"/>
-              <a:t>–</a:t>
-            </a:r>
-            <a:r>
-              <a:rPr lang="en-US" dirty="0" err="1"/>
-              <a:t>Liebler</a:t>
-            </a:r>
-            <a:r>
-              <a:rPr lang="en-US" dirty="0"/>
-              <a:t> </a:t>
-            </a:r>
-            <a:r>
-              <a:rPr lang="en-US" dirty="0" smtClean="0"/>
-              <a:t>distance</a:t>
-            </a:r>
-          </a:p>
-          <a:p>
-            <a:pPr lvl="1"/>
-            <a:r>
-              <a:rPr lang="en-US" i="1" dirty="0"/>
-              <a:t>Probability-based </a:t>
-            </a:r>
-            <a:r>
-              <a:rPr lang="en-US" i="1" dirty="0" smtClean="0"/>
-              <a:t>distance</a:t>
-            </a:r>
-            <a:endParaRPr lang="en-US" dirty="0"/>
-          </a:p>
-          <a:p>
-            <a:pPr marL="0" indent="0">
-              <a:buNone/>
-            </a:pPr>
-            <a:endParaRPr lang="en-US" dirty="0"/>
-          </a:p>
-        </p:txBody>
-      </p:sp>
-      <p:pic>
-        <p:nvPicPr>
-          <p:cNvPr id="4" name="Picture 3"/>
-          <p:cNvPicPr>
-            <a:picLocks noChangeAspect="1"/>
-          </p:cNvPicPr>
-          <p:nvPr/>
-        </p:nvPicPr>
-        <p:blipFill>
-          <a:blip r:embed="rId2"/>
-          <a:stretch>
-            <a:fillRect/>
-          </a:stretch>
-        </p:blipFill>
-        <p:spPr>
-          <a:xfrm>
-            <a:off x="5226889" y="1762844"/>
-            <a:ext cx="6172200" cy="4629150"/>
-          </a:xfrm>
-          <a:prstGeom prst="rect">
-            <a:avLst/>
-          </a:prstGeom>
-        </p:spPr>
-      </p:pic>
+      <mc:AlternateContent xmlns:mc="http://schemas.openxmlformats.org/markup-compatibility/2006">
+        <mc:Choice xmlns:a14="http://schemas.microsoft.com/office/drawing/2010/main" Requires="a14">
+          <p:sp>
+            <p:nvSpPr>
+              <p:cNvPr id="3" name="内容占位符 2"/>
+              <p:cNvSpPr>
+                <a:spLocks noGrp="1"/>
+              </p:cNvSpPr>
+              <p:nvPr>
+                <p:ph idx="1"/>
+              </p:nvPr>
+            </p:nvSpPr>
+            <p:spPr/>
+            <p:txBody>
+              <a:bodyPr>
+                <a:normAutofit/>
+              </a:bodyPr>
+              <a:lstStyle/>
+              <a:p>
+                <a:r>
+                  <a:rPr lang="en-US" altLang="zh-CN" dirty="0" smtClean="0"/>
+                  <a:t>Let R be a reference sequence</a:t>
+                </a:r>
+              </a:p>
+              <a:p>
+                <a:pPr marL="0" indent="0">
+                  <a:buNone/>
+                </a:pPr>
+                <a14:m>
+                  <m:oMathPara xmlns:m="http://schemas.openxmlformats.org/officeDocument/2006/math">
+                    <m:oMathParaPr>
+                      <m:jc m:val="centerGroup"/>
+                    </m:oMathParaPr>
+                    <m:oMath xmlns:m="http://schemas.openxmlformats.org/officeDocument/2006/math">
+                      <m:sSup>
+                        <m:sSupPr>
+                          <m:ctrlPr>
+                            <a:rPr lang="en-US" altLang="zh-CN" b="0" i="1" smtClean="0">
+                              <a:latin typeface="Cambria Math"/>
+                            </a:rPr>
+                          </m:ctrlPr>
+                        </m:sSupPr>
+                        <m:e>
+                          <m:r>
+                            <a:rPr lang="en-US" altLang="zh-CN" b="0" i="1" smtClean="0">
+                              <a:latin typeface="Cambria Math"/>
+                            </a:rPr>
+                            <m:t>𝐹</m:t>
+                          </m:r>
+                        </m:e>
+                        <m:sup>
+                          <m:r>
+                            <a:rPr lang="en-US" altLang="zh-CN" b="0" i="1" smtClean="0">
+                              <a:latin typeface="Cambria Math"/>
+                            </a:rPr>
+                            <m:t>𝑅</m:t>
+                          </m:r>
+                        </m:sup>
+                      </m:sSup>
+                      <m:d>
+                        <m:dPr>
+                          <m:ctrlPr>
+                            <a:rPr lang="en-US" altLang="zh-CN" b="0" i="1" smtClean="0">
+                              <a:latin typeface="Cambria Math"/>
+                            </a:rPr>
+                          </m:ctrlPr>
+                        </m:dPr>
+                        <m:e>
+                          <m:r>
+                            <a:rPr lang="en-US" altLang="zh-CN" b="0" i="1" smtClean="0">
+                              <a:latin typeface="Cambria Math"/>
+                            </a:rPr>
+                            <m:t>𝑄</m:t>
+                          </m:r>
+                        </m:e>
+                      </m:d>
+                      <m:r>
+                        <a:rPr lang="en-US" altLang="zh-CN" b="0" i="1" smtClean="0">
+                          <a:latin typeface="Cambria Math"/>
+                        </a:rPr>
+                        <m:t>=</m:t>
+                      </m:r>
+                      <m:sSub>
+                        <m:sSubPr>
+                          <m:ctrlPr>
+                            <a:rPr lang="en-US" altLang="zh-CN" b="0" i="1" smtClean="0">
+                              <a:latin typeface="Cambria Math"/>
+                            </a:rPr>
+                          </m:ctrlPr>
+                        </m:sSubPr>
+                        <m:e>
+                          <m:r>
+                            <a:rPr lang="en-US" altLang="zh-CN" b="0" i="1" smtClean="0">
+                              <a:latin typeface="Cambria Math"/>
+                            </a:rPr>
+                            <m:t>𝐷</m:t>
+                          </m:r>
+                        </m:e>
+                        <m:sub>
+                          <m:d>
+                            <m:dPr>
+                              <m:begChr m:val="|"/>
+                              <m:endChr m:val="|"/>
+                              <m:ctrlPr>
+                                <a:rPr lang="en-US" altLang="zh-CN" b="0" i="1" smtClean="0">
+                                  <a:latin typeface="Cambria Math"/>
+                                </a:rPr>
+                              </m:ctrlPr>
+                            </m:dPr>
+                            <m:e>
+                              <m:r>
+                                <a:rPr lang="en-US" altLang="zh-CN" b="0" i="1" smtClean="0">
+                                  <a:latin typeface="Cambria Math"/>
+                                </a:rPr>
+                                <m:t>𝑅</m:t>
+                              </m:r>
+                            </m:e>
+                          </m:d>
+                          <m:r>
+                            <a:rPr lang="en-US" altLang="zh-CN" b="0" i="1" smtClean="0">
+                              <a:latin typeface="Cambria Math"/>
+                            </a:rPr>
+                            <m:t>,</m:t>
+                          </m:r>
+                          <m:d>
+                            <m:dPr>
+                              <m:begChr m:val="|"/>
+                              <m:endChr m:val="|"/>
+                              <m:ctrlPr>
+                                <a:rPr lang="en-US" altLang="zh-CN" b="0" i="1" smtClean="0">
+                                  <a:latin typeface="Cambria Math"/>
+                                </a:rPr>
+                              </m:ctrlPr>
+                            </m:dPr>
+                            <m:e>
+                              <m:r>
+                                <a:rPr lang="en-US" altLang="zh-CN" b="0" i="1" smtClean="0">
+                                  <a:latin typeface="Cambria Math"/>
+                                </a:rPr>
+                                <m:t>𝑄</m:t>
+                              </m:r>
+                            </m:e>
+                          </m:d>
+                        </m:sub>
+                      </m:sSub>
+                      <m:d>
+                        <m:dPr>
+                          <m:ctrlPr>
+                            <a:rPr lang="en-US" altLang="zh-CN" b="0" i="1" smtClean="0">
+                              <a:latin typeface="Cambria Math"/>
+                            </a:rPr>
+                          </m:ctrlPr>
+                        </m:dPr>
+                        <m:e>
+                          <m:r>
+                            <a:rPr lang="en-US" altLang="zh-CN" b="0" i="1" smtClean="0">
+                              <a:latin typeface="Cambria Math"/>
+                            </a:rPr>
+                            <m:t>𝑅</m:t>
+                          </m:r>
+                          <m:r>
+                            <a:rPr lang="en-US" altLang="zh-CN" b="0" i="1" smtClean="0">
+                              <a:latin typeface="Cambria Math"/>
+                            </a:rPr>
+                            <m:t>,</m:t>
+                          </m:r>
+                          <m:r>
+                            <a:rPr lang="en-US" altLang="zh-CN" b="0" i="1" smtClean="0">
+                              <a:latin typeface="Cambria Math"/>
+                            </a:rPr>
+                            <m:t>𝑄</m:t>
+                          </m:r>
+                        </m:e>
+                      </m:d>
+                    </m:oMath>
+                  </m:oMathPara>
+                </a14:m>
+                <a:endParaRPr lang="en-US" altLang="zh-CN" b="0" dirty="0" smtClean="0"/>
+              </a:p>
+              <a:p>
+                <a:pPr marL="0" indent="0">
+                  <a:buNone/>
+                </a:pPr>
+                <a14:m>
+                  <m:oMathPara xmlns:m="http://schemas.openxmlformats.org/officeDocument/2006/math">
+                    <m:oMathParaPr>
+                      <m:jc m:val="centerGroup"/>
+                    </m:oMathParaPr>
+                    <m:oMath xmlns:m="http://schemas.openxmlformats.org/officeDocument/2006/math">
+                      <m:sSup>
+                        <m:sSupPr>
+                          <m:ctrlPr>
+                            <a:rPr lang="en-US" altLang="zh-CN" b="0" i="1" smtClean="0">
+                              <a:latin typeface="Cambria Math"/>
+                            </a:rPr>
+                          </m:ctrlPr>
+                        </m:sSupPr>
+                        <m:e>
+                          <m:r>
+                            <a:rPr lang="en-US" altLang="zh-CN" b="0" i="1" smtClean="0">
+                              <a:latin typeface="Cambria Math"/>
+                            </a:rPr>
+                            <m:t>𝐹</m:t>
+                          </m:r>
+                        </m:e>
+                        <m:sup>
+                          <m:r>
+                            <a:rPr lang="en-US" altLang="zh-CN" b="0" i="1" smtClean="0">
+                              <a:latin typeface="Cambria Math"/>
+                            </a:rPr>
+                            <m:t>𝑅</m:t>
+                          </m:r>
+                        </m:sup>
+                      </m:sSup>
+                      <m:d>
+                        <m:dPr>
+                          <m:ctrlPr>
+                            <a:rPr lang="en-US" altLang="zh-CN" b="0" i="1" smtClean="0">
+                              <a:latin typeface="Cambria Math"/>
+                            </a:rPr>
+                          </m:ctrlPr>
+                        </m:dPr>
+                        <m:e>
+                          <m:r>
+                            <a:rPr lang="en-US" altLang="zh-CN" b="0" i="1" smtClean="0">
+                              <a:latin typeface="Cambria Math"/>
+                            </a:rPr>
+                            <m:t>𝑋</m:t>
+                          </m:r>
+                          <m:r>
+                            <a:rPr lang="en-US" altLang="zh-CN" b="0" i="1" smtClean="0">
+                              <a:latin typeface="Cambria Math"/>
+                            </a:rPr>
+                            <m:t>,</m:t>
+                          </m:r>
+                          <m:r>
+                            <a:rPr lang="en-US" altLang="zh-CN" b="0" i="1" smtClean="0">
+                              <a:latin typeface="Cambria Math"/>
+                            </a:rPr>
+                            <m:t>𝑗</m:t>
+                          </m:r>
+                        </m:e>
+                      </m:d>
+                      <m:r>
+                        <a:rPr lang="en-US" altLang="zh-CN" b="0" i="1" smtClean="0">
+                          <a:latin typeface="Cambria Math"/>
+                        </a:rPr>
+                        <m:t>=</m:t>
+                      </m:r>
+                      <m:sSub>
+                        <m:sSubPr>
+                          <m:ctrlPr>
+                            <a:rPr lang="en-US" altLang="zh-CN" b="0" i="1" smtClean="0">
+                              <a:latin typeface="Cambria Math"/>
+                            </a:rPr>
+                          </m:ctrlPr>
+                        </m:sSubPr>
+                        <m:e>
+                          <m:r>
+                            <a:rPr lang="en-US" altLang="zh-CN" b="0" i="1" smtClean="0">
+                              <a:latin typeface="Cambria Math"/>
+                            </a:rPr>
+                            <m:t>𝐷</m:t>
+                          </m:r>
+                        </m:e>
+                        <m:sub>
+                          <m:d>
+                            <m:dPr>
+                              <m:begChr m:val="|"/>
+                              <m:endChr m:val="|"/>
+                              <m:ctrlPr>
+                                <a:rPr lang="en-US" altLang="zh-CN" b="0" i="1" smtClean="0">
+                                  <a:latin typeface="Cambria Math"/>
+                                </a:rPr>
+                              </m:ctrlPr>
+                            </m:dPr>
+                            <m:e>
+                              <m:r>
+                                <a:rPr lang="en-US" altLang="zh-CN" b="0" i="1" smtClean="0">
+                                  <a:latin typeface="Cambria Math"/>
+                                </a:rPr>
+                                <m:t>𝑅</m:t>
+                              </m:r>
+                            </m:e>
+                          </m:d>
+                          <m:r>
+                            <a:rPr lang="en-US" altLang="zh-CN" b="0" i="1" smtClean="0">
+                              <a:latin typeface="Cambria Math"/>
+                            </a:rPr>
+                            <m:t>,</m:t>
+                          </m:r>
+                          <m:r>
+                            <a:rPr lang="en-US" altLang="zh-CN" b="0" i="1" smtClean="0">
+                              <a:latin typeface="Cambria Math"/>
+                            </a:rPr>
+                            <m:t>𝑗</m:t>
+                          </m:r>
+                        </m:sub>
+                      </m:sSub>
+                      <m:r>
+                        <a:rPr lang="en-US" altLang="zh-CN" b="0" i="1" smtClean="0">
+                          <a:latin typeface="Cambria Math"/>
+                        </a:rPr>
+                        <m:t>(</m:t>
+                      </m:r>
+                      <m:r>
+                        <a:rPr lang="en-US" altLang="zh-CN" b="0" i="1" smtClean="0">
+                          <a:latin typeface="Cambria Math"/>
+                        </a:rPr>
+                        <m:t>𝑅</m:t>
+                      </m:r>
+                      <m:r>
+                        <a:rPr lang="en-US" altLang="zh-CN" b="0" i="1" smtClean="0">
+                          <a:latin typeface="Cambria Math"/>
+                        </a:rPr>
+                        <m:t>,</m:t>
+                      </m:r>
+                      <m:r>
+                        <a:rPr lang="en-US" altLang="zh-CN" b="0" i="1" smtClean="0">
+                          <a:latin typeface="Cambria Math"/>
+                        </a:rPr>
+                        <m:t>𝑋</m:t>
+                      </m:r>
+                      <m:r>
+                        <a:rPr lang="en-US" altLang="zh-CN" b="0" i="1" smtClean="0">
+                          <a:latin typeface="Cambria Math"/>
+                        </a:rPr>
+                        <m:t>)</m:t>
+                      </m:r>
+                    </m:oMath>
+                  </m:oMathPara>
+                </a14:m>
+                <a:endParaRPr lang="en-US" altLang="zh-CN" dirty="0" smtClean="0"/>
+              </a:p>
+              <a:p>
+                <a:endParaRPr lang="en-US" altLang="zh-CN" b="0" dirty="0" smtClean="0"/>
+              </a:p>
+              <a:p>
+                <a:r>
+                  <a:rPr lang="en-US" altLang="zh-CN" b="0" dirty="0" smtClean="0"/>
+                  <a:t>Let </a:t>
+                </a:r>
+                <a14:m>
+                  <m:oMath xmlns:m="http://schemas.openxmlformats.org/officeDocument/2006/math">
+                    <m:sSub>
+                      <m:sSubPr>
+                        <m:ctrlPr>
+                          <a:rPr lang="en-US" altLang="zh-CN" b="0" i="1" smtClean="0">
+                            <a:latin typeface="Cambria Math"/>
+                          </a:rPr>
+                        </m:ctrlPr>
+                      </m:sSubPr>
+                      <m:e>
+                        <m:r>
+                          <a:rPr lang="en-US" altLang="zh-CN" b="0" i="1" smtClean="0">
+                            <a:latin typeface="Cambria Math"/>
+                          </a:rPr>
+                          <m:t>𝑅</m:t>
+                        </m:r>
+                      </m:e>
+                      <m:sub>
+                        <m:r>
+                          <a:rPr lang="en-US" altLang="zh-CN" b="0" i="1" smtClean="0">
+                            <a:latin typeface="Cambria Math"/>
+                          </a:rPr>
+                          <m:t>1</m:t>
+                        </m:r>
+                      </m:sub>
+                    </m:sSub>
+                    <m:r>
+                      <a:rPr lang="en-US" altLang="zh-CN" b="0" i="1" smtClean="0">
+                        <a:latin typeface="Cambria Math"/>
+                      </a:rPr>
+                      <m:t>,</m:t>
+                    </m:r>
+                    <m:sSub>
+                      <m:sSubPr>
+                        <m:ctrlPr>
+                          <a:rPr lang="en-US" altLang="zh-CN" b="0" i="1" smtClean="0">
+                            <a:latin typeface="Cambria Math"/>
+                          </a:rPr>
+                        </m:ctrlPr>
+                      </m:sSubPr>
+                      <m:e>
+                        <m:r>
+                          <a:rPr lang="en-US" altLang="zh-CN" b="0" i="1" smtClean="0">
+                            <a:latin typeface="Cambria Math"/>
+                          </a:rPr>
+                          <m:t>𝑅</m:t>
+                        </m:r>
+                      </m:e>
+                      <m:sub>
+                        <m:r>
+                          <a:rPr lang="en-US" altLang="zh-CN" b="0" i="1" smtClean="0">
+                            <a:latin typeface="Cambria Math"/>
+                          </a:rPr>
+                          <m:t>2</m:t>
+                        </m:r>
+                      </m:sub>
+                    </m:sSub>
+                    <m:r>
+                      <a:rPr lang="en-US" altLang="zh-CN" b="0" i="1" smtClean="0">
+                        <a:latin typeface="Cambria Math"/>
+                      </a:rPr>
+                      <m:t>,…,</m:t>
+                    </m:r>
+                    <m:sSub>
+                      <m:sSubPr>
+                        <m:ctrlPr>
+                          <a:rPr lang="en-US" altLang="zh-CN" b="0" i="1" smtClean="0">
+                            <a:latin typeface="Cambria Math"/>
+                          </a:rPr>
+                        </m:ctrlPr>
+                      </m:sSubPr>
+                      <m:e>
+                        <m:r>
+                          <a:rPr lang="en-US" altLang="zh-CN" b="0" i="1" smtClean="0">
+                            <a:latin typeface="Cambria Math"/>
+                          </a:rPr>
+                          <m:t>𝑅</m:t>
+                        </m:r>
+                      </m:e>
+                      <m:sub>
+                        <m:r>
+                          <a:rPr lang="en-US" altLang="zh-CN" b="0" i="1" smtClean="0">
+                            <a:latin typeface="Cambria Math"/>
+                          </a:rPr>
+                          <m:t>𝑑</m:t>
+                        </m:r>
+                      </m:sub>
+                    </m:sSub>
+                  </m:oMath>
+                </a14:m>
+                <a:r>
+                  <a:rPr lang="zh-CN" altLang="en-US" dirty="0" smtClean="0"/>
+                  <a:t> </a:t>
+                </a:r>
+                <a:r>
+                  <a:rPr lang="en-US" altLang="zh-CN" dirty="0" smtClean="0"/>
+                  <a:t>be a set of reference sequences</a:t>
+                </a:r>
+              </a:p>
+              <a:p>
+                <a:pPr marL="0" indent="0">
+                  <a:buNone/>
+                </a:pPr>
+                <a14:m>
+                  <m:oMathPara xmlns:m="http://schemas.openxmlformats.org/officeDocument/2006/math">
+                    <m:oMathParaPr>
+                      <m:jc m:val="centerGroup"/>
+                    </m:oMathParaPr>
+                    <m:oMath xmlns:m="http://schemas.openxmlformats.org/officeDocument/2006/math">
+                      <m:r>
+                        <a:rPr lang="en-US" altLang="zh-CN" b="0" i="1" smtClean="0">
+                          <a:latin typeface="Cambria Math"/>
+                        </a:rPr>
+                        <m:t>𝐹</m:t>
+                      </m:r>
+                      <m:d>
+                        <m:dPr>
+                          <m:ctrlPr>
+                            <a:rPr lang="en-US" altLang="zh-CN" b="0" i="1" smtClean="0">
+                              <a:latin typeface="Cambria Math"/>
+                            </a:rPr>
+                          </m:ctrlPr>
+                        </m:dPr>
+                        <m:e>
+                          <m:r>
+                            <a:rPr lang="en-US" altLang="zh-CN" b="0" i="1" smtClean="0">
+                              <a:latin typeface="Cambria Math"/>
+                            </a:rPr>
+                            <m:t>𝑄</m:t>
+                          </m:r>
+                        </m:e>
+                      </m:d>
+                      <m:r>
+                        <a:rPr lang="en-US" altLang="zh-CN" b="0" i="1" smtClean="0">
+                          <a:latin typeface="Cambria Math"/>
+                        </a:rPr>
+                        <m:t>=</m:t>
+                      </m:r>
+                      <m:d>
+                        <m:dPr>
+                          <m:ctrlPr>
+                            <a:rPr lang="en-US" altLang="zh-CN" b="0" i="1" smtClean="0">
+                              <a:latin typeface="Cambria Math"/>
+                            </a:rPr>
+                          </m:ctrlPr>
+                        </m:dPr>
+                        <m:e>
+                          <m:sSup>
+                            <m:sSupPr>
+                              <m:ctrlPr>
+                                <a:rPr lang="en-US" altLang="zh-CN" b="0" i="1" smtClean="0">
+                                  <a:latin typeface="Cambria Math"/>
+                                </a:rPr>
+                              </m:ctrlPr>
+                            </m:sSupPr>
+                            <m:e>
+                              <m:r>
+                                <a:rPr lang="en-US" altLang="zh-CN" b="0" i="1" smtClean="0">
+                                  <a:latin typeface="Cambria Math"/>
+                                </a:rPr>
+                                <m:t>𝐹</m:t>
+                              </m:r>
+                            </m:e>
+                            <m:sup>
+                              <m:sSub>
+                                <m:sSubPr>
+                                  <m:ctrlPr>
+                                    <a:rPr lang="en-US" altLang="zh-CN" b="0" i="1" smtClean="0">
+                                      <a:latin typeface="Cambria Math"/>
+                                    </a:rPr>
+                                  </m:ctrlPr>
+                                </m:sSubPr>
+                                <m:e>
+                                  <m:r>
+                                    <a:rPr lang="en-US" altLang="zh-CN" b="0" i="1" smtClean="0">
+                                      <a:latin typeface="Cambria Math"/>
+                                    </a:rPr>
+                                    <m:t>𝑅</m:t>
+                                  </m:r>
+                                </m:e>
+                                <m:sub>
+                                  <m:r>
+                                    <a:rPr lang="en-US" altLang="zh-CN" b="0" i="1" smtClean="0">
+                                      <a:latin typeface="Cambria Math"/>
+                                    </a:rPr>
+                                    <m:t>1</m:t>
+                                  </m:r>
+                                </m:sub>
+                              </m:sSub>
+                            </m:sup>
+                          </m:sSup>
+                          <m:d>
+                            <m:dPr>
+                              <m:ctrlPr>
+                                <a:rPr lang="en-US" altLang="zh-CN" b="0" i="1" smtClean="0">
+                                  <a:latin typeface="Cambria Math"/>
+                                </a:rPr>
+                              </m:ctrlPr>
+                            </m:dPr>
+                            <m:e>
+                              <m:r>
+                                <a:rPr lang="en-US" altLang="zh-CN" b="0" i="1" smtClean="0">
+                                  <a:latin typeface="Cambria Math"/>
+                                </a:rPr>
+                                <m:t>𝑄</m:t>
+                              </m:r>
+                            </m:e>
+                          </m:d>
+                          <m:r>
+                            <a:rPr lang="en-US" altLang="zh-CN" b="0" i="1" smtClean="0">
+                              <a:latin typeface="Cambria Math"/>
+                            </a:rPr>
+                            <m:t>, </m:t>
+                          </m:r>
+                          <m:sSup>
+                            <m:sSupPr>
+                              <m:ctrlPr>
+                                <a:rPr lang="en-US" altLang="zh-CN" b="0" i="1" smtClean="0">
+                                  <a:latin typeface="Cambria Math"/>
+                                </a:rPr>
+                              </m:ctrlPr>
+                            </m:sSupPr>
+                            <m:e>
+                              <m:r>
+                                <a:rPr lang="en-US" altLang="zh-CN" b="0" i="1" smtClean="0">
+                                  <a:latin typeface="Cambria Math"/>
+                                </a:rPr>
+                                <m:t>𝐹</m:t>
+                              </m:r>
+                            </m:e>
+                            <m:sup>
+                              <m:sSub>
+                                <m:sSubPr>
+                                  <m:ctrlPr>
+                                    <a:rPr lang="en-US" altLang="zh-CN" b="0" i="1" smtClean="0">
+                                      <a:latin typeface="Cambria Math"/>
+                                    </a:rPr>
+                                  </m:ctrlPr>
+                                </m:sSubPr>
+                                <m:e>
+                                  <m:r>
+                                    <a:rPr lang="en-US" altLang="zh-CN" b="0" i="1" smtClean="0">
+                                      <a:latin typeface="Cambria Math"/>
+                                    </a:rPr>
+                                    <m:t>𝑅</m:t>
+                                  </m:r>
+                                </m:e>
+                                <m:sub>
+                                  <m:r>
+                                    <a:rPr lang="en-US" altLang="zh-CN" b="0" i="1" smtClean="0">
+                                      <a:latin typeface="Cambria Math"/>
+                                    </a:rPr>
+                                    <m:t>2</m:t>
+                                  </m:r>
+                                </m:sub>
+                              </m:sSub>
+                            </m:sup>
+                          </m:sSup>
+                          <m:d>
+                            <m:dPr>
+                              <m:ctrlPr>
+                                <a:rPr lang="en-US" altLang="zh-CN" b="0" i="1" smtClean="0">
+                                  <a:latin typeface="Cambria Math"/>
+                                </a:rPr>
+                              </m:ctrlPr>
+                            </m:dPr>
+                            <m:e>
+                              <m:r>
+                                <a:rPr lang="en-US" altLang="zh-CN" b="0" i="1" smtClean="0">
+                                  <a:latin typeface="Cambria Math"/>
+                                </a:rPr>
+                                <m:t>𝑄</m:t>
+                              </m:r>
+                            </m:e>
+                          </m:d>
+                          <m:r>
+                            <a:rPr lang="en-US" altLang="zh-CN" b="0" i="1" smtClean="0">
+                              <a:latin typeface="Cambria Math"/>
+                            </a:rPr>
+                            <m:t>,…,</m:t>
+                          </m:r>
+                          <m:sSup>
+                            <m:sSupPr>
+                              <m:ctrlPr>
+                                <a:rPr lang="en-US" altLang="zh-CN" b="0" i="1" smtClean="0">
+                                  <a:latin typeface="Cambria Math"/>
+                                </a:rPr>
+                              </m:ctrlPr>
+                            </m:sSupPr>
+                            <m:e>
+                              <m:r>
+                                <a:rPr lang="en-US" altLang="zh-CN" b="0" i="1" smtClean="0">
+                                  <a:latin typeface="Cambria Math"/>
+                                </a:rPr>
+                                <m:t>𝐹</m:t>
+                              </m:r>
+                            </m:e>
+                            <m:sup>
+                              <m:sSub>
+                                <m:sSubPr>
+                                  <m:ctrlPr>
+                                    <a:rPr lang="en-US" altLang="zh-CN" b="0" i="1" smtClean="0">
+                                      <a:latin typeface="Cambria Math"/>
+                                    </a:rPr>
+                                  </m:ctrlPr>
+                                </m:sSubPr>
+                                <m:e>
+                                  <m:r>
+                                    <a:rPr lang="en-US" altLang="zh-CN" b="0" i="1" smtClean="0">
+                                      <a:latin typeface="Cambria Math"/>
+                                    </a:rPr>
+                                    <m:t>𝑅</m:t>
+                                  </m:r>
+                                </m:e>
+                                <m:sub>
+                                  <m:r>
+                                    <a:rPr lang="en-US" altLang="zh-CN" b="0" i="1" smtClean="0">
+                                      <a:latin typeface="Cambria Math"/>
+                                    </a:rPr>
+                                    <m:t>𝑑</m:t>
+                                  </m:r>
+                                </m:sub>
+                              </m:sSub>
+                            </m:sup>
+                          </m:sSup>
+                          <m:d>
+                            <m:dPr>
+                              <m:ctrlPr>
+                                <a:rPr lang="en-US" altLang="zh-CN" b="0" i="1" smtClean="0">
+                                  <a:latin typeface="Cambria Math"/>
+                                </a:rPr>
+                              </m:ctrlPr>
+                            </m:dPr>
+                            <m:e>
+                              <m:r>
+                                <a:rPr lang="en-US" altLang="zh-CN" b="0" i="1" smtClean="0">
+                                  <a:latin typeface="Cambria Math"/>
+                                </a:rPr>
+                                <m:t>𝑄</m:t>
+                              </m:r>
+                            </m:e>
+                          </m:d>
+                        </m:e>
+                      </m:d>
+                    </m:oMath>
+                  </m:oMathPara>
+                </a14:m>
+                <a:endParaRPr lang="en-US" altLang="zh-CN" b="0" dirty="0" smtClean="0"/>
+              </a:p>
+              <a:p>
+                <a:pPr marL="0" indent="0">
+                  <a:buNone/>
+                </a:pPr>
+                <a14:m>
+                  <m:oMathPara xmlns:m="http://schemas.openxmlformats.org/officeDocument/2006/math">
+                    <m:oMathParaPr>
+                      <m:jc m:val="centerGroup"/>
+                    </m:oMathParaPr>
+                    <m:oMath xmlns:m="http://schemas.openxmlformats.org/officeDocument/2006/math">
+                      <m:r>
+                        <a:rPr lang="en-US" altLang="zh-CN" b="0" i="1" smtClean="0">
+                          <a:latin typeface="Cambria Math"/>
+                        </a:rPr>
+                        <m:t>𝐹</m:t>
+                      </m:r>
+                      <m:d>
+                        <m:dPr>
+                          <m:ctrlPr>
+                            <a:rPr lang="en-US" altLang="zh-CN" b="0" i="1" smtClean="0">
+                              <a:latin typeface="Cambria Math"/>
+                            </a:rPr>
+                          </m:ctrlPr>
+                        </m:dPr>
+                        <m:e>
+                          <m:r>
+                            <a:rPr lang="en-US" altLang="zh-CN" b="0" i="1" smtClean="0">
+                              <a:latin typeface="Cambria Math"/>
+                            </a:rPr>
+                            <m:t>𝑋</m:t>
+                          </m:r>
+                          <m:r>
+                            <a:rPr lang="en-US" altLang="zh-CN" b="0" i="1" smtClean="0">
+                              <a:latin typeface="Cambria Math"/>
+                            </a:rPr>
+                            <m:t>,</m:t>
+                          </m:r>
+                          <m:r>
+                            <a:rPr lang="en-US" altLang="zh-CN" b="0" i="1" smtClean="0">
+                              <a:latin typeface="Cambria Math"/>
+                            </a:rPr>
+                            <m:t>𝑗</m:t>
+                          </m:r>
+                        </m:e>
+                      </m:d>
+                      <m:r>
+                        <a:rPr lang="en-US" altLang="zh-CN" b="0" i="1" smtClean="0">
+                          <a:latin typeface="Cambria Math"/>
+                        </a:rPr>
+                        <m:t>=(</m:t>
+                      </m:r>
+                      <m:sSup>
+                        <m:sSupPr>
+                          <m:ctrlPr>
+                            <a:rPr lang="en-US" altLang="zh-CN" b="0" i="1" smtClean="0">
+                              <a:latin typeface="Cambria Math"/>
+                            </a:rPr>
+                          </m:ctrlPr>
+                        </m:sSupPr>
+                        <m:e>
+                          <m:r>
+                            <a:rPr lang="en-US" altLang="zh-CN" b="0" i="1" smtClean="0">
+                              <a:latin typeface="Cambria Math"/>
+                            </a:rPr>
+                            <m:t>𝐹</m:t>
+                          </m:r>
+                        </m:e>
+                        <m:sup>
+                          <m:sSub>
+                            <m:sSubPr>
+                              <m:ctrlPr>
+                                <a:rPr lang="en-US" altLang="zh-CN" b="0" i="1" smtClean="0">
+                                  <a:latin typeface="Cambria Math"/>
+                                </a:rPr>
+                              </m:ctrlPr>
+                            </m:sSubPr>
+                            <m:e>
+                              <m:r>
+                                <a:rPr lang="en-US" altLang="zh-CN" b="0" i="1" smtClean="0">
+                                  <a:latin typeface="Cambria Math"/>
+                                </a:rPr>
+                                <m:t>𝑅</m:t>
+                              </m:r>
+                            </m:e>
+                            <m:sub>
+                              <m:r>
+                                <a:rPr lang="en-US" altLang="zh-CN" b="0" i="1" smtClean="0">
+                                  <a:latin typeface="Cambria Math"/>
+                                </a:rPr>
+                                <m:t>1</m:t>
+                              </m:r>
+                            </m:sub>
+                          </m:sSub>
+                        </m:sup>
+                      </m:sSup>
+                      <m:d>
+                        <m:dPr>
+                          <m:ctrlPr>
+                            <a:rPr lang="en-US" altLang="zh-CN" b="0" i="1" smtClean="0">
+                              <a:latin typeface="Cambria Math"/>
+                            </a:rPr>
+                          </m:ctrlPr>
+                        </m:dPr>
+                        <m:e>
+                          <m:r>
+                            <a:rPr lang="en-US" altLang="zh-CN" b="0" i="1" smtClean="0">
+                              <a:latin typeface="Cambria Math"/>
+                            </a:rPr>
+                            <m:t>𝑋</m:t>
+                          </m:r>
+                          <m:r>
+                            <a:rPr lang="en-US" altLang="zh-CN" b="0" i="1" smtClean="0">
+                              <a:latin typeface="Cambria Math"/>
+                            </a:rPr>
+                            <m:t>,</m:t>
+                          </m:r>
+                          <m:r>
+                            <a:rPr lang="en-US" altLang="zh-CN" b="0" i="1" smtClean="0">
+                              <a:latin typeface="Cambria Math"/>
+                            </a:rPr>
+                            <m:t>𝑗</m:t>
+                          </m:r>
+                        </m:e>
+                      </m:d>
+                      <m:r>
+                        <a:rPr lang="en-US" altLang="zh-CN" b="0" i="1" smtClean="0">
+                          <a:latin typeface="Cambria Math"/>
+                        </a:rPr>
+                        <m:t>,</m:t>
+                      </m:r>
+                      <m:sSup>
+                        <m:sSupPr>
+                          <m:ctrlPr>
+                            <a:rPr lang="en-US" altLang="zh-CN" b="0" i="1" smtClean="0">
+                              <a:latin typeface="Cambria Math"/>
+                            </a:rPr>
+                          </m:ctrlPr>
+                        </m:sSupPr>
+                        <m:e>
+                          <m:r>
+                            <a:rPr lang="en-US" altLang="zh-CN" b="0" i="1" smtClean="0">
+                              <a:latin typeface="Cambria Math"/>
+                            </a:rPr>
+                            <m:t>𝐹</m:t>
+                          </m:r>
+                        </m:e>
+                        <m:sup>
+                          <m:sSub>
+                            <m:sSubPr>
+                              <m:ctrlPr>
+                                <a:rPr lang="en-US" altLang="zh-CN" b="0" i="1" smtClean="0">
+                                  <a:latin typeface="Cambria Math"/>
+                                </a:rPr>
+                              </m:ctrlPr>
+                            </m:sSubPr>
+                            <m:e>
+                              <m:r>
+                                <a:rPr lang="en-US" altLang="zh-CN" b="0" i="1" smtClean="0">
+                                  <a:latin typeface="Cambria Math"/>
+                                </a:rPr>
+                                <m:t>𝑅</m:t>
+                              </m:r>
+                            </m:e>
+                            <m:sub>
+                              <m:r>
+                                <a:rPr lang="en-US" altLang="zh-CN" b="0" i="1" smtClean="0">
+                                  <a:latin typeface="Cambria Math"/>
+                                </a:rPr>
+                                <m:t>2</m:t>
+                              </m:r>
+                            </m:sub>
+                          </m:sSub>
+                        </m:sup>
+                      </m:sSup>
+                      <m:d>
+                        <m:dPr>
+                          <m:ctrlPr>
+                            <a:rPr lang="en-US" altLang="zh-CN" b="0" i="1" smtClean="0">
+                              <a:latin typeface="Cambria Math"/>
+                            </a:rPr>
+                          </m:ctrlPr>
+                        </m:dPr>
+                        <m:e>
+                          <m:r>
+                            <a:rPr lang="en-US" altLang="zh-CN" b="0" i="1" smtClean="0">
+                              <a:latin typeface="Cambria Math"/>
+                            </a:rPr>
+                            <m:t>𝑋</m:t>
+                          </m:r>
+                          <m:r>
+                            <a:rPr lang="en-US" altLang="zh-CN" b="0" i="1" smtClean="0">
+                              <a:latin typeface="Cambria Math"/>
+                            </a:rPr>
+                            <m:t>,</m:t>
+                          </m:r>
+                          <m:r>
+                            <a:rPr lang="en-US" altLang="zh-CN" b="0" i="1" smtClean="0">
+                              <a:latin typeface="Cambria Math"/>
+                            </a:rPr>
+                            <m:t>𝑗</m:t>
+                          </m:r>
+                        </m:e>
+                      </m:d>
+                      <m:r>
+                        <a:rPr lang="en-US" altLang="zh-CN" b="0" i="1" smtClean="0">
+                          <a:latin typeface="Cambria Math"/>
+                        </a:rPr>
+                        <m:t>,…,</m:t>
+                      </m:r>
+                      <m:sSup>
+                        <m:sSupPr>
+                          <m:ctrlPr>
+                            <a:rPr lang="en-US" altLang="zh-CN" b="0" i="1" smtClean="0">
+                              <a:latin typeface="Cambria Math"/>
+                            </a:rPr>
+                          </m:ctrlPr>
+                        </m:sSupPr>
+                        <m:e>
+                          <m:r>
+                            <a:rPr lang="en-US" altLang="zh-CN" b="0" i="1" smtClean="0">
+                              <a:latin typeface="Cambria Math"/>
+                            </a:rPr>
+                            <m:t>𝐹</m:t>
+                          </m:r>
+                        </m:e>
+                        <m:sup>
+                          <m:sSub>
+                            <m:sSubPr>
+                              <m:ctrlPr>
+                                <a:rPr lang="en-US" altLang="zh-CN" b="0" i="1" smtClean="0">
+                                  <a:latin typeface="Cambria Math"/>
+                                </a:rPr>
+                              </m:ctrlPr>
+                            </m:sSubPr>
+                            <m:e>
+                              <m:r>
+                                <a:rPr lang="en-US" altLang="zh-CN" b="0" i="1" smtClean="0">
+                                  <a:latin typeface="Cambria Math"/>
+                                </a:rPr>
+                                <m:t>𝑅</m:t>
+                              </m:r>
+                            </m:e>
+                            <m:sub>
+                              <m:r>
+                                <a:rPr lang="en-US" altLang="zh-CN" b="0" i="1" smtClean="0">
+                                  <a:latin typeface="Cambria Math"/>
+                                </a:rPr>
+                                <m:t>𝑑</m:t>
+                              </m:r>
+                            </m:sub>
+                          </m:sSub>
+                        </m:sup>
+                      </m:sSup>
+                      <m:d>
+                        <m:dPr>
+                          <m:ctrlPr>
+                            <a:rPr lang="en-US" altLang="zh-CN" b="0" i="1" smtClean="0">
+                              <a:latin typeface="Cambria Math"/>
+                            </a:rPr>
+                          </m:ctrlPr>
+                        </m:dPr>
+                        <m:e>
+                          <m:r>
+                            <a:rPr lang="en-US" altLang="zh-CN" b="0" i="1" smtClean="0">
+                              <a:latin typeface="Cambria Math"/>
+                            </a:rPr>
+                            <m:t>𝑄</m:t>
+                          </m:r>
+                        </m:e>
+                      </m:d>
+                      <m:r>
+                        <a:rPr lang="en-US" altLang="zh-CN" b="0" i="1" smtClean="0">
+                          <a:latin typeface="Cambria Math"/>
+                        </a:rPr>
+                        <m:t>)</m:t>
+                      </m:r>
+                    </m:oMath>
+                  </m:oMathPara>
+                </a14:m>
+                <a:endParaRPr lang="en-US" altLang="zh-CN" dirty="0" smtClean="0"/>
+              </a:p>
+              <a:p>
+                <a:r>
+                  <a:rPr lang="en-US" altLang="zh-CN" b="1" dirty="0" smtClean="0"/>
+                  <a:t>Assumption</a:t>
+                </a:r>
+                <a:r>
+                  <a:rPr lang="en-US" altLang="zh-CN" dirty="0" smtClean="0"/>
+                  <a:t>: if </a:t>
+                </a:r>
+                <a:r>
+                  <a:rPr lang="en-US" altLang="zh-CN" i="1" dirty="0"/>
+                  <a:t>Q </a:t>
+                </a:r>
+                <a:r>
+                  <a:rPr lang="en-US" altLang="zh-CN" dirty="0"/>
+                  <a:t>is similar to a subsequence of </a:t>
+                </a:r>
+                <a:r>
+                  <a:rPr lang="en-US" altLang="zh-CN" i="1" dirty="0" smtClean="0"/>
+                  <a:t>X </a:t>
+                </a:r>
+                <a:r>
+                  <a:rPr lang="en-US" altLang="zh-CN" dirty="0" smtClean="0"/>
+                  <a:t>ending </a:t>
+                </a:r>
+                <a:r>
+                  <a:rPr lang="en-US" altLang="zh-CN" dirty="0"/>
+                  <a:t>at </a:t>
+                </a:r>
+                <a14:m>
+                  <m:oMath xmlns:m="http://schemas.openxmlformats.org/officeDocument/2006/math">
+                    <m:sSub>
+                      <m:sSubPr>
+                        <m:ctrlPr>
+                          <a:rPr lang="en-US" altLang="zh-CN" b="0" i="1" smtClean="0">
+                            <a:latin typeface="Cambria Math"/>
+                          </a:rPr>
+                        </m:ctrlPr>
+                      </m:sSubPr>
+                      <m:e>
+                        <m:r>
+                          <a:rPr lang="en-US" altLang="zh-CN" b="0" i="1" smtClean="0">
+                            <a:latin typeface="Cambria Math"/>
+                          </a:rPr>
+                          <m:t>𝑋</m:t>
+                        </m:r>
+                      </m:e>
+                      <m:sub>
+                        <m:r>
+                          <a:rPr lang="en-US" altLang="zh-CN" b="0" i="1" smtClean="0">
+                            <a:latin typeface="Cambria Math"/>
+                          </a:rPr>
+                          <m:t>𝑗</m:t>
+                        </m:r>
+                      </m:sub>
+                    </m:sSub>
+                  </m:oMath>
+                </a14:m>
+                <a:r>
+                  <a:rPr lang="en-US" altLang="zh-CN" i="1" dirty="0" smtClean="0"/>
+                  <a:t> </a:t>
+                </a:r>
+                <a:r>
+                  <a:rPr lang="en-US" altLang="zh-CN" dirty="0"/>
+                  <a:t>, and if </a:t>
+                </a:r>
+                <a:r>
+                  <a:rPr lang="en-US" altLang="zh-CN" i="1" dirty="0"/>
+                  <a:t>R </a:t>
+                </a:r>
+                <a:r>
+                  <a:rPr lang="en-US" altLang="zh-CN" dirty="0"/>
+                  <a:t>is some reference sequence, then </a:t>
+                </a:r>
+                <a14:m>
+                  <m:oMath xmlns:m="http://schemas.openxmlformats.org/officeDocument/2006/math">
+                    <m:sSup>
+                      <m:sSupPr>
+                        <m:ctrlPr>
+                          <a:rPr lang="en-US" altLang="zh-CN" i="1">
+                            <a:latin typeface="Cambria Math"/>
+                          </a:rPr>
+                        </m:ctrlPr>
+                      </m:sSupPr>
+                      <m:e>
+                        <m:r>
+                          <a:rPr lang="en-US" altLang="zh-CN" i="1">
+                            <a:latin typeface="Cambria Math"/>
+                          </a:rPr>
+                          <m:t>𝐹</m:t>
+                        </m:r>
+                      </m:e>
+                      <m:sup>
+                        <m:r>
+                          <a:rPr lang="en-US" altLang="zh-CN" i="1">
+                            <a:latin typeface="Cambria Math"/>
+                          </a:rPr>
+                          <m:t>𝑅</m:t>
+                        </m:r>
+                      </m:sup>
+                    </m:sSup>
+                    <m:d>
+                      <m:dPr>
+                        <m:ctrlPr>
+                          <a:rPr lang="en-US" altLang="zh-CN" i="1">
+                            <a:latin typeface="Cambria Math"/>
+                          </a:rPr>
+                        </m:ctrlPr>
+                      </m:dPr>
+                      <m:e>
+                        <m:r>
+                          <a:rPr lang="en-US" altLang="zh-CN" i="1">
+                            <a:latin typeface="Cambria Math"/>
+                          </a:rPr>
+                          <m:t>𝑄</m:t>
+                        </m:r>
+                      </m:e>
+                    </m:d>
+                  </m:oMath>
+                </a14:m>
+                <a:r>
+                  <a:rPr lang="en-US" altLang="zh-CN" dirty="0" smtClean="0"/>
+                  <a:t> is </a:t>
+                </a:r>
+                <a:r>
+                  <a:rPr lang="en-US" altLang="zh-CN" dirty="0"/>
+                  <a:t>likely to be </a:t>
+                </a:r>
+                <a:r>
+                  <a:rPr lang="en-US" altLang="zh-CN" dirty="0" smtClean="0"/>
+                  <a:t>similar to </a:t>
+                </a:r>
+                <a14:m>
+                  <m:oMath xmlns:m="http://schemas.openxmlformats.org/officeDocument/2006/math">
+                    <m:sSup>
+                      <m:sSupPr>
+                        <m:ctrlPr>
+                          <a:rPr lang="en-US" altLang="zh-CN" i="1">
+                            <a:latin typeface="Cambria Math"/>
+                          </a:rPr>
+                        </m:ctrlPr>
+                      </m:sSupPr>
+                      <m:e>
+                        <m:r>
+                          <a:rPr lang="en-US" altLang="zh-CN" i="1">
+                            <a:latin typeface="Cambria Math"/>
+                          </a:rPr>
+                          <m:t>𝐹</m:t>
+                        </m:r>
+                      </m:e>
+                      <m:sup>
+                        <m:r>
+                          <a:rPr lang="en-US" altLang="zh-CN" i="1">
+                            <a:latin typeface="Cambria Math"/>
+                          </a:rPr>
+                          <m:t>𝑅</m:t>
+                        </m:r>
+                      </m:sup>
+                    </m:sSup>
+                    <m:d>
+                      <m:dPr>
+                        <m:ctrlPr>
+                          <a:rPr lang="en-US" altLang="zh-CN" i="1">
+                            <a:latin typeface="Cambria Math"/>
+                          </a:rPr>
+                        </m:ctrlPr>
+                      </m:dPr>
+                      <m:e>
+                        <m:r>
+                          <a:rPr lang="en-US" altLang="zh-CN" i="1">
+                            <a:latin typeface="Cambria Math"/>
+                          </a:rPr>
+                          <m:t>𝑋</m:t>
+                        </m:r>
+                        <m:r>
+                          <a:rPr lang="en-US" altLang="zh-CN" i="1">
+                            <a:latin typeface="Cambria Math"/>
+                          </a:rPr>
+                          <m:t>,</m:t>
+                        </m:r>
+                        <m:r>
+                          <a:rPr lang="en-US" altLang="zh-CN" i="1">
+                            <a:latin typeface="Cambria Math"/>
+                          </a:rPr>
+                          <m:t>𝑗</m:t>
+                        </m:r>
+                      </m:e>
+                    </m:d>
+                  </m:oMath>
+                </a14:m>
+                <a:r>
+                  <a:rPr lang="en-US" altLang="zh-CN" dirty="0" smtClean="0"/>
+                  <a:t>.</a:t>
+                </a:r>
+                <a:endParaRPr lang="zh-CN" altLang="en-US" dirty="0"/>
+              </a:p>
+            </p:txBody>
+          </p:sp>
+        </mc:Choice>
+        <mc:Fallback>
+          <p:sp>
+            <p:nvSpPr>
+              <p:cNvPr id="3" name="内容占位符 2"/>
+              <p:cNvSpPr>
+                <a:spLocks noGrp="1" noRot="1" noChangeAspect="1" noMove="1" noResize="1" noEditPoints="1" noAdjustHandles="1" noChangeArrowheads="1" noChangeShapeType="1" noTextEdit="1"/>
+              </p:cNvSpPr>
+              <p:nvPr>
+                <p:ph idx="1"/>
+              </p:nvPr>
+            </p:nvSpPr>
+            <p:spPr>
+              <a:blipFill rotWithShape="1">
+                <a:blip r:embed="rId2"/>
+                <a:stretch>
+                  <a:fillRect l="-479" t="-806"/>
+                </a:stretch>
+              </a:blipFill>
+            </p:spPr>
+            <p:txBody>
+              <a:bodyPr/>
+              <a:lstStyle/>
+              <a:p>
+                <a:r>
+                  <a:rPr lang="zh-CN" altLang="en-US">
+                    <a:noFill/>
+                  </a:rPr>
+                  <a:t> </a:t>
+                </a:r>
+              </a:p>
+            </p:txBody>
+          </p:sp>
+        </mc:Fallback>
+      </mc:AlternateContent>
     </p:spTree>
     <p:extLst>
       <p:ext uri="{BB962C8B-B14F-4D97-AF65-F5344CB8AC3E}">
-        <p14:creationId xmlns:p14="http://schemas.microsoft.com/office/powerpoint/2010/main" val="3942738112"/>
+        <p14:creationId xmlns:p14="http://schemas.microsoft.com/office/powerpoint/2010/main" val="1556650821"/>
       </p:ext>
     </p:extLst>
   </p:cSld>
   <p:clrMapOvr>
     <a:masterClrMapping/>
   </p:clrMapOvr>
-  <p:timing>
-    <p:tnLst>
-      <p:par>
-        <p:cTn id="1" dur="indefinite" restart="never" nodeType="tmRoot"/>
-      </p:par>
-    </p:tnLst>
-  </p:timing>
 </p:sld>
 </file>
 
@@ -21305,7 +24314,7 @@
             <a:pPr algn="ctr"/>
             <a:r>
               <a:rPr lang="en-US" dirty="0" smtClean="0"/>
-              <a:t>Classification</a:t>
+              <a:t>Subsequence Matching</a:t>
             </a:r>
             <a:endParaRPr lang="en-US" dirty="0"/>
           </a:p>
@@ -21321,63 +24330,508 @@
             <p:ph idx="1"/>
           </p:nvPr>
         </p:nvSpPr>
-        <p:spPr/>
+        <p:spPr>
+          <a:xfrm>
+            <a:off x="2589212" y="2133600"/>
+            <a:ext cx="8915400" cy="4431102"/>
+          </a:xfrm>
+        </p:spPr>
         <p:txBody>
-          <a:bodyPr/>
+          <a:bodyPr>
+            <a:normAutofit fontScale="85000" lnSpcReduction="20000"/>
+          </a:bodyPr>
           <a:lstStyle/>
           <a:p>
-            <a:r>
-              <a:rPr lang="en-US" dirty="0"/>
-              <a:t>Given an unlabeled time series Q, assign it to one of two or more predefined </a:t>
-            </a:r>
-            <a:r>
-              <a:rPr lang="en-US" dirty="0" smtClean="0"/>
-              <a:t>classes</a:t>
-            </a:r>
-          </a:p>
-          <a:p>
-            <a:r>
-              <a:rPr lang="en-US" dirty="0"/>
-              <a:t>Three time series clustering approaches: </a:t>
-            </a:r>
-            <a:endParaRPr lang="en-US" dirty="0" smtClean="0"/>
+            <a:pPr>
+              <a:buFont typeface="Wingdings" panose="05000000000000000000" pitchFamily="2" charset="2"/>
+              <a:buNone/>
+            </a:pPr>
+            <a:r>
+              <a:rPr lang="en-US" sz="2800" dirty="0" smtClean="0"/>
+              <a:t>Offline </a:t>
+            </a:r>
+            <a:r>
+              <a:rPr lang="en-US" sz="2800" dirty="0"/>
+              <a:t>step: </a:t>
+            </a:r>
+          </a:p>
+          <a:p>
+            <a:r>
+              <a:rPr lang="en-US" sz="2800" dirty="0"/>
+              <a:t>Compute F(X, j) for all j. </a:t>
+            </a:r>
+            <a:br>
+              <a:rPr lang="en-US" sz="2800" dirty="0"/>
+            </a:br>
+            <a:endParaRPr lang="en-US" sz="2800" dirty="0"/>
+          </a:p>
+          <a:p>
+            <a:pPr>
+              <a:buFont typeface="Wingdings" panose="05000000000000000000" pitchFamily="2" charset="2"/>
+              <a:buNone/>
+            </a:pPr>
+            <a:r>
+              <a:rPr lang="en-US" sz="2800" dirty="0"/>
+              <a:t>Online steps, given a query Q:</a:t>
+            </a:r>
+          </a:p>
+          <a:p>
+            <a:r>
+              <a:rPr lang="en-US" sz="2800" dirty="0"/>
+              <a:t>Embedding step:</a:t>
+            </a:r>
           </a:p>
           <a:p>
             <a:pPr lvl="1"/>
             <a:r>
-              <a:rPr lang="en-US" dirty="0" smtClean="0"/>
-              <a:t>feature-based</a:t>
-            </a:r>
-            <a:endParaRPr lang="en-US" dirty="0"/>
+              <a:rPr lang="en-US" sz="2200" dirty="0"/>
+              <a:t>Compute F(Q).</a:t>
+            </a:r>
+          </a:p>
+          <a:p>
+            <a:r>
+              <a:rPr lang="en-US" sz="2800" dirty="0"/>
+              <a:t>Filter </a:t>
+            </a:r>
+            <a:r>
+              <a:rPr lang="en-US" sz="2800" dirty="0" smtClean="0"/>
+              <a:t>step:</a:t>
+            </a:r>
+            <a:endParaRPr lang="en-US" sz="2800" dirty="0"/>
           </a:p>
           <a:p>
             <a:pPr lvl="1"/>
             <a:r>
-              <a:rPr lang="en-US" dirty="0"/>
-              <a:t>sequence distance </a:t>
-            </a:r>
-            <a:r>
-              <a:rPr lang="en-US" dirty="0" smtClean="0"/>
-              <a:t>based</a:t>
-            </a:r>
+              <a:rPr lang="en-US" sz="2200" dirty="0"/>
+              <a:t>Compare F(Q) to all F(X, j</a:t>
+            </a:r>
+            <a:r>
+              <a:rPr lang="en-US" sz="2200" dirty="0" smtClean="0"/>
+              <a:t>).									</a:t>
+            </a:r>
+            <a:endParaRPr lang="en-US" sz="2200" dirty="0"/>
           </a:p>
           <a:p>
             <a:pPr lvl="1"/>
             <a:r>
-              <a:rPr lang="en-US" dirty="0" smtClean="0"/>
-              <a:t>model-based</a:t>
-            </a:r>
-            <a:endParaRPr lang="en-US" dirty="0"/>
+              <a:rPr lang="en-US" sz="2200" dirty="0"/>
+              <a:t>Select </a:t>
+            </a:r>
+            <a:r>
+              <a:rPr lang="en-US" sz="2200" i="1" dirty="0"/>
+              <a:t>p</a:t>
+            </a:r>
+            <a:r>
+              <a:rPr lang="en-US" sz="2200" dirty="0"/>
+              <a:t> best matches </a:t>
+            </a:r>
+            <a:r>
+              <a:rPr lang="en-US" sz="2200" dirty="0">
+                <a:sym typeface="Wingdings" panose="05000000000000000000" pitchFamily="2" charset="2"/>
+              </a:rPr>
+              <a:t> </a:t>
+            </a:r>
+            <a:r>
+              <a:rPr lang="en-US" sz="2200" i="1" dirty="0">
+                <a:sym typeface="Wingdings" panose="05000000000000000000" pitchFamily="2" charset="2"/>
+              </a:rPr>
+              <a:t>p </a:t>
+            </a:r>
+            <a:r>
+              <a:rPr lang="en-US" sz="2200" dirty="0">
+                <a:sym typeface="Wingdings" panose="05000000000000000000" pitchFamily="2" charset="2"/>
+              </a:rPr>
+              <a:t>candidate endpoints.</a:t>
+            </a:r>
+            <a:endParaRPr lang="en-US" sz="2200" dirty="0"/>
+          </a:p>
+          <a:p>
+            <a:r>
+              <a:rPr lang="en-US" sz="2800" dirty="0"/>
+              <a:t>Refine step:</a:t>
+            </a:r>
+          </a:p>
+          <a:p>
+            <a:pPr lvl="1"/>
+            <a:r>
+              <a:rPr lang="en-US" sz="2200" dirty="0"/>
+              <a:t>Use DTW to evaluate each candidate endpoint.</a:t>
+            </a:r>
           </a:p>
           <a:p>
             <a:endParaRPr lang="en-US" dirty="0"/>
           </a:p>
         </p:txBody>
       </p:sp>
+      <mc:AlternateContent xmlns:mc="http://schemas.openxmlformats.org/markup-compatibility/2006">
+        <mc:Choice xmlns:a14="http://schemas.microsoft.com/office/drawing/2010/main" Requires="a14">
+          <p:sp>
+            <p:nvSpPr>
+              <p:cNvPr id="16" name="TextBox 15"/>
+              <p:cNvSpPr txBox="1"/>
+              <p:nvPr/>
+            </p:nvSpPr>
+            <p:spPr>
+              <a:xfrm>
+                <a:off x="6976533" y="2562578"/>
+                <a:ext cx="1975555" cy="391582"/>
+              </a:xfrm>
+              <a:prstGeom prst="rect">
+                <a:avLst/>
+              </a:prstGeom>
+              <a:noFill/>
+            </p:spPr>
+            <p:txBody>
+              <a:bodyPr wrap="square" rtlCol="0">
+                <a:spAutoFit/>
+              </a:bodyPr>
+              <a:lstStyle/>
+              <a:p>
+                <a14:m>
+                  <m:oMath xmlns:m="http://schemas.openxmlformats.org/officeDocument/2006/math">
+                    <m:r>
+                      <a:rPr lang="en-US" altLang="zh-CN" b="0" i="1" smtClean="0">
+                        <a:latin typeface="Cambria Math"/>
+                      </a:rPr>
+                      <m:t>𝑂</m:t>
+                    </m:r>
+                    <m:r>
+                      <a:rPr lang="en-US" altLang="zh-CN" b="0" i="1" smtClean="0">
+                        <a:latin typeface="Cambria Math"/>
+                      </a:rPr>
+                      <m:t>(</m:t>
+                    </m:r>
+                    <m:d>
+                      <m:dPr>
+                        <m:begChr m:val="|"/>
+                        <m:endChr m:val="|"/>
+                        <m:ctrlPr>
+                          <a:rPr lang="en-US" altLang="zh-CN" b="0" i="1" smtClean="0">
+                            <a:latin typeface="Cambria Math"/>
+                          </a:rPr>
+                        </m:ctrlPr>
+                      </m:dPr>
+                      <m:e>
+                        <m:r>
+                          <a:rPr lang="en-US" altLang="zh-CN" b="0" i="1" smtClean="0">
+                            <a:latin typeface="Cambria Math"/>
+                          </a:rPr>
+                          <m:t>𝑋</m:t>
+                        </m:r>
+                      </m:e>
+                    </m:d>
+                    <m:nary>
+                      <m:naryPr>
+                        <m:chr m:val="∑"/>
+                        <m:limLoc m:val="subSup"/>
+                        <m:ctrlPr>
+                          <a:rPr lang="en-US" altLang="zh-CN" b="0" i="1" smtClean="0">
+                            <a:latin typeface="Cambria Math"/>
+                          </a:rPr>
+                        </m:ctrlPr>
+                      </m:naryPr>
+                      <m:sub>
+                        <m:r>
+                          <m:rPr>
+                            <m:brk m:alnAt="25"/>
+                          </m:rPr>
+                          <a:rPr lang="en-US" altLang="zh-CN" b="0" i="1" smtClean="0">
+                            <a:latin typeface="Cambria Math"/>
+                          </a:rPr>
+                          <m:t>𝑖</m:t>
+                        </m:r>
+                        <m:r>
+                          <a:rPr lang="en-US" altLang="zh-CN" b="0" i="1" smtClean="0">
+                            <a:latin typeface="Cambria Math"/>
+                          </a:rPr>
+                          <m:t>=1</m:t>
+                        </m:r>
+                      </m:sub>
+                      <m:sup>
+                        <m:r>
+                          <a:rPr lang="en-US" altLang="zh-CN" b="0" i="1" smtClean="0">
+                            <a:latin typeface="Cambria Math"/>
+                          </a:rPr>
+                          <m:t>𝑑</m:t>
+                        </m:r>
+                      </m:sup>
+                      <m:e>
+                        <m:r>
+                          <a:rPr lang="en-US" altLang="zh-CN" b="0" i="1" smtClean="0">
+                            <a:latin typeface="Cambria Math"/>
+                          </a:rPr>
+                          <m:t>|</m:t>
+                        </m:r>
+                        <m:sSub>
+                          <m:sSubPr>
+                            <m:ctrlPr>
+                              <a:rPr lang="en-US" altLang="zh-CN" b="0" i="1" smtClean="0">
+                                <a:latin typeface="Cambria Math"/>
+                              </a:rPr>
+                            </m:ctrlPr>
+                          </m:sSubPr>
+                          <m:e>
+                            <m:r>
+                              <a:rPr lang="en-US" altLang="zh-CN" b="0" i="1" smtClean="0">
+                                <a:latin typeface="Cambria Math"/>
+                              </a:rPr>
+                              <m:t>𝑅</m:t>
+                            </m:r>
+                          </m:e>
+                          <m:sub>
+                            <m:r>
+                              <a:rPr lang="en-US" altLang="zh-CN" b="0" i="1" smtClean="0">
+                                <a:latin typeface="Cambria Math"/>
+                              </a:rPr>
+                              <m:t>𝑑</m:t>
+                            </m:r>
+                          </m:sub>
+                        </m:sSub>
+                        <m:r>
+                          <a:rPr lang="en-US" altLang="zh-CN" b="0" i="1" smtClean="0">
+                            <a:latin typeface="Cambria Math"/>
+                          </a:rPr>
+                          <m:t>|</m:t>
+                        </m:r>
+                      </m:e>
+                    </m:nary>
+                  </m:oMath>
+                </a14:m>
+                <a:r>
+                  <a:rPr lang="en-US" altLang="zh-CN" dirty="0" smtClean="0"/>
+                  <a:t>)</a:t>
+                </a:r>
+                <a:endParaRPr lang="zh-CN" altLang="en-US" dirty="0"/>
+              </a:p>
+            </p:txBody>
+          </p:sp>
+        </mc:Choice>
+        <mc:Fallback>
+          <p:sp>
+            <p:nvSpPr>
+              <p:cNvPr id="16" name="TextBox 15"/>
+              <p:cNvSpPr txBox="1">
+                <a:spLocks noRot="1" noChangeAspect="1" noMove="1" noResize="1" noEditPoints="1" noAdjustHandles="1" noChangeArrowheads="1" noChangeShapeType="1" noTextEdit="1"/>
+              </p:cNvSpPr>
+              <p:nvPr/>
+            </p:nvSpPr>
+            <p:spPr>
+              <a:xfrm>
+                <a:off x="6976533" y="2562578"/>
+                <a:ext cx="1975555" cy="391582"/>
+              </a:xfrm>
+              <a:prstGeom prst="rect">
+                <a:avLst/>
+              </a:prstGeom>
+              <a:blipFill rotWithShape="1">
+                <a:blip r:embed="rId2"/>
+                <a:stretch>
+                  <a:fillRect t="-106154" b="-172308"/>
+                </a:stretch>
+              </a:blipFill>
+            </p:spPr>
+            <p:txBody>
+              <a:bodyPr/>
+              <a:lstStyle/>
+              <a:p>
+                <a:r>
+                  <a:rPr lang="zh-CN" altLang="en-US">
+                    <a:noFill/>
+                  </a:rPr>
+                  <a:t> </a:t>
+                </a:r>
+              </a:p>
+            </p:txBody>
+          </p:sp>
+        </mc:Fallback>
+      </mc:AlternateContent>
+      <mc:AlternateContent xmlns:mc="http://schemas.openxmlformats.org/markup-compatibility/2006">
+        <mc:Choice xmlns:a14="http://schemas.microsoft.com/office/drawing/2010/main" Requires="a14">
+          <p:sp>
+            <p:nvSpPr>
+              <p:cNvPr id="17" name="TextBox 16"/>
+              <p:cNvSpPr txBox="1"/>
+              <p:nvPr/>
+            </p:nvSpPr>
+            <p:spPr>
+              <a:xfrm>
+                <a:off x="5887155" y="3764845"/>
+                <a:ext cx="1975555" cy="391582"/>
+              </a:xfrm>
+              <a:prstGeom prst="rect">
+                <a:avLst/>
+              </a:prstGeom>
+              <a:noFill/>
+            </p:spPr>
+            <p:txBody>
+              <a:bodyPr wrap="square" rtlCol="0">
+                <a:spAutoFit/>
+              </a:bodyPr>
+              <a:lstStyle/>
+              <a:p>
+                <a:pPr algn="r"/>
+                <a14:m>
+                  <m:oMath xmlns:m="http://schemas.openxmlformats.org/officeDocument/2006/math">
+                    <m:r>
+                      <a:rPr lang="en-US" altLang="zh-CN" b="0" i="1" smtClean="0">
+                        <a:latin typeface="Cambria Math"/>
+                      </a:rPr>
+                      <m:t>𝑂</m:t>
+                    </m:r>
+                    <m:r>
+                      <a:rPr lang="en-US" altLang="zh-CN" b="0" i="1" smtClean="0">
+                        <a:latin typeface="Cambria Math"/>
+                      </a:rPr>
+                      <m:t>(</m:t>
+                    </m:r>
+                    <m:d>
+                      <m:dPr>
+                        <m:begChr m:val="|"/>
+                        <m:endChr m:val="|"/>
+                        <m:ctrlPr>
+                          <a:rPr lang="en-US" altLang="zh-CN" b="0" i="1" smtClean="0">
+                            <a:latin typeface="Cambria Math"/>
+                          </a:rPr>
+                        </m:ctrlPr>
+                      </m:dPr>
+                      <m:e>
+                        <m:r>
+                          <a:rPr lang="en-US" altLang="zh-CN" b="0" i="1" smtClean="0">
+                            <a:latin typeface="Cambria Math"/>
+                          </a:rPr>
+                          <m:t>𝑄</m:t>
+                        </m:r>
+                      </m:e>
+                    </m:d>
+                    <m:nary>
+                      <m:naryPr>
+                        <m:chr m:val="∑"/>
+                        <m:limLoc m:val="subSup"/>
+                        <m:ctrlPr>
+                          <a:rPr lang="en-US" altLang="zh-CN" b="0" i="1" smtClean="0">
+                            <a:latin typeface="Cambria Math"/>
+                          </a:rPr>
+                        </m:ctrlPr>
+                      </m:naryPr>
+                      <m:sub>
+                        <m:r>
+                          <m:rPr>
+                            <m:brk m:alnAt="25"/>
+                          </m:rPr>
+                          <a:rPr lang="en-US" altLang="zh-CN" b="0" i="1" smtClean="0">
+                            <a:latin typeface="Cambria Math"/>
+                          </a:rPr>
+                          <m:t>𝑖</m:t>
+                        </m:r>
+                        <m:r>
+                          <a:rPr lang="en-US" altLang="zh-CN" b="0" i="1" smtClean="0">
+                            <a:latin typeface="Cambria Math"/>
+                          </a:rPr>
+                          <m:t>=1</m:t>
+                        </m:r>
+                      </m:sub>
+                      <m:sup>
+                        <m:r>
+                          <a:rPr lang="en-US" altLang="zh-CN" b="0" i="1" smtClean="0">
+                            <a:latin typeface="Cambria Math"/>
+                          </a:rPr>
+                          <m:t>𝑑</m:t>
+                        </m:r>
+                      </m:sup>
+                      <m:e>
+                        <m:r>
+                          <a:rPr lang="en-US" altLang="zh-CN" b="0" i="1" smtClean="0">
+                            <a:latin typeface="Cambria Math"/>
+                          </a:rPr>
+                          <m:t>|</m:t>
+                        </m:r>
+                        <m:sSub>
+                          <m:sSubPr>
+                            <m:ctrlPr>
+                              <a:rPr lang="en-US" altLang="zh-CN" b="0" i="1" smtClean="0">
+                                <a:latin typeface="Cambria Math"/>
+                              </a:rPr>
+                            </m:ctrlPr>
+                          </m:sSubPr>
+                          <m:e>
+                            <m:r>
+                              <a:rPr lang="en-US" altLang="zh-CN" b="0" i="1" smtClean="0">
+                                <a:latin typeface="Cambria Math"/>
+                              </a:rPr>
+                              <m:t>𝑅</m:t>
+                            </m:r>
+                          </m:e>
+                          <m:sub>
+                            <m:r>
+                              <a:rPr lang="en-US" altLang="zh-CN" b="0" i="1" smtClean="0">
+                                <a:latin typeface="Cambria Math"/>
+                              </a:rPr>
+                              <m:t>𝑑</m:t>
+                            </m:r>
+                          </m:sub>
+                        </m:sSub>
+                        <m:r>
+                          <a:rPr lang="en-US" altLang="zh-CN" b="0" i="1" smtClean="0">
+                            <a:latin typeface="Cambria Math"/>
+                          </a:rPr>
+                          <m:t>|</m:t>
+                        </m:r>
+                      </m:e>
+                    </m:nary>
+                  </m:oMath>
+                </a14:m>
+                <a:r>
+                  <a:rPr lang="en-US" altLang="zh-CN" dirty="0" smtClean="0"/>
+                  <a:t>)</a:t>
+                </a:r>
+                <a:endParaRPr lang="zh-CN" altLang="en-US" dirty="0"/>
+              </a:p>
+            </p:txBody>
+          </p:sp>
+        </mc:Choice>
+        <mc:Fallback>
+          <p:sp>
+            <p:nvSpPr>
+              <p:cNvPr id="17" name="TextBox 16"/>
+              <p:cNvSpPr txBox="1">
+                <a:spLocks noRot="1" noChangeAspect="1" noMove="1" noResize="1" noEditPoints="1" noAdjustHandles="1" noChangeArrowheads="1" noChangeShapeType="1" noTextEdit="1"/>
+              </p:cNvSpPr>
+              <p:nvPr/>
+            </p:nvSpPr>
+            <p:spPr>
+              <a:xfrm>
+                <a:off x="5887155" y="3764845"/>
+                <a:ext cx="1975555" cy="391582"/>
+              </a:xfrm>
+              <a:prstGeom prst="rect">
+                <a:avLst/>
+              </a:prstGeom>
+              <a:blipFill rotWithShape="1">
+                <a:blip r:embed="rId3"/>
+                <a:stretch>
+                  <a:fillRect t="-107813" r="-2469" b="-176563"/>
+                </a:stretch>
+              </a:blipFill>
+            </p:spPr>
+            <p:txBody>
+              <a:bodyPr/>
+              <a:lstStyle/>
+              <a:p>
+                <a:r>
+                  <a:rPr lang="zh-CN" altLang="en-US">
+                    <a:noFill/>
+                  </a:rPr>
+                  <a:t> </a:t>
+                </a:r>
+              </a:p>
+            </p:txBody>
+          </p:sp>
+        </mc:Fallback>
+      </mc:AlternateContent>
     </p:spTree>
     <p:extLst>
       <p:ext uri="{BB962C8B-B14F-4D97-AF65-F5344CB8AC3E}">
-        <p14:creationId xmlns:p14="http://schemas.microsoft.com/office/powerpoint/2010/main" val="3935137876"/>
+        <p14:creationId xmlns:p14="http://schemas.microsoft.com/office/powerpoint/2010/main" val="1725708998"/>
       </p:ext>
     </p:extLst>
   </p:cSld>
@@ -21413,7 +24867,7 @@
       </p:grpSpPr>
       <p:sp>
         <p:nvSpPr>
-          <p:cNvPr id="2" name="Title 1"/>
+          <p:cNvPr id="2" name="标题 1"/>
           <p:cNvSpPr>
             <a:spLocks noGrp="1"/>
           </p:cNvSpPr>
@@ -21428,16 +24882,16 @@
           <a:p>
             <a:pPr algn="ctr"/>
             <a:r>
-              <a:rPr lang="en-US" altLang="zh-CN" dirty="0" smtClean="0"/>
-              <a:t>Feature Based Classification</a:t>
-            </a:r>
-            <a:endParaRPr lang="en-US" dirty="0"/>
+              <a:rPr lang="en-US" altLang="zh-CN" dirty="0"/>
+              <a:t>Subsequence Matching</a:t>
+            </a:r>
+            <a:endParaRPr lang="zh-CN" altLang="en-US" dirty="0"/>
           </a:p>
         </p:txBody>
       </p:sp>
       <p:sp>
         <p:nvSpPr>
-          <p:cNvPr id="3" name="Content Placeholder 2"/>
+          <p:cNvPr id="3" name="内容占位符 2"/>
           <p:cNvSpPr>
             <a:spLocks noGrp="1"/>
           </p:cNvSpPr>
@@ -21447,124 +24901,62 @@
         </p:nvSpPr>
         <p:spPr/>
         <p:txBody>
-          <a:bodyPr>
-            <a:normAutofit fontScale="92500" lnSpcReduction="10000"/>
-          </a:bodyPr>
+          <a:bodyPr/>
           <a:lstStyle/>
           <a:p>
             <a:r>
               <a:rPr lang="en-US" altLang="zh-CN" dirty="0" smtClean="0"/>
-              <a:t>D</a:t>
-            </a:r>
-            <a:r>
-              <a:rPr lang="en-US" dirty="0" smtClean="0"/>
-              <a:t>iscrete symbolic:</a:t>
+              <a:t>Optimization</a:t>
             </a:r>
           </a:p>
           <a:p>
             <a:pPr lvl="1"/>
             <a:r>
-              <a:rPr lang="en-US" dirty="0"/>
-              <a:t>k-gram based </a:t>
-            </a:r>
-            <a:endParaRPr lang="en-US" dirty="0" smtClean="0"/>
+              <a:rPr lang="en-US" altLang="zh-CN" dirty="0" smtClean="0"/>
+              <a:t>Filter step: sampling values of Distance(F(Q), F(</a:t>
+            </a:r>
+            <a:r>
+              <a:rPr lang="en-US" altLang="zh-CN" dirty="0" err="1" smtClean="0"/>
+              <a:t>X,j</a:t>
+            </a:r>
+            <a:r>
+              <a:rPr lang="en-US" altLang="zh-CN" dirty="0" smtClean="0"/>
+              <a:t>)) for all j</a:t>
+            </a:r>
           </a:p>
           <a:p>
             <a:pPr lvl="1"/>
             <a:r>
-              <a:rPr lang="en-US" dirty="0" smtClean="0"/>
-              <a:t>pattern-based (define pattern criterion)</a:t>
+              <a:rPr lang="en-US" altLang="zh-CN" dirty="0" smtClean="0"/>
+              <a:t>Refine step: Max length limited to 2|Q|</a:t>
+            </a:r>
+          </a:p>
+          <a:p>
+            <a:r>
+              <a:rPr lang="en-US" altLang="zh-CN" dirty="0" smtClean="0"/>
+              <a:t>Reference sequences selection</a:t>
             </a:r>
           </a:p>
           <a:p>
             <a:pPr lvl="1"/>
             <a:r>
-              <a:rPr lang="en-US" dirty="0"/>
-              <a:t>feature </a:t>
-            </a:r>
-            <a:r>
-              <a:rPr lang="en-US" dirty="0" smtClean="0"/>
-              <a:t>mining </a:t>
-            </a:r>
-          </a:p>
-          <a:p>
-            <a:r>
-              <a:rPr lang="en-US" dirty="0" smtClean="0"/>
-              <a:t>Real value:</a:t>
-            </a:r>
-          </a:p>
-          <a:p>
-            <a:pPr lvl="1"/>
-            <a:r>
-              <a:rPr lang="en-US" dirty="0"/>
-              <a:t>Time series </a:t>
-            </a:r>
-            <a:r>
-              <a:rPr lang="en-US" dirty="0" err="1" smtClean="0"/>
-              <a:t>shapelets</a:t>
-            </a:r>
-            <a:endParaRPr lang="en-US" dirty="0" smtClean="0"/>
-          </a:p>
-          <a:p>
-            <a:pPr lvl="1"/>
-            <a:r>
-              <a:rPr lang="en-US" dirty="0"/>
-              <a:t>wavelet </a:t>
-            </a:r>
-            <a:r>
-              <a:rPr lang="en-US" dirty="0" smtClean="0"/>
-              <a:t>decomposition</a:t>
-            </a:r>
-          </a:p>
-          <a:p>
-            <a:r>
-              <a:rPr lang="en-US" dirty="0" smtClean="0"/>
-              <a:t>Classifier:</a:t>
-            </a:r>
-          </a:p>
-          <a:p>
-            <a:pPr lvl="1"/>
-            <a:r>
-              <a:rPr lang="en-US" dirty="0" smtClean="0"/>
-              <a:t>Naive Bayes</a:t>
-            </a:r>
-          </a:p>
-          <a:p>
-            <a:pPr lvl="1"/>
-            <a:r>
-              <a:rPr lang="en-US" dirty="0" smtClean="0"/>
-              <a:t>SVM</a:t>
-            </a:r>
-          </a:p>
-          <a:p>
-            <a:pPr lvl="1"/>
-            <a:r>
-              <a:rPr lang="en-US" dirty="0" smtClean="0"/>
-              <a:t>Neural networks</a:t>
-            </a:r>
-          </a:p>
-          <a:p>
-            <a:endParaRPr lang="en-US" dirty="0"/>
+              <a:rPr lang="en-US" altLang="zh-CN" smtClean="0"/>
+              <a:t>Details omitted</a:t>
+            </a:r>
+            <a:endParaRPr lang="zh-CN" altLang="en-US" dirty="0"/>
           </a:p>
         </p:txBody>
       </p:sp>
     </p:spTree>
     <p:extLst>
       <p:ext uri="{BB962C8B-B14F-4D97-AF65-F5344CB8AC3E}">
-        <p14:creationId xmlns:p14="http://schemas.microsoft.com/office/powerpoint/2010/main" val="3743611352"/>
+        <p14:creationId xmlns:p14="http://schemas.microsoft.com/office/powerpoint/2010/main" val="3601697252"/>
       </p:ext>
     </p:extLst>
   </p:cSld>
   <p:clrMapOvr>
     <a:masterClrMapping/>
   </p:clrMapOvr>
-  <p:timing>
-    <p:tnLst>
-      <p:par>
-        <p:cTn id="1" dur="indefinite" restart="never" nodeType="tmRoot"/>
-      </p:par>
-    </p:tnLst>
-  </p:timing>
 </p:sld>
 </file>
 
@@ -21602,6 +24994,844 @@
           <a:p>
             <a:pPr algn="ctr"/>
             <a:r>
+              <a:rPr lang="en-US" dirty="0" smtClean="0"/>
+              <a:t>Clustering</a:t>
+            </a:r>
+            <a:endParaRPr lang="en-US" dirty="0"/>
+          </a:p>
+        </p:txBody>
+      </p:sp>
+      <p:sp>
+        <p:nvSpPr>
+          <p:cNvPr id="3" name="Content Placeholder 2"/>
+          <p:cNvSpPr>
+            <a:spLocks noGrp="1"/>
+          </p:cNvSpPr>
+          <p:nvPr>
+            <p:ph idx="1"/>
+          </p:nvPr>
+        </p:nvSpPr>
+        <p:spPr>
+          <a:xfrm>
+            <a:off x="2589212" y="1443487"/>
+            <a:ext cx="8915400" cy="5147094"/>
+          </a:xfrm>
+        </p:spPr>
+        <p:txBody>
+          <a:bodyPr>
+            <a:normAutofit fontScale="85000" lnSpcReduction="20000"/>
+          </a:bodyPr>
+          <a:lstStyle/>
+          <a:p>
+            <a:r>
+              <a:rPr lang="en-US" dirty="0" smtClean="0"/>
+              <a:t>Find </a:t>
+            </a:r>
+            <a:r>
+              <a:rPr lang="en-US" dirty="0"/>
+              <a:t>natural groupings of the time series in database DB under some similarity/dissimilarity measure D(Q,C</a:t>
+            </a:r>
+            <a:r>
+              <a:rPr lang="en-US" dirty="0" smtClean="0"/>
+              <a:t>).</a:t>
+            </a:r>
+          </a:p>
+          <a:p>
+            <a:r>
+              <a:rPr lang="en-US" dirty="0"/>
+              <a:t>Three time series clustering approaches: </a:t>
+            </a:r>
+            <a:endParaRPr lang="en-US" dirty="0" smtClean="0"/>
+          </a:p>
+          <a:p>
+            <a:pPr lvl="1"/>
+            <a:r>
+              <a:rPr lang="en-US" dirty="0" smtClean="0"/>
+              <a:t>raw-data-based</a:t>
+            </a:r>
+            <a:endParaRPr lang="en-US" dirty="0"/>
+          </a:p>
+          <a:p>
+            <a:pPr lvl="1"/>
+            <a:r>
+              <a:rPr lang="en-US" dirty="0" smtClean="0"/>
+              <a:t>feature-based</a:t>
+            </a:r>
+            <a:endParaRPr lang="en-US" dirty="0"/>
+          </a:p>
+          <a:p>
+            <a:pPr lvl="1"/>
+            <a:r>
+              <a:rPr lang="en-US" dirty="0" smtClean="0"/>
+              <a:t>model-based</a:t>
+            </a:r>
+          </a:p>
+          <a:p>
+            <a:r>
+              <a:rPr lang="en-US" dirty="0" smtClean="0"/>
+              <a:t>General </a:t>
+            </a:r>
+            <a:r>
+              <a:rPr lang="en-US" dirty="0"/>
+              <a:t>c</a:t>
+            </a:r>
+            <a:r>
+              <a:rPr lang="en-US" dirty="0" smtClean="0"/>
+              <a:t>lustering methods</a:t>
+            </a:r>
+          </a:p>
+          <a:p>
+            <a:pPr lvl="1"/>
+            <a:r>
+              <a:rPr lang="en-US" dirty="0" smtClean="0"/>
+              <a:t>K-means, c-means</a:t>
+            </a:r>
+          </a:p>
+          <a:p>
+            <a:pPr lvl="1"/>
+            <a:r>
+              <a:rPr lang="en-US" dirty="0"/>
+              <a:t>H</a:t>
+            </a:r>
+            <a:r>
+              <a:rPr lang="en-US" dirty="0" smtClean="0"/>
+              <a:t>ierarchical clustering</a:t>
+            </a:r>
+          </a:p>
+          <a:p>
+            <a:pPr lvl="1"/>
+            <a:r>
+              <a:rPr lang="en-US" dirty="0" smtClean="0"/>
+              <a:t>Neural networks</a:t>
+            </a:r>
+          </a:p>
+          <a:p>
+            <a:r>
+              <a:rPr lang="en-US" dirty="0"/>
+              <a:t>Similarity/distance </a:t>
+            </a:r>
+            <a:r>
+              <a:rPr lang="en-US" dirty="0" smtClean="0"/>
+              <a:t>measures</a:t>
+            </a:r>
+          </a:p>
+          <a:p>
+            <a:pPr lvl="1"/>
+            <a:r>
+              <a:rPr lang="en-US" dirty="0" smtClean="0"/>
+              <a:t>L p distance</a:t>
+            </a:r>
+          </a:p>
+          <a:p>
+            <a:pPr lvl="1"/>
+            <a:r>
+              <a:rPr lang="en-US" dirty="0"/>
+              <a:t>Pearson’s </a:t>
+            </a:r>
+            <a:r>
+              <a:rPr lang="en-US" dirty="0" smtClean="0"/>
+              <a:t>correlation</a:t>
+            </a:r>
+          </a:p>
+          <a:p>
+            <a:pPr lvl="1"/>
+            <a:r>
+              <a:rPr lang="en-US" dirty="0"/>
+              <a:t>Short time series </a:t>
+            </a:r>
+            <a:r>
+              <a:rPr lang="en-US" dirty="0" smtClean="0"/>
+              <a:t>distance</a:t>
+            </a:r>
+          </a:p>
+          <a:p>
+            <a:pPr lvl="1"/>
+            <a:r>
+              <a:rPr lang="en-US" dirty="0"/>
+              <a:t>Dynamic time warping </a:t>
+            </a:r>
+            <a:r>
+              <a:rPr lang="en-US" dirty="0" smtClean="0"/>
+              <a:t>distance</a:t>
+            </a:r>
+          </a:p>
+          <a:p>
+            <a:pPr lvl="1"/>
+            <a:r>
+              <a:rPr lang="en-US" dirty="0" err="1"/>
+              <a:t>Kullback</a:t>
+            </a:r>
+            <a:r>
+              <a:rPr lang="en-US" dirty="0"/>
+              <a:t>–</a:t>
+            </a:r>
+            <a:r>
+              <a:rPr lang="en-US" dirty="0" err="1"/>
+              <a:t>Liebler</a:t>
+            </a:r>
+            <a:r>
+              <a:rPr lang="en-US" dirty="0"/>
+              <a:t> </a:t>
+            </a:r>
+            <a:r>
+              <a:rPr lang="en-US" dirty="0" smtClean="0"/>
+              <a:t>distance</a:t>
+            </a:r>
+          </a:p>
+          <a:p>
+            <a:pPr lvl="1"/>
+            <a:r>
+              <a:rPr lang="en-US" i="1" dirty="0"/>
+              <a:t>Probability-based </a:t>
+            </a:r>
+            <a:r>
+              <a:rPr lang="en-US" i="1" dirty="0" smtClean="0"/>
+              <a:t>distance</a:t>
+            </a:r>
+            <a:endParaRPr lang="en-US" dirty="0"/>
+          </a:p>
+          <a:p>
+            <a:pPr marL="0" indent="0">
+              <a:buNone/>
+            </a:pPr>
+            <a:endParaRPr lang="en-US" dirty="0"/>
+          </a:p>
+        </p:txBody>
+      </p:sp>
+    </p:spTree>
+    <p:extLst>
+      <p:ext uri="{BB962C8B-B14F-4D97-AF65-F5344CB8AC3E}">
+        <p14:creationId xmlns:p14="http://schemas.microsoft.com/office/powerpoint/2010/main" val="2821398363"/>
+      </p:ext>
+    </p:extLst>
+  </p:cSld>
+  <p:clrMapOvr>
+    <a:masterClrMapping/>
+  </p:clrMapOvr>
+  <p:timing>
+    <p:tnLst>
+      <p:par>
+        <p:cTn id="1" dur="indefinite" restart="never" nodeType="tmRoot"/>
+      </p:par>
+    </p:tnLst>
+  </p:timing>
+</p:sld>
+</file>
+
+<file path=ppt/slides/slide33.xml><?xml version="1.0" encoding="utf-8"?>
+<p:sld xmlns:a="http://schemas.openxmlformats.org/drawingml/2006/main" xmlns:r="http://schemas.openxmlformats.org/officeDocument/2006/relationships" xmlns:p="http://schemas.openxmlformats.org/presentationml/2006/main">
+  <p:cSld>
+    <p:spTree>
+      <p:nvGrpSpPr>
+        <p:cNvPr id="1" name=""/>
+        <p:cNvGrpSpPr/>
+        <p:nvPr/>
+      </p:nvGrpSpPr>
+      <p:grpSpPr>
+        <a:xfrm>
+          <a:off x="0" y="0"/>
+          <a:ext cx="0" cy="0"/>
+          <a:chOff x="0" y="0"/>
+          <a:chExt cx="0" cy="0"/>
+        </a:xfrm>
+      </p:grpSpPr>
+      <p:sp>
+        <p:nvSpPr>
+          <p:cNvPr id="2" name="Title 1"/>
+          <p:cNvSpPr>
+            <a:spLocks noGrp="1"/>
+          </p:cNvSpPr>
+          <p:nvPr>
+            <p:ph type="title"/>
+          </p:nvPr>
+        </p:nvSpPr>
+        <p:spPr/>
+        <p:txBody>
+          <a:bodyPr/>
+          <a:lstStyle/>
+          <a:p>
+            <a:pPr algn="ctr"/>
+            <a:r>
+              <a:rPr lang="en-US" dirty="0" smtClean="0"/>
+              <a:t>Clustering</a:t>
+            </a:r>
+            <a:endParaRPr lang="en-US" dirty="0"/>
+          </a:p>
+        </p:txBody>
+      </p:sp>
+      <p:sp>
+        <p:nvSpPr>
+          <p:cNvPr id="3" name="Content Placeholder 2"/>
+          <p:cNvSpPr>
+            <a:spLocks noGrp="1"/>
+          </p:cNvSpPr>
+          <p:nvPr>
+            <p:ph idx="1"/>
+          </p:nvPr>
+        </p:nvSpPr>
+        <p:spPr>
+          <a:xfrm>
+            <a:off x="2589212" y="1443487"/>
+            <a:ext cx="8915400" cy="5147094"/>
+          </a:xfrm>
+        </p:spPr>
+        <p:txBody>
+          <a:bodyPr>
+            <a:normAutofit fontScale="85000" lnSpcReduction="20000"/>
+          </a:bodyPr>
+          <a:lstStyle/>
+          <a:p>
+            <a:r>
+              <a:rPr lang="en-US" dirty="0" smtClean="0"/>
+              <a:t>Find </a:t>
+            </a:r>
+            <a:r>
+              <a:rPr lang="en-US" dirty="0"/>
+              <a:t>natural groupings of the time series in database DB under some similarity/dissimilarity measure D(Q,C</a:t>
+            </a:r>
+            <a:r>
+              <a:rPr lang="en-US" dirty="0" smtClean="0"/>
+              <a:t>)</a:t>
+            </a:r>
+          </a:p>
+          <a:p>
+            <a:r>
+              <a:rPr lang="en-US" dirty="0"/>
+              <a:t>Three time series clustering approaches: </a:t>
+            </a:r>
+            <a:endParaRPr lang="en-US" dirty="0" smtClean="0"/>
+          </a:p>
+          <a:p>
+            <a:pPr lvl="1"/>
+            <a:r>
+              <a:rPr lang="en-US" dirty="0" smtClean="0"/>
+              <a:t>raw-data-based</a:t>
+            </a:r>
+            <a:endParaRPr lang="en-US" dirty="0"/>
+          </a:p>
+          <a:p>
+            <a:pPr lvl="1"/>
+            <a:r>
+              <a:rPr lang="en-US" dirty="0" smtClean="0"/>
+              <a:t>feature-based</a:t>
+            </a:r>
+            <a:endParaRPr lang="en-US" dirty="0"/>
+          </a:p>
+          <a:p>
+            <a:pPr lvl="1"/>
+            <a:r>
+              <a:rPr lang="en-US" dirty="0" smtClean="0"/>
+              <a:t>model-based</a:t>
+            </a:r>
+          </a:p>
+          <a:p>
+            <a:r>
+              <a:rPr lang="en-US" dirty="0" smtClean="0"/>
+              <a:t>General </a:t>
+            </a:r>
+            <a:r>
+              <a:rPr lang="en-US" dirty="0"/>
+              <a:t>c</a:t>
+            </a:r>
+            <a:r>
+              <a:rPr lang="en-US" dirty="0" smtClean="0"/>
+              <a:t>lustering methods</a:t>
+            </a:r>
+          </a:p>
+          <a:p>
+            <a:pPr lvl="1"/>
+            <a:r>
+              <a:rPr lang="en-US" dirty="0" smtClean="0"/>
+              <a:t>K-means, c-means</a:t>
+            </a:r>
+          </a:p>
+          <a:p>
+            <a:pPr lvl="1"/>
+            <a:r>
+              <a:rPr lang="en-US" dirty="0"/>
+              <a:t>H</a:t>
+            </a:r>
+            <a:r>
+              <a:rPr lang="en-US" dirty="0" smtClean="0"/>
+              <a:t>ierarchical clustering</a:t>
+            </a:r>
+          </a:p>
+          <a:p>
+            <a:pPr lvl="1"/>
+            <a:r>
+              <a:rPr lang="en-US" dirty="0" smtClean="0"/>
+              <a:t>Neural networks</a:t>
+            </a:r>
+          </a:p>
+          <a:p>
+            <a:r>
+              <a:rPr lang="en-US" dirty="0"/>
+              <a:t>Similarity/distance </a:t>
+            </a:r>
+            <a:r>
+              <a:rPr lang="en-US" dirty="0" smtClean="0"/>
+              <a:t>measures</a:t>
+            </a:r>
+          </a:p>
+          <a:p>
+            <a:pPr lvl="1"/>
+            <a:r>
+              <a:rPr lang="en-US" dirty="0" smtClean="0"/>
+              <a:t>L p distance</a:t>
+            </a:r>
+          </a:p>
+          <a:p>
+            <a:pPr lvl="1"/>
+            <a:r>
+              <a:rPr lang="en-US" dirty="0"/>
+              <a:t>Pearson’s </a:t>
+            </a:r>
+            <a:r>
+              <a:rPr lang="en-US" dirty="0" smtClean="0"/>
+              <a:t>correlation</a:t>
+            </a:r>
+          </a:p>
+          <a:p>
+            <a:pPr lvl="1"/>
+            <a:r>
+              <a:rPr lang="en-US" dirty="0"/>
+              <a:t>Short time series </a:t>
+            </a:r>
+            <a:r>
+              <a:rPr lang="en-US" dirty="0" smtClean="0"/>
+              <a:t>distance</a:t>
+            </a:r>
+          </a:p>
+          <a:p>
+            <a:pPr lvl="1"/>
+            <a:r>
+              <a:rPr lang="en-US" dirty="0"/>
+              <a:t>Dynamic time warping </a:t>
+            </a:r>
+            <a:r>
+              <a:rPr lang="en-US" dirty="0" smtClean="0"/>
+              <a:t>distance</a:t>
+            </a:r>
+          </a:p>
+          <a:p>
+            <a:pPr lvl="1"/>
+            <a:r>
+              <a:rPr lang="en-US" dirty="0" err="1"/>
+              <a:t>Kullback</a:t>
+            </a:r>
+            <a:r>
+              <a:rPr lang="en-US" dirty="0"/>
+              <a:t>–</a:t>
+            </a:r>
+            <a:r>
+              <a:rPr lang="en-US" dirty="0" err="1"/>
+              <a:t>Liebler</a:t>
+            </a:r>
+            <a:r>
+              <a:rPr lang="en-US" dirty="0"/>
+              <a:t> </a:t>
+            </a:r>
+            <a:r>
+              <a:rPr lang="en-US" dirty="0" smtClean="0"/>
+              <a:t>distance</a:t>
+            </a:r>
+          </a:p>
+          <a:p>
+            <a:pPr lvl="1"/>
+            <a:r>
+              <a:rPr lang="en-US" i="1" dirty="0"/>
+              <a:t>Probability-based </a:t>
+            </a:r>
+            <a:r>
+              <a:rPr lang="en-US" i="1" dirty="0" smtClean="0"/>
+              <a:t>distance</a:t>
+            </a:r>
+            <a:endParaRPr lang="en-US" dirty="0"/>
+          </a:p>
+          <a:p>
+            <a:pPr marL="0" indent="0">
+              <a:buNone/>
+            </a:pPr>
+            <a:endParaRPr lang="en-US" dirty="0"/>
+          </a:p>
+        </p:txBody>
+      </p:sp>
+      <p:pic>
+        <p:nvPicPr>
+          <p:cNvPr id="4" name="Picture 3"/>
+          <p:cNvPicPr>
+            <a:picLocks noChangeAspect="1"/>
+          </p:cNvPicPr>
+          <p:nvPr/>
+        </p:nvPicPr>
+        <p:blipFill>
+          <a:blip r:embed="rId2"/>
+          <a:stretch>
+            <a:fillRect/>
+          </a:stretch>
+        </p:blipFill>
+        <p:spPr>
+          <a:xfrm>
+            <a:off x="5226889" y="1762844"/>
+            <a:ext cx="6172200" cy="4629150"/>
+          </a:xfrm>
+          <a:prstGeom prst="rect">
+            <a:avLst/>
+          </a:prstGeom>
+        </p:spPr>
+      </p:pic>
+    </p:spTree>
+    <p:extLst>
+      <p:ext uri="{BB962C8B-B14F-4D97-AF65-F5344CB8AC3E}">
+        <p14:creationId xmlns:p14="http://schemas.microsoft.com/office/powerpoint/2010/main" val="3942738112"/>
+      </p:ext>
+    </p:extLst>
+  </p:cSld>
+  <p:clrMapOvr>
+    <a:masterClrMapping/>
+  </p:clrMapOvr>
+  <p:timing>
+    <p:tnLst>
+      <p:par>
+        <p:cTn id="1" dur="indefinite" restart="never" nodeType="tmRoot"/>
+      </p:par>
+    </p:tnLst>
+  </p:timing>
+</p:sld>
+</file>
+
+<file path=ppt/slides/slide34.xml><?xml version="1.0" encoding="utf-8"?>
+<p:sld xmlns:a="http://schemas.openxmlformats.org/drawingml/2006/main" xmlns:r="http://schemas.openxmlformats.org/officeDocument/2006/relationships" xmlns:p="http://schemas.openxmlformats.org/presentationml/2006/main">
+  <p:cSld>
+    <p:spTree>
+      <p:nvGrpSpPr>
+        <p:cNvPr id="1" name=""/>
+        <p:cNvGrpSpPr/>
+        <p:nvPr/>
+      </p:nvGrpSpPr>
+      <p:grpSpPr>
+        <a:xfrm>
+          <a:off x="0" y="0"/>
+          <a:ext cx="0" cy="0"/>
+          <a:chOff x="0" y="0"/>
+          <a:chExt cx="0" cy="0"/>
+        </a:xfrm>
+      </p:grpSpPr>
+      <p:sp>
+        <p:nvSpPr>
+          <p:cNvPr id="2" name="Title 1"/>
+          <p:cNvSpPr>
+            <a:spLocks noGrp="1"/>
+          </p:cNvSpPr>
+          <p:nvPr>
+            <p:ph type="title"/>
+          </p:nvPr>
+        </p:nvSpPr>
+        <p:spPr/>
+        <p:txBody>
+          <a:bodyPr/>
+          <a:lstStyle/>
+          <a:p>
+            <a:pPr algn="ctr"/>
+            <a:r>
+              <a:rPr lang="en-US" dirty="0" smtClean="0"/>
+              <a:t>Classification</a:t>
+            </a:r>
+            <a:endParaRPr lang="en-US" dirty="0"/>
+          </a:p>
+        </p:txBody>
+      </p:sp>
+      <p:sp>
+        <p:nvSpPr>
+          <p:cNvPr id="3" name="Content Placeholder 2"/>
+          <p:cNvSpPr>
+            <a:spLocks noGrp="1"/>
+          </p:cNvSpPr>
+          <p:nvPr>
+            <p:ph idx="1"/>
+          </p:nvPr>
+        </p:nvSpPr>
+        <p:spPr/>
+        <p:txBody>
+          <a:bodyPr/>
+          <a:lstStyle/>
+          <a:p>
+            <a:r>
+              <a:rPr lang="en-US" dirty="0"/>
+              <a:t>Given an unlabeled time series Q, assign it to one of two or more predefined </a:t>
+            </a:r>
+            <a:r>
+              <a:rPr lang="en-US" dirty="0" smtClean="0"/>
+              <a:t>classes</a:t>
+            </a:r>
+          </a:p>
+          <a:p>
+            <a:r>
+              <a:rPr lang="en-US" dirty="0"/>
+              <a:t>Three time series clustering approaches: </a:t>
+            </a:r>
+            <a:endParaRPr lang="en-US" dirty="0" smtClean="0"/>
+          </a:p>
+          <a:p>
+            <a:pPr lvl="1"/>
+            <a:r>
+              <a:rPr lang="en-US" dirty="0" smtClean="0"/>
+              <a:t>feature-based</a:t>
+            </a:r>
+            <a:endParaRPr lang="en-US" dirty="0"/>
+          </a:p>
+          <a:p>
+            <a:pPr lvl="1"/>
+            <a:r>
+              <a:rPr lang="en-US" dirty="0"/>
+              <a:t>sequence distance </a:t>
+            </a:r>
+            <a:r>
+              <a:rPr lang="en-US" dirty="0" smtClean="0"/>
+              <a:t>based</a:t>
+            </a:r>
+          </a:p>
+          <a:p>
+            <a:pPr lvl="1"/>
+            <a:r>
+              <a:rPr lang="en-US" dirty="0" smtClean="0"/>
+              <a:t>model-based</a:t>
+            </a:r>
+            <a:endParaRPr lang="en-US" dirty="0"/>
+          </a:p>
+          <a:p>
+            <a:endParaRPr lang="en-US" dirty="0"/>
+          </a:p>
+        </p:txBody>
+      </p:sp>
+    </p:spTree>
+    <p:extLst>
+      <p:ext uri="{BB962C8B-B14F-4D97-AF65-F5344CB8AC3E}">
+        <p14:creationId xmlns:p14="http://schemas.microsoft.com/office/powerpoint/2010/main" val="3935137876"/>
+      </p:ext>
+    </p:extLst>
+  </p:cSld>
+  <p:clrMapOvr>
+    <a:masterClrMapping/>
+  </p:clrMapOvr>
+  <p:timing>
+    <p:tnLst>
+      <p:par>
+        <p:cTn id="1" dur="indefinite" restart="never" nodeType="tmRoot"/>
+      </p:par>
+    </p:tnLst>
+  </p:timing>
+</p:sld>
+</file>
+
+<file path=ppt/slides/slide35.xml><?xml version="1.0" encoding="utf-8"?>
+<p:sld xmlns:a="http://schemas.openxmlformats.org/drawingml/2006/main" xmlns:r="http://schemas.openxmlformats.org/officeDocument/2006/relationships" xmlns:p="http://schemas.openxmlformats.org/presentationml/2006/main">
+  <p:cSld>
+    <p:spTree>
+      <p:nvGrpSpPr>
+        <p:cNvPr id="1" name=""/>
+        <p:cNvGrpSpPr/>
+        <p:nvPr/>
+      </p:nvGrpSpPr>
+      <p:grpSpPr>
+        <a:xfrm>
+          <a:off x="0" y="0"/>
+          <a:ext cx="0" cy="0"/>
+          <a:chOff x="0" y="0"/>
+          <a:chExt cx="0" cy="0"/>
+        </a:xfrm>
+      </p:grpSpPr>
+      <p:sp>
+        <p:nvSpPr>
+          <p:cNvPr id="2" name="Title 1"/>
+          <p:cNvSpPr>
+            <a:spLocks noGrp="1"/>
+          </p:cNvSpPr>
+          <p:nvPr>
+            <p:ph type="title"/>
+          </p:nvPr>
+        </p:nvSpPr>
+        <p:spPr/>
+        <p:txBody>
+          <a:bodyPr/>
+          <a:lstStyle/>
+          <a:p>
+            <a:pPr algn="ctr"/>
+            <a:r>
+              <a:rPr lang="en-US" altLang="zh-CN" dirty="0" smtClean="0"/>
+              <a:t>Feature Based Classification</a:t>
+            </a:r>
+            <a:endParaRPr lang="en-US" dirty="0"/>
+          </a:p>
+        </p:txBody>
+      </p:sp>
+      <p:sp>
+        <p:nvSpPr>
+          <p:cNvPr id="3" name="Content Placeholder 2"/>
+          <p:cNvSpPr>
+            <a:spLocks noGrp="1"/>
+          </p:cNvSpPr>
+          <p:nvPr>
+            <p:ph idx="1"/>
+          </p:nvPr>
+        </p:nvSpPr>
+        <p:spPr/>
+        <p:txBody>
+          <a:bodyPr>
+            <a:normAutofit fontScale="92500" lnSpcReduction="10000"/>
+          </a:bodyPr>
+          <a:lstStyle/>
+          <a:p>
+            <a:r>
+              <a:rPr lang="en-US" altLang="zh-CN" dirty="0" smtClean="0"/>
+              <a:t>D</a:t>
+            </a:r>
+            <a:r>
+              <a:rPr lang="en-US" dirty="0" smtClean="0"/>
+              <a:t>iscrete symbolic:</a:t>
+            </a:r>
+          </a:p>
+          <a:p>
+            <a:pPr lvl="1"/>
+            <a:r>
+              <a:rPr lang="en-US" dirty="0"/>
+              <a:t>k-gram based </a:t>
+            </a:r>
+            <a:endParaRPr lang="en-US" dirty="0" smtClean="0"/>
+          </a:p>
+          <a:p>
+            <a:pPr lvl="1"/>
+            <a:r>
+              <a:rPr lang="en-US" dirty="0" smtClean="0"/>
+              <a:t>pattern-based (define pattern criterion)</a:t>
+            </a:r>
+          </a:p>
+          <a:p>
+            <a:pPr lvl="1"/>
+            <a:r>
+              <a:rPr lang="en-US" dirty="0"/>
+              <a:t>feature </a:t>
+            </a:r>
+            <a:r>
+              <a:rPr lang="en-US" dirty="0" smtClean="0"/>
+              <a:t>mining </a:t>
+            </a:r>
+          </a:p>
+          <a:p>
+            <a:r>
+              <a:rPr lang="en-US" dirty="0" smtClean="0"/>
+              <a:t>Real value:</a:t>
+            </a:r>
+          </a:p>
+          <a:p>
+            <a:pPr lvl="1"/>
+            <a:r>
+              <a:rPr lang="en-US" dirty="0"/>
+              <a:t>Time series </a:t>
+            </a:r>
+            <a:r>
+              <a:rPr lang="en-US" dirty="0" err="1" smtClean="0"/>
+              <a:t>shapelets</a:t>
+            </a:r>
+            <a:endParaRPr lang="en-US" dirty="0" smtClean="0"/>
+          </a:p>
+          <a:p>
+            <a:pPr lvl="1"/>
+            <a:r>
+              <a:rPr lang="en-US" dirty="0"/>
+              <a:t>wavelet </a:t>
+            </a:r>
+            <a:r>
+              <a:rPr lang="en-US" dirty="0" smtClean="0"/>
+              <a:t>decomposition</a:t>
+            </a:r>
+          </a:p>
+          <a:p>
+            <a:r>
+              <a:rPr lang="en-US" dirty="0" smtClean="0"/>
+              <a:t>Classifier:</a:t>
+            </a:r>
+          </a:p>
+          <a:p>
+            <a:pPr lvl="1"/>
+            <a:r>
+              <a:rPr lang="en-US" dirty="0" smtClean="0"/>
+              <a:t>Naive Bayes</a:t>
+            </a:r>
+          </a:p>
+          <a:p>
+            <a:pPr lvl="1"/>
+            <a:r>
+              <a:rPr lang="en-US" dirty="0" smtClean="0"/>
+              <a:t>SVM</a:t>
+            </a:r>
+          </a:p>
+          <a:p>
+            <a:pPr lvl="1"/>
+            <a:r>
+              <a:rPr lang="en-US" dirty="0" smtClean="0"/>
+              <a:t>Neural networks</a:t>
+            </a:r>
+          </a:p>
+          <a:p>
+            <a:endParaRPr lang="en-US" dirty="0"/>
+          </a:p>
+        </p:txBody>
+      </p:sp>
+    </p:spTree>
+    <p:extLst>
+      <p:ext uri="{BB962C8B-B14F-4D97-AF65-F5344CB8AC3E}">
+        <p14:creationId xmlns:p14="http://schemas.microsoft.com/office/powerpoint/2010/main" val="3743611352"/>
+      </p:ext>
+    </p:extLst>
+  </p:cSld>
+  <p:clrMapOvr>
+    <a:masterClrMapping/>
+  </p:clrMapOvr>
+  <p:timing>
+    <p:tnLst>
+      <p:par>
+        <p:cTn id="1" dur="indefinite" restart="never" nodeType="tmRoot"/>
+      </p:par>
+    </p:tnLst>
+  </p:timing>
+</p:sld>
+</file>
+
+<file path=ppt/slides/slide36.xml><?xml version="1.0" encoding="utf-8"?>
+<p:sld xmlns:a="http://schemas.openxmlformats.org/drawingml/2006/main" xmlns:r="http://schemas.openxmlformats.org/officeDocument/2006/relationships" xmlns:p="http://schemas.openxmlformats.org/presentationml/2006/main">
+  <p:cSld>
+    <p:spTree>
+      <p:nvGrpSpPr>
+        <p:cNvPr id="1" name=""/>
+        <p:cNvGrpSpPr/>
+        <p:nvPr/>
+      </p:nvGrpSpPr>
+      <p:grpSpPr>
+        <a:xfrm>
+          <a:off x="0" y="0"/>
+          <a:ext cx="0" cy="0"/>
+          <a:chOff x="0" y="0"/>
+          <a:chExt cx="0" cy="0"/>
+        </a:xfrm>
+      </p:grpSpPr>
+      <p:sp>
+        <p:nvSpPr>
+          <p:cNvPr id="2" name="Title 1"/>
+          <p:cNvSpPr>
+            <a:spLocks noGrp="1"/>
+          </p:cNvSpPr>
+          <p:nvPr>
+            <p:ph type="title"/>
+          </p:nvPr>
+        </p:nvSpPr>
+        <p:spPr/>
+        <p:txBody>
+          <a:bodyPr/>
+          <a:lstStyle/>
+          <a:p>
+            <a:pPr algn="ctr"/>
+            <a:r>
               <a:rPr lang="en-US" dirty="0"/>
               <a:t>Sequence Distance Based Classification</a:t>
             </a:r>
@@ -21738,7 +25968,7 @@
 </p:sld>
 </file>
 
-<file path=ppt/slides/slide33.xml><?xml version="1.0" encoding="utf-8"?>
+<file path=ppt/slides/slide37.xml><?xml version="1.0" encoding="utf-8"?>
 <p:sld xmlns:a="http://schemas.openxmlformats.org/drawingml/2006/main" xmlns:r="http://schemas.openxmlformats.org/officeDocument/2006/relationships" xmlns:p="http://schemas.openxmlformats.org/presentationml/2006/main">
   <p:cSld>
     <p:spTree>
@@ -23035,18 +27265,7 @@
                           <a:ea typeface="+mn-ea"/>
                           <a:cs typeface="+mn-cs"/>
                         </a:rPr>
-                        <a:t> </a:t>
-                      </a:r>
-                      <a:r>
-                        <a:rPr lang="en-US" sz="1800" b="0" i="0" u="none" strike="noStrike" kern="1200" baseline="0" dirty="0" smtClean="0">
-                          <a:solidFill>
-                            <a:schemeClr val="tx1"/>
-                          </a:solidFill>
-                          <a:latin typeface="+mn-lt"/>
-                          <a:ea typeface="+mn-ea"/>
-                          <a:cs typeface="+mn-cs"/>
-                        </a:rPr>
-                        <a:t>= </a:t>
+                        <a:t> = </a:t>
                       </a:r>
                       <a:r>
                         <a:rPr lang="en-US" sz="1800" b="0" i="0" u="none" strike="noStrike" kern="1200" baseline="0" dirty="0" err="1" smtClean="0">
@@ -23068,18 +27287,7 @@
                           <a:ea typeface="+mn-ea"/>
                           <a:cs typeface="+mn-cs"/>
                         </a:rPr>
-                        <a:t>(T</a:t>
-                      </a:r>
-                      <a:r>
-                        <a:rPr lang="en-US" sz="1800" b="0" i="0" u="none" strike="noStrike" kern="1200" baseline="0" dirty="0" smtClean="0">
-                          <a:solidFill>
-                            <a:schemeClr val="tx1"/>
-                          </a:solidFill>
-                          <a:latin typeface="+mn-lt"/>
-                          <a:ea typeface="+mn-ea"/>
-                          <a:cs typeface="+mn-cs"/>
-                        </a:rPr>
-                        <a:t>, </a:t>
+                        <a:t>(T, </a:t>
                       </a:r>
                       <a:r>
                         <a:rPr lang="en-US" sz="1800" b="0" i="0" u="none" strike="noStrike" kern="1200" baseline="0" dirty="0" err="1" smtClean="0">
@@ -23125,18 +27333,7 @@
                           <a:ea typeface="+mn-ea"/>
                           <a:cs typeface="+mn-cs"/>
                         </a:rPr>
-                        <a:t> </a:t>
-                      </a:r>
-                      <a:r>
-                        <a:rPr lang="en-US" sz="1800" b="0" i="0" u="none" strike="noStrike" kern="1200" baseline="0" dirty="0" smtClean="0">
-                          <a:solidFill>
-                            <a:schemeClr val="tx1"/>
-                          </a:solidFill>
-                          <a:latin typeface="+mn-lt"/>
-                          <a:ea typeface="+mn-ea"/>
-                          <a:cs typeface="+mn-cs"/>
-                        </a:rPr>
-                        <a:t>= </a:t>
+                        <a:t> = </a:t>
                       </a:r>
                       <a:r>
                         <a:rPr lang="en-US" sz="1800" b="0" i="0" u="none" strike="noStrike" kern="1200" baseline="0" dirty="0" err="1" smtClean="0">
@@ -23228,18 +27425,7 @@
                           <a:ea typeface="+mn-ea"/>
                           <a:cs typeface="+mn-cs"/>
                         </a:rPr>
-                        <a:t> </a:t>
-                      </a:r>
-                      <a:r>
-                        <a:rPr lang="en-US" sz="1800" b="0" i="0" u="none" strike="noStrike" kern="1200" baseline="0" dirty="0" smtClean="0">
-                          <a:solidFill>
-                            <a:schemeClr val="tx1"/>
-                          </a:solidFill>
-                          <a:latin typeface="+mn-lt"/>
-                          <a:ea typeface="+mn-ea"/>
-                          <a:cs typeface="+mn-cs"/>
-                        </a:rPr>
-                        <a:t>= </a:t>
+                        <a:t> = </a:t>
                       </a:r>
                       <a:r>
                         <a:rPr lang="en-US" sz="1800" b="0" i="0" u="none" strike="noStrike" kern="1200" baseline="0" dirty="0" err="1" smtClean="0">
@@ -23261,18 +27447,7 @@
                           <a:ea typeface="+mn-ea"/>
                           <a:cs typeface="+mn-cs"/>
                         </a:rPr>
-                        <a:t>(T</a:t>
-                      </a:r>
-                      <a:r>
-                        <a:rPr lang="en-US" sz="1800" b="0" i="0" u="none" strike="noStrike" kern="1200" baseline="0" dirty="0" smtClean="0">
-                          <a:solidFill>
-                            <a:schemeClr val="tx1"/>
-                          </a:solidFill>
-                          <a:latin typeface="+mn-lt"/>
-                          <a:ea typeface="+mn-ea"/>
-                          <a:cs typeface="+mn-cs"/>
-                        </a:rPr>
-                        <a:t>, </a:t>
+                        <a:t>(T, </a:t>
                       </a:r>
                       <a:r>
                         <a:rPr lang="en-US" sz="1800" b="0" i="0" u="none" strike="noStrike" kern="1200" baseline="0" dirty="0" err="1" smtClean="0">
@@ -23329,18 +27504,7 @@
                           <a:ea typeface="+mn-ea"/>
                           <a:cs typeface="+mn-cs"/>
                         </a:rPr>
-                        <a:t> </a:t>
-                      </a:r>
-                      <a:r>
-                        <a:rPr lang="en-US" sz="1800" b="0" i="0" u="none" strike="noStrike" kern="1200" baseline="0" dirty="0" smtClean="0">
-                          <a:solidFill>
-                            <a:schemeClr val="tx1"/>
-                          </a:solidFill>
-                          <a:latin typeface="+mn-lt"/>
-                          <a:ea typeface="+mn-ea"/>
-                          <a:cs typeface="+mn-cs"/>
-                        </a:rPr>
-                        <a:t>&lt; </a:t>
+                        <a:t> &lt; </a:t>
                       </a:r>
                       <a:r>
                         <a:rPr lang="en-US" sz="1800" b="0" i="0" u="none" strike="noStrike" kern="1200" baseline="0" dirty="0" err="1" smtClean="0">
@@ -23429,18 +27593,7 @@
                           <a:ea typeface="+mn-ea"/>
                           <a:cs typeface="+mn-cs"/>
                         </a:rPr>
-                        <a:t> </a:t>
-                      </a:r>
-                      <a:r>
-                        <a:rPr lang="en-US" sz="1800" b="0" i="0" u="none" strike="noStrike" kern="1200" baseline="0" dirty="0" smtClean="0">
-                          <a:solidFill>
-                            <a:schemeClr val="tx1"/>
-                          </a:solidFill>
-                          <a:latin typeface="+mn-lt"/>
-                          <a:ea typeface="+mn-ea"/>
-                          <a:cs typeface="+mn-cs"/>
-                        </a:rPr>
-                        <a:t>= </a:t>
+                        <a:t> = </a:t>
                       </a:r>
                       <a:r>
                         <a:rPr lang="en-US" sz="1800" b="0" i="0" u="none" strike="noStrike" kern="1200" baseline="0" dirty="0" err="1" smtClean="0">
@@ -23536,18 +27689,7 @@
                           <a:ea typeface="+mn-ea"/>
                           <a:cs typeface="+mn-cs"/>
                         </a:rPr>
-                        <a:t>(T[1:breakpoint</a:t>
-                      </a:r>
-                      <a:r>
-                        <a:rPr lang="en-US" sz="1800" b="0" i="0" u="none" strike="noStrike" kern="1200" baseline="0" dirty="0" smtClean="0">
-                          <a:solidFill>
-                            <a:schemeClr val="tx1"/>
-                          </a:solidFill>
-                          <a:latin typeface="+mn-lt"/>
-                          <a:ea typeface="+mn-ea"/>
-                          <a:cs typeface="+mn-cs"/>
-                        </a:rPr>
-                        <a:t>]) &gt; </a:t>
+                        <a:t>(T[1:breakpoint]) &gt; </a:t>
                       </a:r>
                       <a:r>
                         <a:rPr lang="en-US" sz="1800" b="0" i="0" u="none" strike="noStrike" kern="1200" baseline="0" dirty="0" err="1" smtClean="0">
@@ -23601,18 +27743,7 @@
                           <a:ea typeface="+mn-ea"/>
                           <a:cs typeface="+mn-cs"/>
                         </a:rPr>
-                        <a:t> </a:t>
-                      </a:r>
-                      <a:r>
-                        <a:rPr lang="en-US" sz="1800" b="0" i="0" u="none" strike="noStrike" kern="1200" baseline="0" dirty="0" smtClean="0">
-                          <a:solidFill>
-                            <a:schemeClr val="tx1"/>
-                          </a:solidFill>
-                          <a:latin typeface="+mn-lt"/>
-                          <a:ea typeface="+mn-ea"/>
-                          <a:cs typeface="+mn-cs"/>
-                        </a:rPr>
-                        <a:t>= </a:t>
+                        <a:t> = </a:t>
                       </a:r>
                       <a:r>
                         <a:rPr lang="en-US" sz="1800" b="0" i="0" u="none" strike="noStrike" kern="1200" baseline="0" dirty="0" err="1" smtClean="0">
@@ -23634,18 +27765,7 @@
                           <a:ea typeface="+mn-ea"/>
                           <a:cs typeface="+mn-cs"/>
                         </a:rPr>
-                        <a:t>(T[1:breakpoint</a:t>
-                      </a:r>
-                      <a:r>
-                        <a:rPr lang="en-US" sz="1800" b="0" i="0" u="none" strike="noStrike" kern="1200" baseline="0" dirty="0" smtClean="0">
-                          <a:solidFill>
-                            <a:schemeClr val="tx1"/>
-                          </a:solidFill>
-                          <a:latin typeface="+mn-lt"/>
-                          <a:ea typeface="+mn-ea"/>
-                          <a:cs typeface="+mn-cs"/>
-                        </a:rPr>
-                        <a:t>]);</a:t>
+                        <a:t>(T[1:breakpoint]);</a:t>
                       </a:r>
                     </a:p>
                     <a:p>
@@ -23706,18 +27826,7 @@
                           <a:ea typeface="+mn-ea"/>
                           <a:cs typeface="+mn-cs"/>
                         </a:rPr>
-                        <a:t>(T[breakpoint </a:t>
-                      </a:r>
-                      <a:r>
-                        <a:rPr lang="en-US" sz="1800" b="0" i="0" u="none" strike="noStrike" kern="1200" baseline="0" dirty="0" smtClean="0">
-                          <a:solidFill>
-                            <a:schemeClr val="tx1"/>
-                          </a:solidFill>
-                          <a:latin typeface="+mn-lt"/>
-                          <a:ea typeface="+mn-ea"/>
-                          <a:cs typeface="+mn-cs"/>
-                        </a:rPr>
-                        <a:t>+ 1:length(T)]) &gt; </a:t>
+                        <a:t>(T[breakpoint + 1:length(T)]) &gt; </a:t>
                       </a:r>
                       <a:r>
                         <a:rPr lang="en-US" sz="1800" b="0" i="0" u="none" strike="noStrike" kern="1200" baseline="0" dirty="0" err="1" smtClean="0">
@@ -23771,18 +27880,7 @@
                           <a:ea typeface="+mn-ea"/>
                           <a:cs typeface="+mn-cs"/>
                         </a:rPr>
-                        <a:t> </a:t>
-                      </a:r>
-                      <a:r>
-                        <a:rPr lang="en-US" sz="1800" b="0" i="0" u="none" strike="noStrike" kern="1200" baseline="0" dirty="0" smtClean="0">
-                          <a:solidFill>
-                            <a:schemeClr val="tx1"/>
-                          </a:solidFill>
-                          <a:latin typeface="+mn-lt"/>
-                          <a:ea typeface="+mn-ea"/>
-                          <a:cs typeface="+mn-cs"/>
-                        </a:rPr>
-                        <a:t>= </a:t>
+                        <a:t> = </a:t>
                       </a:r>
                       <a:r>
                         <a:rPr lang="en-US" sz="1800" b="0" i="0" u="none" strike="noStrike" kern="1200" baseline="0" dirty="0" err="1" smtClean="0">
@@ -23804,18 +27902,7 @@
                           <a:ea typeface="+mn-ea"/>
                           <a:cs typeface="+mn-cs"/>
                         </a:rPr>
-                        <a:t>(T[breakpoint </a:t>
-                      </a:r>
-                      <a:r>
-                        <a:rPr lang="en-US" sz="1800" b="0" i="0" u="none" strike="noStrike" kern="1200" baseline="0" dirty="0" smtClean="0">
-                          <a:solidFill>
-                            <a:schemeClr val="tx1"/>
-                          </a:solidFill>
-                          <a:latin typeface="+mn-lt"/>
-                          <a:ea typeface="+mn-ea"/>
-                          <a:cs typeface="+mn-cs"/>
-                        </a:rPr>
-                        <a:t>+ 1:length(T)]);</a:t>
+                        <a:t>(T[breakpoint + 1:length(T)]);</a:t>
                       </a:r>
                     </a:p>
                     <a:p>
@@ -24109,7 +28196,7 @@
   <a:extraClrSchemeLst/>
   <a:extLst>
     <a:ext uri="{05A4C25C-085E-4340-85A3-A5531E510DB2}">
-      <thm15:themeFamily xmlns:thm15="http://schemas.microsoft.com/office/thememl/2012/main" xmlns="" name="Wisp" id="{7CB32D59-10C0-40DD-B7BD-2E94284A981C}" vid="{24B1A44C-C006-48B2-A4D7-E5549B3D8CD4}"/>
+      <thm15:themeFamily xmlns="" xmlns:thm15="http://schemas.microsoft.com/office/thememl/2012/main" name="Wisp" id="{7CB32D59-10C0-40DD-B7BD-2E94284A981C}" vid="{24B1A44C-C006-48B2-A4D7-E5549B3D8CD4}"/>
     </a:ext>
   </a:extLst>
 </a:theme>

--- a/slide/tsdm.pptx
+++ b/slide/tsdm.pptx
@@ -142,7 +142,7 @@
   </p:defaultTextStyle>
   <p:extLst>
     <p:ext uri="{EFAFB233-063F-42B5-8137-9DF3F51BA10A}">
-      <p15:sldGuideLst xmlns="" xmlns:p15="http://schemas.microsoft.com/office/powerpoint/2012/main"/>
+      <p15:sldGuideLst xmlns:p15="http://schemas.microsoft.com/office/powerpoint/2012/main" xmlns=""/>
     </p:ext>
   </p:extLst>
 </p:presentation>
@@ -18324,8 +18324,17 @@
           <a:p>
             <a:r>
               <a:rPr lang="en-US" altLang="zh-CN" dirty="0"/>
-              <a:t>concatenating all data base sequence into one long one X. </a:t>
-            </a:r>
+              <a:t>concatenating all data base sequence into one long one </a:t>
+            </a:r>
+            <a:r>
+              <a:rPr lang="en-US" altLang="zh-CN" dirty="0" smtClean="0"/>
+              <a:t>X</a:t>
+            </a:r>
+            <a:r>
+              <a:rPr lang="zh-CN" altLang="en-US" smtClean="0"/>
+              <a:t>？</a:t>
+            </a:r>
+            <a:endParaRPr lang="en-US" altLang="zh-CN" dirty="0"/>
           </a:p>
           <a:p>
             <a:endParaRPr lang="zh-CN" altLang="en-US" dirty="0"/>
@@ -20401,8 +20410,8 @@
           </a:p>
         </p:txBody>
       </p:sp>
-      <mc:AlternateContent xmlns:mc="http://schemas.openxmlformats.org/markup-compatibility/2006">
-        <mc:Choice xmlns:a14="http://schemas.microsoft.com/office/drawing/2010/main" Requires="a14">
+      <mc:AlternateContent xmlns:mc="http://schemas.openxmlformats.org/markup-compatibility/2006" xmlns:a14="http://schemas.microsoft.com/office/drawing/2010/main">
+        <mc:Choice Requires="a14">
           <p:sp>
             <p:nvSpPr>
               <p:cNvPr id="3" name="内容占位符 2"/>
@@ -21060,7 +21069,7 @@
                       <m:d>
                         <m:dPr>
                           <m:ctrlPr>
-                            <a:rPr lang="en-US" altLang="zh-CN" b="0" i="0" smtClean="0">
+                            <a:rPr lang="en-US" altLang="zh-CN" b="0" i="1" smtClean="0">
                               <a:latin typeface="Cambria Math"/>
                             </a:rPr>
                           </m:ctrlPr>
@@ -21101,7 +21110,7 @@
                       <m:d>
                         <m:dPr>
                           <m:ctrlPr>
-                            <a:rPr lang="en-US" altLang="zh-CN" b="0" i="0" smtClean="0">
+                            <a:rPr lang="en-US" altLang="zh-CN" b="0" i="1" smtClean="0">
                               <a:latin typeface="Cambria Math"/>
                             </a:rPr>
                           </m:ctrlPr>
@@ -22762,7 +22771,7 @@
             </p:txBody>
           </p:sp>
         </mc:Choice>
-        <mc:Fallback>
+        <mc:Fallback xmlns="">
           <p:sp>
             <p:nvSpPr>
               <p:cNvPr id="3" name="内容占位符 2"/>
@@ -22884,8 +22893,8 @@
           </a:p>
         </p:txBody>
       </p:sp>
-      <mc:AlternateContent xmlns:mc="http://schemas.openxmlformats.org/markup-compatibility/2006">
-        <mc:Choice xmlns:a14="http://schemas.microsoft.com/office/drawing/2010/main" Requires="a14">
+      <mc:AlternateContent xmlns:mc="http://schemas.openxmlformats.org/markup-compatibility/2006" xmlns:a14="http://schemas.microsoft.com/office/drawing/2010/main">
+        <mc:Choice Requires="a14">
           <p:sp>
             <p:nvSpPr>
               <p:cNvPr id="3" name="内容占位符 2"/>
@@ -24056,7 +24065,7 @@
             </p:txBody>
           </p:sp>
         </mc:Choice>
-        <mc:Fallback>
+        <mc:Fallback xmlns="">
           <p:sp>
             <p:nvSpPr>
               <p:cNvPr id="3" name="内容占位符 2"/>
@@ -24463,8 +24472,8 @@
           </a:p>
         </p:txBody>
       </p:sp>
-      <mc:AlternateContent xmlns:mc="http://schemas.openxmlformats.org/markup-compatibility/2006">
-        <mc:Choice xmlns:a14="http://schemas.microsoft.com/office/drawing/2010/main" Requires="a14">
+      <mc:AlternateContent xmlns:mc="http://schemas.openxmlformats.org/markup-compatibility/2006" xmlns:a14="http://schemas.microsoft.com/office/drawing/2010/main">
+        <mc:Choice Requires="a14">
           <p:sp>
             <p:nvSpPr>
               <p:cNvPr id="16" name="TextBox 15"/>
@@ -24606,7 +24615,7 @@
             </p:txBody>
           </p:sp>
         </mc:Choice>
-        <mc:Fallback>
+        <mc:Fallback xmlns="">
           <p:sp>
             <p:nvSpPr>
               <p:cNvPr id="16" name="TextBox 15"/>
@@ -24645,8 +24654,8 @@
           </p:sp>
         </mc:Fallback>
       </mc:AlternateContent>
-      <mc:AlternateContent xmlns:mc="http://schemas.openxmlformats.org/markup-compatibility/2006">
-        <mc:Choice xmlns:a14="http://schemas.microsoft.com/office/drawing/2010/main" Requires="a14">
+      <mc:AlternateContent xmlns:mc="http://schemas.openxmlformats.org/markup-compatibility/2006" xmlns:a14="http://schemas.microsoft.com/office/drawing/2010/main">
+        <mc:Choice Requires="a14">
           <p:sp>
             <p:nvSpPr>
               <p:cNvPr id="17" name="TextBox 16"/>
@@ -24789,7 +24798,7 @@
             </p:txBody>
           </p:sp>
         </mc:Choice>
-        <mc:Fallback>
+        <mc:Fallback xmlns="">
           <p:sp>
             <p:nvSpPr>
               <p:cNvPr id="17" name="TextBox 16"/>
@@ -28196,7 +28205,7 @@
   <a:extraClrSchemeLst/>
   <a:extLst>
     <a:ext uri="{05A4C25C-085E-4340-85A3-A5531E510DB2}">
-      <thm15:themeFamily xmlns="" xmlns:thm15="http://schemas.microsoft.com/office/thememl/2012/main" name="Wisp" id="{7CB32D59-10C0-40DD-B7BD-2E94284A981C}" vid="{24B1A44C-C006-48B2-A4D7-E5549B3D8CD4}"/>
+      <thm15:themeFamily xmlns:thm15="http://schemas.microsoft.com/office/thememl/2012/main" xmlns="" name="Wisp" id="{7CB32D59-10C0-40DD-B7BD-2E94284A981C}" vid="{24B1A44C-C006-48B2-A4D7-E5549B3D8CD4}"/>
     </a:ext>
   </a:extLst>
 </a:theme>

--- a/slide/tsdm.pptx
+++ b/slide/tsdm.pptx
@@ -42,6 +42,10 @@
     <p:sldId id="268" r:id="rId36"/>
     <p:sldId id="269" r:id="rId37"/>
     <p:sldId id="270" r:id="rId38"/>
+    <p:sldId id="313" r:id="rId39"/>
+    <p:sldId id="314" r:id="rId40"/>
+    <p:sldId id="315" r:id="rId41"/>
+    <p:sldId id="316" r:id="rId42"/>
   </p:sldIdLst>
   <p:sldSz cx="12192000" cy="6858000"/>
   <p:notesSz cx="6858000" cy="9144000"/>
@@ -142,7 +146,7 @@
   </p:defaultTextStyle>
   <p:extLst>
     <p:ext uri="{EFAFB233-063F-42B5-8137-9DF3F51BA10A}">
-      <p15:sldGuideLst xmlns:p15="http://schemas.microsoft.com/office/powerpoint/2012/main" xmlns=""/>
+      <p15:sldGuideLst xmlns="" xmlns:p15="http://schemas.microsoft.com/office/powerpoint/2012/main"/>
     </p:ext>
   </p:extLst>
 </p:presentation>
@@ -336,7 +340,7 @@
           <a:p>
             <a:fld id="{F77B2EB1-EA88-4503-95EA-93923E5BA59E}" type="datetimeFigureOut">
               <a:rPr lang="en-US" smtClean="0"/>
-              <a:t>2/27/2013</a:t>
+              <a:t>2/28/2013</a:t>
             </a:fld>
             <a:endParaRPr lang="en-US"/>
           </a:p>
@@ -674,7 +678,7 @@
           <a:p>
             <a:fld id="{F77B2EB1-EA88-4503-95EA-93923E5BA59E}" type="datetimeFigureOut">
               <a:rPr lang="en-US" smtClean="0"/>
-              <a:t>2/27/2013</a:t>
+              <a:t>2/28/2013</a:t>
             </a:fld>
             <a:endParaRPr lang="en-US"/>
           </a:p>
@@ -1075,7 +1079,7 @@
           <a:p>
             <a:fld id="{F77B2EB1-EA88-4503-95EA-93923E5BA59E}" type="datetimeFigureOut">
               <a:rPr lang="en-US" smtClean="0"/>
-              <a:t>2/27/2013</a:t>
+              <a:t>2/28/2013</a:t>
             </a:fld>
             <a:endParaRPr lang="en-US"/>
           </a:p>
@@ -1411,7 +1415,7 @@
           <a:p>
             <a:fld id="{F77B2EB1-EA88-4503-95EA-93923E5BA59E}" type="datetimeFigureOut">
               <a:rPr lang="en-US" smtClean="0"/>
-              <a:t>2/27/2013</a:t>
+              <a:t>2/28/2013</a:t>
             </a:fld>
             <a:endParaRPr lang="en-US"/>
           </a:p>
@@ -1731,7 +1735,7 @@
           <a:p>
             <a:fld id="{F77B2EB1-EA88-4503-95EA-93923E5BA59E}" type="datetimeFigureOut">
               <a:rPr lang="en-US" smtClean="0"/>
-              <a:t>2/27/2013</a:t>
+              <a:t>2/28/2013</a:t>
             </a:fld>
             <a:endParaRPr lang="en-US"/>
           </a:p>
@@ -2127,7 +2131,7 @@
           <a:p>
             <a:fld id="{F77B2EB1-EA88-4503-95EA-93923E5BA59E}" type="datetimeFigureOut">
               <a:rPr lang="en-US" smtClean="0"/>
-              <a:t>2/27/2013</a:t>
+              <a:t>2/28/2013</a:t>
             </a:fld>
             <a:endParaRPr lang="en-US"/>
           </a:p>
@@ -2384,7 +2388,7 @@
           <a:p>
             <a:fld id="{F77B2EB1-EA88-4503-95EA-93923E5BA59E}" type="datetimeFigureOut">
               <a:rPr lang="en-US" smtClean="0"/>
-              <a:t>2/27/2013</a:t>
+              <a:t>2/28/2013</a:t>
             </a:fld>
             <a:endParaRPr lang="en-US"/>
           </a:p>
@@ -2646,7 +2650,7 @@
           <a:p>
             <a:fld id="{F77B2EB1-EA88-4503-95EA-93923E5BA59E}" type="datetimeFigureOut">
               <a:rPr lang="en-US" smtClean="0"/>
-              <a:t>2/27/2013</a:t>
+              <a:t>2/28/2013</a:t>
             </a:fld>
             <a:endParaRPr lang="en-US"/>
           </a:p>
@@ -2908,7 +2912,7 @@
           <a:p>
             <a:fld id="{F77B2EB1-EA88-4503-95EA-93923E5BA59E}" type="datetimeFigureOut">
               <a:rPr lang="en-US" smtClean="0"/>
-              <a:t>2/27/2013</a:t>
+              <a:t>2/28/2013</a:t>
             </a:fld>
             <a:endParaRPr lang="en-US"/>
           </a:p>
@@ -3237,7 +3241,7 @@
           <a:p>
             <a:fld id="{F77B2EB1-EA88-4503-95EA-93923E5BA59E}" type="datetimeFigureOut">
               <a:rPr lang="en-US" smtClean="0"/>
-              <a:t>2/27/2013</a:t>
+              <a:t>2/28/2013</a:t>
             </a:fld>
             <a:endParaRPr lang="en-US"/>
           </a:p>
@@ -3560,7 +3564,7 @@
           <a:p>
             <a:fld id="{F77B2EB1-EA88-4503-95EA-93923E5BA59E}" type="datetimeFigureOut">
               <a:rPr lang="en-US" smtClean="0"/>
-              <a:t>2/27/2013</a:t>
+              <a:t>2/28/2013</a:t>
             </a:fld>
             <a:endParaRPr lang="en-US"/>
           </a:p>
@@ -4017,7 +4021,7 @@
           <a:p>
             <a:fld id="{F77B2EB1-EA88-4503-95EA-93923E5BA59E}" type="datetimeFigureOut">
               <a:rPr lang="en-US" smtClean="0"/>
-              <a:t>2/27/2013</a:t>
+              <a:t>2/28/2013</a:t>
             </a:fld>
             <a:endParaRPr lang="en-US"/>
           </a:p>
@@ -4222,7 +4226,7 @@
           <a:p>
             <a:fld id="{F77B2EB1-EA88-4503-95EA-93923E5BA59E}" type="datetimeFigureOut">
               <a:rPr lang="en-US" smtClean="0"/>
-              <a:t>2/27/2013</a:t>
+              <a:t>2/28/2013</a:t>
             </a:fld>
             <a:endParaRPr lang="en-US"/>
           </a:p>
@@ -4399,7 +4403,7 @@
           <a:p>
             <a:fld id="{F77B2EB1-EA88-4503-95EA-93923E5BA59E}" type="datetimeFigureOut">
               <a:rPr lang="en-US" smtClean="0"/>
-              <a:t>2/27/2013</a:t>
+              <a:t>2/28/2013</a:t>
             </a:fld>
             <a:endParaRPr lang="en-US"/>
           </a:p>
@@ -4732,7 +4736,7 @@
           <a:p>
             <a:fld id="{F77B2EB1-EA88-4503-95EA-93923E5BA59E}" type="datetimeFigureOut">
               <a:rPr lang="en-US" smtClean="0"/>
-              <a:t>2/27/2013</a:t>
+              <a:t>2/28/2013</a:t>
             </a:fld>
             <a:endParaRPr lang="en-US"/>
           </a:p>
@@ -5077,7 +5081,7 @@
           <a:p>
             <a:fld id="{F77B2EB1-EA88-4503-95EA-93923E5BA59E}" type="datetimeFigureOut">
               <a:rPr lang="en-US" smtClean="0"/>
-              <a:t>2/27/2013</a:t>
+              <a:t>2/28/2013</a:t>
             </a:fld>
             <a:endParaRPr lang="en-US"/>
           </a:p>
@@ -7194,7 +7198,7 @@
           <a:p>
             <a:fld id="{F77B2EB1-EA88-4503-95EA-93923E5BA59E}" type="datetimeFigureOut">
               <a:rPr lang="en-US" smtClean="0"/>
-              <a:t>2/27/2013</a:t>
+              <a:t>2/28/2013</a:t>
             </a:fld>
             <a:endParaRPr lang="en-US"/>
           </a:p>
@@ -26192,6 +26196,929 @@
 </p:sld>
 </file>
 
+<file path=ppt/slides/slide38.xml><?xml version="1.0" encoding="utf-8"?>
+<p:sld xmlns:a="http://schemas.openxmlformats.org/drawingml/2006/main" xmlns:r="http://schemas.openxmlformats.org/officeDocument/2006/relationships" xmlns:p="http://schemas.openxmlformats.org/presentationml/2006/main">
+  <p:cSld>
+    <p:spTree>
+      <p:nvGrpSpPr>
+        <p:cNvPr id="1" name=""/>
+        <p:cNvGrpSpPr/>
+        <p:nvPr/>
+      </p:nvGrpSpPr>
+      <p:grpSpPr>
+        <a:xfrm>
+          <a:off x="0" y="0"/>
+          <a:ext cx="0" cy="0"/>
+          <a:chOff x="0" y="0"/>
+          <a:chExt cx="0" cy="0"/>
+        </a:xfrm>
+      </p:grpSpPr>
+      <p:sp>
+        <p:nvSpPr>
+          <p:cNvPr id="2" name="标题 1"/>
+          <p:cNvSpPr>
+            <a:spLocks noGrp="1"/>
+          </p:cNvSpPr>
+          <p:nvPr>
+            <p:ph type="title"/>
+          </p:nvPr>
+        </p:nvSpPr>
+        <p:spPr/>
+        <p:txBody>
+          <a:bodyPr/>
+          <a:lstStyle/>
+          <a:p>
+            <a:pPr algn="ctr"/>
+            <a:r>
+              <a:rPr lang="en-US" altLang="zh-CN" dirty="0"/>
+              <a:t> Sequence </a:t>
+            </a:r>
+            <a:r>
+              <a:rPr lang="en-US" altLang="zh-CN" dirty="0" smtClean="0"/>
+              <a:t>Analysis</a:t>
+            </a:r>
+            <a:endParaRPr lang="zh-CN" altLang="en-US" dirty="0"/>
+          </a:p>
+        </p:txBody>
+      </p:sp>
+      <p:sp>
+        <p:nvSpPr>
+          <p:cNvPr id="3" name="内容占位符 2"/>
+          <p:cNvSpPr>
+            <a:spLocks noGrp="1"/>
+          </p:cNvSpPr>
+          <p:nvPr>
+            <p:ph idx="1"/>
+          </p:nvPr>
+        </p:nvSpPr>
+        <p:spPr/>
+        <p:txBody>
+          <a:bodyPr/>
+          <a:lstStyle/>
+          <a:p>
+            <a:r>
+              <a:rPr lang="en-US" altLang="zh-CN" dirty="0" smtClean="0"/>
+              <a:t>Subsequence Matching</a:t>
+            </a:r>
+          </a:p>
+          <a:p>
+            <a:r>
+              <a:rPr lang="en-US" altLang="zh-CN" dirty="0"/>
+              <a:t>F</a:t>
+            </a:r>
+            <a:r>
+              <a:rPr lang="en-US" altLang="zh-CN" dirty="0" smtClean="0"/>
+              <a:t>requent </a:t>
+            </a:r>
+            <a:r>
+              <a:rPr lang="en-US" altLang="zh-CN" dirty="0"/>
+              <a:t>subsequence </a:t>
+            </a:r>
+            <a:r>
+              <a:rPr lang="en-US" altLang="zh-CN" dirty="0" smtClean="0"/>
+              <a:t>mining</a:t>
+            </a:r>
+          </a:p>
+          <a:p>
+            <a:r>
+              <a:rPr lang="en-US" altLang="zh-CN" dirty="0" smtClean="0"/>
+              <a:t>Sequence Prediction</a:t>
+            </a:r>
+          </a:p>
+          <a:p>
+            <a:r>
+              <a:rPr lang="en-US" altLang="zh-CN" dirty="0" smtClean="0"/>
+              <a:t>Bioinformatics Sequence Analysis</a:t>
+            </a:r>
+          </a:p>
+          <a:p>
+            <a:pPr lvl="1"/>
+            <a:r>
+              <a:rPr lang="en-US" altLang="zh-CN" dirty="0"/>
+              <a:t>DNA sequence </a:t>
+            </a:r>
+            <a:r>
+              <a:rPr lang="en-US" altLang="zh-CN" dirty="0" smtClean="0"/>
+              <a:t>alignment</a:t>
+            </a:r>
+          </a:p>
+          <a:p>
+            <a:pPr lvl="1"/>
+            <a:r>
+              <a:rPr lang="en-US" altLang="zh-CN" dirty="0"/>
+              <a:t>M</a:t>
+            </a:r>
+            <a:r>
+              <a:rPr lang="en-US" altLang="zh-CN" dirty="0" smtClean="0"/>
+              <a:t>otif discovery</a:t>
+            </a:r>
+          </a:p>
+          <a:p>
+            <a:pPr lvl="1"/>
+            <a:r>
+              <a:rPr lang="en-US" altLang="zh-CN" dirty="0"/>
+              <a:t>S</a:t>
+            </a:r>
+            <a:r>
+              <a:rPr lang="en-US" altLang="zh-CN" dirty="0" smtClean="0"/>
+              <a:t>equence </a:t>
+            </a:r>
+            <a:r>
+              <a:rPr lang="en-US" altLang="zh-CN" dirty="0"/>
+              <a:t>classification</a:t>
+            </a:r>
+            <a:endParaRPr lang="en-US" altLang="zh-CN" dirty="0" smtClean="0"/>
+          </a:p>
+          <a:p>
+            <a:endParaRPr lang="zh-CN" altLang="en-US" dirty="0"/>
+          </a:p>
+        </p:txBody>
+      </p:sp>
+    </p:spTree>
+    <p:extLst>
+      <p:ext uri="{BB962C8B-B14F-4D97-AF65-F5344CB8AC3E}">
+        <p14:creationId xmlns:p14="http://schemas.microsoft.com/office/powerpoint/2010/main" val="1890565880"/>
+      </p:ext>
+    </p:extLst>
+  </p:cSld>
+  <p:clrMapOvr>
+    <a:masterClrMapping/>
+  </p:clrMapOvr>
+  <p:timing>
+    <p:tnLst>
+      <p:par>
+        <p:cTn id="1" dur="indefinite" restart="never" nodeType="tmRoot"/>
+      </p:par>
+    </p:tnLst>
+  </p:timing>
+</p:sld>
+</file>
+
+<file path=ppt/slides/slide39.xml><?xml version="1.0" encoding="utf-8"?>
+<p:sld xmlns:a="http://schemas.openxmlformats.org/drawingml/2006/main" xmlns:r="http://schemas.openxmlformats.org/officeDocument/2006/relationships" xmlns:p="http://schemas.openxmlformats.org/presentationml/2006/main">
+  <p:cSld>
+    <p:spTree>
+      <p:nvGrpSpPr>
+        <p:cNvPr id="1" name=""/>
+        <p:cNvGrpSpPr/>
+        <p:nvPr/>
+      </p:nvGrpSpPr>
+      <p:grpSpPr>
+        <a:xfrm>
+          <a:off x="0" y="0"/>
+          <a:ext cx="0" cy="0"/>
+          <a:chOff x="0" y="0"/>
+          <a:chExt cx="0" cy="0"/>
+        </a:xfrm>
+      </p:grpSpPr>
+      <p:sp>
+        <p:nvSpPr>
+          <p:cNvPr id="2" name="标题 1"/>
+          <p:cNvSpPr>
+            <a:spLocks noGrp="1"/>
+          </p:cNvSpPr>
+          <p:nvPr>
+            <p:ph type="title"/>
+          </p:nvPr>
+        </p:nvSpPr>
+        <p:spPr/>
+        <p:txBody>
+          <a:bodyPr/>
+          <a:lstStyle/>
+          <a:p>
+            <a:pPr algn="ctr"/>
+            <a:r>
+              <a:rPr lang="en-US" altLang="zh-CN" dirty="0" smtClean="0"/>
+              <a:t>	Frequent </a:t>
+            </a:r>
+            <a:r>
+              <a:rPr lang="en-US" altLang="zh-CN" dirty="0"/>
+              <a:t>subsequence mining</a:t>
+            </a:r>
+            <a:br>
+              <a:rPr lang="en-US" altLang="zh-CN" dirty="0"/>
+            </a:br>
+            <a:endParaRPr lang="zh-CN" altLang="en-US" dirty="0"/>
+          </a:p>
+        </p:txBody>
+      </p:sp>
+      <p:graphicFrame>
+        <p:nvGraphicFramePr>
+          <p:cNvPr id="4" name="内容占位符 3"/>
+          <p:cNvGraphicFramePr>
+            <a:graphicFrameLocks noGrp="1" noChangeAspect="1"/>
+          </p:cNvGraphicFramePr>
+          <p:nvPr>
+            <p:ph idx="1"/>
+            <p:extLst>
+              <p:ext uri="{D42A27DB-BD31-4B8C-83A1-F6EECF244321}">
+                <p14:modId xmlns:p14="http://schemas.microsoft.com/office/powerpoint/2010/main" val="4081073455"/>
+              </p:ext>
+            </p:extLst>
+          </p:nvPr>
+        </p:nvGraphicFramePr>
+        <p:xfrm>
+          <a:off x="1319089" y="1567324"/>
+          <a:ext cx="4020772" cy="2196151"/>
+        </p:xfrm>
+        <a:graphic>
+          <a:graphicData uri="http://schemas.openxmlformats.org/presentationml/2006/ole">
+            <mc:AlternateContent xmlns:mc="http://schemas.openxmlformats.org/markup-compatibility/2006">
+              <mc:Choice xmlns:v="urn:schemas-microsoft-com:vml" Requires="v">
+                <p:oleObj spid="_x0000_s1040" name="點陣圖影像" r:id="rId3" imgW="4638095" imgH="2534004" progId="PBrush">
+                  <p:embed/>
+                </p:oleObj>
+              </mc:Choice>
+              <mc:Fallback>
+                <p:oleObj name="點陣圖影像" r:id="rId3" imgW="4638095" imgH="2534004" progId="PBrush">
+                  <p:embed/>
+                  <p:pic>
+                    <p:nvPicPr>
+                      <p:cNvPr id="0" name="Object 1028"/>
+                      <p:cNvPicPr>
+                        <a:picLocks noChangeAspect="1" noChangeArrowheads="1"/>
+                      </p:cNvPicPr>
+                      <p:nvPr/>
+                    </p:nvPicPr>
+                    <p:blipFill>
+                      <a:blip r:embed="rId4">
+                        <a:extLst>
+                          <a:ext uri="{28A0092B-C50C-407E-A947-70E740481C1C}">
+                            <a14:useLocalDpi xmlns:a14="http://schemas.microsoft.com/office/drawing/2010/main" val="0"/>
+                          </a:ext>
+                        </a:extLst>
+                      </a:blip>
+                      <a:srcRect/>
+                      <a:stretch>
+                        <a:fillRect/>
+                      </a:stretch>
+                    </p:blipFill>
+                    <p:spPr bwMode="auto">
+                      <a:xfrm>
+                        <a:off x="1319089" y="1567324"/>
+                        <a:ext cx="4020772" cy="2196151"/>
+                      </a:xfrm>
+                      <a:prstGeom prst="rect">
+                        <a:avLst/>
+                      </a:prstGeom>
+                      <a:noFill/>
+                      <a:ln>
+                        <a:noFill/>
+                      </a:ln>
+                      <a:effectLst/>
+                    </p:spPr>
+                  </p:pic>
+                </p:oleObj>
+              </mc:Fallback>
+            </mc:AlternateContent>
+          </a:graphicData>
+        </a:graphic>
+      </p:graphicFrame>
+      <p:graphicFrame>
+        <p:nvGraphicFramePr>
+          <p:cNvPr id="5" name="对象 4"/>
+          <p:cNvGraphicFramePr>
+            <a:graphicFrameLocks noChangeAspect="1"/>
+          </p:cNvGraphicFramePr>
+          <p:nvPr>
+            <p:extLst>
+              <p:ext uri="{D42A27DB-BD31-4B8C-83A1-F6EECF244321}">
+                <p14:modId xmlns:p14="http://schemas.microsoft.com/office/powerpoint/2010/main" val="1469899958"/>
+              </p:ext>
+            </p:extLst>
+          </p:nvPr>
+        </p:nvGraphicFramePr>
+        <p:xfrm>
+          <a:off x="7631722" y="1785115"/>
+          <a:ext cx="3511062" cy="1397821"/>
+        </p:xfrm>
+        <a:graphic>
+          <a:graphicData uri="http://schemas.openxmlformats.org/presentationml/2006/ole">
+            <mc:AlternateContent xmlns:mc="http://schemas.openxmlformats.org/markup-compatibility/2006">
+              <mc:Choice xmlns:v="urn:schemas-microsoft-com:vml" Requires="v">
+                <p:oleObj spid="_x0000_s1041" name="BMP 图像" r:id="rId5" imgW="4381560" imgH="1305000" progId="Paint.Picture">
+                  <p:embed/>
+                </p:oleObj>
+              </mc:Choice>
+              <mc:Fallback>
+                <p:oleObj name="BMP 图像" r:id="rId5" imgW="4381560" imgH="1305000" progId="Paint.Picture">
+                  <p:embed/>
+                  <p:pic>
+                    <p:nvPicPr>
+                      <p:cNvPr id="0" name="Object 1030"/>
+                      <p:cNvPicPr>
+                        <a:picLocks noChangeAspect="1" noChangeArrowheads="1"/>
+                      </p:cNvPicPr>
+                      <p:nvPr/>
+                    </p:nvPicPr>
+                    <p:blipFill>
+                      <a:blip r:embed="rId6"/>
+                      <a:srcRect/>
+                      <a:stretch>
+                        <a:fillRect/>
+                      </a:stretch>
+                    </p:blipFill>
+                    <p:spPr bwMode="auto">
+                      <a:xfrm>
+                        <a:off x="7631722" y="1785115"/>
+                        <a:ext cx="3511062" cy="1397821"/>
+                      </a:xfrm>
+                      <a:prstGeom prst="rect">
+                        <a:avLst/>
+                      </a:prstGeom>
+                      <a:noFill/>
+                      <a:ln>
+                        <a:noFill/>
+                      </a:ln>
+                      <a:effectLst/>
+                    </p:spPr>
+                  </p:pic>
+                </p:oleObj>
+              </mc:Fallback>
+            </mc:AlternateContent>
+          </a:graphicData>
+        </a:graphic>
+      </p:graphicFrame>
+      <p:sp>
+        <p:nvSpPr>
+          <p:cNvPr id="6" name="右箭头 5"/>
+          <p:cNvSpPr/>
+          <p:nvPr/>
+        </p:nvSpPr>
+        <p:spPr>
+          <a:xfrm>
+            <a:off x="5621213" y="2387448"/>
+            <a:ext cx="1881553" cy="484632"/>
+          </a:xfrm>
+          <a:prstGeom prst="rightArrow">
+            <a:avLst/>
+          </a:prstGeom>
+        </p:spPr>
+        <p:style>
+          <a:lnRef idx="2">
+            <a:schemeClr val="accent1">
+              <a:shade val="50000"/>
+            </a:schemeClr>
+          </a:lnRef>
+          <a:fillRef idx="1">
+            <a:schemeClr val="accent1"/>
+          </a:fillRef>
+          <a:effectRef idx="0">
+            <a:schemeClr val="accent1"/>
+          </a:effectRef>
+          <a:fontRef idx="minor">
+            <a:schemeClr val="lt1"/>
+          </a:fontRef>
+        </p:style>
+        <p:txBody>
+          <a:bodyPr rtlCol="0" anchor="ctr"/>
+          <a:lstStyle/>
+          <a:p>
+            <a:pPr algn="ctr"/>
+            <a:endParaRPr lang="zh-CN" altLang="en-US"/>
+          </a:p>
+        </p:txBody>
+      </p:sp>
+      <p:sp>
+        <p:nvSpPr>
+          <p:cNvPr id="8" name="TextBox 7"/>
+          <p:cNvSpPr txBox="1"/>
+          <p:nvPr/>
+        </p:nvSpPr>
+        <p:spPr>
+          <a:xfrm>
+            <a:off x="5621214" y="1802673"/>
+            <a:ext cx="1749669" cy="584775"/>
+          </a:xfrm>
+          <a:prstGeom prst="rect">
+            <a:avLst/>
+          </a:prstGeom>
+          <a:noFill/>
+        </p:spPr>
+        <p:txBody>
+          <a:bodyPr wrap="square" rtlCol="0">
+            <a:spAutoFit/>
+          </a:bodyPr>
+          <a:lstStyle/>
+          <a:p>
+            <a:r>
+              <a:rPr lang="en-US" altLang="zh-CN" sz="1600" dirty="0" smtClean="0"/>
+              <a:t>Sequence</a:t>
+            </a:r>
+          </a:p>
+          <a:p>
+            <a:r>
+              <a:rPr lang="en-US" altLang="zh-CN" sz="1600" dirty="0" smtClean="0"/>
+              <a:t>representation</a:t>
+            </a:r>
+            <a:endParaRPr lang="zh-CN" altLang="en-US" sz="1600" dirty="0"/>
+          </a:p>
+        </p:txBody>
+      </p:sp>
+      <p:sp>
+        <p:nvSpPr>
+          <p:cNvPr id="9" name="Rectangle 6"/>
+          <p:cNvSpPr txBox="1">
+            <a:spLocks noChangeArrowheads="1"/>
+          </p:cNvSpPr>
+          <p:nvPr/>
+        </p:nvSpPr>
+        <p:spPr>
+          <a:xfrm>
+            <a:off x="3700094" y="3974123"/>
+            <a:ext cx="5591907" cy="2201252"/>
+          </a:xfrm>
+          <a:prstGeom prst="rect">
+            <a:avLst/>
+          </a:prstGeom>
+        </p:spPr>
+        <p:txBody>
+          <a:bodyPr vert="horz" lIns="91440" tIns="45720" rIns="91440" bIns="45720" rtlCol="0">
+            <a:normAutofit/>
+          </a:bodyPr>
+          <a:lstStyle>
+            <a:lvl1pPr marL="342900" indent="-342900" algn="l" defTabSz="457200" rtl="0" eaLnBrk="1" latinLnBrk="0" hangingPunct="1">
+              <a:spcBef>
+                <a:spcPts val="1000"/>
+              </a:spcBef>
+              <a:spcAft>
+                <a:spcPts val="0"/>
+              </a:spcAft>
+              <a:buClr>
+                <a:schemeClr val="accent1"/>
+              </a:buClr>
+              <a:buFont typeface="Wingdings 3" charset="2"/>
+              <a:buChar char=""/>
+              <a:defRPr sz="1800" kern="1200">
+                <a:solidFill>
+                  <a:schemeClr val="tx1">
+                    <a:lumMod val="75000"/>
+                    <a:lumOff val="25000"/>
+                  </a:schemeClr>
+                </a:solidFill>
+                <a:latin typeface="+mn-lt"/>
+                <a:ea typeface="+mn-ea"/>
+                <a:cs typeface="+mn-cs"/>
+              </a:defRPr>
+            </a:lvl1pPr>
+            <a:lvl2pPr marL="742950" indent="-285750" algn="l" defTabSz="457200" rtl="0" eaLnBrk="1" latinLnBrk="0" hangingPunct="1">
+              <a:spcBef>
+                <a:spcPts val="1000"/>
+              </a:spcBef>
+              <a:spcAft>
+                <a:spcPts val="0"/>
+              </a:spcAft>
+              <a:buClr>
+                <a:schemeClr val="accent1"/>
+              </a:buClr>
+              <a:buFont typeface="Wingdings 3" charset="2"/>
+              <a:buChar char=""/>
+              <a:defRPr sz="1600" kern="1200">
+                <a:solidFill>
+                  <a:schemeClr val="tx1">
+                    <a:lumMod val="75000"/>
+                    <a:lumOff val="25000"/>
+                  </a:schemeClr>
+                </a:solidFill>
+                <a:latin typeface="+mn-lt"/>
+                <a:ea typeface="+mn-ea"/>
+                <a:cs typeface="+mn-cs"/>
+              </a:defRPr>
+            </a:lvl2pPr>
+            <a:lvl3pPr marL="1143000" indent="-228600" algn="l" defTabSz="457200" rtl="0" eaLnBrk="1" latinLnBrk="0" hangingPunct="1">
+              <a:spcBef>
+                <a:spcPts val="1000"/>
+              </a:spcBef>
+              <a:spcAft>
+                <a:spcPts val="0"/>
+              </a:spcAft>
+              <a:buClr>
+                <a:schemeClr val="accent1"/>
+              </a:buClr>
+              <a:buFont typeface="Wingdings 3" charset="2"/>
+              <a:buChar char=""/>
+              <a:defRPr sz="1400" kern="1200">
+                <a:solidFill>
+                  <a:schemeClr val="tx1">
+                    <a:lumMod val="75000"/>
+                    <a:lumOff val="25000"/>
+                  </a:schemeClr>
+                </a:solidFill>
+                <a:latin typeface="+mn-lt"/>
+                <a:ea typeface="+mn-ea"/>
+                <a:cs typeface="+mn-cs"/>
+              </a:defRPr>
+            </a:lvl3pPr>
+            <a:lvl4pPr marL="1600200" indent="-228600" algn="l" defTabSz="457200" rtl="0" eaLnBrk="1" latinLnBrk="0" hangingPunct="1">
+              <a:spcBef>
+                <a:spcPts val="1000"/>
+              </a:spcBef>
+              <a:spcAft>
+                <a:spcPts val="0"/>
+              </a:spcAft>
+              <a:buClr>
+                <a:schemeClr val="accent1"/>
+              </a:buClr>
+              <a:buFont typeface="Wingdings 3" charset="2"/>
+              <a:buChar char=""/>
+              <a:defRPr sz="1200" kern="1200">
+                <a:solidFill>
+                  <a:schemeClr val="tx1">
+                    <a:lumMod val="75000"/>
+                    <a:lumOff val="25000"/>
+                  </a:schemeClr>
+                </a:solidFill>
+                <a:latin typeface="+mn-lt"/>
+                <a:ea typeface="+mn-ea"/>
+                <a:cs typeface="+mn-cs"/>
+              </a:defRPr>
+            </a:lvl4pPr>
+            <a:lvl5pPr marL="2057400" indent="-228600" algn="l" defTabSz="457200" rtl="0" eaLnBrk="1" latinLnBrk="0" hangingPunct="1">
+              <a:spcBef>
+                <a:spcPts val="1000"/>
+              </a:spcBef>
+              <a:spcAft>
+                <a:spcPts val="0"/>
+              </a:spcAft>
+              <a:buClr>
+                <a:schemeClr val="accent1"/>
+              </a:buClr>
+              <a:buFont typeface="Wingdings 3" charset="2"/>
+              <a:buChar char=""/>
+              <a:defRPr sz="1200" kern="1200">
+                <a:solidFill>
+                  <a:schemeClr val="tx1">
+                    <a:lumMod val="75000"/>
+                    <a:lumOff val="25000"/>
+                  </a:schemeClr>
+                </a:solidFill>
+                <a:latin typeface="+mn-lt"/>
+                <a:ea typeface="+mn-ea"/>
+                <a:cs typeface="+mn-cs"/>
+              </a:defRPr>
+            </a:lvl5pPr>
+            <a:lvl6pPr marL="2514600" indent="-228600" algn="l" defTabSz="457200" rtl="0" eaLnBrk="1" latinLnBrk="0" hangingPunct="1">
+              <a:spcBef>
+                <a:spcPts val="1000"/>
+              </a:spcBef>
+              <a:spcAft>
+                <a:spcPts val="0"/>
+              </a:spcAft>
+              <a:buClr>
+                <a:schemeClr val="accent1"/>
+              </a:buClr>
+              <a:buFont typeface="Wingdings 3" charset="2"/>
+              <a:buChar char=""/>
+              <a:defRPr sz="1200" kern="1200">
+                <a:solidFill>
+                  <a:schemeClr val="tx1">
+                    <a:lumMod val="75000"/>
+                    <a:lumOff val="25000"/>
+                  </a:schemeClr>
+                </a:solidFill>
+                <a:latin typeface="+mn-lt"/>
+                <a:ea typeface="+mn-ea"/>
+                <a:cs typeface="+mn-cs"/>
+              </a:defRPr>
+            </a:lvl6pPr>
+            <a:lvl7pPr marL="2971800" indent="-228600" algn="l" defTabSz="457200" rtl="0" eaLnBrk="1" latinLnBrk="0" hangingPunct="1">
+              <a:spcBef>
+                <a:spcPts val="1000"/>
+              </a:spcBef>
+              <a:spcAft>
+                <a:spcPts val="0"/>
+              </a:spcAft>
+              <a:buClr>
+                <a:schemeClr val="accent1"/>
+              </a:buClr>
+              <a:buFont typeface="Wingdings 3" charset="2"/>
+              <a:buChar char=""/>
+              <a:defRPr sz="1200" kern="1200">
+                <a:solidFill>
+                  <a:schemeClr val="tx1">
+                    <a:lumMod val="75000"/>
+                    <a:lumOff val="25000"/>
+                  </a:schemeClr>
+                </a:solidFill>
+                <a:latin typeface="+mn-lt"/>
+                <a:ea typeface="+mn-ea"/>
+                <a:cs typeface="+mn-cs"/>
+              </a:defRPr>
+            </a:lvl7pPr>
+            <a:lvl8pPr marL="3429000" indent="-228600" algn="l" defTabSz="457200" rtl="0" eaLnBrk="1" latinLnBrk="0" hangingPunct="1">
+              <a:spcBef>
+                <a:spcPts val="1000"/>
+              </a:spcBef>
+              <a:spcAft>
+                <a:spcPts val="0"/>
+              </a:spcAft>
+              <a:buClr>
+                <a:schemeClr val="accent1"/>
+              </a:buClr>
+              <a:buFont typeface="Wingdings 3" charset="2"/>
+              <a:buChar char=""/>
+              <a:defRPr sz="1200" kern="1200">
+                <a:solidFill>
+                  <a:schemeClr val="tx1">
+                    <a:lumMod val="75000"/>
+                    <a:lumOff val="25000"/>
+                  </a:schemeClr>
+                </a:solidFill>
+                <a:latin typeface="+mn-lt"/>
+                <a:ea typeface="+mn-ea"/>
+                <a:cs typeface="+mn-cs"/>
+              </a:defRPr>
+            </a:lvl8pPr>
+            <a:lvl9pPr marL="3886200" indent="-228600" algn="l" defTabSz="457200" rtl="0" eaLnBrk="1" latinLnBrk="0" hangingPunct="1">
+              <a:spcBef>
+                <a:spcPts val="1000"/>
+              </a:spcBef>
+              <a:spcAft>
+                <a:spcPts val="0"/>
+              </a:spcAft>
+              <a:buClr>
+                <a:schemeClr val="accent1"/>
+              </a:buClr>
+              <a:buFont typeface="Wingdings 3" charset="2"/>
+              <a:buChar char=""/>
+              <a:defRPr sz="1200" kern="1200">
+                <a:solidFill>
+                  <a:schemeClr val="tx1">
+                    <a:lumMod val="75000"/>
+                    <a:lumOff val="25000"/>
+                  </a:schemeClr>
+                </a:solidFill>
+                <a:latin typeface="+mn-lt"/>
+                <a:ea typeface="+mn-ea"/>
+                <a:cs typeface="+mn-cs"/>
+              </a:defRPr>
+            </a:lvl9pPr>
+          </a:lstStyle>
+          <a:p>
+            <a:r>
+              <a:rPr lang="en-US" altLang="zh-TW" dirty="0" smtClean="0"/>
+              <a:t>S= ({a}, {b, c}) is a sequence </a:t>
+            </a:r>
+          </a:p>
+          <a:p>
+            <a:r>
+              <a:rPr lang="en-US" altLang="zh-TW" dirty="0" smtClean="0"/>
+              <a:t>The support of S is </a:t>
+            </a:r>
+            <a:r>
+              <a:rPr lang="en-US" altLang="zh-TW" dirty="0" err="1" smtClean="0"/>
+              <a:t>Sup</a:t>
+            </a:r>
+            <a:r>
+              <a:rPr lang="en-US" altLang="zh-TW" baseline="-25000" dirty="0" err="1" smtClean="0"/>
+              <a:t>D</a:t>
+            </a:r>
+            <a:r>
+              <a:rPr lang="en-US" altLang="zh-TW" dirty="0" smtClean="0"/>
+              <a:t>(S)</a:t>
+            </a:r>
+          </a:p>
+          <a:p>
+            <a:r>
+              <a:rPr lang="en-US" altLang="zh-TW" dirty="0" smtClean="0"/>
+              <a:t>Frequent sequential pattern:</a:t>
+            </a:r>
+          </a:p>
+          <a:p>
+            <a:pPr>
+              <a:buFont typeface="Wingdings" pitchFamily="2" charset="2"/>
+              <a:buNone/>
+            </a:pPr>
+            <a:r>
+              <a:rPr lang="en-US" altLang="zh-TW" dirty="0" smtClean="0"/>
+              <a:t>      </a:t>
+            </a:r>
+            <a:r>
+              <a:rPr lang="en-US" altLang="zh-TW" dirty="0" err="1" smtClean="0"/>
+              <a:t>Sup</a:t>
+            </a:r>
+            <a:r>
+              <a:rPr lang="en-US" altLang="zh-TW" baseline="-25000" dirty="0" err="1" smtClean="0"/>
+              <a:t>D</a:t>
+            </a:r>
+            <a:r>
+              <a:rPr lang="en-US" altLang="zh-TW" dirty="0" smtClean="0"/>
+              <a:t>(S)   &gt;= Min Support</a:t>
+            </a:r>
+          </a:p>
+          <a:p>
+            <a:r>
+              <a:rPr lang="en-US" altLang="zh-TW" dirty="0" err="1" smtClean="0"/>
+              <a:t>Sup</a:t>
+            </a:r>
+            <a:r>
+              <a:rPr lang="en-US" altLang="zh-TW" baseline="-25000" dirty="0" err="1" smtClean="0"/>
+              <a:t>D</a:t>
+            </a:r>
+            <a:r>
+              <a:rPr lang="en-US" altLang="zh-TW" dirty="0" smtClean="0"/>
+              <a:t>(S) = </a:t>
+            </a:r>
+            <a:r>
+              <a:rPr lang="en-US" altLang="zh-TW" dirty="0" err="1" smtClean="0"/>
+              <a:t>Sup</a:t>
+            </a:r>
+            <a:r>
+              <a:rPr lang="en-US" altLang="zh-TW" baseline="-25000" dirty="0" err="1" smtClean="0"/>
+              <a:t>D</a:t>
+            </a:r>
+            <a:r>
+              <a:rPr lang="en-US" altLang="zh-TW" dirty="0" smtClean="0"/>
+              <a:t> ({a}, {b, c} ) = 2 </a:t>
+            </a:r>
+            <a:endParaRPr lang="en-US" altLang="zh-TW" dirty="0"/>
+          </a:p>
+        </p:txBody>
+      </p:sp>
+      <p:sp>
+        <p:nvSpPr>
+          <p:cNvPr id="24" name="矩形 23"/>
+          <p:cNvSpPr/>
+          <p:nvPr/>
+        </p:nvSpPr>
+        <p:spPr>
+          <a:xfrm>
+            <a:off x="8669216" y="2224453"/>
+            <a:ext cx="228599" cy="162995"/>
+          </a:xfrm>
+          <a:prstGeom prst="rect">
+            <a:avLst/>
+          </a:prstGeom>
+          <a:noFill/>
+        </p:spPr>
+        <p:style>
+          <a:lnRef idx="2">
+            <a:schemeClr val="accent1">
+              <a:shade val="50000"/>
+            </a:schemeClr>
+          </a:lnRef>
+          <a:fillRef idx="1">
+            <a:schemeClr val="accent1"/>
+          </a:fillRef>
+          <a:effectRef idx="0">
+            <a:schemeClr val="accent1"/>
+          </a:effectRef>
+          <a:fontRef idx="minor">
+            <a:schemeClr val="lt1"/>
+          </a:fontRef>
+        </p:style>
+        <p:txBody>
+          <a:bodyPr rtlCol="0" anchor="ctr"/>
+          <a:lstStyle/>
+          <a:p>
+            <a:pPr algn="ctr"/>
+            <a:endParaRPr lang="zh-CN" altLang="en-US"/>
+          </a:p>
+        </p:txBody>
+      </p:sp>
+      <p:sp>
+        <p:nvSpPr>
+          <p:cNvPr id="26" name="矩形 25"/>
+          <p:cNvSpPr/>
+          <p:nvPr/>
+        </p:nvSpPr>
+        <p:spPr>
+          <a:xfrm>
+            <a:off x="9504483" y="2224454"/>
+            <a:ext cx="404448" cy="183510"/>
+          </a:xfrm>
+          <a:prstGeom prst="rect">
+            <a:avLst/>
+          </a:prstGeom>
+          <a:noFill/>
+        </p:spPr>
+        <p:style>
+          <a:lnRef idx="2">
+            <a:schemeClr val="accent1">
+              <a:shade val="50000"/>
+            </a:schemeClr>
+          </a:lnRef>
+          <a:fillRef idx="1">
+            <a:schemeClr val="accent1"/>
+          </a:fillRef>
+          <a:effectRef idx="0">
+            <a:schemeClr val="accent1"/>
+          </a:effectRef>
+          <a:fontRef idx="minor">
+            <a:schemeClr val="lt1"/>
+          </a:fontRef>
+        </p:style>
+        <p:txBody>
+          <a:bodyPr rtlCol="0" anchor="ctr"/>
+          <a:lstStyle/>
+          <a:p>
+            <a:pPr algn="ctr"/>
+            <a:endParaRPr lang="zh-CN" altLang="en-US"/>
+          </a:p>
+        </p:txBody>
+      </p:sp>
+      <p:sp>
+        <p:nvSpPr>
+          <p:cNvPr id="28" name="矩形 27"/>
+          <p:cNvSpPr/>
+          <p:nvPr/>
+        </p:nvSpPr>
+        <p:spPr>
+          <a:xfrm flipV="1">
+            <a:off x="9768253" y="2872080"/>
+            <a:ext cx="422031" cy="205228"/>
+          </a:xfrm>
+          <a:prstGeom prst="rect">
+            <a:avLst/>
+          </a:prstGeom>
+          <a:noFill/>
+        </p:spPr>
+        <p:style>
+          <a:lnRef idx="2">
+            <a:schemeClr val="accent1">
+              <a:shade val="50000"/>
+            </a:schemeClr>
+          </a:lnRef>
+          <a:fillRef idx="1">
+            <a:schemeClr val="accent1"/>
+          </a:fillRef>
+          <a:effectRef idx="0">
+            <a:schemeClr val="accent1"/>
+          </a:effectRef>
+          <a:fontRef idx="minor">
+            <a:schemeClr val="lt1"/>
+          </a:fontRef>
+        </p:style>
+        <p:txBody>
+          <a:bodyPr rtlCol="0" anchor="ctr"/>
+          <a:lstStyle/>
+          <a:p>
+            <a:pPr algn="ctr"/>
+            <a:endParaRPr lang="zh-CN" altLang="en-US"/>
+          </a:p>
+        </p:txBody>
+      </p:sp>
+      <p:sp>
+        <p:nvSpPr>
+          <p:cNvPr id="29" name="矩形 28"/>
+          <p:cNvSpPr/>
+          <p:nvPr/>
+        </p:nvSpPr>
+        <p:spPr>
+          <a:xfrm>
+            <a:off x="9177701" y="2914313"/>
+            <a:ext cx="228599" cy="162995"/>
+          </a:xfrm>
+          <a:prstGeom prst="rect">
+            <a:avLst/>
+          </a:prstGeom>
+          <a:noFill/>
+        </p:spPr>
+        <p:style>
+          <a:lnRef idx="2">
+            <a:schemeClr val="accent1">
+              <a:shade val="50000"/>
+            </a:schemeClr>
+          </a:lnRef>
+          <a:fillRef idx="1">
+            <a:schemeClr val="accent1"/>
+          </a:fillRef>
+          <a:effectRef idx="0">
+            <a:schemeClr val="accent1"/>
+          </a:effectRef>
+          <a:fontRef idx="minor">
+            <a:schemeClr val="lt1"/>
+          </a:fontRef>
+        </p:style>
+        <p:txBody>
+          <a:bodyPr rtlCol="0" anchor="ctr"/>
+          <a:lstStyle/>
+          <a:p>
+            <a:pPr algn="ctr"/>
+            <a:endParaRPr lang="zh-CN" altLang="en-US"/>
+          </a:p>
+        </p:txBody>
+      </p:sp>
+    </p:spTree>
+    <p:extLst>
+      <p:ext uri="{BB962C8B-B14F-4D97-AF65-F5344CB8AC3E}">
+        <p14:creationId xmlns:p14="http://schemas.microsoft.com/office/powerpoint/2010/main" val="3895996448"/>
+      </p:ext>
+    </p:extLst>
+  </p:cSld>
+  <p:clrMapOvr>
+    <a:masterClrMapping/>
+  </p:clrMapOvr>
+  <p:timing>
+    <p:tnLst>
+      <p:par>
+        <p:cTn id="1" dur="indefinite" restart="never" nodeType="tmRoot"/>
+      </p:par>
+    </p:tnLst>
+  </p:timing>
+</p:sld>
+</file>
+
 <file path=ppt/slides/slide4.xml><?xml version="1.0" encoding="utf-8"?>
 <p:sld xmlns:a="http://schemas.openxmlformats.org/drawingml/2006/main" xmlns:r="http://schemas.openxmlformats.org/officeDocument/2006/relationships" xmlns:p="http://schemas.openxmlformats.org/presentationml/2006/main">
   <p:cSld>
@@ -26321,6 +27248,1112 @@
       </p:par>
     </p:tnLst>
   </p:timing>
+</p:sld>
+</file>
+
+<file path=ppt/slides/slide40.xml><?xml version="1.0" encoding="utf-8"?>
+<p:sld xmlns:a="http://schemas.openxmlformats.org/drawingml/2006/main" xmlns:r="http://schemas.openxmlformats.org/officeDocument/2006/relationships" xmlns:p="http://schemas.openxmlformats.org/presentationml/2006/main">
+  <p:cSld>
+    <p:spTree>
+      <p:nvGrpSpPr>
+        <p:cNvPr id="1" name=""/>
+        <p:cNvGrpSpPr/>
+        <p:nvPr/>
+      </p:nvGrpSpPr>
+      <p:grpSpPr>
+        <a:xfrm>
+          <a:off x="0" y="0"/>
+          <a:ext cx="0" cy="0"/>
+          <a:chOff x="0" y="0"/>
+          <a:chExt cx="0" cy="0"/>
+        </a:xfrm>
+      </p:grpSpPr>
+      <p:sp>
+        <p:nvSpPr>
+          <p:cNvPr id="2" name="标题 1"/>
+          <p:cNvSpPr>
+            <a:spLocks noGrp="1"/>
+          </p:cNvSpPr>
+          <p:nvPr>
+            <p:ph type="title"/>
+          </p:nvPr>
+        </p:nvSpPr>
+        <p:spPr>
+          <a:xfrm>
+            <a:off x="2584133" y="228456"/>
+            <a:ext cx="8911687" cy="1280890"/>
+          </a:xfrm>
+        </p:spPr>
+        <p:txBody>
+          <a:bodyPr/>
+          <a:lstStyle/>
+          <a:p>
+            <a:pPr algn="ctr"/>
+            <a:r>
+              <a:rPr lang="en-US" altLang="zh-CN" dirty="0"/>
+              <a:t>Frequent subsequence mining</a:t>
+            </a:r>
+            <a:endParaRPr lang="zh-CN" altLang="en-US" dirty="0"/>
+          </a:p>
+        </p:txBody>
+      </p:sp>
+      <p:sp>
+        <p:nvSpPr>
+          <p:cNvPr id="3" name="内容占位符 2"/>
+          <p:cNvSpPr>
+            <a:spLocks noGrp="1"/>
+          </p:cNvSpPr>
+          <p:nvPr>
+            <p:ph idx="1"/>
+          </p:nvPr>
+        </p:nvSpPr>
+        <p:spPr>
+          <a:xfrm>
+            <a:off x="6972300" y="2133600"/>
+            <a:ext cx="4532312" cy="3777622"/>
+          </a:xfrm>
+        </p:spPr>
+        <p:txBody>
+          <a:bodyPr/>
+          <a:lstStyle/>
+          <a:p>
+            <a:r>
+              <a:rPr lang="en-US" altLang="zh-TW" dirty="0"/>
+              <a:t>S = ({a, b, c}, {a, b</a:t>
+            </a:r>
+            <a:r>
+              <a:rPr lang="en-US" altLang="zh-TW" dirty="0" smtClean="0"/>
+              <a:t>})</a:t>
+            </a:r>
+          </a:p>
+          <a:p>
+            <a:r>
+              <a:rPr lang="en-US" altLang="zh-TW" dirty="0"/>
+              <a:t>Sequence-extended sequence </a:t>
+            </a:r>
+          </a:p>
+          <a:p>
+            <a:pPr lvl="1"/>
+            <a:r>
+              <a:rPr lang="en-US" altLang="zh-TW" dirty="0" smtClean="0"/>
+              <a:t>S’=({</a:t>
+            </a:r>
+            <a:r>
+              <a:rPr lang="en-US" altLang="zh-TW" dirty="0" err="1" smtClean="0"/>
+              <a:t>a,b,c</a:t>
+            </a:r>
+            <a:r>
+              <a:rPr lang="en-US" altLang="zh-TW" dirty="0" smtClean="0"/>
+              <a:t>},{</a:t>
+            </a:r>
+            <a:r>
+              <a:rPr lang="en-US" altLang="zh-TW" dirty="0" err="1" smtClean="0"/>
+              <a:t>a,b</a:t>
+            </a:r>
+            <a:r>
+              <a:rPr lang="en-US" altLang="zh-TW" dirty="0" smtClean="0"/>
+              <a:t>},{d})</a:t>
+            </a:r>
+          </a:p>
+          <a:p>
+            <a:r>
+              <a:rPr lang="en-US" altLang="zh-TW" dirty="0" smtClean="0"/>
+              <a:t>Item-extended sequence</a:t>
+            </a:r>
+          </a:p>
+          <a:p>
+            <a:pPr lvl="1"/>
+            <a:r>
+              <a:rPr lang="en-US" altLang="zh-TW" dirty="0" smtClean="0"/>
+              <a:t>S’=({</a:t>
+            </a:r>
+            <a:r>
+              <a:rPr lang="en-US" altLang="zh-TW" dirty="0" err="1" smtClean="0"/>
+              <a:t>a,b,c</a:t>
+            </a:r>
+            <a:r>
+              <a:rPr lang="en-US" altLang="zh-TW" dirty="0" smtClean="0"/>
+              <a:t>},{</a:t>
+            </a:r>
+            <a:r>
+              <a:rPr lang="en-US" altLang="zh-TW" dirty="0" err="1" smtClean="0"/>
+              <a:t>a,b,d</a:t>
+            </a:r>
+            <a:r>
+              <a:rPr lang="en-US" altLang="zh-TW" dirty="0" smtClean="0"/>
+              <a:t>}</a:t>
+            </a:r>
+          </a:p>
+          <a:p>
+            <a:endParaRPr lang="en-US" altLang="zh-TW" dirty="0"/>
+          </a:p>
+        </p:txBody>
+      </p:sp>
+      <p:pic>
+        <p:nvPicPr>
+          <p:cNvPr id="3078" name="Picture 6"/>
+          <p:cNvPicPr>
+            <a:picLocks noChangeAspect="1" noChangeArrowheads="1"/>
+          </p:cNvPicPr>
+          <p:nvPr/>
+        </p:nvPicPr>
+        <p:blipFill>
+          <a:blip r:embed="rId2">
+            <a:extLst>
+              <a:ext uri="{28A0092B-C50C-407E-A947-70E740481C1C}">
+                <a14:useLocalDpi xmlns:a14="http://schemas.microsoft.com/office/drawing/2010/main" val="0"/>
+              </a:ext>
+            </a:extLst>
+          </a:blip>
+          <a:srcRect/>
+          <a:stretch>
+            <a:fillRect/>
+          </a:stretch>
+        </p:blipFill>
+        <p:spPr bwMode="auto">
+          <a:xfrm>
+            <a:off x="1889614" y="933450"/>
+            <a:ext cx="4505325" cy="5924550"/>
+          </a:xfrm>
+          <a:prstGeom prst="rect">
+            <a:avLst/>
+          </a:prstGeom>
+          <a:noFill/>
+          <a:ln>
+            <a:noFill/>
+          </a:ln>
+          <a:extLst>
+            <a:ext uri="{909E8E84-426E-40DD-AFC4-6F175D3DCCD1}">
+              <a14:hiddenFill xmlns:a14="http://schemas.microsoft.com/office/drawing/2010/main">
+                <a:solidFill>
+                  <a:schemeClr val="accent1"/>
+                </a:solidFill>
+              </a14:hiddenFill>
+            </a:ext>
+            <a:ext uri="{91240B29-F687-4F45-9708-019B960494DF}">
+              <a14:hiddenLine xmlns:a14="http://schemas.microsoft.com/office/drawing/2010/main" w="9525">
+                <a:solidFill>
+                  <a:schemeClr val="tx1"/>
+                </a:solidFill>
+                <a:miter lim="800000"/>
+                <a:headEnd/>
+                <a:tailEnd/>
+              </a14:hiddenLine>
+            </a:ext>
+          </a:extLst>
+        </p:spPr>
+      </p:pic>
+    </p:spTree>
+    <p:extLst>
+      <p:ext uri="{BB962C8B-B14F-4D97-AF65-F5344CB8AC3E}">
+        <p14:creationId xmlns:p14="http://schemas.microsoft.com/office/powerpoint/2010/main" val="568983300"/>
+      </p:ext>
+    </p:extLst>
+  </p:cSld>
+  <p:clrMapOvr>
+    <a:masterClrMapping/>
+  </p:clrMapOvr>
+  <p:timing>
+    <p:tnLst>
+      <p:par>
+        <p:cTn id="1" dur="indefinite" restart="never" nodeType="tmRoot"/>
+      </p:par>
+    </p:tnLst>
+  </p:timing>
+</p:sld>
+</file>
+
+<file path=ppt/slides/slide41.xml><?xml version="1.0" encoding="utf-8"?>
+<p:sld xmlns:a="http://schemas.openxmlformats.org/drawingml/2006/main" xmlns:r="http://schemas.openxmlformats.org/officeDocument/2006/relationships" xmlns:p="http://schemas.openxmlformats.org/presentationml/2006/main">
+  <p:cSld>
+    <p:spTree>
+      <p:nvGrpSpPr>
+        <p:cNvPr id="1" name=""/>
+        <p:cNvGrpSpPr/>
+        <p:nvPr/>
+      </p:nvGrpSpPr>
+      <p:grpSpPr>
+        <a:xfrm>
+          <a:off x="0" y="0"/>
+          <a:ext cx="0" cy="0"/>
+          <a:chOff x="0" y="0"/>
+          <a:chExt cx="0" cy="0"/>
+        </a:xfrm>
+      </p:grpSpPr>
+      <p:sp>
+        <p:nvSpPr>
+          <p:cNvPr id="2" name="标题 1"/>
+          <p:cNvSpPr>
+            <a:spLocks noGrp="1"/>
+          </p:cNvSpPr>
+          <p:nvPr>
+            <p:ph type="title"/>
+          </p:nvPr>
+        </p:nvSpPr>
+        <p:spPr/>
+        <p:txBody>
+          <a:bodyPr/>
+          <a:lstStyle/>
+          <a:p>
+            <a:pPr algn="ctr"/>
+            <a:r>
+              <a:rPr lang="en-US" altLang="zh-CN" dirty="0"/>
+              <a:t>Frequent subsequence mining</a:t>
+            </a:r>
+            <a:endParaRPr lang="zh-CN" altLang="en-US" dirty="0"/>
+          </a:p>
+        </p:txBody>
+      </p:sp>
+      <mc:AlternateContent xmlns:mc="http://schemas.openxmlformats.org/markup-compatibility/2006">
+        <mc:Choice xmlns:a14="http://schemas.microsoft.com/office/drawing/2010/main" Requires="a14">
+          <p:sp>
+            <p:nvSpPr>
+              <p:cNvPr id="3" name="内容占位符 2"/>
+              <p:cNvSpPr>
+                <a:spLocks noGrp="1"/>
+              </p:cNvSpPr>
+              <p:nvPr>
+                <p:ph idx="1"/>
+              </p:nvPr>
+            </p:nvSpPr>
+            <p:spPr/>
+            <p:txBody>
+              <a:bodyPr/>
+              <a:lstStyle/>
+              <a:p>
+                <a:r>
+                  <a:rPr lang="en-US" altLang="zh-CN" b="0" dirty="0" smtClean="0"/>
+                  <a:t>Pruning </a:t>
+                </a:r>
+                <a14:m>
+                  <m:oMath xmlns:m="http://schemas.openxmlformats.org/officeDocument/2006/math">
+                    <m:sSub>
+                      <m:sSubPr>
+                        <m:ctrlPr>
+                          <a:rPr lang="en-US" altLang="zh-CN" b="0" i="1" smtClean="0">
+                            <a:latin typeface="Cambria Math"/>
+                          </a:rPr>
+                        </m:ctrlPr>
+                      </m:sSubPr>
+                      <m:e>
+                        <m:r>
+                          <a:rPr lang="en-US" altLang="zh-CN" b="0" i="1" smtClean="0">
+                            <a:latin typeface="Cambria Math"/>
+                          </a:rPr>
+                          <m:t>𝑆</m:t>
+                        </m:r>
+                      </m:e>
+                      <m:sub>
+                        <m:r>
+                          <a:rPr lang="en-US" altLang="zh-CN" b="0" i="1" smtClean="0">
+                            <a:latin typeface="Cambria Math"/>
+                          </a:rPr>
+                          <m:t>𝑚</m:t>
+                        </m:r>
+                      </m:sub>
+                    </m:sSub>
+                    <m:r>
+                      <a:rPr lang="en-US" altLang="zh-CN" b="0" i="0" smtClean="0">
+                        <a:latin typeface="Cambria Math"/>
+                      </a:rPr>
+                      <m:t> </m:t>
+                    </m:r>
+                    <m:r>
+                      <m:rPr>
+                        <m:sty m:val="p"/>
+                      </m:rPr>
+                      <a:rPr lang="en-US" altLang="zh-CN" b="0" i="0" smtClean="0">
+                        <a:latin typeface="Cambria Math"/>
+                      </a:rPr>
+                      <m:t>and</m:t>
+                    </m:r>
+                    <m:r>
+                      <a:rPr lang="en-US" altLang="zh-CN" b="0" i="0" smtClean="0">
+                        <a:latin typeface="Cambria Math"/>
+                      </a:rPr>
+                      <m:t> </m:t>
+                    </m:r>
+                    <m:sSub>
+                      <m:sSubPr>
+                        <m:ctrlPr>
+                          <a:rPr lang="en-US" altLang="zh-CN" b="0" i="0" smtClean="0">
+                            <a:latin typeface="Cambria Math"/>
+                          </a:rPr>
+                        </m:ctrlPr>
+                      </m:sSubPr>
+                      <m:e>
+                        <m:r>
+                          <m:rPr>
+                            <m:sty m:val="p"/>
+                          </m:rPr>
+                          <a:rPr lang="en-US" altLang="zh-CN" b="0" i="0" smtClean="0">
+                            <a:latin typeface="Cambria Math"/>
+                          </a:rPr>
+                          <m:t>I</m:t>
+                        </m:r>
+                      </m:e>
+                      <m:sub>
+                        <m:r>
+                          <m:rPr>
+                            <m:sty m:val="p"/>
+                          </m:rPr>
+                          <a:rPr lang="en-US" altLang="zh-CN" b="0" i="0" smtClean="0">
+                            <a:latin typeface="Cambria Math"/>
+                          </a:rPr>
+                          <m:t>n</m:t>
+                        </m:r>
+                      </m:sub>
+                    </m:sSub>
+                  </m:oMath>
+                </a14:m>
+                <a:endParaRPr lang="en-US" altLang="zh-CN" dirty="0" smtClean="0"/>
+              </a:p>
+              <a:p>
+                <a:r>
+                  <a:rPr lang="en-US" altLang="zh-CN" dirty="0" smtClean="0"/>
+                  <a:t>S-step pruning</a:t>
+                </a:r>
+              </a:p>
+              <a:p>
+                <a:pPr lvl="1"/>
+                <a:r>
+                  <a:rPr lang="en-US" altLang="zh-CN" dirty="0" smtClean="0"/>
+                  <a:t>Sequence s and its s-extended sequence </a:t>
+                </a:r>
+                <a14:m>
+                  <m:oMath xmlns:m="http://schemas.openxmlformats.org/officeDocument/2006/math">
+                    <m:sSub>
+                      <m:sSubPr>
+                        <m:ctrlPr>
+                          <a:rPr lang="en-US" altLang="zh-CN" b="0" i="1" smtClean="0">
+                            <a:latin typeface="Cambria Math"/>
+                          </a:rPr>
+                        </m:ctrlPr>
+                      </m:sSubPr>
+                      <m:e>
+                        <m:r>
+                          <a:rPr lang="en-US" altLang="zh-CN" b="0" i="1" smtClean="0">
+                            <a:latin typeface="Cambria Math"/>
+                          </a:rPr>
+                          <m:t>𝑠</m:t>
+                        </m:r>
+                      </m:e>
+                      <m:sub>
+                        <m:r>
+                          <a:rPr lang="en-US" altLang="zh-CN" b="0" i="1" smtClean="0">
+                            <a:latin typeface="Cambria Math"/>
+                          </a:rPr>
+                          <m:t>𝑎</m:t>
+                        </m:r>
+                      </m:sub>
+                    </m:sSub>
+                    <m:r>
+                      <a:rPr lang="en-US" altLang="zh-CN" b="0" i="1" smtClean="0">
+                        <a:latin typeface="Cambria Math"/>
+                      </a:rPr>
+                      <m:t>=(</m:t>
+                    </m:r>
+                    <m:r>
+                      <a:rPr lang="en-US" altLang="zh-CN" b="0" i="1" smtClean="0">
+                        <a:latin typeface="Cambria Math"/>
+                      </a:rPr>
+                      <m:t>𝑠</m:t>
+                    </m:r>
+                    <m:r>
+                      <a:rPr lang="en-US" altLang="zh-CN" b="0" i="1" smtClean="0">
+                        <a:latin typeface="Cambria Math"/>
+                      </a:rPr>
+                      <m:t>,</m:t>
+                    </m:r>
+                    <m:d>
+                      <m:dPr>
+                        <m:begChr m:val="{"/>
+                        <m:endChr m:val="}"/>
+                        <m:ctrlPr>
+                          <a:rPr lang="en-US" altLang="zh-CN" b="0" i="1" smtClean="0">
+                            <a:latin typeface="Cambria Math"/>
+                          </a:rPr>
+                        </m:ctrlPr>
+                      </m:dPr>
+                      <m:e>
+                        <m:sSub>
+                          <m:sSubPr>
+                            <m:ctrlPr>
+                              <a:rPr lang="en-US" altLang="zh-CN" b="0" i="1" smtClean="0">
+                                <a:latin typeface="Cambria Math"/>
+                              </a:rPr>
+                            </m:ctrlPr>
+                          </m:sSubPr>
+                          <m:e>
+                            <m:r>
+                              <a:rPr lang="en-US" altLang="zh-CN" b="0" i="1" smtClean="0">
+                                <a:latin typeface="Cambria Math"/>
+                              </a:rPr>
+                              <m:t>𝑖</m:t>
+                            </m:r>
+                          </m:e>
+                          <m:sub>
+                            <m:r>
+                              <a:rPr lang="en-US" altLang="zh-CN" b="0" i="1" smtClean="0">
+                                <a:latin typeface="Cambria Math"/>
+                              </a:rPr>
+                              <m:t>𝑗</m:t>
+                            </m:r>
+                          </m:sub>
+                        </m:sSub>
+                      </m:e>
+                    </m:d>
+                    <m:r>
+                      <a:rPr lang="en-US" altLang="zh-CN" b="0" i="1" smtClean="0">
+                        <a:latin typeface="Cambria Math"/>
+                      </a:rPr>
+                      <m:t>)</m:t>
+                    </m:r>
+                  </m:oMath>
+                </a14:m>
+                <a:r>
+                  <a:rPr lang="zh-CN" altLang="en-US" dirty="0" smtClean="0"/>
+                  <a:t> </a:t>
+                </a:r>
+                <a:r>
+                  <a:rPr lang="en-US" altLang="zh-CN" dirty="0" smtClean="0"/>
+                  <a:t>and </a:t>
+                </a:r>
+                <a14:m>
+                  <m:oMath xmlns:m="http://schemas.openxmlformats.org/officeDocument/2006/math">
+                    <m:sSub>
+                      <m:sSubPr>
+                        <m:ctrlPr>
+                          <a:rPr lang="en-US" altLang="zh-CN" b="0" i="1" smtClean="0">
+                            <a:latin typeface="Cambria Math"/>
+                          </a:rPr>
+                        </m:ctrlPr>
+                      </m:sSubPr>
+                      <m:e>
+                        <m:r>
+                          <a:rPr lang="en-US" altLang="zh-CN" b="0" i="1" smtClean="0">
+                            <a:latin typeface="Cambria Math"/>
+                          </a:rPr>
+                          <m:t>𝑠</m:t>
+                        </m:r>
+                      </m:e>
+                      <m:sub>
+                        <m:r>
+                          <a:rPr lang="en-US" altLang="zh-CN" b="0" i="1" smtClean="0">
+                            <a:latin typeface="Cambria Math"/>
+                          </a:rPr>
+                          <m:t>𝑏</m:t>
+                        </m:r>
+                      </m:sub>
+                    </m:sSub>
+                    <m:r>
+                      <a:rPr lang="en-US" altLang="zh-CN" b="0" i="1" smtClean="0">
+                        <a:latin typeface="Cambria Math"/>
+                      </a:rPr>
+                      <m:t>=</m:t>
+                    </m:r>
+                    <m:d>
+                      <m:dPr>
+                        <m:ctrlPr>
+                          <a:rPr lang="en-US" altLang="zh-CN" b="0" i="1" smtClean="0">
+                            <a:latin typeface="Cambria Math"/>
+                          </a:rPr>
+                        </m:ctrlPr>
+                      </m:dPr>
+                      <m:e>
+                        <m:r>
+                          <a:rPr lang="en-US" altLang="zh-CN" b="0" i="1" smtClean="0">
+                            <a:latin typeface="Cambria Math"/>
+                          </a:rPr>
+                          <m:t>𝑠</m:t>
+                        </m:r>
+                        <m:r>
+                          <a:rPr lang="en-US" altLang="zh-CN" b="0" i="1" smtClean="0">
+                            <a:latin typeface="Cambria Math"/>
+                          </a:rPr>
+                          <m:t>,</m:t>
+                        </m:r>
+                        <m:d>
+                          <m:dPr>
+                            <m:begChr m:val="{"/>
+                            <m:endChr m:val="}"/>
+                            <m:ctrlPr>
+                              <a:rPr lang="en-US" altLang="zh-CN" b="0" i="1" smtClean="0">
+                                <a:latin typeface="Cambria Math"/>
+                              </a:rPr>
+                            </m:ctrlPr>
+                          </m:dPr>
+                          <m:e>
+                            <m:sSub>
+                              <m:sSubPr>
+                                <m:ctrlPr>
+                                  <a:rPr lang="en-US" altLang="zh-CN" b="0" i="1" smtClean="0">
+                                    <a:latin typeface="Cambria Math"/>
+                                  </a:rPr>
+                                </m:ctrlPr>
+                              </m:sSubPr>
+                              <m:e>
+                                <m:r>
+                                  <a:rPr lang="en-US" altLang="zh-CN" b="0" i="1" smtClean="0">
+                                    <a:latin typeface="Cambria Math"/>
+                                  </a:rPr>
+                                  <m:t>𝑖</m:t>
+                                </m:r>
+                              </m:e>
+                              <m:sub>
+                                <m:r>
+                                  <a:rPr lang="en-US" altLang="zh-CN" b="0" i="1" smtClean="0">
+                                    <a:latin typeface="Cambria Math"/>
+                                  </a:rPr>
+                                  <m:t>𝑘</m:t>
+                                </m:r>
+                              </m:sub>
+                            </m:sSub>
+                          </m:e>
+                        </m:d>
+                      </m:e>
+                    </m:d>
+                  </m:oMath>
+                </a14:m>
+                <a:endParaRPr lang="en-US" altLang="zh-CN" b="0" dirty="0" smtClean="0"/>
+              </a:p>
+              <a:p>
+                <a:pPr lvl="1"/>
+                <a14:m>
+                  <m:oMath xmlns:m="http://schemas.openxmlformats.org/officeDocument/2006/math">
+                    <m:sSub>
+                      <m:sSubPr>
+                        <m:ctrlPr>
+                          <a:rPr lang="en-US" altLang="zh-CN" b="0" i="1" smtClean="0">
+                            <a:latin typeface="Cambria Math"/>
+                          </a:rPr>
+                        </m:ctrlPr>
+                      </m:sSubPr>
+                      <m:e>
+                        <m:r>
+                          <a:rPr lang="en-US" altLang="zh-CN" b="0" i="1" smtClean="0">
+                            <a:latin typeface="Cambria Math"/>
+                          </a:rPr>
+                          <m:t>𝑠</m:t>
+                        </m:r>
+                      </m:e>
+                      <m:sub>
+                        <m:r>
+                          <a:rPr lang="en-US" altLang="zh-CN" b="0" i="1" smtClean="0">
+                            <a:latin typeface="Cambria Math"/>
+                          </a:rPr>
+                          <m:t>𝑎</m:t>
+                        </m:r>
+                      </m:sub>
+                    </m:sSub>
+                  </m:oMath>
+                </a14:m>
+                <a:r>
+                  <a:rPr lang="zh-CN" altLang="en-US" dirty="0" smtClean="0"/>
+                  <a:t> </a:t>
+                </a:r>
+                <a:r>
+                  <a:rPr lang="en-US" altLang="zh-CN" dirty="0" smtClean="0"/>
+                  <a:t>is frequent and </a:t>
+                </a:r>
+                <a14:m>
+                  <m:oMath xmlns:m="http://schemas.openxmlformats.org/officeDocument/2006/math">
+                    <m:sSub>
+                      <m:sSubPr>
+                        <m:ctrlPr>
+                          <a:rPr lang="en-US" altLang="zh-CN" b="0" i="1" smtClean="0">
+                            <a:latin typeface="Cambria Math"/>
+                          </a:rPr>
+                        </m:ctrlPr>
+                      </m:sSubPr>
+                      <m:e>
+                        <m:r>
+                          <a:rPr lang="en-US" altLang="zh-CN" b="0" i="1" smtClean="0">
+                            <a:latin typeface="Cambria Math"/>
+                          </a:rPr>
+                          <m:t>𝑠</m:t>
+                        </m:r>
+                      </m:e>
+                      <m:sub>
+                        <m:r>
+                          <a:rPr lang="en-US" altLang="zh-CN" b="0" i="1" smtClean="0">
+                            <a:latin typeface="Cambria Math"/>
+                          </a:rPr>
+                          <m:t>𝑏</m:t>
+                        </m:r>
+                      </m:sub>
+                    </m:sSub>
+                  </m:oMath>
+                </a14:m>
+                <a:r>
+                  <a:rPr lang="zh-CN" altLang="en-US" dirty="0" smtClean="0"/>
+                  <a:t> </a:t>
+                </a:r>
+                <a:r>
+                  <a:rPr lang="en-US" altLang="zh-CN" dirty="0" smtClean="0"/>
+                  <a:t>is not frequent</a:t>
+                </a:r>
+                <a:r>
+                  <a:rPr lang="en-US" altLang="zh-CN" dirty="0" smtClean="0">
+                    <a:sym typeface="Wingdings" pitchFamily="2" charset="2"/>
+                  </a:rPr>
+                  <a:t></a:t>
+                </a:r>
+                <a14:m>
+                  <m:oMath xmlns:m="http://schemas.openxmlformats.org/officeDocument/2006/math">
+                    <m:d>
+                      <m:dPr>
+                        <m:ctrlPr>
+                          <a:rPr lang="en-US" altLang="zh-CN" b="0" i="1" smtClean="0">
+                            <a:latin typeface="Cambria Math"/>
+                            <a:sym typeface="Wingdings" pitchFamily="2" charset="2"/>
+                          </a:rPr>
+                        </m:ctrlPr>
+                      </m:dPr>
+                      <m:e>
+                        <m:r>
+                          <a:rPr lang="en-US" altLang="zh-CN" b="0" i="1" smtClean="0">
+                            <a:latin typeface="Cambria Math"/>
+                            <a:sym typeface="Wingdings" pitchFamily="2" charset="2"/>
+                          </a:rPr>
+                          <m:t>𝑠</m:t>
+                        </m:r>
+                        <m:r>
+                          <a:rPr lang="en-US" altLang="zh-CN" b="0" i="1" smtClean="0">
+                            <a:latin typeface="Cambria Math"/>
+                            <a:sym typeface="Wingdings" pitchFamily="2" charset="2"/>
+                          </a:rPr>
+                          <m:t>,</m:t>
+                        </m:r>
+                        <m:d>
+                          <m:dPr>
+                            <m:begChr m:val="{"/>
+                            <m:endChr m:val="}"/>
+                            <m:ctrlPr>
+                              <a:rPr lang="en-US" altLang="zh-CN" b="0" i="1" smtClean="0">
+                                <a:latin typeface="Cambria Math"/>
+                                <a:sym typeface="Wingdings" pitchFamily="2" charset="2"/>
+                              </a:rPr>
+                            </m:ctrlPr>
+                          </m:dPr>
+                          <m:e>
+                            <m:sSub>
+                              <m:sSubPr>
+                                <m:ctrlPr>
+                                  <a:rPr lang="en-US" altLang="zh-CN" b="0" i="1" smtClean="0">
+                                    <a:latin typeface="Cambria Math"/>
+                                    <a:sym typeface="Wingdings" pitchFamily="2" charset="2"/>
+                                  </a:rPr>
+                                </m:ctrlPr>
+                              </m:sSubPr>
+                              <m:e>
+                                <m:r>
+                                  <a:rPr lang="en-US" altLang="zh-CN" b="0" i="1" smtClean="0">
+                                    <a:latin typeface="Cambria Math"/>
+                                    <a:sym typeface="Wingdings" pitchFamily="2" charset="2"/>
+                                  </a:rPr>
+                                  <m:t>𝑖</m:t>
+                                </m:r>
+                              </m:e>
+                              <m:sub>
+                                <m:r>
+                                  <a:rPr lang="en-US" altLang="zh-CN" b="0" i="1" smtClean="0">
+                                    <a:latin typeface="Cambria Math"/>
+                                    <a:sym typeface="Wingdings" pitchFamily="2" charset="2"/>
+                                  </a:rPr>
+                                  <m:t>𝑗</m:t>
+                                </m:r>
+                              </m:sub>
+                            </m:sSub>
+                          </m:e>
+                        </m:d>
+                        <m:r>
+                          <a:rPr lang="en-US" altLang="zh-CN" b="0" i="1" smtClean="0">
+                            <a:latin typeface="Cambria Math"/>
+                            <a:sym typeface="Wingdings" pitchFamily="2" charset="2"/>
+                          </a:rPr>
+                          <m:t>,</m:t>
+                        </m:r>
+                        <m:d>
+                          <m:dPr>
+                            <m:begChr m:val="{"/>
+                            <m:endChr m:val="}"/>
+                            <m:ctrlPr>
+                              <a:rPr lang="en-US" altLang="zh-CN" b="0" i="1" smtClean="0">
+                                <a:latin typeface="Cambria Math"/>
+                                <a:sym typeface="Wingdings" pitchFamily="2" charset="2"/>
+                              </a:rPr>
+                            </m:ctrlPr>
+                          </m:dPr>
+                          <m:e>
+                            <m:sSub>
+                              <m:sSubPr>
+                                <m:ctrlPr>
+                                  <a:rPr lang="en-US" altLang="zh-CN" b="0" i="1" smtClean="0">
+                                    <a:latin typeface="Cambria Math"/>
+                                    <a:sym typeface="Wingdings" pitchFamily="2" charset="2"/>
+                                  </a:rPr>
+                                </m:ctrlPr>
+                              </m:sSubPr>
+                              <m:e>
+                                <m:r>
+                                  <a:rPr lang="en-US" altLang="zh-CN" b="0" i="1" smtClean="0">
+                                    <a:latin typeface="Cambria Math"/>
+                                    <a:sym typeface="Wingdings" pitchFamily="2" charset="2"/>
+                                  </a:rPr>
+                                  <m:t>𝑖</m:t>
+                                </m:r>
+                              </m:e>
+                              <m:sub>
+                                <m:r>
+                                  <a:rPr lang="en-US" altLang="zh-CN" b="0" i="1" smtClean="0">
+                                    <a:latin typeface="Cambria Math"/>
+                                    <a:sym typeface="Wingdings" pitchFamily="2" charset="2"/>
+                                  </a:rPr>
+                                  <m:t>𝑘</m:t>
+                                </m:r>
+                              </m:sub>
+                            </m:sSub>
+                          </m:e>
+                        </m:d>
+                      </m:e>
+                    </m:d>
+                    <m:r>
+                      <a:rPr lang="en-US" altLang="zh-CN" b="0" i="1" smtClean="0">
+                        <a:latin typeface="Cambria Math"/>
+                        <a:sym typeface="Wingdings" pitchFamily="2" charset="2"/>
+                      </a:rPr>
+                      <m:t>𝑎𝑛𝑑</m:t>
+                    </m:r>
+                    <m:r>
+                      <a:rPr lang="en-US" altLang="zh-CN" b="0" i="1" smtClean="0">
+                        <a:latin typeface="Cambria Math"/>
+                        <a:sym typeface="Wingdings" pitchFamily="2" charset="2"/>
+                      </a:rPr>
+                      <m:t> </m:t>
+                    </m:r>
+                    <m:d>
+                      <m:dPr>
+                        <m:ctrlPr>
+                          <a:rPr lang="en-US" altLang="zh-CN" b="0" i="1" smtClean="0">
+                            <a:latin typeface="Cambria Math"/>
+                            <a:sym typeface="Wingdings" pitchFamily="2" charset="2"/>
+                          </a:rPr>
+                        </m:ctrlPr>
+                      </m:dPr>
+                      <m:e>
+                        <m:r>
+                          <a:rPr lang="en-US" altLang="zh-CN" b="0" i="1" smtClean="0">
+                            <a:latin typeface="Cambria Math"/>
+                            <a:sym typeface="Wingdings" pitchFamily="2" charset="2"/>
+                          </a:rPr>
+                          <m:t>𝑠</m:t>
+                        </m:r>
+                        <m:r>
+                          <a:rPr lang="en-US" altLang="zh-CN" b="0" i="1" smtClean="0">
+                            <a:latin typeface="Cambria Math"/>
+                            <a:sym typeface="Wingdings" pitchFamily="2" charset="2"/>
+                          </a:rPr>
+                          <m:t>,</m:t>
+                        </m:r>
+                        <m:d>
+                          <m:dPr>
+                            <m:begChr m:val="{"/>
+                            <m:endChr m:val="}"/>
+                            <m:ctrlPr>
+                              <a:rPr lang="en-US" altLang="zh-CN" b="0" i="1" smtClean="0">
+                                <a:latin typeface="Cambria Math"/>
+                                <a:sym typeface="Wingdings" pitchFamily="2" charset="2"/>
+                              </a:rPr>
+                            </m:ctrlPr>
+                          </m:dPr>
+                          <m:e>
+                            <m:sSub>
+                              <m:sSubPr>
+                                <m:ctrlPr>
+                                  <a:rPr lang="en-US" altLang="zh-CN" b="0" i="1" smtClean="0">
+                                    <a:latin typeface="Cambria Math"/>
+                                    <a:sym typeface="Wingdings" pitchFamily="2" charset="2"/>
+                                  </a:rPr>
+                                </m:ctrlPr>
+                              </m:sSubPr>
+                              <m:e>
+                                <m:r>
+                                  <a:rPr lang="en-US" altLang="zh-CN" b="0" i="1" smtClean="0">
+                                    <a:latin typeface="Cambria Math"/>
+                                    <a:sym typeface="Wingdings" pitchFamily="2" charset="2"/>
+                                  </a:rPr>
+                                  <m:t>𝑖</m:t>
+                                </m:r>
+                              </m:e>
+                              <m:sub>
+                                <m:r>
+                                  <a:rPr lang="en-US" altLang="zh-CN" b="0" i="1" smtClean="0">
+                                    <a:latin typeface="Cambria Math"/>
+                                    <a:sym typeface="Wingdings" pitchFamily="2" charset="2"/>
+                                  </a:rPr>
+                                  <m:t>𝑗</m:t>
+                                </m:r>
+                              </m:sub>
+                            </m:sSub>
+                            <m:r>
+                              <a:rPr lang="en-US" altLang="zh-CN" b="0" i="1" smtClean="0">
+                                <a:latin typeface="Cambria Math"/>
+                                <a:sym typeface="Wingdings" pitchFamily="2" charset="2"/>
+                              </a:rPr>
+                              <m:t>, </m:t>
+                            </m:r>
+                            <m:sSub>
+                              <m:sSubPr>
+                                <m:ctrlPr>
+                                  <a:rPr lang="en-US" altLang="zh-CN" b="0" i="1" smtClean="0">
+                                    <a:latin typeface="Cambria Math"/>
+                                    <a:sym typeface="Wingdings" pitchFamily="2" charset="2"/>
+                                  </a:rPr>
+                                </m:ctrlPr>
+                              </m:sSubPr>
+                              <m:e>
+                                <m:r>
+                                  <a:rPr lang="en-US" altLang="zh-CN" b="0" i="1" smtClean="0">
+                                    <a:latin typeface="Cambria Math"/>
+                                    <a:sym typeface="Wingdings" pitchFamily="2" charset="2"/>
+                                  </a:rPr>
+                                  <m:t>𝑖</m:t>
+                                </m:r>
+                              </m:e>
+                              <m:sub>
+                                <m:r>
+                                  <a:rPr lang="en-US" altLang="zh-CN" b="0" i="1" smtClean="0">
+                                    <a:latin typeface="Cambria Math"/>
+                                    <a:sym typeface="Wingdings" pitchFamily="2" charset="2"/>
+                                  </a:rPr>
+                                  <m:t>𝑘</m:t>
+                                </m:r>
+                              </m:sub>
+                            </m:sSub>
+                          </m:e>
+                        </m:d>
+                      </m:e>
+                    </m:d>
+                  </m:oMath>
+                </a14:m>
+                <a:r>
+                  <a:rPr lang="en-US" altLang="zh-CN" dirty="0" smtClean="0"/>
+                  <a:t> is not frequent</a:t>
+                </a:r>
+              </a:p>
+              <a:p>
+                <a:pPr lvl="1"/>
+                <a:r>
+                  <a:rPr lang="en-US" altLang="zh-CN" dirty="0" smtClean="0"/>
+                  <a:t>Remove </a:t>
+                </a:r>
+                <a14:m>
+                  <m:oMath xmlns:m="http://schemas.openxmlformats.org/officeDocument/2006/math">
+                    <m:sSub>
+                      <m:sSubPr>
+                        <m:ctrlPr>
+                          <a:rPr lang="en-US" altLang="zh-CN" b="0" i="1" smtClean="0">
+                            <a:latin typeface="Cambria Math"/>
+                          </a:rPr>
+                        </m:ctrlPr>
+                      </m:sSubPr>
+                      <m:e>
+                        <m:r>
+                          <a:rPr lang="en-US" altLang="zh-CN" b="0" i="1" smtClean="0">
+                            <a:latin typeface="Cambria Math"/>
+                          </a:rPr>
+                          <m:t>𝑖</m:t>
+                        </m:r>
+                      </m:e>
+                      <m:sub>
+                        <m:r>
+                          <a:rPr lang="en-US" altLang="zh-CN" b="0" i="1" smtClean="0">
+                            <a:latin typeface="Cambria Math"/>
+                          </a:rPr>
+                          <m:t>𝑘</m:t>
+                        </m:r>
+                      </m:sub>
+                    </m:sSub>
+                  </m:oMath>
+                </a14:m>
+                <a:r>
+                  <a:rPr lang="zh-CN" altLang="en-US" dirty="0" smtClean="0"/>
+                  <a:t> </a:t>
+                </a:r>
+                <a:r>
+                  <a:rPr lang="en-US" altLang="zh-CN" dirty="0" smtClean="0"/>
+                  <a:t>from </a:t>
+                </a:r>
+                <a14:m>
+                  <m:oMath xmlns:m="http://schemas.openxmlformats.org/officeDocument/2006/math">
+                    <m:sSub>
+                      <m:sSubPr>
+                        <m:ctrlPr>
+                          <a:rPr lang="en-US" altLang="zh-CN" b="0" i="1" smtClean="0">
+                            <a:latin typeface="Cambria Math"/>
+                          </a:rPr>
+                        </m:ctrlPr>
+                      </m:sSubPr>
+                      <m:e>
+                        <m:r>
+                          <a:rPr lang="en-US" altLang="zh-CN" b="0" i="1" smtClean="0">
+                            <a:latin typeface="Cambria Math"/>
+                          </a:rPr>
+                          <m:t>𝑆</m:t>
+                        </m:r>
+                      </m:e>
+                      <m:sub>
+                        <m:sSub>
+                          <m:sSubPr>
+                            <m:ctrlPr>
+                              <a:rPr lang="en-US" altLang="zh-CN" b="0" i="1" smtClean="0">
+                                <a:latin typeface="Cambria Math"/>
+                              </a:rPr>
+                            </m:ctrlPr>
+                          </m:sSubPr>
+                          <m:e>
+                            <m:r>
+                              <a:rPr lang="en-US" altLang="zh-CN" b="0" i="1" smtClean="0">
+                                <a:latin typeface="Cambria Math"/>
+                              </a:rPr>
+                              <m:t>𝑠</m:t>
+                            </m:r>
+                          </m:e>
+                          <m:sub>
+                            <m:r>
+                              <a:rPr lang="en-US" altLang="zh-CN" b="0" i="1" smtClean="0">
+                                <a:latin typeface="Cambria Math"/>
+                              </a:rPr>
+                              <m:t>𝑎</m:t>
+                            </m:r>
+                          </m:sub>
+                        </m:sSub>
+                      </m:sub>
+                    </m:sSub>
+                    <m:r>
+                      <a:rPr lang="en-US" altLang="zh-CN" b="0" i="1" smtClean="0">
+                        <a:latin typeface="Cambria Math"/>
+                      </a:rPr>
+                      <m:t> </m:t>
+                    </m:r>
+                    <m:r>
+                      <a:rPr lang="en-US" altLang="zh-CN" b="0" i="1" smtClean="0">
+                        <a:latin typeface="Cambria Math"/>
+                      </a:rPr>
+                      <m:t>𝑎𝑛𝑑</m:t>
+                    </m:r>
+                    <m:r>
+                      <a:rPr lang="en-US" altLang="zh-CN" b="0" i="1" smtClean="0">
+                        <a:latin typeface="Cambria Math"/>
+                      </a:rPr>
+                      <m:t> </m:t>
+                    </m:r>
+                    <m:sSub>
+                      <m:sSubPr>
+                        <m:ctrlPr>
+                          <a:rPr lang="en-US" altLang="zh-CN" b="0" i="1" smtClean="0">
+                            <a:latin typeface="Cambria Math"/>
+                          </a:rPr>
+                        </m:ctrlPr>
+                      </m:sSubPr>
+                      <m:e>
+                        <m:r>
+                          <a:rPr lang="en-US" altLang="zh-CN" b="0" i="1" smtClean="0">
+                            <a:latin typeface="Cambria Math"/>
+                          </a:rPr>
+                          <m:t>𝐼</m:t>
+                        </m:r>
+                      </m:e>
+                      <m:sub>
+                        <m:sSub>
+                          <m:sSubPr>
+                            <m:ctrlPr>
+                              <a:rPr lang="en-US" altLang="zh-CN" b="0" i="1" smtClean="0">
+                                <a:latin typeface="Cambria Math"/>
+                              </a:rPr>
+                            </m:ctrlPr>
+                          </m:sSubPr>
+                          <m:e>
+                            <m:r>
+                              <a:rPr lang="en-US" altLang="zh-CN" b="0" i="1" smtClean="0">
+                                <a:latin typeface="Cambria Math"/>
+                              </a:rPr>
+                              <m:t>𝑠</m:t>
+                            </m:r>
+                          </m:e>
+                          <m:sub>
+                            <m:r>
+                              <a:rPr lang="en-US" altLang="zh-CN" b="0" i="1" smtClean="0">
+                                <a:latin typeface="Cambria Math"/>
+                              </a:rPr>
+                              <m:t>𝑎</m:t>
+                            </m:r>
+                          </m:sub>
+                        </m:sSub>
+                      </m:sub>
+                    </m:sSub>
+                  </m:oMath>
+                </a14:m>
+                <a:endParaRPr lang="en-US" altLang="zh-CN" dirty="0" smtClean="0"/>
+              </a:p>
+              <a:p>
+                <a:r>
+                  <a:rPr lang="en-US" altLang="zh-CN" dirty="0" smtClean="0"/>
+                  <a:t>I-step pruning</a:t>
+                </a:r>
+              </a:p>
+              <a:p>
+                <a:pPr lvl="1"/>
+                <a:endParaRPr lang="zh-CN" altLang="en-US" dirty="0"/>
+              </a:p>
+            </p:txBody>
+          </p:sp>
+        </mc:Choice>
+        <mc:Fallback>
+          <p:sp>
+            <p:nvSpPr>
+              <p:cNvPr id="3" name="内容占位符 2"/>
+              <p:cNvSpPr>
+                <a:spLocks noGrp="1" noRot="1" noChangeAspect="1" noMove="1" noResize="1" noEditPoints="1" noAdjustHandles="1" noChangeArrowheads="1" noChangeShapeType="1" noTextEdit="1"/>
+              </p:cNvSpPr>
+              <p:nvPr>
+                <p:ph idx="1"/>
+              </p:nvPr>
+            </p:nvSpPr>
+            <p:spPr>
+              <a:blipFill rotWithShape="1">
+                <a:blip r:embed="rId2"/>
+                <a:stretch>
+                  <a:fillRect l="-479" t="-806"/>
+                </a:stretch>
+              </a:blipFill>
+            </p:spPr>
+            <p:txBody>
+              <a:bodyPr/>
+              <a:lstStyle/>
+              <a:p>
+                <a:r>
+                  <a:rPr lang="zh-CN" altLang="en-US">
+                    <a:noFill/>
+                  </a:rPr>
+                  <a:t> </a:t>
+                </a:r>
+              </a:p>
+            </p:txBody>
+          </p:sp>
+        </mc:Fallback>
+      </mc:AlternateContent>
+    </p:spTree>
+    <p:extLst>
+      <p:ext uri="{BB962C8B-B14F-4D97-AF65-F5344CB8AC3E}">
+        <p14:creationId xmlns:p14="http://schemas.microsoft.com/office/powerpoint/2010/main" val="3239876161"/>
+      </p:ext>
+    </p:extLst>
+  </p:cSld>
+  <p:clrMapOvr>
+    <a:masterClrMapping/>
+  </p:clrMapOvr>
 </p:sld>
 </file>
 
@@ -28205,7 +30238,7 @@
   <a:extraClrSchemeLst/>
   <a:extLst>
     <a:ext uri="{05A4C25C-085E-4340-85A3-A5531E510DB2}">
-      <thm15:themeFamily xmlns:thm15="http://schemas.microsoft.com/office/thememl/2012/main" xmlns="" name="Wisp" id="{7CB32D59-10C0-40DD-B7BD-2E94284A981C}" vid="{24B1A44C-C006-48B2-A4D7-E5549B3D8CD4}"/>
+      <thm15:themeFamily xmlns="" xmlns:thm15="http://schemas.microsoft.com/office/thememl/2012/main" name="Wisp" id="{7CB32D59-10C0-40DD-B7BD-2E94284A981C}" vid="{24B1A44C-C006-48B2-A4D7-E5549B3D8CD4}"/>
     </a:ext>
   </a:extLst>
 </a:theme>

--- a/slide/tsdm.pptx
+++ b/slide/tsdm.pptx
@@ -46,6 +46,9 @@
     <p:sldId id="314" r:id="rId40"/>
     <p:sldId id="315" r:id="rId41"/>
     <p:sldId id="316" r:id="rId42"/>
+    <p:sldId id="317" r:id="rId43"/>
+    <p:sldId id="318" r:id="rId44"/>
+    <p:sldId id="319" r:id="rId45"/>
   </p:sldIdLst>
   <p:sldSz cx="12192000" cy="6858000"/>
   <p:notesSz cx="6858000" cy="9144000"/>
@@ -146,7 +149,7 @@
   </p:defaultTextStyle>
   <p:extLst>
     <p:ext uri="{EFAFB233-063F-42B5-8137-9DF3F51BA10A}">
-      <p15:sldGuideLst xmlns="" xmlns:p15="http://schemas.microsoft.com/office/powerpoint/2012/main"/>
+      <p15:sldGuideLst xmlns:p15="http://schemas.microsoft.com/office/powerpoint/2012/main" xmlns=""/>
     </p:ext>
   </p:extLst>
 </p:presentation>
@@ -26425,7 +26428,7 @@
           <a:graphicData uri="http://schemas.openxmlformats.org/presentationml/2006/ole">
             <mc:AlternateContent xmlns:mc="http://schemas.openxmlformats.org/markup-compatibility/2006">
               <mc:Choice xmlns:v="urn:schemas-microsoft-com:vml" Requires="v">
-                <p:oleObj spid="_x0000_s1040" name="點陣圖影像" r:id="rId3" imgW="4638095" imgH="2534004" progId="PBrush">
+                <p:oleObj spid="_x0000_s1048" name="點陣圖影像" r:id="rId3" imgW="4638095" imgH="2534004" progId="PBrush">
                   <p:embed/>
                 </p:oleObj>
               </mc:Choice>
@@ -26496,7 +26499,7 @@
           <a:graphicData uri="http://schemas.openxmlformats.org/presentationml/2006/ole">
             <mc:AlternateContent xmlns:mc="http://schemas.openxmlformats.org/markup-compatibility/2006">
               <mc:Choice xmlns:v="urn:schemas-microsoft-com:vml" Requires="v">
-                <p:oleObj spid="_x0000_s1041" name="BMP 图像" r:id="rId5" imgW="4381560" imgH="1305000" progId="Paint.Picture">
+                <p:oleObj spid="_x0000_s1049" name="BMP 图像" r:id="rId5" imgW="4381560" imgH="1305000" progId="Paint.Picture">
                   <p:embed/>
                 </p:oleObj>
               </mc:Choice>
@@ -27291,7 +27294,19 @@
             <a:pPr algn="ctr"/>
             <a:r>
               <a:rPr lang="en-US" altLang="zh-CN" dirty="0"/>
-              <a:t>Frequent subsequence mining</a:t>
+              <a:t>S</a:t>
+            </a:r>
+            <a:r>
+              <a:rPr lang="en-US" altLang="zh-CN" dirty="0" smtClean="0"/>
+              <a:t>equence </a:t>
+            </a:r>
+            <a:r>
+              <a:rPr lang="en-US" altLang="zh-CN" dirty="0"/>
+              <a:t>T</a:t>
+            </a:r>
+            <a:r>
+              <a:rPr lang="en-US" altLang="zh-CN" dirty="0" smtClean="0"/>
+              <a:t>ree </a:t>
             </a:r>
             <a:endParaRPr lang="zh-CN" altLang="en-US" dirty="0"/>
           </a:p>
@@ -27516,7 +27531,12 @@
                 <p:ph idx="1"/>
               </p:nvPr>
             </p:nvSpPr>
-            <p:spPr/>
+            <p:spPr>
+              <a:xfrm>
+                <a:off x="2589212" y="2133600"/>
+                <a:ext cx="8915400" cy="4152900"/>
+              </a:xfrm>
+            </p:spPr>
             <p:txBody>
               <a:bodyPr/>
               <a:lstStyle/>
@@ -27576,7 +27596,7 @@
                     <m:sSub>
                       <m:sSubPr>
                         <m:ctrlPr>
-                          <a:rPr lang="en-US" altLang="zh-CN" b="0" i="0" smtClean="0">
+                          <a:rPr lang="en-US" altLang="zh-CN" b="0" i="1" smtClean="0">
                             <a:latin typeface="Cambria Math"/>
                           </a:rPr>
                         </m:ctrlPr>
@@ -27618,7 +27638,15 @@
                 <a:pPr lvl="1"/>
                 <a:r>
                   <a:rPr lang="en-US" altLang="zh-CN" dirty="0" smtClean="0"/>
-                  <a:t>Sequence s and its s-extended sequence </a:t>
+                  <a:t>Sequence s and its </a:t>
+                </a:r>
+                <a:r>
+                  <a:rPr lang="en-US" altLang="zh-CN" dirty="0" smtClean="0"/>
+                  <a:t>S-Extended </a:t>
+                </a:r>
+                <a:r>
+                  <a:rPr lang="en-US" altLang="zh-CN" dirty="0" smtClean="0"/>
+                  <a:t>sequence </a:t>
                 </a:r>
                 <a14:m>
                   <m:oMath xmlns:m="http://schemas.openxmlformats.org/officeDocument/2006/math">
@@ -28305,6 +28333,899 @@
               </a:p>
               <a:p>
                 <a:pPr lvl="1"/>
+                <a:r>
+                  <a:rPr lang="en-US" altLang="zh-CN" dirty="0" smtClean="0"/>
+                  <a:t>Sequence </a:t>
+                </a:r>
+                <a14:m>
+                  <m:oMath xmlns:m="http://schemas.openxmlformats.org/officeDocument/2006/math">
+                    <m:r>
+                      <a:rPr lang="en-US" altLang="zh-CN" b="0" i="1" smtClean="0">
+                        <a:latin typeface="Cambria Math"/>
+                      </a:rPr>
+                      <m:t>𝑠</m:t>
+                    </m:r>
+                    <m:r>
+                      <a:rPr lang="en-US" altLang="zh-CN" b="0" i="1" smtClean="0">
+                        <a:latin typeface="Cambria Math"/>
+                      </a:rPr>
+                      <m:t>=</m:t>
+                    </m:r>
+                    <m:d>
+                      <m:dPr>
+                        <m:ctrlPr>
+                          <a:rPr lang="en-US" altLang="zh-CN" b="0" i="1" smtClean="0">
+                            <a:latin typeface="Cambria Math"/>
+                          </a:rPr>
+                        </m:ctrlPr>
+                      </m:dPr>
+                      <m:e>
+                        <m:sSup>
+                          <m:sSupPr>
+                            <m:ctrlPr>
+                              <a:rPr lang="en-US" altLang="zh-CN" b="0" i="1" smtClean="0">
+                                <a:latin typeface="Cambria Math"/>
+                              </a:rPr>
+                            </m:ctrlPr>
+                          </m:sSupPr>
+                          <m:e>
+                            <m:r>
+                              <a:rPr lang="en-US" altLang="zh-CN" b="0" i="1" smtClean="0">
+                                <a:latin typeface="Cambria Math"/>
+                              </a:rPr>
+                              <m:t>𝑠</m:t>
+                            </m:r>
+                          </m:e>
+                          <m:sup>
+                            <m:r>
+                              <a:rPr lang="en-US" altLang="zh-CN" b="0" i="1" smtClean="0">
+                                <a:latin typeface="Cambria Math"/>
+                              </a:rPr>
+                              <m:t>′</m:t>
+                            </m:r>
+                          </m:sup>
+                        </m:sSup>
+                        <m:r>
+                          <a:rPr lang="en-US" altLang="zh-CN" b="0" i="1" smtClean="0">
+                            <a:latin typeface="Cambria Math"/>
+                          </a:rPr>
+                          <m:t>,</m:t>
+                        </m:r>
+                        <m:d>
+                          <m:dPr>
+                            <m:begChr m:val="{"/>
+                            <m:endChr m:val="}"/>
+                            <m:ctrlPr>
+                              <a:rPr lang="en-US" altLang="zh-CN" b="0" i="1" smtClean="0">
+                                <a:latin typeface="Cambria Math"/>
+                              </a:rPr>
+                            </m:ctrlPr>
+                          </m:dPr>
+                          <m:e>
+                            <m:sSub>
+                              <m:sSubPr>
+                                <m:ctrlPr>
+                                  <a:rPr lang="en-US" altLang="zh-CN" b="0" i="1" smtClean="0">
+                                    <a:latin typeface="Cambria Math"/>
+                                  </a:rPr>
+                                </m:ctrlPr>
+                              </m:sSubPr>
+                              <m:e>
+                                <m:r>
+                                  <a:rPr lang="en-US" altLang="zh-CN" b="0" i="1" smtClean="0">
+                                    <a:latin typeface="Cambria Math"/>
+                                  </a:rPr>
+                                  <m:t>𝑖</m:t>
+                                </m:r>
+                              </m:e>
+                              <m:sub>
+                                <m:r>
+                                  <a:rPr lang="en-US" altLang="zh-CN" b="0" i="1" smtClean="0">
+                                    <a:latin typeface="Cambria Math"/>
+                                  </a:rPr>
+                                  <m:t>1</m:t>
+                                </m:r>
+                              </m:sub>
+                            </m:sSub>
+                            <m:r>
+                              <a:rPr lang="en-US" altLang="zh-CN" b="0" i="1" smtClean="0">
+                                <a:latin typeface="Cambria Math"/>
+                              </a:rPr>
+                              <m:t>,…,</m:t>
+                            </m:r>
+                            <m:sSub>
+                              <m:sSubPr>
+                                <m:ctrlPr>
+                                  <a:rPr lang="en-US" altLang="zh-CN" b="0" i="1" smtClean="0">
+                                    <a:latin typeface="Cambria Math"/>
+                                  </a:rPr>
+                                </m:ctrlPr>
+                              </m:sSubPr>
+                              <m:e>
+                                <m:r>
+                                  <a:rPr lang="en-US" altLang="zh-CN" b="0" i="1" smtClean="0">
+                                    <a:latin typeface="Cambria Math"/>
+                                  </a:rPr>
+                                  <m:t>𝑖</m:t>
+                                </m:r>
+                              </m:e>
+                              <m:sub>
+                                <m:r>
+                                  <a:rPr lang="en-US" altLang="zh-CN" b="0" i="1" smtClean="0">
+                                    <a:latin typeface="Cambria Math"/>
+                                  </a:rPr>
+                                  <m:t>𝑛</m:t>
+                                </m:r>
+                              </m:sub>
+                            </m:sSub>
+                          </m:e>
+                        </m:d>
+                      </m:e>
+                    </m:d>
+                  </m:oMath>
+                </a14:m>
+                <a:endParaRPr lang="en-US" altLang="zh-CN" b="0" dirty="0" smtClean="0"/>
+              </a:p>
+              <a:p>
+                <a:pPr lvl="1"/>
+                <a:r>
+                  <a:rPr lang="en-US" altLang="zh-CN" dirty="0" smtClean="0"/>
+                  <a:t>I-Extended sequence </a:t>
+                </a:r>
+                <a14:m>
+                  <m:oMath xmlns:m="http://schemas.openxmlformats.org/officeDocument/2006/math">
+                    <m:sSub>
+                      <m:sSubPr>
+                        <m:ctrlPr>
+                          <a:rPr lang="en-US" altLang="zh-CN" b="0" i="1" smtClean="0">
+                            <a:latin typeface="Cambria Math"/>
+                          </a:rPr>
+                        </m:ctrlPr>
+                      </m:sSubPr>
+                      <m:e>
+                        <m:r>
+                          <a:rPr lang="en-US" altLang="zh-CN" b="0" i="1" smtClean="0">
+                            <a:latin typeface="Cambria Math"/>
+                          </a:rPr>
+                          <m:t>𝑠</m:t>
+                        </m:r>
+                      </m:e>
+                      <m:sub>
+                        <m:r>
+                          <a:rPr lang="en-US" altLang="zh-CN" b="0" i="1" smtClean="0">
+                            <a:latin typeface="Cambria Math"/>
+                          </a:rPr>
+                          <m:t>𝑎</m:t>
+                        </m:r>
+                      </m:sub>
+                    </m:sSub>
+                    <m:r>
+                      <a:rPr lang="en-US" altLang="zh-CN" b="0" i="1" smtClean="0">
+                        <a:latin typeface="Cambria Math"/>
+                      </a:rPr>
+                      <m:t>=</m:t>
+                    </m:r>
+                    <m:d>
+                      <m:dPr>
+                        <m:ctrlPr>
+                          <a:rPr lang="en-US" altLang="zh-CN" b="0" i="1" smtClean="0">
+                            <a:latin typeface="Cambria Math"/>
+                          </a:rPr>
+                        </m:ctrlPr>
+                      </m:dPr>
+                      <m:e>
+                        <m:r>
+                          <a:rPr lang="en-US" altLang="zh-CN" b="0" i="1" smtClean="0">
+                            <a:latin typeface="Cambria Math"/>
+                          </a:rPr>
+                          <m:t>𝑠</m:t>
+                        </m:r>
+                        <m:r>
+                          <a:rPr lang="en-US" altLang="zh-CN" b="0" i="1" smtClean="0">
+                            <a:latin typeface="Cambria Math"/>
+                          </a:rPr>
+                          <m:t>′,</m:t>
+                        </m:r>
+                        <m:d>
+                          <m:dPr>
+                            <m:begChr m:val="{"/>
+                            <m:endChr m:val="}"/>
+                            <m:ctrlPr>
+                              <a:rPr lang="en-US" altLang="zh-CN" b="0" i="1" smtClean="0">
+                                <a:latin typeface="Cambria Math"/>
+                              </a:rPr>
+                            </m:ctrlPr>
+                          </m:dPr>
+                          <m:e>
+                            <m:sSub>
+                              <m:sSubPr>
+                                <m:ctrlPr>
+                                  <a:rPr lang="en-US" altLang="zh-CN" b="0" i="1" smtClean="0">
+                                    <a:latin typeface="Cambria Math"/>
+                                  </a:rPr>
+                                </m:ctrlPr>
+                              </m:sSubPr>
+                              <m:e>
+                                <m:r>
+                                  <a:rPr lang="en-US" altLang="zh-CN" b="0" i="1" smtClean="0">
+                                    <a:latin typeface="Cambria Math"/>
+                                  </a:rPr>
+                                  <m:t>𝑖</m:t>
+                                </m:r>
+                              </m:e>
+                              <m:sub>
+                                <m:r>
+                                  <a:rPr lang="en-US" altLang="zh-CN" b="0" i="1" smtClean="0">
+                                    <a:latin typeface="Cambria Math"/>
+                                  </a:rPr>
+                                  <m:t>1</m:t>
+                                </m:r>
+                              </m:sub>
+                            </m:sSub>
+                            <m:r>
+                              <a:rPr lang="en-US" altLang="zh-CN" b="0" i="1" smtClean="0">
+                                <a:latin typeface="Cambria Math"/>
+                              </a:rPr>
+                              <m:t>,…,</m:t>
+                            </m:r>
+                            <m:sSub>
+                              <m:sSubPr>
+                                <m:ctrlPr>
+                                  <a:rPr lang="en-US" altLang="zh-CN" b="0" i="1" smtClean="0">
+                                    <a:latin typeface="Cambria Math"/>
+                                  </a:rPr>
+                                </m:ctrlPr>
+                              </m:sSubPr>
+                              <m:e>
+                                <m:r>
+                                  <a:rPr lang="en-US" altLang="zh-CN" b="0" i="1" smtClean="0">
+                                    <a:latin typeface="Cambria Math"/>
+                                  </a:rPr>
+                                  <m:t>𝑖</m:t>
+                                </m:r>
+                              </m:e>
+                              <m:sub>
+                                <m:r>
+                                  <a:rPr lang="en-US" altLang="zh-CN" b="0" i="1" smtClean="0">
+                                    <a:latin typeface="Cambria Math"/>
+                                  </a:rPr>
+                                  <m:t>𝑛</m:t>
+                                </m:r>
+                              </m:sub>
+                            </m:sSub>
+                            <m:r>
+                              <a:rPr lang="en-US" altLang="zh-CN" b="0" i="1" smtClean="0">
+                                <a:latin typeface="Cambria Math"/>
+                              </a:rPr>
+                              <m:t>,</m:t>
+                            </m:r>
+                            <m:sSub>
+                              <m:sSubPr>
+                                <m:ctrlPr>
+                                  <a:rPr lang="en-US" altLang="zh-CN" b="0" i="1" smtClean="0">
+                                    <a:latin typeface="Cambria Math"/>
+                                  </a:rPr>
+                                </m:ctrlPr>
+                              </m:sSubPr>
+                              <m:e>
+                                <m:r>
+                                  <a:rPr lang="en-US" altLang="zh-CN" b="0" i="1" smtClean="0">
+                                    <a:latin typeface="Cambria Math"/>
+                                  </a:rPr>
+                                  <m:t>𝑖</m:t>
+                                </m:r>
+                              </m:e>
+                              <m:sub>
+                                <m:r>
+                                  <a:rPr lang="en-US" altLang="zh-CN" b="0" i="1" smtClean="0">
+                                    <a:latin typeface="Cambria Math"/>
+                                  </a:rPr>
+                                  <m:t>𝑗</m:t>
+                                </m:r>
+                              </m:sub>
+                            </m:sSub>
+                          </m:e>
+                        </m:d>
+                      </m:e>
+                    </m:d>
+                    <m:r>
+                      <a:rPr lang="en-US" altLang="zh-CN" b="0" i="1" smtClean="0">
+                        <a:latin typeface="Cambria Math"/>
+                      </a:rPr>
+                      <m:t> </m:t>
+                    </m:r>
+                    <m:r>
+                      <a:rPr lang="en-US" altLang="zh-CN" b="0" i="1" smtClean="0">
+                        <a:latin typeface="Cambria Math"/>
+                      </a:rPr>
+                      <m:t>𝑎𝑛𝑑</m:t>
+                    </m:r>
+                    <m:r>
+                      <a:rPr lang="en-US" altLang="zh-CN" b="0" i="1" smtClean="0">
+                        <a:latin typeface="Cambria Math"/>
+                      </a:rPr>
+                      <m:t> </m:t>
+                    </m:r>
+                    <m:sSub>
+                      <m:sSubPr>
+                        <m:ctrlPr>
+                          <a:rPr lang="en-US" altLang="zh-CN" b="0" i="1" smtClean="0">
+                            <a:latin typeface="Cambria Math"/>
+                          </a:rPr>
+                        </m:ctrlPr>
+                      </m:sSubPr>
+                      <m:e>
+                        <m:r>
+                          <a:rPr lang="en-US" altLang="zh-CN" b="0" i="1" smtClean="0">
+                            <a:latin typeface="Cambria Math"/>
+                          </a:rPr>
+                          <m:t>𝑠</m:t>
+                        </m:r>
+                      </m:e>
+                      <m:sub>
+                        <m:r>
+                          <a:rPr lang="en-US" altLang="zh-CN" b="0" i="1" smtClean="0">
+                            <a:latin typeface="Cambria Math"/>
+                          </a:rPr>
+                          <m:t>𝑏</m:t>
+                        </m:r>
+                      </m:sub>
+                    </m:sSub>
+                    <m:r>
+                      <a:rPr lang="en-US" altLang="zh-CN" b="0" i="1" smtClean="0">
+                        <a:latin typeface="Cambria Math"/>
+                      </a:rPr>
+                      <m:t>=(</m:t>
+                    </m:r>
+                    <m:sSup>
+                      <m:sSupPr>
+                        <m:ctrlPr>
+                          <a:rPr lang="en-US" altLang="zh-CN" b="0" i="1" smtClean="0">
+                            <a:latin typeface="Cambria Math"/>
+                          </a:rPr>
+                        </m:ctrlPr>
+                      </m:sSupPr>
+                      <m:e>
+                        <m:r>
+                          <a:rPr lang="en-US" altLang="zh-CN" b="0" i="1" smtClean="0">
+                            <a:latin typeface="Cambria Math"/>
+                          </a:rPr>
+                          <m:t>𝑠</m:t>
+                        </m:r>
+                      </m:e>
+                      <m:sup>
+                        <m:r>
+                          <a:rPr lang="en-US" altLang="zh-CN" b="0" i="1" smtClean="0">
+                            <a:latin typeface="Cambria Math"/>
+                          </a:rPr>
+                          <m:t>′</m:t>
+                        </m:r>
+                      </m:sup>
+                    </m:sSup>
+                    <m:r>
+                      <a:rPr lang="en-US" altLang="zh-CN" b="0" i="1" smtClean="0">
+                        <a:latin typeface="Cambria Math"/>
+                      </a:rPr>
+                      <m:t>,</m:t>
+                    </m:r>
+                    <m:d>
+                      <m:dPr>
+                        <m:begChr m:val="{"/>
+                        <m:endChr m:val="}"/>
+                        <m:ctrlPr>
+                          <a:rPr lang="en-US" altLang="zh-CN" b="0" i="1" smtClean="0">
+                            <a:latin typeface="Cambria Math"/>
+                          </a:rPr>
+                        </m:ctrlPr>
+                      </m:dPr>
+                      <m:e>
+                        <m:sSub>
+                          <m:sSubPr>
+                            <m:ctrlPr>
+                              <a:rPr lang="en-US" altLang="zh-CN" b="0" i="1" smtClean="0">
+                                <a:latin typeface="Cambria Math"/>
+                              </a:rPr>
+                            </m:ctrlPr>
+                          </m:sSubPr>
+                          <m:e>
+                            <m:r>
+                              <a:rPr lang="en-US" altLang="zh-CN" b="0" i="1" smtClean="0">
+                                <a:latin typeface="Cambria Math"/>
+                              </a:rPr>
+                              <m:t>𝑖</m:t>
+                            </m:r>
+                          </m:e>
+                          <m:sub>
+                            <m:r>
+                              <a:rPr lang="en-US" altLang="zh-CN" b="0" i="1" smtClean="0">
+                                <a:latin typeface="Cambria Math"/>
+                              </a:rPr>
+                              <m:t>1</m:t>
+                            </m:r>
+                          </m:sub>
+                        </m:sSub>
+                        <m:r>
+                          <a:rPr lang="en-US" altLang="zh-CN" b="0" i="1" smtClean="0">
+                            <a:latin typeface="Cambria Math"/>
+                          </a:rPr>
+                          <m:t>,…,</m:t>
+                        </m:r>
+                        <m:sSub>
+                          <m:sSubPr>
+                            <m:ctrlPr>
+                              <a:rPr lang="en-US" altLang="zh-CN" b="0" i="1" smtClean="0">
+                                <a:latin typeface="Cambria Math"/>
+                              </a:rPr>
+                            </m:ctrlPr>
+                          </m:sSubPr>
+                          <m:e>
+                            <m:r>
+                              <a:rPr lang="en-US" altLang="zh-CN" b="0" i="1" smtClean="0">
+                                <a:latin typeface="Cambria Math"/>
+                              </a:rPr>
+                              <m:t>𝑖</m:t>
+                            </m:r>
+                          </m:e>
+                          <m:sub>
+                            <m:r>
+                              <a:rPr lang="en-US" altLang="zh-CN" b="0" i="1" smtClean="0">
+                                <a:latin typeface="Cambria Math"/>
+                              </a:rPr>
+                              <m:t>𝑛</m:t>
+                            </m:r>
+                          </m:sub>
+                        </m:sSub>
+                        <m:r>
+                          <a:rPr lang="en-US" altLang="zh-CN" b="0" i="1" smtClean="0">
+                            <a:latin typeface="Cambria Math"/>
+                          </a:rPr>
+                          <m:t>,</m:t>
+                        </m:r>
+                        <m:sSub>
+                          <m:sSubPr>
+                            <m:ctrlPr>
+                              <a:rPr lang="en-US" altLang="zh-CN" b="0" i="1" smtClean="0">
+                                <a:latin typeface="Cambria Math"/>
+                              </a:rPr>
+                            </m:ctrlPr>
+                          </m:sSubPr>
+                          <m:e>
+                            <m:r>
+                              <a:rPr lang="en-US" altLang="zh-CN" b="0" i="1" smtClean="0">
+                                <a:latin typeface="Cambria Math"/>
+                              </a:rPr>
+                              <m:t>𝑖</m:t>
+                            </m:r>
+                          </m:e>
+                          <m:sub>
+                            <m:r>
+                              <a:rPr lang="en-US" altLang="zh-CN" b="0" i="1" smtClean="0">
+                                <a:latin typeface="Cambria Math"/>
+                              </a:rPr>
+                              <m:t>𝑘</m:t>
+                            </m:r>
+                          </m:sub>
+                        </m:sSub>
+                      </m:e>
+                    </m:d>
+                    <m:r>
+                      <a:rPr lang="en-US" altLang="zh-CN" b="0" i="1" smtClean="0">
+                        <a:latin typeface="Cambria Math"/>
+                      </a:rPr>
+                      <m:t>)</m:t>
+                    </m:r>
+                  </m:oMath>
+                </a14:m>
+                <a:r>
+                  <a:rPr lang="en-US" altLang="zh-CN" dirty="0" smtClean="0"/>
+                  <a:t>, </a:t>
+                </a:r>
+                <a14:m>
+                  <m:oMath xmlns:m="http://schemas.openxmlformats.org/officeDocument/2006/math">
+                    <m:sSub>
+                      <m:sSubPr>
+                        <m:ctrlPr>
+                          <a:rPr lang="en-US" altLang="zh-CN" b="0" i="1" dirty="0" smtClean="0">
+                            <a:latin typeface="Cambria Math"/>
+                          </a:rPr>
+                        </m:ctrlPr>
+                      </m:sSubPr>
+                      <m:e>
+                        <m:r>
+                          <a:rPr lang="en-US" altLang="zh-CN" b="0" i="1" dirty="0" smtClean="0">
+                            <a:latin typeface="Cambria Math"/>
+                          </a:rPr>
+                          <m:t>𝑖</m:t>
+                        </m:r>
+                      </m:e>
+                      <m:sub>
+                        <m:r>
+                          <a:rPr lang="en-US" altLang="zh-CN" b="0" i="1" dirty="0" smtClean="0">
+                            <a:latin typeface="Cambria Math"/>
+                          </a:rPr>
+                          <m:t>𝑗</m:t>
+                        </m:r>
+                      </m:sub>
+                    </m:sSub>
+                    <m:r>
+                      <a:rPr lang="en-US" altLang="zh-CN" b="0" i="1" dirty="0" smtClean="0">
+                        <a:latin typeface="Cambria Math"/>
+                      </a:rPr>
+                      <m:t>&lt;</m:t>
+                    </m:r>
+                    <m:sSub>
+                      <m:sSubPr>
+                        <m:ctrlPr>
+                          <a:rPr lang="en-US" altLang="zh-CN" b="0" i="1" dirty="0" smtClean="0">
+                            <a:latin typeface="Cambria Math"/>
+                          </a:rPr>
+                        </m:ctrlPr>
+                      </m:sSubPr>
+                      <m:e>
+                        <m:r>
+                          <a:rPr lang="en-US" altLang="zh-CN" b="0" i="1" dirty="0" smtClean="0">
+                            <a:latin typeface="Cambria Math"/>
+                          </a:rPr>
+                          <m:t>𝑖</m:t>
+                        </m:r>
+                      </m:e>
+                      <m:sub>
+                        <m:r>
+                          <a:rPr lang="en-US" altLang="zh-CN" b="0" i="1" dirty="0" smtClean="0">
+                            <a:latin typeface="Cambria Math"/>
+                          </a:rPr>
+                          <m:t>𝑘</m:t>
+                        </m:r>
+                      </m:sub>
+                    </m:sSub>
+                  </m:oMath>
+                </a14:m>
+                <a:endParaRPr lang="en-US" altLang="zh-CN" dirty="0" smtClean="0"/>
+              </a:p>
+              <a:p>
+                <a:pPr lvl="1"/>
+                <a14:m>
+                  <m:oMath xmlns:m="http://schemas.openxmlformats.org/officeDocument/2006/math">
+                    <m:sSub>
+                      <m:sSubPr>
+                        <m:ctrlPr>
+                          <a:rPr lang="en-US" altLang="zh-CN" i="1">
+                            <a:latin typeface="Cambria Math"/>
+                          </a:rPr>
+                        </m:ctrlPr>
+                      </m:sSubPr>
+                      <m:e>
+                        <m:r>
+                          <a:rPr lang="en-US" altLang="zh-CN" i="1">
+                            <a:latin typeface="Cambria Math"/>
+                          </a:rPr>
+                          <m:t>𝑠</m:t>
+                        </m:r>
+                      </m:e>
+                      <m:sub>
+                        <m:r>
+                          <a:rPr lang="en-US" altLang="zh-CN" i="1">
+                            <a:latin typeface="Cambria Math"/>
+                          </a:rPr>
+                          <m:t>𝑎</m:t>
+                        </m:r>
+                      </m:sub>
+                    </m:sSub>
+                  </m:oMath>
+                </a14:m>
+                <a:r>
+                  <a:rPr lang="zh-CN" altLang="en-US" dirty="0"/>
+                  <a:t> </a:t>
+                </a:r>
+                <a:r>
+                  <a:rPr lang="en-US" altLang="zh-CN" dirty="0"/>
+                  <a:t>is frequent and </a:t>
+                </a:r>
+                <a14:m>
+                  <m:oMath xmlns:m="http://schemas.openxmlformats.org/officeDocument/2006/math">
+                    <m:sSub>
+                      <m:sSubPr>
+                        <m:ctrlPr>
+                          <a:rPr lang="en-US" altLang="zh-CN" i="1">
+                            <a:latin typeface="Cambria Math"/>
+                          </a:rPr>
+                        </m:ctrlPr>
+                      </m:sSubPr>
+                      <m:e>
+                        <m:r>
+                          <a:rPr lang="en-US" altLang="zh-CN" i="1">
+                            <a:latin typeface="Cambria Math"/>
+                          </a:rPr>
+                          <m:t>𝑠</m:t>
+                        </m:r>
+                      </m:e>
+                      <m:sub>
+                        <m:r>
+                          <a:rPr lang="en-US" altLang="zh-CN" i="1">
+                            <a:latin typeface="Cambria Math"/>
+                          </a:rPr>
+                          <m:t>𝑏</m:t>
+                        </m:r>
+                      </m:sub>
+                    </m:sSub>
+                  </m:oMath>
+                </a14:m>
+                <a:r>
+                  <a:rPr lang="zh-CN" altLang="en-US" dirty="0"/>
+                  <a:t> </a:t>
+                </a:r>
+                <a:r>
+                  <a:rPr lang="en-US" altLang="zh-CN" dirty="0"/>
+                  <a:t>is not frequent</a:t>
+                </a:r>
+                <a:r>
+                  <a:rPr lang="en-US" altLang="zh-CN" dirty="0" smtClean="0">
+                    <a:sym typeface="Wingdings" pitchFamily="2" charset="2"/>
+                  </a:rPr>
+                  <a:t></a:t>
+                </a:r>
+                <a14:m>
+                  <m:oMath xmlns:m="http://schemas.openxmlformats.org/officeDocument/2006/math">
+                    <m:d>
+                      <m:dPr>
+                        <m:ctrlPr>
+                          <a:rPr lang="en-US" altLang="zh-CN" i="1">
+                            <a:latin typeface="Cambria Math"/>
+                          </a:rPr>
+                        </m:ctrlPr>
+                      </m:dPr>
+                      <m:e>
+                        <m:r>
+                          <a:rPr lang="en-US" altLang="zh-CN" i="1">
+                            <a:latin typeface="Cambria Math"/>
+                          </a:rPr>
+                          <m:t>𝑠</m:t>
+                        </m:r>
+                        <m:r>
+                          <a:rPr lang="en-US" altLang="zh-CN" i="1">
+                            <a:latin typeface="Cambria Math"/>
+                          </a:rPr>
+                          <m:t>′,</m:t>
+                        </m:r>
+                        <m:d>
+                          <m:dPr>
+                            <m:begChr m:val="{"/>
+                            <m:endChr m:val="}"/>
+                            <m:ctrlPr>
+                              <a:rPr lang="en-US" altLang="zh-CN" i="1">
+                                <a:latin typeface="Cambria Math"/>
+                              </a:rPr>
+                            </m:ctrlPr>
+                          </m:dPr>
+                          <m:e>
+                            <m:sSub>
+                              <m:sSubPr>
+                                <m:ctrlPr>
+                                  <a:rPr lang="en-US" altLang="zh-CN" i="1">
+                                    <a:latin typeface="Cambria Math"/>
+                                  </a:rPr>
+                                </m:ctrlPr>
+                              </m:sSubPr>
+                              <m:e>
+                                <m:r>
+                                  <a:rPr lang="en-US" altLang="zh-CN" i="1">
+                                    <a:latin typeface="Cambria Math"/>
+                                  </a:rPr>
+                                  <m:t>𝑖</m:t>
+                                </m:r>
+                              </m:e>
+                              <m:sub>
+                                <m:r>
+                                  <a:rPr lang="en-US" altLang="zh-CN" i="1">
+                                    <a:latin typeface="Cambria Math"/>
+                                  </a:rPr>
+                                  <m:t>1</m:t>
+                                </m:r>
+                              </m:sub>
+                            </m:sSub>
+                            <m:r>
+                              <a:rPr lang="en-US" altLang="zh-CN" i="1">
+                                <a:latin typeface="Cambria Math"/>
+                              </a:rPr>
+                              <m:t>,…,</m:t>
+                            </m:r>
+                            <m:sSub>
+                              <m:sSubPr>
+                                <m:ctrlPr>
+                                  <a:rPr lang="en-US" altLang="zh-CN" i="1">
+                                    <a:latin typeface="Cambria Math"/>
+                                  </a:rPr>
+                                </m:ctrlPr>
+                              </m:sSubPr>
+                              <m:e>
+                                <m:r>
+                                  <a:rPr lang="en-US" altLang="zh-CN" i="1">
+                                    <a:latin typeface="Cambria Math"/>
+                                  </a:rPr>
+                                  <m:t>𝑖</m:t>
+                                </m:r>
+                              </m:e>
+                              <m:sub>
+                                <m:r>
+                                  <a:rPr lang="en-US" altLang="zh-CN" i="1">
+                                    <a:latin typeface="Cambria Math"/>
+                                  </a:rPr>
+                                  <m:t>𝑛</m:t>
+                                </m:r>
+                              </m:sub>
+                            </m:sSub>
+                            <m:r>
+                              <a:rPr lang="en-US" altLang="zh-CN" i="1">
+                                <a:latin typeface="Cambria Math"/>
+                              </a:rPr>
+                              <m:t>,</m:t>
+                            </m:r>
+                            <m:sSub>
+                              <m:sSubPr>
+                                <m:ctrlPr>
+                                  <a:rPr lang="en-US" altLang="zh-CN" i="1">
+                                    <a:latin typeface="Cambria Math"/>
+                                  </a:rPr>
+                                </m:ctrlPr>
+                              </m:sSubPr>
+                              <m:e>
+                                <m:r>
+                                  <a:rPr lang="en-US" altLang="zh-CN" i="1">
+                                    <a:latin typeface="Cambria Math"/>
+                                  </a:rPr>
+                                  <m:t>𝑖</m:t>
+                                </m:r>
+                              </m:e>
+                              <m:sub>
+                                <m:r>
+                                  <a:rPr lang="en-US" altLang="zh-CN" i="1">
+                                    <a:latin typeface="Cambria Math"/>
+                                  </a:rPr>
+                                  <m:t>𝑗</m:t>
+                                </m:r>
+                              </m:sub>
+                            </m:sSub>
+                            <m:r>
+                              <a:rPr lang="en-US" altLang="zh-CN" b="0" i="1" smtClean="0">
+                                <a:latin typeface="Cambria Math"/>
+                              </a:rPr>
+                              <m:t>,</m:t>
+                            </m:r>
+                            <m:sSub>
+                              <m:sSubPr>
+                                <m:ctrlPr>
+                                  <a:rPr lang="en-US" altLang="zh-CN" b="0" i="1" smtClean="0">
+                                    <a:latin typeface="Cambria Math"/>
+                                  </a:rPr>
+                                </m:ctrlPr>
+                              </m:sSubPr>
+                              <m:e>
+                                <m:r>
+                                  <a:rPr lang="en-US" altLang="zh-CN" b="0" i="1" smtClean="0">
+                                    <a:latin typeface="Cambria Math"/>
+                                  </a:rPr>
+                                  <m:t>𝑖</m:t>
+                                </m:r>
+                              </m:e>
+                              <m:sub>
+                                <m:r>
+                                  <a:rPr lang="en-US" altLang="zh-CN" b="0" i="1" smtClean="0">
+                                    <a:latin typeface="Cambria Math"/>
+                                  </a:rPr>
+                                  <m:t>𝑘</m:t>
+                                </m:r>
+                              </m:sub>
+                            </m:sSub>
+                          </m:e>
+                        </m:d>
+                      </m:e>
+                    </m:d>
+                  </m:oMath>
+                </a14:m>
+                <a:r>
+                  <a:rPr lang="zh-CN" altLang="en-US" dirty="0" smtClean="0"/>
+                  <a:t> </a:t>
+                </a:r>
+                <a:r>
+                  <a:rPr lang="en-US" altLang="zh-CN" dirty="0" smtClean="0"/>
+                  <a:t>is not frequent</a:t>
+                </a:r>
+              </a:p>
+              <a:p>
+                <a:pPr lvl="1"/>
+                <a:r>
+                  <a:rPr lang="en-US" altLang="zh-CN" dirty="0"/>
+                  <a:t>Remove </a:t>
+                </a:r>
+                <a14:m>
+                  <m:oMath xmlns:m="http://schemas.openxmlformats.org/officeDocument/2006/math">
+                    <m:sSub>
+                      <m:sSubPr>
+                        <m:ctrlPr>
+                          <a:rPr lang="en-US" altLang="zh-CN" i="1">
+                            <a:latin typeface="Cambria Math"/>
+                          </a:rPr>
+                        </m:ctrlPr>
+                      </m:sSubPr>
+                      <m:e>
+                        <m:r>
+                          <a:rPr lang="en-US" altLang="zh-CN" i="1">
+                            <a:latin typeface="Cambria Math"/>
+                          </a:rPr>
+                          <m:t>𝑖</m:t>
+                        </m:r>
+                      </m:e>
+                      <m:sub>
+                        <m:r>
+                          <a:rPr lang="en-US" altLang="zh-CN" i="1">
+                            <a:latin typeface="Cambria Math"/>
+                          </a:rPr>
+                          <m:t>𝑘</m:t>
+                        </m:r>
+                      </m:sub>
+                    </m:sSub>
+                  </m:oMath>
+                </a14:m>
+                <a:r>
+                  <a:rPr lang="zh-CN" altLang="en-US" dirty="0"/>
+                  <a:t> </a:t>
+                </a:r>
+                <a:r>
+                  <a:rPr lang="en-US" altLang="zh-CN" dirty="0"/>
+                  <a:t>from </a:t>
+                </a:r>
+                <a14:m>
+                  <m:oMath xmlns:m="http://schemas.openxmlformats.org/officeDocument/2006/math">
+                    <m:sSub>
+                      <m:sSubPr>
+                        <m:ctrlPr>
+                          <a:rPr lang="en-US" altLang="zh-CN" i="1">
+                            <a:latin typeface="Cambria Math"/>
+                          </a:rPr>
+                        </m:ctrlPr>
+                      </m:sSubPr>
+                      <m:e>
+                        <m:r>
+                          <a:rPr lang="en-US" altLang="zh-CN" b="0" i="1" smtClean="0">
+                            <a:latin typeface="Cambria Math"/>
+                          </a:rPr>
+                          <m:t>𝐼</m:t>
+                        </m:r>
+                      </m:e>
+                      <m:sub>
+                        <m:sSub>
+                          <m:sSubPr>
+                            <m:ctrlPr>
+                              <a:rPr lang="en-US" altLang="zh-CN" i="1">
+                                <a:latin typeface="Cambria Math"/>
+                              </a:rPr>
+                            </m:ctrlPr>
+                          </m:sSubPr>
+                          <m:e>
+                            <m:r>
+                              <a:rPr lang="en-US" altLang="zh-CN" i="1">
+                                <a:latin typeface="Cambria Math"/>
+                              </a:rPr>
+                              <m:t>𝑠</m:t>
+                            </m:r>
+                          </m:e>
+                          <m:sub>
+                            <m:r>
+                              <a:rPr lang="en-US" altLang="zh-CN" i="1">
+                                <a:latin typeface="Cambria Math"/>
+                              </a:rPr>
+                              <m:t>𝑎</m:t>
+                            </m:r>
+                          </m:sub>
+                        </m:sSub>
+                      </m:sub>
+                    </m:sSub>
+                  </m:oMath>
+                </a14:m>
+                <a:endParaRPr lang="en-US" altLang="zh-CN" dirty="0"/>
+              </a:p>
+              <a:p>
+                <a:pPr lvl="1"/>
                 <a:endParaRPr lang="zh-CN" altLang="en-US" dirty="0"/>
               </a:p>
             </p:txBody>
@@ -28322,10 +29243,14 @@
               </p:nvPr>
             </p:nvSpPr>
             <p:spPr>
+              <a:xfrm>
+                <a:off x="2589212" y="2133600"/>
+                <a:ext cx="8915400" cy="4152900"/>
+              </a:xfrm>
               <a:blipFill rotWithShape="1">
                 <a:blip r:embed="rId2"/>
                 <a:stretch>
-                  <a:fillRect l="-479" t="-806"/>
+                  <a:fillRect l="-479" t="-734"/>
                 </a:stretch>
               </a:blipFill>
             </p:spPr>
@@ -28348,6 +29273,579 @@
     <p:extLst>
       <p:ext uri="{BB962C8B-B14F-4D97-AF65-F5344CB8AC3E}">
         <p14:creationId xmlns:p14="http://schemas.microsoft.com/office/powerpoint/2010/main" val="3239876161"/>
+      </p:ext>
+    </p:extLst>
+  </p:cSld>
+  <p:clrMapOvr>
+    <a:masterClrMapping/>
+  </p:clrMapOvr>
+  <p:timing>
+    <p:tnLst>
+      <p:par>
+        <p:cTn id="1" dur="indefinite" restart="never" nodeType="tmRoot"/>
+      </p:par>
+    </p:tnLst>
+  </p:timing>
+</p:sld>
+</file>
+
+<file path=ppt/slides/slide42.xml><?xml version="1.0" encoding="utf-8"?>
+<p:sld xmlns:a="http://schemas.openxmlformats.org/drawingml/2006/main" xmlns:r="http://schemas.openxmlformats.org/officeDocument/2006/relationships" xmlns:p="http://schemas.openxmlformats.org/presentationml/2006/main">
+  <p:cSld>
+    <p:spTree>
+      <p:nvGrpSpPr>
+        <p:cNvPr id="1" name=""/>
+        <p:cNvGrpSpPr/>
+        <p:nvPr/>
+      </p:nvGrpSpPr>
+      <p:grpSpPr>
+        <a:xfrm>
+          <a:off x="0" y="0"/>
+          <a:ext cx="0" cy="0"/>
+          <a:chOff x="0" y="0"/>
+          <a:chExt cx="0" cy="0"/>
+        </a:xfrm>
+      </p:grpSpPr>
+      <p:sp>
+        <p:nvSpPr>
+          <p:cNvPr id="2" name="标题 1"/>
+          <p:cNvSpPr>
+            <a:spLocks noGrp="1"/>
+          </p:cNvSpPr>
+          <p:nvPr>
+            <p:ph type="title"/>
+          </p:nvPr>
+        </p:nvSpPr>
+        <p:spPr/>
+        <p:txBody>
+          <a:bodyPr/>
+          <a:lstStyle/>
+          <a:p>
+            <a:pPr algn="ctr"/>
+            <a:r>
+              <a:rPr lang="en-US" altLang="zh-CN" dirty="0" smtClean="0"/>
+              <a:t>DFS-Pruning Algorithm</a:t>
+            </a:r>
+            <a:endParaRPr lang="zh-CN" altLang="en-US" dirty="0"/>
+          </a:p>
+        </p:txBody>
+      </p:sp>
+      <p:sp>
+        <p:nvSpPr>
+          <p:cNvPr id="3" name="内容占位符 2"/>
+          <p:cNvSpPr>
+            <a:spLocks noGrp="1"/>
+          </p:cNvSpPr>
+          <p:nvPr>
+            <p:ph idx="1"/>
+          </p:nvPr>
+        </p:nvSpPr>
+        <p:spPr/>
+        <p:txBody>
+          <a:bodyPr/>
+          <a:lstStyle/>
+          <a:p>
+            <a:r>
+              <a:rPr lang="en-US" altLang="zh-CN" dirty="0" smtClean="0"/>
+              <a:t>DFS-Pruning Algorithm</a:t>
+            </a:r>
+            <a:endParaRPr lang="zh-CN" altLang="en-US" dirty="0"/>
+          </a:p>
+        </p:txBody>
+      </p:sp>
+      <p:pic>
+        <p:nvPicPr>
+          <p:cNvPr id="2050" name="Picture 2"/>
+          <p:cNvPicPr>
+            <a:picLocks noChangeAspect="1" noChangeArrowheads="1"/>
+          </p:cNvPicPr>
+          <p:nvPr/>
+        </p:nvPicPr>
+        <p:blipFill>
+          <a:blip r:embed="rId2">
+            <a:extLst>
+              <a:ext uri="{28A0092B-C50C-407E-A947-70E740481C1C}">
+                <a14:useLocalDpi xmlns:a14="http://schemas.microsoft.com/office/drawing/2010/main" val="0"/>
+              </a:ext>
+            </a:extLst>
+          </a:blip>
+          <a:srcRect/>
+          <a:stretch>
+            <a:fillRect/>
+          </a:stretch>
+        </p:blipFill>
+        <p:spPr bwMode="auto">
+          <a:xfrm>
+            <a:off x="4058017" y="2677623"/>
+            <a:ext cx="5324475" cy="3876675"/>
+          </a:xfrm>
+          <a:prstGeom prst="rect">
+            <a:avLst/>
+          </a:prstGeom>
+          <a:noFill/>
+          <a:ln>
+            <a:noFill/>
+          </a:ln>
+          <a:extLst>
+            <a:ext uri="{909E8E84-426E-40DD-AFC4-6F175D3DCCD1}">
+              <a14:hiddenFill xmlns:a14="http://schemas.microsoft.com/office/drawing/2010/main">
+                <a:solidFill>
+                  <a:schemeClr val="accent1"/>
+                </a:solidFill>
+              </a14:hiddenFill>
+            </a:ext>
+            <a:ext uri="{91240B29-F687-4F45-9708-019B960494DF}">
+              <a14:hiddenLine xmlns:a14="http://schemas.microsoft.com/office/drawing/2010/main" w="9525">
+                <a:solidFill>
+                  <a:schemeClr val="tx1"/>
+                </a:solidFill>
+                <a:miter lim="800000"/>
+                <a:headEnd/>
+                <a:tailEnd/>
+              </a14:hiddenLine>
+            </a:ext>
+          </a:extLst>
+        </p:spPr>
+      </p:pic>
+    </p:spTree>
+    <p:extLst>
+      <p:ext uri="{BB962C8B-B14F-4D97-AF65-F5344CB8AC3E}">
+        <p14:creationId xmlns:p14="http://schemas.microsoft.com/office/powerpoint/2010/main" val="594666995"/>
+      </p:ext>
+    </p:extLst>
+  </p:cSld>
+  <p:clrMapOvr>
+    <a:masterClrMapping/>
+  </p:clrMapOvr>
+  <p:timing>
+    <p:tnLst>
+      <p:par>
+        <p:cTn id="1" dur="indefinite" restart="never" nodeType="tmRoot"/>
+      </p:par>
+    </p:tnLst>
+  </p:timing>
+</p:sld>
+</file>
+
+<file path=ppt/slides/slide43.xml><?xml version="1.0" encoding="utf-8"?>
+<p:sld xmlns:a="http://schemas.openxmlformats.org/drawingml/2006/main" xmlns:r="http://schemas.openxmlformats.org/officeDocument/2006/relationships" xmlns:p="http://schemas.openxmlformats.org/presentationml/2006/main">
+  <p:cSld>
+    <p:spTree>
+      <p:nvGrpSpPr>
+        <p:cNvPr id="1" name=""/>
+        <p:cNvGrpSpPr/>
+        <p:nvPr/>
+      </p:nvGrpSpPr>
+      <p:grpSpPr>
+        <a:xfrm>
+          <a:off x="0" y="0"/>
+          <a:ext cx="0" cy="0"/>
+          <a:chOff x="0" y="0"/>
+          <a:chExt cx="0" cy="0"/>
+        </a:xfrm>
+      </p:grpSpPr>
+      <p:sp>
+        <p:nvSpPr>
+          <p:cNvPr id="2" name="标题 1"/>
+          <p:cNvSpPr>
+            <a:spLocks noGrp="1"/>
+          </p:cNvSpPr>
+          <p:nvPr>
+            <p:ph type="title"/>
+          </p:nvPr>
+        </p:nvSpPr>
+        <p:spPr/>
+        <p:txBody>
+          <a:bodyPr/>
+          <a:lstStyle/>
+          <a:p>
+            <a:pPr algn="ctr"/>
+            <a:r>
+              <a:rPr lang="en-US" altLang="zh-CN" dirty="0" smtClean="0"/>
+              <a:t>How to count frequency</a:t>
+            </a:r>
+            <a:r>
+              <a:rPr lang="zh-CN" altLang="en-US" dirty="0" smtClean="0"/>
+              <a:t>？</a:t>
+            </a:r>
+            <a:endParaRPr lang="zh-CN" altLang="en-US" dirty="0"/>
+          </a:p>
+        </p:txBody>
+      </p:sp>
+      <p:sp>
+        <p:nvSpPr>
+          <p:cNvPr id="3" name="内容占位符 2"/>
+          <p:cNvSpPr>
+            <a:spLocks noGrp="1"/>
+          </p:cNvSpPr>
+          <p:nvPr>
+            <p:ph idx="1"/>
+          </p:nvPr>
+        </p:nvSpPr>
+        <p:spPr/>
+        <p:txBody>
+          <a:bodyPr/>
+          <a:lstStyle/>
+          <a:p>
+            <a:r>
+              <a:rPr lang="en-US" altLang="zh-CN" dirty="0" smtClean="0"/>
+              <a:t>Sequence bitmap, last item set indicator</a:t>
+            </a:r>
+            <a:endParaRPr lang="zh-CN" altLang="en-US" dirty="0"/>
+          </a:p>
+        </p:txBody>
+      </p:sp>
+      <p:pic>
+        <p:nvPicPr>
+          <p:cNvPr id="3074" name="Picture 2"/>
+          <p:cNvPicPr>
+            <a:picLocks noChangeAspect="1" noChangeArrowheads="1"/>
+          </p:cNvPicPr>
+          <p:nvPr/>
+        </p:nvPicPr>
+        <p:blipFill>
+          <a:blip r:embed="rId2">
+            <a:extLst>
+              <a:ext uri="{28A0092B-C50C-407E-A947-70E740481C1C}">
+                <a14:useLocalDpi xmlns:a14="http://schemas.microsoft.com/office/drawing/2010/main" val="0"/>
+              </a:ext>
+            </a:extLst>
+          </a:blip>
+          <a:srcRect/>
+          <a:stretch>
+            <a:fillRect/>
+          </a:stretch>
+        </p:blipFill>
+        <p:spPr bwMode="auto">
+          <a:xfrm>
+            <a:off x="2896699" y="2544641"/>
+            <a:ext cx="4429125" cy="3562350"/>
+          </a:xfrm>
+          <a:prstGeom prst="rect">
+            <a:avLst/>
+          </a:prstGeom>
+          <a:noFill/>
+          <a:ln>
+            <a:noFill/>
+          </a:ln>
+          <a:extLst>
+            <a:ext uri="{909E8E84-426E-40DD-AFC4-6F175D3DCCD1}">
+              <a14:hiddenFill xmlns:a14="http://schemas.microsoft.com/office/drawing/2010/main">
+                <a:solidFill>
+                  <a:schemeClr val="accent1"/>
+                </a:solidFill>
+              </a14:hiddenFill>
+            </a:ext>
+            <a:ext uri="{91240B29-F687-4F45-9708-019B960494DF}">
+              <a14:hiddenLine xmlns:a14="http://schemas.microsoft.com/office/drawing/2010/main" w="9525">
+                <a:solidFill>
+                  <a:schemeClr val="tx1"/>
+                </a:solidFill>
+                <a:miter lim="800000"/>
+                <a:headEnd/>
+                <a:tailEnd/>
+              </a14:hiddenLine>
+            </a:ext>
+          </a:extLst>
+        </p:spPr>
+      </p:pic>
+      <p:pic>
+        <p:nvPicPr>
+          <p:cNvPr id="3076" name="Picture 4"/>
+          <p:cNvPicPr>
+            <a:picLocks noChangeAspect="1" noChangeArrowheads="1"/>
+          </p:cNvPicPr>
+          <p:nvPr/>
+        </p:nvPicPr>
+        <p:blipFill>
+          <a:blip r:embed="rId3">
+            <a:extLst>
+              <a:ext uri="{28A0092B-C50C-407E-A947-70E740481C1C}">
+                <a14:useLocalDpi xmlns:a14="http://schemas.microsoft.com/office/drawing/2010/main" val="0"/>
+              </a:ext>
+            </a:extLst>
+          </a:blip>
+          <a:srcRect/>
+          <a:stretch>
+            <a:fillRect/>
+          </a:stretch>
+        </p:blipFill>
+        <p:spPr bwMode="auto">
+          <a:xfrm>
+            <a:off x="7563583" y="3183185"/>
+            <a:ext cx="1162050" cy="2847975"/>
+          </a:xfrm>
+          <a:prstGeom prst="rect">
+            <a:avLst/>
+          </a:prstGeom>
+          <a:noFill/>
+          <a:ln>
+            <a:noFill/>
+          </a:ln>
+          <a:extLst>
+            <a:ext uri="{909E8E84-426E-40DD-AFC4-6F175D3DCCD1}">
+              <a14:hiddenFill xmlns:a14="http://schemas.microsoft.com/office/drawing/2010/main">
+                <a:solidFill>
+                  <a:schemeClr val="accent1"/>
+                </a:solidFill>
+              </a14:hiddenFill>
+            </a:ext>
+            <a:ext uri="{91240B29-F687-4F45-9708-019B960494DF}">
+              <a14:hiddenLine xmlns:a14="http://schemas.microsoft.com/office/drawing/2010/main" w="9525">
+                <a:solidFill>
+                  <a:schemeClr val="tx1"/>
+                </a:solidFill>
+                <a:miter lim="800000"/>
+                <a:headEnd/>
+                <a:tailEnd/>
+              </a14:hiddenLine>
+            </a:ext>
+          </a:extLst>
+        </p:spPr>
+      </p:pic>
+      <p:pic>
+        <p:nvPicPr>
+          <p:cNvPr id="3077" name="Picture 5"/>
+          <p:cNvPicPr>
+            <a:picLocks noChangeAspect="1" noChangeArrowheads="1"/>
+          </p:cNvPicPr>
+          <p:nvPr/>
+        </p:nvPicPr>
+        <p:blipFill>
+          <a:blip r:embed="rId4">
+            <a:extLst>
+              <a:ext uri="{28A0092B-C50C-407E-A947-70E740481C1C}">
+                <a14:useLocalDpi xmlns:a14="http://schemas.microsoft.com/office/drawing/2010/main" val="0"/>
+              </a:ext>
+            </a:extLst>
+          </a:blip>
+          <a:srcRect/>
+          <a:stretch>
+            <a:fillRect/>
+          </a:stretch>
+        </p:blipFill>
+        <p:spPr bwMode="auto">
+          <a:xfrm>
+            <a:off x="7470897" y="2661138"/>
+            <a:ext cx="1171575" cy="304800"/>
+          </a:xfrm>
+          <a:prstGeom prst="rect">
+            <a:avLst/>
+          </a:prstGeom>
+          <a:noFill/>
+          <a:ln>
+            <a:noFill/>
+          </a:ln>
+          <a:extLst>
+            <a:ext uri="{909E8E84-426E-40DD-AFC4-6F175D3DCCD1}">
+              <a14:hiddenFill xmlns:a14="http://schemas.microsoft.com/office/drawing/2010/main">
+                <a:solidFill>
+                  <a:schemeClr val="accent1"/>
+                </a:solidFill>
+              </a14:hiddenFill>
+            </a:ext>
+            <a:ext uri="{91240B29-F687-4F45-9708-019B960494DF}">
+              <a14:hiddenLine xmlns:a14="http://schemas.microsoft.com/office/drawing/2010/main" w="9525">
+                <a:solidFill>
+                  <a:schemeClr val="tx1"/>
+                </a:solidFill>
+                <a:miter lim="800000"/>
+                <a:headEnd/>
+                <a:tailEnd/>
+              </a14:hiddenLine>
+            </a:ext>
+          </a:extLst>
+        </p:spPr>
+      </p:pic>
+    </p:spTree>
+    <p:extLst>
+      <p:ext uri="{BB962C8B-B14F-4D97-AF65-F5344CB8AC3E}">
+        <p14:creationId xmlns:p14="http://schemas.microsoft.com/office/powerpoint/2010/main" val="4219742268"/>
+      </p:ext>
+    </p:extLst>
+  </p:cSld>
+  <p:clrMapOvr>
+    <a:masterClrMapping/>
+  </p:clrMapOvr>
+</p:sld>
+</file>
+
+<file path=ppt/slides/slide44.xml><?xml version="1.0" encoding="utf-8"?>
+<p:sld xmlns:a="http://schemas.openxmlformats.org/drawingml/2006/main" xmlns:r="http://schemas.openxmlformats.org/officeDocument/2006/relationships" xmlns:p="http://schemas.openxmlformats.org/presentationml/2006/main">
+  <p:cSld>
+    <p:spTree>
+      <p:nvGrpSpPr>
+        <p:cNvPr id="1" name=""/>
+        <p:cNvGrpSpPr/>
+        <p:nvPr/>
+      </p:nvGrpSpPr>
+      <p:grpSpPr>
+        <a:xfrm>
+          <a:off x="0" y="0"/>
+          <a:ext cx="0" cy="0"/>
+          <a:chOff x="0" y="0"/>
+          <a:chExt cx="0" cy="0"/>
+        </a:xfrm>
+      </p:grpSpPr>
+      <p:sp>
+        <p:nvSpPr>
+          <p:cNvPr id="2" name="标题 1"/>
+          <p:cNvSpPr>
+            <a:spLocks noGrp="1"/>
+          </p:cNvSpPr>
+          <p:nvPr>
+            <p:ph type="title"/>
+          </p:nvPr>
+        </p:nvSpPr>
+        <p:spPr/>
+        <p:txBody>
+          <a:bodyPr/>
+          <a:lstStyle/>
+          <a:p>
+            <a:pPr algn="ctr"/>
+            <a:r>
+              <a:rPr lang="en-US" altLang="zh-CN" dirty="0" smtClean="0"/>
+              <a:t>Bitmap Counting</a:t>
+            </a:r>
+            <a:endParaRPr lang="zh-CN" altLang="en-US" dirty="0"/>
+          </a:p>
+        </p:txBody>
+      </p:sp>
+      <p:sp>
+        <p:nvSpPr>
+          <p:cNvPr id="3" name="内容占位符 2"/>
+          <p:cNvSpPr>
+            <a:spLocks noGrp="1"/>
+          </p:cNvSpPr>
+          <p:nvPr>
+            <p:ph idx="1"/>
+          </p:nvPr>
+        </p:nvSpPr>
+        <p:spPr/>
+        <p:txBody>
+          <a:bodyPr/>
+          <a:lstStyle/>
+          <a:p>
+            <a:r>
+              <a:rPr lang="en-US" altLang="zh-CN" dirty="0" smtClean="0"/>
+              <a:t>S-Process											I-Process</a:t>
+            </a:r>
+            <a:endParaRPr lang="zh-CN" altLang="en-US" dirty="0"/>
+          </a:p>
+        </p:txBody>
+      </p:sp>
+      <p:pic>
+        <p:nvPicPr>
+          <p:cNvPr id="4098" name="Picture 2"/>
+          <p:cNvPicPr>
+            <a:picLocks noChangeAspect="1" noChangeArrowheads="1"/>
+          </p:cNvPicPr>
+          <p:nvPr/>
+        </p:nvPicPr>
+        <p:blipFill>
+          <a:blip r:embed="rId2">
+            <a:extLst>
+              <a:ext uri="{28A0092B-C50C-407E-A947-70E740481C1C}">
+                <a14:useLocalDpi xmlns:a14="http://schemas.microsoft.com/office/drawing/2010/main" val="0"/>
+              </a:ext>
+            </a:extLst>
+          </a:blip>
+          <a:srcRect/>
+          <a:stretch>
+            <a:fillRect/>
+          </a:stretch>
+        </p:blipFill>
+        <p:spPr bwMode="auto">
+          <a:xfrm>
+            <a:off x="2096600" y="2580910"/>
+            <a:ext cx="4828107" cy="2764813"/>
+          </a:xfrm>
+          <a:prstGeom prst="rect">
+            <a:avLst/>
+          </a:prstGeom>
+          <a:noFill/>
+          <a:ln>
+            <a:noFill/>
+          </a:ln>
+          <a:extLst>
+            <a:ext uri="{909E8E84-426E-40DD-AFC4-6F175D3DCCD1}">
+              <a14:hiddenFill xmlns:a14="http://schemas.microsoft.com/office/drawing/2010/main">
+                <a:solidFill>
+                  <a:schemeClr val="accent1"/>
+                </a:solidFill>
+              </a14:hiddenFill>
+            </a:ext>
+            <a:ext uri="{91240B29-F687-4F45-9708-019B960494DF}">
+              <a14:hiddenLine xmlns:a14="http://schemas.microsoft.com/office/drawing/2010/main" w="9525">
+                <a:solidFill>
+                  <a:schemeClr val="tx1"/>
+                </a:solidFill>
+                <a:miter lim="800000"/>
+                <a:headEnd/>
+                <a:tailEnd/>
+              </a14:hiddenLine>
+            </a:ext>
+          </a:extLst>
+        </p:spPr>
+      </p:pic>
+      <p:pic>
+        <p:nvPicPr>
+          <p:cNvPr id="4099" name="Picture 3"/>
+          <p:cNvPicPr>
+            <a:picLocks noChangeAspect="1" noChangeArrowheads="1"/>
+          </p:cNvPicPr>
+          <p:nvPr/>
+        </p:nvPicPr>
+        <p:blipFill>
+          <a:blip r:embed="rId3">
+            <a:extLst>
+              <a:ext uri="{28A0092B-C50C-407E-A947-70E740481C1C}">
+                <a14:useLocalDpi xmlns:a14="http://schemas.microsoft.com/office/drawing/2010/main" val="0"/>
+              </a:ext>
+            </a:extLst>
+          </a:blip>
+          <a:srcRect/>
+          <a:stretch>
+            <a:fillRect/>
+          </a:stretch>
+        </p:blipFill>
+        <p:spPr bwMode="auto">
+          <a:xfrm>
+            <a:off x="7386637" y="2580910"/>
+            <a:ext cx="3848661" cy="2888639"/>
+          </a:xfrm>
+          <a:prstGeom prst="rect">
+            <a:avLst/>
+          </a:prstGeom>
+          <a:noFill/>
+          <a:ln>
+            <a:noFill/>
+          </a:ln>
+          <a:extLst>
+            <a:ext uri="{909E8E84-426E-40DD-AFC4-6F175D3DCCD1}">
+              <a14:hiddenFill xmlns:a14="http://schemas.microsoft.com/office/drawing/2010/main">
+                <a:solidFill>
+                  <a:schemeClr val="accent1"/>
+                </a:solidFill>
+              </a14:hiddenFill>
+            </a:ext>
+            <a:ext uri="{91240B29-F687-4F45-9708-019B960494DF}">
+              <a14:hiddenLine xmlns:a14="http://schemas.microsoft.com/office/drawing/2010/main" w="9525">
+                <a:solidFill>
+                  <a:schemeClr val="tx1"/>
+                </a:solidFill>
+                <a:miter lim="800000"/>
+                <a:headEnd/>
+                <a:tailEnd/>
+              </a14:hiddenLine>
+            </a:ext>
+          </a:extLst>
+        </p:spPr>
+      </p:pic>
+    </p:spTree>
+    <p:extLst>
+      <p:ext uri="{BB962C8B-B14F-4D97-AF65-F5344CB8AC3E}">
+        <p14:creationId xmlns:p14="http://schemas.microsoft.com/office/powerpoint/2010/main" val="3049118883"/>
       </p:ext>
     </p:extLst>
   </p:cSld>
@@ -30238,7 +31736,7 @@
   <a:extraClrSchemeLst/>
   <a:extLst>
     <a:ext uri="{05A4C25C-085E-4340-85A3-A5531E510DB2}">
-      <thm15:themeFamily xmlns="" xmlns:thm15="http://schemas.microsoft.com/office/thememl/2012/main" name="Wisp" id="{7CB32D59-10C0-40DD-B7BD-2E94284A981C}" vid="{24B1A44C-C006-48B2-A4D7-E5549B3D8CD4}"/>
+      <thm15:themeFamily xmlns:thm15="http://schemas.microsoft.com/office/thememl/2012/main" xmlns="" name="Wisp" id="{7CB32D59-10C0-40DD-B7BD-2E94284A981C}" vid="{24B1A44C-C006-48B2-A4D7-E5549B3D8CD4}"/>
     </a:ext>
   </a:extLst>
 </a:theme>

--- a/slide/tsdm.pptx
+++ b/slide/tsdm.pptx
@@ -49,6 +49,13 @@
     <p:sldId id="317" r:id="rId43"/>
     <p:sldId id="318" r:id="rId44"/>
     <p:sldId id="319" r:id="rId45"/>
+    <p:sldId id="320" r:id="rId46"/>
+    <p:sldId id="321" r:id="rId47"/>
+    <p:sldId id="322" r:id="rId48"/>
+    <p:sldId id="323" r:id="rId49"/>
+    <p:sldId id="324" r:id="rId50"/>
+    <p:sldId id="325" r:id="rId51"/>
+    <p:sldId id="326" r:id="rId52"/>
   </p:sldIdLst>
   <p:sldSz cx="12192000" cy="6858000"/>
   <p:notesSz cx="6858000" cy="9144000"/>
@@ -149,7 +156,7 @@
   </p:defaultTextStyle>
   <p:extLst>
     <p:ext uri="{EFAFB233-063F-42B5-8137-9DF3F51BA10A}">
-      <p15:sldGuideLst xmlns:p15="http://schemas.microsoft.com/office/powerpoint/2012/main" xmlns=""/>
+      <p15:sldGuideLst xmlns="" xmlns:p15="http://schemas.microsoft.com/office/powerpoint/2012/main"/>
     </p:ext>
   </p:extLst>
 </p:presentation>
@@ -343,7 +350,7 @@
           <a:p>
             <a:fld id="{F77B2EB1-EA88-4503-95EA-93923E5BA59E}" type="datetimeFigureOut">
               <a:rPr lang="en-US" smtClean="0"/>
-              <a:t>2/28/2013</a:t>
+              <a:t>3/3/2013</a:t>
             </a:fld>
             <a:endParaRPr lang="en-US"/>
           </a:p>
@@ -681,7 +688,7 @@
           <a:p>
             <a:fld id="{F77B2EB1-EA88-4503-95EA-93923E5BA59E}" type="datetimeFigureOut">
               <a:rPr lang="en-US" smtClean="0"/>
-              <a:t>2/28/2013</a:t>
+              <a:t>3/3/2013</a:t>
             </a:fld>
             <a:endParaRPr lang="en-US"/>
           </a:p>
@@ -1082,7 +1089,7 @@
           <a:p>
             <a:fld id="{F77B2EB1-EA88-4503-95EA-93923E5BA59E}" type="datetimeFigureOut">
               <a:rPr lang="en-US" smtClean="0"/>
-              <a:t>2/28/2013</a:t>
+              <a:t>3/3/2013</a:t>
             </a:fld>
             <a:endParaRPr lang="en-US"/>
           </a:p>
@@ -1418,7 +1425,7 @@
           <a:p>
             <a:fld id="{F77B2EB1-EA88-4503-95EA-93923E5BA59E}" type="datetimeFigureOut">
               <a:rPr lang="en-US" smtClean="0"/>
-              <a:t>2/28/2013</a:t>
+              <a:t>3/3/2013</a:t>
             </a:fld>
             <a:endParaRPr lang="en-US"/>
           </a:p>
@@ -1738,7 +1745,7 @@
           <a:p>
             <a:fld id="{F77B2EB1-EA88-4503-95EA-93923E5BA59E}" type="datetimeFigureOut">
               <a:rPr lang="en-US" smtClean="0"/>
-              <a:t>2/28/2013</a:t>
+              <a:t>3/3/2013</a:t>
             </a:fld>
             <a:endParaRPr lang="en-US"/>
           </a:p>
@@ -2134,7 +2141,7 @@
           <a:p>
             <a:fld id="{F77B2EB1-EA88-4503-95EA-93923E5BA59E}" type="datetimeFigureOut">
               <a:rPr lang="en-US" smtClean="0"/>
-              <a:t>2/28/2013</a:t>
+              <a:t>3/3/2013</a:t>
             </a:fld>
             <a:endParaRPr lang="en-US"/>
           </a:p>
@@ -2391,7 +2398,7 @@
           <a:p>
             <a:fld id="{F77B2EB1-EA88-4503-95EA-93923E5BA59E}" type="datetimeFigureOut">
               <a:rPr lang="en-US" smtClean="0"/>
-              <a:t>2/28/2013</a:t>
+              <a:t>3/3/2013</a:t>
             </a:fld>
             <a:endParaRPr lang="en-US"/>
           </a:p>
@@ -2653,7 +2660,7 @@
           <a:p>
             <a:fld id="{F77B2EB1-EA88-4503-95EA-93923E5BA59E}" type="datetimeFigureOut">
               <a:rPr lang="en-US" smtClean="0"/>
-              <a:t>2/28/2013</a:t>
+              <a:t>3/3/2013</a:t>
             </a:fld>
             <a:endParaRPr lang="en-US"/>
           </a:p>
@@ -2915,7 +2922,7 @@
           <a:p>
             <a:fld id="{F77B2EB1-EA88-4503-95EA-93923E5BA59E}" type="datetimeFigureOut">
               <a:rPr lang="en-US" smtClean="0"/>
-              <a:t>2/28/2013</a:t>
+              <a:t>3/3/2013</a:t>
             </a:fld>
             <a:endParaRPr lang="en-US"/>
           </a:p>
@@ -3244,7 +3251,7 @@
           <a:p>
             <a:fld id="{F77B2EB1-EA88-4503-95EA-93923E5BA59E}" type="datetimeFigureOut">
               <a:rPr lang="en-US" smtClean="0"/>
-              <a:t>2/28/2013</a:t>
+              <a:t>3/3/2013</a:t>
             </a:fld>
             <a:endParaRPr lang="en-US"/>
           </a:p>
@@ -3567,7 +3574,7 @@
           <a:p>
             <a:fld id="{F77B2EB1-EA88-4503-95EA-93923E5BA59E}" type="datetimeFigureOut">
               <a:rPr lang="en-US" smtClean="0"/>
-              <a:t>2/28/2013</a:t>
+              <a:t>3/3/2013</a:t>
             </a:fld>
             <a:endParaRPr lang="en-US"/>
           </a:p>
@@ -4024,7 +4031,7 @@
           <a:p>
             <a:fld id="{F77B2EB1-EA88-4503-95EA-93923E5BA59E}" type="datetimeFigureOut">
               <a:rPr lang="en-US" smtClean="0"/>
-              <a:t>2/28/2013</a:t>
+              <a:t>3/3/2013</a:t>
             </a:fld>
             <a:endParaRPr lang="en-US"/>
           </a:p>
@@ -4229,7 +4236,7 @@
           <a:p>
             <a:fld id="{F77B2EB1-EA88-4503-95EA-93923E5BA59E}" type="datetimeFigureOut">
               <a:rPr lang="en-US" smtClean="0"/>
-              <a:t>2/28/2013</a:t>
+              <a:t>3/3/2013</a:t>
             </a:fld>
             <a:endParaRPr lang="en-US"/>
           </a:p>
@@ -4406,7 +4413,7 @@
           <a:p>
             <a:fld id="{F77B2EB1-EA88-4503-95EA-93923E5BA59E}" type="datetimeFigureOut">
               <a:rPr lang="en-US" smtClean="0"/>
-              <a:t>2/28/2013</a:t>
+              <a:t>3/3/2013</a:t>
             </a:fld>
             <a:endParaRPr lang="en-US"/>
           </a:p>
@@ -4739,7 +4746,7 @@
           <a:p>
             <a:fld id="{F77B2EB1-EA88-4503-95EA-93923E5BA59E}" type="datetimeFigureOut">
               <a:rPr lang="en-US" smtClean="0"/>
-              <a:t>2/28/2013</a:t>
+              <a:t>3/3/2013</a:t>
             </a:fld>
             <a:endParaRPr lang="en-US"/>
           </a:p>
@@ -5084,7 +5091,7 @@
           <a:p>
             <a:fld id="{F77B2EB1-EA88-4503-95EA-93923E5BA59E}" type="datetimeFigureOut">
               <a:rPr lang="en-US" smtClean="0"/>
-              <a:t>2/28/2013</a:t>
+              <a:t>3/3/2013</a:t>
             </a:fld>
             <a:endParaRPr lang="en-US"/>
           </a:p>
@@ -7201,7 +7208,7 @@
           <a:p>
             <a:fld id="{F77B2EB1-EA88-4503-95EA-93923E5BA59E}" type="datetimeFigureOut">
               <a:rPr lang="en-US" smtClean="0"/>
-              <a:t>2/28/2013</a:t>
+              <a:t>3/3/2013</a:t>
             </a:fld>
             <a:endParaRPr lang="en-US"/>
           </a:p>
@@ -26428,7 +26435,7 @@
           <a:graphicData uri="http://schemas.openxmlformats.org/presentationml/2006/ole">
             <mc:AlternateContent xmlns:mc="http://schemas.openxmlformats.org/markup-compatibility/2006">
               <mc:Choice xmlns:v="urn:schemas-microsoft-com:vml" Requires="v">
-                <p:oleObj spid="_x0000_s1048" name="點陣圖影像" r:id="rId3" imgW="4638095" imgH="2534004" progId="PBrush">
+                <p:oleObj spid="_x0000_s1056" name="點陣圖影像" r:id="rId3" imgW="4638095" imgH="2534004" progId="PBrush">
                   <p:embed/>
                 </p:oleObj>
               </mc:Choice>
@@ -26499,7 +26506,7 @@
           <a:graphicData uri="http://schemas.openxmlformats.org/presentationml/2006/ole">
             <mc:AlternateContent xmlns:mc="http://schemas.openxmlformats.org/markup-compatibility/2006">
               <mc:Choice xmlns:v="urn:schemas-microsoft-com:vml" Requires="v">
-                <p:oleObj spid="_x0000_s1049" name="BMP 图像" r:id="rId5" imgW="4381560" imgH="1305000" progId="Paint.Picture">
+                <p:oleObj spid="_x0000_s1057" name="BMP 图像" r:id="rId5" imgW="4381560" imgH="1305000" progId="Paint.Picture">
                   <p:embed/>
                 </p:oleObj>
               </mc:Choice>
@@ -27519,8 +27526,8 @@
           </a:p>
         </p:txBody>
       </p:sp>
-      <mc:AlternateContent xmlns:mc="http://schemas.openxmlformats.org/markup-compatibility/2006">
-        <mc:Choice xmlns:a14="http://schemas.microsoft.com/office/drawing/2010/main" Requires="a14">
+      <mc:AlternateContent xmlns:mc="http://schemas.openxmlformats.org/markup-compatibility/2006" xmlns:a14="http://schemas.microsoft.com/office/drawing/2010/main">
+        <mc:Choice Requires="a14">
           <p:sp>
             <p:nvSpPr>
               <p:cNvPr id="3" name="内容占位符 2"/>
@@ -27638,15 +27645,7 @@
                 <a:pPr lvl="1"/>
                 <a:r>
                   <a:rPr lang="en-US" altLang="zh-CN" dirty="0" smtClean="0"/>
-                  <a:t>Sequence s and its </a:t>
-                </a:r>
-                <a:r>
-                  <a:rPr lang="en-US" altLang="zh-CN" dirty="0" smtClean="0"/>
-                  <a:t>S-Extended </a:t>
-                </a:r>
-                <a:r>
-                  <a:rPr lang="en-US" altLang="zh-CN" dirty="0" smtClean="0"/>
-                  <a:t>sequence </a:t>
+                  <a:t>Sequence s and its S-Extended sequence </a:t>
                 </a:r>
                 <a14:m>
                   <m:oMath xmlns:m="http://schemas.openxmlformats.org/officeDocument/2006/math">
@@ -29231,7 +29230,7 @@
             </p:txBody>
           </p:sp>
         </mc:Choice>
-        <mc:Fallback>
+        <mc:Fallback xmlns="">
           <p:sp>
             <p:nvSpPr>
               <p:cNvPr id="3" name="内容占位符 2"/>
@@ -29855,6 +29854,822 @@
 </p:sld>
 </file>
 
+<file path=ppt/slides/slide45.xml><?xml version="1.0" encoding="utf-8"?>
+<p:sld xmlns:a="http://schemas.openxmlformats.org/drawingml/2006/main" xmlns:r="http://schemas.openxmlformats.org/officeDocument/2006/relationships" xmlns:p="http://schemas.openxmlformats.org/presentationml/2006/main">
+  <p:cSld>
+    <p:spTree>
+      <p:nvGrpSpPr>
+        <p:cNvPr id="1" name=""/>
+        <p:cNvGrpSpPr/>
+        <p:nvPr/>
+      </p:nvGrpSpPr>
+      <p:grpSpPr>
+        <a:xfrm>
+          <a:off x="0" y="0"/>
+          <a:ext cx="0" cy="0"/>
+          <a:chOff x="0" y="0"/>
+          <a:chExt cx="0" cy="0"/>
+        </a:xfrm>
+      </p:grpSpPr>
+      <p:sp>
+        <p:nvSpPr>
+          <p:cNvPr id="2" name="标题 1"/>
+          <p:cNvSpPr>
+            <a:spLocks noGrp="1"/>
+          </p:cNvSpPr>
+          <p:nvPr>
+            <p:ph type="title"/>
+          </p:nvPr>
+        </p:nvSpPr>
+        <p:spPr/>
+        <p:txBody>
+          <a:bodyPr/>
+          <a:lstStyle/>
+          <a:p>
+            <a:pPr algn="ctr"/>
+            <a:r>
+              <a:rPr lang="en-US" altLang="zh-CN" dirty="0" smtClean="0"/>
+              <a:t>Mining Data Streams</a:t>
+            </a:r>
+            <a:endParaRPr lang="zh-CN" altLang="en-US" dirty="0"/>
+          </a:p>
+        </p:txBody>
+      </p:sp>
+      <p:sp>
+        <p:nvSpPr>
+          <p:cNvPr id="3" name="内容占位符 2"/>
+          <p:cNvSpPr>
+            <a:spLocks noGrp="1"/>
+          </p:cNvSpPr>
+          <p:nvPr>
+            <p:ph idx="1"/>
+          </p:nvPr>
+        </p:nvSpPr>
+        <p:spPr/>
+        <p:txBody>
+          <a:bodyPr/>
+          <a:lstStyle/>
+          <a:p>
+            <a:r>
+              <a:rPr lang="en-US" altLang="zh-CN" dirty="0"/>
+              <a:t>P</a:t>
+            </a:r>
+            <a:r>
+              <a:rPr lang="en-US" altLang="zh-CN" dirty="0" smtClean="0"/>
+              <a:t>rocess </a:t>
+            </a:r>
+            <a:r>
+              <a:rPr lang="en-US" altLang="zh-CN" dirty="0"/>
+              <a:t>of extracting knowledge structures from continuous, rapid data </a:t>
+            </a:r>
+            <a:r>
+              <a:rPr lang="en-US" altLang="zh-CN" dirty="0" smtClean="0"/>
+              <a:t>records.</a:t>
+            </a:r>
+          </a:p>
+          <a:p>
+            <a:r>
+              <a:rPr lang="en-US" altLang="zh-CN" dirty="0"/>
+              <a:t>C</a:t>
+            </a:r>
+            <a:r>
+              <a:rPr lang="en-US" altLang="zh-CN" dirty="0" smtClean="0"/>
+              <a:t>omputer </a:t>
+            </a:r>
+            <a:r>
+              <a:rPr lang="en-US" altLang="zh-CN" dirty="0"/>
+              <a:t>network traffic, phone conversations, ATM transactions, web searches, and sensor </a:t>
+            </a:r>
+            <a:r>
+              <a:rPr lang="en-US" altLang="zh-CN" dirty="0" smtClean="0"/>
+              <a:t>data.</a:t>
+            </a:r>
+          </a:p>
+          <a:p>
+            <a:endParaRPr lang="zh-CN" altLang="en-US" dirty="0"/>
+          </a:p>
+        </p:txBody>
+      </p:sp>
+    </p:spTree>
+    <p:extLst>
+      <p:ext uri="{BB962C8B-B14F-4D97-AF65-F5344CB8AC3E}">
+        <p14:creationId xmlns:p14="http://schemas.microsoft.com/office/powerpoint/2010/main" val="1085052531"/>
+      </p:ext>
+    </p:extLst>
+  </p:cSld>
+  <p:clrMapOvr>
+    <a:masterClrMapping/>
+  </p:clrMapOvr>
+</p:sld>
+</file>
+
+<file path=ppt/slides/slide46.xml><?xml version="1.0" encoding="utf-8"?>
+<p:sld xmlns:a="http://schemas.openxmlformats.org/drawingml/2006/main" xmlns:r="http://schemas.openxmlformats.org/officeDocument/2006/relationships" xmlns:p="http://schemas.openxmlformats.org/presentationml/2006/main">
+  <p:cSld>
+    <p:spTree>
+      <p:nvGrpSpPr>
+        <p:cNvPr id="1" name=""/>
+        <p:cNvGrpSpPr/>
+        <p:nvPr/>
+      </p:nvGrpSpPr>
+      <p:grpSpPr>
+        <a:xfrm>
+          <a:off x="0" y="0"/>
+          <a:ext cx="0" cy="0"/>
+          <a:chOff x="0" y="0"/>
+          <a:chExt cx="0" cy="0"/>
+        </a:xfrm>
+      </p:grpSpPr>
+      <p:sp>
+        <p:nvSpPr>
+          <p:cNvPr id="2" name="标题 1"/>
+          <p:cNvSpPr>
+            <a:spLocks noGrp="1"/>
+          </p:cNvSpPr>
+          <p:nvPr>
+            <p:ph type="title"/>
+          </p:nvPr>
+        </p:nvSpPr>
+        <p:spPr/>
+        <p:txBody>
+          <a:bodyPr/>
+          <a:lstStyle/>
+          <a:p>
+            <a:pPr algn="ctr"/>
+            <a:r>
+              <a:rPr lang="en-US" altLang="zh-CN" dirty="0"/>
+              <a:t>Theoretical Foundations</a:t>
+            </a:r>
+            <a:endParaRPr lang="zh-CN" altLang="en-US" dirty="0"/>
+          </a:p>
+        </p:txBody>
+      </p:sp>
+      <p:sp>
+        <p:nvSpPr>
+          <p:cNvPr id="3" name="内容占位符 2"/>
+          <p:cNvSpPr>
+            <a:spLocks noGrp="1"/>
+          </p:cNvSpPr>
+          <p:nvPr>
+            <p:ph idx="1"/>
+          </p:nvPr>
+        </p:nvSpPr>
+        <p:spPr/>
+        <p:txBody>
+          <a:bodyPr/>
+          <a:lstStyle/>
+          <a:p>
+            <a:r>
+              <a:rPr lang="en-US" altLang="zh-CN" dirty="0"/>
+              <a:t>Data-based </a:t>
+            </a:r>
+            <a:r>
+              <a:rPr lang="en-US" altLang="zh-CN" dirty="0" smtClean="0"/>
+              <a:t>techniques(summarize data set)</a:t>
+            </a:r>
+          </a:p>
+          <a:p>
+            <a:pPr lvl="1"/>
+            <a:r>
+              <a:rPr lang="en-US" altLang="zh-CN" dirty="0" smtClean="0"/>
+              <a:t>Sampling</a:t>
+            </a:r>
+          </a:p>
+          <a:p>
+            <a:pPr lvl="1"/>
+            <a:r>
+              <a:rPr lang="en-US" altLang="zh-CN" dirty="0" smtClean="0"/>
+              <a:t>Load shedding</a:t>
+            </a:r>
+          </a:p>
+          <a:p>
+            <a:pPr lvl="1"/>
+            <a:r>
+              <a:rPr lang="en-US" altLang="zh-CN" dirty="0" smtClean="0"/>
+              <a:t>Sketching</a:t>
+            </a:r>
+          </a:p>
+          <a:p>
+            <a:pPr lvl="1"/>
+            <a:r>
+              <a:rPr lang="en-US" altLang="zh-CN" dirty="0" smtClean="0"/>
+              <a:t>Aggregation</a:t>
+            </a:r>
+          </a:p>
+          <a:p>
+            <a:r>
+              <a:rPr lang="en-US" altLang="zh-CN" dirty="0"/>
+              <a:t>Task-based </a:t>
+            </a:r>
+            <a:r>
+              <a:rPr lang="en-US" altLang="zh-CN" dirty="0" smtClean="0"/>
+              <a:t>techniques(address </a:t>
+            </a:r>
+            <a:r>
+              <a:rPr lang="en-US" altLang="zh-CN" dirty="0"/>
+              <a:t>computational </a:t>
+            </a:r>
+            <a:r>
+              <a:rPr lang="en-US" altLang="zh-CN" dirty="0" smtClean="0"/>
+              <a:t>challenges)</a:t>
+            </a:r>
+          </a:p>
+          <a:p>
+            <a:pPr lvl="1"/>
+            <a:r>
+              <a:rPr lang="en-US" altLang="zh-CN" dirty="0"/>
+              <a:t>Approximation </a:t>
+            </a:r>
+            <a:r>
+              <a:rPr lang="en-US" altLang="zh-CN" dirty="0" smtClean="0"/>
+              <a:t>algorithms</a:t>
+            </a:r>
+          </a:p>
+          <a:p>
+            <a:pPr lvl="1"/>
+            <a:r>
+              <a:rPr lang="en-US" altLang="zh-CN" dirty="0"/>
+              <a:t>Sliding </a:t>
+            </a:r>
+            <a:r>
+              <a:rPr lang="en-US" altLang="zh-CN" dirty="0" smtClean="0"/>
+              <a:t>Window</a:t>
+            </a:r>
+          </a:p>
+          <a:p>
+            <a:pPr lvl="1"/>
+            <a:r>
+              <a:rPr lang="en-US" altLang="zh-CN" dirty="0"/>
+              <a:t>Algorithm Output Granularity</a:t>
+            </a:r>
+            <a:endParaRPr lang="zh-CN" altLang="en-US" dirty="0"/>
+          </a:p>
+        </p:txBody>
+      </p:sp>
+    </p:spTree>
+    <p:extLst>
+      <p:ext uri="{BB962C8B-B14F-4D97-AF65-F5344CB8AC3E}">
+        <p14:creationId xmlns:p14="http://schemas.microsoft.com/office/powerpoint/2010/main" val="1239630132"/>
+      </p:ext>
+    </p:extLst>
+  </p:cSld>
+  <p:clrMapOvr>
+    <a:masterClrMapping/>
+  </p:clrMapOvr>
+  <p:timing>
+    <p:tnLst>
+      <p:par>
+        <p:cTn id="1" dur="indefinite" restart="never" nodeType="tmRoot"/>
+      </p:par>
+    </p:tnLst>
+  </p:timing>
+</p:sld>
+</file>
+
+<file path=ppt/slides/slide47.xml><?xml version="1.0" encoding="utf-8"?>
+<p:sld xmlns:a="http://schemas.openxmlformats.org/drawingml/2006/main" xmlns:r="http://schemas.openxmlformats.org/officeDocument/2006/relationships" xmlns:p="http://schemas.openxmlformats.org/presentationml/2006/main">
+  <p:cSld>
+    <p:spTree>
+      <p:nvGrpSpPr>
+        <p:cNvPr id="1" name=""/>
+        <p:cNvGrpSpPr/>
+        <p:nvPr/>
+      </p:nvGrpSpPr>
+      <p:grpSpPr>
+        <a:xfrm>
+          <a:off x="0" y="0"/>
+          <a:ext cx="0" cy="0"/>
+          <a:chOff x="0" y="0"/>
+          <a:chExt cx="0" cy="0"/>
+        </a:xfrm>
+      </p:grpSpPr>
+      <p:sp>
+        <p:nvSpPr>
+          <p:cNvPr id="2" name="标题 1"/>
+          <p:cNvSpPr>
+            <a:spLocks noGrp="1"/>
+          </p:cNvSpPr>
+          <p:nvPr>
+            <p:ph type="title"/>
+          </p:nvPr>
+        </p:nvSpPr>
+        <p:spPr/>
+        <p:txBody>
+          <a:bodyPr/>
+          <a:lstStyle/>
+          <a:p>
+            <a:pPr algn="ctr"/>
+            <a:r>
+              <a:rPr lang="en-US" altLang="zh-CN" dirty="0" smtClean="0"/>
+              <a:t>Sampling</a:t>
+            </a:r>
+            <a:endParaRPr lang="zh-CN" altLang="en-US" dirty="0"/>
+          </a:p>
+        </p:txBody>
+      </p:sp>
+      <p:sp>
+        <p:nvSpPr>
+          <p:cNvPr id="3" name="内容占位符 2"/>
+          <p:cNvSpPr>
+            <a:spLocks noGrp="1"/>
+          </p:cNvSpPr>
+          <p:nvPr>
+            <p:ph idx="1"/>
+          </p:nvPr>
+        </p:nvSpPr>
+        <p:spPr>
+          <a:xfrm>
+            <a:off x="2589212" y="1501423"/>
+            <a:ext cx="8915400" cy="4989688"/>
+          </a:xfrm>
+        </p:spPr>
+        <p:txBody>
+          <a:bodyPr>
+            <a:normAutofit fontScale="92500" lnSpcReduction="20000"/>
+          </a:bodyPr>
+          <a:lstStyle/>
+          <a:p>
+            <a:r>
+              <a:rPr lang="en-US" altLang="zh-CN" dirty="0" smtClean="0"/>
+              <a:t>Reservoir sampling</a:t>
+            </a:r>
+          </a:p>
+          <a:p>
+            <a:pPr marL="0" indent="0">
+              <a:buNone/>
+            </a:pPr>
+            <a:r>
+              <a:rPr lang="en-US" altLang="zh-CN" dirty="0"/>
+              <a:t>array R[k];    // result</a:t>
+            </a:r>
+          </a:p>
+          <a:p>
+            <a:pPr marL="0" indent="0">
+              <a:buNone/>
+            </a:pPr>
+            <a:r>
+              <a:rPr lang="en-US" altLang="zh-CN" dirty="0"/>
+              <a:t>integer </a:t>
+            </a:r>
+            <a:r>
+              <a:rPr lang="en-US" altLang="zh-CN" dirty="0" err="1"/>
+              <a:t>i</a:t>
+            </a:r>
+            <a:r>
+              <a:rPr lang="en-US" altLang="zh-CN" dirty="0"/>
+              <a:t>, j;</a:t>
+            </a:r>
+          </a:p>
+          <a:p>
+            <a:pPr marL="0" indent="0">
+              <a:buNone/>
+            </a:pPr>
+            <a:r>
+              <a:rPr lang="en-US" altLang="zh-CN" dirty="0" smtClean="0"/>
+              <a:t>// </a:t>
+            </a:r>
+            <a:r>
+              <a:rPr lang="en-US" altLang="zh-CN" dirty="0"/>
+              <a:t>fill the reservoir array</a:t>
+            </a:r>
+          </a:p>
+          <a:p>
+            <a:pPr marL="0" indent="0">
+              <a:buNone/>
+            </a:pPr>
+            <a:r>
+              <a:rPr lang="en-US" altLang="zh-CN" dirty="0"/>
+              <a:t>for each </a:t>
+            </a:r>
+            <a:r>
+              <a:rPr lang="en-US" altLang="zh-CN" dirty="0" err="1"/>
+              <a:t>i</a:t>
+            </a:r>
+            <a:r>
+              <a:rPr lang="en-US" altLang="zh-CN" dirty="0"/>
+              <a:t> in 1 to k do</a:t>
+            </a:r>
+          </a:p>
+          <a:p>
+            <a:pPr marL="0" indent="0">
+              <a:buNone/>
+            </a:pPr>
+            <a:r>
+              <a:rPr lang="en-US" altLang="zh-CN" dirty="0"/>
+              <a:t>    R[</a:t>
+            </a:r>
+            <a:r>
+              <a:rPr lang="en-US" altLang="zh-CN" dirty="0" err="1"/>
+              <a:t>i</a:t>
+            </a:r>
+            <a:r>
+              <a:rPr lang="en-US" altLang="zh-CN" dirty="0"/>
+              <a:t>] := S[</a:t>
+            </a:r>
+            <a:r>
+              <a:rPr lang="en-US" altLang="zh-CN" dirty="0" err="1"/>
+              <a:t>i</a:t>
+            </a:r>
+            <a:r>
+              <a:rPr lang="en-US" altLang="zh-CN" dirty="0"/>
+              <a:t>]</a:t>
+            </a:r>
+          </a:p>
+          <a:p>
+            <a:pPr marL="0" indent="0">
+              <a:buNone/>
+            </a:pPr>
+            <a:r>
+              <a:rPr lang="en-US" altLang="zh-CN" dirty="0"/>
+              <a:t>done;</a:t>
+            </a:r>
+          </a:p>
+          <a:p>
+            <a:pPr marL="0" indent="0">
+              <a:buNone/>
+            </a:pPr>
+            <a:r>
+              <a:rPr lang="en-US" altLang="zh-CN" dirty="0" smtClean="0"/>
+              <a:t>// </a:t>
+            </a:r>
+            <a:r>
+              <a:rPr lang="en-US" altLang="zh-CN" dirty="0"/>
+              <a:t>replace elements with gradually decreasing probability</a:t>
+            </a:r>
+          </a:p>
+          <a:p>
+            <a:pPr marL="0" indent="0">
+              <a:buNone/>
+            </a:pPr>
+            <a:r>
+              <a:rPr lang="en-US" altLang="zh-CN" dirty="0"/>
+              <a:t>for each </a:t>
+            </a:r>
+            <a:r>
+              <a:rPr lang="en-US" altLang="zh-CN" dirty="0" err="1"/>
+              <a:t>i</a:t>
+            </a:r>
+            <a:r>
+              <a:rPr lang="en-US" altLang="zh-CN" dirty="0"/>
+              <a:t> in k+1 to length(S) do</a:t>
+            </a:r>
+          </a:p>
+          <a:p>
+            <a:pPr marL="0" indent="0">
+              <a:buNone/>
+            </a:pPr>
+            <a:r>
+              <a:rPr lang="en-US" altLang="zh-CN" dirty="0"/>
+              <a:t>    j := random(1, </a:t>
+            </a:r>
+            <a:r>
+              <a:rPr lang="en-US" altLang="zh-CN" dirty="0" err="1"/>
+              <a:t>i</a:t>
+            </a:r>
+            <a:r>
+              <a:rPr lang="en-US" altLang="zh-CN" dirty="0"/>
+              <a:t>);   // important: inclusive range</a:t>
+            </a:r>
+          </a:p>
+          <a:p>
+            <a:pPr marL="0" indent="0">
+              <a:buNone/>
+            </a:pPr>
+            <a:r>
+              <a:rPr lang="en-US" altLang="zh-CN" dirty="0"/>
+              <a:t>    if j &lt;= k then</a:t>
+            </a:r>
+          </a:p>
+          <a:p>
+            <a:pPr marL="0" indent="0">
+              <a:buNone/>
+            </a:pPr>
+            <a:r>
+              <a:rPr lang="en-US" altLang="zh-CN" dirty="0"/>
+              <a:t>        R[j] := S[</a:t>
+            </a:r>
+            <a:r>
+              <a:rPr lang="en-US" altLang="zh-CN" dirty="0" err="1"/>
+              <a:t>i</a:t>
+            </a:r>
+            <a:r>
+              <a:rPr lang="en-US" altLang="zh-CN" dirty="0"/>
+              <a:t>]</a:t>
+            </a:r>
+          </a:p>
+          <a:p>
+            <a:pPr marL="0" indent="0">
+              <a:buNone/>
+            </a:pPr>
+            <a:r>
+              <a:rPr lang="en-US" altLang="zh-CN" dirty="0"/>
+              <a:t>    fi</a:t>
+            </a:r>
+          </a:p>
+          <a:p>
+            <a:pPr marL="0" indent="0">
+              <a:buNone/>
+            </a:pPr>
+            <a:r>
+              <a:rPr lang="en-US" altLang="zh-CN" dirty="0" smtClean="0"/>
+              <a:t>Done</a:t>
+            </a:r>
+          </a:p>
+          <a:p>
+            <a:r>
+              <a:rPr lang="en-US" altLang="zh-CN" dirty="0" smtClean="0"/>
+              <a:t>Drawbacks: can not adapted to  </a:t>
+            </a:r>
+            <a:r>
+              <a:rPr lang="en-US" altLang="zh-CN" dirty="0"/>
+              <a:t>fluctuating </a:t>
+            </a:r>
+            <a:r>
+              <a:rPr lang="en-US" altLang="zh-CN" dirty="0" smtClean="0"/>
+              <a:t>data rates</a:t>
+            </a:r>
+            <a:endParaRPr lang="zh-CN" altLang="en-US" dirty="0"/>
+          </a:p>
+        </p:txBody>
+      </p:sp>
+    </p:spTree>
+    <p:extLst>
+      <p:ext uri="{BB962C8B-B14F-4D97-AF65-F5344CB8AC3E}">
+        <p14:creationId xmlns:p14="http://schemas.microsoft.com/office/powerpoint/2010/main" val="2560177741"/>
+      </p:ext>
+    </p:extLst>
+  </p:cSld>
+  <p:clrMapOvr>
+    <a:masterClrMapping/>
+  </p:clrMapOvr>
+  <p:timing>
+    <p:tnLst>
+      <p:par>
+        <p:cTn id="1" dur="indefinite" restart="never" nodeType="tmRoot"/>
+      </p:par>
+    </p:tnLst>
+  </p:timing>
+</p:sld>
+</file>
+
+<file path=ppt/slides/slide48.xml><?xml version="1.0" encoding="utf-8"?>
+<p:sld xmlns:a="http://schemas.openxmlformats.org/drawingml/2006/main" xmlns:r="http://schemas.openxmlformats.org/officeDocument/2006/relationships" xmlns:p="http://schemas.openxmlformats.org/presentationml/2006/main">
+  <p:cSld>
+    <p:spTree>
+      <p:nvGrpSpPr>
+        <p:cNvPr id="1" name=""/>
+        <p:cNvGrpSpPr/>
+        <p:nvPr/>
+      </p:nvGrpSpPr>
+      <p:grpSpPr>
+        <a:xfrm>
+          <a:off x="0" y="0"/>
+          <a:ext cx="0" cy="0"/>
+          <a:chOff x="0" y="0"/>
+          <a:chExt cx="0" cy="0"/>
+        </a:xfrm>
+      </p:grpSpPr>
+      <p:sp>
+        <p:nvSpPr>
+          <p:cNvPr id="2" name="标题 1"/>
+          <p:cNvSpPr>
+            <a:spLocks noGrp="1"/>
+          </p:cNvSpPr>
+          <p:nvPr>
+            <p:ph type="title"/>
+          </p:nvPr>
+        </p:nvSpPr>
+        <p:spPr/>
+        <p:txBody>
+          <a:bodyPr/>
+          <a:lstStyle/>
+          <a:p>
+            <a:pPr algn="ctr"/>
+            <a:r>
+              <a:rPr lang="en-US" altLang="zh-CN" dirty="0" smtClean="0"/>
+              <a:t>Load Shedding</a:t>
+            </a:r>
+            <a:endParaRPr lang="zh-CN" altLang="en-US" dirty="0"/>
+          </a:p>
+        </p:txBody>
+      </p:sp>
+      <p:sp>
+        <p:nvSpPr>
+          <p:cNvPr id="3" name="内容占位符 2"/>
+          <p:cNvSpPr>
+            <a:spLocks noGrp="1"/>
+          </p:cNvSpPr>
+          <p:nvPr>
+            <p:ph idx="1"/>
+          </p:nvPr>
+        </p:nvSpPr>
+        <p:spPr/>
+        <p:txBody>
+          <a:bodyPr/>
+          <a:lstStyle/>
+          <a:p>
+            <a:r>
+              <a:rPr lang="en-US" altLang="zh-CN" dirty="0" smtClean="0"/>
+              <a:t>Determine when to shed</a:t>
+            </a:r>
+            <a:r>
+              <a:rPr lang="zh-CN" altLang="en-US" dirty="0" smtClean="0"/>
+              <a:t> </a:t>
+            </a:r>
+            <a:r>
+              <a:rPr lang="en-US" altLang="zh-CN" dirty="0" smtClean="0"/>
+              <a:t>load</a:t>
+            </a:r>
+          </a:p>
+          <a:p>
+            <a:r>
+              <a:rPr lang="en-US" altLang="zh-CN" dirty="0" smtClean="0"/>
+              <a:t>Determine where to she load</a:t>
+            </a:r>
+          </a:p>
+          <a:p>
+            <a:r>
+              <a:rPr lang="en-US" altLang="zh-CN" dirty="0" smtClean="0"/>
+              <a:t>Determine how much load to shed</a:t>
+            </a:r>
+          </a:p>
+          <a:p>
+            <a:r>
+              <a:rPr lang="en-US" altLang="zh-CN" dirty="0" smtClean="0"/>
+              <a:t>Drawbacks: drop potential patterns</a:t>
+            </a:r>
+          </a:p>
+        </p:txBody>
+      </p:sp>
+    </p:spTree>
+    <p:extLst>
+      <p:ext uri="{BB962C8B-B14F-4D97-AF65-F5344CB8AC3E}">
+        <p14:creationId xmlns:p14="http://schemas.microsoft.com/office/powerpoint/2010/main" val="1347203944"/>
+      </p:ext>
+    </p:extLst>
+  </p:cSld>
+  <p:clrMapOvr>
+    <a:masterClrMapping/>
+  </p:clrMapOvr>
+</p:sld>
+</file>
+
+<file path=ppt/slides/slide49.xml><?xml version="1.0" encoding="utf-8"?>
+<p:sld xmlns:a="http://schemas.openxmlformats.org/drawingml/2006/main" xmlns:r="http://schemas.openxmlformats.org/officeDocument/2006/relationships" xmlns:p="http://schemas.openxmlformats.org/presentationml/2006/main">
+  <p:cSld>
+    <p:spTree>
+      <p:nvGrpSpPr>
+        <p:cNvPr id="1" name=""/>
+        <p:cNvGrpSpPr/>
+        <p:nvPr/>
+      </p:nvGrpSpPr>
+      <p:grpSpPr>
+        <a:xfrm>
+          <a:off x="0" y="0"/>
+          <a:ext cx="0" cy="0"/>
+          <a:chOff x="0" y="0"/>
+          <a:chExt cx="0" cy="0"/>
+        </a:xfrm>
+      </p:grpSpPr>
+      <p:sp>
+        <p:nvSpPr>
+          <p:cNvPr id="2" name="标题 1"/>
+          <p:cNvSpPr>
+            <a:spLocks noGrp="1"/>
+          </p:cNvSpPr>
+          <p:nvPr>
+            <p:ph type="title"/>
+          </p:nvPr>
+        </p:nvSpPr>
+        <p:spPr/>
+        <p:txBody>
+          <a:bodyPr/>
+          <a:lstStyle/>
+          <a:p>
+            <a:pPr algn="ctr"/>
+            <a:r>
+              <a:rPr lang="en-US" altLang="zh-CN" dirty="0" smtClean="0"/>
+              <a:t>Load Shedding</a:t>
+            </a:r>
+            <a:endParaRPr lang="zh-CN" altLang="en-US" dirty="0"/>
+          </a:p>
+        </p:txBody>
+      </p:sp>
+      <p:sp>
+        <p:nvSpPr>
+          <p:cNvPr id="3" name="内容占位符 2"/>
+          <p:cNvSpPr>
+            <a:spLocks noGrp="1"/>
+          </p:cNvSpPr>
+          <p:nvPr>
+            <p:ph idx="1"/>
+          </p:nvPr>
+        </p:nvSpPr>
+        <p:spPr/>
+        <p:txBody>
+          <a:bodyPr/>
+          <a:lstStyle/>
+          <a:p>
+            <a:r>
+              <a:rPr lang="en-US" altLang="zh-CN" dirty="0" smtClean="0"/>
+              <a:t>Determine when to shed</a:t>
+            </a:r>
+            <a:r>
+              <a:rPr lang="zh-CN" altLang="en-US" dirty="0" smtClean="0"/>
+              <a:t> </a:t>
+            </a:r>
+            <a:r>
+              <a:rPr lang="en-US" altLang="zh-CN" dirty="0" smtClean="0"/>
+              <a:t>load</a:t>
+            </a:r>
+          </a:p>
+          <a:p>
+            <a:r>
+              <a:rPr lang="en-US" altLang="zh-CN" dirty="0" smtClean="0"/>
+              <a:t>Determine where to she load</a:t>
+            </a:r>
+          </a:p>
+          <a:p>
+            <a:r>
+              <a:rPr lang="en-US" altLang="zh-CN" dirty="0" smtClean="0"/>
+              <a:t>Determine how much load to shed</a:t>
+            </a:r>
+          </a:p>
+          <a:p>
+            <a:r>
+              <a:rPr lang="en-US" altLang="zh-CN" dirty="0" smtClean="0"/>
+              <a:t>Drawbacks: drop potential patterns</a:t>
+            </a:r>
+          </a:p>
+        </p:txBody>
+      </p:sp>
+      <p:pic>
+        <p:nvPicPr>
+          <p:cNvPr id="3074" name="Picture 2"/>
+          <p:cNvPicPr>
+            <a:picLocks noChangeAspect="1" noChangeArrowheads="1"/>
+          </p:cNvPicPr>
+          <p:nvPr/>
+        </p:nvPicPr>
+        <p:blipFill>
+          <a:blip r:embed="rId2">
+            <a:extLst>
+              <a:ext uri="{28A0092B-C50C-407E-A947-70E740481C1C}">
+                <a14:useLocalDpi xmlns:a14="http://schemas.microsoft.com/office/drawing/2010/main" val="0"/>
+              </a:ext>
+            </a:extLst>
+          </a:blip>
+          <a:srcRect/>
+          <a:stretch>
+            <a:fillRect/>
+          </a:stretch>
+        </p:blipFill>
+        <p:spPr bwMode="auto">
+          <a:xfrm>
+            <a:off x="3508200" y="3302001"/>
+            <a:ext cx="5714823" cy="2865086"/>
+          </a:xfrm>
+          <a:prstGeom prst="rect">
+            <a:avLst/>
+          </a:prstGeom>
+          <a:noFill/>
+          <a:ln>
+            <a:noFill/>
+          </a:ln>
+          <a:extLst>
+            <a:ext uri="{909E8E84-426E-40DD-AFC4-6F175D3DCCD1}">
+              <a14:hiddenFill xmlns:a14="http://schemas.microsoft.com/office/drawing/2010/main">
+                <a:solidFill>
+                  <a:schemeClr val="accent1"/>
+                </a:solidFill>
+              </a14:hiddenFill>
+            </a:ext>
+            <a:ext uri="{91240B29-F687-4F45-9708-019B960494DF}">
+              <a14:hiddenLine xmlns:a14="http://schemas.microsoft.com/office/drawing/2010/main" w="9525">
+                <a:solidFill>
+                  <a:schemeClr val="tx1"/>
+                </a:solidFill>
+                <a:miter lim="800000"/>
+                <a:headEnd/>
+                <a:tailEnd/>
+              </a14:hiddenLine>
+            </a:ext>
+          </a:extLst>
+        </p:spPr>
+      </p:pic>
+    </p:spTree>
+    <p:extLst>
+      <p:ext uri="{BB962C8B-B14F-4D97-AF65-F5344CB8AC3E}">
+        <p14:creationId xmlns:p14="http://schemas.microsoft.com/office/powerpoint/2010/main" val="3222173571"/>
+      </p:ext>
+    </p:extLst>
+  </p:cSld>
+  <p:clrMapOvr>
+    <a:masterClrMapping/>
+  </p:clrMapOvr>
+</p:sld>
+</file>
+
 <file path=ppt/slides/slide5.xml><?xml version="1.0" encoding="utf-8"?>
 <p:sld xmlns:a="http://schemas.openxmlformats.org/drawingml/2006/main" xmlns:r="http://schemas.openxmlformats.org/officeDocument/2006/relationships" xmlns:p="http://schemas.openxmlformats.org/presentationml/2006/main">
   <p:cSld>
@@ -29992,6 +30807,830 @@
       </p:par>
     </p:tnLst>
   </p:timing>
+</p:sld>
+</file>
+
+<file path=ppt/slides/slide50.xml><?xml version="1.0" encoding="utf-8"?>
+<p:sld xmlns:a="http://schemas.openxmlformats.org/drawingml/2006/main" xmlns:r="http://schemas.openxmlformats.org/officeDocument/2006/relationships" xmlns:p="http://schemas.openxmlformats.org/presentationml/2006/main">
+  <p:cSld>
+    <p:spTree>
+      <p:nvGrpSpPr>
+        <p:cNvPr id="1" name=""/>
+        <p:cNvGrpSpPr/>
+        <p:nvPr/>
+      </p:nvGrpSpPr>
+      <p:grpSpPr>
+        <a:xfrm>
+          <a:off x="0" y="0"/>
+          <a:ext cx="0" cy="0"/>
+          <a:chOff x="0" y="0"/>
+          <a:chExt cx="0" cy="0"/>
+        </a:xfrm>
+      </p:grpSpPr>
+      <p:sp>
+        <p:nvSpPr>
+          <p:cNvPr id="2" name="标题 1"/>
+          <p:cNvSpPr>
+            <a:spLocks noGrp="1"/>
+          </p:cNvSpPr>
+          <p:nvPr>
+            <p:ph type="title"/>
+          </p:nvPr>
+        </p:nvSpPr>
+        <p:spPr/>
+        <p:txBody>
+          <a:bodyPr/>
+          <a:lstStyle/>
+          <a:p>
+            <a:pPr algn="ctr"/>
+            <a:r>
+              <a:rPr lang="en-US" altLang="zh-CN" dirty="0" smtClean="0"/>
+              <a:t>Sketching</a:t>
+            </a:r>
+            <a:endParaRPr lang="zh-CN" altLang="en-US" dirty="0"/>
+          </a:p>
+        </p:txBody>
+      </p:sp>
+      <mc:AlternateContent xmlns:mc="http://schemas.openxmlformats.org/markup-compatibility/2006">
+        <mc:Choice xmlns:a14="http://schemas.microsoft.com/office/drawing/2010/main" Requires="a14">
+          <p:sp>
+            <p:nvSpPr>
+              <p:cNvPr id="3" name="内容占位符 2"/>
+              <p:cNvSpPr>
+                <a:spLocks noGrp="1"/>
+              </p:cNvSpPr>
+              <p:nvPr>
+                <p:ph idx="1"/>
+              </p:nvPr>
+            </p:nvSpPr>
+            <p:spPr/>
+            <p:txBody>
+              <a:bodyPr/>
+              <a:lstStyle/>
+              <a:p>
+                <a:r>
+                  <a:rPr lang="en-US" altLang="zh-CN" dirty="0" smtClean="0"/>
+                  <a:t>kth</a:t>
+                </a:r>
+                <a:r>
+                  <a:rPr lang="en-US" altLang="zh-CN" dirty="0"/>
+                  <a:t> frequency </a:t>
+                </a:r>
+                <a:r>
+                  <a:rPr lang="en-US" altLang="zh-CN" dirty="0" smtClean="0"/>
+                  <a:t>moment </a:t>
+                </a:r>
+                <a14:m>
+                  <m:oMath xmlns:m="http://schemas.openxmlformats.org/officeDocument/2006/math">
+                    <m:sSub>
+                      <m:sSubPr>
+                        <m:ctrlPr>
+                          <a:rPr lang="en-US" altLang="zh-CN" b="0" i="1" smtClean="0">
+                            <a:latin typeface="Cambria Math"/>
+                          </a:rPr>
+                        </m:ctrlPr>
+                      </m:sSubPr>
+                      <m:e>
+                        <m:r>
+                          <a:rPr lang="en-US" altLang="zh-CN" b="0" i="1" smtClean="0">
+                            <a:latin typeface="Cambria Math"/>
+                          </a:rPr>
+                          <m:t>𝐹</m:t>
+                        </m:r>
+                      </m:e>
+                      <m:sub>
+                        <m:r>
+                          <a:rPr lang="en-US" altLang="zh-CN" b="0" i="1" smtClean="0">
+                            <a:latin typeface="Cambria Math"/>
+                          </a:rPr>
+                          <m:t>𝑘</m:t>
+                        </m:r>
+                      </m:sub>
+                    </m:sSub>
+                  </m:oMath>
+                </a14:m>
+                <a:endParaRPr lang="en-US" altLang="zh-CN" dirty="0" smtClean="0"/>
+              </a:p>
+              <a:p>
+                <a:pPr marL="0" indent="0">
+                  <a:buNone/>
+                </a:pPr>
+                <a:r>
+                  <a:rPr lang="en-US" altLang="zh-CN" dirty="0" smtClean="0"/>
+                  <a:t>S=</a:t>
+                </a:r>
+                <a14:m>
+                  <m:oMath xmlns:m="http://schemas.openxmlformats.org/officeDocument/2006/math">
+                    <m:d>
+                      <m:dPr>
+                        <m:ctrlPr>
+                          <a:rPr lang="en-US" altLang="zh-CN" b="0" i="1" smtClean="0">
+                            <a:latin typeface="Cambria Math"/>
+                          </a:rPr>
+                        </m:ctrlPr>
+                      </m:dPr>
+                      <m:e>
+                        <m:sSub>
+                          <m:sSubPr>
+                            <m:ctrlPr>
+                              <a:rPr lang="en-US" altLang="zh-CN" b="0" i="1" smtClean="0">
+                                <a:latin typeface="Cambria Math"/>
+                              </a:rPr>
+                            </m:ctrlPr>
+                          </m:sSubPr>
+                          <m:e>
+                            <m:r>
+                              <a:rPr lang="en-US" altLang="zh-CN" b="0" i="1" smtClean="0">
+                                <a:latin typeface="Cambria Math"/>
+                              </a:rPr>
+                              <m:t>𝑥</m:t>
+                            </m:r>
+                          </m:e>
+                          <m:sub>
+                            <m:r>
+                              <a:rPr lang="en-US" altLang="zh-CN" b="0" i="1" smtClean="0">
+                                <a:latin typeface="Cambria Math"/>
+                              </a:rPr>
+                              <m:t>1</m:t>
+                            </m:r>
+                          </m:sub>
+                        </m:sSub>
+                        <m:r>
+                          <a:rPr lang="en-US" altLang="zh-CN" b="0" i="1" smtClean="0">
+                            <a:latin typeface="Cambria Math"/>
+                          </a:rPr>
+                          <m:t>,…,</m:t>
+                        </m:r>
+                        <m:sSub>
+                          <m:sSubPr>
+                            <m:ctrlPr>
+                              <a:rPr lang="en-US" altLang="zh-CN" b="0" i="1" smtClean="0">
+                                <a:latin typeface="Cambria Math"/>
+                              </a:rPr>
+                            </m:ctrlPr>
+                          </m:sSubPr>
+                          <m:e>
+                            <m:r>
+                              <a:rPr lang="en-US" altLang="zh-CN" b="0" i="1" smtClean="0">
+                                <a:latin typeface="Cambria Math"/>
+                              </a:rPr>
+                              <m:t>𝑥</m:t>
+                            </m:r>
+                          </m:e>
+                          <m:sub>
+                            <m:r>
+                              <a:rPr lang="en-US" altLang="zh-CN" b="0" i="1" smtClean="0">
+                                <a:latin typeface="Cambria Math"/>
+                              </a:rPr>
+                              <m:t>𝑁</m:t>
+                            </m:r>
+                          </m:sub>
+                        </m:sSub>
+                      </m:e>
+                    </m:d>
+                  </m:oMath>
+                </a14:m>
+                <a:r>
+                  <a:rPr lang="zh-CN" altLang="en-US" dirty="0" smtClean="0"/>
+                  <a:t> </a:t>
+                </a:r>
+                <a:r>
+                  <a:rPr lang="en-US" altLang="zh-CN" dirty="0" smtClean="0"/>
+                  <a:t>be a sequence where each </a:t>
+                </a:r>
+                <a14:m>
+                  <m:oMath xmlns:m="http://schemas.openxmlformats.org/officeDocument/2006/math">
+                    <m:sSub>
+                      <m:sSubPr>
+                        <m:ctrlPr>
+                          <a:rPr lang="en-US" altLang="zh-CN" b="0" i="1" smtClean="0">
+                            <a:latin typeface="Cambria Math"/>
+                          </a:rPr>
+                        </m:ctrlPr>
+                      </m:sSubPr>
+                      <m:e>
+                        <m:r>
+                          <a:rPr lang="en-US" altLang="zh-CN" b="0" i="1" smtClean="0">
+                            <a:latin typeface="Cambria Math"/>
+                          </a:rPr>
+                          <m:t>𝑥</m:t>
+                        </m:r>
+                      </m:e>
+                      <m:sub>
+                        <m:r>
+                          <a:rPr lang="en-US" altLang="zh-CN" b="0" i="1" smtClean="0">
+                            <a:latin typeface="Cambria Math"/>
+                          </a:rPr>
+                          <m:t>𝑖</m:t>
+                        </m:r>
+                      </m:sub>
+                    </m:sSub>
+                  </m:oMath>
+                </a14:m>
+                <a:r>
+                  <a:rPr lang="zh-CN" altLang="en-US" dirty="0" smtClean="0"/>
+                  <a:t> </a:t>
+                </a:r>
+                <a:r>
+                  <a:rPr lang="en-US" altLang="zh-CN" dirty="0" smtClean="0"/>
+                  <a:t>belongs to </a:t>
+                </a:r>
+                <a14:m>
+                  <m:oMath xmlns:m="http://schemas.openxmlformats.org/officeDocument/2006/math">
+                    <m:d>
+                      <m:dPr>
+                        <m:ctrlPr>
+                          <a:rPr lang="en-US" altLang="zh-CN" b="0" i="1" smtClean="0">
+                            <a:latin typeface="Cambria Math"/>
+                          </a:rPr>
+                        </m:ctrlPr>
+                      </m:dPr>
+                      <m:e>
+                        <m:r>
+                          <a:rPr lang="en-US" altLang="zh-CN" b="0" i="1" smtClean="0">
+                            <a:latin typeface="Cambria Math"/>
+                          </a:rPr>
+                          <m:t>1,…,</m:t>
+                        </m:r>
+                        <m:r>
+                          <a:rPr lang="en-US" altLang="zh-CN" b="0" i="1" smtClean="0">
+                            <a:latin typeface="Cambria Math"/>
+                          </a:rPr>
+                          <m:t>𝑑</m:t>
+                        </m:r>
+                      </m:e>
+                    </m:d>
+                  </m:oMath>
+                </a14:m>
+                <a:endParaRPr lang="en-US" altLang="zh-CN" b="0" dirty="0" smtClean="0"/>
+              </a:p>
+              <a:p>
+                <a:pPr marL="0" indent="0">
+                  <a:buNone/>
+                </a:pPr>
+                <a14:m>
+                  <m:oMathPara xmlns:m="http://schemas.openxmlformats.org/officeDocument/2006/math">
+                    <m:oMathParaPr>
+                      <m:jc m:val="left"/>
+                    </m:oMathParaPr>
+                    <m:oMath xmlns:m="http://schemas.openxmlformats.org/officeDocument/2006/math">
+                      <m:sSub>
+                        <m:sSubPr>
+                          <m:ctrlPr>
+                            <a:rPr lang="en-US" altLang="zh-CN" b="0" i="1" smtClean="0">
+                              <a:latin typeface="Cambria Math"/>
+                            </a:rPr>
+                          </m:ctrlPr>
+                        </m:sSubPr>
+                        <m:e>
+                          <m:r>
+                            <a:rPr lang="en-US" altLang="zh-CN" b="0" i="1" smtClean="0">
+                              <a:latin typeface="Cambria Math"/>
+                            </a:rPr>
+                            <m:t>𝑚</m:t>
+                          </m:r>
+                        </m:e>
+                        <m:sub>
+                          <m:r>
+                            <a:rPr lang="en-US" altLang="zh-CN" b="0" i="1" smtClean="0">
+                              <a:latin typeface="Cambria Math"/>
+                            </a:rPr>
+                            <m:t>𝑖</m:t>
+                          </m:r>
+                        </m:sub>
+                      </m:sSub>
+                      <m:r>
+                        <a:rPr lang="en-US" altLang="zh-CN" b="0" i="1" smtClean="0">
+                          <a:latin typeface="Cambria Math"/>
+                        </a:rPr>
+                        <m:t>=</m:t>
+                      </m:r>
+                      <m:d>
+                        <m:dPr>
+                          <m:begChr m:val="|"/>
+                          <m:endChr m:val="|"/>
+                          <m:ctrlPr>
+                            <a:rPr lang="en-US" altLang="zh-CN" b="0" i="1" smtClean="0">
+                              <a:latin typeface="Cambria Math"/>
+                            </a:rPr>
+                          </m:ctrlPr>
+                        </m:dPr>
+                        <m:e>
+                          <m:d>
+                            <m:dPr>
+                              <m:begChr m:val="{"/>
+                              <m:endChr m:val="}"/>
+                              <m:ctrlPr>
+                                <a:rPr lang="en-US" altLang="zh-CN" b="0" i="1" smtClean="0">
+                                  <a:latin typeface="Cambria Math"/>
+                                </a:rPr>
+                              </m:ctrlPr>
+                            </m:dPr>
+                            <m:e>
+                              <m:r>
+                                <a:rPr lang="en-US" altLang="zh-CN" b="0" i="1" smtClean="0">
+                                  <a:latin typeface="Cambria Math"/>
+                                </a:rPr>
+                                <m:t>𝑗</m:t>
+                              </m:r>
+                            </m:e>
+                            <m:e>
+                              <m:sSub>
+                                <m:sSubPr>
+                                  <m:ctrlPr>
+                                    <a:rPr lang="en-US" altLang="zh-CN" b="0" i="1" smtClean="0">
+                                      <a:latin typeface="Cambria Math"/>
+                                    </a:rPr>
+                                  </m:ctrlPr>
+                                </m:sSubPr>
+                                <m:e>
+                                  <m:r>
+                                    <a:rPr lang="en-US" altLang="zh-CN" b="0" i="1" smtClean="0">
+                                      <a:latin typeface="Cambria Math"/>
+                                    </a:rPr>
+                                    <m:t>𝑥</m:t>
+                                  </m:r>
+                                </m:e>
+                                <m:sub>
+                                  <m:r>
+                                    <a:rPr lang="en-US" altLang="zh-CN" b="0" i="1" smtClean="0">
+                                      <a:latin typeface="Cambria Math"/>
+                                    </a:rPr>
+                                    <m:t>𝑗</m:t>
+                                  </m:r>
+                                </m:sub>
+                              </m:sSub>
+                              <m:r>
+                                <a:rPr lang="en-US" altLang="zh-CN" b="0" i="1" smtClean="0">
+                                  <a:latin typeface="Cambria Math"/>
+                                </a:rPr>
+                                <m:t>=</m:t>
+                              </m:r>
+                              <m:r>
+                                <a:rPr lang="en-US" altLang="zh-CN" b="0" i="1" smtClean="0">
+                                  <a:latin typeface="Cambria Math"/>
+                                </a:rPr>
+                                <m:t>𝑖</m:t>
+                              </m:r>
+                            </m:e>
+                          </m:d>
+                        </m:e>
+                      </m:d>
+                    </m:oMath>
+                  </m:oMathPara>
+                </a14:m>
+                <a:endParaRPr lang="en-US" altLang="zh-CN" b="0" dirty="0" smtClean="0"/>
+              </a:p>
+              <a:p>
+                <a:pPr marL="0" indent="0">
+                  <a:buNone/>
+                </a:pPr>
+                <a14:m>
+                  <m:oMathPara xmlns:m="http://schemas.openxmlformats.org/officeDocument/2006/math">
+                    <m:oMathParaPr>
+                      <m:jc m:val="left"/>
+                    </m:oMathParaPr>
+                    <m:oMath xmlns:m="http://schemas.openxmlformats.org/officeDocument/2006/math">
+                      <m:sSub>
+                        <m:sSubPr>
+                          <m:ctrlPr>
+                            <a:rPr lang="en-US" altLang="zh-CN" b="0" i="1" smtClean="0">
+                              <a:latin typeface="Cambria Math"/>
+                            </a:rPr>
+                          </m:ctrlPr>
+                        </m:sSubPr>
+                        <m:e>
+                          <m:r>
+                            <a:rPr lang="en-US" altLang="zh-CN" b="0" i="1" smtClean="0">
+                              <a:latin typeface="Cambria Math"/>
+                            </a:rPr>
+                            <m:t>𝐹</m:t>
+                          </m:r>
+                        </m:e>
+                        <m:sub>
+                          <m:r>
+                            <a:rPr lang="en-US" altLang="zh-CN" b="0" i="1" smtClean="0">
+                              <a:latin typeface="Cambria Math"/>
+                            </a:rPr>
+                            <m:t>𝑘</m:t>
+                          </m:r>
+                        </m:sub>
+                      </m:sSub>
+                      <m:r>
+                        <a:rPr lang="en-US" altLang="zh-CN" b="0" i="1" smtClean="0">
+                          <a:latin typeface="Cambria Math"/>
+                        </a:rPr>
+                        <m:t>= </m:t>
+                      </m:r>
+                      <m:nary>
+                        <m:naryPr>
+                          <m:chr m:val="∑"/>
+                          <m:limLoc m:val="subSup"/>
+                          <m:ctrlPr>
+                            <a:rPr lang="en-US" altLang="zh-CN" b="0" i="1" smtClean="0">
+                              <a:latin typeface="Cambria Math"/>
+                            </a:rPr>
+                          </m:ctrlPr>
+                        </m:naryPr>
+                        <m:sub>
+                          <m:r>
+                            <m:rPr>
+                              <m:brk m:alnAt="25"/>
+                            </m:rPr>
+                            <a:rPr lang="en-US" altLang="zh-CN" b="0" i="1" smtClean="0">
+                              <a:latin typeface="Cambria Math"/>
+                            </a:rPr>
+                            <m:t>𝑖</m:t>
+                          </m:r>
+                          <m:r>
+                            <a:rPr lang="en-US" altLang="zh-CN" b="0" i="1" smtClean="0">
+                              <a:latin typeface="Cambria Math"/>
+                            </a:rPr>
+                            <m:t>=1</m:t>
+                          </m:r>
+                        </m:sub>
+                        <m:sup>
+                          <m:r>
+                            <a:rPr lang="en-US" altLang="zh-CN" b="0" i="1" smtClean="0">
+                              <a:latin typeface="Cambria Math"/>
+                            </a:rPr>
+                            <m:t>𝑑</m:t>
+                          </m:r>
+                        </m:sup>
+                        <m:e>
+                          <m:sSubSup>
+                            <m:sSubSupPr>
+                              <m:ctrlPr>
+                                <a:rPr lang="en-US" altLang="zh-CN" b="0" i="1" smtClean="0">
+                                  <a:latin typeface="Cambria Math"/>
+                                </a:rPr>
+                              </m:ctrlPr>
+                            </m:sSubSupPr>
+                            <m:e>
+                              <m:r>
+                                <a:rPr lang="en-US" altLang="zh-CN" b="0" i="1" smtClean="0">
+                                  <a:latin typeface="Cambria Math"/>
+                                </a:rPr>
+                                <m:t>𝑚</m:t>
+                              </m:r>
+                            </m:e>
+                            <m:sub>
+                              <m:r>
+                                <a:rPr lang="en-US" altLang="zh-CN" b="0" i="1" smtClean="0">
+                                  <a:latin typeface="Cambria Math"/>
+                                </a:rPr>
+                                <m:t>𝑖</m:t>
+                              </m:r>
+                            </m:sub>
+                            <m:sup>
+                              <m:r>
+                                <a:rPr lang="en-US" altLang="zh-CN" b="0" i="1" smtClean="0">
+                                  <a:latin typeface="Cambria Math"/>
+                                </a:rPr>
+                                <m:t>𝑘</m:t>
+                              </m:r>
+                            </m:sup>
+                          </m:sSubSup>
+                        </m:e>
+                      </m:nary>
+                    </m:oMath>
+                  </m:oMathPara>
+                </a14:m>
+                <a:endParaRPr lang="en-US" altLang="zh-CN" b="0" dirty="0" smtClean="0"/>
+              </a:p>
+              <a:p>
+                <a:pPr marL="0" indent="0">
+                  <a:buNone/>
+                </a:pPr>
+                <a14:m>
+                  <m:oMath xmlns:m="http://schemas.openxmlformats.org/officeDocument/2006/math">
+                    <m:sSub>
+                      <m:sSubPr>
+                        <m:ctrlPr>
+                          <a:rPr lang="en-US" altLang="zh-CN" b="0" i="1" smtClean="0">
+                            <a:latin typeface="Cambria Math"/>
+                          </a:rPr>
+                        </m:ctrlPr>
+                      </m:sSubPr>
+                      <m:e>
+                        <m:r>
+                          <a:rPr lang="en-US" altLang="zh-CN" b="0" i="1" smtClean="0">
+                            <a:latin typeface="Cambria Math"/>
+                          </a:rPr>
+                          <m:t>𝐹</m:t>
+                        </m:r>
+                      </m:e>
+                      <m:sub>
+                        <m:r>
+                          <a:rPr lang="en-US" altLang="zh-CN" b="0" i="1" smtClean="0">
+                            <a:latin typeface="Cambria Math"/>
+                          </a:rPr>
+                          <m:t>0</m:t>
+                        </m:r>
+                      </m:sub>
+                    </m:sSub>
+                    <m:r>
+                      <a:rPr lang="en-US" altLang="zh-CN" b="0" i="0" smtClean="0">
+                        <a:latin typeface="Cambria Math"/>
+                      </a:rPr>
+                      <m:t>:</m:t>
+                    </m:r>
+                  </m:oMath>
+                </a14:m>
+                <a:r>
+                  <a:rPr lang="en-US" altLang="zh-CN" b="0" dirty="0" smtClean="0"/>
+                  <a:t> # of unique elements</a:t>
+                </a:r>
+              </a:p>
+              <a:p>
+                <a:pPr marL="0" indent="0">
+                  <a:buNone/>
+                </a:pPr>
+                <a14:m>
+                  <m:oMath xmlns:m="http://schemas.openxmlformats.org/officeDocument/2006/math">
+                    <m:sSub>
+                      <m:sSubPr>
+                        <m:ctrlPr>
+                          <a:rPr lang="en-US" altLang="zh-CN" b="0" i="1" smtClean="0">
+                            <a:latin typeface="Cambria Math"/>
+                          </a:rPr>
+                        </m:ctrlPr>
+                      </m:sSubPr>
+                      <m:e>
+                        <m:r>
+                          <a:rPr lang="en-US" altLang="zh-CN" b="0" i="1" smtClean="0">
+                            <a:latin typeface="Cambria Math"/>
+                          </a:rPr>
+                          <m:t>𝐹</m:t>
+                        </m:r>
+                      </m:e>
+                      <m:sub>
+                        <m:r>
+                          <a:rPr lang="en-US" altLang="zh-CN" b="0" i="1" smtClean="0">
+                            <a:latin typeface="Cambria Math"/>
+                          </a:rPr>
+                          <m:t>1</m:t>
+                        </m:r>
+                      </m:sub>
+                    </m:sSub>
+                  </m:oMath>
+                </a14:m>
+                <a:r>
+                  <a:rPr lang="en-US" altLang="zh-CN" b="0" dirty="0" smtClean="0"/>
+                  <a:t>: </a:t>
+                </a:r>
+                <a:r>
+                  <a:rPr lang="en-US" altLang="zh-CN" dirty="0" smtClean="0"/>
+                  <a:t># of elements</a:t>
+                </a:r>
+              </a:p>
+              <a:p>
+                <a:pPr marL="0" indent="0">
+                  <a:buNone/>
+                </a:pPr>
+                <a14:m>
+                  <m:oMath xmlns:m="http://schemas.openxmlformats.org/officeDocument/2006/math">
+                    <m:sSub>
+                      <m:sSubPr>
+                        <m:ctrlPr>
+                          <a:rPr lang="en-US" altLang="zh-CN" b="0" i="1" smtClean="0">
+                            <a:latin typeface="Cambria Math"/>
+                          </a:rPr>
+                        </m:ctrlPr>
+                      </m:sSubPr>
+                      <m:e>
+                        <m:r>
+                          <a:rPr lang="en-US" altLang="zh-CN" b="0" i="1" smtClean="0">
+                            <a:latin typeface="Cambria Math"/>
+                          </a:rPr>
+                          <m:t>𝐹</m:t>
+                        </m:r>
+                      </m:e>
+                      <m:sub>
+                        <m:r>
+                          <a:rPr lang="en-US" altLang="zh-CN" b="0" i="1" smtClean="0">
+                            <a:latin typeface="Cambria Math"/>
+                          </a:rPr>
+                          <m:t>2</m:t>
+                        </m:r>
+                      </m:sub>
+                    </m:sSub>
+                  </m:oMath>
+                </a14:m>
+                <a:r>
+                  <a:rPr lang="en-US" altLang="zh-CN" b="0" dirty="0" smtClean="0"/>
+                  <a:t>: </a:t>
+                </a:r>
+                <a:r>
+                  <a:rPr lang="en-US" altLang="zh-CN" dirty="0" smtClean="0"/>
+                  <a:t>size of self-join, use to estimate large join size</a:t>
+                </a:r>
+              </a:p>
+              <a:p>
+                <a:pPr/>
+                <a:r>
+                  <a:rPr lang="en-US" altLang="zh-CN" dirty="0"/>
+                  <a:t>Principal Component Analysis (PCA)</a:t>
+                </a:r>
+                <a:endParaRPr lang="en-US" altLang="zh-CN" b="0" dirty="0" smtClean="0"/>
+              </a:p>
+            </p:txBody>
+          </p:sp>
+        </mc:Choice>
+        <mc:Fallback>
+          <p:sp>
+            <p:nvSpPr>
+              <p:cNvPr id="3" name="内容占位符 2"/>
+              <p:cNvSpPr>
+                <a:spLocks noGrp="1" noRot="1" noChangeAspect="1" noMove="1" noResize="1" noEditPoints="1" noAdjustHandles="1" noChangeArrowheads="1" noChangeShapeType="1" noTextEdit="1"/>
+              </p:cNvSpPr>
+              <p:nvPr>
+                <p:ph idx="1"/>
+              </p:nvPr>
+            </p:nvSpPr>
+            <p:spPr>
+              <a:blipFill rotWithShape="1">
+                <a:blip r:embed="rId2"/>
+                <a:stretch>
+                  <a:fillRect l="-616" t="-806"/>
+                </a:stretch>
+              </a:blipFill>
+            </p:spPr>
+            <p:txBody>
+              <a:bodyPr/>
+              <a:lstStyle/>
+              <a:p>
+                <a:r>
+                  <a:rPr lang="zh-CN" altLang="en-US">
+                    <a:noFill/>
+                  </a:rPr>
+                  <a:t> </a:t>
+                </a:r>
+              </a:p>
+            </p:txBody>
+          </p:sp>
+        </mc:Fallback>
+      </mc:AlternateContent>
+    </p:spTree>
+    <p:extLst>
+      <p:ext uri="{BB962C8B-B14F-4D97-AF65-F5344CB8AC3E}">
+        <p14:creationId xmlns:p14="http://schemas.microsoft.com/office/powerpoint/2010/main" val="858204883"/>
+      </p:ext>
+    </p:extLst>
+  </p:cSld>
+  <p:clrMapOvr>
+    <a:masterClrMapping/>
+  </p:clrMapOvr>
+</p:sld>
+</file>
+
+<file path=ppt/slides/slide51.xml><?xml version="1.0" encoding="utf-8"?>
+<p:sld xmlns:a="http://schemas.openxmlformats.org/drawingml/2006/main" xmlns:r="http://schemas.openxmlformats.org/officeDocument/2006/relationships" xmlns:p="http://schemas.openxmlformats.org/presentationml/2006/main">
+  <p:cSld>
+    <p:spTree>
+      <p:nvGrpSpPr>
+        <p:cNvPr id="1" name=""/>
+        <p:cNvGrpSpPr/>
+        <p:nvPr/>
+      </p:nvGrpSpPr>
+      <p:grpSpPr>
+        <a:xfrm>
+          <a:off x="0" y="0"/>
+          <a:ext cx="0" cy="0"/>
+          <a:chOff x="0" y="0"/>
+          <a:chExt cx="0" cy="0"/>
+        </a:xfrm>
+      </p:grpSpPr>
+      <p:sp>
+        <p:nvSpPr>
+          <p:cNvPr id="2" name="标题 1"/>
+          <p:cNvSpPr>
+            <a:spLocks noGrp="1"/>
+          </p:cNvSpPr>
+          <p:nvPr>
+            <p:ph type="title"/>
+          </p:nvPr>
+        </p:nvSpPr>
+        <p:spPr/>
+        <p:txBody>
+          <a:bodyPr/>
+          <a:lstStyle/>
+          <a:p>
+            <a:pPr algn="ctr"/>
+            <a:r>
+              <a:rPr lang="en-US" altLang="zh-CN" dirty="0"/>
+              <a:t>Synopsis Data </a:t>
+            </a:r>
+            <a:r>
+              <a:rPr lang="en-US" altLang="zh-CN" dirty="0" smtClean="0"/>
+              <a:t>Structures &amp; Aggregation</a:t>
+            </a:r>
+            <a:endParaRPr lang="zh-CN" altLang="en-US" dirty="0"/>
+          </a:p>
+        </p:txBody>
+      </p:sp>
+      <p:sp>
+        <p:nvSpPr>
+          <p:cNvPr id="3" name="内容占位符 2"/>
+          <p:cNvSpPr>
+            <a:spLocks noGrp="1"/>
+          </p:cNvSpPr>
+          <p:nvPr>
+            <p:ph idx="1"/>
+          </p:nvPr>
+        </p:nvSpPr>
+        <p:spPr/>
+        <p:txBody>
+          <a:bodyPr/>
+          <a:lstStyle/>
+          <a:p>
+            <a:r>
+              <a:rPr lang="en-US" altLang="zh-CN" dirty="0"/>
+              <a:t>Synopsis Data Structures</a:t>
+            </a:r>
+            <a:endParaRPr lang="en-US" altLang="zh-CN" dirty="0" smtClean="0"/>
+          </a:p>
+          <a:p>
+            <a:pPr lvl="1"/>
+            <a:r>
+              <a:rPr lang="en-US" altLang="zh-CN" dirty="0" smtClean="0"/>
+              <a:t>Wavelet analysis</a:t>
+            </a:r>
+          </a:p>
+          <a:p>
+            <a:pPr lvl="1"/>
+            <a:r>
+              <a:rPr lang="en-US" altLang="zh-CN" dirty="0" smtClean="0"/>
+              <a:t>Histograms</a:t>
+            </a:r>
+          </a:p>
+          <a:p>
+            <a:pPr lvl="1"/>
+            <a:r>
+              <a:rPr lang="en-US" altLang="zh-CN" dirty="0" err="1" smtClean="0"/>
+              <a:t>Quantiles</a:t>
+            </a:r>
+            <a:endParaRPr lang="en-US" altLang="zh-CN" dirty="0"/>
+          </a:p>
+          <a:p>
+            <a:pPr lvl="1"/>
+            <a:r>
+              <a:rPr lang="en-US" altLang="zh-CN" dirty="0"/>
+              <a:t>f</a:t>
+            </a:r>
+            <a:r>
+              <a:rPr lang="en-US" altLang="zh-CN" dirty="0" smtClean="0"/>
+              <a:t>requency moments</a:t>
+            </a:r>
+          </a:p>
+          <a:p>
+            <a:r>
+              <a:rPr lang="en-US" altLang="zh-CN" dirty="0" smtClean="0"/>
+              <a:t>Aggregation</a:t>
+            </a:r>
+          </a:p>
+          <a:p>
+            <a:pPr lvl="1"/>
+            <a:r>
+              <a:rPr lang="en-US" altLang="zh-CN" dirty="0" smtClean="0"/>
+              <a:t>Means</a:t>
+            </a:r>
+          </a:p>
+          <a:p>
+            <a:pPr lvl="1"/>
+            <a:r>
+              <a:rPr lang="en-US" altLang="zh-CN" dirty="0" smtClean="0"/>
+              <a:t>Variances</a:t>
+            </a:r>
+          </a:p>
+          <a:p>
+            <a:pPr lvl="1"/>
+            <a:r>
+              <a:rPr lang="en-US" altLang="zh-CN" dirty="0" smtClean="0"/>
+              <a:t>Other </a:t>
+            </a:r>
+            <a:r>
+              <a:rPr lang="en-US" altLang="zh-CN" dirty="0"/>
+              <a:t>statistical </a:t>
+            </a:r>
+            <a:r>
+              <a:rPr lang="en-US" altLang="zh-CN" dirty="0" smtClean="0"/>
+              <a:t> aggregated data</a:t>
+            </a:r>
+            <a:endParaRPr lang="zh-CN" altLang="en-US" dirty="0"/>
+          </a:p>
+        </p:txBody>
+      </p:sp>
+    </p:spTree>
+    <p:extLst>
+      <p:ext uri="{BB962C8B-B14F-4D97-AF65-F5344CB8AC3E}">
+        <p14:creationId xmlns:p14="http://schemas.microsoft.com/office/powerpoint/2010/main" val="772525432"/>
+      </p:ext>
+    </p:extLst>
+  </p:cSld>
+  <p:clrMapOvr>
+    <a:masterClrMapping/>
+  </p:clrMapOvr>
 </p:sld>
 </file>
 
@@ -31736,7 +33375,7 @@
   <a:extraClrSchemeLst/>
   <a:extLst>
     <a:ext uri="{05A4C25C-085E-4340-85A3-A5531E510DB2}">
-      <thm15:themeFamily xmlns:thm15="http://schemas.microsoft.com/office/thememl/2012/main" xmlns="" name="Wisp" id="{7CB32D59-10C0-40DD-B7BD-2E94284A981C}" vid="{24B1A44C-C006-48B2-A4D7-E5549B3D8CD4}"/>
+      <thm15:themeFamily xmlns="" xmlns:thm15="http://schemas.microsoft.com/office/thememl/2012/main" name="Wisp" id="{7CB32D59-10C0-40DD-B7BD-2E94284A981C}" vid="{24B1A44C-C006-48B2-A4D7-E5549B3D8CD4}"/>
     </a:ext>
   </a:extLst>
 </a:theme>

--- a/slide/tsdm.pptx
+++ b/slide/tsdm.pptx
@@ -56,6 +56,8 @@
     <p:sldId id="324" r:id="rId50"/>
     <p:sldId id="325" r:id="rId51"/>
     <p:sldId id="326" r:id="rId52"/>
+    <p:sldId id="327" r:id="rId53"/>
+    <p:sldId id="328" r:id="rId54"/>
   </p:sldIdLst>
   <p:sldSz cx="12192000" cy="6858000"/>
   <p:notesSz cx="6858000" cy="9144000"/>
@@ -156,7 +158,7 @@
   </p:defaultTextStyle>
   <p:extLst>
     <p:ext uri="{EFAFB233-063F-42B5-8137-9DF3F51BA10A}">
-      <p15:sldGuideLst xmlns="" xmlns:p15="http://schemas.microsoft.com/office/powerpoint/2012/main"/>
+      <p15:sldGuideLst xmlns:p15="http://schemas.microsoft.com/office/powerpoint/2012/main" xmlns=""/>
     </p:ext>
   </p:extLst>
 </p:presentation>
@@ -350,7 +352,7 @@
           <a:p>
             <a:fld id="{F77B2EB1-EA88-4503-95EA-93923E5BA59E}" type="datetimeFigureOut">
               <a:rPr lang="en-US" smtClean="0"/>
-              <a:t>3/3/2013</a:t>
+              <a:t>3/4/2013</a:t>
             </a:fld>
             <a:endParaRPr lang="en-US"/>
           </a:p>
@@ -688,7 +690,7 @@
           <a:p>
             <a:fld id="{F77B2EB1-EA88-4503-95EA-93923E5BA59E}" type="datetimeFigureOut">
               <a:rPr lang="en-US" smtClean="0"/>
-              <a:t>3/3/2013</a:t>
+              <a:t>3/4/2013</a:t>
             </a:fld>
             <a:endParaRPr lang="en-US"/>
           </a:p>
@@ -1089,7 +1091,7 @@
           <a:p>
             <a:fld id="{F77B2EB1-EA88-4503-95EA-93923E5BA59E}" type="datetimeFigureOut">
               <a:rPr lang="en-US" smtClean="0"/>
-              <a:t>3/3/2013</a:t>
+              <a:t>3/4/2013</a:t>
             </a:fld>
             <a:endParaRPr lang="en-US"/>
           </a:p>
@@ -1425,7 +1427,7 @@
           <a:p>
             <a:fld id="{F77B2EB1-EA88-4503-95EA-93923E5BA59E}" type="datetimeFigureOut">
               <a:rPr lang="en-US" smtClean="0"/>
-              <a:t>3/3/2013</a:t>
+              <a:t>3/4/2013</a:t>
             </a:fld>
             <a:endParaRPr lang="en-US"/>
           </a:p>
@@ -1745,7 +1747,7 @@
           <a:p>
             <a:fld id="{F77B2EB1-EA88-4503-95EA-93923E5BA59E}" type="datetimeFigureOut">
               <a:rPr lang="en-US" smtClean="0"/>
-              <a:t>3/3/2013</a:t>
+              <a:t>3/4/2013</a:t>
             </a:fld>
             <a:endParaRPr lang="en-US"/>
           </a:p>
@@ -2141,7 +2143,7 @@
           <a:p>
             <a:fld id="{F77B2EB1-EA88-4503-95EA-93923E5BA59E}" type="datetimeFigureOut">
               <a:rPr lang="en-US" smtClean="0"/>
-              <a:t>3/3/2013</a:t>
+              <a:t>3/4/2013</a:t>
             </a:fld>
             <a:endParaRPr lang="en-US"/>
           </a:p>
@@ -2398,7 +2400,7 @@
           <a:p>
             <a:fld id="{F77B2EB1-EA88-4503-95EA-93923E5BA59E}" type="datetimeFigureOut">
               <a:rPr lang="en-US" smtClean="0"/>
-              <a:t>3/3/2013</a:t>
+              <a:t>3/4/2013</a:t>
             </a:fld>
             <a:endParaRPr lang="en-US"/>
           </a:p>
@@ -2660,7 +2662,7 @@
           <a:p>
             <a:fld id="{F77B2EB1-EA88-4503-95EA-93923E5BA59E}" type="datetimeFigureOut">
               <a:rPr lang="en-US" smtClean="0"/>
-              <a:t>3/3/2013</a:t>
+              <a:t>3/4/2013</a:t>
             </a:fld>
             <a:endParaRPr lang="en-US"/>
           </a:p>
@@ -2922,7 +2924,7 @@
           <a:p>
             <a:fld id="{F77B2EB1-EA88-4503-95EA-93923E5BA59E}" type="datetimeFigureOut">
               <a:rPr lang="en-US" smtClean="0"/>
-              <a:t>3/3/2013</a:t>
+              <a:t>3/4/2013</a:t>
             </a:fld>
             <a:endParaRPr lang="en-US"/>
           </a:p>
@@ -3251,7 +3253,7 @@
           <a:p>
             <a:fld id="{F77B2EB1-EA88-4503-95EA-93923E5BA59E}" type="datetimeFigureOut">
               <a:rPr lang="en-US" smtClean="0"/>
-              <a:t>3/3/2013</a:t>
+              <a:t>3/4/2013</a:t>
             </a:fld>
             <a:endParaRPr lang="en-US"/>
           </a:p>
@@ -3574,7 +3576,7 @@
           <a:p>
             <a:fld id="{F77B2EB1-EA88-4503-95EA-93923E5BA59E}" type="datetimeFigureOut">
               <a:rPr lang="en-US" smtClean="0"/>
-              <a:t>3/3/2013</a:t>
+              <a:t>3/4/2013</a:t>
             </a:fld>
             <a:endParaRPr lang="en-US"/>
           </a:p>
@@ -4031,7 +4033,7 @@
           <a:p>
             <a:fld id="{F77B2EB1-EA88-4503-95EA-93923E5BA59E}" type="datetimeFigureOut">
               <a:rPr lang="en-US" smtClean="0"/>
-              <a:t>3/3/2013</a:t>
+              <a:t>3/4/2013</a:t>
             </a:fld>
             <a:endParaRPr lang="en-US"/>
           </a:p>
@@ -4236,7 +4238,7 @@
           <a:p>
             <a:fld id="{F77B2EB1-EA88-4503-95EA-93923E5BA59E}" type="datetimeFigureOut">
               <a:rPr lang="en-US" smtClean="0"/>
-              <a:t>3/3/2013</a:t>
+              <a:t>3/4/2013</a:t>
             </a:fld>
             <a:endParaRPr lang="en-US"/>
           </a:p>
@@ -4413,7 +4415,7 @@
           <a:p>
             <a:fld id="{F77B2EB1-EA88-4503-95EA-93923E5BA59E}" type="datetimeFigureOut">
               <a:rPr lang="en-US" smtClean="0"/>
-              <a:t>3/3/2013</a:t>
+              <a:t>3/4/2013</a:t>
             </a:fld>
             <a:endParaRPr lang="en-US"/>
           </a:p>
@@ -4746,7 +4748,7 @@
           <a:p>
             <a:fld id="{F77B2EB1-EA88-4503-95EA-93923E5BA59E}" type="datetimeFigureOut">
               <a:rPr lang="en-US" smtClean="0"/>
-              <a:t>3/3/2013</a:t>
+              <a:t>3/4/2013</a:t>
             </a:fld>
             <a:endParaRPr lang="en-US"/>
           </a:p>
@@ -5091,7 +5093,7 @@
           <a:p>
             <a:fld id="{F77B2EB1-EA88-4503-95EA-93923E5BA59E}" type="datetimeFigureOut">
               <a:rPr lang="en-US" smtClean="0"/>
-              <a:t>3/3/2013</a:t>
+              <a:t>3/4/2013</a:t>
             </a:fld>
             <a:endParaRPr lang="en-US"/>
           </a:p>
@@ -7208,7 +7210,7 @@
           <a:p>
             <a:fld id="{F77B2EB1-EA88-4503-95EA-93923E5BA59E}" type="datetimeFigureOut">
               <a:rPr lang="en-US" smtClean="0"/>
-              <a:t>3/3/2013</a:t>
+              <a:t>3/4/2013</a:t>
             </a:fld>
             <a:endParaRPr lang="en-US"/>
           </a:p>
@@ -26435,7 +26437,7 @@
           <a:graphicData uri="http://schemas.openxmlformats.org/presentationml/2006/ole">
             <mc:AlternateContent xmlns:mc="http://schemas.openxmlformats.org/markup-compatibility/2006">
               <mc:Choice xmlns:v="urn:schemas-microsoft-com:vml" Requires="v">
-                <p:oleObj spid="_x0000_s1056" name="點陣圖影像" r:id="rId3" imgW="4638095" imgH="2534004" progId="PBrush">
+                <p:oleObj spid="_x0000_s1064" name="點陣圖影像" r:id="rId3" imgW="4638095" imgH="2534004" progId="PBrush">
                   <p:embed/>
                 </p:oleObj>
               </mc:Choice>
@@ -26506,7 +26508,7 @@
           <a:graphicData uri="http://schemas.openxmlformats.org/presentationml/2006/ole">
             <mc:AlternateContent xmlns:mc="http://schemas.openxmlformats.org/markup-compatibility/2006">
               <mc:Choice xmlns:v="urn:schemas-microsoft-com:vml" Requires="v">
-                <p:oleObj spid="_x0000_s1057" name="BMP 图像" r:id="rId5" imgW="4381560" imgH="1305000" progId="Paint.Picture">
+                <p:oleObj spid="_x0000_s1065" name="BMP 图像" r:id="rId5" imgW="4381560" imgH="1305000" progId="Paint.Picture">
                   <p:embed/>
                 </p:oleObj>
               </mc:Choice>
@@ -30851,8 +30853,8 @@
           </a:p>
         </p:txBody>
       </p:sp>
-      <mc:AlternateContent xmlns:mc="http://schemas.openxmlformats.org/markup-compatibility/2006">
-        <mc:Choice xmlns:a14="http://schemas.microsoft.com/office/drawing/2010/main" Requires="a14">
+      <mc:AlternateContent xmlns:mc="http://schemas.openxmlformats.org/markup-compatibility/2006" xmlns:a14="http://schemas.microsoft.com/office/drawing/2010/main">
+        <mc:Choice Requires="a14">
           <p:sp>
             <p:nvSpPr>
               <p:cNvPr id="3" name="内容占位符 2"/>
@@ -31427,7 +31429,6 @@
                 </a:r>
               </a:p>
               <a:p>
-                <a:pPr/>
                 <a:r>
                   <a:rPr lang="en-US" altLang="zh-CN" dirty="0"/>
                   <a:t>Principal Component Analysis (PCA)</a:t>
@@ -31437,7 +31438,7 @@
             </p:txBody>
           </p:sp>
         </mc:Choice>
-        <mc:Fallback>
+        <mc:Fallback xmlns="">
           <p:sp>
             <p:nvSpPr>
               <p:cNvPr id="3" name="内容占位符 2"/>
@@ -31625,6 +31626,369 @@
     <p:extLst>
       <p:ext uri="{BB962C8B-B14F-4D97-AF65-F5344CB8AC3E}">
         <p14:creationId xmlns:p14="http://schemas.microsoft.com/office/powerpoint/2010/main" val="772525432"/>
+      </p:ext>
+    </p:extLst>
+  </p:cSld>
+  <p:clrMapOvr>
+    <a:masterClrMapping/>
+  </p:clrMapOvr>
+</p:sld>
+</file>
+
+<file path=ppt/slides/slide52.xml><?xml version="1.0" encoding="utf-8"?>
+<p:sld xmlns:a="http://schemas.openxmlformats.org/drawingml/2006/main" xmlns:r="http://schemas.openxmlformats.org/officeDocument/2006/relationships" xmlns:p="http://schemas.openxmlformats.org/presentationml/2006/main">
+  <p:cSld>
+    <p:spTree>
+      <p:nvGrpSpPr>
+        <p:cNvPr id="1" name=""/>
+        <p:cNvGrpSpPr/>
+        <p:nvPr/>
+      </p:nvGrpSpPr>
+      <p:grpSpPr>
+        <a:xfrm>
+          <a:off x="0" y="0"/>
+          <a:ext cx="0" cy="0"/>
+          <a:chOff x="0" y="0"/>
+          <a:chExt cx="0" cy="0"/>
+        </a:xfrm>
+      </p:grpSpPr>
+      <p:sp>
+        <p:nvSpPr>
+          <p:cNvPr id="2" name="标题 1"/>
+          <p:cNvSpPr>
+            <a:spLocks noGrp="1"/>
+          </p:cNvSpPr>
+          <p:nvPr>
+            <p:ph type="title"/>
+          </p:nvPr>
+        </p:nvSpPr>
+        <p:spPr/>
+        <p:txBody>
+          <a:bodyPr/>
+          <a:lstStyle/>
+          <a:p>
+            <a:pPr algn="ctr"/>
+            <a:r>
+              <a:rPr lang="en-US" altLang="zh-CN" dirty="0" smtClean="0"/>
+              <a:t>Data Stream Clustering</a:t>
+            </a:r>
+            <a:endParaRPr lang="zh-CN" altLang="en-US" dirty="0"/>
+          </a:p>
+        </p:txBody>
+      </p:sp>
+      <mc:AlternateContent xmlns:mc="http://schemas.openxmlformats.org/markup-compatibility/2006">
+        <mc:Choice xmlns:a14="http://schemas.microsoft.com/office/drawing/2010/main" Requires="a14">
+          <p:sp>
+            <p:nvSpPr>
+              <p:cNvPr id="3" name="内容占位符 2"/>
+              <p:cNvSpPr>
+                <a:spLocks noGrp="1"/>
+              </p:cNvSpPr>
+              <p:nvPr>
+                <p:ph idx="1"/>
+              </p:nvPr>
+            </p:nvSpPr>
+            <p:spPr/>
+            <p:txBody>
+              <a:bodyPr/>
+              <a:lstStyle/>
+              <a:p>
+                <a:r>
+                  <a:rPr lang="en-US" altLang="zh-CN" dirty="0" smtClean="0"/>
+                  <a:t>Guha</a:t>
+                </a:r>
+                <a:r>
+                  <a:rPr lang="en-US" altLang="zh-CN" dirty="0"/>
+                  <a:t> et </a:t>
+                </a:r>
+                <a:r>
+                  <a:rPr lang="en-US" altLang="zh-CN" dirty="0" smtClean="0"/>
+                  <a:t>al. Approximate algorithms for k-median problems</a:t>
+                </a:r>
+              </a:p>
+              <a:p>
+                <a:pPr lvl="1"/>
+                <a:r>
+                  <a:rPr lang="en-US" altLang="zh-CN" dirty="0" smtClean="0"/>
+                  <a:t>Single pass over the stream</a:t>
+                </a:r>
+              </a:p>
+              <a:p>
+                <a:pPr lvl="1"/>
+                <a:r>
+                  <a:rPr lang="en-US" altLang="zh-CN" dirty="0" smtClean="0"/>
+                  <a:t>O(</a:t>
+                </a:r>
+                <a:r>
+                  <a:rPr lang="en-US" altLang="zh-CN" dirty="0" err="1" smtClean="0"/>
+                  <a:t>nk</a:t>
+                </a:r>
+                <a:r>
+                  <a:rPr lang="en-US" altLang="zh-CN" dirty="0" smtClean="0"/>
+                  <a:t>) time complexity and O(</a:t>
+                </a:r>
+                <a14:m>
+                  <m:oMath xmlns:m="http://schemas.openxmlformats.org/officeDocument/2006/math">
+                    <m:r>
+                      <a:rPr lang="en-US" altLang="zh-CN" b="0" i="1" smtClean="0">
+                        <a:latin typeface="Cambria Math"/>
+                      </a:rPr>
+                      <m:t>𝑛</m:t>
+                    </m:r>
+                    <m:r>
+                      <a:rPr lang="en-US" altLang="zh-CN" b="0" i="1" smtClean="0">
+                        <a:latin typeface="Cambria Math"/>
+                      </a:rPr>
+                      <m:t>^</m:t>
+                    </m:r>
+                    <m:r>
+                      <a:rPr lang="en-US" altLang="zh-CN" b="0" i="1" smtClean="0">
+                        <a:latin typeface="Cambria Math"/>
+                      </a:rPr>
+                      <m:t>𝜖</m:t>
+                    </m:r>
+                  </m:oMath>
+                </a14:m>
+                <a:r>
+                  <a:rPr lang="en-US" altLang="zh-CN" dirty="0" smtClean="0"/>
+                  <a:t>) space complexity where </a:t>
+                </a:r>
+                <a14:m>
+                  <m:oMath xmlns:m="http://schemas.openxmlformats.org/officeDocument/2006/math">
+                    <m:r>
+                      <a:rPr lang="en-US" altLang="zh-CN" b="0" i="1" smtClean="0">
+                        <a:latin typeface="Cambria Math"/>
+                      </a:rPr>
+                      <m:t>𝜖</m:t>
+                    </m:r>
+                    <m:r>
+                      <a:rPr lang="en-US" altLang="zh-CN" b="0" i="1" smtClean="0">
+                        <a:latin typeface="Cambria Math"/>
+                      </a:rPr>
+                      <m:t>&lt;1</m:t>
+                    </m:r>
+                  </m:oMath>
+                </a14:m>
+                <a:endParaRPr lang="en-US" altLang="zh-CN" dirty="0" smtClean="0"/>
+              </a:p>
+              <a:p>
+                <a:pPr lvl="1"/>
+                <a:r>
+                  <a:rPr lang="en-US" altLang="zh-CN" dirty="0" smtClean="0"/>
+                  <a:t>Prove at least </a:t>
+                </a:r>
+                <a14:m>
+                  <m:oMath xmlns:m="http://schemas.openxmlformats.org/officeDocument/2006/math">
+                    <m:r>
+                      <m:rPr>
+                        <m:sty m:val="p"/>
+                      </m:rPr>
+                      <a:rPr lang="en-US" altLang="zh-CN" b="0" i="0" smtClean="0">
+                        <a:latin typeface="Cambria Math"/>
+                      </a:rPr>
+                      <m:t>Ω</m:t>
+                    </m:r>
+                  </m:oMath>
+                </a14:m>
+                <a:r>
+                  <a:rPr lang="en-US" altLang="zh-CN" dirty="0" smtClean="0"/>
+                  <a:t>(</a:t>
+                </a:r>
+                <a:r>
+                  <a:rPr lang="en-US" altLang="zh-CN" dirty="0" err="1" smtClean="0"/>
+                  <a:t>nk</a:t>
+                </a:r>
+                <a:r>
+                  <a:rPr lang="en-US" altLang="zh-CN" dirty="0" smtClean="0"/>
+                  <a:t>) time complexity given constant factor approximation</a:t>
+                </a:r>
+              </a:p>
+              <a:p>
+                <a:r>
+                  <a:rPr lang="en-US" altLang="zh-CN" dirty="0" err="1"/>
+                  <a:t>Domingos</a:t>
+                </a:r>
+                <a:r>
+                  <a:rPr lang="en-US" altLang="zh-CN" dirty="0"/>
+                  <a:t> et </a:t>
+                </a:r>
+                <a:r>
+                  <a:rPr lang="en-US" altLang="zh-CN" dirty="0" smtClean="0"/>
+                  <a:t>al. General method named </a:t>
+                </a:r>
+                <a:r>
+                  <a:rPr lang="en-US" altLang="zh-CN" dirty="0"/>
+                  <a:t>Very </a:t>
+                </a:r>
+                <a:r>
+                  <a:rPr lang="en-US" altLang="zh-CN" dirty="0" smtClean="0"/>
+                  <a:t>Fast Machine </a:t>
+                </a:r>
+                <a:r>
+                  <a:rPr lang="en-US" altLang="zh-CN" dirty="0"/>
+                  <a:t>Learning </a:t>
+                </a:r>
+                <a:r>
+                  <a:rPr lang="en-US" altLang="zh-CN" i="1" dirty="0" smtClean="0"/>
+                  <a:t>VFML</a:t>
+                </a:r>
+              </a:p>
+              <a:p>
+                <a:pPr lvl="1"/>
+                <a:r>
+                  <a:rPr lang="en-US" altLang="zh-CN" dirty="0" smtClean="0"/>
+                  <a:t>Applied to K-Means </a:t>
+                </a:r>
+                <a:r>
+                  <a:rPr lang="en-US" altLang="zh-CN" dirty="0" smtClean="0">
+                    <a:sym typeface="Wingdings" pitchFamily="2" charset="2"/>
+                  </a:rPr>
+                  <a:t> VFKM</a:t>
+                </a:r>
+              </a:p>
+              <a:p>
+                <a:pPr lvl="1"/>
+                <a:r>
+                  <a:rPr lang="en-US" altLang="zh-CN" dirty="0" smtClean="0">
+                    <a:sym typeface="Wingdings" pitchFamily="2" charset="2"/>
+                  </a:rPr>
+                  <a:t>Applied to decision tree  VFDT</a:t>
+                </a:r>
+              </a:p>
+              <a:p>
+                <a:r>
+                  <a:rPr lang="en-US" altLang="zh-CN" dirty="0" smtClean="0"/>
+                  <a:t>Ordonez et al. Binary data streams clustering</a:t>
+                </a:r>
+              </a:p>
+              <a:p>
+                <a:r>
+                  <a:rPr lang="en-US" altLang="zh-CN" dirty="0" err="1"/>
+                  <a:t>O’Challaghan</a:t>
+                </a:r>
+                <a:r>
+                  <a:rPr lang="en-US" altLang="zh-CN" dirty="0"/>
+                  <a:t> et </a:t>
+                </a:r>
+                <a:r>
+                  <a:rPr lang="en-US" altLang="zh-CN" dirty="0" smtClean="0"/>
+                  <a:t>al. High quality data stream clustering</a:t>
+                </a:r>
+              </a:p>
+            </p:txBody>
+          </p:sp>
+        </mc:Choice>
+        <mc:Fallback>
+          <p:sp>
+            <p:nvSpPr>
+              <p:cNvPr id="3" name="内容占位符 2"/>
+              <p:cNvSpPr>
+                <a:spLocks noGrp="1" noRot="1" noChangeAspect="1" noMove="1" noResize="1" noEditPoints="1" noAdjustHandles="1" noChangeArrowheads="1" noChangeShapeType="1" noTextEdit="1"/>
+              </p:cNvSpPr>
+              <p:nvPr>
+                <p:ph idx="1"/>
+              </p:nvPr>
+            </p:nvSpPr>
+            <p:spPr>
+              <a:blipFill rotWithShape="1">
+                <a:blip r:embed="rId2"/>
+                <a:stretch>
+                  <a:fillRect l="-479" t="-806"/>
+                </a:stretch>
+              </a:blipFill>
+            </p:spPr>
+            <p:txBody>
+              <a:bodyPr/>
+              <a:lstStyle/>
+              <a:p>
+                <a:r>
+                  <a:rPr lang="zh-CN" altLang="en-US">
+                    <a:noFill/>
+                  </a:rPr>
+                  <a:t> </a:t>
+                </a:r>
+              </a:p>
+            </p:txBody>
+          </p:sp>
+        </mc:Fallback>
+      </mc:AlternateContent>
+    </p:spTree>
+    <p:extLst>
+      <p:ext uri="{BB962C8B-B14F-4D97-AF65-F5344CB8AC3E}">
+        <p14:creationId xmlns:p14="http://schemas.microsoft.com/office/powerpoint/2010/main" val="578387129"/>
+      </p:ext>
+    </p:extLst>
+  </p:cSld>
+  <p:clrMapOvr>
+    <a:masterClrMapping/>
+  </p:clrMapOvr>
+</p:sld>
+</file>
+
+<file path=ppt/slides/slide53.xml><?xml version="1.0" encoding="utf-8"?>
+<p:sld xmlns:a="http://schemas.openxmlformats.org/drawingml/2006/main" xmlns:r="http://schemas.openxmlformats.org/officeDocument/2006/relationships" xmlns:p="http://schemas.openxmlformats.org/presentationml/2006/main">
+  <p:cSld>
+    <p:spTree>
+      <p:nvGrpSpPr>
+        <p:cNvPr id="1" name=""/>
+        <p:cNvGrpSpPr/>
+        <p:nvPr/>
+      </p:nvGrpSpPr>
+      <p:grpSpPr>
+        <a:xfrm>
+          <a:off x="0" y="0"/>
+          <a:ext cx="0" cy="0"/>
+          <a:chOff x="0" y="0"/>
+          <a:chExt cx="0" cy="0"/>
+        </a:xfrm>
+      </p:grpSpPr>
+      <p:sp>
+        <p:nvSpPr>
+          <p:cNvPr id="2" name="标题 1"/>
+          <p:cNvSpPr>
+            <a:spLocks noGrp="1"/>
+          </p:cNvSpPr>
+          <p:nvPr>
+            <p:ph type="title"/>
+          </p:nvPr>
+        </p:nvSpPr>
+        <p:spPr/>
+        <p:txBody>
+          <a:bodyPr/>
+          <a:lstStyle/>
+          <a:p>
+            <a:pPr algn="ctr"/>
+            <a:r>
+              <a:rPr lang="en-US" altLang="zh-CN" dirty="0" smtClean="0"/>
+              <a:t>Data Stream Classification</a:t>
+            </a:r>
+            <a:endParaRPr lang="zh-CN" altLang="en-US" dirty="0"/>
+          </a:p>
+        </p:txBody>
+      </p:sp>
+      <p:sp>
+        <p:nvSpPr>
+          <p:cNvPr id="3" name="内容占位符 2"/>
+          <p:cNvSpPr>
+            <a:spLocks noGrp="1"/>
+          </p:cNvSpPr>
+          <p:nvPr>
+            <p:ph idx="1"/>
+          </p:nvPr>
+        </p:nvSpPr>
+        <p:spPr/>
+        <p:txBody>
+          <a:bodyPr/>
+          <a:lstStyle/>
+          <a:p>
+            <a:endParaRPr lang="zh-CN" altLang="en-US"/>
+          </a:p>
+        </p:txBody>
+      </p:sp>
+    </p:spTree>
+    <p:extLst>
+      <p:ext uri="{BB962C8B-B14F-4D97-AF65-F5344CB8AC3E}">
+        <p14:creationId xmlns:p14="http://schemas.microsoft.com/office/powerpoint/2010/main" val="1779148049"/>
       </p:ext>
     </p:extLst>
   </p:cSld>
@@ -33375,7 +33739,7 @@
   <a:extraClrSchemeLst/>
   <a:extLst>
     <a:ext uri="{05A4C25C-085E-4340-85A3-A5531E510DB2}">
-      <thm15:themeFamily xmlns="" xmlns:thm15="http://schemas.microsoft.com/office/thememl/2012/main" name="Wisp" id="{7CB32D59-10C0-40DD-B7BD-2E94284A981C}" vid="{24B1A44C-C006-48B2-A4D7-E5549B3D8CD4}"/>
+      <thm15:themeFamily xmlns:thm15="http://schemas.microsoft.com/office/thememl/2012/main" xmlns="" name="Wisp" id="{7CB32D59-10C0-40DD-B7BD-2E94284A981C}" vid="{24B1A44C-C006-48B2-A4D7-E5549B3D8CD4}"/>
     </a:ext>
   </a:extLst>
 </a:theme>

--- a/slide/tsdm.pptx
+++ b/slide/tsdm.pptx
@@ -56,8 +56,10 @@
     <p:sldId id="324" r:id="rId50"/>
     <p:sldId id="325" r:id="rId51"/>
     <p:sldId id="326" r:id="rId52"/>
-    <p:sldId id="327" r:id="rId53"/>
-    <p:sldId id="328" r:id="rId54"/>
+    <p:sldId id="329" r:id="rId53"/>
+    <p:sldId id="330" r:id="rId54"/>
+    <p:sldId id="327" r:id="rId55"/>
+    <p:sldId id="328" r:id="rId56"/>
   </p:sldIdLst>
   <p:sldSz cx="12192000" cy="6858000"/>
   <p:notesSz cx="6858000" cy="9144000"/>
@@ -158,7 +160,7 @@
   </p:defaultTextStyle>
   <p:extLst>
     <p:ext uri="{EFAFB233-063F-42B5-8137-9DF3F51BA10A}">
-      <p15:sldGuideLst xmlns:p15="http://schemas.microsoft.com/office/powerpoint/2012/main" xmlns=""/>
+      <p15:sldGuideLst xmlns="" xmlns:p15="http://schemas.microsoft.com/office/powerpoint/2012/main"/>
     </p:ext>
   </p:extLst>
 </p:presentation>
@@ -26437,7 +26439,7 @@
           <a:graphicData uri="http://schemas.openxmlformats.org/presentationml/2006/ole">
             <mc:AlternateContent xmlns:mc="http://schemas.openxmlformats.org/markup-compatibility/2006">
               <mc:Choice xmlns:v="urn:schemas-microsoft-com:vml" Requires="v">
-                <p:oleObj spid="_x0000_s1064" name="點陣圖影像" r:id="rId3" imgW="4638095" imgH="2534004" progId="PBrush">
+                <p:oleObj spid="_x0000_s1076" name="點陣圖影像" r:id="rId3" imgW="4638095" imgH="2534004" progId="PBrush">
                   <p:embed/>
                 </p:oleObj>
               </mc:Choice>
@@ -26508,7 +26510,7 @@
           <a:graphicData uri="http://schemas.openxmlformats.org/presentationml/2006/ole">
             <mc:AlternateContent xmlns:mc="http://schemas.openxmlformats.org/markup-compatibility/2006">
               <mc:Choice xmlns:v="urn:schemas-microsoft-com:vml" Requires="v">
-                <p:oleObj spid="_x0000_s1065" name="BMP 图像" r:id="rId5" imgW="4381560" imgH="1305000" progId="Paint.Picture">
+                <p:oleObj spid="_x0000_s1077" name="BMP 图像" r:id="rId5" imgW="4381560" imgH="1305000" progId="Paint.Picture">
                   <p:embed/>
                 </p:oleObj>
               </mc:Choice>
@@ -31632,6 +31634,13 @@
   <p:clrMapOvr>
     <a:masterClrMapping/>
   </p:clrMapOvr>
+  <p:timing>
+    <p:tnLst>
+      <p:par>
+        <p:cTn id="1" dur="indefinite" restart="never" nodeType="tmRoot"/>
+      </p:par>
+    </p:tnLst>
+  </p:timing>
 </p:sld>
 </file>
 
@@ -31670,6 +31679,1343 @@
             <a:pPr algn="ctr"/>
             <a:r>
               <a:rPr lang="en-US" altLang="zh-CN" dirty="0" smtClean="0"/>
+              <a:t>Pros &amp; Cons </a:t>
+            </a:r>
+            <a:endParaRPr lang="zh-CN" altLang="en-US" dirty="0"/>
+          </a:p>
+        </p:txBody>
+      </p:sp>
+      <p:graphicFrame>
+        <p:nvGraphicFramePr>
+          <p:cNvPr id="6" name="内容占位符 3"/>
+          <p:cNvGraphicFramePr>
+            <a:graphicFrameLocks/>
+          </p:cNvGraphicFramePr>
+          <p:nvPr>
+            <p:extLst>
+              <p:ext uri="{D42A27DB-BD31-4B8C-83A1-F6EECF244321}">
+                <p14:modId xmlns:p14="http://schemas.microsoft.com/office/powerpoint/2010/main" val="1736800112"/>
+              </p:ext>
+            </p:extLst>
+          </p:nvPr>
+        </p:nvGraphicFramePr>
+        <p:xfrm>
+          <a:off x="2498902" y="1749778"/>
+          <a:ext cx="8915400" cy="4668520"/>
+        </p:xfrm>
+        <a:graphic>
+          <a:graphicData uri="http://schemas.openxmlformats.org/drawingml/2006/table">
+            <a:tbl>
+              <a:tblPr firstRow="1" bandRow="1">
+                <a:tableStyleId>{5C22544A-7EE6-4342-B048-85BDC9FD1C3A}</a:tableStyleId>
+              </a:tblPr>
+              <a:tblGrid>
+                <a:gridCol w="2228850"/>
+                <a:gridCol w="2228850"/>
+                <a:gridCol w="2228850"/>
+                <a:gridCol w="2228850"/>
+              </a:tblGrid>
+              <a:tr h="370840">
+                <a:tc>
+                  <a:txBody>
+                    <a:bodyPr/>
+                    <a:lstStyle/>
+                    <a:p>
+                      <a:r>
+                        <a:rPr lang="en-US" altLang="zh-CN" dirty="0" smtClean="0"/>
+                        <a:t>Techniques</a:t>
+                      </a:r>
+                      <a:endParaRPr lang="zh-CN" altLang="en-US" dirty="0"/>
+                    </a:p>
+                  </a:txBody>
+                  <a:tcPr/>
+                </a:tc>
+                <a:tc>
+                  <a:txBody>
+                    <a:bodyPr/>
+                    <a:lstStyle/>
+                    <a:p>
+                      <a:r>
+                        <a:rPr lang="en-US" altLang="zh-CN" dirty="0" smtClean="0"/>
+                        <a:t>Definitions</a:t>
+                      </a:r>
+                      <a:endParaRPr lang="zh-CN" altLang="en-US" dirty="0"/>
+                    </a:p>
+                  </a:txBody>
+                  <a:tcPr/>
+                </a:tc>
+                <a:tc>
+                  <a:txBody>
+                    <a:bodyPr/>
+                    <a:lstStyle/>
+                    <a:p>
+                      <a:r>
+                        <a:rPr lang="en-US" altLang="zh-CN" dirty="0" smtClean="0"/>
+                        <a:t>Pros</a:t>
+                      </a:r>
+                      <a:endParaRPr lang="zh-CN" altLang="en-US" dirty="0"/>
+                    </a:p>
+                  </a:txBody>
+                  <a:tcPr/>
+                </a:tc>
+                <a:tc>
+                  <a:txBody>
+                    <a:bodyPr/>
+                    <a:lstStyle/>
+                    <a:p>
+                      <a:r>
+                        <a:rPr lang="en-US" altLang="zh-CN" dirty="0" smtClean="0"/>
+                        <a:t>Cons</a:t>
+                      </a:r>
+                      <a:endParaRPr lang="zh-CN" altLang="en-US" dirty="0"/>
+                    </a:p>
+                  </a:txBody>
+                  <a:tcPr/>
+                </a:tc>
+              </a:tr>
+              <a:tr h="370840">
+                <a:tc>
+                  <a:txBody>
+                    <a:bodyPr/>
+                    <a:lstStyle/>
+                    <a:p>
+                      <a:r>
+                        <a:rPr lang="en-US" altLang="zh-CN" dirty="0" smtClean="0"/>
+                        <a:t>Sampling</a:t>
+                      </a:r>
+                      <a:endParaRPr lang="zh-CN" altLang="en-US" dirty="0"/>
+                    </a:p>
+                  </a:txBody>
+                  <a:tcPr/>
+                </a:tc>
+                <a:tc>
+                  <a:txBody>
+                    <a:bodyPr/>
+                    <a:lstStyle/>
+                    <a:p>
+                      <a:r>
+                        <a:rPr lang="en-US" altLang="zh-CN" sz="1800" b="0" i="0" u="none" strike="noStrike" kern="1200" baseline="0" dirty="0" smtClean="0">
+                          <a:solidFill>
+                            <a:schemeClr val="dk1"/>
+                          </a:solidFill>
+                          <a:latin typeface="+mn-lt"/>
+                          <a:ea typeface="+mn-ea"/>
+                          <a:cs typeface="+mn-cs"/>
+                        </a:rPr>
+                        <a:t>Choosing a data</a:t>
+                      </a:r>
+                    </a:p>
+                    <a:p>
+                      <a:r>
+                        <a:rPr lang="en-US" altLang="zh-CN" sz="1800" b="0" i="0" u="none" strike="noStrike" kern="1200" baseline="0" dirty="0" smtClean="0">
+                          <a:solidFill>
+                            <a:schemeClr val="dk1"/>
+                          </a:solidFill>
+                          <a:latin typeface="+mn-lt"/>
+                          <a:ea typeface="+mn-ea"/>
+                          <a:cs typeface="+mn-cs"/>
+                        </a:rPr>
+                        <a:t>subset for analysis</a:t>
+                      </a:r>
+                      <a:endParaRPr lang="zh-CN" altLang="en-US" dirty="0"/>
+                    </a:p>
+                  </a:txBody>
+                  <a:tcPr/>
+                </a:tc>
+                <a:tc>
+                  <a:txBody>
+                    <a:bodyPr/>
+                    <a:lstStyle/>
+                    <a:p>
+                      <a:r>
+                        <a:rPr lang="en-US" altLang="zh-CN" sz="1800" b="0" i="0" u="none" strike="noStrike" kern="1200" baseline="0" dirty="0" smtClean="0">
+                          <a:solidFill>
+                            <a:schemeClr val="dk1"/>
+                          </a:solidFill>
+                          <a:latin typeface="+mn-lt"/>
+                          <a:ea typeface="+mn-ea"/>
+                          <a:cs typeface="+mn-cs"/>
+                        </a:rPr>
+                        <a:t>Error Bounds</a:t>
+                      </a:r>
+                    </a:p>
+                    <a:p>
+                      <a:r>
+                        <a:rPr lang="en-US" altLang="zh-CN" sz="1800" b="0" i="0" u="none" strike="noStrike" kern="1200" baseline="0" dirty="0" smtClean="0">
+                          <a:solidFill>
+                            <a:schemeClr val="dk1"/>
+                          </a:solidFill>
+                          <a:latin typeface="+mn-lt"/>
+                          <a:ea typeface="+mn-ea"/>
+                          <a:cs typeface="+mn-cs"/>
+                        </a:rPr>
+                        <a:t>Guaranteed</a:t>
+                      </a:r>
+                      <a:endParaRPr lang="zh-CN" altLang="en-US" dirty="0"/>
+                    </a:p>
+                  </a:txBody>
+                  <a:tcPr/>
+                </a:tc>
+                <a:tc>
+                  <a:txBody>
+                    <a:bodyPr/>
+                    <a:lstStyle/>
+                    <a:p>
+                      <a:r>
+                        <a:rPr lang="en-US" altLang="zh-CN" sz="1800" b="0" i="0" u="none" strike="noStrike" kern="1200" baseline="0" dirty="0" smtClean="0">
+                          <a:solidFill>
+                            <a:schemeClr val="dk1"/>
+                          </a:solidFill>
+                          <a:latin typeface="+mn-lt"/>
+                          <a:ea typeface="+mn-ea"/>
+                          <a:cs typeface="+mn-cs"/>
+                        </a:rPr>
+                        <a:t>Poor for</a:t>
+                      </a:r>
+                    </a:p>
+                    <a:p>
+                      <a:r>
+                        <a:rPr lang="en-US" altLang="zh-CN" sz="1800" b="0" i="0" u="none" strike="noStrike" kern="1200" baseline="0" dirty="0" smtClean="0">
+                          <a:solidFill>
+                            <a:schemeClr val="dk1"/>
+                          </a:solidFill>
+                          <a:latin typeface="+mn-lt"/>
+                          <a:ea typeface="+mn-ea"/>
+                          <a:cs typeface="+mn-cs"/>
+                        </a:rPr>
+                        <a:t>anomaly detection</a:t>
+                      </a:r>
+                      <a:endParaRPr lang="zh-CN" altLang="en-US" dirty="0"/>
+                    </a:p>
+                  </a:txBody>
+                  <a:tcPr/>
+                </a:tc>
+              </a:tr>
+              <a:tr h="370840">
+                <a:tc>
+                  <a:txBody>
+                    <a:bodyPr/>
+                    <a:lstStyle/>
+                    <a:p>
+                      <a:r>
+                        <a:rPr lang="en-US" altLang="zh-CN" dirty="0" smtClean="0"/>
+                        <a:t>Load</a:t>
+                      </a:r>
+                    </a:p>
+                    <a:p>
+                      <a:r>
+                        <a:rPr lang="en-US" altLang="zh-CN" dirty="0" smtClean="0"/>
+                        <a:t>Shedding</a:t>
+                      </a:r>
+                      <a:endParaRPr lang="zh-CN" altLang="en-US" dirty="0"/>
+                    </a:p>
+                  </a:txBody>
+                  <a:tcPr/>
+                </a:tc>
+                <a:tc>
+                  <a:txBody>
+                    <a:bodyPr/>
+                    <a:lstStyle/>
+                    <a:p>
+                      <a:r>
+                        <a:rPr lang="en-US" altLang="zh-CN" sz="1800" b="0" i="0" u="none" strike="noStrike" kern="1200" baseline="0" dirty="0" smtClean="0">
+                          <a:solidFill>
+                            <a:schemeClr val="dk1"/>
+                          </a:solidFill>
+                          <a:latin typeface="+mn-lt"/>
+                          <a:ea typeface="+mn-ea"/>
+                          <a:cs typeface="+mn-cs"/>
+                        </a:rPr>
+                        <a:t>Ignoring a chunk</a:t>
+                      </a:r>
+                    </a:p>
+                    <a:p>
+                      <a:r>
+                        <a:rPr lang="en-US" altLang="zh-CN" sz="1800" b="0" i="0" u="none" strike="noStrike" kern="1200" baseline="0" dirty="0" smtClean="0">
+                          <a:solidFill>
+                            <a:schemeClr val="dk1"/>
+                          </a:solidFill>
+                          <a:latin typeface="+mn-lt"/>
+                          <a:ea typeface="+mn-ea"/>
+                          <a:cs typeface="+mn-cs"/>
+                        </a:rPr>
+                        <a:t>of data</a:t>
+                      </a:r>
+                      <a:endParaRPr lang="zh-CN" altLang="en-US" dirty="0"/>
+                    </a:p>
+                  </a:txBody>
+                  <a:tcPr/>
+                </a:tc>
+                <a:tc>
+                  <a:txBody>
+                    <a:bodyPr/>
+                    <a:lstStyle/>
+                    <a:p>
+                      <a:r>
+                        <a:rPr lang="en-US" altLang="zh-CN" sz="1800" b="0" i="0" u="none" strike="noStrike" kern="1200" baseline="0" dirty="0" smtClean="0">
+                          <a:solidFill>
+                            <a:schemeClr val="dk1"/>
+                          </a:solidFill>
+                          <a:latin typeface="+mn-lt"/>
+                          <a:ea typeface="+mn-ea"/>
+                          <a:cs typeface="+mn-cs"/>
+                        </a:rPr>
+                        <a:t>Efficient</a:t>
+                      </a:r>
+                    </a:p>
+                    <a:p>
+                      <a:r>
+                        <a:rPr lang="en-US" altLang="zh-CN" sz="1800" b="0" i="0" u="none" strike="noStrike" kern="1200" baseline="0" dirty="0" smtClean="0">
+                          <a:solidFill>
+                            <a:schemeClr val="dk1"/>
+                          </a:solidFill>
+                          <a:latin typeface="+mn-lt"/>
+                          <a:ea typeface="+mn-ea"/>
+                          <a:cs typeface="+mn-cs"/>
+                        </a:rPr>
+                        <a:t>for queries</a:t>
+                      </a:r>
+                      <a:endParaRPr lang="zh-CN" altLang="en-US" dirty="0"/>
+                    </a:p>
+                  </a:txBody>
+                  <a:tcPr/>
+                </a:tc>
+                <a:tc>
+                  <a:txBody>
+                    <a:bodyPr/>
+                    <a:lstStyle/>
+                    <a:p>
+                      <a:r>
+                        <a:rPr lang="en-US" altLang="zh-CN" dirty="0" smtClean="0"/>
+                        <a:t>Very poor for</a:t>
+                      </a:r>
+                    </a:p>
+                    <a:p>
+                      <a:r>
+                        <a:rPr lang="en-US" altLang="zh-CN" dirty="0" smtClean="0"/>
+                        <a:t>anomaly detection</a:t>
+                      </a:r>
+                      <a:endParaRPr lang="zh-CN" altLang="en-US" dirty="0"/>
+                    </a:p>
+                  </a:txBody>
+                  <a:tcPr/>
+                </a:tc>
+              </a:tr>
+              <a:tr h="370840">
+                <a:tc>
+                  <a:txBody>
+                    <a:bodyPr/>
+                    <a:lstStyle/>
+                    <a:p>
+                      <a:r>
+                        <a:rPr lang="en-US" altLang="zh-CN" dirty="0" smtClean="0"/>
+                        <a:t>Sketching</a:t>
+                      </a:r>
+                      <a:endParaRPr lang="zh-CN" altLang="en-US" dirty="0"/>
+                    </a:p>
+                  </a:txBody>
+                  <a:tcPr/>
+                </a:tc>
+                <a:tc>
+                  <a:txBody>
+                    <a:bodyPr/>
+                    <a:lstStyle/>
+                    <a:p>
+                      <a:r>
+                        <a:rPr lang="en-US" altLang="zh-CN" sz="1800" b="0" i="0" u="none" strike="noStrike" kern="1200" baseline="0" dirty="0" smtClean="0">
+                          <a:solidFill>
+                            <a:schemeClr val="dk1"/>
+                          </a:solidFill>
+                          <a:latin typeface="+mn-lt"/>
+                          <a:ea typeface="+mn-ea"/>
+                          <a:cs typeface="+mn-cs"/>
+                        </a:rPr>
+                        <a:t>Random projection</a:t>
+                      </a:r>
+                    </a:p>
+                    <a:p>
+                      <a:r>
+                        <a:rPr lang="en-US" altLang="zh-CN" sz="1800" b="0" i="0" u="none" strike="noStrike" kern="1200" baseline="0" dirty="0" smtClean="0">
+                          <a:solidFill>
+                            <a:schemeClr val="dk1"/>
+                          </a:solidFill>
+                          <a:latin typeface="+mn-lt"/>
+                          <a:ea typeface="+mn-ea"/>
+                          <a:cs typeface="+mn-cs"/>
+                        </a:rPr>
+                        <a:t>on feature set</a:t>
+                      </a:r>
+                      <a:endParaRPr lang="zh-CN" altLang="en-US" dirty="0"/>
+                    </a:p>
+                  </a:txBody>
+                  <a:tcPr/>
+                </a:tc>
+                <a:tc>
+                  <a:txBody>
+                    <a:bodyPr/>
+                    <a:lstStyle/>
+                    <a:p>
+                      <a:r>
+                        <a:rPr lang="en-US" altLang="zh-CN" sz="1800" b="0" i="0" u="none" strike="noStrike" kern="1200" baseline="0" dirty="0" smtClean="0">
+                          <a:solidFill>
+                            <a:schemeClr val="dk1"/>
+                          </a:solidFill>
+                          <a:latin typeface="+mn-lt"/>
+                          <a:ea typeface="+mn-ea"/>
+                          <a:cs typeface="+mn-cs"/>
+                        </a:rPr>
+                        <a:t>Extremely</a:t>
+                      </a:r>
+                    </a:p>
+                    <a:p>
+                      <a:r>
+                        <a:rPr lang="en-US" altLang="zh-CN" sz="1800" b="0" i="0" u="none" strike="noStrike" kern="1200" baseline="0" dirty="0" smtClean="0">
+                          <a:solidFill>
+                            <a:schemeClr val="dk1"/>
+                          </a:solidFill>
+                          <a:latin typeface="+mn-lt"/>
+                          <a:ea typeface="+mn-ea"/>
+                          <a:cs typeface="+mn-cs"/>
+                        </a:rPr>
+                        <a:t>Efficient</a:t>
+                      </a:r>
+                      <a:endParaRPr lang="zh-CN" altLang="en-US" dirty="0"/>
+                    </a:p>
+                  </a:txBody>
+                  <a:tcPr/>
+                </a:tc>
+                <a:tc>
+                  <a:txBody>
+                    <a:bodyPr/>
+                    <a:lstStyle/>
+                    <a:p>
+                      <a:r>
+                        <a:rPr lang="en-US" altLang="zh-CN" sz="1800" b="0" i="0" u="none" strike="noStrike" kern="1200" baseline="0" dirty="0" smtClean="0">
+                          <a:solidFill>
+                            <a:schemeClr val="dk1"/>
+                          </a:solidFill>
+                          <a:latin typeface="+mn-lt"/>
+                          <a:ea typeface="+mn-ea"/>
+                          <a:cs typeface="+mn-cs"/>
+                        </a:rPr>
+                        <a:t>May ignore</a:t>
+                      </a:r>
+                    </a:p>
+                    <a:p>
+                      <a:r>
+                        <a:rPr lang="en-US" altLang="zh-CN" sz="1800" b="0" i="0" u="none" strike="noStrike" kern="1200" baseline="0" dirty="0" smtClean="0">
+                          <a:solidFill>
+                            <a:schemeClr val="dk1"/>
+                          </a:solidFill>
+                          <a:latin typeface="+mn-lt"/>
+                          <a:ea typeface="+mn-ea"/>
+                          <a:cs typeface="+mn-cs"/>
+                        </a:rPr>
+                        <a:t>Relevant features</a:t>
+                      </a:r>
+                      <a:endParaRPr lang="zh-CN" altLang="en-US" dirty="0"/>
+                    </a:p>
+                  </a:txBody>
+                  <a:tcPr/>
+                </a:tc>
+              </a:tr>
+              <a:tr h="370840">
+                <a:tc>
+                  <a:txBody>
+                    <a:bodyPr/>
+                    <a:lstStyle/>
+                    <a:p>
+                      <a:r>
+                        <a:rPr lang="en-US" altLang="zh-CN" dirty="0" smtClean="0"/>
+                        <a:t>Synopsis</a:t>
+                      </a:r>
+                    </a:p>
+                    <a:p>
+                      <a:r>
+                        <a:rPr lang="en-US" altLang="zh-CN" dirty="0" smtClean="0"/>
+                        <a:t>Structure</a:t>
+                      </a:r>
+                      <a:endParaRPr lang="zh-CN" altLang="en-US" dirty="0"/>
+                    </a:p>
+                  </a:txBody>
+                  <a:tcPr/>
+                </a:tc>
+                <a:tc>
+                  <a:txBody>
+                    <a:bodyPr/>
+                    <a:lstStyle/>
+                    <a:p>
+                      <a:r>
+                        <a:rPr lang="en-US" altLang="zh-CN" sz="1800" b="0" i="0" u="none" strike="noStrike" kern="1200" baseline="0" dirty="0" smtClean="0">
+                          <a:solidFill>
+                            <a:schemeClr val="dk1"/>
+                          </a:solidFill>
+                          <a:latin typeface="+mn-lt"/>
+                          <a:ea typeface="+mn-ea"/>
+                          <a:cs typeface="+mn-cs"/>
+                        </a:rPr>
+                        <a:t>Quick</a:t>
+                      </a:r>
+                    </a:p>
+                    <a:p>
+                      <a:r>
+                        <a:rPr lang="en-US" altLang="zh-CN" sz="1800" b="0" i="0" u="none" strike="noStrike" kern="1200" baseline="0" dirty="0" smtClean="0">
+                          <a:solidFill>
+                            <a:schemeClr val="dk1"/>
+                          </a:solidFill>
+                          <a:latin typeface="+mn-lt"/>
+                          <a:ea typeface="+mn-ea"/>
+                          <a:cs typeface="+mn-cs"/>
+                        </a:rPr>
+                        <a:t>Transformation</a:t>
+                      </a:r>
+                      <a:endParaRPr lang="zh-CN" altLang="en-US" dirty="0"/>
+                    </a:p>
+                  </a:txBody>
+                  <a:tcPr/>
+                </a:tc>
+                <a:tc>
+                  <a:txBody>
+                    <a:bodyPr/>
+                    <a:lstStyle/>
+                    <a:p>
+                      <a:r>
+                        <a:rPr lang="en-US" altLang="zh-CN" sz="1800" b="0" i="0" u="none" strike="noStrike" kern="1200" baseline="0" dirty="0" smtClean="0">
+                          <a:solidFill>
+                            <a:schemeClr val="dk1"/>
+                          </a:solidFill>
+                          <a:latin typeface="+mn-lt"/>
+                          <a:ea typeface="+mn-ea"/>
+                          <a:cs typeface="+mn-cs"/>
+                        </a:rPr>
+                        <a:t>Analysis Task</a:t>
+                      </a:r>
+                    </a:p>
+                    <a:p>
+                      <a:r>
+                        <a:rPr lang="en-US" altLang="zh-CN" sz="1800" b="0" i="0" u="none" strike="noStrike" kern="1200" baseline="0" dirty="0" smtClean="0">
+                          <a:solidFill>
+                            <a:schemeClr val="dk1"/>
+                          </a:solidFill>
+                          <a:latin typeface="+mn-lt"/>
+                          <a:ea typeface="+mn-ea"/>
+                          <a:cs typeface="+mn-cs"/>
+                        </a:rPr>
+                        <a:t>Independent</a:t>
+                      </a:r>
+                      <a:endParaRPr lang="zh-CN" altLang="en-US" dirty="0"/>
+                    </a:p>
+                  </a:txBody>
+                  <a:tcPr/>
+                </a:tc>
+                <a:tc>
+                  <a:txBody>
+                    <a:bodyPr/>
+                    <a:lstStyle/>
+                    <a:p>
+                      <a:r>
+                        <a:rPr lang="en-US" altLang="zh-CN" sz="1800" b="0" i="0" u="none" strike="noStrike" kern="1200" baseline="0" dirty="0" smtClean="0">
+                          <a:solidFill>
+                            <a:schemeClr val="dk1"/>
+                          </a:solidFill>
+                          <a:latin typeface="+mn-lt"/>
+                          <a:ea typeface="+mn-ea"/>
+                          <a:cs typeface="+mn-cs"/>
+                        </a:rPr>
+                        <a:t>Not sufficient</a:t>
+                      </a:r>
+                    </a:p>
+                    <a:p>
+                      <a:r>
+                        <a:rPr lang="en-US" altLang="zh-CN" sz="1800" b="0" i="0" u="none" strike="noStrike" kern="1200" baseline="0" dirty="0" smtClean="0">
+                          <a:solidFill>
+                            <a:schemeClr val="dk1"/>
+                          </a:solidFill>
+                          <a:latin typeface="+mn-lt"/>
+                          <a:ea typeface="+mn-ea"/>
+                          <a:cs typeface="+mn-cs"/>
+                        </a:rPr>
+                        <a:t>for very</a:t>
+                      </a:r>
+                    </a:p>
+                    <a:p>
+                      <a:r>
+                        <a:rPr lang="en-US" altLang="zh-CN" sz="1800" b="0" i="0" u="none" strike="noStrike" kern="1200" baseline="0" dirty="0" smtClean="0">
+                          <a:solidFill>
+                            <a:schemeClr val="dk1"/>
+                          </a:solidFill>
+                          <a:latin typeface="+mn-lt"/>
+                          <a:ea typeface="+mn-ea"/>
+                          <a:cs typeface="+mn-cs"/>
+                        </a:rPr>
+                        <a:t>fast stream</a:t>
+                      </a:r>
+                      <a:endParaRPr lang="zh-CN" altLang="en-US" dirty="0"/>
+                    </a:p>
+                  </a:txBody>
+                  <a:tcPr/>
+                </a:tc>
+              </a:tr>
+              <a:tr h="370840">
+                <a:tc>
+                  <a:txBody>
+                    <a:bodyPr/>
+                    <a:lstStyle/>
+                    <a:p>
+                      <a:r>
+                        <a:rPr lang="en-US" altLang="zh-CN" dirty="0" smtClean="0"/>
+                        <a:t>Aggregation</a:t>
+                      </a:r>
+                      <a:endParaRPr lang="zh-CN" altLang="en-US" dirty="0"/>
+                    </a:p>
+                  </a:txBody>
+                  <a:tcPr/>
+                </a:tc>
+                <a:tc>
+                  <a:txBody>
+                    <a:bodyPr/>
+                    <a:lstStyle/>
+                    <a:p>
+                      <a:r>
+                        <a:rPr lang="en-US" altLang="zh-CN" sz="1800" b="0" i="0" u="none" strike="noStrike" kern="1200" baseline="0" dirty="0" smtClean="0">
+                          <a:solidFill>
+                            <a:schemeClr val="dk1"/>
+                          </a:solidFill>
+                          <a:latin typeface="+mn-lt"/>
+                          <a:ea typeface="+mn-ea"/>
+                          <a:cs typeface="+mn-cs"/>
+                        </a:rPr>
+                        <a:t>Compiling summary statistics</a:t>
+                      </a:r>
+                      <a:endParaRPr lang="zh-CN" altLang="en-US" dirty="0"/>
+                    </a:p>
+                  </a:txBody>
+                  <a:tcPr/>
+                </a:tc>
+                <a:tc>
+                  <a:txBody>
+                    <a:bodyPr/>
+                    <a:lstStyle/>
+                    <a:p>
+                      <a:r>
+                        <a:rPr lang="en-US" altLang="zh-CN" sz="1800" b="0" i="0" u="none" strike="noStrike" kern="1200" baseline="0" dirty="0" smtClean="0">
+                          <a:solidFill>
+                            <a:schemeClr val="dk1"/>
+                          </a:solidFill>
+                          <a:latin typeface="+mn-lt"/>
+                          <a:ea typeface="+mn-ea"/>
+                          <a:cs typeface="+mn-cs"/>
+                        </a:rPr>
+                        <a:t>Analysis Task Independent</a:t>
+                      </a:r>
+                      <a:endParaRPr lang="zh-CN" altLang="en-US" dirty="0"/>
+                    </a:p>
+                  </a:txBody>
+                  <a:tcPr/>
+                </a:tc>
+                <a:tc>
+                  <a:txBody>
+                    <a:bodyPr/>
+                    <a:lstStyle/>
+                    <a:p>
+                      <a:r>
+                        <a:rPr lang="en-US" altLang="zh-CN" sz="1800" b="0" i="0" u="none" strike="noStrike" kern="1200" baseline="0" dirty="0" smtClean="0">
+                          <a:solidFill>
+                            <a:schemeClr val="dk1"/>
+                          </a:solidFill>
+                          <a:latin typeface="+mn-lt"/>
+                          <a:ea typeface="+mn-ea"/>
+                          <a:cs typeface="+mn-cs"/>
+                        </a:rPr>
+                        <a:t>May ignore</a:t>
+                      </a:r>
+                    </a:p>
+                    <a:p>
+                      <a:r>
+                        <a:rPr lang="en-US" altLang="zh-CN" sz="1800" b="0" i="0" u="none" strike="noStrike" kern="1200" baseline="0" dirty="0" smtClean="0">
+                          <a:solidFill>
+                            <a:schemeClr val="dk1"/>
+                          </a:solidFill>
+                          <a:latin typeface="+mn-lt"/>
+                          <a:ea typeface="+mn-ea"/>
+                          <a:cs typeface="+mn-cs"/>
+                        </a:rPr>
+                        <a:t>Relevant features</a:t>
+                      </a:r>
+                      <a:endParaRPr lang="zh-CN" altLang="en-US" dirty="0"/>
+                    </a:p>
+                  </a:txBody>
+                  <a:tcPr/>
+                </a:tc>
+              </a:tr>
+            </a:tbl>
+          </a:graphicData>
+        </a:graphic>
+      </p:graphicFrame>
+      <p:sp>
+        <p:nvSpPr>
+          <p:cNvPr id="7" name="TextBox 6"/>
+          <p:cNvSpPr txBox="1"/>
+          <p:nvPr/>
+        </p:nvSpPr>
+        <p:spPr>
+          <a:xfrm>
+            <a:off x="2144889" y="1237734"/>
+            <a:ext cx="2167467" cy="369332"/>
+          </a:xfrm>
+          <a:prstGeom prst="rect">
+            <a:avLst/>
+          </a:prstGeom>
+          <a:noFill/>
+        </p:spPr>
+        <p:txBody>
+          <a:bodyPr wrap="square" rtlCol="0">
+            <a:spAutoFit/>
+          </a:bodyPr>
+          <a:lstStyle/>
+          <a:p>
+            <a:r>
+              <a:rPr lang="en-US" altLang="zh-CN" b="1" dirty="0" smtClean="0"/>
+              <a:t>Data-Based:</a:t>
+            </a:r>
+            <a:endParaRPr lang="zh-CN" altLang="en-US" b="1" dirty="0"/>
+          </a:p>
+        </p:txBody>
+      </p:sp>
+    </p:spTree>
+    <p:extLst>
+      <p:ext uri="{BB962C8B-B14F-4D97-AF65-F5344CB8AC3E}">
+        <p14:creationId xmlns:p14="http://schemas.microsoft.com/office/powerpoint/2010/main" val="2716823806"/>
+      </p:ext>
+    </p:extLst>
+  </p:cSld>
+  <p:clrMapOvr>
+    <a:masterClrMapping/>
+  </p:clrMapOvr>
+</p:sld>
+</file>
+
+<file path=ppt/slides/slide53.xml><?xml version="1.0" encoding="utf-8"?>
+<p:sld xmlns:a="http://schemas.openxmlformats.org/drawingml/2006/main" xmlns:r="http://schemas.openxmlformats.org/officeDocument/2006/relationships" xmlns:p="http://schemas.openxmlformats.org/presentationml/2006/main">
+  <p:cSld>
+    <p:spTree>
+      <p:nvGrpSpPr>
+        <p:cNvPr id="1" name=""/>
+        <p:cNvGrpSpPr/>
+        <p:nvPr/>
+      </p:nvGrpSpPr>
+      <p:grpSpPr>
+        <a:xfrm>
+          <a:off x="0" y="0"/>
+          <a:ext cx="0" cy="0"/>
+          <a:chOff x="0" y="0"/>
+          <a:chExt cx="0" cy="0"/>
+        </a:xfrm>
+      </p:grpSpPr>
+      <p:sp>
+        <p:nvSpPr>
+          <p:cNvPr id="2" name="标题 1"/>
+          <p:cNvSpPr>
+            <a:spLocks noGrp="1"/>
+          </p:cNvSpPr>
+          <p:nvPr>
+            <p:ph type="title"/>
+          </p:nvPr>
+        </p:nvSpPr>
+        <p:spPr/>
+        <p:txBody>
+          <a:bodyPr/>
+          <a:lstStyle/>
+          <a:p>
+            <a:pPr algn="ctr"/>
+            <a:r>
+              <a:rPr lang="en-US" altLang="zh-CN" dirty="0" smtClean="0"/>
+              <a:t>Pros &amp; Cons </a:t>
+            </a:r>
+            <a:endParaRPr lang="zh-CN" altLang="en-US" dirty="0"/>
+          </a:p>
+        </p:txBody>
+      </p:sp>
+      <p:graphicFrame>
+        <p:nvGraphicFramePr>
+          <p:cNvPr id="6" name="内容占位符 3"/>
+          <p:cNvGraphicFramePr>
+            <a:graphicFrameLocks/>
+          </p:cNvGraphicFramePr>
+          <p:nvPr>
+            <p:extLst>
+              <p:ext uri="{D42A27DB-BD31-4B8C-83A1-F6EECF244321}">
+                <p14:modId xmlns:p14="http://schemas.microsoft.com/office/powerpoint/2010/main" val="3611915865"/>
+              </p:ext>
+            </p:extLst>
+          </p:nvPr>
+        </p:nvGraphicFramePr>
+        <p:xfrm>
+          <a:off x="2498902" y="1749778"/>
+          <a:ext cx="8915400" cy="3662680"/>
+        </p:xfrm>
+        <a:graphic>
+          <a:graphicData uri="http://schemas.openxmlformats.org/drawingml/2006/table">
+            <a:tbl>
+              <a:tblPr firstRow="1" bandRow="1">
+                <a:tableStyleId>{5C22544A-7EE6-4342-B048-85BDC9FD1C3A}</a:tableStyleId>
+              </a:tblPr>
+              <a:tblGrid>
+                <a:gridCol w="2228850"/>
+                <a:gridCol w="2228850"/>
+                <a:gridCol w="2228850"/>
+                <a:gridCol w="2228850"/>
+              </a:tblGrid>
+              <a:tr h="370840">
+                <a:tc>
+                  <a:txBody>
+                    <a:bodyPr/>
+                    <a:lstStyle/>
+                    <a:p>
+                      <a:r>
+                        <a:rPr lang="en-US" altLang="zh-CN" smtClean="0"/>
+                        <a:t>Techniques</a:t>
+                      </a:r>
+                      <a:endParaRPr lang="zh-CN" altLang="en-US" dirty="0"/>
+                    </a:p>
+                  </a:txBody>
+                  <a:tcPr/>
+                </a:tc>
+                <a:tc>
+                  <a:txBody>
+                    <a:bodyPr/>
+                    <a:lstStyle/>
+                    <a:p>
+                      <a:r>
+                        <a:rPr lang="en-US" altLang="zh-CN" smtClean="0"/>
+                        <a:t>Definitions</a:t>
+                      </a:r>
+                      <a:endParaRPr lang="zh-CN" altLang="en-US" dirty="0"/>
+                    </a:p>
+                  </a:txBody>
+                  <a:tcPr/>
+                </a:tc>
+                <a:tc>
+                  <a:txBody>
+                    <a:bodyPr/>
+                    <a:lstStyle/>
+                    <a:p>
+                      <a:r>
+                        <a:rPr lang="en-US" altLang="zh-CN" smtClean="0"/>
+                        <a:t>Pros</a:t>
+                      </a:r>
+                      <a:endParaRPr lang="zh-CN" altLang="en-US" dirty="0"/>
+                    </a:p>
+                  </a:txBody>
+                  <a:tcPr/>
+                </a:tc>
+                <a:tc>
+                  <a:txBody>
+                    <a:bodyPr/>
+                    <a:lstStyle/>
+                    <a:p>
+                      <a:r>
+                        <a:rPr lang="en-US" altLang="zh-CN" smtClean="0"/>
+                        <a:t>Cons</a:t>
+                      </a:r>
+                      <a:endParaRPr lang="zh-CN" altLang="en-US" dirty="0"/>
+                    </a:p>
+                  </a:txBody>
+                  <a:tcPr/>
+                </a:tc>
+              </a:tr>
+              <a:tr h="769338">
+                <a:tc>
+                  <a:txBody>
+                    <a:bodyPr/>
+                    <a:lstStyle/>
+                    <a:p>
+                      <a:r>
+                        <a:rPr lang="en-US" altLang="zh-CN" sz="1800" b="0" i="0" u="none" strike="noStrike" kern="1200" baseline="0" smtClean="0">
+                          <a:solidFill>
+                            <a:schemeClr val="dk1"/>
+                          </a:solidFill>
+                          <a:latin typeface="+mn-lt"/>
+                          <a:ea typeface="+mn-ea"/>
+                          <a:cs typeface="+mn-cs"/>
+                        </a:rPr>
+                        <a:t>Approximation Algorithms</a:t>
+                      </a:r>
+                      <a:endParaRPr lang="zh-CN" altLang="en-US" dirty="0"/>
+                    </a:p>
+                  </a:txBody>
+                  <a:tcPr/>
+                </a:tc>
+                <a:tc>
+                  <a:txBody>
+                    <a:bodyPr/>
+                    <a:lstStyle/>
+                    <a:p>
+                      <a:r>
+                        <a:rPr lang="en-US" altLang="zh-CN" sz="1800" b="0" i="0" u="none" strike="noStrike" kern="1200" baseline="0" smtClean="0">
+                          <a:solidFill>
+                            <a:schemeClr val="dk1"/>
+                          </a:solidFill>
+                          <a:latin typeface="+mn-lt"/>
+                          <a:ea typeface="+mn-ea"/>
+                          <a:cs typeface="+mn-cs"/>
+                        </a:rPr>
+                        <a:t>Algorithms with Error Bounds</a:t>
+                      </a:r>
+                      <a:endParaRPr lang="zh-CN" altLang="en-US" dirty="0"/>
+                    </a:p>
+                  </a:txBody>
+                  <a:tcPr/>
+                </a:tc>
+                <a:tc>
+                  <a:txBody>
+                    <a:bodyPr/>
+                    <a:lstStyle/>
+                    <a:p>
+                      <a:r>
+                        <a:rPr lang="en-US" altLang="zh-CN" sz="1800" b="0" i="0" u="none" strike="noStrike" kern="1200" baseline="0" dirty="0" smtClean="0">
+                          <a:solidFill>
+                            <a:schemeClr val="dk1"/>
+                          </a:solidFill>
+                          <a:latin typeface="+mn-lt"/>
+                          <a:ea typeface="+mn-ea"/>
+                          <a:cs typeface="+mn-cs"/>
+                        </a:rPr>
+                        <a:t>Efficient</a:t>
+                      </a:r>
+                      <a:endParaRPr lang="zh-CN" altLang="en-US" dirty="0"/>
+                    </a:p>
+                  </a:txBody>
+                  <a:tcPr/>
+                </a:tc>
+                <a:tc>
+                  <a:txBody>
+                    <a:bodyPr/>
+                    <a:lstStyle/>
+                    <a:p>
+                      <a:r>
+                        <a:rPr lang="en-US" altLang="zh-CN" sz="1800" b="0" i="0" u="none" strike="noStrike" kern="1200" baseline="0" dirty="0" smtClean="0">
+                          <a:solidFill>
+                            <a:schemeClr val="dk1"/>
+                          </a:solidFill>
+                          <a:latin typeface="+mn-lt"/>
+                          <a:ea typeface="+mn-ea"/>
+                          <a:cs typeface="+mn-cs"/>
+                        </a:rPr>
+                        <a:t>Resource </a:t>
+                      </a:r>
+                      <a:r>
+                        <a:rPr lang="en-US" altLang="zh-CN" sz="1800" b="0" i="0" u="none" strike="noStrike" kern="1200" baseline="0" dirty="0" err="1" smtClean="0">
+                          <a:solidFill>
+                            <a:schemeClr val="dk1"/>
+                          </a:solidFill>
+                          <a:latin typeface="+mn-lt"/>
+                          <a:ea typeface="+mn-ea"/>
+                          <a:cs typeface="+mn-cs"/>
+                        </a:rPr>
+                        <a:t>adaptivity</a:t>
+                      </a:r>
+                      <a:r>
+                        <a:rPr lang="en-US" altLang="zh-CN" sz="1800" b="0" i="0" u="none" strike="noStrike" kern="1200" baseline="0" dirty="0" smtClean="0">
+                          <a:solidFill>
+                            <a:schemeClr val="dk1"/>
+                          </a:solidFill>
+                          <a:latin typeface="+mn-lt"/>
+                          <a:ea typeface="+mn-ea"/>
+                          <a:cs typeface="+mn-cs"/>
+                        </a:rPr>
+                        <a:t> with data rates not always possible</a:t>
+                      </a:r>
+                      <a:endParaRPr lang="zh-CN" altLang="en-US" dirty="0"/>
+                    </a:p>
+                  </a:txBody>
+                  <a:tcPr/>
+                </a:tc>
+              </a:tr>
+              <a:tr h="370840">
+                <a:tc>
+                  <a:txBody>
+                    <a:bodyPr/>
+                    <a:lstStyle/>
+                    <a:p>
+                      <a:r>
+                        <a:rPr lang="en-US" altLang="zh-CN" sz="1800" b="0" i="0" u="none" strike="noStrike" kern="1200" baseline="0" dirty="0" smtClean="0">
+                          <a:solidFill>
+                            <a:schemeClr val="dk1"/>
+                          </a:solidFill>
+                          <a:latin typeface="+mn-lt"/>
+                          <a:ea typeface="+mn-ea"/>
+                          <a:cs typeface="+mn-cs"/>
+                        </a:rPr>
+                        <a:t>Sliding</a:t>
+                      </a:r>
+                    </a:p>
+                    <a:p>
+                      <a:r>
+                        <a:rPr lang="en-US" altLang="zh-CN" sz="1800" b="0" i="0" u="none" strike="noStrike" kern="1200" baseline="0" dirty="0" smtClean="0">
+                          <a:solidFill>
+                            <a:schemeClr val="dk1"/>
+                          </a:solidFill>
+                          <a:latin typeface="+mn-lt"/>
+                          <a:ea typeface="+mn-ea"/>
+                          <a:cs typeface="+mn-cs"/>
+                        </a:rPr>
+                        <a:t>Window</a:t>
+                      </a:r>
+                      <a:endParaRPr lang="zh-CN" altLang="en-US" dirty="0"/>
+                    </a:p>
+                  </a:txBody>
+                  <a:tcPr/>
+                </a:tc>
+                <a:tc>
+                  <a:txBody>
+                    <a:bodyPr/>
+                    <a:lstStyle/>
+                    <a:p>
+                      <a:r>
+                        <a:rPr lang="en-US" altLang="zh-CN" sz="1800" b="0" i="0" u="none" strike="noStrike" kern="1200" baseline="0" dirty="0" smtClean="0">
+                          <a:solidFill>
+                            <a:schemeClr val="dk1"/>
+                          </a:solidFill>
+                          <a:latin typeface="+mn-lt"/>
+                          <a:ea typeface="+mn-ea"/>
+                          <a:cs typeface="+mn-cs"/>
+                        </a:rPr>
+                        <a:t>Analyzing most</a:t>
+                      </a:r>
+                    </a:p>
+                    <a:p>
+                      <a:r>
+                        <a:rPr lang="en-US" altLang="zh-CN" sz="1800" b="0" i="0" u="none" strike="noStrike" kern="1200" baseline="0" dirty="0" smtClean="0">
+                          <a:solidFill>
+                            <a:schemeClr val="dk1"/>
+                          </a:solidFill>
+                          <a:latin typeface="+mn-lt"/>
+                          <a:ea typeface="+mn-ea"/>
+                          <a:cs typeface="+mn-cs"/>
+                        </a:rPr>
+                        <a:t>recent streams</a:t>
+                      </a:r>
+                      <a:endParaRPr lang="zh-CN" altLang="en-US" dirty="0"/>
+                    </a:p>
+                  </a:txBody>
+                  <a:tcPr/>
+                </a:tc>
+                <a:tc>
+                  <a:txBody>
+                    <a:bodyPr/>
+                    <a:lstStyle/>
+                    <a:p>
+                      <a:r>
+                        <a:rPr lang="en-US" altLang="zh-CN" sz="1800" b="0" i="0" u="none" strike="noStrike" kern="1200" baseline="0" dirty="0" smtClean="0">
+                          <a:solidFill>
+                            <a:schemeClr val="dk1"/>
+                          </a:solidFill>
+                          <a:latin typeface="+mn-lt"/>
+                          <a:ea typeface="+mn-ea"/>
+                          <a:cs typeface="+mn-cs"/>
+                        </a:rPr>
+                        <a:t>General</a:t>
+                      </a:r>
+                      <a:endParaRPr lang="zh-CN" altLang="en-US" dirty="0"/>
+                    </a:p>
+                  </a:txBody>
+                  <a:tcPr/>
+                </a:tc>
+                <a:tc>
+                  <a:txBody>
+                    <a:bodyPr/>
+                    <a:lstStyle/>
+                    <a:p>
+                      <a:r>
+                        <a:rPr lang="en-US" altLang="zh-CN" sz="1800" b="0" i="0" u="none" strike="noStrike" kern="1200" baseline="0" dirty="0" smtClean="0">
+                          <a:solidFill>
+                            <a:schemeClr val="dk1"/>
+                          </a:solidFill>
+                          <a:latin typeface="+mn-lt"/>
+                          <a:ea typeface="+mn-ea"/>
+                          <a:cs typeface="+mn-cs"/>
+                        </a:rPr>
+                        <a:t>Ignores part</a:t>
+                      </a:r>
+                    </a:p>
+                    <a:p>
+                      <a:r>
+                        <a:rPr lang="en-US" altLang="zh-CN" sz="1800" b="0" i="0" u="none" strike="noStrike" kern="1200" baseline="0" dirty="0" smtClean="0">
+                          <a:solidFill>
+                            <a:schemeClr val="dk1"/>
+                          </a:solidFill>
+                          <a:latin typeface="+mn-lt"/>
+                          <a:ea typeface="+mn-ea"/>
+                          <a:cs typeface="+mn-cs"/>
+                        </a:rPr>
+                        <a:t>of stream</a:t>
+                      </a:r>
+                      <a:endParaRPr lang="zh-CN" altLang="en-US" dirty="0"/>
+                    </a:p>
+                  </a:txBody>
+                  <a:tcPr/>
+                </a:tc>
+              </a:tr>
+              <a:tr h="370840">
+                <a:tc>
+                  <a:txBody>
+                    <a:bodyPr/>
+                    <a:lstStyle/>
+                    <a:p>
+                      <a:r>
+                        <a:rPr lang="en-US" altLang="zh-CN" sz="1800" b="0" i="0" u="none" strike="noStrike" kern="1200" baseline="0" dirty="0" smtClean="0">
+                          <a:solidFill>
+                            <a:schemeClr val="dk1"/>
+                          </a:solidFill>
+                          <a:latin typeface="+mn-lt"/>
+                          <a:ea typeface="+mn-ea"/>
+                          <a:cs typeface="+mn-cs"/>
+                        </a:rPr>
+                        <a:t>Algorithm Output</a:t>
+                      </a:r>
+                    </a:p>
+                    <a:p>
+                      <a:r>
+                        <a:rPr lang="en-US" altLang="zh-CN" sz="1800" b="0" i="0" u="none" strike="noStrike" kern="1200" baseline="0" dirty="0" smtClean="0">
+                          <a:solidFill>
+                            <a:schemeClr val="dk1"/>
+                          </a:solidFill>
+                          <a:latin typeface="+mn-lt"/>
+                          <a:ea typeface="+mn-ea"/>
+                          <a:cs typeface="+mn-cs"/>
+                        </a:rPr>
+                        <a:t>Granularity</a:t>
+                      </a:r>
+                      <a:endParaRPr lang="zh-CN" altLang="en-US" dirty="0"/>
+                    </a:p>
+                  </a:txBody>
+                  <a:tcPr/>
+                </a:tc>
+                <a:tc>
+                  <a:txBody>
+                    <a:bodyPr/>
+                    <a:lstStyle/>
+                    <a:p>
+                      <a:r>
+                        <a:rPr lang="en-US" altLang="zh-CN" sz="1800" b="0" i="0" u="none" strike="noStrike" kern="1200" baseline="0" dirty="0" smtClean="0">
+                          <a:solidFill>
+                            <a:schemeClr val="dk1"/>
+                          </a:solidFill>
+                          <a:latin typeface="+mn-lt"/>
+                          <a:ea typeface="+mn-ea"/>
+                          <a:cs typeface="+mn-cs"/>
+                        </a:rPr>
+                        <a:t>Highly Resource</a:t>
+                      </a:r>
+                    </a:p>
+                    <a:p>
+                      <a:r>
+                        <a:rPr lang="en-US" altLang="zh-CN" sz="1800" b="0" i="0" u="none" strike="noStrike" kern="1200" baseline="0" dirty="0" smtClean="0">
+                          <a:solidFill>
+                            <a:schemeClr val="dk1"/>
+                          </a:solidFill>
+                          <a:latin typeface="+mn-lt"/>
+                          <a:ea typeface="+mn-ea"/>
+                          <a:cs typeface="+mn-cs"/>
+                        </a:rPr>
+                        <a:t>aware technique</a:t>
+                      </a:r>
+                    </a:p>
+                    <a:p>
+                      <a:r>
+                        <a:rPr lang="en-US" altLang="zh-CN" sz="1800" b="0" i="0" u="none" strike="noStrike" kern="1200" baseline="0" dirty="0" smtClean="0">
+                          <a:solidFill>
+                            <a:schemeClr val="dk1"/>
+                          </a:solidFill>
+                          <a:latin typeface="+mn-lt"/>
+                          <a:ea typeface="+mn-ea"/>
+                          <a:cs typeface="+mn-cs"/>
+                        </a:rPr>
+                        <a:t>with memory and</a:t>
+                      </a:r>
+                    </a:p>
+                    <a:p>
+                      <a:r>
+                        <a:rPr lang="en-US" altLang="zh-CN" sz="1800" b="0" i="0" u="none" strike="noStrike" kern="1200" baseline="0" dirty="0" smtClean="0">
+                          <a:solidFill>
+                            <a:schemeClr val="dk1"/>
+                          </a:solidFill>
+                          <a:latin typeface="+mn-lt"/>
+                          <a:ea typeface="+mn-ea"/>
+                          <a:cs typeface="+mn-cs"/>
+                        </a:rPr>
+                        <a:t>fluctuating</a:t>
+                      </a:r>
+                    </a:p>
+                    <a:p>
+                      <a:r>
+                        <a:rPr lang="en-US" altLang="zh-CN" sz="1800" b="0" i="0" u="none" strike="noStrike" kern="1200" baseline="0" dirty="0" smtClean="0">
+                          <a:solidFill>
+                            <a:schemeClr val="dk1"/>
+                          </a:solidFill>
+                          <a:latin typeface="+mn-lt"/>
+                          <a:ea typeface="+mn-ea"/>
+                          <a:cs typeface="+mn-cs"/>
+                        </a:rPr>
+                        <a:t>data rates</a:t>
+                      </a:r>
+                      <a:endParaRPr lang="zh-CN" altLang="en-US" dirty="0"/>
+                    </a:p>
+                  </a:txBody>
+                  <a:tcPr/>
+                </a:tc>
+                <a:tc>
+                  <a:txBody>
+                    <a:bodyPr/>
+                    <a:lstStyle/>
+                    <a:p>
+                      <a:r>
+                        <a:rPr lang="en-US" altLang="zh-CN" sz="1800" b="0" i="0" u="none" strike="noStrike" kern="1200" baseline="0" dirty="0" smtClean="0">
+                          <a:solidFill>
+                            <a:schemeClr val="dk1"/>
+                          </a:solidFill>
+                          <a:latin typeface="+mn-lt"/>
+                          <a:ea typeface="+mn-ea"/>
+                          <a:cs typeface="+mn-cs"/>
+                        </a:rPr>
+                        <a:t>General</a:t>
+                      </a:r>
+                      <a:endParaRPr lang="zh-CN" altLang="en-US" dirty="0"/>
+                    </a:p>
+                  </a:txBody>
+                  <a:tcPr/>
+                </a:tc>
+                <a:tc>
+                  <a:txBody>
+                    <a:bodyPr/>
+                    <a:lstStyle/>
+                    <a:p>
+                      <a:r>
+                        <a:rPr lang="en-US" altLang="zh-CN" sz="1800" b="0" i="0" u="none" strike="noStrike" kern="1200" baseline="0" dirty="0" smtClean="0">
+                          <a:solidFill>
+                            <a:schemeClr val="dk1"/>
+                          </a:solidFill>
+                          <a:latin typeface="+mn-lt"/>
+                          <a:ea typeface="+mn-ea"/>
+                          <a:cs typeface="+mn-cs"/>
+                        </a:rPr>
+                        <a:t>Cost overhead</a:t>
+                      </a:r>
+                    </a:p>
+                    <a:p>
+                      <a:r>
+                        <a:rPr lang="en-US" altLang="zh-CN" sz="1800" b="0" i="0" u="none" strike="noStrike" kern="1200" baseline="0" dirty="0" smtClean="0">
+                          <a:solidFill>
+                            <a:schemeClr val="dk1"/>
+                          </a:solidFill>
+                          <a:latin typeface="+mn-lt"/>
+                          <a:ea typeface="+mn-ea"/>
+                          <a:cs typeface="+mn-cs"/>
+                        </a:rPr>
+                        <a:t>of resource aware</a:t>
+                      </a:r>
+                    </a:p>
+                    <a:p>
+                      <a:r>
+                        <a:rPr lang="en-US" altLang="zh-CN" sz="1800" b="0" i="0" u="none" strike="noStrike" kern="1200" baseline="0" dirty="0" smtClean="0">
+                          <a:solidFill>
+                            <a:schemeClr val="dk1"/>
+                          </a:solidFill>
+                          <a:latin typeface="+mn-lt"/>
+                          <a:ea typeface="+mn-ea"/>
+                          <a:cs typeface="+mn-cs"/>
+                        </a:rPr>
+                        <a:t>component</a:t>
+                      </a:r>
+                      <a:endParaRPr lang="zh-CN" altLang="en-US" dirty="0"/>
+                    </a:p>
+                  </a:txBody>
+                  <a:tcPr/>
+                </a:tc>
+              </a:tr>
+            </a:tbl>
+          </a:graphicData>
+        </a:graphic>
+      </p:graphicFrame>
+      <p:sp>
+        <p:nvSpPr>
+          <p:cNvPr id="7" name="TextBox 6"/>
+          <p:cNvSpPr txBox="1"/>
+          <p:nvPr/>
+        </p:nvSpPr>
+        <p:spPr>
+          <a:xfrm>
+            <a:off x="2144889" y="1237734"/>
+            <a:ext cx="2167467" cy="369332"/>
+          </a:xfrm>
+          <a:prstGeom prst="rect">
+            <a:avLst/>
+          </a:prstGeom>
+          <a:noFill/>
+        </p:spPr>
+        <p:txBody>
+          <a:bodyPr wrap="square" rtlCol="0">
+            <a:spAutoFit/>
+          </a:bodyPr>
+          <a:lstStyle/>
+          <a:p>
+            <a:r>
+              <a:rPr lang="en-US" altLang="zh-CN" b="1" dirty="0" smtClean="0"/>
+              <a:t>Task-Based:</a:t>
+            </a:r>
+            <a:endParaRPr lang="zh-CN" altLang="en-US" b="1" dirty="0"/>
+          </a:p>
+        </p:txBody>
+      </p:sp>
+    </p:spTree>
+    <p:extLst>
+      <p:ext uri="{BB962C8B-B14F-4D97-AF65-F5344CB8AC3E}">
+        <p14:creationId xmlns:p14="http://schemas.microsoft.com/office/powerpoint/2010/main" val="1266432190"/>
+      </p:ext>
+    </p:extLst>
+  </p:cSld>
+  <p:clrMapOvr>
+    <a:masterClrMapping/>
+  </p:clrMapOvr>
+</p:sld>
+</file>
+
+<file path=ppt/slides/slide54.xml><?xml version="1.0" encoding="utf-8"?>
+<p:sld xmlns:a="http://schemas.openxmlformats.org/drawingml/2006/main" xmlns:r="http://schemas.openxmlformats.org/officeDocument/2006/relationships" xmlns:p="http://schemas.openxmlformats.org/presentationml/2006/main">
+  <p:cSld>
+    <p:spTree>
+      <p:nvGrpSpPr>
+        <p:cNvPr id="1" name=""/>
+        <p:cNvGrpSpPr/>
+        <p:nvPr/>
+      </p:nvGrpSpPr>
+      <p:grpSpPr>
+        <a:xfrm>
+          <a:off x="0" y="0"/>
+          <a:ext cx="0" cy="0"/>
+          <a:chOff x="0" y="0"/>
+          <a:chExt cx="0" cy="0"/>
+        </a:xfrm>
+      </p:grpSpPr>
+      <p:sp>
+        <p:nvSpPr>
+          <p:cNvPr id="2" name="标题 1"/>
+          <p:cNvSpPr>
+            <a:spLocks noGrp="1"/>
+          </p:cNvSpPr>
+          <p:nvPr>
+            <p:ph type="title"/>
+          </p:nvPr>
+        </p:nvSpPr>
+        <p:spPr/>
+        <p:txBody>
+          <a:bodyPr/>
+          <a:lstStyle/>
+          <a:p>
+            <a:pPr algn="ctr"/>
+            <a:r>
+              <a:rPr lang="en-US" altLang="zh-CN" dirty="0" smtClean="0"/>
               <a:t>Data Stream Clustering</a:t>
             </a:r>
             <a:endParaRPr lang="zh-CN" altLang="en-US" dirty="0"/>
@@ -31690,16 +33036,28 @@
             </p:nvSpPr>
             <p:spPr/>
             <p:txBody>
-              <a:bodyPr/>
+              <a:bodyPr>
+                <a:normAutofit lnSpcReduction="10000"/>
+              </a:bodyPr>
               <a:lstStyle/>
               <a:p>
                 <a:r>
                   <a:rPr lang="en-US" altLang="zh-CN" dirty="0" smtClean="0"/>
+                  <a:t>One-pass constrain makes complexity</a:t>
+                </a:r>
+              </a:p>
+              <a:p>
+                <a:r>
+                  <a:rPr lang="en-US" altLang="zh-CN" dirty="0" err="1" smtClean="0"/>
                   <a:t>Guha</a:t>
                 </a:r>
                 <a:r>
+                  <a:rPr lang="en-US" altLang="zh-CN" dirty="0" smtClean="0"/>
+                  <a:t> </a:t>
+                </a:r>
+                <a:r>
                   <a:rPr lang="en-US" altLang="zh-CN" dirty="0"/>
-                  <a:t> et </a:t>
+                  <a:t>et </a:t>
                 </a:r>
                 <a:r>
                   <a:rPr lang="en-US" altLang="zh-CN" dirty="0" smtClean="0"/>
@@ -31893,7 +33251,7 @@
               <a:blipFill rotWithShape="1">
                 <a:blip r:embed="rId2"/>
                 <a:stretch>
-                  <a:fillRect l="-479" t="-806"/>
+                  <a:fillRect l="-479" t="-1613"/>
                 </a:stretch>
               </a:blipFill>
             </p:spPr>
@@ -31922,10 +33280,17 @@
   <p:clrMapOvr>
     <a:masterClrMapping/>
   </p:clrMapOvr>
+  <p:timing>
+    <p:tnLst>
+      <p:par>
+        <p:cTn id="1" dur="indefinite" restart="never" nodeType="tmRoot"/>
+      </p:par>
+    </p:tnLst>
+  </p:timing>
 </p:sld>
 </file>
 
-<file path=ppt/slides/slide53.xml><?xml version="1.0" encoding="utf-8"?>
+<file path=ppt/slides/slide55.xml><?xml version="1.0" encoding="utf-8"?>
 <p:sld xmlns:a="http://schemas.openxmlformats.org/drawingml/2006/main" xmlns:r="http://schemas.openxmlformats.org/officeDocument/2006/relationships" xmlns:p="http://schemas.openxmlformats.org/presentationml/2006/main">
   <p:cSld>
     <p:spTree>
@@ -31968,7 +33333,7 @@
       </p:sp>
       <p:sp>
         <p:nvSpPr>
-          <p:cNvPr id="3" name="内容占位符 2"/>
+          <p:cNvPr id="5" name="内容占位符 4"/>
           <p:cNvSpPr>
             <a:spLocks noGrp="1"/>
           </p:cNvSpPr>
@@ -31981,7 +33346,115 @@
           <a:bodyPr/>
           <a:lstStyle/>
           <a:p>
-            <a:endParaRPr lang="zh-CN" altLang="en-US"/>
+            <a:r>
+              <a:rPr lang="en-US" altLang="zh-CN" dirty="0"/>
+              <a:t>High </a:t>
+            </a:r>
+            <a:r>
+              <a:rPr lang="en-US" altLang="zh-CN" dirty="0" smtClean="0"/>
+              <a:t>speed nature </a:t>
+            </a:r>
+            <a:r>
+              <a:rPr lang="en-US" altLang="zh-CN" dirty="0"/>
+              <a:t>of </a:t>
+            </a:r>
+            <a:r>
+              <a:rPr lang="en-US" altLang="zh-CN" dirty="0" smtClean="0"/>
+              <a:t>data streams : The </a:t>
+            </a:r>
+            <a:r>
+              <a:rPr lang="en-US" altLang="zh-CN" dirty="0"/>
+              <a:t>rate of building </a:t>
+            </a:r>
+            <a:r>
+              <a:rPr lang="en-US" altLang="zh-CN" dirty="0" smtClean="0"/>
+              <a:t>a classification </a:t>
+            </a:r>
+            <a:r>
+              <a:rPr lang="en-US" altLang="zh-CN" dirty="0"/>
+              <a:t>model should be higher than the </a:t>
+            </a:r>
+            <a:r>
+              <a:rPr lang="en-US" altLang="zh-CN" dirty="0" smtClean="0"/>
+              <a:t>data rate</a:t>
+            </a:r>
+          </a:p>
+          <a:p>
+            <a:r>
+              <a:rPr lang="en-US" altLang="zh-CN" dirty="0" smtClean="0"/>
+              <a:t>Bounded memory requirements: </a:t>
+            </a:r>
+            <a:r>
+              <a:rPr lang="en-US" altLang="zh-CN" dirty="0"/>
+              <a:t>load shedding, sampling, </a:t>
+            </a:r>
+            <a:r>
+              <a:rPr lang="en-US" altLang="zh-CN" dirty="0" smtClean="0"/>
+              <a:t>aggregation, and </a:t>
+            </a:r>
+            <a:r>
+              <a:rPr lang="en-US" altLang="zh-CN" dirty="0"/>
+              <a:t>creating data </a:t>
+            </a:r>
+            <a:r>
+              <a:rPr lang="en-US" altLang="zh-CN" dirty="0" smtClean="0"/>
+              <a:t>synopsis</a:t>
+            </a:r>
+          </a:p>
+          <a:p>
+            <a:r>
+              <a:rPr lang="en-US" altLang="zh-CN" dirty="0"/>
+              <a:t>Concept </a:t>
+            </a:r>
+            <a:r>
+              <a:rPr lang="en-US" altLang="zh-CN" dirty="0" smtClean="0"/>
+              <a:t>Drifting: Models become stale </a:t>
+            </a:r>
+            <a:r>
+              <a:rPr lang="en-US" altLang="zh-CN" dirty="0"/>
+              <a:t>and less relevant over </a:t>
+            </a:r>
+            <a:r>
+              <a:rPr lang="en-US" altLang="zh-CN" dirty="0" smtClean="0"/>
+              <a:t>time</a:t>
+            </a:r>
+            <a:r>
+              <a:rPr lang="en-US" altLang="zh-CN" dirty="0"/>
+              <a:t>. Ensemble </a:t>
+            </a:r>
+            <a:r>
+              <a:rPr lang="en-US" altLang="zh-CN" dirty="0" smtClean="0"/>
+              <a:t>based classification for voting a best prediction</a:t>
+            </a:r>
+          </a:p>
+          <a:p>
+            <a:r>
+              <a:rPr lang="en-US" altLang="zh-CN" dirty="0"/>
+              <a:t>Challenges in Distributed </a:t>
+            </a:r>
+            <a:r>
+              <a:rPr lang="en-US" altLang="zh-CN" dirty="0" smtClean="0"/>
+              <a:t>Applications: Large mounts mining result sent to users in a limited bandwidth environments.  Addressed by DFT methods </a:t>
+            </a:r>
+          </a:p>
+          <a:p>
+            <a:r>
+              <a:rPr lang="en-US" altLang="zh-CN" dirty="0" smtClean="0"/>
+              <a:t>Modeling </a:t>
+            </a:r>
+            <a:r>
+              <a:rPr lang="en-US" altLang="zh-CN" dirty="0"/>
+              <a:t>change of mining results over </a:t>
+            </a:r>
+            <a:r>
+              <a:rPr lang="en-US" altLang="zh-CN" dirty="0" smtClean="0"/>
+              <a:t>time: Users are interested in modeling changes </a:t>
+            </a:r>
+            <a:r>
+              <a:rPr lang="en-US" altLang="zh-CN" dirty="0"/>
+              <a:t>over a temporal basis</a:t>
+            </a:r>
+            <a:endParaRPr lang="zh-CN" altLang="en-US" dirty="0"/>
           </a:p>
         </p:txBody>
       </p:sp>
@@ -31995,6 +33468,13 @@
   <p:clrMapOvr>
     <a:masterClrMapping/>
   </p:clrMapOvr>
+  <p:timing>
+    <p:tnLst>
+      <p:par>
+        <p:cTn id="1" dur="indefinite" restart="never" nodeType="tmRoot"/>
+      </p:par>
+    </p:tnLst>
+  </p:timing>
 </p:sld>
 </file>
 
@@ -33739,7 +35219,7 @@
   <a:extraClrSchemeLst/>
   <a:extLst>
     <a:ext uri="{05A4C25C-085E-4340-85A3-A5531E510DB2}">
-      <thm15:themeFamily xmlns:thm15="http://schemas.microsoft.com/office/thememl/2012/main" xmlns="" name="Wisp" id="{7CB32D59-10C0-40DD-B7BD-2E94284A981C}" vid="{24B1A44C-C006-48B2-A4D7-E5549B3D8CD4}"/>
+      <thm15:themeFamily xmlns="" xmlns:thm15="http://schemas.microsoft.com/office/thememl/2012/main" name="Wisp" id="{7CB32D59-10C0-40DD-B7BD-2E94284A981C}" vid="{24B1A44C-C006-48B2-A4D7-E5549B3D8CD4}"/>
     </a:ext>
   </a:extLst>
 </a:theme>

--- a/slide/tsdm.pptx
+++ b/slide/tsdm.pptx
@@ -60,6 +60,7 @@
     <p:sldId id="330" r:id="rId54"/>
     <p:sldId id="327" r:id="rId55"/>
     <p:sldId id="328" r:id="rId56"/>
+    <p:sldId id="331" r:id="rId57"/>
   </p:sldIdLst>
   <p:sldSz cx="12192000" cy="6858000"/>
   <p:notesSz cx="6858000" cy="9144000"/>
@@ -160,7 +161,7 @@
   </p:defaultTextStyle>
   <p:extLst>
     <p:ext uri="{EFAFB233-063F-42B5-8137-9DF3F51BA10A}">
-      <p15:sldGuideLst xmlns="" xmlns:p15="http://schemas.microsoft.com/office/powerpoint/2012/main"/>
+      <p15:sldGuideLst xmlns:p15="http://schemas.microsoft.com/office/powerpoint/2012/main" xmlns=""/>
     </p:ext>
   </p:extLst>
 </p:presentation>
@@ -354,7 +355,7 @@
           <a:p>
             <a:fld id="{F77B2EB1-EA88-4503-95EA-93923E5BA59E}" type="datetimeFigureOut">
               <a:rPr lang="en-US" smtClean="0"/>
-              <a:t>3/4/2013</a:t>
+              <a:t>3/5/2013</a:t>
             </a:fld>
             <a:endParaRPr lang="en-US"/>
           </a:p>
@@ -692,7 +693,7 @@
           <a:p>
             <a:fld id="{F77B2EB1-EA88-4503-95EA-93923E5BA59E}" type="datetimeFigureOut">
               <a:rPr lang="en-US" smtClean="0"/>
-              <a:t>3/4/2013</a:t>
+              <a:t>3/5/2013</a:t>
             </a:fld>
             <a:endParaRPr lang="en-US"/>
           </a:p>
@@ -1093,7 +1094,7 @@
           <a:p>
             <a:fld id="{F77B2EB1-EA88-4503-95EA-93923E5BA59E}" type="datetimeFigureOut">
               <a:rPr lang="en-US" smtClean="0"/>
-              <a:t>3/4/2013</a:t>
+              <a:t>3/5/2013</a:t>
             </a:fld>
             <a:endParaRPr lang="en-US"/>
           </a:p>
@@ -1429,7 +1430,7 @@
           <a:p>
             <a:fld id="{F77B2EB1-EA88-4503-95EA-93923E5BA59E}" type="datetimeFigureOut">
               <a:rPr lang="en-US" smtClean="0"/>
-              <a:t>3/4/2013</a:t>
+              <a:t>3/5/2013</a:t>
             </a:fld>
             <a:endParaRPr lang="en-US"/>
           </a:p>
@@ -1749,7 +1750,7 @@
           <a:p>
             <a:fld id="{F77B2EB1-EA88-4503-95EA-93923E5BA59E}" type="datetimeFigureOut">
               <a:rPr lang="en-US" smtClean="0"/>
-              <a:t>3/4/2013</a:t>
+              <a:t>3/5/2013</a:t>
             </a:fld>
             <a:endParaRPr lang="en-US"/>
           </a:p>
@@ -2145,7 +2146,7 @@
           <a:p>
             <a:fld id="{F77B2EB1-EA88-4503-95EA-93923E5BA59E}" type="datetimeFigureOut">
               <a:rPr lang="en-US" smtClean="0"/>
-              <a:t>3/4/2013</a:t>
+              <a:t>3/5/2013</a:t>
             </a:fld>
             <a:endParaRPr lang="en-US"/>
           </a:p>
@@ -2402,7 +2403,7 @@
           <a:p>
             <a:fld id="{F77B2EB1-EA88-4503-95EA-93923E5BA59E}" type="datetimeFigureOut">
               <a:rPr lang="en-US" smtClean="0"/>
-              <a:t>3/4/2013</a:t>
+              <a:t>3/5/2013</a:t>
             </a:fld>
             <a:endParaRPr lang="en-US"/>
           </a:p>
@@ -2664,7 +2665,7 @@
           <a:p>
             <a:fld id="{F77B2EB1-EA88-4503-95EA-93923E5BA59E}" type="datetimeFigureOut">
               <a:rPr lang="en-US" smtClean="0"/>
-              <a:t>3/4/2013</a:t>
+              <a:t>3/5/2013</a:t>
             </a:fld>
             <a:endParaRPr lang="en-US"/>
           </a:p>
@@ -2926,7 +2927,7 @@
           <a:p>
             <a:fld id="{F77B2EB1-EA88-4503-95EA-93923E5BA59E}" type="datetimeFigureOut">
               <a:rPr lang="en-US" smtClean="0"/>
-              <a:t>3/4/2013</a:t>
+              <a:t>3/5/2013</a:t>
             </a:fld>
             <a:endParaRPr lang="en-US"/>
           </a:p>
@@ -3255,7 +3256,7 @@
           <a:p>
             <a:fld id="{F77B2EB1-EA88-4503-95EA-93923E5BA59E}" type="datetimeFigureOut">
               <a:rPr lang="en-US" smtClean="0"/>
-              <a:t>3/4/2013</a:t>
+              <a:t>3/5/2013</a:t>
             </a:fld>
             <a:endParaRPr lang="en-US"/>
           </a:p>
@@ -3578,7 +3579,7 @@
           <a:p>
             <a:fld id="{F77B2EB1-EA88-4503-95EA-93923E5BA59E}" type="datetimeFigureOut">
               <a:rPr lang="en-US" smtClean="0"/>
-              <a:t>3/4/2013</a:t>
+              <a:t>3/5/2013</a:t>
             </a:fld>
             <a:endParaRPr lang="en-US"/>
           </a:p>
@@ -4035,7 +4036,7 @@
           <a:p>
             <a:fld id="{F77B2EB1-EA88-4503-95EA-93923E5BA59E}" type="datetimeFigureOut">
               <a:rPr lang="en-US" smtClean="0"/>
-              <a:t>3/4/2013</a:t>
+              <a:t>3/5/2013</a:t>
             </a:fld>
             <a:endParaRPr lang="en-US"/>
           </a:p>
@@ -4240,7 +4241,7 @@
           <a:p>
             <a:fld id="{F77B2EB1-EA88-4503-95EA-93923E5BA59E}" type="datetimeFigureOut">
               <a:rPr lang="en-US" smtClean="0"/>
-              <a:t>3/4/2013</a:t>
+              <a:t>3/5/2013</a:t>
             </a:fld>
             <a:endParaRPr lang="en-US"/>
           </a:p>
@@ -4417,7 +4418,7 @@
           <a:p>
             <a:fld id="{F77B2EB1-EA88-4503-95EA-93923E5BA59E}" type="datetimeFigureOut">
               <a:rPr lang="en-US" smtClean="0"/>
-              <a:t>3/4/2013</a:t>
+              <a:t>3/5/2013</a:t>
             </a:fld>
             <a:endParaRPr lang="en-US"/>
           </a:p>
@@ -4750,7 +4751,7 @@
           <a:p>
             <a:fld id="{F77B2EB1-EA88-4503-95EA-93923E5BA59E}" type="datetimeFigureOut">
               <a:rPr lang="en-US" smtClean="0"/>
-              <a:t>3/4/2013</a:t>
+              <a:t>3/5/2013</a:t>
             </a:fld>
             <a:endParaRPr lang="en-US"/>
           </a:p>
@@ -5095,7 +5096,7 @@
           <a:p>
             <a:fld id="{F77B2EB1-EA88-4503-95EA-93923E5BA59E}" type="datetimeFigureOut">
               <a:rPr lang="en-US" smtClean="0"/>
-              <a:t>3/4/2013</a:t>
+              <a:t>3/5/2013</a:t>
             </a:fld>
             <a:endParaRPr lang="en-US"/>
           </a:p>
@@ -7212,7 +7213,7 @@
           <a:p>
             <a:fld id="{F77B2EB1-EA88-4503-95EA-93923E5BA59E}" type="datetimeFigureOut">
               <a:rPr lang="en-US" smtClean="0"/>
-              <a:t>3/4/2013</a:t>
+              <a:t>3/5/2013</a:t>
             </a:fld>
             <a:endParaRPr lang="en-US"/>
           </a:p>
@@ -26439,7 +26440,7 @@
           <a:graphicData uri="http://schemas.openxmlformats.org/presentationml/2006/ole">
             <mc:AlternateContent xmlns:mc="http://schemas.openxmlformats.org/markup-compatibility/2006">
               <mc:Choice xmlns:v="urn:schemas-microsoft-com:vml" Requires="v">
-                <p:oleObj spid="_x0000_s1076" name="點陣圖影像" r:id="rId3" imgW="4638095" imgH="2534004" progId="PBrush">
+                <p:oleObj spid="_x0000_s1080" name="點陣圖影像" r:id="rId3" imgW="4638095" imgH="2534004" progId="PBrush">
                   <p:embed/>
                 </p:oleObj>
               </mc:Choice>
@@ -26510,7 +26511,7 @@
           <a:graphicData uri="http://schemas.openxmlformats.org/presentationml/2006/ole">
             <mc:AlternateContent xmlns:mc="http://schemas.openxmlformats.org/markup-compatibility/2006">
               <mc:Choice xmlns:v="urn:schemas-microsoft-com:vml" Requires="v">
-                <p:oleObj spid="_x0000_s1077" name="BMP 图像" r:id="rId5" imgW="4381560" imgH="1305000" progId="Paint.Picture">
+                <p:oleObj spid="_x0000_s1081" name="BMP 图像" r:id="rId5" imgW="4381560" imgH="1305000" progId="Paint.Picture">
                   <p:embed/>
                 </p:oleObj>
               </mc:Choice>
@@ -33022,8 +33023,8 @@
           </a:p>
         </p:txBody>
       </p:sp>
-      <mc:AlternateContent xmlns:mc="http://schemas.openxmlformats.org/markup-compatibility/2006">
-        <mc:Choice xmlns:a14="http://schemas.microsoft.com/office/drawing/2010/main" Requires="a14">
+      <mc:AlternateContent xmlns:mc="http://schemas.openxmlformats.org/markup-compatibility/2006" xmlns:a14="http://schemas.microsoft.com/office/drawing/2010/main">
+        <mc:Choice Requires="a14">
           <p:sp>
             <p:nvSpPr>
               <p:cNvPr id="3" name="内容占位符 2"/>
@@ -33236,7 +33237,7 @@
             </p:txBody>
           </p:sp>
         </mc:Choice>
-        <mc:Fallback>
+        <mc:Fallback xmlns="">
           <p:sp>
             <p:nvSpPr>
               <p:cNvPr id="3" name="内容占位符 2"/>
@@ -33475,6 +33476,996 @@
       </p:par>
     </p:tnLst>
   </p:timing>
+</p:sld>
+</file>
+
+<file path=ppt/slides/slide56.xml><?xml version="1.0" encoding="utf-8"?>
+<p:sld xmlns:a="http://schemas.openxmlformats.org/drawingml/2006/main" xmlns:r="http://schemas.openxmlformats.org/officeDocument/2006/relationships" xmlns:p="http://schemas.openxmlformats.org/presentationml/2006/main">
+  <p:cSld>
+    <p:spTree>
+      <p:nvGrpSpPr>
+        <p:cNvPr id="1" name=""/>
+        <p:cNvGrpSpPr/>
+        <p:nvPr/>
+      </p:nvGrpSpPr>
+      <p:grpSpPr>
+        <a:xfrm>
+          <a:off x="0" y="0"/>
+          <a:ext cx="0" cy="0"/>
+          <a:chOff x="0" y="0"/>
+          <a:chExt cx="0" cy="0"/>
+        </a:xfrm>
+      </p:grpSpPr>
+      <p:sp>
+        <p:nvSpPr>
+          <p:cNvPr id="2" name="标题 1"/>
+          <p:cNvSpPr>
+            <a:spLocks noGrp="1"/>
+          </p:cNvSpPr>
+          <p:nvPr>
+            <p:ph type="title"/>
+          </p:nvPr>
+        </p:nvSpPr>
+        <p:spPr/>
+        <p:txBody>
+          <a:bodyPr/>
+          <a:lstStyle/>
+          <a:p>
+            <a:pPr algn="ctr"/>
+            <a:r>
+              <a:rPr lang="en-US" altLang="zh-CN" dirty="0" smtClean="0"/>
+              <a:t>Data Stream Frequent pattern Mining</a:t>
+            </a:r>
+            <a:endParaRPr lang="zh-CN" altLang="en-US" dirty="0"/>
+          </a:p>
+        </p:txBody>
+      </p:sp>
+      <mc:AlternateContent xmlns:mc="http://schemas.openxmlformats.org/markup-compatibility/2006">
+        <mc:Choice xmlns:a14="http://schemas.microsoft.com/office/drawing/2010/main" Requires="a14">
+          <p:sp>
+            <p:nvSpPr>
+              <p:cNvPr id="3" name="内容占位符 2"/>
+              <p:cNvSpPr>
+                <a:spLocks noGrp="1"/>
+              </p:cNvSpPr>
+              <p:nvPr>
+                <p:ph idx="1"/>
+              </p:nvPr>
+            </p:nvSpPr>
+            <p:spPr>
+              <a:xfrm>
+                <a:off x="2589212" y="1749778"/>
+                <a:ext cx="8915400" cy="4161444"/>
+              </a:xfrm>
+            </p:spPr>
+            <p:txBody>
+              <a:bodyPr/>
+              <a:lstStyle/>
+              <a:p>
+                <a14:m>
+                  <m:oMath xmlns:m="http://schemas.openxmlformats.org/officeDocument/2006/math">
+                    <m:r>
+                      <a:rPr lang="en-US" altLang="zh-CN" b="0" i="1" smtClean="0">
+                        <a:latin typeface="Cambria Math"/>
+                      </a:rPr>
+                      <m:t>𝐷</m:t>
+                    </m:r>
+                    <m:r>
+                      <a:rPr lang="en-US" altLang="zh-CN" b="0" i="1" smtClean="0">
+                        <a:latin typeface="Cambria Math"/>
+                      </a:rPr>
+                      <m:t>={</m:t>
+                    </m:r>
+                    <m:d>
+                      <m:dPr>
+                        <m:begChr m:val="{"/>
+                        <m:endChr m:val="}"/>
+                        <m:ctrlPr>
+                          <a:rPr lang="en-US" altLang="zh-CN" b="0" i="1" smtClean="0">
+                            <a:latin typeface="Cambria Math"/>
+                          </a:rPr>
+                        </m:ctrlPr>
+                      </m:dPr>
+                      <m:e>
+                        <m:r>
+                          <a:rPr lang="en-US" altLang="zh-CN" b="0" i="1" smtClean="0">
+                            <a:latin typeface="Cambria Math"/>
+                          </a:rPr>
+                          <m:t>𝐴</m:t>
+                        </m:r>
+                        <m:r>
+                          <a:rPr lang="en-US" altLang="zh-CN" b="0" i="1" smtClean="0">
+                            <a:latin typeface="Cambria Math"/>
+                          </a:rPr>
+                          <m:t>,</m:t>
+                        </m:r>
+                        <m:r>
+                          <a:rPr lang="en-US" altLang="zh-CN" b="0" i="1" smtClean="0">
+                            <a:latin typeface="Cambria Math"/>
+                          </a:rPr>
+                          <m:t>𝐵</m:t>
+                        </m:r>
+                        <m:r>
+                          <a:rPr lang="en-US" altLang="zh-CN" b="0" i="1" smtClean="0">
+                            <a:latin typeface="Cambria Math"/>
+                          </a:rPr>
+                          <m:t>,</m:t>
+                        </m:r>
+                        <m:r>
+                          <a:rPr lang="en-US" altLang="zh-CN" b="0" i="1" smtClean="0">
+                            <a:latin typeface="Cambria Math"/>
+                          </a:rPr>
+                          <m:t>𝐷</m:t>
+                        </m:r>
+                        <m:r>
+                          <a:rPr lang="en-US" altLang="zh-CN" b="0" i="1" smtClean="0">
+                            <a:latin typeface="Cambria Math"/>
+                          </a:rPr>
+                          <m:t>,</m:t>
+                        </m:r>
+                        <m:r>
+                          <a:rPr lang="en-US" altLang="zh-CN" b="0" i="1" smtClean="0">
+                            <a:latin typeface="Cambria Math"/>
+                          </a:rPr>
+                          <m:t>𝐸</m:t>
+                        </m:r>
+                      </m:e>
+                    </m:d>
+                    <m:r>
+                      <a:rPr lang="en-US" altLang="zh-CN" b="0" i="1" smtClean="0">
+                        <a:latin typeface="Cambria Math"/>
+                      </a:rPr>
+                      <m:t>, </m:t>
+                    </m:r>
+                    <m:d>
+                      <m:dPr>
+                        <m:begChr m:val="{"/>
+                        <m:endChr m:val="}"/>
+                        <m:ctrlPr>
+                          <a:rPr lang="en-US" altLang="zh-CN" b="0" i="1" smtClean="0">
+                            <a:latin typeface="Cambria Math"/>
+                          </a:rPr>
+                        </m:ctrlPr>
+                      </m:dPr>
+                      <m:e>
+                        <m:r>
+                          <a:rPr lang="en-US" altLang="zh-CN" b="0" i="1" smtClean="0">
+                            <a:latin typeface="Cambria Math"/>
+                          </a:rPr>
+                          <m:t>𝐵</m:t>
+                        </m:r>
+                        <m:r>
+                          <a:rPr lang="en-US" altLang="zh-CN" b="0" i="1" smtClean="0">
+                            <a:latin typeface="Cambria Math"/>
+                          </a:rPr>
+                          <m:t>,</m:t>
+                        </m:r>
+                        <m:r>
+                          <a:rPr lang="en-US" altLang="zh-CN" b="0" i="1" smtClean="0">
+                            <a:latin typeface="Cambria Math"/>
+                          </a:rPr>
+                          <m:t>𝐶</m:t>
+                        </m:r>
+                        <m:r>
+                          <a:rPr lang="en-US" altLang="zh-CN" b="0" i="1" smtClean="0">
+                            <a:latin typeface="Cambria Math"/>
+                          </a:rPr>
+                          <m:t>,</m:t>
+                        </m:r>
+                        <m:r>
+                          <a:rPr lang="en-US" altLang="zh-CN" b="0" i="1" smtClean="0">
+                            <a:latin typeface="Cambria Math"/>
+                          </a:rPr>
+                          <m:t>𝐸</m:t>
+                        </m:r>
+                      </m:e>
+                    </m:d>
+                    <m:r>
+                      <a:rPr lang="en-US" altLang="zh-CN" b="0" i="1" smtClean="0">
+                        <a:latin typeface="Cambria Math"/>
+                      </a:rPr>
+                      <m:t>, </m:t>
+                    </m:r>
+                    <m:d>
+                      <m:dPr>
+                        <m:begChr m:val="{"/>
+                        <m:endChr m:val="}"/>
+                        <m:ctrlPr>
+                          <a:rPr lang="en-US" altLang="zh-CN" b="0" i="1" smtClean="0">
+                            <a:latin typeface="Cambria Math"/>
+                          </a:rPr>
+                        </m:ctrlPr>
+                      </m:dPr>
+                      <m:e>
+                        <m:r>
+                          <a:rPr lang="en-US" altLang="zh-CN" b="0" i="1" smtClean="0">
+                            <a:latin typeface="Cambria Math"/>
+                          </a:rPr>
+                          <m:t>𝐴</m:t>
+                        </m:r>
+                        <m:r>
+                          <a:rPr lang="en-US" altLang="zh-CN" b="0" i="1" smtClean="0">
+                            <a:latin typeface="Cambria Math"/>
+                          </a:rPr>
+                          <m:t>, </m:t>
+                        </m:r>
+                        <m:r>
+                          <a:rPr lang="en-US" altLang="zh-CN" b="0" i="1" smtClean="0">
+                            <a:latin typeface="Cambria Math"/>
+                          </a:rPr>
+                          <m:t>𝐵</m:t>
+                        </m:r>
+                        <m:r>
+                          <a:rPr lang="en-US" altLang="zh-CN" b="0" i="1" smtClean="0">
+                            <a:latin typeface="Cambria Math"/>
+                          </a:rPr>
+                          <m:t>, </m:t>
+                        </m:r>
+                        <m:r>
+                          <a:rPr lang="en-US" altLang="zh-CN" b="0" i="1" smtClean="0">
+                            <a:latin typeface="Cambria Math"/>
+                          </a:rPr>
+                          <m:t>𝐸</m:t>
+                        </m:r>
+                      </m:e>
+                    </m:d>
+                    <m:r>
+                      <a:rPr lang="en-US" altLang="zh-CN" b="0" i="1" smtClean="0">
+                        <a:latin typeface="Cambria Math"/>
+                      </a:rPr>
+                      <m:t>, </m:t>
+                    </m:r>
+                    <m:d>
+                      <m:dPr>
+                        <m:begChr m:val="{"/>
+                        <m:endChr m:val="}"/>
+                        <m:ctrlPr>
+                          <a:rPr lang="en-US" altLang="zh-CN" b="0" i="1" smtClean="0">
+                            <a:latin typeface="Cambria Math"/>
+                          </a:rPr>
+                        </m:ctrlPr>
+                      </m:dPr>
+                      <m:e>
+                        <m:r>
+                          <a:rPr lang="en-US" altLang="zh-CN" b="0" i="1" smtClean="0">
+                            <a:latin typeface="Cambria Math"/>
+                          </a:rPr>
+                          <m:t>𝐴</m:t>
+                        </m:r>
+                        <m:r>
+                          <a:rPr lang="en-US" altLang="zh-CN" b="0" i="1" smtClean="0">
+                            <a:latin typeface="Cambria Math"/>
+                          </a:rPr>
+                          <m:t>, </m:t>
+                        </m:r>
+                        <m:r>
+                          <a:rPr lang="en-US" altLang="zh-CN" b="0" i="1" smtClean="0">
+                            <a:latin typeface="Cambria Math"/>
+                          </a:rPr>
+                          <m:t>𝐵</m:t>
+                        </m:r>
+                        <m:r>
+                          <a:rPr lang="en-US" altLang="zh-CN" b="0" i="1" smtClean="0">
+                            <a:latin typeface="Cambria Math"/>
+                          </a:rPr>
+                          <m:t>, </m:t>
+                        </m:r>
+                        <m:r>
+                          <a:rPr lang="en-US" altLang="zh-CN" b="0" i="1" smtClean="0">
+                            <a:latin typeface="Cambria Math"/>
+                          </a:rPr>
+                          <m:t>𝐶</m:t>
+                        </m:r>
+                      </m:e>
+                    </m:d>
+                    <m:r>
+                      <a:rPr lang="en-US" altLang="zh-CN" b="0" i="1" smtClean="0">
+                        <a:latin typeface="Cambria Math"/>
+                      </a:rPr>
+                      <m:t>, </m:t>
+                    </m:r>
+                    <m:d>
+                      <m:dPr>
+                        <m:begChr m:val="{"/>
+                        <m:endChr m:val="}"/>
+                        <m:ctrlPr>
+                          <a:rPr lang="en-US" altLang="zh-CN" b="0" i="1" smtClean="0">
+                            <a:latin typeface="Cambria Math"/>
+                          </a:rPr>
+                        </m:ctrlPr>
+                      </m:dPr>
+                      <m:e>
+                        <m:r>
+                          <a:rPr lang="en-US" altLang="zh-CN" b="0" i="1" smtClean="0">
+                            <a:latin typeface="Cambria Math"/>
+                          </a:rPr>
+                          <m:t>𝐴</m:t>
+                        </m:r>
+                        <m:r>
+                          <a:rPr lang="en-US" altLang="zh-CN" b="0" i="1" smtClean="0">
+                            <a:latin typeface="Cambria Math"/>
+                          </a:rPr>
+                          <m:t>, </m:t>
+                        </m:r>
+                        <m:r>
+                          <a:rPr lang="en-US" altLang="zh-CN" b="0" i="1" smtClean="0">
+                            <a:latin typeface="Cambria Math"/>
+                          </a:rPr>
+                          <m:t>𝐶</m:t>
+                        </m:r>
+                      </m:e>
+                    </m:d>
+                    <m:r>
+                      <a:rPr lang="en-US" altLang="zh-CN" b="0" i="1" smtClean="0">
+                        <a:latin typeface="Cambria Math"/>
+                      </a:rPr>
+                      <m:t>, </m:t>
+                    </m:r>
+                    <m:d>
+                      <m:dPr>
+                        <m:begChr m:val="{"/>
+                        <m:endChr m:val="}"/>
+                        <m:ctrlPr>
+                          <a:rPr lang="en-US" altLang="zh-CN" b="0" i="1" smtClean="0">
+                            <a:latin typeface="Cambria Math"/>
+                          </a:rPr>
+                        </m:ctrlPr>
+                      </m:dPr>
+                      <m:e>
+                        <m:r>
+                          <a:rPr lang="en-US" altLang="zh-CN" b="0" i="1" smtClean="0">
+                            <a:latin typeface="Cambria Math"/>
+                          </a:rPr>
+                          <m:t>𝐵</m:t>
+                        </m:r>
+                        <m:r>
+                          <a:rPr lang="en-US" altLang="zh-CN" b="0" i="1" smtClean="0">
+                            <a:latin typeface="Cambria Math"/>
+                          </a:rPr>
+                          <m:t>, </m:t>
+                        </m:r>
+                        <m:r>
+                          <a:rPr lang="en-US" altLang="zh-CN" b="0" i="1" smtClean="0">
+                            <a:latin typeface="Cambria Math"/>
+                          </a:rPr>
+                          <m:t>𝐶</m:t>
+                        </m:r>
+                      </m:e>
+                    </m:d>
+                    <m:r>
+                      <a:rPr lang="en-US" altLang="zh-CN" b="0" i="1" smtClean="0">
+                        <a:latin typeface="Cambria Math"/>
+                      </a:rPr>
+                      <m:t>}</m:t>
+                    </m:r>
+                  </m:oMath>
+                </a14:m>
+                <a:r>
+                  <a:rPr lang="zh-CN" altLang="en-US" dirty="0" smtClean="0"/>
+                  <a:t> </a:t>
+                </a:r>
+                <a:endParaRPr lang="en-US" altLang="zh-CN" dirty="0"/>
+              </a:p>
+              <a:p>
+                <a:pPr marL="0" indent="0">
+                  <a:buNone/>
+                </a:pPr>
+                <a:r>
+                  <a:rPr lang="en-US" altLang="zh-CN" dirty="0" smtClean="0"/>
+                  <a:t> support level </a:t>
+                </a:r>
+                <a14:m>
+                  <m:oMath xmlns:m="http://schemas.openxmlformats.org/officeDocument/2006/math">
+                    <m:r>
+                      <a:rPr lang="en-US" altLang="zh-CN" b="0" i="1" smtClean="0">
+                        <a:latin typeface="Cambria Math"/>
+                      </a:rPr>
+                      <m:t>𝜃</m:t>
+                    </m:r>
+                    <m:r>
+                      <a:rPr lang="en-US" altLang="zh-CN" b="0" i="1" smtClean="0">
+                        <a:latin typeface="Cambria Math"/>
+                      </a:rPr>
+                      <m:t>=50%</m:t>
+                    </m:r>
+                  </m:oMath>
+                </a14:m>
+                <a:endParaRPr lang="en-US" altLang="zh-CN" dirty="0" smtClean="0"/>
+              </a:p>
+              <a:p>
+                <a:pPr marL="0" indent="0">
+                  <a:buNone/>
+                </a:pPr>
+                <a:r>
+                  <a:rPr lang="en-US" altLang="zh-CN" dirty="0" smtClean="0"/>
+                  <a:t>Frequent patterns are: </a:t>
+                </a:r>
+                <a14:m>
+                  <m:oMath xmlns:m="http://schemas.openxmlformats.org/officeDocument/2006/math">
+                    <m:d>
+                      <m:dPr>
+                        <m:begChr m:val="{"/>
+                        <m:endChr m:val="}"/>
+                        <m:ctrlPr>
+                          <a:rPr lang="en-US" altLang="zh-CN" b="0" i="1" smtClean="0">
+                            <a:latin typeface="Cambria Math"/>
+                          </a:rPr>
+                        </m:ctrlPr>
+                      </m:dPr>
+                      <m:e>
+                        <m:r>
+                          <a:rPr lang="en-US" altLang="zh-CN" b="0" i="1" smtClean="0">
+                            <a:latin typeface="Cambria Math"/>
+                          </a:rPr>
+                          <m:t>𝐴</m:t>
+                        </m:r>
+                      </m:e>
+                    </m:d>
+                    <m:r>
+                      <a:rPr lang="en-US" altLang="zh-CN" b="0" i="1" smtClean="0">
+                        <a:latin typeface="Cambria Math"/>
+                      </a:rPr>
+                      <m:t>, </m:t>
+                    </m:r>
+                    <m:d>
+                      <m:dPr>
+                        <m:begChr m:val="{"/>
+                        <m:endChr m:val="}"/>
+                        <m:ctrlPr>
+                          <a:rPr lang="en-US" altLang="zh-CN" b="0" i="1" smtClean="0">
+                            <a:latin typeface="Cambria Math"/>
+                          </a:rPr>
+                        </m:ctrlPr>
+                      </m:dPr>
+                      <m:e>
+                        <m:r>
+                          <a:rPr lang="en-US" altLang="zh-CN" b="0" i="1" smtClean="0">
+                            <a:latin typeface="Cambria Math"/>
+                          </a:rPr>
+                          <m:t>𝐵</m:t>
+                        </m:r>
+                      </m:e>
+                    </m:d>
+                    <m:r>
+                      <a:rPr lang="en-US" altLang="zh-CN" b="0" i="1" smtClean="0">
+                        <a:latin typeface="Cambria Math"/>
+                      </a:rPr>
+                      <m:t>, </m:t>
+                    </m:r>
+                    <m:d>
+                      <m:dPr>
+                        <m:begChr m:val="{"/>
+                        <m:endChr m:val="}"/>
+                        <m:ctrlPr>
+                          <a:rPr lang="en-US" altLang="zh-CN" b="0" i="1" smtClean="0">
+                            <a:latin typeface="Cambria Math"/>
+                          </a:rPr>
+                        </m:ctrlPr>
+                      </m:dPr>
+                      <m:e>
+                        <m:r>
+                          <a:rPr lang="en-US" altLang="zh-CN" b="0" i="1" smtClean="0">
+                            <a:latin typeface="Cambria Math"/>
+                          </a:rPr>
+                          <m:t>𝐶</m:t>
+                        </m:r>
+                      </m:e>
+                    </m:d>
+                    <m:r>
+                      <a:rPr lang="en-US" altLang="zh-CN" b="0" i="1" smtClean="0">
+                        <a:latin typeface="Cambria Math"/>
+                      </a:rPr>
+                      <m:t>, {</m:t>
+                    </m:r>
+                    <m:r>
+                      <a:rPr lang="en-US" altLang="zh-CN" b="0" i="1" smtClean="0">
+                        <a:latin typeface="Cambria Math"/>
+                      </a:rPr>
+                      <m:t>𝐵</m:t>
+                    </m:r>
+                    <m:r>
+                      <a:rPr lang="en-US" altLang="zh-CN" b="0" i="1" smtClean="0">
+                        <a:latin typeface="Cambria Math"/>
+                      </a:rPr>
+                      <m:t>,</m:t>
+                    </m:r>
+                    <m:r>
+                      <a:rPr lang="en-US" altLang="zh-CN" b="0" i="1" smtClean="0">
+                        <a:latin typeface="Cambria Math"/>
+                      </a:rPr>
+                      <m:t>𝐶</m:t>
+                    </m:r>
+                    <m:r>
+                      <a:rPr lang="en-US" altLang="zh-CN" b="0" i="1" smtClean="0">
+                        <a:latin typeface="Cambria Math"/>
+                      </a:rPr>
+                      <m:t>}</m:t>
+                    </m:r>
+                  </m:oMath>
+                </a14:m>
+                <a:endParaRPr lang="en-US" altLang="zh-CN" dirty="0" smtClean="0"/>
+              </a:p>
+              <a:p>
+                <a:r>
+                  <a:rPr lang="en-US" altLang="zh-CN" dirty="0" smtClean="0"/>
+                  <a:t>Data stream </a:t>
+                </a:r>
+                <a14:m>
+                  <m:oMath xmlns:m="http://schemas.openxmlformats.org/officeDocument/2006/math">
+                    <m:r>
+                      <a:rPr lang="en-US" altLang="zh-CN" b="0" i="1" smtClean="0">
+                        <a:latin typeface="Cambria Math"/>
+                      </a:rPr>
+                      <m:t>𝐷</m:t>
+                    </m:r>
+                    <m:r>
+                      <a:rPr lang="en-US" altLang="zh-CN" b="0" i="1" smtClean="0">
+                        <a:latin typeface="Cambria Math"/>
+                      </a:rPr>
+                      <m:t>=</m:t>
+                    </m:r>
+                    <m:d>
+                      <m:dPr>
+                        <m:begChr m:val="{"/>
+                        <m:endChr m:val="}"/>
+                        <m:ctrlPr>
+                          <a:rPr lang="en-US" altLang="zh-CN" b="0" i="1" smtClean="0">
+                            <a:latin typeface="Cambria Math"/>
+                          </a:rPr>
+                        </m:ctrlPr>
+                      </m:dPr>
+                      <m:e>
+                        <m:sSub>
+                          <m:sSubPr>
+                            <m:ctrlPr>
+                              <a:rPr lang="en-US" altLang="zh-CN" b="0" i="1" smtClean="0">
+                                <a:latin typeface="Cambria Math"/>
+                              </a:rPr>
+                            </m:ctrlPr>
+                          </m:sSubPr>
+                          <m:e>
+                            <m:r>
+                              <a:rPr lang="en-US" altLang="zh-CN" b="0" i="1" smtClean="0">
+                                <a:latin typeface="Cambria Math"/>
+                              </a:rPr>
+                              <m:t>𝑡</m:t>
+                            </m:r>
+                          </m:e>
+                          <m:sub>
+                            <m:r>
+                              <a:rPr lang="en-US" altLang="zh-CN" b="0" i="1" smtClean="0">
+                                <a:latin typeface="Cambria Math"/>
+                              </a:rPr>
+                              <m:t>1</m:t>
+                            </m:r>
+                          </m:sub>
+                        </m:sSub>
+                        <m:r>
+                          <a:rPr lang="en-US" altLang="zh-CN" b="0" i="1" smtClean="0">
+                            <a:latin typeface="Cambria Math"/>
+                          </a:rPr>
+                          <m:t>, </m:t>
+                        </m:r>
+                        <m:sSub>
+                          <m:sSubPr>
+                            <m:ctrlPr>
+                              <a:rPr lang="en-US" altLang="zh-CN" b="0" i="1" smtClean="0">
+                                <a:latin typeface="Cambria Math"/>
+                              </a:rPr>
+                            </m:ctrlPr>
+                          </m:sSubPr>
+                          <m:e>
+                            <m:r>
+                              <a:rPr lang="en-US" altLang="zh-CN" b="0" i="1" smtClean="0">
+                                <a:latin typeface="Cambria Math"/>
+                              </a:rPr>
+                              <m:t>𝑡</m:t>
+                            </m:r>
+                          </m:e>
+                          <m:sub>
+                            <m:r>
+                              <a:rPr lang="en-US" altLang="zh-CN" b="0" i="1" smtClean="0">
+                                <a:latin typeface="Cambria Math"/>
+                              </a:rPr>
+                              <m:t>2</m:t>
+                            </m:r>
+                          </m:sub>
+                        </m:sSub>
+                        <m:r>
+                          <a:rPr lang="en-US" altLang="zh-CN" b="0" i="1" smtClean="0">
+                            <a:latin typeface="Cambria Math"/>
+                          </a:rPr>
+                          <m:t>,…,</m:t>
+                        </m:r>
+                        <m:sSub>
+                          <m:sSubPr>
+                            <m:ctrlPr>
+                              <a:rPr lang="en-US" altLang="zh-CN" b="0" i="1" smtClean="0">
+                                <a:latin typeface="Cambria Math"/>
+                              </a:rPr>
+                            </m:ctrlPr>
+                          </m:sSubPr>
+                          <m:e>
+                            <m:r>
+                              <a:rPr lang="en-US" altLang="zh-CN" b="0" i="1" smtClean="0">
+                                <a:latin typeface="Cambria Math"/>
+                              </a:rPr>
+                              <m:t>𝑡</m:t>
+                            </m:r>
+                          </m:e>
+                          <m:sub>
+                            <m:r>
+                              <a:rPr lang="en-US" altLang="zh-CN" b="0" i="1" smtClean="0">
+                                <a:latin typeface="Cambria Math"/>
+                              </a:rPr>
+                              <m:t>𝑖</m:t>
+                            </m:r>
+                          </m:sub>
+                        </m:sSub>
+                        <m:r>
+                          <a:rPr lang="en-US" altLang="zh-CN" b="0" i="1" smtClean="0">
+                            <a:latin typeface="Cambria Math"/>
+                          </a:rPr>
+                          <m:t>,…</m:t>
+                        </m:r>
+                      </m:e>
+                    </m:d>
+                  </m:oMath>
+                </a14:m>
+                <a:r>
+                  <a:rPr lang="en-US" altLang="zh-CN" dirty="0" smtClean="0"/>
+                  <a:t>, window </a:t>
+                </a:r>
+                <a14:m>
+                  <m:oMath xmlns:m="http://schemas.openxmlformats.org/officeDocument/2006/math">
+                    <m:r>
+                      <a:rPr lang="en-US" altLang="zh-CN" b="0" i="1" smtClean="0">
+                        <a:latin typeface="Cambria Math"/>
+                      </a:rPr>
+                      <m:t>𝑊</m:t>
+                    </m:r>
+                    <m:d>
+                      <m:dPr>
+                        <m:begChr m:val="["/>
+                        <m:endChr m:val="]"/>
+                        <m:ctrlPr>
+                          <a:rPr lang="en-US" altLang="zh-CN" b="0" i="1" smtClean="0">
+                            <a:latin typeface="Cambria Math"/>
+                          </a:rPr>
+                        </m:ctrlPr>
+                      </m:dPr>
+                      <m:e>
+                        <m:r>
+                          <a:rPr lang="en-US" altLang="zh-CN" b="0" i="1" smtClean="0">
+                            <a:latin typeface="Cambria Math"/>
+                          </a:rPr>
+                          <m:t>𝑖</m:t>
+                        </m:r>
+                        <m:r>
+                          <a:rPr lang="en-US" altLang="zh-CN" b="0" i="1" smtClean="0">
+                            <a:latin typeface="Cambria Math"/>
+                          </a:rPr>
+                          <m:t>,</m:t>
+                        </m:r>
+                        <m:r>
+                          <a:rPr lang="en-US" altLang="zh-CN" b="0" i="1" smtClean="0">
+                            <a:latin typeface="Cambria Math"/>
+                          </a:rPr>
+                          <m:t>𝑗</m:t>
+                        </m:r>
+                      </m:e>
+                    </m:d>
+                    <m:r>
+                      <a:rPr lang="en-US" altLang="zh-CN" b="0" i="1" smtClean="0">
+                        <a:latin typeface="Cambria Math"/>
+                      </a:rPr>
+                      <m:t>=</m:t>
+                    </m:r>
+                    <m:d>
+                      <m:dPr>
+                        <m:ctrlPr>
+                          <a:rPr lang="en-US" altLang="zh-CN" b="0" i="1" smtClean="0">
+                            <a:latin typeface="Cambria Math"/>
+                          </a:rPr>
+                        </m:ctrlPr>
+                      </m:dPr>
+                      <m:e>
+                        <m:sSub>
+                          <m:sSubPr>
+                            <m:ctrlPr>
+                              <a:rPr lang="en-US" altLang="zh-CN" b="0" i="1" smtClean="0">
+                                <a:latin typeface="Cambria Math"/>
+                              </a:rPr>
+                            </m:ctrlPr>
+                          </m:sSubPr>
+                          <m:e>
+                            <m:r>
+                              <a:rPr lang="en-US" altLang="zh-CN" b="0" i="1" smtClean="0">
+                                <a:latin typeface="Cambria Math"/>
+                              </a:rPr>
+                              <m:t>𝑡</m:t>
+                            </m:r>
+                          </m:e>
+                          <m:sub>
+                            <m:r>
+                              <a:rPr lang="en-US" altLang="zh-CN" b="0" i="1" smtClean="0">
+                                <a:latin typeface="Cambria Math"/>
+                              </a:rPr>
+                              <m:t>𝑖</m:t>
+                            </m:r>
+                          </m:sub>
+                        </m:sSub>
+                        <m:r>
+                          <a:rPr lang="en-US" altLang="zh-CN" b="0" i="1" smtClean="0">
+                            <a:latin typeface="Cambria Math"/>
+                          </a:rPr>
+                          <m:t>,</m:t>
+                        </m:r>
+                        <m:sSub>
+                          <m:sSubPr>
+                            <m:ctrlPr>
+                              <a:rPr lang="en-US" altLang="zh-CN" b="0" i="1" smtClean="0">
+                                <a:latin typeface="Cambria Math"/>
+                              </a:rPr>
+                            </m:ctrlPr>
+                          </m:sSubPr>
+                          <m:e>
+                            <m:r>
+                              <a:rPr lang="en-US" altLang="zh-CN" b="0" i="1" smtClean="0">
+                                <a:latin typeface="Cambria Math"/>
+                              </a:rPr>
+                              <m:t>𝑡</m:t>
+                            </m:r>
+                          </m:e>
+                          <m:sub>
+                            <m:r>
+                              <a:rPr lang="en-US" altLang="zh-CN" b="0" i="1" smtClean="0">
+                                <a:latin typeface="Cambria Math"/>
+                              </a:rPr>
+                              <m:t>𝑖</m:t>
+                            </m:r>
+                            <m:r>
+                              <a:rPr lang="en-US" altLang="zh-CN" b="0" i="1" smtClean="0">
+                                <a:latin typeface="Cambria Math"/>
+                              </a:rPr>
+                              <m:t>+1</m:t>
+                            </m:r>
+                          </m:sub>
+                        </m:sSub>
+                        <m:r>
+                          <a:rPr lang="en-US" altLang="zh-CN" b="0" i="1" smtClean="0">
+                            <a:latin typeface="Cambria Math"/>
+                          </a:rPr>
+                          <m:t>,…, </m:t>
+                        </m:r>
+                        <m:sSub>
+                          <m:sSubPr>
+                            <m:ctrlPr>
+                              <a:rPr lang="en-US" altLang="zh-CN" b="0" i="1" smtClean="0">
+                                <a:latin typeface="Cambria Math"/>
+                              </a:rPr>
+                            </m:ctrlPr>
+                          </m:sSubPr>
+                          <m:e>
+                            <m:r>
+                              <a:rPr lang="en-US" altLang="zh-CN" b="0" i="1" smtClean="0">
+                                <a:latin typeface="Cambria Math"/>
+                              </a:rPr>
+                              <m:t>𝑡</m:t>
+                            </m:r>
+                          </m:e>
+                          <m:sub>
+                            <m:r>
+                              <a:rPr lang="en-US" altLang="zh-CN" b="0" i="1" smtClean="0">
+                                <a:latin typeface="Cambria Math"/>
+                              </a:rPr>
+                              <m:t>𝑗</m:t>
+                            </m:r>
+                          </m:sub>
+                        </m:sSub>
+                      </m:e>
+                    </m:d>
+                  </m:oMath>
+                </a14:m>
+                <a:endParaRPr lang="en-US" altLang="zh-CN" b="0" dirty="0" smtClean="0"/>
+              </a:p>
+              <a:p>
+                <a:r>
+                  <a:rPr lang="en-US" altLang="zh-CN" dirty="0" smtClean="0"/>
+                  <a:t>Mining frequent patterns based on window model</a:t>
+                </a:r>
+              </a:p>
+              <a:p>
+                <a:pPr lvl="1"/>
+                <a:r>
+                  <a:rPr lang="en-US" altLang="zh-CN" dirty="0"/>
+                  <a:t>Landmark </a:t>
+                </a:r>
+                <a:r>
+                  <a:rPr lang="en-US" altLang="zh-CN" dirty="0" smtClean="0"/>
+                  <a:t>window: start point </a:t>
+                </a:r>
+                <a:r>
+                  <a:rPr lang="en-US" altLang="zh-CN" dirty="0" err="1" smtClean="0"/>
+                  <a:t>i</a:t>
+                </a:r>
+                <a:r>
+                  <a:rPr lang="en-US" altLang="zh-CN" dirty="0" smtClean="0"/>
+                  <a:t> to current point t, </a:t>
+                </a:r>
+                <a14:m>
+                  <m:oMath xmlns:m="http://schemas.openxmlformats.org/officeDocument/2006/math">
+                    <m:r>
+                      <a:rPr lang="en-US" altLang="zh-CN" b="0" i="1" smtClean="0">
+                        <a:latin typeface="Cambria Math"/>
+                      </a:rPr>
+                      <m:t>𝑊</m:t>
+                    </m:r>
+                    <m:r>
+                      <a:rPr lang="en-US" altLang="zh-CN" b="0" i="1" smtClean="0">
+                        <a:latin typeface="Cambria Math"/>
+                      </a:rPr>
+                      <m:t>[</m:t>
+                    </m:r>
+                    <m:r>
+                      <a:rPr lang="en-US" altLang="zh-CN" b="0" i="1" smtClean="0">
+                        <a:latin typeface="Cambria Math"/>
+                      </a:rPr>
+                      <m:t>𝑖</m:t>
+                    </m:r>
+                    <m:r>
+                      <a:rPr lang="en-US" altLang="zh-CN" b="0" i="1" smtClean="0">
+                        <a:latin typeface="Cambria Math"/>
+                      </a:rPr>
+                      <m:t>,</m:t>
+                    </m:r>
+                    <m:r>
+                      <a:rPr lang="en-US" altLang="zh-CN" b="0" i="1" smtClean="0">
+                        <a:latin typeface="Cambria Math"/>
+                      </a:rPr>
+                      <m:t>𝑡</m:t>
+                    </m:r>
+                    <m:r>
+                      <a:rPr lang="en-US" altLang="zh-CN" b="0" i="1" smtClean="0">
+                        <a:latin typeface="Cambria Math"/>
+                      </a:rPr>
+                      <m:t>]</m:t>
+                    </m:r>
+                  </m:oMath>
+                </a14:m>
+                <a:endParaRPr lang="en-US" altLang="zh-CN" dirty="0" smtClean="0"/>
+              </a:p>
+              <a:p>
+                <a:pPr lvl="1"/>
+                <a:r>
+                  <a:rPr lang="en-US" altLang="zh-CN" dirty="0"/>
+                  <a:t>Sliding </a:t>
+                </a:r>
+                <a:r>
+                  <a:rPr lang="en-US" altLang="zh-CN" dirty="0" smtClean="0"/>
+                  <a:t>window: fixed window size w, </a:t>
+                </a:r>
+                <a14:m>
+                  <m:oMath xmlns:m="http://schemas.openxmlformats.org/officeDocument/2006/math">
+                    <m:r>
+                      <a:rPr lang="en-US" altLang="zh-CN" b="0" i="1" smtClean="0">
+                        <a:latin typeface="Cambria Math"/>
+                      </a:rPr>
+                      <m:t>𝑊</m:t>
+                    </m:r>
+                    <m:r>
+                      <a:rPr lang="en-US" altLang="zh-CN" b="0" i="1" smtClean="0">
+                        <a:latin typeface="Cambria Math"/>
+                      </a:rPr>
+                      <m:t>[</m:t>
+                    </m:r>
+                    <m:r>
+                      <a:rPr lang="en-US" altLang="zh-CN" b="0" i="1" smtClean="0">
+                        <a:latin typeface="Cambria Math"/>
+                      </a:rPr>
+                      <m:t>𝑡</m:t>
+                    </m:r>
+                    <m:r>
+                      <a:rPr lang="en-US" altLang="zh-CN" b="0" i="1" smtClean="0">
+                        <a:latin typeface="Cambria Math"/>
+                      </a:rPr>
+                      <m:t>−</m:t>
+                    </m:r>
+                    <m:r>
+                      <a:rPr lang="en-US" altLang="zh-CN" b="0" i="1" smtClean="0">
+                        <a:latin typeface="Cambria Math"/>
+                      </a:rPr>
+                      <m:t>𝑤</m:t>
+                    </m:r>
+                    <m:r>
+                      <a:rPr lang="en-US" altLang="zh-CN" b="0" i="1" smtClean="0">
+                        <a:latin typeface="Cambria Math"/>
+                      </a:rPr>
+                      <m:t>+1, </m:t>
+                    </m:r>
+                    <m:r>
+                      <a:rPr lang="en-US" altLang="zh-CN" b="0" i="1" smtClean="0">
+                        <a:latin typeface="Cambria Math"/>
+                      </a:rPr>
+                      <m:t>𝑡</m:t>
+                    </m:r>
+                    <m:r>
+                      <a:rPr lang="en-US" altLang="zh-CN" b="0" i="1" smtClean="0">
+                        <a:latin typeface="Cambria Math"/>
+                      </a:rPr>
+                      <m:t>]</m:t>
+                    </m:r>
+                  </m:oMath>
+                </a14:m>
+                <a:endParaRPr lang="en-US" altLang="zh-CN" dirty="0" smtClean="0"/>
+              </a:p>
+              <a:p>
+                <a:pPr lvl="1"/>
+                <a:r>
+                  <a:rPr lang="en-US" altLang="zh-CN" dirty="0"/>
+                  <a:t>Damped window model: assigns more weights to the </a:t>
+                </a:r>
+                <a:r>
+                  <a:rPr lang="en-US" altLang="zh-CN" dirty="0" smtClean="0"/>
+                  <a:t>recently arrived </a:t>
+                </a:r>
+                <a:r>
+                  <a:rPr lang="en-US" altLang="zh-CN" dirty="0"/>
+                  <a:t>transactions</a:t>
+                </a:r>
+                <a:endParaRPr lang="zh-CN" altLang="en-US" dirty="0"/>
+              </a:p>
+            </p:txBody>
+          </p:sp>
+        </mc:Choice>
+        <mc:Fallback>
+          <p:sp>
+            <p:nvSpPr>
+              <p:cNvPr id="3" name="内容占位符 2"/>
+              <p:cNvSpPr>
+                <a:spLocks noGrp="1" noRot="1" noChangeAspect="1" noMove="1" noResize="1" noEditPoints="1" noAdjustHandles="1" noChangeArrowheads="1" noChangeShapeType="1" noTextEdit="1"/>
+              </p:cNvSpPr>
+              <p:nvPr>
+                <p:ph idx="1"/>
+              </p:nvPr>
+            </p:nvSpPr>
+            <p:spPr>
+              <a:xfrm>
+                <a:off x="2589212" y="1749778"/>
+                <a:ext cx="8915400" cy="4161444"/>
+              </a:xfrm>
+              <a:blipFill rotWithShape="1">
+                <a:blip r:embed="rId2"/>
+                <a:stretch>
+                  <a:fillRect l="-616" t="-146"/>
+                </a:stretch>
+              </a:blipFill>
+            </p:spPr>
+            <p:txBody>
+              <a:bodyPr/>
+              <a:lstStyle/>
+              <a:p>
+                <a:r>
+                  <a:rPr lang="zh-CN" altLang="en-US">
+                    <a:noFill/>
+                  </a:rPr>
+                  <a:t> </a:t>
+                </a:r>
+              </a:p>
+            </p:txBody>
+          </p:sp>
+        </mc:Fallback>
+      </mc:AlternateContent>
+    </p:spTree>
+    <p:extLst>
+      <p:ext uri="{BB962C8B-B14F-4D97-AF65-F5344CB8AC3E}">
+        <p14:creationId xmlns:p14="http://schemas.microsoft.com/office/powerpoint/2010/main" val="3836732285"/>
+      </p:ext>
+    </p:extLst>
+  </p:cSld>
+  <p:clrMapOvr>
+    <a:masterClrMapping/>
+  </p:clrMapOvr>
 </p:sld>
 </file>
 
@@ -35219,7 +36210,7 @@
   <a:extraClrSchemeLst/>
   <a:extLst>
     <a:ext uri="{05A4C25C-085E-4340-85A3-A5531E510DB2}">
-      <thm15:themeFamily xmlns="" xmlns:thm15="http://schemas.microsoft.com/office/thememl/2012/main" name="Wisp" id="{7CB32D59-10C0-40DD-B7BD-2E94284A981C}" vid="{24B1A44C-C006-48B2-A4D7-E5549B3D8CD4}"/>
+      <thm15:themeFamily xmlns:thm15="http://schemas.microsoft.com/office/thememl/2012/main" xmlns="" name="Wisp" id="{7CB32D59-10C0-40DD-B7BD-2E94284A981C}" vid="{24B1A44C-C006-48B2-A4D7-E5549B3D8CD4}"/>
     </a:ext>
   </a:extLst>
 </a:theme>

--- a/slide/tsdm.pptx
+++ b/slide/tsdm.pptx
@@ -161,7 +161,7 @@
   </p:defaultTextStyle>
   <p:extLst>
     <p:ext uri="{EFAFB233-063F-42B5-8137-9DF3F51BA10A}">
-      <p15:sldGuideLst xmlns:p15="http://schemas.microsoft.com/office/powerpoint/2012/main" xmlns=""/>
+      <p15:sldGuideLst xmlns="" xmlns:p15="http://schemas.microsoft.com/office/powerpoint/2012/main"/>
     </p:ext>
   </p:extLst>
 </p:presentation>
@@ -26440,7 +26440,7 @@
           <a:graphicData uri="http://schemas.openxmlformats.org/presentationml/2006/ole">
             <mc:AlternateContent xmlns:mc="http://schemas.openxmlformats.org/markup-compatibility/2006">
               <mc:Choice xmlns:v="urn:schemas-microsoft-com:vml" Requires="v">
-                <p:oleObj spid="_x0000_s1080" name="點陣圖影像" r:id="rId3" imgW="4638095" imgH="2534004" progId="PBrush">
+                <p:oleObj spid="_x0000_s1082" name="點陣圖影像" r:id="rId3" imgW="4638095" imgH="2534004" progId="PBrush">
                   <p:embed/>
                 </p:oleObj>
               </mc:Choice>
@@ -26511,7 +26511,7 @@
           <a:graphicData uri="http://schemas.openxmlformats.org/presentationml/2006/ole">
             <mc:AlternateContent xmlns:mc="http://schemas.openxmlformats.org/markup-compatibility/2006">
               <mc:Choice xmlns:v="urn:schemas-microsoft-com:vml" Requires="v">
-                <p:oleObj spid="_x0000_s1081" name="BMP 图像" r:id="rId5" imgW="4381560" imgH="1305000" progId="Paint.Picture">
+                <p:oleObj spid="_x0000_s1083" name="BMP 图像" r:id="rId5" imgW="4381560" imgH="1305000" progId="Paint.Picture">
                   <p:embed/>
                 </p:oleObj>
               </mc:Choice>
@@ -29947,8 +29947,27 @@
             </a:r>
             <a:r>
               <a:rPr lang="en-US" altLang="zh-CN" dirty="0" smtClean="0"/>
-              <a:t>data.</a:t>
-            </a:r>
+              <a:t>data</a:t>
+            </a:r>
+            <a:r>
+              <a:rPr lang="en-US" altLang="zh-CN" dirty="0" smtClean="0"/>
+              <a:t>.</a:t>
+            </a:r>
+          </a:p>
+          <a:p>
+            <a:pPr lvl="1"/>
+            <a:r>
+              <a:rPr lang="en-US" altLang="zh-CN" dirty="0" smtClean="0"/>
+              <a:t>One pass constrain. </a:t>
+            </a:r>
+          </a:p>
+          <a:p>
+            <a:pPr lvl="1"/>
+            <a:r>
+              <a:rPr lang="en-US" altLang="zh-CN" dirty="0" smtClean="0"/>
+              <a:t>Temporal evolution, historical data may be updated. </a:t>
+            </a:r>
+            <a:endParaRPr lang="en-US" altLang="zh-CN" dirty="0" smtClean="0"/>
           </a:p>
           <a:p>
             <a:endParaRPr lang="zh-CN" altLang="en-US" dirty="0"/>
@@ -33520,8 +33539,8 @@
           </a:p>
         </p:txBody>
       </p:sp>
-      <mc:AlternateContent xmlns:mc="http://schemas.openxmlformats.org/markup-compatibility/2006">
-        <mc:Choice xmlns:a14="http://schemas.microsoft.com/office/drawing/2010/main" Requires="a14">
+      <mc:AlternateContent xmlns:mc="http://schemas.openxmlformats.org/markup-compatibility/2006" xmlns:a14="http://schemas.microsoft.com/office/drawing/2010/main">
+        <mc:Choice Requires="a14">
           <p:sp>
             <p:nvSpPr>
               <p:cNvPr id="3" name="内容占位符 2"/>
@@ -34418,7 +34437,7 @@
             </p:txBody>
           </p:sp>
         </mc:Choice>
-        <mc:Fallback>
+        <mc:Fallback xmlns="">
           <p:sp>
             <p:nvSpPr>
               <p:cNvPr id="3" name="内容占位符 2"/>
@@ -36210,7 +36229,7 @@
   <a:extraClrSchemeLst/>
   <a:extLst>
     <a:ext uri="{05A4C25C-085E-4340-85A3-A5531E510DB2}">
-      <thm15:themeFamily xmlns:thm15="http://schemas.microsoft.com/office/thememl/2012/main" xmlns="" name="Wisp" id="{7CB32D59-10C0-40DD-B7BD-2E94284A981C}" vid="{24B1A44C-C006-48B2-A4D7-E5549B3D8CD4}"/>
+      <thm15:themeFamily xmlns="" xmlns:thm15="http://schemas.microsoft.com/office/thememl/2012/main" name="Wisp" id="{7CB32D59-10C0-40DD-B7BD-2E94284A981C}" vid="{24B1A44C-C006-48B2-A4D7-E5549B3D8CD4}"/>
     </a:ext>
   </a:extLst>
 </a:theme>

--- a/slide/tsdm.pptx
+++ b/slide/tsdm.pptx
@@ -52,7 +52,7 @@
     <p:sldId id="317" r:id="rId43"/>
     <p:sldId id="318" r:id="rId44"/>
     <p:sldId id="264" r:id="rId45"/>
-    <p:sldId id="267" r:id="rId46"/>
+    <p:sldId id="327" r:id="rId46"/>
     <p:sldId id="266" r:id="rId47"/>
     <p:sldId id="268" r:id="rId48"/>
     <p:sldId id="269" r:id="rId49"/>
@@ -246,7 +246,7 @@
           <a:p>
             <a:fld id="{EAC0FA0A-CAD4-4EB0-8284-87AAE1D94058}" type="datetimeFigureOut">
               <a:rPr lang="zh-CN" altLang="en-US" smtClean="0"/>
-              <a:t>2013/3/8</a:t>
+              <a:t>2013/3/9</a:t>
             </a:fld>
             <a:endParaRPr lang="zh-CN" altLang="en-US"/>
           </a:p>
@@ -657,7 +657,7 @@
           <a:p>
             <a:fld id="{F77B2EB1-EA88-4503-95EA-93923E5BA59E}" type="datetimeFigureOut">
               <a:rPr lang="en-US" smtClean="0"/>
-              <a:t>3/8/2013</a:t>
+              <a:t>3/9/2013</a:t>
             </a:fld>
             <a:endParaRPr lang="en-US"/>
           </a:p>
@@ -1016,7 +1016,7 @@
           <a:p>
             <a:fld id="{F77B2EB1-EA88-4503-95EA-93923E5BA59E}" type="datetimeFigureOut">
               <a:rPr lang="en-US" smtClean="0"/>
-              <a:t>3/8/2013</a:t>
+              <a:t>3/9/2013</a:t>
             </a:fld>
             <a:endParaRPr lang="en-US"/>
           </a:p>
@@ -1191,7 +1191,7 @@
           <a:p>
             <a:fld id="{F77B2EB1-EA88-4503-95EA-93923E5BA59E}" type="datetimeFigureOut">
               <a:rPr lang="en-US" smtClean="0"/>
-              <a:t>3/8/2013</a:t>
+              <a:t>3/9/2013</a:t>
             </a:fld>
             <a:endParaRPr lang="en-US"/>
           </a:p>
@@ -1426,7 +1426,7 @@
           <a:p>
             <a:fld id="{F77B2EB1-EA88-4503-95EA-93923E5BA59E}" type="datetimeFigureOut">
               <a:rPr lang="en-US" smtClean="0"/>
-              <a:t>3/8/2013</a:t>
+              <a:t>3/9/2013</a:t>
             </a:fld>
             <a:endParaRPr lang="en-US"/>
           </a:p>
@@ -1695,7 +1695,7 @@
           <a:p>
             <a:fld id="{F77B2EB1-EA88-4503-95EA-93923E5BA59E}" type="datetimeFigureOut">
               <a:rPr lang="en-US" smtClean="0"/>
-              <a:t>3/8/2013</a:t>
+              <a:t>3/9/2013</a:t>
             </a:fld>
             <a:endParaRPr lang="en-US"/>
           </a:p>
@@ -1915,7 +1915,7 @@
           <a:p>
             <a:fld id="{F77B2EB1-EA88-4503-95EA-93923E5BA59E}" type="datetimeFigureOut">
               <a:rPr lang="en-US" smtClean="0"/>
-              <a:t>3/8/2013</a:t>
+              <a:t>3/9/2013</a:t>
             </a:fld>
             <a:endParaRPr lang="en-US"/>
           </a:p>
@@ -2267,7 +2267,7 @@
           <a:p>
             <a:fld id="{F77B2EB1-EA88-4503-95EA-93923E5BA59E}" type="datetimeFigureOut">
               <a:rPr lang="en-US" smtClean="0"/>
-              <a:t>3/8/2013</a:t>
+              <a:t>3/9/2013</a:t>
             </a:fld>
             <a:endParaRPr lang="en-US"/>
           </a:p>
@@ -2499,7 +2499,7 @@
           <a:p>
             <a:fld id="{F77B2EB1-EA88-4503-95EA-93923E5BA59E}" type="datetimeFigureOut">
               <a:rPr lang="en-US" smtClean="0"/>
-              <a:t>3/8/2013</a:t>
+              <a:t>3/9/2013</a:t>
             </a:fld>
             <a:endParaRPr lang="en-US"/>
           </a:p>
@@ -2639,7 +2639,7 @@
           <a:p>
             <a:fld id="{F77B2EB1-EA88-4503-95EA-93923E5BA59E}" type="datetimeFigureOut">
               <a:rPr lang="en-US" smtClean="0"/>
-              <a:t>3/8/2013</a:t>
+              <a:t>3/9/2013</a:t>
             </a:fld>
             <a:endParaRPr lang="en-US"/>
           </a:p>
@@ -2916,7 +2916,7 @@
           <a:p>
             <a:fld id="{F77B2EB1-EA88-4503-95EA-93923E5BA59E}" type="datetimeFigureOut">
               <a:rPr lang="en-US" smtClean="0"/>
-              <a:t>3/8/2013</a:t>
+              <a:t>3/9/2013</a:t>
             </a:fld>
             <a:endParaRPr lang="en-US"/>
           </a:p>
@@ -3323,7 +3323,7 @@
           <a:p>
             <a:fld id="{F77B2EB1-EA88-4503-95EA-93923E5BA59E}" type="datetimeFigureOut">
               <a:rPr lang="en-US" smtClean="0"/>
-              <a:t>3/8/2013</a:t>
+              <a:t>3/9/2013</a:t>
             </a:fld>
             <a:endParaRPr lang="en-US"/>
           </a:p>
@@ -3661,7 +3661,7 @@
           <a:p>
             <a:fld id="{F77B2EB1-EA88-4503-95EA-93923E5BA59E}" type="datetimeFigureOut">
               <a:rPr lang="en-US" smtClean="0"/>
-              <a:t>3/8/2013</a:t>
+              <a:t>3/9/2013</a:t>
             </a:fld>
             <a:endParaRPr lang="en-US"/>
           </a:p>
@@ -10368,11 +10368,7 @@
             <a:pPr algn="ctr"/>
             <a:r>
               <a:rPr lang="en-US" altLang="zh-CN" dirty="0" smtClean="0"/>
-              <a:t>Time Delay </a:t>
-            </a:r>
-            <a:r>
-              <a:rPr lang="en-US" altLang="zh-CN" dirty="0" smtClean="0"/>
-              <a:t>Embedding[3]</a:t>
+              <a:t>Time Delay Embedding[3]</a:t>
             </a:r>
             <a:endParaRPr lang="en-US" dirty="0"/>
           </a:p>
@@ -11549,18 +11545,14 @@
             <a:pPr algn="ctr"/>
             <a:r>
               <a:rPr lang="en-US" altLang="zh-CN" dirty="0" smtClean="0"/>
-              <a:t>Object </a:t>
-            </a:r>
-            <a:r>
-              <a:rPr lang="en-US" altLang="zh-CN" dirty="0" smtClean="0"/>
-              <a:t>Function &amp; Optimization</a:t>
+              <a:t>Object Function &amp; Optimization</a:t>
             </a:r>
             <a:endParaRPr lang="en-US" dirty="0"/>
           </a:p>
         </p:txBody>
       </p:sp>
-      <mc:AlternateContent xmlns:mc="http://schemas.openxmlformats.org/markup-compatibility/2006">
-        <mc:Choice xmlns:a14="http://schemas.microsoft.com/office/drawing/2010/main" Requires="a14">
+      <mc:AlternateContent xmlns:mc="http://schemas.openxmlformats.org/markup-compatibility/2006" xmlns:a14="http://schemas.microsoft.com/office/drawing/2010/main">
+        <mc:Choice Requires="a14">
           <p:sp>
             <p:nvSpPr>
               <p:cNvPr id="3" name="Content Placeholder 2"/>
@@ -12630,7 +12622,7 @@
             </p:txBody>
           </p:sp>
         </mc:Choice>
-        <mc:Fallback>
+        <mc:Fallback xmlns="">
           <p:sp>
             <p:nvSpPr>
               <p:cNvPr id="3" name="Content Placeholder 2"/>
@@ -21570,7 +21562,7 @@
           <a:graphicData uri="http://schemas.openxmlformats.org/presentationml/2006/ole">
             <mc:AlternateContent xmlns:mc="http://schemas.openxmlformats.org/markup-compatibility/2006">
               <mc:Choice xmlns:v="urn:schemas-microsoft-com:vml" Requires="v">
-                <p:oleObj spid="_x0000_s2054" name="點陣圖影像" r:id="rId3" imgW="4638095" imgH="2534004" progId="PBrush">
+                <p:oleObj spid="_x0000_s2058" name="點陣圖影像" r:id="rId3" imgW="4638095" imgH="2534004" progId="PBrush">
                   <p:embed/>
                 </p:oleObj>
               </mc:Choice>
@@ -21641,7 +21633,7 @@
           <a:graphicData uri="http://schemas.openxmlformats.org/presentationml/2006/ole">
             <mc:AlternateContent xmlns:mc="http://schemas.openxmlformats.org/markup-compatibility/2006">
               <mc:Choice xmlns:v="urn:schemas-microsoft-com:vml" Requires="v">
-                <p:oleObj spid="_x0000_s2055" name="BMP 图像" r:id="rId5" imgW="4381560" imgH="1305000" progId="Paint.Picture">
+                <p:oleObj spid="_x0000_s2059" name="BMP 图像" r:id="rId5" imgW="4381560" imgH="1305000" progId="Paint.Picture">
                   <p:embed/>
                 </p:oleObj>
               </mc:Choice>
@@ -22294,7 +22286,7 @@
         <p:spPr>
           <a:xfrm>
             <a:off x="2584133" y="228456"/>
-            <a:ext cx="8911687" cy="1280890"/>
+            <a:ext cx="8911687" cy="704994"/>
           </a:xfrm>
         </p:spPr>
         <p:txBody>
@@ -22529,8 +22521,8 @@
           </a:p>
         </p:txBody>
       </p:sp>
-      <mc:AlternateContent xmlns:mc="http://schemas.openxmlformats.org/markup-compatibility/2006" xmlns:a14="http://schemas.microsoft.com/office/drawing/2010/main">
-        <mc:Choice Requires="a14">
+      <mc:AlternateContent xmlns:mc="http://schemas.openxmlformats.org/markup-compatibility/2006">
+        <mc:Choice xmlns:a14="http://schemas.microsoft.com/office/drawing/2010/main" Requires="a14">
           <p:sp>
             <p:nvSpPr>
               <p:cNvPr id="3" name="内容占位符 2"/>
@@ -22543,7 +22535,7 @@
             </p:nvSpPr>
             <p:spPr>
               <a:xfrm>
-                <a:off x="2589212" y="2133600"/>
+                <a:off x="1223257" y="1603023"/>
                 <a:ext cx="8915400" cy="4152900"/>
               </a:xfrm>
             </p:spPr>
@@ -24235,7 +24227,7 @@
             </p:txBody>
           </p:sp>
         </mc:Choice>
-        <mc:Fallback xmlns="">
+        <mc:Fallback>
           <p:sp>
             <p:nvSpPr>
               <p:cNvPr id="3" name="内容占位符 2"/>
@@ -24248,13 +24240,13 @@
             </p:nvSpPr>
             <p:spPr>
               <a:xfrm>
-                <a:off x="2589212" y="2133600"/>
+                <a:off x="1223257" y="1603023"/>
                 <a:ext cx="8915400" cy="4152900"/>
               </a:xfrm>
               <a:blipFill rotWithShape="1">
                 <a:blip r:embed="rId2"/>
                 <a:stretch>
-                  <a:fillRect l="-479" t="-734"/>
+                  <a:fillRect l="-479" t="-2937" b="-1028"/>
                 </a:stretch>
               </a:blipFill>
             </p:spPr>
@@ -24380,7 +24372,7 @@
         </p:blipFill>
         <p:spPr bwMode="auto">
           <a:xfrm>
-            <a:off x="4058017" y="2677623"/>
+            <a:off x="2567884" y="2113177"/>
             <a:ext cx="5324475" cy="3876675"/>
           </a:xfrm>
           <a:prstGeom prst="rect">
@@ -24522,7 +24514,7 @@
         </p:blipFill>
         <p:spPr bwMode="auto">
           <a:xfrm>
-            <a:off x="2896699" y="2544641"/>
+            <a:off x="2546743" y="2047930"/>
             <a:ext cx="4429125" cy="3562350"/>
           </a:xfrm>
           <a:prstGeom prst="rect">
@@ -24576,7 +24568,7 @@
         </p:blipFill>
         <p:spPr bwMode="auto">
           <a:xfrm>
-            <a:off x="7563583" y="3183185"/>
+            <a:off x="7213627" y="2686474"/>
             <a:ext cx="1162050" cy="2847975"/>
           </a:xfrm>
           <a:prstGeom prst="rect">
@@ -24630,7 +24622,7 @@
         </p:blipFill>
         <p:spPr bwMode="auto">
           <a:xfrm>
-            <a:off x="7470897" y="2661138"/>
+            <a:off x="7120941" y="2164427"/>
             <a:ext cx="1171575" cy="304800"/>
           </a:xfrm>
           <a:prstGeom prst="rect">
@@ -24768,7 +24760,7 @@
         </p:blipFill>
         <p:spPr bwMode="auto">
           <a:xfrm>
-            <a:off x="2096600" y="2580910"/>
+            <a:off x="1520867" y="2580910"/>
             <a:ext cx="4828107" cy="2764813"/>
           </a:xfrm>
           <a:prstGeom prst="rect">
@@ -24822,7 +24814,7 @@
         </p:blipFill>
         <p:spPr bwMode="auto">
           <a:xfrm>
-            <a:off x="7386637" y="2580910"/>
+            <a:off x="6810904" y="2580910"/>
             <a:ext cx="3848661" cy="2888639"/>
           </a:xfrm>
           <a:prstGeom prst="rect">
@@ -24908,11 +24900,7 @@
             <a:pPr algn="ctr"/>
             <a:r>
               <a:rPr lang="en-US" altLang="zh-CN" dirty="0" smtClean="0"/>
-              <a:t>Motif </a:t>
-            </a:r>
-            <a:r>
-              <a:rPr lang="en-US" altLang="zh-CN" dirty="0" smtClean="0"/>
-              <a:t>Discovery[5]</a:t>
+              <a:t>Motif Discovery[5]</a:t>
             </a:r>
             <a:endParaRPr lang="zh-CN" altLang="en-US" dirty="0"/>
           </a:p>
@@ -26766,8 +26754,8 @@
         </p:nvSpPr>
         <p:spPr>
           <a:xfrm>
-            <a:off x="2589212" y="1443487"/>
-            <a:ext cx="8915400" cy="5147094"/>
+            <a:off x="632178" y="1443487"/>
+            <a:ext cx="10872434" cy="5147094"/>
           </a:xfrm>
         </p:spPr>
         <p:txBody>
@@ -27024,8 +27012,8 @@
         </p:nvSpPr>
         <p:spPr>
           <a:xfrm>
-            <a:off x="2589212" y="1443487"/>
-            <a:ext cx="8915400" cy="5147094"/>
+            <a:off x="632178" y="1443487"/>
+            <a:ext cx="10872434" cy="5147094"/>
           </a:xfrm>
         </p:spPr>
         <p:txBody>
@@ -27044,7 +27032,7 @@
             </a:r>
             <a:r>
               <a:rPr lang="en-US" dirty="0" smtClean="0"/>
-              <a:t>)</a:t>
+              <a:t>).</a:t>
             </a:r>
           </a:p>
           <a:p>
@@ -27236,7 +27224,7 @@
     </p:spTree>
     <p:extLst>
       <p:ext uri="{BB962C8B-B14F-4D97-AF65-F5344CB8AC3E}">
-        <p14:creationId xmlns:p14="http://schemas.microsoft.com/office/powerpoint/2010/main" val="3942738112"/>
+        <p14:creationId xmlns:p14="http://schemas.microsoft.com/office/powerpoint/2010/main" val="1520328431"/>
       </p:ext>
     </p:extLst>
   </p:cSld>
@@ -27412,11 +27400,7 @@
             <a:pPr algn="ctr"/>
             <a:r>
               <a:rPr lang="en-US" altLang="zh-CN" dirty="0" smtClean="0"/>
-              <a:t>Feature Based </a:t>
-            </a:r>
-            <a:r>
-              <a:rPr lang="en-US" altLang="zh-CN" dirty="0" smtClean="0"/>
-              <a:t>Classification[7]</a:t>
+              <a:t>Feature Based Classification[7]</a:t>
             </a:r>
             <a:endParaRPr lang="en-US" dirty="0"/>
           </a:p>
@@ -28385,11 +28369,7 @@
             <a:pPr algn="ctr"/>
             <a:r>
               <a:rPr lang="en-US" altLang="zh-CN" dirty="0" smtClean="0"/>
-              <a:t>Segmentation Basic </a:t>
-            </a:r>
-            <a:r>
-              <a:rPr lang="en-US" altLang="zh-CN" dirty="0" smtClean="0"/>
-              <a:t>Approaches[1]</a:t>
+              <a:t>Segmentation Basic Approaches[1]</a:t>
             </a:r>
             <a:endParaRPr lang="en-US" dirty="0"/>
           </a:p>
@@ -29031,11 +29011,7 @@
             </a:r>
             <a:r>
               <a:rPr lang="en-US" dirty="0" smtClean="0"/>
-              <a:t>   </a:t>
-            </a:r>
-            <a:r>
-              <a:rPr lang="en-US" dirty="0" smtClean="0"/>
-              <a:t>anchor </a:t>
+              <a:t>   anchor </a:t>
             </a:r>
             <a:r>
               <a:rPr lang="en-US" dirty="0"/>

--- a/slide/tsdm.pptx
+++ b/slide/tsdm.pptx
@@ -5,7 +5,7 @@
     <p:sldMasterId id="2147483782" r:id="rId1"/>
   </p:sldMasterIdLst>
   <p:notesMasterIdLst>
-    <p:notesMasterId r:id="rId52"/>
+    <p:notesMasterId r:id="rId57"/>
   </p:notesMasterIdLst>
   <p:sldIdLst>
     <p:sldId id="256" r:id="rId2"/>
@@ -45,19 +45,24 @@
     <p:sldId id="324" r:id="rId36"/>
     <p:sldId id="325" r:id="rId37"/>
     <p:sldId id="326" r:id="rId38"/>
-    <p:sldId id="313" r:id="rId39"/>
-    <p:sldId id="314" r:id="rId40"/>
-    <p:sldId id="315" r:id="rId41"/>
-    <p:sldId id="316" r:id="rId42"/>
-    <p:sldId id="317" r:id="rId43"/>
-    <p:sldId id="318" r:id="rId44"/>
-    <p:sldId id="264" r:id="rId45"/>
-    <p:sldId id="327" r:id="rId46"/>
-    <p:sldId id="266" r:id="rId47"/>
-    <p:sldId id="268" r:id="rId48"/>
-    <p:sldId id="269" r:id="rId49"/>
-    <p:sldId id="270" r:id="rId50"/>
-    <p:sldId id="319" r:id="rId51"/>
+    <p:sldId id="328" r:id="rId39"/>
+    <p:sldId id="329" r:id="rId40"/>
+    <p:sldId id="330" r:id="rId41"/>
+    <p:sldId id="331" r:id="rId42"/>
+    <p:sldId id="332" r:id="rId43"/>
+    <p:sldId id="313" r:id="rId44"/>
+    <p:sldId id="314" r:id="rId45"/>
+    <p:sldId id="315" r:id="rId46"/>
+    <p:sldId id="316" r:id="rId47"/>
+    <p:sldId id="317" r:id="rId48"/>
+    <p:sldId id="318" r:id="rId49"/>
+    <p:sldId id="264" r:id="rId50"/>
+    <p:sldId id="327" r:id="rId51"/>
+    <p:sldId id="266" r:id="rId52"/>
+    <p:sldId id="268" r:id="rId53"/>
+    <p:sldId id="269" r:id="rId54"/>
+    <p:sldId id="270" r:id="rId55"/>
+    <p:sldId id="319" r:id="rId56"/>
   </p:sldIdLst>
   <p:sldSz cx="12192000" cy="6858000"/>
   <p:notesSz cx="6858000" cy="9144000"/>
@@ -158,7 +163,7 @@
   </p:defaultTextStyle>
   <p:extLst>
     <p:ext uri="{EFAFB233-063F-42B5-8137-9DF3F51BA10A}">
-      <p15:sldGuideLst xmlns:p15="http://schemas.microsoft.com/office/powerpoint/2012/main" xmlns=""/>
+      <p15:sldGuideLst xmlns="" xmlns:p15="http://schemas.microsoft.com/office/powerpoint/2012/main"/>
     </p:ext>
   </p:extLst>
 </p:presentation>
@@ -246,7 +251,7 @@
           <a:p>
             <a:fld id="{EAC0FA0A-CAD4-4EB0-8284-87AAE1D94058}" type="datetimeFigureOut">
               <a:rPr lang="zh-CN" altLang="en-US" smtClean="0"/>
-              <a:t>2013/3/9</a:t>
+              <a:t>2013/3/10</a:t>
             </a:fld>
             <a:endParaRPr lang="zh-CN" altLang="en-US"/>
           </a:p>
@@ -657,7 +662,7 @@
           <a:p>
             <a:fld id="{F77B2EB1-EA88-4503-95EA-93923E5BA59E}" type="datetimeFigureOut">
               <a:rPr lang="en-US" smtClean="0"/>
-              <a:t>3/9/2013</a:t>
+              <a:t>3/10/2013</a:t>
             </a:fld>
             <a:endParaRPr lang="en-US"/>
           </a:p>
@@ -1016,7 +1021,7 @@
           <a:p>
             <a:fld id="{F77B2EB1-EA88-4503-95EA-93923E5BA59E}" type="datetimeFigureOut">
               <a:rPr lang="en-US" smtClean="0"/>
-              <a:t>3/9/2013</a:t>
+              <a:t>3/10/2013</a:t>
             </a:fld>
             <a:endParaRPr lang="en-US"/>
           </a:p>
@@ -1191,7 +1196,7 @@
           <a:p>
             <a:fld id="{F77B2EB1-EA88-4503-95EA-93923E5BA59E}" type="datetimeFigureOut">
               <a:rPr lang="en-US" smtClean="0"/>
-              <a:t>3/9/2013</a:t>
+              <a:t>3/10/2013</a:t>
             </a:fld>
             <a:endParaRPr lang="en-US"/>
           </a:p>
@@ -1426,7 +1431,7 @@
           <a:p>
             <a:fld id="{F77B2EB1-EA88-4503-95EA-93923E5BA59E}" type="datetimeFigureOut">
               <a:rPr lang="en-US" smtClean="0"/>
-              <a:t>3/9/2013</a:t>
+              <a:t>3/10/2013</a:t>
             </a:fld>
             <a:endParaRPr lang="en-US"/>
           </a:p>
@@ -1695,7 +1700,7 @@
           <a:p>
             <a:fld id="{F77B2EB1-EA88-4503-95EA-93923E5BA59E}" type="datetimeFigureOut">
               <a:rPr lang="en-US" smtClean="0"/>
-              <a:t>3/9/2013</a:t>
+              <a:t>3/10/2013</a:t>
             </a:fld>
             <a:endParaRPr lang="en-US"/>
           </a:p>
@@ -1915,7 +1920,7 @@
           <a:p>
             <a:fld id="{F77B2EB1-EA88-4503-95EA-93923E5BA59E}" type="datetimeFigureOut">
               <a:rPr lang="en-US" smtClean="0"/>
-              <a:t>3/9/2013</a:t>
+              <a:t>3/10/2013</a:t>
             </a:fld>
             <a:endParaRPr lang="en-US"/>
           </a:p>
@@ -2267,7 +2272,7 @@
           <a:p>
             <a:fld id="{F77B2EB1-EA88-4503-95EA-93923E5BA59E}" type="datetimeFigureOut">
               <a:rPr lang="en-US" smtClean="0"/>
-              <a:t>3/9/2013</a:t>
+              <a:t>3/10/2013</a:t>
             </a:fld>
             <a:endParaRPr lang="en-US"/>
           </a:p>
@@ -2499,7 +2504,7 @@
           <a:p>
             <a:fld id="{F77B2EB1-EA88-4503-95EA-93923E5BA59E}" type="datetimeFigureOut">
               <a:rPr lang="en-US" smtClean="0"/>
-              <a:t>3/9/2013</a:t>
+              <a:t>3/10/2013</a:t>
             </a:fld>
             <a:endParaRPr lang="en-US"/>
           </a:p>
@@ -2639,7 +2644,7 @@
           <a:p>
             <a:fld id="{F77B2EB1-EA88-4503-95EA-93923E5BA59E}" type="datetimeFigureOut">
               <a:rPr lang="en-US" smtClean="0"/>
-              <a:t>3/9/2013</a:t>
+              <a:t>3/10/2013</a:t>
             </a:fld>
             <a:endParaRPr lang="en-US"/>
           </a:p>
@@ -2916,7 +2921,7 @@
           <a:p>
             <a:fld id="{F77B2EB1-EA88-4503-95EA-93923E5BA59E}" type="datetimeFigureOut">
               <a:rPr lang="en-US" smtClean="0"/>
-              <a:t>3/9/2013</a:t>
+              <a:t>3/10/2013</a:t>
             </a:fld>
             <a:endParaRPr lang="en-US"/>
           </a:p>
@@ -3323,7 +3328,7 @@
           <a:p>
             <a:fld id="{F77B2EB1-EA88-4503-95EA-93923E5BA59E}" type="datetimeFigureOut">
               <a:rPr lang="en-US" smtClean="0"/>
-              <a:t>3/9/2013</a:t>
+              <a:t>3/10/2013</a:t>
             </a:fld>
             <a:endParaRPr lang="en-US"/>
           </a:p>
@@ -3661,7 +3666,7 @@
           <a:p>
             <a:fld id="{F77B2EB1-EA88-4503-95EA-93923E5BA59E}" type="datetimeFigureOut">
               <a:rPr lang="en-US" smtClean="0"/>
-              <a:t>3/9/2013</a:t>
+              <a:t>3/10/2013</a:t>
             </a:fld>
             <a:endParaRPr lang="en-US"/>
           </a:p>
@@ -5924,7 +5929,13 @@
                             <a:rPr lang="en-US" sz="3000" b="0" i="1" smtClean="0">
                               <a:latin typeface="Cambria Math" panose="02040503050406030204" pitchFamily="18" charset="0"/>
                             </a:rPr>
-                            <m:t>−1</m:t>
+                            <m:t>−</m:t>
+                          </m:r>
+                          <m:r>
+                            <a:rPr lang="en-US" sz="3000" b="0" i="1" smtClean="0">
+                              <a:latin typeface="Cambria Math" panose="02040503050406030204" pitchFamily="18" charset="0"/>
+                            </a:rPr>
+                            <m:t>1</m:t>
                           </m:r>
                         </m:sub>
                       </m:sSub>
@@ -5986,7 +5997,13 @@
                             <a:rPr lang="en-US" sz="3000" b="0" i="1" smtClean="0">
                               <a:latin typeface="Cambria Math" panose="02040503050406030204" pitchFamily="18" charset="0"/>
                             </a:rPr>
-                            <m:t>−2</m:t>
+                            <m:t>−</m:t>
+                          </m:r>
+                          <m:r>
+                            <a:rPr lang="en-US" sz="3000" b="0" i="1" smtClean="0">
+                              <a:latin typeface="Cambria Math" panose="02040503050406030204" pitchFamily="18" charset="0"/>
+                            </a:rPr>
+                            <m:t>2</m:t>
                           </m:r>
                         </m:sub>
                       </m:sSub>
@@ -6061,7 +6078,19 @@
                             <a:rPr lang="en-US" sz="3000" b="0" i="1" smtClean="0">
                               <a:latin typeface="Cambria Math" panose="02040503050406030204" pitchFamily="18" charset="0"/>
                             </a:rPr>
-                            <m:t>(1−</m:t>
+                            <m:t>(</m:t>
+                          </m:r>
+                          <m:r>
+                            <a:rPr lang="en-US" sz="3000" b="0" i="1" smtClean="0">
+                              <a:latin typeface="Cambria Math" panose="02040503050406030204" pitchFamily="18" charset="0"/>
+                            </a:rPr>
+                            <m:t>1</m:t>
+                          </m:r>
+                          <m:r>
+                            <a:rPr lang="en-US" sz="3000" b="0" i="1" smtClean="0">
+                              <a:latin typeface="Cambria Math" panose="02040503050406030204" pitchFamily="18" charset="0"/>
+                            </a:rPr>
+                            <m:t>−</m:t>
                           </m:r>
                           <m:r>
                             <a:rPr lang="en-US" sz="3000" b="0" i="1" smtClean="0">
@@ -6315,7 +6344,19 @@
                         <a:rPr lang="en-US" sz="3000" b="0" i="1" smtClean="0">
                           <a:latin typeface="Cambria Math" panose="02040503050406030204" pitchFamily="18" charset="0"/>
                         </a:rPr>
-                        <m:t>+(1−</m:t>
+                        <m:t>+(</m:t>
+                      </m:r>
+                      <m:r>
+                        <a:rPr lang="en-US" sz="3000" b="0" i="1" smtClean="0">
+                          <a:latin typeface="Cambria Math" panose="02040503050406030204" pitchFamily="18" charset="0"/>
+                        </a:rPr>
+                        <m:t>1</m:t>
+                      </m:r>
+                      <m:r>
+                        <a:rPr lang="en-US" sz="3000" b="0" i="1" smtClean="0">
+                          <a:latin typeface="Cambria Math" panose="02040503050406030204" pitchFamily="18" charset="0"/>
+                        </a:rPr>
+                        <m:t>−</m:t>
                       </m:r>
                       <m:r>
                         <a:rPr lang="en-US" sz="3000" b="0" i="1" smtClean="0">
@@ -6368,7 +6409,13 @@
                             <a:rPr lang="en-US" sz="3000" b="0" i="1" smtClean="0">
                               <a:latin typeface="Cambria Math" panose="02040503050406030204" pitchFamily="18" charset="0"/>
                             </a:rPr>
-                            <m:t>−1</m:t>
+                            <m:t>−</m:t>
+                          </m:r>
+                          <m:r>
+                            <a:rPr lang="en-US" sz="3000" b="0" i="1" smtClean="0">
+                              <a:latin typeface="Cambria Math" panose="02040503050406030204" pitchFamily="18" charset="0"/>
+                            </a:rPr>
+                            <m:t>1</m:t>
                           </m:r>
                         </m:sub>
                       </m:sSub>
@@ -6647,7 +6694,13 @@
                             <a:rPr lang="en-US" sz="3000" b="0" i="1" smtClean="0">
                               <a:latin typeface="Cambria Math" panose="02040503050406030204" pitchFamily="18" charset="0"/>
                             </a:rPr>
-                            <m:t>−1</m:t>
+                            <m:t>−</m:t>
+                          </m:r>
+                          <m:r>
+                            <a:rPr lang="en-US" sz="3000" b="0" i="1" smtClean="0">
+                              <a:latin typeface="Cambria Math" panose="02040503050406030204" pitchFamily="18" charset="0"/>
+                            </a:rPr>
+                            <m:t>1</m:t>
                           </m:r>
                         </m:sub>
                       </m:sSub>
@@ -6784,7 +6837,13 @@
                           <a:rPr lang="en-US" sz="3000" b="0" i="1" smtClean="0">
                             <a:latin typeface="Cambria Math" panose="02040503050406030204" pitchFamily="18" charset="0"/>
                           </a:rPr>
-                          <m:t>−1</m:t>
+                          <m:t>−</m:t>
+                        </m:r>
+                        <m:r>
+                          <a:rPr lang="en-US" sz="3000" b="0" i="1" smtClean="0">
+                            <a:latin typeface="Cambria Math" panose="02040503050406030204" pitchFamily="18" charset="0"/>
+                          </a:rPr>
+                          <m:t>1</m:t>
                         </m:r>
                       </m:sub>
                     </m:sSub>
@@ -11421,7 +11480,14 @@
                             <a:latin typeface="Cambria Math" panose="02040503050406030204" pitchFamily="18" charset="0"/>
                             <a:ea typeface="Cambria Math" panose="02040503050406030204" pitchFamily="18" charset="0"/>
                           </a:rPr>
-                          <m:t>+1</m:t>
+                          <m:t>+</m:t>
+                        </m:r>
+                        <m:r>
+                          <a:rPr lang="en-US" b="0" i="1" smtClean="0">
+                            <a:latin typeface="Cambria Math" panose="02040503050406030204" pitchFamily="18" charset="0"/>
+                            <a:ea typeface="Cambria Math" panose="02040503050406030204" pitchFamily="18" charset="0"/>
+                          </a:rPr>
+                          <m:t>1</m:t>
                         </m:r>
                       </m:sup>
                     </m:sSup>
@@ -13586,8 +13652,8 @@
         </p:nvSpPr>
         <p:spPr>
           <a:xfrm>
-            <a:off x="2589212" y="2133603"/>
-            <a:ext cx="8915400" cy="27315115"/>
+            <a:off x="764932" y="1309511"/>
+            <a:ext cx="8915400" cy="28060185"/>
           </a:xfrm>
         </p:spPr>
         <p:txBody>
@@ -13608,15 +13674,23 @@
             </a:r>
             <a:r>
               <a:rPr lang="en-US" dirty="0"/>
-              <a:t> and </a:t>
-            </a:r>
-            <a:r>
-              <a:rPr lang="en-US" dirty="0" err="1"/>
+              <a:t> </a:t>
+            </a:r>
+            <a:r>
+              <a:rPr lang="en-US" dirty="0" smtClean="0"/>
+              <a:t>and </a:t>
+            </a:r>
+            <a:r>
+              <a:rPr lang="en-US" dirty="0" err="1" smtClean="0"/>
               <a:t>Liberman</a:t>
             </a:r>
             <a:r>
+              <a:rPr lang="en-US" dirty="0" smtClean="0"/>
+              <a:t> </a:t>
+            </a:r>
+            <a:r>
               <a:rPr lang="en-US" dirty="0"/>
-              <a:t> 1983</a:t>
+              <a:t>1983</a:t>
             </a:r>
             <a:r>
               <a:rPr lang="en-US" dirty="0" smtClean="0"/>
@@ -13641,7 +13715,7 @@
         </p:nvSpPr>
         <p:spPr bwMode="auto">
           <a:xfrm>
-            <a:off x="2971801" y="2661020"/>
+            <a:off x="2136423" y="2646573"/>
             <a:ext cx="6708531" cy="3000821"/>
           </a:xfrm>
           <a:prstGeom prst="rect">
@@ -21562,7 +21636,7 @@
           <a:graphicData uri="http://schemas.openxmlformats.org/presentationml/2006/ole">
             <mc:AlternateContent xmlns:mc="http://schemas.openxmlformats.org/markup-compatibility/2006">
               <mc:Choice xmlns:v="urn:schemas-microsoft-com:vml" Requires="v">
-                <p:oleObj spid="_x0000_s2058" name="點陣圖影像" r:id="rId3" imgW="4638095" imgH="2534004" progId="PBrush">
+                <p:oleObj spid="_x0000_s2070" name="點陣圖影像" r:id="rId3" imgW="4638095" imgH="2534004" progId="PBrush">
                   <p:embed/>
                 </p:oleObj>
               </mc:Choice>
@@ -21633,7 +21707,7 @@
           <a:graphicData uri="http://schemas.openxmlformats.org/presentationml/2006/ole">
             <mc:AlternateContent xmlns:mc="http://schemas.openxmlformats.org/markup-compatibility/2006">
               <mc:Choice xmlns:v="urn:schemas-microsoft-com:vml" Requires="v">
-                <p:oleObj spid="_x0000_s2059" name="BMP 图像" r:id="rId5" imgW="4381560" imgH="1305000" progId="Paint.Picture">
+                <p:oleObj spid="_x0000_s2071" name="BMP 图像" r:id="rId5" imgW="4381560" imgH="1305000" progId="Paint.Picture">
                   <p:embed/>
                 </p:oleObj>
               </mc:Choice>
@@ -22521,8 +22595,8 @@
           </a:p>
         </p:txBody>
       </p:sp>
-      <mc:AlternateContent xmlns:mc="http://schemas.openxmlformats.org/markup-compatibility/2006">
-        <mc:Choice xmlns:a14="http://schemas.microsoft.com/office/drawing/2010/main" Requires="a14">
+      <mc:AlternateContent xmlns:mc="http://schemas.openxmlformats.org/markup-compatibility/2006" xmlns:a14="http://schemas.microsoft.com/office/drawing/2010/main">
+        <mc:Choice Requires="a14">
           <p:sp>
             <p:nvSpPr>
               <p:cNvPr id="3" name="内容占位符 2"/>
@@ -24227,7 +24301,7 @@
             </p:txBody>
           </p:sp>
         </mc:Choice>
-        <mc:Fallback>
+        <mc:Fallback xmlns="">
           <p:sp>
             <p:nvSpPr>
               <p:cNvPr id="3" name="内容占位符 2"/>
@@ -24900,6 +24974,2731 @@
             <a:pPr algn="ctr"/>
             <a:r>
               <a:rPr lang="en-US" altLang="zh-CN" dirty="0" smtClean="0"/>
+              <a:t>Correlation Detection</a:t>
+            </a:r>
+            <a:endParaRPr lang="zh-CN" altLang="en-US" dirty="0"/>
+          </a:p>
+        </p:txBody>
+      </p:sp>
+      <mc:AlternateContent xmlns:mc="http://schemas.openxmlformats.org/markup-compatibility/2006">
+        <mc:Choice xmlns:a14="http://schemas.microsoft.com/office/drawing/2010/main" Requires="a14">
+          <p:sp>
+            <p:nvSpPr>
+              <p:cNvPr id="3" name="内容占位符 2"/>
+              <p:cNvSpPr>
+                <a:spLocks noGrp="1"/>
+              </p:cNvSpPr>
+              <p:nvPr>
+                <p:ph sz="quarter" idx="1"/>
+              </p:nvPr>
+            </p:nvSpPr>
+            <p:spPr/>
+            <p:txBody>
+              <a:bodyPr/>
+              <a:lstStyle/>
+              <a:p>
+                <a:r>
+                  <a:rPr lang="en-US" altLang="zh-CN" dirty="0" smtClean="0"/>
+                  <a:t>Find pairs of time series that are highly correlated for a certain window of time and then flag them when they fall out of correlation</a:t>
+                </a:r>
+              </a:p>
+              <a:p>
+                <a:r>
+                  <a:rPr lang="en-US" altLang="zh-CN" dirty="0" smtClean="0"/>
+                  <a:t>Market patterns to macroeconomic patterns, market events to click streams</a:t>
+                </a:r>
+              </a:p>
+              <a:p>
+                <a:r>
+                  <a:rPr lang="en-US" altLang="zh-CN" dirty="0" smtClean="0"/>
+                  <a:t>Pearson correlation coefficient</a:t>
+                </a:r>
+              </a:p>
+              <a:p>
+                <a:pPr marL="0" indent="0">
+                  <a:buNone/>
+                </a:pPr>
+                <a14:m>
+                  <m:oMathPara xmlns:m="http://schemas.openxmlformats.org/officeDocument/2006/math">
+                    <m:oMathParaPr>
+                      <m:jc m:val="center"/>
+                    </m:oMathParaPr>
+                    <m:oMath xmlns:m="http://schemas.openxmlformats.org/officeDocument/2006/math">
+                      <m:r>
+                        <a:rPr lang="en-US" altLang="zh-CN" b="0" i="1" smtClean="0">
+                          <a:latin typeface="Cambria Math"/>
+                        </a:rPr>
+                        <m:t>𝑐𝑜𝑟𝑟</m:t>
+                      </m:r>
+                      <m:d>
+                        <m:dPr>
+                          <m:ctrlPr>
+                            <a:rPr lang="en-US" altLang="zh-CN" b="0" i="1" smtClean="0">
+                              <a:latin typeface="Cambria Math"/>
+                            </a:rPr>
+                          </m:ctrlPr>
+                        </m:dPr>
+                        <m:e>
+                          <m:r>
+                            <a:rPr lang="en-US" altLang="zh-CN" b="0" i="1" smtClean="0">
+                              <a:latin typeface="Cambria Math"/>
+                            </a:rPr>
+                            <m:t>𝑥</m:t>
+                          </m:r>
+                          <m:r>
+                            <a:rPr lang="en-US" altLang="zh-CN" b="0" i="1" smtClean="0">
+                              <a:latin typeface="Cambria Math"/>
+                            </a:rPr>
+                            <m:t>,</m:t>
+                          </m:r>
+                          <m:r>
+                            <a:rPr lang="en-US" altLang="zh-CN" b="0" i="1" smtClean="0">
+                              <a:latin typeface="Cambria Math"/>
+                            </a:rPr>
+                            <m:t>𝑦</m:t>
+                          </m:r>
+                        </m:e>
+                      </m:d>
+                      <m:r>
+                        <a:rPr lang="en-US" altLang="zh-CN" b="0" i="1" smtClean="0">
+                          <a:latin typeface="Cambria Math"/>
+                        </a:rPr>
+                        <m:t>=</m:t>
+                      </m:r>
+                      <m:f>
+                        <m:fPr>
+                          <m:ctrlPr>
+                            <a:rPr lang="en-US" altLang="zh-CN" b="0" i="1" smtClean="0">
+                              <a:latin typeface="Cambria Math"/>
+                            </a:rPr>
+                          </m:ctrlPr>
+                        </m:fPr>
+                        <m:num>
+                          <m:r>
+                            <a:rPr lang="en-US" altLang="zh-CN" b="0" i="1" smtClean="0">
+                              <a:latin typeface="Cambria Math"/>
+                            </a:rPr>
+                            <m:t>1</m:t>
+                          </m:r>
+                        </m:num>
+                        <m:den>
+                          <m:r>
+                            <a:rPr lang="en-US" altLang="zh-CN" b="0" i="1" smtClean="0">
+                              <a:latin typeface="Cambria Math"/>
+                            </a:rPr>
+                            <m:t>𝑚</m:t>
+                          </m:r>
+                        </m:den>
+                      </m:f>
+                      <m:nary>
+                        <m:naryPr>
+                          <m:chr m:val="∑"/>
+                          <m:ctrlPr>
+                            <a:rPr lang="en-US" altLang="zh-CN" b="0" i="1" smtClean="0">
+                              <a:latin typeface="Cambria Math"/>
+                            </a:rPr>
+                          </m:ctrlPr>
+                        </m:naryPr>
+                        <m:sub>
+                          <m:r>
+                            <m:rPr>
+                              <m:brk m:alnAt="23"/>
+                            </m:rPr>
+                            <a:rPr lang="en-US" altLang="zh-CN" b="0" i="1" smtClean="0">
+                              <a:latin typeface="Cambria Math"/>
+                            </a:rPr>
+                            <m:t>𝑖</m:t>
+                          </m:r>
+                          <m:r>
+                            <m:rPr>
+                              <m:brk m:alnAt="23"/>
+                            </m:rPr>
+                            <a:rPr lang="en-US" altLang="zh-CN" b="0" i="1" smtClean="0">
+                              <a:latin typeface="Cambria Math"/>
+                            </a:rPr>
+                            <m:t>=</m:t>
+                          </m:r>
+                          <m:r>
+                            <m:rPr>
+                              <m:brk m:alnAt="23"/>
+                            </m:rPr>
+                            <a:rPr lang="en-US" altLang="zh-CN" b="0" i="1" smtClean="0">
+                              <a:latin typeface="Cambria Math"/>
+                            </a:rPr>
+                            <m:t>0</m:t>
+                          </m:r>
+                        </m:sub>
+                        <m:sup>
+                          <m:r>
+                            <a:rPr lang="en-US" altLang="zh-CN" b="0" i="1" smtClean="0">
+                              <a:latin typeface="Cambria Math"/>
+                            </a:rPr>
+                            <m:t>𝑚</m:t>
+                          </m:r>
+                          <m:r>
+                            <a:rPr lang="en-US" altLang="zh-CN" b="0" i="1" smtClean="0">
+                              <a:latin typeface="Cambria Math"/>
+                            </a:rPr>
+                            <m:t>−</m:t>
+                          </m:r>
+                          <m:r>
+                            <a:rPr lang="en-US" altLang="zh-CN" b="0" i="1" smtClean="0">
+                              <a:latin typeface="Cambria Math"/>
+                            </a:rPr>
+                            <m:t>1</m:t>
+                          </m:r>
+                        </m:sup>
+                        <m:e>
+                          <m:d>
+                            <m:dPr>
+                              <m:ctrlPr>
+                                <a:rPr lang="en-US" altLang="zh-CN" b="0" i="1" smtClean="0">
+                                  <a:latin typeface="Cambria Math"/>
+                                </a:rPr>
+                              </m:ctrlPr>
+                            </m:dPr>
+                            <m:e>
+                              <m:f>
+                                <m:fPr>
+                                  <m:ctrlPr>
+                                    <a:rPr lang="en-US" altLang="zh-CN" b="0" i="1" smtClean="0">
+                                      <a:latin typeface="Cambria Math"/>
+                                    </a:rPr>
+                                  </m:ctrlPr>
+                                </m:fPr>
+                                <m:num>
+                                  <m:sSub>
+                                    <m:sSubPr>
+                                      <m:ctrlPr>
+                                        <a:rPr lang="en-US" altLang="zh-CN" b="0" i="1" smtClean="0">
+                                          <a:latin typeface="Cambria Math"/>
+                                        </a:rPr>
+                                      </m:ctrlPr>
+                                    </m:sSubPr>
+                                    <m:e>
+                                      <m:r>
+                                        <a:rPr lang="en-US" altLang="zh-CN" b="0" i="1" smtClean="0">
+                                          <a:latin typeface="Cambria Math"/>
+                                        </a:rPr>
+                                        <m:t>𝑥</m:t>
+                                      </m:r>
+                                    </m:e>
+                                    <m:sub>
+                                      <m:r>
+                                        <a:rPr lang="en-US" altLang="zh-CN" b="0" i="1" smtClean="0">
+                                          <a:latin typeface="Cambria Math"/>
+                                        </a:rPr>
+                                        <m:t>𝑖</m:t>
+                                      </m:r>
+                                    </m:sub>
+                                  </m:sSub>
+                                  <m:r>
+                                    <a:rPr lang="en-US" altLang="zh-CN" b="0" i="1" smtClean="0">
+                                      <a:latin typeface="Cambria Math"/>
+                                    </a:rPr>
+                                    <m:t>−</m:t>
+                                  </m:r>
+                                  <m:sSub>
+                                    <m:sSubPr>
+                                      <m:ctrlPr>
+                                        <a:rPr lang="en-US" altLang="zh-CN" b="0" i="1" smtClean="0">
+                                          <a:latin typeface="Cambria Math"/>
+                                        </a:rPr>
+                                      </m:ctrlPr>
+                                    </m:sSubPr>
+                                    <m:e>
+                                      <m:r>
+                                        <a:rPr lang="en-US" altLang="zh-CN" b="0" i="1" smtClean="0">
+                                          <a:latin typeface="Cambria Math"/>
+                                        </a:rPr>
+                                        <m:t>𝜇</m:t>
+                                      </m:r>
+                                    </m:e>
+                                    <m:sub>
+                                      <m:r>
+                                        <a:rPr lang="en-US" altLang="zh-CN" b="0" i="1" smtClean="0">
+                                          <a:latin typeface="Cambria Math"/>
+                                        </a:rPr>
+                                        <m:t>𝑥</m:t>
+                                      </m:r>
+                                    </m:sub>
+                                  </m:sSub>
+                                </m:num>
+                                <m:den>
+                                  <m:sSub>
+                                    <m:sSubPr>
+                                      <m:ctrlPr>
+                                        <a:rPr lang="en-US" altLang="zh-CN" b="0" i="1" smtClean="0">
+                                          <a:latin typeface="Cambria Math"/>
+                                        </a:rPr>
+                                      </m:ctrlPr>
+                                    </m:sSubPr>
+                                    <m:e>
+                                      <m:r>
+                                        <a:rPr lang="en-US" altLang="zh-CN" b="0" i="1" smtClean="0">
+                                          <a:latin typeface="Cambria Math"/>
+                                        </a:rPr>
+                                        <m:t>𝛿</m:t>
+                                      </m:r>
+                                    </m:e>
+                                    <m:sub>
+                                      <m:r>
+                                        <a:rPr lang="en-US" altLang="zh-CN" b="0" i="1" smtClean="0">
+                                          <a:latin typeface="Cambria Math"/>
+                                        </a:rPr>
+                                        <m:t>𝑥</m:t>
+                                      </m:r>
+                                    </m:sub>
+                                  </m:sSub>
+                                </m:den>
+                              </m:f>
+                            </m:e>
+                          </m:d>
+                          <m:d>
+                            <m:dPr>
+                              <m:ctrlPr>
+                                <a:rPr lang="en-US" altLang="zh-CN" b="0" i="1" smtClean="0">
+                                  <a:latin typeface="Cambria Math"/>
+                                </a:rPr>
+                              </m:ctrlPr>
+                            </m:dPr>
+                            <m:e>
+                              <m:f>
+                                <m:fPr>
+                                  <m:ctrlPr>
+                                    <a:rPr lang="en-US" altLang="zh-CN" b="0" i="1" smtClean="0">
+                                      <a:latin typeface="Cambria Math"/>
+                                    </a:rPr>
+                                  </m:ctrlPr>
+                                </m:fPr>
+                                <m:num>
+                                  <m:sSub>
+                                    <m:sSubPr>
+                                      <m:ctrlPr>
+                                        <a:rPr lang="en-US" altLang="zh-CN" b="0" i="1" smtClean="0">
+                                          <a:latin typeface="Cambria Math"/>
+                                        </a:rPr>
+                                      </m:ctrlPr>
+                                    </m:sSubPr>
+                                    <m:e>
+                                      <m:r>
+                                        <a:rPr lang="en-US" altLang="zh-CN" b="0" i="1" smtClean="0">
+                                          <a:latin typeface="Cambria Math"/>
+                                        </a:rPr>
+                                        <m:t>𝑦</m:t>
+                                      </m:r>
+                                    </m:e>
+                                    <m:sub>
+                                      <m:r>
+                                        <a:rPr lang="en-US" altLang="zh-CN" b="0" i="1" smtClean="0">
+                                          <a:latin typeface="Cambria Math"/>
+                                        </a:rPr>
+                                        <m:t>𝑖</m:t>
+                                      </m:r>
+                                    </m:sub>
+                                  </m:sSub>
+                                  <m:r>
+                                    <a:rPr lang="en-US" altLang="zh-CN" b="0" i="1" smtClean="0">
+                                      <a:latin typeface="Cambria Math"/>
+                                    </a:rPr>
+                                    <m:t>−</m:t>
+                                  </m:r>
+                                  <m:sSub>
+                                    <m:sSubPr>
+                                      <m:ctrlPr>
+                                        <a:rPr lang="en-US" altLang="zh-CN" b="0" i="1" smtClean="0">
+                                          <a:latin typeface="Cambria Math"/>
+                                        </a:rPr>
+                                      </m:ctrlPr>
+                                    </m:sSubPr>
+                                    <m:e>
+                                      <m:r>
+                                        <a:rPr lang="en-US" altLang="zh-CN" b="0" i="1" smtClean="0">
+                                          <a:latin typeface="Cambria Math"/>
+                                        </a:rPr>
+                                        <m:t>𝜇</m:t>
+                                      </m:r>
+                                    </m:e>
+                                    <m:sub>
+                                      <m:r>
+                                        <a:rPr lang="en-US" altLang="zh-CN" b="0" i="1" smtClean="0">
+                                          <a:latin typeface="Cambria Math"/>
+                                        </a:rPr>
+                                        <m:t>𝑖</m:t>
+                                      </m:r>
+                                    </m:sub>
+                                  </m:sSub>
+                                </m:num>
+                                <m:den>
+                                  <m:sSub>
+                                    <m:sSubPr>
+                                      <m:ctrlPr>
+                                        <a:rPr lang="en-US" altLang="zh-CN" b="0" i="1" smtClean="0">
+                                          <a:latin typeface="Cambria Math"/>
+                                        </a:rPr>
+                                      </m:ctrlPr>
+                                    </m:sSubPr>
+                                    <m:e>
+                                      <m:r>
+                                        <a:rPr lang="en-US" altLang="zh-CN" b="0" i="1" smtClean="0">
+                                          <a:latin typeface="Cambria Math"/>
+                                        </a:rPr>
+                                        <m:t>𝛿</m:t>
+                                      </m:r>
+                                    </m:e>
+                                    <m:sub>
+                                      <m:r>
+                                        <a:rPr lang="en-US" altLang="zh-CN" b="0" i="1" smtClean="0">
+                                          <a:latin typeface="Cambria Math"/>
+                                        </a:rPr>
+                                        <m:t>𝑦</m:t>
+                                      </m:r>
+                                    </m:sub>
+                                  </m:sSub>
+                                </m:den>
+                              </m:f>
+                            </m:e>
+                          </m:d>
+                        </m:e>
+                      </m:nary>
+                    </m:oMath>
+                  </m:oMathPara>
+                </a14:m>
+                <a:endParaRPr lang="en-US" altLang="zh-CN" dirty="0" smtClean="0"/>
+              </a:p>
+            </p:txBody>
+          </p:sp>
+        </mc:Choice>
+        <mc:Fallback>
+          <p:sp>
+            <p:nvSpPr>
+              <p:cNvPr id="3" name="内容占位符 2"/>
+              <p:cNvSpPr>
+                <a:spLocks noGrp="1" noRot="1" noChangeAspect="1" noMove="1" noResize="1" noEditPoints="1" noAdjustHandles="1" noChangeArrowheads="1" noChangeShapeType="1" noTextEdit="1"/>
+              </p:cNvSpPr>
+              <p:nvPr>
+                <p:ph sz="quarter" idx="1"/>
+              </p:nvPr>
+            </p:nvSpPr>
+            <p:spPr>
+              <a:blipFill rotWithShape="1">
+                <a:blip r:embed="rId2"/>
+                <a:stretch>
+                  <a:fillRect l="-444" t="-1111"/>
+                </a:stretch>
+              </a:blipFill>
+            </p:spPr>
+            <p:txBody>
+              <a:bodyPr/>
+              <a:lstStyle/>
+              <a:p>
+                <a:r>
+                  <a:rPr lang="zh-CN" altLang="en-US">
+                    <a:noFill/>
+                  </a:rPr>
+                  <a:t> </a:t>
+                </a:r>
+              </a:p>
+            </p:txBody>
+          </p:sp>
+        </mc:Fallback>
+      </mc:AlternateContent>
+    </p:spTree>
+    <p:extLst>
+      <p:ext uri="{BB962C8B-B14F-4D97-AF65-F5344CB8AC3E}">
+        <p14:creationId xmlns:p14="http://schemas.microsoft.com/office/powerpoint/2010/main" val="2414145957"/>
+      </p:ext>
+    </p:extLst>
+  </p:cSld>
+  <p:clrMapOvr>
+    <a:masterClrMapping/>
+  </p:clrMapOvr>
+</p:sld>
+</file>
+
+<file path=ppt/slides/slide39.xml><?xml version="1.0" encoding="utf-8"?>
+<p:sld xmlns:a="http://schemas.openxmlformats.org/drawingml/2006/main" xmlns:r="http://schemas.openxmlformats.org/officeDocument/2006/relationships" xmlns:p="http://schemas.openxmlformats.org/presentationml/2006/main">
+  <p:cSld>
+    <p:spTree>
+      <p:nvGrpSpPr>
+        <p:cNvPr id="1" name=""/>
+        <p:cNvGrpSpPr/>
+        <p:nvPr/>
+      </p:nvGrpSpPr>
+      <p:grpSpPr>
+        <a:xfrm>
+          <a:off x="0" y="0"/>
+          <a:ext cx="0" cy="0"/>
+          <a:chOff x="0" y="0"/>
+          <a:chExt cx="0" cy="0"/>
+        </a:xfrm>
+      </p:grpSpPr>
+      <p:sp>
+        <p:nvSpPr>
+          <p:cNvPr id="2" name="标题 1"/>
+          <p:cNvSpPr>
+            <a:spLocks noGrp="1"/>
+          </p:cNvSpPr>
+          <p:nvPr>
+            <p:ph type="title"/>
+          </p:nvPr>
+        </p:nvSpPr>
+        <p:spPr/>
+        <p:txBody>
+          <a:bodyPr/>
+          <a:lstStyle/>
+          <a:p>
+            <a:pPr algn="ctr"/>
+            <a:r>
+              <a:rPr lang="en-US" altLang="zh-CN" dirty="0" smtClean="0"/>
+              <a:t>All Pair Correlation Detection</a:t>
+            </a:r>
+            <a:endParaRPr lang="zh-CN" altLang="en-US" dirty="0"/>
+          </a:p>
+        </p:txBody>
+      </p:sp>
+      <mc:AlternateContent xmlns:mc="http://schemas.openxmlformats.org/markup-compatibility/2006">
+        <mc:Choice xmlns:a14="http://schemas.microsoft.com/office/drawing/2010/main" Requires="a14">
+          <p:sp>
+            <p:nvSpPr>
+              <p:cNvPr id="3" name="内容占位符 2"/>
+              <p:cNvSpPr>
+                <a:spLocks noGrp="1"/>
+              </p:cNvSpPr>
+              <p:nvPr>
+                <p:ph sz="quarter" idx="1"/>
+              </p:nvPr>
+            </p:nvSpPr>
+            <p:spPr/>
+            <p:txBody>
+              <a:bodyPr/>
+              <a:lstStyle/>
+              <a:p>
+                <a:r>
+                  <a:rPr lang="en-US" altLang="zh-CN" dirty="0" smtClean="0"/>
+                  <a:t>Threshold correlation problem:</a:t>
+                </a:r>
+              </a:p>
+              <a:p>
+                <a:pPr marL="0" indent="0">
+                  <a:buNone/>
+                </a:pPr>
+                <a:r>
+                  <a:rPr lang="en-US" altLang="zh-CN" sz="2400" dirty="0" smtClean="0"/>
+                  <a:t>Given n </a:t>
+                </a:r>
+                <a:r>
+                  <a:rPr lang="en-US" altLang="zh-CN" sz="2400" dirty="0"/>
+                  <a:t>signals of equal length m and a threshold T, for </a:t>
+                </a:r>
+                <a:r>
+                  <a:rPr lang="en-US" altLang="zh-CN" sz="2400" dirty="0" smtClean="0"/>
+                  <a:t>1 &lt;= </a:t>
+                </a:r>
+                <a:r>
+                  <a:rPr lang="en-US" altLang="zh-CN" sz="2400" dirty="0" err="1" smtClean="0"/>
+                  <a:t>i</a:t>
+                </a:r>
+                <a:r>
+                  <a:rPr lang="en-US" altLang="zh-CN" sz="2400" dirty="0" smtClean="0"/>
+                  <a:t>, j &lt;= n</a:t>
+                </a:r>
+                <a:r>
+                  <a:rPr lang="en-US" altLang="zh-CN" sz="2400" dirty="0"/>
+                  <a:t>, compute a n </a:t>
+                </a:r>
+                <a14:m>
+                  <m:oMath xmlns:m="http://schemas.openxmlformats.org/officeDocument/2006/math">
+                    <m:r>
+                      <a:rPr lang="en-US" altLang="zh-CN" sz="2400" i="1" smtClean="0">
+                        <a:latin typeface="Cambria Math"/>
+                        <a:ea typeface="Cambria Math"/>
+                      </a:rPr>
+                      <m:t>×</m:t>
+                    </m:r>
+                  </m:oMath>
+                </a14:m>
+                <a:r>
+                  <a:rPr lang="en-US" altLang="zh-CN" sz="2400" dirty="0" smtClean="0"/>
+                  <a:t> </a:t>
+                </a:r>
+                <a:r>
+                  <a:rPr lang="en-US" altLang="zh-CN" sz="2400" dirty="0"/>
+                  <a:t>n threshold correlation matrix </a:t>
+                </a:r>
+                <a14:m>
+                  <m:oMath xmlns:m="http://schemas.openxmlformats.org/officeDocument/2006/math">
+                    <m:sSup>
+                      <m:sSupPr>
+                        <m:ctrlPr>
+                          <a:rPr lang="en-US" altLang="zh-CN" sz="2400" b="0" i="1" smtClean="0">
+                            <a:latin typeface="Cambria Math"/>
+                          </a:rPr>
+                        </m:ctrlPr>
+                      </m:sSupPr>
+                      <m:e>
+                        <m:r>
+                          <a:rPr lang="en-US" altLang="zh-CN" sz="2400" b="0" i="1" smtClean="0">
+                            <a:latin typeface="Cambria Math"/>
+                          </a:rPr>
+                          <m:t>𝐶</m:t>
+                        </m:r>
+                      </m:e>
+                      <m:sup>
+                        <m:r>
+                          <a:rPr lang="en-US" altLang="zh-CN" sz="2400" b="0" i="1" smtClean="0">
+                            <a:latin typeface="Cambria Math"/>
+                          </a:rPr>
+                          <m:t>𝑇</m:t>
+                        </m:r>
+                      </m:sup>
+                    </m:sSup>
+                  </m:oMath>
+                </a14:m>
+                <a:r>
+                  <a:rPr lang="en-US" altLang="zh-CN" sz="2400" dirty="0" smtClean="0"/>
+                  <a:t> </a:t>
+                </a:r>
+                <a:r>
+                  <a:rPr lang="en-US" altLang="zh-CN" sz="2400" dirty="0"/>
+                  <a:t>such </a:t>
+                </a:r>
+                <a:r>
+                  <a:rPr lang="en-US" altLang="zh-CN" sz="2400" dirty="0" smtClean="0"/>
+                  <a:t>that </a:t>
+                </a:r>
+                <a14:m>
+                  <m:oMath xmlns:m="http://schemas.openxmlformats.org/officeDocument/2006/math">
+                    <m:sSup>
+                      <m:sSupPr>
+                        <m:ctrlPr>
+                          <a:rPr lang="en-US" altLang="zh-CN" sz="2400" b="0" i="1" smtClean="0">
+                            <a:latin typeface="Cambria Math"/>
+                          </a:rPr>
+                        </m:ctrlPr>
+                      </m:sSupPr>
+                      <m:e>
+                        <m:r>
+                          <a:rPr lang="en-US" altLang="zh-CN" sz="2400" b="0" i="1" smtClean="0">
+                            <a:latin typeface="Cambria Math"/>
+                          </a:rPr>
+                          <m:t>𝐶</m:t>
+                        </m:r>
+                      </m:e>
+                      <m:sup>
+                        <m:r>
+                          <a:rPr lang="en-US" altLang="zh-CN" sz="2400" b="0" i="1" smtClean="0">
+                            <a:latin typeface="Cambria Math"/>
+                          </a:rPr>
+                          <m:t>𝑇</m:t>
+                        </m:r>
+                      </m:sup>
+                    </m:sSup>
+                    <m:d>
+                      <m:dPr>
+                        <m:begChr m:val="["/>
+                        <m:endChr m:val="]"/>
+                        <m:ctrlPr>
+                          <a:rPr lang="en-US" altLang="zh-CN" sz="2400" b="0" i="1" smtClean="0">
+                            <a:latin typeface="Cambria Math"/>
+                          </a:rPr>
+                        </m:ctrlPr>
+                      </m:dPr>
+                      <m:e>
+                        <m:r>
+                          <a:rPr lang="en-US" altLang="zh-CN" sz="2400" b="0" i="1" smtClean="0">
+                            <a:latin typeface="Cambria Math"/>
+                          </a:rPr>
+                          <m:t>𝑖</m:t>
+                        </m:r>
+                        <m:r>
+                          <a:rPr lang="en-US" altLang="zh-CN" sz="2400" b="0" i="1" smtClean="0">
+                            <a:latin typeface="Cambria Math"/>
+                          </a:rPr>
+                          <m:t>,</m:t>
+                        </m:r>
+                        <m:r>
+                          <a:rPr lang="en-US" altLang="zh-CN" sz="2400" b="0" i="1" smtClean="0">
+                            <a:latin typeface="Cambria Math"/>
+                          </a:rPr>
+                          <m:t>𝑗</m:t>
+                        </m:r>
+                      </m:e>
+                    </m:d>
+                    <m:r>
+                      <a:rPr lang="en-US" altLang="zh-CN" sz="2400" b="0" i="1" smtClean="0">
+                        <a:latin typeface="Cambria Math"/>
+                      </a:rPr>
+                      <m:t>=</m:t>
+                    </m:r>
+                    <m:r>
+                      <a:rPr lang="en-US" altLang="zh-CN" sz="2400" b="0" i="1" smtClean="0">
+                        <a:latin typeface="Cambria Math"/>
+                      </a:rPr>
+                      <m:t>𝑐𝑜𝑟𝑟</m:t>
+                    </m:r>
+                    <m:d>
+                      <m:dPr>
+                        <m:ctrlPr>
+                          <a:rPr lang="en-US" altLang="zh-CN" sz="2400" b="0" i="1" smtClean="0">
+                            <a:latin typeface="Cambria Math"/>
+                          </a:rPr>
+                        </m:ctrlPr>
+                      </m:dPr>
+                      <m:e>
+                        <m:r>
+                          <a:rPr lang="en-US" altLang="zh-CN" sz="2400" b="0" i="1" smtClean="0">
+                            <a:latin typeface="Cambria Math"/>
+                          </a:rPr>
+                          <m:t>𝑖</m:t>
+                        </m:r>
+                        <m:r>
+                          <a:rPr lang="en-US" altLang="zh-CN" sz="2400" b="0" i="1" smtClean="0">
+                            <a:latin typeface="Cambria Math"/>
+                          </a:rPr>
+                          <m:t>,</m:t>
+                        </m:r>
+                        <m:r>
+                          <a:rPr lang="en-US" altLang="zh-CN" sz="2400" b="0" i="1" smtClean="0">
+                            <a:latin typeface="Cambria Math"/>
+                          </a:rPr>
+                          <m:t>𝑗</m:t>
+                        </m:r>
+                      </m:e>
+                    </m:d>
+                  </m:oMath>
+                </a14:m>
+                <a:r>
+                  <a:rPr lang="en-US" altLang="zh-CN" sz="2400" dirty="0" smtClean="0"/>
+                  <a:t> if </a:t>
+                </a:r>
+                <a:r>
+                  <a:rPr lang="en-US" altLang="zh-CN" sz="2400" dirty="0" err="1" smtClean="0"/>
+                  <a:t>corr</a:t>
+                </a:r>
+                <a:r>
+                  <a:rPr lang="en-US" altLang="zh-CN" sz="2400" dirty="0" smtClean="0"/>
+                  <a:t>(</a:t>
+                </a:r>
+                <a:r>
+                  <a:rPr lang="en-US" altLang="zh-CN" sz="2400" dirty="0" err="1" smtClean="0"/>
+                  <a:t>i</a:t>
+                </a:r>
+                <a:r>
+                  <a:rPr lang="en-US" altLang="zh-CN" sz="2400" dirty="0" smtClean="0"/>
+                  <a:t>, j) &gt;= T otherwise 0</a:t>
+                </a:r>
+                <a:endParaRPr lang="en-US" altLang="zh-CN" sz="2400" dirty="0"/>
+              </a:p>
+              <a:p>
+                <a:endParaRPr lang="en-US" altLang="zh-CN" dirty="0" smtClean="0"/>
+              </a:p>
+              <a:p>
+                <a:endParaRPr lang="en-US" altLang="zh-CN" dirty="0" smtClean="0"/>
+              </a:p>
+              <a:p>
+                <a:r>
+                  <a:rPr lang="en-US" altLang="zh-CN" dirty="0" smtClean="0"/>
+                  <a:t>Challenges</a:t>
+                </a:r>
+                <a:r>
+                  <a:rPr lang="en-US" altLang="zh-CN" dirty="0"/>
+                  <a:t>:</a:t>
+                </a:r>
+              </a:p>
+              <a:p>
+                <a:pPr lvl="1"/>
+                <a:r>
+                  <a:rPr lang="en-US" altLang="zh-CN" sz="2500" dirty="0"/>
+                  <a:t>High I/O cost: With a limited cache, a significant amount of the time is spent for reading data from disk</a:t>
+                </a:r>
+              </a:p>
+              <a:p>
+                <a:pPr lvl="1"/>
+                <a:r>
+                  <a:rPr lang="en-US" altLang="zh-CN" sz="2500" dirty="0"/>
+                  <a:t>High CPU cost: Even if there is enough cache to hold the entire </a:t>
+                </a:r>
+                <a:r>
+                  <a:rPr lang="en-US" altLang="zh-CN" sz="2800" dirty="0"/>
+                  <a:t>dataset, computation remains expensive</a:t>
+                </a:r>
+                <a:endParaRPr lang="zh-CN" altLang="en-US" dirty="0"/>
+              </a:p>
+              <a:p>
+                <a:endParaRPr lang="zh-CN" altLang="en-US" dirty="0"/>
+              </a:p>
+            </p:txBody>
+          </p:sp>
+        </mc:Choice>
+        <mc:Fallback>
+          <p:sp>
+            <p:nvSpPr>
+              <p:cNvPr id="3" name="内容占位符 2"/>
+              <p:cNvSpPr>
+                <a:spLocks noGrp="1" noRot="1" noChangeAspect="1" noMove="1" noResize="1" noEditPoints="1" noAdjustHandles="1" noChangeArrowheads="1" noChangeShapeType="1" noTextEdit="1"/>
+              </p:cNvSpPr>
+              <p:nvPr>
+                <p:ph sz="quarter" idx="1"/>
+              </p:nvPr>
+            </p:nvSpPr>
+            <p:spPr>
+              <a:blipFill rotWithShape="1">
+                <a:blip r:embed="rId2"/>
+                <a:stretch>
+                  <a:fillRect l="-833" t="-1111" r="-1444" b="-1111"/>
+                </a:stretch>
+              </a:blipFill>
+            </p:spPr>
+            <p:txBody>
+              <a:bodyPr/>
+              <a:lstStyle/>
+              <a:p>
+                <a:r>
+                  <a:rPr lang="zh-CN" altLang="en-US">
+                    <a:noFill/>
+                  </a:rPr>
+                  <a:t> </a:t>
+                </a:r>
+              </a:p>
+            </p:txBody>
+          </p:sp>
+        </mc:Fallback>
+      </mc:AlternateContent>
+      <p:pic>
+        <p:nvPicPr>
+          <p:cNvPr id="3074" name="Picture 2"/>
+          <p:cNvPicPr>
+            <a:picLocks noChangeAspect="1" noChangeArrowheads="1"/>
+          </p:cNvPicPr>
+          <p:nvPr/>
+        </p:nvPicPr>
+        <p:blipFill>
+          <a:blip r:embed="rId3">
+            <a:extLst>
+              <a:ext uri="{28A0092B-C50C-407E-A947-70E740481C1C}">
+                <a14:useLocalDpi xmlns:a14="http://schemas.microsoft.com/office/drawing/2010/main" val="0"/>
+              </a:ext>
+            </a:extLst>
+          </a:blip>
+          <a:srcRect/>
+          <a:stretch>
+            <a:fillRect/>
+          </a:stretch>
+        </p:blipFill>
+        <p:spPr bwMode="auto">
+          <a:xfrm>
+            <a:off x="3709988" y="2452688"/>
+            <a:ext cx="4772025" cy="1952625"/>
+          </a:xfrm>
+          <a:prstGeom prst="rect">
+            <a:avLst/>
+          </a:prstGeom>
+          <a:noFill/>
+          <a:ln>
+            <a:noFill/>
+          </a:ln>
+          <a:extLst>
+            <a:ext uri="{909E8E84-426E-40DD-AFC4-6F175D3DCCD1}">
+              <a14:hiddenFill xmlns:a14="http://schemas.microsoft.com/office/drawing/2010/main">
+                <a:solidFill>
+                  <a:schemeClr val="accent1"/>
+                </a:solidFill>
+              </a14:hiddenFill>
+            </a:ext>
+            <a:ext uri="{91240B29-F687-4F45-9708-019B960494DF}">
+              <a14:hiddenLine xmlns:a14="http://schemas.microsoft.com/office/drawing/2010/main" w="9525">
+                <a:solidFill>
+                  <a:schemeClr val="tx1"/>
+                </a:solidFill>
+                <a:miter lim="800000"/>
+                <a:headEnd/>
+                <a:tailEnd/>
+              </a14:hiddenLine>
+            </a:ext>
+          </a:extLst>
+        </p:spPr>
+      </p:pic>
+    </p:spTree>
+    <p:extLst>
+      <p:ext uri="{BB962C8B-B14F-4D97-AF65-F5344CB8AC3E}">
+        <p14:creationId xmlns:p14="http://schemas.microsoft.com/office/powerpoint/2010/main" val="4111186639"/>
+      </p:ext>
+    </p:extLst>
+  </p:cSld>
+  <p:clrMapOvr>
+    <a:masterClrMapping/>
+  </p:clrMapOvr>
+</p:sld>
+</file>
+
+<file path=ppt/slides/slide4.xml><?xml version="1.0" encoding="utf-8"?>
+<p:sld xmlns:a="http://schemas.openxmlformats.org/drawingml/2006/main" xmlns:r="http://schemas.openxmlformats.org/officeDocument/2006/relationships" xmlns:p="http://schemas.openxmlformats.org/presentationml/2006/main">
+  <p:cSld>
+    <p:spTree>
+      <p:nvGrpSpPr>
+        <p:cNvPr id="1" name=""/>
+        <p:cNvGrpSpPr/>
+        <p:nvPr/>
+      </p:nvGrpSpPr>
+      <p:grpSpPr>
+        <a:xfrm>
+          <a:off x="0" y="0"/>
+          <a:ext cx="0" cy="0"/>
+          <a:chOff x="0" y="0"/>
+          <a:chExt cx="0" cy="0"/>
+        </a:xfrm>
+      </p:grpSpPr>
+      <p:sp>
+        <p:nvSpPr>
+          <p:cNvPr id="2" name="Title 1"/>
+          <p:cNvSpPr>
+            <a:spLocks noGrp="1"/>
+          </p:cNvSpPr>
+          <p:nvPr>
+            <p:ph type="title"/>
+          </p:nvPr>
+        </p:nvSpPr>
+        <p:spPr/>
+        <p:txBody>
+          <a:bodyPr/>
+          <a:lstStyle/>
+          <a:p>
+            <a:pPr algn="ctr"/>
+            <a:r>
+              <a:rPr lang="en-US" dirty="0" smtClean="0"/>
+              <a:t>Time Series Data Mining(TSDM)</a:t>
+            </a:r>
+            <a:endParaRPr lang="en-US" dirty="0"/>
+          </a:p>
+        </p:txBody>
+      </p:sp>
+      <p:sp>
+        <p:nvSpPr>
+          <p:cNvPr id="3" name="Content Placeholder 2"/>
+          <p:cNvSpPr>
+            <a:spLocks noGrp="1"/>
+          </p:cNvSpPr>
+          <p:nvPr>
+            <p:ph sz="quarter" idx="1"/>
+          </p:nvPr>
+        </p:nvSpPr>
+        <p:spPr>
+          <a:xfrm>
+            <a:off x="613657" y="1241778"/>
+            <a:ext cx="8915400" cy="4703317"/>
+          </a:xfrm>
+        </p:spPr>
+        <p:txBody>
+          <a:bodyPr>
+            <a:normAutofit/>
+          </a:bodyPr>
+          <a:lstStyle/>
+          <a:p>
+            <a:r>
+              <a:rPr lang="en-US" dirty="0"/>
+              <a:t>Segmentation</a:t>
+            </a:r>
+          </a:p>
+          <a:p>
+            <a:r>
+              <a:rPr lang="en-US" altLang="zh-CN" dirty="0" smtClean="0"/>
+              <a:t>Forecasting</a:t>
+            </a:r>
+            <a:endParaRPr lang="en-US" dirty="0"/>
+          </a:p>
+          <a:p>
+            <a:r>
+              <a:rPr lang="en-US" dirty="0" smtClean="0"/>
+              <a:t>Prediction</a:t>
+            </a:r>
+          </a:p>
+          <a:p>
+            <a:r>
+              <a:rPr lang="en-US" altLang="zh-CN" dirty="0" smtClean="0"/>
+              <a:t>Query </a:t>
+            </a:r>
+            <a:r>
+              <a:rPr lang="en-US" altLang="zh-CN" dirty="0"/>
+              <a:t>by </a:t>
+            </a:r>
+            <a:r>
+              <a:rPr lang="en-US" altLang="zh-CN" dirty="0" smtClean="0"/>
+              <a:t>content</a:t>
+            </a:r>
+          </a:p>
+          <a:p>
+            <a:r>
+              <a:rPr lang="en-US" altLang="zh-CN" dirty="0" smtClean="0"/>
+              <a:t>Frequent Subsequence </a:t>
+            </a:r>
+            <a:r>
+              <a:rPr lang="en-US" altLang="zh-CN" dirty="0" smtClean="0"/>
+              <a:t>Mining</a:t>
+            </a:r>
+          </a:p>
+          <a:p>
+            <a:r>
+              <a:rPr lang="en-US" altLang="zh-CN" dirty="0" smtClean="0"/>
+              <a:t>Correlation Detection</a:t>
+            </a:r>
+            <a:endParaRPr lang="en-US" altLang="zh-CN" dirty="0"/>
+          </a:p>
+          <a:p>
+            <a:r>
+              <a:rPr lang="en-US" altLang="zh-CN" dirty="0"/>
+              <a:t>Motif </a:t>
+            </a:r>
+            <a:r>
+              <a:rPr lang="en-US" altLang="zh-CN" dirty="0" smtClean="0"/>
+              <a:t>Discovery</a:t>
+            </a:r>
+            <a:endParaRPr lang="en-US" dirty="0" smtClean="0"/>
+          </a:p>
+          <a:p>
+            <a:r>
+              <a:rPr lang="en-US" dirty="0" smtClean="0"/>
+              <a:t>Clustering</a:t>
+            </a:r>
+          </a:p>
+          <a:p>
+            <a:r>
+              <a:rPr lang="en-US" dirty="0" smtClean="0"/>
+              <a:t>Classification</a:t>
+            </a:r>
+          </a:p>
+          <a:p>
+            <a:endParaRPr lang="en-US" dirty="0"/>
+          </a:p>
+        </p:txBody>
+      </p:sp>
+    </p:spTree>
+    <p:extLst>
+      <p:ext uri="{BB962C8B-B14F-4D97-AF65-F5344CB8AC3E}">
+        <p14:creationId xmlns:p14="http://schemas.microsoft.com/office/powerpoint/2010/main" val="2706556476"/>
+      </p:ext>
+    </p:extLst>
+  </p:cSld>
+  <p:clrMapOvr>
+    <a:masterClrMapping/>
+  </p:clrMapOvr>
+  <p:timing>
+    <p:tnLst>
+      <p:par>
+        <p:cTn id="1" dur="indefinite" restart="never" nodeType="tmRoot"/>
+      </p:par>
+    </p:tnLst>
+  </p:timing>
+</p:sld>
+</file>
+
+<file path=ppt/slides/slide40.xml><?xml version="1.0" encoding="utf-8"?>
+<p:sld xmlns:a="http://schemas.openxmlformats.org/drawingml/2006/main" xmlns:r="http://schemas.openxmlformats.org/officeDocument/2006/relationships" xmlns:p="http://schemas.openxmlformats.org/presentationml/2006/main">
+  <p:cSld>
+    <p:spTree>
+      <p:nvGrpSpPr>
+        <p:cNvPr id="1" name=""/>
+        <p:cNvGrpSpPr/>
+        <p:nvPr/>
+      </p:nvGrpSpPr>
+      <p:grpSpPr>
+        <a:xfrm>
+          <a:off x="0" y="0"/>
+          <a:ext cx="0" cy="0"/>
+          <a:chOff x="0" y="0"/>
+          <a:chExt cx="0" cy="0"/>
+        </a:xfrm>
+      </p:grpSpPr>
+      <p:sp>
+        <p:nvSpPr>
+          <p:cNvPr id="2" name="标题 1"/>
+          <p:cNvSpPr>
+            <a:spLocks noGrp="1"/>
+          </p:cNvSpPr>
+          <p:nvPr>
+            <p:ph type="title"/>
+          </p:nvPr>
+        </p:nvSpPr>
+        <p:spPr/>
+        <p:txBody>
+          <a:bodyPr/>
+          <a:lstStyle/>
+          <a:p>
+            <a:pPr algn="ctr"/>
+            <a:r>
+              <a:rPr lang="en-US" altLang="zh-CN" dirty="0" smtClean="0"/>
+              <a:t>IO Optimizations-Definition</a:t>
+            </a:r>
+            <a:endParaRPr lang="zh-CN" altLang="en-US" dirty="0"/>
+          </a:p>
+        </p:txBody>
+      </p:sp>
+      <mc:AlternateContent xmlns:mc="http://schemas.openxmlformats.org/markup-compatibility/2006">
+        <mc:Choice xmlns:a14="http://schemas.microsoft.com/office/drawing/2010/main" Requires="a14">
+          <p:sp>
+            <p:nvSpPr>
+              <p:cNvPr id="3" name="内容占位符 2"/>
+              <p:cNvSpPr>
+                <a:spLocks noGrp="1"/>
+              </p:cNvSpPr>
+              <p:nvPr>
+                <p:ph sz="quarter" idx="1"/>
+              </p:nvPr>
+            </p:nvSpPr>
+            <p:spPr/>
+            <p:txBody>
+              <a:bodyPr/>
+              <a:lstStyle/>
+              <a:p>
+                <a:r>
+                  <a:rPr lang="en-US" altLang="zh-CN" dirty="0" smtClean="0"/>
+                  <a:t>Signal </a:t>
+                </a:r>
+                <a14:m>
+                  <m:oMath xmlns:m="http://schemas.openxmlformats.org/officeDocument/2006/math">
+                    <m:r>
+                      <a:rPr lang="en-US" altLang="zh-CN" b="0" i="1" smtClean="0">
+                        <a:latin typeface="Cambria Math"/>
+                      </a:rPr>
+                      <m:t>𝑥</m:t>
+                    </m:r>
+                    <m:r>
+                      <a:rPr lang="en-US" altLang="zh-CN" b="0" i="1" smtClean="0">
+                        <a:latin typeface="Cambria Math"/>
+                      </a:rPr>
+                      <m:t>=</m:t>
+                    </m:r>
+                    <m:sSub>
+                      <m:sSubPr>
+                        <m:ctrlPr>
+                          <a:rPr lang="en-US" altLang="zh-CN" b="0" i="1" smtClean="0">
+                            <a:latin typeface="Cambria Math"/>
+                          </a:rPr>
+                        </m:ctrlPr>
+                      </m:sSubPr>
+                      <m:e>
+                        <m:r>
+                          <a:rPr lang="en-US" altLang="zh-CN" b="0" i="1" smtClean="0">
+                            <a:latin typeface="Cambria Math"/>
+                          </a:rPr>
+                          <m:t>𝑥</m:t>
+                        </m:r>
+                      </m:e>
+                      <m:sub>
+                        <m:r>
+                          <a:rPr lang="en-US" altLang="zh-CN" b="0" i="1" smtClean="0">
+                            <a:latin typeface="Cambria Math"/>
+                          </a:rPr>
+                          <m:t>0</m:t>
+                        </m:r>
+                      </m:sub>
+                    </m:sSub>
+                    <m:r>
+                      <a:rPr lang="en-US" altLang="zh-CN" b="0" i="1" smtClean="0">
+                        <a:latin typeface="Cambria Math"/>
+                      </a:rPr>
+                      <m:t>,</m:t>
+                    </m:r>
+                    <m:sSub>
+                      <m:sSubPr>
+                        <m:ctrlPr>
+                          <a:rPr lang="en-US" altLang="zh-CN" b="0" i="1" smtClean="0">
+                            <a:latin typeface="Cambria Math"/>
+                          </a:rPr>
+                        </m:ctrlPr>
+                      </m:sSubPr>
+                      <m:e>
+                        <m:r>
+                          <a:rPr lang="en-US" altLang="zh-CN" b="0" i="1" smtClean="0">
+                            <a:latin typeface="Cambria Math"/>
+                          </a:rPr>
+                          <m:t>𝑥</m:t>
+                        </m:r>
+                      </m:e>
+                      <m:sub>
+                        <m:r>
+                          <a:rPr lang="en-US" altLang="zh-CN" b="0" i="1" smtClean="0">
+                            <a:latin typeface="Cambria Math"/>
+                          </a:rPr>
+                          <m:t>1</m:t>
+                        </m:r>
+                      </m:sub>
+                    </m:sSub>
+                    <m:r>
+                      <a:rPr lang="en-US" altLang="zh-CN" b="0" i="1" smtClean="0">
+                        <a:latin typeface="Cambria Math"/>
+                      </a:rPr>
+                      <m:t>,…,</m:t>
+                    </m:r>
+                    <m:sSub>
+                      <m:sSubPr>
+                        <m:ctrlPr>
+                          <a:rPr lang="en-US" altLang="zh-CN" b="0" i="1" smtClean="0">
+                            <a:latin typeface="Cambria Math"/>
+                          </a:rPr>
+                        </m:ctrlPr>
+                      </m:sSubPr>
+                      <m:e>
+                        <m:r>
+                          <a:rPr lang="en-US" altLang="zh-CN" b="0" i="1" smtClean="0">
+                            <a:latin typeface="Cambria Math"/>
+                          </a:rPr>
+                          <m:t>𝑥</m:t>
+                        </m:r>
+                      </m:e>
+                      <m:sub>
+                        <m:r>
+                          <a:rPr lang="en-US" altLang="zh-CN" b="0" i="1" smtClean="0">
+                            <a:latin typeface="Cambria Math"/>
+                          </a:rPr>
+                          <m:t>𝑚</m:t>
+                        </m:r>
+                        <m:r>
+                          <a:rPr lang="en-US" altLang="zh-CN" b="0" i="1" smtClean="0">
+                            <a:latin typeface="Cambria Math"/>
+                          </a:rPr>
+                          <m:t>−1</m:t>
+                        </m:r>
+                      </m:sub>
+                    </m:sSub>
+                  </m:oMath>
+                </a14:m>
+                <a:r>
+                  <a:rPr lang="en-US" altLang="zh-CN" dirty="0" smtClean="0"/>
+                  <a:t>, DFT sequence of x is </a:t>
+                </a:r>
+                <a14:m>
+                  <m:oMath xmlns:m="http://schemas.openxmlformats.org/officeDocument/2006/math">
+                    <m:r>
+                      <a:rPr lang="en-US" altLang="zh-CN" b="0" i="1" smtClean="0">
+                        <a:latin typeface="Cambria Math"/>
+                      </a:rPr>
+                      <m:t>𝑋</m:t>
+                    </m:r>
+                    <m:r>
+                      <a:rPr lang="en-US" altLang="zh-CN" b="0" i="1" smtClean="0">
+                        <a:latin typeface="Cambria Math"/>
+                      </a:rPr>
+                      <m:t>=</m:t>
+                    </m:r>
+                    <m:sSub>
+                      <m:sSubPr>
+                        <m:ctrlPr>
+                          <a:rPr lang="en-US" altLang="zh-CN" b="0" i="1" smtClean="0">
+                            <a:latin typeface="Cambria Math"/>
+                          </a:rPr>
+                        </m:ctrlPr>
+                      </m:sSubPr>
+                      <m:e>
+                        <m:r>
+                          <a:rPr lang="en-US" altLang="zh-CN" b="0" i="1" smtClean="0">
+                            <a:latin typeface="Cambria Math"/>
+                          </a:rPr>
+                          <m:t>𝑋</m:t>
+                        </m:r>
+                      </m:e>
+                      <m:sub>
+                        <m:r>
+                          <a:rPr lang="en-US" altLang="zh-CN" b="0" i="1" smtClean="0">
+                            <a:latin typeface="Cambria Math"/>
+                          </a:rPr>
+                          <m:t>0</m:t>
+                        </m:r>
+                      </m:sub>
+                    </m:sSub>
+                    <m:r>
+                      <a:rPr lang="en-US" altLang="zh-CN" b="0" i="1" smtClean="0">
+                        <a:latin typeface="Cambria Math"/>
+                      </a:rPr>
+                      <m:t>,</m:t>
+                    </m:r>
+                    <m:sSub>
+                      <m:sSubPr>
+                        <m:ctrlPr>
+                          <a:rPr lang="en-US" altLang="zh-CN" b="0" i="1" smtClean="0">
+                            <a:latin typeface="Cambria Math"/>
+                          </a:rPr>
+                        </m:ctrlPr>
+                      </m:sSubPr>
+                      <m:e>
+                        <m:r>
+                          <a:rPr lang="en-US" altLang="zh-CN" b="0" i="1" smtClean="0">
+                            <a:latin typeface="Cambria Math"/>
+                          </a:rPr>
+                          <m:t>𝑋</m:t>
+                        </m:r>
+                      </m:e>
+                      <m:sub>
+                        <m:r>
+                          <a:rPr lang="en-US" altLang="zh-CN" b="0" i="1" smtClean="0">
+                            <a:latin typeface="Cambria Math"/>
+                          </a:rPr>
+                          <m:t>1</m:t>
+                        </m:r>
+                      </m:sub>
+                    </m:sSub>
+                    <m:r>
+                      <a:rPr lang="en-US" altLang="zh-CN" b="0" i="1" smtClean="0">
+                        <a:latin typeface="Cambria Math"/>
+                      </a:rPr>
+                      <m:t>,…,</m:t>
+                    </m:r>
+                    <m:sSub>
+                      <m:sSubPr>
+                        <m:ctrlPr>
+                          <a:rPr lang="en-US" altLang="zh-CN" b="0" i="1" smtClean="0">
+                            <a:latin typeface="Cambria Math"/>
+                          </a:rPr>
+                        </m:ctrlPr>
+                      </m:sSubPr>
+                      <m:e>
+                        <m:r>
+                          <a:rPr lang="en-US" altLang="zh-CN" b="0" i="1" smtClean="0">
+                            <a:latin typeface="Cambria Math"/>
+                          </a:rPr>
+                          <m:t>𝑋</m:t>
+                        </m:r>
+                      </m:e>
+                      <m:sub>
+                        <m:r>
+                          <a:rPr lang="en-US" altLang="zh-CN" b="0" i="1" smtClean="0">
+                            <a:latin typeface="Cambria Math"/>
+                          </a:rPr>
+                          <m:t>𝑚</m:t>
+                        </m:r>
+                        <m:r>
+                          <a:rPr lang="en-US" altLang="zh-CN" b="0" i="1" smtClean="0">
+                            <a:latin typeface="Cambria Math"/>
+                          </a:rPr>
+                          <m:t>−1</m:t>
+                        </m:r>
+                      </m:sub>
+                    </m:sSub>
+                  </m:oMath>
+                </a14:m>
+                <a:r>
+                  <a:rPr lang="en-US" altLang="zh-CN" dirty="0" smtClean="0"/>
+                  <a:t> where</a:t>
+                </a:r>
+              </a:p>
+              <a:p>
+                <a:pPr marL="0" indent="0">
+                  <a:buNone/>
+                </a:pPr>
+                <a14:m>
+                  <m:oMathPara xmlns:m="http://schemas.openxmlformats.org/officeDocument/2006/math">
+                    <m:oMathParaPr>
+                      <m:jc m:val="centerGroup"/>
+                    </m:oMathParaPr>
+                    <m:oMath xmlns:m="http://schemas.openxmlformats.org/officeDocument/2006/math">
+                      <m:sSub>
+                        <m:sSubPr>
+                          <m:ctrlPr>
+                            <a:rPr lang="en-US" altLang="zh-CN" b="0" i="1" smtClean="0">
+                              <a:latin typeface="Cambria Math"/>
+                            </a:rPr>
+                          </m:ctrlPr>
+                        </m:sSubPr>
+                        <m:e>
+                          <m:r>
+                            <a:rPr lang="en-US" altLang="zh-CN" b="0" i="1" smtClean="0">
+                              <a:latin typeface="Cambria Math"/>
+                            </a:rPr>
+                            <m:t>𝑋</m:t>
+                          </m:r>
+                        </m:e>
+                        <m:sub>
+                          <m:r>
+                            <a:rPr lang="en-US" altLang="zh-CN" b="0" i="1" smtClean="0">
+                              <a:latin typeface="Cambria Math"/>
+                            </a:rPr>
+                            <m:t>𝑓</m:t>
+                          </m:r>
+                        </m:sub>
+                      </m:sSub>
+                      <m:r>
+                        <a:rPr lang="en-US" altLang="zh-CN" b="0" i="1" smtClean="0">
+                          <a:latin typeface="Cambria Math"/>
+                        </a:rPr>
+                        <m:t>=</m:t>
+                      </m:r>
+                      <m:f>
+                        <m:fPr>
+                          <m:ctrlPr>
+                            <a:rPr lang="en-US" altLang="zh-CN" b="0" i="1" smtClean="0">
+                              <a:latin typeface="Cambria Math"/>
+                            </a:rPr>
+                          </m:ctrlPr>
+                        </m:fPr>
+                        <m:num>
+                          <m:r>
+                            <a:rPr lang="en-US" altLang="zh-CN" b="0" i="1" smtClean="0">
+                              <a:latin typeface="Cambria Math"/>
+                            </a:rPr>
+                            <m:t>1</m:t>
+                          </m:r>
+                        </m:num>
+                        <m:den>
+                          <m:r>
+                            <a:rPr lang="en-US" altLang="zh-CN" b="0" i="1" smtClean="0">
+                              <a:latin typeface="Cambria Math"/>
+                            </a:rPr>
+                            <m:t>𝑚</m:t>
+                          </m:r>
+                        </m:den>
+                      </m:f>
+                      <m:nary>
+                        <m:naryPr>
+                          <m:chr m:val="∑"/>
+                          <m:ctrlPr>
+                            <a:rPr lang="en-US" altLang="zh-CN" b="0" i="1" smtClean="0">
+                              <a:latin typeface="Cambria Math"/>
+                            </a:rPr>
+                          </m:ctrlPr>
+                        </m:naryPr>
+                        <m:sub>
+                          <m:r>
+                            <m:rPr>
+                              <m:brk m:alnAt="23"/>
+                            </m:rPr>
+                            <a:rPr lang="en-US" altLang="zh-CN" b="0" i="1" smtClean="0">
+                              <a:latin typeface="Cambria Math"/>
+                            </a:rPr>
+                            <m:t>𝑘</m:t>
+                          </m:r>
+                          <m:r>
+                            <a:rPr lang="en-US" altLang="zh-CN" b="0" i="1" smtClean="0">
+                              <a:latin typeface="Cambria Math"/>
+                            </a:rPr>
+                            <m:t>=0</m:t>
+                          </m:r>
+                        </m:sub>
+                        <m:sup>
+                          <m:r>
+                            <a:rPr lang="en-US" altLang="zh-CN" b="0" i="1" smtClean="0">
+                              <a:latin typeface="Cambria Math"/>
+                            </a:rPr>
+                            <m:t>𝑚</m:t>
+                          </m:r>
+                          <m:r>
+                            <a:rPr lang="en-US" altLang="zh-CN" b="0" i="1" smtClean="0">
+                              <a:latin typeface="Cambria Math"/>
+                            </a:rPr>
+                            <m:t>−1</m:t>
+                          </m:r>
+                        </m:sup>
+                        <m:e>
+                          <m:sSub>
+                            <m:sSubPr>
+                              <m:ctrlPr>
+                                <a:rPr lang="en-US" altLang="zh-CN" b="0" i="1" smtClean="0">
+                                  <a:latin typeface="Cambria Math"/>
+                                </a:rPr>
+                              </m:ctrlPr>
+                            </m:sSubPr>
+                            <m:e>
+                              <m:r>
+                                <a:rPr lang="en-US" altLang="zh-CN" b="0" i="1" smtClean="0">
+                                  <a:latin typeface="Cambria Math"/>
+                                </a:rPr>
+                                <m:t>𝑥</m:t>
+                              </m:r>
+                            </m:e>
+                            <m:sub>
+                              <m:r>
+                                <a:rPr lang="en-US" altLang="zh-CN" b="0" i="1" smtClean="0">
+                                  <a:latin typeface="Cambria Math"/>
+                                </a:rPr>
+                                <m:t>𝑘</m:t>
+                              </m:r>
+                            </m:sub>
+                          </m:sSub>
+                          <m:sSup>
+                            <m:sSupPr>
+                              <m:ctrlPr>
+                                <a:rPr lang="en-US" altLang="zh-CN" b="0" i="1" smtClean="0">
+                                  <a:latin typeface="Cambria Math"/>
+                                </a:rPr>
+                              </m:ctrlPr>
+                            </m:sSupPr>
+                            <m:e>
+                              <m:r>
+                                <a:rPr lang="en-US" altLang="zh-CN" b="0" i="1" smtClean="0">
+                                  <a:latin typeface="Cambria Math"/>
+                                </a:rPr>
+                                <m:t>𝑒</m:t>
+                              </m:r>
+                            </m:e>
+                            <m:sup>
+                              <m:f>
+                                <m:fPr>
+                                  <m:ctrlPr>
+                                    <a:rPr lang="en-US" altLang="zh-CN" b="0" i="1" smtClean="0">
+                                      <a:latin typeface="Cambria Math"/>
+                                    </a:rPr>
+                                  </m:ctrlPr>
+                                </m:fPr>
+                                <m:num>
+                                  <m:r>
+                                    <a:rPr lang="en-US" altLang="zh-CN" b="0" i="1" smtClean="0">
+                                      <a:latin typeface="Cambria Math"/>
+                                    </a:rPr>
+                                    <m:t>−2</m:t>
+                                  </m:r>
+                                  <m:r>
+                                    <a:rPr lang="en-US" altLang="zh-CN" b="0" i="1" smtClean="0">
+                                      <a:latin typeface="Cambria Math"/>
+                                    </a:rPr>
+                                    <m:t>𝜋</m:t>
+                                  </m:r>
+                                  <m:r>
+                                    <a:rPr lang="en-US" altLang="zh-CN" b="0" i="1" smtClean="0">
+                                      <a:latin typeface="Cambria Math"/>
+                                    </a:rPr>
+                                    <m:t>𝑖𝑓</m:t>
+                                  </m:r>
+                                </m:num>
+                                <m:den>
+                                  <m:r>
+                                    <a:rPr lang="en-US" altLang="zh-CN" b="0" i="1" smtClean="0">
+                                      <a:latin typeface="Cambria Math"/>
+                                    </a:rPr>
+                                    <m:t>𝑚</m:t>
+                                  </m:r>
+                                </m:den>
+                              </m:f>
+                              <m:r>
+                                <a:rPr lang="en-US" altLang="zh-CN" b="0" i="1" smtClean="0">
+                                  <a:latin typeface="Cambria Math"/>
+                                </a:rPr>
+                                <m:t>𝑘</m:t>
+                              </m:r>
+                            </m:sup>
+                          </m:sSup>
+                        </m:e>
+                      </m:nary>
+                      <m:r>
+                        <a:rPr lang="en-US" altLang="zh-CN" b="0" i="1" smtClean="0">
+                          <a:latin typeface="Cambria Math"/>
+                        </a:rPr>
+                        <m:t>, </m:t>
+                      </m:r>
+                      <m:r>
+                        <a:rPr lang="en-US" altLang="zh-CN" b="0" i="1" smtClean="0">
+                          <a:latin typeface="Cambria Math"/>
+                        </a:rPr>
+                        <m:t>𝑓</m:t>
+                      </m:r>
+                      <m:r>
+                        <a:rPr lang="en-US" altLang="zh-CN" b="0" i="1" smtClean="0">
+                          <a:latin typeface="Cambria Math"/>
+                        </a:rPr>
+                        <m:t>=0,1,…,</m:t>
+                      </m:r>
+                      <m:r>
+                        <a:rPr lang="en-US" altLang="zh-CN" b="0" i="1" smtClean="0">
+                          <a:latin typeface="Cambria Math"/>
+                        </a:rPr>
+                        <m:t>𝑚</m:t>
+                      </m:r>
+                      <m:r>
+                        <a:rPr lang="en-US" altLang="zh-CN" b="0" i="1" smtClean="0">
+                          <a:latin typeface="Cambria Math"/>
+                        </a:rPr>
+                        <m:t>−1</m:t>
+                      </m:r>
+                    </m:oMath>
+                  </m:oMathPara>
+                </a14:m>
+                <a:endParaRPr lang="en-US" altLang="zh-CN" dirty="0" smtClean="0"/>
+              </a:p>
+              <a:p>
+                <a:r>
+                  <a:rPr lang="en-US" altLang="zh-CN" dirty="0" smtClean="0"/>
+                  <a:t>LEMMA: Let </a:t>
+                </a:r>
+                <a:r>
+                  <a:rPr lang="en-US" altLang="zh-CN" dirty="0"/>
+                  <a:t>DFT of the normalized forms of </a:t>
+                </a:r>
+                <a:r>
+                  <a:rPr lang="en-US" altLang="zh-CN" dirty="0" smtClean="0"/>
+                  <a:t>two signals </a:t>
+                </a:r>
+                <a:r>
+                  <a:rPr lang="en-US" altLang="zh-CN" dirty="0"/>
+                  <a:t>x and y be </a:t>
+                </a:r>
+                <a14:m>
+                  <m:oMath xmlns:m="http://schemas.openxmlformats.org/officeDocument/2006/math">
+                    <m:acc>
+                      <m:accPr>
+                        <m:chr m:val="̂"/>
+                        <m:ctrlPr>
+                          <a:rPr lang="en-US" altLang="zh-CN" i="1" smtClean="0">
+                            <a:latin typeface="Cambria Math"/>
+                          </a:rPr>
+                        </m:ctrlPr>
+                      </m:accPr>
+                      <m:e>
+                        <m:r>
+                          <a:rPr lang="en-US" altLang="zh-CN" b="0" i="1" smtClean="0">
+                            <a:latin typeface="Cambria Math"/>
+                          </a:rPr>
+                          <m:t>𝑋</m:t>
+                        </m:r>
+                      </m:e>
+                    </m:acc>
+                  </m:oMath>
+                </a14:m>
+                <a:r>
+                  <a:rPr lang="en-US" altLang="zh-CN" dirty="0" smtClean="0"/>
+                  <a:t>and </a:t>
+                </a:r>
+                <a14:m>
+                  <m:oMath xmlns:m="http://schemas.openxmlformats.org/officeDocument/2006/math">
+                    <m:acc>
+                      <m:accPr>
+                        <m:chr m:val="̂"/>
+                        <m:ctrlPr>
+                          <a:rPr lang="en-US" altLang="zh-CN" i="1" smtClean="0">
+                            <a:latin typeface="Cambria Math"/>
+                          </a:rPr>
+                        </m:ctrlPr>
+                      </m:accPr>
+                      <m:e>
+                        <m:r>
+                          <a:rPr lang="en-US" altLang="zh-CN" b="0" i="1" smtClean="0">
+                            <a:latin typeface="Cambria Math"/>
+                          </a:rPr>
+                          <m:t>𝑌</m:t>
+                        </m:r>
+                      </m:e>
+                    </m:acc>
+                  </m:oMath>
+                </a14:m>
+                <a:r>
+                  <a:rPr lang="en-US" altLang="zh-CN" dirty="0" smtClean="0"/>
+                  <a:t>. </a:t>
+                </a:r>
+                <a:r>
+                  <a:rPr lang="en-US" altLang="zh-CN" dirty="0"/>
+                  <a:t>Then</a:t>
+                </a:r>
+                <a:r>
+                  <a:rPr lang="en-US" altLang="zh-CN" dirty="0" smtClean="0"/>
+                  <a:t>, </a:t>
+                </a:r>
+                <a14:m>
+                  <m:oMath xmlns:m="http://schemas.openxmlformats.org/officeDocument/2006/math">
+                    <m:r>
+                      <a:rPr lang="en-US" altLang="zh-CN" b="0" i="1" smtClean="0">
+                        <a:latin typeface="Cambria Math"/>
+                      </a:rPr>
+                      <m:t>𝑐𝑜𝑟𝑟</m:t>
+                    </m:r>
+                    <m:d>
+                      <m:dPr>
+                        <m:ctrlPr>
+                          <a:rPr lang="en-US" altLang="zh-CN" b="0" i="1" smtClean="0">
+                            <a:latin typeface="Cambria Math"/>
+                          </a:rPr>
+                        </m:ctrlPr>
+                      </m:dPr>
+                      <m:e>
+                        <m:r>
+                          <a:rPr lang="en-US" altLang="zh-CN" b="0" i="1" smtClean="0">
+                            <a:latin typeface="Cambria Math"/>
+                          </a:rPr>
+                          <m:t>𝑥</m:t>
+                        </m:r>
+                        <m:r>
+                          <a:rPr lang="en-US" altLang="zh-CN" b="0" i="1" smtClean="0">
+                            <a:latin typeface="Cambria Math"/>
+                          </a:rPr>
+                          <m:t>,</m:t>
+                        </m:r>
+                        <m:r>
+                          <a:rPr lang="en-US" altLang="zh-CN" b="0" i="1" smtClean="0">
+                            <a:latin typeface="Cambria Math"/>
+                          </a:rPr>
+                          <m:t>𝑦</m:t>
+                        </m:r>
+                      </m:e>
+                    </m:d>
+                    <m:r>
+                      <a:rPr lang="en-US" altLang="zh-CN" b="0" i="1" smtClean="0">
+                        <a:latin typeface="Cambria Math"/>
+                      </a:rPr>
+                      <m:t>≥</m:t>
+                    </m:r>
+                    <m:r>
+                      <a:rPr lang="en-US" altLang="zh-CN" b="0" i="1" smtClean="0">
+                        <a:latin typeface="Cambria Math"/>
+                      </a:rPr>
+                      <m:t>𝑇</m:t>
+                    </m:r>
+                    <m:r>
+                      <a:rPr lang="en-US" altLang="zh-CN" b="0" i="1" smtClean="0">
+                        <a:latin typeface="Cambria Math"/>
+                      </a:rPr>
+                      <m:t>⇒</m:t>
+                    </m:r>
+                    <m:sSub>
+                      <m:sSubPr>
+                        <m:ctrlPr>
+                          <a:rPr lang="en-US" altLang="zh-CN" b="0" i="1" smtClean="0">
+                            <a:latin typeface="Cambria Math"/>
+                          </a:rPr>
+                        </m:ctrlPr>
+                      </m:sSubPr>
+                      <m:e>
+                        <m:r>
+                          <a:rPr lang="en-US" altLang="zh-CN" b="0" i="1" smtClean="0">
+                            <a:latin typeface="Cambria Math"/>
+                          </a:rPr>
+                          <m:t>𝑑</m:t>
+                        </m:r>
+                      </m:e>
+                      <m:sub>
+                        <m:r>
+                          <a:rPr lang="en-US" altLang="zh-CN" b="0" i="1" smtClean="0">
+                            <a:latin typeface="Cambria Math"/>
+                          </a:rPr>
+                          <m:t>𝑘</m:t>
+                        </m:r>
+                      </m:sub>
+                    </m:sSub>
+                    <m:r>
+                      <a:rPr lang="en-US" altLang="zh-CN" b="0" i="1" smtClean="0">
+                        <a:latin typeface="Cambria Math"/>
+                      </a:rPr>
+                      <m:t>(</m:t>
+                    </m:r>
+                    <m:acc>
+                      <m:accPr>
+                        <m:chr m:val="̂"/>
+                        <m:ctrlPr>
+                          <a:rPr lang="en-US" altLang="zh-CN" b="0" i="1" smtClean="0">
+                            <a:latin typeface="Cambria Math"/>
+                          </a:rPr>
+                        </m:ctrlPr>
+                      </m:accPr>
+                      <m:e>
+                        <m:r>
+                          <a:rPr lang="en-US" altLang="zh-CN" b="0" i="1" smtClean="0">
+                            <a:latin typeface="Cambria Math"/>
+                          </a:rPr>
+                          <m:t>𝑋</m:t>
+                        </m:r>
+                      </m:e>
+                    </m:acc>
+                    <m:r>
+                      <a:rPr lang="en-US" altLang="zh-CN" b="0" i="1" smtClean="0">
+                        <a:latin typeface="Cambria Math"/>
+                      </a:rPr>
+                      <m:t>,</m:t>
+                    </m:r>
+                    <m:acc>
+                      <m:accPr>
+                        <m:chr m:val="̂"/>
+                        <m:ctrlPr>
+                          <a:rPr lang="en-US" altLang="zh-CN" b="0" i="1" smtClean="0">
+                            <a:latin typeface="Cambria Math"/>
+                          </a:rPr>
+                        </m:ctrlPr>
+                      </m:accPr>
+                      <m:e>
+                        <m:r>
+                          <a:rPr lang="en-US" altLang="zh-CN" b="0" i="1" smtClean="0">
+                            <a:latin typeface="Cambria Math"/>
+                          </a:rPr>
+                          <m:t>𝑌</m:t>
+                        </m:r>
+                      </m:e>
+                    </m:acc>
+                    <m:r>
+                      <a:rPr lang="en-US" altLang="zh-CN" b="0" i="1" smtClean="0">
+                        <a:latin typeface="Cambria Math"/>
+                      </a:rPr>
+                      <m:t>)</m:t>
+                    </m:r>
+                  </m:oMath>
+                </a14:m>
+                <a:r>
+                  <a:rPr lang="zh-CN" altLang="en-US" dirty="0" smtClean="0"/>
+                  <a:t> </a:t>
+                </a:r>
+                <a:r>
+                  <a:rPr lang="en-US" altLang="zh-CN" dirty="0" smtClean="0"/>
+                  <a:t>for some k.</a:t>
+                </a:r>
+                <a:endParaRPr lang="zh-CN" altLang="en-US" dirty="0"/>
+              </a:p>
+            </p:txBody>
+          </p:sp>
+        </mc:Choice>
+        <mc:Fallback>
+          <p:sp>
+            <p:nvSpPr>
+              <p:cNvPr id="3" name="内容占位符 2"/>
+              <p:cNvSpPr>
+                <a:spLocks noGrp="1" noRot="1" noChangeAspect="1" noMove="1" noResize="1" noEditPoints="1" noAdjustHandles="1" noChangeArrowheads="1" noChangeShapeType="1" noTextEdit="1"/>
+              </p:cNvSpPr>
+              <p:nvPr>
+                <p:ph sz="quarter" idx="1"/>
+              </p:nvPr>
+            </p:nvSpPr>
+            <p:spPr>
+              <a:blipFill rotWithShape="1">
+                <a:blip r:embed="rId2"/>
+                <a:stretch>
+                  <a:fillRect l="-444" t="-1111"/>
+                </a:stretch>
+              </a:blipFill>
+            </p:spPr>
+            <p:txBody>
+              <a:bodyPr/>
+              <a:lstStyle/>
+              <a:p>
+                <a:r>
+                  <a:rPr lang="zh-CN" altLang="en-US">
+                    <a:noFill/>
+                  </a:rPr>
+                  <a:t> </a:t>
+                </a:r>
+              </a:p>
+            </p:txBody>
+          </p:sp>
+        </mc:Fallback>
+      </mc:AlternateContent>
+    </p:spTree>
+    <p:extLst>
+      <p:ext uri="{BB962C8B-B14F-4D97-AF65-F5344CB8AC3E}">
+        <p14:creationId xmlns:p14="http://schemas.microsoft.com/office/powerpoint/2010/main" val="2059423421"/>
+      </p:ext>
+    </p:extLst>
+  </p:cSld>
+  <p:clrMapOvr>
+    <a:masterClrMapping/>
+  </p:clrMapOvr>
+  <p:timing>
+    <p:tnLst>
+      <p:par>
+        <p:cTn id="1" dur="indefinite" restart="never" nodeType="tmRoot"/>
+      </p:par>
+    </p:tnLst>
+  </p:timing>
+</p:sld>
+</file>
+
+<file path=ppt/slides/slide41.xml><?xml version="1.0" encoding="utf-8"?>
+<p:sld xmlns:a="http://schemas.openxmlformats.org/drawingml/2006/main" xmlns:r="http://schemas.openxmlformats.org/officeDocument/2006/relationships" xmlns:p="http://schemas.openxmlformats.org/presentationml/2006/main">
+  <p:cSld>
+    <p:spTree>
+      <p:nvGrpSpPr>
+        <p:cNvPr id="1" name=""/>
+        <p:cNvGrpSpPr/>
+        <p:nvPr/>
+      </p:nvGrpSpPr>
+      <p:grpSpPr>
+        <a:xfrm>
+          <a:off x="0" y="0"/>
+          <a:ext cx="0" cy="0"/>
+          <a:chOff x="0" y="0"/>
+          <a:chExt cx="0" cy="0"/>
+        </a:xfrm>
+      </p:grpSpPr>
+      <p:sp>
+        <p:nvSpPr>
+          <p:cNvPr id="2" name="标题 1"/>
+          <p:cNvSpPr>
+            <a:spLocks noGrp="1"/>
+          </p:cNvSpPr>
+          <p:nvPr>
+            <p:ph type="title"/>
+          </p:nvPr>
+        </p:nvSpPr>
+        <p:spPr/>
+        <p:txBody>
+          <a:bodyPr/>
+          <a:lstStyle/>
+          <a:p>
+            <a:pPr algn="ctr"/>
+            <a:r>
+              <a:rPr lang="en-US" altLang="zh-CN" dirty="0" smtClean="0"/>
+              <a:t>IO Optimizations-DFT Pruning</a:t>
+            </a:r>
+            <a:endParaRPr lang="zh-CN" altLang="en-US" dirty="0"/>
+          </a:p>
+        </p:txBody>
+      </p:sp>
+      <p:sp>
+        <p:nvSpPr>
+          <p:cNvPr id="3" name="内容占位符 2"/>
+          <p:cNvSpPr>
+            <a:spLocks noGrp="1"/>
+          </p:cNvSpPr>
+          <p:nvPr>
+            <p:ph sz="quarter" idx="1"/>
+          </p:nvPr>
+        </p:nvSpPr>
+        <p:spPr/>
+        <p:txBody>
+          <a:bodyPr/>
+          <a:lstStyle/>
+          <a:p>
+            <a:r>
+              <a:rPr lang="en-US" altLang="zh-CN" dirty="0" smtClean="0"/>
+              <a:t>k = 5 is sufficient thus all DFT[</a:t>
+            </a:r>
+            <a:r>
+              <a:rPr lang="en-US" altLang="zh-CN" dirty="0" err="1" smtClean="0"/>
+              <a:t>i</a:t>
+            </a:r>
+            <a:r>
+              <a:rPr lang="en-US" altLang="zh-CN" dirty="0" smtClean="0"/>
+              <a:t>] could be held in memory.</a:t>
+            </a:r>
+            <a:endParaRPr lang="zh-CN" altLang="en-US" dirty="0"/>
+          </a:p>
+        </p:txBody>
+      </p:sp>
+      <p:pic>
+        <p:nvPicPr>
+          <p:cNvPr id="5122" name="Picture 2"/>
+          <p:cNvPicPr>
+            <a:picLocks noChangeAspect="1" noChangeArrowheads="1"/>
+          </p:cNvPicPr>
+          <p:nvPr/>
+        </p:nvPicPr>
+        <p:blipFill>
+          <a:blip r:embed="rId2">
+            <a:extLst>
+              <a:ext uri="{28A0092B-C50C-407E-A947-70E740481C1C}">
+                <a14:useLocalDpi xmlns:a14="http://schemas.microsoft.com/office/drawing/2010/main" val="0"/>
+              </a:ext>
+            </a:extLst>
+          </a:blip>
+          <a:srcRect/>
+          <a:stretch>
+            <a:fillRect/>
+          </a:stretch>
+        </p:blipFill>
+        <p:spPr bwMode="auto">
+          <a:xfrm>
+            <a:off x="2745846" y="1983141"/>
+            <a:ext cx="5819775" cy="3343275"/>
+          </a:xfrm>
+          <a:prstGeom prst="rect">
+            <a:avLst/>
+          </a:prstGeom>
+          <a:noFill/>
+          <a:ln>
+            <a:noFill/>
+          </a:ln>
+          <a:extLst>
+            <a:ext uri="{909E8E84-426E-40DD-AFC4-6F175D3DCCD1}">
+              <a14:hiddenFill xmlns:a14="http://schemas.microsoft.com/office/drawing/2010/main">
+                <a:solidFill>
+                  <a:schemeClr val="accent1"/>
+                </a:solidFill>
+              </a14:hiddenFill>
+            </a:ext>
+            <a:ext uri="{91240B29-F687-4F45-9708-019B960494DF}">
+              <a14:hiddenLine xmlns:a14="http://schemas.microsoft.com/office/drawing/2010/main" w="9525">
+                <a:solidFill>
+                  <a:schemeClr val="tx1"/>
+                </a:solidFill>
+                <a:miter lim="800000"/>
+                <a:headEnd/>
+                <a:tailEnd/>
+              </a14:hiddenLine>
+            </a:ext>
+          </a:extLst>
+        </p:spPr>
+      </p:pic>
+    </p:spTree>
+    <p:extLst>
+      <p:ext uri="{BB962C8B-B14F-4D97-AF65-F5344CB8AC3E}">
+        <p14:creationId xmlns:p14="http://schemas.microsoft.com/office/powerpoint/2010/main" val="1965114430"/>
+      </p:ext>
+    </p:extLst>
+  </p:cSld>
+  <p:clrMapOvr>
+    <a:masterClrMapping/>
+  </p:clrMapOvr>
+  <p:timing>
+    <p:tnLst>
+      <p:par>
+        <p:cTn id="1" dur="indefinite" restart="never" nodeType="tmRoot"/>
+      </p:par>
+    </p:tnLst>
+  </p:timing>
+</p:sld>
+</file>
+
+<file path=ppt/slides/slide42.xml><?xml version="1.0" encoding="utf-8"?>
+<p:sld xmlns:a="http://schemas.openxmlformats.org/drawingml/2006/main" xmlns:r="http://schemas.openxmlformats.org/officeDocument/2006/relationships" xmlns:p="http://schemas.openxmlformats.org/presentationml/2006/main">
+  <p:cSld>
+    <p:spTree>
+      <p:nvGrpSpPr>
+        <p:cNvPr id="1" name=""/>
+        <p:cNvGrpSpPr/>
+        <p:nvPr/>
+      </p:nvGrpSpPr>
+      <p:grpSpPr>
+        <a:xfrm>
+          <a:off x="0" y="0"/>
+          <a:ext cx="0" cy="0"/>
+          <a:chOff x="0" y="0"/>
+          <a:chExt cx="0" cy="0"/>
+        </a:xfrm>
+      </p:grpSpPr>
+      <p:sp>
+        <p:nvSpPr>
+          <p:cNvPr id="2" name="标题 1"/>
+          <p:cNvSpPr>
+            <a:spLocks noGrp="1"/>
+          </p:cNvSpPr>
+          <p:nvPr>
+            <p:ph type="title"/>
+          </p:nvPr>
+        </p:nvSpPr>
+        <p:spPr/>
+        <p:txBody>
+          <a:bodyPr/>
+          <a:lstStyle/>
+          <a:p>
+            <a:pPr algn="ctr"/>
+            <a:r>
+              <a:rPr lang="en-US" altLang="zh-CN" dirty="0" smtClean="0"/>
+              <a:t>IO Optimizations-Cache Strategy</a:t>
+            </a:r>
+            <a:endParaRPr lang="zh-CN" altLang="en-US" dirty="0"/>
+          </a:p>
+        </p:txBody>
+      </p:sp>
+      <p:sp>
+        <p:nvSpPr>
+          <p:cNvPr id="3" name="内容占位符 2"/>
+          <p:cNvSpPr>
+            <a:spLocks noGrp="1"/>
+          </p:cNvSpPr>
+          <p:nvPr>
+            <p:ph sz="quarter" idx="1"/>
+          </p:nvPr>
+        </p:nvSpPr>
+        <p:spPr/>
+        <p:txBody>
+          <a:bodyPr/>
+          <a:lstStyle/>
+          <a:p>
+            <a:endParaRPr lang="zh-CN" altLang="en-US" dirty="0"/>
+          </a:p>
+        </p:txBody>
+      </p:sp>
+      <p:pic>
+        <p:nvPicPr>
+          <p:cNvPr id="6146" name="Picture 2"/>
+          <p:cNvPicPr>
+            <a:picLocks noChangeAspect="1" noChangeArrowheads="1"/>
+          </p:cNvPicPr>
+          <p:nvPr/>
+        </p:nvPicPr>
+        <p:blipFill>
+          <a:blip r:embed="rId2">
+            <a:extLst>
+              <a:ext uri="{28A0092B-C50C-407E-A947-70E740481C1C}">
+                <a14:useLocalDpi xmlns:a14="http://schemas.microsoft.com/office/drawing/2010/main" val="0"/>
+              </a:ext>
+            </a:extLst>
+          </a:blip>
+          <a:srcRect/>
+          <a:stretch>
+            <a:fillRect/>
+          </a:stretch>
+        </p:blipFill>
+        <p:spPr bwMode="auto">
+          <a:xfrm>
+            <a:off x="350305" y="2114197"/>
+            <a:ext cx="2000250" cy="2105025"/>
+          </a:xfrm>
+          <a:prstGeom prst="rect">
+            <a:avLst/>
+          </a:prstGeom>
+          <a:noFill/>
+          <a:ln>
+            <a:noFill/>
+          </a:ln>
+          <a:extLst>
+            <a:ext uri="{909E8E84-426E-40DD-AFC4-6F175D3DCCD1}">
+              <a14:hiddenFill xmlns:a14="http://schemas.microsoft.com/office/drawing/2010/main">
+                <a:solidFill>
+                  <a:schemeClr val="accent1"/>
+                </a:solidFill>
+              </a14:hiddenFill>
+            </a:ext>
+            <a:ext uri="{91240B29-F687-4F45-9708-019B960494DF}">
+              <a14:hiddenLine xmlns:a14="http://schemas.microsoft.com/office/drawing/2010/main" w="9525">
+                <a:solidFill>
+                  <a:schemeClr val="tx1"/>
+                </a:solidFill>
+                <a:miter lim="800000"/>
+                <a:headEnd/>
+                <a:tailEnd/>
+              </a14:hiddenLine>
+            </a:ext>
+          </a:extLst>
+        </p:spPr>
+      </p:pic>
+      <p:pic>
+        <p:nvPicPr>
+          <p:cNvPr id="6149" name="Picture 5"/>
+          <p:cNvPicPr>
+            <a:picLocks noChangeAspect="1" noChangeArrowheads="1"/>
+          </p:cNvPicPr>
+          <p:nvPr/>
+        </p:nvPicPr>
+        <p:blipFill>
+          <a:blip r:embed="rId3">
+            <a:extLst>
+              <a:ext uri="{28A0092B-C50C-407E-A947-70E740481C1C}">
+                <a14:useLocalDpi xmlns:a14="http://schemas.microsoft.com/office/drawing/2010/main" val="0"/>
+              </a:ext>
+            </a:extLst>
+          </a:blip>
+          <a:srcRect/>
+          <a:stretch>
+            <a:fillRect/>
+          </a:stretch>
+        </p:blipFill>
+        <p:spPr bwMode="auto">
+          <a:xfrm>
+            <a:off x="2851677" y="1689277"/>
+            <a:ext cx="4448175" cy="1876425"/>
+          </a:xfrm>
+          <a:prstGeom prst="rect">
+            <a:avLst/>
+          </a:prstGeom>
+          <a:noFill/>
+          <a:ln>
+            <a:noFill/>
+          </a:ln>
+          <a:extLst>
+            <a:ext uri="{909E8E84-426E-40DD-AFC4-6F175D3DCCD1}">
+              <a14:hiddenFill xmlns:a14="http://schemas.microsoft.com/office/drawing/2010/main">
+                <a:solidFill>
+                  <a:schemeClr val="accent1"/>
+                </a:solidFill>
+              </a14:hiddenFill>
+            </a:ext>
+            <a:ext uri="{91240B29-F687-4F45-9708-019B960494DF}">
+              <a14:hiddenLine xmlns:a14="http://schemas.microsoft.com/office/drawing/2010/main" w="9525">
+                <a:solidFill>
+                  <a:schemeClr val="tx1"/>
+                </a:solidFill>
+                <a:miter lim="800000"/>
+                <a:headEnd/>
+                <a:tailEnd/>
+              </a14:hiddenLine>
+            </a:ext>
+          </a:extLst>
+        </p:spPr>
+      </p:pic>
+      <p:pic>
+        <p:nvPicPr>
+          <p:cNvPr id="6150" name="Picture 6"/>
+          <p:cNvPicPr>
+            <a:picLocks noChangeAspect="1" noChangeArrowheads="1"/>
+          </p:cNvPicPr>
+          <p:nvPr/>
+        </p:nvPicPr>
+        <p:blipFill>
+          <a:blip r:embed="rId4">
+            <a:extLst>
+              <a:ext uri="{28A0092B-C50C-407E-A947-70E740481C1C}">
+                <a14:useLocalDpi xmlns:a14="http://schemas.microsoft.com/office/drawing/2010/main" val="0"/>
+              </a:ext>
+            </a:extLst>
+          </a:blip>
+          <a:srcRect/>
+          <a:stretch>
+            <a:fillRect/>
+          </a:stretch>
+        </p:blipFill>
+        <p:spPr bwMode="auto">
+          <a:xfrm>
+            <a:off x="2851676" y="3687057"/>
+            <a:ext cx="5133975" cy="1381125"/>
+          </a:xfrm>
+          <a:prstGeom prst="rect">
+            <a:avLst/>
+          </a:prstGeom>
+          <a:noFill/>
+          <a:ln>
+            <a:noFill/>
+          </a:ln>
+          <a:extLst>
+            <a:ext uri="{909E8E84-426E-40DD-AFC4-6F175D3DCCD1}">
+              <a14:hiddenFill xmlns:a14="http://schemas.microsoft.com/office/drawing/2010/main">
+                <a:solidFill>
+                  <a:schemeClr val="accent1"/>
+                </a:solidFill>
+              </a14:hiddenFill>
+            </a:ext>
+            <a:ext uri="{91240B29-F687-4F45-9708-019B960494DF}">
+              <a14:hiddenLine xmlns:a14="http://schemas.microsoft.com/office/drawing/2010/main" w="9525">
+                <a:solidFill>
+                  <a:schemeClr val="tx1"/>
+                </a:solidFill>
+                <a:miter lim="800000"/>
+                <a:headEnd/>
+                <a:tailEnd/>
+              </a14:hiddenLine>
+            </a:ext>
+          </a:extLst>
+        </p:spPr>
+      </p:pic>
+      <p:pic>
+        <p:nvPicPr>
+          <p:cNvPr id="6151" name="Picture 7"/>
+          <p:cNvPicPr>
+            <a:picLocks noChangeAspect="1" noChangeArrowheads="1"/>
+          </p:cNvPicPr>
+          <p:nvPr/>
+        </p:nvPicPr>
+        <p:blipFill>
+          <a:blip r:embed="rId5">
+            <a:extLst>
+              <a:ext uri="{28A0092B-C50C-407E-A947-70E740481C1C}">
+                <a14:useLocalDpi xmlns:a14="http://schemas.microsoft.com/office/drawing/2010/main" val="0"/>
+              </a:ext>
+            </a:extLst>
+          </a:blip>
+          <a:srcRect/>
+          <a:stretch>
+            <a:fillRect/>
+          </a:stretch>
+        </p:blipFill>
+        <p:spPr bwMode="auto">
+          <a:xfrm>
+            <a:off x="3804177" y="5054071"/>
+            <a:ext cx="3228975" cy="400050"/>
+          </a:xfrm>
+          <a:prstGeom prst="rect">
+            <a:avLst/>
+          </a:prstGeom>
+          <a:noFill/>
+          <a:ln>
+            <a:noFill/>
+          </a:ln>
+          <a:extLst>
+            <a:ext uri="{909E8E84-426E-40DD-AFC4-6F175D3DCCD1}">
+              <a14:hiddenFill xmlns:a14="http://schemas.microsoft.com/office/drawing/2010/main">
+                <a:solidFill>
+                  <a:schemeClr val="accent1"/>
+                </a:solidFill>
+              </a14:hiddenFill>
+            </a:ext>
+            <a:ext uri="{91240B29-F687-4F45-9708-019B960494DF}">
+              <a14:hiddenLine xmlns:a14="http://schemas.microsoft.com/office/drawing/2010/main" w="9525">
+                <a:solidFill>
+                  <a:schemeClr val="tx1"/>
+                </a:solidFill>
+                <a:miter lim="800000"/>
+                <a:headEnd/>
+                <a:tailEnd/>
+              </a14:hiddenLine>
+            </a:ext>
+          </a:extLst>
+        </p:spPr>
+      </p:pic>
+      <mc:AlternateContent xmlns:mc="http://schemas.openxmlformats.org/markup-compatibility/2006">
+        <mc:Choice xmlns:a14="http://schemas.microsoft.com/office/drawing/2010/main" Requires="a14">
+          <p:sp>
+            <p:nvSpPr>
+              <p:cNvPr id="4" name="TextBox 3"/>
+              <p:cNvSpPr txBox="1"/>
+              <p:nvPr/>
+            </p:nvSpPr>
+            <p:spPr>
+              <a:xfrm>
+                <a:off x="8082844" y="1744865"/>
+                <a:ext cx="3364089" cy="2312300"/>
+              </a:xfrm>
+              <a:prstGeom prst="rect">
+                <a:avLst/>
+              </a:prstGeom>
+              <a:noFill/>
+            </p:spPr>
+            <p:txBody>
+              <a:bodyPr wrap="square" rtlCol="0">
+                <a:spAutoFit/>
+              </a:bodyPr>
+              <a:lstStyle/>
+              <a:p>
+                <a:r>
+                  <a:rPr lang="en-US" altLang="zh-CN" dirty="0" smtClean="0"/>
+                  <a:t>Given a graph G = (V, E), edge weights </a:t>
+                </a:r>
+                <a14:m>
+                  <m:oMath xmlns:m="http://schemas.openxmlformats.org/officeDocument/2006/math">
+                    <m:sSub>
+                      <m:sSubPr>
+                        <m:ctrlPr>
+                          <a:rPr lang="en-US" altLang="zh-CN" b="0" i="1" smtClean="0">
+                            <a:latin typeface="Cambria Math"/>
+                          </a:rPr>
+                        </m:ctrlPr>
+                      </m:sSubPr>
+                      <m:e>
+                        <m:r>
+                          <a:rPr lang="en-US" altLang="zh-CN" b="0" i="1" smtClean="0">
+                            <a:latin typeface="Cambria Math"/>
+                          </a:rPr>
+                          <m:t>𝑤</m:t>
+                        </m:r>
+                      </m:e>
+                      <m:sub>
+                        <m:r>
+                          <a:rPr lang="en-US" altLang="zh-CN" b="0" i="1" smtClean="0">
+                            <a:latin typeface="Cambria Math"/>
+                          </a:rPr>
+                          <m:t>𝑒</m:t>
+                        </m:r>
+                      </m:sub>
+                    </m:sSub>
+                  </m:oMath>
+                </a14:m>
+                <a:r>
+                  <a:rPr lang="en-US" altLang="zh-CN" dirty="0" smtClean="0"/>
+                  <a:t>for </a:t>
+                </a:r>
+                <a14:m>
+                  <m:oMath xmlns:m="http://schemas.openxmlformats.org/officeDocument/2006/math">
+                    <m:r>
+                      <a:rPr lang="en-US" altLang="zh-CN" b="0" i="1" smtClean="0">
+                        <a:latin typeface="Cambria Math"/>
+                      </a:rPr>
+                      <m:t>𝑒</m:t>
+                    </m:r>
+                    <m:r>
+                      <a:rPr lang="en-US" altLang="zh-CN" b="0" i="1" smtClean="0">
+                        <a:latin typeface="Cambria Math"/>
+                      </a:rPr>
+                      <m:t>∈</m:t>
+                    </m:r>
+                    <m:r>
+                      <a:rPr lang="en-US" altLang="zh-CN" b="0" i="1" smtClean="0">
+                        <a:latin typeface="Cambria Math"/>
+                      </a:rPr>
+                      <m:t>𝐸</m:t>
+                    </m:r>
+                  </m:oMath>
+                </a14:m>
+                <a:r>
+                  <a:rPr lang="en-US" altLang="zh-CN" dirty="0" smtClean="0"/>
+                  <a:t>, </a:t>
+                </a:r>
+                <a:r>
+                  <a:rPr lang="en-US" altLang="zh-CN" dirty="0"/>
+                  <a:t>and a capacity B, the goal is to find a </a:t>
+                </a:r>
+                <a:r>
+                  <a:rPr lang="en-US" altLang="zh-CN" dirty="0" smtClean="0"/>
+                  <a:t>partition </a:t>
+                </a:r>
+                <a14:m>
+                  <m:oMath xmlns:m="http://schemas.openxmlformats.org/officeDocument/2006/math">
+                    <m:r>
+                      <a:rPr lang="en-US" altLang="zh-CN" b="0" i="1" smtClean="0">
+                        <a:latin typeface="Cambria Math"/>
+                      </a:rPr>
+                      <m:t>(</m:t>
+                    </m:r>
+                    <m:sSub>
+                      <m:sSubPr>
+                        <m:ctrlPr>
+                          <a:rPr lang="en-US" altLang="zh-CN" b="0" i="1" smtClean="0">
+                            <a:latin typeface="Cambria Math"/>
+                          </a:rPr>
+                        </m:ctrlPr>
+                      </m:sSubPr>
+                      <m:e>
+                        <m:r>
+                          <a:rPr lang="en-US" altLang="zh-CN" b="0" i="1" smtClean="0">
+                            <a:latin typeface="Cambria Math"/>
+                          </a:rPr>
+                          <m:t>𝑉</m:t>
+                        </m:r>
+                      </m:e>
+                      <m:sub>
+                        <m:r>
+                          <a:rPr lang="en-US" altLang="zh-CN" b="0" i="1" smtClean="0">
+                            <a:latin typeface="Cambria Math"/>
+                          </a:rPr>
+                          <m:t>1</m:t>
+                        </m:r>
+                      </m:sub>
+                    </m:sSub>
+                    <m:r>
+                      <a:rPr lang="en-US" altLang="zh-CN" b="0" i="1" smtClean="0">
+                        <a:latin typeface="Cambria Math"/>
+                      </a:rPr>
+                      <m:t>,</m:t>
+                    </m:r>
+                    <m:sSub>
+                      <m:sSubPr>
+                        <m:ctrlPr>
+                          <a:rPr lang="en-US" altLang="zh-CN" b="0" i="1" smtClean="0">
+                            <a:latin typeface="Cambria Math"/>
+                          </a:rPr>
+                        </m:ctrlPr>
+                      </m:sSubPr>
+                      <m:e>
+                        <m:r>
+                          <a:rPr lang="en-US" altLang="zh-CN" b="0" i="1" smtClean="0">
+                            <a:latin typeface="Cambria Math"/>
+                          </a:rPr>
+                          <m:t>𝑉</m:t>
+                        </m:r>
+                      </m:e>
+                      <m:sub>
+                        <m:r>
+                          <a:rPr lang="en-US" altLang="zh-CN" b="0" i="1" smtClean="0">
+                            <a:latin typeface="Cambria Math"/>
+                          </a:rPr>
+                          <m:t>2</m:t>
+                        </m:r>
+                      </m:sub>
+                    </m:sSub>
+                    <m:r>
+                      <a:rPr lang="en-US" altLang="zh-CN" b="0" i="1" smtClean="0">
+                        <a:latin typeface="Cambria Math"/>
+                      </a:rPr>
+                      <m:t>,…,</m:t>
+                    </m:r>
+                    <m:sSub>
+                      <m:sSubPr>
+                        <m:ctrlPr>
+                          <a:rPr lang="en-US" altLang="zh-CN" b="0" i="1" smtClean="0">
+                            <a:latin typeface="Cambria Math"/>
+                          </a:rPr>
+                        </m:ctrlPr>
+                      </m:sSubPr>
+                      <m:e>
+                        <m:r>
+                          <a:rPr lang="en-US" altLang="zh-CN" b="0" i="1" smtClean="0">
+                            <a:latin typeface="Cambria Math"/>
+                          </a:rPr>
+                          <m:t>𝑉</m:t>
+                        </m:r>
+                      </m:e>
+                      <m:sub>
+                        <m:r>
+                          <a:rPr lang="en-US" altLang="zh-CN" b="0" i="1" smtClean="0">
+                            <a:latin typeface="Cambria Math"/>
+                          </a:rPr>
+                          <m:t>∅</m:t>
+                        </m:r>
+                      </m:sub>
+                    </m:sSub>
+                    <m:r>
+                      <a:rPr lang="en-US" altLang="zh-CN" b="0" i="1" smtClean="0">
+                        <a:latin typeface="Cambria Math"/>
+                      </a:rPr>
+                      <m:t>)</m:t>
+                    </m:r>
+                  </m:oMath>
+                </a14:m>
+                <a:r>
+                  <a:rPr lang="en-US" altLang="zh-CN" dirty="0" smtClean="0"/>
+                  <a:t> of </a:t>
+                </a:r>
+                <a:r>
+                  <a:rPr lang="en-US" altLang="zh-CN" dirty="0"/>
+                  <a:t>V such </a:t>
+                </a:r>
+                <a:r>
+                  <a:rPr lang="en-US" altLang="zh-CN" dirty="0" smtClean="0"/>
+                  <a:t>that </a:t>
+                </a:r>
+                <a14:m>
+                  <m:oMath xmlns:m="http://schemas.openxmlformats.org/officeDocument/2006/math">
+                    <m:r>
+                      <a:rPr lang="en-US" altLang="zh-CN" b="0" i="1" smtClean="0">
+                        <a:latin typeface="Cambria Math"/>
+                      </a:rPr>
+                      <m:t>|</m:t>
+                    </m:r>
+                    <m:sSub>
+                      <m:sSubPr>
+                        <m:ctrlPr>
+                          <a:rPr lang="en-US" altLang="zh-CN" b="0" i="1" smtClean="0">
+                            <a:latin typeface="Cambria Math"/>
+                          </a:rPr>
+                        </m:ctrlPr>
+                      </m:sSubPr>
+                      <m:e>
+                        <m:r>
+                          <a:rPr lang="en-US" altLang="zh-CN" b="0" i="1" smtClean="0">
+                            <a:latin typeface="Cambria Math"/>
+                          </a:rPr>
+                          <m:t>𝑉</m:t>
+                        </m:r>
+                      </m:e>
+                      <m:sub>
+                        <m:r>
+                          <a:rPr lang="en-US" altLang="zh-CN" b="0" i="1" smtClean="0">
+                            <a:latin typeface="Cambria Math"/>
+                          </a:rPr>
+                          <m:t>𝑖</m:t>
+                        </m:r>
+                      </m:sub>
+                    </m:sSub>
+                    <m:r>
+                      <a:rPr lang="en-US" altLang="zh-CN" b="0" i="1" smtClean="0">
+                        <a:latin typeface="Cambria Math"/>
+                      </a:rPr>
+                      <m:t>|</m:t>
+                    </m:r>
+                  </m:oMath>
+                </a14:m>
+                <a:r>
+                  <a:rPr lang="en-US" altLang="zh-CN" dirty="0" smtClean="0"/>
+                  <a:t> </a:t>
+                </a:r>
+                <a:r>
+                  <a:rPr lang="en-US" altLang="zh-CN" dirty="0"/>
+                  <a:t>&lt; B </a:t>
+                </a:r>
+                <a:r>
+                  <a:rPr lang="en-US" altLang="zh-CN" dirty="0" smtClean="0"/>
+                  <a:t>for </a:t>
+                </a:r>
+                <a14:m>
+                  <m:oMath xmlns:m="http://schemas.openxmlformats.org/officeDocument/2006/math">
+                    <m:r>
+                      <a:rPr lang="en-US" altLang="zh-CN" b="0" i="1" smtClean="0">
+                        <a:latin typeface="Cambria Math"/>
+                      </a:rPr>
+                      <m:t>1≤</m:t>
+                    </m:r>
+                    <m:r>
+                      <a:rPr lang="en-US" altLang="zh-CN" b="0" i="1" smtClean="0">
+                        <a:latin typeface="Cambria Math"/>
+                      </a:rPr>
+                      <m:t>𝑖</m:t>
+                    </m:r>
+                    <m:r>
+                      <a:rPr lang="en-US" altLang="zh-CN" b="0" i="1" smtClean="0">
+                        <a:latin typeface="Cambria Math"/>
+                      </a:rPr>
+                      <m:t>≤∅</m:t>
+                    </m:r>
+                  </m:oMath>
+                </a14:m>
+                <a:r>
+                  <a:rPr lang="en-US" altLang="zh-CN" dirty="0" smtClean="0"/>
+                  <a:t>and such that </a:t>
+                </a:r>
+                <a14:m>
+                  <m:oMath xmlns:m="http://schemas.openxmlformats.org/officeDocument/2006/math">
+                    <m:nary>
+                      <m:naryPr>
+                        <m:chr m:val="∑"/>
+                        <m:supHide m:val="on"/>
+                        <m:ctrlPr>
+                          <a:rPr lang="en-US" altLang="zh-CN" i="1" smtClean="0">
+                            <a:latin typeface="Cambria Math"/>
+                          </a:rPr>
+                        </m:ctrlPr>
+                      </m:naryPr>
+                      <m:sub>
+                        <m:r>
+                          <m:rPr>
+                            <m:brk m:alnAt="7"/>
+                          </m:rPr>
+                          <a:rPr lang="en-US" altLang="zh-CN" b="0" i="1" smtClean="0">
+                            <a:latin typeface="Cambria Math"/>
+                          </a:rPr>
+                          <m:t>𝑒</m:t>
+                        </m:r>
+                        <m:r>
+                          <a:rPr lang="en-US" altLang="zh-CN" b="0" i="1" smtClean="0">
+                            <a:latin typeface="Cambria Math"/>
+                          </a:rPr>
+                          <m:t>∈</m:t>
+                        </m:r>
+                        <m:r>
+                          <m:rPr>
+                            <m:sty m:val="p"/>
+                          </m:rPr>
+                          <a:rPr lang="en-US" altLang="zh-CN" b="0" i="0" smtClean="0">
+                            <a:latin typeface="Cambria Math"/>
+                          </a:rPr>
+                          <m:t>Δ</m:t>
+                        </m:r>
+                      </m:sub>
+                      <m:sup/>
+                      <m:e>
+                        <m:sSub>
+                          <m:sSubPr>
+                            <m:ctrlPr>
+                              <a:rPr lang="en-US" altLang="zh-CN" b="0" i="1" smtClean="0">
+                                <a:latin typeface="Cambria Math"/>
+                              </a:rPr>
+                            </m:ctrlPr>
+                          </m:sSubPr>
+                          <m:e>
+                            <m:r>
+                              <a:rPr lang="en-US" altLang="zh-CN" b="0" i="1" smtClean="0">
+                                <a:latin typeface="Cambria Math"/>
+                              </a:rPr>
+                              <m:t>𝑤</m:t>
+                            </m:r>
+                          </m:e>
+                          <m:sub>
+                            <m:r>
+                              <a:rPr lang="en-US" altLang="zh-CN" b="0" i="1" smtClean="0">
+                                <a:latin typeface="Cambria Math"/>
+                              </a:rPr>
+                              <m:t>𝑒</m:t>
+                            </m:r>
+                          </m:sub>
+                        </m:sSub>
+                      </m:e>
+                    </m:nary>
+                  </m:oMath>
+                </a14:m>
+                <a:r>
+                  <a:rPr lang="en-US" altLang="zh-CN" dirty="0" smtClean="0"/>
+                  <a:t> where </a:t>
+                </a:r>
+                <a14:m>
+                  <m:oMath xmlns:m="http://schemas.openxmlformats.org/officeDocument/2006/math">
+                    <m:r>
+                      <m:rPr>
+                        <m:sty m:val="p"/>
+                      </m:rPr>
+                      <a:rPr lang="en-US" altLang="zh-CN" b="0" i="0" smtClean="0">
+                        <a:latin typeface="Cambria Math"/>
+                      </a:rPr>
+                      <m:t>Δ</m:t>
+                    </m:r>
+                  </m:oMath>
+                </a14:m>
+                <a:r>
+                  <a:rPr lang="en-US" altLang="zh-CN" dirty="0" smtClean="0"/>
+                  <a:t> is cross edges between </a:t>
+                </a:r>
+                <a:r>
+                  <a:rPr lang="en-US" altLang="zh-CN" dirty="0" err="1" smtClean="0"/>
+                  <a:t>partitons</a:t>
+                </a:r>
+                <a:endParaRPr lang="en-US" altLang="zh-CN" dirty="0"/>
+              </a:p>
+              <a:p>
+                <a:endParaRPr lang="zh-CN" altLang="en-US" dirty="0"/>
+              </a:p>
+            </p:txBody>
+          </p:sp>
+        </mc:Choice>
+        <mc:Fallback>
+          <p:sp>
+            <p:nvSpPr>
+              <p:cNvPr id="4" name="TextBox 3"/>
+              <p:cNvSpPr txBox="1">
+                <a:spLocks noRot="1" noChangeAspect="1" noMove="1" noResize="1" noEditPoints="1" noAdjustHandles="1" noChangeArrowheads="1" noChangeShapeType="1" noTextEdit="1"/>
+              </p:cNvSpPr>
+              <p:nvPr/>
+            </p:nvSpPr>
+            <p:spPr>
+              <a:xfrm>
+                <a:off x="8082844" y="1744865"/>
+                <a:ext cx="3364089" cy="2312300"/>
+              </a:xfrm>
+              <a:prstGeom prst="rect">
+                <a:avLst/>
+              </a:prstGeom>
+              <a:blipFill rotWithShape="1">
+                <a:blip r:embed="rId6"/>
+                <a:stretch>
+                  <a:fillRect l="-1630" t="-1316" r="-181" b="-5000"/>
+                </a:stretch>
+              </a:blipFill>
+            </p:spPr>
+            <p:txBody>
+              <a:bodyPr/>
+              <a:lstStyle/>
+              <a:p>
+                <a:r>
+                  <a:rPr lang="zh-CN" altLang="en-US">
+                    <a:noFill/>
+                  </a:rPr>
+                  <a:t> </a:t>
+                </a:r>
+              </a:p>
+            </p:txBody>
+          </p:sp>
+        </mc:Fallback>
+      </mc:AlternateContent>
+    </p:spTree>
+    <p:extLst>
+      <p:ext uri="{BB962C8B-B14F-4D97-AF65-F5344CB8AC3E}">
+        <p14:creationId xmlns:p14="http://schemas.microsoft.com/office/powerpoint/2010/main" val="2282601336"/>
+      </p:ext>
+    </p:extLst>
+  </p:cSld>
+  <p:clrMapOvr>
+    <a:masterClrMapping/>
+  </p:clrMapOvr>
+  <p:timing>
+    <p:tnLst>
+      <p:par>
+        <p:cTn id="1" dur="indefinite" restart="never" nodeType="tmRoot"/>
+      </p:par>
+    </p:tnLst>
+  </p:timing>
+</p:sld>
+</file>
+
+<file path=ppt/slides/slide43.xml><?xml version="1.0" encoding="utf-8"?>
+<p:sld xmlns:a="http://schemas.openxmlformats.org/drawingml/2006/main" xmlns:r="http://schemas.openxmlformats.org/officeDocument/2006/relationships" xmlns:p="http://schemas.openxmlformats.org/presentationml/2006/main">
+  <p:cSld>
+    <p:spTree>
+      <p:nvGrpSpPr>
+        <p:cNvPr id="1" name=""/>
+        <p:cNvGrpSpPr/>
+        <p:nvPr/>
+      </p:nvGrpSpPr>
+      <p:grpSpPr>
+        <a:xfrm>
+          <a:off x="0" y="0"/>
+          <a:ext cx="0" cy="0"/>
+          <a:chOff x="0" y="0"/>
+          <a:chExt cx="0" cy="0"/>
+        </a:xfrm>
+      </p:grpSpPr>
+      <p:sp>
+        <p:nvSpPr>
+          <p:cNvPr id="2" name="标题 1"/>
+          <p:cNvSpPr>
+            <a:spLocks noGrp="1"/>
+          </p:cNvSpPr>
+          <p:nvPr>
+            <p:ph type="title"/>
+          </p:nvPr>
+        </p:nvSpPr>
+        <p:spPr/>
+        <p:txBody>
+          <a:bodyPr/>
+          <a:lstStyle/>
+          <a:p>
+            <a:pPr algn="ctr"/>
+            <a:r>
+              <a:rPr lang="en-US" altLang="zh-CN" dirty="0" smtClean="0"/>
               <a:t>Motif Discovery[5]</a:t>
             </a:r>
             <a:endParaRPr lang="zh-CN" altLang="en-US" dirty="0"/>
@@ -25007,7 +27806,7 @@
 </p:sld>
 </file>
 
-<file path=ppt/slides/slide39.xml><?xml version="1.0" encoding="utf-8"?>
+<file path=ppt/slides/slide44.xml><?xml version="1.0" encoding="utf-8"?>
 <p:sld xmlns:a="http://schemas.openxmlformats.org/drawingml/2006/main" xmlns:r="http://schemas.openxmlformats.org/officeDocument/2006/relationships" xmlns:p="http://schemas.openxmlformats.org/presentationml/2006/main">
   <p:cSld>
     <p:spTree>
@@ -25227,157 +28026,7 @@
 </p:sld>
 </file>
 
-<file path=ppt/slides/slide4.xml><?xml version="1.0" encoding="utf-8"?>
-<p:sld xmlns:a="http://schemas.openxmlformats.org/drawingml/2006/main" xmlns:r="http://schemas.openxmlformats.org/officeDocument/2006/relationships" xmlns:p="http://schemas.openxmlformats.org/presentationml/2006/main">
-  <p:cSld>
-    <p:spTree>
-      <p:nvGrpSpPr>
-        <p:cNvPr id="1" name=""/>
-        <p:cNvGrpSpPr/>
-        <p:nvPr/>
-      </p:nvGrpSpPr>
-      <p:grpSpPr>
-        <a:xfrm>
-          <a:off x="0" y="0"/>
-          <a:ext cx="0" cy="0"/>
-          <a:chOff x="0" y="0"/>
-          <a:chExt cx="0" cy="0"/>
-        </a:xfrm>
-      </p:grpSpPr>
-      <p:sp>
-        <p:nvSpPr>
-          <p:cNvPr id="2" name="Title 1"/>
-          <p:cNvSpPr>
-            <a:spLocks noGrp="1"/>
-          </p:cNvSpPr>
-          <p:nvPr>
-            <p:ph type="title"/>
-          </p:nvPr>
-        </p:nvSpPr>
-        <p:spPr/>
-        <p:txBody>
-          <a:bodyPr/>
-          <a:lstStyle/>
-          <a:p>
-            <a:pPr algn="ctr"/>
-            <a:r>
-              <a:rPr lang="en-US" dirty="0" smtClean="0"/>
-              <a:t>Time Series Data Mining(TSDM)</a:t>
-            </a:r>
-            <a:endParaRPr lang="en-US" dirty="0"/>
-          </a:p>
-        </p:txBody>
-      </p:sp>
-      <p:sp>
-        <p:nvSpPr>
-          <p:cNvPr id="3" name="Content Placeholder 2"/>
-          <p:cNvSpPr>
-            <a:spLocks noGrp="1"/>
-          </p:cNvSpPr>
-          <p:nvPr>
-            <p:ph sz="quarter" idx="1"/>
-          </p:nvPr>
-        </p:nvSpPr>
-        <p:spPr>
-          <a:xfrm>
-            <a:off x="2589212" y="2133603"/>
-            <a:ext cx="8915400" cy="4500113"/>
-          </a:xfrm>
-        </p:spPr>
-        <p:txBody>
-          <a:bodyPr>
-            <a:normAutofit/>
-          </a:bodyPr>
-          <a:lstStyle/>
-          <a:p>
-            <a:r>
-              <a:rPr lang="en-US" dirty="0"/>
-              <a:t>Segmentation</a:t>
-            </a:r>
-          </a:p>
-          <a:p>
-            <a:r>
-              <a:rPr lang="en-US" altLang="zh-CN" dirty="0" smtClean="0"/>
-              <a:t>Forecasting</a:t>
-            </a:r>
-            <a:endParaRPr lang="en-US" dirty="0"/>
-          </a:p>
-          <a:p>
-            <a:r>
-              <a:rPr lang="en-US" dirty="0" smtClean="0"/>
-              <a:t>Prediction</a:t>
-            </a:r>
-          </a:p>
-          <a:p>
-            <a:r>
-              <a:rPr lang="en-US" altLang="zh-CN" dirty="0" smtClean="0"/>
-              <a:t>Query </a:t>
-            </a:r>
-            <a:r>
-              <a:rPr lang="en-US" altLang="zh-CN" dirty="0"/>
-              <a:t>by </a:t>
-            </a:r>
-            <a:r>
-              <a:rPr lang="en-US" altLang="zh-CN" dirty="0" smtClean="0"/>
-              <a:t>content</a:t>
-            </a:r>
-          </a:p>
-          <a:p>
-            <a:r>
-              <a:rPr lang="en-US" altLang="zh-CN" dirty="0" smtClean="0"/>
-              <a:t>Frequent Subsequence Mining</a:t>
-            </a:r>
-            <a:endParaRPr lang="en-US" altLang="zh-CN" dirty="0"/>
-          </a:p>
-          <a:p>
-            <a:r>
-              <a:rPr lang="en-US" altLang="zh-CN" dirty="0"/>
-              <a:t>Motif </a:t>
-            </a:r>
-            <a:r>
-              <a:rPr lang="en-US" altLang="zh-CN" dirty="0" smtClean="0"/>
-              <a:t>Discovery</a:t>
-            </a:r>
-            <a:endParaRPr lang="en-US" dirty="0" smtClean="0"/>
-          </a:p>
-          <a:p>
-            <a:r>
-              <a:rPr lang="en-US" dirty="0" smtClean="0"/>
-              <a:t>Clustering</a:t>
-            </a:r>
-          </a:p>
-          <a:p>
-            <a:r>
-              <a:rPr lang="en-US" dirty="0" smtClean="0"/>
-              <a:t>Classification</a:t>
-            </a:r>
-          </a:p>
-          <a:p>
-            <a:endParaRPr lang="en-US" dirty="0"/>
-          </a:p>
-        </p:txBody>
-      </p:sp>
-    </p:spTree>
-    <p:extLst>
-      <p:ext uri="{BB962C8B-B14F-4D97-AF65-F5344CB8AC3E}">
-        <p14:creationId xmlns:p14="http://schemas.microsoft.com/office/powerpoint/2010/main" val="2706556476"/>
-      </p:ext>
-    </p:extLst>
-  </p:cSld>
-  <p:clrMapOvr>
-    <a:masterClrMapping/>
-  </p:clrMapOvr>
-  <p:timing>
-    <p:tnLst>
-      <p:par>
-        <p:cTn id="1" dur="indefinite" restart="never" nodeType="tmRoot"/>
-      </p:par>
-    </p:tnLst>
-  </p:timing>
-</p:sld>
-</file>
-
-<file path=ppt/slides/slide40.xml><?xml version="1.0" encoding="utf-8"?>
+<file path=ppt/slides/slide45.xml><?xml version="1.0" encoding="utf-8"?>
 <p:sld xmlns:a="http://schemas.openxmlformats.org/drawingml/2006/main" xmlns:r="http://schemas.openxmlformats.org/officeDocument/2006/relationships" xmlns:p="http://schemas.openxmlformats.org/presentationml/2006/main">
   <p:cSld>
     <p:spTree>
@@ -25764,7 +28413,7 @@
 </p:sld>
 </file>
 
-<file path=ppt/slides/slide41.xml><?xml version="1.0" encoding="utf-8"?>
+<file path=ppt/slides/slide46.xml><?xml version="1.0" encoding="utf-8"?>
 <p:sld xmlns:a="http://schemas.openxmlformats.org/drawingml/2006/main" xmlns:r="http://schemas.openxmlformats.org/officeDocument/2006/relationships" xmlns:p="http://schemas.openxmlformats.org/presentationml/2006/main">
   <p:cSld>
     <p:spTree>
@@ -26205,7 +28854,7 @@
 </p:sld>
 </file>
 
-<file path=ppt/slides/slide42.xml><?xml version="1.0" encoding="utf-8"?>
+<file path=ppt/slides/slide47.xml><?xml version="1.0" encoding="utf-8"?>
 <p:sld xmlns:a="http://schemas.openxmlformats.org/drawingml/2006/main" xmlns:r="http://schemas.openxmlformats.org/officeDocument/2006/relationships" xmlns:p="http://schemas.openxmlformats.org/presentationml/2006/main">
   <p:cSld>
     <p:spTree>
@@ -26458,7 +29107,7 @@
 </p:sld>
 </file>
 
-<file path=ppt/slides/slide43.xml><?xml version="1.0" encoding="utf-8"?>
+<file path=ppt/slides/slide48.xml><?xml version="1.0" encoding="utf-8"?>
 <p:sld xmlns:a="http://schemas.openxmlformats.org/drawingml/2006/main" xmlns:r="http://schemas.openxmlformats.org/officeDocument/2006/relationships" xmlns:p="http://schemas.openxmlformats.org/presentationml/2006/main">
   <p:cSld>
     <p:spTree>
@@ -26701,1014 +29350,6 @@
 </p:sld>
 </file>
 
-<file path=ppt/slides/slide44.xml><?xml version="1.0" encoding="utf-8"?>
-<p:sld xmlns:a="http://schemas.openxmlformats.org/drawingml/2006/main" xmlns:r="http://schemas.openxmlformats.org/officeDocument/2006/relationships" xmlns:p="http://schemas.openxmlformats.org/presentationml/2006/main">
-  <p:cSld>
-    <p:spTree>
-      <p:nvGrpSpPr>
-        <p:cNvPr id="1" name=""/>
-        <p:cNvGrpSpPr/>
-        <p:nvPr/>
-      </p:nvGrpSpPr>
-      <p:grpSpPr>
-        <a:xfrm>
-          <a:off x="0" y="0"/>
-          <a:ext cx="0" cy="0"/>
-          <a:chOff x="0" y="0"/>
-          <a:chExt cx="0" cy="0"/>
-        </a:xfrm>
-      </p:grpSpPr>
-      <p:sp>
-        <p:nvSpPr>
-          <p:cNvPr id="2" name="Title 1"/>
-          <p:cNvSpPr>
-            <a:spLocks noGrp="1"/>
-          </p:cNvSpPr>
-          <p:nvPr>
-            <p:ph type="title"/>
-          </p:nvPr>
-        </p:nvSpPr>
-        <p:spPr/>
-        <p:txBody>
-          <a:bodyPr/>
-          <a:lstStyle/>
-          <a:p>
-            <a:pPr algn="ctr"/>
-            <a:r>
-              <a:rPr lang="en-US" dirty="0" smtClean="0"/>
-              <a:t>Clustering</a:t>
-            </a:r>
-            <a:endParaRPr lang="en-US" dirty="0"/>
-          </a:p>
-        </p:txBody>
-      </p:sp>
-      <p:sp>
-        <p:nvSpPr>
-          <p:cNvPr id="3" name="Content Placeholder 2"/>
-          <p:cNvSpPr>
-            <a:spLocks noGrp="1"/>
-          </p:cNvSpPr>
-          <p:nvPr>
-            <p:ph sz="quarter" idx="1"/>
-          </p:nvPr>
-        </p:nvSpPr>
-        <p:spPr>
-          <a:xfrm>
-            <a:off x="632178" y="1443487"/>
-            <a:ext cx="10872434" cy="5147094"/>
-          </a:xfrm>
-        </p:spPr>
-        <p:txBody>
-          <a:bodyPr>
-            <a:normAutofit fontScale="77500" lnSpcReduction="20000"/>
-          </a:bodyPr>
-          <a:lstStyle/>
-          <a:p>
-            <a:r>
-              <a:rPr lang="en-US" dirty="0" smtClean="0"/>
-              <a:t>Find </a:t>
-            </a:r>
-            <a:r>
-              <a:rPr lang="en-US" dirty="0"/>
-              <a:t>natural groupings of the time series in database DB under some similarity/dissimilarity measure D(Q,C</a:t>
-            </a:r>
-            <a:r>
-              <a:rPr lang="en-US" dirty="0" smtClean="0"/>
-              <a:t>).</a:t>
-            </a:r>
-          </a:p>
-          <a:p>
-            <a:r>
-              <a:rPr lang="en-US" dirty="0"/>
-              <a:t>Three time series clustering approaches: </a:t>
-            </a:r>
-            <a:endParaRPr lang="en-US" dirty="0" smtClean="0"/>
-          </a:p>
-          <a:p>
-            <a:pPr lvl="1"/>
-            <a:r>
-              <a:rPr lang="en-US" dirty="0" smtClean="0"/>
-              <a:t>raw-data-based</a:t>
-            </a:r>
-            <a:endParaRPr lang="en-US" dirty="0"/>
-          </a:p>
-          <a:p>
-            <a:pPr lvl="1"/>
-            <a:r>
-              <a:rPr lang="en-US" dirty="0" smtClean="0"/>
-              <a:t>feature-based</a:t>
-            </a:r>
-            <a:endParaRPr lang="en-US" dirty="0"/>
-          </a:p>
-          <a:p>
-            <a:pPr lvl="1"/>
-            <a:r>
-              <a:rPr lang="en-US" dirty="0" smtClean="0"/>
-              <a:t>model-based</a:t>
-            </a:r>
-          </a:p>
-          <a:p>
-            <a:r>
-              <a:rPr lang="en-US" dirty="0" smtClean="0"/>
-              <a:t>General </a:t>
-            </a:r>
-            <a:r>
-              <a:rPr lang="en-US" dirty="0"/>
-              <a:t>c</a:t>
-            </a:r>
-            <a:r>
-              <a:rPr lang="en-US" dirty="0" smtClean="0"/>
-              <a:t>lustering methods</a:t>
-            </a:r>
-          </a:p>
-          <a:p>
-            <a:pPr lvl="1"/>
-            <a:r>
-              <a:rPr lang="en-US" dirty="0" smtClean="0"/>
-              <a:t>K-means, c-means</a:t>
-            </a:r>
-          </a:p>
-          <a:p>
-            <a:pPr lvl="1"/>
-            <a:r>
-              <a:rPr lang="en-US" dirty="0"/>
-              <a:t>H</a:t>
-            </a:r>
-            <a:r>
-              <a:rPr lang="en-US" dirty="0" smtClean="0"/>
-              <a:t>ierarchical clustering</a:t>
-            </a:r>
-          </a:p>
-          <a:p>
-            <a:pPr lvl="1"/>
-            <a:r>
-              <a:rPr lang="en-US" dirty="0" smtClean="0"/>
-              <a:t>Neural networks</a:t>
-            </a:r>
-          </a:p>
-          <a:p>
-            <a:r>
-              <a:rPr lang="en-US" dirty="0"/>
-              <a:t>Similarity/distance </a:t>
-            </a:r>
-            <a:r>
-              <a:rPr lang="en-US" dirty="0" smtClean="0"/>
-              <a:t>measures</a:t>
-            </a:r>
-          </a:p>
-          <a:p>
-            <a:pPr lvl="1"/>
-            <a:r>
-              <a:rPr lang="en-US" dirty="0" smtClean="0"/>
-              <a:t>L p distance</a:t>
-            </a:r>
-          </a:p>
-          <a:p>
-            <a:pPr lvl="1"/>
-            <a:r>
-              <a:rPr lang="en-US" dirty="0"/>
-              <a:t>Pearson’s </a:t>
-            </a:r>
-            <a:r>
-              <a:rPr lang="en-US" dirty="0" smtClean="0"/>
-              <a:t>correlation</a:t>
-            </a:r>
-          </a:p>
-          <a:p>
-            <a:pPr lvl="1"/>
-            <a:r>
-              <a:rPr lang="en-US" dirty="0"/>
-              <a:t>Short time series </a:t>
-            </a:r>
-            <a:r>
-              <a:rPr lang="en-US" dirty="0" smtClean="0"/>
-              <a:t>distance</a:t>
-            </a:r>
-          </a:p>
-          <a:p>
-            <a:pPr lvl="1"/>
-            <a:r>
-              <a:rPr lang="en-US" dirty="0"/>
-              <a:t>Dynamic time warping </a:t>
-            </a:r>
-            <a:r>
-              <a:rPr lang="en-US" dirty="0" smtClean="0"/>
-              <a:t>distance</a:t>
-            </a:r>
-          </a:p>
-          <a:p>
-            <a:pPr lvl="1"/>
-            <a:r>
-              <a:rPr lang="en-US" dirty="0" err="1"/>
-              <a:t>Kullback</a:t>
-            </a:r>
-            <a:r>
-              <a:rPr lang="en-US" dirty="0"/>
-              <a:t>–</a:t>
-            </a:r>
-            <a:r>
-              <a:rPr lang="en-US" dirty="0" err="1"/>
-              <a:t>Liebler</a:t>
-            </a:r>
-            <a:r>
-              <a:rPr lang="en-US" dirty="0"/>
-              <a:t> </a:t>
-            </a:r>
-            <a:r>
-              <a:rPr lang="en-US" dirty="0" smtClean="0"/>
-              <a:t>distance</a:t>
-            </a:r>
-          </a:p>
-          <a:p>
-            <a:pPr lvl="1"/>
-            <a:r>
-              <a:rPr lang="en-US" i="1" dirty="0"/>
-              <a:t>Probability-based </a:t>
-            </a:r>
-            <a:r>
-              <a:rPr lang="en-US" i="1" dirty="0" smtClean="0"/>
-              <a:t>distance</a:t>
-            </a:r>
-            <a:endParaRPr lang="en-US" dirty="0"/>
-          </a:p>
-          <a:p>
-            <a:pPr marL="0" indent="0">
-              <a:buNone/>
-            </a:pPr>
-            <a:endParaRPr lang="en-US" dirty="0"/>
-          </a:p>
-        </p:txBody>
-      </p:sp>
-    </p:spTree>
-    <p:extLst>
-      <p:ext uri="{BB962C8B-B14F-4D97-AF65-F5344CB8AC3E}">
-        <p14:creationId xmlns:p14="http://schemas.microsoft.com/office/powerpoint/2010/main" val="2821398363"/>
-      </p:ext>
-    </p:extLst>
-  </p:cSld>
-  <p:clrMapOvr>
-    <a:masterClrMapping/>
-  </p:clrMapOvr>
-  <p:timing>
-    <p:tnLst>
-      <p:par>
-        <p:cTn id="1" dur="indefinite" restart="never" nodeType="tmRoot"/>
-      </p:par>
-    </p:tnLst>
-  </p:timing>
-</p:sld>
-</file>
-
-<file path=ppt/slides/slide45.xml><?xml version="1.0" encoding="utf-8"?>
-<p:sld xmlns:a="http://schemas.openxmlformats.org/drawingml/2006/main" xmlns:r="http://schemas.openxmlformats.org/officeDocument/2006/relationships" xmlns:p="http://schemas.openxmlformats.org/presentationml/2006/main">
-  <p:cSld>
-    <p:spTree>
-      <p:nvGrpSpPr>
-        <p:cNvPr id="1" name=""/>
-        <p:cNvGrpSpPr/>
-        <p:nvPr/>
-      </p:nvGrpSpPr>
-      <p:grpSpPr>
-        <a:xfrm>
-          <a:off x="0" y="0"/>
-          <a:ext cx="0" cy="0"/>
-          <a:chOff x="0" y="0"/>
-          <a:chExt cx="0" cy="0"/>
-        </a:xfrm>
-      </p:grpSpPr>
-      <p:sp>
-        <p:nvSpPr>
-          <p:cNvPr id="2" name="Title 1"/>
-          <p:cNvSpPr>
-            <a:spLocks noGrp="1"/>
-          </p:cNvSpPr>
-          <p:nvPr>
-            <p:ph type="title"/>
-          </p:nvPr>
-        </p:nvSpPr>
-        <p:spPr/>
-        <p:txBody>
-          <a:bodyPr/>
-          <a:lstStyle/>
-          <a:p>
-            <a:pPr algn="ctr"/>
-            <a:r>
-              <a:rPr lang="en-US" dirty="0" smtClean="0"/>
-              <a:t>Clustering</a:t>
-            </a:r>
-            <a:endParaRPr lang="en-US" dirty="0"/>
-          </a:p>
-        </p:txBody>
-      </p:sp>
-      <p:sp>
-        <p:nvSpPr>
-          <p:cNvPr id="3" name="Content Placeholder 2"/>
-          <p:cNvSpPr>
-            <a:spLocks noGrp="1"/>
-          </p:cNvSpPr>
-          <p:nvPr>
-            <p:ph sz="quarter" idx="1"/>
-          </p:nvPr>
-        </p:nvSpPr>
-        <p:spPr>
-          <a:xfrm>
-            <a:off x="632178" y="1443487"/>
-            <a:ext cx="10872434" cy="5147094"/>
-          </a:xfrm>
-        </p:spPr>
-        <p:txBody>
-          <a:bodyPr>
-            <a:normAutofit fontScale="77500" lnSpcReduction="20000"/>
-          </a:bodyPr>
-          <a:lstStyle/>
-          <a:p>
-            <a:r>
-              <a:rPr lang="en-US" dirty="0" smtClean="0"/>
-              <a:t>Find </a:t>
-            </a:r>
-            <a:r>
-              <a:rPr lang="en-US" dirty="0"/>
-              <a:t>natural groupings of the time series in database DB under some similarity/dissimilarity measure D(Q,C</a:t>
-            </a:r>
-            <a:r>
-              <a:rPr lang="en-US" dirty="0" smtClean="0"/>
-              <a:t>).</a:t>
-            </a:r>
-          </a:p>
-          <a:p>
-            <a:r>
-              <a:rPr lang="en-US" dirty="0"/>
-              <a:t>Three time series clustering approaches: </a:t>
-            </a:r>
-            <a:endParaRPr lang="en-US" dirty="0" smtClean="0"/>
-          </a:p>
-          <a:p>
-            <a:pPr lvl="1"/>
-            <a:r>
-              <a:rPr lang="en-US" dirty="0" smtClean="0"/>
-              <a:t>raw-data-based</a:t>
-            </a:r>
-            <a:endParaRPr lang="en-US" dirty="0"/>
-          </a:p>
-          <a:p>
-            <a:pPr lvl="1"/>
-            <a:r>
-              <a:rPr lang="en-US" dirty="0" smtClean="0"/>
-              <a:t>feature-based</a:t>
-            </a:r>
-            <a:endParaRPr lang="en-US" dirty="0"/>
-          </a:p>
-          <a:p>
-            <a:pPr lvl="1"/>
-            <a:r>
-              <a:rPr lang="en-US" dirty="0" smtClean="0"/>
-              <a:t>model-based</a:t>
-            </a:r>
-          </a:p>
-          <a:p>
-            <a:r>
-              <a:rPr lang="en-US" dirty="0" smtClean="0"/>
-              <a:t>General </a:t>
-            </a:r>
-            <a:r>
-              <a:rPr lang="en-US" dirty="0"/>
-              <a:t>c</a:t>
-            </a:r>
-            <a:r>
-              <a:rPr lang="en-US" dirty="0" smtClean="0"/>
-              <a:t>lustering methods</a:t>
-            </a:r>
-          </a:p>
-          <a:p>
-            <a:pPr lvl="1"/>
-            <a:r>
-              <a:rPr lang="en-US" dirty="0" smtClean="0"/>
-              <a:t>K-means, c-means</a:t>
-            </a:r>
-          </a:p>
-          <a:p>
-            <a:pPr lvl="1"/>
-            <a:r>
-              <a:rPr lang="en-US" dirty="0"/>
-              <a:t>H</a:t>
-            </a:r>
-            <a:r>
-              <a:rPr lang="en-US" dirty="0" smtClean="0"/>
-              <a:t>ierarchical clustering</a:t>
-            </a:r>
-          </a:p>
-          <a:p>
-            <a:pPr lvl="1"/>
-            <a:r>
-              <a:rPr lang="en-US" dirty="0" smtClean="0"/>
-              <a:t>Neural networks</a:t>
-            </a:r>
-          </a:p>
-          <a:p>
-            <a:r>
-              <a:rPr lang="en-US" dirty="0"/>
-              <a:t>Similarity/distance </a:t>
-            </a:r>
-            <a:r>
-              <a:rPr lang="en-US" dirty="0" smtClean="0"/>
-              <a:t>measures</a:t>
-            </a:r>
-          </a:p>
-          <a:p>
-            <a:pPr lvl="1"/>
-            <a:r>
-              <a:rPr lang="en-US" dirty="0" smtClean="0"/>
-              <a:t>L p distance</a:t>
-            </a:r>
-          </a:p>
-          <a:p>
-            <a:pPr lvl="1"/>
-            <a:r>
-              <a:rPr lang="en-US" dirty="0"/>
-              <a:t>Pearson’s </a:t>
-            </a:r>
-            <a:r>
-              <a:rPr lang="en-US" dirty="0" smtClean="0"/>
-              <a:t>correlation</a:t>
-            </a:r>
-          </a:p>
-          <a:p>
-            <a:pPr lvl="1"/>
-            <a:r>
-              <a:rPr lang="en-US" dirty="0"/>
-              <a:t>Short time series </a:t>
-            </a:r>
-            <a:r>
-              <a:rPr lang="en-US" dirty="0" smtClean="0"/>
-              <a:t>distance</a:t>
-            </a:r>
-          </a:p>
-          <a:p>
-            <a:pPr lvl="1"/>
-            <a:r>
-              <a:rPr lang="en-US" dirty="0"/>
-              <a:t>Dynamic time warping </a:t>
-            </a:r>
-            <a:r>
-              <a:rPr lang="en-US" dirty="0" smtClean="0"/>
-              <a:t>distance</a:t>
-            </a:r>
-          </a:p>
-          <a:p>
-            <a:pPr lvl="1"/>
-            <a:r>
-              <a:rPr lang="en-US" dirty="0" err="1"/>
-              <a:t>Kullback</a:t>
-            </a:r>
-            <a:r>
-              <a:rPr lang="en-US" dirty="0"/>
-              <a:t>–</a:t>
-            </a:r>
-            <a:r>
-              <a:rPr lang="en-US" dirty="0" err="1"/>
-              <a:t>Liebler</a:t>
-            </a:r>
-            <a:r>
-              <a:rPr lang="en-US" dirty="0"/>
-              <a:t> </a:t>
-            </a:r>
-            <a:r>
-              <a:rPr lang="en-US" dirty="0" smtClean="0"/>
-              <a:t>distance</a:t>
-            </a:r>
-          </a:p>
-          <a:p>
-            <a:pPr lvl="1"/>
-            <a:r>
-              <a:rPr lang="en-US" i="1" dirty="0"/>
-              <a:t>Probability-based </a:t>
-            </a:r>
-            <a:r>
-              <a:rPr lang="en-US" i="1" dirty="0" smtClean="0"/>
-              <a:t>distance</a:t>
-            </a:r>
-            <a:endParaRPr lang="en-US" dirty="0"/>
-          </a:p>
-          <a:p>
-            <a:pPr marL="0" indent="0">
-              <a:buNone/>
-            </a:pPr>
-            <a:endParaRPr lang="en-US" dirty="0"/>
-          </a:p>
-        </p:txBody>
-      </p:sp>
-      <p:pic>
-        <p:nvPicPr>
-          <p:cNvPr id="4" name="Picture 3"/>
-          <p:cNvPicPr>
-            <a:picLocks noChangeAspect="1"/>
-          </p:cNvPicPr>
-          <p:nvPr/>
-        </p:nvPicPr>
-        <p:blipFill>
-          <a:blip r:embed="rId2"/>
-          <a:stretch>
-            <a:fillRect/>
-          </a:stretch>
-        </p:blipFill>
-        <p:spPr>
-          <a:xfrm>
-            <a:off x="5226889" y="1762844"/>
-            <a:ext cx="6172200" cy="4629150"/>
-          </a:xfrm>
-          <a:prstGeom prst="rect">
-            <a:avLst/>
-          </a:prstGeom>
-        </p:spPr>
-      </p:pic>
-    </p:spTree>
-    <p:extLst>
-      <p:ext uri="{BB962C8B-B14F-4D97-AF65-F5344CB8AC3E}">
-        <p14:creationId xmlns:p14="http://schemas.microsoft.com/office/powerpoint/2010/main" val="1520328431"/>
-      </p:ext>
-    </p:extLst>
-  </p:cSld>
-  <p:clrMapOvr>
-    <a:masterClrMapping/>
-  </p:clrMapOvr>
-  <p:timing>
-    <p:tnLst>
-      <p:par>
-        <p:cTn id="1" dur="indefinite" restart="never" nodeType="tmRoot"/>
-      </p:par>
-    </p:tnLst>
-  </p:timing>
-</p:sld>
-</file>
-
-<file path=ppt/slides/slide46.xml><?xml version="1.0" encoding="utf-8"?>
-<p:sld xmlns:a="http://schemas.openxmlformats.org/drawingml/2006/main" xmlns:r="http://schemas.openxmlformats.org/officeDocument/2006/relationships" xmlns:p="http://schemas.openxmlformats.org/presentationml/2006/main">
-  <p:cSld>
-    <p:spTree>
-      <p:nvGrpSpPr>
-        <p:cNvPr id="1" name=""/>
-        <p:cNvGrpSpPr/>
-        <p:nvPr/>
-      </p:nvGrpSpPr>
-      <p:grpSpPr>
-        <a:xfrm>
-          <a:off x="0" y="0"/>
-          <a:ext cx="0" cy="0"/>
-          <a:chOff x="0" y="0"/>
-          <a:chExt cx="0" cy="0"/>
-        </a:xfrm>
-      </p:grpSpPr>
-      <p:sp>
-        <p:nvSpPr>
-          <p:cNvPr id="2" name="Title 1"/>
-          <p:cNvSpPr>
-            <a:spLocks noGrp="1"/>
-          </p:cNvSpPr>
-          <p:nvPr>
-            <p:ph type="title"/>
-          </p:nvPr>
-        </p:nvSpPr>
-        <p:spPr/>
-        <p:txBody>
-          <a:bodyPr/>
-          <a:lstStyle/>
-          <a:p>
-            <a:pPr algn="ctr"/>
-            <a:r>
-              <a:rPr lang="en-US" dirty="0" smtClean="0"/>
-              <a:t>Classification</a:t>
-            </a:r>
-            <a:endParaRPr lang="en-US" dirty="0"/>
-          </a:p>
-        </p:txBody>
-      </p:sp>
-      <p:sp>
-        <p:nvSpPr>
-          <p:cNvPr id="3" name="Content Placeholder 2"/>
-          <p:cNvSpPr>
-            <a:spLocks noGrp="1"/>
-          </p:cNvSpPr>
-          <p:nvPr>
-            <p:ph sz="quarter" idx="1"/>
-          </p:nvPr>
-        </p:nvSpPr>
-        <p:spPr/>
-        <p:txBody>
-          <a:bodyPr/>
-          <a:lstStyle/>
-          <a:p>
-            <a:r>
-              <a:rPr lang="en-US" dirty="0"/>
-              <a:t>Given an unlabeled time series Q, assign it to one of two or more predefined </a:t>
-            </a:r>
-            <a:r>
-              <a:rPr lang="en-US" dirty="0" smtClean="0"/>
-              <a:t>classes</a:t>
-            </a:r>
-          </a:p>
-          <a:p>
-            <a:r>
-              <a:rPr lang="en-US" dirty="0"/>
-              <a:t>Three time series clustering approaches: </a:t>
-            </a:r>
-            <a:endParaRPr lang="en-US" dirty="0" smtClean="0"/>
-          </a:p>
-          <a:p>
-            <a:pPr lvl="1"/>
-            <a:r>
-              <a:rPr lang="en-US" dirty="0" smtClean="0"/>
-              <a:t>feature-based</a:t>
-            </a:r>
-            <a:endParaRPr lang="en-US" dirty="0"/>
-          </a:p>
-          <a:p>
-            <a:pPr lvl="1"/>
-            <a:r>
-              <a:rPr lang="en-US" dirty="0"/>
-              <a:t>sequence distance </a:t>
-            </a:r>
-            <a:r>
-              <a:rPr lang="en-US" dirty="0" smtClean="0"/>
-              <a:t>based</a:t>
-            </a:r>
-          </a:p>
-          <a:p>
-            <a:pPr lvl="1"/>
-            <a:r>
-              <a:rPr lang="en-US" dirty="0" smtClean="0"/>
-              <a:t>model-based</a:t>
-            </a:r>
-            <a:endParaRPr lang="en-US" dirty="0"/>
-          </a:p>
-          <a:p>
-            <a:endParaRPr lang="en-US" dirty="0"/>
-          </a:p>
-        </p:txBody>
-      </p:sp>
-    </p:spTree>
-    <p:extLst>
-      <p:ext uri="{BB962C8B-B14F-4D97-AF65-F5344CB8AC3E}">
-        <p14:creationId xmlns:p14="http://schemas.microsoft.com/office/powerpoint/2010/main" val="3935137876"/>
-      </p:ext>
-    </p:extLst>
-  </p:cSld>
-  <p:clrMapOvr>
-    <a:masterClrMapping/>
-  </p:clrMapOvr>
-  <p:timing>
-    <p:tnLst>
-      <p:par>
-        <p:cTn id="1" dur="indefinite" restart="never" nodeType="tmRoot"/>
-      </p:par>
-    </p:tnLst>
-  </p:timing>
-</p:sld>
-</file>
-
-<file path=ppt/slides/slide47.xml><?xml version="1.0" encoding="utf-8"?>
-<p:sld xmlns:a="http://schemas.openxmlformats.org/drawingml/2006/main" xmlns:r="http://schemas.openxmlformats.org/officeDocument/2006/relationships" xmlns:p="http://schemas.openxmlformats.org/presentationml/2006/main">
-  <p:cSld>
-    <p:spTree>
-      <p:nvGrpSpPr>
-        <p:cNvPr id="1" name=""/>
-        <p:cNvGrpSpPr/>
-        <p:nvPr/>
-      </p:nvGrpSpPr>
-      <p:grpSpPr>
-        <a:xfrm>
-          <a:off x="0" y="0"/>
-          <a:ext cx="0" cy="0"/>
-          <a:chOff x="0" y="0"/>
-          <a:chExt cx="0" cy="0"/>
-        </a:xfrm>
-      </p:grpSpPr>
-      <p:sp>
-        <p:nvSpPr>
-          <p:cNvPr id="2" name="Title 1"/>
-          <p:cNvSpPr>
-            <a:spLocks noGrp="1"/>
-          </p:cNvSpPr>
-          <p:nvPr>
-            <p:ph type="title"/>
-          </p:nvPr>
-        </p:nvSpPr>
-        <p:spPr/>
-        <p:txBody>
-          <a:bodyPr/>
-          <a:lstStyle/>
-          <a:p>
-            <a:pPr algn="ctr"/>
-            <a:r>
-              <a:rPr lang="en-US" altLang="zh-CN" dirty="0" smtClean="0"/>
-              <a:t>Feature Based Classification[7]</a:t>
-            </a:r>
-            <a:endParaRPr lang="en-US" dirty="0"/>
-          </a:p>
-        </p:txBody>
-      </p:sp>
-      <p:sp>
-        <p:nvSpPr>
-          <p:cNvPr id="3" name="Content Placeholder 2"/>
-          <p:cNvSpPr>
-            <a:spLocks noGrp="1"/>
-          </p:cNvSpPr>
-          <p:nvPr>
-            <p:ph sz="quarter" idx="1"/>
-          </p:nvPr>
-        </p:nvSpPr>
-        <p:spPr/>
-        <p:txBody>
-          <a:bodyPr>
-            <a:normAutofit/>
-          </a:bodyPr>
-          <a:lstStyle/>
-          <a:p>
-            <a:r>
-              <a:rPr lang="en-US" altLang="zh-CN" dirty="0" smtClean="0"/>
-              <a:t>D</a:t>
-            </a:r>
-            <a:r>
-              <a:rPr lang="en-US" dirty="0" smtClean="0"/>
-              <a:t>iscrete symbolic:</a:t>
-            </a:r>
-          </a:p>
-          <a:p>
-            <a:pPr lvl="1"/>
-            <a:r>
-              <a:rPr lang="en-US" dirty="0"/>
-              <a:t>k-gram based </a:t>
-            </a:r>
-            <a:endParaRPr lang="en-US" dirty="0" smtClean="0"/>
-          </a:p>
-          <a:p>
-            <a:pPr lvl="1"/>
-            <a:r>
-              <a:rPr lang="en-US" dirty="0" smtClean="0"/>
-              <a:t>pattern-based (define pattern criterion)</a:t>
-            </a:r>
-          </a:p>
-          <a:p>
-            <a:pPr lvl="1"/>
-            <a:r>
-              <a:rPr lang="en-US" dirty="0"/>
-              <a:t>feature </a:t>
-            </a:r>
-            <a:r>
-              <a:rPr lang="en-US" dirty="0" smtClean="0"/>
-              <a:t>mining </a:t>
-            </a:r>
-          </a:p>
-          <a:p>
-            <a:r>
-              <a:rPr lang="en-US" dirty="0" smtClean="0"/>
-              <a:t>Real value:</a:t>
-            </a:r>
-          </a:p>
-          <a:p>
-            <a:pPr lvl="1"/>
-            <a:r>
-              <a:rPr lang="en-US" dirty="0"/>
-              <a:t>Time series </a:t>
-            </a:r>
-            <a:r>
-              <a:rPr lang="en-US" dirty="0" err="1" smtClean="0"/>
-              <a:t>shapelets</a:t>
-            </a:r>
-            <a:endParaRPr lang="en-US" dirty="0" smtClean="0"/>
-          </a:p>
-          <a:p>
-            <a:pPr lvl="1"/>
-            <a:r>
-              <a:rPr lang="en-US" dirty="0"/>
-              <a:t>wavelet </a:t>
-            </a:r>
-            <a:r>
-              <a:rPr lang="en-US" dirty="0" smtClean="0"/>
-              <a:t>decomposition</a:t>
-            </a:r>
-          </a:p>
-          <a:p>
-            <a:r>
-              <a:rPr lang="en-US" dirty="0" smtClean="0"/>
-              <a:t>Classifier:</a:t>
-            </a:r>
-          </a:p>
-          <a:p>
-            <a:pPr lvl="1"/>
-            <a:r>
-              <a:rPr lang="en-US" dirty="0" smtClean="0"/>
-              <a:t>Naive Bayes</a:t>
-            </a:r>
-          </a:p>
-          <a:p>
-            <a:pPr lvl="1"/>
-            <a:r>
-              <a:rPr lang="en-US" dirty="0" smtClean="0"/>
-              <a:t>SVM</a:t>
-            </a:r>
-          </a:p>
-          <a:p>
-            <a:pPr lvl="1"/>
-            <a:r>
-              <a:rPr lang="en-US" dirty="0" smtClean="0"/>
-              <a:t>Neural networks</a:t>
-            </a:r>
-          </a:p>
-          <a:p>
-            <a:endParaRPr lang="en-US" dirty="0"/>
-          </a:p>
-        </p:txBody>
-      </p:sp>
-    </p:spTree>
-    <p:extLst>
-      <p:ext uri="{BB962C8B-B14F-4D97-AF65-F5344CB8AC3E}">
-        <p14:creationId xmlns:p14="http://schemas.microsoft.com/office/powerpoint/2010/main" val="3743611352"/>
-      </p:ext>
-    </p:extLst>
-  </p:cSld>
-  <p:clrMapOvr>
-    <a:masterClrMapping/>
-  </p:clrMapOvr>
-  <p:timing>
-    <p:tnLst>
-      <p:par>
-        <p:cTn id="1" dur="indefinite" restart="never" nodeType="tmRoot"/>
-      </p:par>
-    </p:tnLst>
-  </p:timing>
-</p:sld>
-</file>
-
-<file path=ppt/slides/slide48.xml><?xml version="1.0" encoding="utf-8"?>
-<p:sld xmlns:a="http://schemas.openxmlformats.org/drawingml/2006/main" xmlns:r="http://schemas.openxmlformats.org/officeDocument/2006/relationships" xmlns:p="http://schemas.openxmlformats.org/presentationml/2006/main">
-  <p:cSld>
-    <p:spTree>
-      <p:nvGrpSpPr>
-        <p:cNvPr id="1" name=""/>
-        <p:cNvGrpSpPr/>
-        <p:nvPr/>
-      </p:nvGrpSpPr>
-      <p:grpSpPr>
-        <a:xfrm>
-          <a:off x="0" y="0"/>
-          <a:ext cx="0" cy="0"/>
-          <a:chOff x="0" y="0"/>
-          <a:chExt cx="0" cy="0"/>
-        </a:xfrm>
-      </p:grpSpPr>
-      <p:sp>
-        <p:nvSpPr>
-          <p:cNvPr id="2" name="Title 1"/>
-          <p:cNvSpPr>
-            <a:spLocks noGrp="1"/>
-          </p:cNvSpPr>
-          <p:nvPr>
-            <p:ph type="title"/>
-          </p:nvPr>
-        </p:nvSpPr>
-        <p:spPr/>
-        <p:txBody>
-          <a:bodyPr/>
-          <a:lstStyle/>
-          <a:p>
-            <a:pPr algn="ctr"/>
-            <a:r>
-              <a:rPr lang="en-US" dirty="0"/>
-              <a:t>Sequence Distance Based Classification</a:t>
-            </a:r>
-          </a:p>
-        </p:txBody>
-      </p:sp>
-      <p:sp>
-        <p:nvSpPr>
-          <p:cNvPr id="3" name="Content Placeholder 2"/>
-          <p:cNvSpPr>
-            <a:spLocks noGrp="1"/>
-          </p:cNvSpPr>
-          <p:nvPr>
-            <p:ph sz="quarter" idx="1"/>
-          </p:nvPr>
-        </p:nvSpPr>
-        <p:spPr/>
-        <p:txBody>
-          <a:bodyPr/>
-          <a:lstStyle/>
-          <a:p>
-            <a:r>
-              <a:rPr lang="en-US" dirty="0" smtClean="0"/>
-              <a:t>Similarity measure</a:t>
-            </a:r>
-          </a:p>
-          <a:p>
-            <a:pPr lvl="1"/>
-            <a:r>
-              <a:rPr lang="en-US" dirty="0"/>
-              <a:t>Euclidean </a:t>
-            </a:r>
-            <a:r>
-              <a:rPr lang="en-US" dirty="0" smtClean="0"/>
-              <a:t>distance</a:t>
-            </a:r>
-          </a:p>
-          <a:p>
-            <a:pPr lvl="1"/>
-            <a:r>
-              <a:rPr lang="en-US" dirty="0" smtClean="0"/>
-              <a:t>DTW/Fast DTW</a:t>
-            </a:r>
-          </a:p>
-          <a:p>
-            <a:pPr lvl="1"/>
-            <a:r>
-              <a:rPr lang="en-US" dirty="0" smtClean="0"/>
-              <a:t>Alignment </a:t>
-            </a:r>
-            <a:r>
-              <a:rPr lang="en-US" dirty="0"/>
-              <a:t>based </a:t>
-            </a:r>
-            <a:r>
-              <a:rPr lang="en-US" dirty="0" smtClean="0"/>
-              <a:t>distances for symbolic sequences</a:t>
-            </a:r>
-          </a:p>
-          <a:p>
-            <a:pPr lvl="2"/>
-            <a:r>
-              <a:rPr lang="en-US" dirty="0"/>
-              <a:t>Global alignment: </a:t>
-            </a:r>
-            <a:r>
-              <a:rPr lang="en-US" dirty="0" smtClean="0"/>
-              <a:t>Needleman-</a:t>
-            </a:r>
-            <a:r>
-              <a:rPr lang="en-US" dirty="0" err="1" smtClean="0"/>
-              <a:t>Wunsch</a:t>
-            </a:r>
-            <a:r>
-              <a:rPr lang="en-US" dirty="0" smtClean="0"/>
-              <a:t> Algorithm</a:t>
-            </a:r>
-          </a:p>
-          <a:p>
-            <a:pPr lvl="2"/>
-            <a:r>
-              <a:rPr lang="en-US" dirty="0"/>
-              <a:t>Local alignment: </a:t>
-            </a:r>
-            <a:r>
-              <a:rPr lang="en-US" dirty="0" smtClean="0"/>
-              <a:t>Smith-Waterman Algorithm, BLAST, BLAT</a:t>
-            </a:r>
-          </a:p>
-          <a:p>
-            <a:r>
-              <a:rPr lang="en-US" dirty="0" smtClean="0"/>
-              <a:t>Classifiers:</a:t>
-            </a:r>
-          </a:p>
-          <a:p>
-            <a:pPr lvl="1"/>
-            <a:r>
-              <a:rPr lang="en-US" dirty="0" smtClean="0"/>
-              <a:t>KNN</a:t>
-            </a:r>
-          </a:p>
-          <a:p>
-            <a:pPr lvl="1"/>
-            <a:r>
-              <a:rPr lang="en-US" dirty="0" smtClean="0"/>
-              <a:t>SVM with particular </a:t>
-            </a:r>
-            <a:r>
-              <a:rPr lang="en-US" dirty="0" err="1" smtClean="0"/>
-              <a:t>kenels</a:t>
-            </a:r>
-            <a:endParaRPr lang="en-US" dirty="0"/>
-          </a:p>
-        </p:txBody>
-      </p:sp>
-    </p:spTree>
-    <p:extLst>
-      <p:ext uri="{BB962C8B-B14F-4D97-AF65-F5344CB8AC3E}">
-        <p14:creationId xmlns:p14="http://schemas.microsoft.com/office/powerpoint/2010/main" val="1646845806"/>
-      </p:ext>
-    </p:extLst>
-  </p:cSld>
-  <p:clrMapOvr>
-    <a:masterClrMapping/>
-  </p:clrMapOvr>
-  <p:timing>
-    <p:tnLst>
-      <p:par>
-        <p:cTn id="1" dur="indefinite" restart="never" nodeType="tmRoot"/>
-      </p:par>
-    </p:tnLst>
-  </p:timing>
-</p:sld>
-</file>
-
 <file path=ppt/slides/slide49.xml><?xml version="1.0" encoding="utf-8"?>
 <p:sld xmlns:a="http://schemas.openxmlformats.org/drawingml/2006/main" xmlns:r="http://schemas.openxmlformats.org/officeDocument/2006/relationships" xmlns:p="http://schemas.openxmlformats.org/presentationml/2006/main">
   <p:cSld>
@@ -27744,7 +29385,7 @@
             <a:pPr algn="ctr"/>
             <a:r>
               <a:rPr lang="en-US" dirty="0" smtClean="0"/>
-              <a:t>Model Based Classification</a:t>
+              <a:t>Clustering</a:t>
             </a:r>
             <a:endParaRPr lang="en-US" dirty="0"/>
           </a:p>
@@ -27760,154 +29401,197 @@
             <p:ph sz="quarter" idx="1"/>
           </p:nvPr>
         </p:nvSpPr>
-        <p:spPr/>
+        <p:spPr>
+          <a:xfrm>
+            <a:off x="632178" y="1443487"/>
+            <a:ext cx="10872434" cy="5147094"/>
+          </a:xfrm>
+        </p:spPr>
         <p:txBody>
-          <a:bodyPr/>
+          <a:bodyPr>
+            <a:normAutofit fontScale="77500" lnSpcReduction="20000"/>
+          </a:bodyPr>
           <a:lstStyle/>
           <a:p>
             <a:r>
+              <a:rPr lang="en-US" dirty="0" smtClean="0"/>
+              <a:t>Find </a:t>
+            </a:r>
+            <a:r>
               <a:rPr lang="en-US" dirty="0"/>
-              <a:t>Assumption: sequences in a class </a:t>
+              <a:t>natural groupings of the time series in database DB under some similarity/dissimilarity measure D(Q,C</a:t>
             </a:r>
             <a:r>
               <a:rPr lang="en-US" dirty="0" smtClean="0"/>
-              <a:t>are generated </a:t>
-            </a:r>
+              <a:t>).</a:t>
+            </a:r>
+          </a:p>
+          <a:p>
             <a:r>
               <a:rPr lang="en-US" dirty="0"/>
-              <a:t>by an underlying model </a:t>
-            </a:r>
+              <a:t>Three time series clustering approaches: </a:t>
+            </a:r>
+            <a:endParaRPr lang="en-US" dirty="0" smtClean="0"/>
+          </a:p>
+          <a:p>
+            <a:pPr lvl="1"/>
             <a:r>
               <a:rPr lang="en-US" dirty="0" smtClean="0"/>
-              <a:t>M. Given </a:t>
+              <a:t>raw-data-based</a:t>
+            </a:r>
+            <a:endParaRPr lang="en-US" dirty="0"/>
+          </a:p>
+          <a:p>
+            <a:pPr lvl="1"/>
+            <a:r>
+              <a:rPr lang="en-US" dirty="0" smtClean="0"/>
+              <a:t>feature-based</a:t>
+            </a:r>
+            <a:endParaRPr lang="en-US" dirty="0"/>
+          </a:p>
+          <a:p>
+            <a:pPr lvl="1"/>
+            <a:r>
+              <a:rPr lang="en-US" dirty="0" smtClean="0"/>
+              <a:t>model-based</a:t>
+            </a:r>
+          </a:p>
+          <a:p>
+            <a:r>
+              <a:rPr lang="en-US" dirty="0" smtClean="0"/>
+              <a:t>General </a:t>
             </a:r>
             <a:r>
               <a:rPr lang="en-US" dirty="0"/>
-              <a:t>a class of </a:t>
+              <a:t>c</a:t>
             </a:r>
             <a:r>
               <a:rPr lang="en-US" dirty="0" smtClean="0"/>
-              <a:t>sequences</a:t>
-            </a:r>
+              <a:t>lustering methods</a:t>
+            </a:r>
+          </a:p>
+          <a:p>
+            <a:pPr lvl="1"/>
+            <a:r>
+              <a:rPr lang="en-US" dirty="0" smtClean="0"/>
+              <a:t>K-means, c-means</a:t>
+            </a:r>
+          </a:p>
+          <a:p>
+            <a:pPr lvl="1"/>
             <a:r>
               <a:rPr lang="en-US" dirty="0"/>
-              <a:t>, </a:t>
-            </a:r>
+              <a:t>H</a:t>
+            </a:r>
+            <a:r>
+              <a:rPr lang="en-US" dirty="0" smtClean="0"/>
+              <a:t>ierarchical clustering</a:t>
+            </a:r>
+          </a:p>
+          <a:p>
+            <a:pPr lvl="1"/>
+            <a:r>
+              <a:rPr lang="en-US" dirty="0" smtClean="0"/>
+              <a:t>Neural networks</a:t>
+            </a:r>
+          </a:p>
+          <a:p>
+            <a:r>
+              <a:rPr lang="en-US" dirty="0"/>
+              <a:t>Similarity/distance </a:t>
+            </a:r>
+            <a:r>
+              <a:rPr lang="en-US" dirty="0" smtClean="0"/>
+              <a:t>measures</a:t>
+            </a:r>
+          </a:p>
+          <a:p>
+            <a:pPr lvl="1"/>
+            <a:r>
+              <a:rPr lang="en-US" dirty="0" smtClean="0"/>
+              <a:t>L p distance</a:t>
+            </a:r>
+          </a:p>
+          <a:p>
+            <a:pPr lvl="1"/>
+            <a:r>
+              <a:rPr lang="en-US" dirty="0"/>
+              <a:t>Pearson’s </a:t>
+            </a:r>
+            <a:r>
+              <a:rPr lang="en-US" dirty="0" smtClean="0"/>
+              <a:t>correlation</a:t>
+            </a:r>
+          </a:p>
+          <a:p>
+            <a:pPr lvl="1"/>
+            <a:r>
+              <a:rPr lang="en-US" dirty="0"/>
+              <a:t>Short time series </a:t>
+            </a:r>
+            <a:r>
+              <a:rPr lang="en-US" dirty="0" smtClean="0"/>
+              <a:t>distance</a:t>
+            </a:r>
+          </a:p>
+          <a:p>
+            <a:pPr lvl="1"/>
+            <a:r>
+              <a:rPr lang="en-US" dirty="0"/>
+              <a:t>Dynamic time warping </a:t>
+            </a:r>
+            <a:r>
+              <a:rPr lang="en-US" dirty="0" smtClean="0"/>
+              <a:t>distance</a:t>
+            </a:r>
+          </a:p>
+          <a:p>
+            <a:pPr lvl="1"/>
+            <a:r>
+              <a:rPr lang="en-US" dirty="0" err="1"/>
+              <a:t>Kullback</a:t>
+            </a:r>
+            <a:r>
+              <a:rPr lang="en-US" dirty="0"/>
+              <a:t>–</a:t>
+            </a:r>
+            <a:r>
+              <a:rPr lang="en-US" dirty="0" err="1"/>
+              <a:t>Liebler</a:t>
+            </a:r>
+            <a:r>
+              <a:rPr lang="en-US" dirty="0"/>
+              <a:t> </a:t>
+            </a:r>
+            <a:r>
+              <a:rPr lang="en-US" dirty="0" smtClean="0"/>
+              <a:t>distance</a:t>
+            </a:r>
+          </a:p>
+          <a:p>
+            <a:pPr lvl="1"/>
             <a:r>
               <a:rPr lang="en-US" i="1" dirty="0"/>
-              <a:t>M </a:t>
-            </a:r>
-            <a:r>
-              <a:rPr lang="en-US" dirty="0"/>
-              <a:t>models the probability distribution of the </a:t>
-            </a:r>
-            <a:r>
-              <a:rPr lang="en-US" dirty="0" smtClean="0"/>
-              <a:t>sequences </a:t>
-            </a:r>
-            <a:r>
-              <a:rPr lang="en-US" dirty="0"/>
-              <a:t>in the </a:t>
-            </a:r>
-            <a:r>
-              <a:rPr lang="en-US" dirty="0" smtClean="0"/>
-              <a:t>class.</a:t>
-            </a:r>
-          </a:p>
-          <a:p>
-            <a:r>
-              <a:rPr lang="en-US" dirty="0" smtClean="0"/>
-              <a:t>General process</a:t>
-            </a:r>
-          </a:p>
-          <a:p>
-            <a:pPr lvl="1"/>
-            <a:r>
-              <a:rPr lang="en-US" dirty="0" smtClean="0"/>
-              <a:t>Training step: Learn parameters </a:t>
-            </a:r>
-            <a:r>
-              <a:rPr lang="en-US" dirty="0"/>
-              <a:t>for model M</a:t>
-            </a:r>
-          </a:p>
-          <a:p>
-            <a:pPr lvl="1"/>
-            <a:r>
-              <a:rPr lang="en-US" dirty="0" smtClean="0"/>
-              <a:t>classification step: Assign a </a:t>
-            </a:r>
-            <a:r>
-              <a:rPr lang="en-US" dirty="0"/>
-              <a:t>new </a:t>
-            </a:r>
-            <a:r>
-              <a:rPr lang="en-US" dirty="0" smtClean="0"/>
-              <a:t>sequence to the </a:t>
-            </a:r>
-            <a:r>
-              <a:rPr lang="en-US" dirty="0"/>
-              <a:t>class with the highest </a:t>
-            </a:r>
-            <a:r>
-              <a:rPr lang="en-US" dirty="0" smtClean="0"/>
-              <a:t>likelihood</a:t>
-            </a:r>
-            <a:r>
-              <a:rPr lang="en-US" dirty="0"/>
-              <a:t>.</a:t>
-            </a:r>
-            <a:endParaRPr lang="en-US" dirty="0" smtClean="0"/>
-          </a:p>
-          <a:p>
-            <a:r>
-              <a:rPr lang="en-US" dirty="0" smtClean="0"/>
-              <a:t>Generative models:</a:t>
-            </a:r>
-          </a:p>
-          <a:p>
-            <a:pPr lvl="1"/>
-            <a:r>
-              <a:rPr lang="en-US" dirty="0"/>
-              <a:t>Naive </a:t>
-            </a:r>
-            <a:r>
-              <a:rPr lang="en-US" dirty="0" smtClean="0"/>
-              <a:t>Bayes</a:t>
-            </a:r>
-          </a:p>
-          <a:p>
-            <a:pPr lvl="1"/>
-            <a:r>
-              <a:rPr lang="en-US" i="1" dirty="0"/>
-              <a:t>k</a:t>
-            </a:r>
-            <a:r>
-              <a:rPr lang="en-US" dirty="0"/>
-              <a:t>-order </a:t>
-            </a:r>
-            <a:r>
-              <a:rPr lang="en-US" dirty="0" smtClean="0"/>
-              <a:t>Markov</a:t>
-            </a:r>
-          </a:p>
-          <a:p>
-            <a:pPr lvl="1"/>
-            <a:r>
-              <a:rPr lang="en-US" dirty="0" smtClean="0"/>
-              <a:t>Profile </a:t>
-            </a:r>
-            <a:r>
-              <a:rPr lang="en-US" dirty="0"/>
-              <a:t>HMM</a:t>
-            </a:r>
+              <a:t>Probability-based </a:t>
+            </a:r>
+            <a:r>
+              <a:rPr lang="en-US" i="1" dirty="0" smtClean="0"/>
+              <a:t>distance</a:t>
+            </a:r>
+            <a:endParaRPr lang="en-US" dirty="0"/>
+          </a:p>
+          <a:p>
+            <a:pPr marL="0" indent="0">
+              <a:buNone/>
+            </a:pPr>
+            <a:endParaRPr lang="en-US" dirty="0"/>
           </a:p>
         </p:txBody>
       </p:sp>
     </p:spTree>
     <p:extLst>
       <p:ext uri="{BB962C8B-B14F-4D97-AF65-F5344CB8AC3E}">
-        <p14:creationId xmlns:p14="http://schemas.microsoft.com/office/powerpoint/2010/main" val="793041544"/>
+        <p14:creationId xmlns:p14="http://schemas.microsoft.com/office/powerpoint/2010/main" val="2821398363"/>
       </p:ext>
     </p:extLst>
   </p:cSld>
@@ -28065,6 +29749,971 @@
 </file>
 
 <file path=ppt/slides/slide50.xml><?xml version="1.0" encoding="utf-8"?>
+<p:sld xmlns:a="http://schemas.openxmlformats.org/drawingml/2006/main" xmlns:r="http://schemas.openxmlformats.org/officeDocument/2006/relationships" xmlns:p="http://schemas.openxmlformats.org/presentationml/2006/main">
+  <p:cSld>
+    <p:spTree>
+      <p:nvGrpSpPr>
+        <p:cNvPr id="1" name=""/>
+        <p:cNvGrpSpPr/>
+        <p:nvPr/>
+      </p:nvGrpSpPr>
+      <p:grpSpPr>
+        <a:xfrm>
+          <a:off x="0" y="0"/>
+          <a:ext cx="0" cy="0"/>
+          <a:chOff x="0" y="0"/>
+          <a:chExt cx="0" cy="0"/>
+        </a:xfrm>
+      </p:grpSpPr>
+      <p:sp>
+        <p:nvSpPr>
+          <p:cNvPr id="2" name="Title 1"/>
+          <p:cNvSpPr>
+            <a:spLocks noGrp="1"/>
+          </p:cNvSpPr>
+          <p:nvPr>
+            <p:ph type="title"/>
+          </p:nvPr>
+        </p:nvSpPr>
+        <p:spPr/>
+        <p:txBody>
+          <a:bodyPr/>
+          <a:lstStyle/>
+          <a:p>
+            <a:pPr algn="ctr"/>
+            <a:r>
+              <a:rPr lang="en-US" dirty="0" smtClean="0"/>
+              <a:t>Clustering</a:t>
+            </a:r>
+            <a:endParaRPr lang="en-US" dirty="0"/>
+          </a:p>
+        </p:txBody>
+      </p:sp>
+      <p:sp>
+        <p:nvSpPr>
+          <p:cNvPr id="3" name="Content Placeholder 2"/>
+          <p:cNvSpPr>
+            <a:spLocks noGrp="1"/>
+          </p:cNvSpPr>
+          <p:nvPr>
+            <p:ph sz="quarter" idx="1"/>
+          </p:nvPr>
+        </p:nvSpPr>
+        <p:spPr>
+          <a:xfrm>
+            <a:off x="632178" y="1443487"/>
+            <a:ext cx="10872434" cy="5147094"/>
+          </a:xfrm>
+        </p:spPr>
+        <p:txBody>
+          <a:bodyPr>
+            <a:normAutofit fontScale="77500" lnSpcReduction="20000"/>
+          </a:bodyPr>
+          <a:lstStyle/>
+          <a:p>
+            <a:r>
+              <a:rPr lang="en-US" dirty="0" smtClean="0"/>
+              <a:t>Find </a:t>
+            </a:r>
+            <a:r>
+              <a:rPr lang="en-US" dirty="0"/>
+              <a:t>natural groupings of the time series in database DB under some similarity/dissimilarity measure D(Q,C</a:t>
+            </a:r>
+            <a:r>
+              <a:rPr lang="en-US" dirty="0" smtClean="0"/>
+              <a:t>).</a:t>
+            </a:r>
+          </a:p>
+          <a:p>
+            <a:r>
+              <a:rPr lang="en-US" dirty="0"/>
+              <a:t>Three time series clustering approaches: </a:t>
+            </a:r>
+            <a:endParaRPr lang="en-US" dirty="0" smtClean="0"/>
+          </a:p>
+          <a:p>
+            <a:pPr lvl="1"/>
+            <a:r>
+              <a:rPr lang="en-US" dirty="0" smtClean="0"/>
+              <a:t>raw-data-based</a:t>
+            </a:r>
+            <a:endParaRPr lang="en-US" dirty="0"/>
+          </a:p>
+          <a:p>
+            <a:pPr lvl="1"/>
+            <a:r>
+              <a:rPr lang="en-US" dirty="0" smtClean="0"/>
+              <a:t>feature-based</a:t>
+            </a:r>
+            <a:endParaRPr lang="en-US" dirty="0"/>
+          </a:p>
+          <a:p>
+            <a:pPr lvl="1"/>
+            <a:r>
+              <a:rPr lang="en-US" dirty="0" smtClean="0"/>
+              <a:t>model-based</a:t>
+            </a:r>
+          </a:p>
+          <a:p>
+            <a:r>
+              <a:rPr lang="en-US" dirty="0" smtClean="0"/>
+              <a:t>General </a:t>
+            </a:r>
+            <a:r>
+              <a:rPr lang="en-US" dirty="0"/>
+              <a:t>c</a:t>
+            </a:r>
+            <a:r>
+              <a:rPr lang="en-US" dirty="0" smtClean="0"/>
+              <a:t>lustering methods</a:t>
+            </a:r>
+          </a:p>
+          <a:p>
+            <a:pPr lvl="1"/>
+            <a:r>
+              <a:rPr lang="en-US" dirty="0" smtClean="0"/>
+              <a:t>K-means, c-means</a:t>
+            </a:r>
+          </a:p>
+          <a:p>
+            <a:pPr lvl="1"/>
+            <a:r>
+              <a:rPr lang="en-US" dirty="0"/>
+              <a:t>H</a:t>
+            </a:r>
+            <a:r>
+              <a:rPr lang="en-US" dirty="0" smtClean="0"/>
+              <a:t>ierarchical clustering</a:t>
+            </a:r>
+          </a:p>
+          <a:p>
+            <a:pPr lvl="1"/>
+            <a:r>
+              <a:rPr lang="en-US" dirty="0" smtClean="0"/>
+              <a:t>Neural networks</a:t>
+            </a:r>
+          </a:p>
+          <a:p>
+            <a:r>
+              <a:rPr lang="en-US" dirty="0"/>
+              <a:t>Similarity/distance </a:t>
+            </a:r>
+            <a:r>
+              <a:rPr lang="en-US" dirty="0" smtClean="0"/>
+              <a:t>measures</a:t>
+            </a:r>
+          </a:p>
+          <a:p>
+            <a:pPr lvl="1"/>
+            <a:r>
+              <a:rPr lang="en-US" dirty="0" smtClean="0"/>
+              <a:t>L p distance</a:t>
+            </a:r>
+          </a:p>
+          <a:p>
+            <a:pPr lvl="1"/>
+            <a:r>
+              <a:rPr lang="en-US" dirty="0"/>
+              <a:t>Pearson’s </a:t>
+            </a:r>
+            <a:r>
+              <a:rPr lang="en-US" dirty="0" smtClean="0"/>
+              <a:t>correlation</a:t>
+            </a:r>
+          </a:p>
+          <a:p>
+            <a:pPr lvl="1"/>
+            <a:r>
+              <a:rPr lang="en-US" dirty="0"/>
+              <a:t>Short time series </a:t>
+            </a:r>
+            <a:r>
+              <a:rPr lang="en-US" dirty="0" smtClean="0"/>
+              <a:t>distance</a:t>
+            </a:r>
+          </a:p>
+          <a:p>
+            <a:pPr lvl="1"/>
+            <a:r>
+              <a:rPr lang="en-US" dirty="0"/>
+              <a:t>Dynamic time warping </a:t>
+            </a:r>
+            <a:r>
+              <a:rPr lang="en-US" dirty="0" smtClean="0"/>
+              <a:t>distance</a:t>
+            </a:r>
+          </a:p>
+          <a:p>
+            <a:pPr lvl="1"/>
+            <a:r>
+              <a:rPr lang="en-US" dirty="0" err="1"/>
+              <a:t>Kullback</a:t>
+            </a:r>
+            <a:r>
+              <a:rPr lang="en-US" dirty="0"/>
+              <a:t>–</a:t>
+            </a:r>
+            <a:r>
+              <a:rPr lang="en-US" dirty="0" err="1"/>
+              <a:t>Liebler</a:t>
+            </a:r>
+            <a:r>
+              <a:rPr lang="en-US" dirty="0"/>
+              <a:t> </a:t>
+            </a:r>
+            <a:r>
+              <a:rPr lang="en-US" dirty="0" smtClean="0"/>
+              <a:t>distance</a:t>
+            </a:r>
+          </a:p>
+          <a:p>
+            <a:pPr lvl="1"/>
+            <a:r>
+              <a:rPr lang="en-US" i="1" dirty="0"/>
+              <a:t>Probability-based </a:t>
+            </a:r>
+            <a:r>
+              <a:rPr lang="en-US" i="1" dirty="0" smtClean="0"/>
+              <a:t>distance</a:t>
+            </a:r>
+            <a:endParaRPr lang="en-US" dirty="0"/>
+          </a:p>
+          <a:p>
+            <a:pPr marL="0" indent="0">
+              <a:buNone/>
+            </a:pPr>
+            <a:endParaRPr lang="en-US" dirty="0"/>
+          </a:p>
+        </p:txBody>
+      </p:sp>
+      <p:pic>
+        <p:nvPicPr>
+          <p:cNvPr id="4" name="Picture 3"/>
+          <p:cNvPicPr>
+            <a:picLocks noChangeAspect="1"/>
+          </p:cNvPicPr>
+          <p:nvPr/>
+        </p:nvPicPr>
+        <p:blipFill>
+          <a:blip r:embed="rId2"/>
+          <a:stretch>
+            <a:fillRect/>
+          </a:stretch>
+        </p:blipFill>
+        <p:spPr>
+          <a:xfrm>
+            <a:off x="5226889" y="1762844"/>
+            <a:ext cx="6172200" cy="4629150"/>
+          </a:xfrm>
+          <a:prstGeom prst="rect">
+            <a:avLst/>
+          </a:prstGeom>
+        </p:spPr>
+      </p:pic>
+    </p:spTree>
+    <p:extLst>
+      <p:ext uri="{BB962C8B-B14F-4D97-AF65-F5344CB8AC3E}">
+        <p14:creationId xmlns:p14="http://schemas.microsoft.com/office/powerpoint/2010/main" val="1520328431"/>
+      </p:ext>
+    </p:extLst>
+  </p:cSld>
+  <p:clrMapOvr>
+    <a:masterClrMapping/>
+  </p:clrMapOvr>
+  <p:timing>
+    <p:tnLst>
+      <p:par>
+        <p:cTn id="1" dur="indefinite" restart="never" nodeType="tmRoot"/>
+      </p:par>
+    </p:tnLst>
+  </p:timing>
+</p:sld>
+</file>
+
+<file path=ppt/slides/slide51.xml><?xml version="1.0" encoding="utf-8"?>
+<p:sld xmlns:a="http://schemas.openxmlformats.org/drawingml/2006/main" xmlns:r="http://schemas.openxmlformats.org/officeDocument/2006/relationships" xmlns:p="http://schemas.openxmlformats.org/presentationml/2006/main">
+  <p:cSld>
+    <p:spTree>
+      <p:nvGrpSpPr>
+        <p:cNvPr id="1" name=""/>
+        <p:cNvGrpSpPr/>
+        <p:nvPr/>
+      </p:nvGrpSpPr>
+      <p:grpSpPr>
+        <a:xfrm>
+          <a:off x="0" y="0"/>
+          <a:ext cx="0" cy="0"/>
+          <a:chOff x="0" y="0"/>
+          <a:chExt cx="0" cy="0"/>
+        </a:xfrm>
+      </p:grpSpPr>
+      <p:sp>
+        <p:nvSpPr>
+          <p:cNvPr id="2" name="Title 1"/>
+          <p:cNvSpPr>
+            <a:spLocks noGrp="1"/>
+          </p:cNvSpPr>
+          <p:nvPr>
+            <p:ph type="title"/>
+          </p:nvPr>
+        </p:nvSpPr>
+        <p:spPr/>
+        <p:txBody>
+          <a:bodyPr/>
+          <a:lstStyle/>
+          <a:p>
+            <a:pPr algn="ctr"/>
+            <a:r>
+              <a:rPr lang="en-US" dirty="0" smtClean="0"/>
+              <a:t>Classification</a:t>
+            </a:r>
+            <a:endParaRPr lang="en-US" dirty="0"/>
+          </a:p>
+        </p:txBody>
+      </p:sp>
+      <p:sp>
+        <p:nvSpPr>
+          <p:cNvPr id="3" name="Content Placeholder 2"/>
+          <p:cNvSpPr>
+            <a:spLocks noGrp="1"/>
+          </p:cNvSpPr>
+          <p:nvPr>
+            <p:ph sz="quarter" idx="1"/>
+          </p:nvPr>
+        </p:nvSpPr>
+        <p:spPr/>
+        <p:txBody>
+          <a:bodyPr/>
+          <a:lstStyle/>
+          <a:p>
+            <a:r>
+              <a:rPr lang="en-US" dirty="0"/>
+              <a:t>Given an unlabeled time series Q, assign it to one of two or more predefined </a:t>
+            </a:r>
+            <a:r>
+              <a:rPr lang="en-US" dirty="0" smtClean="0"/>
+              <a:t>classes</a:t>
+            </a:r>
+          </a:p>
+          <a:p>
+            <a:r>
+              <a:rPr lang="en-US" dirty="0"/>
+              <a:t>Three time series clustering approaches: </a:t>
+            </a:r>
+            <a:endParaRPr lang="en-US" dirty="0" smtClean="0"/>
+          </a:p>
+          <a:p>
+            <a:pPr lvl="1"/>
+            <a:r>
+              <a:rPr lang="en-US" dirty="0" smtClean="0"/>
+              <a:t>feature-based</a:t>
+            </a:r>
+            <a:endParaRPr lang="en-US" dirty="0"/>
+          </a:p>
+          <a:p>
+            <a:pPr lvl="1"/>
+            <a:r>
+              <a:rPr lang="en-US" dirty="0"/>
+              <a:t>sequence distance </a:t>
+            </a:r>
+            <a:r>
+              <a:rPr lang="en-US" dirty="0" smtClean="0"/>
+              <a:t>based</a:t>
+            </a:r>
+          </a:p>
+          <a:p>
+            <a:pPr lvl="1"/>
+            <a:r>
+              <a:rPr lang="en-US" dirty="0" smtClean="0"/>
+              <a:t>model-based</a:t>
+            </a:r>
+            <a:endParaRPr lang="en-US" dirty="0"/>
+          </a:p>
+          <a:p>
+            <a:endParaRPr lang="en-US" dirty="0"/>
+          </a:p>
+        </p:txBody>
+      </p:sp>
+    </p:spTree>
+    <p:extLst>
+      <p:ext uri="{BB962C8B-B14F-4D97-AF65-F5344CB8AC3E}">
+        <p14:creationId xmlns:p14="http://schemas.microsoft.com/office/powerpoint/2010/main" val="3935137876"/>
+      </p:ext>
+    </p:extLst>
+  </p:cSld>
+  <p:clrMapOvr>
+    <a:masterClrMapping/>
+  </p:clrMapOvr>
+  <p:timing>
+    <p:tnLst>
+      <p:par>
+        <p:cTn id="1" dur="indefinite" restart="never" nodeType="tmRoot"/>
+      </p:par>
+    </p:tnLst>
+  </p:timing>
+</p:sld>
+</file>
+
+<file path=ppt/slides/slide52.xml><?xml version="1.0" encoding="utf-8"?>
+<p:sld xmlns:a="http://schemas.openxmlformats.org/drawingml/2006/main" xmlns:r="http://schemas.openxmlformats.org/officeDocument/2006/relationships" xmlns:p="http://schemas.openxmlformats.org/presentationml/2006/main">
+  <p:cSld>
+    <p:spTree>
+      <p:nvGrpSpPr>
+        <p:cNvPr id="1" name=""/>
+        <p:cNvGrpSpPr/>
+        <p:nvPr/>
+      </p:nvGrpSpPr>
+      <p:grpSpPr>
+        <a:xfrm>
+          <a:off x="0" y="0"/>
+          <a:ext cx="0" cy="0"/>
+          <a:chOff x="0" y="0"/>
+          <a:chExt cx="0" cy="0"/>
+        </a:xfrm>
+      </p:grpSpPr>
+      <p:sp>
+        <p:nvSpPr>
+          <p:cNvPr id="2" name="Title 1"/>
+          <p:cNvSpPr>
+            <a:spLocks noGrp="1"/>
+          </p:cNvSpPr>
+          <p:nvPr>
+            <p:ph type="title"/>
+          </p:nvPr>
+        </p:nvSpPr>
+        <p:spPr/>
+        <p:txBody>
+          <a:bodyPr/>
+          <a:lstStyle/>
+          <a:p>
+            <a:pPr algn="ctr"/>
+            <a:r>
+              <a:rPr lang="en-US" altLang="zh-CN" dirty="0" smtClean="0"/>
+              <a:t>Feature Based Classification[7]</a:t>
+            </a:r>
+            <a:endParaRPr lang="en-US" dirty="0"/>
+          </a:p>
+        </p:txBody>
+      </p:sp>
+      <p:sp>
+        <p:nvSpPr>
+          <p:cNvPr id="3" name="Content Placeholder 2"/>
+          <p:cNvSpPr>
+            <a:spLocks noGrp="1"/>
+          </p:cNvSpPr>
+          <p:nvPr>
+            <p:ph sz="quarter" idx="1"/>
+          </p:nvPr>
+        </p:nvSpPr>
+        <p:spPr/>
+        <p:txBody>
+          <a:bodyPr>
+            <a:normAutofit/>
+          </a:bodyPr>
+          <a:lstStyle/>
+          <a:p>
+            <a:r>
+              <a:rPr lang="en-US" altLang="zh-CN" dirty="0" smtClean="0"/>
+              <a:t>D</a:t>
+            </a:r>
+            <a:r>
+              <a:rPr lang="en-US" dirty="0" smtClean="0"/>
+              <a:t>iscrete symbolic:</a:t>
+            </a:r>
+          </a:p>
+          <a:p>
+            <a:pPr lvl="1"/>
+            <a:r>
+              <a:rPr lang="en-US" dirty="0"/>
+              <a:t>k-gram based </a:t>
+            </a:r>
+            <a:endParaRPr lang="en-US" dirty="0" smtClean="0"/>
+          </a:p>
+          <a:p>
+            <a:pPr lvl="1"/>
+            <a:r>
+              <a:rPr lang="en-US" dirty="0" smtClean="0"/>
+              <a:t>pattern-based (define pattern criterion)</a:t>
+            </a:r>
+          </a:p>
+          <a:p>
+            <a:pPr lvl="1"/>
+            <a:r>
+              <a:rPr lang="en-US" dirty="0"/>
+              <a:t>feature </a:t>
+            </a:r>
+            <a:r>
+              <a:rPr lang="en-US" dirty="0" smtClean="0"/>
+              <a:t>mining </a:t>
+            </a:r>
+          </a:p>
+          <a:p>
+            <a:r>
+              <a:rPr lang="en-US" dirty="0" smtClean="0"/>
+              <a:t>Real value:</a:t>
+            </a:r>
+          </a:p>
+          <a:p>
+            <a:pPr lvl="1"/>
+            <a:r>
+              <a:rPr lang="en-US" dirty="0"/>
+              <a:t>Time series </a:t>
+            </a:r>
+            <a:r>
+              <a:rPr lang="en-US" dirty="0" err="1" smtClean="0"/>
+              <a:t>shapelets</a:t>
+            </a:r>
+            <a:endParaRPr lang="en-US" dirty="0" smtClean="0"/>
+          </a:p>
+          <a:p>
+            <a:pPr lvl="1"/>
+            <a:r>
+              <a:rPr lang="en-US" dirty="0"/>
+              <a:t>wavelet </a:t>
+            </a:r>
+            <a:r>
+              <a:rPr lang="en-US" dirty="0" smtClean="0"/>
+              <a:t>decomposition</a:t>
+            </a:r>
+          </a:p>
+          <a:p>
+            <a:r>
+              <a:rPr lang="en-US" dirty="0" smtClean="0"/>
+              <a:t>Classifier:</a:t>
+            </a:r>
+          </a:p>
+          <a:p>
+            <a:pPr lvl="1"/>
+            <a:r>
+              <a:rPr lang="en-US" dirty="0" smtClean="0"/>
+              <a:t>Naive Bayes</a:t>
+            </a:r>
+          </a:p>
+          <a:p>
+            <a:pPr lvl="1"/>
+            <a:r>
+              <a:rPr lang="en-US" dirty="0" smtClean="0"/>
+              <a:t>SVM</a:t>
+            </a:r>
+          </a:p>
+          <a:p>
+            <a:pPr lvl="1"/>
+            <a:r>
+              <a:rPr lang="en-US" dirty="0" smtClean="0"/>
+              <a:t>Neural networks</a:t>
+            </a:r>
+          </a:p>
+          <a:p>
+            <a:endParaRPr lang="en-US" dirty="0"/>
+          </a:p>
+        </p:txBody>
+      </p:sp>
+    </p:spTree>
+    <p:extLst>
+      <p:ext uri="{BB962C8B-B14F-4D97-AF65-F5344CB8AC3E}">
+        <p14:creationId xmlns:p14="http://schemas.microsoft.com/office/powerpoint/2010/main" val="3743611352"/>
+      </p:ext>
+    </p:extLst>
+  </p:cSld>
+  <p:clrMapOvr>
+    <a:masterClrMapping/>
+  </p:clrMapOvr>
+  <p:timing>
+    <p:tnLst>
+      <p:par>
+        <p:cTn id="1" dur="indefinite" restart="never" nodeType="tmRoot"/>
+      </p:par>
+    </p:tnLst>
+  </p:timing>
+</p:sld>
+</file>
+
+<file path=ppt/slides/slide53.xml><?xml version="1.0" encoding="utf-8"?>
+<p:sld xmlns:a="http://schemas.openxmlformats.org/drawingml/2006/main" xmlns:r="http://schemas.openxmlformats.org/officeDocument/2006/relationships" xmlns:p="http://schemas.openxmlformats.org/presentationml/2006/main">
+  <p:cSld>
+    <p:spTree>
+      <p:nvGrpSpPr>
+        <p:cNvPr id="1" name=""/>
+        <p:cNvGrpSpPr/>
+        <p:nvPr/>
+      </p:nvGrpSpPr>
+      <p:grpSpPr>
+        <a:xfrm>
+          <a:off x="0" y="0"/>
+          <a:ext cx="0" cy="0"/>
+          <a:chOff x="0" y="0"/>
+          <a:chExt cx="0" cy="0"/>
+        </a:xfrm>
+      </p:grpSpPr>
+      <p:sp>
+        <p:nvSpPr>
+          <p:cNvPr id="2" name="Title 1"/>
+          <p:cNvSpPr>
+            <a:spLocks noGrp="1"/>
+          </p:cNvSpPr>
+          <p:nvPr>
+            <p:ph type="title"/>
+          </p:nvPr>
+        </p:nvSpPr>
+        <p:spPr/>
+        <p:txBody>
+          <a:bodyPr/>
+          <a:lstStyle/>
+          <a:p>
+            <a:pPr algn="ctr"/>
+            <a:r>
+              <a:rPr lang="en-US" dirty="0"/>
+              <a:t>Sequence Distance Based Classification</a:t>
+            </a:r>
+          </a:p>
+        </p:txBody>
+      </p:sp>
+      <p:sp>
+        <p:nvSpPr>
+          <p:cNvPr id="3" name="Content Placeholder 2"/>
+          <p:cNvSpPr>
+            <a:spLocks noGrp="1"/>
+          </p:cNvSpPr>
+          <p:nvPr>
+            <p:ph sz="quarter" idx="1"/>
+          </p:nvPr>
+        </p:nvSpPr>
+        <p:spPr/>
+        <p:txBody>
+          <a:bodyPr/>
+          <a:lstStyle/>
+          <a:p>
+            <a:r>
+              <a:rPr lang="en-US" dirty="0" smtClean="0"/>
+              <a:t>Similarity measure</a:t>
+            </a:r>
+          </a:p>
+          <a:p>
+            <a:pPr lvl="1"/>
+            <a:r>
+              <a:rPr lang="en-US" dirty="0"/>
+              <a:t>Euclidean </a:t>
+            </a:r>
+            <a:r>
+              <a:rPr lang="en-US" dirty="0" smtClean="0"/>
+              <a:t>distance</a:t>
+            </a:r>
+          </a:p>
+          <a:p>
+            <a:pPr lvl="1"/>
+            <a:r>
+              <a:rPr lang="en-US" dirty="0" smtClean="0"/>
+              <a:t>DTW/Fast DTW</a:t>
+            </a:r>
+          </a:p>
+          <a:p>
+            <a:pPr lvl="1"/>
+            <a:r>
+              <a:rPr lang="en-US" dirty="0" smtClean="0"/>
+              <a:t>Alignment </a:t>
+            </a:r>
+            <a:r>
+              <a:rPr lang="en-US" dirty="0"/>
+              <a:t>based </a:t>
+            </a:r>
+            <a:r>
+              <a:rPr lang="en-US" dirty="0" smtClean="0"/>
+              <a:t>distances for symbolic sequences</a:t>
+            </a:r>
+          </a:p>
+          <a:p>
+            <a:pPr lvl="2"/>
+            <a:r>
+              <a:rPr lang="en-US" dirty="0"/>
+              <a:t>Global alignment: </a:t>
+            </a:r>
+            <a:r>
+              <a:rPr lang="en-US" dirty="0" smtClean="0"/>
+              <a:t>Needleman-</a:t>
+            </a:r>
+            <a:r>
+              <a:rPr lang="en-US" dirty="0" err="1" smtClean="0"/>
+              <a:t>Wunsch</a:t>
+            </a:r>
+            <a:r>
+              <a:rPr lang="en-US" dirty="0" smtClean="0"/>
+              <a:t> Algorithm</a:t>
+            </a:r>
+          </a:p>
+          <a:p>
+            <a:pPr lvl="2"/>
+            <a:r>
+              <a:rPr lang="en-US" dirty="0"/>
+              <a:t>Local alignment: </a:t>
+            </a:r>
+            <a:r>
+              <a:rPr lang="en-US" dirty="0" smtClean="0"/>
+              <a:t>Smith-Waterman Algorithm, BLAST, BLAT</a:t>
+            </a:r>
+          </a:p>
+          <a:p>
+            <a:r>
+              <a:rPr lang="en-US" dirty="0" smtClean="0"/>
+              <a:t>Classifiers:</a:t>
+            </a:r>
+          </a:p>
+          <a:p>
+            <a:pPr lvl="1"/>
+            <a:r>
+              <a:rPr lang="en-US" dirty="0" smtClean="0"/>
+              <a:t>KNN</a:t>
+            </a:r>
+          </a:p>
+          <a:p>
+            <a:pPr lvl="1"/>
+            <a:r>
+              <a:rPr lang="en-US" dirty="0" smtClean="0"/>
+              <a:t>SVM with particular </a:t>
+            </a:r>
+            <a:r>
+              <a:rPr lang="en-US" dirty="0" err="1" smtClean="0"/>
+              <a:t>kenels</a:t>
+            </a:r>
+            <a:endParaRPr lang="en-US" dirty="0"/>
+          </a:p>
+        </p:txBody>
+      </p:sp>
+    </p:spTree>
+    <p:extLst>
+      <p:ext uri="{BB962C8B-B14F-4D97-AF65-F5344CB8AC3E}">
+        <p14:creationId xmlns:p14="http://schemas.microsoft.com/office/powerpoint/2010/main" val="1646845806"/>
+      </p:ext>
+    </p:extLst>
+  </p:cSld>
+  <p:clrMapOvr>
+    <a:masterClrMapping/>
+  </p:clrMapOvr>
+  <p:timing>
+    <p:tnLst>
+      <p:par>
+        <p:cTn id="1" dur="indefinite" restart="never" nodeType="tmRoot"/>
+      </p:par>
+    </p:tnLst>
+  </p:timing>
+</p:sld>
+</file>
+
+<file path=ppt/slides/slide54.xml><?xml version="1.0" encoding="utf-8"?>
+<p:sld xmlns:a="http://schemas.openxmlformats.org/drawingml/2006/main" xmlns:r="http://schemas.openxmlformats.org/officeDocument/2006/relationships" xmlns:p="http://schemas.openxmlformats.org/presentationml/2006/main">
+  <p:cSld>
+    <p:spTree>
+      <p:nvGrpSpPr>
+        <p:cNvPr id="1" name=""/>
+        <p:cNvGrpSpPr/>
+        <p:nvPr/>
+      </p:nvGrpSpPr>
+      <p:grpSpPr>
+        <a:xfrm>
+          <a:off x="0" y="0"/>
+          <a:ext cx="0" cy="0"/>
+          <a:chOff x="0" y="0"/>
+          <a:chExt cx="0" cy="0"/>
+        </a:xfrm>
+      </p:grpSpPr>
+      <p:sp>
+        <p:nvSpPr>
+          <p:cNvPr id="2" name="Title 1"/>
+          <p:cNvSpPr>
+            <a:spLocks noGrp="1"/>
+          </p:cNvSpPr>
+          <p:nvPr>
+            <p:ph type="title"/>
+          </p:nvPr>
+        </p:nvSpPr>
+        <p:spPr/>
+        <p:txBody>
+          <a:bodyPr/>
+          <a:lstStyle/>
+          <a:p>
+            <a:pPr algn="ctr"/>
+            <a:r>
+              <a:rPr lang="en-US" dirty="0" smtClean="0"/>
+              <a:t>Model Based Classification</a:t>
+            </a:r>
+            <a:endParaRPr lang="en-US" dirty="0"/>
+          </a:p>
+        </p:txBody>
+      </p:sp>
+      <p:sp>
+        <p:nvSpPr>
+          <p:cNvPr id="3" name="Content Placeholder 2"/>
+          <p:cNvSpPr>
+            <a:spLocks noGrp="1"/>
+          </p:cNvSpPr>
+          <p:nvPr>
+            <p:ph sz="quarter" idx="1"/>
+          </p:nvPr>
+        </p:nvSpPr>
+        <p:spPr/>
+        <p:txBody>
+          <a:bodyPr/>
+          <a:lstStyle/>
+          <a:p>
+            <a:r>
+              <a:rPr lang="en-US" dirty="0"/>
+              <a:t>Assumption: sequences in a class </a:t>
+            </a:r>
+            <a:r>
+              <a:rPr lang="en-US" dirty="0" smtClean="0"/>
+              <a:t>are generated </a:t>
+            </a:r>
+            <a:r>
+              <a:rPr lang="en-US" dirty="0"/>
+              <a:t>by an underlying model </a:t>
+            </a:r>
+            <a:r>
+              <a:rPr lang="en-US" dirty="0" smtClean="0"/>
+              <a:t>M. Given </a:t>
+            </a:r>
+            <a:r>
+              <a:rPr lang="en-US" dirty="0"/>
+              <a:t>a class of </a:t>
+            </a:r>
+            <a:r>
+              <a:rPr lang="en-US" dirty="0" smtClean="0"/>
+              <a:t>sequences</a:t>
+            </a:r>
+            <a:r>
+              <a:rPr lang="en-US" dirty="0"/>
+              <a:t>, </a:t>
+            </a:r>
+            <a:r>
+              <a:rPr lang="en-US" i="1" dirty="0"/>
+              <a:t>M </a:t>
+            </a:r>
+            <a:r>
+              <a:rPr lang="en-US" dirty="0"/>
+              <a:t>models the probability distribution of the </a:t>
+            </a:r>
+            <a:r>
+              <a:rPr lang="en-US" dirty="0" smtClean="0"/>
+              <a:t>sequences </a:t>
+            </a:r>
+            <a:r>
+              <a:rPr lang="en-US" dirty="0"/>
+              <a:t>in the </a:t>
+            </a:r>
+            <a:r>
+              <a:rPr lang="en-US" dirty="0" smtClean="0"/>
+              <a:t>class.</a:t>
+            </a:r>
+          </a:p>
+          <a:p>
+            <a:r>
+              <a:rPr lang="en-US" dirty="0" smtClean="0"/>
+              <a:t>General process</a:t>
+            </a:r>
+          </a:p>
+          <a:p>
+            <a:pPr lvl="1"/>
+            <a:r>
+              <a:rPr lang="en-US" dirty="0" smtClean="0"/>
+              <a:t>Training step: Learn parameters </a:t>
+            </a:r>
+            <a:r>
+              <a:rPr lang="en-US" dirty="0"/>
+              <a:t>for model M</a:t>
+            </a:r>
+          </a:p>
+          <a:p>
+            <a:pPr lvl="1"/>
+            <a:r>
+              <a:rPr lang="en-US" dirty="0" smtClean="0"/>
+              <a:t>classification step: Assign a </a:t>
+            </a:r>
+            <a:r>
+              <a:rPr lang="en-US" dirty="0"/>
+              <a:t>new </a:t>
+            </a:r>
+            <a:r>
+              <a:rPr lang="en-US" dirty="0" smtClean="0"/>
+              <a:t>sequence to the </a:t>
+            </a:r>
+            <a:r>
+              <a:rPr lang="en-US" dirty="0"/>
+              <a:t>class with the highest </a:t>
+            </a:r>
+            <a:r>
+              <a:rPr lang="en-US" dirty="0" smtClean="0"/>
+              <a:t>likelihood</a:t>
+            </a:r>
+            <a:r>
+              <a:rPr lang="en-US" dirty="0"/>
+              <a:t>.</a:t>
+            </a:r>
+            <a:endParaRPr lang="en-US" dirty="0" smtClean="0"/>
+          </a:p>
+          <a:p>
+            <a:r>
+              <a:rPr lang="en-US" dirty="0" smtClean="0"/>
+              <a:t>Generative models:</a:t>
+            </a:r>
+          </a:p>
+          <a:p>
+            <a:pPr lvl="1"/>
+            <a:r>
+              <a:rPr lang="en-US" dirty="0"/>
+              <a:t>Naive </a:t>
+            </a:r>
+            <a:r>
+              <a:rPr lang="en-US" dirty="0" smtClean="0"/>
+              <a:t>Bayes</a:t>
+            </a:r>
+          </a:p>
+          <a:p>
+            <a:pPr lvl="1"/>
+            <a:r>
+              <a:rPr lang="en-US" i="1" dirty="0"/>
+              <a:t>k</a:t>
+            </a:r>
+            <a:r>
+              <a:rPr lang="en-US" dirty="0"/>
+              <a:t>-order </a:t>
+            </a:r>
+            <a:r>
+              <a:rPr lang="en-US" dirty="0" smtClean="0"/>
+              <a:t>Markov</a:t>
+            </a:r>
+          </a:p>
+          <a:p>
+            <a:pPr lvl="1"/>
+            <a:r>
+              <a:rPr lang="en-US" dirty="0" smtClean="0"/>
+              <a:t>Profile </a:t>
+            </a:r>
+            <a:r>
+              <a:rPr lang="en-US" dirty="0"/>
+              <a:t>HMM</a:t>
+            </a:r>
+          </a:p>
+        </p:txBody>
+      </p:sp>
+    </p:spTree>
+    <p:extLst>
+      <p:ext uri="{BB962C8B-B14F-4D97-AF65-F5344CB8AC3E}">
+        <p14:creationId xmlns:p14="http://schemas.microsoft.com/office/powerpoint/2010/main" val="793041544"/>
+      </p:ext>
+    </p:extLst>
+  </p:cSld>
+  <p:clrMapOvr>
+    <a:masterClrMapping/>
+  </p:clrMapOvr>
+  <p:timing>
+    <p:tnLst>
+      <p:par>
+        <p:cTn id="1" dur="indefinite" restart="never" nodeType="tmRoot"/>
+      </p:par>
+    </p:tnLst>
+  </p:timing>
+</p:sld>
+</file>
+
+<file path=ppt/slides/slide55.xml><?xml version="1.0" encoding="utf-8"?>
 <p:sld xmlns:a="http://schemas.openxmlformats.org/drawingml/2006/main" xmlns:r="http://schemas.openxmlformats.org/officeDocument/2006/relationships" xmlns:p="http://schemas.openxmlformats.org/presentationml/2006/main">
   <p:cSld>
     <p:spTree>

--- a/slide/tsdm.pptx
+++ b/slide/tsdm.pptx
@@ -5,7 +5,7 @@
     <p:sldMasterId id="2147483782" r:id="rId1"/>
   </p:sldMasterIdLst>
   <p:notesMasterIdLst>
-    <p:notesMasterId r:id="rId57"/>
+    <p:notesMasterId r:id="rId61"/>
   </p:notesMasterIdLst>
   <p:sldIdLst>
     <p:sldId id="256" r:id="rId2"/>
@@ -41,28 +41,32 @@
     <p:sldId id="312" r:id="rId32"/>
     <p:sldId id="321" r:id="rId33"/>
     <p:sldId id="322" r:id="rId34"/>
-    <p:sldId id="323" r:id="rId35"/>
-    <p:sldId id="324" r:id="rId36"/>
-    <p:sldId id="325" r:id="rId37"/>
-    <p:sldId id="326" r:id="rId38"/>
-    <p:sldId id="328" r:id="rId39"/>
-    <p:sldId id="329" r:id="rId40"/>
-    <p:sldId id="330" r:id="rId41"/>
-    <p:sldId id="331" r:id="rId42"/>
-    <p:sldId id="332" r:id="rId43"/>
-    <p:sldId id="313" r:id="rId44"/>
-    <p:sldId id="314" r:id="rId45"/>
-    <p:sldId id="315" r:id="rId46"/>
-    <p:sldId id="316" r:id="rId47"/>
-    <p:sldId id="317" r:id="rId48"/>
-    <p:sldId id="318" r:id="rId49"/>
-    <p:sldId id="264" r:id="rId50"/>
-    <p:sldId id="327" r:id="rId51"/>
-    <p:sldId id="266" r:id="rId52"/>
-    <p:sldId id="268" r:id="rId53"/>
-    <p:sldId id="269" r:id="rId54"/>
-    <p:sldId id="270" r:id="rId55"/>
-    <p:sldId id="319" r:id="rId56"/>
+    <p:sldId id="334" r:id="rId35"/>
+    <p:sldId id="335" r:id="rId36"/>
+    <p:sldId id="336" r:id="rId37"/>
+    <p:sldId id="337" r:id="rId38"/>
+    <p:sldId id="324" r:id="rId39"/>
+    <p:sldId id="325" r:id="rId40"/>
+    <p:sldId id="326" r:id="rId41"/>
+    <p:sldId id="328" r:id="rId42"/>
+    <p:sldId id="329" r:id="rId43"/>
+    <p:sldId id="330" r:id="rId44"/>
+    <p:sldId id="331" r:id="rId45"/>
+    <p:sldId id="332" r:id="rId46"/>
+    <p:sldId id="333" r:id="rId47"/>
+    <p:sldId id="313" r:id="rId48"/>
+    <p:sldId id="314" r:id="rId49"/>
+    <p:sldId id="315" r:id="rId50"/>
+    <p:sldId id="316" r:id="rId51"/>
+    <p:sldId id="317" r:id="rId52"/>
+    <p:sldId id="318" r:id="rId53"/>
+    <p:sldId id="264" r:id="rId54"/>
+    <p:sldId id="327" r:id="rId55"/>
+    <p:sldId id="266" r:id="rId56"/>
+    <p:sldId id="268" r:id="rId57"/>
+    <p:sldId id="269" r:id="rId58"/>
+    <p:sldId id="270" r:id="rId59"/>
+    <p:sldId id="319" r:id="rId60"/>
   </p:sldIdLst>
   <p:sldSz cx="12192000" cy="6858000"/>
   <p:notesSz cx="6858000" cy="9144000"/>
@@ -163,7 +167,7 @@
   </p:defaultTextStyle>
   <p:extLst>
     <p:ext uri="{EFAFB233-063F-42B5-8137-9DF3F51BA10A}">
-      <p15:sldGuideLst xmlns="" xmlns:p15="http://schemas.microsoft.com/office/powerpoint/2012/main"/>
+      <p15:sldGuideLst xmlns:p15="http://schemas.microsoft.com/office/powerpoint/2012/main" xmlns=""/>
     </p:ext>
   </p:extLst>
 </p:presentation>
@@ -251,7 +255,7 @@
           <a:p>
             <a:fld id="{EAC0FA0A-CAD4-4EB0-8284-87AAE1D94058}" type="datetimeFigureOut">
               <a:rPr lang="zh-CN" altLang="en-US" smtClean="0"/>
-              <a:t>2013/3/10</a:t>
+              <a:t>2013/3/11</a:t>
             </a:fld>
             <a:endParaRPr lang="zh-CN" altLang="en-US"/>
           </a:p>
@@ -662,7 +666,7 @@
           <a:p>
             <a:fld id="{F77B2EB1-EA88-4503-95EA-93923E5BA59E}" type="datetimeFigureOut">
               <a:rPr lang="en-US" smtClean="0"/>
-              <a:t>3/10/2013</a:t>
+              <a:t>3/11/2013</a:t>
             </a:fld>
             <a:endParaRPr lang="en-US"/>
           </a:p>
@@ -1021,7 +1025,7 @@
           <a:p>
             <a:fld id="{F77B2EB1-EA88-4503-95EA-93923E5BA59E}" type="datetimeFigureOut">
               <a:rPr lang="en-US" smtClean="0"/>
-              <a:t>3/10/2013</a:t>
+              <a:t>3/11/2013</a:t>
             </a:fld>
             <a:endParaRPr lang="en-US"/>
           </a:p>
@@ -1196,7 +1200,7 @@
           <a:p>
             <a:fld id="{F77B2EB1-EA88-4503-95EA-93923E5BA59E}" type="datetimeFigureOut">
               <a:rPr lang="en-US" smtClean="0"/>
-              <a:t>3/10/2013</a:t>
+              <a:t>3/11/2013</a:t>
             </a:fld>
             <a:endParaRPr lang="en-US"/>
           </a:p>
@@ -1431,7 +1435,7 @@
           <a:p>
             <a:fld id="{F77B2EB1-EA88-4503-95EA-93923E5BA59E}" type="datetimeFigureOut">
               <a:rPr lang="en-US" smtClean="0"/>
-              <a:t>3/10/2013</a:t>
+              <a:t>3/11/2013</a:t>
             </a:fld>
             <a:endParaRPr lang="en-US"/>
           </a:p>
@@ -1700,7 +1704,7 @@
           <a:p>
             <a:fld id="{F77B2EB1-EA88-4503-95EA-93923E5BA59E}" type="datetimeFigureOut">
               <a:rPr lang="en-US" smtClean="0"/>
-              <a:t>3/10/2013</a:t>
+              <a:t>3/11/2013</a:t>
             </a:fld>
             <a:endParaRPr lang="en-US"/>
           </a:p>
@@ -1920,7 +1924,7 @@
           <a:p>
             <a:fld id="{F77B2EB1-EA88-4503-95EA-93923E5BA59E}" type="datetimeFigureOut">
               <a:rPr lang="en-US" smtClean="0"/>
-              <a:t>3/10/2013</a:t>
+              <a:t>3/11/2013</a:t>
             </a:fld>
             <a:endParaRPr lang="en-US"/>
           </a:p>
@@ -2272,7 +2276,7 @@
           <a:p>
             <a:fld id="{F77B2EB1-EA88-4503-95EA-93923E5BA59E}" type="datetimeFigureOut">
               <a:rPr lang="en-US" smtClean="0"/>
-              <a:t>3/10/2013</a:t>
+              <a:t>3/11/2013</a:t>
             </a:fld>
             <a:endParaRPr lang="en-US"/>
           </a:p>
@@ -2504,7 +2508,7 @@
           <a:p>
             <a:fld id="{F77B2EB1-EA88-4503-95EA-93923E5BA59E}" type="datetimeFigureOut">
               <a:rPr lang="en-US" smtClean="0"/>
-              <a:t>3/10/2013</a:t>
+              <a:t>3/11/2013</a:t>
             </a:fld>
             <a:endParaRPr lang="en-US"/>
           </a:p>
@@ -2644,7 +2648,7 @@
           <a:p>
             <a:fld id="{F77B2EB1-EA88-4503-95EA-93923E5BA59E}" type="datetimeFigureOut">
               <a:rPr lang="en-US" smtClean="0"/>
-              <a:t>3/10/2013</a:t>
+              <a:t>3/11/2013</a:t>
             </a:fld>
             <a:endParaRPr lang="en-US"/>
           </a:p>
@@ -2921,7 +2925,7 @@
           <a:p>
             <a:fld id="{F77B2EB1-EA88-4503-95EA-93923E5BA59E}" type="datetimeFigureOut">
               <a:rPr lang="en-US" smtClean="0"/>
-              <a:t>3/10/2013</a:t>
+              <a:t>3/11/2013</a:t>
             </a:fld>
             <a:endParaRPr lang="en-US"/>
           </a:p>
@@ -3328,7 +3332,7 @@
           <a:p>
             <a:fld id="{F77B2EB1-EA88-4503-95EA-93923E5BA59E}" type="datetimeFigureOut">
               <a:rPr lang="en-US" smtClean="0"/>
-              <a:t>3/10/2013</a:t>
+              <a:t>3/11/2013</a:t>
             </a:fld>
             <a:endParaRPr lang="en-US"/>
           </a:p>
@@ -3666,7 +3670,7 @@
           <a:p>
             <a:fld id="{F77B2EB1-EA88-4503-95EA-93923E5BA59E}" type="datetimeFigureOut">
               <a:rPr lang="en-US" smtClean="0"/>
-              <a:t>3/10/2013</a:t>
+              <a:t>3/11/2013</a:t>
             </a:fld>
             <a:endParaRPr lang="en-US"/>
           </a:p>
@@ -5929,13 +5933,7 @@
                             <a:rPr lang="en-US" sz="3000" b="0" i="1" smtClean="0">
                               <a:latin typeface="Cambria Math" panose="02040503050406030204" pitchFamily="18" charset="0"/>
                             </a:rPr>
-                            <m:t>−</m:t>
-                          </m:r>
-                          <m:r>
-                            <a:rPr lang="en-US" sz="3000" b="0" i="1" smtClean="0">
-                              <a:latin typeface="Cambria Math" panose="02040503050406030204" pitchFamily="18" charset="0"/>
-                            </a:rPr>
-                            <m:t>1</m:t>
+                            <m:t>−1</m:t>
                           </m:r>
                         </m:sub>
                       </m:sSub>
@@ -5997,13 +5995,7 @@
                             <a:rPr lang="en-US" sz="3000" b="0" i="1" smtClean="0">
                               <a:latin typeface="Cambria Math" panose="02040503050406030204" pitchFamily="18" charset="0"/>
                             </a:rPr>
-                            <m:t>−</m:t>
-                          </m:r>
-                          <m:r>
-                            <a:rPr lang="en-US" sz="3000" b="0" i="1" smtClean="0">
-                              <a:latin typeface="Cambria Math" panose="02040503050406030204" pitchFamily="18" charset="0"/>
-                            </a:rPr>
-                            <m:t>2</m:t>
+                            <m:t>−2</m:t>
                           </m:r>
                         </m:sub>
                       </m:sSub>
@@ -6078,19 +6070,7 @@
                             <a:rPr lang="en-US" sz="3000" b="0" i="1" smtClean="0">
                               <a:latin typeface="Cambria Math" panose="02040503050406030204" pitchFamily="18" charset="0"/>
                             </a:rPr>
-                            <m:t>(</m:t>
-                          </m:r>
-                          <m:r>
-                            <a:rPr lang="en-US" sz="3000" b="0" i="1" smtClean="0">
-                              <a:latin typeface="Cambria Math" panose="02040503050406030204" pitchFamily="18" charset="0"/>
-                            </a:rPr>
-                            <m:t>1</m:t>
-                          </m:r>
-                          <m:r>
-                            <a:rPr lang="en-US" sz="3000" b="0" i="1" smtClean="0">
-                              <a:latin typeface="Cambria Math" panose="02040503050406030204" pitchFamily="18" charset="0"/>
-                            </a:rPr>
-                            <m:t>−</m:t>
+                            <m:t>(1−</m:t>
                           </m:r>
                           <m:r>
                             <a:rPr lang="en-US" sz="3000" b="0" i="1" smtClean="0">
@@ -6344,19 +6324,7 @@
                         <a:rPr lang="en-US" sz="3000" b="0" i="1" smtClean="0">
                           <a:latin typeface="Cambria Math" panose="02040503050406030204" pitchFamily="18" charset="0"/>
                         </a:rPr>
-                        <m:t>+(</m:t>
-                      </m:r>
-                      <m:r>
-                        <a:rPr lang="en-US" sz="3000" b="0" i="1" smtClean="0">
-                          <a:latin typeface="Cambria Math" panose="02040503050406030204" pitchFamily="18" charset="0"/>
-                        </a:rPr>
-                        <m:t>1</m:t>
-                      </m:r>
-                      <m:r>
-                        <a:rPr lang="en-US" sz="3000" b="0" i="1" smtClean="0">
-                          <a:latin typeface="Cambria Math" panose="02040503050406030204" pitchFamily="18" charset="0"/>
-                        </a:rPr>
-                        <m:t>−</m:t>
+                        <m:t>+(1−</m:t>
                       </m:r>
                       <m:r>
                         <a:rPr lang="en-US" sz="3000" b="0" i="1" smtClean="0">
@@ -6409,13 +6377,7 @@
                             <a:rPr lang="en-US" sz="3000" b="0" i="1" smtClean="0">
                               <a:latin typeface="Cambria Math" panose="02040503050406030204" pitchFamily="18" charset="0"/>
                             </a:rPr>
-                            <m:t>−</m:t>
-                          </m:r>
-                          <m:r>
-                            <a:rPr lang="en-US" sz="3000" b="0" i="1" smtClean="0">
-                              <a:latin typeface="Cambria Math" panose="02040503050406030204" pitchFamily="18" charset="0"/>
-                            </a:rPr>
-                            <m:t>1</m:t>
+                            <m:t>−1</m:t>
                           </m:r>
                         </m:sub>
                       </m:sSub>
@@ -6694,13 +6656,7 @@
                             <a:rPr lang="en-US" sz="3000" b="0" i="1" smtClean="0">
                               <a:latin typeface="Cambria Math" panose="02040503050406030204" pitchFamily="18" charset="0"/>
                             </a:rPr>
-                            <m:t>−</m:t>
-                          </m:r>
-                          <m:r>
-                            <a:rPr lang="en-US" sz="3000" b="0" i="1" smtClean="0">
-                              <a:latin typeface="Cambria Math" panose="02040503050406030204" pitchFamily="18" charset="0"/>
-                            </a:rPr>
-                            <m:t>1</m:t>
+                            <m:t>−1</m:t>
                           </m:r>
                         </m:sub>
                       </m:sSub>
@@ -6837,13 +6793,7 @@
                           <a:rPr lang="en-US" sz="3000" b="0" i="1" smtClean="0">
                             <a:latin typeface="Cambria Math" panose="02040503050406030204" pitchFamily="18" charset="0"/>
                           </a:rPr>
-                          <m:t>−</m:t>
-                        </m:r>
-                        <m:r>
-                          <a:rPr lang="en-US" sz="3000" b="0" i="1" smtClean="0">
-                            <a:latin typeface="Cambria Math" panose="02040503050406030204" pitchFamily="18" charset="0"/>
-                          </a:rPr>
-                          <m:t>1</m:t>
+                          <m:t>−1</m:t>
                         </m:r>
                       </m:sub>
                     </m:sSub>
@@ -11480,14 +11430,7 @@
                             <a:latin typeface="Cambria Math" panose="02040503050406030204" pitchFamily="18" charset="0"/>
                             <a:ea typeface="Cambria Math" panose="02040503050406030204" pitchFamily="18" charset="0"/>
                           </a:rPr>
-                          <m:t>+</m:t>
-                        </m:r>
-                        <m:r>
-                          <a:rPr lang="en-US" b="0" i="1" smtClean="0">
-                            <a:latin typeface="Cambria Math" panose="02040503050406030204" pitchFamily="18" charset="0"/>
-                            <a:ea typeface="Cambria Math" panose="02040503050406030204" pitchFamily="18" charset="0"/>
-                          </a:rPr>
-                          <m:t>1</m:t>
+                          <m:t>+1</m:t>
                         </m:r>
                       </m:sup>
                     </m:sSup>
@@ -21636,7 +21579,7 @@
           <a:graphicData uri="http://schemas.openxmlformats.org/presentationml/2006/ole">
             <mc:AlternateContent xmlns:mc="http://schemas.openxmlformats.org/markup-compatibility/2006">
               <mc:Choice xmlns:v="urn:schemas-microsoft-com:vml" Requires="v">
-                <p:oleObj spid="_x0000_s2070" name="點陣圖影像" r:id="rId3" imgW="4638095" imgH="2534004" progId="PBrush">
+                <p:oleObj spid="_x0000_s2080" name="點陣圖影像" r:id="rId3" imgW="4638095" imgH="2534004" progId="PBrush">
                   <p:embed/>
                 </p:oleObj>
               </mc:Choice>
@@ -21707,7 +21650,7 @@
           <a:graphicData uri="http://schemas.openxmlformats.org/presentationml/2006/ole">
             <mc:AlternateContent xmlns:mc="http://schemas.openxmlformats.org/markup-compatibility/2006">
               <mc:Choice xmlns:v="urn:schemas-microsoft-com:vml" Requires="v">
-                <p:oleObj spid="_x0000_s2071" name="BMP 图像" r:id="rId5" imgW="4381560" imgH="1305000" progId="Paint.Picture">
+                <p:oleObj spid="_x0000_s2081" name="BMP 图像" r:id="rId5" imgW="4381560" imgH="1305000" progId="Paint.Picture">
                   <p:embed/>
                 </p:oleObj>
               </mc:Choice>
@@ -22589,9 +22532,8 @@
             <a:pPr algn="ctr"/>
             <a:r>
               <a:rPr lang="en-US" altLang="zh-CN" dirty="0"/>
-              <a:t>Frequent subsequence mining</a:t>
-            </a:r>
-            <a:endParaRPr lang="zh-CN" altLang="en-US" dirty="0"/>
+              <a:t>S-step pruning</a:t>
+            </a:r>
           </a:p>
         </p:txBody>
       </p:sp>
@@ -22609,111 +22551,16 @@
             </p:nvSpPr>
             <p:spPr>
               <a:xfrm>
-                <a:off x="1223257" y="1603023"/>
-                <a:ext cx="8915400" cy="4152900"/>
+                <a:off x="1223257" y="1275644"/>
+                <a:ext cx="8915400" cy="4854223"/>
               </a:xfrm>
             </p:spPr>
             <p:txBody>
               <a:bodyPr>
-                <a:normAutofit fontScale="92500" lnSpcReduction="20000"/>
+                <a:normAutofit/>
               </a:bodyPr>
               <a:lstStyle/>
               <a:p>
-                <a:r>
-                  <a:rPr lang="en-US" altLang="zh-CN" b="0" dirty="0" smtClean="0"/>
-                  <a:t>Pruning </a:t>
-                </a:r>
-                <a14:m>
-                  <m:oMath xmlns:m="http://schemas.openxmlformats.org/officeDocument/2006/math">
-                    <m:sSub>
-                      <m:sSubPr>
-                        <m:ctrlPr>
-                          <a:rPr lang="en-US" altLang="zh-CN" b="0" i="1" smtClean="0">
-                            <a:latin typeface="Cambria Math"/>
-                          </a:rPr>
-                        </m:ctrlPr>
-                      </m:sSubPr>
-                      <m:e>
-                        <m:r>
-                          <a:rPr lang="en-US" altLang="zh-CN" b="0" i="1" smtClean="0">
-                            <a:latin typeface="Cambria Math"/>
-                          </a:rPr>
-                          <m:t>𝑆</m:t>
-                        </m:r>
-                      </m:e>
-                      <m:sub>
-                        <m:r>
-                          <a:rPr lang="en-US" altLang="zh-CN" b="0" i="1" smtClean="0">
-                            <a:latin typeface="Cambria Math"/>
-                          </a:rPr>
-                          <m:t>𝑚</m:t>
-                        </m:r>
-                      </m:sub>
-                    </m:sSub>
-                    <m:r>
-                      <a:rPr lang="en-US" altLang="zh-CN" b="0" i="0" smtClean="0">
-                        <a:latin typeface="Cambria Math"/>
-                      </a:rPr>
-                      <m:t> </m:t>
-                    </m:r>
-                    <m:r>
-                      <m:rPr>
-                        <m:sty m:val="p"/>
-                      </m:rPr>
-                      <a:rPr lang="en-US" altLang="zh-CN" b="0" i="0" smtClean="0">
-                        <a:latin typeface="Cambria Math"/>
-                      </a:rPr>
-                      <m:t>and</m:t>
-                    </m:r>
-                    <m:r>
-                      <a:rPr lang="en-US" altLang="zh-CN" b="0" i="0" smtClean="0">
-                        <a:latin typeface="Cambria Math"/>
-                      </a:rPr>
-                      <m:t> </m:t>
-                    </m:r>
-                    <m:sSub>
-                      <m:sSubPr>
-                        <m:ctrlPr>
-                          <a:rPr lang="en-US" altLang="zh-CN" b="0" i="1" smtClean="0">
-                            <a:latin typeface="Cambria Math"/>
-                          </a:rPr>
-                        </m:ctrlPr>
-                      </m:sSubPr>
-                      <m:e>
-                        <m:r>
-                          <m:rPr>
-                            <m:sty m:val="p"/>
-                          </m:rPr>
-                          <a:rPr lang="en-US" altLang="zh-CN" b="0" i="0" smtClean="0">
-                            <a:latin typeface="Cambria Math"/>
-                          </a:rPr>
-                          <m:t>I</m:t>
-                        </m:r>
-                      </m:e>
-                      <m:sub>
-                        <m:r>
-                          <m:rPr>
-                            <m:sty m:val="p"/>
-                          </m:rPr>
-                          <a:rPr lang="en-US" altLang="zh-CN" b="0" i="0" smtClean="0">
-                            <a:latin typeface="Cambria Math"/>
-                          </a:rPr>
-                          <m:t>n</m:t>
-                        </m:r>
-                      </m:sub>
-                    </m:sSub>
-                  </m:oMath>
-                </a14:m>
-                <a:endParaRPr lang="en-US" altLang="zh-CN" dirty="0" smtClean="0"/>
-              </a:p>
-              <a:p>
-                <a:r>
-                  <a:rPr lang="en-US" altLang="zh-CN" dirty="0" smtClean="0"/>
-                  <a:t>S-step pruning</a:t>
-                </a:r>
-              </a:p>
-              <a:p>
-                <a:pPr lvl="1"/>
                 <a:r>
                   <a:rPr lang="en-US" altLang="zh-CN" dirty="0" smtClean="0"/>
                   <a:t>Sequence s and its S-Extended sequence </a:t>
@@ -22916,7 +22763,6 @@
                 <a:endParaRPr lang="en-US" altLang="zh-CN" b="0" dirty="0" smtClean="0"/>
               </a:p>
               <a:p>
-                <a:pPr lvl="1"/>
                 <a14:m>
                   <m:oMath xmlns:m="http://schemas.openxmlformats.org/officeDocument/2006/math">
                     <m:sSub>
@@ -23241,7 +23087,6 @@
                 </a:r>
               </a:p>
               <a:p>
-                <a:pPr lvl="1"/>
                 <a:r>
                   <a:rPr lang="en-US" altLang="zh-CN" dirty="0" smtClean="0"/>
                   <a:t>Remove </a:t>
@@ -23393,16 +23238,2244 @@
                     </m:sSub>
                   </m:oMath>
                 </a14:m>
+                <a:endParaRPr lang="en-US" altLang="zh-CN" b="0" dirty="0" smtClean="0"/>
+              </a:p>
+              <a:p>
+                <a:pPr marL="0" indent="0">
+                  <a:buNone/>
+                </a:pPr>
+                <a:endParaRPr lang="en-US" altLang="zh-CN" b="0" dirty="0" smtClean="0"/>
+              </a:p>
+              <a:p>
+                <a:pPr marL="0" indent="0">
+                  <a:buNone/>
+                </a:pPr>
+                <a:endParaRPr lang="en-US" altLang="zh-CN" b="0" dirty="0" smtClean="0"/>
+              </a:p>
+            </p:txBody>
+          </p:sp>
+        </mc:Choice>
+        <mc:Fallback xmlns="">
+          <p:sp>
+            <p:nvSpPr>
+              <p:cNvPr id="3" name="内容占位符 2"/>
+              <p:cNvSpPr>
+                <a:spLocks noGrp="1" noRot="1" noChangeAspect="1" noMove="1" noResize="1" noEditPoints="1" noAdjustHandles="1" noChangeArrowheads="1" noChangeShapeType="1" noTextEdit="1"/>
+              </p:cNvSpPr>
+              <p:nvPr>
+                <p:ph idx="1"/>
+              </p:nvPr>
+            </p:nvSpPr>
+            <p:spPr>
+              <a:xfrm>
+                <a:off x="1223257" y="1275644"/>
+                <a:ext cx="8915400" cy="4854223"/>
+              </a:xfrm>
+              <a:blipFill rotWithShape="1">
+                <a:blip r:embed="rId2"/>
+                <a:stretch>
+                  <a:fillRect l="-616" t="-627"/>
+                </a:stretch>
+              </a:blipFill>
+            </p:spPr>
+            <p:txBody>
+              <a:bodyPr/>
+              <a:lstStyle/>
+              <a:p>
+                <a:r>
+                  <a:rPr lang="zh-CN" altLang="en-US">
+                    <a:noFill/>
+                  </a:rPr>
+                  <a:t> </a:t>
+                </a:r>
+              </a:p>
+            </p:txBody>
+          </p:sp>
+        </mc:Fallback>
+      </mc:AlternateContent>
+    </p:spTree>
+    <p:extLst>
+      <p:ext uri="{BB962C8B-B14F-4D97-AF65-F5344CB8AC3E}">
+        <p14:creationId xmlns:p14="http://schemas.microsoft.com/office/powerpoint/2010/main" val="2883630710"/>
+      </p:ext>
+    </p:extLst>
+  </p:cSld>
+  <p:clrMapOvr>
+    <a:masterClrMapping/>
+  </p:clrMapOvr>
+  <p:timing>
+    <p:tnLst>
+      <p:par>
+        <p:cTn id="1" dur="indefinite" restart="never" nodeType="tmRoot"/>
+      </p:par>
+    </p:tnLst>
+  </p:timing>
+</p:sld>
+</file>
+
+<file path=ppt/slides/slide35.xml><?xml version="1.0" encoding="utf-8"?>
+<p:sld xmlns:a="http://schemas.openxmlformats.org/drawingml/2006/main" xmlns:r="http://schemas.openxmlformats.org/officeDocument/2006/relationships" xmlns:p="http://schemas.openxmlformats.org/presentationml/2006/main">
+  <p:cSld>
+    <p:spTree>
+      <p:nvGrpSpPr>
+        <p:cNvPr id="1" name=""/>
+        <p:cNvGrpSpPr/>
+        <p:nvPr/>
+      </p:nvGrpSpPr>
+      <p:grpSpPr>
+        <a:xfrm>
+          <a:off x="0" y="0"/>
+          <a:ext cx="0" cy="0"/>
+          <a:chOff x="0" y="0"/>
+          <a:chExt cx="0" cy="0"/>
+        </a:xfrm>
+      </p:grpSpPr>
+      <p:sp>
+        <p:nvSpPr>
+          <p:cNvPr id="2" name="标题 1"/>
+          <p:cNvSpPr>
+            <a:spLocks noGrp="1"/>
+          </p:cNvSpPr>
+          <p:nvPr>
+            <p:ph type="title"/>
+          </p:nvPr>
+        </p:nvSpPr>
+        <p:spPr/>
+        <p:txBody>
+          <a:bodyPr/>
+          <a:lstStyle/>
+          <a:p>
+            <a:pPr algn="ctr"/>
+            <a:r>
+              <a:rPr lang="en-US" altLang="zh-CN" dirty="0" smtClean="0"/>
+              <a:t>S-step Pruning Example</a:t>
+            </a:r>
+            <a:endParaRPr lang="zh-CN" altLang="en-US" dirty="0"/>
+          </a:p>
+        </p:txBody>
+      </p:sp>
+      <mc:AlternateContent xmlns:mc="http://schemas.openxmlformats.org/markup-compatibility/2006" xmlns:a14="http://schemas.microsoft.com/office/drawing/2010/main">
+        <mc:Choice Requires="a14">
+          <p:sp>
+            <p:nvSpPr>
+              <p:cNvPr id="3" name="内容占位符 2"/>
+              <p:cNvSpPr>
+                <a:spLocks noGrp="1"/>
+              </p:cNvSpPr>
+              <p:nvPr>
+                <p:ph sz="quarter" idx="1"/>
+              </p:nvPr>
+            </p:nvSpPr>
+            <p:spPr/>
+            <p:txBody>
+              <a:bodyPr>
+                <a:normAutofit fontScale="92500"/>
+              </a:bodyPr>
+              <a:lstStyle/>
+              <a:p>
+                <a:pPr marL="0" indent="0">
+                  <a:buNone/>
+                </a:pPr>
+                <a:r>
+                  <a:rPr lang="en-US" altLang="zh-CN" dirty="0" smtClean="0"/>
+                  <a:t>Node ({a}), </a:t>
+                </a:r>
+                <a14:m>
+                  <m:oMath xmlns:m="http://schemas.openxmlformats.org/officeDocument/2006/math">
+                    <m:sSub>
+                      <m:sSubPr>
+                        <m:ctrlPr>
+                          <a:rPr lang="en-US" altLang="zh-CN" i="1">
+                            <a:latin typeface="Cambria Math"/>
+                          </a:rPr>
+                        </m:ctrlPr>
+                      </m:sSubPr>
+                      <m:e>
+                        <m:r>
+                          <a:rPr lang="en-US" altLang="zh-CN" i="1">
+                            <a:latin typeface="Cambria Math"/>
+                          </a:rPr>
+                          <m:t>𝑆</m:t>
+                        </m:r>
+                      </m:e>
+                      <m:sub>
+                        <m:r>
+                          <a:rPr lang="en-US" altLang="zh-CN" i="1">
+                            <a:latin typeface="Cambria Math"/>
+                          </a:rPr>
+                          <m:t>(</m:t>
+                        </m:r>
+                        <m:d>
+                          <m:dPr>
+                            <m:begChr m:val="{"/>
+                            <m:endChr m:val="}"/>
+                            <m:ctrlPr>
+                              <a:rPr lang="en-US" altLang="zh-CN" i="1">
+                                <a:latin typeface="Cambria Math"/>
+                              </a:rPr>
+                            </m:ctrlPr>
+                          </m:dPr>
+                          <m:e>
+                            <m:r>
+                              <a:rPr lang="en-US" altLang="zh-CN" i="1">
+                                <a:latin typeface="Cambria Math"/>
+                              </a:rPr>
+                              <m:t>𝑎</m:t>
+                            </m:r>
+                          </m:e>
+                        </m:d>
+                        <m:r>
+                          <a:rPr lang="en-US" altLang="zh-CN" i="1">
+                            <a:latin typeface="Cambria Math"/>
+                          </a:rPr>
+                          <m:t>)</m:t>
+                        </m:r>
+                      </m:sub>
+                    </m:sSub>
+                    <m:r>
+                      <a:rPr lang="en-US" altLang="zh-CN" i="1">
+                        <a:latin typeface="Cambria Math"/>
+                      </a:rPr>
+                      <m:t>=</m:t>
+                    </m:r>
+                    <m:d>
+                      <m:dPr>
+                        <m:begChr m:val="{"/>
+                        <m:endChr m:val="}"/>
+                        <m:ctrlPr>
+                          <a:rPr lang="en-US" altLang="zh-CN" i="1">
+                            <a:latin typeface="Cambria Math"/>
+                          </a:rPr>
+                        </m:ctrlPr>
+                      </m:dPr>
+                      <m:e>
+                        <m:r>
+                          <a:rPr lang="en-US" altLang="zh-CN" i="1">
+                            <a:latin typeface="Cambria Math"/>
+                          </a:rPr>
+                          <m:t>𝑎</m:t>
+                        </m:r>
+                        <m:r>
+                          <a:rPr lang="en-US" altLang="zh-CN" i="1">
+                            <a:latin typeface="Cambria Math"/>
+                          </a:rPr>
+                          <m:t>,</m:t>
+                        </m:r>
+                        <m:r>
+                          <a:rPr lang="en-US" altLang="zh-CN" i="1">
+                            <a:latin typeface="Cambria Math"/>
+                          </a:rPr>
+                          <m:t>𝑏</m:t>
+                        </m:r>
+                        <m:r>
+                          <a:rPr lang="en-US" altLang="zh-CN" i="1">
+                            <a:latin typeface="Cambria Math"/>
+                          </a:rPr>
+                          <m:t>,</m:t>
+                        </m:r>
+                        <m:r>
+                          <a:rPr lang="en-US" altLang="zh-CN" i="1">
+                            <a:latin typeface="Cambria Math"/>
+                          </a:rPr>
+                          <m:t>𝑐</m:t>
+                        </m:r>
+                        <m:r>
+                          <a:rPr lang="en-US" altLang="zh-CN" i="1">
+                            <a:latin typeface="Cambria Math"/>
+                          </a:rPr>
+                          <m:t>,</m:t>
+                        </m:r>
+                        <m:r>
+                          <a:rPr lang="en-US" altLang="zh-CN" i="1">
+                            <a:latin typeface="Cambria Math"/>
+                          </a:rPr>
+                          <m:t>𝑑</m:t>
+                        </m:r>
+                      </m:e>
+                    </m:d>
+                    <m:r>
+                      <a:rPr lang="en-US" altLang="zh-CN" i="1">
+                        <a:latin typeface="Cambria Math"/>
+                      </a:rPr>
+                      <m:t>,</m:t>
+                    </m:r>
+                    <m:sSub>
+                      <m:sSubPr>
+                        <m:ctrlPr>
+                          <a:rPr lang="en-US" altLang="zh-CN" i="1">
+                            <a:latin typeface="Cambria Math"/>
+                          </a:rPr>
+                        </m:ctrlPr>
+                      </m:sSubPr>
+                      <m:e>
+                        <m:r>
+                          <a:rPr lang="en-US" altLang="zh-CN" i="1">
+                            <a:latin typeface="Cambria Math"/>
+                          </a:rPr>
+                          <m:t>𝐼</m:t>
+                        </m:r>
+                      </m:e>
+                      <m:sub>
+                        <m:r>
+                          <a:rPr lang="en-US" altLang="zh-CN" i="1">
+                            <a:latin typeface="Cambria Math"/>
+                          </a:rPr>
+                          <m:t>(</m:t>
+                        </m:r>
+                        <m:d>
+                          <m:dPr>
+                            <m:begChr m:val="{"/>
+                            <m:endChr m:val="}"/>
+                            <m:ctrlPr>
+                              <a:rPr lang="en-US" altLang="zh-CN" i="1">
+                                <a:latin typeface="Cambria Math"/>
+                              </a:rPr>
+                            </m:ctrlPr>
+                          </m:dPr>
+                          <m:e>
+                            <m:r>
+                              <a:rPr lang="en-US" altLang="zh-CN" i="1">
+                                <a:latin typeface="Cambria Math"/>
+                              </a:rPr>
+                              <m:t>𝑎</m:t>
+                            </m:r>
+                          </m:e>
+                        </m:d>
+                        <m:r>
+                          <a:rPr lang="en-US" altLang="zh-CN" i="1">
+                            <a:latin typeface="Cambria Math"/>
+                          </a:rPr>
+                          <m:t>)</m:t>
+                        </m:r>
+                      </m:sub>
+                    </m:sSub>
+                    <m:r>
+                      <a:rPr lang="en-US" altLang="zh-CN" i="1">
+                        <a:latin typeface="Cambria Math"/>
+                      </a:rPr>
+                      <m:t>={</m:t>
+                    </m:r>
+                    <m:r>
+                      <a:rPr lang="en-US" altLang="zh-CN" i="1">
+                        <a:latin typeface="Cambria Math"/>
+                      </a:rPr>
+                      <m:t>𝑏</m:t>
+                    </m:r>
+                    <m:r>
+                      <a:rPr lang="en-US" altLang="zh-CN" i="1">
+                        <a:latin typeface="Cambria Math"/>
+                      </a:rPr>
+                      <m:t>,</m:t>
+                    </m:r>
+                    <m:r>
+                      <a:rPr lang="en-US" altLang="zh-CN" i="1">
+                        <a:latin typeface="Cambria Math"/>
+                      </a:rPr>
+                      <m:t>𝑐</m:t>
+                    </m:r>
+                    <m:r>
+                      <a:rPr lang="en-US" altLang="zh-CN" i="1">
+                        <a:latin typeface="Cambria Math"/>
+                      </a:rPr>
+                      <m:t>,</m:t>
+                    </m:r>
+                    <m:r>
+                      <a:rPr lang="en-US" altLang="zh-CN" i="1">
+                        <a:latin typeface="Cambria Math"/>
+                      </a:rPr>
+                      <m:t>𝑑</m:t>
+                    </m:r>
+                    <m:r>
+                      <a:rPr lang="en-US" altLang="zh-CN" i="1">
+                        <a:latin typeface="Cambria Math"/>
+                      </a:rPr>
+                      <m:t>}</m:t>
+                    </m:r>
+                  </m:oMath>
+                </a14:m>
+                <a:endParaRPr lang="en-US" altLang="zh-CN" dirty="0"/>
+              </a:p>
+              <a:p>
+                <a:pPr marL="0" indent="0">
+                  <a:buNone/>
+                </a:pPr>
+                <a:r>
+                  <a:rPr lang="en-US" altLang="zh-CN" dirty="0"/>
+                  <a:t>S-Extended:</a:t>
+                </a:r>
+                <a14:m>
+                  <m:oMath xmlns:m="http://schemas.openxmlformats.org/officeDocument/2006/math">
+                    <m:d>
+                      <m:dPr>
+                        <m:ctrlPr>
+                          <a:rPr lang="en-US" altLang="zh-CN" i="1">
+                            <a:latin typeface="Cambria Math"/>
+                          </a:rPr>
+                        </m:ctrlPr>
+                      </m:dPr>
+                      <m:e>
+                        <m:d>
+                          <m:dPr>
+                            <m:begChr m:val="{"/>
+                            <m:endChr m:val="}"/>
+                            <m:ctrlPr>
+                              <a:rPr lang="en-US" altLang="zh-CN" i="1">
+                                <a:latin typeface="Cambria Math"/>
+                              </a:rPr>
+                            </m:ctrlPr>
+                          </m:dPr>
+                          <m:e>
+                            <m:r>
+                              <a:rPr lang="en-US" altLang="zh-CN" i="1">
+                                <a:latin typeface="Cambria Math"/>
+                              </a:rPr>
+                              <m:t>𝑎</m:t>
+                            </m:r>
+                          </m:e>
+                        </m:d>
+                        <m:r>
+                          <a:rPr lang="en-US" altLang="zh-CN" i="1">
+                            <a:latin typeface="Cambria Math"/>
+                          </a:rPr>
+                          <m:t>,</m:t>
+                        </m:r>
+                        <m:d>
+                          <m:dPr>
+                            <m:begChr m:val="{"/>
+                            <m:endChr m:val="}"/>
+                            <m:ctrlPr>
+                              <a:rPr lang="en-US" altLang="zh-CN" i="1">
+                                <a:latin typeface="Cambria Math"/>
+                              </a:rPr>
+                            </m:ctrlPr>
+                          </m:dPr>
+                          <m:e>
+                            <m:r>
+                              <a:rPr lang="en-US" altLang="zh-CN" i="1">
+                                <a:latin typeface="Cambria Math"/>
+                              </a:rPr>
+                              <m:t>𝑎</m:t>
+                            </m:r>
+                          </m:e>
+                        </m:d>
+                      </m:e>
+                    </m:d>
+                    <m:r>
+                      <a:rPr lang="en-US" altLang="zh-CN" i="1">
+                        <a:latin typeface="Cambria Math"/>
+                      </a:rPr>
+                      <m:t>,</m:t>
+                    </m:r>
+                    <m:d>
+                      <m:dPr>
+                        <m:ctrlPr>
+                          <a:rPr lang="en-US" altLang="zh-CN" i="1">
+                            <a:latin typeface="Cambria Math"/>
+                          </a:rPr>
+                        </m:ctrlPr>
+                      </m:dPr>
+                      <m:e>
+                        <m:d>
+                          <m:dPr>
+                            <m:begChr m:val="{"/>
+                            <m:endChr m:val="}"/>
+                            <m:ctrlPr>
+                              <a:rPr lang="en-US" altLang="zh-CN" i="1">
+                                <a:latin typeface="Cambria Math"/>
+                              </a:rPr>
+                            </m:ctrlPr>
+                          </m:dPr>
+                          <m:e>
+                            <m:r>
+                              <a:rPr lang="en-US" altLang="zh-CN" i="1">
+                                <a:latin typeface="Cambria Math"/>
+                              </a:rPr>
+                              <m:t>𝑎</m:t>
+                            </m:r>
+                          </m:e>
+                        </m:d>
+                        <m:r>
+                          <a:rPr lang="en-US" altLang="zh-CN" i="1">
+                            <a:latin typeface="Cambria Math"/>
+                          </a:rPr>
+                          <m:t>,</m:t>
+                        </m:r>
+                        <m:d>
+                          <m:dPr>
+                            <m:begChr m:val="{"/>
+                            <m:endChr m:val="}"/>
+                            <m:ctrlPr>
+                              <a:rPr lang="en-US" altLang="zh-CN" i="1">
+                                <a:latin typeface="Cambria Math"/>
+                              </a:rPr>
+                            </m:ctrlPr>
+                          </m:dPr>
+                          <m:e>
+                            <m:r>
+                              <a:rPr lang="en-US" altLang="zh-CN" i="1">
+                                <a:latin typeface="Cambria Math"/>
+                              </a:rPr>
+                              <m:t>𝑏</m:t>
+                            </m:r>
+                          </m:e>
+                        </m:d>
+                      </m:e>
+                    </m:d>
+                    <m:r>
+                      <a:rPr lang="en-US" altLang="zh-CN" i="1">
+                        <a:latin typeface="Cambria Math"/>
+                      </a:rPr>
+                      <m:t>,</m:t>
+                    </m:r>
+                    <m:d>
+                      <m:dPr>
+                        <m:ctrlPr>
+                          <a:rPr lang="en-US" altLang="zh-CN" i="1">
+                            <a:latin typeface="Cambria Math"/>
+                          </a:rPr>
+                        </m:ctrlPr>
+                      </m:dPr>
+                      <m:e>
+                        <m:d>
+                          <m:dPr>
+                            <m:begChr m:val="{"/>
+                            <m:endChr m:val="}"/>
+                            <m:ctrlPr>
+                              <a:rPr lang="en-US" altLang="zh-CN" i="1">
+                                <a:latin typeface="Cambria Math"/>
+                              </a:rPr>
+                            </m:ctrlPr>
+                          </m:dPr>
+                          <m:e>
+                            <m:r>
+                              <a:rPr lang="en-US" altLang="zh-CN" i="1">
+                                <a:latin typeface="Cambria Math"/>
+                              </a:rPr>
+                              <m:t>𝑎</m:t>
+                            </m:r>
+                          </m:e>
+                        </m:d>
+                        <m:r>
+                          <a:rPr lang="en-US" altLang="zh-CN" i="1">
+                            <a:latin typeface="Cambria Math"/>
+                          </a:rPr>
+                          <m:t>,</m:t>
+                        </m:r>
+                        <m:d>
+                          <m:dPr>
+                            <m:begChr m:val="{"/>
+                            <m:endChr m:val="}"/>
+                            <m:ctrlPr>
+                              <a:rPr lang="en-US" altLang="zh-CN" i="1">
+                                <a:latin typeface="Cambria Math"/>
+                              </a:rPr>
+                            </m:ctrlPr>
+                          </m:dPr>
+                          <m:e>
+                            <m:r>
+                              <a:rPr lang="en-US" altLang="zh-CN" i="1">
+                                <a:latin typeface="Cambria Math"/>
+                              </a:rPr>
+                              <m:t>𝑐</m:t>
+                            </m:r>
+                          </m:e>
+                        </m:d>
+                      </m:e>
+                    </m:d>
+                    <m:r>
+                      <a:rPr lang="en-US" altLang="zh-CN" i="1">
+                        <a:latin typeface="Cambria Math"/>
+                      </a:rPr>
+                      <m:t>,</m:t>
+                    </m:r>
+                    <m:d>
+                      <m:dPr>
+                        <m:ctrlPr>
+                          <a:rPr lang="en-US" altLang="zh-CN" i="1">
+                            <a:latin typeface="Cambria Math"/>
+                          </a:rPr>
+                        </m:ctrlPr>
+                      </m:dPr>
+                      <m:e>
+                        <m:d>
+                          <m:dPr>
+                            <m:begChr m:val="{"/>
+                            <m:endChr m:val="}"/>
+                            <m:ctrlPr>
+                              <a:rPr lang="en-US" altLang="zh-CN" i="1">
+                                <a:latin typeface="Cambria Math"/>
+                              </a:rPr>
+                            </m:ctrlPr>
+                          </m:dPr>
+                          <m:e>
+                            <m:r>
+                              <a:rPr lang="en-US" altLang="zh-CN" i="1">
+                                <a:latin typeface="Cambria Math"/>
+                              </a:rPr>
+                              <m:t>𝑎</m:t>
+                            </m:r>
+                          </m:e>
+                        </m:d>
+                        <m:r>
+                          <a:rPr lang="en-US" altLang="zh-CN" i="1">
+                            <a:latin typeface="Cambria Math"/>
+                          </a:rPr>
+                          <m:t>,</m:t>
+                        </m:r>
+                        <m:d>
+                          <m:dPr>
+                            <m:begChr m:val="{"/>
+                            <m:endChr m:val="}"/>
+                            <m:ctrlPr>
+                              <a:rPr lang="en-US" altLang="zh-CN" i="1">
+                                <a:latin typeface="Cambria Math"/>
+                              </a:rPr>
+                            </m:ctrlPr>
+                          </m:dPr>
+                          <m:e>
+                            <m:r>
+                              <a:rPr lang="en-US" altLang="zh-CN" i="1">
+                                <a:latin typeface="Cambria Math"/>
+                              </a:rPr>
+                              <m:t>𝑑</m:t>
+                            </m:r>
+                          </m:e>
+                        </m:d>
+                      </m:e>
+                    </m:d>
+                  </m:oMath>
+                </a14:m>
                 <a:endParaRPr lang="en-US" altLang="zh-CN" dirty="0" smtClean="0"/>
               </a:p>
               <a:p>
+                <a:pPr marL="0" indent="0">
+                  <a:buNone/>
+                </a:pPr>
+                <a:endParaRPr lang="en-US" altLang="zh-CN" b="0" i="1" dirty="0" smtClean="0">
+                  <a:latin typeface="Cambria Math"/>
+                </a:endParaRPr>
+              </a:p>
+              <a:p>
+                <a:pPr marL="0" indent="0">
+                  <a:buNone/>
+                </a:pPr>
+                <a14:m>
+                  <m:oMath xmlns:m="http://schemas.openxmlformats.org/officeDocument/2006/math">
+                    <m:d>
+                      <m:dPr>
+                        <m:ctrlPr>
+                          <a:rPr lang="en-US" altLang="zh-CN" b="0" i="1" smtClean="0">
+                            <a:latin typeface="Cambria Math"/>
+                          </a:rPr>
+                        </m:ctrlPr>
+                      </m:dPr>
+                      <m:e>
+                        <m:d>
+                          <m:dPr>
+                            <m:begChr m:val="{"/>
+                            <m:endChr m:val="}"/>
+                            <m:ctrlPr>
+                              <a:rPr lang="en-US" altLang="zh-CN" b="0" i="1" smtClean="0">
+                                <a:latin typeface="Cambria Math"/>
+                              </a:rPr>
+                            </m:ctrlPr>
+                          </m:dPr>
+                          <m:e>
+                            <m:r>
+                              <a:rPr lang="en-US" altLang="zh-CN" b="0" i="1" smtClean="0">
+                                <a:latin typeface="Cambria Math"/>
+                              </a:rPr>
+                              <m:t>𝑎</m:t>
+                            </m:r>
+                          </m:e>
+                        </m:d>
+                        <m:r>
+                          <a:rPr lang="en-US" altLang="zh-CN" b="0" i="1" smtClean="0">
+                            <a:latin typeface="Cambria Math"/>
+                          </a:rPr>
+                          <m:t>,</m:t>
+                        </m:r>
+                        <m:d>
+                          <m:dPr>
+                            <m:begChr m:val="{"/>
+                            <m:endChr m:val="}"/>
+                            <m:ctrlPr>
+                              <a:rPr lang="en-US" altLang="zh-CN" b="0" i="1" smtClean="0">
+                                <a:latin typeface="Cambria Math"/>
+                              </a:rPr>
+                            </m:ctrlPr>
+                          </m:dPr>
+                          <m:e>
+                            <m:r>
+                              <a:rPr lang="en-US" altLang="zh-CN" b="0" i="1" smtClean="0">
+                                <a:latin typeface="Cambria Math"/>
+                              </a:rPr>
+                              <m:t>𝑐</m:t>
+                            </m:r>
+                          </m:e>
+                        </m:d>
+                      </m:e>
+                    </m:d>
+                    <m:r>
+                      <a:rPr lang="en-US" altLang="zh-CN" b="0" i="1" smtClean="0">
+                        <a:latin typeface="Cambria Math"/>
+                      </a:rPr>
+                      <m:t>𝑎𝑛𝑑</m:t>
+                    </m:r>
+                    <m:r>
+                      <a:rPr lang="en-US" altLang="zh-CN" b="0" i="1" smtClean="0">
+                        <a:latin typeface="Cambria Math"/>
+                      </a:rPr>
+                      <m:t> </m:t>
+                    </m:r>
+                    <m:d>
+                      <m:dPr>
+                        <m:ctrlPr>
+                          <a:rPr lang="en-US" altLang="zh-CN" b="0" i="1" smtClean="0">
+                            <a:latin typeface="Cambria Math"/>
+                          </a:rPr>
+                        </m:ctrlPr>
+                      </m:dPr>
+                      <m:e>
+                        <m:d>
+                          <m:dPr>
+                            <m:begChr m:val="{"/>
+                            <m:endChr m:val="}"/>
+                            <m:ctrlPr>
+                              <a:rPr lang="en-US" altLang="zh-CN" b="0" i="1" smtClean="0">
+                                <a:latin typeface="Cambria Math"/>
+                              </a:rPr>
+                            </m:ctrlPr>
+                          </m:dPr>
+                          <m:e>
+                            <m:r>
+                              <a:rPr lang="en-US" altLang="zh-CN" b="0" i="1" smtClean="0">
+                                <a:latin typeface="Cambria Math"/>
+                              </a:rPr>
+                              <m:t>𝑎</m:t>
+                            </m:r>
+                          </m:e>
+                        </m:d>
+                        <m:r>
+                          <a:rPr lang="en-US" altLang="zh-CN" b="0" i="1" smtClean="0">
+                            <a:latin typeface="Cambria Math"/>
+                          </a:rPr>
+                          <m:t>,</m:t>
+                        </m:r>
+                        <m:d>
+                          <m:dPr>
+                            <m:begChr m:val="{"/>
+                            <m:endChr m:val="}"/>
+                            <m:ctrlPr>
+                              <a:rPr lang="en-US" altLang="zh-CN" b="0" i="1" smtClean="0">
+                                <a:latin typeface="Cambria Math"/>
+                              </a:rPr>
+                            </m:ctrlPr>
+                          </m:dPr>
+                          <m:e>
+                            <m:r>
+                              <a:rPr lang="en-US" altLang="zh-CN" b="0" i="1" smtClean="0">
+                                <a:latin typeface="Cambria Math"/>
+                              </a:rPr>
+                              <m:t>𝑑</m:t>
+                            </m:r>
+                          </m:e>
+                        </m:d>
+                      </m:e>
+                    </m:d>
+                    <m:r>
+                      <a:rPr lang="en-US" altLang="zh-CN" b="0" i="1" smtClean="0">
+                        <a:latin typeface="Cambria Math"/>
+                      </a:rPr>
+                      <m:t>𝑎𝑟𝑒</m:t>
+                    </m:r>
+                    <m:r>
+                      <a:rPr lang="en-US" altLang="zh-CN" b="0" i="1" smtClean="0">
+                        <a:latin typeface="Cambria Math"/>
+                      </a:rPr>
+                      <m:t> </m:t>
+                    </m:r>
+                    <m:r>
+                      <a:rPr lang="en-US" altLang="zh-CN" b="0" i="1" smtClean="0">
+                        <a:latin typeface="Cambria Math"/>
+                      </a:rPr>
+                      <m:t>𝑖𝑛𝑓𝑟𝑒𝑞𝑢𝑒𝑛𝑡</m:t>
+                    </m:r>
+                  </m:oMath>
+                </a14:m>
                 <a:r>
-                  <a:rPr lang="en-US" altLang="zh-CN" dirty="0" smtClean="0"/>
-                  <a:t>I-step pruning</a:t>
+                  <a:rPr lang="en-US" altLang="zh-CN" dirty="0" smtClean="0">
+                    <a:sym typeface="Wingdings" pitchFamily="2" charset="2"/>
+                  </a:rPr>
+                  <a:t></a:t>
                 </a:r>
               </a:p>
               <a:p>
-                <a:pPr lvl="1"/>
+                <a:pPr marL="0" indent="0">
+                  <a:buNone/>
+                </a:pPr>
+                <a14:m>
+                  <m:oMathPara xmlns:m="http://schemas.openxmlformats.org/officeDocument/2006/math">
+                    <m:oMathParaPr>
+                      <m:jc m:val="left"/>
+                    </m:oMathParaPr>
+                    <m:oMath xmlns:m="http://schemas.openxmlformats.org/officeDocument/2006/math">
+                      <m:d>
+                        <m:dPr>
+                          <m:ctrlPr>
+                            <a:rPr lang="en-US" altLang="zh-CN" b="0" i="1" smtClean="0">
+                              <a:latin typeface="Cambria Math"/>
+                            </a:rPr>
+                          </m:ctrlPr>
+                        </m:dPr>
+                        <m:e>
+                          <m:d>
+                            <m:dPr>
+                              <m:begChr m:val="{"/>
+                              <m:endChr m:val="}"/>
+                              <m:ctrlPr>
+                                <a:rPr lang="en-US" altLang="zh-CN" b="0" i="1" smtClean="0">
+                                  <a:latin typeface="Cambria Math"/>
+                                </a:rPr>
+                              </m:ctrlPr>
+                            </m:dPr>
+                            <m:e>
+                              <m:r>
+                                <a:rPr lang="en-US" altLang="zh-CN" b="0" i="1" smtClean="0">
+                                  <a:latin typeface="Cambria Math"/>
+                                </a:rPr>
+                                <m:t>𝑎</m:t>
+                              </m:r>
+                            </m:e>
+                          </m:d>
+                          <m:r>
+                            <a:rPr lang="en-US" altLang="zh-CN" b="0" i="1" smtClean="0">
+                              <a:latin typeface="Cambria Math"/>
+                            </a:rPr>
+                            <m:t>,</m:t>
+                          </m:r>
+                          <m:d>
+                            <m:dPr>
+                              <m:begChr m:val="{"/>
+                              <m:endChr m:val="}"/>
+                              <m:ctrlPr>
+                                <a:rPr lang="en-US" altLang="zh-CN" b="0" i="1" smtClean="0">
+                                  <a:latin typeface="Cambria Math"/>
+                                </a:rPr>
+                              </m:ctrlPr>
+                            </m:dPr>
+                            <m:e>
+                              <m:r>
+                                <a:rPr lang="en-US" altLang="zh-CN" b="0" i="1" smtClean="0">
+                                  <a:latin typeface="Cambria Math"/>
+                                </a:rPr>
+                                <m:t>𝑎</m:t>
+                              </m:r>
+                            </m:e>
+                          </m:d>
+                          <m:r>
+                            <a:rPr lang="en-US" altLang="zh-CN" b="0" i="1" smtClean="0">
+                              <a:latin typeface="Cambria Math"/>
+                            </a:rPr>
+                            <m:t>,</m:t>
+                          </m:r>
+                          <m:d>
+                            <m:dPr>
+                              <m:begChr m:val="{"/>
+                              <m:endChr m:val="}"/>
+                              <m:ctrlPr>
+                                <a:rPr lang="en-US" altLang="zh-CN" b="0" i="1" smtClean="0">
+                                  <a:latin typeface="Cambria Math"/>
+                                </a:rPr>
+                              </m:ctrlPr>
+                            </m:dPr>
+                            <m:e>
+                              <m:r>
+                                <a:rPr lang="en-US" altLang="zh-CN" b="0" i="1" smtClean="0">
+                                  <a:latin typeface="Cambria Math"/>
+                                </a:rPr>
+                                <m:t>𝑐</m:t>
+                              </m:r>
+                            </m:e>
+                          </m:d>
+                        </m:e>
+                      </m:d>
+                      <m:r>
+                        <a:rPr lang="en-US" altLang="zh-CN" b="0" i="1" smtClean="0">
+                          <a:latin typeface="Cambria Math"/>
+                        </a:rPr>
+                        <m:t>,</m:t>
+                      </m:r>
+                      <m:d>
+                        <m:dPr>
+                          <m:ctrlPr>
+                            <a:rPr lang="en-US" altLang="zh-CN" b="0" i="1" smtClean="0">
+                              <a:latin typeface="Cambria Math"/>
+                            </a:rPr>
+                          </m:ctrlPr>
+                        </m:dPr>
+                        <m:e>
+                          <m:d>
+                            <m:dPr>
+                              <m:begChr m:val="{"/>
+                              <m:endChr m:val="}"/>
+                              <m:ctrlPr>
+                                <a:rPr lang="en-US" altLang="zh-CN" b="0" i="1" smtClean="0">
+                                  <a:latin typeface="Cambria Math"/>
+                                </a:rPr>
+                              </m:ctrlPr>
+                            </m:dPr>
+                            <m:e>
+                              <m:r>
+                                <a:rPr lang="en-US" altLang="zh-CN" b="0" i="1" smtClean="0">
+                                  <a:latin typeface="Cambria Math"/>
+                                </a:rPr>
+                                <m:t>𝑎</m:t>
+                              </m:r>
+                            </m:e>
+                          </m:d>
+                          <m:r>
+                            <a:rPr lang="en-US" altLang="zh-CN" b="0" i="1" smtClean="0">
+                              <a:latin typeface="Cambria Math"/>
+                            </a:rPr>
+                            <m:t>,</m:t>
+                          </m:r>
+                          <m:d>
+                            <m:dPr>
+                              <m:begChr m:val="{"/>
+                              <m:endChr m:val="}"/>
+                              <m:ctrlPr>
+                                <a:rPr lang="en-US" altLang="zh-CN" b="0" i="1" smtClean="0">
+                                  <a:latin typeface="Cambria Math"/>
+                                </a:rPr>
+                              </m:ctrlPr>
+                            </m:dPr>
+                            <m:e>
+                              <m:r>
+                                <a:rPr lang="en-US" altLang="zh-CN" b="0" i="1" smtClean="0">
+                                  <a:latin typeface="Cambria Math"/>
+                                </a:rPr>
+                                <m:t>𝑏</m:t>
+                              </m:r>
+                            </m:e>
+                          </m:d>
+                          <m:r>
+                            <a:rPr lang="en-US" altLang="zh-CN" b="0" i="1" smtClean="0">
+                              <a:latin typeface="Cambria Math"/>
+                            </a:rPr>
+                            <m:t>,</m:t>
+                          </m:r>
+                          <m:d>
+                            <m:dPr>
+                              <m:begChr m:val="{"/>
+                              <m:endChr m:val="}"/>
+                              <m:ctrlPr>
+                                <a:rPr lang="en-US" altLang="zh-CN" b="0" i="1" smtClean="0">
+                                  <a:latin typeface="Cambria Math"/>
+                                </a:rPr>
+                              </m:ctrlPr>
+                            </m:dPr>
+                            <m:e>
+                              <m:r>
+                                <a:rPr lang="en-US" altLang="zh-CN" b="0" i="1" smtClean="0">
+                                  <a:latin typeface="Cambria Math"/>
+                                </a:rPr>
+                                <m:t>𝑐</m:t>
+                              </m:r>
+                            </m:e>
+                          </m:d>
+                        </m:e>
+                      </m:d>
+                      <m:r>
+                        <a:rPr lang="en-US" altLang="zh-CN" b="0" i="1" smtClean="0">
+                          <a:latin typeface="Cambria Math"/>
+                        </a:rPr>
+                        <m:t>,</m:t>
+                      </m:r>
+                      <m:d>
+                        <m:dPr>
+                          <m:ctrlPr>
+                            <a:rPr lang="en-US" altLang="zh-CN" b="0" i="1" smtClean="0">
+                              <a:latin typeface="Cambria Math"/>
+                            </a:rPr>
+                          </m:ctrlPr>
+                        </m:dPr>
+                        <m:e>
+                          <m:d>
+                            <m:dPr>
+                              <m:begChr m:val="{"/>
+                              <m:endChr m:val="}"/>
+                              <m:ctrlPr>
+                                <a:rPr lang="en-US" altLang="zh-CN" b="0" i="1" smtClean="0">
+                                  <a:latin typeface="Cambria Math"/>
+                                </a:rPr>
+                              </m:ctrlPr>
+                            </m:dPr>
+                            <m:e>
+                              <m:r>
+                                <a:rPr lang="en-US" altLang="zh-CN" b="0" i="1" smtClean="0">
+                                  <a:latin typeface="Cambria Math"/>
+                                </a:rPr>
+                                <m:t>𝑎</m:t>
+                              </m:r>
+                            </m:e>
+                          </m:d>
+                          <m:r>
+                            <a:rPr lang="en-US" altLang="zh-CN" b="0" i="1" smtClean="0">
+                              <a:latin typeface="Cambria Math"/>
+                            </a:rPr>
+                            <m:t>,</m:t>
+                          </m:r>
+                          <m:d>
+                            <m:dPr>
+                              <m:begChr m:val="{"/>
+                              <m:endChr m:val="}"/>
+                              <m:ctrlPr>
+                                <a:rPr lang="en-US" altLang="zh-CN" b="0" i="1" smtClean="0">
+                                  <a:latin typeface="Cambria Math"/>
+                                </a:rPr>
+                              </m:ctrlPr>
+                            </m:dPr>
+                            <m:e>
+                              <m:r>
+                                <a:rPr lang="en-US" altLang="zh-CN" b="0" i="1" smtClean="0">
+                                  <a:latin typeface="Cambria Math"/>
+                                </a:rPr>
+                                <m:t>𝑎</m:t>
+                              </m:r>
+                              <m:r>
+                                <a:rPr lang="en-US" altLang="zh-CN" b="0" i="1" smtClean="0">
+                                  <a:latin typeface="Cambria Math"/>
+                                </a:rPr>
+                                <m:t>,</m:t>
+                              </m:r>
+                              <m:r>
+                                <a:rPr lang="en-US" altLang="zh-CN" b="0" i="1" smtClean="0">
+                                  <a:latin typeface="Cambria Math"/>
+                                </a:rPr>
+                                <m:t>𝑐</m:t>
+                              </m:r>
+                            </m:e>
+                          </m:d>
+                        </m:e>
+                      </m:d>
+                      <m:r>
+                        <a:rPr lang="en-US" altLang="zh-CN" b="0" i="1" smtClean="0">
+                          <a:latin typeface="Cambria Math"/>
+                        </a:rPr>
+                        <m:t>,(</m:t>
+                      </m:r>
+                      <m:d>
+                        <m:dPr>
+                          <m:begChr m:val="{"/>
+                          <m:endChr m:val="}"/>
+                          <m:ctrlPr>
+                            <a:rPr lang="en-US" altLang="zh-CN" b="0" i="1" smtClean="0">
+                              <a:latin typeface="Cambria Math"/>
+                            </a:rPr>
+                          </m:ctrlPr>
+                        </m:dPr>
+                        <m:e>
+                          <m:r>
+                            <a:rPr lang="en-US" altLang="zh-CN" b="0" i="1" smtClean="0">
+                              <a:latin typeface="Cambria Math"/>
+                            </a:rPr>
+                            <m:t>𝑎</m:t>
+                          </m:r>
+                        </m:e>
+                      </m:d>
+                      <m:r>
+                        <a:rPr lang="en-US" altLang="zh-CN" b="0" i="1" smtClean="0">
+                          <a:latin typeface="Cambria Math"/>
+                        </a:rPr>
+                        <m:t>,</m:t>
+                      </m:r>
+                      <m:d>
+                        <m:dPr>
+                          <m:begChr m:val="{"/>
+                          <m:endChr m:val="}"/>
+                          <m:ctrlPr>
+                            <a:rPr lang="en-US" altLang="zh-CN" b="0" i="1" smtClean="0">
+                              <a:latin typeface="Cambria Math"/>
+                            </a:rPr>
+                          </m:ctrlPr>
+                        </m:dPr>
+                        <m:e>
+                          <m:r>
+                            <a:rPr lang="en-US" altLang="zh-CN" b="0" i="1" smtClean="0">
+                              <a:latin typeface="Cambria Math"/>
+                            </a:rPr>
+                            <m:t>𝑏</m:t>
+                          </m:r>
+                          <m:r>
+                            <a:rPr lang="en-US" altLang="zh-CN" b="0" i="1" smtClean="0">
+                              <a:latin typeface="Cambria Math"/>
+                            </a:rPr>
+                            <m:t>,</m:t>
+                          </m:r>
+                          <m:r>
+                            <a:rPr lang="en-US" altLang="zh-CN" b="0" i="1" smtClean="0">
+                              <a:latin typeface="Cambria Math"/>
+                            </a:rPr>
+                            <m:t>𝑐</m:t>
+                          </m:r>
+                        </m:e>
+                      </m:d>
+                      <m:r>
+                        <a:rPr lang="en-US" altLang="zh-CN" b="0" i="1" smtClean="0">
+                          <a:latin typeface="Cambria Math"/>
+                        </a:rPr>
+                        <m:t>),</m:t>
+                      </m:r>
+                      <m:d>
+                        <m:dPr>
+                          <m:ctrlPr>
+                            <a:rPr lang="en-US" altLang="zh-CN" b="0" i="1" smtClean="0">
+                              <a:latin typeface="Cambria Math"/>
+                            </a:rPr>
+                          </m:ctrlPr>
+                        </m:dPr>
+                        <m:e>
+                          <m:d>
+                            <m:dPr>
+                              <m:begChr m:val="{"/>
+                              <m:endChr m:val="}"/>
+                              <m:ctrlPr>
+                                <a:rPr lang="en-US" altLang="zh-CN" b="0" i="1" smtClean="0">
+                                  <a:latin typeface="Cambria Math"/>
+                                </a:rPr>
+                              </m:ctrlPr>
+                            </m:dPr>
+                            <m:e>
+                              <m:r>
+                                <a:rPr lang="en-US" altLang="zh-CN" b="0" i="1" smtClean="0">
+                                  <a:latin typeface="Cambria Math"/>
+                                </a:rPr>
+                                <m:t>𝑎</m:t>
+                              </m:r>
+                            </m:e>
+                          </m:d>
+                          <m:r>
+                            <a:rPr lang="en-US" altLang="zh-CN" b="0" i="1" smtClean="0">
+                              <a:latin typeface="Cambria Math"/>
+                            </a:rPr>
+                            <m:t>,</m:t>
+                          </m:r>
+                          <m:d>
+                            <m:dPr>
+                              <m:begChr m:val="{"/>
+                              <m:endChr m:val="}"/>
+                              <m:ctrlPr>
+                                <a:rPr lang="en-US" altLang="zh-CN" b="0" i="1" smtClean="0">
+                                  <a:latin typeface="Cambria Math"/>
+                                </a:rPr>
+                              </m:ctrlPr>
+                            </m:dPr>
+                            <m:e>
+                              <m:r>
+                                <a:rPr lang="en-US" altLang="zh-CN" b="0" i="1" smtClean="0">
+                                  <a:latin typeface="Cambria Math"/>
+                                </a:rPr>
+                                <m:t>𝑎</m:t>
+                              </m:r>
+                            </m:e>
+                          </m:d>
+                          <m:r>
+                            <a:rPr lang="en-US" altLang="zh-CN" b="0" i="1" smtClean="0">
+                              <a:latin typeface="Cambria Math"/>
+                            </a:rPr>
+                            <m:t>,</m:t>
+                          </m:r>
+                          <m:d>
+                            <m:dPr>
+                              <m:begChr m:val="{"/>
+                              <m:endChr m:val="}"/>
+                              <m:ctrlPr>
+                                <a:rPr lang="en-US" altLang="zh-CN" b="0" i="1" smtClean="0">
+                                  <a:latin typeface="Cambria Math"/>
+                                </a:rPr>
+                              </m:ctrlPr>
+                            </m:dPr>
+                            <m:e>
+                              <m:r>
+                                <a:rPr lang="en-US" altLang="zh-CN" b="0" i="1" smtClean="0">
+                                  <a:latin typeface="Cambria Math"/>
+                                </a:rPr>
+                                <m:t>𝑑</m:t>
+                              </m:r>
+                            </m:e>
+                          </m:d>
+                        </m:e>
+                      </m:d>
+                      <m:r>
+                        <a:rPr lang="en-US" altLang="zh-CN" b="0" i="1" smtClean="0">
+                          <a:latin typeface="Cambria Math"/>
+                        </a:rPr>
+                        <m:t>,</m:t>
+                      </m:r>
+                      <m:d>
+                        <m:dPr>
+                          <m:ctrlPr>
+                            <a:rPr lang="en-US" altLang="zh-CN" b="0" i="1" smtClean="0">
+                              <a:latin typeface="Cambria Math"/>
+                            </a:rPr>
+                          </m:ctrlPr>
+                        </m:dPr>
+                        <m:e>
+                          <m:d>
+                            <m:dPr>
+                              <m:begChr m:val="{"/>
+                              <m:endChr m:val="}"/>
+                              <m:ctrlPr>
+                                <a:rPr lang="en-US" altLang="zh-CN" b="0" i="1" smtClean="0">
+                                  <a:latin typeface="Cambria Math"/>
+                                </a:rPr>
+                              </m:ctrlPr>
+                            </m:dPr>
+                            <m:e>
+                              <m:r>
+                                <a:rPr lang="en-US" altLang="zh-CN" b="0" i="1" smtClean="0">
+                                  <a:latin typeface="Cambria Math"/>
+                                </a:rPr>
+                                <m:t>𝑎</m:t>
+                              </m:r>
+                            </m:e>
+                          </m:d>
+                          <m:r>
+                            <a:rPr lang="en-US" altLang="zh-CN" b="0" i="1" smtClean="0">
+                              <a:latin typeface="Cambria Math"/>
+                            </a:rPr>
+                            <m:t>,</m:t>
+                          </m:r>
+                          <m:d>
+                            <m:dPr>
+                              <m:begChr m:val="{"/>
+                              <m:endChr m:val="}"/>
+                              <m:ctrlPr>
+                                <a:rPr lang="en-US" altLang="zh-CN" b="0" i="1" smtClean="0">
+                                  <a:latin typeface="Cambria Math"/>
+                                </a:rPr>
+                              </m:ctrlPr>
+                            </m:dPr>
+                            <m:e>
+                              <m:r>
+                                <a:rPr lang="en-US" altLang="zh-CN" b="0" i="1" smtClean="0">
+                                  <a:latin typeface="Cambria Math"/>
+                                </a:rPr>
+                                <m:t>𝑏</m:t>
+                              </m:r>
+                            </m:e>
+                          </m:d>
+                          <m:r>
+                            <a:rPr lang="en-US" altLang="zh-CN" b="0" i="1" smtClean="0">
+                              <a:latin typeface="Cambria Math"/>
+                            </a:rPr>
+                            <m:t>,</m:t>
+                          </m:r>
+                          <m:d>
+                            <m:dPr>
+                              <m:begChr m:val="{"/>
+                              <m:endChr m:val="}"/>
+                              <m:ctrlPr>
+                                <a:rPr lang="en-US" altLang="zh-CN" b="0" i="1" smtClean="0">
+                                  <a:latin typeface="Cambria Math"/>
+                                </a:rPr>
+                              </m:ctrlPr>
+                            </m:dPr>
+                            <m:e>
+                              <m:r>
+                                <a:rPr lang="en-US" altLang="zh-CN" b="0" i="1" smtClean="0">
+                                  <a:latin typeface="Cambria Math"/>
+                                </a:rPr>
+                                <m:t>𝑑</m:t>
+                              </m:r>
+                            </m:e>
+                          </m:d>
+                        </m:e>
+                      </m:d>
+                      <m:r>
+                        <a:rPr lang="en-US" altLang="zh-CN" b="0" i="1" smtClean="0">
+                          <a:latin typeface="Cambria Math"/>
+                        </a:rPr>
+                        <m:t>,</m:t>
+                      </m:r>
+                    </m:oMath>
+                  </m:oMathPara>
+                </a14:m>
+                <a:endParaRPr lang="en-US" altLang="zh-CN" b="0" i="1" dirty="0" smtClean="0">
+                  <a:latin typeface="Cambria Math"/>
+                </a:endParaRPr>
+              </a:p>
+              <a:p>
+                <a:pPr marL="0" indent="0">
+                  <a:buNone/>
+                </a:pPr>
+                <a14:m>
+                  <m:oMathPara xmlns:m="http://schemas.openxmlformats.org/officeDocument/2006/math">
+                    <m:oMathParaPr>
+                      <m:jc m:val="left"/>
+                    </m:oMathParaPr>
+                    <m:oMath xmlns:m="http://schemas.openxmlformats.org/officeDocument/2006/math">
+                      <m:d>
+                        <m:dPr>
+                          <m:ctrlPr>
+                            <a:rPr lang="en-US" altLang="zh-CN" b="0" i="1" smtClean="0">
+                              <a:latin typeface="Cambria Math"/>
+                            </a:rPr>
+                          </m:ctrlPr>
+                        </m:dPr>
+                        <m:e>
+                          <m:d>
+                            <m:dPr>
+                              <m:begChr m:val="{"/>
+                              <m:endChr m:val="}"/>
+                              <m:ctrlPr>
+                                <a:rPr lang="en-US" altLang="zh-CN" b="0" i="1" smtClean="0">
+                                  <a:latin typeface="Cambria Math"/>
+                                </a:rPr>
+                              </m:ctrlPr>
+                            </m:dPr>
+                            <m:e>
+                              <m:r>
+                                <a:rPr lang="en-US" altLang="zh-CN" b="0" i="1" smtClean="0">
+                                  <a:latin typeface="Cambria Math"/>
+                                </a:rPr>
+                                <m:t>𝑎</m:t>
+                              </m:r>
+                            </m:e>
+                          </m:d>
+                          <m:r>
+                            <a:rPr lang="en-US" altLang="zh-CN" b="0" i="1" smtClean="0">
+                              <a:latin typeface="Cambria Math"/>
+                            </a:rPr>
+                            <m:t>,</m:t>
+                          </m:r>
+                          <m:d>
+                            <m:dPr>
+                              <m:begChr m:val="{"/>
+                              <m:endChr m:val="}"/>
+                              <m:ctrlPr>
+                                <a:rPr lang="en-US" altLang="zh-CN" b="0" i="1" smtClean="0">
+                                  <a:latin typeface="Cambria Math"/>
+                                </a:rPr>
+                              </m:ctrlPr>
+                            </m:dPr>
+                            <m:e>
+                              <m:r>
+                                <a:rPr lang="en-US" altLang="zh-CN" b="0" i="1" smtClean="0">
+                                  <a:latin typeface="Cambria Math"/>
+                                </a:rPr>
+                                <m:t>𝑎</m:t>
+                              </m:r>
+                              <m:r>
+                                <a:rPr lang="en-US" altLang="zh-CN" b="0" i="1" smtClean="0">
+                                  <a:latin typeface="Cambria Math"/>
+                                </a:rPr>
+                                <m:t>,</m:t>
+                              </m:r>
+                              <m:r>
+                                <a:rPr lang="en-US" altLang="zh-CN" b="0" i="1" smtClean="0">
+                                  <a:latin typeface="Cambria Math"/>
+                                </a:rPr>
+                                <m:t>𝑑</m:t>
+                              </m:r>
+                            </m:e>
+                          </m:d>
+                        </m:e>
+                      </m:d>
+                      <m:r>
+                        <a:rPr lang="en-US" altLang="zh-CN" b="0" i="1" smtClean="0">
+                          <a:latin typeface="Cambria Math"/>
+                        </a:rPr>
+                        <m:t>,</m:t>
+                      </m:r>
+                      <m:d>
+                        <m:dPr>
+                          <m:ctrlPr>
+                            <a:rPr lang="en-US" altLang="zh-CN" b="0" i="1" smtClean="0">
+                              <a:latin typeface="Cambria Math"/>
+                            </a:rPr>
+                          </m:ctrlPr>
+                        </m:dPr>
+                        <m:e>
+                          <m:d>
+                            <m:dPr>
+                              <m:begChr m:val="{"/>
+                              <m:endChr m:val="}"/>
+                              <m:ctrlPr>
+                                <a:rPr lang="en-US" altLang="zh-CN" b="0" i="1" smtClean="0">
+                                  <a:latin typeface="Cambria Math"/>
+                                </a:rPr>
+                              </m:ctrlPr>
+                            </m:dPr>
+                            <m:e>
+                              <m:r>
+                                <a:rPr lang="en-US" altLang="zh-CN" b="0" i="1" smtClean="0">
+                                  <a:latin typeface="Cambria Math"/>
+                                </a:rPr>
+                                <m:t>𝑎</m:t>
+                              </m:r>
+                            </m:e>
+                          </m:d>
+                          <m:r>
+                            <a:rPr lang="en-US" altLang="zh-CN" b="0" i="1" smtClean="0">
+                              <a:latin typeface="Cambria Math"/>
+                            </a:rPr>
+                            <m:t>,</m:t>
+                          </m:r>
+                          <m:d>
+                            <m:dPr>
+                              <m:begChr m:val="{"/>
+                              <m:endChr m:val="}"/>
+                              <m:ctrlPr>
+                                <a:rPr lang="en-US" altLang="zh-CN" b="0" i="1" smtClean="0">
+                                  <a:latin typeface="Cambria Math"/>
+                                </a:rPr>
+                              </m:ctrlPr>
+                            </m:dPr>
+                            <m:e>
+                              <m:r>
+                                <a:rPr lang="en-US" altLang="zh-CN" b="0" i="1" smtClean="0">
+                                  <a:latin typeface="Cambria Math"/>
+                                </a:rPr>
+                                <m:t>𝑏</m:t>
+                              </m:r>
+                              <m:r>
+                                <a:rPr lang="en-US" altLang="zh-CN" b="0" i="1" smtClean="0">
+                                  <a:latin typeface="Cambria Math"/>
+                                </a:rPr>
+                                <m:t>,</m:t>
+                              </m:r>
+                              <m:r>
+                                <a:rPr lang="en-US" altLang="zh-CN" b="0" i="1" smtClean="0">
+                                  <a:latin typeface="Cambria Math"/>
+                                </a:rPr>
+                                <m:t>𝑑</m:t>
+                              </m:r>
+                            </m:e>
+                          </m:d>
+                        </m:e>
+                      </m:d>
+                      <m:r>
+                        <a:rPr lang="en-US" altLang="zh-CN" b="0" i="1" smtClean="0">
+                          <a:latin typeface="Cambria Math"/>
+                        </a:rPr>
+                        <m:t>𝑎𝑟𝑒</m:t>
+                      </m:r>
+                      <m:r>
+                        <a:rPr lang="en-US" altLang="zh-CN" b="0" i="1" smtClean="0">
+                          <a:latin typeface="Cambria Math"/>
+                        </a:rPr>
+                        <m:t> </m:t>
+                      </m:r>
+                      <m:r>
+                        <a:rPr lang="en-US" altLang="zh-CN" b="0" i="1" smtClean="0">
+                          <a:latin typeface="Cambria Math"/>
+                        </a:rPr>
+                        <m:t>𝑖𝑛𝑓𝑟𝑒𝑞𝑢𝑒𝑛𝑡</m:t>
+                      </m:r>
+                    </m:oMath>
+                  </m:oMathPara>
+                </a14:m>
+                <a:endParaRPr lang="en-US" altLang="zh-CN" dirty="0" smtClean="0"/>
+              </a:p>
+              <a:p>
+                <a:pPr marL="0" indent="0">
+                  <a:buNone/>
+                </a:pPr>
+                <a:endParaRPr lang="en-US" altLang="zh-CN" b="0" i="1" dirty="0" smtClean="0">
+                  <a:latin typeface="Cambria Math"/>
+                </a:endParaRPr>
+              </a:p>
+              <a:p>
+                <a:pPr marL="0" indent="0">
+                  <a:buNone/>
+                </a:pPr>
+                <a14:m>
+                  <m:oMathPara xmlns:m="http://schemas.openxmlformats.org/officeDocument/2006/math">
+                    <m:oMathParaPr>
+                      <m:jc m:val="left"/>
+                    </m:oMathParaPr>
+                    <m:oMath xmlns:m="http://schemas.openxmlformats.org/officeDocument/2006/math">
+                      <m:r>
+                        <a:rPr lang="en-US" altLang="zh-CN" b="0" i="1" smtClean="0">
+                          <a:latin typeface="Cambria Math"/>
+                        </a:rPr>
+                        <m:t>𝑆</m:t>
+                      </m:r>
+                      <m:d>
+                        <m:dPr>
+                          <m:ctrlPr>
+                            <a:rPr lang="en-US" altLang="zh-CN" b="0" i="1" smtClean="0">
+                              <a:latin typeface="Cambria Math"/>
+                            </a:rPr>
+                          </m:ctrlPr>
+                        </m:dPr>
+                        <m:e>
+                          <m:d>
+                            <m:dPr>
+                              <m:begChr m:val="{"/>
+                              <m:endChr m:val="}"/>
+                              <m:ctrlPr>
+                                <a:rPr lang="en-US" altLang="zh-CN" b="0" i="1" smtClean="0">
+                                  <a:latin typeface="Cambria Math"/>
+                                </a:rPr>
+                              </m:ctrlPr>
+                            </m:dPr>
+                            <m:e>
+                              <m:r>
+                                <a:rPr lang="en-US" altLang="zh-CN" b="0" i="1" smtClean="0">
+                                  <a:latin typeface="Cambria Math"/>
+                                </a:rPr>
+                                <m:t>𝑎</m:t>
+                              </m:r>
+                            </m:e>
+                          </m:d>
+                          <m:r>
+                            <a:rPr lang="en-US" altLang="zh-CN" b="0" i="1" smtClean="0">
+                              <a:latin typeface="Cambria Math"/>
+                            </a:rPr>
+                            <m:t>,</m:t>
+                          </m:r>
+                          <m:d>
+                            <m:dPr>
+                              <m:begChr m:val="{"/>
+                              <m:endChr m:val="}"/>
+                              <m:ctrlPr>
+                                <a:rPr lang="en-US" altLang="zh-CN" b="0" i="1" smtClean="0">
+                                  <a:latin typeface="Cambria Math"/>
+                                </a:rPr>
+                              </m:ctrlPr>
+                            </m:dPr>
+                            <m:e>
+                              <m:r>
+                                <a:rPr lang="en-US" altLang="zh-CN" b="0" i="1" smtClean="0">
+                                  <a:latin typeface="Cambria Math"/>
+                                </a:rPr>
+                                <m:t>𝑎</m:t>
+                              </m:r>
+                            </m:e>
+                          </m:d>
+                        </m:e>
+                      </m:d>
+                      <m:r>
+                        <a:rPr lang="en-US" altLang="zh-CN" b="0" i="1" smtClean="0">
+                          <a:latin typeface="Cambria Math"/>
+                        </a:rPr>
+                        <m:t>=</m:t>
+                      </m:r>
+                      <m:r>
+                        <a:rPr lang="en-US" altLang="zh-CN" b="0" i="1" smtClean="0">
+                          <a:latin typeface="Cambria Math"/>
+                        </a:rPr>
+                        <m:t>𝑆</m:t>
+                      </m:r>
+                      <m:d>
+                        <m:dPr>
+                          <m:ctrlPr>
+                            <a:rPr lang="en-US" altLang="zh-CN" b="0" i="1" smtClean="0">
+                              <a:latin typeface="Cambria Math"/>
+                            </a:rPr>
+                          </m:ctrlPr>
+                        </m:dPr>
+                        <m:e>
+                          <m:d>
+                            <m:dPr>
+                              <m:begChr m:val="{"/>
+                              <m:endChr m:val="}"/>
+                              <m:ctrlPr>
+                                <a:rPr lang="en-US" altLang="zh-CN" b="0" i="1" smtClean="0">
+                                  <a:latin typeface="Cambria Math"/>
+                                </a:rPr>
+                              </m:ctrlPr>
+                            </m:dPr>
+                            <m:e>
+                              <m:r>
+                                <a:rPr lang="en-US" altLang="zh-CN" b="0" i="1" smtClean="0">
+                                  <a:latin typeface="Cambria Math"/>
+                                </a:rPr>
+                                <m:t>𝑎</m:t>
+                              </m:r>
+                            </m:e>
+                          </m:d>
+                          <m:r>
+                            <a:rPr lang="en-US" altLang="zh-CN" b="0" i="1" smtClean="0">
+                              <a:latin typeface="Cambria Math"/>
+                            </a:rPr>
+                            <m:t>,</m:t>
+                          </m:r>
+                          <m:d>
+                            <m:dPr>
+                              <m:begChr m:val="{"/>
+                              <m:endChr m:val="}"/>
+                              <m:ctrlPr>
+                                <a:rPr lang="en-US" altLang="zh-CN" b="0" i="1" smtClean="0">
+                                  <a:latin typeface="Cambria Math"/>
+                                </a:rPr>
+                              </m:ctrlPr>
+                            </m:dPr>
+                            <m:e>
+                              <m:r>
+                                <a:rPr lang="en-US" altLang="zh-CN" b="0" i="1" smtClean="0">
+                                  <a:latin typeface="Cambria Math"/>
+                                </a:rPr>
+                                <m:t>𝑏</m:t>
+                              </m:r>
+                            </m:e>
+                          </m:d>
+                        </m:e>
+                      </m:d>
+                      <m:r>
+                        <a:rPr lang="en-US" altLang="zh-CN" b="0" i="1" smtClean="0">
+                          <a:latin typeface="Cambria Math"/>
+                        </a:rPr>
+                        <m:t>=</m:t>
+                      </m:r>
+                      <m:d>
+                        <m:dPr>
+                          <m:begChr m:val="{"/>
+                          <m:endChr m:val="}"/>
+                          <m:ctrlPr>
+                            <a:rPr lang="en-US" altLang="zh-CN" b="0" i="1" smtClean="0">
+                              <a:latin typeface="Cambria Math"/>
+                            </a:rPr>
+                          </m:ctrlPr>
+                        </m:dPr>
+                        <m:e>
+                          <m:r>
+                            <a:rPr lang="en-US" altLang="zh-CN" b="0" i="1" smtClean="0">
+                              <a:latin typeface="Cambria Math"/>
+                            </a:rPr>
+                            <m:t>𝑎</m:t>
+                          </m:r>
+                          <m:r>
+                            <a:rPr lang="en-US" altLang="zh-CN" b="0" i="1" smtClean="0">
+                              <a:latin typeface="Cambria Math"/>
+                            </a:rPr>
+                            <m:t>,</m:t>
+                          </m:r>
+                          <m:r>
+                            <a:rPr lang="en-US" altLang="zh-CN" b="0" i="1" smtClean="0">
+                              <a:latin typeface="Cambria Math"/>
+                            </a:rPr>
+                            <m:t>𝑏</m:t>
+                          </m:r>
+                          <m:r>
+                            <a:rPr lang="en-US" altLang="zh-CN" b="0" i="1" smtClean="0">
+                              <a:latin typeface="Cambria Math"/>
+                            </a:rPr>
+                            <m:t>,</m:t>
+                          </m:r>
+                          <m:r>
+                            <a:rPr lang="en-US" altLang="zh-CN" b="0" i="1" smtClean="0">
+                              <a:latin typeface="Cambria Math"/>
+                            </a:rPr>
+                            <m:t>𝑐</m:t>
+                          </m:r>
+                          <m:r>
+                            <a:rPr lang="en-US" altLang="zh-CN" b="0" i="1" smtClean="0">
+                              <a:latin typeface="Cambria Math"/>
+                            </a:rPr>
+                            <m:t>,</m:t>
+                          </m:r>
+                          <m:r>
+                            <a:rPr lang="en-US" altLang="zh-CN" b="0" i="1" smtClean="0">
+                              <a:latin typeface="Cambria Math"/>
+                            </a:rPr>
+                            <m:t>𝑑</m:t>
+                          </m:r>
+                        </m:e>
+                      </m:d>
+                      <m:r>
+                        <a:rPr lang="en-US" altLang="zh-CN" b="0" i="1" smtClean="0">
+                          <a:latin typeface="Cambria Math"/>
+                        </a:rPr>
+                        <m:t>−</m:t>
+                      </m:r>
+                      <m:d>
+                        <m:dPr>
+                          <m:begChr m:val="{"/>
+                          <m:endChr m:val="}"/>
+                          <m:ctrlPr>
+                            <a:rPr lang="en-US" altLang="zh-CN" b="0" i="1" smtClean="0">
+                              <a:latin typeface="Cambria Math"/>
+                            </a:rPr>
+                          </m:ctrlPr>
+                        </m:dPr>
+                        <m:e>
+                          <m:r>
+                            <a:rPr lang="en-US" altLang="zh-CN" b="0" i="1" smtClean="0">
+                              <a:latin typeface="Cambria Math"/>
+                            </a:rPr>
+                            <m:t>𝑐</m:t>
+                          </m:r>
+                          <m:r>
+                            <a:rPr lang="en-US" altLang="zh-CN" b="0" i="1" smtClean="0">
+                              <a:latin typeface="Cambria Math"/>
+                            </a:rPr>
+                            <m:t>,</m:t>
+                          </m:r>
+                          <m:r>
+                            <a:rPr lang="en-US" altLang="zh-CN" b="0" i="1" smtClean="0">
+                              <a:latin typeface="Cambria Math"/>
+                            </a:rPr>
+                            <m:t>𝑑</m:t>
+                          </m:r>
+                        </m:e>
+                      </m:d>
+                      <m:r>
+                        <a:rPr lang="en-US" altLang="zh-CN" b="0" i="1" smtClean="0">
+                          <a:latin typeface="Cambria Math"/>
+                        </a:rPr>
+                        <m:t>=</m:t>
+                      </m:r>
+                      <m:d>
+                        <m:dPr>
+                          <m:begChr m:val="{"/>
+                          <m:endChr m:val="}"/>
+                          <m:ctrlPr>
+                            <a:rPr lang="en-US" altLang="zh-CN" b="0" i="1" smtClean="0">
+                              <a:latin typeface="Cambria Math"/>
+                            </a:rPr>
+                          </m:ctrlPr>
+                        </m:dPr>
+                        <m:e>
+                          <m:r>
+                            <a:rPr lang="en-US" altLang="zh-CN" b="0" i="1" smtClean="0">
+                              <a:latin typeface="Cambria Math"/>
+                            </a:rPr>
+                            <m:t>𝑎</m:t>
+                          </m:r>
+                          <m:r>
+                            <a:rPr lang="en-US" altLang="zh-CN" b="0" i="1" smtClean="0">
+                              <a:latin typeface="Cambria Math"/>
+                            </a:rPr>
+                            <m:t>,</m:t>
+                          </m:r>
+                          <m:r>
+                            <a:rPr lang="en-US" altLang="zh-CN" b="0" i="1" smtClean="0">
+                              <a:latin typeface="Cambria Math"/>
+                            </a:rPr>
+                            <m:t>𝑏</m:t>
+                          </m:r>
+                        </m:e>
+                      </m:d>
+                    </m:oMath>
+                  </m:oMathPara>
+                </a14:m>
+                <a:endParaRPr lang="en-US" altLang="zh-CN" b="0" dirty="0" smtClean="0"/>
+              </a:p>
+              <a:p>
+                <a:pPr marL="0" indent="0">
+                  <a:buNone/>
+                </a:pPr>
+                <a14:m>
+                  <m:oMathPara xmlns:m="http://schemas.openxmlformats.org/officeDocument/2006/math">
+                    <m:oMathParaPr>
+                      <m:jc m:val="left"/>
+                    </m:oMathParaPr>
+                    <m:oMath xmlns:m="http://schemas.openxmlformats.org/officeDocument/2006/math">
+                      <m:r>
+                        <a:rPr lang="en-US" altLang="zh-CN" b="0" i="1" smtClean="0">
+                          <a:latin typeface="Cambria Math"/>
+                        </a:rPr>
+                        <m:t>𝐼</m:t>
+                      </m:r>
+                      <m:d>
+                        <m:dPr>
+                          <m:ctrlPr>
+                            <a:rPr lang="en-US" altLang="zh-CN" b="0" i="1" smtClean="0">
+                              <a:latin typeface="Cambria Math"/>
+                            </a:rPr>
+                          </m:ctrlPr>
+                        </m:dPr>
+                        <m:e>
+                          <m:d>
+                            <m:dPr>
+                              <m:begChr m:val="{"/>
+                              <m:endChr m:val="}"/>
+                              <m:ctrlPr>
+                                <a:rPr lang="en-US" altLang="zh-CN" b="0" i="1" smtClean="0">
+                                  <a:latin typeface="Cambria Math"/>
+                                </a:rPr>
+                              </m:ctrlPr>
+                            </m:dPr>
+                            <m:e>
+                              <m:r>
+                                <a:rPr lang="en-US" altLang="zh-CN" b="0" i="1" smtClean="0">
+                                  <a:latin typeface="Cambria Math"/>
+                                </a:rPr>
+                                <m:t>𝑎</m:t>
+                              </m:r>
+                            </m:e>
+                          </m:d>
+                          <m:r>
+                            <a:rPr lang="en-US" altLang="zh-CN" b="0" i="1" smtClean="0">
+                              <a:latin typeface="Cambria Math"/>
+                            </a:rPr>
+                            <m:t>,</m:t>
+                          </m:r>
+                          <m:d>
+                            <m:dPr>
+                              <m:begChr m:val="{"/>
+                              <m:endChr m:val="}"/>
+                              <m:ctrlPr>
+                                <a:rPr lang="en-US" altLang="zh-CN" b="0" i="1" smtClean="0">
+                                  <a:latin typeface="Cambria Math"/>
+                                </a:rPr>
+                              </m:ctrlPr>
+                            </m:dPr>
+                            <m:e>
+                              <m:r>
+                                <a:rPr lang="en-US" altLang="zh-CN" b="0" i="1" smtClean="0">
+                                  <a:latin typeface="Cambria Math"/>
+                                </a:rPr>
+                                <m:t>𝑎</m:t>
+                              </m:r>
+                            </m:e>
+                          </m:d>
+                        </m:e>
+                      </m:d>
+                      <m:r>
+                        <a:rPr lang="en-US" altLang="zh-CN" b="0" i="1" smtClean="0">
+                          <a:latin typeface="Cambria Math"/>
+                        </a:rPr>
+                        <m:t>=</m:t>
+                      </m:r>
+                      <m:d>
+                        <m:dPr>
+                          <m:begChr m:val="{"/>
+                          <m:endChr m:val="}"/>
+                          <m:ctrlPr>
+                            <a:rPr lang="en-US" altLang="zh-CN" b="0" i="1" smtClean="0">
+                              <a:latin typeface="Cambria Math"/>
+                            </a:rPr>
+                          </m:ctrlPr>
+                        </m:dPr>
+                        <m:e>
+                          <m:r>
+                            <a:rPr lang="en-US" altLang="zh-CN" b="0" i="1" smtClean="0">
+                              <a:latin typeface="Cambria Math"/>
+                            </a:rPr>
+                            <m:t>𝑏</m:t>
+                          </m:r>
+                          <m:r>
+                            <a:rPr lang="en-US" altLang="zh-CN" b="0" i="1" smtClean="0">
+                              <a:latin typeface="Cambria Math"/>
+                            </a:rPr>
+                            <m:t>,</m:t>
+                          </m:r>
+                          <m:r>
+                            <a:rPr lang="en-US" altLang="zh-CN" b="0" i="1" smtClean="0">
+                              <a:latin typeface="Cambria Math"/>
+                            </a:rPr>
+                            <m:t>𝑐</m:t>
+                          </m:r>
+                          <m:r>
+                            <a:rPr lang="en-US" altLang="zh-CN" b="0" i="1" smtClean="0">
+                              <a:latin typeface="Cambria Math"/>
+                            </a:rPr>
+                            <m:t>,</m:t>
+                          </m:r>
+                          <m:r>
+                            <a:rPr lang="en-US" altLang="zh-CN" b="0" i="1" smtClean="0">
+                              <a:latin typeface="Cambria Math"/>
+                            </a:rPr>
+                            <m:t>𝑑</m:t>
+                          </m:r>
+                        </m:e>
+                      </m:d>
+                      <m:r>
+                        <a:rPr lang="en-US" altLang="zh-CN" b="0" i="1" smtClean="0">
+                          <a:latin typeface="Cambria Math"/>
+                        </a:rPr>
+                        <m:t>−</m:t>
+                      </m:r>
+                      <m:d>
+                        <m:dPr>
+                          <m:begChr m:val="{"/>
+                          <m:endChr m:val="}"/>
+                          <m:ctrlPr>
+                            <a:rPr lang="en-US" altLang="zh-CN" b="0" i="1" smtClean="0">
+                              <a:latin typeface="Cambria Math"/>
+                            </a:rPr>
+                          </m:ctrlPr>
+                        </m:dPr>
+                        <m:e>
+                          <m:r>
+                            <a:rPr lang="en-US" altLang="zh-CN" b="0" i="1" smtClean="0">
+                              <a:latin typeface="Cambria Math"/>
+                            </a:rPr>
+                            <m:t>𝑐</m:t>
+                          </m:r>
+                          <m:r>
+                            <a:rPr lang="en-US" altLang="zh-CN" b="0" i="1" smtClean="0">
+                              <a:latin typeface="Cambria Math"/>
+                            </a:rPr>
+                            <m:t>,</m:t>
+                          </m:r>
+                          <m:r>
+                            <a:rPr lang="en-US" altLang="zh-CN" b="0" i="1" smtClean="0">
+                              <a:latin typeface="Cambria Math"/>
+                            </a:rPr>
+                            <m:t>𝑑</m:t>
+                          </m:r>
+                        </m:e>
+                      </m:d>
+                      <m:r>
+                        <a:rPr lang="en-US" altLang="zh-CN" b="0" i="1" smtClean="0">
+                          <a:latin typeface="Cambria Math"/>
+                        </a:rPr>
+                        <m:t>=</m:t>
+                      </m:r>
+                      <m:d>
+                        <m:dPr>
+                          <m:begChr m:val="{"/>
+                          <m:endChr m:val="}"/>
+                          <m:ctrlPr>
+                            <a:rPr lang="en-US" altLang="zh-CN" b="0" i="1" smtClean="0">
+                              <a:latin typeface="Cambria Math"/>
+                            </a:rPr>
+                          </m:ctrlPr>
+                        </m:dPr>
+                        <m:e>
+                          <m:r>
+                            <a:rPr lang="en-US" altLang="zh-CN" b="0" i="1" smtClean="0">
+                              <a:latin typeface="Cambria Math"/>
+                            </a:rPr>
+                            <m:t>𝑏</m:t>
+                          </m:r>
+                        </m:e>
+                      </m:d>
+                    </m:oMath>
+                  </m:oMathPara>
+                </a14:m>
+                <a:endParaRPr lang="en-US" altLang="zh-CN" b="0" dirty="0" smtClean="0"/>
+              </a:p>
+              <a:p>
+                <a:pPr marL="0" indent="0">
+                  <a:buNone/>
+                </a:pPr>
+                <a14:m>
+                  <m:oMathPara xmlns:m="http://schemas.openxmlformats.org/officeDocument/2006/math">
+                    <m:oMathParaPr>
+                      <m:jc m:val="left"/>
+                    </m:oMathParaPr>
+                    <m:oMath xmlns:m="http://schemas.openxmlformats.org/officeDocument/2006/math">
+                      <m:r>
+                        <a:rPr lang="en-US" altLang="zh-CN" b="0" i="1" smtClean="0">
+                          <a:latin typeface="Cambria Math"/>
+                        </a:rPr>
+                        <m:t>𝐼</m:t>
+                      </m:r>
+                      <m:d>
+                        <m:dPr>
+                          <m:ctrlPr>
+                            <a:rPr lang="en-US" altLang="zh-CN" b="0" i="1" smtClean="0">
+                              <a:latin typeface="Cambria Math"/>
+                            </a:rPr>
+                          </m:ctrlPr>
+                        </m:dPr>
+                        <m:e>
+                          <m:d>
+                            <m:dPr>
+                              <m:begChr m:val="{"/>
+                              <m:endChr m:val="}"/>
+                              <m:ctrlPr>
+                                <a:rPr lang="en-US" altLang="zh-CN" b="0" i="1" smtClean="0">
+                                  <a:latin typeface="Cambria Math"/>
+                                </a:rPr>
+                              </m:ctrlPr>
+                            </m:dPr>
+                            <m:e>
+                              <m:r>
+                                <a:rPr lang="en-US" altLang="zh-CN" b="0" i="1" smtClean="0">
+                                  <a:latin typeface="Cambria Math"/>
+                                </a:rPr>
+                                <m:t>𝑎</m:t>
+                              </m:r>
+                            </m:e>
+                          </m:d>
+                          <m:r>
+                            <a:rPr lang="en-US" altLang="zh-CN" b="0" i="1" smtClean="0">
+                              <a:latin typeface="Cambria Math"/>
+                            </a:rPr>
+                            <m:t>,</m:t>
+                          </m:r>
+                          <m:d>
+                            <m:dPr>
+                              <m:begChr m:val="{"/>
+                              <m:endChr m:val="}"/>
+                              <m:ctrlPr>
+                                <a:rPr lang="en-US" altLang="zh-CN" b="0" i="1" smtClean="0">
+                                  <a:latin typeface="Cambria Math"/>
+                                </a:rPr>
+                              </m:ctrlPr>
+                            </m:dPr>
+                            <m:e>
+                              <m:r>
+                                <a:rPr lang="en-US" altLang="zh-CN" b="0" i="1" smtClean="0">
+                                  <a:latin typeface="Cambria Math"/>
+                                </a:rPr>
+                                <m:t>𝑏</m:t>
+                              </m:r>
+                            </m:e>
+                          </m:d>
+                        </m:e>
+                      </m:d>
+                      <m:r>
+                        <a:rPr lang="en-US" altLang="zh-CN" b="0" i="1" smtClean="0">
+                          <a:latin typeface="Cambria Math"/>
+                        </a:rPr>
+                        <m:t>=</m:t>
+                      </m:r>
+                      <m:d>
+                        <m:dPr>
+                          <m:begChr m:val="{"/>
+                          <m:endChr m:val="}"/>
+                          <m:ctrlPr>
+                            <a:rPr lang="en-US" altLang="zh-CN" b="0" i="1" smtClean="0">
+                              <a:latin typeface="Cambria Math"/>
+                            </a:rPr>
+                          </m:ctrlPr>
+                        </m:dPr>
+                        <m:e>
+                          <m:r>
+                            <a:rPr lang="en-US" altLang="zh-CN" b="0" i="1" smtClean="0">
+                              <a:latin typeface="Cambria Math"/>
+                            </a:rPr>
+                            <m:t>𝑏</m:t>
+                          </m:r>
+                          <m:r>
+                            <a:rPr lang="en-US" altLang="zh-CN" b="0" i="1" smtClean="0">
+                              <a:latin typeface="Cambria Math"/>
+                            </a:rPr>
+                            <m:t>,</m:t>
+                          </m:r>
+                          <m:r>
+                            <a:rPr lang="en-US" altLang="zh-CN" b="0" i="1" smtClean="0">
+                              <a:latin typeface="Cambria Math"/>
+                            </a:rPr>
+                            <m:t>𝑐</m:t>
+                          </m:r>
+                          <m:r>
+                            <a:rPr lang="en-US" altLang="zh-CN" b="0" i="1" smtClean="0">
+                              <a:latin typeface="Cambria Math"/>
+                            </a:rPr>
+                            <m:t>,</m:t>
+                          </m:r>
+                          <m:r>
+                            <a:rPr lang="en-US" altLang="zh-CN" b="0" i="1" smtClean="0">
+                              <a:latin typeface="Cambria Math"/>
+                            </a:rPr>
+                            <m:t>𝑑</m:t>
+                          </m:r>
+                        </m:e>
+                      </m:d>
+                      <m:r>
+                        <a:rPr lang="en-US" altLang="zh-CN" b="0" i="1" smtClean="0">
+                          <a:latin typeface="Cambria Math"/>
+                        </a:rPr>
+                        <m:t>−</m:t>
+                      </m:r>
+                      <m:d>
+                        <m:dPr>
+                          <m:begChr m:val="{"/>
+                          <m:endChr m:val="}"/>
+                          <m:ctrlPr>
+                            <a:rPr lang="en-US" altLang="zh-CN" b="0" i="1" smtClean="0">
+                              <a:latin typeface="Cambria Math"/>
+                            </a:rPr>
+                          </m:ctrlPr>
+                        </m:dPr>
+                        <m:e>
+                          <m:r>
+                            <a:rPr lang="en-US" altLang="zh-CN" b="0" i="1" smtClean="0">
+                              <a:latin typeface="Cambria Math"/>
+                            </a:rPr>
+                            <m:t>𝑏</m:t>
+                          </m:r>
+                        </m:e>
+                      </m:d>
+                      <m:r>
+                        <a:rPr lang="en-US" altLang="zh-CN" b="0" i="1" smtClean="0">
+                          <a:latin typeface="Cambria Math"/>
+                        </a:rPr>
+                        <m:t>−</m:t>
+                      </m:r>
+                      <m:d>
+                        <m:dPr>
+                          <m:begChr m:val="{"/>
+                          <m:endChr m:val="}"/>
+                          <m:ctrlPr>
+                            <a:rPr lang="en-US" altLang="zh-CN" b="0" i="1" smtClean="0">
+                              <a:latin typeface="Cambria Math"/>
+                            </a:rPr>
+                          </m:ctrlPr>
+                        </m:dPr>
+                        <m:e>
+                          <m:r>
+                            <a:rPr lang="en-US" altLang="zh-CN" b="0" i="1" smtClean="0">
+                              <a:latin typeface="Cambria Math"/>
+                            </a:rPr>
+                            <m:t>𝑐</m:t>
+                          </m:r>
+                          <m:r>
+                            <a:rPr lang="en-US" altLang="zh-CN" b="0" i="1" smtClean="0">
+                              <a:latin typeface="Cambria Math"/>
+                            </a:rPr>
+                            <m:t>,</m:t>
+                          </m:r>
+                          <m:r>
+                            <a:rPr lang="en-US" altLang="zh-CN" b="0" i="1" smtClean="0">
+                              <a:latin typeface="Cambria Math"/>
+                            </a:rPr>
+                            <m:t>𝑑</m:t>
+                          </m:r>
+                        </m:e>
+                      </m:d>
+                      <m:r>
+                        <a:rPr lang="en-US" altLang="zh-CN" b="0" i="1" smtClean="0">
+                          <a:latin typeface="Cambria Math"/>
+                        </a:rPr>
+                        <m:t>=∅</m:t>
+                      </m:r>
+                    </m:oMath>
+                  </m:oMathPara>
+                </a14:m>
+                <a:endParaRPr lang="en-US" altLang="zh-CN" dirty="0" smtClean="0"/>
+              </a:p>
+              <a:p>
+                <a:pPr marL="0" indent="0">
+                  <a:buNone/>
+                </a:pPr>
+                <a:endParaRPr lang="en-US" altLang="zh-CN" dirty="0" smtClean="0"/>
+              </a:p>
+            </p:txBody>
+          </p:sp>
+        </mc:Choice>
+        <mc:Fallback xmlns="">
+          <p:sp>
+            <p:nvSpPr>
+              <p:cNvPr id="3" name="内容占位符 2"/>
+              <p:cNvSpPr>
+                <a:spLocks noGrp="1" noRot="1" noChangeAspect="1" noMove="1" noResize="1" noEditPoints="1" noAdjustHandles="1" noChangeArrowheads="1" noChangeShapeType="1" noTextEdit="1"/>
+              </p:cNvSpPr>
+              <p:nvPr>
+                <p:ph sz="quarter" idx="1"/>
+              </p:nvPr>
+            </p:nvSpPr>
+            <p:spPr>
+              <a:blipFill rotWithShape="1">
+                <a:blip r:embed="rId2"/>
+                <a:stretch>
+                  <a:fillRect l="-833" t="-988"/>
+                </a:stretch>
+              </a:blipFill>
+            </p:spPr>
+            <p:txBody>
+              <a:bodyPr/>
+              <a:lstStyle/>
+              <a:p>
+                <a:r>
+                  <a:rPr lang="zh-CN" altLang="en-US">
+                    <a:noFill/>
+                  </a:rPr>
+                  <a:t> </a:t>
+                </a:r>
+              </a:p>
+            </p:txBody>
+          </p:sp>
+        </mc:Fallback>
+      </mc:AlternateContent>
+    </p:spTree>
+    <p:extLst>
+      <p:ext uri="{BB962C8B-B14F-4D97-AF65-F5344CB8AC3E}">
+        <p14:creationId xmlns:p14="http://schemas.microsoft.com/office/powerpoint/2010/main" val="1470278661"/>
+      </p:ext>
+    </p:extLst>
+  </p:cSld>
+  <p:clrMapOvr>
+    <a:masterClrMapping/>
+  </p:clrMapOvr>
+  <p:timing>
+    <p:tnLst>
+      <p:par>
+        <p:cTn id="1" dur="indefinite" restart="never" nodeType="tmRoot"/>
+      </p:par>
+    </p:tnLst>
+  </p:timing>
+</p:sld>
+</file>
+
+<file path=ppt/slides/slide36.xml><?xml version="1.0" encoding="utf-8"?>
+<p:sld xmlns:a="http://schemas.openxmlformats.org/drawingml/2006/main" xmlns:r="http://schemas.openxmlformats.org/officeDocument/2006/relationships" xmlns:p="http://schemas.openxmlformats.org/presentationml/2006/main">
+  <p:cSld>
+    <p:spTree>
+      <p:nvGrpSpPr>
+        <p:cNvPr id="1" name=""/>
+        <p:cNvGrpSpPr/>
+        <p:nvPr/>
+      </p:nvGrpSpPr>
+      <p:grpSpPr>
+        <a:xfrm>
+          <a:off x="0" y="0"/>
+          <a:ext cx="0" cy="0"/>
+          <a:chOff x="0" y="0"/>
+          <a:chExt cx="0" cy="0"/>
+        </a:xfrm>
+      </p:grpSpPr>
+      <p:sp>
+        <p:nvSpPr>
+          <p:cNvPr id="2" name="标题 1"/>
+          <p:cNvSpPr>
+            <a:spLocks noGrp="1"/>
+          </p:cNvSpPr>
+          <p:nvPr>
+            <p:ph type="title"/>
+          </p:nvPr>
+        </p:nvSpPr>
+        <p:spPr/>
+        <p:txBody>
+          <a:bodyPr/>
+          <a:lstStyle/>
+          <a:p>
+            <a:pPr algn="ctr"/>
+            <a:r>
+              <a:rPr lang="en-US" altLang="zh-CN" dirty="0" smtClean="0"/>
+              <a:t>I-step </a:t>
+            </a:r>
+            <a:r>
+              <a:rPr lang="en-US" altLang="zh-CN" dirty="0"/>
+              <a:t>pruning</a:t>
+            </a:r>
+          </a:p>
+        </p:txBody>
+      </p:sp>
+      <mc:AlternateContent xmlns:mc="http://schemas.openxmlformats.org/markup-compatibility/2006" xmlns:a14="http://schemas.microsoft.com/office/drawing/2010/main">
+        <mc:Choice Requires="a14">
+          <p:sp>
+            <p:nvSpPr>
+              <p:cNvPr id="3" name="内容占位符 2"/>
+              <p:cNvSpPr>
+                <a:spLocks noGrp="1"/>
+              </p:cNvSpPr>
+              <p:nvPr>
+                <p:ph idx="1"/>
+              </p:nvPr>
+            </p:nvSpPr>
+            <p:spPr>
+              <a:xfrm>
+                <a:off x="1223257" y="1603023"/>
+                <a:ext cx="8915400" cy="4152900"/>
+              </a:xfrm>
+            </p:spPr>
+            <p:txBody>
+              <a:bodyPr>
+                <a:normAutofit/>
+              </a:bodyPr>
+              <a:lstStyle/>
+              <a:p>
                 <a:r>
                   <a:rPr lang="en-US" altLang="zh-CN" dirty="0" smtClean="0"/>
                   <a:t>Sequence </a:t>
@@ -23537,7 +25610,6 @@
                 <a:endParaRPr lang="en-US" altLang="zh-CN" b="0" dirty="0" smtClean="0"/>
               </a:p>
               <a:p>
-                <a:pPr lvl="1"/>
                 <a:r>
                   <a:rPr lang="en-US" altLang="zh-CN" dirty="0" smtClean="0"/>
                   <a:t>I-Extended sequence </a:t>
@@ -23953,7 +26025,6 @@
                 <a:endParaRPr lang="en-US" altLang="zh-CN" dirty="0" smtClean="0"/>
               </a:p>
               <a:p>
-                <a:pPr lvl="1"/>
                 <a14:m>
                   <m:oMath xmlns:m="http://schemas.openxmlformats.org/officeDocument/2006/math">
                     <m:sSub>
@@ -24202,7 +26273,6 @@
                 </a:r>
               </a:p>
               <a:p>
-                <a:pPr lvl="1"/>
                 <a:r>
                   <a:rPr lang="en-US" altLang="zh-CN" dirty="0"/>
                   <a:t>Remove </a:t>
@@ -24292,6 +26362,253 @@
                     </m:sSub>
                   </m:oMath>
                 </a14:m>
+                <a:endParaRPr lang="en-US" altLang="zh-CN" dirty="0" smtClean="0"/>
+              </a:p>
+              <a:p>
+                <a14:m>
+                  <m:oMath xmlns:m="http://schemas.openxmlformats.org/officeDocument/2006/math">
+                    <m:r>
+                      <a:rPr lang="en-US" altLang="zh-CN" b="0" i="1" smtClean="0">
+                        <a:latin typeface="Cambria Math"/>
+                      </a:rPr>
+                      <m:t>(</m:t>
+                    </m:r>
+                    <m:r>
+                      <a:rPr lang="en-US" altLang="zh-CN" b="0" i="1" smtClean="0">
+                        <a:latin typeface="Cambria Math"/>
+                      </a:rPr>
+                      <m:t>𝑠</m:t>
+                    </m:r>
+                    <m:r>
+                      <a:rPr lang="en-US" altLang="zh-CN" b="0" i="1" smtClean="0">
+                        <a:latin typeface="Cambria Math"/>
+                      </a:rPr>
+                      <m:t>,</m:t>
+                    </m:r>
+                    <m:d>
+                      <m:dPr>
+                        <m:begChr m:val="{"/>
+                        <m:endChr m:val="}"/>
+                        <m:ctrlPr>
+                          <a:rPr lang="en-US" altLang="zh-CN" b="0" i="1" smtClean="0">
+                            <a:latin typeface="Cambria Math"/>
+                          </a:rPr>
+                        </m:ctrlPr>
+                      </m:dPr>
+                      <m:e>
+                        <m:sSub>
+                          <m:sSubPr>
+                            <m:ctrlPr>
+                              <a:rPr lang="en-US" altLang="zh-CN" b="0" i="1" smtClean="0">
+                                <a:latin typeface="Cambria Math"/>
+                              </a:rPr>
+                            </m:ctrlPr>
+                          </m:sSubPr>
+                          <m:e>
+                            <m:r>
+                              <a:rPr lang="en-US" altLang="zh-CN" b="0" i="1" smtClean="0">
+                                <a:latin typeface="Cambria Math"/>
+                              </a:rPr>
+                              <m:t>𝑖</m:t>
+                            </m:r>
+                          </m:e>
+                          <m:sub>
+                            <m:r>
+                              <a:rPr lang="en-US" altLang="zh-CN" b="0" i="1" smtClean="0">
+                                <a:latin typeface="Cambria Math"/>
+                              </a:rPr>
+                              <m:t>𝑙</m:t>
+                            </m:r>
+                          </m:sub>
+                        </m:sSub>
+                      </m:e>
+                    </m:d>
+                    <m:r>
+                      <a:rPr lang="en-US" altLang="zh-CN" b="0" i="1" smtClean="0">
+                        <a:latin typeface="Cambria Math"/>
+                      </a:rPr>
+                      <m:t>)</m:t>
+                    </m:r>
+                  </m:oMath>
+                </a14:m>
+                <a:r>
+                  <a:rPr lang="en-US" altLang="zh-CN" dirty="0" smtClean="0"/>
+                  <a:t> is infrequent </a:t>
+                </a:r>
+                <a:r>
+                  <a:rPr lang="en-US" altLang="zh-CN" dirty="0" smtClean="0">
+                    <a:sym typeface="Wingdings" pitchFamily="2" charset="2"/>
+                  </a:rPr>
+                  <a:t></a:t>
+                </a:r>
+                <a14:m>
+                  <m:oMath xmlns:m="http://schemas.openxmlformats.org/officeDocument/2006/math">
+                    <m:d>
+                      <m:dPr>
+                        <m:ctrlPr>
+                          <a:rPr lang="en-US" altLang="zh-CN" b="0" i="1" smtClean="0">
+                            <a:latin typeface="Cambria Math"/>
+                            <a:sym typeface="Wingdings" pitchFamily="2" charset="2"/>
+                          </a:rPr>
+                        </m:ctrlPr>
+                      </m:dPr>
+                      <m:e>
+                        <m:sSub>
+                          <m:sSubPr>
+                            <m:ctrlPr>
+                              <a:rPr lang="en-US" altLang="zh-CN" b="0" i="1" smtClean="0">
+                                <a:latin typeface="Cambria Math"/>
+                                <a:sym typeface="Wingdings" pitchFamily="2" charset="2"/>
+                              </a:rPr>
+                            </m:ctrlPr>
+                          </m:sSubPr>
+                          <m:e>
+                            <m:r>
+                              <a:rPr lang="en-US" altLang="zh-CN" b="0" i="1" smtClean="0">
+                                <a:latin typeface="Cambria Math"/>
+                                <a:sym typeface="Wingdings" pitchFamily="2" charset="2"/>
+                              </a:rPr>
+                              <m:t>𝑠</m:t>
+                            </m:r>
+                          </m:e>
+                          <m:sub>
+                            <m:r>
+                              <a:rPr lang="en-US" altLang="zh-CN" b="0" i="1" smtClean="0">
+                                <a:latin typeface="Cambria Math"/>
+                                <a:sym typeface="Wingdings" pitchFamily="2" charset="2"/>
+                              </a:rPr>
+                              <m:t>𝑎</m:t>
+                            </m:r>
+                          </m:sub>
+                        </m:sSub>
+                        <m:r>
+                          <a:rPr lang="en-US" altLang="zh-CN" b="0" i="1" smtClean="0">
+                            <a:latin typeface="Cambria Math"/>
+                            <a:sym typeface="Wingdings" pitchFamily="2" charset="2"/>
+                          </a:rPr>
+                          <m:t>,</m:t>
+                        </m:r>
+                        <m:d>
+                          <m:dPr>
+                            <m:begChr m:val="{"/>
+                            <m:endChr m:val="}"/>
+                            <m:ctrlPr>
+                              <a:rPr lang="en-US" altLang="zh-CN" b="0" i="1" smtClean="0">
+                                <a:latin typeface="Cambria Math"/>
+                                <a:sym typeface="Wingdings" pitchFamily="2" charset="2"/>
+                              </a:rPr>
+                            </m:ctrlPr>
+                          </m:dPr>
+                          <m:e>
+                            <m:sSub>
+                              <m:sSubPr>
+                                <m:ctrlPr>
+                                  <a:rPr lang="en-US" altLang="zh-CN" b="0" i="1" smtClean="0">
+                                    <a:latin typeface="Cambria Math"/>
+                                    <a:sym typeface="Wingdings" pitchFamily="2" charset="2"/>
+                                  </a:rPr>
+                                </m:ctrlPr>
+                              </m:sSubPr>
+                              <m:e>
+                                <m:r>
+                                  <a:rPr lang="en-US" altLang="zh-CN" b="0" i="1" smtClean="0">
+                                    <a:latin typeface="Cambria Math"/>
+                                    <a:sym typeface="Wingdings" pitchFamily="2" charset="2"/>
+                                  </a:rPr>
+                                  <m:t>𝑖</m:t>
+                                </m:r>
+                              </m:e>
+                              <m:sub>
+                                <m:r>
+                                  <a:rPr lang="en-US" altLang="zh-CN" b="0" i="1" smtClean="0">
+                                    <a:latin typeface="Cambria Math"/>
+                                    <a:sym typeface="Wingdings" pitchFamily="2" charset="2"/>
+                                  </a:rPr>
+                                  <m:t>𝑙</m:t>
+                                </m:r>
+                              </m:sub>
+                            </m:sSub>
+                          </m:e>
+                        </m:d>
+                      </m:e>
+                    </m:d>
+                  </m:oMath>
+                </a14:m>
+                <a:r>
+                  <a:rPr lang="en-US" altLang="zh-CN" dirty="0" smtClean="0"/>
+                  <a:t> is infrequent</a:t>
+                </a:r>
+              </a:p>
+              <a:p>
+                <a:r>
+                  <a:rPr lang="en-US" altLang="zh-CN" dirty="0" smtClean="0"/>
+                  <a:t>Remove the same </a:t>
+                </a:r>
+                <a:r>
+                  <a:rPr lang="en-US" altLang="zh-CN" dirty="0" err="1" smtClean="0"/>
+                  <a:t>itemset</a:t>
+                </a:r>
+                <a:r>
+                  <a:rPr lang="en-US" altLang="zh-CN" dirty="0" smtClean="0"/>
+                  <a:t> from </a:t>
+                </a:r>
+                <a14:m>
+                  <m:oMath xmlns:m="http://schemas.openxmlformats.org/officeDocument/2006/math">
+                    <m:sSub>
+                      <m:sSubPr>
+                        <m:ctrlPr>
+                          <a:rPr lang="en-US" altLang="zh-CN" b="0" i="1" smtClean="0">
+                            <a:latin typeface="Cambria Math"/>
+                          </a:rPr>
+                        </m:ctrlPr>
+                      </m:sSubPr>
+                      <m:e>
+                        <m:r>
+                          <a:rPr lang="en-US" altLang="zh-CN" b="0" i="1" smtClean="0">
+                            <a:latin typeface="Cambria Math"/>
+                          </a:rPr>
+                          <m:t>𝑆</m:t>
+                        </m:r>
+                      </m:e>
+                      <m:sub>
+                        <m:sSub>
+                          <m:sSubPr>
+                            <m:ctrlPr>
+                              <a:rPr lang="en-US" altLang="zh-CN" b="0" i="1" smtClean="0">
+                                <a:latin typeface="Cambria Math"/>
+                              </a:rPr>
+                            </m:ctrlPr>
+                          </m:sSubPr>
+                          <m:e>
+                            <m:r>
+                              <a:rPr lang="en-US" altLang="zh-CN" b="0" i="1" smtClean="0">
+                                <a:latin typeface="Cambria Math"/>
+                              </a:rPr>
+                              <m:t>𝑠</m:t>
+                            </m:r>
+                          </m:e>
+                          <m:sub>
+                            <m:r>
+                              <a:rPr lang="en-US" altLang="zh-CN" b="0" i="1" smtClean="0">
+                                <a:latin typeface="Cambria Math"/>
+                              </a:rPr>
+                              <m:t>𝑎</m:t>
+                            </m:r>
+                          </m:sub>
+                        </m:sSub>
+                      </m:sub>
+                    </m:sSub>
+                  </m:oMath>
+                </a14:m>
+                <a:r>
+                  <a:rPr lang="en-US" altLang="zh-CN" dirty="0" smtClean="0"/>
+                  <a:t> in S-step pruning</a:t>
+                </a:r>
+              </a:p>
+              <a:p>
+                <a:pPr marL="0" indent="0">
+                  <a:buNone/>
+                </a:pPr>
                 <a:endParaRPr lang="en-US" altLang="zh-CN" dirty="0"/>
               </a:p>
               <a:p>
@@ -24320,7 +26637,7 @@
               <a:blipFill rotWithShape="1">
                 <a:blip r:embed="rId2"/>
                 <a:stretch>
-                  <a:fillRect l="-479" t="-2937" b="-1028"/>
+                  <a:fillRect l="-616" t="-1322"/>
                 </a:stretch>
               </a:blipFill>
             </p:spPr>
@@ -24342,7 +26659,7 @@
     </p:spTree>
     <p:extLst>
       <p:ext uri="{BB962C8B-B14F-4D97-AF65-F5344CB8AC3E}">
-        <p14:creationId xmlns:p14="http://schemas.microsoft.com/office/powerpoint/2010/main" val="1300645110"/>
+        <p14:creationId xmlns:p14="http://schemas.microsoft.com/office/powerpoint/2010/main" val="3529792015"/>
       </p:ext>
     </p:extLst>
   </p:cSld>
@@ -24359,7 +26676,2382 @@
 </p:sld>
 </file>
 
-<file path=ppt/slides/slide35.xml><?xml version="1.0" encoding="utf-8"?>
+<file path=ppt/slides/slide37.xml><?xml version="1.0" encoding="utf-8"?>
+<p:sld xmlns:a="http://schemas.openxmlformats.org/drawingml/2006/main" xmlns:r="http://schemas.openxmlformats.org/officeDocument/2006/relationships" xmlns:p="http://schemas.openxmlformats.org/presentationml/2006/main">
+  <p:cSld>
+    <p:spTree>
+      <p:nvGrpSpPr>
+        <p:cNvPr id="1" name=""/>
+        <p:cNvGrpSpPr/>
+        <p:nvPr/>
+      </p:nvGrpSpPr>
+      <p:grpSpPr>
+        <a:xfrm>
+          <a:off x="0" y="0"/>
+          <a:ext cx="0" cy="0"/>
+          <a:chOff x="0" y="0"/>
+          <a:chExt cx="0" cy="0"/>
+        </a:xfrm>
+      </p:grpSpPr>
+      <p:sp>
+        <p:nvSpPr>
+          <p:cNvPr id="2" name="标题 1"/>
+          <p:cNvSpPr>
+            <a:spLocks noGrp="1"/>
+          </p:cNvSpPr>
+          <p:nvPr>
+            <p:ph type="title"/>
+          </p:nvPr>
+        </p:nvSpPr>
+        <p:spPr/>
+        <p:txBody>
+          <a:bodyPr/>
+          <a:lstStyle/>
+          <a:p>
+            <a:pPr algn="ctr"/>
+            <a:r>
+              <a:rPr lang="en-US" altLang="zh-CN" dirty="0" smtClean="0"/>
+              <a:t>I-step Pruning Example</a:t>
+            </a:r>
+            <a:endParaRPr lang="zh-CN" altLang="en-US" dirty="0"/>
+          </a:p>
+        </p:txBody>
+      </p:sp>
+      <mc:AlternateContent xmlns:mc="http://schemas.openxmlformats.org/markup-compatibility/2006" xmlns:a14="http://schemas.microsoft.com/office/drawing/2010/main">
+        <mc:Choice Requires="a14">
+          <p:sp>
+            <p:nvSpPr>
+              <p:cNvPr id="3" name="内容占位符 2"/>
+              <p:cNvSpPr>
+                <a:spLocks noGrp="1"/>
+              </p:cNvSpPr>
+              <p:nvPr>
+                <p:ph sz="quarter" idx="1"/>
+              </p:nvPr>
+            </p:nvSpPr>
+            <p:spPr/>
+            <p:txBody>
+              <a:bodyPr/>
+              <a:lstStyle/>
+              <a:p>
+                <a:pPr marL="0" indent="0">
+                  <a:buNone/>
+                </a:pPr>
+                <a:r>
+                  <a:rPr lang="en-US" altLang="zh-CN" dirty="0" smtClean="0"/>
+                  <a:t>Node ({a}), </a:t>
+                </a:r>
+                <a14:m>
+                  <m:oMath xmlns:m="http://schemas.openxmlformats.org/officeDocument/2006/math">
+                    <m:sSub>
+                      <m:sSubPr>
+                        <m:ctrlPr>
+                          <a:rPr lang="en-US" altLang="zh-CN" i="1">
+                            <a:latin typeface="Cambria Math"/>
+                          </a:rPr>
+                        </m:ctrlPr>
+                      </m:sSubPr>
+                      <m:e>
+                        <m:r>
+                          <a:rPr lang="en-US" altLang="zh-CN" i="1">
+                            <a:latin typeface="Cambria Math"/>
+                          </a:rPr>
+                          <m:t>𝑆</m:t>
+                        </m:r>
+                      </m:e>
+                      <m:sub>
+                        <m:r>
+                          <a:rPr lang="en-US" altLang="zh-CN" i="1">
+                            <a:latin typeface="Cambria Math"/>
+                          </a:rPr>
+                          <m:t>(</m:t>
+                        </m:r>
+                        <m:d>
+                          <m:dPr>
+                            <m:begChr m:val="{"/>
+                            <m:endChr m:val="}"/>
+                            <m:ctrlPr>
+                              <a:rPr lang="en-US" altLang="zh-CN" i="1">
+                                <a:latin typeface="Cambria Math"/>
+                              </a:rPr>
+                            </m:ctrlPr>
+                          </m:dPr>
+                          <m:e>
+                            <m:r>
+                              <a:rPr lang="en-US" altLang="zh-CN" i="1">
+                                <a:latin typeface="Cambria Math"/>
+                              </a:rPr>
+                              <m:t>𝑎</m:t>
+                            </m:r>
+                          </m:e>
+                        </m:d>
+                        <m:r>
+                          <a:rPr lang="en-US" altLang="zh-CN" i="1">
+                            <a:latin typeface="Cambria Math"/>
+                          </a:rPr>
+                          <m:t>)</m:t>
+                        </m:r>
+                      </m:sub>
+                    </m:sSub>
+                    <m:r>
+                      <a:rPr lang="en-US" altLang="zh-CN" i="1">
+                        <a:latin typeface="Cambria Math"/>
+                      </a:rPr>
+                      <m:t>=</m:t>
+                    </m:r>
+                    <m:d>
+                      <m:dPr>
+                        <m:begChr m:val="{"/>
+                        <m:endChr m:val="}"/>
+                        <m:ctrlPr>
+                          <a:rPr lang="en-US" altLang="zh-CN" i="1">
+                            <a:latin typeface="Cambria Math"/>
+                          </a:rPr>
+                        </m:ctrlPr>
+                      </m:dPr>
+                      <m:e>
+                        <m:r>
+                          <a:rPr lang="en-US" altLang="zh-CN" i="1">
+                            <a:latin typeface="Cambria Math"/>
+                          </a:rPr>
+                          <m:t>𝑎</m:t>
+                        </m:r>
+                        <m:r>
+                          <a:rPr lang="en-US" altLang="zh-CN" i="1">
+                            <a:latin typeface="Cambria Math"/>
+                          </a:rPr>
+                          <m:t>,</m:t>
+                        </m:r>
+                        <m:r>
+                          <a:rPr lang="en-US" altLang="zh-CN" i="1">
+                            <a:latin typeface="Cambria Math"/>
+                          </a:rPr>
+                          <m:t>𝑏</m:t>
+                        </m:r>
+                        <m:r>
+                          <a:rPr lang="en-US" altLang="zh-CN" i="1">
+                            <a:latin typeface="Cambria Math"/>
+                          </a:rPr>
+                          <m:t>,</m:t>
+                        </m:r>
+                        <m:r>
+                          <a:rPr lang="en-US" altLang="zh-CN" i="1">
+                            <a:latin typeface="Cambria Math"/>
+                          </a:rPr>
+                          <m:t>𝑐</m:t>
+                        </m:r>
+                        <m:r>
+                          <a:rPr lang="en-US" altLang="zh-CN" i="1">
+                            <a:latin typeface="Cambria Math"/>
+                          </a:rPr>
+                          <m:t>,</m:t>
+                        </m:r>
+                        <m:r>
+                          <a:rPr lang="en-US" altLang="zh-CN" i="1">
+                            <a:latin typeface="Cambria Math"/>
+                          </a:rPr>
+                          <m:t>𝑑</m:t>
+                        </m:r>
+                      </m:e>
+                    </m:d>
+                    <m:r>
+                      <a:rPr lang="en-US" altLang="zh-CN" i="1">
+                        <a:latin typeface="Cambria Math"/>
+                      </a:rPr>
+                      <m:t>,</m:t>
+                    </m:r>
+                    <m:sSub>
+                      <m:sSubPr>
+                        <m:ctrlPr>
+                          <a:rPr lang="en-US" altLang="zh-CN" i="1">
+                            <a:latin typeface="Cambria Math"/>
+                          </a:rPr>
+                        </m:ctrlPr>
+                      </m:sSubPr>
+                      <m:e>
+                        <m:r>
+                          <a:rPr lang="en-US" altLang="zh-CN" i="1">
+                            <a:latin typeface="Cambria Math"/>
+                          </a:rPr>
+                          <m:t>𝐼</m:t>
+                        </m:r>
+                      </m:e>
+                      <m:sub>
+                        <m:r>
+                          <a:rPr lang="en-US" altLang="zh-CN" i="1">
+                            <a:latin typeface="Cambria Math"/>
+                          </a:rPr>
+                          <m:t>(</m:t>
+                        </m:r>
+                        <m:d>
+                          <m:dPr>
+                            <m:begChr m:val="{"/>
+                            <m:endChr m:val="}"/>
+                            <m:ctrlPr>
+                              <a:rPr lang="en-US" altLang="zh-CN" i="1">
+                                <a:latin typeface="Cambria Math"/>
+                              </a:rPr>
+                            </m:ctrlPr>
+                          </m:dPr>
+                          <m:e>
+                            <m:r>
+                              <a:rPr lang="en-US" altLang="zh-CN" i="1">
+                                <a:latin typeface="Cambria Math"/>
+                              </a:rPr>
+                              <m:t>𝑎</m:t>
+                            </m:r>
+                          </m:e>
+                        </m:d>
+                        <m:r>
+                          <a:rPr lang="en-US" altLang="zh-CN" i="1">
+                            <a:latin typeface="Cambria Math"/>
+                          </a:rPr>
+                          <m:t>)</m:t>
+                        </m:r>
+                      </m:sub>
+                    </m:sSub>
+                    <m:r>
+                      <a:rPr lang="en-US" altLang="zh-CN" i="1">
+                        <a:latin typeface="Cambria Math"/>
+                      </a:rPr>
+                      <m:t>={</m:t>
+                    </m:r>
+                    <m:r>
+                      <a:rPr lang="en-US" altLang="zh-CN" i="1">
+                        <a:latin typeface="Cambria Math"/>
+                      </a:rPr>
+                      <m:t>𝑏</m:t>
+                    </m:r>
+                    <m:r>
+                      <a:rPr lang="en-US" altLang="zh-CN" i="1">
+                        <a:latin typeface="Cambria Math"/>
+                      </a:rPr>
+                      <m:t>,</m:t>
+                    </m:r>
+                    <m:r>
+                      <a:rPr lang="en-US" altLang="zh-CN" i="1">
+                        <a:latin typeface="Cambria Math"/>
+                      </a:rPr>
+                      <m:t>𝑐</m:t>
+                    </m:r>
+                    <m:r>
+                      <a:rPr lang="en-US" altLang="zh-CN" i="1">
+                        <a:latin typeface="Cambria Math"/>
+                      </a:rPr>
+                      <m:t>,</m:t>
+                    </m:r>
+                    <m:r>
+                      <a:rPr lang="en-US" altLang="zh-CN" i="1">
+                        <a:latin typeface="Cambria Math"/>
+                      </a:rPr>
+                      <m:t>𝑑</m:t>
+                    </m:r>
+                    <m:r>
+                      <a:rPr lang="en-US" altLang="zh-CN" i="1">
+                        <a:latin typeface="Cambria Math"/>
+                      </a:rPr>
+                      <m:t>}</m:t>
+                    </m:r>
+                  </m:oMath>
+                </a14:m>
+                <a:endParaRPr lang="en-US" altLang="zh-CN" dirty="0"/>
+              </a:p>
+              <a:p>
+                <a:pPr marL="0" indent="0">
+                  <a:buNone/>
+                </a:pPr>
+                <a:r>
+                  <a:rPr lang="en-US" altLang="zh-CN" dirty="0" smtClean="0"/>
+                  <a:t>I-Extended: </a:t>
+                </a:r>
+                <a14:m>
+                  <m:oMath xmlns:m="http://schemas.openxmlformats.org/officeDocument/2006/math">
+                    <m:d>
+                      <m:dPr>
+                        <m:ctrlPr>
+                          <a:rPr lang="en-US" altLang="zh-CN" b="0" i="1" smtClean="0">
+                            <a:latin typeface="Cambria Math"/>
+                          </a:rPr>
+                        </m:ctrlPr>
+                      </m:dPr>
+                      <m:e>
+                        <m:d>
+                          <m:dPr>
+                            <m:begChr m:val="{"/>
+                            <m:endChr m:val="}"/>
+                            <m:ctrlPr>
+                              <a:rPr lang="en-US" altLang="zh-CN" b="0" i="1" smtClean="0">
+                                <a:latin typeface="Cambria Math"/>
+                              </a:rPr>
+                            </m:ctrlPr>
+                          </m:dPr>
+                          <m:e>
+                            <m:r>
+                              <a:rPr lang="en-US" altLang="zh-CN" b="0" i="1" smtClean="0">
+                                <a:latin typeface="Cambria Math"/>
+                              </a:rPr>
+                              <m:t>𝑎</m:t>
+                            </m:r>
+                            <m:r>
+                              <a:rPr lang="en-US" altLang="zh-CN" b="0" i="1" smtClean="0">
+                                <a:latin typeface="Cambria Math"/>
+                              </a:rPr>
+                              <m:t>,</m:t>
+                            </m:r>
+                            <m:r>
+                              <a:rPr lang="en-US" altLang="zh-CN" b="0" i="1" smtClean="0">
+                                <a:latin typeface="Cambria Math"/>
+                              </a:rPr>
+                              <m:t>𝑏</m:t>
+                            </m:r>
+                          </m:e>
+                        </m:d>
+                      </m:e>
+                    </m:d>
+                    <m:r>
+                      <a:rPr lang="en-US" altLang="zh-CN" b="0" i="1" smtClean="0">
+                        <a:latin typeface="Cambria Math"/>
+                      </a:rPr>
+                      <m:t>,</m:t>
+                    </m:r>
+                    <m:d>
+                      <m:dPr>
+                        <m:ctrlPr>
+                          <a:rPr lang="en-US" altLang="zh-CN" b="0" i="1" smtClean="0">
+                            <a:latin typeface="Cambria Math"/>
+                          </a:rPr>
+                        </m:ctrlPr>
+                      </m:dPr>
+                      <m:e>
+                        <m:d>
+                          <m:dPr>
+                            <m:begChr m:val="{"/>
+                            <m:endChr m:val="}"/>
+                            <m:ctrlPr>
+                              <a:rPr lang="en-US" altLang="zh-CN" b="0" i="1" smtClean="0">
+                                <a:latin typeface="Cambria Math"/>
+                              </a:rPr>
+                            </m:ctrlPr>
+                          </m:dPr>
+                          <m:e>
+                            <m:r>
+                              <a:rPr lang="en-US" altLang="zh-CN" b="0" i="1" smtClean="0">
+                                <a:latin typeface="Cambria Math"/>
+                              </a:rPr>
+                              <m:t>𝑎</m:t>
+                            </m:r>
+                            <m:r>
+                              <a:rPr lang="en-US" altLang="zh-CN" b="0" i="1" smtClean="0">
+                                <a:latin typeface="Cambria Math"/>
+                              </a:rPr>
+                              <m:t>,</m:t>
+                            </m:r>
+                            <m:r>
+                              <a:rPr lang="en-US" altLang="zh-CN" b="0" i="1" smtClean="0">
+                                <a:latin typeface="Cambria Math"/>
+                              </a:rPr>
+                              <m:t>𝑐</m:t>
+                            </m:r>
+                          </m:e>
+                        </m:d>
+                      </m:e>
+                    </m:d>
+                    <m:r>
+                      <a:rPr lang="en-US" altLang="zh-CN" b="0" i="1" smtClean="0">
+                        <a:latin typeface="Cambria Math"/>
+                      </a:rPr>
+                      <m:t>,(</m:t>
+                    </m:r>
+                    <m:d>
+                      <m:dPr>
+                        <m:begChr m:val="{"/>
+                        <m:endChr m:val="}"/>
+                        <m:ctrlPr>
+                          <a:rPr lang="en-US" altLang="zh-CN" b="0" i="1" smtClean="0">
+                            <a:latin typeface="Cambria Math"/>
+                          </a:rPr>
+                        </m:ctrlPr>
+                      </m:dPr>
+                      <m:e>
+                        <m:r>
+                          <a:rPr lang="en-US" altLang="zh-CN" b="0" i="1" smtClean="0">
+                            <a:latin typeface="Cambria Math"/>
+                          </a:rPr>
+                          <m:t>𝑎</m:t>
+                        </m:r>
+                        <m:r>
+                          <a:rPr lang="en-US" altLang="zh-CN" b="0" i="1" smtClean="0">
+                            <a:latin typeface="Cambria Math"/>
+                          </a:rPr>
+                          <m:t>,</m:t>
+                        </m:r>
+                        <m:r>
+                          <a:rPr lang="en-US" altLang="zh-CN" b="0" i="1" smtClean="0">
+                            <a:latin typeface="Cambria Math"/>
+                          </a:rPr>
+                          <m:t>𝑑</m:t>
+                        </m:r>
+                      </m:e>
+                    </m:d>
+                    <m:r>
+                      <a:rPr lang="en-US" altLang="zh-CN" b="0" i="1" smtClean="0">
+                        <a:latin typeface="Cambria Math"/>
+                      </a:rPr>
+                      <m:t>)</m:t>
+                    </m:r>
+                  </m:oMath>
+                </a14:m>
+                <a:endParaRPr lang="en-US" altLang="zh-CN" dirty="0" smtClean="0"/>
+              </a:p>
+              <a:p>
+                <a:pPr marL="0" indent="0">
+                  <a:buNone/>
+                </a:pPr>
+                <a14:m>
+                  <m:oMath xmlns:m="http://schemas.openxmlformats.org/officeDocument/2006/math">
+                    <m:d>
+                      <m:dPr>
+                        <m:begChr m:val="{"/>
+                        <m:endChr m:val="}"/>
+                        <m:ctrlPr>
+                          <a:rPr lang="en-US" altLang="zh-CN" b="0" i="1" smtClean="0">
+                            <a:latin typeface="Cambria Math"/>
+                          </a:rPr>
+                        </m:ctrlPr>
+                      </m:dPr>
+                      <m:e>
+                        <m:r>
+                          <a:rPr lang="en-US" altLang="zh-CN" b="0" i="1" smtClean="0">
+                            <a:latin typeface="Cambria Math"/>
+                          </a:rPr>
+                          <m:t>𝑎</m:t>
+                        </m:r>
+                        <m:r>
+                          <a:rPr lang="en-US" altLang="zh-CN" b="0" i="1" smtClean="0">
+                            <a:latin typeface="Cambria Math"/>
+                          </a:rPr>
+                          <m:t>,</m:t>
+                        </m:r>
+                        <m:r>
+                          <a:rPr lang="en-US" altLang="zh-CN" b="0" i="1" smtClean="0">
+                            <a:latin typeface="Cambria Math"/>
+                          </a:rPr>
+                          <m:t>𝑐</m:t>
+                        </m:r>
+                      </m:e>
+                    </m:d>
+                    <m:r>
+                      <a:rPr lang="en-US" altLang="zh-CN" b="0" i="1" smtClean="0">
+                        <a:latin typeface="Cambria Math"/>
+                      </a:rPr>
+                      <m:t>𝑖𝑠</m:t>
+                    </m:r>
+                    <m:r>
+                      <a:rPr lang="en-US" altLang="zh-CN" b="0" i="1" smtClean="0">
+                        <a:latin typeface="Cambria Math"/>
+                      </a:rPr>
+                      <m:t> </m:t>
+                    </m:r>
+                    <m:r>
+                      <a:rPr lang="en-US" altLang="zh-CN" b="0" i="1" smtClean="0">
+                        <a:latin typeface="Cambria Math"/>
+                      </a:rPr>
+                      <m:t>𝑖𝑛𝑓𝑟𝑒𝑞𝑢𝑒𝑛𝑡</m:t>
+                    </m:r>
+                  </m:oMath>
+                </a14:m>
+                <a:r>
+                  <a:rPr lang="en-US" altLang="zh-CN" dirty="0" smtClean="0">
+                    <a:sym typeface="Wingdings" pitchFamily="2" charset="2"/>
+                  </a:rPr>
+                  <a:t></a:t>
+                </a:r>
+              </a:p>
+              <a:p>
+                <a:pPr marL="0" indent="0">
+                  <a:buNone/>
+                </a:pPr>
+                <a14:m>
+                  <m:oMath xmlns:m="http://schemas.openxmlformats.org/officeDocument/2006/math">
+                    <m:d>
+                      <m:dPr>
+                        <m:ctrlPr>
+                          <a:rPr lang="en-US" altLang="zh-CN" b="0" i="1" smtClean="0">
+                            <a:latin typeface="Cambria Math"/>
+                            <a:sym typeface="Wingdings" pitchFamily="2" charset="2"/>
+                          </a:rPr>
+                        </m:ctrlPr>
+                      </m:dPr>
+                      <m:e>
+                        <m:d>
+                          <m:dPr>
+                            <m:begChr m:val="{"/>
+                            <m:endChr m:val="}"/>
+                            <m:ctrlPr>
+                              <a:rPr lang="en-US" altLang="zh-CN" b="0" i="1" smtClean="0">
+                                <a:latin typeface="Cambria Math"/>
+                                <a:sym typeface="Wingdings" pitchFamily="2" charset="2"/>
+                              </a:rPr>
+                            </m:ctrlPr>
+                          </m:dPr>
+                          <m:e>
+                            <m:r>
+                              <a:rPr lang="en-US" altLang="zh-CN" b="0" i="1" smtClean="0">
+                                <a:latin typeface="Cambria Math"/>
+                                <a:sym typeface="Wingdings" pitchFamily="2" charset="2"/>
+                              </a:rPr>
+                              <m:t>𝑎</m:t>
+                            </m:r>
+                            <m:r>
+                              <a:rPr lang="en-US" altLang="zh-CN" b="0" i="1" smtClean="0">
+                                <a:latin typeface="Cambria Math"/>
+                                <a:sym typeface="Wingdings" pitchFamily="2" charset="2"/>
+                              </a:rPr>
+                              <m:t>,</m:t>
+                            </m:r>
+                            <m:r>
+                              <a:rPr lang="en-US" altLang="zh-CN" b="0" i="1" smtClean="0">
+                                <a:latin typeface="Cambria Math"/>
+                                <a:sym typeface="Wingdings" pitchFamily="2" charset="2"/>
+                              </a:rPr>
+                              <m:t>𝑏</m:t>
+                            </m:r>
+                            <m:r>
+                              <a:rPr lang="en-US" altLang="zh-CN" b="0" i="1" smtClean="0">
+                                <a:latin typeface="Cambria Math"/>
+                                <a:sym typeface="Wingdings" pitchFamily="2" charset="2"/>
+                              </a:rPr>
+                              <m:t>,</m:t>
+                            </m:r>
+                            <m:r>
+                              <a:rPr lang="en-US" altLang="zh-CN" b="0" i="1" smtClean="0">
+                                <a:latin typeface="Cambria Math"/>
+                                <a:sym typeface="Wingdings" pitchFamily="2" charset="2"/>
+                              </a:rPr>
+                              <m:t>𝑐</m:t>
+                            </m:r>
+                          </m:e>
+                        </m:d>
+                      </m:e>
+                    </m:d>
+                    <m:r>
+                      <a:rPr lang="en-US" altLang="zh-CN" b="0" i="1" smtClean="0">
+                        <a:latin typeface="Cambria Math"/>
+                        <a:sym typeface="Wingdings" pitchFamily="2" charset="2"/>
+                      </a:rPr>
+                      <m:t>,(</m:t>
+                    </m:r>
+                    <m:d>
+                      <m:dPr>
+                        <m:begChr m:val="{"/>
+                        <m:endChr m:val="}"/>
+                        <m:ctrlPr>
+                          <a:rPr lang="en-US" altLang="zh-CN" b="0" i="1" smtClean="0">
+                            <a:latin typeface="Cambria Math"/>
+                            <a:sym typeface="Wingdings" pitchFamily="2" charset="2"/>
+                          </a:rPr>
+                        </m:ctrlPr>
+                      </m:dPr>
+                      <m:e>
+                        <m:r>
+                          <a:rPr lang="en-US" altLang="zh-CN" b="0" i="1" smtClean="0">
+                            <a:latin typeface="Cambria Math"/>
+                            <a:sym typeface="Wingdings" pitchFamily="2" charset="2"/>
+                          </a:rPr>
+                          <m:t>𝑎</m:t>
+                        </m:r>
+                        <m:r>
+                          <a:rPr lang="en-US" altLang="zh-CN" b="0" i="1" smtClean="0">
+                            <a:latin typeface="Cambria Math"/>
+                            <a:sym typeface="Wingdings" pitchFamily="2" charset="2"/>
+                          </a:rPr>
+                          <m:t>,</m:t>
+                        </m:r>
+                        <m:r>
+                          <a:rPr lang="en-US" altLang="zh-CN" b="0" i="1" smtClean="0">
+                            <a:latin typeface="Cambria Math"/>
+                            <a:sym typeface="Wingdings" pitchFamily="2" charset="2"/>
+                          </a:rPr>
+                          <m:t>𝑑</m:t>
+                        </m:r>
+                        <m:r>
+                          <a:rPr lang="en-US" altLang="zh-CN" b="0" i="1" smtClean="0">
+                            <a:latin typeface="Cambria Math"/>
+                            <a:sym typeface="Wingdings" pitchFamily="2" charset="2"/>
+                          </a:rPr>
+                          <m:t>,</m:t>
+                        </m:r>
+                        <m:r>
+                          <a:rPr lang="en-US" altLang="zh-CN" b="0" i="1" smtClean="0">
+                            <a:latin typeface="Cambria Math"/>
+                            <a:sym typeface="Wingdings" pitchFamily="2" charset="2"/>
+                          </a:rPr>
+                          <m:t>𝑐</m:t>
+                        </m:r>
+                      </m:e>
+                    </m:d>
+                    <m:r>
+                      <a:rPr lang="en-US" altLang="zh-CN" b="0" i="1" smtClean="0">
+                        <a:latin typeface="Cambria Math"/>
+                        <a:sym typeface="Wingdings" pitchFamily="2" charset="2"/>
+                      </a:rPr>
+                      <m:t>)</m:t>
+                    </m:r>
+                  </m:oMath>
+                </a14:m>
+                <a:r>
+                  <a:rPr lang="en-US" altLang="zh-CN" dirty="0" smtClean="0">
+                    <a:sym typeface="Wingdings" pitchFamily="2" charset="2"/>
+                  </a:rPr>
+                  <a:t> is infrequent</a:t>
+                </a:r>
+              </a:p>
+              <a:p>
+                <a:pPr marL="0" indent="0">
+                  <a:buNone/>
+                </a:pPr>
+                <a:endParaRPr lang="en-US" altLang="zh-CN" dirty="0" smtClean="0"/>
+              </a:p>
+              <a:p>
+                <a:pPr marL="0" indent="0">
+                  <a:buNone/>
+                </a:pPr>
+                <a:r>
+                  <a:rPr lang="en-US" altLang="zh-CN" dirty="0" smtClean="0"/>
+                  <a:t>S-Extended</a:t>
+                </a:r>
+                <a:r>
+                  <a:rPr lang="en-US" altLang="zh-CN" dirty="0"/>
+                  <a:t>:</a:t>
+                </a:r>
+                <a14:m>
+                  <m:oMath xmlns:m="http://schemas.openxmlformats.org/officeDocument/2006/math">
+                    <m:d>
+                      <m:dPr>
+                        <m:ctrlPr>
+                          <a:rPr lang="en-US" altLang="zh-CN" i="1">
+                            <a:latin typeface="Cambria Math"/>
+                          </a:rPr>
+                        </m:ctrlPr>
+                      </m:dPr>
+                      <m:e>
+                        <m:d>
+                          <m:dPr>
+                            <m:begChr m:val="{"/>
+                            <m:endChr m:val="}"/>
+                            <m:ctrlPr>
+                              <a:rPr lang="en-US" altLang="zh-CN" i="1">
+                                <a:latin typeface="Cambria Math"/>
+                              </a:rPr>
+                            </m:ctrlPr>
+                          </m:dPr>
+                          <m:e>
+                            <m:r>
+                              <a:rPr lang="en-US" altLang="zh-CN" i="1">
+                                <a:latin typeface="Cambria Math"/>
+                              </a:rPr>
+                              <m:t>𝑎</m:t>
+                            </m:r>
+                          </m:e>
+                        </m:d>
+                        <m:r>
+                          <a:rPr lang="en-US" altLang="zh-CN" i="1">
+                            <a:latin typeface="Cambria Math"/>
+                          </a:rPr>
+                          <m:t>,</m:t>
+                        </m:r>
+                        <m:d>
+                          <m:dPr>
+                            <m:begChr m:val="{"/>
+                            <m:endChr m:val="}"/>
+                            <m:ctrlPr>
+                              <a:rPr lang="en-US" altLang="zh-CN" i="1">
+                                <a:latin typeface="Cambria Math"/>
+                              </a:rPr>
+                            </m:ctrlPr>
+                          </m:dPr>
+                          <m:e>
+                            <m:r>
+                              <a:rPr lang="en-US" altLang="zh-CN" i="1">
+                                <a:latin typeface="Cambria Math"/>
+                              </a:rPr>
+                              <m:t>𝑎</m:t>
+                            </m:r>
+                          </m:e>
+                        </m:d>
+                      </m:e>
+                    </m:d>
+                    <m:r>
+                      <a:rPr lang="en-US" altLang="zh-CN" i="1">
+                        <a:latin typeface="Cambria Math"/>
+                      </a:rPr>
+                      <m:t>,</m:t>
+                    </m:r>
+                    <m:d>
+                      <m:dPr>
+                        <m:ctrlPr>
+                          <a:rPr lang="en-US" altLang="zh-CN" i="1">
+                            <a:latin typeface="Cambria Math"/>
+                          </a:rPr>
+                        </m:ctrlPr>
+                      </m:dPr>
+                      <m:e>
+                        <m:d>
+                          <m:dPr>
+                            <m:begChr m:val="{"/>
+                            <m:endChr m:val="}"/>
+                            <m:ctrlPr>
+                              <a:rPr lang="en-US" altLang="zh-CN" i="1">
+                                <a:latin typeface="Cambria Math"/>
+                              </a:rPr>
+                            </m:ctrlPr>
+                          </m:dPr>
+                          <m:e>
+                            <m:r>
+                              <a:rPr lang="en-US" altLang="zh-CN" i="1">
+                                <a:latin typeface="Cambria Math"/>
+                              </a:rPr>
+                              <m:t>𝑎</m:t>
+                            </m:r>
+                          </m:e>
+                        </m:d>
+                        <m:r>
+                          <a:rPr lang="en-US" altLang="zh-CN" i="1">
+                            <a:latin typeface="Cambria Math"/>
+                          </a:rPr>
+                          <m:t>,</m:t>
+                        </m:r>
+                        <m:d>
+                          <m:dPr>
+                            <m:begChr m:val="{"/>
+                            <m:endChr m:val="}"/>
+                            <m:ctrlPr>
+                              <a:rPr lang="en-US" altLang="zh-CN" i="1">
+                                <a:latin typeface="Cambria Math"/>
+                              </a:rPr>
+                            </m:ctrlPr>
+                          </m:dPr>
+                          <m:e>
+                            <m:r>
+                              <a:rPr lang="en-US" altLang="zh-CN" i="1">
+                                <a:latin typeface="Cambria Math"/>
+                              </a:rPr>
+                              <m:t>𝑏</m:t>
+                            </m:r>
+                          </m:e>
+                        </m:d>
+                      </m:e>
+                    </m:d>
+                    <m:r>
+                      <a:rPr lang="en-US" altLang="zh-CN" i="1">
+                        <a:latin typeface="Cambria Math"/>
+                      </a:rPr>
+                      <m:t>,</m:t>
+                    </m:r>
+                    <m:d>
+                      <m:dPr>
+                        <m:ctrlPr>
+                          <a:rPr lang="en-US" altLang="zh-CN" i="1">
+                            <a:latin typeface="Cambria Math"/>
+                          </a:rPr>
+                        </m:ctrlPr>
+                      </m:dPr>
+                      <m:e>
+                        <m:d>
+                          <m:dPr>
+                            <m:begChr m:val="{"/>
+                            <m:endChr m:val="}"/>
+                            <m:ctrlPr>
+                              <a:rPr lang="en-US" altLang="zh-CN" i="1">
+                                <a:latin typeface="Cambria Math"/>
+                              </a:rPr>
+                            </m:ctrlPr>
+                          </m:dPr>
+                          <m:e>
+                            <m:r>
+                              <a:rPr lang="en-US" altLang="zh-CN" i="1">
+                                <a:latin typeface="Cambria Math"/>
+                              </a:rPr>
+                              <m:t>𝑎</m:t>
+                            </m:r>
+                          </m:e>
+                        </m:d>
+                        <m:r>
+                          <a:rPr lang="en-US" altLang="zh-CN" i="1">
+                            <a:latin typeface="Cambria Math"/>
+                          </a:rPr>
+                          <m:t>,</m:t>
+                        </m:r>
+                        <m:d>
+                          <m:dPr>
+                            <m:begChr m:val="{"/>
+                            <m:endChr m:val="}"/>
+                            <m:ctrlPr>
+                              <a:rPr lang="en-US" altLang="zh-CN" i="1">
+                                <a:latin typeface="Cambria Math"/>
+                              </a:rPr>
+                            </m:ctrlPr>
+                          </m:dPr>
+                          <m:e>
+                            <m:r>
+                              <a:rPr lang="en-US" altLang="zh-CN" i="1">
+                                <a:latin typeface="Cambria Math"/>
+                              </a:rPr>
+                              <m:t>𝑐</m:t>
+                            </m:r>
+                          </m:e>
+                        </m:d>
+                      </m:e>
+                    </m:d>
+                    <m:r>
+                      <a:rPr lang="en-US" altLang="zh-CN" i="1">
+                        <a:latin typeface="Cambria Math"/>
+                      </a:rPr>
+                      <m:t>,</m:t>
+                    </m:r>
+                    <m:d>
+                      <m:dPr>
+                        <m:ctrlPr>
+                          <a:rPr lang="en-US" altLang="zh-CN" i="1">
+                            <a:latin typeface="Cambria Math"/>
+                          </a:rPr>
+                        </m:ctrlPr>
+                      </m:dPr>
+                      <m:e>
+                        <m:d>
+                          <m:dPr>
+                            <m:begChr m:val="{"/>
+                            <m:endChr m:val="}"/>
+                            <m:ctrlPr>
+                              <a:rPr lang="en-US" altLang="zh-CN" i="1">
+                                <a:latin typeface="Cambria Math"/>
+                              </a:rPr>
+                            </m:ctrlPr>
+                          </m:dPr>
+                          <m:e>
+                            <m:r>
+                              <a:rPr lang="en-US" altLang="zh-CN" i="1">
+                                <a:latin typeface="Cambria Math"/>
+                              </a:rPr>
+                              <m:t>𝑎</m:t>
+                            </m:r>
+                          </m:e>
+                        </m:d>
+                        <m:r>
+                          <a:rPr lang="en-US" altLang="zh-CN" i="1">
+                            <a:latin typeface="Cambria Math"/>
+                          </a:rPr>
+                          <m:t>,</m:t>
+                        </m:r>
+                        <m:d>
+                          <m:dPr>
+                            <m:begChr m:val="{"/>
+                            <m:endChr m:val="}"/>
+                            <m:ctrlPr>
+                              <a:rPr lang="en-US" altLang="zh-CN" i="1">
+                                <a:latin typeface="Cambria Math"/>
+                              </a:rPr>
+                            </m:ctrlPr>
+                          </m:dPr>
+                          <m:e>
+                            <m:r>
+                              <a:rPr lang="en-US" altLang="zh-CN" i="1">
+                                <a:latin typeface="Cambria Math"/>
+                              </a:rPr>
+                              <m:t>𝑑</m:t>
+                            </m:r>
+                          </m:e>
+                        </m:d>
+                      </m:e>
+                    </m:d>
+                  </m:oMath>
+                </a14:m>
+                <a:endParaRPr lang="en-US" altLang="zh-CN" dirty="0"/>
+              </a:p>
+              <a:p>
+                <a:pPr marL="0" indent="0">
+                  <a:buNone/>
+                </a:pPr>
+                <a14:m>
+                  <m:oMath xmlns:m="http://schemas.openxmlformats.org/officeDocument/2006/math">
+                    <m:d>
+                      <m:dPr>
+                        <m:ctrlPr>
+                          <a:rPr lang="en-US" altLang="zh-CN" i="1">
+                            <a:latin typeface="Cambria Math"/>
+                          </a:rPr>
+                        </m:ctrlPr>
+                      </m:dPr>
+                      <m:e>
+                        <m:d>
+                          <m:dPr>
+                            <m:begChr m:val="{"/>
+                            <m:endChr m:val="}"/>
+                            <m:ctrlPr>
+                              <a:rPr lang="en-US" altLang="zh-CN" i="1">
+                                <a:latin typeface="Cambria Math"/>
+                              </a:rPr>
+                            </m:ctrlPr>
+                          </m:dPr>
+                          <m:e>
+                            <m:r>
+                              <a:rPr lang="en-US" altLang="zh-CN" i="1">
+                                <a:latin typeface="Cambria Math"/>
+                              </a:rPr>
+                              <m:t>𝑎</m:t>
+                            </m:r>
+                          </m:e>
+                        </m:d>
+                        <m:r>
+                          <a:rPr lang="en-US" altLang="zh-CN" i="1">
+                            <a:latin typeface="Cambria Math"/>
+                          </a:rPr>
+                          <m:t>,</m:t>
+                        </m:r>
+                        <m:d>
+                          <m:dPr>
+                            <m:begChr m:val="{"/>
+                            <m:endChr m:val="}"/>
+                            <m:ctrlPr>
+                              <a:rPr lang="en-US" altLang="zh-CN" i="1">
+                                <a:latin typeface="Cambria Math"/>
+                              </a:rPr>
+                            </m:ctrlPr>
+                          </m:dPr>
+                          <m:e>
+                            <m:r>
+                              <a:rPr lang="en-US" altLang="zh-CN" i="1">
+                                <a:latin typeface="Cambria Math"/>
+                              </a:rPr>
+                              <m:t>𝑐</m:t>
+                            </m:r>
+                          </m:e>
+                        </m:d>
+                      </m:e>
+                    </m:d>
+                    <m:r>
+                      <a:rPr lang="en-US" altLang="zh-CN" b="0" i="1" smtClean="0">
+                        <a:latin typeface="Cambria Math"/>
+                      </a:rPr>
+                      <m:t>,</m:t>
+                    </m:r>
+                    <m:d>
+                      <m:dPr>
+                        <m:ctrlPr>
+                          <a:rPr lang="en-US" altLang="zh-CN" i="1">
+                            <a:latin typeface="Cambria Math"/>
+                          </a:rPr>
+                        </m:ctrlPr>
+                      </m:dPr>
+                      <m:e>
+                        <m:d>
+                          <m:dPr>
+                            <m:begChr m:val="{"/>
+                            <m:endChr m:val="}"/>
+                            <m:ctrlPr>
+                              <a:rPr lang="en-US" altLang="zh-CN" i="1">
+                                <a:latin typeface="Cambria Math"/>
+                              </a:rPr>
+                            </m:ctrlPr>
+                          </m:dPr>
+                          <m:e>
+                            <m:r>
+                              <a:rPr lang="en-US" altLang="zh-CN" i="1">
+                                <a:latin typeface="Cambria Math"/>
+                              </a:rPr>
+                              <m:t>𝑎</m:t>
+                            </m:r>
+                          </m:e>
+                        </m:d>
+                        <m:r>
+                          <a:rPr lang="en-US" altLang="zh-CN" i="1">
+                            <a:latin typeface="Cambria Math"/>
+                          </a:rPr>
+                          <m:t>,</m:t>
+                        </m:r>
+                        <m:d>
+                          <m:dPr>
+                            <m:begChr m:val="{"/>
+                            <m:endChr m:val="}"/>
+                            <m:ctrlPr>
+                              <a:rPr lang="en-US" altLang="zh-CN" i="1">
+                                <a:latin typeface="Cambria Math"/>
+                              </a:rPr>
+                            </m:ctrlPr>
+                          </m:dPr>
+                          <m:e>
+                            <m:r>
+                              <a:rPr lang="en-US" altLang="zh-CN" i="1">
+                                <a:latin typeface="Cambria Math"/>
+                              </a:rPr>
+                              <m:t>𝑑</m:t>
+                            </m:r>
+                          </m:e>
+                        </m:d>
+                      </m:e>
+                    </m:d>
+                    <m:r>
+                      <a:rPr lang="en-US" altLang="zh-CN" i="1">
+                        <a:latin typeface="Cambria Math"/>
+                      </a:rPr>
+                      <m:t>𝑎𝑟𝑒</m:t>
+                    </m:r>
+                    <m:r>
+                      <a:rPr lang="en-US" altLang="zh-CN" i="1">
+                        <a:latin typeface="Cambria Math"/>
+                      </a:rPr>
+                      <m:t> </m:t>
+                    </m:r>
+                    <m:r>
+                      <a:rPr lang="en-US" altLang="zh-CN" b="0" i="1" smtClean="0">
+                        <a:latin typeface="Cambria Math"/>
+                      </a:rPr>
+                      <m:t>𝑖𝑛</m:t>
+                    </m:r>
+                    <m:r>
+                      <a:rPr lang="en-US" altLang="zh-CN" i="1">
+                        <a:latin typeface="Cambria Math"/>
+                      </a:rPr>
+                      <m:t>𝑓𝑟𝑒𝑞𝑢𝑒𝑛𝑡</m:t>
+                    </m:r>
+                  </m:oMath>
+                </a14:m>
+                <a:r>
+                  <a:rPr lang="en-US" altLang="zh-CN" dirty="0" smtClean="0">
+                    <a:sym typeface="Wingdings" pitchFamily="2" charset="2"/>
+                  </a:rPr>
+                  <a:t></a:t>
+                </a:r>
+              </a:p>
+              <a:p>
+                <a:pPr marL="0" indent="0">
+                  <a:buNone/>
+                </a:pPr>
+                <a14:m>
+                  <m:oMath xmlns:m="http://schemas.openxmlformats.org/officeDocument/2006/math">
+                    <m:d>
+                      <m:dPr>
+                        <m:ctrlPr>
+                          <a:rPr lang="en-US" altLang="zh-CN" b="0" i="1" smtClean="0">
+                            <a:latin typeface="Cambria Math"/>
+                            <a:sym typeface="Wingdings" pitchFamily="2" charset="2"/>
+                          </a:rPr>
+                        </m:ctrlPr>
+                      </m:dPr>
+                      <m:e>
+                        <m:d>
+                          <m:dPr>
+                            <m:begChr m:val="{"/>
+                            <m:endChr m:val="}"/>
+                            <m:ctrlPr>
+                              <a:rPr lang="en-US" altLang="zh-CN" b="0" i="1" smtClean="0">
+                                <a:latin typeface="Cambria Math"/>
+                                <a:sym typeface="Wingdings" pitchFamily="2" charset="2"/>
+                              </a:rPr>
+                            </m:ctrlPr>
+                          </m:dPr>
+                          <m:e>
+                            <m:r>
+                              <a:rPr lang="en-US" altLang="zh-CN" b="0" i="1" smtClean="0">
+                                <a:latin typeface="Cambria Math"/>
+                                <a:sym typeface="Wingdings" pitchFamily="2" charset="2"/>
+                              </a:rPr>
+                              <m:t>𝑎</m:t>
+                            </m:r>
+                            <m:r>
+                              <a:rPr lang="en-US" altLang="zh-CN" b="0" i="1" smtClean="0">
+                                <a:latin typeface="Cambria Math"/>
+                                <a:sym typeface="Wingdings" pitchFamily="2" charset="2"/>
+                              </a:rPr>
+                              <m:t>,</m:t>
+                            </m:r>
+                            <m:r>
+                              <a:rPr lang="en-US" altLang="zh-CN" b="0" i="1" smtClean="0">
+                                <a:latin typeface="Cambria Math"/>
+                                <a:sym typeface="Wingdings" pitchFamily="2" charset="2"/>
+                              </a:rPr>
+                              <m:t>𝑏</m:t>
+                            </m:r>
+                          </m:e>
+                        </m:d>
+                        <m:r>
+                          <a:rPr lang="en-US" altLang="zh-CN" b="0" i="1" smtClean="0">
+                            <a:latin typeface="Cambria Math"/>
+                            <a:sym typeface="Wingdings" pitchFamily="2" charset="2"/>
+                          </a:rPr>
+                          <m:t>,</m:t>
+                        </m:r>
+                        <m:d>
+                          <m:dPr>
+                            <m:begChr m:val="{"/>
+                            <m:endChr m:val="}"/>
+                            <m:ctrlPr>
+                              <a:rPr lang="en-US" altLang="zh-CN" b="0" i="1" smtClean="0">
+                                <a:latin typeface="Cambria Math"/>
+                                <a:sym typeface="Wingdings" pitchFamily="2" charset="2"/>
+                              </a:rPr>
+                            </m:ctrlPr>
+                          </m:dPr>
+                          <m:e>
+                            <m:r>
+                              <a:rPr lang="en-US" altLang="zh-CN" b="0" i="1" smtClean="0">
+                                <a:latin typeface="Cambria Math"/>
+                                <a:sym typeface="Wingdings" pitchFamily="2" charset="2"/>
+                              </a:rPr>
+                              <m:t>𝑐</m:t>
+                            </m:r>
+                          </m:e>
+                        </m:d>
+                      </m:e>
+                    </m:d>
+                    <m:r>
+                      <a:rPr lang="en-US" altLang="zh-CN" b="0" i="1" smtClean="0">
+                        <a:latin typeface="Cambria Math"/>
+                        <a:sym typeface="Wingdings" pitchFamily="2" charset="2"/>
+                      </a:rPr>
+                      <m:t>,</m:t>
+                    </m:r>
+                    <m:d>
+                      <m:dPr>
+                        <m:ctrlPr>
+                          <a:rPr lang="en-US" altLang="zh-CN" b="0" i="1" smtClean="0">
+                            <a:latin typeface="Cambria Math"/>
+                            <a:sym typeface="Wingdings" pitchFamily="2" charset="2"/>
+                          </a:rPr>
+                        </m:ctrlPr>
+                      </m:dPr>
+                      <m:e>
+                        <m:d>
+                          <m:dPr>
+                            <m:begChr m:val="{"/>
+                            <m:endChr m:val="}"/>
+                            <m:ctrlPr>
+                              <a:rPr lang="en-US" altLang="zh-CN" b="0" i="1" smtClean="0">
+                                <a:latin typeface="Cambria Math"/>
+                                <a:sym typeface="Wingdings" pitchFamily="2" charset="2"/>
+                              </a:rPr>
+                            </m:ctrlPr>
+                          </m:dPr>
+                          <m:e>
+                            <m:r>
+                              <a:rPr lang="en-US" altLang="zh-CN" b="0" i="1" smtClean="0">
+                                <a:latin typeface="Cambria Math"/>
+                                <a:sym typeface="Wingdings" pitchFamily="2" charset="2"/>
+                              </a:rPr>
+                              <m:t>𝑎</m:t>
+                            </m:r>
+                            <m:r>
+                              <a:rPr lang="en-US" altLang="zh-CN" b="0" i="1" smtClean="0">
+                                <a:latin typeface="Cambria Math"/>
+                                <a:sym typeface="Wingdings" pitchFamily="2" charset="2"/>
+                              </a:rPr>
+                              <m:t>,</m:t>
+                            </m:r>
+                            <m:r>
+                              <a:rPr lang="en-US" altLang="zh-CN" b="0" i="1" smtClean="0">
+                                <a:latin typeface="Cambria Math"/>
+                                <a:sym typeface="Wingdings" pitchFamily="2" charset="2"/>
+                              </a:rPr>
+                              <m:t>𝑏</m:t>
+                            </m:r>
+                          </m:e>
+                        </m:d>
+                        <m:r>
+                          <a:rPr lang="en-US" altLang="zh-CN" b="0" i="1" smtClean="0">
+                            <a:latin typeface="Cambria Math"/>
+                            <a:sym typeface="Wingdings" pitchFamily="2" charset="2"/>
+                          </a:rPr>
+                          <m:t>,</m:t>
+                        </m:r>
+                        <m:d>
+                          <m:dPr>
+                            <m:begChr m:val="{"/>
+                            <m:endChr m:val="}"/>
+                            <m:ctrlPr>
+                              <a:rPr lang="en-US" altLang="zh-CN" b="0" i="1" smtClean="0">
+                                <a:latin typeface="Cambria Math"/>
+                                <a:sym typeface="Wingdings" pitchFamily="2" charset="2"/>
+                              </a:rPr>
+                            </m:ctrlPr>
+                          </m:dPr>
+                          <m:e>
+                            <m:r>
+                              <a:rPr lang="en-US" altLang="zh-CN" b="0" i="1" smtClean="0">
+                                <a:latin typeface="Cambria Math"/>
+                                <a:sym typeface="Wingdings" pitchFamily="2" charset="2"/>
+                              </a:rPr>
+                              <m:t>𝑑</m:t>
+                            </m:r>
+                          </m:e>
+                        </m:d>
+                      </m:e>
+                    </m:d>
+                    <m:r>
+                      <a:rPr lang="en-US" altLang="zh-CN" b="0" i="1" smtClean="0">
+                        <a:latin typeface="Cambria Math"/>
+                        <a:sym typeface="Wingdings" pitchFamily="2" charset="2"/>
+                      </a:rPr>
+                      <m:t>,</m:t>
+                    </m:r>
+                    <m:d>
+                      <m:dPr>
+                        <m:ctrlPr>
+                          <a:rPr lang="en-US" altLang="zh-CN" b="0" i="1" smtClean="0">
+                            <a:latin typeface="Cambria Math"/>
+                            <a:sym typeface="Wingdings" pitchFamily="2" charset="2"/>
+                          </a:rPr>
+                        </m:ctrlPr>
+                      </m:dPr>
+                      <m:e>
+                        <m:d>
+                          <m:dPr>
+                            <m:begChr m:val="{"/>
+                            <m:endChr m:val="}"/>
+                            <m:ctrlPr>
+                              <a:rPr lang="en-US" altLang="zh-CN" b="0" i="1" smtClean="0">
+                                <a:latin typeface="Cambria Math"/>
+                                <a:sym typeface="Wingdings" pitchFamily="2" charset="2"/>
+                              </a:rPr>
+                            </m:ctrlPr>
+                          </m:dPr>
+                          <m:e>
+                            <m:r>
+                              <a:rPr lang="en-US" altLang="zh-CN" b="0" i="1" smtClean="0">
+                                <a:latin typeface="Cambria Math"/>
+                                <a:sym typeface="Wingdings" pitchFamily="2" charset="2"/>
+                              </a:rPr>
+                              <m:t>𝑎</m:t>
+                            </m:r>
+                            <m:r>
+                              <a:rPr lang="en-US" altLang="zh-CN" b="0" i="1" smtClean="0">
+                                <a:latin typeface="Cambria Math"/>
+                                <a:sym typeface="Wingdings" pitchFamily="2" charset="2"/>
+                              </a:rPr>
+                              <m:t>,</m:t>
+                            </m:r>
+                            <m:r>
+                              <a:rPr lang="en-US" altLang="zh-CN" b="0" i="1" smtClean="0">
+                                <a:latin typeface="Cambria Math"/>
+                                <a:sym typeface="Wingdings" pitchFamily="2" charset="2"/>
+                              </a:rPr>
+                              <m:t>𝑑</m:t>
+                            </m:r>
+                          </m:e>
+                        </m:d>
+                        <m:r>
+                          <a:rPr lang="en-US" altLang="zh-CN" b="0" i="1" smtClean="0">
+                            <a:latin typeface="Cambria Math"/>
+                            <a:sym typeface="Wingdings" pitchFamily="2" charset="2"/>
+                          </a:rPr>
+                          <m:t>,</m:t>
+                        </m:r>
+                        <m:d>
+                          <m:dPr>
+                            <m:begChr m:val="{"/>
+                            <m:endChr m:val="}"/>
+                            <m:ctrlPr>
+                              <a:rPr lang="en-US" altLang="zh-CN" b="0" i="1" smtClean="0">
+                                <a:latin typeface="Cambria Math"/>
+                                <a:sym typeface="Wingdings" pitchFamily="2" charset="2"/>
+                              </a:rPr>
+                            </m:ctrlPr>
+                          </m:dPr>
+                          <m:e>
+                            <m:r>
+                              <a:rPr lang="en-US" altLang="zh-CN" b="0" i="1" smtClean="0">
+                                <a:latin typeface="Cambria Math"/>
+                                <a:sym typeface="Wingdings" pitchFamily="2" charset="2"/>
+                              </a:rPr>
+                              <m:t>𝑐</m:t>
+                            </m:r>
+                          </m:e>
+                        </m:d>
+                      </m:e>
+                    </m:d>
+                    <m:r>
+                      <a:rPr lang="en-US" altLang="zh-CN" b="0" i="1" smtClean="0">
+                        <a:latin typeface="Cambria Math"/>
+                        <a:sym typeface="Wingdings" pitchFamily="2" charset="2"/>
+                      </a:rPr>
+                      <m:t>,(</m:t>
+                    </m:r>
+                    <m:d>
+                      <m:dPr>
+                        <m:begChr m:val="{"/>
+                        <m:endChr m:val="}"/>
+                        <m:ctrlPr>
+                          <a:rPr lang="en-US" altLang="zh-CN" b="0" i="1" smtClean="0">
+                            <a:latin typeface="Cambria Math"/>
+                            <a:sym typeface="Wingdings" pitchFamily="2" charset="2"/>
+                          </a:rPr>
+                        </m:ctrlPr>
+                      </m:dPr>
+                      <m:e>
+                        <m:r>
+                          <a:rPr lang="en-US" altLang="zh-CN" b="0" i="1" smtClean="0">
+                            <a:latin typeface="Cambria Math"/>
+                            <a:sym typeface="Wingdings" pitchFamily="2" charset="2"/>
+                          </a:rPr>
+                          <m:t>𝑎</m:t>
+                        </m:r>
+                        <m:r>
+                          <a:rPr lang="en-US" altLang="zh-CN" b="0" i="1" smtClean="0">
+                            <a:latin typeface="Cambria Math"/>
+                            <a:sym typeface="Wingdings" pitchFamily="2" charset="2"/>
+                          </a:rPr>
+                          <m:t>,</m:t>
+                        </m:r>
+                        <m:r>
+                          <a:rPr lang="en-US" altLang="zh-CN" b="0" i="1" smtClean="0">
+                            <a:latin typeface="Cambria Math"/>
+                            <a:sym typeface="Wingdings" pitchFamily="2" charset="2"/>
+                          </a:rPr>
+                          <m:t>𝑑</m:t>
+                        </m:r>
+                      </m:e>
+                    </m:d>
+                    <m:r>
+                      <a:rPr lang="en-US" altLang="zh-CN" b="0" i="1" smtClean="0">
+                        <a:latin typeface="Cambria Math"/>
+                        <a:sym typeface="Wingdings" pitchFamily="2" charset="2"/>
+                      </a:rPr>
+                      <m:t>,</m:t>
+                    </m:r>
+                    <m:d>
+                      <m:dPr>
+                        <m:begChr m:val="{"/>
+                        <m:endChr m:val="}"/>
+                        <m:ctrlPr>
+                          <a:rPr lang="en-US" altLang="zh-CN" b="0" i="1" smtClean="0">
+                            <a:latin typeface="Cambria Math"/>
+                            <a:sym typeface="Wingdings" pitchFamily="2" charset="2"/>
+                          </a:rPr>
+                        </m:ctrlPr>
+                      </m:dPr>
+                      <m:e>
+                        <m:r>
+                          <a:rPr lang="en-US" altLang="zh-CN" b="0" i="1" smtClean="0">
+                            <a:latin typeface="Cambria Math"/>
+                            <a:sym typeface="Wingdings" pitchFamily="2" charset="2"/>
+                          </a:rPr>
+                          <m:t>𝑑</m:t>
+                        </m:r>
+                      </m:e>
+                    </m:d>
+                    <m:r>
+                      <a:rPr lang="en-US" altLang="zh-CN" b="0" i="1" smtClean="0">
+                        <a:latin typeface="Cambria Math"/>
+                        <a:sym typeface="Wingdings" pitchFamily="2" charset="2"/>
+                      </a:rPr>
+                      <m:t>)</m:t>
+                    </m:r>
+                  </m:oMath>
+                </a14:m>
+                <a:r>
+                  <a:rPr lang="en-US" altLang="zh-CN" dirty="0" smtClean="0">
+                    <a:sym typeface="Wingdings" pitchFamily="2" charset="2"/>
+                  </a:rPr>
+                  <a:t> are infrequent</a:t>
+                </a:r>
+              </a:p>
+              <a:p>
+                <a:pPr marL="0" indent="0">
+                  <a:buNone/>
+                </a:pPr>
+                <a14:m>
+                  <m:oMathPara xmlns:m="http://schemas.openxmlformats.org/officeDocument/2006/math">
+                    <m:oMathParaPr>
+                      <m:jc m:val="left"/>
+                    </m:oMathParaPr>
+                    <m:oMath xmlns:m="http://schemas.openxmlformats.org/officeDocument/2006/math">
+                      <m:sSub>
+                        <m:sSubPr>
+                          <m:ctrlPr>
+                            <a:rPr lang="en-US" altLang="zh-CN" b="0" i="1" smtClean="0">
+                              <a:latin typeface="Cambria Math"/>
+                              <a:sym typeface="Wingdings" pitchFamily="2" charset="2"/>
+                            </a:rPr>
+                          </m:ctrlPr>
+                        </m:sSubPr>
+                        <m:e>
+                          <m:r>
+                            <a:rPr lang="en-US" altLang="zh-CN" b="0" i="1" smtClean="0">
+                              <a:latin typeface="Cambria Math"/>
+                              <a:sym typeface="Wingdings" pitchFamily="2" charset="2"/>
+                            </a:rPr>
+                            <m:t>𝐼</m:t>
+                          </m:r>
+                        </m:e>
+                        <m:sub>
+                          <m:r>
+                            <a:rPr lang="en-US" altLang="zh-CN" b="0" i="1" smtClean="0">
+                              <a:latin typeface="Cambria Math"/>
+                              <a:sym typeface="Wingdings" pitchFamily="2" charset="2"/>
+                            </a:rPr>
+                            <m:t>(</m:t>
+                          </m:r>
+                          <m:d>
+                            <m:dPr>
+                              <m:begChr m:val="{"/>
+                              <m:endChr m:val="}"/>
+                              <m:ctrlPr>
+                                <a:rPr lang="en-US" altLang="zh-CN" b="0" i="1" smtClean="0">
+                                  <a:latin typeface="Cambria Math"/>
+                                  <a:sym typeface="Wingdings" pitchFamily="2" charset="2"/>
+                                </a:rPr>
+                              </m:ctrlPr>
+                            </m:dPr>
+                            <m:e>
+                              <m:r>
+                                <a:rPr lang="en-US" altLang="zh-CN" b="0" i="1" smtClean="0">
+                                  <a:latin typeface="Cambria Math"/>
+                                  <a:sym typeface="Wingdings" pitchFamily="2" charset="2"/>
+                                </a:rPr>
+                                <m:t>𝑎</m:t>
+                              </m:r>
+                              <m:r>
+                                <a:rPr lang="en-US" altLang="zh-CN" b="0" i="1" smtClean="0">
+                                  <a:latin typeface="Cambria Math"/>
+                                  <a:sym typeface="Wingdings" pitchFamily="2" charset="2"/>
+                                </a:rPr>
+                                <m:t>,</m:t>
+                              </m:r>
+                              <m:r>
+                                <a:rPr lang="en-US" altLang="zh-CN" b="0" i="1" smtClean="0">
+                                  <a:latin typeface="Cambria Math"/>
+                                  <a:sym typeface="Wingdings" pitchFamily="2" charset="2"/>
+                                </a:rPr>
+                                <m:t>𝑏</m:t>
+                              </m:r>
+                            </m:e>
+                          </m:d>
+                          <m:r>
+                            <a:rPr lang="en-US" altLang="zh-CN" b="0" i="1" smtClean="0">
+                              <a:latin typeface="Cambria Math"/>
+                              <a:sym typeface="Wingdings" pitchFamily="2" charset="2"/>
+                            </a:rPr>
+                            <m:t>)</m:t>
+                          </m:r>
+                        </m:sub>
+                      </m:sSub>
+                      <m:r>
+                        <a:rPr lang="en-US" altLang="zh-CN" b="0" i="1" smtClean="0">
+                          <a:latin typeface="Cambria Math"/>
+                          <a:sym typeface="Wingdings" pitchFamily="2" charset="2"/>
+                        </a:rPr>
+                        <m:t>=</m:t>
+                      </m:r>
+                      <m:d>
+                        <m:dPr>
+                          <m:begChr m:val="{"/>
+                          <m:endChr m:val="}"/>
+                          <m:ctrlPr>
+                            <a:rPr lang="en-US" altLang="zh-CN" b="0" i="1" smtClean="0">
+                              <a:latin typeface="Cambria Math"/>
+                              <a:sym typeface="Wingdings" pitchFamily="2" charset="2"/>
+                            </a:rPr>
+                          </m:ctrlPr>
+                        </m:dPr>
+                        <m:e>
+                          <m:r>
+                            <a:rPr lang="en-US" altLang="zh-CN" b="0" i="1" smtClean="0">
+                              <a:latin typeface="Cambria Math"/>
+                              <a:sym typeface="Wingdings" pitchFamily="2" charset="2"/>
+                            </a:rPr>
+                            <m:t>𝑏</m:t>
+                          </m:r>
+                          <m:r>
+                            <a:rPr lang="en-US" altLang="zh-CN" b="0" i="1" smtClean="0">
+                              <a:latin typeface="Cambria Math"/>
+                              <a:sym typeface="Wingdings" pitchFamily="2" charset="2"/>
+                            </a:rPr>
+                            <m:t>,</m:t>
+                          </m:r>
+                          <m:r>
+                            <a:rPr lang="en-US" altLang="zh-CN" b="0" i="1" smtClean="0">
+                              <a:latin typeface="Cambria Math"/>
+                              <a:sym typeface="Wingdings" pitchFamily="2" charset="2"/>
+                            </a:rPr>
+                            <m:t>𝑐</m:t>
+                          </m:r>
+                          <m:r>
+                            <a:rPr lang="en-US" altLang="zh-CN" b="0" i="1" smtClean="0">
+                              <a:latin typeface="Cambria Math"/>
+                              <a:sym typeface="Wingdings" pitchFamily="2" charset="2"/>
+                            </a:rPr>
+                            <m:t>,</m:t>
+                          </m:r>
+                          <m:r>
+                            <a:rPr lang="en-US" altLang="zh-CN" b="0" i="1" smtClean="0">
+                              <a:latin typeface="Cambria Math"/>
+                              <a:sym typeface="Wingdings" pitchFamily="2" charset="2"/>
+                            </a:rPr>
+                            <m:t>𝑑</m:t>
+                          </m:r>
+                        </m:e>
+                      </m:d>
+                      <m:r>
+                        <a:rPr lang="en-US" altLang="zh-CN" b="0" i="1" smtClean="0">
+                          <a:latin typeface="Cambria Math"/>
+                          <a:sym typeface="Wingdings" pitchFamily="2" charset="2"/>
+                        </a:rPr>
+                        <m:t>−</m:t>
+                      </m:r>
+                      <m:d>
+                        <m:dPr>
+                          <m:begChr m:val="{"/>
+                          <m:endChr m:val="}"/>
+                          <m:ctrlPr>
+                            <a:rPr lang="en-US" altLang="zh-CN" b="0" i="1" smtClean="0">
+                              <a:latin typeface="Cambria Math"/>
+                              <a:sym typeface="Wingdings" pitchFamily="2" charset="2"/>
+                            </a:rPr>
+                          </m:ctrlPr>
+                        </m:dPr>
+                        <m:e>
+                          <m:r>
+                            <a:rPr lang="en-US" altLang="zh-CN" b="0" i="1" smtClean="0">
+                              <a:latin typeface="Cambria Math"/>
+                              <a:sym typeface="Wingdings" pitchFamily="2" charset="2"/>
+                            </a:rPr>
+                            <m:t>𝑏</m:t>
+                          </m:r>
+                        </m:e>
+                      </m:d>
+                      <m:r>
+                        <a:rPr lang="en-US" altLang="zh-CN" b="0" i="1" smtClean="0">
+                          <a:latin typeface="Cambria Math"/>
+                          <a:sym typeface="Wingdings" pitchFamily="2" charset="2"/>
+                        </a:rPr>
+                        <m:t>−</m:t>
+                      </m:r>
+                      <m:d>
+                        <m:dPr>
+                          <m:begChr m:val="{"/>
+                          <m:endChr m:val="}"/>
+                          <m:ctrlPr>
+                            <a:rPr lang="en-US" altLang="zh-CN" b="0" i="1" smtClean="0">
+                              <a:latin typeface="Cambria Math"/>
+                              <a:sym typeface="Wingdings" pitchFamily="2" charset="2"/>
+                            </a:rPr>
+                          </m:ctrlPr>
+                        </m:dPr>
+                        <m:e>
+                          <m:r>
+                            <a:rPr lang="en-US" altLang="zh-CN" b="0" i="1" smtClean="0">
+                              <a:latin typeface="Cambria Math"/>
+                              <a:sym typeface="Wingdings" pitchFamily="2" charset="2"/>
+                            </a:rPr>
+                            <m:t>𝑐</m:t>
+                          </m:r>
+                        </m:e>
+                      </m:d>
+                      <m:r>
+                        <a:rPr lang="en-US" altLang="zh-CN" b="0" i="1" smtClean="0">
+                          <a:latin typeface="Cambria Math"/>
+                          <a:sym typeface="Wingdings" pitchFamily="2" charset="2"/>
+                        </a:rPr>
+                        <m:t>=</m:t>
+                      </m:r>
+                      <m:d>
+                        <m:dPr>
+                          <m:begChr m:val="{"/>
+                          <m:endChr m:val="}"/>
+                          <m:ctrlPr>
+                            <a:rPr lang="en-US" altLang="zh-CN" b="0" i="1" smtClean="0">
+                              <a:latin typeface="Cambria Math"/>
+                              <a:sym typeface="Wingdings" pitchFamily="2" charset="2"/>
+                            </a:rPr>
+                          </m:ctrlPr>
+                        </m:dPr>
+                        <m:e>
+                          <m:r>
+                            <a:rPr lang="en-US" altLang="zh-CN" b="0" i="1" smtClean="0">
+                              <a:latin typeface="Cambria Math"/>
+                              <a:sym typeface="Wingdings" pitchFamily="2" charset="2"/>
+                            </a:rPr>
+                            <m:t>𝑑</m:t>
+                          </m:r>
+                        </m:e>
+                      </m:d>
+                      <m:r>
+                        <a:rPr lang="en-US" altLang="zh-CN" b="0" i="1" smtClean="0">
+                          <a:latin typeface="Cambria Math"/>
+                          <a:sym typeface="Wingdings" pitchFamily="2" charset="2"/>
+                        </a:rPr>
+                        <m:t>,</m:t>
+                      </m:r>
+                      <m:sSub>
+                        <m:sSubPr>
+                          <m:ctrlPr>
+                            <a:rPr lang="en-US" altLang="zh-CN" b="0" i="1" smtClean="0">
+                              <a:latin typeface="Cambria Math"/>
+                              <a:sym typeface="Wingdings" pitchFamily="2" charset="2"/>
+                            </a:rPr>
+                          </m:ctrlPr>
+                        </m:sSubPr>
+                        <m:e>
+                          <m:r>
+                            <a:rPr lang="en-US" altLang="zh-CN" b="0" i="1" smtClean="0">
+                              <a:latin typeface="Cambria Math"/>
+                              <a:sym typeface="Wingdings" pitchFamily="2" charset="2"/>
+                            </a:rPr>
+                            <m:t>𝐼</m:t>
+                          </m:r>
+                        </m:e>
+                        <m:sub>
+                          <m:d>
+                            <m:dPr>
+                              <m:ctrlPr>
+                                <a:rPr lang="en-US" altLang="zh-CN" b="0" i="1" smtClean="0">
+                                  <a:latin typeface="Cambria Math"/>
+                                  <a:sym typeface="Wingdings" pitchFamily="2" charset="2"/>
+                                </a:rPr>
+                              </m:ctrlPr>
+                            </m:dPr>
+                            <m:e>
+                              <m:d>
+                                <m:dPr>
+                                  <m:begChr m:val="{"/>
+                                  <m:endChr m:val="}"/>
+                                  <m:ctrlPr>
+                                    <a:rPr lang="en-US" altLang="zh-CN" b="0" i="1" smtClean="0">
+                                      <a:latin typeface="Cambria Math"/>
+                                      <a:sym typeface="Wingdings" pitchFamily="2" charset="2"/>
+                                    </a:rPr>
+                                  </m:ctrlPr>
+                                </m:dPr>
+                                <m:e>
+                                  <m:r>
+                                    <a:rPr lang="en-US" altLang="zh-CN" b="0" i="1" smtClean="0">
+                                      <a:latin typeface="Cambria Math"/>
+                                      <a:sym typeface="Wingdings" pitchFamily="2" charset="2"/>
+                                    </a:rPr>
+                                    <m:t>𝑎</m:t>
+                                  </m:r>
+                                  <m:r>
+                                    <a:rPr lang="en-US" altLang="zh-CN" b="0" i="1" smtClean="0">
+                                      <a:latin typeface="Cambria Math"/>
+                                      <a:sym typeface="Wingdings" pitchFamily="2" charset="2"/>
+                                    </a:rPr>
+                                    <m:t>,</m:t>
+                                  </m:r>
+                                  <m:r>
+                                    <a:rPr lang="en-US" altLang="zh-CN" b="0" i="1" smtClean="0">
+                                      <a:latin typeface="Cambria Math"/>
+                                      <a:sym typeface="Wingdings" pitchFamily="2" charset="2"/>
+                                    </a:rPr>
+                                    <m:t>𝑑</m:t>
+                                  </m:r>
+                                </m:e>
+                              </m:d>
+                            </m:e>
+                          </m:d>
+                        </m:sub>
+                      </m:sSub>
+                      <m:r>
+                        <a:rPr lang="en-US" altLang="zh-CN" b="0" i="1" smtClean="0">
+                          <a:latin typeface="Cambria Math"/>
+                          <a:sym typeface="Wingdings" pitchFamily="2" charset="2"/>
+                        </a:rPr>
+                        <m:t>=</m:t>
+                      </m:r>
+                      <m:d>
+                        <m:dPr>
+                          <m:begChr m:val="{"/>
+                          <m:endChr m:val="}"/>
+                          <m:ctrlPr>
+                            <a:rPr lang="en-US" altLang="zh-CN" b="0" i="1" smtClean="0">
+                              <a:latin typeface="Cambria Math"/>
+                              <a:sym typeface="Wingdings" pitchFamily="2" charset="2"/>
+                            </a:rPr>
+                          </m:ctrlPr>
+                        </m:dPr>
+                        <m:e>
+                          <m:r>
+                            <a:rPr lang="en-US" altLang="zh-CN" b="0" i="1" smtClean="0">
+                              <a:latin typeface="Cambria Math"/>
+                              <a:sym typeface="Wingdings" pitchFamily="2" charset="2"/>
+                            </a:rPr>
+                            <m:t>𝑏</m:t>
+                          </m:r>
+                          <m:r>
+                            <a:rPr lang="en-US" altLang="zh-CN" b="0" i="1" smtClean="0">
+                              <a:latin typeface="Cambria Math"/>
+                              <a:sym typeface="Wingdings" pitchFamily="2" charset="2"/>
+                            </a:rPr>
+                            <m:t>,</m:t>
+                          </m:r>
+                          <m:r>
+                            <a:rPr lang="en-US" altLang="zh-CN" b="0" i="1" smtClean="0">
+                              <a:latin typeface="Cambria Math"/>
+                              <a:sym typeface="Wingdings" pitchFamily="2" charset="2"/>
+                            </a:rPr>
+                            <m:t>𝑐</m:t>
+                          </m:r>
+                          <m:r>
+                            <a:rPr lang="en-US" altLang="zh-CN" b="0" i="1" smtClean="0">
+                              <a:latin typeface="Cambria Math"/>
+                              <a:sym typeface="Wingdings" pitchFamily="2" charset="2"/>
+                            </a:rPr>
+                            <m:t>,</m:t>
+                          </m:r>
+                          <m:r>
+                            <a:rPr lang="en-US" altLang="zh-CN" b="0" i="1" smtClean="0">
+                              <a:latin typeface="Cambria Math"/>
+                              <a:sym typeface="Wingdings" pitchFamily="2" charset="2"/>
+                            </a:rPr>
+                            <m:t>𝑑</m:t>
+                          </m:r>
+                        </m:e>
+                      </m:d>
+                      <m:r>
+                        <a:rPr lang="en-US" altLang="zh-CN" b="0" i="1" smtClean="0">
+                          <a:latin typeface="Cambria Math"/>
+                          <a:sym typeface="Wingdings" pitchFamily="2" charset="2"/>
+                        </a:rPr>
+                        <m:t>−</m:t>
+                      </m:r>
+                      <m:d>
+                        <m:dPr>
+                          <m:begChr m:val="{"/>
+                          <m:endChr m:val="}"/>
+                          <m:ctrlPr>
+                            <a:rPr lang="en-US" altLang="zh-CN" b="0" i="1" smtClean="0">
+                              <a:latin typeface="Cambria Math"/>
+                              <a:sym typeface="Wingdings" pitchFamily="2" charset="2"/>
+                            </a:rPr>
+                          </m:ctrlPr>
+                        </m:dPr>
+                        <m:e>
+                          <m:r>
+                            <a:rPr lang="en-US" altLang="zh-CN" b="0" i="1" smtClean="0">
+                              <a:latin typeface="Cambria Math"/>
+                              <a:sym typeface="Wingdings" pitchFamily="2" charset="2"/>
+                            </a:rPr>
+                            <m:t>𝑏</m:t>
+                          </m:r>
+                          <m:r>
+                            <a:rPr lang="en-US" altLang="zh-CN" b="0" i="1" smtClean="0">
+                              <a:latin typeface="Cambria Math"/>
+                              <a:sym typeface="Wingdings" pitchFamily="2" charset="2"/>
+                            </a:rPr>
+                            <m:t>,</m:t>
+                          </m:r>
+                          <m:r>
+                            <a:rPr lang="en-US" altLang="zh-CN" b="0" i="1" smtClean="0">
+                              <a:latin typeface="Cambria Math"/>
+                              <a:sym typeface="Wingdings" pitchFamily="2" charset="2"/>
+                            </a:rPr>
+                            <m:t>𝑐</m:t>
+                          </m:r>
+                          <m:r>
+                            <a:rPr lang="en-US" altLang="zh-CN" b="0" i="1" smtClean="0">
+                              <a:latin typeface="Cambria Math"/>
+                              <a:sym typeface="Wingdings" pitchFamily="2" charset="2"/>
+                            </a:rPr>
+                            <m:t>,</m:t>
+                          </m:r>
+                          <m:r>
+                            <a:rPr lang="en-US" altLang="zh-CN" b="0" i="1" smtClean="0">
+                              <a:latin typeface="Cambria Math"/>
+                              <a:sym typeface="Wingdings" pitchFamily="2" charset="2"/>
+                            </a:rPr>
+                            <m:t>𝑑</m:t>
+                          </m:r>
+                        </m:e>
+                      </m:d>
+                      <m:r>
+                        <a:rPr lang="en-US" altLang="zh-CN" b="0" i="1" smtClean="0">
+                          <a:latin typeface="Cambria Math"/>
+                          <a:sym typeface="Wingdings" pitchFamily="2" charset="2"/>
+                        </a:rPr>
+                        <m:t>−</m:t>
+                      </m:r>
+                      <m:d>
+                        <m:dPr>
+                          <m:begChr m:val="{"/>
+                          <m:endChr m:val="}"/>
+                          <m:ctrlPr>
+                            <a:rPr lang="en-US" altLang="zh-CN" b="0" i="1" smtClean="0">
+                              <a:latin typeface="Cambria Math"/>
+                              <a:sym typeface="Wingdings" pitchFamily="2" charset="2"/>
+                            </a:rPr>
+                          </m:ctrlPr>
+                        </m:dPr>
+                        <m:e>
+                          <m:r>
+                            <a:rPr lang="en-US" altLang="zh-CN" b="0" i="1" smtClean="0">
+                              <a:latin typeface="Cambria Math"/>
+                              <a:sym typeface="Wingdings" pitchFamily="2" charset="2"/>
+                            </a:rPr>
+                            <m:t>𝑐</m:t>
+                          </m:r>
+                        </m:e>
+                      </m:d>
+                      <m:r>
+                        <a:rPr lang="en-US" altLang="zh-CN" b="0" i="1" smtClean="0">
+                          <a:latin typeface="Cambria Math"/>
+                          <a:sym typeface="Wingdings" pitchFamily="2" charset="2"/>
+                        </a:rPr>
+                        <m:t>=∅</m:t>
+                      </m:r>
+                    </m:oMath>
+                  </m:oMathPara>
+                </a14:m>
+                <a:endParaRPr lang="en-US" altLang="zh-CN" b="0" dirty="0" smtClean="0">
+                  <a:sym typeface="Wingdings" pitchFamily="2" charset="2"/>
+                </a:endParaRPr>
+              </a:p>
+              <a:p>
+                <a:pPr marL="0" indent="0">
+                  <a:buNone/>
+                </a:pPr>
+                <a14:m>
+                  <m:oMathPara xmlns:m="http://schemas.openxmlformats.org/officeDocument/2006/math">
+                    <m:oMathParaPr>
+                      <m:jc m:val="left"/>
+                    </m:oMathParaPr>
+                    <m:oMath xmlns:m="http://schemas.openxmlformats.org/officeDocument/2006/math">
+                      <m:sSub>
+                        <m:sSubPr>
+                          <m:ctrlPr>
+                            <a:rPr lang="en-US" altLang="zh-CN" b="0" i="1" smtClean="0">
+                              <a:latin typeface="Cambria Math"/>
+                              <a:sym typeface="Wingdings" pitchFamily="2" charset="2"/>
+                            </a:rPr>
+                          </m:ctrlPr>
+                        </m:sSubPr>
+                        <m:e>
+                          <m:r>
+                            <a:rPr lang="en-US" altLang="zh-CN" b="0" i="1" smtClean="0">
+                              <a:latin typeface="Cambria Math"/>
+                              <a:sym typeface="Wingdings" pitchFamily="2" charset="2"/>
+                            </a:rPr>
+                            <m:t>𝑆</m:t>
+                          </m:r>
+                        </m:e>
+                        <m:sub>
+                          <m:d>
+                            <m:dPr>
+                              <m:ctrlPr>
+                                <a:rPr lang="en-US" altLang="zh-CN" b="0" i="1" smtClean="0">
+                                  <a:latin typeface="Cambria Math"/>
+                                  <a:sym typeface="Wingdings" pitchFamily="2" charset="2"/>
+                                </a:rPr>
+                              </m:ctrlPr>
+                            </m:dPr>
+                            <m:e>
+                              <m:d>
+                                <m:dPr>
+                                  <m:begChr m:val="{"/>
+                                  <m:endChr m:val="}"/>
+                                  <m:ctrlPr>
+                                    <a:rPr lang="en-US" altLang="zh-CN" b="0" i="1" smtClean="0">
+                                      <a:latin typeface="Cambria Math"/>
+                                      <a:sym typeface="Wingdings" pitchFamily="2" charset="2"/>
+                                    </a:rPr>
+                                  </m:ctrlPr>
+                                </m:dPr>
+                                <m:e>
+                                  <m:r>
+                                    <a:rPr lang="en-US" altLang="zh-CN" b="0" i="1" smtClean="0">
+                                      <a:latin typeface="Cambria Math"/>
+                                      <a:sym typeface="Wingdings" pitchFamily="2" charset="2"/>
+                                    </a:rPr>
+                                    <m:t>𝑎</m:t>
+                                  </m:r>
+                                  <m:r>
+                                    <a:rPr lang="en-US" altLang="zh-CN" b="0" i="1" smtClean="0">
+                                      <a:latin typeface="Cambria Math"/>
+                                      <a:sym typeface="Wingdings" pitchFamily="2" charset="2"/>
+                                    </a:rPr>
+                                    <m:t>,</m:t>
+                                  </m:r>
+                                  <m:r>
+                                    <a:rPr lang="en-US" altLang="zh-CN" b="0" i="1" smtClean="0">
+                                      <a:latin typeface="Cambria Math"/>
+                                      <a:sym typeface="Wingdings" pitchFamily="2" charset="2"/>
+                                    </a:rPr>
+                                    <m:t>𝑏</m:t>
+                                  </m:r>
+                                </m:e>
+                              </m:d>
+                            </m:e>
+                          </m:d>
+                        </m:sub>
+                      </m:sSub>
+                      <m:r>
+                        <a:rPr lang="en-US" altLang="zh-CN" b="0" i="1" smtClean="0">
+                          <a:latin typeface="Cambria Math"/>
+                          <a:sym typeface="Wingdings" pitchFamily="2" charset="2"/>
+                        </a:rPr>
+                        <m:t>=</m:t>
+                      </m:r>
+                      <m:d>
+                        <m:dPr>
+                          <m:begChr m:val="{"/>
+                          <m:endChr m:val="}"/>
+                          <m:ctrlPr>
+                            <a:rPr lang="en-US" altLang="zh-CN" b="0" i="1" smtClean="0">
+                              <a:latin typeface="Cambria Math"/>
+                              <a:sym typeface="Wingdings" pitchFamily="2" charset="2"/>
+                            </a:rPr>
+                          </m:ctrlPr>
+                        </m:dPr>
+                        <m:e>
+                          <m:r>
+                            <a:rPr lang="en-US" altLang="zh-CN" b="0" i="1" smtClean="0">
+                              <a:latin typeface="Cambria Math"/>
+                              <a:sym typeface="Wingdings" pitchFamily="2" charset="2"/>
+                            </a:rPr>
+                            <m:t>𝑎</m:t>
+                          </m:r>
+                          <m:r>
+                            <a:rPr lang="en-US" altLang="zh-CN" b="0" i="1" smtClean="0">
+                              <a:latin typeface="Cambria Math"/>
+                              <a:sym typeface="Wingdings" pitchFamily="2" charset="2"/>
+                            </a:rPr>
+                            <m:t>,</m:t>
+                          </m:r>
+                          <m:r>
+                            <a:rPr lang="en-US" altLang="zh-CN" b="0" i="1" smtClean="0">
+                              <a:latin typeface="Cambria Math"/>
+                              <a:sym typeface="Wingdings" pitchFamily="2" charset="2"/>
+                            </a:rPr>
+                            <m:t>𝑏</m:t>
+                          </m:r>
+                          <m:r>
+                            <a:rPr lang="en-US" altLang="zh-CN" b="0" i="1" smtClean="0">
+                              <a:latin typeface="Cambria Math"/>
+                              <a:sym typeface="Wingdings" pitchFamily="2" charset="2"/>
+                            </a:rPr>
+                            <m:t>,</m:t>
+                          </m:r>
+                          <m:r>
+                            <a:rPr lang="en-US" altLang="zh-CN" b="0" i="1" smtClean="0">
+                              <a:latin typeface="Cambria Math"/>
+                              <a:sym typeface="Wingdings" pitchFamily="2" charset="2"/>
+                            </a:rPr>
+                            <m:t>𝑐</m:t>
+                          </m:r>
+                          <m:r>
+                            <a:rPr lang="en-US" altLang="zh-CN" b="0" i="1" smtClean="0">
+                              <a:latin typeface="Cambria Math"/>
+                              <a:sym typeface="Wingdings" pitchFamily="2" charset="2"/>
+                            </a:rPr>
+                            <m:t>,</m:t>
+                          </m:r>
+                          <m:r>
+                            <a:rPr lang="en-US" altLang="zh-CN" b="0" i="1" smtClean="0">
+                              <a:latin typeface="Cambria Math"/>
+                              <a:sym typeface="Wingdings" pitchFamily="2" charset="2"/>
+                            </a:rPr>
+                            <m:t>𝑑</m:t>
+                          </m:r>
+                        </m:e>
+                      </m:d>
+                      <m:r>
+                        <a:rPr lang="en-US" altLang="zh-CN" b="0" i="1" smtClean="0">
+                          <a:latin typeface="Cambria Math"/>
+                          <a:sym typeface="Wingdings" pitchFamily="2" charset="2"/>
+                        </a:rPr>
+                        <m:t>−</m:t>
+                      </m:r>
+                      <m:d>
+                        <m:dPr>
+                          <m:begChr m:val="{"/>
+                          <m:endChr m:val="}"/>
+                          <m:ctrlPr>
+                            <a:rPr lang="en-US" altLang="zh-CN" b="0" i="1" smtClean="0">
+                              <a:latin typeface="Cambria Math"/>
+                              <a:sym typeface="Wingdings" pitchFamily="2" charset="2"/>
+                            </a:rPr>
+                          </m:ctrlPr>
+                        </m:dPr>
+                        <m:e>
+                          <m:r>
+                            <a:rPr lang="en-US" altLang="zh-CN" b="0" i="1" smtClean="0">
+                              <a:latin typeface="Cambria Math"/>
+                              <a:sym typeface="Wingdings" pitchFamily="2" charset="2"/>
+                            </a:rPr>
+                            <m:t>𝑐</m:t>
+                          </m:r>
+                          <m:r>
+                            <a:rPr lang="en-US" altLang="zh-CN" b="0" i="1" smtClean="0">
+                              <a:latin typeface="Cambria Math"/>
+                              <a:sym typeface="Wingdings" pitchFamily="2" charset="2"/>
+                            </a:rPr>
+                            <m:t>,</m:t>
+                          </m:r>
+                          <m:r>
+                            <a:rPr lang="en-US" altLang="zh-CN" b="0" i="1" smtClean="0">
+                              <a:latin typeface="Cambria Math"/>
+                              <a:sym typeface="Wingdings" pitchFamily="2" charset="2"/>
+                            </a:rPr>
+                            <m:t>𝑑</m:t>
+                          </m:r>
+                        </m:e>
+                      </m:d>
+                      <m:r>
+                        <a:rPr lang="en-US" altLang="zh-CN" b="0" i="1" smtClean="0">
+                          <a:latin typeface="Cambria Math"/>
+                          <a:sym typeface="Wingdings" pitchFamily="2" charset="2"/>
+                        </a:rPr>
+                        <m:t>=</m:t>
+                      </m:r>
+                      <m:d>
+                        <m:dPr>
+                          <m:begChr m:val="{"/>
+                          <m:endChr m:val="}"/>
+                          <m:ctrlPr>
+                            <a:rPr lang="en-US" altLang="zh-CN" b="0" i="1" smtClean="0">
+                              <a:latin typeface="Cambria Math"/>
+                              <a:sym typeface="Wingdings" pitchFamily="2" charset="2"/>
+                            </a:rPr>
+                          </m:ctrlPr>
+                        </m:dPr>
+                        <m:e>
+                          <m:r>
+                            <a:rPr lang="en-US" altLang="zh-CN" b="0" i="1" smtClean="0">
+                              <a:latin typeface="Cambria Math"/>
+                              <a:sym typeface="Wingdings" pitchFamily="2" charset="2"/>
+                            </a:rPr>
+                            <m:t>𝑎</m:t>
+                          </m:r>
+                          <m:r>
+                            <a:rPr lang="en-US" altLang="zh-CN" b="0" i="1" smtClean="0">
+                              <a:latin typeface="Cambria Math"/>
+                              <a:sym typeface="Wingdings" pitchFamily="2" charset="2"/>
+                            </a:rPr>
+                            <m:t>,</m:t>
+                          </m:r>
+                          <m:r>
+                            <a:rPr lang="en-US" altLang="zh-CN" b="0" i="1" smtClean="0">
+                              <a:latin typeface="Cambria Math"/>
+                              <a:sym typeface="Wingdings" pitchFamily="2" charset="2"/>
+                            </a:rPr>
+                            <m:t>𝑏</m:t>
+                          </m:r>
+                        </m:e>
+                      </m:d>
+                      <m:r>
+                        <a:rPr lang="en-US" altLang="zh-CN" b="0" i="1" smtClean="0">
+                          <a:latin typeface="Cambria Math"/>
+                          <a:sym typeface="Wingdings" pitchFamily="2" charset="2"/>
+                        </a:rPr>
+                        <m:t>,</m:t>
+                      </m:r>
+                      <m:sSub>
+                        <m:sSubPr>
+                          <m:ctrlPr>
+                            <a:rPr lang="en-US" altLang="zh-CN" b="0" i="1" smtClean="0">
+                              <a:latin typeface="Cambria Math"/>
+                              <a:sym typeface="Wingdings" pitchFamily="2" charset="2"/>
+                            </a:rPr>
+                          </m:ctrlPr>
+                        </m:sSubPr>
+                        <m:e>
+                          <m:r>
+                            <a:rPr lang="en-US" altLang="zh-CN" b="0" i="1" smtClean="0">
+                              <a:latin typeface="Cambria Math"/>
+                              <a:sym typeface="Wingdings" pitchFamily="2" charset="2"/>
+                            </a:rPr>
+                            <m:t>𝑆</m:t>
+                          </m:r>
+                        </m:e>
+                        <m:sub>
+                          <m:d>
+                            <m:dPr>
+                              <m:ctrlPr>
+                                <a:rPr lang="en-US" altLang="zh-CN" b="0" i="1" smtClean="0">
+                                  <a:latin typeface="Cambria Math"/>
+                                  <a:sym typeface="Wingdings" pitchFamily="2" charset="2"/>
+                                </a:rPr>
+                              </m:ctrlPr>
+                            </m:dPr>
+                            <m:e>
+                              <m:d>
+                                <m:dPr>
+                                  <m:begChr m:val="{"/>
+                                  <m:endChr m:val="}"/>
+                                  <m:ctrlPr>
+                                    <a:rPr lang="en-US" altLang="zh-CN" b="0" i="1" smtClean="0">
+                                      <a:latin typeface="Cambria Math"/>
+                                      <a:sym typeface="Wingdings" pitchFamily="2" charset="2"/>
+                                    </a:rPr>
+                                  </m:ctrlPr>
+                                </m:dPr>
+                                <m:e>
+                                  <m:r>
+                                    <a:rPr lang="en-US" altLang="zh-CN" b="0" i="1" smtClean="0">
+                                      <a:latin typeface="Cambria Math"/>
+                                      <a:sym typeface="Wingdings" pitchFamily="2" charset="2"/>
+                                    </a:rPr>
+                                    <m:t>𝑎</m:t>
+                                  </m:r>
+                                  <m:r>
+                                    <a:rPr lang="en-US" altLang="zh-CN" b="0" i="1" smtClean="0">
+                                      <a:latin typeface="Cambria Math"/>
+                                      <a:sym typeface="Wingdings" pitchFamily="2" charset="2"/>
+                                    </a:rPr>
+                                    <m:t>,</m:t>
+                                  </m:r>
+                                  <m:r>
+                                    <a:rPr lang="en-US" altLang="zh-CN" b="0" i="1" smtClean="0">
+                                      <a:latin typeface="Cambria Math"/>
+                                      <a:sym typeface="Wingdings" pitchFamily="2" charset="2"/>
+                                    </a:rPr>
+                                    <m:t>𝑑</m:t>
+                                  </m:r>
+                                </m:e>
+                              </m:d>
+                            </m:e>
+                          </m:d>
+                        </m:sub>
+                      </m:sSub>
+                      <m:r>
+                        <a:rPr lang="en-US" altLang="zh-CN" b="0" i="1" smtClean="0">
+                          <a:latin typeface="Cambria Math"/>
+                          <a:sym typeface="Wingdings" pitchFamily="2" charset="2"/>
+                        </a:rPr>
+                        <m:t>=</m:t>
+                      </m:r>
+                      <m:d>
+                        <m:dPr>
+                          <m:begChr m:val="{"/>
+                          <m:endChr m:val="}"/>
+                          <m:ctrlPr>
+                            <a:rPr lang="en-US" altLang="zh-CN" b="0" i="1" smtClean="0">
+                              <a:latin typeface="Cambria Math"/>
+                              <a:sym typeface="Wingdings" pitchFamily="2" charset="2"/>
+                            </a:rPr>
+                          </m:ctrlPr>
+                        </m:dPr>
+                        <m:e>
+                          <m:r>
+                            <a:rPr lang="en-US" altLang="zh-CN" b="0" i="1" smtClean="0">
+                              <a:latin typeface="Cambria Math"/>
+                              <a:sym typeface="Wingdings" pitchFamily="2" charset="2"/>
+                            </a:rPr>
+                            <m:t>𝑎</m:t>
+                          </m:r>
+                          <m:r>
+                            <a:rPr lang="en-US" altLang="zh-CN" b="0" i="1" smtClean="0">
+                              <a:latin typeface="Cambria Math"/>
+                              <a:sym typeface="Wingdings" pitchFamily="2" charset="2"/>
+                            </a:rPr>
+                            <m:t>,</m:t>
+                          </m:r>
+                          <m:r>
+                            <a:rPr lang="en-US" altLang="zh-CN" b="0" i="1" smtClean="0">
+                              <a:latin typeface="Cambria Math"/>
+                              <a:sym typeface="Wingdings" pitchFamily="2" charset="2"/>
+                            </a:rPr>
+                            <m:t>𝑏</m:t>
+                          </m:r>
+                          <m:r>
+                            <a:rPr lang="en-US" altLang="zh-CN" b="0" i="1" smtClean="0">
+                              <a:latin typeface="Cambria Math"/>
+                              <a:sym typeface="Wingdings" pitchFamily="2" charset="2"/>
+                            </a:rPr>
+                            <m:t>,</m:t>
+                          </m:r>
+                          <m:r>
+                            <a:rPr lang="en-US" altLang="zh-CN" b="0" i="1" smtClean="0">
+                              <a:latin typeface="Cambria Math"/>
+                              <a:sym typeface="Wingdings" pitchFamily="2" charset="2"/>
+                            </a:rPr>
+                            <m:t>𝑐</m:t>
+                          </m:r>
+                          <m:r>
+                            <a:rPr lang="en-US" altLang="zh-CN" b="0" i="1" smtClean="0">
+                              <a:latin typeface="Cambria Math"/>
+                              <a:sym typeface="Wingdings" pitchFamily="2" charset="2"/>
+                            </a:rPr>
+                            <m:t>,</m:t>
+                          </m:r>
+                          <m:r>
+                            <a:rPr lang="en-US" altLang="zh-CN" b="0" i="1" smtClean="0">
+                              <a:latin typeface="Cambria Math"/>
+                              <a:sym typeface="Wingdings" pitchFamily="2" charset="2"/>
+                            </a:rPr>
+                            <m:t>𝑑</m:t>
+                          </m:r>
+                        </m:e>
+                      </m:d>
+                      <m:r>
+                        <a:rPr lang="en-US" altLang="zh-CN" b="0" i="1" smtClean="0">
+                          <a:latin typeface="Cambria Math"/>
+                          <a:sym typeface="Wingdings" pitchFamily="2" charset="2"/>
+                        </a:rPr>
+                        <m:t>−</m:t>
+                      </m:r>
+                      <m:d>
+                        <m:dPr>
+                          <m:begChr m:val="{"/>
+                          <m:endChr m:val="}"/>
+                          <m:ctrlPr>
+                            <a:rPr lang="en-US" altLang="zh-CN" b="0" i="1" smtClean="0">
+                              <a:latin typeface="Cambria Math"/>
+                              <a:sym typeface="Wingdings" pitchFamily="2" charset="2"/>
+                            </a:rPr>
+                          </m:ctrlPr>
+                        </m:dPr>
+                        <m:e>
+                          <m:r>
+                            <a:rPr lang="en-US" altLang="zh-CN" b="0" i="1" smtClean="0">
+                              <a:latin typeface="Cambria Math"/>
+                              <a:sym typeface="Wingdings" pitchFamily="2" charset="2"/>
+                            </a:rPr>
+                            <m:t>𝑐</m:t>
+                          </m:r>
+                          <m:r>
+                            <a:rPr lang="en-US" altLang="zh-CN" b="0" i="1" smtClean="0">
+                              <a:latin typeface="Cambria Math"/>
+                              <a:sym typeface="Wingdings" pitchFamily="2" charset="2"/>
+                            </a:rPr>
+                            <m:t>,</m:t>
+                          </m:r>
+                          <m:r>
+                            <a:rPr lang="en-US" altLang="zh-CN" b="0" i="1" smtClean="0">
+                              <a:latin typeface="Cambria Math"/>
+                              <a:sym typeface="Wingdings" pitchFamily="2" charset="2"/>
+                            </a:rPr>
+                            <m:t>𝑑</m:t>
+                          </m:r>
+                        </m:e>
+                      </m:d>
+                      <m:r>
+                        <a:rPr lang="en-US" altLang="zh-CN" b="0" i="1" smtClean="0">
+                          <a:latin typeface="Cambria Math"/>
+                          <a:sym typeface="Wingdings" pitchFamily="2" charset="2"/>
+                        </a:rPr>
+                        <m:t>={</m:t>
+                      </m:r>
+                      <m:r>
+                        <a:rPr lang="en-US" altLang="zh-CN" b="0" i="1" smtClean="0">
+                          <a:latin typeface="Cambria Math"/>
+                          <a:sym typeface="Wingdings" pitchFamily="2" charset="2"/>
+                        </a:rPr>
+                        <m:t>𝑎</m:t>
+                      </m:r>
+                      <m:r>
+                        <a:rPr lang="en-US" altLang="zh-CN" b="0" i="1" smtClean="0">
+                          <a:latin typeface="Cambria Math"/>
+                          <a:sym typeface="Wingdings" pitchFamily="2" charset="2"/>
+                        </a:rPr>
+                        <m:t>,</m:t>
+                      </m:r>
+                      <m:r>
+                        <a:rPr lang="en-US" altLang="zh-CN" b="0" i="1" smtClean="0">
+                          <a:latin typeface="Cambria Math"/>
+                          <a:sym typeface="Wingdings" pitchFamily="2" charset="2"/>
+                        </a:rPr>
+                        <m:t>𝑏</m:t>
+                      </m:r>
+                      <m:r>
+                        <a:rPr lang="en-US" altLang="zh-CN" b="0" i="1" smtClean="0">
+                          <a:latin typeface="Cambria Math"/>
+                          <a:sym typeface="Wingdings" pitchFamily="2" charset="2"/>
+                        </a:rPr>
+                        <m:t>}</m:t>
+                      </m:r>
+                    </m:oMath>
+                  </m:oMathPara>
+                </a14:m>
+                <a:endParaRPr lang="en-US" altLang="zh-CN" dirty="0" smtClean="0">
+                  <a:sym typeface="Wingdings" pitchFamily="2" charset="2"/>
+                </a:endParaRPr>
+              </a:p>
+              <a:p>
+                <a:pPr marL="0" indent="0">
+                  <a:buNone/>
+                </a:pPr>
+                <a:endParaRPr lang="en-US" altLang="zh-CN" dirty="0">
+                  <a:sym typeface="Wingdings" pitchFamily="2" charset="2"/>
+                </a:endParaRPr>
+              </a:p>
+              <a:p>
+                <a:pPr marL="0" indent="0">
+                  <a:buNone/>
+                </a:pPr>
+                <a:endParaRPr lang="en-US" altLang="zh-CN" dirty="0" smtClean="0">
+                  <a:sym typeface="Wingdings" pitchFamily="2" charset="2"/>
+                </a:endParaRPr>
+              </a:p>
+              <a:p>
+                <a:pPr marL="0" indent="0">
+                  <a:buNone/>
+                </a:pPr>
+                <a:endParaRPr lang="en-US" altLang="zh-CN" dirty="0" smtClean="0">
+                  <a:sym typeface="Wingdings" pitchFamily="2" charset="2"/>
+                </a:endParaRPr>
+              </a:p>
+              <a:p>
+                <a:pPr marL="0" indent="0">
+                  <a:buNone/>
+                </a:pPr>
+                <a:endParaRPr lang="zh-CN" altLang="en-US" dirty="0"/>
+              </a:p>
+            </p:txBody>
+          </p:sp>
+        </mc:Choice>
+        <mc:Fallback xmlns="">
+          <p:sp>
+            <p:nvSpPr>
+              <p:cNvPr id="3" name="内容占位符 2"/>
+              <p:cNvSpPr>
+                <a:spLocks noGrp="1" noRot="1" noChangeAspect="1" noMove="1" noResize="1" noEditPoints="1" noAdjustHandles="1" noChangeArrowheads="1" noChangeShapeType="1" noTextEdit="1"/>
+              </p:cNvSpPr>
+              <p:nvPr>
+                <p:ph sz="quarter" idx="1"/>
+              </p:nvPr>
+            </p:nvSpPr>
+            <p:spPr>
+              <a:blipFill rotWithShape="1">
+                <a:blip r:embed="rId2"/>
+                <a:stretch>
+                  <a:fillRect l="-944" t="-1111"/>
+                </a:stretch>
+              </a:blipFill>
+            </p:spPr>
+            <p:txBody>
+              <a:bodyPr/>
+              <a:lstStyle/>
+              <a:p>
+                <a:r>
+                  <a:rPr lang="zh-CN" altLang="en-US">
+                    <a:noFill/>
+                  </a:rPr>
+                  <a:t> </a:t>
+                </a:r>
+              </a:p>
+            </p:txBody>
+          </p:sp>
+        </mc:Fallback>
+      </mc:AlternateContent>
+    </p:spTree>
+    <p:extLst>
+      <p:ext uri="{BB962C8B-B14F-4D97-AF65-F5344CB8AC3E}">
+        <p14:creationId xmlns:p14="http://schemas.microsoft.com/office/powerpoint/2010/main" val="3242417628"/>
+      </p:ext>
+    </p:extLst>
+  </p:cSld>
+  <p:clrMapOvr>
+    <a:masterClrMapping/>
+  </p:clrMapOvr>
+  <p:timing>
+    <p:tnLst>
+      <p:par>
+        <p:cTn id="1" dur="indefinite" restart="never" nodeType="tmRoot"/>
+      </p:par>
+    </p:tnLst>
+  </p:timing>
+</p:sld>
+</file>
+
+<file path=ppt/slides/slide38.xml><?xml version="1.0" encoding="utf-8"?>
 <p:sld xmlns:a="http://schemas.openxmlformats.org/drawingml/2006/main" xmlns:r="http://schemas.openxmlformats.org/officeDocument/2006/relationships" xmlns:p="http://schemas.openxmlformats.org/presentationml/2006/main">
   <p:cSld>
     <p:spTree>
@@ -24497,7 +29189,7 @@
 </p:sld>
 </file>
 
-<file path=ppt/slides/slide36.xml><?xml version="1.0" encoding="utf-8"?>
+<file path=ppt/slides/slide39.xml><?xml version="1.0" encoding="utf-8"?>
 <p:sld xmlns:a="http://schemas.openxmlformats.org/drawingml/2006/main" xmlns:r="http://schemas.openxmlformats.org/officeDocument/2006/relationships" xmlns:p="http://schemas.openxmlformats.org/presentationml/2006/main">
   <p:cSld>
     <p:spTree>
@@ -24747,7 +29439,163 @@
 </p:sld>
 </file>
 
-<file path=ppt/slides/slide37.xml><?xml version="1.0" encoding="utf-8"?>
+<file path=ppt/slides/slide4.xml><?xml version="1.0" encoding="utf-8"?>
+<p:sld xmlns:a="http://schemas.openxmlformats.org/drawingml/2006/main" xmlns:r="http://schemas.openxmlformats.org/officeDocument/2006/relationships" xmlns:p="http://schemas.openxmlformats.org/presentationml/2006/main">
+  <p:cSld>
+    <p:spTree>
+      <p:nvGrpSpPr>
+        <p:cNvPr id="1" name=""/>
+        <p:cNvGrpSpPr/>
+        <p:nvPr/>
+      </p:nvGrpSpPr>
+      <p:grpSpPr>
+        <a:xfrm>
+          <a:off x="0" y="0"/>
+          <a:ext cx="0" cy="0"/>
+          <a:chOff x="0" y="0"/>
+          <a:chExt cx="0" cy="0"/>
+        </a:xfrm>
+      </p:grpSpPr>
+      <p:sp>
+        <p:nvSpPr>
+          <p:cNvPr id="2" name="Title 1"/>
+          <p:cNvSpPr>
+            <a:spLocks noGrp="1"/>
+          </p:cNvSpPr>
+          <p:nvPr>
+            <p:ph type="title"/>
+          </p:nvPr>
+        </p:nvSpPr>
+        <p:spPr/>
+        <p:txBody>
+          <a:bodyPr/>
+          <a:lstStyle/>
+          <a:p>
+            <a:pPr algn="ctr"/>
+            <a:r>
+              <a:rPr lang="en-US" dirty="0" smtClean="0"/>
+              <a:t>Time Series Data Mining(TSDM)</a:t>
+            </a:r>
+            <a:endParaRPr lang="en-US" dirty="0"/>
+          </a:p>
+        </p:txBody>
+      </p:sp>
+      <p:sp>
+        <p:nvSpPr>
+          <p:cNvPr id="3" name="Content Placeholder 2"/>
+          <p:cNvSpPr>
+            <a:spLocks noGrp="1"/>
+          </p:cNvSpPr>
+          <p:nvPr>
+            <p:ph sz="quarter" idx="1"/>
+          </p:nvPr>
+        </p:nvSpPr>
+        <p:spPr>
+          <a:xfrm>
+            <a:off x="613657" y="1241778"/>
+            <a:ext cx="8915400" cy="4703317"/>
+          </a:xfrm>
+        </p:spPr>
+        <p:txBody>
+          <a:bodyPr>
+            <a:normAutofit/>
+          </a:bodyPr>
+          <a:lstStyle/>
+          <a:p>
+            <a:r>
+              <a:rPr lang="en-US" dirty="0"/>
+              <a:t>Segmentation</a:t>
+            </a:r>
+          </a:p>
+          <a:p>
+            <a:r>
+              <a:rPr lang="en-US" altLang="zh-CN" dirty="0" smtClean="0"/>
+              <a:t>Forecasting</a:t>
+            </a:r>
+            <a:endParaRPr lang="en-US" dirty="0"/>
+          </a:p>
+          <a:p>
+            <a:r>
+              <a:rPr lang="en-US" dirty="0" smtClean="0"/>
+              <a:t>Prediction</a:t>
+            </a:r>
+          </a:p>
+          <a:p>
+            <a:r>
+              <a:rPr lang="en-US" altLang="zh-CN" dirty="0" smtClean="0"/>
+              <a:t>Query </a:t>
+            </a:r>
+            <a:r>
+              <a:rPr lang="en-US" altLang="zh-CN" dirty="0"/>
+              <a:t>by </a:t>
+            </a:r>
+            <a:r>
+              <a:rPr lang="en-US" altLang="zh-CN" dirty="0" smtClean="0"/>
+              <a:t>content</a:t>
+            </a:r>
+          </a:p>
+          <a:p>
+            <a:r>
+              <a:rPr lang="en-US" altLang="zh-CN" dirty="0" smtClean="0"/>
+              <a:t>Frequent Subsequence Mining</a:t>
+            </a:r>
+          </a:p>
+          <a:p>
+            <a:r>
+              <a:rPr lang="en-US" altLang="zh-CN" dirty="0" smtClean="0"/>
+              <a:t>Correlation Detection</a:t>
+            </a:r>
+            <a:endParaRPr lang="en-US" altLang="zh-CN" dirty="0"/>
+          </a:p>
+          <a:p>
+            <a:r>
+              <a:rPr lang="en-US" altLang="zh-CN" dirty="0"/>
+              <a:t>Motif </a:t>
+            </a:r>
+            <a:r>
+              <a:rPr lang="en-US" altLang="zh-CN" dirty="0" smtClean="0"/>
+              <a:t>Discovery</a:t>
+            </a:r>
+            <a:endParaRPr lang="en-US" dirty="0" smtClean="0"/>
+          </a:p>
+          <a:p>
+            <a:r>
+              <a:rPr lang="en-US" dirty="0" smtClean="0"/>
+              <a:t>Clustering</a:t>
+            </a:r>
+          </a:p>
+          <a:p>
+            <a:r>
+              <a:rPr lang="en-US" dirty="0" smtClean="0"/>
+              <a:t>Classification</a:t>
+            </a:r>
+          </a:p>
+          <a:p>
+            <a:endParaRPr lang="en-US" dirty="0"/>
+          </a:p>
+        </p:txBody>
+      </p:sp>
+    </p:spTree>
+    <p:extLst>
+      <p:ext uri="{BB962C8B-B14F-4D97-AF65-F5344CB8AC3E}">
+        <p14:creationId xmlns:p14="http://schemas.microsoft.com/office/powerpoint/2010/main" val="2706556476"/>
+      </p:ext>
+    </p:extLst>
+  </p:cSld>
+  <p:clrMapOvr>
+    <a:masterClrMapping/>
+  </p:clrMapOvr>
+  <p:timing>
+    <p:tnLst>
+      <p:par>
+        <p:cTn id="1" dur="indefinite" restart="never" nodeType="tmRoot"/>
+      </p:par>
+    </p:tnLst>
+  </p:timing>
+</p:sld>
+</file>
+
+<file path=ppt/slides/slide40.xml><?xml version="1.0" encoding="utf-8"?>
 <p:sld xmlns:a="http://schemas.openxmlformats.org/drawingml/2006/main" xmlns:r="http://schemas.openxmlformats.org/officeDocument/2006/relationships" xmlns:p="http://schemas.openxmlformats.org/presentationml/2006/main">
   <p:cSld>
     <p:spTree>
@@ -24803,9 +29651,28 @@
           <a:bodyPr/>
           <a:lstStyle/>
           <a:p>
+            <a:pPr marL="0" indent="0">
+              <a:buNone/>
+            </a:pPr>
             <a:r>
               <a:rPr lang="en-US" altLang="zh-CN" dirty="0" smtClean="0"/>
-              <a:t>S-Process											I-Process</a:t>
+              <a:t>                       S-Process</a:t>
+            </a:r>
+            <a:r>
+              <a:rPr lang="en-US" altLang="zh-CN" dirty="0" smtClean="0"/>
+              <a:t>				</a:t>
+            </a:r>
+            <a:r>
+              <a:rPr lang="en-US" altLang="zh-CN" dirty="0"/>
+              <a:t> </a:t>
+            </a:r>
+            <a:r>
+              <a:rPr lang="en-US" altLang="zh-CN" dirty="0" smtClean="0"/>
+              <a:t>       </a:t>
+            </a:r>
+            <a:r>
+              <a:rPr lang="en-US" altLang="zh-CN" dirty="0" smtClean="0"/>
+              <a:t>I-Process</a:t>
             </a:r>
             <a:endParaRPr lang="zh-CN" altLang="en-US" dirty="0"/>
           </a:p>
@@ -24939,7 +29806,7 @@
 </p:sld>
 </file>
 
-<file path=ppt/slides/slide38.xml><?xml version="1.0" encoding="utf-8"?>
+<file path=ppt/slides/slide41.xml><?xml version="1.0" encoding="utf-8"?>
 <p:sld xmlns:a="http://schemas.openxmlformats.org/drawingml/2006/main" xmlns:r="http://schemas.openxmlformats.org/officeDocument/2006/relationships" xmlns:p="http://schemas.openxmlformats.org/presentationml/2006/main">
   <p:cSld>
     <p:spTree>
@@ -24980,8 +29847,8 @@
           </a:p>
         </p:txBody>
       </p:sp>
-      <mc:AlternateContent xmlns:mc="http://schemas.openxmlformats.org/markup-compatibility/2006">
-        <mc:Choice xmlns:a14="http://schemas.microsoft.com/office/drawing/2010/main" Requires="a14">
+      <mc:AlternateContent xmlns:mc="http://schemas.openxmlformats.org/markup-compatibility/2006" xmlns:a14="http://schemas.microsoft.com/office/drawing/2010/main">
+        <mc:Choice Requires="a14">
           <p:sp>
             <p:nvSpPr>
               <p:cNvPr id="3" name="内容占位符 2"/>
@@ -25110,22 +29977,10 @@
                             <m:t>𝑖</m:t>
                           </m:r>
                           <m:r>
-                            <m:rPr>
-                              <m:brk m:alnAt="23"/>
-                            </m:rPr>
                             <a:rPr lang="en-US" altLang="zh-CN" b="0" i="1" smtClean="0">
                               <a:latin typeface="Cambria Math"/>
                             </a:rPr>
-                            <m:t>=</m:t>
-                          </m:r>
-                          <m:r>
-                            <m:rPr>
-                              <m:brk m:alnAt="23"/>
-                            </m:rPr>
-                            <a:rPr lang="en-US" altLang="zh-CN" b="0" i="1" smtClean="0">
-                              <a:latin typeface="Cambria Math"/>
-                            </a:rPr>
-                            <m:t>0</m:t>
+                            <m:t>=0</m:t>
                           </m:r>
                         </m:sub>
                         <m:sup>
@@ -25139,13 +29994,7 @@
                             <a:rPr lang="en-US" altLang="zh-CN" b="0" i="1" smtClean="0">
                               <a:latin typeface="Cambria Math"/>
                             </a:rPr>
-                            <m:t>−</m:t>
-                          </m:r>
-                          <m:r>
-                            <a:rPr lang="en-US" altLang="zh-CN" b="0" i="1" smtClean="0">
-                              <a:latin typeface="Cambria Math"/>
-                            </a:rPr>
-                            <m:t>1</m:t>
+                            <m:t>−1</m:t>
                           </m:r>
                         </m:sup>
                         <m:e>
@@ -25369,7 +30218,7 @@
             </p:txBody>
           </p:sp>
         </mc:Choice>
-        <mc:Fallback>
+        <mc:Fallback xmlns="">
           <p:sp>
             <p:nvSpPr>
               <p:cNvPr id="3" name="内容占位符 2"/>
@@ -25413,10 +30262,17 @@
   <p:clrMapOvr>
     <a:masterClrMapping/>
   </p:clrMapOvr>
+  <p:timing>
+    <p:tnLst>
+      <p:par>
+        <p:cTn id="1" dur="indefinite" restart="never" nodeType="tmRoot"/>
+      </p:par>
+    </p:tnLst>
+  </p:timing>
 </p:sld>
 </file>
 
-<file path=ppt/slides/slide39.xml><?xml version="1.0" encoding="utf-8"?>
+<file path=ppt/slides/slide42.xml><?xml version="1.0" encoding="utf-8"?>
 <p:sld xmlns:a="http://schemas.openxmlformats.org/drawingml/2006/main" xmlns:r="http://schemas.openxmlformats.org/officeDocument/2006/relationships" xmlns:p="http://schemas.openxmlformats.org/presentationml/2006/main">
   <p:cSld>
     <p:spTree>
@@ -25451,14 +30307,18 @@
             <a:pPr algn="ctr"/>
             <a:r>
               <a:rPr lang="en-US" altLang="zh-CN" dirty="0" smtClean="0"/>
-              <a:t>All Pair Correlation Detection</a:t>
+              <a:t>All Pair Correlation </a:t>
+            </a:r>
+            <a:r>
+              <a:rPr lang="en-US" altLang="zh-CN" dirty="0" smtClean="0"/>
+              <a:t>Detection[8]</a:t>
             </a:r>
             <a:endParaRPr lang="zh-CN" altLang="en-US" dirty="0"/>
           </a:p>
         </p:txBody>
       </p:sp>
-      <mc:AlternateContent xmlns:mc="http://schemas.openxmlformats.org/markup-compatibility/2006">
-        <mc:Choice xmlns:a14="http://schemas.microsoft.com/office/drawing/2010/main" Requires="a14">
+      <mc:AlternateContent xmlns:mc="http://schemas.openxmlformats.org/markup-compatibility/2006" xmlns:a14="http://schemas.microsoft.com/office/drawing/2010/main">
+        <mc:Choice Requires="a14">
           <p:sp>
             <p:nvSpPr>
               <p:cNvPr id="3" name="内容占位符 2"/>
@@ -25731,7 +30591,7 @@
             </p:txBody>
           </p:sp>
         </mc:Choice>
-        <mc:Fallback>
+        <mc:Fallback xmlns="">
           <p:sp>
             <p:nvSpPr>
               <p:cNvPr id="3" name="内容占位符 2"/>
@@ -25829,159 +30689,6 @@
   <p:clrMapOvr>
     <a:masterClrMapping/>
   </p:clrMapOvr>
-</p:sld>
-</file>
-
-<file path=ppt/slides/slide4.xml><?xml version="1.0" encoding="utf-8"?>
-<p:sld xmlns:a="http://schemas.openxmlformats.org/drawingml/2006/main" xmlns:r="http://schemas.openxmlformats.org/officeDocument/2006/relationships" xmlns:p="http://schemas.openxmlformats.org/presentationml/2006/main">
-  <p:cSld>
-    <p:spTree>
-      <p:nvGrpSpPr>
-        <p:cNvPr id="1" name=""/>
-        <p:cNvGrpSpPr/>
-        <p:nvPr/>
-      </p:nvGrpSpPr>
-      <p:grpSpPr>
-        <a:xfrm>
-          <a:off x="0" y="0"/>
-          <a:ext cx="0" cy="0"/>
-          <a:chOff x="0" y="0"/>
-          <a:chExt cx="0" cy="0"/>
-        </a:xfrm>
-      </p:grpSpPr>
-      <p:sp>
-        <p:nvSpPr>
-          <p:cNvPr id="2" name="Title 1"/>
-          <p:cNvSpPr>
-            <a:spLocks noGrp="1"/>
-          </p:cNvSpPr>
-          <p:nvPr>
-            <p:ph type="title"/>
-          </p:nvPr>
-        </p:nvSpPr>
-        <p:spPr/>
-        <p:txBody>
-          <a:bodyPr/>
-          <a:lstStyle/>
-          <a:p>
-            <a:pPr algn="ctr"/>
-            <a:r>
-              <a:rPr lang="en-US" dirty="0" smtClean="0"/>
-              <a:t>Time Series Data Mining(TSDM)</a:t>
-            </a:r>
-            <a:endParaRPr lang="en-US" dirty="0"/>
-          </a:p>
-        </p:txBody>
-      </p:sp>
-      <p:sp>
-        <p:nvSpPr>
-          <p:cNvPr id="3" name="Content Placeholder 2"/>
-          <p:cNvSpPr>
-            <a:spLocks noGrp="1"/>
-          </p:cNvSpPr>
-          <p:nvPr>
-            <p:ph sz="quarter" idx="1"/>
-          </p:nvPr>
-        </p:nvSpPr>
-        <p:spPr>
-          <a:xfrm>
-            <a:off x="613657" y="1241778"/>
-            <a:ext cx="8915400" cy="4703317"/>
-          </a:xfrm>
-        </p:spPr>
-        <p:txBody>
-          <a:bodyPr>
-            <a:normAutofit/>
-          </a:bodyPr>
-          <a:lstStyle/>
-          <a:p>
-            <a:r>
-              <a:rPr lang="en-US" dirty="0"/>
-              <a:t>Segmentation</a:t>
-            </a:r>
-          </a:p>
-          <a:p>
-            <a:r>
-              <a:rPr lang="en-US" altLang="zh-CN" dirty="0" smtClean="0"/>
-              <a:t>Forecasting</a:t>
-            </a:r>
-            <a:endParaRPr lang="en-US" dirty="0"/>
-          </a:p>
-          <a:p>
-            <a:r>
-              <a:rPr lang="en-US" dirty="0" smtClean="0"/>
-              <a:t>Prediction</a:t>
-            </a:r>
-          </a:p>
-          <a:p>
-            <a:r>
-              <a:rPr lang="en-US" altLang="zh-CN" dirty="0" smtClean="0"/>
-              <a:t>Query </a:t>
-            </a:r>
-            <a:r>
-              <a:rPr lang="en-US" altLang="zh-CN" dirty="0"/>
-              <a:t>by </a:t>
-            </a:r>
-            <a:r>
-              <a:rPr lang="en-US" altLang="zh-CN" dirty="0" smtClean="0"/>
-              <a:t>content</a:t>
-            </a:r>
-          </a:p>
-          <a:p>
-            <a:r>
-              <a:rPr lang="en-US" altLang="zh-CN" dirty="0" smtClean="0"/>
-              <a:t>Frequent Subsequence </a:t>
-            </a:r>
-            <a:r>
-              <a:rPr lang="en-US" altLang="zh-CN" dirty="0" smtClean="0"/>
-              <a:t>Mining</a:t>
-            </a:r>
-          </a:p>
-          <a:p>
-            <a:r>
-              <a:rPr lang="en-US" altLang="zh-CN" dirty="0" smtClean="0"/>
-              <a:t>Correlation Detection</a:t>
-            </a:r>
-            <a:endParaRPr lang="en-US" altLang="zh-CN" dirty="0"/>
-          </a:p>
-          <a:p>
-            <a:r>
-              <a:rPr lang="en-US" altLang="zh-CN" dirty="0"/>
-              <a:t>Motif </a:t>
-            </a:r>
-            <a:r>
-              <a:rPr lang="en-US" altLang="zh-CN" dirty="0" smtClean="0"/>
-              <a:t>Discovery</a:t>
-            </a:r>
-            <a:endParaRPr lang="en-US" dirty="0" smtClean="0"/>
-          </a:p>
-          <a:p>
-            <a:r>
-              <a:rPr lang="en-US" dirty="0" smtClean="0"/>
-              <a:t>Clustering</a:t>
-            </a:r>
-          </a:p>
-          <a:p>
-            <a:r>
-              <a:rPr lang="en-US" dirty="0" smtClean="0"/>
-              <a:t>Classification</a:t>
-            </a:r>
-          </a:p>
-          <a:p>
-            <a:endParaRPr lang="en-US" dirty="0"/>
-          </a:p>
-        </p:txBody>
-      </p:sp>
-    </p:spTree>
-    <p:extLst>
-      <p:ext uri="{BB962C8B-B14F-4D97-AF65-F5344CB8AC3E}">
-        <p14:creationId xmlns:p14="http://schemas.microsoft.com/office/powerpoint/2010/main" val="2706556476"/>
-      </p:ext>
-    </p:extLst>
-  </p:cSld>
-  <p:clrMapOvr>
-    <a:masterClrMapping/>
-  </p:clrMapOvr>
   <p:timing>
     <p:tnLst>
       <p:par>
@@ -25992,7 +30699,7 @@
 </p:sld>
 </file>
 
-<file path=ppt/slides/slide40.xml><?xml version="1.0" encoding="utf-8"?>
+<file path=ppt/slides/slide43.xml><?xml version="1.0" encoding="utf-8"?>
 <p:sld xmlns:a="http://schemas.openxmlformats.org/drawingml/2006/main" xmlns:r="http://schemas.openxmlformats.org/officeDocument/2006/relationships" xmlns:p="http://schemas.openxmlformats.org/presentationml/2006/main">
   <p:cSld>
     <p:spTree>
@@ -26033,8 +30740,8 @@
           </a:p>
         </p:txBody>
       </p:sp>
-      <mc:AlternateContent xmlns:mc="http://schemas.openxmlformats.org/markup-compatibility/2006">
-        <mc:Choice xmlns:a14="http://schemas.microsoft.com/office/drawing/2010/main" Requires="a14">
+      <mc:AlternateContent xmlns:mc="http://schemas.openxmlformats.org/markup-compatibility/2006" xmlns:a14="http://schemas.microsoft.com/office/drawing/2010/main">
+        <mc:Choice Requires="a14">
           <p:sp>
             <p:nvSpPr>
               <p:cNvPr id="3" name="内容占位符 2"/>
@@ -26738,7 +31445,7 @@
             </p:txBody>
           </p:sp>
         </mc:Choice>
-        <mc:Fallback>
+        <mc:Fallback xmlns="">
           <p:sp>
             <p:nvSpPr>
               <p:cNvPr id="3" name="内容占位符 2"/>
@@ -26792,7 +31499,7 @@
 </p:sld>
 </file>
 
-<file path=ppt/slides/slide41.xml><?xml version="1.0" encoding="utf-8"?>
+<file path=ppt/slides/slide44.xml><?xml version="1.0" encoding="utf-8"?>
 <p:sld xmlns:a="http://schemas.openxmlformats.org/drawingml/2006/main" xmlns:r="http://schemas.openxmlformats.org/officeDocument/2006/relationships" xmlns:p="http://schemas.openxmlformats.org/presentationml/2006/main">
   <p:cSld>
     <p:spTree>
@@ -26938,7 +31645,7 @@
 </p:sld>
 </file>
 
-<file path=ppt/slides/slide42.xml><?xml version="1.0" encoding="utf-8"?>
+<file path=ppt/slides/slide45.xml><?xml version="1.0" encoding="utf-8"?>
 <p:sld xmlns:a="http://schemas.openxmlformats.org/drawingml/2006/main" xmlns:r="http://schemas.openxmlformats.org/officeDocument/2006/relationships" xmlns:p="http://schemas.openxmlformats.org/presentationml/2006/main">
   <p:cSld>
     <p:spTree>
@@ -27594,8 +32301,8 @@
                   <a:t> is cross edges between </a:t>
                 </a:r>
                 <a:r>
-                  <a:rPr lang="en-US" altLang="zh-CN" dirty="0" err="1" smtClean="0"/>
-                  <a:t>partitons</a:t>
+                  <a:rPr lang="en-US" altLang="zh-CN" dirty="0" smtClean="0"/>
+                  <a:t>partitions</a:t>
                 </a:r>
                 <a:endParaRPr lang="en-US" altLang="zh-CN" dirty="0"/>
               </a:p>
@@ -27664,7 +32371,150 @@
 </p:sld>
 </file>
 
-<file path=ppt/slides/slide43.xml><?xml version="1.0" encoding="utf-8"?>
+<file path=ppt/slides/slide46.xml><?xml version="1.0" encoding="utf-8"?>
+<p:sld xmlns:a="http://schemas.openxmlformats.org/drawingml/2006/main" xmlns:r="http://schemas.openxmlformats.org/officeDocument/2006/relationships" xmlns:p="http://schemas.openxmlformats.org/presentationml/2006/main">
+  <p:cSld>
+    <p:spTree>
+      <p:nvGrpSpPr>
+        <p:cNvPr id="1" name=""/>
+        <p:cNvGrpSpPr/>
+        <p:nvPr/>
+      </p:nvGrpSpPr>
+      <p:grpSpPr>
+        <a:xfrm>
+          <a:off x="0" y="0"/>
+          <a:ext cx="0" cy="0"/>
+          <a:chOff x="0" y="0"/>
+          <a:chExt cx="0" cy="0"/>
+        </a:xfrm>
+      </p:grpSpPr>
+      <p:sp>
+        <p:nvSpPr>
+          <p:cNvPr id="2" name="标题 1"/>
+          <p:cNvSpPr>
+            <a:spLocks noGrp="1"/>
+          </p:cNvSpPr>
+          <p:nvPr>
+            <p:ph type="title"/>
+          </p:nvPr>
+        </p:nvSpPr>
+        <p:spPr/>
+        <p:txBody>
+          <a:bodyPr/>
+          <a:lstStyle/>
+          <a:p>
+            <a:pPr algn="ctr"/>
+            <a:r>
+              <a:rPr lang="en-US" altLang="zh-CN" dirty="0" smtClean="0"/>
+              <a:t>Computation Optimization</a:t>
+            </a:r>
+            <a:endParaRPr lang="zh-CN" altLang="en-US" dirty="0"/>
+          </a:p>
+        </p:txBody>
+      </p:sp>
+      <p:sp>
+        <p:nvSpPr>
+          <p:cNvPr id="3" name="内容占位符 2"/>
+          <p:cNvSpPr>
+            <a:spLocks noGrp="1"/>
+          </p:cNvSpPr>
+          <p:nvPr>
+            <p:ph sz="quarter" idx="1"/>
+          </p:nvPr>
+        </p:nvSpPr>
+        <p:spPr/>
+        <p:txBody>
+          <a:bodyPr/>
+          <a:lstStyle/>
+          <a:p>
+            <a:r>
+              <a:rPr lang="en-US" altLang="zh-CN" dirty="0" smtClean="0"/>
+              <a:t>Approximate Algorithms</a:t>
+            </a:r>
+          </a:p>
+          <a:p>
+            <a:pPr marL="0" indent="0">
+              <a:buNone/>
+            </a:pPr>
+            <a:endParaRPr lang="zh-CN" altLang="en-US" dirty="0"/>
+          </a:p>
+        </p:txBody>
+      </p:sp>
+      <p:pic>
+        <p:nvPicPr>
+          <p:cNvPr id="3074" name="Picture 2"/>
+          <p:cNvPicPr>
+            <a:picLocks noChangeAspect="1" noChangeArrowheads="1"/>
+          </p:cNvPicPr>
+          <p:nvPr/>
+        </p:nvPicPr>
+        <p:blipFill>
+          <a:blip r:embed="rId2">
+            <a:extLst>
+              <a:ext uri="{28A0092B-C50C-407E-A947-70E740481C1C}">
+                <a14:useLocalDpi xmlns:a14="http://schemas.microsoft.com/office/drawing/2010/main" val="0"/>
+              </a:ext>
+            </a:extLst>
+          </a:blip>
+          <a:srcRect/>
+          <a:stretch>
+            <a:fillRect/>
+          </a:stretch>
+        </p:blipFill>
+        <p:spPr bwMode="auto">
+          <a:xfrm>
+            <a:off x="3011311" y="2014891"/>
+            <a:ext cx="4724400" cy="2466975"/>
+          </a:xfrm>
+          <a:prstGeom prst="rect">
+            <a:avLst/>
+          </a:prstGeom>
+          <a:noFill/>
+          <a:ln>
+            <a:noFill/>
+          </a:ln>
+          <a:extLst>
+            <a:ext uri="{909E8E84-426E-40DD-AFC4-6F175D3DCCD1}">
+              <a14:hiddenFill xmlns:a14="http://schemas.microsoft.com/office/drawing/2010/main">
+                <a:solidFill>
+                  <a:schemeClr val="accent1"/>
+                </a:solidFill>
+              </a14:hiddenFill>
+            </a:ext>
+            <a:ext uri="{91240B29-F687-4F45-9708-019B960494DF}">
+              <a14:hiddenLine xmlns:a14="http://schemas.microsoft.com/office/drawing/2010/main" w="9525">
+                <a:solidFill>
+                  <a:schemeClr val="tx1"/>
+                </a:solidFill>
+                <a:miter lim="800000"/>
+                <a:headEnd/>
+                <a:tailEnd/>
+              </a14:hiddenLine>
+            </a:ext>
+          </a:extLst>
+        </p:spPr>
+      </p:pic>
+    </p:spTree>
+    <p:extLst>
+      <p:ext uri="{BB962C8B-B14F-4D97-AF65-F5344CB8AC3E}">
+        <p14:creationId xmlns:p14="http://schemas.microsoft.com/office/powerpoint/2010/main" val="791366631"/>
+      </p:ext>
+    </p:extLst>
+  </p:cSld>
+  <p:clrMapOvr>
+    <a:masterClrMapping/>
+  </p:clrMapOvr>
+  <p:timing>
+    <p:tnLst>
+      <p:par>
+        <p:cTn id="1" dur="indefinite" restart="never" nodeType="tmRoot"/>
+      </p:par>
+    </p:tnLst>
+  </p:timing>
+</p:sld>
+</file>
+
+<file path=ppt/slides/slide47.xml><?xml version="1.0" encoding="utf-8"?>
 <p:sld xmlns:a="http://schemas.openxmlformats.org/drawingml/2006/main" xmlns:r="http://schemas.openxmlformats.org/officeDocument/2006/relationships" xmlns:p="http://schemas.openxmlformats.org/presentationml/2006/main">
   <p:cSld>
     <p:spTree>
@@ -27806,7 +32656,7 @@
 </p:sld>
 </file>
 
-<file path=ppt/slides/slide44.xml><?xml version="1.0" encoding="utf-8"?>
+<file path=ppt/slides/slide48.xml><?xml version="1.0" encoding="utf-8"?>
 <p:sld xmlns:a="http://schemas.openxmlformats.org/drawingml/2006/main" xmlns:r="http://schemas.openxmlformats.org/officeDocument/2006/relationships" xmlns:p="http://schemas.openxmlformats.org/presentationml/2006/main">
   <p:cSld>
     <p:spTree>
@@ -28026,7 +32876,7 @@
 </p:sld>
 </file>
 
-<file path=ppt/slides/slide45.xml><?xml version="1.0" encoding="utf-8"?>
+<file path=ppt/slides/slide49.xml><?xml version="1.0" encoding="utf-8"?>
 <p:sld xmlns:a="http://schemas.openxmlformats.org/drawingml/2006/main" xmlns:r="http://schemas.openxmlformats.org/officeDocument/2006/relationships" xmlns:p="http://schemas.openxmlformats.org/presentationml/2006/main">
   <p:cSld>
     <p:spTree>
@@ -28413,7 +33263,147 @@
 </p:sld>
 </file>
 
-<file path=ppt/slides/slide46.xml><?xml version="1.0" encoding="utf-8"?>
+<file path=ppt/slides/slide5.xml><?xml version="1.0" encoding="utf-8"?>
+<p:sld xmlns:a="http://schemas.openxmlformats.org/drawingml/2006/main" xmlns:r="http://schemas.openxmlformats.org/officeDocument/2006/relationships" xmlns:p="http://schemas.openxmlformats.org/presentationml/2006/main">
+  <p:cSld>
+    <p:spTree>
+      <p:nvGrpSpPr>
+        <p:cNvPr id="1" name=""/>
+        <p:cNvGrpSpPr/>
+        <p:nvPr/>
+      </p:nvGrpSpPr>
+      <p:grpSpPr>
+        <a:xfrm>
+          <a:off x="0" y="0"/>
+          <a:ext cx="0" cy="0"/>
+          <a:chOff x="0" y="0"/>
+          <a:chExt cx="0" cy="0"/>
+        </a:xfrm>
+      </p:grpSpPr>
+      <p:sp>
+        <p:nvSpPr>
+          <p:cNvPr id="2" name="Title 1"/>
+          <p:cNvSpPr>
+            <a:spLocks noGrp="1"/>
+          </p:cNvSpPr>
+          <p:nvPr>
+            <p:ph type="title"/>
+          </p:nvPr>
+        </p:nvSpPr>
+        <p:spPr/>
+        <p:txBody>
+          <a:bodyPr/>
+          <a:lstStyle/>
+          <a:p>
+            <a:pPr algn="ctr"/>
+            <a:r>
+              <a:rPr lang="en-US" dirty="0" smtClean="0"/>
+              <a:t>Segmentation</a:t>
+            </a:r>
+            <a:endParaRPr lang="en-US" dirty="0"/>
+          </a:p>
+        </p:txBody>
+      </p:sp>
+      <p:sp>
+        <p:nvSpPr>
+          <p:cNvPr id="3" name="Content Placeholder 2"/>
+          <p:cNvSpPr>
+            <a:spLocks noGrp="1"/>
+          </p:cNvSpPr>
+          <p:nvPr>
+            <p:ph sz="quarter" idx="1"/>
+          </p:nvPr>
+        </p:nvSpPr>
+        <p:spPr/>
+        <p:txBody>
+          <a:bodyPr/>
+          <a:lstStyle/>
+          <a:p>
+            <a:r>
+              <a:rPr lang="en-US" dirty="0"/>
+              <a:t>Given a time series T, produce the best representation using only </a:t>
+            </a:r>
+            <a:r>
+              <a:rPr lang="en-US" dirty="0" smtClean="0"/>
+              <a:t>K segments.</a:t>
+            </a:r>
+          </a:p>
+          <a:p>
+            <a:r>
+              <a:rPr lang="en-US" dirty="0"/>
+              <a:t>Given a time series T, produce the best representation such that the </a:t>
+            </a:r>
+            <a:r>
+              <a:rPr lang="en-US" dirty="0" smtClean="0"/>
+              <a:t>maximum error </a:t>
+            </a:r>
+            <a:r>
+              <a:rPr lang="en-US" dirty="0"/>
+              <a:t>for any segment does not exceed some user-specified </a:t>
+            </a:r>
+            <a:r>
+              <a:rPr lang="en-US" dirty="0" smtClean="0"/>
+              <a:t>threshold, max error.</a:t>
+            </a:r>
+          </a:p>
+          <a:p>
+            <a:r>
+              <a:rPr lang="en-US" dirty="0"/>
+              <a:t>Given a time series </a:t>
+            </a:r>
+            <a:r>
+              <a:rPr lang="en-US" i="1" dirty="0"/>
+              <a:t>T</a:t>
+            </a:r>
+            <a:r>
+              <a:rPr lang="en-US" dirty="0"/>
+              <a:t>, produce the best representation such that </a:t>
+            </a:r>
+            <a:r>
+              <a:rPr lang="en-US" dirty="0" smtClean="0"/>
+              <a:t>the combined </a:t>
+            </a:r>
+            <a:r>
+              <a:rPr lang="en-US" dirty="0"/>
+              <a:t>error of all segments is less than some user-specified </a:t>
+            </a:r>
+            <a:r>
+              <a:rPr lang="en-US" dirty="0" smtClean="0"/>
+              <a:t>threshold, total </a:t>
+            </a:r>
+            <a:r>
+              <a:rPr lang="en-US" dirty="0"/>
+              <a:t>max </a:t>
+            </a:r>
+            <a:r>
+              <a:rPr lang="en-US" dirty="0" smtClean="0"/>
+              <a:t>error.</a:t>
+            </a:r>
+            <a:endParaRPr lang="en-US" dirty="0"/>
+          </a:p>
+        </p:txBody>
+      </p:sp>
+    </p:spTree>
+    <p:extLst>
+      <p:ext uri="{BB962C8B-B14F-4D97-AF65-F5344CB8AC3E}">
+        <p14:creationId xmlns:p14="http://schemas.microsoft.com/office/powerpoint/2010/main" val="3258190786"/>
+      </p:ext>
+    </p:extLst>
+  </p:cSld>
+  <p:clrMapOvr>
+    <a:masterClrMapping/>
+  </p:clrMapOvr>
+  <p:timing>
+    <p:tnLst>
+      <p:par>
+        <p:cTn id="1" dur="indefinite" restart="never" nodeType="tmRoot"/>
+      </p:par>
+    </p:tnLst>
+  </p:timing>
+</p:sld>
+</file>
+
+<file path=ppt/slides/slide50.xml><?xml version="1.0" encoding="utf-8"?>
 <p:sld xmlns:a="http://schemas.openxmlformats.org/drawingml/2006/main" xmlns:r="http://schemas.openxmlformats.org/officeDocument/2006/relationships" xmlns:p="http://schemas.openxmlformats.org/presentationml/2006/main">
   <p:cSld>
     <p:spTree>
@@ -28854,7 +33844,7 @@
 </p:sld>
 </file>
 
-<file path=ppt/slides/slide47.xml><?xml version="1.0" encoding="utf-8"?>
+<file path=ppt/slides/slide51.xml><?xml version="1.0" encoding="utf-8"?>
 <p:sld xmlns:a="http://schemas.openxmlformats.org/drawingml/2006/main" xmlns:r="http://schemas.openxmlformats.org/officeDocument/2006/relationships" xmlns:p="http://schemas.openxmlformats.org/presentationml/2006/main">
   <p:cSld>
     <p:spTree>
@@ -29107,7 +34097,7 @@
 </p:sld>
 </file>
 
-<file path=ppt/slides/slide48.xml><?xml version="1.0" encoding="utf-8"?>
+<file path=ppt/slides/slide52.xml><?xml version="1.0" encoding="utf-8"?>
 <p:sld xmlns:a="http://schemas.openxmlformats.org/drawingml/2006/main" xmlns:r="http://schemas.openxmlformats.org/officeDocument/2006/relationships" xmlns:p="http://schemas.openxmlformats.org/presentationml/2006/main">
   <p:cSld>
     <p:spTree>
@@ -29350,984 +34340,6 @@
 </p:sld>
 </file>
 
-<file path=ppt/slides/slide49.xml><?xml version="1.0" encoding="utf-8"?>
-<p:sld xmlns:a="http://schemas.openxmlformats.org/drawingml/2006/main" xmlns:r="http://schemas.openxmlformats.org/officeDocument/2006/relationships" xmlns:p="http://schemas.openxmlformats.org/presentationml/2006/main">
-  <p:cSld>
-    <p:spTree>
-      <p:nvGrpSpPr>
-        <p:cNvPr id="1" name=""/>
-        <p:cNvGrpSpPr/>
-        <p:nvPr/>
-      </p:nvGrpSpPr>
-      <p:grpSpPr>
-        <a:xfrm>
-          <a:off x="0" y="0"/>
-          <a:ext cx="0" cy="0"/>
-          <a:chOff x="0" y="0"/>
-          <a:chExt cx="0" cy="0"/>
-        </a:xfrm>
-      </p:grpSpPr>
-      <p:sp>
-        <p:nvSpPr>
-          <p:cNvPr id="2" name="Title 1"/>
-          <p:cNvSpPr>
-            <a:spLocks noGrp="1"/>
-          </p:cNvSpPr>
-          <p:nvPr>
-            <p:ph type="title"/>
-          </p:nvPr>
-        </p:nvSpPr>
-        <p:spPr/>
-        <p:txBody>
-          <a:bodyPr/>
-          <a:lstStyle/>
-          <a:p>
-            <a:pPr algn="ctr"/>
-            <a:r>
-              <a:rPr lang="en-US" dirty="0" smtClean="0"/>
-              <a:t>Clustering</a:t>
-            </a:r>
-            <a:endParaRPr lang="en-US" dirty="0"/>
-          </a:p>
-        </p:txBody>
-      </p:sp>
-      <p:sp>
-        <p:nvSpPr>
-          <p:cNvPr id="3" name="Content Placeholder 2"/>
-          <p:cNvSpPr>
-            <a:spLocks noGrp="1"/>
-          </p:cNvSpPr>
-          <p:nvPr>
-            <p:ph sz="quarter" idx="1"/>
-          </p:nvPr>
-        </p:nvSpPr>
-        <p:spPr>
-          <a:xfrm>
-            <a:off x="632178" y="1443487"/>
-            <a:ext cx="10872434" cy="5147094"/>
-          </a:xfrm>
-        </p:spPr>
-        <p:txBody>
-          <a:bodyPr>
-            <a:normAutofit fontScale="77500" lnSpcReduction="20000"/>
-          </a:bodyPr>
-          <a:lstStyle/>
-          <a:p>
-            <a:r>
-              <a:rPr lang="en-US" dirty="0" smtClean="0"/>
-              <a:t>Find </a:t>
-            </a:r>
-            <a:r>
-              <a:rPr lang="en-US" dirty="0"/>
-              <a:t>natural groupings of the time series in database DB under some similarity/dissimilarity measure D(Q,C</a:t>
-            </a:r>
-            <a:r>
-              <a:rPr lang="en-US" dirty="0" smtClean="0"/>
-              <a:t>).</a:t>
-            </a:r>
-          </a:p>
-          <a:p>
-            <a:r>
-              <a:rPr lang="en-US" dirty="0"/>
-              <a:t>Three time series clustering approaches: </a:t>
-            </a:r>
-            <a:endParaRPr lang="en-US" dirty="0" smtClean="0"/>
-          </a:p>
-          <a:p>
-            <a:pPr lvl="1"/>
-            <a:r>
-              <a:rPr lang="en-US" dirty="0" smtClean="0"/>
-              <a:t>raw-data-based</a:t>
-            </a:r>
-            <a:endParaRPr lang="en-US" dirty="0"/>
-          </a:p>
-          <a:p>
-            <a:pPr lvl="1"/>
-            <a:r>
-              <a:rPr lang="en-US" dirty="0" smtClean="0"/>
-              <a:t>feature-based</a:t>
-            </a:r>
-            <a:endParaRPr lang="en-US" dirty="0"/>
-          </a:p>
-          <a:p>
-            <a:pPr lvl="1"/>
-            <a:r>
-              <a:rPr lang="en-US" dirty="0" smtClean="0"/>
-              <a:t>model-based</a:t>
-            </a:r>
-          </a:p>
-          <a:p>
-            <a:r>
-              <a:rPr lang="en-US" dirty="0" smtClean="0"/>
-              <a:t>General </a:t>
-            </a:r>
-            <a:r>
-              <a:rPr lang="en-US" dirty="0"/>
-              <a:t>c</a:t>
-            </a:r>
-            <a:r>
-              <a:rPr lang="en-US" dirty="0" smtClean="0"/>
-              <a:t>lustering methods</a:t>
-            </a:r>
-          </a:p>
-          <a:p>
-            <a:pPr lvl="1"/>
-            <a:r>
-              <a:rPr lang="en-US" dirty="0" smtClean="0"/>
-              <a:t>K-means, c-means</a:t>
-            </a:r>
-          </a:p>
-          <a:p>
-            <a:pPr lvl="1"/>
-            <a:r>
-              <a:rPr lang="en-US" dirty="0"/>
-              <a:t>H</a:t>
-            </a:r>
-            <a:r>
-              <a:rPr lang="en-US" dirty="0" smtClean="0"/>
-              <a:t>ierarchical clustering</a:t>
-            </a:r>
-          </a:p>
-          <a:p>
-            <a:pPr lvl="1"/>
-            <a:r>
-              <a:rPr lang="en-US" dirty="0" smtClean="0"/>
-              <a:t>Neural networks</a:t>
-            </a:r>
-          </a:p>
-          <a:p>
-            <a:r>
-              <a:rPr lang="en-US" dirty="0"/>
-              <a:t>Similarity/distance </a:t>
-            </a:r>
-            <a:r>
-              <a:rPr lang="en-US" dirty="0" smtClean="0"/>
-              <a:t>measures</a:t>
-            </a:r>
-          </a:p>
-          <a:p>
-            <a:pPr lvl="1"/>
-            <a:r>
-              <a:rPr lang="en-US" dirty="0" smtClean="0"/>
-              <a:t>L p distance</a:t>
-            </a:r>
-          </a:p>
-          <a:p>
-            <a:pPr lvl="1"/>
-            <a:r>
-              <a:rPr lang="en-US" dirty="0"/>
-              <a:t>Pearson’s </a:t>
-            </a:r>
-            <a:r>
-              <a:rPr lang="en-US" dirty="0" smtClean="0"/>
-              <a:t>correlation</a:t>
-            </a:r>
-          </a:p>
-          <a:p>
-            <a:pPr lvl="1"/>
-            <a:r>
-              <a:rPr lang="en-US" dirty="0"/>
-              <a:t>Short time series </a:t>
-            </a:r>
-            <a:r>
-              <a:rPr lang="en-US" dirty="0" smtClean="0"/>
-              <a:t>distance</a:t>
-            </a:r>
-          </a:p>
-          <a:p>
-            <a:pPr lvl="1"/>
-            <a:r>
-              <a:rPr lang="en-US" dirty="0"/>
-              <a:t>Dynamic time warping </a:t>
-            </a:r>
-            <a:r>
-              <a:rPr lang="en-US" dirty="0" smtClean="0"/>
-              <a:t>distance</a:t>
-            </a:r>
-          </a:p>
-          <a:p>
-            <a:pPr lvl="1"/>
-            <a:r>
-              <a:rPr lang="en-US" dirty="0" err="1"/>
-              <a:t>Kullback</a:t>
-            </a:r>
-            <a:r>
-              <a:rPr lang="en-US" dirty="0"/>
-              <a:t>–</a:t>
-            </a:r>
-            <a:r>
-              <a:rPr lang="en-US" dirty="0" err="1"/>
-              <a:t>Liebler</a:t>
-            </a:r>
-            <a:r>
-              <a:rPr lang="en-US" dirty="0"/>
-              <a:t> </a:t>
-            </a:r>
-            <a:r>
-              <a:rPr lang="en-US" dirty="0" smtClean="0"/>
-              <a:t>distance</a:t>
-            </a:r>
-          </a:p>
-          <a:p>
-            <a:pPr lvl="1"/>
-            <a:r>
-              <a:rPr lang="en-US" i="1" dirty="0"/>
-              <a:t>Probability-based </a:t>
-            </a:r>
-            <a:r>
-              <a:rPr lang="en-US" i="1" dirty="0" smtClean="0"/>
-              <a:t>distance</a:t>
-            </a:r>
-            <a:endParaRPr lang="en-US" dirty="0"/>
-          </a:p>
-          <a:p>
-            <a:pPr marL="0" indent="0">
-              <a:buNone/>
-            </a:pPr>
-            <a:endParaRPr lang="en-US" dirty="0"/>
-          </a:p>
-        </p:txBody>
-      </p:sp>
-    </p:spTree>
-    <p:extLst>
-      <p:ext uri="{BB962C8B-B14F-4D97-AF65-F5344CB8AC3E}">
-        <p14:creationId xmlns:p14="http://schemas.microsoft.com/office/powerpoint/2010/main" val="2821398363"/>
-      </p:ext>
-    </p:extLst>
-  </p:cSld>
-  <p:clrMapOvr>
-    <a:masterClrMapping/>
-  </p:clrMapOvr>
-  <p:timing>
-    <p:tnLst>
-      <p:par>
-        <p:cTn id="1" dur="indefinite" restart="never" nodeType="tmRoot"/>
-      </p:par>
-    </p:tnLst>
-  </p:timing>
-</p:sld>
-</file>
-
-<file path=ppt/slides/slide5.xml><?xml version="1.0" encoding="utf-8"?>
-<p:sld xmlns:a="http://schemas.openxmlformats.org/drawingml/2006/main" xmlns:r="http://schemas.openxmlformats.org/officeDocument/2006/relationships" xmlns:p="http://schemas.openxmlformats.org/presentationml/2006/main">
-  <p:cSld>
-    <p:spTree>
-      <p:nvGrpSpPr>
-        <p:cNvPr id="1" name=""/>
-        <p:cNvGrpSpPr/>
-        <p:nvPr/>
-      </p:nvGrpSpPr>
-      <p:grpSpPr>
-        <a:xfrm>
-          <a:off x="0" y="0"/>
-          <a:ext cx="0" cy="0"/>
-          <a:chOff x="0" y="0"/>
-          <a:chExt cx="0" cy="0"/>
-        </a:xfrm>
-      </p:grpSpPr>
-      <p:sp>
-        <p:nvSpPr>
-          <p:cNvPr id="2" name="Title 1"/>
-          <p:cNvSpPr>
-            <a:spLocks noGrp="1"/>
-          </p:cNvSpPr>
-          <p:nvPr>
-            <p:ph type="title"/>
-          </p:nvPr>
-        </p:nvSpPr>
-        <p:spPr/>
-        <p:txBody>
-          <a:bodyPr/>
-          <a:lstStyle/>
-          <a:p>
-            <a:pPr algn="ctr"/>
-            <a:r>
-              <a:rPr lang="en-US" dirty="0" smtClean="0"/>
-              <a:t>Segmentation</a:t>
-            </a:r>
-            <a:endParaRPr lang="en-US" dirty="0"/>
-          </a:p>
-        </p:txBody>
-      </p:sp>
-      <p:sp>
-        <p:nvSpPr>
-          <p:cNvPr id="3" name="Content Placeholder 2"/>
-          <p:cNvSpPr>
-            <a:spLocks noGrp="1"/>
-          </p:cNvSpPr>
-          <p:nvPr>
-            <p:ph sz="quarter" idx="1"/>
-          </p:nvPr>
-        </p:nvSpPr>
-        <p:spPr/>
-        <p:txBody>
-          <a:bodyPr/>
-          <a:lstStyle/>
-          <a:p>
-            <a:r>
-              <a:rPr lang="en-US" dirty="0"/>
-              <a:t>Given a time series T, produce the best representation using only </a:t>
-            </a:r>
-            <a:r>
-              <a:rPr lang="en-US" dirty="0" smtClean="0"/>
-              <a:t>K segments.</a:t>
-            </a:r>
-          </a:p>
-          <a:p>
-            <a:r>
-              <a:rPr lang="en-US" dirty="0"/>
-              <a:t>Given a time series T, produce the best representation such that the </a:t>
-            </a:r>
-            <a:r>
-              <a:rPr lang="en-US" dirty="0" smtClean="0"/>
-              <a:t>maximum error </a:t>
-            </a:r>
-            <a:r>
-              <a:rPr lang="en-US" dirty="0"/>
-              <a:t>for any segment does not exceed some user-specified </a:t>
-            </a:r>
-            <a:r>
-              <a:rPr lang="en-US" dirty="0" smtClean="0"/>
-              <a:t>threshold, max error.</a:t>
-            </a:r>
-          </a:p>
-          <a:p>
-            <a:r>
-              <a:rPr lang="en-US" dirty="0"/>
-              <a:t>Given a time series </a:t>
-            </a:r>
-            <a:r>
-              <a:rPr lang="en-US" i="1" dirty="0"/>
-              <a:t>T</a:t>
-            </a:r>
-            <a:r>
-              <a:rPr lang="en-US" dirty="0"/>
-              <a:t>, produce the best representation such that </a:t>
-            </a:r>
-            <a:r>
-              <a:rPr lang="en-US" dirty="0" smtClean="0"/>
-              <a:t>the combined </a:t>
-            </a:r>
-            <a:r>
-              <a:rPr lang="en-US" dirty="0"/>
-              <a:t>error of all segments is less than some user-specified </a:t>
-            </a:r>
-            <a:r>
-              <a:rPr lang="en-US" dirty="0" smtClean="0"/>
-              <a:t>threshold, total </a:t>
-            </a:r>
-            <a:r>
-              <a:rPr lang="en-US" dirty="0"/>
-              <a:t>max </a:t>
-            </a:r>
-            <a:r>
-              <a:rPr lang="en-US" dirty="0" smtClean="0"/>
-              <a:t>error.</a:t>
-            </a:r>
-            <a:endParaRPr lang="en-US" dirty="0"/>
-          </a:p>
-        </p:txBody>
-      </p:sp>
-    </p:spTree>
-    <p:extLst>
-      <p:ext uri="{BB962C8B-B14F-4D97-AF65-F5344CB8AC3E}">
-        <p14:creationId xmlns:p14="http://schemas.microsoft.com/office/powerpoint/2010/main" val="3258190786"/>
-      </p:ext>
-    </p:extLst>
-  </p:cSld>
-  <p:clrMapOvr>
-    <a:masterClrMapping/>
-  </p:clrMapOvr>
-  <p:timing>
-    <p:tnLst>
-      <p:par>
-        <p:cTn id="1" dur="indefinite" restart="never" nodeType="tmRoot"/>
-      </p:par>
-    </p:tnLst>
-  </p:timing>
-</p:sld>
-</file>
-
-<file path=ppt/slides/slide50.xml><?xml version="1.0" encoding="utf-8"?>
-<p:sld xmlns:a="http://schemas.openxmlformats.org/drawingml/2006/main" xmlns:r="http://schemas.openxmlformats.org/officeDocument/2006/relationships" xmlns:p="http://schemas.openxmlformats.org/presentationml/2006/main">
-  <p:cSld>
-    <p:spTree>
-      <p:nvGrpSpPr>
-        <p:cNvPr id="1" name=""/>
-        <p:cNvGrpSpPr/>
-        <p:nvPr/>
-      </p:nvGrpSpPr>
-      <p:grpSpPr>
-        <a:xfrm>
-          <a:off x="0" y="0"/>
-          <a:ext cx="0" cy="0"/>
-          <a:chOff x="0" y="0"/>
-          <a:chExt cx="0" cy="0"/>
-        </a:xfrm>
-      </p:grpSpPr>
-      <p:sp>
-        <p:nvSpPr>
-          <p:cNvPr id="2" name="Title 1"/>
-          <p:cNvSpPr>
-            <a:spLocks noGrp="1"/>
-          </p:cNvSpPr>
-          <p:nvPr>
-            <p:ph type="title"/>
-          </p:nvPr>
-        </p:nvSpPr>
-        <p:spPr/>
-        <p:txBody>
-          <a:bodyPr/>
-          <a:lstStyle/>
-          <a:p>
-            <a:pPr algn="ctr"/>
-            <a:r>
-              <a:rPr lang="en-US" dirty="0" smtClean="0"/>
-              <a:t>Clustering</a:t>
-            </a:r>
-            <a:endParaRPr lang="en-US" dirty="0"/>
-          </a:p>
-        </p:txBody>
-      </p:sp>
-      <p:sp>
-        <p:nvSpPr>
-          <p:cNvPr id="3" name="Content Placeholder 2"/>
-          <p:cNvSpPr>
-            <a:spLocks noGrp="1"/>
-          </p:cNvSpPr>
-          <p:nvPr>
-            <p:ph sz="quarter" idx="1"/>
-          </p:nvPr>
-        </p:nvSpPr>
-        <p:spPr>
-          <a:xfrm>
-            <a:off x="632178" y="1443487"/>
-            <a:ext cx="10872434" cy="5147094"/>
-          </a:xfrm>
-        </p:spPr>
-        <p:txBody>
-          <a:bodyPr>
-            <a:normAutofit fontScale="77500" lnSpcReduction="20000"/>
-          </a:bodyPr>
-          <a:lstStyle/>
-          <a:p>
-            <a:r>
-              <a:rPr lang="en-US" dirty="0" smtClean="0"/>
-              <a:t>Find </a:t>
-            </a:r>
-            <a:r>
-              <a:rPr lang="en-US" dirty="0"/>
-              <a:t>natural groupings of the time series in database DB under some similarity/dissimilarity measure D(Q,C</a:t>
-            </a:r>
-            <a:r>
-              <a:rPr lang="en-US" dirty="0" smtClean="0"/>
-              <a:t>).</a:t>
-            </a:r>
-          </a:p>
-          <a:p>
-            <a:r>
-              <a:rPr lang="en-US" dirty="0"/>
-              <a:t>Three time series clustering approaches: </a:t>
-            </a:r>
-            <a:endParaRPr lang="en-US" dirty="0" smtClean="0"/>
-          </a:p>
-          <a:p>
-            <a:pPr lvl="1"/>
-            <a:r>
-              <a:rPr lang="en-US" dirty="0" smtClean="0"/>
-              <a:t>raw-data-based</a:t>
-            </a:r>
-            <a:endParaRPr lang="en-US" dirty="0"/>
-          </a:p>
-          <a:p>
-            <a:pPr lvl="1"/>
-            <a:r>
-              <a:rPr lang="en-US" dirty="0" smtClean="0"/>
-              <a:t>feature-based</a:t>
-            </a:r>
-            <a:endParaRPr lang="en-US" dirty="0"/>
-          </a:p>
-          <a:p>
-            <a:pPr lvl="1"/>
-            <a:r>
-              <a:rPr lang="en-US" dirty="0" smtClean="0"/>
-              <a:t>model-based</a:t>
-            </a:r>
-          </a:p>
-          <a:p>
-            <a:r>
-              <a:rPr lang="en-US" dirty="0" smtClean="0"/>
-              <a:t>General </a:t>
-            </a:r>
-            <a:r>
-              <a:rPr lang="en-US" dirty="0"/>
-              <a:t>c</a:t>
-            </a:r>
-            <a:r>
-              <a:rPr lang="en-US" dirty="0" smtClean="0"/>
-              <a:t>lustering methods</a:t>
-            </a:r>
-          </a:p>
-          <a:p>
-            <a:pPr lvl="1"/>
-            <a:r>
-              <a:rPr lang="en-US" dirty="0" smtClean="0"/>
-              <a:t>K-means, c-means</a:t>
-            </a:r>
-          </a:p>
-          <a:p>
-            <a:pPr lvl="1"/>
-            <a:r>
-              <a:rPr lang="en-US" dirty="0"/>
-              <a:t>H</a:t>
-            </a:r>
-            <a:r>
-              <a:rPr lang="en-US" dirty="0" smtClean="0"/>
-              <a:t>ierarchical clustering</a:t>
-            </a:r>
-          </a:p>
-          <a:p>
-            <a:pPr lvl="1"/>
-            <a:r>
-              <a:rPr lang="en-US" dirty="0" smtClean="0"/>
-              <a:t>Neural networks</a:t>
-            </a:r>
-          </a:p>
-          <a:p>
-            <a:r>
-              <a:rPr lang="en-US" dirty="0"/>
-              <a:t>Similarity/distance </a:t>
-            </a:r>
-            <a:r>
-              <a:rPr lang="en-US" dirty="0" smtClean="0"/>
-              <a:t>measures</a:t>
-            </a:r>
-          </a:p>
-          <a:p>
-            <a:pPr lvl="1"/>
-            <a:r>
-              <a:rPr lang="en-US" dirty="0" smtClean="0"/>
-              <a:t>L p distance</a:t>
-            </a:r>
-          </a:p>
-          <a:p>
-            <a:pPr lvl="1"/>
-            <a:r>
-              <a:rPr lang="en-US" dirty="0"/>
-              <a:t>Pearson’s </a:t>
-            </a:r>
-            <a:r>
-              <a:rPr lang="en-US" dirty="0" smtClean="0"/>
-              <a:t>correlation</a:t>
-            </a:r>
-          </a:p>
-          <a:p>
-            <a:pPr lvl="1"/>
-            <a:r>
-              <a:rPr lang="en-US" dirty="0"/>
-              <a:t>Short time series </a:t>
-            </a:r>
-            <a:r>
-              <a:rPr lang="en-US" dirty="0" smtClean="0"/>
-              <a:t>distance</a:t>
-            </a:r>
-          </a:p>
-          <a:p>
-            <a:pPr lvl="1"/>
-            <a:r>
-              <a:rPr lang="en-US" dirty="0"/>
-              <a:t>Dynamic time warping </a:t>
-            </a:r>
-            <a:r>
-              <a:rPr lang="en-US" dirty="0" smtClean="0"/>
-              <a:t>distance</a:t>
-            </a:r>
-          </a:p>
-          <a:p>
-            <a:pPr lvl="1"/>
-            <a:r>
-              <a:rPr lang="en-US" dirty="0" err="1"/>
-              <a:t>Kullback</a:t>
-            </a:r>
-            <a:r>
-              <a:rPr lang="en-US" dirty="0"/>
-              <a:t>–</a:t>
-            </a:r>
-            <a:r>
-              <a:rPr lang="en-US" dirty="0" err="1"/>
-              <a:t>Liebler</a:t>
-            </a:r>
-            <a:r>
-              <a:rPr lang="en-US" dirty="0"/>
-              <a:t> </a:t>
-            </a:r>
-            <a:r>
-              <a:rPr lang="en-US" dirty="0" smtClean="0"/>
-              <a:t>distance</a:t>
-            </a:r>
-          </a:p>
-          <a:p>
-            <a:pPr lvl="1"/>
-            <a:r>
-              <a:rPr lang="en-US" i="1" dirty="0"/>
-              <a:t>Probability-based </a:t>
-            </a:r>
-            <a:r>
-              <a:rPr lang="en-US" i="1" dirty="0" smtClean="0"/>
-              <a:t>distance</a:t>
-            </a:r>
-            <a:endParaRPr lang="en-US" dirty="0"/>
-          </a:p>
-          <a:p>
-            <a:pPr marL="0" indent="0">
-              <a:buNone/>
-            </a:pPr>
-            <a:endParaRPr lang="en-US" dirty="0"/>
-          </a:p>
-        </p:txBody>
-      </p:sp>
-      <p:pic>
-        <p:nvPicPr>
-          <p:cNvPr id="4" name="Picture 3"/>
-          <p:cNvPicPr>
-            <a:picLocks noChangeAspect="1"/>
-          </p:cNvPicPr>
-          <p:nvPr/>
-        </p:nvPicPr>
-        <p:blipFill>
-          <a:blip r:embed="rId2"/>
-          <a:stretch>
-            <a:fillRect/>
-          </a:stretch>
-        </p:blipFill>
-        <p:spPr>
-          <a:xfrm>
-            <a:off x="5226889" y="1762844"/>
-            <a:ext cx="6172200" cy="4629150"/>
-          </a:xfrm>
-          <a:prstGeom prst="rect">
-            <a:avLst/>
-          </a:prstGeom>
-        </p:spPr>
-      </p:pic>
-    </p:spTree>
-    <p:extLst>
-      <p:ext uri="{BB962C8B-B14F-4D97-AF65-F5344CB8AC3E}">
-        <p14:creationId xmlns:p14="http://schemas.microsoft.com/office/powerpoint/2010/main" val="1520328431"/>
-      </p:ext>
-    </p:extLst>
-  </p:cSld>
-  <p:clrMapOvr>
-    <a:masterClrMapping/>
-  </p:clrMapOvr>
-  <p:timing>
-    <p:tnLst>
-      <p:par>
-        <p:cTn id="1" dur="indefinite" restart="never" nodeType="tmRoot"/>
-      </p:par>
-    </p:tnLst>
-  </p:timing>
-</p:sld>
-</file>
-
-<file path=ppt/slides/slide51.xml><?xml version="1.0" encoding="utf-8"?>
-<p:sld xmlns:a="http://schemas.openxmlformats.org/drawingml/2006/main" xmlns:r="http://schemas.openxmlformats.org/officeDocument/2006/relationships" xmlns:p="http://schemas.openxmlformats.org/presentationml/2006/main">
-  <p:cSld>
-    <p:spTree>
-      <p:nvGrpSpPr>
-        <p:cNvPr id="1" name=""/>
-        <p:cNvGrpSpPr/>
-        <p:nvPr/>
-      </p:nvGrpSpPr>
-      <p:grpSpPr>
-        <a:xfrm>
-          <a:off x="0" y="0"/>
-          <a:ext cx="0" cy="0"/>
-          <a:chOff x="0" y="0"/>
-          <a:chExt cx="0" cy="0"/>
-        </a:xfrm>
-      </p:grpSpPr>
-      <p:sp>
-        <p:nvSpPr>
-          <p:cNvPr id="2" name="Title 1"/>
-          <p:cNvSpPr>
-            <a:spLocks noGrp="1"/>
-          </p:cNvSpPr>
-          <p:nvPr>
-            <p:ph type="title"/>
-          </p:nvPr>
-        </p:nvSpPr>
-        <p:spPr/>
-        <p:txBody>
-          <a:bodyPr/>
-          <a:lstStyle/>
-          <a:p>
-            <a:pPr algn="ctr"/>
-            <a:r>
-              <a:rPr lang="en-US" dirty="0" smtClean="0"/>
-              <a:t>Classification</a:t>
-            </a:r>
-            <a:endParaRPr lang="en-US" dirty="0"/>
-          </a:p>
-        </p:txBody>
-      </p:sp>
-      <p:sp>
-        <p:nvSpPr>
-          <p:cNvPr id="3" name="Content Placeholder 2"/>
-          <p:cNvSpPr>
-            <a:spLocks noGrp="1"/>
-          </p:cNvSpPr>
-          <p:nvPr>
-            <p:ph sz="quarter" idx="1"/>
-          </p:nvPr>
-        </p:nvSpPr>
-        <p:spPr/>
-        <p:txBody>
-          <a:bodyPr/>
-          <a:lstStyle/>
-          <a:p>
-            <a:r>
-              <a:rPr lang="en-US" dirty="0"/>
-              <a:t>Given an unlabeled time series Q, assign it to one of two or more predefined </a:t>
-            </a:r>
-            <a:r>
-              <a:rPr lang="en-US" dirty="0" smtClean="0"/>
-              <a:t>classes</a:t>
-            </a:r>
-          </a:p>
-          <a:p>
-            <a:r>
-              <a:rPr lang="en-US" dirty="0"/>
-              <a:t>Three time series clustering approaches: </a:t>
-            </a:r>
-            <a:endParaRPr lang="en-US" dirty="0" smtClean="0"/>
-          </a:p>
-          <a:p>
-            <a:pPr lvl="1"/>
-            <a:r>
-              <a:rPr lang="en-US" dirty="0" smtClean="0"/>
-              <a:t>feature-based</a:t>
-            </a:r>
-            <a:endParaRPr lang="en-US" dirty="0"/>
-          </a:p>
-          <a:p>
-            <a:pPr lvl="1"/>
-            <a:r>
-              <a:rPr lang="en-US" dirty="0"/>
-              <a:t>sequence distance </a:t>
-            </a:r>
-            <a:r>
-              <a:rPr lang="en-US" dirty="0" smtClean="0"/>
-              <a:t>based</a:t>
-            </a:r>
-          </a:p>
-          <a:p>
-            <a:pPr lvl="1"/>
-            <a:r>
-              <a:rPr lang="en-US" dirty="0" smtClean="0"/>
-              <a:t>model-based</a:t>
-            </a:r>
-            <a:endParaRPr lang="en-US" dirty="0"/>
-          </a:p>
-          <a:p>
-            <a:endParaRPr lang="en-US" dirty="0"/>
-          </a:p>
-        </p:txBody>
-      </p:sp>
-    </p:spTree>
-    <p:extLst>
-      <p:ext uri="{BB962C8B-B14F-4D97-AF65-F5344CB8AC3E}">
-        <p14:creationId xmlns:p14="http://schemas.microsoft.com/office/powerpoint/2010/main" val="3935137876"/>
-      </p:ext>
-    </p:extLst>
-  </p:cSld>
-  <p:clrMapOvr>
-    <a:masterClrMapping/>
-  </p:clrMapOvr>
-  <p:timing>
-    <p:tnLst>
-      <p:par>
-        <p:cTn id="1" dur="indefinite" restart="never" nodeType="tmRoot"/>
-      </p:par>
-    </p:tnLst>
-  </p:timing>
-</p:sld>
-</file>
-
-<file path=ppt/slides/slide52.xml><?xml version="1.0" encoding="utf-8"?>
-<p:sld xmlns:a="http://schemas.openxmlformats.org/drawingml/2006/main" xmlns:r="http://schemas.openxmlformats.org/officeDocument/2006/relationships" xmlns:p="http://schemas.openxmlformats.org/presentationml/2006/main">
-  <p:cSld>
-    <p:spTree>
-      <p:nvGrpSpPr>
-        <p:cNvPr id="1" name=""/>
-        <p:cNvGrpSpPr/>
-        <p:nvPr/>
-      </p:nvGrpSpPr>
-      <p:grpSpPr>
-        <a:xfrm>
-          <a:off x="0" y="0"/>
-          <a:ext cx="0" cy="0"/>
-          <a:chOff x="0" y="0"/>
-          <a:chExt cx="0" cy="0"/>
-        </a:xfrm>
-      </p:grpSpPr>
-      <p:sp>
-        <p:nvSpPr>
-          <p:cNvPr id="2" name="Title 1"/>
-          <p:cNvSpPr>
-            <a:spLocks noGrp="1"/>
-          </p:cNvSpPr>
-          <p:nvPr>
-            <p:ph type="title"/>
-          </p:nvPr>
-        </p:nvSpPr>
-        <p:spPr/>
-        <p:txBody>
-          <a:bodyPr/>
-          <a:lstStyle/>
-          <a:p>
-            <a:pPr algn="ctr"/>
-            <a:r>
-              <a:rPr lang="en-US" altLang="zh-CN" dirty="0" smtClean="0"/>
-              <a:t>Feature Based Classification[7]</a:t>
-            </a:r>
-            <a:endParaRPr lang="en-US" dirty="0"/>
-          </a:p>
-        </p:txBody>
-      </p:sp>
-      <p:sp>
-        <p:nvSpPr>
-          <p:cNvPr id="3" name="Content Placeholder 2"/>
-          <p:cNvSpPr>
-            <a:spLocks noGrp="1"/>
-          </p:cNvSpPr>
-          <p:nvPr>
-            <p:ph sz="quarter" idx="1"/>
-          </p:nvPr>
-        </p:nvSpPr>
-        <p:spPr/>
-        <p:txBody>
-          <a:bodyPr>
-            <a:normAutofit/>
-          </a:bodyPr>
-          <a:lstStyle/>
-          <a:p>
-            <a:r>
-              <a:rPr lang="en-US" altLang="zh-CN" dirty="0" smtClean="0"/>
-              <a:t>D</a:t>
-            </a:r>
-            <a:r>
-              <a:rPr lang="en-US" dirty="0" smtClean="0"/>
-              <a:t>iscrete symbolic:</a:t>
-            </a:r>
-          </a:p>
-          <a:p>
-            <a:pPr lvl="1"/>
-            <a:r>
-              <a:rPr lang="en-US" dirty="0"/>
-              <a:t>k-gram based </a:t>
-            </a:r>
-            <a:endParaRPr lang="en-US" dirty="0" smtClean="0"/>
-          </a:p>
-          <a:p>
-            <a:pPr lvl="1"/>
-            <a:r>
-              <a:rPr lang="en-US" dirty="0" smtClean="0"/>
-              <a:t>pattern-based (define pattern criterion)</a:t>
-            </a:r>
-          </a:p>
-          <a:p>
-            <a:pPr lvl="1"/>
-            <a:r>
-              <a:rPr lang="en-US" dirty="0"/>
-              <a:t>feature </a:t>
-            </a:r>
-            <a:r>
-              <a:rPr lang="en-US" dirty="0" smtClean="0"/>
-              <a:t>mining </a:t>
-            </a:r>
-          </a:p>
-          <a:p>
-            <a:r>
-              <a:rPr lang="en-US" dirty="0" smtClean="0"/>
-              <a:t>Real value:</a:t>
-            </a:r>
-          </a:p>
-          <a:p>
-            <a:pPr lvl="1"/>
-            <a:r>
-              <a:rPr lang="en-US" dirty="0"/>
-              <a:t>Time series </a:t>
-            </a:r>
-            <a:r>
-              <a:rPr lang="en-US" dirty="0" err="1" smtClean="0"/>
-              <a:t>shapelets</a:t>
-            </a:r>
-            <a:endParaRPr lang="en-US" dirty="0" smtClean="0"/>
-          </a:p>
-          <a:p>
-            <a:pPr lvl="1"/>
-            <a:r>
-              <a:rPr lang="en-US" dirty="0"/>
-              <a:t>wavelet </a:t>
-            </a:r>
-            <a:r>
-              <a:rPr lang="en-US" dirty="0" smtClean="0"/>
-              <a:t>decomposition</a:t>
-            </a:r>
-          </a:p>
-          <a:p>
-            <a:r>
-              <a:rPr lang="en-US" dirty="0" smtClean="0"/>
-              <a:t>Classifier:</a:t>
-            </a:r>
-          </a:p>
-          <a:p>
-            <a:pPr lvl="1"/>
-            <a:r>
-              <a:rPr lang="en-US" dirty="0" smtClean="0"/>
-              <a:t>Naive Bayes</a:t>
-            </a:r>
-          </a:p>
-          <a:p>
-            <a:pPr lvl="1"/>
-            <a:r>
-              <a:rPr lang="en-US" dirty="0" smtClean="0"/>
-              <a:t>SVM</a:t>
-            </a:r>
-          </a:p>
-          <a:p>
-            <a:pPr lvl="1"/>
-            <a:r>
-              <a:rPr lang="en-US" dirty="0" smtClean="0"/>
-              <a:t>Neural networks</a:t>
-            </a:r>
-          </a:p>
-          <a:p>
-            <a:endParaRPr lang="en-US" dirty="0"/>
-          </a:p>
-        </p:txBody>
-      </p:sp>
-    </p:spTree>
-    <p:extLst>
-      <p:ext uri="{BB962C8B-B14F-4D97-AF65-F5344CB8AC3E}">
-        <p14:creationId xmlns:p14="http://schemas.microsoft.com/office/powerpoint/2010/main" val="3743611352"/>
-      </p:ext>
-    </p:extLst>
-  </p:cSld>
-  <p:clrMapOvr>
-    <a:masterClrMapping/>
-  </p:clrMapOvr>
-  <p:timing>
-    <p:tnLst>
-      <p:par>
-        <p:cTn id="1" dur="indefinite" restart="never" nodeType="tmRoot"/>
-      </p:par>
-    </p:tnLst>
-  </p:timing>
-</p:sld>
-</file>
-
 <file path=ppt/slides/slide53.xml><?xml version="1.0" encoding="utf-8"?>
 <p:sld xmlns:a="http://schemas.openxmlformats.org/drawingml/2006/main" xmlns:r="http://schemas.openxmlformats.org/officeDocument/2006/relationships" xmlns:p="http://schemas.openxmlformats.org/presentationml/2006/main">
   <p:cSld>
@@ -30362,9 +34374,10 @@
           <a:p>
             <a:pPr algn="ctr"/>
             <a:r>
-              <a:rPr lang="en-US" dirty="0"/>
-              <a:t>Sequence Distance Based Classification</a:t>
-            </a:r>
+              <a:rPr lang="en-US" dirty="0" smtClean="0"/>
+              <a:t>Clustering</a:t>
+            </a:r>
+            <a:endParaRPr lang="en-US" dirty="0"/>
           </a:p>
         </p:txBody>
       </p:sp>
@@ -30378,21 +34391,133 @@
             <p:ph sz="quarter" idx="1"/>
           </p:nvPr>
         </p:nvSpPr>
-        <p:spPr/>
+        <p:spPr>
+          <a:xfrm>
+            <a:off x="632178" y="1443487"/>
+            <a:ext cx="10872434" cy="5147094"/>
+          </a:xfrm>
+        </p:spPr>
         <p:txBody>
-          <a:bodyPr/>
+          <a:bodyPr>
+            <a:normAutofit fontScale="77500" lnSpcReduction="20000"/>
+          </a:bodyPr>
           <a:lstStyle/>
           <a:p>
             <a:r>
               <a:rPr lang="en-US" dirty="0" smtClean="0"/>
-              <a:t>Similarity measure</a:t>
-            </a:r>
+              <a:t>Find </a:t>
+            </a:r>
+            <a:r>
+              <a:rPr lang="en-US" dirty="0"/>
+              <a:t>natural groupings of the time series in database DB under some similarity/dissimilarity measure D(Q,C</a:t>
+            </a:r>
+            <a:r>
+              <a:rPr lang="en-US" dirty="0" smtClean="0"/>
+              <a:t>).</a:t>
+            </a:r>
+          </a:p>
+          <a:p>
+            <a:r>
+              <a:rPr lang="en-US" dirty="0"/>
+              <a:t>Three time series clustering approaches: </a:t>
+            </a:r>
+            <a:endParaRPr lang="en-US" dirty="0" smtClean="0"/>
           </a:p>
           <a:p>
             <a:pPr lvl="1"/>
             <a:r>
+              <a:rPr lang="en-US" dirty="0" smtClean="0"/>
+              <a:t>raw-data-based</a:t>
+            </a:r>
+            <a:endParaRPr lang="en-US" dirty="0"/>
+          </a:p>
+          <a:p>
+            <a:pPr lvl="1"/>
+            <a:r>
+              <a:rPr lang="en-US" dirty="0" smtClean="0"/>
+              <a:t>feature-based</a:t>
+            </a:r>
+            <a:endParaRPr lang="en-US" dirty="0"/>
+          </a:p>
+          <a:p>
+            <a:pPr lvl="1"/>
+            <a:r>
+              <a:rPr lang="en-US" dirty="0" smtClean="0"/>
+              <a:t>model-based</a:t>
+            </a:r>
+          </a:p>
+          <a:p>
+            <a:r>
+              <a:rPr lang="en-US" dirty="0" smtClean="0"/>
+              <a:t>General </a:t>
+            </a:r>
+            <a:r>
               <a:rPr lang="en-US" dirty="0"/>
-              <a:t>Euclidean </a:t>
+              <a:t>c</a:t>
+            </a:r>
+            <a:r>
+              <a:rPr lang="en-US" dirty="0" smtClean="0"/>
+              <a:t>lustering methods</a:t>
+            </a:r>
+          </a:p>
+          <a:p>
+            <a:pPr lvl="1"/>
+            <a:r>
+              <a:rPr lang="en-US" dirty="0" smtClean="0"/>
+              <a:t>K-means, c-means</a:t>
+            </a:r>
+          </a:p>
+          <a:p>
+            <a:pPr lvl="1"/>
+            <a:r>
+              <a:rPr lang="en-US" dirty="0"/>
+              <a:t>H</a:t>
+            </a:r>
+            <a:r>
+              <a:rPr lang="en-US" dirty="0" smtClean="0"/>
+              <a:t>ierarchical clustering</a:t>
+            </a:r>
+          </a:p>
+          <a:p>
+            <a:pPr lvl="1"/>
+            <a:r>
+              <a:rPr lang="en-US" dirty="0" smtClean="0"/>
+              <a:t>Neural networks</a:t>
+            </a:r>
+          </a:p>
+          <a:p>
+            <a:r>
+              <a:rPr lang="en-US" dirty="0"/>
+              <a:t>Similarity/distance </a:t>
+            </a:r>
+            <a:r>
+              <a:rPr lang="en-US" dirty="0" smtClean="0"/>
+              <a:t>measures</a:t>
+            </a:r>
+          </a:p>
+          <a:p>
+            <a:pPr lvl="1"/>
+            <a:r>
+              <a:rPr lang="en-US" dirty="0" smtClean="0"/>
+              <a:t>L p distance</a:t>
+            </a:r>
+          </a:p>
+          <a:p>
+            <a:pPr lvl="1"/>
+            <a:r>
+              <a:rPr lang="en-US" dirty="0"/>
+              <a:t>Pearson’s </a:t>
+            </a:r>
+            <a:r>
+              <a:rPr lang="en-US" dirty="0" smtClean="0"/>
+              <a:t>correlation</a:t>
+            </a:r>
+          </a:p>
+          <a:p>
+            <a:pPr lvl="1"/>
+            <a:r>
+              <a:rPr lang="en-US" dirty="0"/>
+              <a:t>Short time series </a:t>
             </a:r>
             <a:r>
               <a:rPr lang="en-US" dirty="0" smtClean="0"/>
@@ -30402,78 +34527,53 @@
           <a:p>
             <a:pPr lvl="1"/>
             <a:r>
+              <a:rPr lang="en-US" dirty="0"/>
+              <a:t>Dynamic time warping </a:t>
+            </a:r>
+            <a:r>
               <a:rPr lang="en-US" dirty="0" smtClean="0"/>
-              <a:t>DTW/Fast DTW</a:t>
+              <a:t>distance</a:t>
             </a:r>
           </a:p>
           <a:p>
             <a:pPr lvl="1"/>
             <a:r>
+              <a:rPr lang="en-US" dirty="0" err="1"/>
+              <a:t>Kullback</a:t>
+            </a:r>
+            <a:r>
+              <a:rPr lang="en-US" dirty="0"/>
+              <a:t>–</a:t>
+            </a:r>
+            <a:r>
+              <a:rPr lang="en-US" dirty="0" err="1"/>
+              <a:t>Liebler</a:t>
+            </a:r>
+            <a:r>
+              <a:rPr lang="en-US" dirty="0"/>
+              <a:t> </a:t>
+            </a:r>
+            <a:r>
               <a:rPr lang="en-US" dirty="0" smtClean="0"/>
-              <a:t>Alignment </a:t>
-            </a:r>
-            <a:r>
-              <a:rPr lang="en-US" dirty="0"/>
-              <a:t>based </a:t>
-            </a:r>
-            <a:r>
-              <a:rPr lang="en-US" dirty="0" smtClean="0"/>
-              <a:t>distances for symbolic sequences</a:t>
-            </a:r>
-          </a:p>
-          <a:p>
-            <a:pPr lvl="2"/>
-            <a:r>
-              <a:rPr lang="en-US" dirty="0"/>
-              <a:t>Global alignment: </a:t>
-            </a:r>
-            <a:r>
-              <a:rPr lang="en-US" dirty="0" smtClean="0"/>
-              <a:t>Needleman-</a:t>
-            </a:r>
-            <a:r>
-              <a:rPr lang="en-US" dirty="0" err="1" smtClean="0"/>
-              <a:t>Wunsch</a:t>
-            </a:r>
-            <a:r>
-              <a:rPr lang="en-US" dirty="0" smtClean="0"/>
-              <a:t> Algorithm</a:t>
-            </a:r>
-          </a:p>
-          <a:p>
-            <a:pPr lvl="2"/>
-            <a:r>
-              <a:rPr lang="en-US" dirty="0"/>
-              <a:t>Local alignment: </a:t>
-            </a:r>
-            <a:r>
-              <a:rPr lang="en-US" dirty="0" smtClean="0"/>
-              <a:t>Smith-Waterman Algorithm, BLAST, BLAT</a:t>
-            </a:r>
-          </a:p>
-          <a:p>
-            <a:r>
-              <a:rPr lang="en-US" dirty="0" smtClean="0"/>
-              <a:t>Classifiers:</a:t>
+              <a:t>distance</a:t>
             </a:r>
           </a:p>
           <a:p>
             <a:pPr lvl="1"/>
             <a:r>
-              <a:rPr lang="en-US" dirty="0" smtClean="0"/>
-              <a:t>KNN</a:t>
-            </a:r>
-          </a:p>
-          <a:p>
-            <a:pPr lvl="1"/>
-            <a:r>
-              <a:rPr lang="en-US" dirty="0" smtClean="0"/>
-              <a:t>SVM with particular </a:t>
-            </a:r>
-            <a:r>
-              <a:rPr lang="en-US" dirty="0" err="1" smtClean="0"/>
-              <a:t>kenels</a:t>
-            </a:r>
+              <a:rPr lang="en-US" i="1" dirty="0"/>
+              <a:t>Probability-based </a:t>
+            </a:r>
+            <a:r>
+              <a:rPr lang="en-US" i="1" dirty="0" smtClean="0"/>
+              <a:t>distance</a:t>
+            </a:r>
+            <a:endParaRPr lang="en-US" dirty="0"/>
+          </a:p>
+          <a:p>
+            <a:pPr marL="0" indent="0">
+              <a:buNone/>
+            </a:pPr>
             <a:endParaRPr lang="en-US" dirty="0"/>
           </a:p>
         </p:txBody>
@@ -30481,7 +34581,7 @@
     </p:spTree>
     <p:extLst>
       <p:ext uri="{BB962C8B-B14F-4D97-AF65-F5344CB8AC3E}">
-        <p14:creationId xmlns:p14="http://schemas.microsoft.com/office/powerpoint/2010/main" val="1646845806"/>
+        <p14:creationId xmlns:p14="http://schemas.microsoft.com/office/powerpoint/2010/main" val="2821398363"/>
       </p:ext>
     </p:extLst>
   </p:cSld>
@@ -30533,7 +34633,7 @@
             <a:pPr algn="ctr"/>
             <a:r>
               <a:rPr lang="en-US" dirty="0" smtClean="0"/>
-              <a:t>Model Based Classification</a:t>
+              <a:t>Clustering</a:t>
             </a:r>
             <a:endParaRPr lang="en-US" dirty="0"/>
           </a:p>
@@ -30549,154 +34649,221 @@
             <p:ph sz="quarter" idx="1"/>
           </p:nvPr>
         </p:nvSpPr>
-        <p:spPr/>
+        <p:spPr>
+          <a:xfrm>
+            <a:off x="632178" y="1443487"/>
+            <a:ext cx="10872434" cy="5147094"/>
+          </a:xfrm>
+        </p:spPr>
         <p:txBody>
-          <a:bodyPr/>
+          <a:bodyPr>
+            <a:normAutofit fontScale="77500" lnSpcReduction="20000"/>
+          </a:bodyPr>
           <a:lstStyle/>
           <a:p>
             <a:r>
+              <a:rPr lang="en-US" dirty="0" smtClean="0"/>
+              <a:t>Find </a:t>
+            </a:r>
+            <a:r>
               <a:rPr lang="en-US" dirty="0"/>
-              <a:t>Assumption: sequences in a class </a:t>
+              <a:t>natural groupings of the time series in database DB under some similarity/dissimilarity measure D(Q,C</a:t>
             </a:r>
             <a:r>
               <a:rPr lang="en-US" dirty="0" smtClean="0"/>
-              <a:t>are generated </a:t>
-            </a:r>
+              <a:t>).</a:t>
+            </a:r>
+          </a:p>
+          <a:p>
             <a:r>
               <a:rPr lang="en-US" dirty="0"/>
-              <a:t>by an underlying model </a:t>
-            </a:r>
+              <a:t>Three time series clustering approaches: </a:t>
+            </a:r>
+            <a:endParaRPr lang="en-US" dirty="0" smtClean="0"/>
+          </a:p>
+          <a:p>
+            <a:pPr lvl="1"/>
             <a:r>
               <a:rPr lang="en-US" dirty="0" smtClean="0"/>
-              <a:t>M. Given </a:t>
+              <a:t>raw-data-based</a:t>
+            </a:r>
+            <a:endParaRPr lang="en-US" dirty="0"/>
+          </a:p>
+          <a:p>
+            <a:pPr lvl="1"/>
+            <a:r>
+              <a:rPr lang="en-US" dirty="0" smtClean="0"/>
+              <a:t>feature-based</a:t>
+            </a:r>
+            <a:endParaRPr lang="en-US" dirty="0"/>
+          </a:p>
+          <a:p>
+            <a:pPr lvl="1"/>
+            <a:r>
+              <a:rPr lang="en-US" dirty="0" smtClean="0"/>
+              <a:t>model-based</a:t>
+            </a:r>
+          </a:p>
+          <a:p>
+            <a:r>
+              <a:rPr lang="en-US" dirty="0" smtClean="0"/>
+              <a:t>General </a:t>
             </a:r>
             <a:r>
               <a:rPr lang="en-US" dirty="0"/>
-              <a:t>a class of </a:t>
+              <a:t>c</a:t>
             </a:r>
             <a:r>
               <a:rPr lang="en-US" dirty="0" smtClean="0"/>
-              <a:t>sequences</a:t>
-            </a:r>
+              <a:t>lustering methods</a:t>
+            </a:r>
+          </a:p>
+          <a:p>
+            <a:pPr lvl="1"/>
+            <a:r>
+              <a:rPr lang="en-US" dirty="0" smtClean="0"/>
+              <a:t>K-means, c-means</a:t>
+            </a:r>
+          </a:p>
+          <a:p>
+            <a:pPr lvl="1"/>
             <a:r>
               <a:rPr lang="en-US" dirty="0"/>
-              <a:t>, </a:t>
-            </a:r>
+              <a:t>H</a:t>
+            </a:r>
+            <a:r>
+              <a:rPr lang="en-US" dirty="0" smtClean="0"/>
+              <a:t>ierarchical clustering</a:t>
+            </a:r>
+          </a:p>
+          <a:p>
+            <a:pPr lvl="1"/>
+            <a:r>
+              <a:rPr lang="en-US" dirty="0" smtClean="0"/>
+              <a:t>Neural networks</a:t>
+            </a:r>
+          </a:p>
+          <a:p>
+            <a:r>
+              <a:rPr lang="en-US" dirty="0"/>
+              <a:t>Similarity/distance </a:t>
+            </a:r>
+            <a:r>
+              <a:rPr lang="en-US" dirty="0" smtClean="0"/>
+              <a:t>measures</a:t>
+            </a:r>
+          </a:p>
+          <a:p>
+            <a:pPr lvl="1"/>
+            <a:r>
+              <a:rPr lang="en-US" dirty="0" smtClean="0"/>
+              <a:t>L p distance</a:t>
+            </a:r>
+          </a:p>
+          <a:p>
+            <a:pPr lvl="1"/>
+            <a:r>
+              <a:rPr lang="en-US" dirty="0"/>
+              <a:t>Pearson’s </a:t>
+            </a:r>
+            <a:r>
+              <a:rPr lang="en-US" dirty="0" smtClean="0"/>
+              <a:t>correlation</a:t>
+            </a:r>
+          </a:p>
+          <a:p>
+            <a:pPr lvl="1"/>
+            <a:r>
+              <a:rPr lang="en-US" dirty="0"/>
+              <a:t>Short time series </a:t>
+            </a:r>
+            <a:r>
+              <a:rPr lang="en-US" dirty="0" smtClean="0"/>
+              <a:t>distance</a:t>
+            </a:r>
+          </a:p>
+          <a:p>
+            <a:pPr lvl="1"/>
+            <a:r>
+              <a:rPr lang="en-US" dirty="0"/>
+              <a:t>Dynamic time warping </a:t>
+            </a:r>
+            <a:r>
+              <a:rPr lang="en-US" dirty="0" smtClean="0"/>
+              <a:t>distance</a:t>
+            </a:r>
+          </a:p>
+          <a:p>
+            <a:pPr lvl="1"/>
+            <a:r>
+              <a:rPr lang="en-US" dirty="0" err="1"/>
+              <a:t>Kullback</a:t>
+            </a:r>
+            <a:r>
+              <a:rPr lang="en-US" dirty="0"/>
+              <a:t>–</a:t>
+            </a:r>
+            <a:r>
+              <a:rPr lang="en-US" dirty="0" err="1"/>
+              <a:t>Liebler</a:t>
+            </a:r>
+            <a:r>
+              <a:rPr lang="en-US" dirty="0"/>
+              <a:t> </a:t>
+            </a:r>
+            <a:r>
+              <a:rPr lang="en-US" dirty="0" smtClean="0"/>
+              <a:t>distance</a:t>
+            </a:r>
+          </a:p>
+          <a:p>
+            <a:pPr lvl="1"/>
             <a:r>
               <a:rPr lang="en-US" i="1" dirty="0"/>
-              <a:t>M </a:t>
-            </a:r>
-            <a:r>
-              <a:rPr lang="en-US" dirty="0"/>
-              <a:t>models the probability distribution of the </a:t>
-            </a:r>
-            <a:r>
-              <a:rPr lang="en-US" dirty="0" smtClean="0"/>
-              <a:t>sequences </a:t>
-            </a:r>
-            <a:r>
-              <a:rPr lang="en-US" dirty="0"/>
-              <a:t>in the </a:t>
-            </a:r>
-            <a:r>
-              <a:rPr lang="en-US" dirty="0" smtClean="0"/>
-              <a:t>class.</a:t>
-            </a:r>
-          </a:p>
-          <a:p>
-            <a:r>
-              <a:rPr lang="en-US" dirty="0" smtClean="0"/>
-              <a:t>General process</a:t>
-            </a:r>
-          </a:p>
-          <a:p>
-            <a:pPr lvl="1"/>
-            <a:r>
-              <a:rPr lang="en-US" dirty="0" smtClean="0"/>
-              <a:t>Training step: Learn parameters </a:t>
-            </a:r>
-            <a:r>
-              <a:rPr lang="en-US" dirty="0"/>
-              <a:t>for model M</a:t>
-            </a:r>
-          </a:p>
-          <a:p>
-            <a:pPr lvl="1"/>
-            <a:r>
-              <a:rPr lang="en-US" dirty="0" smtClean="0"/>
-              <a:t>classification step: Assign a </a:t>
-            </a:r>
-            <a:r>
-              <a:rPr lang="en-US" dirty="0"/>
-              <a:t>new </a:t>
-            </a:r>
-            <a:r>
-              <a:rPr lang="en-US" dirty="0" smtClean="0"/>
-              <a:t>sequence to the </a:t>
-            </a:r>
-            <a:r>
-              <a:rPr lang="en-US" dirty="0"/>
-              <a:t>class with the highest </a:t>
-            </a:r>
-            <a:r>
-              <a:rPr lang="en-US" dirty="0" smtClean="0"/>
-              <a:t>likelihood</a:t>
-            </a:r>
-            <a:r>
-              <a:rPr lang="en-US" dirty="0"/>
-              <a:t>.</a:t>
-            </a:r>
-            <a:endParaRPr lang="en-US" dirty="0" smtClean="0"/>
-          </a:p>
-          <a:p>
-            <a:r>
-              <a:rPr lang="en-US" dirty="0" smtClean="0"/>
-              <a:t>Generative models:</a:t>
-            </a:r>
-          </a:p>
-          <a:p>
-            <a:pPr lvl="1"/>
-            <a:r>
-              <a:rPr lang="en-US" dirty="0"/>
-              <a:t>Naive </a:t>
-            </a:r>
-            <a:r>
-              <a:rPr lang="en-US" dirty="0" smtClean="0"/>
-              <a:t>Bayes</a:t>
-            </a:r>
-          </a:p>
-          <a:p>
-            <a:pPr lvl="1"/>
-            <a:r>
-              <a:rPr lang="en-US" i="1" dirty="0"/>
-              <a:t>k</a:t>
-            </a:r>
-            <a:r>
-              <a:rPr lang="en-US" dirty="0"/>
-              <a:t>-order </a:t>
-            </a:r>
-            <a:r>
-              <a:rPr lang="en-US" dirty="0" smtClean="0"/>
-              <a:t>Markov</a:t>
-            </a:r>
-          </a:p>
-          <a:p>
-            <a:pPr lvl="1"/>
-            <a:r>
-              <a:rPr lang="en-US" dirty="0" smtClean="0"/>
-              <a:t>Profile </a:t>
-            </a:r>
-            <a:r>
-              <a:rPr lang="en-US" dirty="0"/>
-              <a:t>HMM</a:t>
-            </a:r>
+              <a:t>Probability-based </a:t>
+            </a:r>
+            <a:r>
+              <a:rPr lang="en-US" i="1" dirty="0" smtClean="0"/>
+              <a:t>distance</a:t>
+            </a:r>
+            <a:endParaRPr lang="en-US" dirty="0"/>
+          </a:p>
+          <a:p>
+            <a:pPr marL="0" indent="0">
+              <a:buNone/>
+            </a:pPr>
+            <a:endParaRPr lang="en-US" dirty="0"/>
           </a:p>
         </p:txBody>
       </p:sp>
+      <p:pic>
+        <p:nvPicPr>
+          <p:cNvPr id="4" name="Picture 3"/>
+          <p:cNvPicPr>
+            <a:picLocks noChangeAspect="1"/>
+          </p:cNvPicPr>
+          <p:nvPr/>
+        </p:nvPicPr>
+        <p:blipFill>
+          <a:blip r:embed="rId2"/>
+          <a:stretch>
+            <a:fillRect/>
+          </a:stretch>
+        </p:blipFill>
+        <p:spPr>
+          <a:xfrm>
+            <a:off x="5226889" y="1762844"/>
+            <a:ext cx="6172200" cy="4629150"/>
+          </a:xfrm>
+          <a:prstGeom prst="rect">
+            <a:avLst/>
+          </a:prstGeom>
+        </p:spPr>
+      </p:pic>
     </p:spTree>
     <p:extLst>
       <p:ext uri="{BB962C8B-B14F-4D97-AF65-F5344CB8AC3E}">
-        <p14:creationId xmlns:p14="http://schemas.microsoft.com/office/powerpoint/2010/main" val="793041544"/>
+        <p14:creationId xmlns:p14="http://schemas.microsoft.com/office/powerpoint/2010/main" val="1520328431"/>
       </p:ext>
     </p:extLst>
   </p:cSld>
@@ -30732,6 +34899,689 @@
       </p:grpSpPr>
       <p:sp>
         <p:nvSpPr>
+          <p:cNvPr id="2" name="Title 1"/>
+          <p:cNvSpPr>
+            <a:spLocks noGrp="1"/>
+          </p:cNvSpPr>
+          <p:nvPr>
+            <p:ph type="title"/>
+          </p:nvPr>
+        </p:nvSpPr>
+        <p:spPr/>
+        <p:txBody>
+          <a:bodyPr/>
+          <a:lstStyle/>
+          <a:p>
+            <a:pPr algn="ctr"/>
+            <a:r>
+              <a:rPr lang="en-US" dirty="0" smtClean="0"/>
+              <a:t>Classification</a:t>
+            </a:r>
+            <a:endParaRPr lang="en-US" dirty="0"/>
+          </a:p>
+        </p:txBody>
+      </p:sp>
+      <p:sp>
+        <p:nvSpPr>
+          <p:cNvPr id="3" name="Content Placeholder 2"/>
+          <p:cNvSpPr>
+            <a:spLocks noGrp="1"/>
+          </p:cNvSpPr>
+          <p:nvPr>
+            <p:ph sz="quarter" idx="1"/>
+          </p:nvPr>
+        </p:nvSpPr>
+        <p:spPr/>
+        <p:txBody>
+          <a:bodyPr/>
+          <a:lstStyle/>
+          <a:p>
+            <a:r>
+              <a:rPr lang="en-US" dirty="0"/>
+              <a:t>Given an unlabeled time series Q, assign it to one of two or more predefined </a:t>
+            </a:r>
+            <a:r>
+              <a:rPr lang="en-US" dirty="0" smtClean="0"/>
+              <a:t>classes</a:t>
+            </a:r>
+          </a:p>
+          <a:p>
+            <a:r>
+              <a:rPr lang="en-US" dirty="0"/>
+              <a:t>Three time series clustering approaches: </a:t>
+            </a:r>
+            <a:endParaRPr lang="en-US" dirty="0" smtClean="0"/>
+          </a:p>
+          <a:p>
+            <a:pPr lvl="1"/>
+            <a:r>
+              <a:rPr lang="en-US" dirty="0" smtClean="0"/>
+              <a:t>feature-based</a:t>
+            </a:r>
+            <a:endParaRPr lang="en-US" dirty="0"/>
+          </a:p>
+          <a:p>
+            <a:pPr lvl="1"/>
+            <a:r>
+              <a:rPr lang="en-US" dirty="0"/>
+              <a:t>sequence distance </a:t>
+            </a:r>
+            <a:r>
+              <a:rPr lang="en-US" dirty="0" smtClean="0"/>
+              <a:t>based</a:t>
+            </a:r>
+          </a:p>
+          <a:p>
+            <a:pPr lvl="1"/>
+            <a:r>
+              <a:rPr lang="en-US" dirty="0" smtClean="0"/>
+              <a:t>model-based</a:t>
+            </a:r>
+            <a:endParaRPr lang="en-US" dirty="0"/>
+          </a:p>
+          <a:p>
+            <a:endParaRPr lang="en-US" dirty="0"/>
+          </a:p>
+        </p:txBody>
+      </p:sp>
+    </p:spTree>
+    <p:extLst>
+      <p:ext uri="{BB962C8B-B14F-4D97-AF65-F5344CB8AC3E}">
+        <p14:creationId xmlns:p14="http://schemas.microsoft.com/office/powerpoint/2010/main" val="3935137876"/>
+      </p:ext>
+    </p:extLst>
+  </p:cSld>
+  <p:clrMapOvr>
+    <a:masterClrMapping/>
+  </p:clrMapOvr>
+  <p:timing>
+    <p:tnLst>
+      <p:par>
+        <p:cTn id="1" dur="indefinite" restart="never" nodeType="tmRoot"/>
+      </p:par>
+    </p:tnLst>
+  </p:timing>
+</p:sld>
+</file>
+
+<file path=ppt/slides/slide56.xml><?xml version="1.0" encoding="utf-8"?>
+<p:sld xmlns:a="http://schemas.openxmlformats.org/drawingml/2006/main" xmlns:r="http://schemas.openxmlformats.org/officeDocument/2006/relationships" xmlns:p="http://schemas.openxmlformats.org/presentationml/2006/main">
+  <p:cSld>
+    <p:spTree>
+      <p:nvGrpSpPr>
+        <p:cNvPr id="1" name=""/>
+        <p:cNvGrpSpPr/>
+        <p:nvPr/>
+      </p:nvGrpSpPr>
+      <p:grpSpPr>
+        <a:xfrm>
+          <a:off x="0" y="0"/>
+          <a:ext cx="0" cy="0"/>
+          <a:chOff x="0" y="0"/>
+          <a:chExt cx="0" cy="0"/>
+        </a:xfrm>
+      </p:grpSpPr>
+      <p:sp>
+        <p:nvSpPr>
+          <p:cNvPr id="2" name="Title 1"/>
+          <p:cNvSpPr>
+            <a:spLocks noGrp="1"/>
+          </p:cNvSpPr>
+          <p:nvPr>
+            <p:ph type="title"/>
+          </p:nvPr>
+        </p:nvSpPr>
+        <p:spPr/>
+        <p:txBody>
+          <a:bodyPr/>
+          <a:lstStyle/>
+          <a:p>
+            <a:pPr algn="ctr"/>
+            <a:r>
+              <a:rPr lang="en-US" altLang="zh-CN" dirty="0" smtClean="0"/>
+              <a:t>Feature Based Classification[7]</a:t>
+            </a:r>
+            <a:endParaRPr lang="en-US" dirty="0"/>
+          </a:p>
+        </p:txBody>
+      </p:sp>
+      <p:sp>
+        <p:nvSpPr>
+          <p:cNvPr id="3" name="Content Placeholder 2"/>
+          <p:cNvSpPr>
+            <a:spLocks noGrp="1"/>
+          </p:cNvSpPr>
+          <p:nvPr>
+            <p:ph sz="quarter" idx="1"/>
+          </p:nvPr>
+        </p:nvSpPr>
+        <p:spPr/>
+        <p:txBody>
+          <a:bodyPr>
+            <a:normAutofit/>
+          </a:bodyPr>
+          <a:lstStyle/>
+          <a:p>
+            <a:r>
+              <a:rPr lang="en-US" altLang="zh-CN" dirty="0" smtClean="0"/>
+              <a:t>D</a:t>
+            </a:r>
+            <a:r>
+              <a:rPr lang="en-US" dirty="0" smtClean="0"/>
+              <a:t>iscrete symbolic:</a:t>
+            </a:r>
+          </a:p>
+          <a:p>
+            <a:pPr lvl="1"/>
+            <a:r>
+              <a:rPr lang="en-US" dirty="0"/>
+              <a:t>k-gram based </a:t>
+            </a:r>
+            <a:endParaRPr lang="en-US" dirty="0" smtClean="0"/>
+          </a:p>
+          <a:p>
+            <a:pPr lvl="1"/>
+            <a:r>
+              <a:rPr lang="en-US" dirty="0" smtClean="0"/>
+              <a:t>pattern-based (define pattern criterion)</a:t>
+            </a:r>
+          </a:p>
+          <a:p>
+            <a:pPr lvl="1"/>
+            <a:r>
+              <a:rPr lang="en-US" dirty="0"/>
+              <a:t>feature </a:t>
+            </a:r>
+            <a:r>
+              <a:rPr lang="en-US" dirty="0" smtClean="0"/>
+              <a:t>mining </a:t>
+            </a:r>
+          </a:p>
+          <a:p>
+            <a:r>
+              <a:rPr lang="en-US" dirty="0" smtClean="0"/>
+              <a:t>Real value:</a:t>
+            </a:r>
+          </a:p>
+          <a:p>
+            <a:pPr lvl="1"/>
+            <a:r>
+              <a:rPr lang="en-US" dirty="0"/>
+              <a:t>Time series </a:t>
+            </a:r>
+            <a:r>
+              <a:rPr lang="en-US" dirty="0" err="1" smtClean="0"/>
+              <a:t>shapelets</a:t>
+            </a:r>
+            <a:endParaRPr lang="en-US" dirty="0" smtClean="0"/>
+          </a:p>
+          <a:p>
+            <a:pPr lvl="1"/>
+            <a:r>
+              <a:rPr lang="en-US" dirty="0"/>
+              <a:t>wavelet </a:t>
+            </a:r>
+            <a:r>
+              <a:rPr lang="en-US" dirty="0" smtClean="0"/>
+              <a:t>decomposition</a:t>
+            </a:r>
+          </a:p>
+          <a:p>
+            <a:r>
+              <a:rPr lang="en-US" dirty="0" smtClean="0"/>
+              <a:t>Classifier:</a:t>
+            </a:r>
+          </a:p>
+          <a:p>
+            <a:pPr lvl="1"/>
+            <a:r>
+              <a:rPr lang="en-US" dirty="0" smtClean="0"/>
+              <a:t>Naive Bayes</a:t>
+            </a:r>
+          </a:p>
+          <a:p>
+            <a:pPr lvl="1"/>
+            <a:r>
+              <a:rPr lang="en-US" dirty="0" smtClean="0"/>
+              <a:t>SVM</a:t>
+            </a:r>
+          </a:p>
+          <a:p>
+            <a:pPr lvl="1"/>
+            <a:r>
+              <a:rPr lang="en-US" dirty="0" smtClean="0"/>
+              <a:t>Neural networks</a:t>
+            </a:r>
+          </a:p>
+          <a:p>
+            <a:endParaRPr lang="en-US" dirty="0"/>
+          </a:p>
+        </p:txBody>
+      </p:sp>
+    </p:spTree>
+    <p:extLst>
+      <p:ext uri="{BB962C8B-B14F-4D97-AF65-F5344CB8AC3E}">
+        <p14:creationId xmlns:p14="http://schemas.microsoft.com/office/powerpoint/2010/main" val="3743611352"/>
+      </p:ext>
+    </p:extLst>
+  </p:cSld>
+  <p:clrMapOvr>
+    <a:masterClrMapping/>
+  </p:clrMapOvr>
+  <p:timing>
+    <p:tnLst>
+      <p:par>
+        <p:cTn id="1" dur="indefinite" restart="never" nodeType="tmRoot"/>
+      </p:par>
+    </p:tnLst>
+  </p:timing>
+</p:sld>
+</file>
+
+<file path=ppt/slides/slide57.xml><?xml version="1.0" encoding="utf-8"?>
+<p:sld xmlns:a="http://schemas.openxmlformats.org/drawingml/2006/main" xmlns:r="http://schemas.openxmlformats.org/officeDocument/2006/relationships" xmlns:p="http://schemas.openxmlformats.org/presentationml/2006/main">
+  <p:cSld>
+    <p:spTree>
+      <p:nvGrpSpPr>
+        <p:cNvPr id="1" name=""/>
+        <p:cNvGrpSpPr/>
+        <p:nvPr/>
+      </p:nvGrpSpPr>
+      <p:grpSpPr>
+        <a:xfrm>
+          <a:off x="0" y="0"/>
+          <a:ext cx="0" cy="0"/>
+          <a:chOff x="0" y="0"/>
+          <a:chExt cx="0" cy="0"/>
+        </a:xfrm>
+      </p:grpSpPr>
+      <p:sp>
+        <p:nvSpPr>
+          <p:cNvPr id="2" name="Title 1"/>
+          <p:cNvSpPr>
+            <a:spLocks noGrp="1"/>
+          </p:cNvSpPr>
+          <p:nvPr>
+            <p:ph type="title"/>
+          </p:nvPr>
+        </p:nvSpPr>
+        <p:spPr/>
+        <p:txBody>
+          <a:bodyPr/>
+          <a:lstStyle/>
+          <a:p>
+            <a:pPr algn="ctr"/>
+            <a:r>
+              <a:rPr lang="en-US" dirty="0"/>
+              <a:t>Sequence Distance Based Classification</a:t>
+            </a:r>
+          </a:p>
+        </p:txBody>
+      </p:sp>
+      <p:sp>
+        <p:nvSpPr>
+          <p:cNvPr id="3" name="Content Placeholder 2"/>
+          <p:cNvSpPr>
+            <a:spLocks noGrp="1"/>
+          </p:cNvSpPr>
+          <p:nvPr>
+            <p:ph sz="quarter" idx="1"/>
+          </p:nvPr>
+        </p:nvSpPr>
+        <p:spPr/>
+        <p:txBody>
+          <a:bodyPr/>
+          <a:lstStyle/>
+          <a:p>
+            <a:r>
+              <a:rPr lang="en-US" dirty="0" smtClean="0"/>
+              <a:t>Similarity measure</a:t>
+            </a:r>
+          </a:p>
+          <a:p>
+            <a:pPr lvl="1"/>
+            <a:r>
+              <a:rPr lang="en-US" dirty="0"/>
+              <a:t>Euclidean </a:t>
+            </a:r>
+            <a:r>
+              <a:rPr lang="en-US" dirty="0" smtClean="0"/>
+              <a:t>distance</a:t>
+            </a:r>
+          </a:p>
+          <a:p>
+            <a:pPr lvl="1"/>
+            <a:r>
+              <a:rPr lang="en-US" dirty="0" smtClean="0"/>
+              <a:t>DTW/Fast DTW</a:t>
+            </a:r>
+          </a:p>
+          <a:p>
+            <a:pPr lvl="1"/>
+            <a:r>
+              <a:rPr lang="en-US" dirty="0" smtClean="0"/>
+              <a:t>Alignment </a:t>
+            </a:r>
+            <a:r>
+              <a:rPr lang="en-US" dirty="0"/>
+              <a:t>based </a:t>
+            </a:r>
+            <a:r>
+              <a:rPr lang="en-US" dirty="0" smtClean="0"/>
+              <a:t>distances for symbolic sequences</a:t>
+            </a:r>
+          </a:p>
+          <a:p>
+            <a:pPr lvl="2"/>
+            <a:r>
+              <a:rPr lang="en-US" dirty="0"/>
+              <a:t>Global alignment: </a:t>
+            </a:r>
+            <a:r>
+              <a:rPr lang="en-US" dirty="0" smtClean="0"/>
+              <a:t>Needleman-</a:t>
+            </a:r>
+            <a:r>
+              <a:rPr lang="en-US" dirty="0" err="1" smtClean="0"/>
+              <a:t>Wunsch</a:t>
+            </a:r>
+            <a:r>
+              <a:rPr lang="en-US" dirty="0" smtClean="0"/>
+              <a:t> Algorithm</a:t>
+            </a:r>
+          </a:p>
+          <a:p>
+            <a:pPr lvl="2"/>
+            <a:r>
+              <a:rPr lang="en-US" dirty="0"/>
+              <a:t>Local alignment: </a:t>
+            </a:r>
+            <a:r>
+              <a:rPr lang="en-US" dirty="0" smtClean="0"/>
+              <a:t>Smith-Waterman Algorithm, BLAST, BLAT</a:t>
+            </a:r>
+          </a:p>
+          <a:p>
+            <a:r>
+              <a:rPr lang="en-US" dirty="0" smtClean="0"/>
+              <a:t>Classifiers:</a:t>
+            </a:r>
+          </a:p>
+          <a:p>
+            <a:pPr lvl="1"/>
+            <a:r>
+              <a:rPr lang="en-US" dirty="0" smtClean="0"/>
+              <a:t>KNN</a:t>
+            </a:r>
+          </a:p>
+          <a:p>
+            <a:pPr lvl="1"/>
+            <a:r>
+              <a:rPr lang="en-US" dirty="0" smtClean="0"/>
+              <a:t>SVM with particular </a:t>
+            </a:r>
+            <a:r>
+              <a:rPr lang="en-US" dirty="0" err="1" smtClean="0"/>
+              <a:t>kenels</a:t>
+            </a:r>
+            <a:endParaRPr lang="en-US" dirty="0"/>
+          </a:p>
+        </p:txBody>
+      </p:sp>
+    </p:spTree>
+    <p:extLst>
+      <p:ext uri="{BB962C8B-B14F-4D97-AF65-F5344CB8AC3E}">
+        <p14:creationId xmlns:p14="http://schemas.microsoft.com/office/powerpoint/2010/main" val="1646845806"/>
+      </p:ext>
+    </p:extLst>
+  </p:cSld>
+  <p:clrMapOvr>
+    <a:masterClrMapping/>
+  </p:clrMapOvr>
+  <p:timing>
+    <p:tnLst>
+      <p:par>
+        <p:cTn id="1" dur="indefinite" restart="never" nodeType="tmRoot"/>
+      </p:par>
+    </p:tnLst>
+  </p:timing>
+</p:sld>
+</file>
+
+<file path=ppt/slides/slide58.xml><?xml version="1.0" encoding="utf-8"?>
+<p:sld xmlns:a="http://schemas.openxmlformats.org/drawingml/2006/main" xmlns:r="http://schemas.openxmlformats.org/officeDocument/2006/relationships" xmlns:p="http://schemas.openxmlformats.org/presentationml/2006/main">
+  <p:cSld>
+    <p:spTree>
+      <p:nvGrpSpPr>
+        <p:cNvPr id="1" name=""/>
+        <p:cNvGrpSpPr/>
+        <p:nvPr/>
+      </p:nvGrpSpPr>
+      <p:grpSpPr>
+        <a:xfrm>
+          <a:off x="0" y="0"/>
+          <a:ext cx="0" cy="0"/>
+          <a:chOff x="0" y="0"/>
+          <a:chExt cx="0" cy="0"/>
+        </a:xfrm>
+      </p:grpSpPr>
+      <p:sp>
+        <p:nvSpPr>
+          <p:cNvPr id="2" name="Title 1"/>
+          <p:cNvSpPr>
+            <a:spLocks noGrp="1"/>
+          </p:cNvSpPr>
+          <p:nvPr>
+            <p:ph type="title"/>
+          </p:nvPr>
+        </p:nvSpPr>
+        <p:spPr/>
+        <p:txBody>
+          <a:bodyPr/>
+          <a:lstStyle/>
+          <a:p>
+            <a:pPr algn="ctr"/>
+            <a:r>
+              <a:rPr lang="en-US" dirty="0" smtClean="0"/>
+              <a:t>Model Based Classification</a:t>
+            </a:r>
+            <a:endParaRPr lang="en-US" dirty="0"/>
+          </a:p>
+        </p:txBody>
+      </p:sp>
+      <p:sp>
+        <p:nvSpPr>
+          <p:cNvPr id="3" name="Content Placeholder 2"/>
+          <p:cNvSpPr>
+            <a:spLocks noGrp="1"/>
+          </p:cNvSpPr>
+          <p:nvPr>
+            <p:ph sz="quarter" idx="1"/>
+          </p:nvPr>
+        </p:nvSpPr>
+        <p:spPr/>
+        <p:txBody>
+          <a:bodyPr/>
+          <a:lstStyle/>
+          <a:p>
+            <a:r>
+              <a:rPr lang="en-US" dirty="0"/>
+              <a:t>Assumption: sequences in a class </a:t>
+            </a:r>
+            <a:r>
+              <a:rPr lang="en-US" dirty="0" smtClean="0"/>
+              <a:t>are generated </a:t>
+            </a:r>
+            <a:r>
+              <a:rPr lang="en-US" dirty="0"/>
+              <a:t>by an underlying model </a:t>
+            </a:r>
+            <a:r>
+              <a:rPr lang="en-US" dirty="0" smtClean="0"/>
+              <a:t>M. Given </a:t>
+            </a:r>
+            <a:r>
+              <a:rPr lang="en-US" dirty="0"/>
+              <a:t>a class of </a:t>
+            </a:r>
+            <a:r>
+              <a:rPr lang="en-US" dirty="0" smtClean="0"/>
+              <a:t>sequences</a:t>
+            </a:r>
+            <a:r>
+              <a:rPr lang="en-US" dirty="0"/>
+              <a:t>, </a:t>
+            </a:r>
+            <a:r>
+              <a:rPr lang="en-US" i="1" dirty="0"/>
+              <a:t>M </a:t>
+            </a:r>
+            <a:r>
+              <a:rPr lang="en-US" dirty="0"/>
+              <a:t>models the probability distribution of the </a:t>
+            </a:r>
+            <a:r>
+              <a:rPr lang="en-US" dirty="0" smtClean="0"/>
+              <a:t>sequences </a:t>
+            </a:r>
+            <a:r>
+              <a:rPr lang="en-US" dirty="0"/>
+              <a:t>in the </a:t>
+            </a:r>
+            <a:r>
+              <a:rPr lang="en-US" dirty="0" smtClean="0"/>
+              <a:t>class.</a:t>
+            </a:r>
+          </a:p>
+          <a:p>
+            <a:r>
+              <a:rPr lang="en-US" dirty="0" smtClean="0"/>
+              <a:t>General process</a:t>
+            </a:r>
+          </a:p>
+          <a:p>
+            <a:pPr lvl="1"/>
+            <a:r>
+              <a:rPr lang="en-US" dirty="0" smtClean="0"/>
+              <a:t>Training step: Learn parameters </a:t>
+            </a:r>
+            <a:r>
+              <a:rPr lang="en-US" dirty="0"/>
+              <a:t>for model M</a:t>
+            </a:r>
+          </a:p>
+          <a:p>
+            <a:pPr lvl="1"/>
+            <a:r>
+              <a:rPr lang="en-US" dirty="0" smtClean="0"/>
+              <a:t>classification step: Assign a </a:t>
+            </a:r>
+            <a:r>
+              <a:rPr lang="en-US" dirty="0"/>
+              <a:t>new </a:t>
+            </a:r>
+            <a:r>
+              <a:rPr lang="en-US" dirty="0" smtClean="0"/>
+              <a:t>sequence to the </a:t>
+            </a:r>
+            <a:r>
+              <a:rPr lang="en-US" dirty="0"/>
+              <a:t>class with the highest </a:t>
+            </a:r>
+            <a:r>
+              <a:rPr lang="en-US" dirty="0" smtClean="0"/>
+              <a:t>likelihood</a:t>
+            </a:r>
+            <a:r>
+              <a:rPr lang="en-US" dirty="0"/>
+              <a:t>.</a:t>
+            </a:r>
+            <a:endParaRPr lang="en-US" dirty="0" smtClean="0"/>
+          </a:p>
+          <a:p>
+            <a:r>
+              <a:rPr lang="en-US" dirty="0" smtClean="0"/>
+              <a:t>Generative models:</a:t>
+            </a:r>
+          </a:p>
+          <a:p>
+            <a:pPr lvl="1"/>
+            <a:r>
+              <a:rPr lang="en-US" dirty="0"/>
+              <a:t>Naive </a:t>
+            </a:r>
+            <a:r>
+              <a:rPr lang="en-US" dirty="0" smtClean="0"/>
+              <a:t>Bayes</a:t>
+            </a:r>
+          </a:p>
+          <a:p>
+            <a:pPr lvl="1"/>
+            <a:r>
+              <a:rPr lang="en-US" i="1" dirty="0"/>
+              <a:t>k</a:t>
+            </a:r>
+            <a:r>
+              <a:rPr lang="en-US" dirty="0"/>
+              <a:t>-order </a:t>
+            </a:r>
+            <a:r>
+              <a:rPr lang="en-US" dirty="0" smtClean="0"/>
+              <a:t>Markov</a:t>
+            </a:r>
+          </a:p>
+          <a:p>
+            <a:pPr lvl="1"/>
+            <a:r>
+              <a:rPr lang="en-US" dirty="0" smtClean="0"/>
+              <a:t>Profile </a:t>
+            </a:r>
+            <a:r>
+              <a:rPr lang="en-US" dirty="0"/>
+              <a:t>HMM</a:t>
+            </a:r>
+          </a:p>
+        </p:txBody>
+      </p:sp>
+    </p:spTree>
+    <p:extLst>
+      <p:ext uri="{BB962C8B-B14F-4D97-AF65-F5344CB8AC3E}">
+        <p14:creationId xmlns:p14="http://schemas.microsoft.com/office/powerpoint/2010/main" val="793041544"/>
+      </p:ext>
+    </p:extLst>
+  </p:cSld>
+  <p:clrMapOvr>
+    <a:masterClrMapping/>
+  </p:clrMapOvr>
+  <p:timing>
+    <p:tnLst>
+      <p:par>
+        <p:cTn id="1" dur="indefinite" restart="never" nodeType="tmRoot"/>
+      </p:par>
+    </p:tnLst>
+  </p:timing>
+</p:sld>
+</file>
+
+<file path=ppt/slides/slide59.xml><?xml version="1.0" encoding="utf-8"?>
+<p:sld xmlns:a="http://schemas.openxmlformats.org/drawingml/2006/main" xmlns:r="http://schemas.openxmlformats.org/officeDocument/2006/relationships" xmlns:p="http://schemas.openxmlformats.org/presentationml/2006/main">
+  <p:cSld>
+    <p:spTree>
+      <p:nvGrpSpPr>
+        <p:cNvPr id="1" name=""/>
+        <p:cNvGrpSpPr/>
+        <p:nvPr/>
+      </p:nvGrpSpPr>
+      <p:grpSpPr>
+        <a:xfrm>
+          <a:off x="0" y="0"/>
+          <a:ext cx="0" cy="0"/>
+          <a:chOff x="0" y="0"/>
+          <a:chExt cx="0" cy="0"/>
+        </a:xfrm>
+      </p:grpSpPr>
+      <p:sp>
+        <p:nvSpPr>
           <p:cNvPr id="2" name="标题 1"/>
           <p:cNvSpPr>
             <a:spLocks noGrp="1"/>
@@ -30767,7 +35617,7 @@
         <p:spPr/>
         <p:txBody>
           <a:bodyPr>
-            <a:normAutofit fontScale="92500" lnSpcReduction="10000"/>
+            <a:normAutofit fontScale="85000" lnSpcReduction="20000"/>
           </a:bodyPr>
           <a:lstStyle/>
           <a:p>
@@ -30951,7 +35801,40 @@
             </a:r>
             <a:r>
               <a:rPr lang="en-US" altLang="zh-CN" dirty="0"/>
-              <a:t> Xing Z, Pei J, Keogh E. A brief survey on sequence classification[J]. ACM SIGKDD Explorations Newsletter, 2010, 12(1): 40-48.</a:t>
+              <a:t> Xing Z, Pei J, Keogh E. A brief survey on sequence classification[J]. ACM SIGKDD Explorations Newsletter, 2010, 12(1): 40-48</a:t>
+            </a:r>
+            <a:r>
+              <a:rPr lang="en-US" altLang="zh-CN" dirty="0" smtClean="0"/>
+              <a:t>.</a:t>
+            </a:r>
+          </a:p>
+          <a:p>
+            <a:pPr marL="0" indent="0">
+              <a:buNone/>
+            </a:pPr>
+            <a:r>
+              <a:rPr lang="en-US" altLang="zh-CN" dirty="0" smtClean="0"/>
+              <a:t>[8]</a:t>
+            </a:r>
+            <a:r>
+              <a:rPr lang="en-US" altLang="zh-CN" dirty="0"/>
+              <a:t> </a:t>
+            </a:r>
+            <a:r>
+              <a:rPr lang="en-US" altLang="zh-CN" dirty="0" err="1"/>
+              <a:t>Mueen</a:t>
+            </a:r>
+            <a:r>
+              <a:rPr lang="en-US" altLang="zh-CN" dirty="0"/>
+              <a:t> A, </a:t>
+            </a:r>
+            <a:r>
+              <a:rPr lang="en-US" altLang="zh-CN" dirty="0" err="1"/>
+              <a:t>Nath</a:t>
+            </a:r>
+            <a:r>
+              <a:rPr lang="en-US" altLang="zh-CN" dirty="0"/>
+              <a:t> S, Liu J. Fast approximate correlation for massive time-series data[C]//Proceedings of the 2010 international conference on Management of data. ACM, 2010: 171-182.</a:t>
             </a:r>
             <a:endParaRPr lang="en-US" altLang="zh-CN" dirty="0" smtClean="0"/>
           </a:p>

--- a/slide/tsdm.pptx
+++ b/slide/tsdm.pptx
@@ -167,7 +167,7 @@
   </p:defaultTextStyle>
   <p:extLst>
     <p:ext uri="{EFAFB233-063F-42B5-8137-9DF3F51BA10A}">
-      <p15:sldGuideLst xmlns:p15="http://schemas.microsoft.com/office/powerpoint/2012/main" xmlns=""/>
+      <p15:sldGuideLst xmlns="" xmlns:p15="http://schemas.microsoft.com/office/powerpoint/2012/main"/>
     </p:ext>
   </p:extLst>
 </p:presentation>
@@ -14832,7 +14832,7 @@
               <a:t>X</a:t>
             </a:r>
             <a:r>
-              <a:rPr lang="zh-CN" altLang="en-US" smtClean="0"/>
+              <a:rPr lang="zh-CN" altLang="en-US" dirty="0" smtClean="0"/>
               <a:t>？</a:t>
             </a:r>
             <a:endParaRPr lang="en-US" altLang="zh-CN" dirty="0"/>
@@ -21471,8 +21471,59 @@
           <a:p>
             <a:pPr lvl="1"/>
             <a:r>
+              <a:rPr lang="en-US" altLang="zh-CN" dirty="0" smtClean="0"/>
+              <a:t>Details </a:t>
+            </a:r>
+            <a:r>
+              <a:rPr lang="en-US" altLang="zh-CN" dirty="0" smtClean="0"/>
+              <a:t>omitted</a:t>
+            </a:r>
+          </a:p>
+          <a:p>
+            <a:r>
+              <a:rPr lang="en-US" altLang="zh-CN" dirty="0" err="1"/>
+              <a:t>Faloutsos</a:t>
+            </a:r>
+            <a:r>
+              <a:rPr lang="en-US" altLang="zh-CN" dirty="0"/>
+              <a:t> C, </a:t>
+            </a:r>
+            <a:r>
+              <a:rPr lang="en-US" altLang="zh-CN" dirty="0" err="1"/>
+              <a:t>Ranganathan</a:t>
+            </a:r>
+            <a:r>
+              <a:rPr lang="en-US" altLang="zh-CN" dirty="0"/>
+              <a:t> M, </a:t>
+            </a:r>
+            <a:r>
+              <a:rPr lang="en-US" altLang="zh-CN" dirty="0" err="1"/>
+              <a:t>Manolopoulos</a:t>
+            </a:r>
+            <a:r>
+              <a:rPr lang="en-US" altLang="zh-CN" dirty="0"/>
+              <a:t> Y. Fast subsequence matching in time-series databases[M]. ACM, 1994</a:t>
+            </a:r>
+            <a:r>
+              <a:rPr lang="en-US" altLang="zh-CN" dirty="0" smtClean="0"/>
+              <a:t>.</a:t>
+            </a:r>
+          </a:p>
+          <a:p>
+            <a:pPr marL="0" indent="0">
+              <a:buNone/>
+            </a:pPr>
+            <a:r>
+              <a:rPr lang="en-US" altLang="zh-CN" dirty="0"/>
+              <a:t> </a:t>
+            </a:r>
+            <a:r>
+              <a:rPr lang="en-US" altLang="zh-CN" dirty="0" smtClean="0"/>
+              <a:t>  Find Subsequence with equal length of </a:t>
+            </a:r>
+            <a:r>
               <a:rPr lang="en-US" altLang="zh-CN" smtClean="0"/>
-              <a:t>Details omitted</a:t>
+              <a:t>query sequence</a:t>
             </a:r>
             <a:endParaRPr lang="zh-CN" altLang="en-US" dirty="0"/>
           </a:p>
@@ -21579,7 +21630,7 @@
           <a:graphicData uri="http://schemas.openxmlformats.org/presentationml/2006/ole">
             <mc:AlternateContent xmlns:mc="http://schemas.openxmlformats.org/markup-compatibility/2006">
               <mc:Choice xmlns:v="urn:schemas-microsoft-com:vml" Requires="v">
-                <p:oleObj spid="_x0000_s2080" name="點陣圖影像" r:id="rId3" imgW="4638095" imgH="2534004" progId="PBrush">
+                <p:oleObj spid="_x0000_s2082" name="點陣圖影像" r:id="rId3" imgW="4638095" imgH="2534004" progId="PBrush">
                   <p:embed/>
                 </p:oleObj>
               </mc:Choice>
@@ -21650,7 +21701,7 @@
           <a:graphicData uri="http://schemas.openxmlformats.org/presentationml/2006/ole">
             <mc:AlternateContent xmlns:mc="http://schemas.openxmlformats.org/markup-compatibility/2006">
               <mc:Choice xmlns:v="urn:schemas-microsoft-com:vml" Requires="v">
-                <p:oleObj spid="_x0000_s2081" name="BMP 图像" r:id="rId5" imgW="4381560" imgH="1305000" progId="Paint.Picture">
+                <p:oleObj spid="_x0000_s2083" name="BMP 图像" r:id="rId5" imgW="4381560" imgH="1305000" progId="Paint.Picture">
                   <p:embed/>
                 </p:oleObj>
               </mc:Choice>
@@ -29656,11 +29707,7 @@
             </a:pPr>
             <a:r>
               <a:rPr lang="en-US" altLang="zh-CN" dirty="0" smtClean="0"/>
-              <a:t>                       S-Process</a:t>
-            </a:r>
-            <a:r>
-              <a:rPr lang="en-US" altLang="zh-CN" dirty="0" smtClean="0"/>
-              <a:t>				</a:t>
+              <a:t>                       S-Process				</a:t>
             </a:r>
             <a:r>
               <a:rPr lang="en-US" altLang="zh-CN" dirty="0"/>
@@ -29668,11 +29715,7 @@
             </a:r>
             <a:r>
               <a:rPr lang="en-US" altLang="zh-CN" dirty="0" smtClean="0"/>
-              <a:t>       </a:t>
-            </a:r>
-            <a:r>
-              <a:rPr lang="en-US" altLang="zh-CN" dirty="0" smtClean="0"/>
-              <a:t>I-Process</a:t>
+              <a:t>       I-Process</a:t>
             </a:r>
             <a:endParaRPr lang="zh-CN" altLang="en-US" dirty="0"/>
           </a:p>
@@ -30307,11 +30350,7 @@
             <a:pPr algn="ctr"/>
             <a:r>
               <a:rPr lang="en-US" altLang="zh-CN" dirty="0" smtClean="0"/>
-              <a:t>All Pair Correlation </a:t>
-            </a:r>
-            <a:r>
-              <a:rPr lang="en-US" altLang="zh-CN" dirty="0" smtClean="0"/>
-              <a:t>Detection[8]</a:t>
+              <a:t>All Pair Correlation Detection[8]</a:t>
             </a:r>
             <a:endParaRPr lang="zh-CN" altLang="en-US" dirty="0"/>
           </a:p>
@@ -31921,8 +31960,8 @@
           </a:extLst>
         </p:spPr>
       </p:pic>
-      <mc:AlternateContent xmlns:mc="http://schemas.openxmlformats.org/markup-compatibility/2006">
-        <mc:Choice xmlns:a14="http://schemas.microsoft.com/office/drawing/2010/main" Requires="a14">
+      <mc:AlternateContent xmlns:mc="http://schemas.openxmlformats.org/markup-compatibility/2006" xmlns:a14="http://schemas.microsoft.com/office/drawing/2010/main">
+        <mc:Choice Requires="a14">
           <p:sp>
             <p:nvSpPr>
               <p:cNvPr id="4" name="TextBox 3"/>
@@ -32298,11 +32337,7 @@
                 </a14:m>
                 <a:r>
                   <a:rPr lang="en-US" altLang="zh-CN" dirty="0" smtClean="0"/>
-                  <a:t> is cross edges between </a:t>
-                </a:r>
-                <a:r>
-                  <a:rPr lang="en-US" altLang="zh-CN" dirty="0" smtClean="0"/>
-                  <a:t>partitions</a:t>
+                  <a:t> is cross edges between partitions</a:t>
                 </a:r>
                 <a:endParaRPr lang="en-US" altLang="zh-CN" dirty="0"/>
               </a:p>
@@ -32312,7 +32347,7 @@
             </p:txBody>
           </p:sp>
         </mc:Choice>
-        <mc:Fallback>
+        <mc:Fallback xmlns="">
           <p:sp>
             <p:nvSpPr>
               <p:cNvPr id="4" name="TextBox 3"/>

--- a/slide/tsdm.pptx
+++ b/slide/tsdm.pptx
@@ -5,7 +5,7 @@
     <p:sldMasterId id="2147483782" r:id="rId1"/>
   </p:sldMasterIdLst>
   <p:notesMasterIdLst>
-    <p:notesMasterId r:id="rId61"/>
+    <p:notesMasterId r:id="rId66"/>
   </p:notesMasterIdLst>
   <p:sldIdLst>
     <p:sldId id="256" r:id="rId2"/>
@@ -54,19 +54,24 @@
     <p:sldId id="331" r:id="rId45"/>
     <p:sldId id="332" r:id="rId46"/>
     <p:sldId id="333" r:id="rId47"/>
-    <p:sldId id="313" r:id="rId48"/>
-    <p:sldId id="314" r:id="rId49"/>
-    <p:sldId id="315" r:id="rId50"/>
-    <p:sldId id="316" r:id="rId51"/>
-    <p:sldId id="317" r:id="rId52"/>
-    <p:sldId id="318" r:id="rId53"/>
-    <p:sldId id="264" r:id="rId54"/>
-    <p:sldId id="327" r:id="rId55"/>
-    <p:sldId id="266" r:id="rId56"/>
-    <p:sldId id="268" r:id="rId57"/>
-    <p:sldId id="269" r:id="rId58"/>
-    <p:sldId id="270" r:id="rId59"/>
-    <p:sldId id="319" r:id="rId60"/>
+    <p:sldId id="338" r:id="rId48"/>
+    <p:sldId id="339" r:id="rId49"/>
+    <p:sldId id="340" r:id="rId50"/>
+    <p:sldId id="313" r:id="rId51"/>
+    <p:sldId id="314" r:id="rId52"/>
+    <p:sldId id="315" r:id="rId53"/>
+    <p:sldId id="316" r:id="rId54"/>
+    <p:sldId id="317" r:id="rId55"/>
+    <p:sldId id="318" r:id="rId56"/>
+    <p:sldId id="264" r:id="rId57"/>
+    <p:sldId id="327" r:id="rId58"/>
+    <p:sldId id="266" r:id="rId59"/>
+    <p:sldId id="268" r:id="rId60"/>
+    <p:sldId id="269" r:id="rId61"/>
+    <p:sldId id="270" r:id="rId62"/>
+    <p:sldId id="319" r:id="rId63"/>
+    <p:sldId id="341" r:id="rId64"/>
+    <p:sldId id="342" r:id="rId65"/>
   </p:sldIdLst>
   <p:sldSz cx="12192000" cy="6858000"/>
   <p:notesSz cx="6858000" cy="9144000"/>
@@ -167,7 +172,7 @@
   </p:defaultTextStyle>
   <p:extLst>
     <p:ext uri="{EFAFB233-063F-42B5-8137-9DF3F51BA10A}">
-      <p15:sldGuideLst xmlns="" xmlns:p15="http://schemas.microsoft.com/office/powerpoint/2012/main"/>
+      <p15:sldGuideLst xmlns:p15="http://schemas.microsoft.com/office/powerpoint/2012/main" xmlns=""/>
     </p:ext>
   </p:extLst>
 </p:presentation>
@@ -255,7 +260,7 @@
           <a:p>
             <a:fld id="{EAC0FA0A-CAD4-4EB0-8284-87AAE1D94058}" type="datetimeFigureOut">
               <a:rPr lang="zh-CN" altLang="en-US" smtClean="0"/>
-              <a:t>2013/3/11</a:t>
+              <a:t>2013/3/12</a:t>
             </a:fld>
             <a:endParaRPr lang="zh-CN" altLang="en-US"/>
           </a:p>
@@ -666,7 +671,7 @@
           <a:p>
             <a:fld id="{F77B2EB1-EA88-4503-95EA-93923E5BA59E}" type="datetimeFigureOut">
               <a:rPr lang="en-US" smtClean="0"/>
-              <a:t>3/11/2013</a:t>
+              <a:t>3/12/2013</a:t>
             </a:fld>
             <a:endParaRPr lang="en-US"/>
           </a:p>
@@ -1025,7 +1030,7 @@
           <a:p>
             <a:fld id="{F77B2EB1-EA88-4503-95EA-93923E5BA59E}" type="datetimeFigureOut">
               <a:rPr lang="en-US" smtClean="0"/>
-              <a:t>3/11/2013</a:t>
+              <a:t>3/12/2013</a:t>
             </a:fld>
             <a:endParaRPr lang="en-US"/>
           </a:p>
@@ -1200,7 +1205,7 @@
           <a:p>
             <a:fld id="{F77B2EB1-EA88-4503-95EA-93923E5BA59E}" type="datetimeFigureOut">
               <a:rPr lang="en-US" smtClean="0"/>
-              <a:t>3/11/2013</a:t>
+              <a:t>3/12/2013</a:t>
             </a:fld>
             <a:endParaRPr lang="en-US"/>
           </a:p>
@@ -1435,7 +1440,7 @@
           <a:p>
             <a:fld id="{F77B2EB1-EA88-4503-95EA-93923E5BA59E}" type="datetimeFigureOut">
               <a:rPr lang="en-US" smtClean="0"/>
-              <a:t>3/11/2013</a:t>
+              <a:t>3/12/2013</a:t>
             </a:fld>
             <a:endParaRPr lang="en-US"/>
           </a:p>
@@ -1704,7 +1709,7 @@
           <a:p>
             <a:fld id="{F77B2EB1-EA88-4503-95EA-93923E5BA59E}" type="datetimeFigureOut">
               <a:rPr lang="en-US" smtClean="0"/>
-              <a:t>3/11/2013</a:t>
+              <a:t>3/12/2013</a:t>
             </a:fld>
             <a:endParaRPr lang="en-US"/>
           </a:p>
@@ -1924,7 +1929,7 @@
           <a:p>
             <a:fld id="{F77B2EB1-EA88-4503-95EA-93923E5BA59E}" type="datetimeFigureOut">
               <a:rPr lang="en-US" smtClean="0"/>
-              <a:t>3/11/2013</a:t>
+              <a:t>3/12/2013</a:t>
             </a:fld>
             <a:endParaRPr lang="en-US"/>
           </a:p>
@@ -2276,7 +2281,7 @@
           <a:p>
             <a:fld id="{F77B2EB1-EA88-4503-95EA-93923E5BA59E}" type="datetimeFigureOut">
               <a:rPr lang="en-US" smtClean="0"/>
-              <a:t>3/11/2013</a:t>
+              <a:t>3/12/2013</a:t>
             </a:fld>
             <a:endParaRPr lang="en-US"/>
           </a:p>
@@ -2508,7 +2513,7 @@
           <a:p>
             <a:fld id="{F77B2EB1-EA88-4503-95EA-93923E5BA59E}" type="datetimeFigureOut">
               <a:rPr lang="en-US" smtClean="0"/>
-              <a:t>3/11/2013</a:t>
+              <a:t>3/12/2013</a:t>
             </a:fld>
             <a:endParaRPr lang="en-US"/>
           </a:p>
@@ -2648,7 +2653,7 @@
           <a:p>
             <a:fld id="{F77B2EB1-EA88-4503-95EA-93923E5BA59E}" type="datetimeFigureOut">
               <a:rPr lang="en-US" smtClean="0"/>
-              <a:t>3/11/2013</a:t>
+              <a:t>3/12/2013</a:t>
             </a:fld>
             <a:endParaRPr lang="en-US"/>
           </a:p>
@@ -2925,7 +2930,7 @@
           <a:p>
             <a:fld id="{F77B2EB1-EA88-4503-95EA-93923E5BA59E}" type="datetimeFigureOut">
               <a:rPr lang="en-US" smtClean="0"/>
-              <a:t>3/11/2013</a:t>
+              <a:t>3/12/2013</a:t>
             </a:fld>
             <a:endParaRPr lang="en-US"/>
           </a:p>
@@ -3332,7 +3337,7 @@
           <a:p>
             <a:fld id="{F77B2EB1-EA88-4503-95EA-93923E5BA59E}" type="datetimeFigureOut">
               <a:rPr lang="en-US" smtClean="0"/>
-              <a:t>3/11/2013</a:t>
+              <a:t>3/12/2013</a:t>
             </a:fld>
             <a:endParaRPr lang="en-US"/>
           </a:p>
@@ -3670,7 +3675,7 @@
           <a:p>
             <a:fld id="{F77B2EB1-EA88-4503-95EA-93923E5BA59E}" type="datetimeFigureOut">
               <a:rPr lang="en-US" smtClean="0"/>
-              <a:t>3/11/2013</a:t>
+              <a:t>3/12/2013</a:t>
             </a:fld>
             <a:endParaRPr lang="en-US"/>
           </a:p>
@@ -21472,11 +21477,7 @@
             <a:pPr lvl="1"/>
             <a:r>
               <a:rPr lang="en-US" altLang="zh-CN" dirty="0" smtClean="0"/>
-              <a:t>Details </a:t>
-            </a:r>
-            <a:r>
-              <a:rPr lang="en-US" altLang="zh-CN" dirty="0" smtClean="0"/>
-              <a:t>omitted</a:t>
+              <a:t>Details omitted</a:t>
             </a:r>
           </a:p>
           <a:p>
@@ -21630,7 +21631,7 @@
           <a:graphicData uri="http://schemas.openxmlformats.org/presentationml/2006/ole">
             <mc:AlternateContent xmlns:mc="http://schemas.openxmlformats.org/markup-compatibility/2006">
               <mc:Choice xmlns:v="urn:schemas-microsoft-com:vml" Requires="v">
-                <p:oleObj spid="_x0000_s2082" name="點陣圖影像" r:id="rId3" imgW="4638095" imgH="2534004" progId="PBrush">
+                <p:oleObj spid="_x0000_s2094" name="點陣圖影像" r:id="rId3" imgW="4638095" imgH="2534004" progId="PBrush">
                   <p:embed/>
                 </p:oleObj>
               </mc:Choice>
@@ -21701,7 +21702,7 @@
           <a:graphicData uri="http://schemas.openxmlformats.org/presentationml/2006/ole">
             <mc:AlternateContent xmlns:mc="http://schemas.openxmlformats.org/markup-compatibility/2006">
               <mc:Choice xmlns:v="urn:schemas-microsoft-com:vml" Requires="v">
-                <p:oleObj spid="_x0000_s2083" name="BMP 图像" r:id="rId5" imgW="4381560" imgH="1305000" progId="Paint.Picture">
+                <p:oleObj spid="_x0000_s2095" name="BMP 图像" r:id="rId5" imgW="4381560" imgH="1305000" progId="Paint.Picture">
                   <p:embed/>
                 </p:oleObj>
               </mc:Choice>
@@ -29549,7 +29550,7 @@
         </p:spPr>
         <p:txBody>
           <a:bodyPr>
-            <a:normAutofit/>
+            <a:normAutofit lnSpcReduction="10000"/>
           </a:bodyPr>
           <a:lstStyle/>
           <a:p>
@@ -29594,7 +29595,17 @@
           <a:p>
             <a:r>
               <a:rPr lang="en-US" altLang="zh-CN" dirty="0" smtClean="0"/>
-              <a:t>Correlation Detection</a:t>
+              <a:t>Correlation </a:t>
+            </a:r>
+            <a:r>
+              <a:rPr lang="en-US" altLang="zh-CN" dirty="0" smtClean="0"/>
+              <a:t>Detection</a:t>
+            </a:r>
+          </a:p>
+          <a:p>
+            <a:r>
+              <a:rPr lang="en-US" altLang="zh-CN" dirty="0" smtClean="0"/>
+              <a:t>Associate Rules</a:t>
             </a:r>
             <a:endParaRPr lang="en-US" altLang="zh-CN" dirty="0"/>
           </a:p>
@@ -32578,6 +32589,569 @@
         </p:nvSpPr>
         <p:spPr/>
         <p:txBody>
+          <a:bodyPr>
+            <a:normAutofit/>
+          </a:bodyPr>
+          <a:lstStyle/>
+          <a:p>
+            <a:pPr algn="ctr"/>
+            <a:r>
+              <a:rPr lang="en-US" altLang="zh-CN" dirty="0"/>
+              <a:t>Associate </a:t>
+            </a:r>
+            <a:r>
+              <a:rPr lang="en-US" altLang="zh-CN" dirty="0" smtClean="0"/>
+              <a:t>Rules</a:t>
+            </a:r>
+            <a:endParaRPr lang="zh-CN" altLang="en-US" dirty="0"/>
+          </a:p>
+        </p:txBody>
+      </p:sp>
+      <p:sp>
+        <p:nvSpPr>
+          <p:cNvPr id="3" name="内容占位符 2"/>
+          <p:cNvSpPr>
+            <a:spLocks noGrp="1"/>
+          </p:cNvSpPr>
+          <p:nvPr>
+            <p:ph sz="quarter" idx="1"/>
+          </p:nvPr>
+        </p:nvSpPr>
+        <p:spPr/>
+        <p:txBody>
+          <a:bodyPr/>
+          <a:lstStyle/>
+          <a:p>
+            <a:r>
+              <a:rPr lang="en-US" altLang="zh-CN" dirty="0" smtClean="0"/>
+              <a:t>Rule: pattern </a:t>
+            </a:r>
+            <a:r>
+              <a:rPr lang="en-US" altLang="zh-CN" dirty="0" smtClean="0">
+                <a:sym typeface="Wingdings" pitchFamily="2" charset="2"/>
+              </a:rPr>
+              <a:t> pattern (support level, confidence level)</a:t>
+            </a:r>
+            <a:endParaRPr lang="en-US" altLang="zh-CN" dirty="0" smtClean="0"/>
+          </a:p>
+          <a:p>
+            <a:r>
+              <a:rPr lang="en-US" altLang="zh-CN" dirty="0" smtClean="0"/>
+              <a:t>R1 </a:t>
+            </a:r>
+            <a:r>
+              <a:rPr lang="en-US" altLang="zh-CN" dirty="0"/>
+              <a:t>: 80% of customers who bought diaper also </a:t>
+            </a:r>
+            <a:r>
+              <a:rPr lang="en-US" altLang="zh-CN" dirty="0" smtClean="0"/>
+              <a:t>bought beer </a:t>
+            </a:r>
+            <a:r>
+              <a:rPr lang="en-US" altLang="zh-CN" dirty="0"/>
+              <a:t>(diaper </a:t>
+            </a:r>
+            <a:r>
+              <a:rPr lang="en-US" altLang="zh-CN" dirty="0" smtClean="0">
+                <a:sym typeface="Wingdings" pitchFamily="2" charset="2"/>
+              </a:rPr>
+              <a:t></a:t>
+            </a:r>
+            <a:r>
+              <a:rPr lang="en-US" altLang="zh-CN" dirty="0" smtClean="0"/>
+              <a:t>beer </a:t>
+            </a:r>
+            <a:r>
+              <a:rPr lang="en-US" altLang="zh-CN" dirty="0"/>
+              <a:t>(</a:t>
+            </a:r>
+            <a:r>
+              <a:rPr lang="en-US" altLang="zh-CN" dirty="0" smtClean="0"/>
+              <a:t>20%, 80%))</a:t>
+            </a:r>
+          </a:p>
+          <a:p>
+            <a:r>
+              <a:rPr lang="en-US" altLang="zh-CN" dirty="0"/>
+              <a:t>R2 : When the prices of IBM and SUN go up, 80% </a:t>
+            </a:r>
+            <a:r>
+              <a:rPr lang="en-US" altLang="zh-CN" dirty="0" smtClean="0"/>
+              <a:t>of time </a:t>
+            </a:r>
+            <a:r>
+              <a:rPr lang="en-US" altLang="zh-CN" dirty="0"/>
+              <a:t>the price of Microsoft goes up (on the </a:t>
+            </a:r>
+            <a:r>
+              <a:rPr lang="en-US" altLang="zh-CN" dirty="0" smtClean="0"/>
+              <a:t>same day)</a:t>
+            </a:r>
+          </a:p>
+          <a:p>
+            <a:endParaRPr lang="en-US" altLang="zh-CN" dirty="0" smtClean="0"/>
+          </a:p>
+          <a:p>
+            <a:r>
+              <a:rPr lang="en-US" altLang="zh-CN" dirty="0"/>
+              <a:t>R3 : If the prices of IBM and SUN go up, </a:t>
+            </a:r>
+            <a:r>
+              <a:rPr lang="en-US" altLang="zh-CN" dirty="0" smtClean="0"/>
+              <a:t>Microsoft's will </a:t>
+            </a:r>
+            <a:r>
+              <a:rPr lang="en-US" altLang="zh-CN" dirty="0"/>
+              <a:t>most likely (80% of time) go up the next day</a:t>
+            </a:r>
+            <a:endParaRPr lang="zh-CN" altLang="en-US" dirty="0"/>
+          </a:p>
+        </p:txBody>
+      </p:sp>
+    </p:spTree>
+    <p:extLst>
+      <p:ext uri="{BB962C8B-B14F-4D97-AF65-F5344CB8AC3E}">
+        <p14:creationId xmlns:p14="http://schemas.microsoft.com/office/powerpoint/2010/main" val="1075465316"/>
+      </p:ext>
+    </p:extLst>
+  </p:cSld>
+  <p:clrMapOvr>
+    <a:masterClrMapping/>
+  </p:clrMapOvr>
+</p:sld>
+</file>
+
+<file path=ppt/slides/slide48.xml><?xml version="1.0" encoding="utf-8"?>
+<p:sld xmlns:a="http://schemas.openxmlformats.org/drawingml/2006/main" xmlns:r="http://schemas.openxmlformats.org/officeDocument/2006/relationships" xmlns:p="http://schemas.openxmlformats.org/presentationml/2006/main">
+  <p:cSld>
+    <p:spTree>
+      <p:nvGrpSpPr>
+        <p:cNvPr id="1" name=""/>
+        <p:cNvGrpSpPr/>
+        <p:nvPr/>
+      </p:nvGrpSpPr>
+      <p:grpSpPr>
+        <a:xfrm>
+          <a:off x="0" y="0"/>
+          <a:ext cx="0" cy="0"/>
+          <a:chOff x="0" y="0"/>
+          <a:chExt cx="0" cy="0"/>
+        </a:xfrm>
+      </p:grpSpPr>
+      <p:sp>
+        <p:nvSpPr>
+          <p:cNvPr id="2" name="标题 1"/>
+          <p:cNvSpPr>
+            <a:spLocks noGrp="1"/>
+          </p:cNvSpPr>
+          <p:nvPr>
+            <p:ph type="title"/>
+          </p:nvPr>
+        </p:nvSpPr>
+        <p:spPr/>
+        <p:txBody>
+          <a:bodyPr/>
+          <a:lstStyle/>
+          <a:p>
+            <a:pPr algn="ctr"/>
+            <a:r>
+              <a:rPr lang="en-US" altLang="zh-CN" dirty="0" smtClean="0"/>
+              <a:t>Rule Categories</a:t>
+            </a:r>
+            <a:endParaRPr lang="zh-CN" altLang="en-US" dirty="0"/>
+          </a:p>
+        </p:txBody>
+      </p:sp>
+      <p:sp>
+        <p:nvSpPr>
+          <p:cNvPr id="3" name="内容占位符 2"/>
+          <p:cNvSpPr>
+            <a:spLocks noGrp="1"/>
+          </p:cNvSpPr>
+          <p:nvPr>
+            <p:ph sz="quarter" idx="1"/>
+          </p:nvPr>
+        </p:nvSpPr>
+        <p:spPr/>
+        <p:txBody>
+          <a:bodyPr/>
+          <a:lstStyle/>
+          <a:p>
+            <a:r>
+              <a:rPr lang="en-US" altLang="zh-CN" dirty="0" smtClean="0"/>
+              <a:t>I</a:t>
+            </a:r>
+            <a:r>
+              <a:rPr lang="en-US" altLang="zh-CN" dirty="0"/>
+              <a:t>ntra-transaction association rules: associations among items within the same </a:t>
+            </a:r>
+            <a:r>
+              <a:rPr lang="en-US" altLang="zh-CN" dirty="0" smtClean="0"/>
+              <a:t>transaction record such as R1 and R2</a:t>
+            </a:r>
+          </a:p>
+          <a:p>
+            <a:endParaRPr lang="en-US" altLang="zh-CN" dirty="0" smtClean="0"/>
+          </a:p>
+          <a:p>
+            <a:r>
+              <a:rPr lang="en-US" altLang="zh-CN" dirty="0"/>
+              <a:t>I</a:t>
+            </a:r>
+            <a:r>
+              <a:rPr lang="en-US" altLang="zh-CN" dirty="0" smtClean="0"/>
+              <a:t>nter-transaction </a:t>
+            </a:r>
+            <a:r>
+              <a:rPr lang="en-US" altLang="zh-CN" dirty="0"/>
+              <a:t>association rules: association among </a:t>
+            </a:r>
+            <a:r>
+              <a:rPr lang="en-US" altLang="zh-CN" dirty="0" smtClean="0"/>
+              <a:t>items from different </a:t>
+            </a:r>
+            <a:r>
+              <a:rPr lang="en-US" altLang="zh-CN" dirty="0"/>
+              <a:t>transaction </a:t>
+            </a:r>
+            <a:r>
+              <a:rPr lang="en-US" altLang="zh-CN" dirty="0" smtClean="0"/>
+              <a:t>records such as R3</a:t>
+            </a:r>
+            <a:endParaRPr lang="zh-CN" altLang="en-US" dirty="0"/>
+          </a:p>
+        </p:txBody>
+      </p:sp>
+    </p:spTree>
+    <p:extLst>
+      <p:ext uri="{BB962C8B-B14F-4D97-AF65-F5344CB8AC3E}">
+        <p14:creationId xmlns:p14="http://schemas.microsoft.com/office/powerpoint/2010/main" val="1200834619"/>
+      </p:ext>
+    </p:extLst>
+  </p:cSld>
+  <p:clrMapOvr>
+    <a:masterClrMapping/>
+  </p:clrMapOvr>
+</p:sld>
+</file>
+
+<file path=ppt/slides/slide49.xml><?xml version="1.0" encoding="utf-8"?>
+<p:sld xmlns:a="http://schemas.openxmlformats.org/drawingml/2006/main" xmlns:r="http://schemas.openxmlformats.org/officeDocument/2006/relationships" xmlns:p="http://schemas.openxmlformats.org/presentationml/2006/main">
+  <p:cSld>
+    <p:spTree>
+      <p:nvGrpSpPr>
+        <p:cNvPr id="1" name=""/>
+        <p:cNvGrpSpPr/>
+        <p:nvPr/>
+      </p:nvGrpSpPr>
+      <p:grpSpPr>
+        <a:xfrm>
+          <a:off x="0" y="0"/>
+          <a:ext cx="0" cy="0"/>
+          <a:chOff x="0" y="0"/>
+          <a:chExt cx="0" cy="0"/>
+        </a:xfrm>
+      </p:grpSpPr>
+      <p:sp>
+        <p:nvSpPr>
+          <p:cNvPr id="2" name="标题 1"/>
+          <p:cNvSpPr>
+            <a:spLocks noGrp="1"/>
+          </p:cNvSpPr>
+          <p:nvPr>
+            <p:ph type="title"/>
+          </p:nvPr>
+        </p:nvSpPr>
+        <p:spPr/>
+        <p:txBody>
+          <a:bodyPr/>
+          <a:lstStyle/>
+          <a:p>
+            <a:pPr algn="ctr"/>
+            <a:r>
+              <a:rPr lang="en-US" altLang="zh-CN" dirty="0" smtClean="0"/>
+              <a:t>Algorithms</a:t>
+            </a:r>
+            <a:endParaRPr lang="zh-CN" altLang="en-US" dirty="0"/>
+          </a:p>
+        </p:txBody>
+      </p:sp>
+      <p:sp>
+        <p:nvSpPr>
+          <p:cNvPr id="3" name="内容占位符 2"/>
+          <p:cNvSpPr>
+            <a:spLocks noGrp="1"/>
+          </p:cNvSpPr>
+          <p:nvPr>
+            <p:ph sz="quarter" idx="1"/>
+          </p:nvPr>
+        </p:nvSpPr>
+        <p:spPr/>
+        <p:txBody>
+          <a:bodyPr/>
+          <a:lstStyle/>
+          <a:p>
+            <a:r>
+              <a:rPr lang="en-US" altLang="zh-CN" dirty="0"/>
+              <a:t>Intra-transaction association </a:t>
+            </a:r>
+            <a:r>
+              <a:rPr lang="en-US" altLang="zh-CN" dirty="0" smtClean="0"/>
+              <a:t>rules</a:t>
+            </a:r>
+          </a:p>
+          <a:p>
+            <a:pPr lvl="1"/>
+            <a:r>
+              <a:rPr lang="en-US" altLang="zh-CN" dirty="0" err="1"/>
+              <a:t>Apriori</a:t>
+            </a:r>
+            <a:r>
+              <a:rPr lang="en-US" altLang="zh-CN" dirty="0"/>
+              <a:t> </a:t>
+            </a:r>
+            <a:r>
+              <a:rPr lang="en-US" altLang="zh-CN" dirty="0" smtClean="0"/>
+              <a:t>algorithm[9]</a:t>
+            </a:r>
+          </a:p>
+          <a:p>
+            <a:pPr lvl="1"/>
+            <a:r>
+              <a:rPr lang="en-US" altLang="zh-CN" dirty="0"/>
+              <a:t>FP-growth </a:t>
+            </a:r>
+            <a:r>
+              <a:rPr lang="en-US" altLang="zh-CN" dirty="0" smtClean="0"/>
+              <a:t>algorithm[10]</a:t>
+            </a:r>
+          </a:p>
+          <a:p>
+            <a:r>
+              <a:rPr lang="en-US" altLang="zh-CN" dirty="0" smtClean="0"/>
+              <a:t>Inter-transaction </a:t>
+            </a:r>
+            <a:r>
+              <a:rPr lang="en-US" altLang="zh-CN" dirty="0"/>
+              <a:t>association </a:t>
+            </a:r>
+            <a:r>
+              <a:rPr lang="en-US" altLang="zh-CN" dirty="0" smtClean="0"/>
+              <a:t>rules</a:t>
+            </a:r>
+          </a:p>
+          <a:p>
+            <a:pPr lvl="1"/>
+            <a:r>
+              <a:rPr lang="en-US" altLang="zh-CN" dirty="0"/>
+              <a:t>E-</a:t>
+            </a:r>
+            <a:r>
+              <a:rPr lang="en-US" altLang="zh-CN" dirty="0" err="1"/>
+              <a:t>Apriori</a:t>
+            </a:r>
+            <a:r>
+              <a:rPr lang="en-US" altLang="zh-CN" dirty="0"/>
+              <a:t> and </a:t>
+            </a:r>
+            <a:r>
+              <a:rPr lang="en-US" altLang="zh-CN" dirty="0" smtClean="0"/>
+              <a:t>EH-</a:t>
+            </a:r>
+            <a:r>
+              <a:rPr lang="en-US" altLang="zh-CN" dirty="0" err="1" smtClean="0"/>
+              <a:t>Apriori</a:t>
+            </a:r>
+            <a:r>
+              <a:rPr lang="en-US" altLang="zh-CN" dirty="0" smtClean="0"/>
+              <a:t>[11]</a:t>
+            </a:r>
+            <a:endParaRPr lang="zh-CN" altLang="en-US" dirty="0"/>
+          </a:p>
+        </p:txBody>
+      </p:sp>
+    </p:spTree>
+    <p:extLst>
+      <p:ext uri="{BB962C8B-B14F-4D97-AF65-F5344CB8AC3E}">
+        <p14:creationId xmlns:p14="http://schemas.microsoft.com/office/powerpoint/2010/main" val="3986594730"/>
+      </p:ext>
+    </p:extLst>
+  </p:cSld>
+  <p:clrMapOvr>
+    <a:masterClrMapping/>
+  </p:clrMapOvr>
+</p:sld>
+</file>
+
+<file path=ppt/slides/slide5.xml><?xml version="1.0" encoding="utf-8"?>
+<p:sld xmlns:a="http://schemas.openxmlformats.org/drawingml/2006/main" xmlns:r="http://schemas.openxmlformats.org/officeDocument/2006/relationships" xmlns:p="http://schemas.openxmlformats.org/presentationml/2006/main">
+  <p:cSld>
+    <p:spTree>
+      <p:nvGrpSpPr>
+        <p:cNvPr id="1" name=""/>
+        <p:cNvGrpSpPr/>
+        <p:nvPr/>
+      </p:nvGrpSpPr>
+      <p:grpSpPr>
+        <a:xfrm>
+          <a:off x="0" y="0"/>
+          <a:ext cx="0" cy="0"/>
+          <a:chOff x="0" y="0"/>
+          <a:chExt cx="0" cy="0"/>
+        </a:xfrm>
+      </p:grpSpPr>
+      <p:sp>
+        <p:nvSpPr>
+          <p:cNvPr id="2" name="Title 1"/>
+          <p:cNvSpPr>
+            <a:spLocks noGrp="1"/>
+          </p:cNvSpPr>
+          <p:nvPr>
+            <p:ph type="title"/>
+          </p:nvPr>
+        </p:nvSpPr>
+        <p:spPr/>
+        <p:txBody>
+          <a:bodyPr/>
+          <a:lstStyle/>
+          <a:p>
+            <a:pPr algn="ctr"/>
+            <a:r>
+              <a:rPr lang="en-US" dirty="0" smtClean="0"/>
+              <a:t>Segmentation</a:t>
+            </a:r>
+            <a:endParaRPr lang="en-US" dirty="0"/>
+          </a:p>
+        </p:txBody>
+      </p:sp>
+      <p:sp>
+        <p:nvSpPr>
+          <p:cNvPr id="3" name="Content Placeholder 2"/>
+          <p:cNvSpPr>
+            <a:spLocks noGrp="1"/>
+          </p:cNvSpPr>
+          <p:nvPr>
+            <p:ph sz="quarter" idx="1"/>
+          </p:nvPr>
+        </p:nvSpPr>
+        <p:spPr/>
+        <p:txBody>
+          <a:bodyPr/>
+          <a:lstStyle/>
+          <a:p>
+            <a:r>
+              <a:rPr lang="en-US" dirty="0"/>
+              <a:t>Given a time series T, produce the best representation using only </a:t>
+            </a:r>
+            <a:r>
+              <a:rPr lang="en-US" dirty="0" smtClean="0"/>
+              <a:t>K segments.</a:t>
+            </a:r>
+          </a:p>
+          <a:p>
+            <a:r>
+              <a:rPr lang="en-US" dirty="0"/>
+              <a:t>Given a time series T, produce the best representation such that the </a:t>
+            </a:r>
+            <a:r>
+              <a:rPr lang="en-US" dirty="0" smtClean="0"/>
+              <a:t>maximum error </a:t>
+            </a:r>
+            <a:r>
+              <a:rPr lang="en-US" dirty="0"/>
+              <a:t>for any segment does not exceed some user-specified </a:t>
+            </a:r>
+            <a:r>
+              <a:rPr lang="en-US" dirty="0" smtClean="0"/>
+              <a:t>threshold, max error.</a:t>
+            </a:r>
+          </a:p>
+          <a:p>
+            <a:r>
+              <a:rPr lang="en-US" dirty="0"/>
+              <a:t>Given a time series </a:t>
+            </a:r>
+            <a:r>
+              <a:rPr lang="en-US" i="1" dirty="0"/>
+              <a:t>T</a:t>
+            </a:r>
+            <a:r>
+              <a:rPr lang="en-US" dirty="0"/>
+              <a:t>, produce the best representation such that </a:t>
+            </a:r>
+            <a:r>
+              <a:rPr lang="en-US" dirty="0" smtClean="0"/>
+              <a:t>the combined </a:t>
+            </a:r>
+            <a:r>
+              <a:rPr lang="en-US" dirty="0"/>
+              <a:t>error of all segments is less than some user-specified </a:t>
+            </a:r>
+            <a:r>
+              <a:rPr lang="en-US" dirty="0" smtClean="0"/>
+              <a:t>threshold, total </a:t>
+            </a:r>
+            <a:r>
+              <a:rPr lang="en-US" dirty="0"/>
+              <a:t>max </a:t>
+            </a:r>
+            <a:r>
+              <a:rPr lang="en-US" dirty="0" smtClean="0"/>
+              <a:t>error.</a:t>
+            </a:r>
+            <a:endParaRPr lang="en-US" dirty="0"/>
+          </a:p>
+        </p:txBody>
+      </p:sp>
+    </p:spTree>
+    <p:extLst>
+      <p:ext uri="{BB962C8B-B14F-4D97-AF65-F5344CB8AC3E}">
+        <p14:creationId xmlns:p14="http://schemas.microsoft.com/office/powerpoint/2010/main" val="3258190786"/>
+      </p:ext>
+    </p:extLst>
+  </p:cSld>
+  <p:clrMapOvr>
+    <a:masterClrMapping/>
+  </p:clrMapOvr>
+  <p:timing>
+    <p:tnLst>
+      <p:par>
+        <p:cTn id="1" dur="indefinite" restart="never" nodeType="tmRoot"/>
+      </p:par>
+    </p:tnLst>
+  </p:timing>
+</p:sld>
+</file>
+
+<file path=ppt/slides/slide50.xml><?xml version="1.0" encoding="utf-8"?>
+<p:sld xmlns:a="http://schemas.openxmlformats.org/drawingml/2006/main" xmlns:r="http://schemas.openxmlformats.org/officeDocument/2006/relationships" xmlns:p="http://schemas.openxmlformats.org/presentationml/2006/main">
+  <p:cSld>
+    <p:spTree>
+      <p:nvGrpSpPr>
+        <p:cNvPr id="1" name=""/>
+        <p:cNvGrpSpPr/>
+        <p:nvPr/>
+      </p:nvGrpSpPr>
+      <p:grpSpPr>
+        <a:xfrm>
+          <a:off x="0" y="0"/>
+          <a:ext cx="0" cy="0"/>
+          <a:chOff x="0" y="0"/>
+          <a:chExt cx="0" cy="0"/>
+        </a:xfrm>
+      </p:grpSpPr>
+      <p:sp>
+        <p:nvSpPr>
+          <p:cNvPr id="2" name="标题 1"/>
+          <p:cNvSpPr>
+            <a:spLocks noGrp="1"/>
+          </p:cNvSpPr>
+          <p:nvPr>
+            <p:ph type="title"/>
+          </p:nvPr>
+        </p:nvSpPr>
+        <p:spPr/>
+        <p:txBody>
           <a:bodyPr/>
           <a:lstStyle/>
           <a:p>
@@ -32691,7 +33265,7 @@
 </p:sld>
 </file>
 
-<file path=ppt/slides/slide48.xml><?xml version="1.0" encoding="utf-8"?>
+<file path=ppt/slides/slide51.xml><?xml version="1.0" encoding="utf-8"?>
 <p:sld xmlns:a="http://schemas.openxmlformats.org/drawingml/2006/main" xmlns:r="http://schemas.openxmlformats.org/officeDocument/2006/relationships" xmlns:p="http://schemas.openxmlformats.org/presentationml/2006/main">
   <p:cSld>
     <p:spTree>
@@ -32911,7 +33485,7 @@
 </p:sld>
 </file>
 
-<file path=ppt/slides/slide49.xml><?xml version="1.0" encoding="utf-8"?>
+<file path=ppt/slides/slide52.xml><?xml version="1.0" encoding="utf-8"?>
 <p:sld xmlns:a="http://schemas.openxmlformats.org/drawingml/2006/main" xmlns:r="http://schemas.openxmlformats.org/officeDocument/2006/relationships" xmlns:p="http://schemas.openxmlformats.org/presentationml/2006/main">
   <p:cSld>
     <p:spTree>
@@ -33298,147 +33872,7 @@
 </p:sld>
 </file>
 
-<file path=ppt/slides/slide5.xml><?xml version="1.0" encoding="utf-8"?>
-<p:sld xmlns:a="http://schemas.openxmlformats.org/drawingml/2006/main" xmlns:r="http://schemas.openxmlformats.org/officeDocument/2006/relationships" xmlns:p="http://schemas.openxmlformats.org/presentationml/2006/main">
-  <p:cSld>
-    <p:spTree>
-      <p:nvGrpSpPr>
-        <p:cNvPr id="1" name=""/>
-        <p:cNvGrpSpPr/>
-        <p:nvPr/>
-      </p:nvGrpSpPr>
-      <p:grpSpPr>
-        <a:xfrm>
-          <a:off x="0" y="0"/>
-          <a:ext cx="0" cy="0"/>
-          <a:chOff x="0" y="0"/>
-          <a:chExt cx="0" cy="0"/>
-        </a:xfrm>
-      </p:grpSpPr>
-      <p:sp>
-        <p:nvSpPr>
-          <p:cNvPr id="2" name="Title 1"/>
-          <p:cNvSpPr>
-            <a:spLocks noGrp="1"/>
-          </p:cNvSpPr>
-          <p:nvPr>
-            <p:ph type="title"/>
-          </p:nvPr>
-        </p:nvSpPr>
-        <p:spPr/>
-        <p:txBody>
-          <a:bodyPr/>
-          <a:lstStyle/>
-          <a:p>
-            <a:pPr algn="ctr"/>
-            <a:r>
-              <a:rPr lang="en-US" dirty="0" smtClean="0"/>
-              <a:t>Segmentation</a:t>
-            </a:r>
-            <a:endParaRPr lang="en-US" dirty="0"/>
-          </a:p>
-        </p:txBody>
-      </p:sp>
-      <p:sp>
-        <p:nvSpPr>
-          <p:cNvPr id="3" name="Content Placeholder 2"/>
-          <p:cNvSpPr>
-            <a:spLocks noGrp="1"/>
-          </p:cNvSpPr>
-          <p:nvPr>
-            <p:ph sz="quarter" idx="1"/>
-          </p:nvPr>
-        </p:nvSpPr>
-        <p:spPr/>
-        <p:txBody>
-          <a:bodyPr/>
-          <a:lstStyle/>
-          <a:p>
-            <a:r>
-              <a:rPr lang="en-US" dirty="0"/>
-              <a:t>Given a time series T, produce the best representation using only </a:t>
-            </a:r>
-            <a:r>
-              <a:rPr lang="en-US" dirty="0" smtClean="0"/>
-              <a:t>K segments.</a:t>
-            </a:r>
-          </a:p>
-          <a:p>
-            <a:r>
-              <a:rPr lang="en-US" dirty="0"/>
-              <a:t>Given a time series T, produce the best representation such that the </a:t>
-            </a:r>
-            <a:r>
-              <a:rPr lang="en-US" dirty="0" smtClean="0"/>
-              <a:t>maximum error </a:t>
-            </a:r>
-            <a:r>
-              <a:rPr lang="en-US" dirty="0"/>
-              <a:t>for any segment does not exceed some user-specified </a:t>
-            </a:r>
-            <a:r>
-              <a:rPr lang="en-US" dirty="0" smtClean="0"/>
-              <a:t>threshold, max error.</a:t>
-            </a:r>
-          </a:p>
-          <a:p>
-            <a:r>
-              <a:rPr lang="en-US" dirty="0"/>
-              <a:t>Given a time series </a:t>
-            </a:r>
-            <a:r>
-              <a:rPr lang="en-US" i="1" dirty="0"/>
-              <a:t>T</a:t>
-            </a:r>
-            <a:r>
-              <a:rPr lang="en-US" dirty="0"/>
-              <a:t>, produce the best representation such that </a:t>
-            </a:r>
-            <a:r>
-              <a:rPr lang="en-US" dirty="0" smtClean="0"/>
-              <a:t>the combined </a:t>
-            </a:r>
-            <a:r>
-              <a:rPr lang="en-US" dirty="0"/>
-              <a:t>error of all segments is less than some user-specified </a:t>
-            </a:r>
-            <a:r>
-              <a:rPr lang="en-US" dirty="0" smtClean="0"/>
-              <a:t>threshold, total </a:t>
-            </a:r>
-            <a:r>
-              <a:rPr lang="en-US" dirty="0"/>
-              <a:t>max </a:t>
-            </a:r>
-            <a:r>
-              <a:rPr lang="en-US" dirty="0" smtClean="0"/>
-              <a:t>error.</a:t>
-            </a:r>
-            <a:endParaRPr lang="en-US" dirty="0"/>
-          </a:p>
-        </p:txBody>
-      </p:sp>
-    </p:spTree>
-    <p:extLst>
-      <p:ext uri="{BB962C8B-B14F-4D97-AF65-F5344CB8AC3E}">
-        <p14:creationId xmlns:p14="http://schemas.microsoft.com/office/powerpoint/2010/main" val="3258190786"/>
-      </p:ext>
-    </p:extLst>
-  </p:cSld>
-  <p:clrMapOvr>
-    <a:masterClrMapping/>
-  </p:clrMapOvr>
-  <p:timing>
-    <p:tnLst>
-      <p:par>
-        <p:cTn id="1" dur="indefinite" restart="never" nodeType="tmRoot"/>
-      </p:par>
-    </p:tnLst>
-  </p:timing>
-</p:sld>
-</file>
-
-<file path=ppt/slides/slide50.xml><?xml version="1.0" encoding="utf-8"?>
+<file path=ppt/slides/slide53.xml><?xml version="1.0" encoding="utf-8"?>
 <p:sld xmlns:a="http://schemas.openxmlformats.org/drawingml/2006/main" xmlns:r="http://schemas.openxmlformats.org/officeDocument/2006/relationships" xmlns:p="http://schemas.openxmlformats.org/presentationml/2006/main">
   <p:cSld>
     <p:spTree>
@@ -33879,7 +34313,7 @@
 </p:sld>
 </file>
 
-<file path=ppt/slides/slide51.xml><?xml version="1.0" encoding="utf-8"?>
+<file path=ppt/slides/slide54.xml><?xml version="1.0" encoding="utf-8"?>
 <p:sld xmlns:a="http://schemas.openxmlformats.org/drawingml/2006/main" xmlns:r="http://schemas.openxmlformats.org/officeDocument/2006/relationships" xmlns:p="http://schemas.openxmlformats.org/presentationml/2006/main">
   <p:cSld>
     <p:spTree>
@@ -34132,7 +34566,7 @@
 </p:sld>
 </file>
 
-<file path=ppt/slides/slide52.xml><?xml version="1.0" encoding="utf-8"?>
+<file path=ppt/slides/slide55.xml><?xml version="1.0" encoding="utf-8"?>
 <p:sld xmlns:a="http://schemas.openxmlformats.org/drawingml/2006/main" xmlns:r="http://schemas.openxmlformats.org/officeDocument/2006/relationships" xmlns:p="http://schemas.openxmlformats.org/presentationml/2006/main">
   <p:cSld>
     <p:spTree>
@@ -34375,670 +34809,6 @@
 </p:sld>
 </file>
 
-<file path=ppt/slides/slide53.xml><?xml version="1.0" encoding="utf-8"?>
-<p:sld xmlns:a="http://schemas.openxmlformats.org/drawingml/2006/main" xmlns:r="http://schemas.openxmlformats.org/officeDocument/2006/relationships" xmlns:p="http://schemas.openxmlformats.org/presentationml/2006/main">
-  <p:cSld>
-    <p:spTree>
-      <p:nvGrpSpPr>
-        <p:cNvPr id="1" name=""/>
-        <p:cNvGrpSpPr/>
-        <p:nvPr/>
-      </p:nvGrpSpPr>
-      <p:grpSpPr>
-        <a:xfrm>
-          <a:off x="0" y="0"/>
-          <a:ext cx="0" cy="0"/>
-          <a:chOff x="0" y="0"/>
-          <a:chExt cx="0" cy="0"/>
-        </a:xfrm>
-      </p:grpSpPr>
-      <p:sp>
-        <p:nvSpPr>
-          <p:cNvPr id="2" name="Title 1"/>
-          <p:cNvSpPr>
-            <a:spLocks noGrp="1"/>
-          </p:cNvSpPr>
-          <p:nvPr>
-            <p:ph type="title"/>
-          </p:nvPr>
-        </p:nvSpPr>
-        <p:spPr/>
-        <p:txBody>
-          <a:bodyPr/>
-          <a:lstStyle/>
-          <a:p>
-            <a:pPr algn="ctr"/>
-            <a:r>
-              <a:rPr lang="en-US" dirty="0" smtClean="0"/>
-              <a:t>Clustering</a:t>
-            </a:r>
-            <a:endParaRPr lang="en-US" dirty="0"/>
-          </a:p>
-        </p:txBody>
-      </p:sp>
-      <p:sp>
-        <p:nvSpPr>
-          <p:cNvPr id="3" name="Content Placeholder 2"/>
-          <p:cNvSpPr>
-            <a:spLocks noGrp="1"/>
-          </p:cNvSpPr>
-          <p:nvPr>
-            <p:ph sz="quarter" idx="1"/>
-          </p:nvPr>
-        </p:nvSpPr>
-        <p:spPr>
-          <a:xfrm>
-            <a:off x="632178" y="1443487"/>
-            <a:ext cx="10872434" cy="5147094"/>
-          </a:xfrm>
-        </p:spPr>
-        <p:txBody>
-          <a:bodyPr>
-            <a:normAutofit fontScale="77500" lnSpcReduction="20000"/>
-          </a:bodyPr>
-          <a:lstStyle/>
-          <a:p>
-            <a:r>
-              <a:rPr lang="en-US" dirty="0" smtClean="0"/>
-              <a:t>Find </a:t>
-            </a:r>
-            <a:r>
-              <a:rPr lang="en-US" dirty="0"/>
-              <a:t>natural groupings of the time series in database DB under some similarity/dissimilarity measure D(Q,C</a:t>
-            </a:r>
-            <a:r>
-              <a:rPr lang="en-US" dirty="0" smtClean="0"/>
-              <a:t>).</a:t>
-            </a:r>
-          </a:p>
-          <a:p>
-            <a:r>
-              <a:rPr lang="en-US" dirty="0"/>
-              <a:t>Three time series clustering approaches: </a:t>
-            </a:r>
-            <a:endParaRPr lang="en-US" dirty="0" smtClean="0"/>
-          </a:p>
-          <a:p>
-            <a:pPr lvl="1"/>
-            <a:r>
-              <a:rPr lang="en-US" dirty="0" smtClean="0"/>
-              <a:t>raw-data-based</a:t>
-            </a:r>
-            <a:endParaRPr lang="en-US" dirty="0"/>
-          </a:p>
-          <a:p>
-            <a:pPr lvl="1"/>
-            <a:r>
-              <a:rPr lang="en-US" dirty="0" smtClean="0"/>
-              <a:t>feature-based</a:t>
-            </a:r>
-            <a:endParaRPr lang="en-US" dirty="0"/>
-          </a:p>
-          <a:p>
-            <a:pPr lvl="1"/>
-            <a:r>
-              <a:rPr lang="en-US" dirty="0" smtClean="0"/>
-              <a:t>model-based</a:t>
-            </a:r>
-          </a:p>
-          <a:p>
-            <a:r>
-              <a:rPr lang="en-US" dirty="0" smtClean="0"/>
-              <a:t>General </a:t>
-            </a:r>
-            <a:r>
-              <a:rPr lang="en-US" dirty="0"/>
-              <a:t>c</a:t>
-            </a:r>
-            <a:r>
-              <a:rPr lang="en-US" dirty="0" smtClean="0"/>
-              <a:t>lustering methods</a:t>
-            </a:r>
-          </a:p>
-          <a:p>
-            <a:pPr lvl="1"/>
-            <a:r>
-              <a:rPr lang="en-US" dirty="0" smtClean="0"/>
-              <a:t>K-means, c-means</a:t>
-            </a:r>
-          </a:p>
-          <a:p>
-            <a:pPr lvl="1"/>
-            <a:r>
-              <a:rPr lang="en-US" dirty="0"/>
-              <a:t>H</a:t>
-            </a:r>
-            <a:r>
-              <a:rPr lang="en-US" dirty="0" smtClean="0"/>
-              <a:t>ierarchical clustering</a:t>
-            </a:r>
-          </a:p>
-          <a:p>
-            <a:pPr lvl="1"/>
-            <a:r>
-              <a:rPr lang="en-US" dirty="0" smtClean="0"/>
-              <a:t>Neural networks</a:t>
-            </a:r>
-          </a:p>
-          <a:p>
-            <a:r>
-              <a:rPr lang="en-US" dirty="0"/>
-              <a:t>Similarity/distance </a:t>
-            </a:r>
-            <a:r>
-              <a:rPr lang="en-US" dirty="0" smtClean="0"/>
-              <a:t>measures</a:t>
-            </a:r>
-          </a:p>
-          <a:p>
-            <a:pPr lvl="1"/>
-            <a:r>
-              <a:rPr lang="en-US" dirty="0" smtClean="0"/>
-              <a:t>L p distance</a:t>
-            </a:r>
-          </a:p>
-          <a:p>
-            <a:pPr lvl="1"/>
-            <a:r>
-              <a:rPr lang="en-US" dirty="0"/>
-              <a:t>Pearson’s </a:t>
-            </a:r>
-            <a:r>
-              <a:rPr lang="en-US" dirty="0" smtClean="0"/>
-              <a:t>correlation</a:t>
-            </a:r>
-          </a:p>
-          <a:p>
-            <a:pPr lvl="1"/>
-            <a:r>
-              <a:rPr lang="en-US" dirty="0"/>
-              <a:t>Short time series </a:t>
-            </a:r>
-            <a:r>
-              <a:rPr lang="en-US" dirty="0" smtClean="0"/>
-              <a:t>distance</a:t>
-            </a:r>
-          </a:p>
-          <a:p>
-            <a:pPr lvl="1"/>
-            <a:r>
-              <a:rPr lang="en-US" dirty="0"/>
-              <a:t>Dynamic time warping </a:t>
-            </a:r>
-            <a:r>
-              <a:rPr lang="en-US" dirty="0" smtClean="0"/>
-              <a:t>distance</a:t>
-            </a:r>
-          </a:p>
-          <a:p>
-            <a:pPr lvl="1"/>
-            <a:r>
-              <a:rPr lang="en-US" dirty="0" err="1"/>
-              <a:t>Kullback</a:t>
-            </a:r>
-            <a:r>
-              <a:rPr lang="en-US" dirty="0"/>
-              <a:t>–</a:t>
-            </a:r>
-            <a:r>
-              <a:rPr lang="en-US" dirty="0" err="1"/>
-              <a:t>Liebler</a:t>
-            </a:r>
-            <a:r>
-              <a:rPr lang="en-US" dirty="0"/>
-              <a:t> </a:t>
-            </a:r>
-            <a:r>
-              <a:rPr lang="en-US" dirty="0" smtClean="0"/>
-              <a:t>distance</a:t>
-            </a:r>
-          </a:p>
-          <a:p>
-            <a:pPr lvl="1"/>
-            <a:r>
-              <a:rPr lang="en-US" i="1" dirty="0"/>
-              <a:t>Probability-based </a:t>
-            </a:r>
-            <a:r>
-              <a:rPr lang="en-US" i="1" dirty="0" smtClean="0"/>
-              <a:t>distance</a:t>
-            </a:r>
-            <a:endParaRPr lang="en-US" dirty="0"/>
-          </a:p>
-          <a:p>
-            <a:pPr marL="0" indent="0">
-              <a:buNone/>
-            </a:pPr>
-            <a:endParaRPr lang="en-US" dirty="0"/>
-          </a:p>
-        </p:txBody>
-      </p:sp>
-    </p:spTree>
-    <p:extLst>
-      <p:ext uri="{BB962C8B-B14F-4D97-AF65-F5344CB8AC3E}">
-        <p14:creationId xmlns:p14="http://schemas.microsoft.com/office/powerpoint/2010/main" val="2821398363"/>
-      </p:ext>
-    </p:extLst>
-  </p:cSld>
-  <p:clrMapOvr>
-    <a:masterClrMapping/>
-  </p:clrMapOvr>
-  <p:timing>
-    <p:tnLst>
-      <p:par>
-        <p:cTn id="1" dur="indefinite" restart="never" nodeType="tmRoot"/>
-      </p:par>
-    </p:tnLst>
-  </p:timing>
-</p:sld>
-</file>
-
-<file path=ppt/slides/slide54.xml><?xml version="1.0" encoding="utf-8"?>
-<p:sld xmlns:a="http://schemas.openxmlformats.org/drawingml/2006/main" xmlns:r="http://schemas.openxmlformats.org/officeDocument/2006/relationships" xmlns:p="http://schemas.openxmlformats.org/presentationml/2006/main">
-  <p:cSld>
-    <p:spTree>
-      <p:nvGrpSpPr>
-        <p:cNvPr id="1" name=""/>
-        <p:cNvGrpSpPr/>
-        <p:nvPr/>
-      </p:nvGrpSpPr>
-      <p:grpSpPr>
-        <a:xfrm>
-          <a:off x="0" y="0"/>
-          <a:ext cx="0" cy="0"/>
-          <a:chOff x="0" y="0"/>
-          <a:chExt cx="0" cy="0"/>
-        </a:xfrm>
-      </p:grpSpPr>
-      <p:sp>
-        <p:nvSpPr>
-          <p:cNvPr id="2" name="Title 1"/>
-          <p:cNvSpPr>
-            <a:spLocks noGrp="1"/>
-          </p:cNvSpPr>
-          <p:nvPr>
-            <p:ph type="title"/>
-          </p:nvPr>
-        </p:nvSpPr>
-        <p:spPr/>
-        <p:txBody>
-          <a:bodyPr/>
-          <a:lstStyle/>
-          <a:p>
-            <a:pPr algn="ctr"/>
-            <a:r>
-              <a:rPr lang="en-US" dirty="0" smtClean="0"/>
-              <a:t>Clustering</a:t>
-            </a:r>
-            <a:endParaRPr lang="en-US" dirty="0"/>
-          </a:p>
-        </p:txBody>
-      </p:sp>
-      <p:sp>
-        <p:nvSpPr>
-          <p:cNvPr id="3" name="Content Placeholder 2"/>
-          <p:cNvSpPr>
-            <a:spLocks noGrp="1"/>
-          </p:cNvSpPr>
-          <p:nvPr>
-            <p:ph sz="quarter" idx="1"/>
-          </p:nvPr>
-        </p:nvSpPr>
-        <p:spPr>
-          <a:xfrm>
-            <a:off x="632178" y="1443487"/>
-            <a:ext cx="10872434" cy="5147094"/>
-          </a:xfrm>
-        </p:spPr>
-        <p:txBody>
-          <a:bodyPr>
-            <a:normAutofit fontScale="77500" lnSpcReduction="20000"/>
-          </a:bodyPr>
-          <a:lstStyle/>
-          <a:p>
-            <a:r>
-              <a:rPr lang="en-US" dirty="0" smtClean="0"/>
-              <a:t>Find </a:t>
-            </a:r>
-            <a:r>
-              <a:rPr lang="en-US" dirty="0"/>
-              <a:t>natural groupings of the time series in database DB under some similarity/dissimilarity measure D(Q,C</a:t>
-            </a:r>
-            <a:r>
-              <a:rPr lang="en-US" dirty="0" smtClean="0"/>
-              <a:t>).</a:t>
-            </a:r>
-          </a:p>
-          <a:p>
-            <a:r>
-              <a:rPr lang="en-US" dirty="0"/>
-              <a:t>Three time series clustering approaches: </a:t>
-            </a:r>
-            <a:endParaRPr lang="en-US" dirty="0" smtClean="0"/>
-          </a:p>
-          <a:p>
-            <a:pPr lvl="1"/>
-            <a:r>
-              <a:rPr lang="en-US" dirty="0" smtClean="0"/>
-              <a:t>raw-data-based</a:t>
-            </a:r>
-            <a:endParaRPr lang="en-US" dirty="0"/>
-          </a:p>
-          <a:p>
-            <a:pPr lvl="1"/>
-            <a:r>
-              <a:rPr lang="en-US" dirty="0" smtClean="0"/>
-              <a:t>feature-based</a:t>
-            </a:r>
-            <a:endParaRPr lang="en-US" dirty="0"/>
-          </a:p>
-          <a:p>
-            <a:pPr lvl="1"/>
-            <a:r>
-              <a:rPr lang="en-US" dirty="0" smtClean="0"/>
-              <a:t>model-based</a:t>
-            </a:r>
-          </a:p>
-          <a:p>
-            <a:r>
-              <a:rPr lang="en-US" dirty="0" smtClean="0"/>
-              <a:t>General </a:t>
-            </a:r>
-            <a:r>
-              <a:rPr lang="en-US" dirty="0"/>
-              <a:t>c</a:t>
-            </a:r>
-            <a:r>
-              <a:rPr lang="en-US" dirty="0" smtClean="0"/>
-              <a:t>lustering methods</a:t>
-            </a:r>
-          </a:p>
-          <a:p>
-            <a:pPr lvl="1"/>
-            <a:r>
-              <a:rPr lang="en-US" dirty="0" smtClean="0"/>
-              <a:t>K-means, c-means</a:t>
-            </a:r>
-          </a:p>
-          <a:p>
-            <a:pPr lvl="1"/>
-            <a:r>
-              <a:rPr lang="en-US" dirty="0"/>
-              <a:t>H</a:t>
-            </a:r>
-            <a:r>
-              <a:rPr lang="en-US" dirty="0" smtClean="0"/>
-              <a:t>ierarchical clustering</a:t>
-            </a:r>
-          </a:p>
-          <a:p>
-            <a:pPr lvl="1"/>
-            <a:r>
-              <a:rPr lang="en-US" dirty="0" smtClean="0"/>
-              <a:t>Neural networks</a:t>
-            </a:r>
-          </a:p>
-          <a:p>
-            <a:r>
-              <a:rPr lang="en-US" dirty="0"/>
-              <a:t>Similarity/distance </a:t>
-            </a:r>
-            <a:r>
-              <a:rPr lang="en-US" dirty="0" smtClean="0"/>
-              <a:t>measures</a:t>
-            </a:r>
-          </a:p>
-          <a:p>
-            <a:pPr lvl="1"/>
-            <a:r>
-              <a:rPr lang="en-US" dirty="0" smtClean="0"/>
-              <a:t>L p distance</a:t>
-            </a:r>
-          </a:p>
-          <a:p>
-            <a:pPr lvl="1"/>
-            <a:r>
-              <a:rPr lang="en-US" dirty="0"/>
-              <a:t>Pearson’s </a:t>
-            </a:r>
-            <a:r>
-              <a:rPr lang="en-US" dirty="0" smtClean="0"/>
-              <a:t>correlation</a:t>
-            </a:r>
-          </a:p>
-          <a:p>
-            <a:pPr lvl="1"/>
-            <a:r>
-              <a:rPr lang="en-US" dirty="0"/>
-              <a:t>Short time series </a:t>
-            </a:r>
-            <a:r>
-              <a:rPr lang="en-US" dirty="0" smtClean="0"/>
-              <a:t>distance</a:t>
-            </a:r>
-          </a:p>
-          <a:p>
-            <a:pPr lvl="1"/>
-            <a:r>
-              <a:rPr lang="en-US" dirty="0"/>
-              <a:t>Dynamic time warping </a:t>
-            </a:r>
-            <a:r>
-              <a:rPr lang="en-US" dirty="0" smtClean="0"/>
-              <a:t>distance</a:t>
-            </a:r>
-          </a:p>
-          <a:p>
-            <a:pPr lvl="1"/>
-            <a:r>
-              <a:rPr lang="en-US" dirty="0" err="1"/>
-              <a:t>Kullback</a:t>
-            </a:r>
-            <a:r>
-              <a:rPr lang="en-US" dirty="0"/>
-              <a:t>–</a:t>
-            </a:r>
-            <a:r>
-              <a:rPr lang="en-US" dirty="0" err="1"/>
-              <a:t>Liebler</a:t>
-            </a:r>
-            <a:r>
-              <a:rPr lang="en-US" dirty="0"/>
-              <a:t> </a:t>
-            </a:r>
-            <a:r>
-              <a:rPr lang="en-US" dirty="0" smtClean="0"/>
-              <a:t>distance</a:t>
-            </a:r>
-          </a:p>
-          <a:p>
-            <a:pPr lvl="1"/>
-            <a:r>
-              <a:rPr lang="en-US" i="1" dirty="0"/>
-              <a:t>Probability-based </a:t>
-            </a:r>
-            <a:r>
-              <a:rPr lang="en-US" i="1" dirty="0" smtClean="0"/>
-              <a:t>distance</a:t>
-            </a:r>
-            <a:endParaRPr lang="en-US" dirty="0"/>
-          </a:p>
-          <a:p>
-            <a:pPr marL="0" indent="0">
-              <a:buNone/>
-            </a:pPr>
-            <a:endParaRPr lang="en-US" dirty="0"/>
-          </a:p>
-        </p:txBody>
-      </p:sp>
-      <p:pic>
-        <p:nvPicPr>
-          <p:cNvPr id="4" name="Picture 3"/>
-          <p:cNvPicPr>
-            <a:picLocks noChangeAspect="1"/>
-          </p:cNvPicPr>
-          <p:nvPr/>
-        </p:nvPicPr>
-        <p:blipFill>
-          <a:blip r:embed="rId2"/>
-          <a:stretch>
-            <a:fillRect/>
-          </a:stretch>
-        </p:blipFill>
-        <p:spPr>
-          <a:xfrm>
-            <a:off x="5226889" y="1762844"/>
-            <a:ext cx="6172200" cy="4629150"/>
-          </a:xfrm>
-          <a:prstGeom prst="rect">
-            <a:avLst/>
-          </a:prstGeom>
-        </p:spPr>
-      </p:pic>
-    </p:spTree>
-    <p:extLst>
-      <p:ext uri="{BB962C8B-B14F-4D97-AF65-F5344CB8AC3E}">
-        <p14:creationId xmlns:p14="http://schemas.microsoft.com/office/powerpoint/2010/main" val="1520328431"/>
-      </p:ext>
-    </p:extLst>
-  </p:cSld>
-  <p:clrMapOvr>
-    <a:masterClrMapping/>
-  </p:clrMapOvr>
-  <p:timing>
-    <p:tnLst>
-      <p:par>
-        <p:cTn id="1" dur="indefinite" restart="never" nodeType="tmRoot"/>
-      </p:par>
-    </p:tnLst>
-  </p:timing>
-</p:sld>
-</file>
-
-<file path=ppt/slides/slide55.xml><?xml version="1.0" encoding="utf-8"?>
-<p:sld xmlns:a="http://schemas.openxmlformats.org/drawingml/2006/main" xmlns:r="http://schemas.openxmlformats.org/officeDocument/2006/relationships" xmlns:p="http://schemas.openxmlformats.org/presentationml/2006/main">
-  <p:cSld>
-    <p:spTree>
-      <p:nvGrpSpPr>
-        <p:cNvPr id="1" name=""/>
-        <p:cNvGrpSpPr/>
-        <p:nvPr/>
-      </p:nvGrpSpPr>
-      <p:grpSpPr>
-        <a:xfrm>
-          <a:off x="0" y="0"/>
-          <a:ext cx="0" cy="0"/>
-          <a:chOff x="0" y="0"/>
-          <a:chExt cx="0" cy="0"/>
-        </a:xfrm>
-      </p:grpSpPr>
-      <p:sp>
-        <p:nvSpPr>
-          <p:cNvPr id="2" name="Title 1"/>
-          <p:cNvSpPr>
-            <a:spLocks noGrp="1"/>
-          </p:cNvSpPr>
-          <p:nvPr>
-            <p:ph type="title"/>
-          </p:nvPr>
-        </p:nvSpPr>
-        <p:spPr/>
-        <p:txBody>
-          <a:bodyPr/>
-          <a:lstStyle/>
-          <a:p>
-            <a:pPr algn="ctr"/>
-            <a:r>
-              <a:rPr lang="en-US" dirty="0" smtClean="0"/>
-              <a:t>Classification</a:t>
-            </a:r>
-            <a:endParaRPr lang="en-US" dirty="0"/>
-          </a:p>
-        </p:txBody>
-      </p:sp>
-      <p:sp>
-        <p:nvSpPr>
-          <p:cNvPr id="3" name="Content Placeholder 2"/>
-          <p:cNvSpPr>
-            <a:spLocks noGrp="1"/>
-          </p:cNvSpPr>
-          <p:nvPr>
-            <p:ph sz="quarter" idx="1"/>
-          </p:nvPr>
-        </p:nvSpPr>
-        <p:spPr/>
-        <p:txBody>
-          <a:bodyPr/>
-          <a:lstStyle/>
-          <a:p>
-            <a:r>
-              <a:rPr lang="en-US" dirty="0"/>
-              <a:t>Given an unlabeled time series Q, assign it to one of two or more predefined </a:t>
-            </a:r>
-            <a:r>
-              <a:rPr lang="en-US" dirty="0" smtClean="0"/>
-              <a:t>classes</a:t>
-            </a:r>
-          </a:p>
-          <a:p>
-            <a:r>
-              <a:rPr lang="en-US" dirty="0"/>
-              <a:t>Three time series clustering approaches: </a:t>
-            </a:r>
-            <a:endParaRPr lang="en-US" dirty="0" smtClean="0"/>
-          </a:p>
-          <a:p>
-            <a:pPr lvl="1"/>
-            <a:r>
-              <a:rPr lang="en-US" dirty="0" smtClean="0"/>
-              <a:t>feature-based</a:t>
-            </a:r>
-            <a:endParaRPr lang="en-US" dirty="0"/>
-          </a:p>
-          <a:p>
-            <a:pPr lvl="1"/>
-            <a:r>
-              <a:rPr lang="en-US" dirty="0"/>
-              <a:t>sequence distance </a:t>
-            </a:r>
-            <a:r>
-              <a:rPr lang="en-US" dirty="0" smtClean="0"/>
-              <a:t>based</a:t>
-            </a:r>
-          </a:p>
-          <a:p>
-            <a:pPr lvl="1"/>
-            <a:r>
-              <a:rPr lang="en-US" dirty="0" smtClean="0"/>
-              <a:t>model-based</a:t>
-            </a:r>
-            <a:endParaRPr lang="en-US" dirty="0"/>
-          </a:p>
-          <a:p>
-            <a:endParaRPr lang="en-US" dirty="0"/>
-          </a:p>
-        </p:txBody>
-      </p:sp>
-    </p:spTree>
-    <p:extLst>
-      <p:ext uri="{BB962C8B-B14F-4D97-AF65-F5344CB8AC3E}">
-        <p14:creationId xmlns:p14="http://schemas.microsoft.com/office/powerpoint/2010/main" val="3935137876"/>
-      </p:ext>
-    </p:extLst>
-  </p:cSld>
-  <p:clrMapOvr>
-    <a:masterClrMapping/>
-  </p:clrMapOvr>
-  <p:timing>
-    <p:tnLst>
-      <p:par>
-        <p:cTn id="1" dur="indefinite" restart="never" nodeType="tmRoot"/>
-      </p:par>
-    </p:tnLst>
-  </p:timing>
-</p:sld>
-</file>
-
 <file path=ppt/slides/slide56.xml><?xml version="1.0" encoding="utf-8"?>
 <p:sld xmlns:a="http://schemas.openxmlformats.org/drawingml/2006/main" xmlns:r="http://schemas.openxmlformats.org/officeDocument/2006/relationships" xmlns:p="http://schemas.openxmlformats.org/presentationml/2006/main">
   <p:cSld>
@@ -35073,8 +34843,8 @@
           <a:p>
             <a:pPr algn="ctr"/>
             <a:r>
-              <a:rPr lang="en-US" altLang="zh-CN" dirty="0" smtClean="0"/>
-              <a:t>Feature Based Classification[7]</a:t>
+              <a:rPr lang="en-US" dirty="0" smtClean="0"/>
+              <a:t>Clustering</a:t>
             </a:r>
             <a:endParaRPr lang="en-US" dirty="0"/>
           </a:p>
@@ -35090,95 +34860,91 @@
             <p:ph sz="quarter" idx="1"/>
           </p:nvPr>
         </p:nvSpPr>
-        <p:spPr/>
+        <p:spPr>
+          <a:xfrm>
+            <a:off x="632178" y="1443487"/>
+            <a:ext cx="10872434" cy="5147094"/>
+          </a:xfrm>
+        </p:spPr>
         <p:txBody>
           <a:bodyPr>
-            <a:normAutofit/>
+            <a:normAutofit fontScale="77500" lnSpcReduction="20000"/>
           </a:bodyPr>
           <a:lstStyle/>
           <a:p>
             <a:r>
-              <a:rPr lang="en-US" altLang="zh-CN" dirty="0" smtClean="0"/>
-              <a:t>D</a:t>
-            </a:r>
-            <a:r>
               <a:rPr lang="en-US" dirty="0" smtClean="0"/>
-              <a:t>iscrete symbolic:</a:t>
-            </a:r>
+              <a:t>Find </a:t>
+            </a:r>
+            <a:r>
+              <a:rPr lang="en-US" dirty="0"/>
+              <a:t>natural groupings of the time series in database DB under some similarity/dissimilarity measure D(Q,C</a:t>
+            </a:r>
+            <a:r>
+              <a:rPr lang="en-US" dirty="0" smtClean="0"/>
+              <a:t>).</a:t>
+            </a:r>
+          </a:p>
+          <a:p>
+            <a:r>
+              <a:rPr lang="en-US" dirty="0"/>
+              <a:t>Three time series clustering approaches: </a:t>
+            </a:r>
+            <a:endParaRPr lang="en-US" dirty="0" smtClean="0"/>
           </a:p>
           <a:p>
             <a:pPr lvl="1"/>
             <a:r>
+              <a:rPr lang="en-US" dirty="0" smtClean="0"/>
+              <a:t>raw-data-based</a:t>
+            </a:r>
+            <a:endParaRPr lang="en-US" dirty="0"/>
+          </a:p>
+          <a:p>
+            <a:pPr lvl="1"/>
+            <a:r>
+              <a:rPr lang="en-US" dirty="0" smtClean="0"/>
+              <a:t>feature-based</a:t>
+            </a:r>
+            <a:endParaRPr lang="en-US" dirty="0"/>
+          </a:p>
+          <a:p>
+            <a:pPr lvl="1"/>
+            <a:r>
+              <a:rPr lang="en-US" dirty="0" smtClean="0"/>
+              <a:t>model-based</a:t>
+            </a:r>
+          </a:p>
+          <a:p>
+            <a:r>
+              <a:rPr lang="en-US" dirty="0" smtClean="0"/>
+              <a:t>General </a:t>
+            </a:r>
+            <a:r>
               <a:rPr lang="en-US" dirty="0"/>
-              <a:t>k-gram based </a:t>
-            </a:r>
-            <a:endParaRPr lang="en-US" dirty="0" smtClean="0"/>
+              <a:t>c</a:t>
+            </a:r>
+            <a:r>
+              <a:rPr lang="en-US" dirty="0" smtClean="0"/>
+              <a:t>lustering methods</a:t>
+            </a:r>
           </a:p>
           <a:p>
             <a:pPr lvl="1"/>
             <a:r>
               <a:rPr lang="en-US" dirty="0" smtClean="0"/>
-              <a:t>pattern-based (define pattern criterion)</a:t>
+              <a:t>K-means, c-means</a:t>
             </a:r>
           </a:p>
           <a:p>
             <a:pPr lvl="1"/>
             <a:r>
               <a:rPr lang="en-US" dirty="0"/>
-              <a:t>feature </a:t>
+              <a:t>H</a:t>
             </a:r>
             <a:r>
               <a:rPr lang="en-US" dirty="0" smtClean="0"/>
-              <a:t>mining </a:t>
-            </a:r>
-          </a:p>
-          <a:p>
-            <a:r>
-              <a:rPr lang="en-US" dirty="0" smtClean="0"/>
-              <a:t>Real value:</a:t>
-            </a:r>
-          </a:p>
-          <a:p>
-            <a:pPr lvl="1"/>
-            <a:r>
-              <a:rPr lang="en-US" dirty="0"/>
-              <a:t>Time series </a:t>
-            </a:r>
-            <a:r>
-              <a:rPr lang="en-US" dirty="0" err="1" smtClean="0"/>
-              <a:t>shapelets</a:t>
-            </a:r>
-            <a:endParaRPr lang="en-US" dirty="0" smtClean="0"/>
-          </a:p>
-          <a:p>
-            <a:pPr lvl="1"/>
-            <a:r>
-              <a:rPr lang="en-US" dirty="0"/>
-              <a:t>wavelet </a:t>
-            </a:r>
-            <a:r>
-              <a:rPr lang="en-US" dirty="0" smtClean="0"/>
-              <a:t>decomposition</a:t>
-            </a:r>
-          </a:p>
-          <a:p>
-            <a:r>
-              <a:rPr lang="en-US" dirty="0" smtClean="0"/>
-              <a:t>Classifier:</a:t>
-            </a:r>
-          </a:p>
-          <a:p>
-            <a:pPr lvl="1"/>
-            <a:r>
-              <a:rPr lang="en-US" dirty="0" smtClean="0"/>
-              <a:t>Naive Bayes</a:t>
-            </a:r>
-          </a:p>
-          <a:p>
-            <a:pPr lvl="1"/>
-            <a:r>
-              <a:rPr lang="en-US" dirty="0" smtClean="0"/>
-              <a:t>SVM</a:t>
+              <a:t>ierarchical clustering</a:t>
             </a:r>
           </a:p>
           <a:p>
@@ -35189,6 +34955,94 @@
             </a:r>
           </a:p>
           <a:p>
+            <a:r>
+              <a:rPr lang="en-US" dirty="0"/>
+              <a:t>Similarity/distance </a:t>
+            </a:r>
+            <a:r>
+              <a:rPr lang="en-US" dirty="0" smtClean="0"/>
+              <a:t>measures</a:t>
+            </a:r>
+          </a:p>
+          <a:p>
+            <a:pPr lvl="1"/>
+            <a:r>
+              <a:rPr lang="en-US" dirty="0" smtClean="0"/>
+              <a:t>L p distance</a:t>
+            </a:r>
+          </a:p>
+          <a:p>
+            <a:pPr lvl="1"/>
+            <a:r>
+              <a:rPr lang="en-US" dirty="0"/>
+              <a:t>Pearson’s </a:t>
+            </a:r>
+            <a:r>
+              <a:rPr lang="en-US" dirty="0" smtClean="0"/>
+              <a:t>correlation</a:t>
+            </a:r>
+          </a:p>
+          <a:p>
+            <a:pPr lvl="1"/>
+            <a:r>
+              <a:rPr lang="en-US" dirty="0"/>
+              <a:t>Short time series </a:t>
+            </a:r>
+            <a:r>
+              <a:rPr lang="en-US" dirty="0" smtClean="0"/>
+              <a:t>distance</a:t>
+            </a:r>
+          </a:p>
+          <a:p>
+            <a:pPr lvl="1"/>
+            <a:r>
+              <a:rPr lang="en-US" dirty="0"/>
+              <a:t>Dynamic time warping </a:t>
+            </a:r>
+            <a:r>
+              <a:rPr lang="en-US" dirty="0" smtClean="0"/>
+              <a:t>distance</a:t>
+            </a:r>
+          </a:p>
+          <a:p>
+            <a:pPr lvl="1"/>
+            <a:r>
+              <a:rPr lang="en-US" dirty="0" err="1"/>
+              <a:t>Kullback</a:t>
+            </a:r>
+            <a:r>
+              <a:rPr lang="en-US" dirty="0"/>
+              <a:t>–</a:t>
+            </a:r>
+            <a:r>
+              <a:rPr lang="en-US" dirty="0" err="1"/>
+              <a:t>Liebler</a:t>
+            </a:r>
+            <a:r>
+              <a:rPr lang="en-US" dirty="0"/>
+              <a:t> </a:t>
+            </a:r>
+            <a:r>
+              <a:rPr lang="en-US" dirty="0" smtClean="0"/>
+              <a:t>distance</a:t>
+            </a:r>
+          </a:p>
+          <a:p>
+            <a:pPr lvl="1"/>
+            <a:r>
+              <a:rPr lang="en-US" i="1" dirty="0"/>
+              <a:t>Probability-based </a:t>
+            </a:r>
+            <a:r>
+              <a:rPr lang="en-US" i="1" dirty="0" smtClean="0"/>
+              <a:t>distance</a:t>
+            </a:r>
+            <a:endParaRPr lang="en-US" dirty="0"/>
+          </a:p>
+          <a:p>
+            <a:pPr marL="0" indent="0">
+              <a:buNone/>
+            </a:pPr>
             <a:endParaRPr lang="en-US" dirty="0"/>
           </a:p>
         </p:txBody>
@@ -35196,7 +35050,7 @@
     </p:spTree>
     <p:extLst>
       <p:ext uri="{BB962C8B-B14F-4D97-AF65-F5344CB8AC3E}">
-        <p14:creationId xmlns:p14="http://schemas.microsoft.com/office/powerpoint/2010/main" val="3743611352"/>
+        <p14:creationId xmlns:p14="http://schemas.microsoft.com/office/powerpoint/2010/main" val="2821398363"/>
       </p:ext>
     </p:extLst>
   </p:cSld>
@@ -35247,9 +35101,10 @@
           <a:p>
             <a:pPr algn="ctr"/>
             <a:r>
-              <a:rPr lang="en-US" dirty="0"/>
-              <a:t>Sequence Distance Based Classification</a:t>
-            </a:r>
+              <a:rPr lang="en-US" dirty="0" smtClean="0"/>
+              <a:t>Clustering</a:t>
+            </a:r>
+            <a:endParaRPr lang="en-US" dirty="0"/>
           </a:p>
         </p:txBody>
       </p:sp>
@@ -35263,21 +35118,133 @@
             <p:ph sz="quarter" idx="1"/>
           </p:nvPr>
         </p:nvSpPr>
-        <p:spPr/>
+        <p:spPr>
+          <a:xfrm>
+            <a:off x="632178" y="1443487"/>
+            <a:ext cx="10872434" cy="5147094"/>
+          </a:xfrm>
+        </p:spPr>
         <p:txBody>
-          <a:bodyPr/>
+          <a:bodyPr>
+            <a:normAutofit fontScale="77500" lnSpcReduction="20000"/>
+          </a:bodyPr>
           <a:lstStyle/>
           <a:p>
             <a:r>
               <a:rPr lang="en-US" dirty="0" smtClean="0"/>
-              <a:t>Similarity measure</a:t>
-            </a:r>
+              <a:t>Find </a:t>
+            </a:r>
+            <a:r>
+              <a:rPr lang="en-US" dirty="0"/>
+              <a:t>natural groupings of the time series in database DB under some similarity/dissimilarity measure D(Q,C</a:t>
+            </a:r>
+            <a:r>
+              <a:rPr lang="en-US" dirty="0" smtClean="0"/>
+              <a:t>).</a:t>
+            </a:r>
+          </a:p>
+          <a:p>
+            <a:r>
+              <a:rPr lang="en-US" dirty="0"/>
+              <a:t>Three time series clustering approaches: </a:t>
+            </a:r>
+            <a:endParaRPr lang="en-US" dirty="0" smtClean="0"/>
           </a:p>
           <a:p>
             <a:pPr lvl="1"/>
             <a:r>
+              <a:rPr lang="en-US" dirty="0" smtClean="0"/>
+              <a:t>raw-data-based</a:t>
+            </a:r>
+            <a:endParaRPr lang="en-US" dirty="0"/>
+          </a:p>
+          <a:p>
+            <a:pPr lvl="1"/>
+            <a:r>
+              <a:rPr lang="en-US" dirty="0" smtClean="0"/>
+              <a:t>feature-based</a:t>
+            </a:r>
+            <a:endParaRPr lang="en-US" dirty="0"/>
+          </a:p>
+          <a:p>
+            <a:pPr lvl="1"/>
+            <a:r>
+              <a:rPr lang="en-US" dirty="0" smtClean="0"/>
+              <a:t>model-based</a:t>
+            </a:r>
+          </a:p>
+          <a:p>
+            <a:r>
+              <a:rPr lang="en-US" dirty="0" smtClean="0"/>
+              <a:t>General </a:t>
+            </a:r>
+            <a:r>
               <a:rPr lang="en-US" dirty="0"/>
-              <a:t>Euclidean </a:t>
+              <a:t>c</a:t>
+            </a:r>
+            <a:r>
+              <a:rPr lang="en-US" dirty="0" smtClean="0"/>
+              <a:t>lustering methods</a:t>
+            </a:r>
+          </a:p>
+          <a:p>
+            <a:pPr lvl="1"/>
+            <a:r>
+              <a:rPr lang="en-US" dirty="0" smtClean="0"/>
+              <a:t>K-means, c-means</a:t>
+            </a:r>
+          </a:p>
+          <a:p>
+            <a:pPr lvl="1"/>
+            <a:r>
+              <a:rPr lang="en-US" dirty="0"/>
+              <a:t>H</a:t>
+            </a:r>
+            <a:r>
+              <a:rPr lang="en-US" dirty="0" smtClean="0"/>
+              <a:t>ierarchical clustering</a:t>
+            </a:r>
+          </a:p>
+          <a:p>
+            <a:pPr lvl="1"/>
+            <a:r>
+              <a:rPr lang="en-US" dirty="0" smtClean="0"/>
+              <a:t>Neural networks</a:t>
+            </a:r>
+          </a:p>
+          <a:p>
+            <a:r>
+              <a:rPr lang="en-US" dirty="0"/>
+              <a:t>Similarity/distance </a:t>
+            </a:r>
+            <a:r>
+              <a:rPr lang="en-US" dirty="0" smtClean="0"/>
+              <a:t>measures</a:t>
+            </a:r>
+          </a:p>
+          <a:p>
+            <a:pPr lvl="1"/>
+            <a:r>
+              <a:rPr lang="en-US" dirty="0" smtClean="0"/>
+              <a:t>L p distance</a:t>
+            </a:r>
+          </a:p>
+          <a:p>
+            <a:pPr lvl="1"/>
+            <a:r>
+              <a:rPr lang="en-US" dirty="0"/>
+              <a:t>Pearson’s </a:t>
+            </a:r>
+            <a:r>
+              <a:rPr lang="en-US" dirty="0" smtClean="0"/>
+              <a:t>correlation</a:t>
+            </a:r>
+          </a:p>
+          <a:p>
+            <a:pPr lvl="1"/>
+            <a:r>
+              <a:rPr lang="en-US" dirty="0"/>
+              <a:t>Short time series </a:t>
             </a:r>
             <a:r>
               <a:rPr lang="en-US" dirty="0" smtClean="0"/>
@@ -35287,86 +35254,85 @@
           <a:p>
             <a:pPr lvl="1"/>
             <a:r>
+              <a:rPr lang="en-US" dirty="0"/>
+              <a:t>Dynamic time warping </a:t>
+            </a:r>
+            <a:r>
               <a:rPr lang="en-US" dirty="0" smtClean="0"/>
-              <a:t>DTW/Fast DTW</a:t>
+              <a:t>distance</a:t>
             </a:r>
           </a:p>
           <a:p>
             <a:pPr lvl="1"/>
             <a:r>
+              <a:rPr lang="en-US" dirty="0" err="1"/>
+              <a:t>Kullback</a:t>
+            </a:r>
+            <a:r>
+              <a:rPr lang="en-US" dirty="0"/>
+              <a:t>–</a:t>
+            </a:r>
+            <a:r>
+              <a:rPr lang="en-US" dirty="0" err="1"/>
+              <a:t>Liebler</a:t>
+            </a:r>
+            <a:r>
+              <a:rPr lang="en-US" dirty="0"/>
+              <a:t> </a:t>
+            </a:r>
+            <a:r>
               <a:rPr lang="en-US" dirty="0" smtClean="0"/>
-              <a:t>Alignment </a:t>
-            </a:r>
-            <a:r>
-              <a:rPr lang="en-US" dirty="0"/>
-              <a:t>based </a:t>
-            </a:r>
-            <a:r>
-              <a:rPr lang="en-US" dirty="0" smtClean="0"/>
-              <a:t>distances for symbolic sequences</a:t>
-            </a:r>
-          </a:p>
-          <a:p>
-            <a:pPr lvl="2"/>
-            <a:r>
-              <a:rPr lang="en-US" dirty="0"/>
-              <a:t>Global alignment: </a:t>
-            </a:r>
-            <a:r>
-              <a:rPr lang="en-US" dirty="0" smtClean="0"/>
-              <a:t>Needleman-</a:t>
-            </a:r>
-            <a:r>
-              <a:rPr lang="en-US" dirty="0" err="1" smtClean="0"/>
-              <a:t>Wunsch</a:t>
-            </a:r>
-            <a:r>
-              <a:rPr lang="en-US" dirty="0" smtClean="0"/>
-              <a:t> Algorithm</a:t>
-            </a:r>
-          </a:p>
-          <a:p>
-            <a:pPr lvl="2"/>
-            <a:r>
-              <a:rPr lang="en-US" dirty="0"/>
-              <a:t>Local alignment: </a:t>
-            </a:r>
-            <a:r>
-              <a:rPr lang="en-US" dirty="0" smtClean="0"/>
-              <a:t>Smith-Waterman Algorithm, BLAST, BLAT</a:t>
-            </a:r>
-          </a:p>
-          <a:p>
-            <a:r>
-              <a:rPr lang="en-US" dirty="0" smtClean="0"/>
-              <a:t>Classifiers:</a:t>
+              <a:t>distance</a:t>
             </a:r>
           </a:p>
           <a:p>
             <a:pPr lvl="1"/>
             <a:r>
-              <a:rPr lang="en-US" dirty="0" smtClean="0"/>
-              <a:t>KNN</a:t>
-            </a:r>
-          </a:p>
-          <a:p>
-            <a:pPr lvl="1"/>
-            <a:r>
-              <a:rPr lang="en-US" dirty="0" smtClean="0"/>
-              <a:t>SVM with particular </a:t>
-            </a:r>
-            <a:r>
-              <a:rPr lang="en-US" dirty="0" err="1" smtClean="0"/>
-              <a:t>kenels</a:t>
-            </a:r>
+              <a:rPr lang="en-US" i="1" dirty="0"/>
+              <a:t>Probability-based </a:t>
+            </a:r>
+            <a:r>
+              <a:rPr lang="en-US" i="1" dirty="0" smtClean="0"/>
+              <a:t>distance</a:t>
+            </a:r>
+            <a:endParaRPr lang="en-US" dirty="0"/>
+          </a:p>
+          <a:p>
+            <a:pPr marL="0" indent="0">
+              <a:buNone/>
+            </a:pPr>
             <a:endParaRPr lang="en-US" dirty="0"/>
           </a:p>
         </p:txBody>
       </p:sp>
+      <p:pic>
+        <p:nvPicPr>
+          <p:cNvPr id="4" name="Picture 3"/>
+          <p:cNvPicPr>
+            <a:picLocks noChangeAspect="1"/>
+          </p:cNvPicPr>
+          <p:nvPr/>
+        </p:nvPicPr>
+        <p:blipFill>
+          <a:blip r:embed="rId2"/>
+          <a:stretch>
+            <a:fillRect/>
+          </a:stretch>
+        </p:blipFill>
+        <p:spPr>
+          <a:xfrm>
+            <a:off x="5226889" y="1762844"/>
+            <a:ext cx="6172200" cy="4629150"/>
+          </a:xfrm>
+          <a:prstGeom prst="rect">
+            <a:avLst/>
+          </a:prstGeom>
+        </p:spPr>
+      </p:pic>
     </p:spTree>
     <p:extLst>
       <p:ext uri="{BB962C8B-B14F-4D97-AF65-F5344CB8AC3E}">
-        <p14:creationId xmlns:p14="http://schemas.microsoft.com/office/powerpoint/2010/main" val="1646845806"/>
+        <p14:creationId xmlns:p14="http://schemas.microsoft.com/office/powerpoint/2010/main" val="1520328431"/>
       </p:ext>
     </p:extLst>
   </p:cSld>
@@ -35418,7 +35384,7 @@
             <a:pPr algn="ctr"/>
             <a:r>
               <a:rPr lang="en-US" dirty="0" smtClean="0"/>
-              <a:t>Model Based Classification</a:t>
+              <a:t>Classification</a:t>
             </a:r>
             <a:endParaRPr lang="en-US" dirty="0"/>
           </a:p>
@@ -35441,147 +35407,56 @@
           <a:p>
             <a:r>
               <a:rPr lang="en-US" dirty="0"/>
-              <a:t>Assumption: sequences in a class </a:t>
+              <a:t>Given an unlabeled time series Q, assign it to one of two or more predefined </a:t>
             </a:r>
             <a:r>
               <a:rPr lang="en-US" dirty="0" smtClean="0"/>
-              <a:t>are generated </a:t>
-            </a:r>
+              <a:t>classes</a:t>
+            </a:r>
+          </a:p>
+          <a:p>
             <a:r>
               <a:rPr lang="en-US" dirty="0"/>
-              <a:t>by an underlying model </a:t>
-            </a:r>
+              <a:t>Three time series clustering approaches: </a:t>
+            </a:r>
+            <a:endParaRPr lang="en-US" dirty="0" smtClean="0"/>
+          </a:p>
+          <a:p>
+            <a:pPr lvl="1"/>
             <a:r>
               <a:rPr lang="en-US" dirty="0" smtClean="0"/>
-              <a:t>M. Given </a:t>
-            </a:r>
+              <a:t>feature-based</a:t>
+            </a:r>
+            <a:endParaRPr lang="en-US" dirty="0"/>
+          </a:p>
+          <a:p>
+            <a:pPr lvl="1"/>
             <a:r>
               <a:rPr lang="en-US" dirty="0"/>
-              <a:t>a class of </a:t>
+              <a:t>sequence distance </a:t>
             </a:r>
             <a:r>
               <a:rPr lang="en-US" dirty="0" smtClean="0"/>
-              <a:t>sequences</a:t>
-            </a:r>
-            <a:r>
-              <a:rPr lang="en-US" dirty="0"/>
-              <a:t>, </a:t>
-            </a:r>
-            <a:r>
-              <a:rPr lang="en-US" i="1" dirty="0"/>
-              <a:t>M </a:t>
-            </a:r>
-            <a:r>
-              <a:rPr lang="en-US" dirty="0"/>
-              <a:t>models the probability distribution of the </a:t>
-            </a:r>
+              <a:t>based</a:t>
+            </a:r>
+          </a:p>
+          <a:p>
+            <a:pPr lvl="1"/>
             <a:r>
               <a:rPr lang="en-US" dirty="0" smtClean="0"/>
-              <a:t>sequences </a:t>
-            </a:r>
-            <a:r>
-              <a:rPr lang="en-US" dirty="0"/>
-              <a:t>in the </a:t>
-            </a:r>
-            <a:r>
-              <a:rPr lang="en-US" dirty="0" smtClean="0"/>
-              <a:t>class.</a:t>
-            </a:r>
-          </a:p>
-          <a:p>
-            <a:r>
-              <a:rPr lang="en-US" dirty="0" smtClean="0"/>
-              <a:t>General process</a:t>
-            </a:r>
-          </a:p>
-          <a:p>
-            <a:pPr lvl="1"/>
-            <a:r>
-              <a:rPr lang="en-US" dirty="0" smtClean="0"/>
-              <a:t>Training step: Learn parameters </a:t>
-            </a:r>
-            <a:r>
-              <a:rPr lang="en-US" dirty="0"/>
-              <a:t>for model M</a:t>
-            </a:r>
-          </a:p>
-          <a:p>
-            <a:pPr lvl="1"/>
-            <a:r>
-              <a:rPr lang="en-US" dirty="0" smtClean="0"/>
-              <a:t>classification step: Assign a </a:t>
-            </a:r>
-            <a:r>
-              <a:rPr lang="en-US" dirty="0"/>
-              <a:t>new </a:t>
-            </a:r>
-            <a:r>
-              <a:rPr lang="en-US" dirty="0" smtClean="0"/>
-              <a:t>sequence to the </a:t>
-            </a:r>
-            <a:r>
-              <a:rPr lang="en-US" dirty="0"/>
-              <a:t>class with the highest </a:t>
-            </a:r>
-            <a:r>
-              <a:rPr lang="en-US" dirty="0" smtClean="0"/>
-              <a:t>likelihood</a:t>
-            </a:r>
-            <a:r>
-              <a:rPr lang="en-US" dirty="0"/>
-              <a:t>.</a:t>
-            </a:r>
-            <a:endParaRPr lang="en-US" dirty="0" smtClean="0"/>
-          </a:p>
-          <a:p>
-            <a:r>
-              <a:rPr lang="en-US" dirty="0" smtClean="0"/>
-              <a:t>Generative models:</a:t>
-            </a:r>
-          </a:p>
-          <a:p>
-            <a:pPr lvl="1"/>
-            <a:r>
-              <a:rPr lang="en-US" dirty="0"/>
-              <a:t>Naive </a:t>
-            </a:r>
-            <a:r>
-              <a:rPr lang="en-US" dirty="0" smtClean="0"/>
-              <a:t>Bayes</a:t>
-            </a:r>
-          </a:p>
-          <a:p>
-            <a:pPr lvl="1"/>
-            <a:r>
-              <a:rPr lang="en-US" i="1" dirty="0"/>
-              <a:t>k</a:t>
-            </a:r>
-            <a:r>
-              <a:rPr lang="en-US" dirty="0"/>
-              <a:t>-order </a:t>
-            </a:r>
-            <a:r>
-              <a:rPr lang="en-US" dirty="0" smtClean="0"/>
-              <a:t>Markov</a:t>
-            </a:r>
-          </a:p>
-          <a:p>
-            <a:pPr lvl="1"/>
-            <a:r>
-              <a:rPr lang="en-US" dirty="0" smtClean="0"/>
-              <a:t>Profile </a:t>
-            </a:r>
-            <a:r>
-              <a:rPr lang="en-US" dirty="0"/>
-              <a:t>HMM</a:t>
-            </a:r>
+              <a:t>model-based</a:t>
+            </a:r>
+            <a:endParaRPr lang="en-US" dirty="0"/>
+          </a:p>
+          <a:p>
+            <a:endParaRPr lang="en-US" dirty="0"/>
           </a:p>
         </p:txBody>
       </p:sp>
     </p:spTree>
     <p:extLst>
       <p:ext uri="{BB962C8B-B14F-4D97-AF65-F5344CB8AC3E}">
-        <p14:creationId xmlns:p14="http://schemas.microsoft.com/office/powerpoint/2010/main" val="793041544"/>
+        <p14:creationId xmlns:p14="http://schemas.microsoft.com/office/powerpoint/2010/main" val="3935137876"/>
       </p:ext>
     </p:extLst>
   </p:cSld>
@@ -35617,7 +35492,7 @@
       </p:grpSpPr>
       <p:sp>
         <p:nvSpPr>
-          <p:cNvPr id="2" name="标题 1"/>
+          <p:cNvPr id="2" name="Title 1"/>
           <p:cNvSpPr>
             <a:spLocks noGrp="1"/>
           </p:cNvSpPr>
@@ -35633,15 +35508,15 @@
             <a:pPr algn="ctr"/>
             <a:r>
               <a:rPr lang="en-US" altLang="zh-CN" dirty="0" smtClean="0"/>
-              <a:t>References</a:t>
-            </a:r>
-            <a:endParaRPr lang="zh-CN" altLang="en-US" dirty="0"/>
+              <a:t>Feature Based Classification[7]</a:t>
+            </a:r>
+            <a:endParaRPr lang="en-US" dirty="0"/>
           </a:p>
         </p:txBody>
       </p:sp>
       <p:sp>
         <p:nvSpPr>
-          <p:cNvPr id="3" name="内容占位符 2"/>
+          <p:cNvPr id="3" name="Content Placeholder 2"/>
           <p:cNvSpPr>
             <a:spLocks noGrp="1"/>
           </p:cNvSpPr>
@@ -35652,239 +35527,110 @@
         <p:spPr/>
         <p:txBody>
           <a:bodyPr>
-            <a:normAutofit fontScale="85000" lnSpcReduction="20000"/>
+            <a:normAutofit/>
           </a:bodyPr>
           <a:lstStyle/>
           <a:p>
-            <a:pPr marL="0" indent="0">
-              <a:buNone/>
-            </a:pPr>
             <a:r>
               <a:rPr lang="en-US" altLang="zh-CN" dirty="0" smtClean="0"/>
-              <a:t>[1]Data Mining </a:t>
-            </a:r>
-            <a:r>
-              <a:rPr lang="en-US" altLang="zh-CN" dirty="0"/>
-              <a:t>in </a:t>
-            </a:r>
-            <a:r>
-              <a:rPr lang="en-US" altLang="zh-CN" dirty="0" smtClean="0"/>
-              <a:t>Time Series Data base, Mark Last</a:t>
-            </a:r>
-          </a:p>
-          <a:p>
-            <a:pPr marL="0" indent="0">
-              <a:buNone/>
-            </a:pPr>
-            <a:r>
-              <a:rPr lang="en-US" altLang="zh-CN" dirty="0" smtClean="0"/>
-              <a:t>[2]The Analysis of Time Series An Introduction, Chris Chatfield</a:t>
-            </a:r>
-          </a:p>
-          <a:p>
-            <a:pPr marL="0" indent="0">
-              <a:buNone/>
-            </a:pPr>
-            <a:r>
-              <a:rPr lang="en-US" altLang="zh-CN" dirty="0"/>
-              <a:t>[3] </a:t>
-            </a:r>
-            <a:r>
-              <a:rPr lang="en-US" altLang="zh-CN" dirty="0" smtClean="0"/>
-              <a:t>Time Series Data Mining: Identifying Temporal Patterns for Characterization and Prediction of Time Series Events</a:t>
-            </a:r>
-            <a:r>
-              <a:rPr lang="en-US" altLang="zh-CN" dirty="0"/>
-              <a:t>, Richard J. </a:t>
-            </a:r>
-            <a:r>
-              <a:rPr lang="en-US" altLang="zh-CN" dirty="0" err="1" smtClean="0"/>
-              <a:t>Povinelli</a:t>
-            </a:r>
-            <a:endParaRPr lang="en-US" altLang="zh-CN" dirty="0" smtClean="0"/>
-          </a:p>
-          <a:p>
-            <a:pPr marL="0" indent="0">
-              <a:buNone/>
-            </a:pPr>
-            <a:r>
-              <a:rPr lang="en-US" altLang="zh-CN" dirty="0" smtClean="0"/>
-              <a:t>[4]</a:t>
-            </a:r>
-            <a:r>
-              <a:rPr lang="en-US" altLang="zh-CN" dirty="0"/>
-              <a:t> </a:t>
-            </a:r>
-            <a:r>
-              <a:rPr lang="en-US" altLang="zh-CN" dirty="0" err="1"/>
-              <a:t>Papapetrou</a:t>
-            </a:r>
-            <a:r>
-              <a:rPr lang="en-US" altLang="zh-CN" dirty="0"/>
-              <a:t> P, </a:t>
-            </a:r>
-            <a:r>
-              <a:rPr lang="en-US" altLang="zh-CN" dirty="0" err="1"/>
-              <a:t>Athitsos</a:t>
-            </a:r>
-            <a:r>
-              <a:rPr lang="en-US" altLang="zh-CN" dirty="0"/>
-              <a:t> V, </a:t>
-            </a:r>
-            <a:r>
-              <a:rPr lang="en-US" altLang="zh-CN" dirty="0" err="1"/>
-              <a:t>Potamias</a:t>
-            </a:r>
-            <a:r>
-              <a:rPr lang="en-US" altLang="zh-CN" dirty="0"/>
-              <a:t> M, et al. Embedding-based subsequence matching in time-series databases[J]. ACM Transactions on Database Systems (TODS), 2011, 36(3): </a:t>
-            </a:r>
-            <a:r>
-              <a:rPr lang="en-US" altLang="zh-CN" dirty="0" smtClean="0"/>
-              <a:t>17</a:t>
-            </a:r>
-          </a:p>
-          <a:p>
-            <a:pPr marL="0" indent="0">
-              <a:buNone/>
-            </a:pPr>
-            <a:r>
-              <a:rPr lang="en-US" altLang="zh-CN" dirty="0" smtClean="0"/>
-              <a:t>[</a:t>
-            </a:r>
-            <a:r>
-              <a:rPr lang="en-US" altLang="zh-CN" dirty="0"/>
-              <a:t>5] </a:t>
-            </a:r>
-            <a:r>
-              <a:rPr lang="en-US" altLang="zh-CN" dirty="0" err="1"/>
-              <a:t>Lonardi</a:t>
-            </a:r>
-            <a:r>
-              <a:rPr lang="en-US" altLang="zh-CN" dirty="0"/>
-              <a:t> J L E K S, Patel P. Finding motifs in time series[C]//Proc. of the 2nd Workshop on Temporal Data Mining. 2002: 53-68</a:t>
-            </a:r>
-            <a:r>
-              <a:rPr lang="en-US" altLang="zh-CN" dirty="0" smtClean="0"/>
-              <a:t>.</a:t>
-            </a:r>
-          </a:p>
-          <a:p>
-            <a:pPr marL="0" indent="0">
-              <a:buNone/>
-            </a:pPr>
-            <a:r>
-              <a:rPr lang="en-US" altLang="zh-CN" dirty="0" smtClean="0"/>
-              <a:t>[6]</a:t>
-            </a:r>
-            <a:r>
-              <a:rPr lang="en-US" altLang="zh-CN" dirty="0"/>
-              <a:t> J. Ayres, J. </a:t>
-            </a:r>
-            <a:r>
-              <a:rPr lang="en-US" altLang="zh-CN" dirty="0" err="1"/>
-              <a:t>Flannick</a:t>
-            </a:r>
-            <a:r>
-              <a:rPr lang="en-US" altLang="zh-CN" dirty="0"/>
-              <a:t>, J. </a:t>
-            </a:r>
-            <a:r>
-              <a:rPr lang="en-US" altLang="zh-CN" dirty="0" err="1"/>
-              <a:t>Gehrke</a:t>
-            </a:r>
-            <a:r>
-              <a:rPr lang="en-US" altLang="zh-CN" dirty="0"/>
-              <a:t>, and T. </a:t>
-            </a:r>
-            <a:r>
-              <a:rPr lang="en-US" altLang="zh-CN" dirty="0" err="1"/>
-              <a:t>Yiu</a:t>
-            </a:r>
-            <a:r>
-              <a:rPr lang="en-US" altLang="zh-CN" dirty="0"/>
-              <a:t>, “Sequential pattern </a:t>
-            </a:r>
-            <a:r>
-              <a:rPr lang="en-US" altLang="zh-CN" dirty="0" smtClean="0"/>
-              <a:t>mining using </a:t>
-            </a:r>
-            <a:r>
-              <a:rPr lang="en-US" altLang="zh-CN" dirty="0"/>
-              <a:t>a bitmap representation,” in </a:t>
-            </a:r>
-            <a:r>
-              <a:rPr lang="en-US" altLang="zh-CN" i="1" dirty="0"/>
-              <a:t>KDD</a:t>
-            </a:r>
-            <a:r>
-              <a:rPr lang="en-US" altLang="zh-CN" dirty="0"/>
-              <a:t>, </a:t>
-            </a:r>
-            <a:r>
-              <a:rPr lang="en-US" altLang="zh-CN" dirty="0" smtClean="0"/>
-              <a:t>2002</a:t>
-            </a:r>
-          </a:p>
-          <a:p>
-            <a:pPr marL="0" indent="0">
-              <a:buNone/>
-            </a:pPr>
-            <a:r>
-              <a:rPr lang="en-US" altLang="zh-CN" dirty="0" smtClean="0"/>
-              <a:t>[7]</a:t>
-            </a:r>
-            <a:r>
-              <a:rPr lang="en-US" altLang="zh-CN" dirty="0"/>
-              <a:t> Xing Z, Pei J, Keogh E. A brief survey on sequence classification[J]. ACM SIGKDD Explorations Newsletter, 2010, 12(1): 40-48</a:t>
-            </a:r>
-            <a:r>
-              <a:rPr lang="en-US" altLang="zh-CN" dirty="0" smtClean="0"/>
-              <a:t>.</a:t>
-            </a:r>
-          </a:p>
-          <a:p>
-            <a:pPr marL="0" indent="0">
-              <a:buNone/>
-            </a:pPr>
-            <a:r>
-              <a:rPr lang="en-US" altLang="zh-CN" dirty="0" smtClean="0"/>
-              <a:t>[8]</a:t>
-            </a:r>
-            <a:r>
-              <a:rPr lang="en-US" altLang="zh-CN" dirty="0"/>
-              <a:t> </a:t>
-            </a:r>
-            <a:r>
-              <a:rPr lang="en-US" altLang="zh-CN" dirty="0" err="1"/>
-              <a:t>Mueen</a:t>
-            </a:r>
-            <a:r>
-              <a:rPr lang="en-US" altLang="zh-CN" dirty="0"/>
-              <a:t> A, </a:t>
-            </a:r>
-            <a:r>
-              <a:rPr lang="en-US" altLang="zh-CN" dirty="0" err="1"/>
-              <a:t>Nath</a:t>
-            </a:r>
-            <a:r>
-              <a:rPr lang="en-US" altLang="zh-CN" dirty="0"/>
-              <a:t> S, Liu J. Fast approximate correlation for massive time-series data[C]//Proceedings of the 2010 international conference on Management of data. ACM, 2010: 171-182.</a:t>
-            </a:r>
-            <a:endParaRPr lang="en-US" altLang="zh-CN" dirty="0" smtClean="0"/>
-          </a:p>
-          <a:p>
-            <a:pPr marL="0" indent="0">
-              <a:buNone/>
-            </a:pPr>
-            <a:endParaRPr lang="zh-CN" altLang="en-US" dirty="0"/>
+              <a:t>D</a:t>
+            </a:r>
+            <a:r>
+              <a:rPr lang="en-US" dirty="0" smtClean="0"/>
+              <a:t>iscrete symbolic:</a:t>
+            </a:r>
+          </a:p>
+          <a:p>
+            <a:pPr lvl="1"/>
+            <a:r>
+              <a:rPr lang="en-US" dirty="0"/>
+              <a:t>k-gram based </a:t>
+            </a:r>
+            <a:endParaRPr lang="en-US" dirty="0" smtClean="0"/>
+          </a:p>
+          <a:p>
+            <a:pPr lvl="1"/>
+            <a:r>
+              <a:rPr lang="en-US" dirty="0" smtClean="0"/>
+              <a:t>pattern-based (define pattern criterion)</a:t>
+            </a:r>
+          </a:p>
+          <a:p>
+            <a:pPr lvl="1"/>
+            <a:r>
+              <a:rPr lang="en-US" dirty="0"/>
+              <a:t>feature </a:t>
+            </a:r>
+            <a:r>
+              <a:rPr lang="en-US" dirty="0" smtClean="0"/>
+              <a:t>mining </a:t>
+            </a:r>
+          </a:p>
+          <a:p>
+            <a:r>
+              <a:rPr lang="en-US" dirty="0" smtClean="0"/>
+              <a:t>Real value:</a:t>
+            </a:r>
+          </a:p>
+          <a:p>
+            <a:pPr lvl="1"/>
+            <a:r>
+              <a:rPr lang="en-US" dirty="0"/>
+              <a:t>Time series </a:t>
+            </a:r>
+            <a:r>
+              <a:rPr lang="en-US" dirty="0" err="1" smtClean="0"/>
+              <a:t>shapelets</a:t>
+            </a:r>
+            <a:endParaRPr lang="en-US" dirty="0" smtClean="0"/>
+          </a:p>
+          <a:p>
+            <a:pPr lvl="1"/>
+            <a:r>
+              <a:rPr lang="en-US" dirty="0"/>
+              <a:t>wavelet </a:t>
+            </a:r>
+            <a:r>
+              <a:rPr lang="en-US" dirty="0" smtClean="0"/>
+              <a:t>decomposition</a:t>
+            </a:r>
+          </a:p>
+          <a:p>
+            <a:r>
+              <a:rPr lang="en-US" dirty="0" smtClean="0"/>
+              <a:t>Classifier:</a:t>
+            </a:r>
+          </a:p>
+          <a:p>
+            <a:pPr lvl="1"/>
+            <a:r>
+              <a:rPr lang="en-US" dirty="0" smtClean="0"/>
+              <a:t>Naive Bayes</a:t>
+            </a:r>
+          </a:p>
+          <a:p>
+            <a:pPr lvl="1"/>
+            <a:r>
+              <a:rPr lang="en-US" dirty="0" smtClean="0"/>
+              <a:t>SVM</a:t>
+            </a:r>
+          </a:p>
+          <a:p>
+            <a:pPr lvl="1"/>
+            <a:r>
+              <a:rPr lang="en-US" dirty="0" smtClean="0"/>
+              <a:t>Neural networks</a:t>
+            </a:r>
+          </a:p>
+          <a:p>
+            <a:endParaRPr lang="en-US" dirty="0"/>
           </a:p>
         </p:txBody>
       </p:sp>
     </p:spTree>
     <p:extLst>
       <p:ext uri="{BB962C8B-B14F-4D97-AF65-F5344CB8AC3E}">
-        <p14:creationId xmlns:p14="http://schemas.microsoft.com/office/powerpoint/2010/main" val="2719935556"/>
+        <p14:creationId xmlns:p14="http://schemas.microsoft.com/office/powerpoint/2010/main" val="3743611352"/>
       </p:ext>
     </p:extLst>
   </p:cSld>
@@ -36021,6 +35767,1078 @@
     <p:extLst>
       <p:ext uri="{BB962C8B-B14F-4D97-AF65-F5344CB8AC3E}">
         <p14:creationId xmlns:p14="http://schemas.microsoft.com/office/powerpoint/2010/main" val="596881805"/>
+      </p:ext>
+    </p:extLst>
+  </p:cSld>
+  <p:clrMapOvr>
+    <a:masterClrMapping/>
+  </p:clrMapOvr>
+  <p:timing>
+    <p:tnLst>
+      <p:par>
+        <p:cTn id="1" dur="indefinite" restart="never" nodeType="tmRoot"/>
+      </p:par>
+    </p:tnLst>
+  </p:timing>
+</p:sld>
+</file>
+
+<file path=ppt/slides/slide60.xml><?xml version="1.0" encoding="utf-8"?>
+<p:sld xmlns:a="http://schemas.openxmlformats.org/drawingml/2006/main" xmlns:r="http://schemas.openxmlformats.org/officeDocument/2006/relationships" xmlns:p="http://schemas.openxmlformats.org/presentationml/2006/main">
+  <p:cSld>
+    <p:spTree>
+      <p:nvGrpSpPr>
+        <p:cNvPr id="1" name=""/>
+        <p:cNvGrpSpPr/>
+        <p:nvPr/>
+      </p:nvGrpSpPr>
+      <p:grpSpPr>
+        <a:xfrm>
+          <a:off x="0" y="0"/>
+          <a:ext cx="0" cy="0"/>
+          <a:chOff x="0" y="0"/>
+          <a:chExt cx="0" cy="0"/>
+        </a:xfrm>
+      </p:grpSpPr>
+      <p:sp>
+        <p:nvSpPr>
+          <p:cNvPr id="2" name="Title 1"/>
+          <p:cNvSpPr>
+            <a:spLocks noGrp="1"/>
+          </p:cNvSpPr>
+          <p:nvPr>
+            <p:ph type="title"/>
+          </p:nvPr>
+        </p:nvSpPr>
+        <p:spPr/>
+        <p:txBody>
+          <a:bodyPr/>
+          <a:lstStyle/>
+          <a:p>
+            <a:pPr algn="ctr"/>
+            <a:r>
+              <a:rPr lang="en-US" dirty="0"/>
+              <a:t>Sequence Distance Based Classification</a:t>
+            </a:r>
+          </a:p>
+        </p:txBody>
+      </p:sp>
+      <p:sp>
+        <p:nvSpPr>
+          <p:cNvPr id="3" name="Content Placeholder 2"/>
+          <p:cNvSpPr>
+            <a:spLocks noGrp="1"/>
+          </p:cNvSpPr>
+          <p:nvPr>
+            <p:ph sz="quarter" idx="1"/>
+          </p:nvPr>
+        </p:nvSpPr>
+        <p:spPr/>
+        <p:txBody>
+          <a:bodyPr/>
+          <a:lstStyle/>
+          <a:p>
+            <a:r>
+              <a:rPr lang="en-US" dirty="0" smtClean="0"/>
+              <a:t>Similarity measure</a:t>
+            </a:r>
+          </a:p>
+          <a:p>
+            <a:pPr lvl="1"/>
+            <a:r>
+              <a:rPr lang="en-US" dirty="0"/>
+              <a:t>Euclidean </a:t>
+            </a:r>
+            <a:r>
+              <a:rPr lang="en-US" dirty="0" smtClean="0"/>
+              <a:t>distance</a:t>
+            </a:r>
+          </a:p>
+          <a:p>
+            <a:pPr lvl="1"/>
+            <a:r>
+              <a:rPr lang="en-US" dirty="0" smtClean="0"/>
+              <a:t>DTW/Fast DTW</a:t>
+            </a:r>
+          </a:p>
+          <a:p>
+            <a:pPr lvl="1"/>
+            <a:r>
+              <a:rPr lang="en-US" dirty="0" smtClean="0"/>
+              <a:t>Alignment </a:t>
+            </a:r>
+            <a:r>
+              <a:rPr lang="en-US" dirty="0"/>
+              <a:t>based </a:t>
+            </a:r>
+            <a:r>
+              <a:rPr lang="en-US" dirty="0" smtClean="0"/>
+              <a:t>distances for symbolic sequences</a:t>
+            </a:r>
+          </a:p>
+          <a:p>
+            <a:pPr lvl="2"/>
+            <a:r>
+              <a:rPr lang="en-US" dirty="0"/>
+              <a:t>Global alignment: </a:t>
+            </a:r>
+            <a:r>
+              <a:rPr lang="en-US" dirty="0" smtClean="0"/>
+              <a:t>Needleman-</a:t>
+            </a:r>
+            <a:r>
+              <a:rPr lang="en-US" dirty="0" err="1" smtClean="0"/>
+              <a:t>Wunsch</a:t>
+            </a:r>
+            <a:r>
+              <a:rPr lang="en-US" dirty="0" smtClean="0"/>
+              <a:t> Algorithm</a:t>
+            </a:r>
+          </a:p>
+          <a:p>
+            <a:pPr lvl="2"/>
+            <a:r>
+              <a:rPr lang="en-US" dirty="0"/>
+              <a:t>Local alignment: </a:t>
+            </a:r>
+            <a:r>
+              <a:rPr lang="en-US" dirty="0" smtClean="0"/>
+              <a:t>Smith-Waterman Algorithm, BLAST, BLAT</a:t>
+            </a:r>
+          </a:p>
+          <a:p>
+            <a:r>
+              <a:rPr lang="en-US" dirty="0" smtClean="0"/>
+              <a:t>Classifiers:</a:t>
+            </a:r>
+          </a:p>
+          <a:p>
+            <a:pPr lvl="1"/>
+            <a:r>
+              <a:rPr lang="en-US" dirty="0" smtClean="0"/>
+              <a:t>KNN</a:t>
+            </a:r>
+          </a:p>
+          <a:p>
+            <a:pPr lvl="1"/>
+            <a:r>
+              <a:rPr lang="en-US" dirty="0" smtClean="0"/>
+              <a:t>SVM with particular </a:t>
+            </a:r>
+            <a:r>
+              <a:rPr lang="en-US" dirty="0" err="1" smtClean="0"/>
+              <a:t>kenels</a:t>
+            </a:r>
+            <a:endParaRPr lang="en-US" dirty="0"/>
+          </a:p>
+        </p:txBody>
+      </p:sp>
+    </p:spTree>
+    <p:extLst>
+      <p:ext uri="{BB962C8B-B14F-4D97-AF65-F5344CB8AC3E}">
+        <p14:creationId xmlns:p14="http://schemas.microsoft.com/office/powerpoint/2010/main" val="1646845806"/>
+      </p:ext>
+    </p:extLst>
+  </p:cSld>
+  <p:clrMapOvr>
+    <a:masterClrMapping/>
+  </p:clrMapOvr>
+  <p:timing>
+    <p:tnLst>
+      <p:par>
+        <p:cTn id="1" dur="indefinite" restart="never" nodeType="tmRoot"/>
+      </p:par>
+    </p:tnLst>
+  </p:timing>
+</p:sld>
+</file>
+
+<file path=ppt/slides/slide61.xml><?xml version="1.0" encoding="utf-8"?>
+<p:sld xmlns:a="http://schemas.openxmlformats.org/drawingml/2006/main" xmlns:r="http://schemas.openxmlformats.org/officeDocument/2006/relationships" xmlns:p="http://schemas.openxmlformats.org/presentationml/2006/main">
+  <p:cSld>
+    <p:spTree>
+      <p:nvGrpSpPr>
+        <p:cNvPr id="1" name=""/>
+        <p:cNvGrpSpPr/>
+        <p:nvPr/>
+      </p:nvGrpSpPr>
+      <p:grpSpPr>
+        <a:xfrm>
+          <a:off x="0" y="0"/>
+          <a:ext cx="0" cy="0"/>
+          <a:chOff x="0" y="0"/>
+          <a:chExt cx="0" cy="0"/>
+        </a:xfrm>
+      </p:grpSpPr>
+      <p:sp>
+        <p:nvSpPr>
+          <p:cNvPr id="2" name="Title 1"/>
+          <p:cNvSpPr>
+            <a:spLocks noGrp="1"/>
+          </p:cNvSpPr>
+          <p:nvPr>
+            <p:ph type="title"/>
+          </p:nvPr>
+        </p:nvSpPr>
+        <p:spPr/>
+        <p:txBody>
+          <a:bodyPr/>
+          <a:lstStyle/>
+          <a:p>
+            <a:pPr algn="ctr"/>
+            <a:r>
+              <a:rPr lang="en-US" dirty="0" smtClean="0"/>
+              <a:t>Model Based Classification</a:t>
+            </a:r>
+            <a:endParaRPr lang="en-US" dirty="0"/>
+          </a:p>
+        </p:txBody>
+      </p:sp>
+      <p:sp>
+        <p:nvSpPr>
+          <p:cNvPr id="3" name="Content Placeholder 2"/>
+          <p:cNvSpPr>
+            <a:spLocks noGrp="1"/>
+          </p:cNvSpPr>
+          <p:nvPr>
+            <p:ph sz="quarter" idx="1"/>
+          </p:nvPr>
+        </p:nvSpPr>
+        <p:spPr/>
+        <p:txBody>
+          <a:bodyPr/>
+          <a:lstStyle/>
+          <a:p>
+            <a:r>
+              <a:rPr lang="en-US" dirty="0"/>
+              <a:t>Assumption: sequences in a class </a:t>
+            </a:r>
+            <a:r>
+              <a:rPr lang="en-US" dirty="0" smtClean="0"/>
+              <a:t>are generated </a:t>
+            </a:r>
+            <a:r>
+              <a:rPr lang="en-US" dirty="0"/>
+              <a:t>by an underlying model </a:t>
+            </a:r>
+            <a:r>
+              <a:rPr lang="en-US" dirty="0" smtClean="0"/>
+              <a:t>M. Given </a:t>
+            </a:r>
+            <a:r>
+              <a:rPr lang="en-US" dirty="0"/>
+              <a:t>a class of </a:t>
+            </a:r>
+            <a:r>
+              <a:rPr lang="en-US" dirty="0" smtClean="0"/>
+              <a:t>sequences</a:t>
+            </a:r>
+            <a:r>
+              <a:rPr lang="en-US" dirty="0"/>
+              <a:t>, </a:t>
+            </a:r>
+            <a:r>
+              <a:rPr lang="en-US" i="1" dirty="0"/>
+              <a:t>M </a:t>
+            </a:r>
+            <a:r>
+              <a:rPr lang="en-US" dirty="0"/>
+              <a:t>models the probability distribution of the </a:t>
+            </a:r>
+            <a:r>
+              <a:rPr lang="en-US" dirty="0" smtClean="0"/>
+              <a:t>sequences </a:t>
+            </a:r>
+            <a:r>
+              <a:rPr lang="en-US" dirty="0"/>
+              <a:t>in the </a:t>
+            </a:r>
+            <a:r>
+              <a:rPr lang="en-US" dirty="0" smtClean="0"/>
+              <a:t>class.</a:t>
+            </a:r>
+          </a:p>
+          <a:p>
+            <a:r>
+              <a:rPr lang="en-US" dirty="0" smtClean="0"/>
+              <a:t>General process</a:t>
+            </a:r>
+          </a:p>
+          <a:p>
+            <a:pPr lvl="1"/>
+            <a:r>
+              <a:rPr lang="en-US" dirty="0" smtClean="0"/>
+              <a:t>Training step: Learn parameters </a:t>
+            </a:r>
+            <a:r>
+              <a:rPr lang="en-US" dirty="0"/>
+              <a:t>for model M</a:t>
+            </a:r>
+          </a:p>
+          <a:p>
+            <a:pPr lvl="1"/>
+            <a:r>
+              <a:rPr lang="en-US" dirty="0" smtClean="0"/>
+              <a:t>classification step: Assign a </a:t>
+            </a:r>
+            <a:r>
+              <a:rPr lang="en-US" dirty="0"/>
+              <a:t>new </a:t>
+            </a:r>
+            <a:r>
+              <a:rPr lang="en-US" dirty="0" smtClean="0"/>
+              <a:t>sequence to the </a:t>
+            </a:r>
+            <a:r>
+              <a:rPr lang="en-US" dirty="0"/>
+              <a:t>class with the highest </a:t>
+            </a:r>
+            <a:r>
+              <a:rPr lang="en-US" dirty="0" smtClean="0"/>
+              <a:t>likelihood</a:t>
+            </a:r>
+            <a:r>
+              <a:rPr lang="en-US" dirty="0"/>
+              <a:t>.</a:t>
+            </a:r>
+            <a:endParaRPr lang="en-US" dirty="0" smtClean="0"/>
+          </a:p>
+          <a:p>
+            <a:r>
+              <a:rPr lang="en-US" dirty="0" smtClean="0"/>
+              <a:t>Generative models:</a:t>
+            </a:r>
+          </a:p>
+          <a:p>
+            <a:pPr lvl="1"/>
+            <a:r>
+              <a:rPr lang="en-US" dirty="0"/>
+              <a:t>Naive </a:t>
+            </a:r>
+            <a:r>
+              <a:rPr lang="en-US" dirty="0" smtClean="0"/>
+              <a:t>Bayes</a:t>
+            </a:r>
+          </a:p>
+          <a:p>
+            <a:pPr lvl="1"/>
+            <a:r>
+              <a:rPr lang="en-US" i="1" dirty="0"/>
+              <a:t>k</a:t>
+            </a:r>
+            <a:r>
+              <a:rPr lang="en-US" dirty="0"/>
+              <a:t>-order </a:t>
+            </a:r>
+            <a:r>
+              <a:rPr lang="en-US" dirty="0" smtClean="0"/>
+              <a:t>Markov</a:t>
+            </a:r>
+          </a:p>
+          <a:p>
+            <a:pPr lvl="1"/>
+            <a:r>
+              <a:rPr lang="en-US" dirty="0" smtClean="0"/>
+              <a:t>Profile </a:t>
+            </a:r>
+            <a:r>
+              <a:rPr lang="en-US" dirty="0"/>
+              <a:t>HMM</a:t>
+            </a:r>
+          </a:p>
+        </p:txBody>
+      </p:sp>
+    </p:spTree>
+    <p:extLst>
+      <p:ext uri="{BB962C8B-B14F-4D97-AF65-F5344CB8AC3E}">
+        <p14:creationId xmlns:p14="http://schemas.microsoft.com/office/powerpoint/2010/main" val="793041544"/>
+      </p:ext>
+    </p:extLst>
+  </p:cSld>
+  <p:clrMapOvr>
+    <a:masterClrMapping/>
+  </p:clrMapOvr>
+  <p:timing>
+    <p:tnLst>
+      <p:par>
+        <p:cTn id="1" dur="indefinite" restart="never" nodeType="tmRoot"/>
+      </p:par>
+    </p:tnLst>
+  </p:timing>
+</p:sld>
+</file>
+
+<file path=ppt/slides/slide62.xml><?xml version="1.0" encoding="utf-8"?>
+<p:sld xmlns:a="http://schemas.openxmlformats.org/drawingml/2006/main" xmlns:r="http://schemas.openxmlformats.org/officeDocument/2006/relationships" xmlns:p="http://schemas.openxmlformats.org/presentationml/2006/main">
+  <p:cSld>
+    <p:spTree>
+      <p:nvGrpSpPr>
+        <p:cNvPr id="1" name=""/>
+        <p:cNvGrpSpPr/>
+        <p:nvPr/>
+      </p:nvGrpSpPr>
+      <p:grpSpPr>
+        <a:xfrm>
+          <a:off x="0" y="0"/>
+          <a:ext cx="0" cy="0"/>
+          <a:chOff x="0" y="0"/>
+          <a:chExt cx="0" cy="0"/>
+        </a:xfrm>
+      </p:grpSpPr>
+      <p:sp>
+        <p:nvSpPr>
+          <p:cNvPr id="2" name="标题 1"/>
+          <p:cNvSpPr>
+            <a:spLocks noGrp="1"/>
+          </p:cNvSpPr>
+          <p:nvPr>
+            <p:ph type="title"/>
+          </p:nvPr>
+        </p:nvSpPr>
+        <p:spPr/>
+        <p:txBody>
+          <a:bodyPr/>
+          <a:lstStyle/>
+          <a:p>
+            <a:pPr algn="ctr"/>
+            <a:r>
+              <a:rPr lang="en-US" altLang="zh-CN" dirty="0" smtClean="0"/>
+              <a:t>References</a:t>
+            </a:r>
+            <a:endParaRPr lang="zh-CN" altLang="en-US" dirty="0"/>
+          </a:p>
+        </p:txBody>
+      </p:sp>
+      <p:sp>
+        <p:nvSpPr>
+          <p:cNvPr id="3" name="内容占位符 2"/>
+          <p:cNvSpPr>
+            <a:spLocks noGrp="1"/>
+          </p:cNvSpPr>
+          <p:nvPr>
+            <p:ph sz="quarter" idx="1"/>
+          </p:nvPr>
+        </p:nvSpPr>
+        <p:spPr/>
+        <p:txBody>
+          <a:bodyPr>
+            <a:normAutofit fontScale="85000" lnSpcReduction="20000"/>
+          </a:bodyPr>
+          <a:lstStyle/>
+          <a:p>
+            <a:pPr marL="0" indent="0">
+              <a:buNone/>
+            </a:pPr>
+            <a:r>
+              <a:rPr lang="en-US" altLang="zh-CN" dirty="0" smtClean="0"/>
+              <a:t>[1]Data Mining </a:t>
+            </a:r>
+            <a:r>
+              <a:rPr lang="en-US" altLang="zh-CN" dirty="0"/>
+              <a:t>in </a:t>
+            </a:r>
+            <a:r>
+              <a:rPr lang="en-US" altLang="zh-CN" dirty="0" smtClean="0"/>
+              <a:t>Time Series Data base, Mark Last</a:t>
+            </a:r>
+          </a:p>
+          <a:p>
+            <a:pPr marL="0" indent="0">
+              <a:buNone/>
+            </a:pPr>
+            <a:r>
+              <a:rPr lang="en-US" altLang="zh-CN" dirty="0" smtClean="0"/>
+              <a:t>[2]The Analysis of Time Series An Introduction, Chris Chatfield</a:t>
+            </a:r>
+          </a:p>
+          <a:p>
+            <a:pPr marL="0" indent="0">
+              <a:buNone/>
+            </a:pPr>
+            <a:r>
+              <a:rPr lang="en-US" altLang="zh-CN" dirty="0"/>
+              <a:t>[3] </a:t>
+            </a:r>
+            <a:r>
+              <a:rPr lang="en-US" altLang="zh-CN" dirty="0" smtClean="0"/>
+              <a:t>Time Series Data Mining: Identifying Temporal Patterns for Characterization and Prediction of Time Series Events</a:t>
+            </a:r>
+            <a:r>
+              <a:rPr lang="en-US" altLang="zh-CN" dirty="0"/>
+              <a:t>, Richard J. </a:t>
+            </a:r>
+            <a:r>
+              <a:rPr lang="en-US" altLang="zh-CN" dirty="0" err="1" smtClean="0"/>
+              <a:t>Povinelli</a:t>
+            </a:r>
+            <a:endParaRPr lang="en-US" altLang="zh-CN" dirty="0" smtClean="0"/>
+          </a:p>
+          <a:p>
+            <a:pPr marL="0" indent="0">
+              <a:buNone/>
+            </a:pPr>
+            <a:r>
+              <a:rPr lang="en-US" altLang="zh-CN" dirty="0" smtClean="0"/>
+              <a:t>[4]</a:t>
+            </a:r>
+            <a:r>
+              <a:rPr lang="en-US" altLang="zh-CN" dirty="0"/>
+              <a:t> </a:t>
+            </a:r>
+            <a:r>
+              <a:rPr lang="en-US" altLang="zh-CN" dirty="0" err="1"/>
+              <a:t>Papapetrou</a:t>
+            </a:r>
+            <a:r>
+              <a:rPr lang="en-US" altLang="zh-CN" dirty="0"/>
+              <a:t> P, </a:t>
+            </a:r>
+            <a:r>
+              <a:rPr lang="en-US" altLang="zh-CN" dirty="0" err="1"/>
+              <a:t>Athitsos</a:t>
+            </a:r>
+            <a:r>
+              <a:rPr lang="en-US" altLang="zh-CN" dirty="0"/>
+              <a:t> V, </a:t>
+            </a:r>
+            <a:r>
+              <a:rPr lang="en-US" altLang="zh-CN" dirty="0" err="1"/>
+              <a:t>Potamias</a:t>
+            </a:r>
+            <a:r>
+              <a:rPr lang="en-US" altLang="zh-CN" dirty="0"/>
+              <a:t> M, et al. Embedding-based subsequence matching in time-series databases[J]. ACM Transactions on Database Systems (TODS), 2011, 36(3): </a:t>
+            </a:r>
+            <a:r>
+              <a:rPr lang="en-US" altLang="zh-CN" dirty="0" smtClean="0"/>
+              <a:t>17</a:t>
+            </a:r>
+          </a:p>
+          <a:p>
+            <a:pPr marL="0" indent="0">
+              <a:buNone/>
+            </a:pPr>
+            <a:r>
+              <a:rPr lang="en-US" altLang="zh-CN" dirty="0" smtClean="0"/>
+              <a:t>[</a:t>
+            </a:r>
+            <a:r>
+              <a:rPr lang="en-US" altLang="zh-CN" dirty="0"/>
+              <a:t>5] </a:t>
+            </a:r>
+            <a:r>
+              <a:rPr lang="en-US" altLang="zh-CN" dirty="0" err="1"/>
+              <a:t>Lonardi</a:t>
+            </a:r>
+            <a:r>
+              <a:rPr lang="en-US" altLang="zh-CN" dirty="0"/>
+              <a:t> J L E K S, Patel P. Finding motifs in time series[C]//Proc. of the 2nd Workshop on Temporal Data Mining. 2002: 53-68</a:t>
+            </a:r>
+            <a:r>
+              <a:rPr lang="en-US" altLang="zh-CN" dirty="0" smtClean="0"/>
+              <a:t>.</a:t>
+            </a:r>
+          </a:p>
+          <a:p>
+            <a:pPr marL="0" indent="0">
+              <a:buNone/>
+            </a:pPr>
+            <a:r>
+              <a:rPr lang="en-US" altLang="zh-CN" dirty="0" smtClean="0"/>
+              <a:t>[6]</a:t>
+            </a:r>
+            <a:r>
+              <a:rPr lang="en-US" altLang="zh-CN" dirty="0"/>
+              <a:t> J. Ayres, J. </a:t>
+            </a:r>
+            <a:r>
+              <a:rPr lang="en-US" altLang="zh-CN" dirty="0" err="1"/>
+              <a:t>Flannick</a:t>
+            </a:r>
+            <a:r>
+              <a:rPr lang="en-US" altLang="zh-CN" dirty="0"/>
+              <a:t>, J. </a:t>
+            </a:r>
+            <a:r>
+              <a:rPr lang="en-US" altLang="zh-CN" dirty="0" err="1"/>
+              <a:t>Gehrke</a:t>
+            </a:r>
+            <a:r>
+              <a:rPr lang="en-US" altLang="zh-CN" dirty="0"/>
+              <a:t>, and T. </a:t>
+            </a:r>
+            <a:r>
+              <a:rPr lang="en-US" altLang="zh-CN" dirty="0" err="1"/>
+              <a:t>Yiu</a:t>
+            </a:r>
+            <a:r>
+              <a:rPr lang="en-US" altLang="zh-CN" dirty="0"/>
+              <a:t>, “Sequential pattern </a:t>
+            </a:r>
+            <a:r>
+              <a:rPr lang="en-US" altLang="zh-CN" dirty="0" smtClean="0"/>
+              <a:t>mining using </a:t>
+            </a:r>
+            <a:r>
+              <a:rPr lang="en-US" altLang="zh-CN" dirty="0"/>
+              <a:t>a bitmap representation,” in </a:t>
+            </a:r>
+            <a:r>
+              <a:rPr lang="en-US" altLang="zh-CN" i="1" dirty="0"/>
+              <a:t>KDD</a:t>
+            </a:r>
+            <a:r>
+              <a:rPr lang="en-US" altLang="zh-CN" dirty="0"/>
+              <a:t>, </a:t>
+            </a:r>
+            <a:r>
+              <a:rPr lang="en-US" altLang="zh-CN" dirty="0" smtClean="0"/>
+              <a:t>2002</a:t>
+            </a:r>
+          </a:p>
+          <a:p>
+            <a:pPr marL="0" indent="0">
+              <a:buNone/>
+            </a:pPr>
+            <a:r>
+              <a:rPr lang="en-US" altLang="zh-CN" dirty="0" smtClean="0"/>
+              <a:t>[7]</a:t>
+            </a:r>
+            <a:r>
+              <a:rPr lang="en-US" altLang="zh-CN" dirty="0"/>
+              <a:t> Xing Z, Pei J, Keogh E. A brief survey on sequence classification[J]. ACM SIGKDD Explorations Newsletter, 2010, 12(1): 40-48</a:t>
+            </a:r>
+            <a:r>
+              <a:rPr lang="en-US" altLang="zh-CN" dirty="0" smtClean="0"/>
+              <a:t>.</a:t>
+            </a:r>
+          </a:p>
+          <a:p>
+            <a:pPr marL="0" indent="0">
+              <a:buNone/>
+            </a:pPr>
+            <a:r>
+              <a:rPr lang="en-US" altLang="zh-CN" dirty="0" smtClean="0"/>
+              <a:t>[8]</a:t>
+            </a:r>
+            <a:r>
+              <a:rPr lang="en-US" altLang="zh-CN" dirty="0"/>
+              <a:t> </a:t>
+            </a:r>
+            <a:r>
+              <a:rPr lang="en-US" altLang="zh-CN" dirty="0" err="1"/>
+              <a:t>Mueen</a:t>
+            </a:r>
+            <a:r>
+              <a:rPr lang="en-US" altLang="zh-CN" dirty="0"/>
+              <a:t> A, </a:t>
+            </a:r>
+            <a:r>
+              <a:rPr lang="en-US" altLang="zh-CN" dirty="0" err="1"/>
+              <a:t>Nath</a:t>
+            </a:r>
+            <a:r>
+              <a:rPr lang="en-US" altLang="zh-CN" dirty="0"/>
+              <a:t> S, Liu J. Fast approximate correlation for massive time-series data[C]//Proceedings of the 2010 international conference on Management of data. ACM, 2010: 171-182.</a:t>
+            </a:r>
+            <a:endParaRPr lang="en-US" altLang="zh-CN" dirty="0" smtClean="0"/>
+          </a:p>
+          <a:p>
+            <a:pPr marL="0" indent="0">
+              <a:buNone/>
+            </a:pPr>
+            <a:endParaRPr lang="zh-CN" altLang="en-US" dirty="0"/>
+          </a:p>
+        </p:txBody>
+      </p:sp>
+    </p:spTree>
+    <p:extLst>
+      <p:ext uri="{BB962C8B-B14F-4D97-AF65-F5344CB8AC3E}">
+        <p14:creationId xmlns:p14="http://schemas.microsoft.com/office/powerpoint/2010/main" val="2719935556"/>
+      </p:ext>
+    </p:extLst>
+  </p:cSld>
+  <p:clrMapOvr>
+    <a:masterClrMapping/>
+  </p:clrMapOvr>
+  <p:timing>
+    <p:tnLst>
+      <p:par>
+        <p:cTn id="1" dur="indefinite" restart="never" nodeType="tmRoot"/>
+      </p:par>
+    </p:tnLst>
+  </p:timing>
+</p:sld>
+</file>
+
+<file path=ppt/slides/slide63.xml><?xml version="1.0" encoding="utf-8"?>
+<p:sld xmlns:a="http://schemas.openxmlformats.org/drawingml/2006/main" xmlns:r="http://schemas.openxmlformats.org/officeDocument/2006/relationships" xmlns:p="http://schemas.openxmlformats.org/presentationml/2006/main">
+  <p:cSld>
+    <p:spTree>
+      <p:nvGrpSpPr>
+        <p:cNvPr id="1" name=""/>
+        <p:cNvGrpSpPr/>
+        <p:nvPr/>
+      </p:nvGrpSpPr>
+      <p:grpSpPr>
+        <a:xfrm>
+          <a:off x="0" y="0"/>
+          <a:ext cx="0" cy="0"/>
+          <a:chOff x="0" y="0"/>
+          <a:chExt cx="0" cy="0"/>
+        </a:xfrm>
+      </p:grpSpPr>
+      <p:sp>
+        <p:nvSpPr>
+          <p:cNvPr id="2" name="标题 1"/>
+          <p:cNvSpPr>
+            <a:spLocks noGrp="1"/>
+          </p:cNvSpPr>
+          <p:nvPr>
+            <p:ph type="title"/>
+          </p:nvPr>
+        </p:nvSpPr>
+        <p:spPr/>
+        <p:txBody>
+          <a:bodyPr/>
+          <a:lstStyle/>
+          <a:p>
+            <a:pPr algn="ctr"/>
+            <a:r>
+              <a:rPr lang="en-US" altLang="zh-CN" dirty="0" smtClean="0"/>
+              <a:t>References</a:t>
+            </a:r>
+            <a:endParaRPr lang="zh-CN" altLang="en-US" dirty="0"/>
+          </a:p>
+        </p:txBody>
+      </p:sp>
+      <p:sp>
+        <p:nvSpPr>
+          <p:cNvPr id="3" name="内容占位符 2"/>
+          <p:cNvSpPr>
+            <a:spLocks noGrp="1"/>
+          </p:cNvSpPr>
+          <p:nvPr>
+            <p:ph sz="quarter" idx="1"/>
+          </p:nvPr>
+        </p:nvSpPr>
+        <p:spPr/>
+        <p:txBody>
+          <a:bodyPr>
+            <a:normAutofit/>
+          </a:bodyPr>
+          <a:lstStyle/>
+          <a:p>
+            <a:pPr marL="0" indent="0">
+              <a:buNone/>
+            </a:pPr>
+            <a:r>
+              <a:rPr lang="en-US" altLang="zh-CN" dirty="0"/>
+              <a:t>[9]:R. </a:t>
+            </a:r>
+            <a:r>
+              <a:rPr lang="en-US" altLang="zh-CN" dirty="0" err="1"/>
+              <a:t>Agrawal</a:t>
+            </a:r>
+            <a:r>
+              <a:rPr lang="en-US" altLang="zh-CN" dirty="0"/>
+              <a:t>, R. </a:t>
+            </a:r>
+            <a:r>
+              <a:rPr lang="en-US" altLang="zh-CN" dirty="0" err="1"/>
+              <a:t>Srikant</a:t>
+            </a:r>
+            <a:r>
+              <a:rPr lang="en-US" altLang="zh-CN" dirty="0"/>
+              <a:t>, “Fast algorithms for mining association rules”. In: </a:t>
+            </a:r>
+            <a:r>
+              <a:rPr lang="en-US" altLang="zh-CN" dirty="0" err="1"/>
+              <a:t>J.Bocca</a:t>
+            </a:r>
+            <a:r>
+              <a:rPr lang="en-US" altLang="zh-CN" dirty="0"/>
+              <a:t>, </a:t>
+            </a:r>
+            <a:r>
+              <a:rPr lang="en-US" altLang="zh-CN" dirty="0" err="1" smtClean="0"/>
+              <a:t>M.Jarke</a:t>
+            </a:r>
+            <a:r>
+              <a:rPr lang="en-US" altLang="zh-CN" dirty="0" smtClean="0"/>
+              <a:t>, </a:t>
+            </a:r>
+            <a:r>
+              <a:rPr lang="en-US" altLang="zh-CN" dirty="0" err="1" smtClean="0"/>
+              <a:t>C.Zaniolo</a:t>
+            </a:r>
+            <a:r>
+              <a:rPr lang="en-US" altLang="zh-CN" dirty="0" smtClean="0"/>
+              <a:t> </a:t>
+            </a:r>
+            <a:r>
+              <a:rPr lang="en-US" altLang="zh-CN" dirty="0"/>
+              <a:t>eds. Proc. of the 20th Int’l </a:t>
+            </a:r>
+            <a:r>
+              <a:rPr lang="en-US" altLang="zh-CN" dirty="0" err="1"/>
+              <a:t>Conf</a:t>
+            </a:r>
+            <a:r>
+              <a:rPr lang="en-US" altLang="zh-CN" dirty="0"/>
+              <a:t> on Very </a:t>
+            </a:r>
+            <a:r>
+              <a:rPr lang="en-US" altLang="zh-CN" dirty="0" smtClean="0"/>
+              <a:t>Large </a:t>
+            </a:r>
+            <a:r>
+              <a:rPr lang="en-US" altLang="zh-CN" dirty="0" err="1" smtClean="0"/>
+              <a:t>DataBases</a:t>
+            </a:r>
+            <a:r>
+              <a:rPr lang="en-US" altLang="zh-CN" dirty="0" smtClean="0"/>
+              <a:t> </a:t>
+            </a:r>
+            <a:r>
+              <a:rPr lang="en-US" altLang="zh-CN" dirty="0"/>
+              <a:t>(VLDB’94). </a:t>
+            </a:r>
+            <a:r>
+              <a:rPr lang="en-US" altLang="zh-CN" dirty="0" smtClean="0"/>
+              <a:t>Santiago: Morgan </a:t>
+            </a:r>
+            <a:r>
+              <a:rPr lang="en-US" altLang="zh-CN" dirty="0"/>
+              <a:t>Kaufmann, 1994. pp. </a:t>
+            </a:r>
+            <a:r>
+              <a:rPr lang="en-US" altLang="zh-CN" dirty="0" smtClean="0"/>
+              <a:t>487-499</a:t>
+            </a:r>
+          </a:p>
+          <a:p>
+            <a:pPr marL="0" indent="0">
+              <a:buNone/>
+            </a:pPr>
+            <a:r>
+              <a:rPr lang="en-US" altLang="zh-CN" dirty="0" smtClean="0"/>
+              <a:t>[10]: </a:t>
+            </a:r>
+            <a:r>
+              <a:rPr lang="en-US" altLang="zh-CN" dirty="0"/>
+              <a:t>J. Han, J. Pei, Y. Yin, “Mining frequent patterns without candidate generation”. In: </a:t>
+            </a:r>
+            <a:r>
+              <a:rPr lang="en-US" altLang="zh-CN" dirty="0" smtClean="0"/>
+              <a:t>M. Dunham</a:t>
+            </a:r>
+            <a:r>
+              <a:rPr lang="en-US" altLang="zh-CN" dirty="0"/>
+              <a:t>, J. </a:t>
+            </a:r>
+            <a:r>
+              <a:rPr lang="en-US" altLang="zh-CN" dirty="0" err="1"/>
+              <a:t>Naughton</a:t>
+            </a:r>
+            <a:r>
+              <a:rPr lang="en-US" altLang="zh-CN" dirty="0"/>
+              <a:t>, W. Chen eds. </a:t>
+            </a:r>
+            <a:r>
+              <a:rPr lang="en-US" altLang="zh-CN" i="1" dirty="0"/>
+              <a:t>Proc. of 2000 ACM-SIGMOD Int’l </a:t>
+            </a:r>
+            <a:r>
+              <a:rPr lang="en-US" altLang="zh-CN" i="1" dirty="0" err="1"/>
+              <a:t>Conf</a:t>
+            </a:r>
+            <a:r>
+              <a:rPr lang="en-US" altLang="zh-CN" i="1" dirty="0"/>
+              <a:t> on </a:t>
+            </a:r>
+            <a:r>
+              <a:rPr lang="en-US" altLang="zh-CN" i="1" dirty="0" smtClean="0"/>
+              <a:t>Management of </a:t>
+            </a:r>
+            <a:r>
+              <a:rPr lang="en-US" altLang="zh-CN" i="1" dirty="0"/>
+              <a:t>Data </a:t>
+            </a:r>
+            <a:r>
+              <a:rPr lang="en-US" altLang="zh-CN" dirty="0"/>
+              <a:t>(SIGMOD’00). Dallas, TX, New York: ACM Press, 2000. pp. </a:t>
+            </a:r>
+            <a:r>
+              <a:rPr lang="en-US" altLang="zh-CN" dirty="0" smtClean="0"/>
+              <a:t>1-12</a:t>
+            </a:r>
+          </a:p>
+          <a:p>
+            <a:pPr marL="0" indent="0">
+              <a:buNone/>
+            </a:pPr>
+            <a:r>
+              <a:rPr lang="en-US" altLang="zh-CN" dirty="0"/>
+              <a:t>[11]:H. Lu, J. Han, and L. </a:t>
+            </a:r>
+            <a:r>
+              <a:rPr lang="en-US" altLang="zh-CN" dirty="0" err="1"/>
+              <a:t>Feng</a:t>
+            </a:r>
+            <a:r>
+              <a:rPr lang="en-US" altLang="zh-CN" dirty="0"/>
+              <a:t>, “Stock movement and n-dimensional inter-transaction </a:t>
+            </a:r>
+            <a:r>
+              <a:rPr lang="en-US" altLang="zh-CN" dirty="0" smtClean="0"/>
+              <a:t>association rules</a:t>
+            </a:r>
+            <a:r>
+              <a:rPr lang="en-US" altLang="zh-CN" dirty="0"/>
+              <a:t>”. In Proc. of the SIGMOD Workshop on Research Issues on Data Mining and </a:t>
+            </a:r>
+            <a:r>
+              <a:rPr lang="en-US" altLang="zh-CN" dirty="0" smtClean="0"/>
+              <a:t>Knowledge Discovery</a:t>
+            </a:r>
+            <a:r>
+              <a:rPr lang="en-US" altLang="zh-CN" dirty="0"/>
+              <a:t>, 1998</a:t>
+            </a:r>
+            <a:r>
+              <a:rPr lang="en-US" altLang="zh-CN" dirty="0" smtClean="0"/>
+              <a:t>.</a:t>
+            </a:r>
+          </a:p>
+        </p:txBody>
+      </p:sp>
+    </p:spTree>
+    <p:extLst>
+      <p:ext uri="{BB962C8B-B14F-4D97-AF65-F5344CB8AC3E}">
+        <p14:creationId xmlns:p14="http://schemas.microsoft.com/office/powerpoint/2010/main" val="2084610565"/>
+      </p:ext>
+    </p:extLst>
+  </p:cSld>
+  <p:clrMapOvr>
+    <a:masterClrMapping/>
+  </p:clrMapOvr>
+  <p:timing>
+    <p:tnLst>
+      <p:par>
+        <p:cTn id="1" dur="indefinite" restart="never" nodeType="tmRoot"/>
+      </p:par>
+    </p:tnLst>
+  </p:timing>
+</p:sld>
+</file>
+
+<file path=ppt/slides/slide64.xml><?xml version="1.0" encoding="utf-8"?>
+<p:sld xmlns:a="http://schemas.openxmlformats.org/drawingml/2006/main" xmlns:r="http://schemas.openxmlformats.org/officeDocument/2006/relationships" xmlns:p="http://schemas.openxmlformats.org/presentationml/2006/main">
+  <p:cSld>
+    <p:spTree>
+      <p:nvGrpSpPr>
+        <p:cNvPr id="1" name=""/>
+        <p:cNvGrpSpPr/>
+        <p:nvPr/>
+      </p:nvGrpSpPr>
+      <p:grpSpPr>
+        <a:xfrm>
+          <a:off x="0" y="0"/>
+          <a:ext cx="0" cy="0"/>
+          <a:chOff x="0" y="0"/>
+          <a:chExt cx="0" cy="0"/>
+        </a:xfrm>
+      </p:grpSpPr>
+      <p:sp>
+        <p:nvSpPr>
+          <p:cNvPr id="2" name="标题 1"/>
+          <p:cNvSpPr>
+            <a:spLocks noGrp="1"/>
+          </p:cNvSpPr>
+          <p:nvPr>
+            <p:ph type="title"/>
+          </p:nvPr>
+        </p:nvSpPr>
+        <p:spPr/>
+        <p:txBody>
+          <a:bodyPr/>
+          <a:lstStyle/>
+          <a:p>
+            <a:endParaRPr lang="zh-CN" altLang="en-US"/>
+          </a:p>
+        </p:txBody>
+      </p:sp>
+      <p:sp>
+        <p:nvSpPr>
+          <p:cNvPr id="3" name="内容占位符 2"/>
+          <p:cNvSpPr>
+            <a:spLocks noGrp="1"/>
+          </p:cNvSpPr>
+          <p:nvPr>
+            <p:ph sz="quarter" idx="1"/>
+          </p:nvPr>
+        </p:nvSpPr>
+        <p:spPr/>
+        <p:txBody>
+          <a:bodyPr/>
+          <a:lstStyle/>
+          <a:p>
+            <a:r>
+              <a:rPr lang="en-US" altLang="zh-CN" dirty="0"/>
+              <a:t>A</a:t>
+            </a:r>
+            <a:r>
+              <a:rPr lang="en-US" altLang="zh-CN" dirty="0" smtClean="0"/>
+              <a:t>bove </a:t>
+            </a:r>
+            <a:r>
+              <a:rPr lang="en-US" altLang="zh-CN" dirty="0"/>
+              <a:t>materials and slides: </a:t>
+            </a:r>
+            <a:r>
+              <a:rPr lang="en-US" altLang="zh-CN" dirty="0">
+                <a:hlinkClick r:id="rId2"/>
+              </a:rPr>
+              <a:t>https://</a:t>
+            </a:r>
+            <a:r>
+              <a:rPr lang="en-US" altLang="zh-CN" dirty="0" smtClean="0">
+                <a:hlinkClick r:id="rId2"/>
+              </a:rPr>
+              <a:t>github.com/zixiaojindao/time-series-survey.git</a:t>
+            </a:r>
+            <a:endParaRPr lang="en-US" altLang="zh-CN" dirty="0" smtClean="0"/>
+          </a:p>
+          <a:p>
+            <a:pPr marL="0" indent="0">
+              <a:buNone/>
+            </a:pPr>
+            <a:endParaRPr lang="en-US" altLang="zh-CN" dirty="0" smtClean="0"/>
+          </a:p>
+          <a:p>
+            <a:pPr marL="0" indent="0">
+              <a:buNone/>
+            </a:pPr>
+            <a:r>
+              <a:rPr lang="en-US" altLang="zh-CN" sz="3200" smtClean="0"/>
+              <a:t>					Thanks</a:t>
+            </a:r>
+            <a:r>
+              <a:rPr lang="en-US" altLang="zh-CN" sz="3200" dirty="0" smtClean="0"/>
+              <a:t>!</a:t>
+            </a:r>
+            <a:endParaRPr lang="zh-CN" altLang="en-US" sz="3200" dirty="0"/>
+          </a:p>
+          <a:p>
+            <a:endParaRPr lang="zh-CN" altLang="en-US" dirty="0"/>
+          </a:p>
+        </p:txBody>
+      </p:sp>
+    </p:spTree>
+    <p:extLst>
+      <p:ext uri="{BB962C8B-B14F-4D97-AF65-F5344CB8AC3E}">
+        <p14:creationId xmlns:p14="http://schemas.microsoft.com/office/powerpoint/2010/main" val="3852432258"/>
       </p:ext>
     </p:extLst>
   </p:cSld>

--- a/slide/tsdm.pptx
+++ b/slide/tsdm.pptx
@@ -22,45 +22,45 @@
     <p:sldId id="298" r:id="rId13"/>
     <p:sldId id="299" r:id="rId14"/>
     <p:sldId id="300" r:id="rId15"/>
-    <p:sldId id="301" r:id="rId16"/>
-    <p:sldId id="302" r:id="rId17"/>
-    <p:sldId id="303" r:id="rId18"/>
-    <p:sldId id="304" r:id="rId19"/>
-    <p:sldId id="305" r:id="rId20"/>
-    <p:sldId id="306" r:id="rId21"/>
-    <p:sldId id="307" r:id="rId22"/>
-    <p:sldId id="308" r:id="rId23"/>
-    <p:sldId id="260" r:id="rId24"/>
-    <p:sldId id="262" r:id="rId25"/>
-    <p:sldId id="261" r:id="rId26"/>
-    <p:sldId id="310" r:id="rId27"/>
-    <p:sldId id="309" r:id="rId28"/>
-    <p:sldId id="311" r:id="rId29"/>
-    <p:sldId id="263" r:id="rId30"/>
-    <p:sldId id="312" r:id="rId31"/>
-    <p:sldId id="321" r:id="rId32"/>
-    <p:sldId id="322" r:id="rId33"/>
-    <p:sldId id="334" r:id="rId34"/>
-    <p:sldId id="335" r:id="rId35"/>
-    <p:sldId id="336" r:id="rId36"/>
-    <p:sldId id="337" r:id="rId37"/>
-    <p:sldId id="324" r:id="rId38"/>
-    <p:sldId id="325" r:id="rId39"/>
-    <p:sldId id="326" r:id="rId40"/>
-    <p:sldId id="328" r:id="rId41"/>
-    <p:sldId id="329" r:id="rId42"/>
-    <p:sldId id="330" r:id="rId43"/>
-    <p:sldId id="331" r:id="rId44"/>
-    <p:sldId id="332" r:id="rId45"/>
-    <p:sldId id="333" r:id="rId46"/>
-    <p:sldId id="338" r:id="rId47"/>
-    <p:sldId id="339" r:id="rId48"/>
-    <p:sldId id="340" r:id="rId49"/>
-    <p:sldId id="313" r:id="rId50"/>
-    <p:sldId id="314" r:id="rId51"/>
-    <p:sldId id="315" r:id="rId52"/>
-    <p:sldId id="316" r:id="rId53"/>
-    <p:sldId id="317" r:id="rId54"/>
+    <p:sldId id="302" r:id="rId16"/>
+    <p:sldId id="303" r:id="rId17"/>
+    <p:sldId id="304" r:id="rId18"/>
+    <p:sldId id="305" r:id="rId19"/>
+    <p:sldId id="306" r:id="rId20"/>
+    <p:sldId id="307" r:id="rId21"/>
+    <p:sldId id="308" r:id="rId22"/>
+    <p:sldId id="260" r:id="rId23"/>
+    <p:sldId id="262" r:id="rId24"/>
+    <p:sldId id="261" r:id="rId25"/>
+    <p:sldId id="310" r:id="rId26"/>
+    <p:sldId id="309" r:id="rId27"/>
+    <p:sldId id="311" r:id="rId28"/>
+    <p:sldId id="263" r:id="rId29"/>
+    <p:sldId id="312" r:id="rId30"/>
+    <p:sldId id="321" r:id="rId31"/>
+    <p:sldId id="322" r:id="rId32"/>
+    <p:sldId id="334" r:id="rId33"/>
+    <p:sldId id="335" r:id="rId34"/>
+    <p:sldId id="336" r:id="rId35"/>
+    <p:sldId id="337" r:id="rId36"/>
+    <p:sldId id="324" r:id="rId37"/>
+    <p:sldId id="325" r:id="rId38"/>
+    <p:sldId id="326" r:id="rId39"/>
+    <p:sldId id="328" r:id="rId40"/>
+    <p:sldId id="329" r:id="rId41"/>
+    <p:sldId id="330" r:id="rId42"/>
+    <p:sldId id="331" r:id="rId43"/>
+    <p:sldId id="332" r:id="rId44"/>
+    <p:sldId id="333" r:id="rId45"/>
+    <p:sldId id="338" r:id="rId46"/>
+    <p:sldId id="339" r:id="rId47"/>
+    <p:sldId id="340" r:id="rId48"/>
+    <p:sldId id="313" r:id="rId49"/>
+    <p:sldId id="314" r:id="rId50"/>
+    <p:sldId id="315" r:id="rId51"/>
+    <p:sldId id="316" r:id="rId52"/>
+    <p:sldId id="317" r:id="rId53"/>
+    <p:sldId id="343" r:id="rId54"/>
     <p:sldId id="318" r:id="rId55"/>
     <p:sldId id="264" r:id="rId56"/>
     <p:sldId id="327" r:id="rId57"/>
@@ -171,7 +171,7 @@
   </p:defaultTextStyle>
   <p:extLst>
     <p:ext uri="{EFAFB233-063F-42B5-8137-9DF3F51BA10A}">
-      <p15:sldGuideLst xmlns="" xmlns:p15="http://schemas.microsoft.com/office/powerpoint/2012/main"/>
+      <p15:sldGuideLst xmlns:p15="http://schemas.microsoft.com/office/powerpoint/2012/main" xmlns=""/>
     </p:ext>
   </p:extLst>
 </p:presentation>
@@ -259,7 +259,7 @@
           <a:p>
             <a:fld id="{EAC0FA0A-CAD4-4EB0-8284-87AAE1D94058}" type="datetimeFigureOut">
               <a:rPr lang="zh-CN" altLang="en-US" smtClean="0"/>
-              <a:t>2013/4/6</a:t>
+              <a:t>2013/4/7</a:t>
             </a:fld>
             <a:endParaRPr lang="zh-CN" altLang="en-US"/>
           </a:p>
@@ -668,9 +668,9 @@
             </a:lvl1pPr>
           </a:lstStyle>
           <a:p>
-            <a:fld id="{F77B2EB1-EA88-4503-95EA-93923E5BA59E}" type="datetimeFigureOut">
-              <a:rPr lang="en-US" smtClean="0"/>
-              <a:t>4/6/2013</a:t>
+            <a:fld id="{874A99B2-2D8F-4C36-A223-6F85D71AF94F}" type="datetime1">
+              <a:rPr lang="en-US" altLang="zh-CN" smtClean="0"/>
+              <a:t>4/7/2013</a:t>
             </a:fld>
             <a:endParaRPr lang="en-US"/>
           </a:p>
@@ -1027,9 +1027,9 @@
           <a:bodyPr/>
           <a:lstStyle/>
           <a:p>
-            <a:fld id="{F77B2EB1-EA88-4503-95EA-93923E5BA59E}" type="datetimeFigureOut">
-              <a:rPr lang="en-US" smtClean="0"/>
-              <a:t>4/6/2013</a:t>
+            <a:fld id="{2D68A0A7-B972-45E2-B3CB-233F5672C129}" type="datetime1">
+              <a:rPr lang="en-US" altLang="zh-CN" smtClean="0"/>
+              <a:t>4/7/2013</a:t>
             </a:fld>
             <a:endParaRPr lang="en-US"/>
           </a:p>
@@ -1202,9 +1202,9 @@
           <a:bodyPr/>
           <a:lstStyle/>
           <a:p>
-            <a:fld id="{F77B2EB1-EA88-4503-95EA-93923E5BA59E}" type="datetimeFigureOut">
-              <a:rPr lang="en-US" smtClean="0"/>
-              <a:t>4/6/2013</a:t>
+            <a:fld id="{2A13EFB4-6E65-4F5D-884B-DDBED3B56417}" type="datetime1">
+              <a:rPr lang="en-US" altLang="zh-CN" smtClean="0"/>
+              <a:t>4/7/2013</a:t>
             </a:fld>
             <a:endParaRPr lang="en-US"/>
           </a:p>
@@ -1437,9 +1437,9 @@
           <a:bodyPr/>
           <a:lstStyle/>
           <a:p>
-            <a:fld id="{F77B2EB1-EA88-4503-95EA-93923E5BA59E}" type="datetimeFigureOut">
-              <a:rPr lang="en-US" smtClean="0"/>
-              <a:t>4/6/2013</a:t>
+            <a:fld id="{742D1076-E4E1-4814-9584-EC3A7275BCA4}" type="datetime1">
+              <a:rPr lang="en-US" altLang="zh-CN" smtClean="0"/>
+              <a:t>4/7/2013</a:t>
             </a:fld>
             <a:endParaRPr lang="en-US"/>
           </a:p>
@@ -1706,9 +1706,9 @@
           <a:bodyPr/>
           <a:lstStyle/>
           <a:p>
-            <a:fld id="{F77B2EB1-EA88-4503-95EA-93923E5BA59E}" type="datetimeFigureOut">
-              <a:rPr lang="en-US" smtClean="0"/>
-              <a:t>4/6/2013</a:t>
+            <a:fld id="{9F4E11C8-4293-4B63-A3E6-A7E01161BE47}" type="datetime1">
+              <a:rPr lang="en-US" altLang="zh-CN" smtClean="0"/>
+              <a:t>4/7/2013</a:t>
             </a:fld>
             <a:endParaRPr lang="en-US"/>
           </a:p>
@@ -1926,9 +1926,9 @@
           <a:bodyPr/>
           <a:lstStyle/>
           <a:p>
-            <a:fld id="{F77B2EB1-EA88-4503-95EA-93923E5BA59E}" type="datetimeFigureOut">
-              <a:rPr lang="en-US" smtClean="0"/>
-              <a:t>4/6/2013</a:t>
+            <a:fld id="{AC0AF900-23D3-4FEF-B621-5EC3A5A79A47}" type="datetime1">
+              <a:rPr lang="en-US" altLang="zh-CN" smtClean="0"/>
+              <a:t>4/7/2013</a:t>
             </a:fld>
             <a:endParaRPr lang="en-US"/>
           </a:p>
@@ -2278,9 +2278,9 @@
           <a:bodyPr/>
           <a:lstStyle/>
           <a:p>
-            <a:fld id="{F77B2EB1-EA88-4503-95EA-93923E5BA59E}" type="datetimeFigureOut">
-              <a:rPr lang="en-US" smtClean="0"/>
-              <a:t>4/6/2013</a:t>
+            <a:fld id="{20BFB6AE-3869-4704-8983-A91C8FE6B943}" type="datetime1">
+              <a:rPr lang="en-US" altLang="zh-CN" smtClean="0"/>
+              <a:t>4/7/2013</a:t>
             </a:fld>
             <a:endParaRPr lang="en-US"/>
           </a:p>
@@ -2510,9 +2510,9 @@
           <a:bodyPr/>
           <a:lstStyle/>
           <a:p>
-            <a:fld id="{F77B2EB1-EA88-4503-95EA-93923E5BA59E}" type="datetimeFigureOut">
-              <a:rPr lang="en-US" smtClean="0"/>
-              <a:t>4/6/2013</a:t>
+            <a:fld id="{651F3437-5C0F-4F2D-B909-40C696F69552}" type="datetime1">
+              <a:rPr lang="en-US" altLang="zh-CN" smtClean="0"/>
+              <a:t>4/7/2013</a:t>
             </a:fld>
             <a:endParaRPr lang="en-US"/>
           </a:p>
@@ -2650,9 +2650,9 @@
           <a:bodyPr/>
           <a:lstStyle/>
           <a:p>
-            <a:fld id="{F77B2EB1-EA88-4503-95EA-93923E5BA59E}" type="datetimeFigureOut">
-              <a:rPr lang="en-US" smtClean="0"/>
-              <a:t>4/6/2013</a:t>
+            <a:fld id="{D9F880F3-1DEE-494C-B680-8612AFAA0B04}" type="datetime1">
+              <a:rPr lang="en-US" altLang="zh-CN" smtClean="0"/>
+              <a:t>4/7/2013</a:t>
             </a:fld>
             <a:endParaRPr lang="en-US"/>
           </a:p>
@@ -2927,9 +2927,9 @@
           <a:bodyPr/>
           <a:lstStyle/>
           <a:p>
-            <a:fld id="{F77B2EB1-EA88-4503-95EA-93923E5BA59E}" type="datetimeFigureOut">
-              <a:rPr lang="en-US" smtClean="0"/>
-              <a:t>4/6/2013</a:t>
+            <a:fld id="{69D78791-B118-4C64-9530-D257CC31B243}" type="datetime1">
+              <a:rPr lang="en-US" altLang="zh-CN" smtClean="0"/>
+              <a:t>4/7/2013</a:t>
             </a:fld>
             <a:endParaRPr lang="en-US"/>
           </a:p>
@@ -3334,9 +3334,9 @@
           <a:bodyPr/>
           <a:lstStyle/>
           <a:p>
-            <a:fld id="{F77B2EB1-EA88-4503-95EA-93923E5BA59E}" type="datetimeFigureOut">
-              <a:rPr lang="en-US" smtClean="0"/>
-              <a:t>4/6/2013</a:t>
+            <a:fld id="{BED776AF-58F0-43AB-BA5A-DB70375660E6}" type="datetime1">
+              <a:rPr lang="en-US" altLang="zh-CN" smtClean="0"/>
+              <a:t>4/7/2013</a:t>
             </a:fld>
             <a:endParaRPr lang="en-US"/>
           </a:p>
@@ -3672,9 +3672,9 @@
             </a:lvl1pPr>
           </a:lstStyle>
           <a:p>
-            <a:fld id="{F77B2EB1-EA88-4503-95EA-93923E5BA59E}" type="datetimeFigureOut">
-              <a:rPr lang="en-US" smtClean="0"/>
-              <a:t>4/6/2013</a:t>
+            <a:fld id="{A1D55491-9258-4337-8EA5-FC2E2D555F1F}" type="datetime1">
+              <a:rPr lang="en-US" altLang="zh-CN" smtClean="0"/>
+              <a:t>4/7/2013</a:t>
             </a:fld>
             <a:endParaRPr lang="en-US"/>
           </a:p>
@@ -3892,6 +3892,7 @@
     <p:sldLayoutId id="2147483792" r:id="rId10"/>
     <p:sldLayoutId id="2147483793" r:id="rId11"/>
   </p:sldLayoutIdLst>
+  <p:hf hdr="0" ftr="0" dt="0"/>
   <p:txStyles>
     <p:titleStyle>
       <a:lvl1pPr algn="l" rtl="0" eaLnBrk="1" latinLnBrk="0" hangingPunct="1">
@@ -4259,6 +4260,29 @@
           </a:p>
         </p:txBody>
       </p:sp>
+      <p:sp>
+        <p:nvSpPr>
+          <p:cNvPr id="4" name="灯片编号占位符 3"/>
+          <p:cNvSpPr>
+            <a:spLocks noGrp="1"/>
+          </p:cNvSpPr>
+          <p:nvPr>
+            <p:ph type="sldNum" sz="quarter" idx="12"/>
+          </p:nvPr>
+        </p:nvSpPr>
+        <p:spPr/>
+        <p:txBody>
+          <a:bodyPr/>
+          <a:lstStyle/>
+          <a:p>
+            <a:fld id="{749988E2-50EA-4610-8EAB-6802264AE88B}" type="slidenum">
+              <a:rPr lang="en-US" smtClean="0"/>
+              <a:t>1</a:t>
+            </a:fld>
+            <a:endParaRPr lang="en-US"/>
+          </a:p>
+        </p:txBody>
+      </p:sp>
     </p:spTree>
     <p:extLst>
       <p:ext uri="{BB962C8B-B14F-4D97-AF65-F5344CB8AC3E}">
@@ -4320,8 +4344,8 @@
           </a:p>
         </p:txBody>
       </p:sp>
-      <mc:AlternateContent xmlns:mc="http://schemas.openxmlformats.org/markup-compatibility/2006">
-        <mc:Choice xmlns:a14="http://schemas.microsoft.com/office/drawing/2010/main" Requires="a14">
+      <mc:AlternateContent xmlns:mc="http://schemas.openxmlformats.org/markup-compatibility/2006" xmlns:a14="http://schemas.microsoft.com/office/drawing/2010/main">
+        <mc:Choice Requires="a14">
           <p:sp>
             <p:nvSpPr>
               <p:cNvPr id="3" name="Content Placeholder 2"/>
@@ -4699,11 +4723,7 @@
                 </a:pPr>
                 <a:r>
                   <a:rPr lang="en-US" sz="1800" dirty="0" smtClean="0"/>
-                  <a:t>while </a:t>
-                </a:r>
-                <a:r>
-                  <a:rPr lang="en-US" sz="1800" dirty="0" smtClean="0"/>
-                  <a:t>min(</a:t>
+                  <a:t>while min(</a:t>
                 </a:r>
                 <a:r>
                   <a:rPr lang="en-US" sz="1800" dirty="0" err="1" smtClean="0"/>
@@ -5035,7 +5055,7 @@
             </p:txBody>
           </p:sp>
         </mc:Choice>
-        <mc:Fallback>
+        <mc:Fallback xmlns="">
           <p:sp>
             <p:nvSpPr>
               <p:cNvPr id="3" name="Content Placeholder 2"/>
@@ -5073,6 +5093,29 @@
           </p:sp>
         </mc:Fallback>
       </mc:AlternateContent>
+      <p:sp>
+        <p:nvSpPr>
+          <p:cNvPr id="4" name="灯片编号占位符 3"/>
+          <p:cNvSpPr>
+            <a:spLocks noGrp="1"/>
+          </p:cNvSpPr>
+          <p:nvPr>
+            <p:ph type="sldNum" sz="quarter" idx="12"/>
+          </p:nvPr>
+        </p:nvSpPr>
+        <p:spPr/>
+        <p:txBody>
+          <a:bodyPr/>
+          <a:lstStyle/>
+          <a:p>
+            <a:fld id="{749988E2-50EA-4610-8EAB-6802264AE88B}" type="slidenum">
+              <a:rPr lang="en-US" smtClean="0"/>
+              <a:t>10</a:t>
+            </a:fld>
+            <a:endParaRPr lang="en-US"/>
+          </a:p>
+        </p:txBody>
+      </p:sp>
     </p:spTree>
     <p:extLst>
       <p:ext uri="{BB962C8B-B14F-4D97-AF65-F5344CB8AC3E}">
@@ -5195,12 +5238,12 @@
               <a:t>subjective basis using </a:t>
             </a:r>
             <a:r>
-              <a:rPr lang="en-US" dirty="0" err="1"/>
-              <a:t>judgement</a:t>
+              <a:rPr lang="en-US" dirty="0" smtClean="0"/>
+              <a:t>judgment, </a:t>
             </a:r>
             <a:r>
               <a:rPr lang="en-US" dirty="0"/>
-              <a:t>, intuition, commercial knowledge and </a:t>
+              <a:t>intuition, commercial knowledge and </a:t>
             </a:r>
             <a:r>
               <a:rPr lang="en-US" dirty="0" smtClean="0"/>
@@ -5246,6 +5289,29 @@
               <a:rPr lang="en-US" dirty="0"/>
               <a:t>depend at least partly on values of one or more additional series</a:t>
             </a:r>
+          </a:p>
+        </p:txBody>
+      </p:sp>
+      <p:sp>
+        <p:nvSpPr>
+          <p:cNvPr id="4" name="灯片编号占位符 3"/>
+          <p:cNvSpPr>
+            <a:spLocks noGrp="1"/>
+          </p:cNvSpPr>
+          <p:nvPr>
+            <p:ph type="sldNum" sz="quarter" idx="12"/>
+          </p:nvPr>
+        </p:nvSpPr>
+        <p:spPr/>
+        <p:txBody>
+          <a:bodyPr/>
+          <a:lstStyle/>
+          <a:p>
+            <a:fld id="{749988E2-50EA-4610-8EAB-6802264AE88B}" type="slidenum">
+              <a:rPr lang="en-US" smtClean="0"/>
+              <a:t>11</a:t>
+            </a:fld>
+            <a:endParaRPr lang="en-US"/>
           </a:p>
         </p:txBody>
       </p:sp>
@@ -5334,7 +5400,7 @@
             </p:spPr>
             <p:txBody>
               <a:bodyPr>
-                <a:normAutofit fontScale="70000" lnSpcReduction="20000"/>
+                <a:normAutofit fontScale="55000" lnSpcReduction="20000"/>
               </a:bodyPr>
               <a:lstStyle/>
               <a:p>
@@ -5703,6 +5769,10 @@
                   <a:rPr lang="en-US" sz="3000" dirty="0" smtClean="0"/>
                   <a:t>Where </a:t>
                 </a:r>
+                <a:r>
+                  <a:rPr lang="en-US" sz="3000" dirty="0" smtClean="0"/>
+                  <a:t>forecasting value of </a:t>
+                </a:r>
                 <a14:m>
                   <m:oMath xmlns:m="http://schemas.openxmlformats.org/officeDocument/2006/math">
                     <m:sSub>
@@ -6103,8 +6173,9 @@
                 <a:pPr lvl="1"/>
                 <a:r>
                   <a:rPr lang="en-US" sz="2800" dirty="0" smtClean="0"/>
-                  <a:t>Error-correction form</a:t>
-                </a:r>
+                  <a:t>When feasible?</a:t>
+                </a:r>
+                <a:endParaRPr lang="en-US" sz="2800" dirty="0" smtClean="0"/>
               </a:p>
               <a:p>
                 <a:pPr marL="0" indent="0" algn="ctr">
@@ -6119,160 +6190,145 @@
                       <m:sSub>
                         <m:sSubPr>
                           <m:ctrlPr>
-                            <a:rPr lang="en-US" sz="3000" i="1">
+                            <a:rPr lang="en-US" sz="3000" b="0" i="1" smtClean="0">
                               <a:latin typeface="Cambria Math"/>
                             </a:rPr>
                           </m:ctrlPr>
                         </m:sSubPr>
                         <m:e>
-                          <m:acc>
-                            <m:accPr>
-                              <m:chr m:val="̂"/>
-                              <m:ctrlPr>
-                                <a:rPr lang="en-US" sz="3000" i="1">
-                                  <a:latin typeface="Cambria Math"/>
-                                </a:rPr>
-                              </m:ctrlPr>
-                            </m:accPr>
-                            <m:e>
-                              <m:r>
-                                <a:rPr lang="en-US" sz="3000" i="1">
-                                  <a:latin typeface="Cambria Math" panose="02040503050406030204" pitchFamily="18" charset="0"/>
-                                </a:rPr>
-                                <m:t>𝑥</m:t>
-                              </m:r>
-                            </m:e>
-                          </m:acc>
+                          <m:r>
+                            <a:rPr lang="en-US" sz="3000" i="1" smtClean="0">
+                              <a:latin typeface="Cambria Math"/>
+                            </a:rPr>
+                            <m:t>𝑋</m:t>
+                          </m:r>
                         </m:e>
                         <m:sub>
                           <m:r>
-                            <a:rPr lang="en-US" sz="3000" i="1">
-                              <a:latin typeface="Cambria Math" panose="02040503050406030204" pitchFamily="18" charset="0"/>
-                            </a:rPr>
-                            <m:t>𝑁</m:t>
+                            <a:rPr lang="en-US" sz="3000" b="0" i="1" smtClean="0">
+                              <a:latin typeface="Cambria Math"/>
+                            </a:rPr>
+                            <m:t>𝑡</m:t>
                           </m:r>
                         </m:sub>
                       </m:sSub>
-                      <m:d>
-                        <m:dPr>
-                          <m:ctrlPr>
-                            <a:rPr lang="en-US" sz="3000" i="1">
-                              <a:latin typeface="Cambria Math"/>
-                            </a:rPr>
-                          </m:ctrlPr>
-                        </m:dPr>
-                        <m:e>
-                          <m:r>
-                            <a:rPr lang="en-US" sz="3000" i="1">
-                              <a:latin typeface="Cambria Math" panose="02040503050406030204" pitchFamily="18" charset="0"/>
-                            </a:rPr>
-                            <m:t>1</m:t>
-                          </m:r>
-                        </m:e>
-                      </m:d>
                       <m:r>
                         <a:rPr lang="en-US" sz="3000" b="0" i="1" smtClean="0">
-                          <a:latin typeface="Cambria Math" panose="02040503050406030204" pitchFamily="18" charset="0"/>
+                          <a:latin typeface="Cambria Math"/>
                         </a:rPr>
                         <m:t>=</m:t>
                       </m:r>
                       <m:r>
                         <a:rPr lang="en-US" sz="3000" b="0" i="1" smtClean="0">
-                          <a:latin typeface="Cambria Math" panose="02040503050406030204" pitchFamily="18" charset="0"/>
+                          <a:latin typeface="Cambria Math"/>
+                        </a:rPr>
+                        <m:t>𝜇</m:t>
+                      </m:r>
+                      <m:r>
+                        <a:rPr lang="en-US" sz="3000" b="0" i="1" smtClean="0">
+                          <a:latin typeface="Cambria Math"/>
+                        </a:rPr>
+                        <m:t>+</m:t>
+                      </m:r>
+                      <m:r>
+                        <a:rPr lang="en-US" sz="3000" b="0" i="1" smtClean="0">
+                          <a:latin typeface="Cambria Math"/>
                         </a:rPr>
                         <m:t>𝛼</m:t>
                       </m:r>
-                      <m:sSub>
-                        <m:sSubPr>
+                      <m:nary>
+                        <m:naryPr>
+                          <m:chr m:val="∑"/>
+                          <m:supHide m:val="on"/>
                           <m:ctrlPr>
-                            <a:rPr lang="en-US" sz="3000" b="0" i="1" smtClean="0">
+                            <a:rPr lang="en-US" altLang="zh-CN" sz="3000" b="0" i="1" smtClean="0">
                               <a:latin typeface="Cambria Math"/>
                             </a:rPr>
                           </m:ctrlPr>
-                        </m:sSubPr>
-                        <m:e>
-                          <m:r>
-                            <a:rPr lang="en-US" sz="3000" b="0" i="1" smtClean="0">
-                              <a:latin typeface="Cambria Math" panose="02040503050406030204" pitchFamily="18" charset="0"/>
-                            </a:rPr>
-                            <m:t>𝑒</m:t>
-                          </m:r>
-                        </m:e>
+                        </m:naryPr>
                         <m:sub>
                           <m:r>
-                            <a:rPr lang="en-US" sz="3000" b="0" i="1" smtClean="0">
-                              <a:latin typeface="Cambria Math" panose="02040503050406030204" pitchFamily="18" charset="0"/>
-                            </a:rPr>
-                            <m:t>𝑁</m:t>
+                            <m:rPr>
+                              <m:brk m:alnAt="7"/>
+                            </m:rPr>
+                            <a:rPr lang="en-US" altLang="zh-CN" sz="3000" b="0" i="1" smtClean="0">
+                              <a:latin typeface="Cambria Math"/>
+                            </a:rPr>
+                            <m:t>𝑗</m:t>
+                          </m:r>
+                          <m:r>
+                            <a:rPr lang="en-US" altLang="zh-CN" sz="3000" b="0" i="1" smtClean="0">
+                              <a:latin typeface="Cambria Math"/>
+                            </a:rPr>
+                            <m:t>&lt;</m:t>
+                          </m:r>
+                          <m:r>
+                            <a:rPr lang="en-US" altLang="zh-CN" sz="3000" b="0" i="1" smtClean="0">
+                              <a:latin typeface="Cambria Math"/>
+                            </a:rPr>
+                            <m:t>𝑡</m:t>
                           </m:r>
                         </m:sub>
-                      </m:sSub>
+                        <m:sup/>
+                        <m:e>
+                          <m:sSub>
+                            <m:sSubPr>
+                              <m:ctrlPr>
+                                <a:rPr lang="en-US" altLang="zh-CN" sz="3000" b="0" i="1" smtClean="0">
+                                  <a:latin typeface="Cambria Math"/>
+                                </a:rPr>
+                              </m:ctrlPr>
+                            </m:sSubPr>
+                            <m:e>
+                              <m:r>
+                                <a:rPr lang="en-US" altLang="zh-CN" sz="3000" b="0" i="1" smtClean="0">
+                                  <a:latin typeface="Cambria Math"/>
+                                </a:rPr>
+                                <m:t>𝑍</m:t>
+                              </m:r>
+                            </m:e>
+                            <m:sub>
+                              <m:r>
+                                <a:rPr lang="en-US" altLang="zh-CN" sz="3000" b="0" i="1" smtClean="0">
+                                  <a:latin typeface="Cambria Math"/>
+                                </a:rPr>
+                                <m:t>𝑗</m:t>
+                              </m:r>
+                            </m:sub>
+                          </m:sSub>
+                        </m:e>
+                      </m:nary>
                       <m:r>
-                        <a:rPr lang="en-US" sz="3000" b="0" i="1" smtClean="0">
-                          <a:latin typeface="Cambria Math" panose="02040503050406030204" pitchFamily="18" charset="0"/>
+                        <a:rPr lang="en-US" altLang="zh-CN" sz="3000" b="0" i="1" smtClean="0">
+                          <a:latin typeface="Cambria Math"/>
                         </a:rPr>
                         <m:t>+</m:t>
                       </m:r>
                       <m:sSub>
                         <m:sSubPr>
                           <m:ctrlPr>
-                            <a:rPr lang="en-US" sz="3000" i="1">
+                            <a:rPr lang="en-US" altLang="zh-CN" sz="3000" b="0" i="1" smtClean="0">
                               <a:latin typeface="Cambria Math"/>
                             </a:rPr>
                           </m:ctrlPr>
                         </m:sSubPr>
                         <m:e>
-                          <m:acc>
-                            <m:accPr>
-                              <m:chr m:val="̂"/>
-                              <m:ctrlPr>
-                                <a:rPr lang="en-US" sz="3000" i="1">
-                                  <a:latin typeface="Cambria Math"/>
-                                </a:rPr>
-                              </m:ctrlPr>
-                            </m:accPr>
-                            <m:e>
-                              <m:r>
-                                <a:rPr lang="en-US" sz="3000" i="1">
-                                  <a:latin typeface="Cambria Math" panose="02040503050406030204" pitchFamily="18" charset="0"/>
-                                </a:rPr>
-                                <m:t>𝑥</m:t>
-                              </m:r>
-                            </m:e>
-                          </m:acc>
+                          <m:r>
+                            <a:rPr lang="en-US" altLang="zh-CN" sz="3000" b="0" i="1" smtClean="0">
+                              <a:latin typeface="Cambria Math"/>
+                            </a:rPr>
+                            <m:t>𝑍</m:t>
+                          </m:r>
                         </m:e>
                         <m:sub>
                           <m:r>
-                            <a:rPr lang="en-US" sz="3000" i="1">
-                              <a:latin typeface="Cambria Math" panose="02040503050406030204" pitchFamily="18" charset="0"/>
-                            </a:rPr>
-                            <m:t>𝑁</m:t>
-                          </m:r>
-                          <m:r>
-                            <a:rPr lang="en-US" sz="3000" b="0" i="1" smtClean="0">
-                              <a:latin typeface="Cambria Math" panose="02040503050406030204" pitchFamily="18" charset="0"/>
-                            </a:rPr>
-                            <m:t>−1</m:t>
+                            <a:rPr lang="en-US" altLang="zh-CN" sz="3000" b="0" i="1" smtClean="0">
+                              <a:latin typeface="Cambria Math"/>
+                            </a:rPr>
+                            <m:t>𝑡</m:t>
                           </m:r>
                         </m:sub>
                       </m:sSub>
-                      <m:d>
-                        <m:dPr>
-                          <m:ctrlPr>
-                            <a:rPr lang="en-US" sz="3000" i="1">
-                              <a:latin typeface="Cambria Math"/>
-                            </a:rPr>
-                          </m:ctrlPr>
-                        </m:dPr>
-                        <m:e>
-                          <m:r>
-                            <a:rPr lang="en-US" sz="3000" i="1">
-                              <a:latin typeface="Cambria Math" panose="02040503050406030204" pitchFamily="18" charset="0"/>
-                            </a:rPr>
-                            <m:t>1</m:t>
-                          </m:r>
-                        </m:e>
-                      </m:d>
                     </m:oMath>
                   </m:oMathPara>
                 </a14:m>
@@ -6299,128 +6355,78 @@
                       <m:e>
                         <m:r>
                           <a:rPr lang="en-US" sz="3000" b="0" i="1" smtClean="0">
-                            <a:latin typeface="Cambria Math" panose="02040503050406030204" pitchFamily="18" charset="0"/>
-                          </a:rPr>
-                          <m:t>𝑒</m:t>
+                            <a:latin typeface="Cambria Math"/>
+                          </a:rPr>
+                          <m:t>𝑍</m:t>
                         </m:r>
                       </m:e>
                       <m:sub>
                         <m:r>
                           <a:rPr lang="en-US" sz="3000" b="0" i="1" smtClean="0">
-                            <a:latin typeface="Cambria Math" panose="02040503050406030204" pitchFamily="18" charset="0"/>
-                          </a:rPr>
-                          <m:t>𝑁</m:t>
+                            <a:latin typeface="Cambria Math"/>
+                          </a:rPr>
+                          <m:t>𝑡</m:t>
                         </m:r>
                       </m:sub>
                     </m:sSub>
-                    <m:r>
-                      <a:rPr lang="en-US" sz="3000" b="0" i="1" smtClean="0">
-                        <a:latin typeface="Cambria Math" panose="02040503050406030204" pitchFamily="18" charset="0"/>
-                      </a:rPr>
-                      <m:t>=</m:t>
-                    </m:r>
-                    <m:sSub>
-                      <m:sSubPr>
-                        <m:ctrlPr>
-                          <a:rPr lang="en-US" sz="3000" b="0" i="1" smtClean="0">
-                            <a:latin typeface="Cambria Math"/>
-                          </a:rPr>
-                        </m:ctrlPr>
-                      </m:sSubPr>
-                      <m:e>
-                        <m:r>
-                          <a:rPr lang="en-US" sz="3000" b="0" i="1" smtClean="0">
-                            <a:latin typeface="Cambria Math" panose="02040503050406030204" pitchFamily="18" charset="0"/>
-                          </a:rPr>
-                          <m:t>𝑥</m:t>
-                        </m:r>
-                      </m:e>
-                      <m:sub>
-                        <m:r>
-                          <a:rPr lang="en-US" sz="3000" b="0" i="1" smtClean="0">
-                            <a:latin typeface="Cambria Math" panose="02040503050406030204" pitchFamily="18" charset="0"/>
-                          </a:rPr>
-                          <m:t>𝑁</m:t>
-                        </m:r>
-                      </m:sub>
-                    </m:sSub>
-                    <m:r>
-                      <a:rPr lang="en-US" sz="3000" b="0" i="1" smtClean="0">
-                        <a:latin typeface="Cambria Math" panose="02040503050406030204" pitchFamily="18" charset="0"/>
-                      </a:rPr>
-                      <m:t>−</m:t>
-                    </m:r>
-                    <m:sSub>
-                      <m:sSubPr>
-                        <m:ctrlPr>
-                          <a:rPr lang="en-US" sz="3000" i="1">
-                            <a:latin typeface="Cambria Math"/>
-                          </a:rPr>
-                        </m:ctrlPr>
-                      </m:sSubPr>
-                      <m:e>
-                        <m:acc>
-                          <m:accPr>
-                            <m:chr m:val="̂"/>
-                            <m:ctrlPr>
-                              <a:rPr lang="en-US" sz="3000" i="1">
-                                <a:latin typeface="Cambria Math"/>
-                              </a:rPr>
-                            </m:ctrlPr>
-                          </m:accPr>
-                          <m:e>
-                            <m:r>
-                              <a:rPr lang="en-US" sz="3000" i="1">
-                                <a:latin typeface="Cambria Math" panose="02040503050406030204" pitchFamily="18" charset="0"/>
-                              </a:rPr>
-                              <m:t>𝑥</m:t>
-                            </m:r>
-                          </m:e>
-                        </m:acc>
-                      </m:e>
-                      <m:sub>
-                        <m:r>
-                          <a:rPr lang="en-US" sz="3000" i="1">
-                            <a:latin typeface="Cambria Math" panose="02040503050406030204" pitchFamily="18" charset="0"/>
-                          </a:rPr>
-                          <m:t>𝑁</m:t>
-                        </m:r>
-                        <m:r>
-                          <a:rPr lang="en-US" sz="3000" b="0" i="1" smtClean="0">
-                            <a:latin typeface="Cambria Math" panose="02040503050406030204" pitchFamily="18" charset="0"/>
-                          </a:rPr>
-                          <m:t>−1</m:t>
-                        </m:r>
-                      </m:sub>
-                    </m:sSub>
-                    <m:d>
-                      <m:dPr>
-                        <m:ctrlPr>
-                          <a:rPr lang="en-US" sz="3000" i="1">
-                            <a:latin typeface="Cambria Math"/>
-                          </a:rPr>
-                        </m:ctrlPr>
-                      </m:dPr>
-                      <m:e>
-                        <m:r>
-                          <a:rPr lang="en-US" sz="3000" i="1">
-                            <a:latin typeface="Cambria Math" panose="02040503050406030204" pitchFamily="18" charset="0"/>
-                          </a:rPr>
-                          <m:t>1</m:t>
-                        </m:r>
-                      </m:e>
-                    </m:d>
                   </m:oMath>
                 </a14:m>
+                <a:r>
+                  <a:rPr lang="en-US" sz="3000" dirty="0" smtClean="0"/>
+                  <a:t> is a pure stochastic process</a:t>
+                </a:r>
                 <a:endParaRPr lang="en-US" sz="3000" dirty="0" smtClean="0"/>
               </a:p>
               <a:p>
                 <a:pPr lvl="1"/>
                 <a:r>
                   <a:rPr lang="en-US" sz="2800" dirty="0" smtClean="0"/>
-                  <a:t>Optimization: Square error sum</a:t>
-                </a:r>
-                <a:endParaRPr lang="en-US" sz="2800" dirty="0"/>
+                  <a:t>Optimization of </a:t>
+                </a:r>
+                <a14:m>
+                  <m:oMath xmlns:m="http://schemas.openxmlformats.org/officeDocument/2006/math">
+                    <m:r>
+                      <a:rPr lang="en-US" sz="2800" b="0" i="1" smtClean="0">
+                        <a:latin typeface="Cambria Math"/>
+                      </a:rPr>
+                      <m:t>𝛼</m:t>
+                    </m:r>
+                  </m:oMath>
+                </a14:m>
+                <a:r>
+                  <a:rPr lang="en-US" sz="2800" dirty="0" smtClean="0"/>
+                  <a:t>: </a:t>
+                </a:r>
+              </a:p>
+              <a:p>
+                <a:pPr lvl="2"/>
+                <a:r>
+                  <a:rPr lang="en-US" sz="2500" dirty="0" smtClean="0"/>
+                  <a:t>0.1—0.3 </a:t>
+                </a:r>
+              </a:p>
+              <a:p>
+                <a:pPr lvl="2"/>
+                <a:r>
+                  <a:rPr lang="en-US" sz="2500" dirty="0" smtClean="0"/>
+                  <a:t>Near to one</a:t>
+                </a:r>
+              </a:p>
+              <a:p>
+                <a:pPr lvl="2"/>
+                <a:r>
+                  <a:rPr lang="en-US" sz="2500" dirty="0" smtClean="0"/>
+                  <a:t>Square </a:t>
+                </a:r>
+                <a:r>
+                  <a:rPr lang="en-US" sz="2500" dirty="0" smtClean="0"/>
+                  <a:t>error </a:t>
+                </a:r>
+                <a:r>
+                  <a:rPr lang="en-US" sz="2500" dirty="0" smtClean="0"/>
+                  <a:t>sum &amp; Gradient decent</a:t>
+                </a:r>
+                <a:endParaRPr lang="en-US" sz="2500" dirty="0"/>
               </a:p>
               <a:p>
                 <a:pPr marL="0" indent="0" algn="ctr">
@@ -6481,7 +6487,7 @@
               <a:blipFill rotWithShape="1">
                 <a:blip r:embed="rId2"/>
                 <a:stretch>
-                  <a:fillRect l="-273" t="-1856"/>
+                  <a:fillRect t="-1201"/>
                 </a:stretch>
               </a:blipFill>
             </p:spPr>
@@ -6500,6 +6506,29 @@
           </p:sp>
         </mc:Fallback>
       </mc:AlternateContent>
+      <p:sp>
+        <p:nvSpPr>
+          <p:cNvPr id="4" name="灯片编号占位符 3"/>
+          <p:cNvSpPr>
+            <a:spLocks noGrp="1"/>
+          </p:cNvSpPr>
+          <p:nvPr>
+            <p:ph type="sldNum" sz="quarter" idx="12"/>
+          </p:nvPr>
+        </p:nvSpPr>
+        <p:spPr/>
+        <p:txBody>
+          <a:bodyPr/>
+          <a:lstStyle/>
+          <a:p>
+            <a:fld id="{749988E2-50EA-4610-8EAB-6802264AE88B}" type="slidenum">
+              <a:rPr lang="en-US" smtClean="0"/>
+              <a:t>12</a:t>
+            </a:fld>
+            <a:endParaRPr lang="en-US"/>
+          </a:p>
+        </p:txBody>
+      </p:sp>
     </p:spTree>
     <p:extLst>
       <p:ext uri="{BB962C8B-B14F-4D97-AF65-F5344CB8AC3E}">
@@ -7148,6 +7177,29 @@
           </p:sp>
         </mc:Fallback>
       </mc:AlternateContent>
+      <p:sp>
+        <p:nvSpPr>
+          <p:cNvPr id="4" name="灯片编号占位符 3"/>
+          <p:cNvSpPr>
+            <a:spLocks noGrp="1"/>
+          </p:cNvSpPr>
+          <p:nvPr>
+            <p:ph type="sldNum" sz="quarter" idx="12"/>
+          </p:nvPr>
+        </p:nvSpPr>
+        <p:spPr/>
+        <p:txBody>
+          <a:bodyPr/>
+          <a:lstStyle/>
+          <a:p>
+            <a:fld id="{749988E2-50EA-4610-8EAB-6802264AE88B}" type="slidenum">
+              <a:rPr lang="en-US" smtClean="0"/>
+              <a:t>13</a:t>
+            </a:fld>
+            <a:endParaRPr lang="en-US"/>
+          </a:p>
+        </p:txBody>
+      </p:sp>
     </p:spTree>
     <p:extLst>
       <p:ext uri="{BB962C8B-B14F-4D97-AF65-F5344CB8AC3E}">
@@ -8070,6 +8122,29 @@
           </p:sp>
         </mc:Fallback>
       </mc:AlternateContent>
+      <p:sp>
+        <p:nvSpPr>
+          <p:cNvPr id="4" name="灯片编号占位符 3"/>
+          <p:cNvSpPr>
+            <a:spLocks noGrp="1"/>
+          </p:cNvSpPr>
+          <p:nvPr>
+            <p:ph type="sldNum" sz="quarter" idx="12"/>
+          </p:nvPr>
+        </p:nvSpPr>
+        <p:spPr/>
+        <p:txBody>
+          <a:bodyPr/>
+          <a:lstStyle/>
+          <a:p>
+            <a:fld id="{749988E2-50EA-4610-8EAB-6802264AE88B}" type="slidenum">
+              <a:rPr lang="en-US" smtClean="0"/>
+              <a:t>14</a:t>
+            </a:fld>
+            <a:endParaRPr lang="en-US"/>
+          </a:p>
+        </p:txBody>
+      </p:sp>
     </p:spTree>
     <p:extLst>
       <p:ext uri="{BB962C8B-B14F-4D97-AF65-F5344CB8AC3E}">
@@ -8124,117 +8199,19 @@
           <a:p>
             <a:pPr algn="ctr"/>
             <a:r>
-              <a:rPr lang="en-US" dirty="0" err="1"/>
-              <a:t>Univariate</a:t>
-            </a:r>
-            <a:r>
               <a:rPr lang="en-US" dirty="0"/>
-              <a:t> Forecasting</a:t>
-            </a:r>
+              <a:t>Multivariate </a:t>
+            </a:r>
+            <a:r>
+              <a:rPr lang="en-US" dirty="0" smtClean="0"/>
+              <a:t>Forecasting</a:t>
+            </a:r>
+            <a:endParaRPr lang="en-US" dirty="0"/>
           </a:p>
         </p:txBody>
       </p:sp>
-      <p:sp>
-        <p:nvSpPr>
-          <p:cNvPr id="3" name="Content Placeholder 2"/>
-          <p:cNvSpPr>
-            <a:spLocks noGrp="1"/>
-          </p:cNvSpPr>
-          <p:nvPr>
-            <p:ph sz="quarter" idx="1"/>
-          </p:nvPr>
-        </p:nvSpPr>
-        <p:spPr/>
-        <p:txBody>
-          <a:bodyPr/>
-          <a:lstStyle/>
-          <a:p>
-            <a:r>
-              <a:rPr lang="en-US" dirty="0"/>
-              <a:t>Box-Jenkins </a:t>
-            </a:r>
-            <a:r>
-              <a:rPr lang="en-US" dirty="0" smtClean="0"/>
-              <a:t>procedure</a:t>
-            </a:r>
-          </a:p>
-          <a:p>
-            <a:pPr lvl="1"/>
-            <a:r>
-              <a:rPr lang="en-US" dirty="0" smtClean="0"/>
-              <a:t>To be reviewed</a:t>
-            </a:r>
-            <a:endParaRPr lang="en-US" dirty="0"/>
-          </a:p>
-        </p:txBody>
-      </p:sp>
-    </p:spTree>
-    <p:extLst>
-      <p:ext uri="{BB962C8B-B14F-4D97-AF65-F5344CB8AC3E}">
-        <p14:creationId xmlns:p14="http://schemas.microsoft.com/office/powerpoint/2010/main" val="2275870838"/>
-      </p:ext>
-    </p:extLst>
-  </p:cSld>
-  <p:clrMapOvr>
-    <a:masterClrMapping/>
-  </p:clrMapOvr>
-  <p:timing>
-    <p:tnLst>
-      <p:par>
-        <p:cTn id="1" dur="indefinite" restart="never" nodeType="tmRoot"/>
-      </p:par>
-    </p:tnLst>
-  </p:timing>
-</p:sld>
-</file>
-
-<file path=ppt/slides/slide16.xml><?xml version="1.0" encoding="utf-8"?>
-<p:sld xmlns:a="http://schemas.openxmlformats.org/drawingml/2006/main" xmlns:r="http://schemas.openxmlformats.org/officeDocument/2006/relationships" xmlns:p="http://schemas.openxmlformats.org/presentationml/2006/main">
-  <p:cSld>
-    <p:spTree>
-      <p:nvGrpSpPr>
-        <p:cNvPr id="1" name=""/>
-        <p:cNvGrpSpPr/>
-        <p:nvPr/>
-      </p:nvGrpSpPr>
-      <p:grpSpPr>
-        <a:xfrm>
-          <a:off x="0" y="0"/>
-          <a:ext cx="0" cy="0"/>
-          <a:chOff x="0" y="0"/>
-          <a:chExt cx="0" cy="0"/>
-        </a:xfrm>
-      </p:grpSpPr>
-      <p:sp>
-        <p:nvSpPr>
-          <p:cNvPr id="2" name="Title 1"/>
-          <p:cNvSpPr>
-            <a:spLocks noGrp="1"/>
-          </p:cNvSpPr>
-          <p:nvPr>
-            <p:ph type="title"/>
-          </p:nvPr>
-        </p:nvSpPr>
-        <p:spPr/>
-        <p:txBody>
-          <a:bodyPr/>
-          <a:lstStyle/>
-          <a:p>
-            <a:pPr algn="ctr"/>
-            <a:r>
-              <a:rPr lang="en-US" dirty="0"/>
-              <a:t>Multivariate </a:t>
-            </a:r>
-            <a:r>
-              <a:rPr lang="en-US" dirty="0" smtClean="0"/>
-              <a:t>Forecasting</a:t>
-            </a:r>
-            <a:endParaRPr lang="en-US" dirty="0"/>
-          </a:p>
-        </p:txBody>
-      </p:sp>
-      <mc:AlternateContent xmlns:mc="http://schemas.openxmlformats.org/markup-compatibility/2006" xmlns:a14="http://schemas.microsoft.com/office/drawing/2010/main">
-        <mc:Choice Requires="a14">
+      <mc:AlternateContent xmlns:mc="http://schemas.openxmlformats.org/markup-compatibility/2006">
+        <mc:Choice xmlns:a14="http://schemas.microsoft.com/office/drawing/2010/main" Requires="a14">
           <p:sp>
             <p:nvSpPr>
               <p:cNvPr id="3" name="Content Placeholder 2"/>
@@ -8858,28 +8835,399 @@
                 </a14:m>
                 <a:r>
                   <a:rPr lang="en-US" dirty="0" smtClean="0"/>
-                  <a:t> denotes g predetermined(exogenous)variables.</a:t>
-                </a:r>
+                  <a:t> denotes g predetermined(exogenous)variables</a:t>
+                </a:r>
+                <a:r>
+                  <a:rPr lang="en-US" dirty="0" smtClean="0"/>
+                  <a:t>.</a:t>
+                </a:r>
+                <a:endParaRPr lang="en-US" dirty="0" smtClean="0"/>
+              </a:p>
+            </p:txBody>
+          </p:sp>
+        </mc:Choice>
+        <mc:Fallback>
+          <p:sp>
+            <p:nvSpPr>
+              <p:cNvPr id="3" name="Content Placeholder 2"/>
+              <p:cNvSpPr>
+                <a:spLocks noGrp="1" noRot="1" noChangeAspect="1" noMove="1" noResize="1" noEditPoints="1" noAdjustHandles="1" noChangeArrowheads="1" noChangeShapeType="1" noTextEdit="1"/>
+              </p:cNvSpPr>
+              <p:nvPr>
+                <p:ph sz="quarter" idx="1"/>
+              </p:nvPr>
+            </p:nvSpPr>
+            <p:spPr>
+              <a:blipFill rotWithShape="1">
+                <a:blip r:embed="rId2"/>
+                <a:stretch>
+                  <a:fillRect l="-944" t="-1111" r="-1444"/>
+                </a:stretch>
+              </a:blipFill>
+            </p:spPr>
+            <p:txBody>
+              <a:bodyPr/>
+              <a:lstStyle/>
+              <a:p>
+                <a:r>
+                  <a:rPr lang="zh-CN" altLang="en-US">
+                    <a:noFill/>
+                  </a:rPr>
+                  <a:t> </a:t>
+                </a:r>
+              </a:p>
+            </p:txBody>
+          </p:sp>
+        </mc:Fallback>
+      </mc:AlternateContent>
+      <p:sp>
+        <p:nvSpPr>
+          <p:cNvPr id="4" name="灯片编号占位符 3"/>
+          <p:cNvSpPr>
+            <a:spLocks noGrp="1"/>
+          </p:cNvSpPr>
+          <p:nvPr>
+            <p:ph type="sldNum" sz="quarter" idx="12"/>
+          </p:nvPr>
+        </p:nvSpPr>
+        <p:spPr/>
+        <p:txBody>
+          <a:bodyPr/>
+          <a:lstStyle/>
+          <a:p>
+            <a:fld id="{749988E2-50EA-4610-8EAB-6802264AE88B}" type="slidenum">
+              <a:rPr lang="en-US" smtClean="0"/>
+              <a:t>15</a:t>
+            </a:fld>
+            <a:endParaRPr lang="en-US"/>
+          </a:p>
+        </p:txBody>
+      </p:sp>
+    </p:spTree>
+    <p:extLst>
+      <p:ext uri="{BB962C8B-B14F-4D97-AF65-F5344CB8AC3E}">
+        <p14:creationId xmlns:p14="http://schemas.microsoft.com/office/powerpoint/2010/main" val="2334412839"/>
+      </p:ext>
+    </p:extLst>
+  </p:cSld>
+  <p:clrMapOvr>
+    <a:masterClrMapping/>
+  </p:clrMapOvr>
+  <p:timing>
+    <p:tnLst>
+      <p:par>
+        <p:cTn id="1" dur="indefinite" restart="never" nodeType="tmRoot"/>
+      </p:par>
+    </p:tnLst>
+  </p:timing>
+</p:sld>
+</file>
+
+<file path=ppt/slides/slide16.xml><?xml version="1.0" encoding="utf-8"?>
+<p:sld xmlns:a="http://schemas.openxmlformats.org/drawingml/2006/main" xmlns:r="http://schemas.openxmlformats.org/officeDocument/2006/relationships" xmlns:p="http://schemas.openxmlformats.org/presentationml/2006/main">
+  <p:cSld>
+    <p:spTree>
+      <p:nvGrpSpPr>
+        <p:cNvPr id="1" name=""/>
+        <p:cNvGrpSpPr/>
+        <p:nvPr/>
+      </p:nvGrpSpPr>
+      <p:grpSpPr>
+        <a:xfrm>
+          <a:off x="0" y="0"/>
+          <a:ext cx="0" cy="0"/>
+          <a:chOff x="0" y="0"/>
+          <a:chExt cx="0" cy="0"/>
+        </a:xfrm>
+      </p:grpSpPr>
+      <p:sp>
+        <p:nvSpPr>
+          <p:cNvPr id="2" name="Title 1"/>
+          <p:cNvSpPr>
+            <a:spLocks noGrp="1"/>
+          </p:cNvSpPr>
+          <p:nvPr>
+            <p:ph type="title"/>
+          </p:nvPr>
+        </p:nvSpPr>
+        <p:spPr/>
+        <p:txBody>
+          <a:bodyPr/>
+          <a:lstStyle/>
+          <a:p>
+            <a:pPr algn="ctr"/>
+            <a:r>
+              <a:rPr lang="en-US" dirty="0" smtClean="0"/>
+              <a:t>Prediction</a:t>
+            </a:r>
+            <a:endParaRPr lang="en-US" dirty="0"/>
+          </a:p>
+        </p:txBody>
+      </p:sp>
+      <mc:AlternateContent xmlns:mc="http://schemas.openxmlformats.org/markup-compatibility/2006" xmlns:a14="http://schemas.microsoft.com/office/drawing/2010/main">
+        <mc:Choice Requires="a14">
+          <p:sp>
+            <p:nvSpPr>
+              <p:cNvPr id="3" name="Content Placeholder 2"/>
+              <p:cNvSpPr>
+                <a:spLocks noGrp="1"/>
+              </p:cNvSpPr>
+              <p:nvPr>
+                <p:ph sz="quarter" idx="1"/>
+              </p:nvPr>
+            </p:nvSpPr>
+            <p:spPr/>
+            <p:txBody>
+              <a:bodyPr/>
+              <a:lstStyle/>
+              <a:p>
+                <a:r>
+                  <a:rPr lang="en-US" dirty="0" smtClean="0"/>
+                  <a:t>Find </a:t>
+                </a:r>
+                <a:r>
+                  <a:rPr lang="en-US" dirty="0"/>
+                  <a:t>unusual </a:t>
+                </a:r>
+                <a:r>
+                  <a:rPr lang="en-US" dirty="0" smtClean="0"/>
+                  <a:t>subsequences(events) </a:t>
+                </a:r>
+                <a:r>
+                  <a:rPr lang="en-US" dirty="0"/>
+                  <a:t>of the time series in TSDB </a:t>
+                </a:r>
+                <a:endParaRPr lang="en-US" dirty="0" smtClean="0"/>
               </a:p>
               <a:p>
-                <a:pPr marL="0" indent="0">
-                  <a:buNone/>
-                </a:pPr>
+                <a:r>
+                  <a:rPr lang="en-US" altLang="zh-CN" dirty="0" smtClean="0"/>
+                  <a:t>Event: important issues </a:t>
+                </a:r>
+                <a:r>
+                  <a:rPr lang="en-US" altLang="zh-CN" dirty="0"/>
+                  <a:t>like earthquakes, sharp rises or falls of a stock </a:t>
+                </a:r>
+                <a:r>
+                  <a:rPr lang="en-US" altLang="zh-CN" dirty="0" smtClean="0"/>
+                  <a:t>price.</a:t>
+                </a:r>
+                <a:endParaRPr lang="en-US" altLang="zh-CN" dirty="0"/>
+              </a:p>
+              <a:p>
+                <a:r>
+                  <a:rPr lang="en-US" dirty="0"/>
+                  <a:t>Temporal Pattern: </a:t>
+                </a:r>
+                <a:r>
+                  <a:rPr lang="en-US" dirty="0" smtClean="0"/>
+                  <a:t>A </a:t>
+                </a:r>
+                <a:r>
+                  <a:rPr lang="en-US" dirty="0"/>
+                  <a:t>hidden structure in a time series that is characteristic </a:t>
+                </a:r>
+                <a:r>
+                  <a:rPr lang="en-US" dirty="0" smtClean="0"/>
+                  <a:t>and predictive </a:t>
+                </a:r>
+                <a:r>
+                  <a:rPr lang="en-US" dirty="0"/>
+                  <a:t>of </a:t>
+                </a:r>
+                <a:r>
+                  <a:rPr lang="en-US" dirty="0" smtClean="0"/>
+                  <a:t>events. Temporal </a:t>
+                </a:r>
+                <a:r>
+                  <a:rPr lang="en-US" dirty="0"/>
+                  <a:t>pattern </a:t>
+                </a:r>
+                <a:r>
+                  <a:rPr lang="en-US" b="1" dirty="0"/>
+                  <a:t>p</a:t>
+                </a:r>
+                <a:r>
+                  <a:rPr lang="en-US" dirty="0"/>
+                  <a:t> is a real vector of length </a:t>
+                </a:r>
+                <a:r>
+                  <a:rPr lang="en-US" dirty="0" smtClean="0"/>
+                  <a:t>Q.</a:t>
+                </a:r>
+              </a:p>
+              <a:p>
+                <a:r>
+                  <a:rPr lang="en-US" dirty="0" smtClean="0"/>
+                  <a:t>Temporal Pattern Cluster: </a:t>
+                </a:r>
+                <a14:m>
+                  <m:oMath xmlns:m="http://schemas.openxmlformats.org/officeDocument/2006/math">
+                    <m:r>
+                      <a:rPr lang="en-US" b="0" i="1" smtClean="0">
+                        <a:latin typeface="Cambria Math" panose="02040503050406030204" pitchFamily="18" charset="0"/>
+                      </a:rPr>
+                      <m:t>𝑃</m:t>
+                    </m:r>
+                    <m:r>
+                      <a:rPr lang="en-US" b="0" i="1" smtClean="0">
+                        <a:latin typeface="Cambria Math" panose="02040503050406030204" pitchFamily="18" charset="0"/>
+                      </a:rPr>
+                      <m:t>={</m:t>
+                    </m:r>
+                    <m:r>
+                      <a:rPr lang="en-US" b="0" i="1" smtClean="0">
+                        <a:latin typeface="Cambria Math" panose="02040503050406030204" pitchFamily="18" charset="0"/>
+                      </a:rPr>
+                      <m:t>𝑎</m:t>
+                    </m:r>
+                    <m:r>
+                      <a:rPr lang="en-US" b="0" i="1" smtClean="0">
+                        <a:latin typeface="Cambria Math" panose="02040503050406030204" pitchFamily="18" charset="0"/>
+                        <a:ea typeface="Cambria Math" panose="02040503050406030204" pitchFamily="18" charset="0"/>
+                      </a:rPr>
+                      <m:t>∈ </m:t>
+                    </m:r>
+                    <m:sSup>
+                      <m:sSupPr>
+                        <m:ctrlPr>
+                          <a:rPr lang="en-US" b="0" i="1" smtClean="0">
+                            <a:latin typeface="Cambria Math"/>
+                            <a:ea typeface="Cambria Math" panose="02040503050406030204" pitchFamily="18" charset="0"/>
+                          </a:rPr>
+                        </m:ctrlPr>
+                      </m:sSupPr>
+                      <m:e>
+                        <m:r>
+                          <a:rPr lang="en-US" b="0" i="1" smtClean="0">
+                            <a:latin typeface="Cambria Math" panose="02040503050406030204" pitchFamily="18" charset="0"/>
+                            <a:ea typeface="Cambria Math" panose="02040503050406030204" pitchFamily="18" charset="0"/>
+                          </a:rPr>
+                          <m:t>ℝ</m:t>
+                        </m:r>
+                      </m:e>
+                      <m:sup>
+                        <m:r>
+                          <a:rPr lang="en-US" b="0" i="1" smtClean="0">
+                            <a:latin typeface="Cambria Math" panose="02040503050406030204" pitchFamily="18" charset="0"/>
+                            <a:ea typeface="Cambria Math" panose="02040503050406030204" pitchFamily="18" charset="0"/>
+                          </a:rPr>
+                          <m:t>𝑄</m:t>
+                        </m:r>
+                      </m:sup>
+                    </m:sSup>
+                    <m:r>
+                      <a:rPr lang="en-US" b="0" i="1" smtClean="0">
+                        <a:latin typeface="Cambria Math" panose="02040503050406030204" pitchFamily="18" charset="0"/>
+                        <a:ea typeface="Cambria Math" panose="02040503050406030204" pitchFamily="18" charset="0"/>
+                      </a:rPr>
+                      <m:t>:</m:t>
+                    </m:r>
+                    <m:r>
+                      <a:rPr lang="en-US" b="0" i="1" smtClean="0">
+                        <a:latin typeface="Cambria Math" panose="02040503050406030204" pitchFamily="18" charset="0"/>
+                        <a:ea typeface="Cambria Math" panose="02040503050406030204" pitchFamily="18" charset="0"/>
+                      </a:rPr>
+                      <m:t>𝑑</m:t>
+                    </m:r>
+                    <m:d>
+                      <m:dPr>
+                        <m:ctrlPr>
+                          <a:rPr lang="en-US" b="0" i="1" smtClean="0">
+                            <a:latin typeface="Cambria Math"/>
+                            <a:ea typeface="Cambria Math" panose="02040503050406030204" pitchFamily="18" charset="0"/>
+                          </a:rPr>
+                        </m:ctrlPr>
+                      </m:dPr>
+                      <m:e>
+                        <m:r>
+                          <a:rPr lang="en-US" b="1" i="1" smtClean="0">
+                            <a:latin typeface="Cambria Math" panose="02040503050406030204" pitchFamily="18" charset="0"/>
+                            <a:ea typeface="Cambria Math" panose="02040503050406030204" pitchFamily="18" charset="0"/>
+                          </a:rPr>
+                          <m:t>𝒑</m:t>
+                        </m:r>
+                        <m:r>
+                          <a:rPr lang="en-US" b="0" i="1" smtClean="0">
+                            <a:latin typeface="Cambria Math" panose="02040503050406030204" pitchFamily="18" charset="0"/>
+                            <a:ea typeface="Cambria Math" panose="02040503050406030204" pitchFamily="18" charset="0"/>
+                          </a:rPr>
+                          <m:t>,</m:t>
+                        </m:r>
+                        <m:r>
+                          <a:rPr lang="en-US" b="0" i="1" smtClean="0">
+                            <a:latin typeface="Cambria Math" panose="02040503050406030204" pitchFamily="18" charset="0"/>
+                            <a:ea typeface="Cambria Math" panose="02040503050406030204" pitchFamily="18" charset="0"/>
+                          </a:rPr>
+                          <m:t>𝑎</m:t>
+                        </m:r>
+                      </m:e>
+                    </m:d>
+                    <m:r>
+                      <a:rPr lang="en-US" b="0" i="1" smtClean="0">
+                        <a:latin typeface="Cambria Math" panose="02040503050406030204" pitchFamily="18" charset="0"/>
+                        <a:ea typeface="Cambria Math" panose="02040503050406030204" pitchFamily="18" charset="0"/>
+                      </a:rPr>
+                      <m:t>≤</m:t>
+                    </m:r>
+                    <m:r>
+                      <a:rPr lang="en-US" b="0" i="1" smtClean="0">
+                        <a:latin typeface="Cambria Math" panose="02040503050406030204" pitchFamily="18" charset="0"/>
+                        <a:ea typeface="Cambria Math" panose="02040503050406030204" pitchFamily="18" charset="0"/>
+                      </a:rPr>
+                      <m:t>𝛿</m:t>
+                    </m:r>
+                    <m:r>
+                      <a:rPr lang="en-US" b="0" i="1" smtClean="0">
+                        <a:latin typeface="Cambria Math" panose="02040503050406030204" pitchFamily="18" charset="0"/>
+                        <a:ea typeface="Cambria Math" panose="02040503050406030204" pitchFamily="18" charset="0"/>
+                      </a:rPr>
+                      <m:t>}</m:t>
+                    </m:r>
+                  </m:oMath>
+                </a14:m>
+                <a:r>
+                  <a:rPr lang="en-US" dirty="0" smtClean="0"/>
+                  <a:t>,</a:t>
+                </a:r>
+                <a:r>
+                  <a:rPr lang="en-US" dirty="0"/>
+                  <a:t> a </a:t>
+                </a:r>
+                <a:r>
+                  <a:rPr lang="en-US" dirty="0" smtClean="0"/>
+                  <a:t>hyper-sphere of dimension </a:t>
+                </a:r>
+                <a:r>
+                  <a:rPr lang="en-US" i="1" dirty="0"/>
+                  <a:t>Q</a:t>
+                </a:r>
+                <a:r>
+                  <a:rPr lang="en-US" dirty="0"/>
+                  <a:t>, radius </a:t>
+                </a:r>
+                <a14:m>
+                  <m:oMath xmlns:m="http://schemas.openxmlformats.org/officeDocument/2006/math">
+                    <m:r>
+                      <a:rPr lang="en-US" altLang="zh-CN" i="1">
+                        <a:latin typeface="Cambria Math" panose="02040503050406030204" pitchFamily="18" charset="0"/>
+                        <a:ea typeface="Cambria Math" panose="02040503050406030204" pitchFamily="18" charset="0"/>
+                      </a:rPr>
+                      <m:t>𝛿</m:t>
+                    </m:r>
+                  </m:oMath>
+                </a14:m>
+                <a:r>
+                  <a:rPr lang="en-US" dirty="0"/>
+                  <a:t>, and center </a:t>
+                </a:r>
+                <a:r>
+                  <a:rPr lang="en-US" b="1" dirty="0" smtClean="0"/>
+                  <a:t>p.</a:t>
+                </a:r>
                 <a:endParaRPr lang="en-US" dirty="0"/>
               </a:p>
               <a:p>
-                <a:pPr marL="0" indent="0">
-                  <a:buNone/>
-                </a:pPr>
-                <a:r>
-                  <a:rPr lang="en-US" dirty="0" smtClean="0"/>
-                  <a:t>To be reviewed!</a:t>
-                </a:r>
-              </a:p>
-              <a:p>
-                <a:pPr marL="457200" lvl="1" indent="0">
-                  <a:buNone/>
-                </a:pPr>
                 <a:endParaRPr lang="en-US" dirty="0"/>
               </a:p>
             </p:txBody>
@@ -8893,14 +9241,14 @@
                 <a:spLocks noGrp="1" noRot="1" noChangeAspect="1" noMove="1" noResize="1" noEditPoints="1" noAdjustHandles="1" noChangeArrowheads="1" noChangeShapeType="1" noTextEdit="1"/>
               </p:cNvSpPr>
               <p:nvPr>
-                <p:ph idx="1"/>
+                <p:ph sz="quarter" idx="1"/>
               </p:nvPr>
             </p:nvSpPr>
             <p:spPr>
-              <a:blipFill rotWithShape="0">
+              <a:blipFill rotWithShape="1">
                 <a:blip r:embed="rId2"/>
                 <a:stretch>
-                  <a:fillRect l="-616" t="-806"/>
+                  <a:fillRect l="-444" t="-1111" r="-1167"/>
                 </a:stretch>
               </a:blipFill>
             </p:spPr>
@@ -8909,7 +9257,7 @@
               <a:lstStyle/>
               <a:p>
                 <a:r>
-                  <a:rPr lang="en-US">
+                  <a:rPr lang="zh-CN" altLang="en-US">
                     <a:noFill/>
                   </a:rPr>
                   <a:t> </a:t>
@@ -8919,10 +9267,33 @@
           </p:sp>
         </mc:Fallback>
       </mc:AlternateContent>
+      <p:sp>
+        <p:nvSpPr>
+          <p:cNvPr id="4" name="灯片编号占位符 3"/>
+          <p:cNvSpPr>
+            <a:spLocks noGrp="1"/>
+          </p:cNvSpPr>
+          <p:nvPr>
+            <p:ph type="sldNum" sz="quarter" idx="12"/>
+          </p:nvPr>
+        </p:nvSpPr>
+        <p:spPr/>
+        <p:txBody>
+          <a:bodyPr/>
+          <a:lstStyle/>
+          <a:p>
+            <a:fld id="{749988E2-50EA-4610-8EAB-6802264AE88B}" type="slidenum">
+              <a:rPr lang="en-US" smtClean="0"/>
+              <a:t>16</a:t>
+            </a:fld>
+            <a:endParaRPr lang="en-US"/>
+          </a:p>
+        </p:txBody>
+      </p:sp>
     </p:spTree>
     <p:extLst>
       <p:ext uri="{BB962C8B-B14F-4D97-AF65-F5344CB8AC3E}">
-        <p14:creationId xmlns:p14="http://schemas.microsoft.com/office/powerpoint/2010/main" val="2334412839"/>
+        <p14:creationId xmlns:p14="http://schemas.microsoft.com/office/powerpoint/2010/main" val="4198660930"/>
       </p:ext>
     </p:extLst>
   </p:cSld>
@@ -8980,8 +9351,8 @@
           </a:p>
         </p:txBody>
       </p:sp>
-      <mc:AlternateContent xmlns:mc="http://schemas.openxmlformats.org/markup-compatibility/2006">
-        <mc:Choice xmlns:a14="http://schemas.microsoft.com/office/drawing/2010/main" Requires="a14">
+      <mc:AlternateContent xmlns:mc="http://schemas.openxmlformats.org/markup-compatibility/2006" xmlns:a14="http://schemas.microsoft.com/office/drawing/2010/main">
+        <mc:Choice Requires="a14">
           <p:sp>
             <p:nvSpPr>
               <p:cNvPr id="3" name="Content Placeholder 2"/>
@@ -9011,9 +9382,12 @@
                 </a:r>
                 <a:r>
                   <a:rPr lang="en-US" dirty="0"/>
-                  <a:t>of the time series in TSDB </a:t>
-                </a:r>
-                <a:endParaRPr lang="en-US" dirty="0" smtClean="0"/>
+                  <a:t>of the time series in TSDB under to some similarity/dissimilarity measure D(Q,C</a:t>
+                </a:r>
+                <a:r>
+                  <a:rPr lang="en-US" dirty="0" smtClean="0"/>
+                  <a:t>).</a:t>
+                </a:r>
               </a:p>
               <a:p>
                 <a:r>
@@ -9026,7 +9400,7 @@
                 </a:r>
                 <a:r>
                   <a:rPr lang="en-US" altLang="zh-CN" dirty="0" smtClean="0"/>
-                  <a:t>price.</a:t>
+                  <a:t>price</a:t>
                 </a:r>
                 <a:endParaRPr lang="en-US" altLang="zh-CN" dirty="0"/>
               </a:p>
@@ -9220,26 +9594,11 @@
                 </a:r>
                 <a:r>
                   <a:rPr lang="en-US" dirty="0"/>
-                  <a:t>, radius </a:t>
-                </a:r>
-                <a14:m>
-                  <m:oMath xmlns:m="http://schemas.openxmlformats.org/officeDocument/2006/math">
-                    <m:r>
-                      <a:rPr lang="en-US" altLang="zh-CN" i="1">
-                        <a:latin typeface="Cambria Math" panose="02040503050406030204" pitchFamily="18" charset="0"/>
-                        <a:ea typeface="Cambria Math" panose="02040503050406030204" pitchFamily="18" charset="0"/>
-                      </a:rPr>
-                      <m:t>𝛿</m:t>
-                    </m:r>
-                  </m:oMath>
-                </a14:m>
-                <a:r>
-                  <a:rPr lang="en-US" dirty="0"/>
-                  <a:t>, and center </a:t>
-                </a:r>
-                <a:r>
-                  <a:rPr lang="en-US" b="1" dirty="0" smtClean="0"/>
-                  <a:t>p.</a:t>
+                  <a:t>, radius , and center </a:t>
+                </a:r>
+                <a:r>
+                  <a:rPr lang="en-US" b="1" dirty="0"/>
+                  <a:t>p</a:t>
                 </a:r>
                 <a:endParaRPr lang="en-US" dirty="0"/>
               </a:p>
@@ -9249,7 +9608,7 @@
             </p:txBody>
           </p:sp>
         </mc:Choice>
-        <mc:Fallback>
+        <mc:Fallback xmlns="">
           <p:sp>
             <p:nvSpPr>
               <p:cNvPr id="3" name="Content Placeholder 2"/>
@@ -9257,14 +9616,14 @@
                 <a:spLocks noGrp="1" noRot="1" noChangeAspect="1" noMove="1" noResize="1" noEditPoints="1" noAdjustHandles="1" noChangeArrowheads="1" noChangeShapeType="1" noTextEdit="1"/>
               </p:cNvSpPr>
               <p:nvPr>
-                <p:ph sz="quarter" idx="1"/>
+                <p:ph idx="1"/>
               </p:nvPr>
             </p:nvSpPr>
             <p:spPr>
-              <a:blipFill rotWithShape="1">
+              <a:blipFill rotWithShape="0">
                 <a:blip r:embed="rId2"/>
                 <a:stretch>
-                  <a:fillRect l="-444" t="-1111" r="-1167"/>
+                  <a:fillRect l="-479" t="-806" r="-752"/>
                 </a:stretch>
               </a:blipFill>
             </p:spPr>
@@ -9273,7 +9632,7 @@
               <a:lstStyle/>
               <a:p>
                 <a:r>
-                  <a:rPr lang="zh-CN" altLang="en-US">
+                  <a:rPr lang="en-US">
                     <a:noFill/>
                   </a:rPr>
                   <a:t> </a:t>
@@ -9283,10 +9642,57 @@
           </p:sp>
         </mc:Fallback>
       </mc:AlternateContent>
+      <p:pic>
+        <p:nvPicPr>
+          <p:cNvPr id="4" name="Picture 3"/>
+          <p:cNvPicPr>
+            <a:picLocks noChangeAspect="1"/>
+          </p:cNvPicPr>
+          <p:nvPr/>
+        </p:nvPicPr>
+        <p:blipFill>
+          <a:blip r:embed="rId3"/>
+          <a:stretch>
+            <a:fillRect/>
+          </a:stretch>
+        </p:blipFill>
+        <p:spPr>
+          <a:xfrm>
+            <a:off x="3500737" y="1635492"/>
+            <a:ext cx="7026531" cy="4739430"/>
+          </a:xfrm>
+          <a:prstGeom prst="rect">
+            <a:avLst/>
+          </a:prstGeom>
+        </p:spPr>
+      </p:pic>
+      <p:sp>
+        <p:nvSpPr>
+          <p:cNvPr id="5" name="灯片编号占位符 4"/>
+          <p:cNvSpPr>
+            <a:spLocks noGrp="1"/>
+          </p:cNvSpPr>
+          <p:nvPr>
+            <p:ph type="sldNum" sz="quarter" idx="12"/>
+          </p:nvPr>
+        </p:nvSpPr>
+        <p:spPr/>
+        <p:txBody>
+          <a:bodyPr/>
+          <a:lstStyle/>
+          <a:p>
+            <a:fld id="{749988E2-50EA-4610-8EAB-6802264AE88B}" type="slidenum">
+              <a:rPr lang="en-US" smtClean="0"/>
+              <a:t>17</a:t>
+            </a:fld>
+            <a:endParaRPr lang="en-US"/>
+          </a:p>
+        </p:txBody>
+      </p:sp>
     </p:spTree>
     <p:extLst>
       <p:ext uri="{BB962C8B-B14F-4D97-AF65-F5344CB8AC3E}">
-        <p14:creationId xmlns:p14="http://schemas.microsoft.com/office/powerpoint/2010/main" val="4198660930"/>
+        <p14:creationId xmlns:p14="http://schemas.microsoft.com/office/powerpoint/2010/main" val="1408734145"/>
       </p:ext>
     </p:extLst>
   </p:cSld>
@@ -9337,382 +9743,6 @@
           <a:p>
             <a:pPr algn="ctr"/>
             <a:r>
-              <a:rPr lang="en-US" dirty="0" smtClean="0"/>
-              <a:t>Prediction</a:t>
-            </a:r>
-            <a:endParaRPr lang="en-US" dirty="0"/>
-          </a:p>
-        </p:txBody>
-      </p:sp>
-      <mc:AlternateContent xmlns:mc="http://schemas.openxmlformats.org/markup-compatibility/2006" xmlns:a14="http://schemas.microsoft.com/office/drawing/2010/main">
-        <mc:Choice Requires="a14">
-          <p:sp>
-            <p:nvSpPr>
-              <p:cNvPr id="3" name="Content Placeholder 2"/>
-              <p:cNvSpPr>
-                <a:spLocks noGrp="1"/>
-              </p:cNvSpPr>
-              <p:nvPr>
-                <p:ph sz="quarter" idx="1"/>
-              </p:nvPr>
-            </p:nvSpPr>
-            <p:spPr/>
-            <p:txBody>
-              <a:bodyPr/>
-              <a:lstStyle/>
-              <a:p>
-                <a:r>
-                  <a:rPr lang="en-US" dirty="0" smtClean="0"/>
-                  <a:t>Find </a:t>
-                </a:r>
-                <a:r>
-                  <a:rPr lang="en-US" dirty="0"/>
-                  <a:t>unusual </a:t>
-                </a:r>
-                <a:r>
-                  <a:rPr lang="en-US" dirty="0" smtClean="0"/>
-                  <a:t>subsequences(events) </a:t>
-                </a:r>
-                <a:r>
-                  <a:rPr lang="en-US" dirty="0"/>
-                  <a:t>of the time series in TSDB under to some similarity/dissimilarity measure D(Q,C</a:t>
-                </a:r>
-                <a:r>
-                  <a:rPr lang="en-US" dirty="0" smtClean="0"/>
-                  <a:t>).</a:t>
-                </a:r>
-              </a:p>
-              <a:p>
-                <a:r>
-                  <a:rPr lang="en-US" altLang="zh-CN" dirty="0" smtClean="0"/>
-                  <a:t>Event: important issues </a:t>
-                </a:r>
-                <a:r>
-                  <a:rPr lang="en-US" altLang="zh-CN" dirty="0"/>
-                  <a:t>like earthquakes, sharp rises or falls of a stock </a:t>
-                </a:r>
-                <a:r>
-                  <a:rPr lang="en-US" altLang="zh-CN" dirty="0" smtClean="0"/>
-                  <a:t>price</a:t>
-                </a:r>
-                <a:endParaRPr lang="en-US" altLang="zh-CN" dirty="0"/>
-              </a:p>
-              <a:p>
-                <a:r>
-                  <a:rPr lang="en-US" dirty="0"/>
-                  <a:t>Temporal Pattern: </a:t>
-                </a:r>
-                <a:r>
-                  <a:rPr lang="en-US" dirty="0" smtClean="0"/>
-                  <a:t>A </a:t>
-                </a:r>
-                <a:r>
-                  <a:rPr lang="en-US" dirty="0"/>
-                  <a:t>hidden structure in a time series that is characteristic </a:t>
-                </a:r>
-                <a:r>
-                  <a:rPr lang="en-US" dirty="0" smtClean="0"/>
-                  <a:t>and predictive </a:t>
-                </a:r>
-                <a:r>
-                  <a:rPr lang="en-US" dirty="0"/>
-                  <a:t>of </a:t>
-                </a:r>
-                <a:r>
-                  <a:rPr lang="en-US" dirty="0" smtClean="0"/>
-                  <a:t>events. Temporal </a:t>
-                </a:r>
-                <a:r>
-                  <a:rPr lang="en-US" dirty="0"/>
-                  <a:t>pattern </a:t>
-                </a:r>
-                <a:r>
-                  <a:rPr lang="en-US" b="1" dirty="0"/>
-                  <a:t>p</a:t>
-                </a:r>
-                <a:r>
-                  <a:rPr lang="en-US" dirty="0"/>
-                  <a:t> is a real vector of length </a:t>
-                </a:r>
-                <a:r>
-                  <a:rPr lang="en-US" dirty="0" smtClean="0"/>
-                  <a:t>Q.</a:t>
-                </a:r>
-              </a:p>
-              <a:p>
-                <a:r>
-                  <a:rPr lang="en-US" dirty="0" smtClean="0"/>
-                  <a:t>Temporal Pattern Cluster: </a:t>
-                </a:r>
-                <a14:m>
-                  <m:oMath xmlns:m="http://schemas.openxmlformats.org/officeDocument/2006/math">
-                    <m:r>
-                      <a:rPr lang="en-US" b="0" i="1" smtClean="0">
-                        <a:latin typeface="Cambria Math" panose="02040503050406030204" pitchFamily="18" charset="0"/>
-                      </a:rPr>
-                      <m:t>𝑃</m:t>
-                    </m:r>
-                    <m:r>
-                      <a:rPr lang="en-US" b="0" i="1" smtClean="0">
-                        <a:latin typeface="Cambria Math" panose="02040503050406030204" pitchFamily="18" charset="0"/>
-                      </a:rPr>
-                      <m:t>={</m:t>
-                    </m:r>
-                    <m:r>
-                      <a:rPr lang="en-US" b="0" i="1" smtClean="0">
-                        <a:latin typeface="Cambria Math" panose="02040503050406030204" pitchFamily="18" charset="0"/>
-                      </a:rPr>
-                      <m:t>𝑎</m:t>
-                    </m:r>
-                    <m:r>
-                      <a:rPr lang="en-US" b="0" i="1" smtClean="0">
-                        <a:latin typeface="Cambria Math" panose="02040503050406030204" pitchFamily="18" charset="0"/>
-                        <a:ea typeface="Cambria Math" panose="02040503050406030204" pitchFamily="18" charset="0"/>
-                      </a:rPr>
-                      <m:t>∈ </m:t>
-                    </m:r>
-                    <m:sSup>
-                      <m:sSupPr>
-                        <m:ctrlPr>
-                          <a:rPr lang="en-US" b="0" i="1" smtClean="0">
-                            <a:latin typeface="Cambria Math"/>
-                            <a:ea typeface="Cambria Math" panose="02040503050406030204" pitchFamily="18" charset="0"/>
-                          </a:rPr>
-                        </m:ctrlPr>
-                      </m:sSupPr>
-                      <m:e>
-                        <m:r>
-                          <a:rPr lang="en-US" b="0" i="1" smtClean="0">
-                            <a:latin typeface="Cambria Math" panose="02040503050406030204" pitchFamily="18" charset="0"/>
-                            <a:ea typeface="Cambria Math" panose="02040503050406030204" pitchFamily="18" charset="0"/>
-                          </a:rPr>
-                          <m:t>ℝ</m:t>
-                        </m:r>
-                      </m:e>
-                      <m:sup>
-                        <m:r>
-                          <a:rPr lang="en-US" b="0" i="1" smtClean="0">
-                            <a:latin typeface="Cambria Math" panose="02040503050406030204" pitchFamily="18" charset="0"/>
-                            <a:ea typeface="Cambria Math" panose="02040503050406030204" pitchFamily="18" charset="0"/>
-                          </a:rPr>
-                          <m:t>𝑄</m:t>
-                        </m:r>
-                      </m:sup>
-                    </m:sSup>
-                    <m:r>
-                      <a:rPr lang="en-US" b="0" i="1" smtClean="0">
-                        <a:latin typeface="Cambria Math" panose="02040503050406030204" pitchFamily="18" charset="0"/>
-                        <a:ea typeface="Cambria Math" panose="02040503050406030204" pitchFamily="18" charset="0"/>
-                      </a:rPr>
-                      <m:t>:</m:t>
-                    </m:r>
-                    <m:r>
-                      <a:rPr lang="en-US" b="0" i="1" smtClean="0">
-                        <a:latin typeface="Cambria Math" panose="02040503050406030204" pitchFamily="18" charset="0"/>
-                        <a:ea typeface="Cambria Math" panose="02040503050406030204" pitchFamily="18" charset="0"/>
-                      </a:rPr>
-                      <m:t>𝑑</m:t>
-                    </m:r>
-                    <m:d>
-                      <m:dPr>
-                        <m:ctrlPr>
-                          <a:rPr lang="en-US" b="0" i="1" smtClean="0">
-                            <a:latin typeface="Cambria Math"/>
-                            <a:ea typeface="Cambria Math" panose="02040503050406030204" pitchFamily="18" charset="0"/>
-                          </a:rPr>
-                        </m:ctrlPr>
-                      </m:dPr>
-                      <m:e>
-                        <m:r>
-                          <a:rPr lang="en-US" b="1" i="1" smtClean="0">
-                            <a:latin typeface="Cambria Math" panose="02040503050406030204" pitchFamily="18" charset="0"/>
-                            <a:ea typeface="Cambria Math" panose="02040503050406030204" pitchFamily="18" charset="0"/>
-                          </a:rPr>
-                          <m:t>𝒑</m:t>
-                        </m:r>
-                        <m:r>
-                          <a:rPr lang="en-US" b="0" i="1" smtClean="0">
-                            <a:latin typeface="Cambria Math" panose="02040503050406030204" pitchFamily="18" charset="0"/>
-                            <a:ea typeface="Cambria Math" panose="02040503050406030204" pitchFamily="18" charset="0"/>
-                          </a:rPr>
-                          <m:t>,</m:t>
-                        </m:r>
-                        <m:r>
-                          <a:rPr lang="en-US" b="0" i="1" smtClean="0">
-                            <a:latin typeface="Cambria Math" panose="02040503050406030204" pitchFamily="18" charset="0"/>
-                            <a:ea typeface="Cambria Math" panose="02040503050406030204" pitchFamily="18" charset="0"/>
-                          </a:rPr>
-                          <m:t>𝑎</m:t>
-                        </m:r>
-                      </m:e>
-                    </m:d>
-                    <m:r>
-                      <a:rPr lang="en-US" b="0" i="1" smtClean="0">
-                        <a:latin typeface="Cambria Math" panose="02040503050406030204" pitchFamily="18" charset="0"/>
-                        <a:ea typeface="Cambria Math" panose="02040503050406030204" pitchFamily="18" charset="0"/>
-                      </a:rPr>
-                      <m:t>≤</m:t>
-                    </m:r>
-                    <m:r>
-                      <a:rPr lang="en-US" b="0" i="1" smtClean="0">
-                        <a:latin typeface="Cambria Math" panose="02040503050406030204" pitchFamily="18" charset="0"/>
-                        <a:ea typeface="Cambria Math" panose="02040503050406030204" pitchFamily="18" charset="0"/>
-                      </a:rPr>
-                      <m:t>𝛿</m:t>
-                    </m:r>
-                    <m:r>
-                      <a:rPr lang="en-US" b="0" i="1" smtClean="0">
-                        <a:latin typeface="Cambria Math" panose="02040503050406030204" pitchFamily="18" charset="0"/>
-                        <a:ea typeface="Cambria Math" panose="02040503050406030204" pitchFamily="18" charset="0"/>
-                      </a:rPr>
-                      <m:t>}</m:t>
-                    </m:r>
-                  </m:oMath>
-                </a14:m>
-                <a:r>
-                  <a:rPr lang="en-US" dirty="0" smtClean="0"/>
-                  <a:t>,</a:t>
-                </a:r>
-                <a:r>
-                  <a:rPr lang="en-US" dirty="0"/>
-                  <a:t> a </a:t>
-                </a:r>
-                <a:r>
-                  <a:rPr lang="en-US" dirty="0" smtClean="0"/>
-                  <a:t>hyper-sphere of dimension </a:t>
-                </a:r>
-                <a:r>
-                  <a:rPr lang="en-US" i="1" dirty="0"/>
-                  <a:t>Q</a:t>
-                </a:r>
-                <a:r>
-                  <a:rPr lang="en-US" dirty="0"/>
-                  <a:t>, radius , and center </a:t>
-                </a:r>
-                <a:r>
-                  <a:rPr lang="en-US" b="1" dirty="0"/>
-                  <a:t>p</a:t>
-                </a:r>
-                <a:endParaRPr lang="en-US" dirty="0"/>
-              </a:p>
-              <a:p>
-                <a:endParaRPr lang="en-US" dirty="0"/>
-              </a:p>
-            </p:txBody>
-          </p:sp>
-        </mc:Choice>
-        <mc:Fallback xmlns="">
-          <p:sp>
-            <p:nvSpPr>
-              <p:cNvPr id="3" name="Content Placeholder 2"/>
-              <p:cNvSpPr>
-                <a:spLocks noGrp="1" noRot="1" noChangeAspect="1" noMove="1" noResize="1" noEditPoints="1" noAdjustHandles="1" noChangeArrowheads="1" noChangeShapeType="1" noTextEdit="1"/>
-              </p:cNvSpPr>
-              <p:nvPr>
-                <p:ph idx="1"/>
-              </p:nvPr>
-            </p:nvSpPr>
-            <p:spPr>
-              <a:blipFill rotWithShape="0">
-                <a:blip r:embed="rId2"/>
-                <a:stretch>
-                  <a:fillRect l="-479" t="-806" r="-752"/>
-                </a:stretch>
-              </a:blipFill>
-            </p:spPr>
-            <p:txBody>
-              <a:bodyPr/>
-              <a:lstStyle/>
-              <a:p>
-                <a:r>
-                  <a:rPr lang="en-US">
-                    <a:noFill/>
-                  </a:rPr>
-                  <a:t> </a:t>
-                </a:r>
-              </a:p>
-            </p:txBody>
-          </p:sp>
-        </mc:Fallback>
-      </mc:AlternateContent>
-      <p:pic>
-        <p:nvPicPr>
-          <p:cNvPr id="4" name="Picture 3"/>
-          <p:cNvPicPr>
-            <a:picLocks noChangeAspect="1"/>
-          </p:cNvPicPr>
-          <p:nvPr/>
-        </p:nvPicPr>
-        <p:blipFill>
-          <a:blip r:embed="rId3"/>
-          <a:stretch>
-            <a:fillRect/>
-          </a:stretch>
-        </p:blipFill>
-        <p:spPr>
-          <a:xfrm>
-            <a:off x="3500737" y="1635492"/>
-            <a:ext cx="7026531" cy="4739430"/>
-          </a:xfrm>
-          <a:prstGeom prst="rect">
-            <a:avLst/>
-          </a:prstGeom>
-        </p:spPr>
-      </p:pic>
-    </p:spTree>
-    <p:extLst>
-      <p:ext uri="{BB962C8B-B14F-4D97-AF65-F5344CB8AC3E}">
-        <p14:creationId xmlns:p14="http://schemas.microsoft.com/office/powerpoint/2010/main" val="1408734145"/>
-      </p:ext>
-    </p:extLst>
-  </p:cSld>
-  <p:clrMapOvr>
-    <a:masterClrMapping/>
-  </p:clrMapOvr>
-  <p:timing>
-    <p:tnLst>
-      <p:par>
-        <p:cTn id="1" dur="indefinite" restart="never" nodeType="tmRoot"/>
-      </p:par>
-    </p:tnLst>
-  </p:timing>
-</p:sld>
-</file>
-
-<file path=ppt/slides/slide19.xml><?xml version="1.0" encoding="utf-8"?>
-<p:sld xmlns:a="http://schemas.openxmlformats.org/drawingml/2006/main" xmlns:r="http://schemas.openxmlformats.org/officeDocument/2006/relationships" xmlns:p="http://schemas.openxmlformats.org/presentationml/2006/main">
-  <p:cSld>
-    <p:spTree>
-      <p:nvGrpSpPr>
-        <p:cNvPr id="1" name=""/>
-        <p:cNvGrpSpPr/>
-        <p:nvPr/>
-      </p:nvGrpSpPr>
-      <p:grpSpPr>
-        <a:xfrm>
-          <a:off x="0" y="0"/>
-          <a:ext cx="0" cy="0"/>
-          <a:chOff x="0" y="0"/>
-          <a:chExt cx="0" cy="0"/>
-        </a:xfrm>
-      </p:grpSpPr>
-      <p:sp>
-        <p:nvSpPr>
-          <p:cNvPr id="2" name="Title 1"/>
-          <p:cNvSpPr>
-            <a:spLocks noGrp="1"/>
-          </p:cNvSpPr>
-          <p:nvPr>
-            <p:ph type="title"/>
-          </p:nvPr>
-        </p:nvSpPr>
-        <p:spPr/>
-        <p:txBody>
-          <a:bodyPr/>
-          <a:lstStyle/>
-          <a:p>
-            <a:pPr algn="ctr"/>
-            <a:r>
               <a:rPr lang="en-US" altLang="zh-CN" dirty="0" smtClean="0"/>
               <a:t>Time Delay Embedding[3]</a:t>
             </a:r>
@@ -10039,6 +10069,29 @@
           </a:prstGeom>
         </p:spPr>
       </p:pic>
+      <p:sp>
+        <p:nvSpPr>
+          <p:cNvPr id="5" name="灯片编号占位符 4"/>
+          <p:cNvSpPr>
+            <a:spLocks noGrp="1"/>
+          </p:cNvSpPr>
+          <p:nvPr>
+            <p:ph type="sldNum" sz="quarter" idx="12"/>
+          </p:nvPr>
+        </p:nvSpPr>
+        <p:spPr/>
+        <p:txBody>
+          <a:bodyPr/>
+          <a:lstStyle/>
+          <a:p>
+            <a:fld id="{749988E2-50EA-4610-8EAB-6802264AE88B}" type="slidenum">
+              <a:rPr lang="en-US" smtClean="0"/>
+              <a:t>18</a:t>
+            </a:fld>
+            <a:endParaRPr lang="en-US"/>
+          </a:p>
+        </p:txBody>
+      </p:sp>
     </p:spTree>
     <p:extLst>
       <p:ext uri="{BB962C8B-B14F-4D97-AF65-F5344CB8AC3E}">
@@ -10059,281 +10112,7 @@
 </p:sld>
 </file>
 
-<file path=ppt/slides/slide2.xml><?xml version="1.0" encoding="utf-8"?>
-<p:sld xmlns:a="http://schemas.openxmlformats.org/drawingml/2006/main" xmlns:r="http://schemas.openxmlformats.org/officeDocument/2006/relationships" xmlns:p="http://schemas.openxmlformats.org/presentationml/2006/main">
-  <p:cSld>
-    <p:spTree>
-      <p:nvGrpSpPr>
-        <p:cNvPr id="1" name=""/>
-        <p:cNvGrpSpPr/>
-        <p:nvPr/>
-      </p:nvGrpSpPr>
-      <p:grpSpPr>
-        <a:xfrm>
-          <a:off x="0" y="0"/>
-          <a:ext cx="0" cy="0"/>
-          <a:chOff x="0" y="0"/>
-          <a:chExt cx="0" cy="0"/>
-        </a:xfrm>
-      </p:grpSpPr>
-      <p:sp>
-        <p:nvSpPr>
-          <p:cNvPr id="2" name="Title 1"/>
-          <p:cNvSpPr>
-            <a:spLocks noGrp="1"/>
-          </p:cNvSpPr>
-          <p:nvPr>
-            <p:ph type="title"/>
-          </p:nvPr>
-        </p:nvSpPr>
-        <p:spPr/>
-        <p:txBody>
-          <a:bodyPr/>
-          <a:lstStyle/>
-          <a:p>
-            <a:pPr algn="ctr"/>
-            <a:r>
-              <a:rPr lang="en-US" dirty="0" smtClean="0"/>
-              <a:t>Time Series Definition</a:t>
-            </a:r>
-            <a:endParaRPr lang="en-US" dirty="0"/>
-          </a:p>
-        </p:txBody>
-      </p:sp>
-      <mc:AlternateContent xmlns:mc="http://schemas.openxmlformats.org/markup-compatibility/2006" xmlns:a14="http://schemas.microsoft.com/office/drawing/2010/main">
-        <mc:Choice Requires="a14">
-          <p:sp>
-            <p:nvSpPr>
-              <p:cNvPr id="3" name="Content Placeholder 2"/>
-              <p:cNvSpPr>
-                <a:spLocks noGrp="1"/>
-              </p:cNvSpPr>
-              <p:nvPr>
-                <p:ph sz="quarter" idx="1"/>
-              </p:nvPr>
-            </p:nvSpPr>
-            <p:spPr/>
-            <p:txBody>
-              <a:bodyPr/>
-              <a:lstStyle/>
-              <a:p>
-                <a:r>
-                  <a:rPr lang="en-US" dirty="0" smtClean="0"/>
-                  <a:t>A </a:t>
-                </a:r>
-                <a:r>
-                  <a:rPr lang="en-US" dirty="0"/>
-                  <a:t>time series is a sequence of data points, measured typically at successive points in time spaced at uniform time </a:t>
-                </a:r>
-                <a:r>
-                  <a:rPr lang="en-US" dirty="0" smtClean="0"/>
-                  <a:t>intervals[Wikipedia]</a:t>
-                </a:r>
-              </a:p>
-              <a:p>
-                <a:r>
-                  <a:rPr lang="en-US" dirty="0"/>
-                  <a:t>A time series X is </a:t>
-                </a:r>
-                <a:r>
-                  <a:rPr lang="en-US" dirty="0" smtClean="0"/>
-                  <a:t>a </a:t>
-                </a:r>
-                <a:r>
-                  <a:rPr lang="en-US" dirty="0"/>
-                  <a:t>sequence of observed data, usually ordered in </a:t>
-                </a:r>
-                <a:r>
-                  <a:rPr lang="en-US" dirty="0" smtClean="0"/>
-                  <a:t>time </a:t>
-                </a:r>
-                <a14:m>
-                  <m:oMath xmlns:m="http://schemas.openxmlformats.org/officeDocument/2006/math">
-                    <m:r>
-                      <a:rPr lang="en-US" b="0" i="0" smtClean="0">
-                        <a:latin typeface="Cambria Math" panose="02040503050406030204" pitchFamily="18" charset="0"/>
-                      </a:rPr>
-                      <m:t>  </m:t>
-                    </m:r>
-                    <m:r>
-                      <a:rPr lang="en-US" b="0" i="1" smtClean="0">
-                        <a:latin typeface="Cambria Math" panose="02040503050406030204" pitchFamily="18" charset="0"/>
-                      </a:rPr>
-                      <m:t> </m:t>
-                    </m:r>
-                    <m:r>
-                      <a:rPr lang="en-US" b="0" i="1" smtClean="0">
-                        <a:latin typeface="Cambria Math" panose="02040503050406030204" pitchFamily="18" charset="0"/>
-                      </a:rPr>
-                      <m:t>𝑋</m:t>
-                    </m:r>
-                    <m:r>
-                      <a:rPr lang="en-US" b="0" i="1" smtClean="0">
-                        <a:latin typeface="Cambria Math" panose="02040503050406030204" pitchFamily="18" charset="0"/>
-                      </a:rPr>
-                      <m:t>={</m:t>
-                    </m:r>
-                    <m:sSub>
-                      <m:sSubPr>
-                        <m:ctrlPr>
-                          <a:rPr lang="en-US" b="0" i="1" smtClean="0">
-                            <a:latin typeface="Cambria Math"/>
-                          </a:rPr>
-                        </m:ctrlPr>
-                      </m:sSubPr>
-                      <m:e>
-                        <m:r>
-                          <a:rPr lang="en-US" b="0" i="1" smtClean="0">
-                            <a:latin typeface="Cambria Math" panose="02040503050406030204" pitchFamily="18" charset="0"/>
-                          </a:rPr>
-                          <m:t>𝑥</m:t>
-                        </m:r>
-                      </m:e>
-                      <m:sub>
-                        <m:r>
-                          <a:rPr lang="en-US" b="0" i="1" smtClean="0">
-                            <a:latin typeface="Cambria Math" panose="02040503050406030204" pitchFamily="18" charset="0"/>
-                          </a:rPr>
-                          <m:t>𝑡</m:t>
-                        </m:r>
-                      </m:sub>
-                    </m:sSub>
-                    <m:r>
-                      <a:rPr lang="en-US" b="0" i="1" smtClean="0">
-                        <a:latin typeface="Cambria Math" panose="02040503050406030204" pitchFamily="18" charset="0"/>
-                      </a:rPr>
-                      <m:t>,</m:t>
-                    </m:r>
-                    <m:r>
-                      <a:rPr lang="en-US" b="0" i="1" smtClean="0">
-                        <a:latin typeface="Cambria Math" panose="02040503050406030204" pitchFamily="18" charset="0"/>
-                      </a:rPr>
-                      <m:t>𝑡</m:t>
-                    </m:r>
-                    <m:r>
-                      <a:rPr lang="en-US" b="0" i="1" smtClean="0">
-                        <a:latin typeface="Cambria Math" panose="02040503050406030204" pitchFamily="18" charset="0"/>
-                      </a:rPr>
-                      <m:t>=1…</m:t>
-                    </m:r>
-                    <m:r>
-                      <a:rPr lang="en-US" b="0" i="1" smtClean="0">
-                        <a:latin typeface="Cambria Math" panose="02040503050406030204" pitchFamily="18" charset="0"/>
-                      </a:rPr>
-                      <m:t>𝑁</m:t>
-                    </m:r>
-                    <m:r>
-                      <a:rPr lang="en-US" b="0" i="1" smtClean="0">
-                        <a:latin typeface="Cambria Math" panose="02040503050406030204" pitchFamily="18" charset="0"/>
-                      </a:rPr>
-                      <m:t>}</m:t>
-                    </m:r>
-                  </m:oMath>
-                </a14:m>
-                <a:r>
-                  <a:rPr lang="en-US" dirty="0" smtClean="0"/>
-                  <a:t>where </a:t>
-                </a:r>
-                <a:r>
-                  <a:rPr lang="en-US" dirty="0"/>
-                  <a:t>t is a time index, and N is the number of </a:t>
-                </a:r>
-                <a:r>
-                  <a:rPr lang="en-US" dirty="0" smtClean="0"/>
-                  <a:t>observations</a:t>
-                </a:r>
-              </a:p>
-              <a:p>
-                <a:r>
-                  <a:rPr lang="en-US" dirty="0" smtClean="0"/>
-                  <a:t>Time </a:t>
-                </a:r>
-                <a:r>
-                  <a:rPr lang="en-US" dirty="0"/>
-                  <a:t>series examples like stock </a:t>
-                </a:r>
-                <a:r>
-                  <a:rPr lang="en-US" dirty="0" smtClean="0"/>
-                  <a:t>market prices</a:t>
-                </a:r>
-                <a:r>
-                  <a:rPr lang="en-US" dirty="0"/>
-                  <a:t>, </a:t>
-                </a:r>
-                <a:r>
-                  <a:rPr lang="en-US" dirty="0" smtClean="0"/>
-                  <a:t>earthquake waves, audio &amp; video records, biological sequences, patient health records and so on.</a:t>
-                </a:r>
-              </a:p>
-              <a:p>
-                <a:r>
-                  <a:rPr lang="en-US" altLang="zh-CN" dirty="0" smtClean="0"/>
-                  <a:t>Popular representation</a:t>
-                </a:r>
-                <a:r>
-                  <a:rPr lang="en-US" altLang="zh-CN" dirty="0"/>
-                  <a:t>: piecewise linear approximation</a:t>
-                </a:r>
-                <a:endParaRPr lang="en-US" dirty="0"/>
-              </a:p>
-            </p:txBody>
-          </p:sp>
-        </mc:Choice>
-        <mc:Fallback xmlns="">
-          <p:sp>
-            <p:nvSpPr>
-              <p:cNvPr id="3" name="Content Placeholder 2"/>
-              <p:cNvSpPr>
-                <a:spLocks noGrp="1" noRot="1" noChangeAspect="1" noMove="1" noResize="1" noEditPoints="1" noAdjustHandles="1" noChangeArrowheads="1" noChangeShapeType="1" noTextEdit="1"/>
-              </p:cNvSpPr>
-              <p:nvPr>
-                <p:ph idx="1"/>
-              </p:nvPr>
-            </p:nvSpPr>
-            <p:spPr>
-              <a:blipFill rotWithShape="0">
-                <a:blip r:embed="rId2"/>
-                <a:stretch>
-                  <a:fillRect l="-479" t="-806" r="-889"/>
-                </a:stretch>
-              </a:blipFill>
-            </p:spPr>
-            <p:txBody>
-              <a:bodyPr/>
-              <a:lstStyle/>
-              <a:p>
-                <a:r>
-                  <a:rPr lang="en-US">
-                    <a:noFill/>
-                  </a:rPr>
-                  <a:t> </a:t>
-                </a:r>
-              </a:p>
-            </p:txBody>
-          </p:sp>
-        </mc:Fallback>
-      </mc:AlternateContent>
-    </p:spTree>
-    <p:extLst>
-      <p:ext uri="{BB962C8B-B14F-4D97-AF65-F5344CB8AC3E}">
-        <p14:creationId xmlns:p14="http://schemas.microsoft.com/office/powerpoint/2010/main" val="1400340025"/>
-      </p:ext>
-    </p:extLst>
-  </p:cSld>
-  <p:clrMapOvr>
-    <a:masterClrMapping/>
-  </p:clrMapOvr>
-  <p:timing>
-    <p:tnLst>
-      <p:par>
-        <p:cTn id="1" dur="indefinite" restart="never" nodeType="tmRoot"/>
-      </p:par>
-    </p:tnLst>
-  </p:timing>
-</p:sld>
-</file>
-
-<file path=ppt/slides/slide20.xml><?xml version="1.0" encoding="utf-8"?>
+<file path=ppt/slides/slide19.xml><?xml version="1.0" encoding="utf-8"?>
 <p:sld xmlns:a="http://schemas.openxmlformats.org/drawingml/2006/main" xmlns:r="http://schemas.openxmlformats.org/officeDocument/2006/relationships" xmlns:p="http://schemas.openxmlformats.org/presentationml/2006/main">
   <p:cSld>
     <p:spTree>
@@ -10840,10 +10619,623 @@
           </p:sp>
         </mc:Fallback>
       </mc:AlternateContent>
+      <p:sp>
+        <p:nvSpPr>
+          <p:cNvPr id="4" name="灯片编号占位符 3"/>
+          <p:cNvSpPr>
+            <a:spLocks noGrp="1"/>
+          </p:cNvSpPr>
+          <p:nvPr>
+            <p:ph type="sldNum" sz="quarter" idx="12"/>
+          </p:nvPr>
+        </p:nvSpPr>
+        <p:spPr/>
+        <p:txBody>
+          <a:bodyPr/>
+          <a:lstStyle/>
+          <a:p>
+            <a:fld id="{749988E2-50EA-4610-8EAB-6802264AE88B}" type="slidenum">
+              <a:rPr lang="en-US" smtClean="0"/>
+              <a:t>19</a:t>
+            </a:fld>
+            <a:endParaRPr lang="en-US"/>
+          </a:p>
+        </p:txBody>
+      </p:sp>
     </p:spTree>
     <p:extLst>
       <p:ext uri="{BB962C8B-B14F-4D97-AF65-F5344CB8AC3E}">
         <p14:creationId xmlns:p14="http://schemas.microsoft.com/office/powerpoint/2010/main" val="4046882577"/>
+      </p:ext>
+    </p:extLst>
+  </p:cSld>
+  <p:clrMapOvr>
+    <a:masterClrMapping/>
+  </p:clrMapOvr>
+  <p:timing>
+    <p:tnLst>
+      <p:par>
+        <p:cTn id="1" dur="indefinite" restart="never" nodeType="tmRoot"/>
+      </p:par>
+    </p:tnLst>
+  </p:timing>
+</p:sld>
+</file>
+
+<file path=ppt/slides/slide2.xml><?xml version="1.0" encoding="utf-8"?>
+<p:sld xmlns:a="http://schemas.openxmlformats.org/drawingml/2006/main" xmlns:r="http://schemas.openxmlformats.org/officeDocument/2006/relationships" xmlns:p="http://schemas.openxmlformats.org/presentationml/2006/main">
+  <p:cSld>
+    <p:spTree>
+      <p:nvGrpSpPr>
+        <p:cNvPr id="1" name=""/>
+        <p:cNvGrpSpPr/>
+        <p:nvPr/>
+      </p:nvGrpSpPr>
+      <p:grpSpPr>
+        <a:xfrm>
+          <a:off x="0" y="0"/>
+          <a:ext cx="0" cy="0"/>
+          <a:chOff x="0" y="0"/>
+          <a:chExt cx="0" cy="0"/>
+        </a:xfrm>
+      </p:grpSpPr>
+      <p:sp>
+        <p:nvSpPr>
+          <p:cNvPr id="2" name="Title 1"/>
+          <p:cNvSpPr>
+            <a:spLocks noGrp="1"/>
+          </p:cNvSpPr>
+          <p:nvPr>
+            <p:ph type="title"/>
+          </p:nvPr>
+        </p:nvSpPr>
+        <p:spPr/>
+        <p:txBody>
+          <a:bodyPr/>
+          <a:lstStyle/>
+          <a:p>
+            <a:pPr algn="ctr"/>
+            <a:r>
+              <a:rPr lang="en-US" dirty="0" smtClean="0"/>
+              <a:t>Time Series Definition</a:t>
+            </a:r>
+            <a:endParaRPr lang="en-US" dirty="0"/>
+          </a:p>
+        </p:txBody>
+      </p:sp>
+      <mc:AlternateContent xmlns:mc="http://schemas.openxmlformats.org/markup-compatibility/2006" xmlns:a14="http://schemas.microsoft.com/office/drawing/2010/main">
+        <mc:Choice Requires="a14">
+          <p:sp>
+            <p:nvSpPr>
+              <p:cNvPr id="3" name="Content Placeholder 2"/>
+              <p:cNvSpPr>
+                <a:spLocks noGrp="1"/>
+              </p:cNvSpPr>
+              <p:nvPr>
+                <p:ph sz="quarter" idx="1"/>
+              </p:nvPr>
+            </p:nvSpPr>
+            <p:spPr/>
+            <p:txBody>
+              <a:bodyPr/>
+              <a:lstStyle/>
+              <a:p>
+                <a:r>
+                  <a:rPr lang="en-US" dirty="0" smtClean="0"/>
+                  <a:t>A </a:t>
+                </a:r>
+                <a:r>
+                  <a:rPr lang="en-US" dirty="0"/>
+                  <a:t>time series is a sequence of data points, measured typically at successive points in time spaced at uniform time </a:t>
+                </a:r>
+                <a:r>
+                  <a:rPr lang="en-US" dirty="0" smtClean="0"/>
+                  <a:t>intervals[Wikipedia]</a:t>
+                </a:r>
+              </a:p>
+              <a:p>
+                <a:r>
+                  <a:rPr lang="en-US" dirty="0"/>
+                  <a:t>A time series X is </a:t>
+                </a:r>
+                <a:r>
+                  <a:rPr lang="en-US" dirty="0" smtClean="0"/>
+                  <a:t>a </a:t>
+                </a:r>
+                <a:r>
+                  <a:rPr lang="en-US" dirty="0"/>
+                  <a:t>sequence of observed data, usually ordered in </a:t>
+                </a:r>
+                <a:r>
+                  <a:rPr lang="en-US" dirty="0" smtClean="0"/>
+                  <a:t>time </a:t>
+                </a:r>
+                <a14:m>
+                  <m:oMath xmlns:m="http://schemas.openxmlformats.org/officeDocument/2006/math">
+                    <m:r>
+                      <a:rPr lang="en-US" b="0" i="0" smtClean="0">
+                        <a:latin typeface="Cambria Math" panose="02040503050406030204" pitchFamily="18" charset="0"/>
+                      </a:rPr>
+                      <m:t>  </m:t>
+                    </m:r>
+                    <m:r>
+                      <a:rPr lang="en-US" b="0" i="1" smtClean="0">
+                        <a:latin typeface="Cambria Math" panose="02040503050406030204" pitchFamily="18" charset="0"/>
+                      </a:rPr>
+                      <m:t> </m:t>
+                    </m:r>
+                    <m:r>
+                      <a:rPr lang="en-US" b="0" i="1" smtClean="0">
+                        <a:latin typeface="Cambria Math" panose="02040503050406030204" pitchFamily="18" charset="0"/>
+                      </a:rPr>
+                      <m:t>𝑋</m:t>
+                    </m:r>
+                    <m:r>
+                      <a:rPr lang="en-US" b="0" i="1" smtClean="0">
+                        <a:latin typeface="Cambria Math" panose="02040503050406030204" pitchFamily="18" charset="0"/>
+                      </a:rPr>
+                      <m:t>={</m:t>
+                    </m:r>
+                    <m:sSub>
+                      <m:sSubPr>
+                        <m:ctrlPr>
+                          <a:rPr lang="en-US" b="0" i="1" smtClean="0">
+                            <a:latin typeface="Cambria Math"/>
+                          </a:rPr>
+                        </m:ctrlPr>
+                      </m:sSubPr>
+                      <m:e>
+                        <m:r>
+                          <a:rPr lang="en-US" b="0" i="1" smtClean="0">
+                            <a:latin typeface="Cambria Math" panose="02040503050406030204" pitchFamily="18" charset="0"/>
+                          </a:rPr>
+                          <m:t>𝑥</m:t>
+                        </m:r>
+                      </m:e>
+                      <m:sub>
+                        <m:r>
+                          <a:rPr lang="en-US" b="0" i="1" smtClean="0">
+                            <a:latin typeface="Cambria Math" panose="02040503050406030204" pitchFamily="18" charset="0"/>
+                          </a:rPr>
+                          <m:t>𝑡</m:t>
+                        </m:r>
+                      </m:sub>
+                    </m:sSub>
+                    <m:r>
+                      <a:rPr lang="en-US" b="0" i="1" smtClean="0">
+                        <a:latin typeface="Cambria Math" panose="02040503050406030204" pitchFamily="18" charset="0"/>
+                      </a:rPr>
+                      <m:t>,</m:t>
+                    </m:r>
+                    <m:r>
+                      <a:rPr lang="en-US" b="0" i="1" smtClean="0">
+                        <a:latin typeface="Cambria Math" panose="02040503050406030204" pitchFamily="18" charset="0"/>
+                      </a:rPr>
+                      <m:t>𝑡</m:t>
+                    </m:r>
+                    <m:r>
+                      <a:rPr lang="en-US" b="0" i="1" smtClean="0">
+                        <a:latin typeface="Cambria Math" panose="02040503050406030204" pitchFamily="18" charset="0"/>
+                      </a:rPr>
+                      <m:t>=1…</m:t>
+                    </m:r>
+                    <m:r>
+                      <a:rPr lang="en-US" b="0" i="1" smtClean="0">
+                        <a:latin typeface="Cambria Math" panose="02040503050406030204" pitchFamily="18" charset="0"/>
+                      </a:rPr>
+                      <m:t>𝑁</m:t>
+                    </m:r>
+                    <m:r>
+                      <a:rPr lang="en-US" b="0" i="1" smtClean="0">
+                        <a:latin typeface="Cambria Math" panose="02040503050406030204" pitchFamily="18" charset="0"/>
+                      </a:rPr>
+                      <m:t>}</m:t>
+                    </m:r>
+                  </m:oMath>
+                </a14:m>
+                <a:r>
+                  <a:rPr lang="en-US" dirty="0" smtClean="0"/>
+                  <a:t>where </a:t>
+                </a:r>
+                <a:r>
+                  <a:rPr lang="en-US" dirty="0"/>
+                  <a:t>t is a time index, and N is the number of </a:t>
+                </a:r>
+                <a:r>
+                  <a:rPr lang="en-US" dirty="0" smtClean="0"/>
+                  <a:t>observations</a:t>
+                </a:r>
+              </a:p>
+              <a:p>
+                <a:r>
+                  <a:rPr lang="en-US" dirty="0" smtClean="0"/>
+                  <a:t>Time </a:t>
+                </a:r>
+                <a:r>
+                  <a:rPr lang="en-US" dirty="0"/>
+                  <a:t>series examples like stock </a:t>
+                </a:r>
+                <a:r>
+                  <a:rPr lang="en-US" dirty="0" smtClean="0"/>
+                  <a:t>market prices</a:t>
+                </a:r>
+                <a:r>
+                  <a:rPr lang="en-US" dirty="0"/>
+                  <a:t>, </a:t>
+                </a:r>
+                <a:r>
+                  <a:rPr lang="en-US" dirty="0" smtClean="0"/>
+                  <a:t>earthquake waves, audio &amp; video records, biological sequences, patient health records and so on.</a:t>
+                </a:r>
+              </a:p>
+              <a:p>
+                <a:r>
+                  <a:rPr lang="en-US" altLang="zh-CN" dirty="0" smtClean="0"/>
+                  <a:t>Popular representation</a:t>
+                </a:r>
+                <a:r>
+                  <a:rPr lang="en-US" altLang="zh-CN" dirty="0"/>
+                  <a:t>: piecewise linear approximation</a:t>
+                </a:r>
+                <a:endParaRPr lang="en-US" dirty="0"/>
+              </a:p>
+            </p:txBody>
+          </p:sp>
+        </mc:Choice>
+        <mc:Fallback xmlns="">
+          <p:sp>
+            <p:nvSpPr>
+              <p:cNvPr id="3" name="Content Placeholder 2"/>
+              <p:cNvSpPr>
+                <a:spLocks noGrp="1" noRot="1" noChangeAspect="1" noMove="1" noResize="1" noEditPoints="1" noAdjustHandles="1" noChangeArrowheads="1" noChangeShapeType="1" noTextEdit="1"/>
+              </p:cNvSpPr>
+              <p:nvPr>
+                <p:ph idx="1"/>
+              </p:nvPr>
+            </p:nvSpPr>
+            <p:spPr>
+              <a:blipFill rotWithShape="0">
+                <a:blip r:embed="rId2"/>
+                <a:stretch>
+                  <a:fillRect l="-479" t="-806" r="-889"/>
+                </a:stretch>
+              </a:blipFill>
+            </p:spPr>
+            <p:txBody>
+              <a:bodyPr/>
+              <a:lstStyle/>
+              <a:p>
+                <a:r>
+                  <a:rPr lang="en-US">
+                    <a:noFill/>
+                  </a:rPr>
+                  <a:t> </a:t>
+                </a:r>
+              </a:p>
+            </p:txBody>
+          </p:sp>
+        </mc:Fallback>
+      </mc:AlternateContent>
+      <p:sp>
+        <p:nvSpPr>
+          <p:cNvPr id="4" name="灯片编号占位符 3"/>
+          <p:cNvSpPr>
+            <a:spLocks noGrp="1"/>
+          </p:cNvSpPr>
+          <p:nvPr>
+            <p:ph type="sldNum" sz="quarter" idx="12"/>
+          </p:nvPr>
+        </p:nvSpPr>
+        <p:spPr/>
+        <p:txBody>
+          <a:bodyPr/>
+          <a:lstStyle/>
+          <a:p>
+            <a:fld id="{749988E2-50EA-4610-8EAB-6802264AE88B}" type="slidenum">
+              <a:rPr lang="en-US" smtClean="0"/>
+              <a:t>2</a:t>
+            </a:fld>
+            <a:endParaRPr lang="en-US"/>
+          </a:p>
+        </p:txBody>
+      </p:sp>
+    </p:spTree>
+    <p:extLst>
+      <p:ext uri="{BB962C8B-B14F-4D97-AF65-F5344CB8AC3E}">
+        <p14:creationId xmlns:p14="http://schemas.microsoft.com/office/powerpoint/2010/main" val="1400340025"/>
+      </p:ext>
+    </p:extLst>
+  </p:cSld>
+  <p:clrMapOvr>
+    <a:masterClrMapping/>
+  </p:clrMapOvr>
+  <p:timing>
+    <p:tnLst>
+      <p:par>
+        <p:cTn id="1" dur="indefinite" restart="never" nodeType="tmRoot"/>
+      </p:par>
+    </p:tnLst>
+  </p:timing>
+</p:sld>
+</file>
+
+<file path=ppt/slides/slide20.xml><?xml version="1.0" encoding="utf-8"?>
+<p:sld xmlns:a="http://schemas.openxmlformats.org/drawingml/2006/main" xmlns:r="http://schemas.openxmlformats.org/officeDocument/2006/relationships" xmlns:p="http://schemas.openxmlformats.org/presentationml/2006/main">
+  <p:cSld>
+    <p:spTree>
+      <p:nvGrpSpPr>
+        <p:cNvPr id="1" name=""/>
+        <p:cNvGrpSpPr/>
+        <p:nvPr/>
+      </p:nvGrpSpPr>
+      <p:grpSpPr>
+        <a:xfrm>
+          <a:off x="0" y="0"/>
+          <a:ext cx="0" cy="0"/>
+          <a:chOff x="0" y="0"/>
+          <a:chExt cx="0" cy="0"/>
+        </a:xfrm>
+      </p:grpSpPr>
+      <p:sp>
+        <p:nvSpPr>
+          <p:cNvPr id="2" name="Title 1"/>
+          <p:cNvSpPr>
+            <a:spLocks noGrp="1"/>
+          </p:cNvSpPr>
+          <p:nvPr>
+            <p:ph type="title"/>
+          </p:nvPr>
+        </p:nvSpPr>
+        <p:spPr/>
+        <p:txBody>
+          <a:bodyPr/>
+          <a:lstStyle/>
+          <a:p>
+            <a:pPr algn="ctr"/>
+            <a:r>
+              <a:rPr lang="en-US" dirty="0"/>
+              <a:t>Augmented </a:t>
+            </a:r>
+            <a:r>
+              <a:rPr lang="en-US" altLang="zh-CN" dirty="0" smtClean="0"/>
+              <a:t>Embedding</a:t>
+            </a:r>
+            <a:endParaRPr lang="en-US" dirty="0"/>
+          </a:p>
+        </p:txBody>
+      </p:sp>
+      <mc:AlternateContent xmlns:mc="http://schemas.openxmlformats.org/markup-compatibility/2006" xmlns:a14="http://schemas.microsoft.com/office/drawing/2010/main">
+        <mc:Choice Requires="a14">
+          <p:sp>
+            <p:nvSpPr>
+              <p:cNvPr id="3" name="Content Placeholder 2"/>
+              <p:cNvSpPr>
+                <a:spLocks noGrp="1"/>
+              </p:cNvSpPr>
+              <p:nvPr>
+                <p:ph sz="quarter" idx="1"/>
+              </p:nvPr>
+            </p:nvSpPr>
+            <p:spPr/>
+            <p:txBody>
+              <a:bodyPr/>
+              <a:lstStyle/>
+              <a:p>
+                <a:r>
+                  <a:rPr lang="en-US" dirty="0" smtClean="0"/>
+                  <a:t>Augmented Embedding: </a:t>
+                </a:r>
+                <a14:m>
+                  <m:oMath xmlns:m="http://schemas.openxmlformats.org/officeDocument/2006/math">
+                    <m:r>
+                      <a:rPr lang="en-US" b="0" i="1" smtClean="0">
+                        <a:latin typeface="Cambria Math" panose="02040503050406030204" pitchFamily="18" charset="0"/>
+                      </a:rPr>
+                      <m:t>&lt;</m:t>
+                    </m:r>
+                    <m:sSub>
+                      <m:sSubPr>
+                        <m:ctrlPr>
+                          <a:rPr lang="en-US" b="0" i="1" smtClean="0">
+                            <a:latin typeface="Cambria Math"/>
+                          </a:rPr>
+                        </m:ctrlPr>
+                      </m:sSubPr>
+                      <m:e>
+                        <m:r>
+                          <a:rPr lang="en-US" b="1" i="1" smtClean="0">
+                            <a:latin typeface="Cambria Math" panose="02040503050406030204" pitchFamily="18" charset="0"/>
+                          </a:rPr>
+                          <m:t>𝒙</m:t>
+                        </m:r>
+                      </m:e>
+                      <m:sub>
+                        <m:r>
+                          <m:rPr>
+                            <m:sty m:val="p"/>
+                          </m:rPr>
+                          <a:rPr lang="en-US" b="0" i="0" smtClean="0">
+                            <a:latin typeface="Cambria Math" panose="02040503050406030204" pitchFamily="18" charset="0"/>
+                          </a:rPr>
+                          <m:t>t</m:t>
+                        </m:r>
+                      </m:sub>
+                    </m:sSub>
+                    <m:r>
+                      <a:rPr lang="en-US" b="0" i="0" smtClean="0">
+                        <a:latin typeface="Cambria Math" panose="02040503050406030204" pitchFamily="18" charset="0"/>
+                      </a:rPr>
+                      <m:t>, </m:t>
+                    </m:r>
+                    <m:r>
+                      <m:rPr>
+                        <m:sty m:val="p"/>
+                      </m:rPr>
+                      <a:rPr lang="en-US" b="0" i="0" smtClean="0">
+                        <a:latin typeface="Cambria Math" panose="02040503050406030204" pitchFamily="18" charset="0"/>
+                      </a:rPr>
+                      <m:t>g</m:t>
+                    </m:r>
+                    <m:d>
+                      <m:dPr>
+                        <m:ctrlPr>
+                          <a:rPr lang="en-US" b="0" i="1" smtClean="0">
+                            <a:latin typeface="Cambria Math"/>
+                          </a:rPr>
+                        </m:ctrlPr>
+                      </m:dPr>
+                      <m:e>
+                        <m:r>
+                          <m:rPr>
+                            <m:sty m:val="p"/>
+                          </m:rPr>
+                          <a:rPr lang="en-US" b="0" i="0" smtClean="0">
+                            <a:latin typeface="Cambria Math" panose="02040503050406030204" pitchFamily="18" charset="0"/>
+                          </a:rPr>
+                          <m:t>t</m:t>
+                        </m:r>
+                      </m:e>
+                    </m:d>
+                    <m:r>
+                      <a:rPr lang="en-US" b="0" i="0" smtClean="0">
+                        <a:latin typeface="Cambria Math" panose="02040503050406030204" pitchFamily="18" charset="0"/>
+                      </a:rPr>
+                      <m:t>&gt;</m:t>
+                    </m:r>
+                    <m:r>
+                      <a:rPr lang="en-US" b="0" i="1" smtClean="0">
+                        <a:latin typeface="Cambria Math" panose="02040503050406030204" pitchFamily="18" charset="0"/>
+                        <a:ea typeface="Cambria Math" panose="02040503050406030204" pitchFamily="18" charset="0"/>
+                      </a:rPr>
+                      <m:t>∈</m:t>
+                    </m:r>
+                    <m:sSup>
+                      <m:sSupPr>
+                        <m:ctrlPr>
+                          <a:rPr lang="en-US" b="0" i="1" smtClean="0">
+                            <a:latin typeface="Cambria Math"/>
+                            <a:ea typeface="Cambria Math" panose="02040503050406030204" pitchFamily="18" charset="0"/>
+                          </a:rPr>
+                        </m:ctrlPr>
+                      </m:sSupPr>
+                      <m:e>
+                        <m:r>
+                          <a:rPr lang="en-US" b="0" i="1" smtClean="0">
+                            <a:latin typeface="Cambria Math" panose="02040503050406030204" pitchFamily="18" charset="0"/>
+                            <a:ea typeface="Cambria Math" panose="02040503050406030204" pitchFamily="18" charset="0"/>
+                          </a:rPr>
+                          <m:t>ℝ</m:t>
+                        </m:r>
+                      </m:e>
+                      <m:sup>
+                        <m:r>
+                          <a:rPr lang="en-US" b="0" i="1" smtClean="0">
+                            <a:latin typeface="Cambria Math" panose="02040503050406030204" pitchFamily="18" charset="0"/>
+                            <a:ea typeface="Cambria Math" panose="02040503050406030204" pitchFamily="18" charset="0"/>
+                          </a:rPr>
+                          <m:t>𝑄</m:t>
+                        </m:r>
+                        <m:r>
+                          <a:rPr lang="en-US" b="0" i="1" smtClean="0">
+                            <a:latin typeface="Cambria Math" panose="02040503050406030204" pitchFamily="18" charset="0"/>
+                            <a:ea typeface="Cambria Math" panose="02040503050406030204" pitchFamily="18" charset="0"/>
+                          </a:rPr>
+                          <m:t>+1</m:t>
+                        </m:r>
+                      </m:sup>
+                    </m:sSup>
+                  </m:oMath>
+                </a14:m>
+                <a:endParaRPr lang="en-US" b="1" dirty="0"/>
+              </a:p>
+            </p:txBody>
+          </p:sp>
+        </mc:Choice>
+        <mc:Fallback xmlns="">
+          <p:sp>
+            <p:nvSpPr>
+              <p:cNvPr id="3" name="Content Placeholder 2"/>
+              <p:cNvSpPr>
+                <a:spLocks noGrp="1" noRot="1" noChangeAspect="1" noMove="1" noResize="1" noEditPoints="1" noAdjustHandles="1" noChangeArrowheads="1" noChangeShapeType="1" noTextEdit="1"/>
+              </p:cNvSpPr>
+              <p:nvPr>
+                <p:ph idx="1"/>
+              </p:nvPr>
+            </p:nvSpPr>
+            <p:spPr>
+              <a:blipFill rotWithShape="0">
+                <a:blip r:embed="rId2"/>
+                <a:stretch>
+                  <a:fillRect l="-479" t="-806"/>
+                </a:stretch>
+              </a:blipFill>
+            </p:spPr>
+            <p:txBody>
+              <a:bodyPr/>
+              <a:lstStyle/>
+              <a:p>
+                <a:r>
+                  <a:rPr lang="en-US">
+                    <a:noFill/>
+                  </a:rPr>
+                  <a:t> </a:t>
+                </a:r>
+              </a:p>
+            </p:txBody>
+          </p:sp>
+        </mc:Fallback>
+      </mc:AlternateContent>
+      <p:pic>
+        <p:nvPicPr>
+          <p:cNvPr id="4" name="Picture 3"/>
+          <p:cNvPicPr>
+            <a:picLocks noChangeAspect="1"/>
+          </p:cNvPicPr>
+          <p:nvPr/>
+        </p:nvPicPr>
+        <p:blipFill>
+          <a:blip r:embed="rId3"/>
+          <a:stretch>
+            <a:fillRect/>
+          </a:stretch>
+        </p:blipFill>
+        <p:spPr>
+          <a:xfrm>
+            <a:off x="3252697" y="2582172"/>
+            <a:ext cx="5934435" cy="3813820"/>
+          </a:xfrm>
+          <a:prstGeom prst="rect">
+            <a:avLst/>
+          </a:prstGeom>
+        </p:spPr>
+      </p:pic>
+      <p:sp>
+        <p:nvSpPr>
+          <p:cNvPr id="5" name="灯片编号占位符 4"/>
+          <p:cNvSpPr>
+            <a:spLocks noGrp="1"/>
+          </p:cNvSpPr>
+          <p:nvPr>
+            <p:ph type="sldNum" sz="quarter" idx="12"/>
+          </p:nvPr>
+        </p:nvSpPr>
+        <p:spPr/>
+        <p:txBody>
+          <a:bodyPr/>
+          <a:lstStyle/>
+          <a:p>
+            <a:fld id="{749988E2-50EA-4610-8EAB-6802264AE88B}" type="slidenum">
+              <a:rPr lang="en-US" smtClean="0"/>
+              <a:t>20</a:t>
+            </a:fld>
+            <a:endParaRPr lang="en-US"/>
+          </a:p>
+        </p:txBody>
+      </p:sp>
+    </p:spTree>
+    <p:extLst>
+      <p:ext uri="{BB962C8B-B14F-4D97-AF65-F5344CB8AC3E}">
+        <p14:creationId xmlns:p14="http://schemas.microsoft.com/office/powerpoint/2010/main" val="4082355501"/>
       </p:ext>
     </p:extLst>
   </p:cSld>
@@ -10894,12 +11286,8 @@
           <a:p>
             <a:pPr algn="ctr"/>
             <a:r>
-              <a:rPr lang="en-US" dirty="0"/>
-              <a:t>Augmented </a:t>
-            </a:r>
-            <a:r>
               <a:rPr lang="en-US" altLang="zh-CN" dirty="0" smtClean="0"/>
-              <a:t>Embedding</a:t>
+              <a:t>Object Function &amp; Optimization</a:t>
             </a:r>
             <a:endParaRPr lang="en-US" dirty="0"/>
           </a:p>
@@ -10907,272 +11295,6 @@
       </p:sp>
       <mc:AlternateContent xmlns:mc="http://schemas.openxmlformats.org/markup-compatibility/2006" xmlns:a14="http://schemas.microsoft.com/office/drawing/2010/main">
         <mc:Choice Requires="a14">
-          <p:sp>
-            <p:nvSpPr>
-              <p:cNvPr id="3" name="Content Placeholder 2"/>
-              <p:cNvSpPr>
-                <a:spLocks noGrp="1"/>
-              </p:cNvSpPr>
-              <p:nvPr>
-                <p:ph sz="quarter" idx="1"/>
-              </p:nvPr>
-            </p:nvSpPr>
-            <p:spPr/>
-            <p:txBody>
-              <a:bodyPr/>
-              <a:lstStyle/>
-              <a:p>
-                <a:r>
-                  <a:rPr lang="en-US" dirty="0" smtClean="0"/>
-                  <a:t>Augmented Embedding: </a:t>
-                </a:r>
-                <a14:m>
-                  <m:oMath xmlns:m="http://schemas.openxmlformats.org/officeDocument/2006/math">
-                    <m:r>
-                      <a:rPr lang="en-US" b="0" i="1" smtClean="0">
-                        <a:latin typeface="Cambria Math" panose="02040503050406030204" pitchFamily="18" charset="0"/>
-                      </a:rPr>
-                      <m:t>&lt;</m:t>
-                    </m:r>
-                    <m:sSub>
-                      <m:sSubPr>
-                        <m:ctrlPr>
-                          <a:rPr lang="en-US" b="0" i="1" smtClean="0">
-                            <a:latin typeface="Cambria Math"/>
-                          </a:rPr>
-                        </m:ctrlPr>
-                      </m:sSubPr>
-                      <m:e>
-                        <m:r>
-                          <a:rPr lang="en-US" b="1" i="1" smtClean="0">
-                            <a:latin typeface="Cambria Math" panose="02040503050406030204" pitchFamily="18" charset="0"/>
-                          </a:rPr>
-                          <m:t>𝒙</m:t>
-                        </m:r>
-                      </m:e>
-                      <m:sub>
-                        <m:r>
-                          <m:rPr>
-                            <m:sty m:val="p"/>
-                          </m:rPr>
-                          <a:rPr lang="en-US" b="0" i="0" smtClean="0">
-                            <a:latin typeface="Cambria Math" panose="02040503050406030204" pitchFamily="18" charset="0"/>
-                          </a:rPr>
-                          <m:t>t</m:t>
-                        </m:r>
-                      </m:sub>
-                    </m:sSub>
-                    <m:r>
-                      <a:rPr lang="en-US" b="0" i="0" smtClean="0">
-                        <a:latin typeface="Cambria Math" panose="02040503050406030204" pitchFamily="18" charset="0"/>
-                      </a:rPr>
-                      <m:t>, </m:t>
-                    </m:r>
-                    <m:r>
-                      <m:rPr>
-                        <m:sty m:val="p"/>
-                      </m:rPr>
-                      <a:rPr lang="en-US" b="0" i="0" smtClean="0">
-                        <a:latin typeface="Cambria Math" panose="02040503050406030204" pitchFamily="18" charset="0"/>
-                      </a:rPr>
-                      <m:t>g</m:t>
-                    </m:r>
-                    <m:d>
-                      <m:dPr>
-                        <m:ctrlPr>
-                          <a:rPr lang="en-US" b="0" i="1" smtClean="0">
-                            <a:latin typeface="Cambria Math"/>
-                          </a:rPr>
-                        </m:ctrlPr>
-                      </m:dPr>
-                      <m:e>
-                        <m:r>
-                          <m:rPr>
-                            <m:sty m:val="p"/>
-                          </m:rPr>
-                          <a:rPr lang="en-US" b="0" i="0" smtClean="0">
-                            <a:latin typeface="Cambria Math" panose="02040503050406030204" pitchFamily="18" charset="0"/>
-                          </a:rPr>
-                          <m:t>t</m:t>
-                        </m:r>
-                      </m:e>
-                    </m:d>
-                    <m:r>
-                      <a:rPr lang="en-US" b="0" i="0" smtClean="0">
-                        <a:latin typeface="Cambria Math" panose="02040503050406030204" pitchFamily="18" charset="0"/>
-                      </a:rPr>
-                      <m:t>&gt;</m:t>
-                    </m:r>
-                    <m:r>
-                      <a:rPr lang="en-US" b="0" i="1" smtClean="0">
-                        <a:latin typeface="Cambria Math" panose="02040503050406030204" pitchFamily="18" charset="0"/>
-                        <a:ea typeface="Cambria Math" panose="02040503050406030204" pitchFamily="18" charset="0"/>
-                      </a:rPr>
-                      <m:t>∈</m:t>
-                    </m:r>
-                    <m:sSup>
-                      <m:sSupPr>
-                        <m:ctrlPr>
-                          <a:rPr lang="en-US" b="0" i="1" smtClean="0">
-                            <a:latin typeface="Cambria Math"/>
-                            <a:ea typeface="Cambria Math" panose="02040503050406030204" pitchFamily="18" charset="0"/>
-                          </a:rPr>
-                        </m:ctrlPr>
-                      </m:sSupPr>
-                      <m:e>
-                        <m:r>
-                          <a:rPr lang="en-US" b="0" i="1" smtClean="0">
-                            <a:latin typeface="Cambria Math" panose="02040503050406030204" pitchFamily="18" charset="0"/>
-                            <a:ea typeface="Cambria Math" panose="02040503050406030204" pitchFamily="18" charset="0"/>
-                          </a:rPr>
-                          <m:t>ℝ</m:t>
-                        </m:r>
-                      </m:e>
-                      <m:sup>
-                        <m:r>
-                          <a:rPr lang="en-US" b="0" i="1" smtClean="0">
-                            <a:latin typeface="Cambria Math" panose="02040503050406030204" pitchFamily="18" charset="0"/>
-                            <a:ea typeface="Cambria Math" panose="02040503050406030204" pitchFamily="18" charset="0"/>
-                          </a:rPr>
-                          <m:t>𝑄</m:t>
-                        </m:r>
-                        <m:r>
-                          <a:rPr lang="en-US" b="0" i="1" smtClean="0">
-                            <a:latin typeface="Cambria Math" panose="02040503050406030204" pitchFamily="18" charset="0"/>
-                            <a:ea typeface="Cambria Math" panose="02040503050406030204" pitchFamily="18" charset="0"/>
-                          </a:rPr>
-                          <m:t>+1</m:t>
-                        </m:r>
-                      </m:sup>
-                    </m:sSup>
-                  </m:oMath>
-                </a14:m>
-                <a:endParaRPr lang="en-US" b="1" dirty="0"/>
-              </a:p>
-            </p:txBody>
-          </p:sp>
-        </mc:Choice>
-        <mc:Fallback xmlns="">
-          <p:sp>
-            <p:nvSpPr>
-              <p:cNvPr id="3" name="Content Placeholder 2"/>
-              <p:cNvSpPr>
-                <a:spLocks noGrp="1" noRot="1" noChangeAspect="1" noMove="1" noResize="1" noEditPoints="1" noAdjustHandles="1" noChangeArrowheads="1" noChangeShapeType="1" noTextEdit="1"/>
-              </p:cNvSpPr>
-              <p:nvPr>
-                <p:ph idx="1"/>
-              </p:nvPr>
-            </p:nvSpPr>
-            <p:spPr>
-              <a:blipFill rotWithShape="0">
-                <a:blip r:embed="rId2"/>
-                <a:stretch>
-                  <a:fillRect l="-479" t="-806"/>
-                </a:stretch>
-              </a:blipFill>
-            </p:spPr>
-            <p:txBody>
-              <a:bodyPr/>
-              <a:lstStyle/>
-              <a:p>
-                <a:r>
-                  <a:rPr lang="en-US">
-                    <a:noFill/>
-                  </a:rPr>
-                  <a:t> </a:t>
-                </a:r>
-              </a:p>
-            </p:txBody>
-          </p:sp>
-        </mc:Fallback>
-      </mc:AlternateContent>
-      <p:pic>
-        <p:nvPicPr>
-          <p:cNvPr id="4" name="Picture 3"/>
-          <p:cNvPicPr>
-            <a:picLocks noChangeAspect="1"/>
-          </p:cNvPicPr>
-          <p:nvPr/>
-        </p:nvPicPr>
-        <p:blipFill>
-          <a:blip r:embed="rId3"/>
-          <a:stretch>
-            <a:fillRect/>
-          </a:stretch>
-        </p:blipFill>
-        <p:spPr>
-          <a:xfrm>
-            <a:off x="3252697" y="2582172"/>
-            <a:ext cx="5934435" cy="3813820"/>
-          </a:xfrm>
-          <a:prstGeom prst="rect">
-            <a:avLst/>
-          </a:prstGeom>
-        </p:spPr>
-      </p:pic>
-    </p:spTree>
-    <p:extLst>
-      <p:ext uri="{BB962C8B-B14F-4D97-AF65-F5344CB8AC3E}">
-        <p14:creationId xmlns:p14="http://schemas.microsoft.com/office/powerpoint/2010/main" val="4082355501"/>
-      </p:ext>
-    </p:extLst>
-  </p:cSld>
-  <p:clrMapOvr>
-    <a:masterClrMapping/>
-  </p:clrMapOvr>
-  <p:timing>
-    <p:tnLst>
-      <p:par>
-        <p:cTn id="1" dur="indefinite" restart="never" nodeType="tmRoot"/>
-      </p:par>
-    </p:tnLst>
-  </p:timing>
-</p:sld>
-</file>
-
-<file path=ppt/slides/slide22.xml><?xml version="1.0" encoding="utf-8"?>
-<p:sld xmlns:a="http://schemas.openxmlformats.org/drawingml/2006/main" xmlns:r="http://schemas.openxmlformats.org/officeDocument/2006/relationships" xmlns:p="http://schemas.openxmlformats.org/presentationml/2006/main">
-  <p:cSld>
-    <p:spTree>
-      <p:nvGrpSpPr>
-        <p:cNvPr id="1" name=""/>
-        <p:cNvGrpSpPr/>
-        <p:nvPr/>
-      </p:nvGrpSpPr>
-      <p:grpSpPr>
-        <a:xfrm>
-          <a:off x="0" y="0"/>
-          <a:ext cx="0" cy="0"/>
-          <a:chOff x="0" y="0"/>
-          <a:chExt cx="0" cy="0"/>
-        </a:xfrm>
-      </p:grpSpPr>
-      <p:sp>
-        <p:nvSpPr>
-          <p:cNvPr id="2" name="Title 1"/>
-          <p:cNvSpPr>
-            <a:spLocks noGrp="1"/>
-          </p:cNvSpPr>
-          <p:nvPr>
-            <p:ph type="title"/>
-          </p:nvPr>
-        </p:nvSpPr>
-        <p:spPr/>
-        <p:txBody>
-          <a:bodyPr/>
-          <a:lstStyle/>
-          <a:p>
-            <a:pPr algn="ctr"/>
-            <a:r>
-              <a:rPr lang="en-US" altLang="zh-CN" dirty="0" smtClean="0"/>
-              <a:t>Object Function &amp; Optimization</a:t>
-            </a:r>
-            <a:endParaRPr lang="en-US" dirty="0"/>
-          </a:p>
-        </p:txBody>
-      </p:sp>
-      <mc:AlternateContent xmlns:mc="http://schemas.openxmlformats.org/markup-compatibility/2006">
-        <mc:Choice xmlns:a14="http://schemas.microsoft.com/office/drawing/2010/main" Requires="a14">
           <p:sp>
             <p:nvSpPr>
               <p:cNvPr id="3" name="Content Placeholder 2"/>
@@ -11191,7 +11313,7 @@
             </p:spPr>
             <p:txBody>
               <a:bodyPr>
-                <a:normAutofit fontScale="77500" lnSpcReduction="20000"/>
+                <a:normAutofit fontScale="70000" lnSpcReduction="20000"/>
               </a:bodyPr>
               <a:lstStyle/>
               <a:p>
@@ -12230,11 +12352,7 @@
                 </a:pPr>
                 <a:r>
                   <a:rPr lang="en-US" dirty="0" smtClean="0"/>
-                  <a:t>Optimization</a:t>
-                </a:r>
-                <a:r>
-                  <a:rPr lang="en-US" dirty="0" smtClean="0"/>
-                  <a:t>:</a:t>
+                  <a:t>Optimization:</a:t>
                 </a:r>
                 <a14:m>
                   <m:oMath xmlns:m="http://schemas.openxmlformats.org/officeDocument/2006/math">
@@ -12334,7 +12452,7 @@
             </p:txBody>
           </p:sp>
         </mc:Choice>
-        <mc:Fallback>
+        <mc:Fallback xmlns="">
           <p:sp>
             <p:nvSpPr>
               <p:cNvPr id="3" name="Content Placeholder 2"/>
@@ -12372,6 +12490,29 @@
           </p:sp>
         </mc:Fallback>
       </mc:AlternateContent>
+      <p:sp>
+        <p:nvSpPr>
+          <p:cNvPr id="4" name="灯片编号占位符 3"/>
+          <p:cNvSpPr>
+            <a:spLocks noGrp="1"/>
+          </p:cNvSpPr>
+          <p:nvPr>
+            <p:ph type="sldNum" sz="quarter" idx="12"/>
+          </p:nvPr>
+        </p:nvSpPr>
+        <p:spPr/>
+        <p:txBody>
+          <a:bodyPr/>
+          <a:lstStyle/>
+          <a:p>
+            <a:fld id="{749988E2-50EA-4610-8EAB-6802264AE88B}" type="slidenum">
+              <a:rPr lang="en-US" smtClean="0"/>
+              <a:t>21</a:t>
+            </a:fld>
+            <a:endParaRPr lang="en-US"/>
+          </a:p>
+        </p:txBody>
+      </p:sp>
     </p:spTree>
     <p:extLst>
       <p:ext uri="{BB962C8B-B14F-4D97-AF65-F5344CB8AC3E}">
@@ -12392,7 +12533,7 @@
 </p:sld>
 </file>
 
-<file path=ppt/slides/slide23.xml><?xml version="1.0" encoding="utf-8"?>
+<file path=ppt/slides/slide22.xml><?xml version="1.0" encoding="utf-8"?>
 <p:sld xmlns:a="http://schemas.openxmlformats.org/drawingml/2006/main" xmlns:r="http://schemas.openxmlformats.org/officeDocument/2006/relationships" xmlns:p="http://schemas.openxmlformats.org/presentationml/2006/main">
   <p:cSld>
     <p:spTree>
@@ -12804,6 +12945,29 @@
           </a:extLst>
         </p:spPr>
       </p:pic>
+      <p:sp>
+        <p:nvSpPr>
+          <p:cNvPr id="7" name="灯片编号占位符 6"/>
+          <p:cNvSpPr>
+            <a:spLocks noGrp="1"/>
+          </p:cNvSpPr>
+          <p:nvPr>
+            <p:ph type="sldNum" sz="quarter" idx="12"/>
+          </p:nvPr>
+        </p:nvSpPr>
+        <p:spPr/>
+        <p:txBody>
+          <a:bodyPr/>
+          <a:lstStyle/>
+          <a:p>
+            <a:fld id="{749988E2-50EA-4610-8EAB-6802264AE88B}" type="slidenum">
+              <a:rPr lang="en-US" smtClean="0"/>
+              <a:t>22</a:t>
+            </a:fld>
+            <a:endParaRPr lang="en-US"/>
+          </a:p>
+        </p:txBody>
+      </p:sp>
     </p:spTree>
     <p:extLst>
       <p:ext uri="{BB962C8B-B14F-4D97-AF65-F5344CB8AC3E}">
@@ -12824,7 +12988,7 @@
 </p:sld>
 </file>
 
-<file path=ppt/slides/slide24.xml><?xml version="1.0" e